--- a/JS.pptx
+++ b/JS.pptx
@@ -12,6 +12,14 @@
     <p:sldId id="383" r:id="rId6"/>
     <p:sldId id="384" r:id="rId7"/>
     <p:sldId id="386" r:id="rId8"/>
+    <p:sldId id="387" r:id="rId9"/>
+    <p:sldId id="388" r:id="rId10"/>
+    <p:sldId id="389" r:id="rId11"/>
+    <p:sldId id="390" r:id="rId12"/>
+    <p:sldId id="392" r:id="rId13"/>
+    <p:sldId id="391" r:id="rId14"/>
+    <p:sldId id="393" r:id="rId15"/>
+    <p:sldId id="394" r:id="rId16"/>
   </p:sldIdLst>
   <p:sldSz cx="12192000" cy="6858000"/>
   <p:notesSz cx="12192000" cy="6858000"/>
@@ -268,7 +276,7 @@
           <a:p>
             <a:fld id="{1D8BD707-D9CF-40AE-B4C6-C98DA3205C09}" type="datetimeFigureOut">
               <a:rPr lang="en-US"/>
-              <a:t>10/8/2023</a:t>
+              <a:t>10/12/2023</a:t>
             </a:fld>
             <a:endParaRPr lang="en-US"/>
           </a:p>
@@ -445,7 +453,7 @@
           <a:p>
             <a:fld id="{1D8BD707-D9CF-40AE-B4C6-C98DA3205C09}" type="datetimeFigureOut">
               <a:rPr lang="en-US"/>
-              <a:t>10/8/2023</a:t>
+              <a:t>10/12/2023</a:t>
             </a:fld>
             <a:endParaRPr lang="en-US"/>
           </a:p>
@@ -659,7 +667,7 @@
           <a:p>
             <a:fld id="{1D8BD707-D9CF-40AE-B4C6-C98DA3205C09}" type="datetimeFigureOut">
               <a:rPr lang="en-US"/>
-              <a:t>10/8/2023</a:t>
+              <a:t>10/12/2023</a:t>
             </a:fld>
             <a:endParaRPr lang="en-US"/>
           </a:p>
@@ -807,7 +815,7 @@
           <a:p>
             <a:fld id="{1D8BD707-D9CF-40AE-B4C6-C98DA3205C09}" type="datetimeFigureOut">
               <a:rPr lang="en-US"/>
-              <a:t>10/8/2023</a:t>
+              <a:t>10/12/2023</a:t>
             </a:fld>
             <a:endParaRPr lang="en-US"/>
           </a:p>
@@ -934,7 +942,7 @@
           <a:p>
             <a:fld id="{1D8BD707-D9CF-40AE-B4C6-C98DA3205C09}" type="datetimeFigureOut">
               <a:rPr lang="en-US"/>
-              <a:t>10/8/2023</a:t>
+              <a:t>10/12/2023</a:t>
             </a:fld>
             <a:endParaRPr lang="en-US"/>
           </a:p>
@@ -1188,7 +1196,7 @@
           <a:p>
             <a:fld id="{1D8BD707-D9CF-40AE-B4C6-C98DA3205C09}" type="datetimeFigureOut">
               <a:rPr lang="en-US"/>
-              <a:t>10/8/2023</a:t>
+              <a:t>10/12/2023</a:t>
             </a:fld>
             <a:endParaRPr lang="en-US"/>
           </a:p>
@@ -1552,7 +1560,7 @@
         <p:spPr>
           <a:xfrm>
             <a:off x="1828800" y="2743200"/>
-            <a:ext cx="9027122" cy="1938992"/>
+            <a:ext cx="10287000" cy="3785652"/>
           </a:xfrm>
           <a:prstGeom prst="rect">
             <a:avLst/>
@@ -1575,12 +1583,2896 @@
               <a:t>Full Stack-Web Development - JS</a:t>
             </a:r>
           </a:p>
+          <a:p>
+            <a:endParaRPr lang="en-IN" sz="6000" dirty="0">
+              <a:solidFill>
+                <a:schemeClr val="bg2"/>
+              </a:solidFill>
+              <a:latin typeface="Amasis MT Pro Black" panose="020B0604020202020204" pitchFamily="18" charset="0"/>
+            </a:endParaRPr>
+          </a:p>
+          <a:p>
+            <a:r>
+              <a:rPr lang="en-IN" sz="6000" dirty="0">
+                <a:solidFill>
+                  <a:schemeClr val="bg2"/>
+                </a:solidFill>
+                <a:latin typeface="Amasis MT Pro Black" panose="020B0604020202020204" pitchFamily="18" charset="0"/>
+              </a:rPr>
+              <a:t>							</a:t>
+            </a:r>
+            <a:r>
+              <a:rPr lang="en-IN" sz="2000" dirty="0">
+                <a:solidFill>
+                  <a:schemeClr val="bg2"/>
+                </a:solidFill>
+                <a:latin typeface="Amasis MT Pro Black" panose="020B0604020202020204" pitchFamily="18" charset="0"/>
+              </a:rPr>
+              <a:t>	-by Sachin </a:t>
+            </a:r>
+            <a:r>
+              <a:rPr lang="en-IN" sz="2000" dirty="0" err="1">
+                <a:solidFill>
+                  <a:schemeClr val="bg2"/>
+                </a:solidFill>
+                <a:latin typeface="Amasis MT Pro Black" panose="020B0604020202020204" pitchFamily="18" charset="0"/>
+              </a:rPr>
+              <a:t>Barpanda</a:t>
+            </a:r>
+            <a:endParaRPr lang="en-IN" sz="6000" dirty="0">
+              <a:solidFill>
+                <a:schemeClr val="bg2"/>
+              </a:solidFill>
+              <a:latin typeface="Amasis MT Pro Black" panose="020B0604020202020204" pitchFamily="18" charset="0"/>
+            </a:endParaRPr>
+          </a:p>
         </p:txBody>
       </p:sp>
     </p:spTree>
     <p:extLst>
       <p:ext uri="{BB962C8B-B14F-4D97-AF65-F5344CB8AC3E}">
         <p14:creationId xmlns:p14="http://schemas.microsoft.com/office/powerpoint/2010/main" val="3921176882"/>
+      </p:ext>
+    </p:extLst>
+  </p:cSld>
+  <p:clrMapOvr>
+    <a:masterClrMapping/>
+  </p:clrMapOvr>
+</p:sld>
+</file>
+
+<file path=ppt/slides/slide10.xml><?xml version="1.0" encoding="utf-8"?>
+<p:sld xmlns:a="http://schemas.openxmlformats.org/drawingml/2006/main" xmlns:r="http://schemas.openxmlformats.org/officeDocument/2006/relationships" xmlns:p="http://schemas.openxmlformats.org/presentationml/2006/main">
+  <p:cSld>
+    <p:spTree>
+      <p:nvGrpSpPr>
+        <p:cNvPr id="1" name=""/>
+        <p:cNvGrpSpPr/>
+        <p:nvPr/>
+      </p:nvGrpSpPr>
+      <p:grpSpPr>
+        <a:xfrm>
+          <a:off x="0" y="0"/>
+          <a:ext cx="0" cy="0"/>
+          <a:chOff x="0" y="0"/>
+          <a:chExt cx="0" cy="0"/>
+        </a:xfrm>
+      </p:grpSpPr>
+      <p:sp>
+        <p:nvSpPr>
+          <p:cNvPr id="2" name="object 2"/>
+          <p:cNvSpPr/>
+          <p:nvPr/>
+        </p:nvSpPr>
+        <p:spPr>
+          <a:xfrm>
+            <a:off x="1" y="44199"/>
+            <a:ext cx="12191999" cy="7118601"/>
+          </a:xfrm>
+          <a:prstGeom prst="rect">
+            <a:avLst/>
+          </a:prstGeom>
+          <a:blipFill>
+            <a:blip r:embed="rId2" cstate="print"/>
+            <a:stretch>
+              <a:fillRect/>
+            </a:stretch>
+          </a:blipFill>
+        </p:spPr>
+        <p:txBody>
+          <a:bodyPr wrap="square" lIns="0" tIns="0" rIns="0" bIns="0" rtlCol="0"/>
+          <a:lstStyle/>
+          <a:p>
+            <a:endParaRPr b="1" dirty="0">
+              <a:ln w="13462">
+                <a:solidFill>
+                  <a:schemeClr val="bg1"/>
+                </a:solidFill>
+                <a:prstDash val="solid"/>
+              </a:ln>
+              <a:solidFill>
+                <a:schemeClr val="tx1">
+                  <a:lumMod val="85000"/>
+                  <a:lumOff val="15000"/>
+                </a:schemeClr>
+              </a:solidFill>
+              <a:effectLst>
+                <a:outerShdw dist="38100" dir="2700000" algn="bl" rotWithShape="0">
+                  <a:schemeClr val="accent5"/>
+                </a:outerShdw>
+              </a:effectLst>
+            </a:endParaRPr>
+          </a:p>
+        </p:txBody>
+      </p:sp>
+      <p:sp>
+        <p:nvSpPr>
+          <p:cNvPr id="3" name="object 3"/>
+          <p:cNvSpPr txBox="1">
+            <a:spLocks noGrp="1"/>
+          </p:cNvSpPr>
+          <p:nvPr>
+            <p:ph type="title"/>
+          </p:nvPr>
+        </p:nvSpPr>
+        <p:spPr>
+          <a:xfrm>
+            <a:off x="786485" y="457200"/>
+            <a:ext cx="8967115" cy="535403"/>
+          </a:xfrm>
+          <a:prstGeom prst="rect">
+            <a:avLst/>
+          </a:prstGeom>
+        </p:spPr>
+        <p:txBody>
+          <a:bodyPr vert="horz" wrap="square" lIns="0" tIns="12065" rIns="0" bIns="0" rtlCol="0">
+            <a:spAutoFit/>
+          </a:bodyPr>
+          <a:lstStyle/>
+          <a:p>
+            <a:pPr marL="12700">
+              <a:lnSpc>
+                <a:spcPct val="100000"/>
+              </a:lnSpc>
+              <a:spcBef>
+                <a:spcPts val="95"/>
+              </a:spcBef>
+            </a:pPr>
+            <a:r>
+              <a:rPr lang="en-US" sz="3400" dirty="0">
+                <a:latin typeface="Carlito"/>
+                <a:cs typeface="Carlito"/>
+              </a:rPr>
+              <a:t>More Number Game</a:t>
+            </a:r>
+            <a:endParaRPr sz="3400" dirty="0">
+              <a:latin typeface="Carlito"/>
+              <a:cs typeface="Carlito"/>
+            </a:endParaRPr>
+          </a:p>
+        </p:txBody>
+      </p:sp>
+      <p:sp>
+        <p:nvSpPr>
+          <p:cNvPr id="5" name="object 5"/>
+          <p:cNvSpPr/>
+          <p:nvPr/>
+        </p:nvSpPr>
+        <p:spPr>
+          <a:xfrm>
+            <a:off x="9816083" y="262127"/>
+            <a:ext cx="1976627" cy="822960"/>
+          </a:xfrm>
+          <a:prstGeom prst="rect">
+            <a:avLst/>
+          </a:prstGeom>
+          <a:blipFill>
+            <a:blip r:embed="rId3" cstate="print"/>
+            <a:stretch>
+              <a:fillRect/>
+            </a:stretch>
+          </a:blipFill>
+        </p:spPr>
+        <p:txBody>
+          <a:bodyPr wrap="square" lIns="0" tIns="0" rIns="0" bIns="0" rtlCol="0"/>
+          <a:lstStyle/>
+          <a:p>
+            <a:endParaRPr/>
+          </a:p>
+        </p:txBody>
+      </p:sp>
+      <p:sp>
+        <p:nvSpPr>
+          <p:cNvPr id="4" name="object 3">
+            <a:extLst>
+              <a:ext uri="{FF2B5EF4-FFF2-40B4-BE49-F238E27FC236}">
+                <a16:creationId xmlns:a16="http://schemas.microsoft.com/office/drawing/2014/main" id="{1ED9D45B-4B0D-FC76-3A8C-E89F6CD72254}"/>
+              </a:ext>
+            </a:extLst>
+          </p:cNvPr>
+          <p:cNvSpPr txBox="1">
+            <a:spLocks/>
+          </p:cNvSpPr>
+          <p:nvPr/>
+        </p:nvSpPr>
+        <p:spPr>
+          <a:xfrm>
+            <a:off x="762000" y="1143000"/>
+            <a:ext cx="11283579" cy="5052024"/>
+          </a:xfrm>
+          <a:prstGeom prst="rect">
+            <a:avLst/>
+          </a:prstGeom>
+        </p:spPr>
+        <p:txBody>
+          <a:bodyPr vert="horz" wrap="square" lIns="0" tIns="12065" rIns="0" bIns="0" rtlCol="0">
+            <a:spAutoFit/>
+          </a:bodyPr>
+          <a:lstStyle>
+            <a:lvl1pPr>
+              <a:defRPr sz="6000" b="0" i="0">
+                <a:solidFill>
+                  <a:srgbClr val="E7E6E6"/>
+                </a:solidFill>
+                <a:latin typeface="Trebuchet MS"/>
+                <a:ea typeface="+mj-ea"/>
+                <a:cs typeface="Trebuchet MS"/>
+              </a:defRPr>
+            </a:lvl1pPr>
+          </a:lstStyle>
+          <a:p>
+            <a:pPr marL="12700">
+              <a:spcBef>
+                <a:spcPts val="95"/>
+              </a:spcBef>
+            </a:pPr>
+            <a:r>
+              <a:rPr lang="en-US" sz="3200" kern="0" dirty="0" err="1">
+                <a:latin typeface="Carlito"/>
+                <a:cs typeface="Carlito"/>
+                <a:sym typeface="Wingdings" panose="05000000000000000000" pitchFamily="2" charset="2"/>
+              </a:rPr>
+              <a:t>typeof</a:t>
+            </a:r>
+            <a:r>
+              <a:rPr lang="en-US" sz="3200" kern="0" dirty="0">
+                <a:latin typeface="Carlito"/>
+                <a:cs typeface="Carlito"/>
+                <a:sym typeface="Wingdings" panose="05000000000000000000" pitchFamily="2" charset="2"/>
+              </a:rPr>
+              <a:t> : console.log(</a:t>
+            </a:r>
+            <a:r>
+              <a:rPr lang="en-US" sz="3200" kern="0" dirty="0" err="1">
+                <a:latin typeface="Carlito"/>
+                <a:cs typeface="Carlito"/>
+                <a:sym typeface="Wingdings" panose="05000000000000000000" pitchFamily="2" charset="2"/>
+              </a:rPr>
+              <a:t>typeof</a:t>
+            </a:r>
+            <a:r>
+              <a:rPr lang="en-US" sz="3200" kern="0" dirty="0">
+                <a:latin typeface="Carlito"/>
+                <a:cs typeface="Carlito"/>
+                <a:sym typeface="Wingdings" panose="05000000000000000000" pitchFamily="2" charset="2"/>
+              </a:rPr>
+              <a:t> 2) ;</a:t>
+            </a:r>
+          </a:p>
+          <a:p>
+            <a:pPr marL="12700">
+              <a:spcBef>
+                <a:spcPts val="95"/>
+              </a:spcBef>
+            </a:pPr>
+            <a:r>
+              <a:rPr lang="en-US" sz="3200" kern="0" dirty="0">
+                <a:latin typeface="Carlito"/>
+                <a:cs typeface="Carlito"/>
+                <a:sym typeface="Wingdings" panose="05000000000000000000" pitchFamily="2" charset="2"/>
+              </a:rPr>
+              <a:t>Ques : 1. 10/0=&gt;Infinity -10/0=&gt;?</a:t>
+            </a:r>
+          </a:p>
+          <a:p>
+            <a:pPr marL="12700">
+              <a:spcBef>
+                <a:spcPts val="95"/>
+              </a:spcBef>
+            </a:pPr>
+            <a:r>
+              <a:rPr lang="en-US" sz="3200" kern="0" dirty="0">
+                <a:latin typeface="Carlito"/>
+                <a:cs typeface="Carlito"/>
+                <a:sym typeface="Wingdings" panose="05000000000000000000" pitchFamily="2" charset="2"/>
+              </a:rPr>
+              <a:t>	2. 0/0 =&gt; ? </a:t>
+            </a:r>
+          </a:p>
+          <a:p>
+            <a:pPr marL="12700">
+              <a:spcBef>
+                <a:spcPts val="95"/>
+              </a:spcBef>
+            </a:pPr>
+            <a:r>
+              <a:rPr lang="en-US" sz="3200" kern="0" dirty="0">
+                <a:latin typeface="Carlito"/>
+                <a:cs typeface="Carlito"/>
+                <a:sym typeface="Wingdings" panose="05000000000000000000" pitchFamily="2" charset="2"/>
+              </a:rPr>
+              <a:t>	3. </a:t>
+            </a:r>
+            <a:r>
+              <a:rPr lang="en-US" sz="3200" kern="0" dirty="0" err="1">
+                <a:latin typeface="Carlito"/>
+                <a:cs typeface="Carlito"/>
+                <a:sym typeface="Wingdings" panose="05000000000000000000" pitchFamily="2" charset="2"/>
+              </a:rPr>
+              <a:t>typeof</a:t>
+            </a:r>
+            <a:r>
+              <a:rPr lang="en-US" sz="3200" kern="0" dirty="0">
+                <a:latin typeface="Carlito"/>
+                <a:cs typeface="Carlito"/>
+                <a:sym typeface="Wingdings" panose="05000000000000000000" pitchFamily="2" charset="2"/>
+              </a:rPr>
+              <a:t>(</a:t>
+            </a:r>
+            <a:r>
+              <a:rPr lang="en-US" sz="3200" kern="0" dirty="0" err="1">
+                <a:latin typeface="Carlito"/>
+                <a:cs typeface="Carlito"/>
+                <a:sym typeface="Wingdings" panose="05000000000000000000" pitchFamily="2" charset="2"/>
+              </a:rPr>
+              <a:t>NaN</a:t>
+            </a:r>
+            <a:r>
+              <a:rPr lang="en-US" sz="3200" kern="0" dirty="0">
+                <a:latin typeface="Carlito"/>
+                <a:cs typeface="Carlito"/>
+                <a:sym typeface="Wingdings" panose="05000000000000000000" pitchFamily="2" charset="2"/>
+              </a:rPr>
+              <a:t>) =&gt; ?</a:t>
+            </a:r>
+          </a:p>
+          <a:p>
+            <a:pPr marL="12700">
+              <a:spcBef>
+                <a:spcPts val="95"/>
+              </a:spcBef>
+            </a:pPr>
+            <a:endParaRPr lang="en-US" sz="3200" kern="0" dirty="0">
+              <a:latin typeface="Carlito"/>
+              <a:cs typeface="Carlito"/>
+              <a:sym typeface="Wingdings" panose="05000000000000000000" pitchFamily="2" charset="2"/>
+            </a:endParaRPr>
+          </a:p>
+          <a:p>
+            <a:pPr marL="12700">
+              <a:spcBef>
+                <a:spcPts val="95"/>
+              </a:spcBef>
+            </a:pPr>
+            <a:r>
+              <a:rPr lang="en-US" sz="3200" u="sng" kern="0" dirty="0">
+                <a:latin typeface="Carlito"/>
+                <a:cs typeface="Carlito"/>
+                <a:sym typeface="Wingdings" panose="05000000000000000000" pitchFamily="2" charset="2"/>
+              </a:rPr>
+              <a:t>Math Functions :</a:t>
+            </a:r>
+            <a:r>
+              <a:rPr lang="en-US" sz="3200" kern="0" dirty="0">
+                <a:latin typeface="Carlito"/>
+                <a:cs typeface="Carlito"/>
+                <a:sym typeface="Wingdings" panose="05000000000000000000" pitchFamily="2" charset="2"/>
+              </a:rPr>
+              <a:t> PI , E , .sqrt(25) , .min(3,4,1) , .max(4,6,1) ,</a:t>
+            </a:r>
+          </a:p>
+          <a:p>
+            <a:pPr marL="12700">
+              <a:spcBef>
+                <a:spcPts val="95"/>
+              </a:spcBef>
+            </a:pPr>
+            <a:r>
+              <a:rPr lang="en-US" sz="3200" kern="0" dirty="0">
+                <a:latin typeface="Carlito"/>
+                <a:cs typeface="Carlito"/>
+                <a:sym typeface="Wingdings" panose="05000000000000000000" pitchFamily="2" charset="2"/>
+              </a:rPr>
+              <a:t>			 .round(10.5), .floor(10.2) , .ceil(10.2) </a:t>
+            </a:r>
+          </a:p>
+          <a:p>
+            <a:pPr marL="12700">
+              <a:spcBef>
+                <a:spcPts val="95"/>
+              </a:spcBef>
+            </a:pPr>
+            <a:r>
+              <a:rPr lang="en-US" sz="3200" kern="0" dirty="0" err="1">
+                <a:latin typeface="Carlito"/>
+                <a:cs typeface="Carlito"/>
+                <a:sym typeface="Wingdings" panose="05000000000000000000" pitchFamily="2" charset="2"/>
+              </a:rPr>
+              <a:t>Math.random</a:t>
+            </a:r>
+            <a:r>
+              <a:rPr lang="en-US" sz="3200" kern="0" dirty="0">
+                <a:latin typeface="Carlito"/>
+                <a:cs typeface="Carlito"/>
+                <a:sym typeface="Wingdings" panose="05000000000000000000" pitchFamily="2" charset="2"/>
+              </a:rPr>
+              <a:t>() =&gt; range from (0,1) </a:t>
+            </a:r>
+          </a:p>
+          <a:p>
+            <a:pPr marL="12700">
+              <a:spcBef>
+                <a:spcPts val="95"/>
+              </a:spcBef>
+            </a:pPr>
+            <a:endParaRPr lang="en-US" sz="3200" kern="0" dirty="0">
+              <a:latin typeface="Carlito"/>
+              <a:cs typeface="Carlito"/>
+              <a:sym typeface="Wingdings" panose="05000000000000000000" pitchFamily="2" charset="2"/>
+            </a:endParaRPr>
+          </a:p>
+          <a:p>
+            <a:pPr marL="12700">
+              <a:spcBef>
+                <a:spcPts val="95"/>
+              </a:spcBef>
+            </a:pPr>
+            <a:r>
+              <a:rPr lang="en-US" sz="3200" kern="0" dirty="0">
+                <a:latin typeface="Carlito"/>
+                <a:cs typeface="Carlito"/>
+                <a:sym typeface="Wingdings" panose="05000000000000000000" pitchFamily="2" charset="2"/>
+              </a:rPr>
+              <a:t>Ques(DIY): Use this function to generate number between 22 - 26.</a:t>
+            </a:r>
+          </a:p>
+        </p:txBody>
+      </p:sp>
+      <p:sp>
+        <p:nvSpPr>
+          <p:cNvPr id="7" name="TextBox 6">
+            <a:extLst>
+              <a:ext uri="{FF2B5EF4-FFF2-40B4-BE49-F238E27FC236}">
+                <a16:creationId xmlns:a16="http://schemas.microsoft.com/office/drawing/2014/main" id="{C2428796-F632-00B4-E484-CA738D260150}"/>
+              </a:ext>
+            </a:extLst>
+          </p:cNvPr>
+          <p:cNvSpPr txBox="1"/>
+          <p:nvPr/>
+        </p:nvSpPr>
+        <p:spPr>
+          <a:xfrm>
+            <a:off x="685800" y="4323186"/>
+            <a:ext cx="7086600" cy="707886"/>
+          </a:xfrm>
+          <a:prstGeom prst="rect">
+            <a:avLst/>
+          </a:prstGeom>
+          <a:noFill/>
+        </p:spPr>
+        <p:txBody>
+          <a:bodyPr wrap="square" rtlCol="0">
+            <a:spAutoFit/>
+          </a:bodyPr>
+          <a:lstStyle/>
+          <a:p>
+            <a:endParaRPr lang="en-IN" sz="4000" dirty="0">
+              <a:solidFill>
+                <a:schemeClr val="bg1"/>
+              </a:solidFill>
+            </a:endParaRPr>
+          </a:p>
+        </p:txBody>
+      </p:sp>
+    </p:spTree>
+    <p:extLst>
+      <p:ext uri="{BB962C8B-B14F-4D97-AF65-F5344CB8AC3E}">
+        <p14:creationId xmlns:p14="http://schemas.microsoft.com/office/powerpoint/2010/main" val="1307551898"/>
+      </p:ext>
+    </p:extLst>
+  </p:cSld>
+  <p:clrMapOvr>
+    <a:masterClrMapping/>
+  </p:clrMapOvr>
+</p:sld>
+</file>
+
+<file path=ppt/slides/slide11.xml><?xml version="1.0" encoding="utf-8"?>
+<p:sld xmlns:a="http://schemas.openxmlformats.org/drawingml/2006/main" xmlns:r="http://schemas.openxmlformats.org/officeDocument/2006/relationships" xmlns:p="http://schemas.openxmlformats.org/presentationml/2006/main">
+  <p:cSld>
+    <p:spTree>
+      <p:nvGrpSpPr>
+        <p:cNvPr id="1" name=""/>
+        <p:cNvGrpSpPr/>
+        <p:nvPr/>
+      </p:nvGrpSpPr>
+      <p:grpSpPr>
+        <a:xfrm>
+          <a:off x="0" y="0"/>
+          <a:ext cx="0" cy="0"/>
+          <a:chOff x="0" y="0"/>
+          <a:chExt cx="0" cy="0"/>
+        </a:xfrm>
+      </p:grpSpPr>
+      <p:sp>
+        <p:nvSpPr>
+          <p:cNvPr id="2" name="object 2"/>
+          <p:cNvSpPr/>
+          <p:nvPr/>
+        </p:nvSpPr>
+        <p:spPr>
+          <a:xfrm>
+            <a:off x="1" y="44199"/>
+            <a:ext cx="12191999" cy="7118601"/>
+          </a:xfrm>
+          <a:prstGeom prst="rect">
+            <a:avLst/>
+          </a:prstGeom>
+          <a:blipFill>
+            <a:blip r:embed="rId2" cstate="print"/>
+            <a:stretch>
+              <a:fillRect/>
+            </a:stretch>
+          </a:blipFill>
+        </p:spPr>
+        <p:txBody>
+          <a:bodyPr wrap="square" lIns="0" tIns="0" rIns="0" bIns="0" rtlCol="0"/>
+          <a:lstStyle/>
+          <a:p>
+            <a:endParaRPr b="1" dirty="0">
+              <a:ln w="13462">
+                <a:solidFill>
+                  <a:schemeClr val="bg1"/>
+                </a:solidFill>
+                <a:prstDash val="solid"/>
+              </a:ln>
+              <a:solidFill>
+                <a:schemeClr val="tx1">
+                  <a:lumMod val="85000"/>
+                  <a:lumOff val="15000"/>
+                </a:schemeClr>
+              </a:solidFill>
+              <a:effectLst>
+                <a:outerShdw dist="38100" dir="2700000" algn="bl" rotWithShape="0">
+                  <a:schemeClr val="accent5"/>
+                </a:outerShdw>
+              </a:effectLst>
+            </a:endParaRPr>
+          </a:p>
+        </p:txBody>
+      </p:sp>
+      <p:sp>
+        <p:nvSpPr>
+          <p:cNvPr id="3" name="object 3"/>
+          <p:cNvSpPr txBox="1">
+            <a:spLocks noGrp="1"/>
+          </p:cNvSpPr>
+          <p:nvPr>
+            <p:ph type="title"/>
+          </p:nvPr>
+        </p:nvSpPr>
+        <p:spPr>
+          <a:xfrm>
+            <a:off x="786485" y="457200"/>
+            <a:ext cx="8967115" cy="535403"/>
+          </a:xfrm>
+          <a:prstGeom prst="rect">
+            <a:avLst/>
+          </a:prstGeom>
+        </p:spPr>
+        <p:txBody>
+          <a:bodyPr vert="horz" wrap="square" lIns="0" tIns="12065" rIns="0" bIns="0" rtlCol="0">
+            <a:spAutoFit/>
+          </a:bodyPr>
+          <a:lstStyle/>
+          <a:p>
+            <a:pPr marL="12700">
+              <a:lnSpc>
+                <a:spcPct val="100000"/>
+              </a:lnSpc>
+              <a:spcBef>
+                <a:spcPts val="95"/>
+              </a:spcBef>
+            </a:pPr>
+            <a:r>
+              <a:rPr lang="en-US" sz="3400" dirty="0">
+                <a:latin typeface="Carlito"/>
+                <a:cs typeface="Carlito"/>
+              </a:rPr>
+              <a:t>Conditionals</a:t>
+            </a:r>
+            <a:endParaRPr sz="3400" dirty="0">
+              <a:latin typeface="Carlito"/>
+              <a:cs typeface="Carlito"/>
+            </a:endParaRPr>
+          </a:p>
+        </p:txBody>
+      </p:sp>
+      <p:sp>
+        <p:nvSpPr>
+          <p:cNvPr id="5" name="object 5"/>
+          <p:cNvSpPr/>
+          <p:nvPr/>
+        </p:nvSpPr>
+        <p:spPr>
+          <a:xfrm>
+            <a:off x="9816083" y="262127"/>
+            <a:ext cx="1976627" cy="822960"/>
+          </a:xfrm>
+          <a:prstGeom prst="rect">
+            <a:avLst/>
+          </a:prstGeom>
+          <a:blipFill>
+            <a:blip r:embed="rId3" cstate="print"/>
+            <a:stretch>
+              <a:fillRect/>
+            </a:stretch>
+          </a:blipFill>
+        </p:spPr>
+        <p:txBody>
+          <a:bodyPr wrap="square" lIns="0" tIns="0" rIns="0" bIns="0" rtlCol="0"/>
+          <a:lstStyle/>
+          <a:p>
+            <a:endParaRPr/>
+          </a:p>
+        </p:txBody>
+      </p:sp>
+      <p:sp>
+        <p:nvSpPr>
+          <p:cNvPr id="4" name="object 3">
+            <a:extLst>
+              <a:ext uri="{FF2B5EF4-FFF2-40B4-BE49-F238E27FC236}">
+                <a16:creationId xmlns:a16="http://schemas.microsoft.com/office/drawing/2014/main" id="{1ED9D45B-4B0D-FC76-3A8C-E89F6CD72254}"/>
+              </a:ext>
+            </a:extLst>
+          </p:cNvPr>
+          <p:cNvSpPr txBox="1">
+            <a:spLocks/>
+          </p:cNvSpPr>
+          <p:nvPr/>
+        </p:nvSpPr>
+        <p:spPr>
+          <a:xfrm>
+            <a:off x="762000" y="1143000"/>
+            <a:ext cx="11283579" cy="5557291"/>
+          </a:xfrm>
+          <a:prstGeom prst="rect">
+            <a:avLst/>
+          </a:prstGeom>
+        </p:spPr>
+        <p:txBody>
+          <a:bodyPr vert="horz" wrap="square" lIns="0" tIns="12065" rIns="0" bIns="0" rtlCol="0">
+            <a:spAutoFit/>
+          </a:bodyPr>
+          <a:lstStyle>
+            <a:lvl1pPr>
+              <a:defRPr sz="6000" b="0" i="0">
+                <a:solidFill>
+                  <a:srgbClr val="E7E6E6"/>
+                </a:solidFill>
+                <a:latin typeface="Trebuchet MS"/>
+                <a:ea typeface="+mj-ea"/>
+                <a:cs typeface="Trebuchet MS"/>
+              </a:defRPr>
+            </a:lvl1pPr>
+          </a:lstStyle>
+          <a:p>
+            <a:pPr marL="12700">
+              <a:spcBef>
+                <a:spcPts val="95"/>
+              </a:spcBef>
+            </a:pPr>
+            <a:r>
+              <a:rPr lang="en-US" sz="3200" kern="0" dirty="0">
+                <a:latin typeface="Carlito"/>
+                <a:cs typeface="Carlito"/>
+                <a:sym typeface="Wingdings" panose="05000000000000000000" pitchFamily="2" charset="2"/>
+              </a:rPr>
+              <a:t>if(conditions) {				{  } -&gt; Block</a:t>
+            </a:r>
+          </a:p>
+          <a:p>
+            <a:pPr marL="12700">
+              <a:spcBef>
+                <a:spcPts val="95"/>
+              </a:spcBef>
+            </a:pPr>
+            <a:r>
+              <a:rPr lang="en-US" sz="3200" kern="0" dirty="0">
+                <a:latin typeface="Carlito"/>
+                <a:cs typeface="Carlito"/>
+                <a:sym typeface="Wingdings" panose="05000000000000000000" pitchFamily="2" charset="2"/>
+              </a:rPr>
+              <a:t>//true condition</a:t>
+            </a:r>
+          </a:p>
+          <a:p>
+            <a:pPr marL="12700">
+              <a:spcBef>
+                <a:spcPts val="95"/>
+              </a:spcBef>
+            </a:pPr>
+            <a:r>
+              <a:rPr lang="en-US" sz="3200" kern="0" dirty="0">
+                <a:latin typeface="Carlito"/>
+                <a:cs typeface="Carlito"/>
+                <a:sym typeface="Wingdings" panose="05000000000000000000" pitchFamily="2" charset="2"/>
+              </a:rPr>
+              <a:t>}else if(2</a:t>
+            </a:r>
+            <a:r>
+              <a:rPr lang="en-US" sz="3200" kern="0" baseline="30000" dirty="0">
+                <a:latin typeface="Carlito"/>
+                <a:cs typeface="Carlito"/>
+                <a:sym typeface="Wingdings" panose="05000000000000000000" pitchFamily="2" charset="2"/>
+              </a:rPr>
+              <a:t>nd</a:t>
+            </a:r>
+            <a:r>
+              <a:rPr lang="en-US" sz="3200" kern="0" dirty="0">
+                <a:latin typeface="Carlito"/>
+                <a:cs typeface="Carlito"/>
+                <a:sym typeface="Wingdings" panose="05000000000000000000" pitchFamily="2" charset="2"/>
+              </a:rPr>
+              <a:t> conditions ){</a:t>
+            </a:r>
+          </a:p>
+          <a:p>
+            <a:pPr marL="12700">
+              <a:spcBef>
+                <a:spcPts val="95"/>
+              </a:spcBef>
+            </a:pPr>
+            <a:r>
+              <a:rPr lang="en-US" sz="3200" kern="0" dirty="0">
+                <a:latin typeface="Carlito"/>
+                <a:cs typeface="Carlito"/>
+                <a:sym typeface="Wingdings" panose="05000000000000000000" pitchFamily="2" charset="2"/>
+              </a:rPr>
+              <a:t>//true 2</a:t>
+            </a:r>
+            <a:r>
+              <a:rPr lang="en-US" sz="3200" kern="0" baseline="30000" dirty="0">
+                <a:latin typeface="Carlito"/>
+                <a:cs typeface="Carlito"/>
+                <a:sym typeface="Wingdings" panose="05000000000000000000" pitchFamily="2" charset="2"/>
+              </a:rPr>
+              <a:t>nd</a:t>
+            </a:r>
+            <a:r>
+              <a:rPr lang="en-US" sz="3200" kern="0" dirty="0">
+                <a:latin typeface="Carlito"/>
+                <a:cs typeface="Carlito"/>
+                <a:sym typeface="Wingdings" panose="05000000000000000000" pitchFamily="2" charset="2"/>
+              </a:rPr>
+              <a:t> condition</a:t>
+            </a:r>
+          </a:p>
+          <a:p>
+            <a:pPr marL="12700">
+              <a:spcBef>
+                <a:spcPts val="95"/>
+              </a:spcBef>
+            </a:pPr>
+            <a:r>
+              <a:rPr lang="en-US" sz="3200" kern="0" dirty="0">
+                <a:latin typeface="Carlito"/>
+                <a:cs typeface="Carlito"/>
+                <a:sym typeface="Wingdings" panose="05000000000000000000" pitchFamily="2" charset="2"/>
+              </a:rPr>
+              <a:t>}else{</a:t>
+            </a:r>
+          </a:p>
+          <a:p>
+            <a:pPr marL="12700">
+              <a:spcBef>
+                <a:spcPts val="95"/>
+              </a:spcBef>
+            </a:pPr>
+            <a:r>
+              <a:rPr lang="en-US" sz="3200" kern="0" dirty="0">
+                <a:latin typeface="Carlito"/>
+                <a:cs typeface="Carlito"/>
+                <a:sym typeface="Wingdings" panose="05000000000000000000" pitchFamily="2" charset="2"/>
+              </a:rPr>
+              <a:t>//all conditions false</a:t>
+            </a:r>
+          </a:p>
+          <a:p>
+            <a:pPr marL="12700">
+              <a:spcBef>
+                <a:spcPts val="95"/>
+              </a:spcBef>
+            </a:pPr>
+            <a:r>
+              <a:rPr lang="en-US" sz="3200" kern="0" dirty="0">
+                <a:latin typeface="Carlito"/>
+                <a:cs typeface="Carlito"/>
+                <a:sym typeface="Wingdings" panose="05000000000000000000" pitchFamily="2" charset="2"/>
+              </a:rPr>
+              <a:t>}</a:t>
+            </a:r>
+          </a:p>
+          <a:p>
+            <a:pPr marL="12700">
+              <a:spcBef>
+                <a:spcPts val="95"/>
+              </a:spcBef>
+            </a:pPr>
+            <a:endParaRPr lang="en-US" sz="3200" kern="0" dirty="0">
+              <a:latin typeface="Carlito"/>
+              <a:cs typeface="Carlito"/>
+              <a:sym typeface="Wingdings" panose="05000000000000000000" pitchFamily="2" charset="2"/>
+            </a:endParaRPr>
+          </a:p>
+          <a:p>
+            <a:pPr marL="12700">
+              <a:spcBef>
+                <a:spcPts val="95"/>
+              </a:spcBef>
+            </a:pPr>
+            <a:r>
+              <a:rPr lang="en-US" sz="3200" kern="0" dirty="0">
+                <a:latin typeface="Carlito"/>
+                <a:cs typeface="Carlito"/>
+                <a:sym typeface="Wingdings" panose="05000000000000000000" pitchFamily="2" charset="2"/>
+              </a:rPr>
+              <a:t>Logical Operators : and(&amp;&amp;),  or(||) , not(!)</a:t>
+            </a:r>
+          </a:p>
+          <a:p>
+            <a:pPr marL="12700">
+              <a:spcBef>
+                <a:spcPts val="95"/>
+              </a:spcBef>
+            </a:pPr>
+            <a:r>
+              <a:rPr lang="en-US" sz="3200" kern="0" dirty="0">
+                <a:latin typeface="Carlito"/>
+                <a:cs typeface="Carlito"/>
+                <a:sym typeface="Wingdings" panose="05000000000000000000" pitchFamily="2" charset="2"/>
+              </a:rPr>
+              <a:t>Relational Operators : != , !== , == , === , &gt; , &lt; , =&lt; , &gt;=  </a:t>
+            </a:r>
+          </a:p>
+          <a:p>
+            <a:pPr marL="12700">
+              <a:spcBef>
+                <a:spcPts val="95"/>
+              </a:spcBef>
+            </a:pPr>
+            <a:endParaRPr lang="en-US" sz="3200" kern="0" dirty="0">
+              <a:latin typeface="Carlito"/>
+              <a:cs typeface="Carlito"/>
+              <a:sym typeface="Wingdings" panose="05000000000000000000" pitchFamily="2" charset="2"/>
+            </a:endParaRPr>
+          </a:p>
+        </p:txBody>
+      </p:sp>
+      <p:sp>
+        <p:nvSpPr>
+          <p:cNvPr id="7" name="TextBox 6">
+            <a:extLst>
+              <a:ext uri="{FF2B5EF4-FFF2-40B4-BE49-F238E27FC236}">
+                <a16:creationId xmlns:a16="http://schemas.microsoft.com/office/drawing/2014/main" id="{C2428796-F632-00B4-E484-CA738D260150}"/>
+              </a:ext>
+            </a:extLst>
+          </p:cNvPr>
+          <p:cNvSpPr txBox="1"/>
+          <p:nvPr/>
+        </p:nvSpPr>
+        <p:spPr>
+          <a:xfrm>
+            <a:off x="685800" y="4323186"/>
+            <a:ext cx="7086600" cy="707886"/>
+          </a:xfrm>
+          <a:prstGeom prst="rect">
+            <a:avLst/>
+          </a:prstGeom>
+          <a:noFill/>
+        </p:spPr>
+        <p:txBody>
+          <a:bodyPr wrap="square" rtlCol="0">
+            <a:spAutoFit/>
+          </a:bodyPr>
+          <a:lstStyle/>
+          <a:p>
+            <a:endParaRPr lang="en-IN" sz="4000" dirty="0">
+              <a:solidFill>
+                <a:schemeClr val="bg1"/>
+              </a:solidFill>
+            </a:endParaRPr>
+          </a:p>
+        </p:txBody>
+      </p:sp>
+    </p:spTree>
+    <p:extLst>
+      <p:ext uri="{BB962C8B-B14F-4D97-AF65-F5344CB8AC3E}">
+        <p14:creationId xmlns:p14="http://schemas.microsoft.com/office/powerpoint/2010/main" val="2410471770"/>
+      </p:ext>
+    </p:extLst>
+  </p:cSld>
+  <p:clrMapOvr>
+    <a:masterClrMapping/>
+  </p:clrMapOvr>
+</p:sld>
+</file>
+
+<file path=ppt/slides/slide12.xml><?xml version="1.0" encoding="utf-8"?>
+<p:sld xmlns:a="http://schemas.openxmlformats.org/drawingml/2006/main" xmlns:r="http://schemas.openxmlformats.org/officeDocument/2006/relationships" xmlns:p="http://schemas.openxmlformats.org/presentationml/2006/main">
+  <p:cSld>
+    <p:spTree>
+      <p:nvGrpSpPr>
+        <p:cNvPr id="1" name=""/>
+        <p:cNvGrpSpPr/>
+        <p:nvPr/>
+      </p:nvGrpSpPr>
+      <p:grpSpPr>
+        <a:xfrm>
+          <a:off x="0" y="0"/>
+          <a:ext cx="0" cy="0"/>
+          <a:chOff x="0" y="0"/>
+          <a:chExt cx="0" cy="0"/>
+        </a:xfrm>
+      </p:grpSpPr>
+      <p:sp>
+        <p:nvSpPr>
+          <p:cNvPr id="2" name="object 2"/>
+          <p:cNvSpPr/>
+          <p:nvPr/>
+        </p:nvSpPr>
+        <p:spPr>
+          <a:xfrm>
+            <a:off x="1" y="-152400"/>
+            <a:ext cx="12191999" cy="7118601"/>
+          </a:xfrm>
+          <a:prstGeom prst="rect">
+            <a:avLst/>
+          </a:prstGeom>
+          <a:blipFill>
+            <a:blip r:embed="rId2" cstate="print"/>
+            <a:stretch>
+              <a:fillRect/>
+            </a:stretch>
+          </a:blipFill>
+        </p:spPr>
+        <p:txBody>
+          <a:bodyPr wrap="square" lIns="0" tIns="0" rIns="0" bIns="0" rtlCol="0"/>
+          <a:lstStyle/>
+          <a:p>
+            <a:endParaRPr b="1" dirty="0">
+              <a:ln w="13462">
+                <a:solidFill>
+                  <a:schemeClr val="bg1"/>
+                </a:solidFill>
+                <a:prstDash val="solid"/>
+              </a:ln>
+              <a:solidFill>
+                <a:schemeClr val="tx1">
+                  <a:lumMod val="85000"/>
+                  <a:lumOff val="15000"/>
+                </a:schemeClr>
+              </a:solidFill>
+              <a:effectLst>
+                <a:outerShdw dist="38100" dir="2700000" algn="bl" rotWithShape="0">
+                  <a:schemeClr val="accent5"/>
+                </a:outerShdw>
+              </a:effectLst>
+            </a:endParaRPr>
+          </a:p>
+        </p:txBody>
+      </p:sp>
+      <p:sp>
+        <p:nvSpPr>
+          <p:cNvPr id="3" name="object 3"/>
+          <p:cNvSpPr txBox="1">
+            <a:spLocks noGrp="1"/>
+          </p:cNvSpPr>
+          <p:nvPr>
+            <p:ph type="title"/>
+          </p:nvPr>
+        </p:nvSpPr>
+        <p:spPr>
+          <a:xfrm>
+            <a:off x="786485" y="457200"/>
+            <a:ext cx="8967115" cy="535403"/>
+          </a:xfrm>
+          <a:prstGeom prst="rect">
+            <a:avLst/>
+          </a:prstGeom>
+        </p:spPr>
+        <p:txBody>
+          <a:bodyPr vert="horz" wrap="square" lIns="0" tIns="12065" rIns="0" bIns="0" rtlCol="0">
+            <a:spAutoFit/>
+          </a:bodyPr>
+          <a:lstStyle/>
+          <a:p>
+            <a:pPr marL="12700">
+              <a:lnSpc>
+                <a:spcPct val="100000"/>
+              </a:lnSpc>
+              <a:spcBef>
+                <a:spcPts val="95"/>
+              </a:spcBef>
+            </a:pPr>
+            <a:r>
+              <a:rPr lang="en-US" sz="3400" dirty="0">
+                <a:latin typeface="Carlito"/>
+                <a:cs typeface="Carlito"/>
+              </a:rPr>
+              <a:t>User Input</a:t>
+            </a:r>
+            <a:endParaRPr sz="3400" dirty="0">
+              <a:latin typeface="Carlito"/>
+              <a:cs typeface="Carlito"/>
+            </a:endParaRPr>
+          </a:p>
+        </p:txBody>
+      </p:sp>
+      <p:sp>
+        <p:nvSpPr>
+          <p:cNvPr id="5" name="object 5"/>
+          <p:cNvSpPr/>
+          <p:nvPr/>
+        </p:nvSpPr>
+        <p:spPr>
+          <a:xfrm>
+            <a:off x="9816083" y="262127"/>
+            <a:ext cx="1976627" cy="822960"/>
+          </a:xfrm>
+          <a:prstGeom prst="rect">
+            <a:avLst/>
+          </a:prstGeom>
+          <a:blipFill>
+            <a:blip r:embed="rId3" cstate="print"/>
+            <a:stretch>
+              <a:fillRect/>
+            </a:stretch>
+          </a:blipFill>
+        </p:spPr>
+        <p:txBody>
+          <a:bodyPr wrap="square" lIns="0" tIns="0" rIns="0" bIns="0" rtlCol="0"/>
+          <a:lstStyle/>
+          <a:p>
+            <a:endParaRPr/>
+          </a:p>
+        </p:txBody>
+      </p:sp>
+      <p:sp>
+        <p:nvSpPr>
+          <p:cNvPr id="4" name="object 3">
+            <a:extLst>
+              <a:ext uri="{FF2B5EF4-FFF2-40B4-BE49-F238E27FC236}">
+                <a16:creationId xmlns:a16="http://schemas.microsoft.com/office/drawing/2014/main" id="{1ED9D45B-4B0D-FC76-3A8C-E89F6CD72254}"/>
+              </a:ext>
+            </a:extLst>
+          </p:cNvPr>
+          <p:cNvSpPr txBox="1">
+            <a:spLocks/>
+          </p:cNvSpPr>
+          <p:nvPr/>
+        </p:nvSpPr>
+        <p:spPr>
+          <a:xfrm>
+            <a:off x="762000" y="1143000"/>
+            <a:ext cx="11283579" cy="2525691"/>
+          </a:xfrm>
+          <a:prstGeom prst="rect">
+            <a:avLst/>
+          </a:prstGeom>
+        </p:spPr>
+        <p:txBody>
+          <a:bodyPr vert="horz" wrap="square" lIns="0" tIns="12065" rIns="0" bIns="0" rtlCol="0">
+            <a:spAutoFit/>
+          </a:bodyPr>
+          <a:lstStyle>
+            <a:lvl1pPr>
+              <a:defRPr sz="6000" b="0" i="0">
+                <a:solidFill>
+                  <a:srgbClr val="E7E6E6"/>
+                </a:solidFill>
+                <a:latin typeface="Trebuchet MS"/>
+                <a:ea typeface="+mj-ea"/>
+                <a:cs typeface="Trebuchet MS"/>
+              </a:defRPr>
+            </a:lvl1pPr>
+          </a:lstStyle>
+          <a:p>
+            <a:pPr marL="12700">
+              <a:spcBef>
+                <a:spcPts val="95"/>
+              </a:spcBef>
+            </a:pPr>
+            <a:r>
+              <a:rPr lang="en-US" sz="3200" kern="0" dirty="0">
+                <a:latin typeface="Carlito"/>
+                <a:cs typeface="Carlito"/>
+                <a:sym typeface="Wingdings" panose="05000000000000000000" pitchFamily="2" charset="2"/>
+              </a:rPr>
+              <a:t>We use prompt to take user input.</a:t>
+            </a:r>
+          </a:p>
+          <a:p>
+            <a:pPr marL="12700">
+              <a:spcBef>
+                <a:spcPts val="95"/>
+              </a:spcBef>
+            </a:pPr>
+            <a:r>
+              <a:rPr lang="en-US" sz="3200" kern="0" dirty="0">
+                <a:latin typeface="Carlito"/>
+                <a:cs typeface="Carlito"/>
+                <a:sym typeface="Wingdings" panose="05000000000000000000" pitchFamily="2" charset="2"/>
+              </a:rPr>
+              <a:t>let a = prompt(“Entera a number”);</a:t>
+            </a:r>
+          </a:p>
+          <a:p>
+            <a:pPr marL="12700">
+              <a:spcBef>
+                <a:spcPts val="95"/>
+              </a:spcBef>
+            </a:pPr>
+            <a:r>
+              <a:rPr lang="en-US" sz="3200" kern="0" dirty="0">
+                <a:latin typeface="Carlito"/>
+                <a:cs typeface="Carlito"/>
+                <a:sym typeface="Wingdings" panose="05000000000000000000" pitchFamily="2" charset="2"/>
+              </a:rPr>
+              <a:t>Prompt returns all values in String </a:t>
+            </a:r>
+          </a:p>
+          <a:p>
+            <a:pPr marL="469900" indent="-457200">
+              <a:spcBef>
+                <a:spcPts val="95"/>
+              </a:spcBef>
+              <a:buFont typeface="Wingdings" panose="05000000000000000000" pitchFamily="2" charset="2"/>
+              <a:buChar char="à"/>
+            </a:pPr>
+            <a:r>
+              <a:rPr lang="en-US" sz="3200" kern="0" dirty="0">
+                <a:latin typeface="Carlito"/>
+                <a:cs typeface="Carlito"/>
+                <a:sym typeface="Wingdings" panose="05000000000000000000" pitchFamily="2" charset="2"/>
+              </a:rPr>
+              <a:t>We have to parse it into our desired datatypes using parse</a:t>
+            </a:r>
+          </a:p>
+          <a:p>
+            <a:pPr marL="12700">
+              <a:spcBef>
+                <a:spcPts val="95"/>
+              </a:spcBef>
+            </a:pPr>
+            <a:r>
+              <a:rPr lang="en-US" sz="3200" kern="0" dirty="0">
+                <a:latin typeface="Carlito"/>
+                <a:cs typeface="Carlito"/>
+                <a:sym typeface="Wingdings" panose="05000000000000000000" pitchFamily="2" charset="2"/>
+              </a:rPr>
+              <a:t>     (</a:t>
+            </a:r>
+            <a:r>
+              <a:rPr lang="en-US" sz="3200" kern="0" dirty="0" err="1">
+                <a:latin typeface="Carlito"/>
+                <a:cs typeface="Carlito"/>
+                <a:sym typeface="Wingdings" panose="05000000000000000000" pitchFamily="2" charset="2"/>
+              </a:rPr>
+              <a:t>e.g</a:t>
+            </a:r>
+            <a:r>
+              <a:rPr lang="en-US" sz="3200" kern="0" dirty="0">
+                <a:latin typeface="Carlito"/>
+                <a:cs typeface="Carlito"/>
+                <a:sym typeface="Wingdings" panose="05000000000000000000" pitchFamily="2" charset="2"/>
+              </a:rPr>
+              <a:t> </a:t>
+            </a:r>
+            <a:r>
+              <a:rPr lang="en-US" sz="3200" kern="0" dirty="0" err="1">
+                <a:latin typeface="Carlito"/>
+                <a:cs typeface="Carlito"/>
+                <a:sym typeface="Wingdings" panose="05000000000000000000" pitchFamily="2" charset="2"/>
+              </a:rPr>
+              <a:t>parseInt</a:t>
+            </a:r>
+            <a:r>
+              <a:rPr lang="en-US" sz="3200" kern="0" dirty="0">
+                <a:latin typeface="Carlito"/>
+                <a:cs typeface="Carlito"/>
+                <a:sym typeface="Wingdings" panose="05000000000000000000" pitchFamily="2" charset="2"/>
+              </a:rPr>
+              <a:t>(a) ,</a:t>
+            </a:r>
+            <a:r>
+              <a:rPr lang="en-US" sz="3200" kern="0" dirty="0" err="1">
+                <a:latin typeface="Carlito"/>
+                <a:cs typeface="Carlito"/>
+                <a:sym typeface="Wingdings" panose="05000000000000000000" pitchFamily="2" charset="2"/>
+              </a:rPr>
+              <a:t>parseFloat</a:t>
+            </a:r>
+            <a:r>
+              <a:rPr lang="en-US" sz="3200" kern="0" dirty="0">
+                <a:latin typeface="Carlito"/>
+                <a:cs typeface="Carlito"/>
+                <a:sym typeface="Wingdings" panose="05000000000000000000" pitchFamily="2" charset="2"/>
+              </a:rPr>
+              <a:t>…)</a:t>
+            </a:r>
+          </a:p>
+        </p:txBody>
+      </p:sp>
+      <p:sp>
+        <p:nvSpPr>
+          <p:cNvPr id="7" name="TextBox 6">
+            <a:extLst>
+              <a:ext uri="{FF2B5EF4-FFF2-40B4-BE49-F238E27FC236}">
+                <a16:creationId xmlns:a16="http://schemas.microsoft.com/office/drawing/2014/main" id="{C2428796-F632-00B4-E484-CA738D260150}"/>
+              </a:ext>
+            </a:extLst>
+          </p:cNvPr>
+          <p:cNvSpPr txBox="1"/>
+          <p:nvPr/>
+        </p:nvSpPr>
+        <p:spPr>
+          <a:xfrm>
+            <a:off x="685800" y="4323186"/>
+            <a:ext cx="7086600" cy="707886"/>
+          </a:xfrm>
+          <a:prstGeom prst="rect">
+            <a:avLst/>
+          </a:prstGeom>
+          <a:noFill/>
+        </p:spPr>
+        <p:txBody>
+          <a:bodyPr wrap="square" rtlCol="0">
+            <a:spAutoFit/>
+          </a:bodyPr>
+          <a:lstStyle/>
+          <a:p>
+            <a:endParaRPr lang="en-IN" sz="4000" dirty="0">
+              <a:solidFill>
+                <a:schemeClr val="bg1"/>
+              </a:solidFill>
+            </a:endParaRPr>
+          </a:p>
+        </p:txBody>
+      </p:sp>
+    </p:spTree>
+    <p:extLst>
+      <p:ext uri="{BB962C8B-B14F-4D97-AF65-F5344CB8AC3E}">
+        <p14:creationId xmlns:p14="http://schemas.microsoft.com/office/powerpoint/2010/main" val="1847197179"/>
+      </p:ext>
+    </p:extLst>
+  </p:cSld>
+  <p:clrMapOvr>
+    <a:masterClrMapping/>
+  </p:clrMapOvr>
+</p:sld>
+</file>
+
+<file path=ppt/slides/slide13.xml><?xml version="1.0" encoding="utf-8"?>
+<p:sld xmlns:a="http://schemas.openxmlformats.org/drawingml/2006/main" xmlns:r="http://schemas.openxmlformats.org/officeDocument/2006/relationships" xmlns:p="http://schemas.openxmlformats.org/presentationml/2006/main">
+  <p:cSld>
+    <p:spTree>
+      <p:nvGrpSpPr>
+        <p:cNvPr id="1" name=""/>
+        <p:cNvGrpSpPr/>
+        <p:nvPr/>
+      </p:nvGrpSpPr>
+      <p:grpSpPr>
+        <a:xfrm>
+          <a:off x="0" y="0"/>
+          <a:ext cx="0" cy="0"/>
+          <a:chOff x="0" y="0"/>
+          <a:chExt cx="0" cy="0"/>
+        </a:xfrm>
+      </p:grpSpPr>
+      <p:sp>
+        <p:nvSpPr>
+          <p:cNvPr id="2" name="object 2"/>
+          <p:cNvSpPr/>
+          <p:nvPr/>
+        </p:nvSpPr>
+        <p:spPr>
+          <a:xfrm>
+            <a:off x="1" y="44199"/>
+            <a:ext cx="12191999" cy="7118601"/>
+          </a:xfrm>
+          <a:prstGeom prst="rect">
+            <a:avLst/>
+          </a:prstGeom>
+          <a:blipFill>
+            <a:blip r:embed="rId2" cstate="print"/>
+            <a:stretch>
+              <a:fillRect/>
+            </a:stretch>
+          </a:blipFill>
+        </p:spPr>
+        <p:txBody>
+          <a:bodyPr wrap="square" lIns="0" tIns="0" rIns="0" bIns="0" rtlCol="0"/>
+          <a:lstStyle/>
+          <a:p>
+            <a:endParaRPr b="1" dirty="0">
+              <a:ln w="13462">
+                <a:solidFill>
+                  <a:schemeClr val="bg1"/>
+                </a:solidFill>
+                <a:prstDash val="solid"/>
+              </a:ln>
+              <a:solidFill>
+                <a:schemeClr val="tx1">
+                  <a:lumMod val="85000"/>
+                  <a:lumOff val="15000"/>
+                </a:schemeClr>
+              </a:solidFill>
+              <a:effectLst>
+                <a:outerShdw dist="38100" dir="2700000" algn="bl" rotWithShape="0">
+                  <a:schemeClr val="accent5"/>
+                </a:outerShdw>
+              </a:effectLst>
+            </a:endParaRPr>
+          </a:p>
+        </p:txBody>
+      </p:sp>
+      <p:sp>
+        <p:nvSpPr>
+          <p:cNvPr id="3" name="object 3"/>
+          <p:cNvSpPr txBox="1">
+            <a:spLocks noGrp="1"/>
+          </p:cNvSpPr>
+          <p:nvPr>
+            <p:ph type="title"/>
+          </p:nvPr>
+        </p:nvSpPr>
+        <p:spPr>
+          <a:xfrm>
+            <a:off x="786485" y="457200"/>
+            <a:ext cx="8967115" cy="535403"/>
+          </a:xfrm>
+          <a:prstGeom prst="rect">
+            <a:avLst/>
+          </a:prstGeom>
+        </p:spPr>
+        <p:txBody>
+          <a:bodyPr vert="horz" wrap="square" lIns="0" tIns="12065" rIns="0" bIns="0" rtlCol="0">
+            <a:spAutoFit/>
+          </a:bodyPr>
+          <a:lstStyle/>
+          <a:p>
+            <a:pPr marL="12700">
+              <a:lnSpc>
+                <a:spcPct val="100000"/>
+              </a:lnSpc>
+              <a:spcBef>
+                <a:spcPts val="95"/>
+              </a:spcBef>
+            </a:pPr>
+            <a:r>
+              <a:rPr lang="en-US" sz="3400" dirty="0">
+                <a:latin typeface="Carlito"/>
+                <a:cs typeface="Carlito"/>
+              </a:rPr>
+              <a:t>Array</a:t>
+            </a:r>
+            <a:endParaRPr sz="3400" dirty="0">
+              <a:latin typeface="Carlito"/>
+              <a:cs typeface="Carlito"/>
+            </a:endParaRPr>
+          </a:p>
+        </p:txBody>
+      </p:sp>
+      <p:sp>
+        <p:nvSpPr>
+          <p:cNvPr id="5" name="object 5"/>
+          <p:cNvSpPr/>
+          <p:nvPr/>
+        </p:nvSpPr>
+        <p:spPr>
+          <a:xfrm>
+            <a:off x="9816083" y="262127"/>
+            <a:ext cx="1976627" cy="822960"/>
+          </a:xfrm>
+          <a:prstGeom prst="rect">
+            <a:avLst/>
+          </a:prstGeom>
+          <a:blipFill>
+            <a:blip r:embed="rId3" cstate="print"/>
+            <a:stretch>
+              <a:fillRect/>
+            </a:stretch>
+          </a:blipFill>
+        </p:spPr>
+        <p:txBody>
+          <a:bodyPr wrap="square" lIns="0" tIns="0" rIns="0" bIns="0" rtlCol="0"/>
+          <a:lstStyle/>
+          <a:p>
+            <a:endParaRPr/>
+          </a:p>
+        </p:txBody>
+      </p:sp>
+      <p:sp>
+        <p:nvSpPr>
+          <p:cNvPr id="4" name="object 3">
+            <a:extLst>
+              <a:ext uri="{FF2B5EF4-FFF2-40B4-BE49-F238E27FC236}">
+                <a16:creationId xmlns:a16="http://schemas.microsoft.com/office/drawing/2014/main" id="{1ED9D45B-4B0D-FC76-3A8C-E89F6CD72254}"/>
+              </a:ext>
+            </a:extLst>
+          </p:cNvPr>
+          <p:cNvSpPr txBox="1">
+            <a:spLocks/>
+          </p:cNvSpPr>
+          <p:nvPr/>
+        </p:nvSpPr>
+        <p:spPr>
+          <a:xfrm>
+            <a:off x="762000" y="1143000"/>
+            <a:ext cx="11283579" cy="5557291"/>
+          </a:xfrm>
+          <a:prstGeom prst="rect">
+            <a:avLst/>
+          </a:prstGeom>
+        </p:spPr>
+        <p:txBody>
+          <a:bodyPr vert="horz" wrap="square" lIns="0" tIns="12065" rIns="0" bIns="0" rtlCol="0">
+            <a:spAutoFit/>
+          </a:bodyPr>
+          <a:lstStyle>
+            <a:lvl1pPr>
+              <a:defRPr sz="6000" b="0" i="0">
+                <a:solidFill>
+                  <a:srgbClr val="E7E6E6"/>
+                </a:solidFill>
+                <a:latin typeface="Trebuchet MS"/>
+                <a:ea typeface="+mj-ea"/>
+                <a:cs typeface="Trebuchet MS"/>
+              </a:defRPr>
+            </a:lvl1pPr>
+          </a:lstStyle>
+          <a:p>
+            <a:pPr marL="12700">
+              <a:spcBef>
+                <a:spcPts val="95"/>
+              </a:spcBef>
+            </a:pPr>
+            <a:r>
+              <a:rPr lang="en-US" sz="3200" kern="0" dirty="0">
+                <a:latin typeface="Carlito"/>
+                <a:cs typeface="Carlito"/>
+                <a:sym typeface="Wingdings" panose="05000000000000000000" pitchFamily="2" charset="2"/>
+              </a:rPr>
+              <a:t>Array is a Data Structure. </a:t>
+            </a:r>
+          </a:p>
+          <a:p>
+            <a:pPr marL="469900" indent="-457200">
+              <a:spcBef>
+                <a:spcPts val="95"/>
+              </a:spcBef>
+              <a:buFont typeface="Wingdings" panose="05000000000000000000" pitchFamily="2" charset="2"/>
+              <a:buChar char="à"/>
+            </a:pPr>
+            <a:r>
+              <a:rPr lang="en-US" sz="3200" kern="0" dirty="0">
+                <a:latin typeface="Carlito"/>
+                <a:cs typeface="Carlito"/>
+                <a:sym typeface="Wingdings" panose="05000000000000000000" pitchFamily="2" charset="2"/>
+              </a:rPr>
+              <a:t>Ordered data structure.</a:t>
+            </a:r>
+          </a:p>
+          <a:p>
+            <a:pPr marL="469900" indent="-457200">
+              <a:spcBef>
+                <a:spcPts val="95"/>
+              </a:spcBef>
+              <a:buFont typeface="Wingdings" panose="05000000000000000000" pitchFamily="2" charset="2"/>
+              <a:buChar char="à"/>
+            </a:pPr>
+            <a:r>
+              <a:rPr lang="en-US" sz="3200" kern="0" dirty="0">
+                <a:latin typeface="Carlito"/>
+                <a:cs typeface="Carlito"/>
+                <a:sym typeface="Wingdings" panose="05000000000000000000" pitchFamily="2" charset="2"/>
+              </a:rPr>
+              <a:t>Heterogenous types of data ( in JS)</a:t>
+            </a:r>
+          </a:p>
+          <a:p>
+            <a:pPr marL="12700">
+              <a:spcBef>
+                <a:spcPts val="95"/>
+              </a:spcBef>
+            </a:pPr>
+            <a:endParaRPr lang="en-US" sz="3200" kern="0" dirty="0">
+              <a:latin typeface="Carlito"/>
+              <a:cs typeface="Carlito"/>
+              <a:sym typeface="Wingdings" panose="05000000000000000000" pitchFamily="2" charset="2"/>
+            </a:endParaRPr>
+          </a:p>
+          <a:p>
+            <a:pPr marL="12700">
+              <a:spcBef>
+                <a:spcPts val="95"/>
+              </a:spcBef>
+            </a:pPr>
+            <a:r>
+              <a:rPr lang="en-US" sz="3200" kern="0" dirty="0">
+                <a:latin typeface="Carlito"/>
+                <a:cs typeface="Carlito"/>
+                <a:sym typeface="Wingdings" panose="05000000000000000000" pitchFamily="2" charset="2"/>
+              </a:rPr>
+              <a:t>e.g. let </a:t>
+            </a:r>
+            <a:r>
+              <a:rPr lang="en-US" sz="3200" kern="0" dirty="0" err="1">
+                <a:latin typeface="Carlito"/>
+                <a:cs typeface="Carlito"/>
+                <a:sym typeface="Wingdings" panose="05000000000000000000" pitchFamily="2" charset="2"/>
+              </a:rPr>
+              <a:t>arr</a:t>
+            </a:r>
+            <a:r>
+              <a:rPr lang="en-US" sz="3200" kern="0" dirty="0">
+                <a:latin typeface="Carlito"/>
+                <a:cs typeface="Carlito"/>
+                <a:sym typeface="Wingdings" panose="05000000000000000000" pitchFamily="2" charset="2"/>
+              </a:rPr>
+              <a:t> = [] ; print(</a:t>
+            </a:r>
+            <a:r>
+              <a:rPr lang="en-US" sz="3200" kern="0" dirty="0" err="1">
+                <a:latin typeface="Carlito"/>
+                <a:cs typeface="Carlito"/>
+                <a:sym typeface="Wingdings" panose="05000000000000000000" pitchFamily="2" charset="2"/>
+              </a:rPr>
+              <a:t>arr</a:t>
+            </a:r>
+            <a:r>
+              <a:rPr lang="en-US" sz="3200" kern="0" dirty="0">
+                <a:latin typeface="Carlito"/>
+                <a:cs typeface="Carlito"/>
+                <a:sym typeface="Wingdings" panose="05000000000000000000" pitchFamily="2" charset="2"/>
+              </a:rPr>
+              <a:t>); // it returns object of Array, why?</a:t>
+            </a:r>
+          </a:p>
+          <a:p>
+            <a:pPr marL="12700">
+              <a:spcBef>
+                <a:spcPts val="95"/>
+              </a:spcBef>
+            </a:pPr>
+            <a:r>
+              <a:rPr lang="en-US" sz="3200" kern="0" dirty="0" err="1">
+                <a:latin typeface="Carlito"/>
+                <a:cs typeface="Carlito"/>
+                <a:sym typeface="Wingdings" panose="05000000000000000000" pitchFamily="2" charset="2"/>
+              </a:rPr>
+              <a:t>ans</a:t>
+            </a:r>
+            <a:r>
+              <a:rPr lang="en-US" sz="3200" kern="0" dirty="0">
+                <a:latin typeface="Carlito"/>
+                <a:cs typeface="Carlito"/>
+                <a:sym typeface="Wingdings" panose="05000000000000000000" pitchFamily="2" charset="2"/>
+              </a:rPr>
+              <a:t> - Everything inside JS is an Object.</a:t>
+            </a:r>
+          </a:p>
+          <a:p>
+            <a:pPr marL="12700">
+              <a:spcBef>
+                <a:spcPts val="95"/>
+              </a:spcBef>
+            </a:pPr>
+            <a:endParaRPr lang="en-US" sz="3200" kern="0" dirty="0">
+              <a:latin typeface="Carlito"/>
+              <a:cs typeface="Carlito"/>
+              <a:sym typeface="Wingdings" panose="05000000000000000000" pitchFamily="2" charset="2"/>
+            </a:endParaRPr>
+          </a:p>
+          <a:p>
+            <a:pPr marL="12700">
+              <a:spcBef>
+                <a:spcPts val="95"/>
+              </a:spcBef>
+            </a:pPr>
+            <a:r>
+              <a:rPr lang="en-US" sz="3200" kern="0" dirty="0">
+                <a:latin typeface="Carlito"/>
+                <a:cs typeface="Carlito"/>
+                <a:sym typeface="Wingdings" panose="05000000000000000000" pitchFamily="2" charset="2"/>
+              </a:rPr>
+              <a:t>1.Access content in 1d </a:t>
+            </a:r>
+            <a:r>
+              <a:rPr lang="en-US" sz="3200" kern="0" dirty="0" err="1">
+                <a:latin typeface="Carlito"/>
+                <a:cs typeface="Carlito"/>
+                <a:sym typeface="Wingdings" panose="05000000000000000000" pitchFamily="2" charset="2"/>
+              </a:rPr>
+              <a:t>arr</a:t>
+            </a:r>
+            <a:r>
+              <a:rPr lang="en-US" sz="3200" kern="0" dirty="0">
+                <a:latin typeface="Carlito"/>
+                <a:cs typeface="Carlito"/>
+                <a:sym typeface="Wingdings" panose="05000000000000000000" pitchFamily="2" charset="2"/>
+              </a:rPr>
+              <a:t> : </a:t>
+            </a:r>
+            <a:r>
+              <a:rPr lang="en-US" sz="3200" kern="0" dirty="0" err="1">
+                <a:latin typeface="Carlito"/>
+                <a:cs typeface="Carlito"/>
+                <a:sym typeface="Wingdings" panose="05000000000000000000" pitchFamily="2" charset="2"/>
+              </a:rPr>
+              <a:t>arr</a:t>
+            </a:r>
+            <a:r>
+              <a:rPr lang="en-US" sz="3200" kern="0" dirty="0">
+                <a:latin typeface="Carlito"/>
+                <a:cs typeface="Carlito"/>
+                <a:sym typeface="Wingdings" panose="05000000000000000000" pitchFamily="2" charset="2"/>
+              </a:rPr>
+              <a:t>[</a:t>
+            </a:r>
+            <a:r>
+              <a:rPr lang="en-US" sz="3200" kern="0" dirty="0" err="1">
+                <a:latin typeface="Carlito"/>
+                <a:cs typeface="Carlito"/>
+                <a:sym typeface="Wingdings" panose="05000000000000000000" pitchFamily="2" charset="2"/>
+              </a:rPr>
+              <a:t>i</a:t>
+            </a:r>
+            <a:r>
+              <a:rPr lang="en-US" sz="3200" kern="0" dirty="0">
+                <a:latin typeface="Carlito"/>
+                <a:cs typeface="Carlito"/>
+                <a:sym typeface="Wingdings" panose="05000000000000000000" pitchFamily="2" charset="2"/>
+              </a:rPr>
+              <a:t>];</a:t>
+            </a:r>
+          </a:p>
+          <a:p>
+            <a:pPr marL="12700">
+              <a:spcBef>
+                <a:spcPts val="95"/>
+              </a:spcBef>
+            </a:pPr>
+            <a:r>
+              <a:rPr lang="en-US" sz="3200" kern="0" dirty="0">
+                <a:latin typeface="Carlito"/>
+                <a:cs typeface="Carlito"/>
+                <a:sym typeface="Wingdings" panose="05000000000000000000" pitchFamily="2" charset="2"/>
+              </a:rPr>
+              <a:t>2.Access content in 2d </a:t>
+            </a:r>
+            <a:r>
+              <a:rPr lang="en-US" sz="3200" kern="0" dirty="0" err="1">
+                <a:latin typeface="Carlito"/>
+                <a:cs typeface="Carlito"/>
+                <a:sym typeface="Wingdings" panose="05000000000000000000" pitchFamily="2" charset="2"/>
+              </a:rPr>
+              <a:t>arr</a:t>
+            </a:r>
+            <a:r>
+              <a:rPr lang="en-US" sz="3200" kern="0" dirty="0">
+                <a:latin typeface="Carlito"/>
+                <a:cs typeface="Carlito"/>
+                <a:sym typeface="Wingdings" panose="05000000000000000000" pitchFamily="2" charset="2"/>
+              </a:rPr>
+              <a:t> : </a:t>
+            </a:r>
+            <a:r>
+              <a:rPr lang="en-US" sz="3200" kern="0" dirty="0" err="1">
+                <a:latin typeface="Carlito"/>
+                <a:cs typeface="Carlito"/>
+                <a:sym typeface="Wingdings" panose="05000000000000000000" pitchFamily="2" charset="2"/>
+              </a:rPr>
+              <a:t>arr</a:t>
+            </a:r>
+            <a:r>
+              <a:rPr lang="en-US" sz="3200" kern="0" dirty="0">
+                <a:latin typeface="Carlito"/>
+                <a:cs typeface="Carlito"/>
+                <a:sym typeface="Wingdings" panose="05000000000000000000" pitchFamily="2" charset="2"/>
+              </a:rPr>
+              <a:t>[</a:t>
+            </a:r>
+            <a:r>
+              <a:rPr lang="en-US" sz="3200" kern="0" dirty="0" err="1">
+                <a:latin typeface="Carlito"/>
+                <a:cs typeface="Carlito"/>
+                <a:sym typeface="Wingdings" panose="05000000000000000000" pitchFamily="2" charset="2"/>
+              </a:rPr>
+              <a:t>i</a:t>
+            </a:r>
+            <a:r>
+              <a:rPr lang="en-US" sz="3200" kern="0" dirty="0">
+                <a:latin typeface="Carlito"/>
+                <a:cs typeface="Carlito"/>
+                <a:sym typeface="Wingdings" panose="05000000000000000000" pitchFamily="2" charset="2"/>
+              </a:rPr>
+              <a:t>][j];</a:t>
+            </a:r>
+          </a:p>
+          <a:p>
+            <a:pPr marL="12700">
+              <a:spcBef>
+                <a:spcPts val="95"/>
+              </a:spcBef>
+            </a:pPr>
+            <a:r>
+              <a:rPr lang="en-US" sz="3200" kern="0" dirty="0">
+                <a:latin typeface="Carlito"/>
+                <a:cs typeface="Carlito"/>
+                <a:sym typeface="Wingdings" panose="05000000000000000000" pitchFamily="2" charset="2"/>
+              </a:rPr>
+              <a:t>3.Access content in 3d </a:t>
+            </a:r>
+            <a:r>
+              <a:rPr lang="en-US" sz="3200" kern="0" dirty="0" err="1">
+                <a:latin typeface="Carlito"/>
+                <a:cs typeface="Carlito"/>
+                <a:sym typeface="Wingdings" panose="05000000000000000000" pitchFamily="2" charset="2"/>
+              </a:rPr>
+              <a:t>arr</a:t>
+            </a:r>
+            <a:r>
+              <a:rPr lang="en-US" sz="3200" kern="0" dirty="0">
+                <a:latin typeface="Carlito"/>
+                <a:cs typeface="Carlito"/>
+                <a:sym typeface="Wingdings" panose="05000000000000000000" pitchFamily="2" charset="2"/>
+              </a:rPr>
+              <a:t> : </a:t>
+            </a:r>
+            <a:r>
+              <a:rPr lang="en-US" sz="3200" kern="0" dirty="0" err="1">
+                <a:latin typeface="Carlito"/>
+                <a:cs typeface="Carlito"/>
+                <a:sym typeface="Wingdings" panose="05000000000000000000" pitchFamily="2" charset="2"/>
+              </a:rPr>
+              <a:t>arr</a:t>
+            </a:r>
+            <a:r>
+              <a:rPr lang="en-US" sz="3200" kern="0" dirty="0">
+                <a:latin typeface="Carlito"/>
+                <a:cs typeface="Carlito"/>
+                <a:sym typeface="Wingdings" panose="05000000000000000000" pitchFamily="2" charset="2"/>
+              </a:rPr>
+              <a:t>[</a:t>
+            </a:r>
+            <a:r>
+              <a:rPr lang="en-US" sz="3200" kern="0" dirty="0" err="1">
+                <a:latin typeface="Carlito"/>
+                <a:cs typeface="Carlito"/>
+                <a:sym typeface="Wingdings" panose="05000000000000000000" pitchFamily="2" charset="2"/>
+              </a:rPr>
+              <a:t>i</a:t>
+            </a:r>
+            <a:r>
+              <a:rPr lang="en-US" sz="3200" kern="0" dirty="0">
+                <a:latin typeface="Carlito"/>
+                <a:cs typeface="Carlito"/>
+                <a:sym typeface="Wingdings" panose="05000000000000000000" pitchFamily="2" charset="2"/>
+              </a:rPr>
+              <a:t>][j][k];</a:t>
+            </a:r>
+          </a:p>
+          <a:p>
+            <a:pPr marL="12700">
+              <a:spcBef>
+                <a:spcPts val="95"/>
+              </a:spcBef>
+            </a:pPr>
+            <a:endParaRPr lang="en-US" sz="3200" kern="0" dirty="0">
+              <a:latin typeface="Carlito"/>
+              <a:cs typeface="Carlito"/>
+              <a:sym typeface="Wingdings" panose="05000000000000000000" pitchFamily="2" charset="2"/>
+            </a:endParaRPr>
+          </a:p>
+        </p:txBody>
+      </p:sp>
+      <p:sp>
+        <p:nvSpPr>
+          <p:cNvPr id="7" name="TextBox 6">
+            <a:extLst>
+              <a:ext uri="{FF2B5EF4-FFF2-40B4-BE49-F238E27FC236}">
+                <a16:creationId xmlns:a16="http://schemas.microsoft.com/office/drawing/2014/main" id="{C2428796-F632-00B4-E484-CA738D260150}"/>
+              </a:ext>
+            </a:extLst>
+          </p:cNvPr>
+          <p:cNvSpPr txBox="1"/>
+          <p:nvPr/>
+        </p:nvSpPr>
+        <p:spPr>
+          <a:xfrm>
+            <a:off x="685800" y="4323186"/>
+            <a:ext cx="7086600" cy="707886"/>
+          </a:xfrm>
+          <a:prstGeom prst="rect">
+            <a:avLst/>
+          </a:prstGeom>
+          <a:noFill/>
+        </p:spPr>
+        <p:txBody>
+          <a:bodyPr wrap="square" rtlCol="0">
+            <a:spAutoFit/>
+          </a:bodyPr>
+          <a:lstStyle/>
+          <a:p>
+            <a:endParaRPr lang="en-IN" sz="4000" dirty="0">
+              <a:solidFill>
+                <a:schemeClr val="bg1"/>
+              </a:solidFill>
+            </a:endParaRPr>
+          </a:p>
+        </p:txBody>
+      </p:sp>
+    </p:spTree>
+    <p:extLst>
+      <p:ext uri="{BB962C8B-B14F-4D97-AF65-F5344CB8AC3E}">
+        <p14:creationId xmlns:p14="http://schemas.microsoft.com/office/powerpoint/2010/main" val="1525072264"/>
+      </p:ext>
+    </p:extLst>
+  </p:cSld>
+  <p:clrMapOvr>
+    <a:masterClrMapping/>
+  </p:clrMapOvr>
+</p:sld>
+</file>
+
+<file path=ppt/slides/slide14.xml><?xml version="1.0" encoding="utf-8"?>
+<p:sld xmlns:a="http://schemas.openxmlformats.org/drawingml/2006/main" xmlns:r="http://schemas.openxmlformats.org/officeDocument/2006/relationships" xmlns:p="http://schemas.openxmlformats.org/presentationml/2006/main">
+  <p:cSld>
+    <p:spTree>
+      <p:nvGrpSpPr>
+        <p:cNvPr id="1" name=""/>
+        <p:cNvGrpSpPr/>
+        <p:nvPr/>
+      </p:nvGrpSpPr>
+      <p:grpSpPr>
+        <a:xfrm>
+          <a:off x="0" y="0"/>
+          <a:ext cx="0" cy="0"/>
+          <a:chOff x="0" y="0"/>
+          <a:chExt cx="0" cy="0"/>
+        </a:xfrm>
+      </p:grpSpPr>
+      <p:sp>
+        <p:nvSpPr>
+          <p:cNvPr id="2" name="object 2"/>
+          <p:cNvSpPr/>
+          <p:nvPr/>
+        </p:nvSpPr>
+        <p:spPr>
+          <a:xfrm>
+            <a:off x="1" y="44199"/>
+            <a:ext cx="12191999" cy="7118601"/>
+          </a:xfrm>
+          <a:prstGeom prst="rect">
+            <a:avLst/>
+          </a:prstGeom>
+          <a:blipFill>
+            <a:blip r:embed="rId2" cstate="print"/>
+            <a:stretch>
+              <a:fillRect/>
+            </a:stretch>
+          </a:blipFill>
+        </p:spPr>
+        <p:txBody>
+          <a:bodyPr wrap="square" lIns="0" tIns="0" rIns="0" bIns="0" rtlCol="0"/>
+          <a:lstStyle/>
+          <a:p>
+            <a:endParaRPr b="1" dirty="0">
+              <a:ln w="13462">
+                <a:solidFill>
+                  <a:schemeClr val="bg1"/>
+                </a:solidFill>
+                <a:prstDash val="solid"/>
+              </a:ln>
+              <a:solidFill>
+                <a:schemeClr val="tx1">
+                  <a:lumMod val="85000"/>
+                  <a:lumOff val="15000"/>
+                </a:schemeClr>
+              </a:solidFill>
+              <a:effectLst>
+                <a:outerShdw dist="38100" dir="2700000" algn="bl" rotWithShape="0">
+                  <a:schemeClr val="accent5"/>
+                </a:outerShdw>
+              </a:effectLst>
+            </a:endParaRPr>
+          </a:p>
+        </p:txBody>
+      </p:sp>
+      <p:sp>
+        <p:nvSpPr>
+          <p:cNvPr id="3" name="object 3"/>
+          <p:cNvSpPr txBox="1">
+            <a:spLocks noGrp="1"/>
+          </p:cNvSpPr>
+          <p:nvPr>
+            <p:ph type="title"/>
+          </p:nvPr>
+        </p:nvSpPr>
+        <p:spPr>
+          <a:xfrm>
+            <a:off x="786485" y="457200"/>
+            <a:ext cx="8967115" cy="535403"/>
+          </a:xfrm>
+          <a:prstGeom prst="rect">
+            <a:avLst/>
+          </a:prstGeom>
+        </p:spPr>
+        <p:txBody>
+          <a:bodyPr vert="horz" wrap="square" lIns="0" tIns="12065" rIns="0" bIns="0" rtlCol="0">
+            <a:spAutoFit/>
+          </a:bodyPr>
+          <a:lstStyle/>
+          <a:p>
+            <a:pPr marL="12700">
+              <a:lnSpc>
+                <a:spcPct val="100000"/>
+              </a:lnSpc>
+              <a:spcBef>
+                <a:spcPts val="95"/>
+              </a:spcBef>
+            </a:pPr>
+            <a:r>
+              <a:rPr lang="en-US" sz="3400" dirty="0">
+                <a:latin typeface="Carlito"/>
+                <a:cs typeface="Carlito"/>
+              </a:rPr>
+              <a:t>Array Methods</a:t>
+            </a:r>
+            <a:endParaRPr sz="3400" dirty="0">
+              <a:latin typeface="Carlito"/>
+              <a:cs typeface="Carlito"/>
+            </a:endParaRPr>
+          </a:p>
+        </p:txBody>
+      </p:sp>
+      <p:sp>
+        <p:nvSpPr>
+          <p:cNvPr id="5" name="object 5"/>
+          <p:cNvSpPr/>
+          <p:nvPr/>
+        </p:nvSpPr>
+        <p:spPr>
+          <a:xfrm>
+            <a:off x="9816083" y="262127"/>
+            <a:ext cx="1976627" cy="822960"/>
+          </a:xfrm>
+          <a:prstGeom prst="rect">
+            <a:avLst/>
+          </a:prstGeom>
+          <a:blipFill>
+            <a:blip r:embed="rId3" cstate="print"/>
+            <a:stretch>
+              <a:fillRect/>
+            </a:stretch>
+          </a:blipFill>
+        </p:spPr>
+        <p:txBody>
+          <a:bodyPr wrap="square" lIns="0" tIns="0" rIns="0" bIns="0" rtlCol="0"/>
+          <a:lstStyle/>
+          <a:p>
+            <a:endParaRPr/>
+          </a:p>
+        </p:txBody>
+      </p:sp>
+      <p:sp>
+        <p:nvSpPr>
+          <p:cNvPr id="4" name="object 3">
+            <a:extLst>
+              <a:ext uri="{FF2B5EF4-FFF2-40B4-BE49-F238E27FC236}">
+                <a16:creationId xmlns:a16="http://schemas.microsoft.com/office/drawing/2014/main" id="{1ED9D45B-4B0D-FC76-3A8C-E89F6CD72254}"/>
+              </a:ext>
+            </a:extLst>
+          </p:cNvPr>
+          <p:cNvSpPr txBox="1">
+            <a:spLocks/>
+          </p:cNvSpPr>
+          <p:nvPr/>
+        </p:nvSpPr>
+        <p:spPr>
+          <a:xfrm>
+            <a:off x="685800" y="1143000"/>
+            <a:ext cx="11429999" cy="6062557"/>
+          </a:xfrm>
+          <a:prstGeom prst="rect">
+            <a:avLst/>
+          </a:prstGeom>
+        </p:spPr>
+        <p:txBody>
+          <a:bodyPr vert="horz" wrap="square" lIns="0" tIns="12065" rIns="0" bIns="0" rtlCol="0">
+            <a:spAutoFit/>
+          </a:bodyPr>
+          <a:lstStyle>
+            <a:lvl1pPr>
+              <a:defRPr sz="6000" b="0" i="0">
+                <a:solidFill>
+                  <a:srgbClr val="E7E6E6"/>
+                </a:solidFill>
+                <a:latin typeface="Trebuchet MS"/>
+                <a:ea typeface="+mj-ea"/>
+                <a:cs typeface="Trebuchet MS"/>
+              </a:defRPr>
+            </a:lvl1pPr>
+          </a:lstStyle>
+          <a:p>
+            <a:pPr marL="12700">
+              <a:spcBef>
+                <a:spcPts val="95"/>
+              </a:spcBef>
+            </a:pPr>
+            <a:r>
+              <a:rPr lang="en-US" sz="3200" kern="0" dirty="0">
+                <a:latin typeface="Carlito"/>
+                <a:cs typeface="Carlito"/>
+                <a:sym typeface="Wingdings" panose="05000000000000000000" pitchFamily="2" charset="2"/>
+              </a:rPr>
+              <a:t>1. Destructive : Changes in the original array.</a:t>
+            </a:r>
+          </a:p>
+          <a:p>
+            <a:pPr marL="12700">
+              <a:spcBef>
+                <a:spcPts val="95"/>
+              </a:spcBef>
+            </a:pPr>
+            <a:r>
+              <a:rPr lang="en-US" sz="3200" kern="0" dirty="0">
+                <a:latin typeface="Carlito"/>
+                <a:cs typeface="Carlito"/>
+                <a:sym typeface="Wingdings" panose="05000000000000000000" pitchFamily="2" charset="2"/>
+              </a:rPr>
+              <a:t>2. Non Destructive : No changes in the original array.</a:t>
+            </a:r>
+          </a:p>
+          <a:p>
+            <a:pPr marL="12700">
+              <a:spcBef>
+                <a:spcPts val="95"/>
+              </a:spcBef>
+            </a:pPr>
+            <a:endParaRPr lang="en-US" sz="3200" kern="0" dirty="0">
+              <a:latin typeface="Carlito"/>
+              <a:cs typeface="Carlito"/>
+              <a:sym typeface="Wingdings" panose="05000000000000000000" pitchFamily="2" charset="2"/>
+            </a:endParaRPr>
+          </a:p>
+          <a:p>
+            <a:pPr marL="12700">
+              <a:spcBef>
+                <a:spcPts val="95"/>
+              </a:spcBef>
+            </a:pPr>
+            <a:r>
+              <a:rPr lang="en-US" sz="3200" kern="0" dirty="0">
+                <a:latin typeface="Carlito"/>
+                <a:cs typeface="Carlito"/>
+                <a:sym typeface="Wingdings" panose="05000000000000000000" pitchFamily="2" charset="2"/>
+              </a:rPr>
+              <a:t>Methods:</a:t>
+            </a:r>
+          </a:p>
+          <a:p>
+            <a:pPr marL="527050" indent="-514350">
+              <a:spcBef>
+                <a:spcPts val="95"/>
+              </a:spcBef>
+              <a:buAutoNum type="arabicPeriod"/>
+            </a:pPr>
+            <a:r>
+              <a:rPr lang="en-US" sz="3200" kern="0" dirty="0">
+                <a:latin typeface="Carlito"/>
+                <a:cs typeface="Carlito"/>
+                <a:sym typeface="Wingdings" panose="05000000000000000000" pitchFamily="2" charset="2"/>
+              </a:rPr>
+              <a:t>push(x) -&gt; destructive method (adds at the end), returns </a:t>
+            </a:r>
+            <a:r>
+              <a:rPr lang="en-US" sz="3200" kern="0" dirty="0" err="1">
+                <a:latin typeface="Carlito"/>
+                <a:cs typeface="Carlito"/>
+                <a:sym typeface="Wingdings" panose="05000000000000000000" pitchFamily="2" charset="2"/>
+              </a:rPr>
+              <a:t>len</a:t>
+            </a:r>
+            <a:endParaRPr lang="en-US" sz="3200" kern="0" dirty="0">
+              <a:latin typeface="Carlito"/>
+              <a:cs typeface="Carlito"/>
+              <a:sym typeface="Wingdings" panose="05000000000000000000" pitchFamily="2" charset="2"/>
+            </a:endParaRPr>
+          </a:p>
+          <a:p>
+            <a:pPr marL="527050" indent="-514350">
+              <a:spcBef>
+                <a:spcPts val="95"/>
+              </a:spcBef>
+              <a:buFontTx/>
+              <a:buAutoNum type="arabicPeriod"/>
+            </a:pPr>
+            <a:r>
+              <a:rPr lang="en-US" sz="3200" kern="0" dirty="0">
+                <a:latin typeface="Carlito"/>
+                <a:cs typeface="Carlito"/>
+                <a:sym typeface="Wingdings" panose="05000000000000000000" pitchFamily="2" charset="2"/>
+              </a:rPr>
+              <a:t>pop() -&gt; destructive method (remove from the end), returns </a:t>
+            </a:r>
+            <a:r>
+              <a:rPr lang="en-US" sz="3200" kern="0" dirty="0" err="1">
+                <a:latin typeface="Carlito"/>
+                <a:cs typeface="Carlito"/>
+                <a:sym typeface="Wingdings" panose="05000000000000000000" pitchFamily="2" charset="2"/>
+              </a:rPr>
+              <a:t>ele</a:t>
+            </a:r>
+            <a:endParaRPr lang="en-US" sz="3200" kern="0" dirty="0">
+              <a:latin typeface="Carlito"/>
+              <a:cs typeface="Carlito"/>
+              <a:sym typeface="Wingdings" panose="05000000000000000000" pitchFamily="2" charset="2"/>
+            </a:endParaRPr>
+          </a:p>
+          <a:p>
+            <a:pPr marL="527050" indent="-514350">
+              <a:spcBef>
+                <a:spcPts val="95"/>
+              </a:spcBef>
+              <a:buFontTx/>
+              <a:buAutoNum type="arabicPeriod"/>
+            </a:pPr>
+            <a:r>
+              <a:rPr lang="en-US" sz="3200" kern="0" dirty="0">
+                <a:latin typeface="Carlito"/>
+                <a:cs typeface="Carlito"/>
+                <a:sym typeface="Wingdings" panose="05000000000000000000" pitchFamily="2" charset="2"/>
+              </a:rPr>
+              <a:t>unshift(x) -&gt; destructive method (adds at the start), returns </a:t>
+            </a:r>
+            <a:r>
+              <a:rPr lang="en-US" sz="3200" kern="0" dirty="0" err="1">
+                <a:latin typeface="Carlito"/>
+                <a:cs typeface="Carlito"/>
+                <a:sym typeface="Wingdings" panose="05000000000000000000" pitchFamily="2" charset="2"/>
+              </a:rPr>
+              <a:t>len</a:t>
+            </a:r>
+            <a:endParaRPr lang="en-US" sz="3200" kern="0" dirty="0">
+              <a:latin typeface="Carlito"/>
+              <a:cs typeface="Carlito"/>
+              <a:sym typeface="Wingdings" panose="05000000000000000000" pitchFamily="2" charset="2"/>
+            </a:endParaRPr>
+          </a:p>
+          <a:p>
+            <a:pPr marL="527050" indent="-514350">
+              <a:spcBef>
+                <a:spcPts val="95"/>
+              </a:spcBef>
+              <a:buFontTx/>
+              <a:buAutoNum type="arabicPeriod"/>
+            </a:pPr>
+            <a:r>
+              <a:rPr lang="en-US" sz="3200" kern="0" dirty="0">
+                <a:latin typeface="Carlito"/>
+                <a:cs typeface="Carlito"/>
+                <a:sym typeface="Wingdings" panose="05000000000000000000" pitchFamily="2" charset="2"/>
+              </a:rPr>
+              <a:t>shift() -&gt; destructive method (remove from the start), returns </a:t>
+            </a:r>
+            <a:r>
+              <a:rPr lang="en-US" sz="3200" kern="0" dirty="0" err="1">
+                <a:latin typeface="Carlito"/>
+                <a:cs typeface="Carlito"/>
+                <a:sym typeface="Wingdings" panose="05000000000000000000" pitchFamily="2" charset="2"/>
+              </a:rPr>
+              <a:t>ele</a:t>
+            </a:r>
+            <a:endParaRPr lang="en-US" sz="3200" kern="0" dirty="0">
+              <a:latin typeface="Carlito"/>
+              <a:cs typeface="Carlito"/>
+              <a:sym typeface="Wingdings" panose="05000000000000000000" pitchFamily="2" charset="2"/>
+            </a:endParaRPr>
+          </a:p>
+          <a:p>
+            <a:pPr marL="12700">
+              <a:spcBef>
+                <a:spcPts val="95"/>
+              </a:spcBef>
+            </a:pPr>
+            <a:endParaRPr lang="en-US" sz="3200" kern="0" dirty="0">
+              <a:latin typeface="Carlito"/>
+              <a:cs typeface="Carlito"/>
+              <a:sym typeface="Wingdings" panose="05000000000000000000" pitchFamily="2" charset="2"/>
+            </a:endParaRPr>
+          </a:p>
+          <a:p>
+            <a:pPr marL="12700">
+              <a:spcBef>
+                <a:spcPts val="95"/>
+              </a:spcBef>
+            </a:pPr>
+            <a:r>
+              <a:rPr lang="en-US" sz="3200" kern="0" dirty="0">
+                <a:latin typeface="Carlito"/>
+                <a:cs typeface="Carlito"/>
+                <a:sym typeface="Wingdings" panose="05000000000000000000" pitchFamily="2" charset="2"/>
+              </a:rPr>
+              <a:t>5. slice(</a:t>
+            </a:r>
+            <a:r>
+              <a:rPr lang="en-US" sz="3200" kern="0" dirty="0" err="1">
+                <a:latin typeface="Carlito"/>
+                <a:cs typeface="Carlito"/>
+                <a:sym typeface="Wingdings" panose="05000000000000000000" pitchFamily="2" charset="2"/>
+              </a:rPr>
+              <a:t>x,y</a:t>
+            </a:r>
+            <a:r>
+              <a:rPr lang="en-US" sz="3200" kern="0" dirty="0">
+                <a:latin typeface="Carlito"/>
+                <a:cs typeface="Carlito"/>
+                <a:sym typeface="Wingdings" panose="05000000000000000000" pitchFamily="2" charset="2"/>
+              </a:rPr>
+              <a:t>) -&gt; returns array = [</a:t>
+            </a:r>
+            <a:r>
+              <a:rPr lang="en-US" sz="3200" kern="0" dirty="0" err="1">
+                <a:latin typeface="Carlito"/>
+                <a:cs typeface="Carlito"/>
+                <a:sym typeface="Wingdings" panose="05000000000000000000" pitchFamily="2" charset="2"/>
+              </a:rPr>
+              <a:t>x,y</a:t>
+            </a:r>
+            <a:r>
+              <a:rPr lang="en-US" sz="3200" kern="0" dirty="0">
+                <a:latin typeface="Carlito"/>
+                <a:cs typeface="Carlito"/>
+                <a:sym typeface="Wingdings" panose="05000000000000000000" pitchFamily="2" charset="2"/>
+              </a:rPr>
+              <a:t>) , (like substring for </a:t>
+            </a:r>
+            <a:r>
+              <a:rPr lang="en-US" sz="3200" kern="0" dirty="0" err="1">
+                <a:latin typeface="Carlito"/>
+                <a:cs typeface="Carlito"/>
+                <a:sym typeface="Wingdings" panose="05000000000000000000" pitchFamily="2" charset="2"/>
+              </a:rPr>
+              <a:t>arr</a:t>
+            </a:r>
+            <a:r>
+              <a:rPr lang="en-US" sz="3200" kern="0" dirty="0">
+                <a:latin typeface="Carlito"/>
+                <a:cs typeface="Carlito"/>
+                <a:sym typeface="Wingdings" panose="05000000000000000000" pitchFamily="2" charset="2"/>
+              </a:rPr>
+              <a:t> , Non-</a:t>
+            </a:r>
+            <a:r>
+              <a:rPr lang="en-US" sz="3200" kern="0" dirty="0" err="1">
+                <a:latin typeface="Carlito"/>
+                <a:cs typeface="Carlito"/>
+                <a:sym typeface="Wingdings" panose="05000000000000000000" pitchFamily="2" charset="2"/>
+              </a:rPr>
+              <a:t>dest</a:t>
+            </a:r>
+            <a:r>
+              <a:rPr lang="en-US" sz="3200" kern="0" dirty="0">
+                <a:latin typeface="Carlito"/>
+                <a:cs typeface="Carlito"/>
+                <a:sym typeface="Wingdings" panose="05000000000000000000" pitchFamily="2" charset="2"/>
+              </a:rPr>
+              <a:t>)</a:t>
+            </a:r>
+          </a:p>
+          <a:p>
+            <a:pPr marL="12700">
+              <a:spcBef>
+                <a:spcPts val="95"/>
+              </a:spcBef>
+            </a:pPr>
+            <a:r>
+              <a:rPr lang="en-US" sz="3200" kern="0" dirty="0">
+                <a:latin typeface="Carlito"/>
+                <a:cs typeface="Carlito"/>
+                <a:sym typeface="Wingdings" panose="05000000000000000000" pitchFamily="2" charset="2"/>
+              </a:rPr>
+              <a:t>6. splice(</a:t>
+            </a:r>
+            <a:r>
+              <a:rPr lang="en-US" sz="3200" kern="0" dirty="0" err="1">
+                <a:latin typeface="Carlito"/>
+                <a:cs typeface="Carlito"/>
+                <a:sym typeface="Wingdings" panose="05000000000000000000" pitchFamily="2" charset="2"/>
+              </a:rPr>
+              <a:t>x,y</a:t>
+            </a:r>
+            <a:r>
+              <a:rPr lang="en-US" sz="3200" kern="0" dirty="0">
+                <a:latin typeface="Carlito"/>
+                <a:cs typeface="Carlito"/>
+                <a:sym typeface="Wingdings" panose="05000000000000000000" pitchFamily="2" charset="2"/>
+              </a:rPr>
+              <a:t>) -&gt; return array = [x],y is size (</a:t>
+            </a:r>
+            <a:r>
+              <a:rPr lang="en-US" sz="3200" kern="0" dirty="0" err="1">
+                <a:latin typeface="Carlito"/>
+                <a:cs typeface="Carlito"/>
+                <a:sym typeface="Wingdings" panose="05000000000000000000" pitchFamily="2" charset="2"/>
+              </a:rPr>
+              <a:t>dest</a:t>
+            </a:r>
+            <a:r>
+              <a:rPr lang="en-US" sz="3200" kern="0" dirty="0">
+                <a:latin typeface="Carlito"/>
+                <a:cs typeface="Carlito"/>
+                <a:sym typeface="Wingdings" panose="05000000000000000000" pitchFamily="2" charset="2"/>
+              </a:rPr>
+              <a:t> method)</a:t>
+            </a:r>
+          </a:p>
+          <a:p>
+            <a:pPr marL="12700">
+              <a:spcBef>
+                <a:spcPts val="95"/>
+              </a:spcBef>
+            </a:pPr>
+            <a:r>
+              <a:rPr lang="en-US" sz="3200" kern="0" dirty="0">
+                <a:latin typeface="Carlito"/>
+                <a:cs typeface="Carlito"/>
+                <a:sym typeface="Wingdings" panose="05000000000000000000" pitchFamily="2" charset="2"/>
+              </a:rPr>
+              <a:t>e.g. splice(2,3,’a’,’b’) -&gt; will add ‘a’ and ‘b’ after 2</a:t>
+            </a:r>
+            <a:r>
+              <a:rPr lang="en-US" sz="3200" kern="0" baseline="30000" dirty="0">
+                <a:latin typeface="Carlito"/>
+                <a:cs typeface="Carlito"/>
+                <a:sym typeface="Wingdings" panose="05000000000000000000" pitchFamily="2" charset="2"/>
+              </a:rPr>
+              <a:t>nd</a:t>
+            </a:r>
+            <a:r>
+              <a:rPr lang="en-US" sz="3200" kern="0" dirty="0">
+                <a:latin typeface="Carlito"/>
+                <a:cs typeface="Carlito"/>
+                <a:sym typeface="Wingdings" panose="05000000000000000000" pitchFamily="2" charset="2"/>
+              </a:rPr>
+              <a:t> index.</a:t>
+            </a:r>
+          </a:p>
+        </p:txBody>
+      </p:sp>
+      <p:sp>
+        <p:nvSpPr>
+          <p:cNvPr id="7" name="TextBox 6">
+            <a:extLst>
+              <a:ext uri="{FF2B5EF4-FFF2-40B4-BE49-F238E27FC236}">
+                <a16:creationId xmlns:a16="http://schemas.microsoft.com/office/drawing/2014/main" id="{C2428796-F632-00B4-E484-CA738D260150}"/>
+              </a:ext>
+            </a:extLst>
+          </p:cNvPr>
+          <p:cNvSpPr txBox="1"/>
+          <p:nvPr/>
+        </p:nvSpPr>
+        <p:spPr>
+          <a:xfrm>
+            <a:off x="685800" y="4323186"/>
+            <a:ext cx="7086600" cy="707886"/>
+          </a:xfrm>
+          <a:prstGeom prst="rect">
+            <a:avLst/>
+          </a:prstGeom>
+          <a:noFill/>
+        </p:spPr>
+        <p:txBody>
+          <a:bodyPr wrap="square" rtlCol="0">
+            <a:spAutoFit/>
+          </a:bodyPr>
+          <a:lstStyle/>
+          <a:p>
+            <a:endParaRPr lang="en-IN" sz="4000" dirty="0">
+              <a:solidFill>
+                <a:schemeClr val="bg1"/>
+              </a:solidFill>
+            </a:endParaRPr>
+          </a:p>
+        </p:txBody>
+      </p:sp>
+    </p:spTree>
+    <p:extLst>
+      <p:ext uri="{BB962C8B-B14F-4D97-AF65-F5344CB8AC3E}">
+        <p14:creationId xmlns:p14="http://schemas.microsoft.com/office/powerpoint/2010/main" val="2507947358"/>
+      </p:ext>
+    </p:extLst>
+  </p:cSld>
+  <p:clrMapOvr>
+    <a:masterClrMapping/>
+  </p:clrMapOvr>
+</p:sld>
+</file>
+
+<file path=ppt/slides/slide15.xml><?xml version="1.0" encoding="utf-8"?>
+<p:sld xmlns:a="http://schemas.openxmlformats.org/drawingml/2006/main" xmlns:r="http://schemas.openxmlformats.org/officeDocument/2006/relationships" xmlns:p="http://schemas.openxmlformats.org/presentationml/2006/main">
+  <p:cSld>
+    <p:spTree>
+      <p:nvGrpSpPr>
+        <p:cNvPr id="1" name=""/>
+        <p:cNvGrpSpPr/>
+        <p:nvPr/>
+      </p:nvGrpSpPr>
+      <p:grpSpPr>
+        <a:xfrm>
+          <a:off x="0" y="0"/>
+          <a:ext cx="0" cy="0"/>
+          <a:chOff x="0" y="0"/>
+          <a:chExt cx="0" cy="0"/>
+        </a:xfrm>
+      </p:grpSpPr>
+      <p:sp>
+        <p:nvSpPr>
+          <p:cNvPr id="2" name="object 2"/>
+          <p:cNvSpPr/>
+          <p:nvPr/>
+        </p:nvSpPr>
+        <p:spPr>
+          <a:xfrm>
+            <a:off x="1" y="44199"/>
+            <a:ext cx="12191999" cy="7118601"/>
+          </a:xfrm>
+          <a:prstGeom prst="rect">
+            <a:avLst/>
+          </a:prstGeom>
+          <a:blipFill>
+            <a:blip r:embed="rId2" cstate="print"/>
+            <a:stretch>
+              <a:fillRect/>
+            </a:stretch>
+          </a:blipFill>
+        </p:spPr>
+        <p:txBody>
+          <a:bodyPr wrap="square" lIns="0" tIns="0" rIns="0" bIns="0" rtlCol="0"/>
+          <a:lstStyle/>
+          <a:p>
+            <a:endParaRPr b="1" dirty="0">
+              <a:ln w="13462">
+                <a:solidFill>
+                  <a:schemeClr val="bg1"/>
+                </a:solidFill>
+                <a:prstDash val="solid"/>
+              </a:ln>
+              <a:solidFill>
+                <a:schemeClr val="tx1">
+                  <a:lumMod val="85000"/>
+                  <a:lumOff val="15000"/>
+                </a:schemeClr>
+              </a:solidFill>
+              <a:effectLst>
+                <a:outerShdw dist="38100" dir="2700000" algn="bl" rotWithShape="0">
+                  <a:schemeClr val="accent5"/>
+                </a:outerShdw>
+              </a:effectLst>
+            </a:endParaRPr>
+          </a:p>
+        </p:txBody>
+      </p:sp>
+      <p:sp>
+        <p:nvSpPr>
+          <p:cNvPr id="3" name="object 3"/>
+          <p:cNvSpPr txBox="1">
+            <a:spLocks noGrp="1"/>
+          </p:cNvSpPr>
+          <p:nvPr>
+            <p:ph type="title"/>
+          </p:nvPr>
+        </p:nvSpPr>
+        <p:spPr>
+          <a:xfrm>
+            <a:off x="786485" y="457200"/>
+            <a:ext cx="8967115" cy="535403"/>
+          </a:xfrm>
+          <a:prstGeom prst="rect">
+            <a:avLst/>
+          </a:prstGeom>
+        </p:spPr>
+        <p:txBody>
+          <a:bodyPr vert="horz" wrap="square" lIns="0" tIns="12065" rIns="0" bIns="0" rtlCol="0">
+            <a:spAutoFit/>
+          </a:bodyPr>
+          <a:lstStyle/>
+          <a:p>
+            <a:pPr marL="12700">
+              <a:lnSpc>
+                <a:spcPct val="100000"/>
+              </a:lnSpc>
+              <a:spcBef>
+                <a:spcPts val="95"/>
+              </a:spcBef>
+            </a:pPr>
+            <a:r>
+              <a:rPr lang="en-US" sz="3400" dirty="0">
+                <a:latin typeface="Carlito"/>
+                <a:cs typeface="Carlito"/>
+              </a:rPr>
+              <a:t>Array Methods</a:t>
+            </a:r>
+            <a:endParaRPr sz="3400" dirty="0">
+              <a:latin typeface="Carlito"/>
+              <a:cs typeface="Carlito"/>
+            </a:endParaRPr>
+          </a:p>
+        </p:txBody>
+      </p:sp>
+      <p:sp>
+        <p:nvSpPr>
+          <p:cNvPr id="5" name="object 5"/>
+          <p:cNvSpPr/>
+          <p:nvPr/>
+        </p:nvSpPr>
+        <p:spPr>
+          <a:xfrm>
+            <a:off x="9816083" y="262127"/>
+            <a:ext cx="1976627" cy="822960"/>
+          </a:xfrm>
+          <a:prstGeom prst="rect">
+            <a:avLst/>
+          </a:prstGeom>
+          <a:blipFill>
+            <a:blip r:embed="rId3" cstate="print"/>
+            <a:stretch>
+              <a:fillRect/>
+            </a:stretch>
+          </a:blipFill>
+        </p:spPr>
+        <p:txBody>
+          <a:bodyPr wrap="square" lIns="0" tIns="0" rIns="0" bIns="0" rtlCol="0"/>
+          <a:lstStyle/>
+          <a:p>
+            <a:endParaRPr/>
+          </a:p>
+        </p:txBody>
+      </p:sp>
+      <p:sp>
+        <p:nvSpPr>
+          <p:cNvPr id="4" name="object 3">
+            <a:extLst>
+              <a:ext uri="{FF2B5EF4-FFF2-40B4-BE49-F238E27FC236}">
+                <a16:creationId xmlns:a16="http://schemas.microsoft.com/office/drawing/2014/main" id="{1ED9D45B-4B0D-FC76-3A8C-E89F6CD72254}"/>
+              </a:ext>
+            </a:extLst>
+          </p:cNvPr>
+          <p:cNvSpPr txBox="1">
+            <a:spLocks/>
+          </p:cNvSpPr>
+          <p:nvPr/>
+        </p:nvSpPr>
+        <p:spPr>
+          <a:xfrm>
+            <a:off x="685800" y="1143000"/>
+            <a:ext cx="11429999" cy="5544467"/>
+          </a:xfrm>
+          <a:prstGeom prst="rect">
+            <a:avLst/>
+          </a:prstGeom>
+        </p:spPr>
+        <p:txBody>
+          <a:bodyPr vert="horz" wrap="square" lIns="0" tIns="12065" rIns="0" bIns="0" rtlCol="0">
+            <a:spAutoFit/>
+          </a:bodyPr>
+          <a:lstStyle>
+            <a:lvl1pPr>
+              <a:defRPr sz="6000" b="0" i="0">
+                <a:solidFill>
+                  <a:srgbClr val="E7E6E6"/>
+                </a:solidFill>
+                <a:latin typeface="Trebuchet MS"/>
+                <a:ea typeface="+mj-ea"/>
+                <a:cs typeface="Trebuchet MS"/>
+              </a:defRPr>
+            </a:lvl1pPr>
+          </a:lstStyle>
+          <a:p>
+            <a:pPr marL="12700">
+              <a:spcBef>
+                <a:spcPts val="95"/>
+              </a:spcBef>
+            </a:pPr>
+            <a:r>
+              <a:rPr lang="en-US" sz="3200" kern="0" dirty="0">
+                <a:latin typeface="Carlito"/>
+                <a:cs typeface="Carlito"/>
+                <a:sym typeface="Wingdings" panose="05000000000000000000" pitchFamily="2" charset="2"/>
+              </a:rPr>
+              <a:t>7. split(‘/’) : String’s method splits at ‘/’ , returns array. (Non - </a:t>
+            </a:r>
+            <a:r>
+              <a:rPr lang="en-US" sz="3200" kern="0" dirty="0" err="1">
+                <a:latin typeface="Carlito"/>
+                <a:cs typeface="Carlito"/>
+                <a:sym typeface="Wingdings" panose="05000000000000000000" pitchFamily="2" charset="2"/>
+              </a:rPr>
+              <a:t>dest</a:t>
+            </a:r>
+            <a:r>
+              <a:rPr lang="en-US" sz="3200" kern="0" dirty="0">
+                <a:latin typeface="Carlito"/>
+                <a:cs typeface="Carlito"/>
+                <a:sym typeface="Wingdings" panose="05000000000000000000" pitchFamily="2" charset="2"/>
+              </a:rPr>
+              <a:t>)</a:t>
+            </a:r>
+          </a:p>
+          <a:p>
+            <a:pPr marL="12700">
+              <a:spcBef>
+                <a:spcPts val="95"/>
+              </a:spcBef>
+            </a:pPr>
+            <a:r>
+              <a:rPr lang="en-US" sz="3200" kern="0" dirty="0">
+                <a:latin typeface="Carlito"/>
+                <a:cs typeface="Carlito"/>
+                <a:sym typeface="Wingdings" panose="05000000000000000000" pitchFamily="2" charset="2"/>
+              </a:rPr>
+              <a:t>join(‘/’) : joins the array to a String. </a:t>
+            </a:r>
+          </a:p>
+          <a:p>
+            <a:pPr marL="12700">
+              <a:spcBef>
+                <a:spcPts val="95"/>
+              </a:spcBef>
+            </a:pPr>
+            <a:endParaRPr lang="en-US" sz="3200" kern="0" dirty="0">
+              <a:latin typeface="Carlito"/>
+              <a:cs typeface="Carlito"/>
+              <a:sym typeface="Wingdings" panose="05000000000000000000" pitchFamily="2" charset="2"/>
+            </a:endParaRPr>
+          </a:p>
+          <a:p>
+            <a:pPr marL="12700">
+              <a:spcBef>
+                <a:spcPts val="95"/>
+              </a:spcBef>
+            </a:pPr>
+            <a:r>
+              <a:rPr lang="en-US" sz="3200" kern="0" dirty="0">
+                <a:latin typeface="Carlito"/>
+                <a:cs typeface="Carlito"/>
+                <a:sym typeface="Wingdings" panose="05000000000000000000" pitchFamily="2" charset="2"/>
+              </a:rPr>
+              <a:t>8. </a:t>
+            </a:r>
+            <a:r>
+              <a:rPr lang="en-US" sz="3200" kern="0" dirty="0" err="1">
+                <a:latin typeface="Carlito"/>
+                <a:cs typeface="Carlito"/>
+                <a:sym typeface="Wingdings" panose="05000000000000000000" pitchFamily="2" charset="2"/>
+              </a:rPr>
+              <a:t>concat</a:t>
+            </a:r>
+            <a:r>
+              <a:rPr lang="en-US" sz="3200" kern="0" dirty="0">
+                <a:latin typeface="Carlito"/>
+                <a:cs typeface="Carlito"/>
+                <a:sym typeface="Wingdings" panose="05000000000000000000" pitchFamily="2" charset="2"/>
+              </a:rPr>
+              <a:t>: Joins 2 arrays and strings both. </a:t>
+            </a:r>
+          </a:p>
+          <a:p>
+            <a:pPr marL="12700">
+              <a:spcBef>
+                <a:spcPts val="95"/>
+              </a:spcBef>
+            </a:pPr>
+            <a:r>
+              <a:rPr lang="en-US" sz="3200" kern="0" dirty="0">
+                <a:latin typeface="Carlito"/>
+                <a:cs typeface="Carlito"/>
+                <a:sym typeface="Wingdings" panose="05000000000000000000" pitchFamily="2" charset="2"/>
+              </a:rPr>
+              <a:t>e.g. arr1.concat(arr2); (Non - </a:t>
+            </a:r>
+            <a:r>
+              <a:rPr lang="en-US" sz="3200" kern="0" dirty="0" err="1">
+                <a:latin typeface="Carlito"/>
+                <a:cs typeface="Carlito"/>
+                <a:sym typeface="Wingdings" panose="05000000000000000000" pitchFamily="2" charset="2"/>
+              </a:rPr>
+              <a:t>dest</a:t>
+            </a:r>
+            <a:r>
+              <a:rPr lang="en-US" sz="3200" kern="0" dirty="0">
+                <a:latin typeface="Carlito"/>
+                <a:cs typeface="Carlito"/>
+                <a:sym typeface="Wingdings" panose="05000000000000000000" pitchFamily="2" charset="2"/>
+              </a:rPr>
+              <a:t>)</a:t>
+            </a:r>
+          </a:p>
+          <a:p>
+            <a:pPr marL="12700">
+              <a:spcBef>
+                <a:spcPts val="95"/>
+              </a:spcBef>
+            </a:pPr>
+            <a:r>
+              <a:rPr lang="en-US" sz="3200" kern="0" dirty="0">
+                <a:latin typeface="Carlito"/>
+                <a:cs typeface="Carlito"/>
+                <a:sym typeface="Wingdings" panose="05000000000000000000" pitchFamily="2" charset="2"/>
+              </a:rPr>
+              <a:t>9. includes(‘x’) : returns Boolean value.</a:t>
+            </a:r>
+          </a:p>
+          <a:p>
+            <a:pPr marL="12700">
+              <a:spcBef>
+                <a:spcPts val="95"/>
+              </a:spcBef>
+            </a:pPr>
+            <a:r>
+              <a:rPr lang="en-US" sz="3200" kern="0" dirty="0">
+                <a:latin typeface="Carlito"/>
+                <a:cs typeface="Carlito"/>
+                <a:sym typeface="Wingdings" panose="05000000000000000000" pitchFamily="2" charset="2"/>
+              </a:rPr>
+              <a:t>10. </a:t>
+            </a:r>
+            <a:r>
+              <a:rPr lang="en-US" sz="3200" kern="0" dirty="0" err="1">
+                <a:latin typeface="Carlito"/>
+                <a:cs typeface="Carlito"/>
+                <a:sym typeface="Wingdings" panose="05000000000000000000" pitchFamily="2" charset="2"/>
+              </a:rPr>
+              <a:t>indexOf</a:t>
+            </a:r>
+            <a:r>
+              <a:rPr lang="en-US" sz="3200" kern="0" dirty="0">
+                <a:latin typeface="Carlito"/>
+                <a:cs typeface="Carlito"/>
+                <a:sym typeface="Wingdings" panose="05000000000000000000" pitchFamily="2" charset="2"/>
+              </a:rPr>
+              <a:t>(‘x’): </a:t>
+            </a:r>
+            <a:r>
+              <a:rPr lang="en-US" sz="3200" kern="0" dirty="0" err="1">
+                <a:latin typeface="Carlito"/>
+                <a:cs typeface="Carlito"/>
+                <a:sym typeface="Wingdings" panose="05000000000000000000" pitchFamily="2" charset="2"/>
+              </a:rPr>
+              <a:t>retuns</a:t>
+            </a:r>
+            <a:r>
+              <a:rPr lang="en-US" sz="3200" kern="0" dirty="0">
+                <a:latin typeface="Carlito"/>
+                <a:cs typeface="Carlito"/>
+                <a:sym typeface="Wingdings" panose="05000000000000000000" pitchFamily="2" charset="2"/>
+              </a:rPr>
+              <a:t> -1(if not present) or integer.</a:t>
+            </a:r>
+          </a:p>
+          <a:p>
+            <a:pPr marL="12700">
+              <a:spcBef>
+                <a:spcPts val="95"/>
+              </a:spcBef>
+            </a:pPr>
+            <a:r>
+              <a:rPr lang="en-US" sz="3200" kern="0" dirty="0">
+                <a:latin typeface="Carlito"/>
+                <a:cs typeface="Carlito"/>
+                <a:sym typeface="Wingdings" panose="05000000000000000000" pitchFamily="2" charset="2"/>
+              </a:rPr>
+              <a:t>11. reverse() : reverse the array  . (</a:t>
+            </a:r>
+            <a:r>
+              <a:rPr lang="en-US" sz="3200" kern="0" dirty="0" err="1">
+                <a:latin typeface="Carlito"/>
+                <a:cs typeface="Carlito"/>
+                <a:sym typeface="Wingdings" panose="05000000000000000000" pitchFamily="2" charset="2"/>
+              </a:rPr>
+              <a:t>dest</a:t>
+            </a:r>
+            <a:r>
+              <a:rPr lang="en-US" sz="3200" kern="0" dirty="0">
+                <a:latin typeface="Carlito"/>
+                <a:cs typeface="Carlito"/>
+                <a:sym typeface="Wingdings" panose="05000000000000000000" pitchFamily="2" charset="2"/>
+              </a:rPr>
+              <a:t> method)</a:t>
+            </a:r>
+          </a:p>
+          <a:p>
+            <a:pPr marL="12700">
+              <a:spcBef>
+                <a:spcPts val="95"/>
+              </a:spcBef>
+            </a:pPr>
+            <a:endParaRPr lang="en-US" sz="3200" kern="0" dirty="0">
+              <a:latin typeface="Carlito"/>
+              <a:cs typeface="Carlito"/>
+              <a:sym typeface="Wingdings" panose="05000000000000000000" pitchFamily="2" charset="2"/>
+            </a:endParaRPr>
+          </a:p>
+          <a:p>
+            <a:pPr marL="12700">
+              <a:spcBef>
+                <a:spcPts val="95"/>
+              </a:spcBef>
+            </a:pPr>
+            <a:r>
+              <a:rPr lang="en-US" sz="3200" kern="0" dirty="0">
+                <a:latin typeface="Carlito"/>
+                <a:cs typeface="Carlito"/>
+                <a:sym typeface="Wingdings" panose="05000000000000000000" pitchFamily="2" charset="2"/>
+              </a:rPr>
+              <a:t>Note: Arrays are reference type , i.e. change in one array is reflected in another array.</a:t>
+            </a:r>
+          </a:p>
+        </p:txBody>
+      </p:sp>
+      <p:sp>
+        <p:nvSpPr>
+          <p:cNvPr id="7" name="TextBox 6">
+            <a:extLst>
+              <a:ext uri="{FF2B5EF4-FFF2-40B4-BE49-F238E27FC236}">
+                <a16:creationId xmlns:a16="http://schemas.microsoft.com/office/drawing/2014/main" id="{C2428796-F632-00B4-E484-CA738D260150}"/>
+              </a:ext>
+            </a:extLst>
+          </p:cNvPr>
+          <p:cNvSpPr txBox="1"/>
+          <p:nvPr/>
+        </p:nvSpPr>
+        <p:spPr>
+          <a:xfrm>
+            <a:off x="685800" y="4323186"/>
+            <a:ext cx="7086600" cy="707886"/>
+          </a:xfrm>
+          <a:prstGeom prst="rect">
+            <a:avLst/>
+          </a:prstGeom>
+          <a:noFill/>
+        </p:spPr>
+        <p:txBody>
+          <a:bodyPr wrap="square" rtlCol="0">
+            <a:spAutoFit/>
+          </a:bodyPr>
+          <a:lstStyle/>
+          <a:p>
+            <a:endParaRPr lang="en-IN" sz="4000" dirty="0">
+              <a:solidFill>
+                <a:schemeClr val="bg1"/>
+              </a:solidFill>
+            </a:endParaRPr>
+          </a:p>
+        </p:txBody>
+      </p:sp>
+    </p:spTree>
+    <p:extLst>
+      <p:ext uri="{BB962C8B-B14F-4D97-AF65-F5344CB8AC3E}">
+        <p14:creationId xmlns:p14="http://schemas.microsoft.com/office/powerpoint/2010/main" val="1422137065"/>
       </p:ext>
     </p:extLst>
   </p:cSld>
@@ -4093,6 +6985,1097 @@
     <p:extLst>
       <p:ext uri="{BB962C8B-B14F-4D97-AF65-F5344CB8AC3E}">
         <p14:creationId xmlns:p14="http://schemas.microsoft.com/office/powerpoint/2010/main" val="1364500409"/>
+      </p:ext>
+    </p:extLst>
+  </p:cSld>
+  <p:clrMapOvr>
+    <a:masterClrMapping/>
+  </p:clrMapOvr>
+</p:sld>
+</file>
+
+<file path=ppt/slides/slide8.xml><?xml version="1.0" encoding="utf-8"?>
+<p:sld xmlns:a="http://schemas.openxmlformats.org/drawingml/2006/main" xmlns:r="http://schemas.openxmlformats.org/officeDocument/2006/relationships" xmlns:p="http://schemas.openxmlformats.org/presentationml/2006/main">
+  <p:cSld>
+    <p:spTree>
+      <p:nvGrpSpPr>
+        <p:cNvPr id="1" name=""/>
+        <p:cNvGrpSpPr/>
+        <p:nvPr/>
+      </p:nvGrpSpPr>
+      <p:grpSpPr>
+        <a:xfrm>
+          <a:off x="0" y="0"/>
+          <a:ext cx="0" cy="0"/>
+          <a:chOff x="0" y="0"/>
+          <a:chExt cx="0" cy="0"/>
+        </a:xfrm>
+      </p:grpSpPr>
+      <p:sp>
+        <p:nvSpPr>
+          <p:cNvPr id="2" name="object 2"/>
+          <p:cNvSpPr/>
+          <p:nvPr/>
+        </p:nvSpPr>
+        <p:spPr>
+          <a:xfrm>
+            <a:off x="1" y="44199"/>
+            <a:ext cx="12191999" cy="7118601"/>
+          </a:xfrm>
+          <a:prstGeom prst="rect">
+            <a:avLst/>
+          </a:prstGeom>
+          <a:blipFill>
+            <a:blip r:embed="rId2" cstate="print"/>
+            <a:stretch>
+              <a:fillRect/>
+            </a:stretch>
+          </a:blipFill>
+        </p:spPr>
+        <p:txBody>
+          <a:bodyPr wrap="square" lIns="0" tIns="0" rIns="0" bIns="0" rtlCol="0"/>
+          <a:lstStyle/>
+          <a:p>
+            <a:endParaRPr b="1" dirty="0">
+              <a:ln w="13462">
+                <a:solidFill>
+                  <a:schemeClr val="bg1"/>
+                </a:solidFill>
+                <a:prstDash val="solid"/>
+              </a:ln>
+              <a:solidFill>
+                <a:schemeClr val="tx1">
+                  <a:lumMod val="85000"/>
+                  <a:lumOff val="15000"/>
+                </a:schemeClr>
+              </a:solidFill>
+              <a:effectLst>
+                <a:outerShdw dist="38100" dir="2700000" algn="bl" rotWithShape="0">
+                  <a:schemeClr val="accent5"/>
+                </a:outerShdw>
+              </a:effectLst>
+            </a:endParaRPr>
+          </a:p>
+        </p:txBody>
+      </p:sp>
+      <p:sp>
+        <p:nvSpPr>
+          <p:cNvPr id="3" name="object 3"/>
+          <p:cNvSpPr txBox="1">
+            <a:spLocks noGrp="1"/>
+          </p:cNvSpPr>
+          <p:nvPr>
+            <p:ph type="title"/>
+          </p:nvPr>
+        </p:nvSpPr>
+        <p:spPr>
+          <a:xfrm>
+            <a:off x="786485" y="457200"/>
+            <a:ext cx="8967115" cy="535403"/>
+          </a:xfrm>
+          <a:prstGeom prst="rect">
+            <a:avLst/>
+          </a:prstGeom>
+        </p:spPr>
+        <p:txBody>
+          <a:bodyPr vert="horz" wrap="square" lIns="0" tIns="12065" rIns="0" bIns="0" rtlCol="0">
+            <a:spAutoFit/>
+          </a:bodyPr>
+          <a:lstStyle/>
+          <a:p>
+            <a:pPr marL="12700">
+              <a:lnSpc>
+                <a:spcPct val="100000"/>
+              </a:lnSpc>
+              <a:spcBef>
+                <a:spcPts val="95"/>
+              </a:spcBef>
+            </a:pPr>
+            <a:r>
+              <a:rPr lang="en-US" sz="3400" b="1" spc="-5" dirty="0">
+                <a:solidFill>
+                  <a:srgbClr val="FFFFFF"/>
+                </a:solidFill>
+                <a:latin typeface="Carlito"/>
+                <a:cs typeface="Carlito"/>
+              </a:rPr>
+              <a:t>String Methods</a:t>
+            </a:r>
+            <a:endParaRPr sz="3400" dirty="0">
+              <a:latin typeface="Carlito"/>
+              <a:cs typeface="Carlito"/>
+            </a:endParaRPr>
+          </a:p>
+        </p:txBody>
+      </p:sp>
+      <p:sp>
+        <p:nvSpPr>
+          <p:cNvPr id="5" name="object 5"/>
+          <p:cNvSpPr/>
+          <p:nvPr/>
+        </p:nvSpPr>
+        <p:spPr>
+          <a:xfrm>
+            <a:off x="9816083" y="262127"/>
+            <a:ext cx="1976627" cy="822960"/>
+          </a:xfrm>
+          <a:prstGeom prst="rect">
+            <a:avLst/>
+          </a:prstGeom>
+          <a:blipFill>
+            <a:blip r:embed="rId3" cstate="print"/>
+            <a:stretch>
+              <a:fillRect/>
+            </a:stretch>
+          </a:blipFill>
+        </p:spPr>
+        <p:txBody>
+          <a:bodyPr wrap="square" lIns="0" tIns="0" rIns="0" bIns="0" rtlCol="0"/>
+          <a:lstStyle/>
+          <a:p>
+            <a:endParaRPr/>
+          </a:p>
+        </p:txBody>
+      </p:sp>
+      <p:sp>
+        <p:nvSpPr>
+          <p:cNvPr id="4" name="object 3">
+            <a:extLst>
+              <a:ext uri="{FF2B5EF4-FFF2-40B4-BE49-F238E27FC236}">
+                <a16:creationId xmlns:a16="http://schemas.microsoft.com/office/drawing/2014/main" id="{1ED9D45B-4B0D-FC76-3A8C-E89F6CD72254}"/>
+              </a:ext>
+            </a:extLst>
+          </p:cNvPr>
+          <p:cNvSpPr txBox="1">
+            <a:spLocks/>
+          </p:cNvSpPr>
+          <p:nvPr/>
+        </p:nvSpPr>
+        <p:spPr>
+          <a:xfrm>
+            <a:off x="762000" y="1143000"/>
+            <a:ext cx="11283579" cy="6062557"/>
+          </a:xfrm>
+          <a:prstGeom prst="rect">
+            <a:avLst/>
+          </a:prstGeom>
+        </p:spPr>
+        <p:txBody>
+          <a:bodyPr vert="horz" wrap="square" lIns="0" tIns="12065" rIns="0" bIns="0" rtlCol="0">
+            <a:spAutoFit/>
+          </a:bodyPr>
+          <a:lstStyle>
+            <a:lvl1pPr>
+              <a:defRPr sz="6000" b="0" i="0">
+                <a:solidFill>
+                  <a:srgbClr val="E7E6E6"/>
+                </a:solidFill>
+                <a:latin typeface="Trebuchet MS"/>
+                <a:ea typeface="+mj-ea"/>
+                <a:cs typeface="Trebuchet MS"/>
+              </a:defRPr>
+            </a:lvl1pPr>
+          </a:lstStyle>
+          <a:p>
+            <a:pPr marL="12700">
+              <a:spcBef>
+                <a:spcPts val="95"/>
+              </a:spcBef>
+            </a:pPr>
+            <a:r>
+              <a:rPr lang="en-US" sz="3200" kern="0" dirty="0">
+                <a:latin typeface="Carlito"/>
+                <a:cs typeface="Carlito"/>
+                <a:sym typeface="Wingdings" panose="05000000000000000000" pitchFamily="2" charset="2"/>
+              </a:rPr>
+              <a:t>1.substr : 	</a:t>
+            </a:r>
+            <a:r>
+              <a:rPr lang="en-US" sz="3200" kern="0" dirty="0" err="1">
+                <a:latin typeface="Carlito"/>
+                <a:cs typeface="Carlito"/>
+                <a:sym typeface="Wingdings" panose="05000000000000000000" pitchFamily="2" charset="2"/>
+              </a:rPr>
+              <a:t>str.substr</a:t>
+            </a:r>
+            <a:r>
+              <a:rPr lang="en-US" sz="3200" kern="0" dirty="0">
+                <a:latin typeface="Carlito"/>
+                <a:cs typeface="Carlito"/>
+                <a:sym typeface="Wingdings" panose="05000000000000000000" pitchFamily="2" charset="2"/>
+              </a:rPr>
+              <a:t>(2)-&gt; removes portion from first</a:t>
+            </a:r>
+          </a:p>
+          <a:p>
+            <a:pPr marL="12700">
+              <a:spcBef>
+                <a:spcPts val="95"/>
+              </a:spcBef>
+            </a:pPr>
+            <a:r>
+              <a:rPr lang="en-US" sz="3200" kern="0" dirty="0">
+                <a:latin typeface="Carlito"/>
+                <a:cs typeface="Carlito"/>
+                <a:sym typeface="Wingdings" panose="05000000000000000000" pitchFamily="2" charset="2"/>
+              </a:rPr>
+              <a:t>		</a:t>
+            </a:r>
+            <a:r>
+              <a:rPr lang="en-US" sz="3200" kern="0" dirty="0" err="1">
+                <a:latin typeface="Carlito"/>
+                <a:cs typeface="Carlito"/>
+                <a:sym typeface="Wingdings" panose="05000000000000000000" pitchFamily="2" charset="2"/>
+              </a:rPr>
+              <a:t>str.substr</a:t>
+            </a:r>
+            <a:r>
+              <a:rPr lang="en-US" sz="3200" kern="0" dirty="0">
+                <a:latin typeface="Carlito"/>
+                <a:cs typeface="Carlito"/>
+                <a:sym typeface="Wingdings" panose="05000000000000000000" pitchFamily="2" charset="2"/>
+              </a:rPr>
+              <a:t>(2,5) -&gt; 5 is size</a:t>
+            </a:r>
+          </a:p>
+          <a:p>
+            <a:pPr marL="12700">
+              <a:spcBef>
+                <a:spcPts val="95"/>
+              </a:spcBef>
+            </a:pPr>
+            <a:r>
+              <a:rPr lang="en-US" sz="3200" kern="0" dirty="0">
+                <a:latin typeface="Carlito"/>
+                <a:cs typeface="Carlito"/>
+                <a:sym typeface="Wingdings" panose="05000000000000000000" pitchFamily="2" charset="2"/>
+              </a:rPr>
+              <a:t>		</a:t>
+            </a:r>
+            <a:r>
+              <a:rPr lang="en-US" sz="3200" kern="0" dirty="0" err="1">
+                <a:latin typeface="Carlito"/>
+                <a:cs typeface="Carlito"/>
+                <a:sym typeface="Wingdings" panose="05000000000000000000" pitchFamily="2" charset="2"/>
+              </a:rPr>
+              <a:t>str.substr</a:t>
+            </a:r>
+            <a:r>
+              <a:rPr lang="en-US" sz="3200" kern="0" dirty="0">
+                <a:latin typeface="Carlito"/>
+                <a:cs typeface="Carlito"/>
+                <a:sym typeface="Wingdings" panose="05000000000000000000" pitchFamily="2" charset="2"/>
+              </a:rPr>
+              <a:t>(-5,5) -&gt; starts from last</a:t>
+            </a:r>
+          </a:p>
+          <a:p>
+            <a:pPr marL="12700">
+              <a:spcBef>
+                <a:spcPts val="95"/>
+              </a:spcBef>
+            </a:pPr>
+            <a:r>
+              <a:rPr lang="en-US" sz="3200" kern="0" dirty="0">
+                <a:latin typeface="Carlito"/>
+                <a:cs typeface="Carlito"/>
+                <a:sym typeface="Wingdings" panose="05000000000000000000" pitchFamily="2" charset="2"/>
+              </a:rPr>
+              <a:t>2.substring : </a:t>
+            </a:r>
+            <a:r>
+              <a:rPr lang="en-US" sz="3200" kern="0" dirty="0" err="1">
+                <a:latin typeface="Carlito"/>
+                <a:cs typeface="Carlito"/>
+                <a:sym typeface="Wingdings" panose="05000000000000000000" pitchFamily="2" charset="2"/>
+              </a:rPr>
+              <a:t>str.substring</a:t>
+            </a:r>
+            <a:r>
+              <a:rPr lang="en-US" sz="3200" kern="0" dirty="0">
+                <a:latin typeface="Carlito"/>
+                <a:cs typeface="Carlito"/>
+                <a:sym typeface="Wingdings" panose="05000000000000000000" pitchFamily="2" charset="2"/>
+              </a:rPr>
+              <a:t>(2)-&gt; removes portion from first</a:t>
+            </a:r>
+          </a:p>
+          <a:p>
+            <a:pPr marL="12700">
+              <a:spcBef>
+                <a:spcPts val="95"/>
+              </a:spcBef>
+            </a:pPr>
+            <a:r>
+              <a:rPr lang="en-US" sz="3200" kern="0" dirty="0">
+                <a:latin typeface="Carlito"/>
+                <a:cs typeface="Carlito"/>
+                <a:sym typeface="Wingdings" panose="05000000000000000000" pitchFamily="2" charset="2"/>
+              </a:rPr>
+              <a:t>		</a:t>
+            </a:r>
+            <a:r>
+              <a:rPr lang="en-US" sz="3200" kern="0" dirty="0" err="1">
+                <a:latin typeface="Carlito"/>
+                <a:cs typeface="Carlito"/>
+                <a:sym typeface="Wingdings" panose="05000000000000000000" pitchFamily="2" charset="2"/>
+              </a:rPr>
+              <a:t>str.substring</a:t>
+            </a:r>
+            <a:r>
+              <a:rPr lang="en-US" sz="3200" kern="0" dirty="0">
+                <a:latin typeface="Carlito"/>
+                <a:cs typeface="Carlito"/>
+                <a:sym typeface="Wingdings" panose="05000000000000000000" pitchFamily="2" charset="2"/>
+              </a:rPr>
+              <a:t>(2,5)-&gt; 5 is the ending index.(not included)</a:t>
+            </a:r>
+          </a:p>
+          <a:p>
+            <a:pPr marL="12700">
+              <a:spcBef>
+                <a:spcPts val="95"/>
+              </a:spcBef>
+            </a:pPr>
+            <a:r>
+              <a:rPr lang="en-US" sz="3200" kern="0" dirty="0">
+                <a:latin typeface="Carlito"/>
+                <a:cs typeface="Carlito"/>
+                <a:sym typeface="Wingdings" panose="05000000000000000000" pitchFamily="2" charset="2"/>
+              </a:rPr>
+              <a:t>		</a:t>
+            </a:r>
+            <a:r>
+              <a:rPr lang="en-US" sz="3200" kern="0" dirty="0" err="1">
+                <a:latin typeface="Carlito"/>
+                <a:cs typeface="Carlito"/>
+                <a:sym typeface="Wingdings" panose="05000000000000000000" pitchFamily="2" charset="2"/>
+              </a:rPr>
+              <a:t>str.substring</a:t>
+            </a:r>
+            <a:r>
+              <a:rPr lang="en-US" sz="3200" kern="0" dirty="0">
+                <a:latin typeface="Carlito"/>
+                <a:cs typeface="Carlito"/>
+                <a:sym typeface="Wingdings" panose="05000000000000000000" pitchFamily="2" charset="2"/>
+              </a:rPr>
+              <a:t>(5,2)-&gt; it swaps to (2,5).</a:t>
+            </a:r>
+          </a:p>
+          <a:p>
+            <a:pPr marL="12700">
+              <a:spcBef>
+                <a:spcPts val="95"/>
+              </a:spcBef>
+            </a:pPr>
+            <a:r>
+              <a:rPr lang="en-US" sz="3200" kern="0" dirty="0">
+                <a:latin typeface="Carlito"/>
+                <a:cs typeface="Carlito"/>
+                <a:sym typeface="Wingdings" panose="05000000000000000000" pitchFamily="2" charset="2"/>
+              </a:rPr>
+              <a:t>		</a:t>
+            </a:r>
+            <a:r>
+              <a:rPr lang="en-US" sz="3200" kern="0" dirty="0" err="1">
+                <a:latin typeface="Carlito"/>
+                <a:cs typeface="Carlito"/>
+                <a:sym typeface="Wingdings" panose="05000000000000000000" pitchFamily="2" charset="2"/>
+              </a:rPr>
+              <a:t>str.substring</a:t>
+            </a:r>
+            <a:r>
+              <a:rPr lang="en-US" sz="3200" kern="0" dirty="0">
+                <a:latin typeface="Carlito"/>
+                <a:cs typeface="Carlito"/>
+                <a:sym typeface="Wingdings" panose="05000000000000000000" pitchFamily="2" charset="2"/>
+              </a:rPr>
+              <a:t>(-5,2)-&gt; it makes -</a:t>
+            </a:r>
+            <a:r>
+              <a:rPr lang="en-US" sz="3200" kern="0" dirty="0" err="1">
+                <a:latin typeface="Carlito"/>
+                <a:cs typeface="Carlito"/>
+                <a:sym typeface="Wingdings" panose="05000000000000000000" pitchFamily="2" charset="2"/>
+              </a:rPr>
+              <a:t>ve</a:t>
+            </a:r>
+            <a:r>
+              <a:rPr lang="en-US" sz="3200" kern="0" dirty="0">
+                <a:latin typeface="Carlito"/>
+                <a:cs typeface="Carlito"/>
+                <a:sym typeface="Wingdings" panose="05000000000000000000" pitchFamily="2" charset="2"/>
+              </a:rPr>
+              <a:t> to 0.</a:t>
+            </a:r>
+          </a:p>
+          <a:p>
+            <a:pPr marL="12700">
+              <a:spcBef>
+                <a:spcPts val="95"/>
+              </a:spcBef>
+            </a:pPr>
+            <a:r>
+              <a:rPr lang="en-US" sz="3200" kern="0" dirty="0">
+                <a:latin typeface="Carlito"/>
+                <a:cs typeface="Carlito"/>
+                <a:sym typeface="Wingdings" panose="05000000000000000000" pitchFamily="2" charset="2"/>
+              </a:rPr>
+              <a:t>3.indexOf : </a:t>
+            </a:r>
+            <a:r>
+              <a:rPr lang="en-US" sz="3200" kern="0" dirty="0" err="1">
+                <a:latin typeface="Carlito"/>
+                <a:cs typeface="Carlito"/>
+                <a:sym typeface="Wingdings" panose="05000000000000000000" pitchFamily="2" charset="2"/>
+              </a:rPr>
+              <a:t>str.indexOf</a:t>
+            </a:r>
+            <a:r>
+              <a:rPr lang="en-US" sz="3200" kern="0" dirty="0">
+                <a:latin typeface="Carlito"/>
+                <a:cs typeface="Carlito"/>
+                <a:sym typeface="Wingdings" panose="05000000000000000000" pitchFamily="2" charset="2"/>
+              </a:rPr>
+              <a:t>(‘a’). -&gt; returns number </a:t>
+            </a:r>
+          </a:p>
+          <a:p>
+            <a:pPr marL="12700">
+              <a:spcBef>
+                <a:spcPts val="95"/>
+              </a:spcBef>
+            </a:pPr>
+            <a:r>
+              <a:rPr lang="en-US" sz="3200" kern="0" dirty="0">
+                <a:latin typeface="Carlito"/>
+                <a:cs typeface="Carlito"/>
+                <a:sym typeface="Wingdings" panose="05000000000000000000" pitchFamily="2" charset="2"/>
+              </a:rPr>
+              <a:t>		</a:t>
+            </a:r>
+            <a:r>
+              <a:rPr lang="en-US" sz="3200" kern="0" dirty="0" err="1">
+                <a:latin typeface="Carlito"/>
+                <a:cs typeface="Carlito"/>
+                <a:sym typeface="Wingdings" panose="05000000000000000000" pitchFamily="2" charset="2"/>
+              </a:rPr>
+              <a:t>str.indexOf</a:t>
+            </a:r>
+            <a:r>
+              <a:rPr lang="en-US" sz="3200" kern="0" dirty="0">
+                <a:latin typeface="Carlito"/>
+                <a:cs typeface="Carlito"/>
+                <a:sym typeface="Wingdings" panose="05000000000000000000" pitchFamily="2" charset="2"/>
+              </a:rPr>
+              <a:t>(‘a’,2). -&gt; starts from index 2 then returns</a:t>
+            </a:r>
+          </a:p>
+          <a:p>
+            <a:pPr marL="12700">
+              <a:spcBef>
+                <a:spcPts val="95"/>
+              </a:spcBef>
+            </a:pPr>
+            <a:r>
+              <a:rPr lang="en-US" sz="3200" kern="0" dirty="0">
+                <a:latin typeface="Carlito"/>
+                <a:cs typeface="Carlito"/>
+                <a:sym typeface="Wingdings" panose="05000000000000000000" pitchFamily="2" charset="2"/>
+              </a:rPr>
+              <a:t>		(DIY Ques: try getting the 3</a:t>
+            </a:r>
+            <a:r>
+              <a:rPr lang="en-US" sz="3200" kern="0" baseline="30000" dirty="0">
+                <a:latin typeface="Carlito"/>
+                <a:cs typeface="Carlito"/>
+                <a:sym typeface="Wingdings" panose="05000000000000000000" pitchFamily="2" charset="2"/>
+              </a:rPr>
+              <a:t>rd</a:t>
+            </a:r>
+            <a:r>
+              <a:rPr lang="en-US" sz="3200" kern="0" dirty="0">
+                <a:latin typeface="Carlito"/>
+                <a:cs typeface="Carlito"/>
+                <a:sym typeface="Wingdings" panose="05000000000000000000" pitchFamily="2" charset="2"/>
+              </a:rPr>
+              <a:t> a).</a:t>
+            </a:r>
+          </a:p>
+          <a:p>
+            <a:pPr marL="12700">
+              <a:spcBef>
+                <a:spcPts val="95"/>
+              </a:spcBef>
+            </a:pPr>
+            <a:r>
+              <a:rPr lang="en-US" sz="3200" kern="0" dirty="0">
+                <a:latin typeface="Carlito"/>
+                <a:cs typeface="Carlito"/>
+                <a:sym typeface="Wingdings" panose="05000000000000000000" pitchFamily="2" charset="2"/>
+              </a:rPr>
+              <a:t>4.replace : </a:t>
+            </a:r>
+            <a:r>
+              <a:rPr lang="en-US" sz="3200" kern="0" dirty="0" err="1">
+                <a:latin typeface="Carlito"/>
+                <a:cs typeface="Carlito"/>
+                <a:sym typeface="Wingdings" panose="05000000000000000000" pitchFamily="2" charset="2"/>
+              </a:rPr>
+              <a:t>str.replace</a:t>
+            </a:r>
+            <a:r>
+              <a:rPr lang="en-US" sz="3200" kern="0" dirty="0">
+                <a:latin typeface="Carlito"/>
+                <a:cs typeface="Carlito"/>
+                <a:sym typeface="Wingdings" panose="05000000000000000000" pitchFamily="2" charset="2"/>
+              </a:rPr>
+              <a:t>(‘</a:t>
+            </a:r>
+            <a:r>
+              <a:rPr lang="en-US" sz="3200" kern="0" dirty="0" err="1">
+                <a:latin typeface="Carlito"/>
+                <a:cs typeface="Carlito"/>
+                <a:sym typeface="Wingdings" panose="05000000000000000000" pitchFamily="2" charset="2"/>
+              </a:rPr>
+              <a:t>a’,’m</a:t>
+            </a:r>
+            <a:r>
+              <a:rPr lang="en-US" sz="3200" kern="0" dirty="0">
+                <a:latin typeface="Carlito"/>
+                <a:cs typeface="Carlito"/>
+                <a:sym typeface="Wingdings" panose="05000000000000000000" pitchFamily="2" charset="2"/>
+              </a:rPr>
+              <a:t>’) -&gt; only replace first </a:t>
+            </a:r>
+          </a:p>
+          <a:p>
+            <a:pPr marL="12700">
+              <a:spcBef>
+                <a:spcPts val="95"/>
+              </a:spcBef>
+            </a:pPr>
+            <a:r>
+              <a:rPr lang="en-US" sz="3200" kern="0" dirty="0">
+                <a:latin typeface="Carlito"/>
+                <a:cs typeface="Carlito"/>
+                <a:sym typeface="Wingdings" panose="05000000000000000000" pitchFamily="2" charset="2"/>
+              </a:rPr>
+              <a:t>		</a:t>
+            </a:r>
+            <a:r>
+              <a:rPr lang="en-US" sz="3200" kern="0" dirty="0" err="1">
+                <a:latin typeface="Carlito"/>
+                <a:cs typeface="Carlito"/>
+                <a:sym typeface="Wingdings" panose="05000000000000000000" pitchFamily="2" charset="2"/>
+              </a:rPr>
+              <a:t>str.replaceAll</a:t>
+            </a:r>
+            <a:r>
+              <a:rPr lang="en-US" sz="3200" kern="0" dirty="0">
+                <a:latin typeface="Carlito"/>
+                <a:cs typeface="Carlito"/>
+                <a:sym typeface="Wingdings" panose="05000000000000000000" pitchFamily="2" charset="2"/>
+              </a:rPr>
+              <a:t>(‘</a:t>
+            </a:r>
+            <a:r>
+              <a:rPr lang="en-US" sz="3200" kern="0" dirty="0" err="1">
+                <a:latin typeface="Carlito"/>
+                <a:cs typeface="Carlito"/>
+                <a:sym typeface="Wingdings" panose="05000000000000000000" pitchFamily="2" charset="2"/>
+              </a:rPr>
+              <a:t>a’,’m</a:t>
+            </a:r>
+            <a:r>
+              <a:rPr lang="en-US" sz="3200" kern="0" dirty="0">
+                <a:latin typeface="Carlito"/>
+                <a:cs typeface="Carlito"/>
+                <a:sym typeface="Wingdings" panose="05000000000000000000" pitchFamily="2" charset="2"/>
+              </a:rPr>
+              <a:t>’) -&gt; replaces all</a:t>
+            </a:r>
+          </a:p>
+        </p:txBody>
+      </p:sp>
+      <p:sp>
+        <p:nvSpPr>
+          <p:cNvPr id="7" name="TextBox 6">
+            <a:extLst>
+              <a:ext uri="{FF2B5EF4-FFF2-40B4-BE49-F238E27FC236}">
+                <a16:creationId xmlns:a16="http://schemas.microsoft.com/office/drawing/2014/main" id="{C2428796-F632-00B4-E484-CA738D260150}"/>
+              </a:ext>
+            </a:extLst>
+          </p:cNvPr>
+          <p:cNvSpPr txBox="1"/>
+          <p:nvPr/>
+        </p:nvSpPr>
+        <p:spPr>
+          <a:xfrm>
+            <a:off x="685800" y="4323186"/>
+            <a:ext cx="7086600" cy="707886"/>
+          </a:xfrm>
+          <a:prstGeom prst="rect">
+            <a:avLst/>
+          </a:prstGeom>
+          <a:noFill/>
+        </p:spPr>
+        <p:txBody>
+          <a:bodyPr wrap="square" rtlCol="0">
+            <a:spAutoFit/>
+          </a:bodyPr>
+          <a:lstStyle/>
+          <a:p>
+            <a:endParaRPr lang="en-IN" sz="4000" dirty="0">
+              <a:solidFill>
+                <a:schemeClr val="bg1"/>
+              </a:solidFill>
+            </a:endParaRPr>
+          </a:p>
+        </p:txBody>
+      </p:sp>
+    </p:spTree>
+    <p:extLst>
+      <p:ext uri="{BB962C8B-B14F-4D97-AF65-F5344CB8AC3E}">
+        <p14:creationId xmlns:p14="http://schemas.microsoft.com/office/powerpoint/2010/main" val="2876343672"/>
+      </p:ext>
+    </p:extLst>
+  </p:cSld>
+  <p:clrMapOvr>
+    <a:masterClrMapping/>
+  </p:clrMapOvr>
+</p:sld>
+</file>
+
+<file path=ppt/slides/slide9.xml><?xml version="1.0" encoding="utf-8"?>
+<p:sld xmlns:a="http://schemas.openxmlformats.org/drawingml/2006/main" xmlns:r="http://schemas.openxmlformats.org/officeDocument/2006/relationships" xmlns:p="http://schemas.openxmlformats.org/presentationml/2006/main">
+  <p:cSld>
+    <p:spTree>
+      <p:nvGrpSpPr>
+        <p:cNvPr id="1" name=""/>
+        <p:cNvGrpSpPr/>
+        <p:nvPr/>
+      </p:nvGrpSpPr>
+      <p:grpSpPr>
+        <a:xfrm>
+          <a:off x="0" y="0"/>
+          <a:ext cx="0" cy="0"/>
+          <a:chOff x="0" y="0"/>
+          <a:chExt cx="0" cy="0"/>
+        </a:xfrm>
+      </p:grpSpPr>
+      <p:sp>
+        <p:nvSpPr>
+          <p:cNvPr id="2" name="object 2"/>
+          <p:cNvSpPr/>
+          <p:nvPr/>
+        </p:nvSpPr>
+        <p:spPr>
+          <a:xfrm>
+            <a:off x="1" y="44199"/>
+            <a:ext cx="12191999" cy="7118601"/>
+          </a:xfrm>
+          <a:prstGeom prst="rect">
+            <a:avLst/>
+          </a:prstGeom>
+          <a:blipFill>
+            <a:blip r:embed="rId2" cstate="print"/>
+            <a:stretch>
+              <a:fillRect/>
+            </a:stretch>
+          </a:blipFill>
+        </p:spPr>
+        <p:txBody>
+          <a:bodyPr wrap="square" lIns="0" tIns="0" rIns="0" bIns="0" rtlCol="0"/>
+          <a:lstStyle/>
+          <a:p>
+            <a:endParaRPr b="1" dirty="0">
+              <a:ln w="13462">
+                <a:solidFill>
+                  <a:schemeClr val="bg1"/>
+                </a:solidFill>
+                <a:prstDash val="solid"/>
+              </a:ln>
+              <a:solidFill>
+                <a:schemeClr val="tx1">
+                  <a:lumMod val="85000"/>
+                  <a:lumOff val="15000"/>
+                </a:schemeClr>
+              </a:solidFill>
+              <a:effectLst>
+                <a:outerShdw dist="38100" dir="2700000" algn="bl" rotWithShape="0">
+                  <a:schemeClr val="accent5"/>
+                </a:outerShdw>
+              </a:effectLst>
+            </a:endParaRPr>
+          </a:p>
+        </p:txBody>
+      </p:sp>
+      <p:sp>
+        <p:nvSpPr>
+          <p:cNvPr id="3" name="object 3"/>
+          <p:cNvSpPr txBox="1">
+            <a:spLocks noGrp="1"/>
+          </p:cNvSpPr>
+          <p:nvPr>
+            <p:ph type="title"/>
+          </p:nvPr>
+        </p:nvSpPr>
+        <p:spPr>
+          <a:xfrm>
+            <a:off x="786485" y="457200"/>
+            <a:ext cx="8967115" cy="535403"/>
+          </a:xfrm>
+          <a:prstGeom prst="rect">
+            <a:avLst/>
+          </a:prstGeom>
+        </p:spPr>
+        <p:txBody>
+          <a:bodyPr vert="horz" wrap="square" lIns="0" tIns="12065" rIns="0" bIns="0" rtlCol="0">
+            <a:spAutoFit/>
+          </a:bodyPr>
+          <a:lstStyle/>
+          <a:p>
+            <a:pPr marL="12700">
+              <a:lnSpc>
+                <a:spcPct val="100000"/>
+              </a:lnSpc>
+              <a:spcBef>
+                <a:spcPts val="95"/>
+              </a:spcBef>
+            </a:pPr>
+            <a:r>
+              <a:rPr lang="en-US" sz="3400" b="1" spc="-5" dirty="0">
+                <a:solidFill>
+                  <a:srgbClr val="FFFFFF"/>
+                </a:solidFill>
+                <a:latin typeface="Carlito"/>
+                <a:cs typeface="Carlito"/>
+              </a:rPr>
+              <a:t>String Methods</a:t>
+            </a:r>
+            <a:endParaRPr sz="3400" dirty="0">
+              <a:latin typeface="Carlito"/>
+              <a:cs typeface="Carlito"/>
+            </a:endParaRPr>
+          </a:p>
+        </p:txBody>
+      </p:sp>
+      <p:sp>
+        <p:nvSpPr>
+          <p:cNvPr id="5" name="object 5"/>
+          <p:cNvSpPr/>
+          <p:nvPr/>
+        </p:nvSpPr>
+        <p:spPr>
+          <a:xfrm>
+            <a:off x="9816083" y="262127"/>
+            <a:ext cx="1976627" cy="822960"/>
+          </a:xfrm>
+          <a:prstGeom prst="rect">
+            <a:avLst/>
+          </a:prstGeom>
+          <a:blipFill>
+            <a:blip r:embed="rId3" cstate="print"/>
+            <a:stretch>
+              <a:fillRect/>
+            </a:stretch>
+          </a:blipFill>
+        </p:spPr>
+        <p:txBody>
+          <a:bodyPr wrap="square" lIns="0" tIns="0" rIns="0" bIns="0" rtlCol="0"/>
+          <a:lstStyle/>
+          <a:p>
+            <a:endParaRPr/>
+          </a:p>
+        </p:txBody>
+      </p:sp>
+      <p:sp>
+        <p:nvSpPr>
+          <p:cNvPr id="4" name="object 3">
+            <a:extLst>
+              <a:ext uri="{FF2B5EF4-FFF2-40B4-BE49-F238E27FC236}">
+                <a16:creationId xmlns:a16="http://schemas.microsoft.com/office/drawing/2014/main" id="{1ED9D45B-4B0D-FC76-3A8C-E89F6CD72254}"/>
+              </a:ext>
+            </a:extLst>
+          </p:cNvPr>
+          <p:cNvSpPr txBox="1">
+            <a:spLocks/>
+          </p:cNvSpPr>
+          <p:nvPr/>
+        </p:nvSpPr>
+        <p:spPr>
+          <a:xfrm>
+            <a:off x="762000" y="1143000"/>
+            <a:ext cx="11283579" cy="5544467"/>
+          </a:xfrm>
+          <a:prstGeom prst="rect">
+            <a:avLst/>
+          </a:prstGeom>
+        </p:spPr>
+        <p:txBody>
+          <a:bodyPr vert="horz" wrap="square" lIns="0" tIns="12065" rIns="0" bIns="0" rtlCol="0">
+            <a:spAutoFit/>
+          </a:bodyPr>
+          <a:lstStyle>
+            <a:lvl1pPr>
+              <a:defRPr sz="6000" b="0" i="0">
+                <a:solidFill>
+                  <a:srgbClr val="E7E6E6"/>
+                </a:solidFill>
+                <a:latin typeface="Trebuchet MS"/>
+                <a:ea typeface="+mj-ea"/>
+                <a:cs typeface="Trebuchet MS"/>
+              </a:defRPr>
+            </a:lvl1pPr>
+          </a:lstStyle>
+          <a:p>
+            <a:pPr marL="12700">
+              <a:spcBef>
+                <a:spcPts val="95"/>
+              </a:spcBef>
+            </a:pPr>
+            <a:r>
+              <a:rPr lang="en-US" sz="3200" kern="0" dirty="0">
+                <a:latin typeface="Carlito"/>
+                <a:cs typeface="Carlito"/>
+                <a:sym typeface="Wingdings" panose="05000000000000000000" pitchFamily="2" charset="2"/>
+              </a:rPr>
+              <a:t>5. repeat : 	</a:t>
+            </a:r>
+            <a:r>
+              <a:rPr lang="en-US" sz="3200" kern="0" dirty="0" err="1">
+                <a:latin typeface="Carlito"/>
+                <a:cs typeface="Carlito"/>
+                <a:sym typeface="Wingdings" panose="05000000000000000000" pitchFamily="2" charset="2"/>
+              </a:rPr>
+              <a:t>str.repeat</a:t>
+            </a:r>
+            <a:r>
+              <a:rPr lang="en-US" sz="3200" kern="0" dirty="0">
+                <a:latin typeface="Carlito"/>
+                <a:cs typeface="Carlito"/>
+                <a:sym typeface="Wingdings" panose="05000000000000000000" pitchFamily="2" charset="2"/>
+              </a:rPr>
+              <a:t>(3)</a:t>
+            </a:r>
+          </a:p>
+          <a:p>
+            <a:pPr marL="12700">
+              <a:spcBef>
+                <a:spcPts val="95"/>
+              </a:spcBef>
+            </a:pPr>
+            <a:endParaRPr lang="en-US" sz="3200" kern="0" dirty="0">
+              <a:latin typeface="Carlito"/>
+              <a:cs typeface="Carlito"/>
+              <a:sym typeface="Wingdings" panose="05000000000000000000" pitchFamily="2" charset="2"/>
+            </a:endParaRPr>
+          </a:p>
+          <a:p>
+            <a:pPr marL="12700">
+              <a:spcBef>
+                <a:spcPts val="95"/>
+              </a:spcBef>
+            </a:pPr>
+            <a:r>
+              <a:rPr lang="en-US" sz="3200" kern="0" dirty="0">
+                <a:latin typeface="Carlito"/>
+                <a:cs typeface="Carlito"/>
+                <a:sym typeface="Wingdings" panose="05000000000000000000" pitchFamily="2" charset="2"/>
+              </a:rPr>
+              <a:t>6. </a:t>
+            </a:r>
+            <a:r>
+              <a:rPr lang="en-US" sz="3200" kern="0" dirty="0" err="1">
+                <a:latin typeface="Carlito"/>
+                <a:cs typeface="Carlito"/>
+                <a:sym typeface="Wingdings" panose="05000000000000000000" pitchFamily="2" charset="2"/>
+              </a:rPr>
+              <a:t>str.toUpperCase</a:t>
+            </a:r>
+            <a:r>
+              <a:rPr lang="en-US" sz="3200" kern="0" dirty="0">
+                <a:latin typeface="Carlito"/>
+                <a:cs typeface="Carlito"/>
+                <a:sym typeface="Wingdings" panose="05000000000000000000" pitchFamily="2" charset="2"/>
+              </a:rPr>
+              <a:t>()  , </a:t>
+            </a:r>
+            <a:r>
+              <a:rPr lang="en-US" sz="3200" kern="0" dirty="0" err="1">
+                <a:latin typeface="Carlito"/>
+                <a:cs typeface="Carlito"/>
+                <a:sym typeface="Wingdings" panose="05000000000000000000" pitchFamily="2" charset="2"/>
+              </a:rPr>
+              <a:t>str.toLowerCase</a:t>
+            </a:r>
+            <a:r>
+              <a:rPr lang="en-US" sz="3200" kern="0" dirty="0">
+                <a:latin typeface="Carlito"/>
+                <a:cs typeface="Carlito"/>
+                <a:sym typeface="Wingdings" panose="05000000000000000000" pitchFamily="2" charset="2"/>
+              </a:rPr>
+              <a:t>()</a:t>
+            </a:r>
+          </a:p>
+          <a:p>
+            <a:pPr marL="12700">
+              <a:spcBef>
+                <a:spcPts val="95"/>
+              </a:spcBef>
+            </a:pPr>
+            <a:r>
+              <a:rPr lang="en-US" sz="3200" kern="0" dirty="0">
+                <a:latin typeface="Carlito"/>
+                <a:cs typeface="Carlito"/>
+                <a:sym typeface="Wingdings" panose="05000000000000000000" pitchFamily="2" charset="2"/>
+              </a:rPr>
+              <a:t>7. trim: </a:t>
+            </a:r>
+            <a:r>
+              <a:rPr lang="en-US" sz="3200" kern="0" dirty="0" err="1">
+                <a:latin typeface="Carlito"/>
+                <a:cs typeface="Carlito"/>
+                <a:sym typeface="Wingdings" panose="05000000000000000000" pitchFamily="2" charset="2"/>
+              </a:rPr>
+              <a:t>str.trim</a:t>
+            </a:r>
+            <a:r>
+              <a:rPr lang="en-US" sz="3200" kern="0" dirty="0">
+                <a:latin typeface="Carlito"/>
+                <a:cs typeface="Carlito"/>
+                <a:sym typeface="Wingdings" panose="05000000000000000000" pitchFamily="2" charset="2"/>
+              </a:rPr>
+              <a:t>(); //removes starting and ending whitespace</a:t>
+            </a:r>
+          </a:p>
+          <a:p>
+            <a:pPr marL="12700">
+              <a:spcBef>
+                <a:spcPts val="95"/>
+              </a:spcBef>
+            </a:pPr>
+            <a:endParaRPr lang="en-US" sz="3200" kern="0" dirty="0">
+              <a:latin typeface="Carlito"/>
+              <a:cs typeface="Carlito"/>
+              <a:sym typeface="Wingdings" panose="05000000000000000000" pitchFamily="2" charset="2"/>
+            </a:endParaRPr>
+          </a:p>
+          <a:p>
+            <a:pPr marL="12700">
+              <a:spcBef>
+                <a:spcPts val="95"/>
+              </a:spcBef>
+            </a:pPr>
+            <a:r>
+              <a:rPr lang="en-US" sz="3200" kern="0" dirty="0">
+                <a:latin typeface="Carlito"/>
+                <a:cs typeface="Carlito"/>
+                <a:sym typeface="Wingdings" panose="05000000000000000000" pitchFamily="2" charset="2"/>
+              </a:rPr>
+              <a:t>Boolean </a:t>
+            </a:r>
+          </a:p>
+          <a:p>
+            <a:pPr marL="12700">
+              <a:spcBef>
+                <a:spcPts val="95"/>
+              </a:spcBef>
+            </a:pPr>
+            <a:endParaRPr lang="en-US" sz="3200" kern="0" dirty="0">
+              <a:latin typeface="Carlito"/>
+              <a:cs typeface="Carlito"/>
+              <a:sym typeface="Wingdings" panose="05000000000000000000" pitchFamily="2" charset="2"/>
+            </a:endParaRPr>
+          </a:p>
+          <a:p>
+            <a:pPr marL="12700">
+              <a:spcBef>
+                <a:spcPts val="95"/>
+              </a:spcBef>
+            </a:pPr>
+            <a:r>
+              <a:rPr lang="en-US" sz="3200" kern="0" dirty="0">
+                <a:latin typeface="Carlito"/>
+                <a:cs typeface="Carlito"/>
+                <a:sym typeface="Wingdings" panose="05000000000000000000" pitchFamily="2" charset="2"/>
+              </a:rPr>
+              <a:t>== -&gt; general equality </a:t>
+            </a:r>
+          </a:p>
+          <a:p>
+            <a:pPr marL="12700">
+              <a:spcBef>
+                <a:spcPts val="95"/>
+              </a:spcBef>
+            </a:pPr>
+            <a:r>
+              <a:rPr lang="en-US" sz="3200" kern="0" dirty="0">
+                <a:latin typeface="Carlito"/>
+                <a:cs typeface="Carlito"/>
+                <a:sym typeface="Wingdings" panose="05000000000000000000" pitchFamily="2" charset="2"/>
+              </a:rPr>
+              <a:t>=== -&gt; strict equality</a:t>
+            </a:r>
+          </a:p>
+          <a:p>
+            <a:pPr marL="12700">
+              <a:spcBef>
+                <a:spcPts val="95"/>
+              </a:spcBef>
+            </a:pPr>
+            <a:r>
+              <a:rPr lang="en-US" sz="3200" kern="0" dirty="0">
+                <a:latin typeface="Carlito"/>
+                <a:cs typeface="Carlito"/>
+                <a:sym typeface="Wingdings" panose="05000000000000000000" pitchFamily="2" charset="2"/>
+              </a:rPr>
+              <a:t>Ques: 1==1 , 1===1, 1==‘1’, 1==true, 1===true, ‘1’==true , 	‘true’==true, “ ”==0, </a:t>
+            </a:r>
+          </a:p>
+        </p:txBody>
+      </p:sp>
+      <p:sp>
+        <p:nvSpPr>
+          <p:cNvPr id="7" name="TextBox 6">
+            <a:extLst>
+              <a:ext uri="{FF2B5EF4-FFF2-40B4-BE49-F238E27FC236}">
+                <a16:creationId xmlns:a16="http://schemas.microsoft.com/office/drawing/2014/main" id="{C2428796-F632-00B4-E484-CA738D260150}"/>
+              </a:ext>
+            </a:extLst>
+          </p:cNvPr>
+          <p:cNvSpPr txBox="1"/>
+          <p:nvPr/>
+        </p:nvSpPr>
+        <p:spPr>
+          <a:xfrm>
+            <a:off x="685800" y="4323186"/>
+            <a:ext cx="7086600" cy="707886"/>
+          </a:xfrm>
+          <a:prstGeom prst="rect">
+            <a:avLst/>
+          </a:prstGeom>
+          <a:noFill/>
+        </p:spPr>
+        <p:txBody>
+          <a:bodyPr wrap="square" rtlCol="0">
+            <a:spAutoFit/>
+          </a:bodyPr>
+          <a:lstStyle/>
+          <a:p>
+            <a:endParaRPr lang="en-IN" sz="4000" dirty="0">
+              <a:solidFill>
+                <a:schemeClr val="bg1"/>
+              </a:solidFill>
+            </a:endParaRPr>
+          </a:p>
+        </p:txBody>
+      </p:sp>
+    </p:spTree>
+    <p:extLst>
+      <p:ext uri="{BB962C8B-B14F-4D97-AF65-F5344CB8AC3E}">
+        <p14:creationId xmlns:p14="http://schemas.microsoft.com/office/powerpoint/2010/main" val="1666366778"/>
       </p:ext>
     </p:extLst>
   </p:cSld>

--- a/JS.pptx
+++ b/JS.pptx
@@ -20,6 +20,19 @@
     <p:sldId id="391" r:id="rId14"/>
     <p:sldId id="393" r:id="rId15"/>
     <p:sldId id="394" r:id="rId16"/>
+    <p:sldId id="395" r:id="rId17"/>
+    <p:sldId id="396" r:id="rId18"/>
+    <p:sldId id="397" r:id="rId19"/>
+    <p:sldId id="398" r:id="rId20"/>
+    <p:sldId id="399" r:id="rId21"/>
+    <p:sldId id="400" r:id="rId22"/>
+    <p:sldId id="401" r:id="rId23"/>
+    <p:sldId id="403" r:id="rId24"/>
+    <p:sldId id="404" r:id="rId25"/>
+    <p:sldId id="405" r:id="rId26"/>
+    <p:sldId id="406" r:id="rId27"/>
+    <p:sldId id="407" r:id="rId28"/>
+    <p:sldId id="402" r:id="rId29"/>
   </p:sldIdLst>
   <p:sldSz cx="12192000" cy="6858000"/>
   <p:notesSz cx="12192000" cy="6858000"/>
@@ -276,7 +289,7 @@
           <a:p>
             <a:fld id="{1D8BD707-D9CF-40AE-B4C6-C98DA3205C09}" type="datetimeFigureOut">
               <a:rPr lang="en-US"/>
-              <a:t>10/12/2023</a:t>
+              <a:t>11/6/2023</a:t>
             </a:fld>
             <a:endParaRPr lang="en-US"/>
           </a:p>
@@ -453,7 +466,7 @@
           <a:p>
             <a:fld id="{1D8BD707-D9CF-40AE-B4C6-C98DA3205C09}" type="datetimeFigureOut">
               <a:rPr lang="en-US"/>
-              <a:t>10/12/2023</a:t>
+              <a:t>11/6/2023</a:t>
             </a:fld>
             <a:endParaRPr lang="en-US"/>
           </a:p>
@@ -667,7 +680,7 @@
           <a:p>
             <a:fld id="{1D8BD707-D9CF-40AE-B4C6-C98DA3205C09}" type="datetimeFigureOut">
               <a:rPr lang="en-US"/>
-              <a:t>10/12/2023</a:t>
+              <a:t>11/6/2023</a:t>
             </a:fld>
             <a:endParaRPr lang="en-US"/>
           </a:p>
@@ -815,7 +828,7 @@
           <a:p>
             <a:fld id="{1D8BD707-D9CF-40AE-B4C6-C98DA3205C09}" type="datetimeFigureOut">
               <a:rPr lang="en-US"/>
-              <a:t>10/12/2023</a:t>
+              <a:t>11/6/2023</a:t>
             </a:fld>
             <a:endParaRPr lang="en-US"/>
           </a:p>
@@ -942,7 +955,7 @@
           <a:p>
             <a:fld id="{1D8BD707-D9CF-40AE-B4C6-C98DA3205C09}" type="datetimeFigureOut">
               <a:rPr lang="en-US"/>
-              <a:t>10/12/2023</a:t>
+              <a:t>11/6/2023</a:t>
             </a:fld>
             <a:endParaRPr lang="en-US"/>
           </a:p>
@@ -1196,7 +1209,7 @@
           <a:p>
             <a:fld id="{1D8BD707-D9CF-40AE-B4C6-C98DA3205C09}" type="datetimeFigureOut">
               <a:rPr lang="en-US"/>
-              <a:t>10/12/2023</a:t>
+              <a:t>11/6/2023</a:t>
             </a:fld>
             <a:endParaRPr lang="en-US"/>
           </a:p>
@@ -2473,7 +2486,7 @@
         </p:nvSpPr>
         <p:spPr>
           <a:xfrm>
-            <a:off x="685800" y="4323186"/>
+            <a:off x="685800" y="4343400"/>
             <a:ext cx="7086600" cy="707886"/>
           </a:xfrm>
           <a:prstGeom prst="rect">
@@ -3462,7 +3475,7 @@
         </p:nvSpPr>
         <p:spPr>
           <a:xfrm>
-            <a:off x="1" y="44199"/>
+            <a:off x="1" y="0"/>
             <a:ext cx="12191999" cy="7118601"/>
           </a:xfrm>
           <a:prstGeom prst="rect">
@@ -4482,7 +4495,7 @@
 </p:sld>
 </file>
 
-<file path=ppt/slides/slide2.xml><?xml version="1.0" encoding="utf-8"?>
+<file path=ppt/slides/slide16.xml><?xml version="1.0" encoding="utf-8"?>
 <p:sld xmlns:a="http://schemas.openxmlformats.org/drawingml/2006/main" xmlns:r="http://schemas.openxmlformats.org/officeDocument/2006/relationships" xmlns:p="http://schemas.openxmlformats.org/presentationml/2006/main">
   <p:cSld>
     <p:spTree>
@@ -4558,8 +4571,8 @@
         </p:nvSpPr>
         <p:spPr>
           <a:xfrm>
-            <a:off x="938885" y="457200"/>
-            <a:ext cx="4471315" cy="535403"/>
+            <a:off x="786485" y="457200"/>
+            <a:ext cx="8967115" cy="535403"/>
           </a:xfrm>
           <a:prstGeom prst="rect">
             <a:avLst/>
@@ -4580,14 +4593,11 @@
               </a:spcBef>
             </a:pPr>
             <a:r>
-              <a:rPr lang="en-US" sz="3400" b="1" spc="-5" dirty="0">
-                <a:solidFill>
-                  <a:srgbClr val="FFFFFF"/>
-                </a:solidFill>
-                <a:latin typeface="Carlito"/>
-                <a:cs typeface="Carlito"/>
-              </a:rPr>
-              <a:t>JS Intro</a:t>
+              <a:rPr lang="en-US" sz="3400" dirty="0">
+                <a:latin typeface="Carlito"/>
+                <a:cs typeface="Carlito"/>
+              </a:rPr>
+              <a:t>Objects</a:t>
             </a:r>
             <a:endParaRPr sz="3400" dirty="0">
               <a:latin typeface="Carlito"/>
@@ -4641,8 +4651,8 @@
         </p:nvSpPr>
         <p:spPr>
           <a:xfrm>
-            <a:off x="762000" y="1295400"/>
-            <a:ext cx="11283579" cy="5052024"/>
+            <a:off x="609600" y="990600"/>
+            <a:ext cx="11429999" cy="6062557"/>
           </a:xfrm>
           <a:prstGeom prst="rect">
             <a:avLst/>
@@ -4665,137 +4675,102 @@
             </a:lvl1pPr>
           </a:lstStyle>
           <a:p>
-            <a:pPr marL="12700">
-              <a:spcBef>
-                <a:spcPts val="95"/>
-              </a:spcBef>
-            </a:pPr>
-            <a:r>
-              <a:rPr lang="en-US" sz="3200" kern="0" dirty="0">
-                <a:latin typeface="Carlito"/>
-                <a:cs typeface="Carlito"/>
-              </a:rPr>
-              <a:t>-made by Brenden </a:t>
+            <a:pPr marL="469900" indent="-457200">
+              <a:spcBef>
+                <a:spcPts val="95"/>
+              </a:spcBef>
+              <a:buFont typeface="Wingdings" panose="05000000000000000000" pitchFamily="2" charset="2"/>
+              <a:buChar char="à"/>
+            </a:pPr>
+            <a:r>
+              <a:rPr lang="en-US" sz="3200" kern="0" dirty="0">
+                <a:latin typeface="Carlito"/>
+                <a:cs typeface="Carlito"/>
+                <a:sym typeface="Wingdings" panose="05000000000000000000" pitchFamily="2" charset="2"/>
+              </a:rPr>
+              <a:t>Unordered Data Structure ( Collection of properties)</a:t>
+            </a:r>
+          </a:p>
+          <a:p>
+            <a:pPr marL="469900" indent="-457200">
+              <a:spcBef>
+                <a:spcPts val="95"/>
+              </a:spcBef>
+              <a:buFont typeface="Wingdings" panose="05000000000000000000" pitchFamily="2" charset="2"/>
+              <a:buChar char="à"/>
+            </a:pPr>
+            <a:r>
+              <a:rPr lang="en-US" sz="3200" kern="0" dirty="0">
+                <a:latin typeface="Carlito"/>
+                <a:cs typeface="Carlito"/>
+                <a:sym typeface="Wingdings" panose="05000000000000000000" pitchFamily="2" charset="2"/>
+              </a:rPr>
+              <a:t>It is Non-primitive</a:t>
+            </a:r>
+          </a:p>
+          <a:p>
+            <a:pPr marL="469900" indent="-457200">
+              <a:spcBef>
+                <a:spcPts val="95"/>
+              </a:spcBef>
+              <a:buFont typeface="Wingdings" panose="05000000000000000000" pitchFamily="2" charset="2"/>
+              <a:buChar char="à"/>
+            </a:pPr>
+            <a:r>
+              <a:rPr lang="en-US" sz="3200" kern="0" dirty="0">
+                <a:latin typeface="Carlito"/>
+                <a:cs typeface="Carlito"/>
+                <a:sym typeface="Wingdings" panose="05000000000000000000" pitchFamily="2" charset="2"/>
+              </a:rPr>
+              <a:t>Properties  Pair of key and value. </a:t>
             </a:r>
             <a:r>
               <a:rPr lang="en-US" sz="3200" kern="0" dirty="0" err="1">
                 <a:latin typeface="Carlito"/>
                 <a:cs typeface="Carlito"/>
-              </a:rPr>
-              <a:t>Eich</a:t>
-            </a:r>
-            <a:endParaRPr lang="en-US" sz="3200" kern="0" dirty="0">
-              <a:latin typeface="Carlito"/>
-              <a:cs typeface="Carlito"/>
-            </a:endParaRPr>
-          </a:p>
-          <a:p>
-            <a:pPr marL="12700">
-              <a:spcBef>
-                <a:spcPts val="95"/>
-              </a:spcBef>
-            </a:pPr>
-            <a:endParaRPr lang="en-US" sz="3200" kern="0" dirty="0">
-              <a:latin typeface="Carlito"/>
-              <a:cs typeface="Carlito"/>
-            </a:endParaRPr>
-          </a:p>
-          <a:p>
-            <a:pPr marL="12700">
-              <a:spcBef>
-                <a:spcPts val="95"/>
-              </a:spcBef>
-            </a:pPr>
-            <a:r>
-              <a:rPr lang="en-US" sz="3200" kern="0" dirty="0">
-                <a:latin typeface="Carlito"/>
-                <a:cs typeface="Carlito"/>
-                <a:sym typeface="Wingdings" panose="05000000000000000000" pitchFamily="2" charset="2"/>
-              </a:rPr>
-              <a:t></a:t>
-            </a:r>
-            <a:r>
-              <a:rPr lang="en-US" sz="3200" kern="0" dirty="0">
-                <a:latin typeface="Carlito"/>
-                <a:cs typeface="Carlito"/>
-              </a:rPr>
-              <a:t>Adds Interactivity to website</a:t>
-            </a:r>
-          </a:p>
-          <a:p>
-            <a:pPr marL="12700">
-              <a:spcBef>
-                <a:spcPts val="95"/>
-              </a:spcBef>
-            </a:pPr>
-            <a:r>
-              <a:rPr lang="en-US" sz="3200" kern="0" dirty="0">
-                <a:latin typeface="Carlito"/>
-                <a:cs typeface="Carlito"/>
-                <a:sym typeface="Wingdings" panose="05000000000000000000" pitchFamily="2" charset="2"/>
-              </a:rPr>
-              <a:t></a:t>
-            </a:r>
-            <a:r>
-              <a:rPr lang="en-US" sz="3200" kern="0" dirty="0" err="1">
-                <a:latin typeface="Carlito"/>
-                <a:cs typeface="Carlito"/>
-                <a:sym typeface="Wingdings" panose="05000000000000000000" pitchFamily="2" charset="2"/>
-              </a:rPr>
-              <a:t>P.Lang</a:t>
-            </a:r>
-            <a:r>
-              <a:rPr lang="en-US" sz="3200" kern="0" dirty="0">
-                <a:latin typeface="Carlito"/>
-                <a:cs typeface="Carlito"/>
-                <a:sym typeface="Wingdings" panose="05000000000000000000" pitchFamily="2" charset="2"/>
-              </a:rPr>
-              <a:t> are of 2 types : Interpreted and Compiled</a:t>
-            </a:r>
-          </a:p>
-          <a:p>
-            <a:pPr marL="12700">
-              <a:spcBef>
-                <a:spcPts val="95"/>
-              </a:spcBef>
-            </a:pPr>
-            <a:r>
-              <a:rPr lang="en-US" sz="3200" kern="0" dirty="0">
-                <a:latin typeface="Carlito"/>
-                <a:cs typeface="Carlito"/>
-                <a:sym typeface="Wingdings" panose="05000000000000000000" pitchFamily="2" charset="2"/>
-              </a:rPr>
-              <a:t>JS is a Interpreted Programming Language, </a:t>
-            </a:r>
-          </a:p>
-          <a:p>
-            <a:pPr marL="12700">
-              <a:spcBef>
-                <a:spcPts val="95"/>
-              </a:spcBef>
-            </a:pPr>
-            <a:r>
-              <a:rPr lang="en-US" sz="3200" kern="0" dirty="0">
-                <a:latin typeface="Carlito"/>
-                <a:cs typeface="Carlito"/>
-                <a:sym typeface="Wingdings" panose="05000000000000000000" pitchFamily="2" charset="2"/>
-              </a:rPr>
-              <a:t>    i.e. JS is executed line by line</a:t>
-            </a:r>
-          </a:p>
-          <a:p>
-            <a:pPr marL="12700">
-              <a:spcBef>
-                <a:spcPts val="95"/>
-              </a:spcBef>
-            </a:pPr>
-            <a:r>
-              <a:rPr lang="en-US" sz="3200" kern="0" dirty="0">
-                <a:latin typeface="Carlito"/>
-                <a:cs typeface="Carlito"/>
-                <a:sym typeface="Wingdings" panose="05000000000000000000" pitchFamily="2" charset="2"/>
-              </a:rPr>
-              <a:t>Browser has 2 engines : Layout and JS Engine</a:t>
+                <a:sym typeface="Wingdings" panose="05000000000000000000" pitchFamily="2" charset="2"/>
+              </a:rPr>
+              <a:t>e.g</a:t>
+            </a:r>
+            <a:r>
+              <a:rPr lang="en-US" sz="3200" kern="0" dirty="0">
+                <a:latin typeface="Carlito"/>
+                <a:cs typeface="Carlito"/>
+                <a:sym typeface="Wingdings" panose="05000000000000000000" pitchFamily="2" charset="2"/>
+              </a:rPr>
+              <a:t> let obj = { k:v }</a:t>
+            </a:r>
+          </a:p>
+          <a:p>
+            <a:pPr marL="469900" indent="-457200">
+              <a:spcBef>
+                <a:spcPts val="95"/>
+              </a:spcBef>
+              <a:buFont typeface="Wingdings" panose="05000000000000000000" pitchFamily="2" charset="2"/>
+              <a:buChar char="à"/>
+            </a:pPr>
+            <a:r>
+              <a:rPr lang="en-US" sz="3200" kern="0" dirty="0">
+                <a:latin typeface="Carlito"/>
+                <a:cs typeface="Carlito"/>
+                <a:sym typeface="Wingdings" panose="05000000000000000000" pitchFamily="2" charset="2"/>
+              </a:rPr>
+              <a:t>Multiple properties -- let obj2 = {prop1 , prop2 } </a:t>
+            </a:r>
+          </a:p>
+          <a:p>
+            <a:pPr marL="12700">
+              <a:spcBef>
+                <a:spcPts val="95"/>
+              </a:spcBef>
+            </a:pPr>
+            <a:r>
+              <a:rPr lang="en-US" sz="3200" kern="0" dirty="0">
+                <a:latin typeface="Carlito"/>
+                <a:cs typeface="Carlito"/>
+                <a:sym typeface="Wingdings" panose="05000000000000000000" pitchFamily="2" charset="2"/>
+              </a:rPr>
+              <a:t>(Everything in JS is an Object)</a:t>
             </a:r>
           </a:p>
           <a:p>
@@ -4820,8 +4795,56 @@
               <a:rPr lang="en-US" sz="3200" kern="0" dirty="0">
                 <a:latin typeface="Carlito"/>
                 <a:cs typeface="Carlito"/>
-              </a:rPr>
-              <a:t>Layout Engine : HTML and CSS , JS Engine : JS for interaction</a:t>
+                <a:sym typeface="Wingdings" panose="05000000000000000000" pitchFamily="2" charset="2"/>
+              </a:rPr>
+              <a:t>Accessing data in Objects</a:t>
+            </a:r>
+          </a:p>
+          <a:p>
+            <a:pPr marL="12700">
+              <a:spcBef>
+                <a:spcPts val="95"/>
+              </a:spcBef>
+            </a:pPr>
+            <a:r>
+              <a:rPr lang="en-US" sz="3200" kern="0" dirty="0">
+                <a:latin typeface="Carlito"/>
+                <a:cs typeface="Carlito"/>
+                <a:sym typeface="Wingdings" panose="05000000000000000000" pitchFamily="2" charset="2"/>
+              </a:rPr>
+              <a:t>Print(obj2.prop1’s key ); // output = prop1’s value</a:t>
+            </a:r>
+          </a:p>
+          <a:p>
+            <a:pPr marL="469900" indent="-457200">
+              <a:spcBef>
+                <a:spcPts val="95"/>
+              </a:spcBef>
+              <a:buFont typeface="Wingdings" panose="05000000000000000000" pitchFamily="2" charset="2"/>
+              <a:buChar char="à"/>
+            </a:pPr>
+            <a:r>
+              <a:rPr lang="en-US" sz="3200" kern="0" dirty="0">
+                <a:latin typeface="Carlito"/>
+                <a:cs typeface="Carlito"/>
+                <a:sym typeface="Wingdings" panose="05000000000000000000" pitchFamily="2" charset="2"/>
+              </a:rPr>
+              <a:t>obj2[‘prop1’s key’] ; // output = prop1’s value</a:t>
+            </a:r>
+          </a:p>
+          <a:p>
+            <a:pPr marL="12700">
+              <a:spcBef>
+                <a:spcPts val="95"/>
+              </a:spcBef>
+            </a:pPr>
+            <a:r>
+              <a:rPr lang="en-US" sz="3200" kern="0" dirty="0">
+                <a:latin typeface="Carlito"/>
+                <a:cs typeface="Carlito"/>
+                <a:sym typeface="Wingdings" panose="05000000000000000000" pitchFamily="2" charset="2"/>
+              </a:rPr>
+              <a:t>because objects are stored as string in memory.</a:t>
             </a:r>
           </a:p>
           <a:p>
@@ -4833,7 +4856,23 @@
             <a:endParaRPr lang="en-US" sz="3200" kern="0" dirty="0">
               <a:latin typeface="Carlito"/>
               <a:cs typeface="Carlito"/>
+              <a:sym typeface="Wingdings" panose="05000000000000000000" pitchFamily="2" charset="2"/>
             </a:endParaRPr>
+          </a:p>
+          <a:p>
+            <a:pPr marL="12700">
+              <a:spcBef>
+                <a:spcPts val="95"/>
+              </a:spcBef>
+            </a:pPr>
+            <a:r>
+              <a:rPr lang="en-US" sz="3200" kern="0" dirty="0">
+                <a:latin typeface="Carlito"/>
+                <a:cs typeface="Carlito"/>
+                <a:sym typeface="Wingdings" panose="05000000000000000000" pitchFamily="2" charset="2"/>
+              </a:rPr>
+              <a:t>They are pass by reference.</a:t>
+            </a:r>
           </a:p>
         </p:txBody>
       </p:sp>
@@ -4876,7 +4915,5551 @@
     </p:spTree>
     <p:extLst>
       <p:ext uri="{BB962C8B-B14F-4D97-AF65-F5344CB8AC3E}">
+        <p14:creationId xmlns:p14="http://schemas.microsoft.com/office/powerpoint/2010/main" val="760943937"/>
+      </p:ext>
+    </p:extLst>
+  </p:cSld>
+  <p:clrMapOvr>
+    <a:masterClrMapping/>
+  </p:clrMapOvr>
+</p:sld>
+</file>
+
+<file path=ppt/slides/slide17.xml><?xml version="1.0" encoding="utf-8"?>
+<p:sld xmlns:a="http://schemas.openxmlformats.org/drawingml/2006/main" xmlns:r="http://schemas.openxmlformats.org/officeDocument/2006/relationships" xmlns:p="http://schemas.openxmlformats.org/presentationml/2006/main">
+  <p:cSld>
+    <p:spTree>
+      <p:nvGrpSpPr>
+        <p:cNvPr id="1" name=""/>
+        <p:cNvGrpSpPr/>
+        <p:nvPr/>
+      </p:nvGrpSpPr>
+      <p:grpSpPr>
+        <a:xfrm>
+          <a:off x="0" y="0"/>
+          <a:ext cx="0" cy="0"/>
+          <a:chOff x="0" y="0"/>
+          <a:chExt cx="0" cy="0"/>
+        </a:xfrm>
+      </p:grpSpPr>
+      <p:sp>
+        <p:nvSpPr>
+          <p:cNvPr id="2" name="object 2"/>
+          <p:cNvSpPr/>
+          <p:nvPr/>
+        </p:nvSpPr>
+        <p:spPr>
+          <a:xfrm>
+            <a:off x="1" y="44199"/>
+            <a:ext cx="12191999" cy="7118601"/>
+          </a:xfrm>
+          <a:prstGeom prst="rect">
+            <a:avLst/>
+          </a:prstGeom>
+          <a:blipFill>
+            <a:blip r:embed="rId2" cstate="print"/>
+            <a:stretch>
+              <a:fillRect/>
+            </a:stretch>
+          </a:blipFill>
+        </p:spPr>
+        <p:txBody>
+          <a:bodyPr wrap="square" lIns="0" tIns="0" rIns="0" bIns="0" rtlCol="0"/>
+          <a:lstStyle/>
+          <a:p>
+            <a:endParaRPr b="1" dirty="0">
+              <a:ln w="13462">
+                <a:solidFill>
+                  <a:schemeClr val="bg1"/>
+                </a:solidFill>
+                <a:prstDash val="solid"/>
+              </a:ln>
+              <a:solidFill>
+                <a:schemeClr val="tx1">
+                  <a:lumMod val="85000"/>
+                  <a:lumOff val="15000"/>
+                </a:schemeClr>
+              </a:solidFill>
+              <a:effectLst>
+                <a:outerShdw dist="38100" dir="2700000" algn="bl" rotWithShape="0">
+                  <a:schemeClr val="accent5"/>
+                </a:outerShdw>
+              </a:effectLst>
+            </a:endParaRPr>
+          </a:p>
+        </p:txBody>
+      </p:sp>
+      <p:sp>
+        <p:nvSpPr>
+          <p:cNvPr id="3" name="object 3"/>
+          <p:cNvSpPr txBox="1">
+            <a:spLocks noGrp="1"/>
+          </p:cNvSpPr>
+          <p:nvPr>
+            <p:ph type="title"/>
+          </p:nvPr>
+        </p:nvSpPr>
+        <p:spPr>
+          <a:xfrm>
+            <a:off x="786485" y="457200"/>
+            <a:ext cx="8967115" cy="535403"/>
+          </a:xfrm>
+          <a:prstGeom prst="rect">
+            <a:avLst/>
+          </a:prstGeom>
+        </p:spPr>
+        <p:txBody>
+          <a:bodyPr vert="horz" wrap="square" lIns="0" tIns="12065" rIns="0" bIns="0" rtlCol="0">
+            <a:spAutoFit/>
+          </a:bodyPr>
+          <a:lstStyle/>
+          <a:p>
+            <a:pPr marL="12700">
+              <a:lnSpc>
+                <a:spcPct val="100000"/>
+              </a:lnSpc>
+              <a:spcBef>
+                <a:spcPts val="95"/>
+              </a:spcBef>
+            </a:pPr>
+            <a:r>
+              <a:rPr lang="en-US" sz="3400" dirty="0">
+                <a:latin typeface="Carlito"/>
+                <a:cs typeface="Carlito"/>
+              </a:rPr>
+              <a:t>Objects</a:t>
+            </a:r>
+            <a:endParaRPr sz="3400" dirty="0">
+              <a:latin typeface="Carlito"/>
+              <a:cs typeface="Carlito"/>
+            </a:endParaRPr>
+          </a:p>
+        </p:txBody>
+      </p:sp>
+      <p:sp>
+        <p:nvSpPr>
+          <p:cNvPr id="5" name="object 5"/>
+          <p:cNvSpPr/>
+          <p:nvPr/>
+        </p:nvSpPr>
+        <p:spPr>
+          <a:xfrm>
+            <a:off x="9816083" y="262127"/>
+            <a:ext cx="1976627" cy="822960"/>
+          </a:xfrm>
+          <a:prstGeom prst="rect">
+            <a:avLst/>
+          </a:prstGeom>
+          <a:blipFill>
+            <a:blip r:embed="rId3" cstate="print"/>
+            <a:stretch>
+              <a:fillRect/>
+            </a:stretch>
+          </a:blipFill>
+        </p:spPr>
+        <p:txBody>
+          <a:bodyPr wrap="square" lIns="0" tIns="0" rIns="0" bIns="0" rtlCol="0"/>
+          <a:lstStyle/>
+          <a:p>
+            <a:endParaRPr/>
+          </a:p>
+        </p:txBody>
+      </p:sp>
+      <p:sp>
+        <p:nvSpPr>
+          <p:cNvPr id="4" name="object 3">
+            <a:extLst>
+              <a:ext uri="{FF2B5EF4-FFF2-40B4-BE49-F238E27FC236}">
+                <a16:creationId xmlns:a16="http://schemas.microsoft.com/office/drawing/2014/main" id="{1ED9D45B-4B0D-FC76-3A8C-E89F6CD72254}"/>
+              </a:ext>
+            </a:extLst>
+          </p:cNvPr>
+          <p:cNvSpPr txBox="1">
+            <a:spLocks/>
+          </p:cNvSpPr>
+          <p:nvPr/>
+        </p:nvSpPr>
+        <p:spPr>
+          <a:xfrm>
+            <a:off x="685800" y="1143000"/>
+            <a:ext cx="11429999" cy="4867358"/>
+          </a:xfrm>
+          <a:prstGeom prst="rect">
+            <a:avLst/>
+          </a:prstGeom>
+        </p:spPr>
+        <p:txBody>
+          <a:bodyPr vert="horz" wrap="square" lIns="0" tIns="12065" rIns="0" bIns="0" rtlCol="0">
+            <a:spAutoFit/>
+          </a:bodyPr>
+          <a:lstStyle>
+            <a:lvl1pPr>
+              <a:defRPr sz="6000" b="0" i="0">
+                <a:solidFill>
+                  <a:srgbClr val="E7E6E6"/>
+                </a:solidFill>
+                <a:latin typeface="Trebuchet MS"/>
+                <a:ea typeface="+mj-ea"/>
+                <a:cs typeface="Trebuchet MS"/>
+              </a:defRPr>
+            </a:lvl1pPr>
+          </a:lstStyle>
+          <a:p>
+            <a:pPr marL="12700">
+              <a:spcBef>
+                <a:spcPts val="95"/>
+              </a:spcBef>
+            </a:pPr>
+            <a:r>
+              <a:rPr lang="en-US" sz="2800" kern="0" dirty="0">
+                <a:latin typeface="Carlito"/>
+                <a:cs typeface="Carlito"/>
+                <a:sym typeface="Wingdings" panose="05000000000000000000" pitchFamily="2" charset="2"/>
+              </a:rPr>
+              <a:t>Methods : Functions inside the Object is called Methods.</a:t>
+            </a:r>
+          </a:p>
+          <a:p>
+            <a:pPr marL="12700">
+              <a:spcBef>
+                <a:spcPts val="95"/>
+              </a:spcBef>
+            </a:pPr>
+            <a:endParaRPr lang="en-US" sz="2800" kern="0" dirty="0">
+              <a:latin typeface="Carlito"/>
+              <a:cs typeface="Times New Roman" panose="02020603050405020304" pitchFamily="18" charset="0"/>
+              <a:sym typeface="Wingdings" panose="05000000000000000000" pitchFamily="2" charset="2"/>
+            </a:endParaRPr>
+          </a:p>
+          <a:p>
+            <a:pPr marL="12700">
+              <a:spcBef>
+                <a:spcPts val="95"/>
+              </a:spcBef>
+            </a:pPr>
+            <a:r>
+              <a:rPr lang="en-US" sz="2800" kern="0" dirty="0">
+                <a:latin typeface="Carlito"/>
+                <a:cs typeface="Times New Roman" panose="02020603050405020304" pitchFamily="18" charset="0"/>
+                <a:sym typeface="Wingdings" panose="05000000000000000000" pitchFamily="2" charset="2"/>
+              </a:rPr>
+              <a:t>let obj = {</a:t>
+            </a:r>
+          </a:p>
+          <a:p>
+            <a:pPr marL="12700">
+              <a:spcBef>
+                <a:spcPts val="95"/>
+              </a:spcBef>
+            </a:pPr>
+            <a:r>
+              <a:rPr lang="en-US" sz="2800" kern="0" dirty="0">
+                <a:latin typeface="Carlito"/>
+                <a:cs typeface="Times New Roman" panose="02020603050405020304" pitchFamily="18" charset="0"/>
+                <a:sym typeface="Wingdings" panose="05000000000000000000" pitchFamily="2" charset="2"/>
+              </a:rPr>
+              <a:t>	p1: 100,</a:t>
+            </a:r>
+          </a:p>
+          <a:p>
+            <a:pPr marL="12700">
+              <a:spcBef>
+                <a:spcPts val="95"/>
+              </a:spcBef>
+            </a:pPr>
+            <a:r>
+              <a:rPr lang="en-US" sz="2800" kern="0" dirty="0">
+                <a:latin typeface="Carlito"/>
+                <a:cs typeface="Times New Roman" panose="02020603050405020304" pitchFamily="18" charset="0"/>
+                <a:sym typeface="Wingdings" panose="05000000000000000000" pitchFamily="2" charset="2"/>
+              </a:rPr>
+              <a:t>	p2 : 200,</a:t>
+            </a:r>
+          </a:p>
+          <a:p>
+            <a:pPr marL="12700">
+              <a:spcBef>
+                <a:spcPts val="95"/>
+              </a:spcBef>
+            </a:pPr>
+            <a:r>
+              <a:rPr lang="en-US" sz="2800" kern="0" dirty="0">
+                <a:latin typeface="Carlito"/>
+                <a:cs typeface="Times New Roman" panose="02020603050405020304" pitchFamily="18" charset="0"/>
+                <a:sym typeface="Wingdings" panose="05000000000000000000" pitchFamily="2" charset="2"/>
+              </a:rPr>
+              <a:t>	a : function(){</a:t>
+            </a:r>
+          </a:p>
+          <a:p>
+            <a:pPr marL="12700">
+              <a:spcBef>
+                <a:spcPts val="95"/>
+              </a:spcBef>
+            </a:pPr>
+            <a:r>
+              <a:rPr lang="en-US" sz="2800" kern="0" dirty="0">
+                <a:latin typeface="Carlito"/>
+                <a:cs typeface="Times New Roman" panose="02020603050405020304" pitchFamily="18" charset="0"/>
+                <a:sym typeface="Wingdings" panose="05000000000000000000" pitchFamily="2" charset="2"/>
+              </a:rPr>
+              <a:t>		print(this.p1+this.p2); // to access this use </a:t>
+            </a:r>
+            <a:r>
+              <a:rPr lang="en-US" sz="2800" kern="0" dirty="0" err="1">
+                <a:latin typeface="Carlito"/>
+                <a:cs typeface="Times New Roman" panose="02020603050405020304" pitchFamily="18" charset="0"/>
+                <a:sym typeface="Wingdings" panose="05000000000000000000" pitchFamily="2" charset="2"/>
+              </a:rPr>
+              <a:t>obj.a</a:t>
+            </a:r>
+            <a:r>
+              <a:rPr lang="en-US" sz="2800" kern="0" dirty="0">
+                <a:latin typeface="Carlito"/>
+                <a:cs typeface="Times New Roman" panose="02020603050405020304" pitchFamily="18" charset="0"/>
+                <a:sym typeface="Wingdings" panose="05000000000000000000" pitchFamily="2" charset="2"/>
+              </a:rPr>
+              <a:t>();</a:t>
+            </a:r>
+          </a:p>
+          <a:p>
+            <a:pPr marL="12700">
+              <a:spcBef>
+                <a:spcPts val="95"/>
+              </a:spcBef>
+            </a:pPr>
+            <a:r>
+              <a:rPr lang="en-US" sz="2800" kern="0" dirty="0">
+                <a:latin typeface="Carlito"/>
+                <a:cs typeface="Times New Roman" panose="02020603050405020304" pitchFamily="18" charset="0"/>
+                <a:sym typeface="Wingdings" panose="05000000000000000000" pitchFamily="2" charset="2"/>
+              </a:rPr>
+              <a:t>		return this.p1+this.p2; // it returns undefined if not specified anything</a:t>
+            </a:r>
+          </a:p>
+          <a:p>
+            <a:pPr marL="12700">
+              <a:spcBef>
+                <a:spcPts val="95"/>
+              </a:spcBef>
+            </a:pPr>
+            <a:r>
+              <a:rPr lang="en-US" sz="2800" kern="0" dirty="0">
+                <a:latin typeface="Carlito"/>
+                <a:cs typeface="Times New Roman" panose="02020603050405020304" pitchFamily="18" charset="0"/>
+                <a:sym typeface="Wingdings" panose="05000000000000000000" pitchFamily="2" charset="2"/>
+              </a:rPr>
+              <a:t>	}</a:t>
+            </a:r>
+          </a:p>
+          <a:p>
+            <a:pPr marL="12700">
+              <a:spcBef>
+                <a:spcPts val="95"/>
+              </a:spcBef>
+            </a:pPr>
+            <a:r>
+              <a:rPr lang="en-US" sz="2800" kern="0" dirty="0">
+                <a:latin typeface="Carlito"/>
+                <a:cs typeface="Times New Roman" panose="02020603050405020304" pitchFamily="18" charset="0"/>
+                <a:sym typeface="Wingdings" panose="05000000000000000000" pitchFamily="2" charset="2"/>
+              </a:rPr>
+              <a:t>}</a:t>
+            </a:r>
+          </a:p>
+        </p:txBody>
+      </p:sp>
+      <p:sp>
+        <p:nvSpPr>
+          <p:cNvPr id="7" name="TextBox 6">
+            <a:extLst>
+              <a:ext uri="{FF2B5EF4-FFF2-40B4-BE49-F238E27FC236}">
+                <a16:creationId xmlns:a16="http://schemas.microsoft.com/office/drawing/2014/main" id="{C2428796-F632-00B4-E484-CA738D260150}"/>
+              </a:ext>
+            </a:extLst>
+          </p:cNvPr>
+          <p:cNvSpPr txBox="1"/>
+          <p:nvPr/>
+        </p:nvSpPr>
+        <p:spPr>
+          <a:xfrm>
+            <a:off x="685800" y="4323186"/>
+            <a:ext cx="7086600" cy="707886"/>
+          </a:xfrm>
+          <a:prstGeom prst="rect">
+            <a:avLst/>
+          </a:prstGeom>
+          <a:noFill/>
+        </p:spPr>
+        <p:txBody>
+          <a:bodyPr wrap="square" rtlCol="0">
+            <a:spAutoFit/>
+          </a:bodyPr>
+          <a:lstStyle/>
+          <a:p>
+            <a:endParaRPr lang="en-IN" sz="4000" dirty="0">
+              <a:solidFill>
+                <a:schemeClr val="bg1"/>
+              </a:solidFill>
+            </a:endParaRPr>
+          </a:p>
+        </p:txBody>
+      </p:sp>
+    </p:spTree>
+    <p:extLst>
+      <p:ext uri="{BB962C8B-B14F-4D97-AF65-F5344CB8AC3E}">
+        <p14:creationId xmlns:p14="http://schemas.microsoft.com/office/powerpoint/2010/main" val="1386773074"/>
+      </p:ext>
+    </p:extLst>
+  </p:cSld>
+  <p:clrMapOvr>
+    <a:masterClrMapping/>
+  </p:clrMapOvr>
+</p:sld>
+</file>
+
+<file path=ppt/slides/slide18.xml><?xml version="1.0" encoding="utf-8"?>
+<p:sld xmlns:a="http://schemas.openxmlformats.org/drawingml/2006/main" xmlns:r="http://schemas.openxmlformats.org/officeDocument/2006/relationships" xmlns:p="http://schemas.openxmlformats.org/presentationml/2006/main">
+  <p:cSld>
+    <p:spTree>
+      <p:nvGrpSpPr>
+        <p:cNvPr id="1" name=""/>
+        <p:cNvGrpSpPr/>
+        <p:nvPr/>
+      </p:nvGrpSpPr>
+      <p:grpSpPr>
+        <a:xfrm>
+          <a:off x="0" y="0"/>
+          <a:ext cx="0" cy="0"/>
+          <a:chOff x="0" y="0"/>
+          <a:chExt cx="0" cy="0"/>
+        </a:xfrm>
+      </p:grpSpPr>
+      <p:sp>
+        <p:nvSpPr>
+          <p:cNvPr id="2" name="object 2"/>
+          <p:cNvSpPr/>
+          <p:nvPr/>
+        </p:nvSpPr>
+        <p:spPr>
+          <a:xfrm>
+            <a:off x="1" y="44199"/>
+            <a:ext cx="12191999" cy="7118601"/>
+          </a:xfrm>
+          <a:prstGeom prst="rect">
+            <a:avLst/>
+          </a:prstGeom>
+          <a:blipFill>
+            <a:blip r:embed="rId2" cstate="print"/>
+            <a:stretch>
+              <a:fillRect/>
+            </a:stretch>
+          </a:blipFill>
+        </p:spPr>
+        <p:txBody>
+          <a:bodyPr wrap="square" lIns="0" tIns="0" rIns="0" bIns="0" rtlCol="0"/>
+          <a:lstStyle/>
+          <a:p>
+            <a:endParaRPr b="1" dirty="0">
+              <a:ln w="13462">
+                <a:solidFill>
+                  <a:schemeClr val="bg1"/>
+                </a:solidFill>
+                <a:prstDash val="solid"/>
+              </a:ln>
+              <a:solidFill>
+                <a:schemeClr val="tx1">
+                  <a:lumMod val="85000"/>
+                  <a:lumOff val="15000"/>
+                </a:schemeClr>
+              </a:solidFill>
+              <a:effectLst>
+                <a:outerShdw dist="38100" dir="2700000" algn="bl" rotWithShape="0">
+                  <a:schemeClr val="accent5"/>
+                </a:outerShdw>
+              </a:effectLst>
+            </a:endParaRPr>
+          </a:p>
+        </p:txBody>
+      </p:sp>
+      <p:sp>
+        <p:nvSpPr>
+          <p:cNvPr id="3" name="object 3"/>
+          <p:cNvSpPr txBox="1">
+            <a:spLocks noGrp="1"/>
+          </p:cNvSpPr>
+          <p:nvPr>
+            <p:ph type="title"/>
+          </p:nvPr>
+        </p:nvSpPr>
+        <p:spPr>
+          <a:xfrm>
+            <a:off x="786485" y="457200"/>
+            <a:ext cx="8967115" cy="535403"/>
+          </a:xfrm>
+          <a:prstGeom prst="rect">
+            <a:avLst/>
+          </a:prstGeom>
+        </p:spPr>
+        <p:txBody>
+          <a:bodyPr vert="horz" wrap="square" lIns="0" tIns="12065" rIns="0" bIns="0" rtlCol="0">
+            <a:spAutoFit/>
+          </a:bodyPr>
+          <a:lstStyle/>
+          <a:p>
+            <a:pPr marL="12700">
+              <a:lnSpc>
+                <a:spcPct val="100000"/>
+              </a:lnSpc>
+              <a:spcBef>
+                <a:spcPts val="95"/>
+              </a:spcBef>
+            </a:pPr>
+            <a:r>
+              <a:rPr lang="en-US" sz="3400" dirty="0">
+                <a:latin typeface="Carlito"/>
+                <a:cs typeface="Carlito"/>
+              </a:rPr>
+              <a:t>Loops</a:t>
+            </a:r>
+            <a:endParaRPr sz="3400" dirty="0">
+              <a:latin typeface="Carlito"/>
+              <a:cs typeface="Carlito"/>
+            </a:endParaRPr>
+          </a:p>
+        </p:txBody>
+      </p:sp>
+      <p:sp>
+        <p:nvSpPr>
+          <p:cNvPr id="5" name="object 5"/>
+          <p:cNvSpPr/>
+          <p:nvPr/>
+        </p:nvSpPr>
+        <p:spPr>
+          <a:xfrm>
+            <a:off x="9816083" y="262127"/>
+            <a:ext cx="1976627" cy="822960"/>
+          </a:xfrm>
+          <a:prstGeom prst="rect">
+            <a:avLst/>
+          </a:prstGeom>
+          <a:blipFill>
+            <a:blip r:embed="rId3" cstate="print"/>
+            <a:stretch>
+              <a:fillRect/>
+            </a:stretch>
+          </a:blipFill>
+        </p:spPr>
+        <p:txBody>
+          <a:bodyPr wrap="square" lIns="0" tIns="0" rIns="0" bIns="0" rtlCol="0"/>
+          <a:lstStyle/>
+          <a:p>
+            <a:endParaRPr/>
+          </a:p>
+        </p:txBody>
+      </p:sp>
+      <p:sp>
+        <p:nvSpPr>
+          <p:cNvPr id="4" name="object 3">
+            <a:extLst>
+              <a:ext uri="{FF2B5EF4-FFF2-40B4-BE49-F238E27FC236}">
+                <a16:creationId xmlns:a16="http://schemas.microsoft.com/office/drawing/2014/main" id="{1ED9D45B-4B0D-FC76-3A8C-E89F6CD72254}"/>
+              </a:ext>
+            </a:extLst>
+          </p:cNvPr>
+          <p:cNvSpPr txBox="1">
+            <a:spLocks/>
+          </p:cNvSpPr>
+          <p:nvPr/>
+        </p:nvSpPr>
+        <p:spPr>
+          <a:xfrm>
+            <a:off x="685800" y="1143000"/>
+            <a:ext cx="11429999" cy="5544467"/>
+          </a:xfrm>
+          <a:prstGeom prst="rect">
+            <a:avLst/>
+          </a:prstGeom>
+        </p:spPr>
+        <p:txBody>
+          <a:bodyPr vert="horz" wrap="square" lIns="0" tIns="12065" rIns="0" bIns="0" rtlCol="0">
+            <a:spAutoFit/>
+          </a:bodyPr>
+          <a:lstStyle>
+            <a:lvl1pPr>
+              <a:defRPr sz="6000" b="0" i="0">
+                <a:solidFill>
+                  <a:srgbClr val="E7E6E6"/>
+                </a:solidFill>
+                <a:latin typeface="Trebuchet MS"/>
+                <a:ea typeface="+mj-ea"/>
+                <a:cs typeface="Trebuchet MS"/>
+              </a:defRPr>
+            </a:lvl1pPr>
+          </a:lstStyle>
+          <a:p>
+            <a:pPr marL="12700">
+              <a:spcBef>
+                <a:spcPts val="95"/>
+              </a:spcBef>
+            </a:pPr>
+            <a:r>
+              <a:rPr lang="en-US" sz="3200" kern="0" dirty="0">
+                <a:latin typeface="Carlito"/>
+                <a:cs typeface="Carlito"/>
+                <a:sym typeface="Wingdings" panose="05000000000000000000" pitchFamily="2" charset="2"/>
+              </a:rPr>
+              <a:t>Loops: for , while , do-while </a:t>
+            </a:r>
+          </a:p>
+          <a:p>
+            <a:pPr marL="12700">
+              <a:spcBef>
+                <a:spcPts val="95"/>
+              </a:spcBef>
+            </a:pPr>
+            <a:r>
+              <a:rPr lang="en-US" sz="3200" kern="0" dirty="0">
+                <a:latin typeface="Carlito"/>
+                <a:cs typeface="Carlito"/>
+                <a:sym typeface="Wingdings" panose="05000000000000000000" pitchFamily="2" charset="2"/>
+              </a:rPr>
+              <a:t>Task: WAP where num is div by 3 then print ‘kit’ , if num is div by 5 then print ‘kat’. And if num is div by both 3 and 5 then print ‘</a:t>
+            </a:r>
+            <a:r>
+              <a:rPr lang="en-US" sz="3200" kern="0" dirty="0" err="1">
+                <a:latin typeface="Carlito"/>
+                <a:cs typeface="Carlito"/>
+                <a:sym typeface="Wingdings" panose="05000000000000000000" pitchFamily="2" charset="2"/>
+              </a:rPr>
+              <a:t>kitkat</a:t>
+            </a:r>
+            <a:r>
+              <a:rPr lang="en-US" sz="3200" kern="0" dirty="0">
+                <a:latin typeface="Carlito"/>
+                <a:cs typeface="Carlito"/>
+                <a:sym typeface="Wingdings" panose="05000000000000000000" pitchFamily="2" charset="2"/>
+              </a:rPr>
+              <a:t>’.</a:t>
+            </a:r>
+          </a:p>
+          <a:p>
+            <a:pPr marL="12700">
+              <a:spcBef>
+                <a:spcPts val="95"/>
+              </a:spcBef>
+            </a:pPr>
+            <a:endParaRPr lang="en-US" sz="3200" kern="0" dirty="0">
+              <a:latin typeface="Carlito"/>
+              <a:cs typeface="Carlito"/>
+              <a:sym typeface="Wingdings" panose="05000000000000000000" pitchFamily="2" charset="2"/>
+            </a:endParaRPr>
+          </a:p>
+          <a:p>
+            <a:pPr marL="12700">
+              <a:spcBef>
+                <a:spcPts val="95"/>
+              </a:spcBef>
+            </a:pPr>
+            <a:r>
+              <a:rPr lang="en-US" sz="3200" kern="0" dirty="0">
+                <a:latin typeface="Carlito"/>
+                <a:cs typeface="Times New Roman" panose="02020603050405020304" pitchFamily="18" charset="0"/>
+                <a:sym typeface="Wingdings" panose="05000000000000000000" pitchFamily="2" charset="2"/>
+              </a:rPr>
+              <a:t>**new loops : </a:t>
+            </a:r>
+          </a:p>
+          <a:p>
+            <a:pPr marL="12700">
+              <a:spcBef>
+                <a:spcPts val="95"/>
+              </a:spcBef>
+            </a:pPr>
+            <a:r>
+              <a:rPr lang="en-US" sz="3200" kern="0" dirty="0">
+                <a:latin typeface="Carlito"/>
+                <a:cs typeface="Times New Roman" panose="02020603050405020304" pitchFamily="18" charset="0"/>
+                <a:sym typeface="Wingdings" panose="05000000000000000000" pitchFamily="2" charset="2"/>
+              </a:rPr>
+              <a:t>for-in : inside object  e.g. let obj = { k1 : v1 , k2 : v2 } </a:t>
+            </a:r>
+          </a:p>
+          <a:p>
+            <a:pPr marL="12700">
+              <a:spcBef>
+                <a:spcPts val="95"/>
+              </a:spcBef>
+            </a:pPr>
+            <a:r>
+              <a:rPr lang="en-US" sz="3200" kern="0" dirty="0">
+                <a:latin typeface="Carlito"/>
+                <a:cs typeface="Times New Roman" panose="02020603050405020304" pitchFamily="18" charset="0"/>
+                <a:sym typeface="Wingdings" panose="05000000000000000000" pitchFamily="2" charset="2"/>
+              </a:rPr>
+              <a:t>			for(let item in obj){ print(`${obj[item]}`) }</a:t>
+            </a:r>
+          </a:p>
+          <a:p>
+            <a:pPr marL="12700">
+              <a:spcBef>
+                <a:spcPts val="95"/>
+              </a:spcBef>
+            </a:pPr>
+            <a:r>
+              <a:rPr lang="en-US" sz="3200" kern="0" dirty="0">
+                <a:latin typeface="Carlito"/>
+                <a:cs typeface="Times New Roman" panose="02020603050405020304" pitchFamily="18" charset="0"/>
+                <a:sym typeface="Wingdings" panose="05000000000000000000" pitchFamily="2" charset="2"/>
+              </a:rPr>
+              <a:t>for-of : inside array , vector , list</a:t>
+            </a:r>
+          </a:p>
+          <a:p>
+            <a:pPr marL="12700">
+              <a:spcBef>
+                <a:spcPts val="95"/>
+              </a:spcBef>
+            </a:pPr>
+            <a:r>
+              <a:rPr lang="en-US" sz="3200" kern="0" dirty="0">
+                <a:latin typeface="Carlito"/>
+                <a:cs typeface="Times New Roman" panose="02020603050405020304" pitchFamily="18" charset="0"/>
+                <a:sym typeface="Wingdings" panose="05000000000000000000" pitchFamily="2" charset="2"/>
+              </a:rPr>
+              <a:t>			</a:t>
+            </a:r>
+            <a:r>
+              <a:rPr lang="en-US" sz="3200" kern="0" dirty="0" err="1">
+                <a:latin typeface="Carlito"/>
+                <a:cs typeface="Times New Roman" panose="02020603050405020304" pitchFamily="18" charset="0"/>
+                <a:sym typeface="Wingdings" panose="05000000000000000000" pitchFamily="2" charset="2"/>
+              </a:rPr>
+              <a:t>arr</a:t>
+            </a:r>
+            <a:r>
+              <a:rPr lang="en-US" sz="3200" kern="0" dirty="0">
+                <a:latin typeface="Carlito"/>
+                <a:cs typeface="Times New Roman" panose="02020603050405020304" pitchFamily="18" charset="0"/>
+                <a:sym typeface="Wingdings" panose="05000000000000000000" pitchFamily="2" charset="2"/>
+              </a:rPr>
+              <a:t> -&gt; let </a:t>
+            </a:r>
+            <a:r>
+              <a:rPr lang="en-US" sz="3200" kern="0" dirty="0" err="1">
+                <a:latin typeface="Carlito"/>
+                <a:cs typeface="Times New Roman" panose="02020603050405020304" pitchFamily="18" charset="0"/>
+                <a:sym typeface="Wingdings" panose="05000000000000000000" pitchFamily="2" charset="2"/>
+              </a:rPr>
+              <a:t>arr</a:t>
+            </a:r>
+            <a:r>
+              <a:rPr lang="en-US" sz="3200" kern="0" dirty="0">
+                <a:latin typeface="Carlito"/>
+                <a:cs typeface="Times New Roman" panose="02020603050405020304" pitchFamily="18" charset="0"/>
+                <a:sym typeface="Wingdings" panose="05000000000000000000" pitchFamily="2" charset="2"/>
+              </a:rPr>
+              <a:t> = [‘</a:t>
+            </a:r>
+            <a:r>
+              <a:rPr lang="en-US" sz="3200" kern="0" dirty="0" err="1">
+                <a:latin typeface="Carlito"/>
+                <a:cs typeface="Times New Roman" panose="02020603050405020304" pitchFamily="18" charset="0"/>
+                <a:sym typeface="Wingdings" panose="05000000000000000000" pitchFamily="2" charset="2"/>
+              </a:rPr>
+              <a:t>a’,’b</a:t>
+            </a:r>
+            <a:r>
+              <a:rPr lang="en-US" sz="3200" kern="0" dirty="0">
+                <a:latin typeface="Carlito"/>
+                <a:cs typeface="Times New Roman" panose="02020603050405020304" pitchFamily="18" charset="0"/>
+                <a:sym typeface="Wingdings" panose="05000000000000000000" pitchFamily="2" charset="2"/>
+              </a:rPr>
+              <a:t>’]</a:t>
+            </a:r>
+          </a:p>
+          <a:p>
+            <a:pPr marL="12700">
+              <a:spcBef>
+                <a:spcPts val="95"/>
+              </a:spcBef>
+            </a:pPr>
+            <a:r>
+              <a:rPr lang="en-US" sz="3200" kern="0" dirty="0">
+                <a:latin typeface="Carlito"/>
+                <a:cs typeface="Times New Roman" panose="02020603050405020304" pitchFamily="18" charset="0"/>
+                <a:sym typeface="Wingdings" panose="05000000000000000000" pitchFamily="2" charset="2"/>
+              </a:rPr>
+              <a:t>			for(let item of </a:t>
+            </a:r>
+            <a:r>
+              <a:rPr lang="en-US" sz="3200" kern="0" dirty="0" err="1">
+                <a:latin typeface="Carlito"/>
+                <a:cs typeface="Times New Roman" panose="02020603050405020304" pitchFamily="18" charset="0"/>
+                <a:sym typeface="Wingdings" panose="05000000000000000000" pitchFamily="2" charset="2"/>
+              </a:rPr>
+              <a:t>arr</a:t>
+            </a:r>
+            <a:r>
+              <a:rPr lang="en-US" sz="3200" kern="0" dirty="0">
+                <a:latin typeface="Carlito"/>
+                <a:cs typeface="Times New Roman" panose="02020603050405020304" pitchFamily="18" charset="0"/>
+                <a:sym typeface="Wingdings" panose="05000000000000000000" pitchFamily="2" charset="2"/>
+              </a:rPr>
+              <a:t>){ print(item);}</a:t>
+            </a:r>
+          </a:p>
+          <a:p>
+            <a:pPr marL="12700">
+              <a:spcBef>
+                <a:spcPts val="95"/>
+              </a:spcBef>
+            </a:pPr>
+            <a:endParaRPr lang="en-US" sz="3200" kern="0" dirty="0">
+              <a:latin typeface="Carlito"/>
+              <a:cs typeface="Times New Roman" panose="02020603050405020304" pitchFamily="18" charset="0"/>
+              <a:sym typeface="Wingdings" panose="05000000000000000000" pitchFamily="2" charset="2"/>
+            </a:endParaRPr>
+          </a:p>
+        </p:txBody>
+      </p:sp>
+      <p:sp>
+        <p:nvSpPr>
+          <p:cNvPr id="7" name="TextBox 6">
+            <a:extLst>
+              <a:ext uri="{FF2B5EF4-FFF2-40B4-BE49-F238E27FC236}">
+                <a16:creationId xmlns:a16="http://schemas.microsoft.com/office/drawing/2014/main" id="{C2428796-F632-00B4-E484-CA738D260150}"/>
+              </a:ext>
+            </a:extLst>
+          </p:cNvPr>
+          <p:cNvSpPr txBox="1"/>
+          <p:nvPr/>
+        </p:nvSpPr>
+        <p:spPr>
+          <a:xfrm>
+            <a:off x="685800" y="4323186"/>
+            <a:ext cx="7086600" cy="707886"/>
+          </a:xfrm>
+          <a:prstGeom prst="rect">
+            <a:avLst/>
+          </a:prstGeom>
+          <a:noFill/>
+        </p:spPr>
+        <p:txBody>
+          <a:bodyPr wrap="square" rtlCol="0">
+            <a:spAutoFit/>
+          </a:bodyPr>
+          <a:lstStyle/>
+          <a:p>
+            <a:endParaRPr lang="en-IN" sz="4000" dirty="0">
+              <a:solidFill>
+                <a:schemeClr val="bg1"/>
+              </a:solidFill>
+            </a:endParaRPr>
+          </a:p>
+        </p:txBody>
+      </p:sp>
+    </p:spTree>
+    <p:extLst>
+      <p:ext uri="{BB962C8B-B14F-4D97-AF65-F5344CB8AC3E}">
+        <p14:creationId xmlns:p14="http://schemas.microsoft.com/office/powerpoint/2010/main" val="3263541968"/>
+      </p:ext>
+    </p:extLst>
+  </p:cSld>
+  <p:clrMapOvr>
+    <a:masterClrMapping/>
+  </p:clrMapOvr>
+</p:sld>
+</file>
+
+<file path=ppt/slides/slide19.xml><?xml version="1.0" encoding="utf-8"?>
+<p:sld xmlns:a="http://schemas.openxmlformats.org/drawingml/2006/main" xmlns:r="http://schemas.openxmlformats.org/officeDocument/2006/relationships" xmlns:p="http://schemas.openxmlformats.org/presentationml/2006/main">
+  <p:cSld>
+    <p:spTree>
+      <p:nvGrpSpPr>
+        <p:cNvPr id="1" name=""/>
+        <p:cNvGrpSpPr/>
+        <p:nvPr/>
+      </p:nvGrpSpPr>
+      <p:grpSpPr>
+        <a:xfrm>
+          <a:off x="0" y="0"/>
+          <a:ext cx="0" cy="0"/>
+          <a:chOff x="0" y="0"/>
+          <a:chExt cx="0" cy="0"/>
+        </a:xfrm>
+      </p:grpSpPr>
+      <p:sp>
+        <p:nvSpPr>
+          <p:cNvPr id="2" name="object 2"/>
+          <p:cNvSpPr/>
+          <p:nvPr/>
+        </p:nvSpPr>
+        <p:spPr>
+          <a:xfrm>
+            <a:off x="1" y="44199"/>
+            <a:ext cx="12191999" cy="7118601"/>
+          </a:xfrm>
+          <a:prstGeom prst="rect">
+            <a:avLst/>
+          </a:prstGeom>
+          <a:blipFill>
+            <a:blip r:embed="rId2" cstate="print"/>
+            <a:stretch>
+              <a:fillRect/>
+            </a:stretch>
+          </a:blipFill>
+        </p:spPr>
+        <p:txBody>
+          <a:bodyPr wrap="square" lIns="0" tIns="0" rIns="0" bIns="0" rtlCol="0"/>
+          <a:lstStyle/>
+          <a:p>
+            <a:endParaRPr b="1" dirty="0">
+              <a:ln w="13462">
+                <a:solidFill>
+                  <a:schemeClr val="bg1"/>
+                </a:solidFill>
+                <a:prstDash val="solid"/>
+              </a:ln>
+              <a:solidFill>
+                <a:schemeClr val="tx1">
+                  <a:lumMod val="85000"/>
+                  <a:lumOff val="15000"/>
+                </a:schemeClr>
+              </a:solidFill>
+              <a:effectLst>
+                <a:outerShdw dist="38100" dir="2700000" algn="bl" rotWithShape="0">
+                  <a:schemeClr val="accent5"/>
+                </a:outerShdw>
+              </a:effectLst>
+            </a:endParaRPr>
+          </a:p>
+        </p:txBody>
+      </p:sp>
+      <p:sp>
+        <p:nvSpPr>
+          <p:cNvPr id="3" name="object 3"/>
+          <p:cNvSpPr txBox="1">
+            <a:spLocks noGrp="1"/>
+          </p:cNvSpPr>
+          <p:nvPr>
+            <p:ph type="title"/>
+          </p:nvPr>
+        </p:nvSpPr>
+        <p:spPr>
+          <a:xfrm>
+            <a:off x="786485" y="457200"/>
+            <a:ext cx="8967115" cy="535403"/>
+          </a:xfrm>
+          <a:prstGeom prst="rect">
+            <a:avLst/>
+          </a:prstGeom>
+        </p:spPr>
+        <p:txBody>
+          <a:bodyPr vert="horz" wrap="square" lIns="0" tIns="12065" rIns="0" bIns="0" rtlCol="0">
+            <a:spAutoFit/>
+          </a:bodyPr>
+          <a:lstStyle/>
+          <a:p>
+            <a:pPr marL="12700">
+              <a:lnSpc>
+                <a:spcPct val="100000"/>
+              </a:lnSpc>
+              <a:spcBef>
+                <a:spcPts val="95"/>
+              </a:spcBef>
+            </a:pPr>
+            <a:r>
+              <a:rPr lang="en-US" sz="3400" dirty="0">
+                <a:latin typeface="Carlito"/>
+                <a:cs typeface="Carlito"/>
+              </a:rPr>
+              <a:t>Functions</a:t>
+            </a:r>
+            <a:endParaRPr sz="3400" dirty="0">
+              <a:latin typeface="Carlito"/>
+              <a:cs typeface="Carlito"/>
+            </a:endParaRPr>
+          </a:p>
+        </p:txBody>
+      </p:sp>
+      <p:sp>
+        <p:nvSpPr>
+          <p:cNvPr id="5" name="object 5"/>
+          <p:cNvSpPr/>
+          <p:nvPr/>
+        </p:nvSpPr>
+        <p:spPr>
+          <a:xfrm>
+            <a:off x="9816083" y="262127"/>
+            <a:ext cx="1976627" cy="822960"/>
+          </a:xfrm>
+          <a:prstGeom prst="rect">
+            <a:avLst/>
+          </a:prstGeom>
+          <a:blipFill>
+            <a:blip r:embed="rId3" cstate="print"/>
+            <a:stretch>
+              <a:fillRect/>
+            </a:stretch>
+          </a:blipFill>
+        </p:spPr>
+        <p:txBody>
+          <a:bodyPr wrap="square" lIns="0" tIns="0" rIns="0" bIns="0" rtlCol="0"/>
+          <a:lstStyle/>
+          <a:p>
+            <a:endParaRPr/>
+          </a:p>
+        </p:txBody>
+      </p:sp>
+      <p:sp>
+        <p:nvSpPr>
+          <p:cNvPr id="4" name="object 3">
+            <a:extLst>
+              <a:ext uri="{FF2B5EF4-FFF2-40B4-BE49-F238E27FC236}">
+                <a16:creationId xmlns:a16="http://schemas.microsoft.com/office/drawing/2014/main" id="{1ED9D45B-4B0D-FC76-3A8C-E89F6CD72254}"/>
+              </a:ext>
+            </a:extLst>
+          </p:cNvPr>
+          <p:cNvSpPr txBox="1">
+            <a:spLocks/>
+          </p:cNvSpPr>
+          <p:nvPr/>
+        </p:nvSpPr>
+        <p:spPr>
+          <a:xfrm>
+            <a:off x="685800" y="1143000"/>
+            <a:ext cx="11429999" cy="5311069"/>
+          </a:xfrm>
+          <a:prstGeom prst="rect">
+            <a:avLst/>
+          </a:prstGeom>
+        </p:spPr>
+        <p:txBody>
+          <a:bodyPr vert="horz" wrap="square" lIns="0" tIns="12065" rIns="0" bIns="0" rtlCol="0">
+            <a:spAutoFit/>
+          </a:bodyPr>
+          <a:lstStyle>
+            <a:lvl1pPr>
+              <a:defRPr sz="6000" b="0" i="0">
+                <a:solidFill>
+                  <a:srgbClr val="E7E6E6"/>
+                </a:solidFill>
+                <a:latin typeface="Trebuchet MS"/>
+                <a:ea typeface="+mj-ea"/>
+                <a:cs typeface="Trebuchet MS"/>
+              </a:defRPr>
+            </a:lvl1pPr>
+          </a:lstStyle>
+          <a:p>
+            <a:pPr marL="12700">
+              <a:spcBef>
+                <a:spcPts val="95"/>
+              </a:spcBef>
+            </a:pPr>
+            <a:r>
+              <a:rPr lang="en-US" sz="3200" kern="0" dirty="0">
+                <a:latin typeface="Carlito"/>
+                <a:cs typeface="Carlito"/>
+                <a:sym typeface="Wingdings" panose="05000000000000000000" pitchFamily="2" charset="2"/>
+              </a:rPr>
+              <a:t>Program that does something when told to do something.</a:t>
+            </a:r>
+          </a:p>
+          <a:p>
+            <a:pPr marL="12700">
+              <a:spcBef>
+                <a:spcPts val="95"/>
+              </a:spcBef>
+            </a:pPr>
+            <a:r>
+              <a:rPr lang="en-US" sz="3200" kern="0" dirty="0">
+                <a:latin typeface="Carlito"/>
+                <a:cs typeface="Times New Roman" panose="02020603050405020304" pitchFamily="18" charset="0"/>
+                <a:sym typeface="Wingdings" panose="05000000000000000000" pitchFamily="2" charset="2"/>
+              </a:rPr>
+              <a:t>Parts of function : </a:t>
+            </a:r>
+          </a:p>
+          <a:p>
+            <a:pPr marL="527050" indent="-514350">
+              <a:spcBef>
+                <a:spcPts val="95"/>
+              </a:spcBef>
+              <a:buAutoNum type="arabicPeriod"/>
+            </a:pPr>
+            <a:r>
+              <a:rPr lang="en-US" sz="3200" kern="0" dirty="0">
+                <a:latin typeface="Carlito"/>
+                <a:cs typeface="Times New Roman" panose="02020603050405020304" pitchFamily="18" charset="0"/>
+                <a:sym typeface="Wingdings" panose="05000000000000000000" pitchFamily="2" charset="2"/>
+              </a:rPr>
+              <a:t>Function declaration</a:t>
+            </a:r>
+          </a:p>
+          <a:p>
+            <a:pPr marL="527050" indent="-514350">
+              <a:spcBef>
+                <a:spcPts val="95"/>
+              </a:spcBef>
+              <a:buAutoNum type="arabicPeriod"/>
+            </a:pPr>
+            <a:r>
+              <a:rPr lang="en-US" sz="3200" kern="0" dirty="0">
+                <a:latin typeface="Carlito"/>
+                <a:cs typeface="Times New Roman" panose="02020603050405020304" pitchFamily="18" charset="0"/>
+                <a:sym typeface="Wingdings" panose="05000000000000000000" pitchFamily="2" charset="2"/>
+              </a:rPr>
+              <a:t>Function calling </a:t>
+            </a:r>
+          </a:p>
+          <a:p>
+            <a:pPr marL="527050" indent="-514350">
+              <a:spcBef>
+                <a:spcPts val="95"/>
+              </a:spcBef>
+              <a:buAutoNum type="arabicPeriod"/>
+            </a:pPr>
+            <a:r>
+              <a:rPr lang="en-US" sz="3200" kern="0" dirty="0">
+                <a:latin typeface="Carlito"/>
+                <a:cs typeface="Times New Roman" panose="02020603050405020304" pitchFamily="18" charset="0"/>
+                <a:sym typeface="Wingdings" panose="05000000000000000000" pitchFamily="2" charset="2"/>
+              </a:rPr>
+              <a:t>Parameters of a function </a:t>
+            </a:r>
+          </a:p>
+          <a:p>
+            <a:pPr marL="12700">
+              <a:spcBef>
+                <a:spcPts val="95"/>
+              </a:spcBef>
+            </a:pPr>
+            <a:endParaRPr lang="en-US" sz="3200" kern="0" dirty="0">
+              <a:latin typeface="Carlito"/>
+              <a:cs typeface="Times New Roman" panose="02020603050405020304" pitchFamily="18" charset="0"/>
+              <a:sym typeface="Wingdings" panose="05000000000000000000" pitchFamily="2" charset="2"/>
+            </a:endParaRPr>
+          </a:p>
+          <a:p>
+            <a:pPr marL="12700">
+              <a:spcBef>
+                <a:spcPts val="95"/>
+              </a:spcBef>
+            </a:pPr>
+            <a:r>
+              <a:rPr lang="en-US" sz="2800" kern="0" dirty="0">
+                <a:latin typeface="Carlito"/>
+                <a:cs typeface="Times New Roman" panose="02020603050405020304" pitchFamily="18" charset="0"/>
+                <a:sym typeface="Wingdings" panose="05000000000000000000" pitchFamily="2" charset="2"/>
+              </a:rPr>
+              <a:t>e.g. function sum(){</a:t>
+            </a:r>
+          </a:p>
+          <a:p>
+            <a:pPr marL="12700">
+              <a:spcBef>
+                <a:spcPts val="95"/>
+              </a:spcBef>
+            </a:pPr>
+            <a:r>
+              <a:rPr lang="en-US" sz="2800" kern="0" dirty="0">
+                <a:latin typeface="Carlito"/>
+                <a:cs typeface="Times New Roman" panose="02020603050405020304" pitchFamily="18" charset="0"/>
+                <a:sym typeface="Wingdings" panose="05000000000000000000" pitchFamily="2" charset="2"/>
+              </a:rPr>
+              <a:t>	//some </a:t>
+            </a:r>
+            <a:r>
+              <a:rPr lang="en-US" sz="2800" kern="0" dirty="0" err="1">
+                <a:latin typeface="Carlito"/>
+                <a:cs typeface="Times New Roman" panose="02020603050405020304" pitchFamily="18" charset="0"/>
+                <a:sym typeface="Wingdings" panose="05000000000000000000" pitchFamily="2" charset="2"/>
+              </a:rPr>
+              <a:t>kaam</a:t>
+            </a:r>
+            <a:endParaRPr lang="en-US" sz="2800" kern="0" dirty="0">
+              <a:latin typeface="Carlito"/>
+              <a:cs typeface="Times New Roman" panose="02020603050405020304" pitchFamily="18" charset="0"/>
+              <a:sym typeface="Wingdings" panose="05000000000000000000" pitchFamily="2" charset="2"/>
+            </a:endParaRPr>
+          </a:p>
+          <a:p>
+            <a:pPr marL="12700">
+              <a:spcBef>
+                <a:spcPts val="95"/>
+              </a:spcBef>
+            </a:pPr>
+            <a:r>
+              <a:rPr lang="en-US" sz="2800" kern="0" dirty="0">
+                <a:latin typeface="Carlito"/>
+                <a:cs typeface="Times New Roman" panose="02020603050405020304" pitchFamily="18" charset="0"/>
+                <a:sym typeface="Wingdings" panose="05000000000000000000" pitchFamily="2" charset="2"/>
+              </a:rPr>
+              <a:t>}</a:t>
+            </a:r>
+          </a:p>
+          <a:p>
+            <a:pPr marL="12700">
+              <a:spcBef>
+                <a:spcPts val="95"/>
+              </a:spcBef>
+            </a:pPr>
+            <a:r>
+              <a:rPr lang="en-US" sz="2800" kern="0" dirty="0">
+                <a:latin typeface="Carlito"/>
+                <a:cs typeface="Times New Roman" panose="02020603050405020304" pitchFamily="18" charset="0"/>
+                <a:sym typeface="Wingdings" panose="05000000000000000000" pitchFamily="2" charset="2"/>
+              </a:rPr>
+              <a:t>sum (); // function call here</a:t>
+            </a:r>
+          </a:p>
+          <a:p>
+            <a:pPr marL="12700">
+              <a:spcBef>
+                <a:spcPts val="95"/>
+              </a:spcBef>
+            </a:pPr>
+            <a:r>
+              <a:rPr lang="en-US" sz="2800" kern="0" dirty="0">
+                <a:latin typeface="Carlito"/>
+                <a:cs typeface="Times New Roman" panose="02020603050405020304" pitchFamily="18" charset="0"/>
+                <a:sym typeface="Wingdings" panose="05000000000000000000" pitchFamily="2" charset="2"/>
+              </a:rPr>
+              <a:t>sum(30);</a:t>
+            </a:r>
+            <a:r>
+              <a:rPr lang="en-US" sz="3200" kern="0" dirty="0">
+                <a:latin typeface="Carlito"/>
+                <a:cs typeface="Times New Roman" panose="02020603050405020304" pitchFamily="18" charset="0"/>
+                <a:sym typeface="Wingdings" panose="05000000000000000000" pitchFamily="2" charset="2"/>
+              </a:rPr>
+              <a:t> // function with parameters.</a:t>
+            </a:r>
+          </a:p>
+        </p:txBody>
+      </p:sp>
+      <p:sp>
+        <p:nvSpPr>
+          <p:cNvPr id="7" name="TextBox 6">
+            <a:extLst>
+              <a:ext uri="{FF2B5EF4-FFF2-40B4-BE49-F238E27FC236}">
+                <a16:creationId xmlns:a16="http://schemas.microsoft.com/office/drawing/2014/main" id="{C2428796-F632-00B4-E484-CA738D260150}"/>
+              </a:ext>
+            </a:extLst>
+          </p:cNvPr>
+          <p:cNvSpPr txBox="1"/>
+          <p:nvPr/>
+        </p:nvSpPr>
+        <p:spPr>
+          <a:xfrm>
+            <a:off x="685800" y="4323186"/>
+            <a:ext cx="7086600" cy="707886"/>
+          </a:xfrm>
+          <a:prstGeom prst="rect">
+            <a:avLst/>
+          </a:prstGeom>
+          <a:noFill/>
+        </p:spPr>
+        <p:txBody>
+          <a:bodyPr wrap="square" rtlCol="0">
+            <a:spAutoFit/>
+          </a:bodyPr>
+          <a:lstStyle/>
+          <a:p>
+            <a:endParaRPr lang="en-IN" sz="4000" dirty="0">
+              <a:solidFill>
+                <a:schemeClr val="bg1"/>
+              </a:solidFill>
+            </a:endParaRPr>
+          </a:p>
+        </p:txBody>
+      </p:sp>
+    </p:spTree>
+    <p:extLst>
+      <p:ext uri="{BB962C8B-B14F-4D97-AF65-F5344CB8AC3E}">
+        <p14:creationId xmlns:p14="http://schemas.microsoft.com/office/powerpoint/2010/main" val="391679352"/>
+      </p:ext>
+    </p:extLst>
+  </p:cSld>
+  <p:clrMapOvr>
+    <a:masterClrMapping/>
+  </p:clrMapOvr>
+</p:sld>
+</file>
+
+<file path=ppt/slides/slide2.xml><?xml version="1.0" encoding="utf-8"?>
+<p:sld xmlns:a="http://schemas.openxmlformats.org/drawingml/2006/main" xmlns:r="http://schemas.openxmlformats.org/officeDocument/2006/relationships" xmlns:p="http://schemas.openxmlformats.org/presentationml/2006/main">
+  <p:cSld>
+    <p:spTree>
+      <p:nvGrpSpPr>
+        <p:cNvPr id="1" name=""/>
+        <p:cNvGrpSpPr/>
+        <p:nvPr/>
+      </p:nvGrpSpPr>
+      <p:grpSpPr>
+        <a:xfrm>
+          <a:off x="0" y="0"/>
+          <a:ext cx="0" cy="0"/>
+          <a:chOff x="0" y="0"/>
+          <a:chExt cx="0" cy="0"/>
+        </a:xfrm>
+      </p:grpSpPr>
+      <p:sp>
+        <p:nvSpPr>
+          <p:cNvPr id="2" name="object 2"/>
+          <p:cNvSpPr/>
+          <p:nvPr/>
+        </p:nvSpPr>
+        <p:spPr>
+          <a:xfrm>
+            <a:off x="1" y="44199"/>
+            <a:ext cx="12191999" cy="7118601"/>
+          </a:xfrm>
+          <a:prstGeom prst="rect">
+            <a:avLst/>
+          </a:prstGeom>
+          <a:blipFill>
+            <a:blip r:embed="rId2" cstate="print"/>
+            <a:stretch>
+              <a:fillRect/>
+            </a:stretch>
+          </a:blipFill>
+        </p:spPr>
+        <p:txBody>
+          <a:bodyPr wrap="square" lIns="0" tIns="0" rIns="0" bIns="0" rtlCol="0"/>
+          <a:lstStyle/>
+          <a:p>
+            <a:endParaRPr b="1" dirty="0">
+              <a:ln w="13462">
+                <a:solidFill>
+                  <a:schemeClr val="bg1"/>
+                </a:solidFill>
+                <a:prstDash val="solid"/>
+              </a:ln>
+              <a:solidFill>
+                <a:schemeClr val="tx1">
+                  <a:lumMod val="85000"/>
+                  <a:lumOff val="15000"/>
+                </a:schemeClr>
+              </a:solidFill>
+              <a:effectLst>
+                <a:outerShdw dist="38100" dir="2700000" algn="bl" rotWithShape="0">
+                  <a:schemeClr val="accent5"/>
+                </a:outerShdw>
+              </a:effectLst>
+            </a:endParaRPr>
+          </a:p>
+        </p:txBody>
+      </p:sp>
+      <p:sp>
+        <p:nvSpPr>
+          <p:cNvPr id="3" name="object 3"/>
+          <p:cNvSpPr txBox="1">
+            <a:spLocks noGrp="1"/>
+          </p:cNvSpPr>
+          <p:nvPr>
+            <p:ph type="title"/>
+          </p:nvPr>
+        </p:nvSpPr>
+        <p:spPr>
+          <a:xfrm>
+            <a:off x="938885" y="457200"/>
+            <a:ext cx="4471315" cy="535403"/>
+          </a:xfrm>
+          <a:prstGeom prst="rect">
+            <a:avLst/>
+          </a:prstGeom>
+        </p:spPr>
+        <p:txBody>
+          <a:bodyPr vert="horz" wrap="square" lIns="0" tIns="12065" rIns="0" bIns="0" rtlCol="0">
+            <a:spAutoFit/>
+          </a:bodyPr>
+          <a:lstStyle/>
+          <a:p>
+            <a:pPr marL="12700">
+              <a:lnSpc>
+                <a:spcPct val="100000"/>
+              </a:lnSpc>
+              <a:spcBef>
+                <a:spcPts val="95"/>
+              </a:spcBef>
+            </a:pPr>
+            <a:r>
+              <a:rPr lang="en-US" sz="3400" b="1" spc="-5" dirty="0">
+                <a:solidFill>
+                  <a:srgbClr val="FFFFFF"/>
+                </a:solidFill>
+                <a:latin typeface="Carlito"/>
+                <a:cs typeface="Carlito"/>
+              </a:rPr>
+              <a:t>JS Intro</a:t>
+            </a:r>
+            <a:endParaRPr sz="3400" dirty="0">
+              <a:latin typeface="Carlito"/>
+              <a:cs typeface="Carlito"/>
+            </a:endParaRPr>
+          </a:p>
+        </p:txBody>
+      </p:sp>
+      <p:sp>
+        <p:nvSpPr>
+          <p:cNvPr id="5" name="object 5"/>
+          <p:cNvSpPr/>
+          <p:nvPr/>
+        </p:nvSpPr>
+        <p:spPr>
+          <a:xfrm>
+            <a:off x="9816083" y="262127"/>
+            <a:ext cx="1976627" cy="822960"/>
+          </a:xfrm>
+          <a:prstGeom prst="rect">
+            <a:avLst/>
+          </a:prstGeom>
+          <a:blipFill>
+            <a:blip r:embed="rId3" cstate="print"/>
+            <a:stretch>
+              <a:fillRect/>
+            </a:stretch>
+          </a:blipFill>
+        </p:spPr>
+        <p:txBody>
+          <a:bodyPr wrap="square" lIns="0" tIns="0" rIns="0" bIns="0" rtlCol="0"/>
+          <a:lstStyle/>
+          <a:p>
+            <a:endParaRPr/>
+          </a:p>
+        </p:txBody>
+      </p:sp>
+      <p:sp>
+        <p:nvSpPr>
+          <p:cNvPr id="4" name="object 3">
+            <a:extLst>
+              <a:ext uri="{FF2B5EF4-FFF2-40B4-BE49-F238E27FC236}">
+                <a16:creationId xmlns:a16="http://schemas.microsoft.com/office/drawing/2014/main" id="{1ED9D45B-4B0D-FC76-3A8C-E89F6CD72254}"/>
+              </a:ext>
+            </a:extLst>
+          </p:cNvPr>
+          <p:cNvSpPr txBox="1">
+            <a:spLocks/>
+          </p:cNvSpPr>
+          <p:nvPr/>
+        </p:nvSpPr>
+        <p:spPr>
+          <a:xfrm>
+            <a:off x="762000" y="1295400"/>
+            <a:ext cx="11283579" cy="5052024"/>
+          </a:xfrm>
+          <a:prstGeom prst="rect">
+            <a:avLst/>
+          </a:prstGeom>
+        </p:spPr>
+        <p:txBody>
+          <a:bodyPr vert="horz" wrap="square" lIns="0" tIns="12065" rIns="0" bIns="0" rtlCol="0">
+            <a:spAutoFit/>
+          </a:bodyPr>
+          <a:lstStyle>
+            <a:lvl1pPr>
+              <a:defRPr sz="6000" b="0" i="0">
+                <a:solidFill>
+                  <a:srgbClr val="E7E6E6"/>
+                </a:solidFill>
+                <a:latin typeface="Trebuchet MS"/>
+                <a:ea typeface="+mj-ea"/>
+                <a:cs typeface="Trebuchet MS"/>
+              </a:defRPr>
+            </a:lvl1pPr>
+          </a:lstStyle>
+          <a:p>
+            <a:pPr marL="12700">
+              <a:spcBef>
+                <a:spcPts val="95"/>
+              </a:spcBef>
+            </a:pPr>
+            <a:r>
+              <a:rPr lang="en-US" sz="3200" kern="0" dirty="0">
+                <a:latin typeface="Carlito"/>
+                <a:cs typeface="Carlito"/>
+              </a:rPr>
+              <a:t>-made by Brenden </a:t>
+            </a:r>
+            <a:r>
+              <a:rPr lang="en-US" sz="3200" kern="0" dirty="0" err="1">
+                <a:latin typeface="Carlito"/>
+                <a:cs typeface="Carlito"/>
+              </a:rPr>
+              <a:t>Eich</a:t>
+            </a:r>
+            <a:endParaRPr lang="en-US" sz="3200" kern="0" dirty="0">
+              <a:latin typeface="Carlito"/>
+              <a:cs typeface="Carlito"/>
+            </a:endParaRPr>
+          </a:p>
+          <a:p>
+            <a:pPr marL="12700">
+              <a:spcBef>
+                <a:spcPts val="95"/>
+              </a:spcBef>
+            </a:pPr>
+            <a:endParaRPr lang="en-US" sz="3200" kern="0" dirty="0">
+              <a:latin typeface="Carlito"/>
+              <a:cs typeface="Carlito"/>
+            </a:endParaRPr>
+          </a:p>
+          <a:p>
+            <a:pPr marL="12700">
+              <a:spcBef>
+                <a:spcPts val="95"/>
+              </a:spcBef>
+            </a:pPr>
+            <a:r>
+              <a:rPr lang="en-US" sz="3200" kern="0" dirty="0">
+                <a:latin typeface="Carlito"/>
+                <a:cs typeface="Carlito"/>
+                <a:sym typeface="Wingdings" panose="05000000000000000000" pitchFamily="2" charset="2"/>
+              </a:rPr>
+              <a:t></a:t>
+            </a:r>
+            <a:r>
+              <a:rPr lang="en-US" sz="3200" kern="0" dirty="0">
+                <a:latin typeface="Carlito"/>
+                <a:cs typeface="Carlito"/>
+              </a:rPr>
+              <a:t>Adds Interactivity to website</a:t>
+            </a:r>
+          </a:p>
+          <a:p>
+            <a:pPr marL="12700">
+              <a:spcBef>
+                <a:spcPts val="95"/>
+              </a:spcBef>
+            </a:pPr>
+            <a:r>
+              <a:rPr lang="en-US" sz="3200" kern="0" dirty="0">
+                <a:latin typeface="Carlito"/>
+                <a:cs typeface="Carlito"/>
+                <a:sym typeface="Wingdings" panose="05000000000000000000" pitchFamily="2" charset="2"/>
+              </a:rPr>
+              <a:t></a:t>
+            </a:r>
+            <a:r>
+              <a:rPr lang="en-US" sz="3200" kern="0" dirty="0" err="1">
+                <a:latin typeface="Carlito"/>
+                <a:cs typeface="Carlito"/>
+                <a:sym typeface="Wingdings" panose="05000000000000000000" pitchFamily="2" charset="2"/>
+              </a:rPr>
+              <a:t>P.Lang</a:t>
+            </a:r>
+            <a:r>
+              <a:rPr lang="en-US" sz="3200" kern="0" dirty="0">
+                <a:latin typeface="Carlito"/>
+                <a:cs typeface="Carlito"/>
+                <a:sym typeface="Wingdings" panose="05000000000000000000" pitchFamily="2" charset="2"/>
+              </a:rPr>
+              <a:t> are of 2 types : Interpreted and Compiled</a:t>
+            </a:r>
+          </a:p>
+          <a:p>
+            <a:pPr marL="12700">
+              <a:spcBef>
+                <a:spcPts val="95"/>
+              </a:spcBef>
+            </a:pPr>
+            <a:r>
+              <a:rPr lang="en-US" sz="3200" kern="0" dirty="0">
+                <a:latin typeface="Carlito"/>
+                <a:cs typeface="Carlito"/>
+                <a:sym typeface="Wingdings" panose="05000000000000000000" pitchFamily="2" charset="2"/>
+              </a:rPr>
+              <a:t>JS is a Interpreted Programming Language, </a:t>
+            </a:r>
+          </a:p>
+          <a:p>
+            <a:pPr marL="12700">
+              <a:spcBef>
+                <a:spcPts val="95"/>
+              </a:spcBef>
+            </a:pPr>
+            <a:r>
+              <a:rPr lang="en-US" sz="3200" kern="0" dirty="0">
+                <a:latin typeface="Carlito"/>
+                <a:cs typeface="Carlito"/>
+                <a:sym typeface="Wingdings" panose="05000000000000000000" pitchFamily="2" charset="2"/>
+              </a:rPr>
+              <a:t>    i.e. JS is executed line by line</a:t>
+            </a:r>
+          </a:p>
+          <a:p>
+            <a:pPr marL="12700">
+              <a:spcBef>
+                <a:spcPts val="95"/>
+              </a:spcBef>
+            </a:pPr>
+            <a:r>
+              <a:rPr lang="en-US" sz="3200" kern="0" dirty="0">
+                <a:latin typeface="Carlito"/>
+                <a:cs typeface="Carlito"/>
+                <a:sym typeface="Wingdings" panose="05000000000000000000" pitchFamily="2" charset="2"/>
+              </a:rPr>
+              <a:t>Browser has 2 engines : Layout and JS Engine</a:t>
+            </a:r>
+          </a:p>
+          <a:p>
+            <a:pPr marL="12700">
+              <a:spcBef>
+                <a:spcPts val="95"/>
+              </a:spcBef>
+            </a:pPr>
+            <a:endParaRPr lang="en-US" sz="3200" kern="0" dirty="0">
+              <a:latin typeface="Carlito"/>
+              <a:cs typeface="Carlito"/>
+              <a:sym typeface="Wingdings" panose="05000000000000000000" pitchFamily="2" charset="2"/>
+            </a:endParaRPr>
+          </a:p>
+          <a:p>
+            <a:pPr marL="12700">
+              <a:spcBef>
+                <a:spcPts val="95"/>
+              </a:spcBef>
+            </a:pPr>
+            <a:r>
+              <a:rPr lang="en-US" sz="3200" kern="0" dirty="0">
+                <a:latin typeface="Carlito"/>
+                <a:cs typeface="Carlito"/>
+              </a:rPr>
+              <a:t>Layout Engine : HTML and CSS , JS Engine : JS for interaction</a:t>
+            </a:r>
+          </a:p>
+          <a:p>
+            <a:pPr marL="12700">
+              <a:spcBef>
+                <a:spcPts val="95"/>
+              </a:spcBef>
+            </a:pPr>
+            <a:endParaRPr lang="en-US" sz="3200" kern="0" dirty="0">
+              <a:latin typeface="Carlito"/>
+              <a:cs typeface="Carlito"/>
+            </a:endParaRPr>
+          </a:p>
+        </p:txBody>
+      </p:sp>
+      <p:sp>
+        <p:nvSpPr>
+          <p:cNvPr id="7" name="TextBox 6">
+            <a:extLst>
+              <a:ext uri="{FF2B5EF4-FFF2-40B4-BE49-F238E27FC236}">
+                <a16:creationId xmlns:a16="http://schemas.microsoft.com/office/drawing/2014/main" id="{C2428796-F632-00B4-E484-CA738D260150}"/>
+              </a:ext>
+            </a:extLst>
+          </p:cNvPr>
+          <p:cNvSpPr txBox="1"/>
+          <p:nvPr/>
+        </p:nvSpPr>
+        <p:spPr>
+          <a:xfrm>
+            <a:off x="685800" y="4323186"/>
+            <a:ext cx="7086600" cy="707886"/>
+          </a:xfrm>
+          <a:prstGeom prst="rect">
+            <a:avLst/>
+          </a:prstGeom>
+          <a:noFill/>
+        </p:spPr>
+        <p:txBody>
+          <a:bodyPr wrap="square" rtlCol="0">
+            <a:spAutoFit/>
+          </a:bodyPr>
+          <a:lstStyle/>
+          <a:p>
+            <a:endParaRPr lang="en-IN" sz="4000" dirty="0">
+              <a:solidFill>
+                <a:schemeClr val="bg1"/>
+              </a:solidFill>
+            </a:endParaRPr>
+          </a:p>
+        </p:txBody>
+      </p:sp>
+    </p:spTree>
+    <p:extLst>
+      <p:ext uri="{BB962C8B-B14F-4D97-AF65-F5344CB8AC3E}">
         <p14:creationId xmlns:p14="http://schemas.microsoft.com/office/powerpoint/2010/main" val="539890603"/>
+      </p:ext>
+    </p:extLst>
+  </p:cSld>
+  <p:clrMapOvr>
+    <a:masterClrMapping/>
+  </p:clrMapOvr>
+</p:sld>
+</file>
+
+<file path=ppt/slides/slide20.xml><?xml version="1.0" encoding="utf-8"?>
+<p:sld xmlns:a="http://schemas.openxmlformats.org/drawingml/2006/main" xmlns:r="http://schemas.openxmlformats.org/officeDocument/2006/relationships" xmlns:p="http://schemas.openxmlformats.org/presentationml/2006/main">
+  <p:cSld>
+    <p:spTree>
+      <p:nvGrpSpPr>
+        <p:cNvPr id="1" name=""/>
+        <p:cNvGrpSpPr/>
+        <p:nvPr/>
+      </p:nvGrpSpPr>
+      <p:grpSpPr>
+        <a:xfrm>
+          <a:off x="0" y="0"/>
+          <a:ext cx="0" cy="0"/>
+          <a:chOff x="0" y="0"/>
+          <a:chExt cx="0" cy="0"/>
+        </a:xfrm>
+      </p:grpSpPr>
+      <p:sp>
+        <p:nvSpPr>
+          <p:cNvPr id="2" name="object 2"/>
+          <p:cNvSpPr/>
+          <p:nvPr/>
+        </p:nvSpPr>
+        <p:spPr>
+          <a:xfrm>
+            <a:off x="1" y="44199"/>
+            <a:ext cx="12191999" cy="7118601"/>
+          </a:xfrm>
+          <a:prstGeom prst="rect">
+            <a:avLst/>
+          </a:prstGeom>
+          <a:blipFill>
+            <a:blip r:embed="rId2" cstate="print"/>
+            <a:stretch>
+              <a:fillRect/>
+            </a:stretch>
+          </a:blipFill>
+        </p:spPr>
+        <p:txBody>
+          <a:bodyPr wrap="square" lIns="0" tIns="0" rIns="0" bIns="0" rtlCol="0"/>
+          <a:lstStyle/>
+          <a:p>
+            <a:endParaRPr b="1" dirty="0">
+              <a:ln w="13462">
+                <a:solidFill>
+                  <a:schemeClr val="bg1"/>
+                </a:solidFill>
+                <a:prstDash val="solid"/>
+              </a:ln>
+              <a:solidFill>
+                <a:schemeClr val="tx1">
+                  <a:lumMod val="85000"/>
+                  <a:lumOff val="15000"/>
+                </a:schemeClr>
+              </a:solidFill>
+              <a:effectLst>
+                <a:outerShdw dist="38100" dir="2700000" algn="bl" rotWithShape="0">
+                  <a:schemeClr val="accent5"/>
+                </a:outerShdw>
+              </a:effectLst>
+            </a:endParaRPr>
+          </a:p>
+        </p:txBody>
+      </p:sp>
+      <p:sp>
+        <p:nvSpPr>
+          <p:cNvPr id="3" name="object 3"/>
+          <p:cNvSpPr txBox="1">
+            <a:spLocks noGrp="1"/>
+          </p:cNvSpPr>
+          <p:nvPr>
+            <p:ph type="title"/>
+          </p:nvPr>
+        </p:nvSpPr>
+        <p:spPr>
+          <a:xfrm>
+            <a:off x="786485" y="457200"/>
+            <a:ext cx="8967115" cy="535403"/>
+          </a:xfrm>
+          <a:prstGeom prst="rect">
+            <a:avLst/>
+          </a:prstGeom>
+        </p:spPr>
+        <p:txBody>
+          <a:bodyPr vert="horz" wrap="square" lIns="0" tIns="12065" rIns="0" bIns="0" rtlCol="0">
+            <a:spAutoFit/>
+          </a:bodyPr>
+          <a:lstStyle/>
+          <a:p>
+            <a:pPr marL="12700">
+              <a:lnSpc>
+                <a:spcPct val="100000"/>
+              </a:lnSpc>
+              <a:spcBef>
+                <a:spcPts val="95"/>
+              </a:spcBef>
+            </a:pPr>
+            <a:r>
+              <a:rPr lang="en-US" sz="3400" dirty="0">
+                <a:latin typeface="Carlito"/>
+                <a:cs typeface="Carlito"/>
+              </a:rPr>
+              <a:t>Functions</a:t>
+            </a:r>
+            <a:endParaRPr sz="3400" dirty="0">
+              <a:latin typeface="Carlito"/>
+              <a:cs typeface="Carlito"/>
+            </a:endParaRPr>
+          </a:p>
+        </p:txBody>
+      </p:sp>
+      <p:sp>
+        <p:nvSpPr>
+          <p:cNvPr id="5" name="object 5"/>
+          <p:cNvSpPr/>
+          <p:nvPr/>
+        </p:nvSpPr>
+        <p:spPr>
+          <a:xfrm>
+            <a:off x="9816083" y="262127"/>
+            <a:ext cx="1976627" cy="822960"/>
+          </a:xfrm>
+          <a:prstGeom prst="rect">
+            <a:avLst/>
+          </a:prstGeom>
+          <a:blipFill>
+            <a:blip r:embed="rId3" cstate="print"/>
+            <a:stretch>
+              <a:fillRect/>
+            </a:stretch>
+          </a:blipFill>
+        </p:spPr>
+        <p:txBody>
+          <a:bodyPr wrap="square" lIns="0" tIns="0" rIns="0" bIns="0" rtlCol="0"/>
+          <a:lstStyle/>
+          <a:p>
+            <a:endParaRPr/>
+          </a:p>
+        </p:txBody>
+      </p:sp>
+      <p:sp>
+        <p:nvSpPr>
+          <p:cNvPr id="4" name="object 3">
+            <a:extLst>
+              <a:ext uri="{FF2B5EF4-FFF2-40B4-BE49-F238E27FC236}">
+                <a16:creationId xmlns:a16="http://schemas.microsoft.com/office/drawing/2014/main" id="{1ED9D45B-4B0D-FC76-3A8C-E89F6CD72254}"/>
+              </a:ext>
+            </a:extLst>
+          </p:cNvPr>
+          <p:cNvSpPr txBox="1">
+            <a:spLocks/>
+          </p:cNvSpPr>
+          <p:nvPr/>
+        </p:nvSpPr>
+        <p:spPr>
+          <a:xfrm>
+            <a:off x="685800" y="1143000"/>
+            <a:ext cx="11429999" cy="5052024"/>
+          </a:xfrm>
+          <a:prstGeom prst="rect">
+            <a:avLst/>
+          </a:prstGeom>
+        </p:spPr>
+        <p:txBody>
+          <a:bodyPr vert="horz" wrap="square" lIns="0" tIns="12065" rIns="0" bIns="0" rtlCol="0">
+            <a:spAutoFit/>
+          </a:bodyPr>
+          <a:lstStyle>
+            <a:lvl1pPr>
+              <a:defRPr sz="6000" b="0" i="0">
+                <a:solidFill>
+                  <a:srgbClr val="E7E6E6"/>
+                </a:solidFill>
+                <a:latin typeface="Trebuchet MS"/>
+                <a:ea typeface="+mj-ea"/>
+                <a:cs typeface="Trebuchet MS"/>
+              </a:defRPr>
+            </a:lvl1pPr>
+          </a:lstStyle>
+          <a:p>
+            <a:pPr marL="12700">
+              <a:spcBef>
+                <a:spcPts val="95"/>
+              </a:spcBef>
+            </a:pPr>
+            <a:r>
+              <a:rPr lang="en-US" sz="2800" kern="0" dirty="0">
+                <a:latin typeface="Carlito"/>
+                <a:cs typeface="Times New Roman" panose="02020603050405020304" pitchFamily="18" charset="0"/>
+                <a:sym typeface="Wingdings" panose="05000000000000000000" pitchFamily="2" charset="2"/>
+              </a:rPr>
+              <a:t>e.g. function sum(num){</a:t>
+            </a:r>
+          </a:p>
+          <a:p>
+            <a:pPr marL="12700">
+              <a:spcBef>
+                <a:spcPts val="95"/>
+              </a:spcBef>
+            </a:pPr>
+            <a:r>
+              <a:rPr lang="en-US" sz="2800" kern="0" dirty="0">
+                <a:latin typeface="Carlito"/>
+                <a:cs typeface="Times New Roman" panose="02020603050405020304" pitchFamily="18" charset="0"/>
+                <a:sym typeface="Wingdings" panose="05000000000000000000" pitchFamily="2" charset="2"/>
+              </a:rPr>
+              <a:t>	//some </a:t>
+            </a:r>
+            <a:r>
+              <a:rPr lang="en-US" sz="2800" kern="0" dirty="0" err="1">
+                <a:latin typeface="Carlito"/>
+                <a:cs typeface="Times New Roman" panose="02020603050405020304" pitchFamily="18" charset="0"/>
+                <a:sym typeface="Wingdings" panose="05000000000000000000" pitchFamily="2" charset="2"/>
+              </a:rPr>
+              <a:t>kaam</a:t>
+            </a:r>
+            <a:endParaRPr lang="en-US" sz="2800" kern="0" dirty="0">
+              <a:latin typeface="Carlito"/>
+              <a:cs typeface="Times New Roman" panose="02020603050405020304" pitchFamily="18" charset="0"/>
+              <a:sym typeface="Wingdings" panose="05000000000000000000" pitchFamily="2" charset="2"/>
+            </a:endParaRPr>
+          </a:p>
+          <a:p>
+            <a:pPr marL="12700">
+              <a:spcBef>
+                <a:spcPts val="95"/>
+              </a:spcBef>
+            </a:pPr>
+            <a:r>
+              <a:rPr lang="en-US" sz="2800" kern="0" dirty="0">
+                <a:latin typeface="Carlito"/>
+                <a:cs typeface="Times New Roman" panose="02020603050405020304" pitchFamily="18" charset="0"/>
+                <a:sym typeface="Wingdings" panose="05000000000000000000" pitchFamily="2" charset="2"/>
+              </a:rPr>
+              <a:t>}</a:t>
+            </a:r>
+          </a:p>
+          <a:p>
+            <a:pPr marL="12700">
+              <a:spcBef>
+                <a:spcPts val="95"/>
+              </a:spcBef>
+            </a:pPr>
+            <a:r>
+              <a:rPr lang="en-US" sz="2800" kern="0" dirty="0">
+                <a:latin typeface="Carlito"/>
+                <a:cs typeface="Times New Roman" panose="02020603050405020304" pitchFamily="18" charset="0"/>
+                <a:sym typeface="Wingdings" panose="05000000000000000000" pitchFamily="2" charset="2"/>
+              </a:rPr>
+              <a:t>sum(30); </a:t>
+            </a:r>
+            <a:r>
+              <a:rPr lang="en-US" sz="3200" kern="0" dirty="0">
+                <a:latin typeface="Carlito"/>
+                <a:cs typeface="Times New Roman" panose="02020603050405020304" pitchFamily="18" charset="0"/>
+                <a:sym typeface="Wingdings" panose="05000000000000000000" pitchFamily="2" charset="2"/>
+              </a:rPr>
+              <a:t>// function with parameters.</a:t>
+            </a:r>
+          </a:p>
+          <a:p>
+            <a:pPr marL="12700">
+              <a:spcBef>
+                <a:spcPts val="95"/>
+              </a:spcBef>
+            </a:pPr>
+            <a:endParaRPr lang="en-US" sz="3200" kern="0" dirty="0">
+              <a:latin typeface="Carlito"/>
+              <a:cs typeface="Times New Roman" panose="02020603050405020304" pitchFamily="18" charset="0"/>
+              <a:sym typeface="Wingdings" panose="05000000000000000000" pitchFamily="2" charset="2"/>
+            </a:endParaRPr>
+          </a:p>
+          <a:p>
+            <a:pPr marL="12700">
+              <a:spcBef>
+                <a:spcPts val="95"/>
+              </a:spcBef>
+            </a:pPr>
+            <a:r>
+              <a:rPr lang="en-US" sz="3200" kern="0" dirty="0">
+                <a:latin typeface="Carlito"/>
+                <a:cs typeface="Times New Roman" panose="02020603050405020304" pitchFamily="18" charset="0"/>
+                <a:sym typeface="Wingdings" panose="05000000000000000000" pitchFamily="2" charset="2"/>
+              </a:rPr>
+              <a:t>Functions always returns something</a:t>
+            </a:r>
+          </a:p>
+          <a:p>
+            <a:pPr marL="12700">
+              <a:spcBef>
+                <a:spcPts val="95"/>
+              </a:spcBef>
+            </a:pPr>
+            <a:r>
+              <a:rPr lang="en-US" sz="3200" kern="0" dirty="0">
+                <a:latin typeface="Carlito"/>
+                <a:cs typeface="Times New Roman" panose="02020603050405020304" pitchFamily="18" charset="0"/>
+                <a:sym typeface="Wingdings" panose="05000000000000000000" pitchFamily="2" charset="2"/>
+              </a:rPr>
+              <a:t>e.g. print(sum()) ; returns undefined. </a:t>
+            </a:r>
+          </a:p>
+          <a:p>
+            <a:pPr marL="12700">
+              <a:spcBef>
+                <a:spcPts val="95"/>
+              </a:spcBef>
+            </a:pPr>
+            <a:r>
+              <a:rPr lang="en-US" sz="3200" kern="0" dirty="0">
+                <a:latin typeface="Carlito"/>
+                <a:cs typeface="Times New Roman" panose="02020603050405020304" pitchFamily="18" charset="0"/>
+                <a:sym typeface="Wingdings" panose="05000000000000000000" pitchFamily="2" charset="2"/>
+              </a:rPr>
+              <a:t>We can return something inside the function to avoid ‘undefined’.</a:t>
+            </a:r>
+          </a:p>
+          <a:p>
+            <a:pPr marL="12700">
+              <a:spcBef>
+                <a:spcPts val="95"/>
+              </a:spcBef>
+            </a:pPr>
+            <a:r>
+              <a:rPr lang="en-US" sz="3200" kern="0" dirty="0">
+                <a:latin typeface="Carlito"/>
+                <a:cs typeface="Times New Roman" panose="02020603050405020304" pitchFamily="18" charset="0"/>
+                <a:sym typeface="Wingdings" panose="05000000000000000000" pitchFamily="2" charset="2"/>
+              </a:rPr>
+              <a:t>Q : What if we pass only 1 argument. </a:t>
+            </a:r>
+          </a:p>
+          <a:p>
+            <a:pPr marL="12700">
+              <a:spcBef>
+                <a:spcPts val="95"/>
+              </a:spcBef>
+            </a:pPr>
+            <a:r>
+              <a:rPr lang="en-US" sz="3200" kern="0" dirty="0">
+                <a:latin typeface="Carlito"/>
+                <a:cs typeface="Times New Roman" panose="02020603050405020304" pitchFamily="18" charset="0"/>
+                <a:sym typeface="Wingdings" panose="05000000000000000000" pitchFamily="2" charset="2"/>
+              </a:rPr>
+              <a:t>(o/p </a:t>
+            </a:r>
+            <a:r>
+              <a:rPr lang="en-US" sz="3200" kern="0" dirty="0" err="1">
+                <a:latin typeface="Carlito"/>
+                <a:cs typeface="Times New Roman" panose="02020603050405020304" pitchFamily="18" charset="0"/>
+                <a:sym typeface="Wingdings" panose="05000000000000000000" pitchFamily="2" charset="2"/>
+              </a:rPr>
+              <a:t>NaN</a:t>
+            </a:r>
+            <a:r>
+              <a:rPr lang="en-US" sz="3200" kern="0" dirty="0">
+                <a:latin typeface="Carlito"/>
+                <a:cs typeface="Times New Roman" panose="02020603050405020304" pitchFamily="18" charset="0"/>
+                <a:sym typeface="Wingdings" panose="05000000000000000000" pitchFamily="2" charset="2"/>
+              </a:rPr>
+              <a:t> because </a:t>
+            </a:r>
+            <a:r>
+              <a:rPr lang="en-US" sz="3200" kern="0" dirty="0" err="1">
+                <a:latin typeface="Carlito"/>
+                <a:cs typeface="Times New Roman" panose="02020603050405020304" pitchFamily="18" charset="0"/>
+                <a:sym typeface="Wingdings" panose="05000000000000000000" pitchFamily="2" charset="2"/>
+              </a:rPr>
+              <a:t>NaN</a:t>
+            </a:r>
+            <a:r>
+              <a:rPr lang="en-US" sz="3200" kern="0" dirty="0">
+                <a:latin typeface="Carlito"/>
+                <a:cs typeface="Times New Roman" panose="02020603050405020304" pitchFamily="18" charset="0"/>
+                <a:sym typeface="Wingdings" panose="05000000000000000000" pitchFamily="2" charset="2"/>
+              </a:rPr>
+              <a:t> come from -&gt; 30 + undefined</a:t>
+            </a:r>
+          </a:p>
+        </p:txBody>
+      </p:sp>
+      <p:sp>
+        <p:nvSpPr>
+          <p:cNvPr id="7" name="TextBox 6">
+            <a:extLst>
+              <a:ext uri="{FF2B5EF4-FFF2-40B4-BE49-F238E27FC236}">
+                <a16:creationId xmlns:a16="http://schemas.microsoft.com/office/drawing/2014/main" id="{C2428796-F632-00B4-E484-CA738D260150}"/>
+              </a:ext>
+            </a:extLst>
+          </p:cNvPr>
+          <p:cNvSpPr txBox="1"/>
+          <p:nvPr/>
+        </p:nvSpPr>
+        <p:spPr>
+          <a:xfrm>
+            <a:off x="685800" y="4323186"/>
+            <a:ext cx="7086600" cy="707886"/>
+          </a:xfrm>
+          <a:prstGeom prst="rect">
+            <a:avLst/>
+          </a:prstGeom>
+          <a:noFill/>
+        </p:spPr>
+        <p:txBody>
+          <a:bodyPr wrap="square" rtlCol="0">
+            <a:spAutoFit/>
+          </a:bodyPr>
+          <a:lstStyle/>
+          <a:p>
+            <a:endParaRPr lang="en-IN" sz="4000" dirty="0">
+              <a:solidFill>
+                <a:schemeClr val="bg1"/>
+              </a:solidFill>
+            </a:endParaRPr>
+          </a:p>
+        </p:txBody>
+      </p:sp>
+    </p:spTree>
+    <p:extLst>
+      <p:ext uri="{BB962C8B-B14F-4D97-AF65-F5344CB8AC3E}">
+        <p14:creationId xmlns:p14="http://schemas.microsoft.com/office/powerpoint/2010/main" val="1063669469"/>
+      </p:ext>
+    </p:extLst>
+  </p:cSld>
+  <p:clrMapOvr>
+    <a:masterClrMapping/>
+  </p:clrMapOvr>
+</p:sld>
+</file>
+
+<file path=ppt/slides/slide21.xml><?xml version="1.0" encoding="utf-8"?>
+<p:sld xmlns:a="http://schemas.openxmlformats.org/drawingml/2006/main" xmlns:r="http://schemas.openxmlformats.org/officeDocument/2006/relationships" xmlns:p="http://schemas.openxmlformats.org/presentationml/2006/main">
+  <p:cSld>
+    <p:spTree>
+      <p:nvGrpSpPr>
+        <p:cNvPr id="1" name=""/>
+        <p:cNvGrpSpPr/>
+        <p:nvPr/>
+      </p:nvGrpSpPr>
+      <p:grpSpPr>
+        <a:xfrm>
+          <a:off x="0" y="0"/>
+          <a:ext cx="0" cy="0"/>
+          <a:chOff x="0" y="0"/>
+          <a:chExt cx="0" cy="0"/>
+        </a:xfrm>
+      </p:grpSpPr>
+      <p:sp>
+        <p:nvSpPr>
+          <p:cNvPr id="2" name="object 2"/>
+          <p:cNvSpPr/>
+          <p:nvPr/>
+        </p:nvSpPr>
+        <p:spPr>
+          <a:xfrm>
+            <a:off x="1" y="44199"/>
+            <a:ext cx="12191999" cy="7118601"/>
+          </a:xfrm>
+          <a:prstGeom prst="rect">
+            <a:avLst/>
+          </a:prstGeom>
+          <a:blipFill>
+            <a:blip r:embed="rId2" cstate="print"/>
+            <a:stretch>
+              <a:fillRect/>
+            </a:stretch>
+          </a:blipFill>
+        </p:spPr>
+        <p:txBody>
+          <a:bodyPr wrap="square" lIns="0" tIns="0" rIns="0" bIns="0" rtlCol="0"/>
+          <a:lstStyle/>
+          <a:p>
+            <a:endParaRPr b="1" dirty="0">
+              <a:ln w="13462">
+                <a:solidFill>
+                  <a:schemeClr val="bg1"/>
+                </a:solidFill>
+                <a:prstDash val="solid"/>
+              </a:ln>
+              <a:solidFill>
+                <a:schemeClr val="tx1">
+                  <a:lumMod val="85000"/>
+                  <a:lumOff val="15000"/>
+                </a:schemeClr>
+              </a:solidFill>
+              <a:effectLst>
+                <a:outerShdw dist="38100" dir="2700000" algn="bl" rotWithShape="0">
+                  <a:schemeClr val="accent5"/>
+                </a:outerShdw>
+              </a:effectLst>
+            </a:endParaRPr>
+          </a:p>
+        </p:txBody>
+      </p:sp>
+      <p:sp>
+        <p:nvSpPr>
+          <p:cNvPr id="3" name="object 3"/>
+          <p:cNvSpPr txBox="1">
+            <a:spLocks noGrp="1"/>
+          </p:cNvSpPr>
+          <p:nvPr>
+            <p:ph type="title"/>
+          </p:nvPr>
+        </p:nvSpPr>
+        <p:spPr>
+          <a:xfrm>
+            <a:off x="786485" y="457200"/>
+            <a:ext cx="8967115" cy="535403"/>
+          </a:xfrm>
+          <a:prstGeom prst="rect">
+            <a:avLst/>
+          </a:prstGeom>
+        </p:spPr>
+        <p:txBody>
+          <a:bodyPr vert="horz" wrap="square" lIns="0" tIns="12065" rIns="0" bIns="0" rtlCol="0">
+            <a:spAutoFit/>
+          </a:bodyPr>
+          <a:lstStyle/>
+          <a:p>
+            <a:pPr marL="12700">
+              <a:lnSpc>
+                <a:spcPct val="100000"/>
+              </a:lnSpc>
+              <a:spcBef>
+                <a:spcPts val="95"/>
+              </a:spcBef>
+            </a:pPr>
+            <a:r>
+              <a:rPr lang="en-US" sz="3400" dirty="0">
+                <a:latin typeface="Carlito"/>
+                <a:cs typeface="Carlito"/>
+              </a:rPr>
+              <a:t>Functions</a:t>
+            </a:r>
+            <a:endParaRPr sz="3400" dirty="0">
+              <a:latin typeface="Carlito"/>
+              <a:cs typeface="Carlito"/>
+            </a:endParaRPr>
+          </a:p>
+        </p:txBody>
+      </p:sp>
+      <p:sp>
+        <p:nvSpPr>
+          <p:cNvPr id="5" name="object 5"/>
+          <p:cNvSpPr/>
+          <p:nvPr/>
+        </p:nvSpPr>
+        <p:spPr>
+          <a:xfrm>
+            <a:off x="9816083" y="262127"/>
+            <a:ext cx="1976627" cy="822960"/>
+          </a:xfrm>
+          <a:prstGeom prst="rect">
+            <a:avLst/>
+          </a:prstGeom>
+          <a:blipFill>
+            <a:blip r:embed="rId3" cstate="print"/>
+            <a:stretch>
+              <a:fillRect/>
+            </a:stretch>
+          </a:blipFill>
+        </p:spPr>
+        <p:txBody>
+          <a:bodyPr wrap="square" lIns="0" tIns="0" rIns="0" bIns="0" rtlCol="0"/>
+          <a:lstStyle/>
+          <a:p>
+            <a:endParaRPr/>
+          </a:p>
+        </p:txBody>
+      </p:sp>
+      <p:sp>
+        <p:nvSpPr>
+          <p:cNvPr id="4" name="object 3">
+            <a:extLst>
+              <a:ext uri="{FF2B5EF4-FFF2-40B4-BE49-F238E27FC236}">
+                <a16:creationId xmlns:a16="http://schemas.microsoft.com/office/drawing/2014/main" id="{1ED9D45B-4B0D-FC76-3A8C-E89F6CD72254}"/>
+              </a:ext>
+            </a:extLst>
+          </p:cNvPr>
+          <p:cNvSpPr txBox="1">
+            <a:spLocks/>
+          </p:cNvSpPr>
+          <p:nvPr/>
+        </p:nvSpPr>
+        <p:spPr>
+          <a:xfrm>
+            <a:off x="685800" y="990600"/>
+            <a:ext cx="11429999" cy="6198492"/>
+          </a:xfrm>
+          <a:prstGeom prst="rect">
+            <a:avLst/>
+          </a:prstGeom>
+        </p:spPr>
+        <p:txBody>
+          <a:bodyPr vert="horz" wrap="square" lIns="0" tIns="12065" rIns="0" bIns="0" rtlCol="0">
+            <a:spAutoFit/>
+          </a:bodyPr>
+          <a:lstStyle>
+            <a:lvl1pPr>
+              <a:defRPr sz="6000" b="0" i="0">
+                <a:solidFill>
+                  <a:srgbClr val="E7E6E6"/>
+                </a:solidFill>
+                <a:latin typeface="Trebuchet MS"/>
+                <a:ea typeface="+mj-ea"/>
+                <a:cs typeface="Trebuchet MS"/>
+              </a:defRPr>
+            </a:lvl1pPr>
+          </a:lstStyle>
+          <a:p>
+            <a:pPr marL="12700">
+              <a:spcBef>
+                <a:spcPts val="95"/>
+              </a:spcBef>
+            </a:pPr>
+            <a:r>
+              <a:rPr lang="en-US" sz="3200" kern="0" dirty="0">
+                <a:latin typeface="Carlito"/>
+                <a:cs typeface="Times New Roman" panose="02020603050405020304" pitchFamily="18" charset="0"/>
+                <a:sym typeface="Wingdings" panose="05000000000000000000" pitchFamily="2" charset="2"/>
+              </a:rPr>
+              <a:t>Default Parameters</a:t>
+            </a:r>
+          </a:p>
+          <a:p>
+            <a:pPr marL="12700">
+              <a:spcBef>
+                <a:spcPts val="95"/>
+              </a:spcBef>
+            </a:pPr>
+            <a:r>
+              <a:rPr lang="en-US" sz="2800" kern="0" dirty="0">
+                <a:latin typeface="Carlito"/>
+                <a:cs typeface="Times New Roman" panose="02020603050405020304" pitchFamily="18" charset="0"/>
+                <a:sym typeface="Wingdings" panose="05000000000000000000" pitchFamily="2" charset="2"/>
+              </a:rPr>
+              <a:t>e.g. function sum(num=40){</a:t>
+            </a:r>
+          </a:p>
+          <a:p>
+            <a:pPr marL="12700">
+              <a:spcBef>
+                <a:spcPts val="95"/>
+              </a:spcBef>
+            </a:pPr>
+            <a:r>
+              <a:rPr lang="en-US" sz="2800" kern="0" dirty="0">
+                <a:latin typeface="Carlito"/>
+                <a:cs typeface="Times New Roman" panose="02020603050405020304" pitchFamily="18" charset="0"/>
+                <a:sym typeface="Wingdings" panose="05000000000000000000" pitchFamily="2" charset="2"/>
+              </a:rPr>
+              <a:t>	//some </a:t>
+            </a:r>
+            <a:r>
+              <a:rPr lang="en-US" sz="2800" kern="0" dirty="0" err="1">
+                <a:latin typeface="Carlito"/>
+                <a:cs typeface="Times New Roman" panose="02020603050405020304" pitchFamily="18" charset="0"/>
+                <a:sym typeface="Wingdings" panose="05000000000000000000" pitchFamily="2" charset="2"/>
+              </a:rPr>
+              <a:t>kaam</a:t>
+            </a:r>
+            <a:endParaRPr lang="en-US" sz="2800" kern="0" dirty="0">
+              <a:latin typeface="Carlito"/>
+              <a:cs typeface="Times New Roman" panose="02020603050405020304" pitchFamily="18" charset="0"/>
+              <a:sym typeface="Wingdings" panose="05000000000000000000" pitchFamily="2" charset="2"/>
+            </a:endParaRPr>
+          </a:p>
+          <a:p>
+            <a:pPr marL="12700">
+              <a:spcBef>
+                <a:spcPts val="95"/>
+              </a:spcBef>
+            </a:pPr>
+            <a:r>
+              <a:rPr lang="en-US" sz="2800" kern="0" dirty="0">
+                <a:latin typeface="Carlito"/>
+                <a:cs typeface="Times New Roman" panose="02020603050405020304" pitchFamily="18" charset="0"/>
+                <a:sym typeface="Wingdings" panose="05000000000000000000" pitchFamily="2" charset="2"/>
+              </a:rPr>
+              <a:t>}</a:t>
+            </a:r>
+            <a:endParaRPr lang="en-US" sz="2400" kern="0" dirty="0">
+              <a:latin typeface="Carlito"/>
+              <a:cs typeface="Times New Roman" panose="02020603050405020304" pitchFamily="18" charset="0"/>
+              <a:sym typeface="Wingdings" panose="05000000000000000000" pitchFamily="2" charset="2"/>
+            </a:endParaRPr>
+          </a:p>
+          <a:p>
+            <a:pPr marL="12700">
+              <a:spcBef>
+                <a:spcPts val="95"/>
+              </a:spcBef>
+            </a:pPr>
+            <a:r>
+              <a:rPr lang="en-US" sz="2800" kern="0" dirty="0">
+                <a:latin typeface="Carlito"/>
+                <a:cs typeface="Times New Roman" panose="02020603050405020304" pitchFamily="18" charset="0"/>
+                <a:sym typeface="Wingdings" panose="05000000000000000000" pitchFamily="2" charset="2"/>
+              </a:rPr>
+              <a:t>sum(20,50);</a:t>
+            </a:r>
+            <a:r>
+              <a:rPr lang="en-US" sz="3200" kern="0" dirty="0">
+                <a:latin typeface="Carlito"/>
+                <a:cs typeface="Times New Roman" panose="02020603050405020304" pitchFamily="18" charset="0"/>
+                <a:sym typeface="Wingdings" panose="05000000000000000000" pitchFamily="2" charset="2"/>
+              </a:rPr>
+              <a:t> // here 50 will have more weightage.</a:t>
+            </a:r>
+          </a:p>
+          <a:p>
+            <a:pPr marL="12700">
+              <a:spcBef>
+                <a:spcPts val="95"/>
+              </a:spcBef>
+            </a:pPr>
+            <a:r>
+              <a:rPr lang="en-US" sz="3200" kern="0" dirty="0">
+                <a:latin typeface="Carlito"/>
+                <a:cs typeface="Times New Roman" panose="02020603050405020304" pitchFamily="18" charset="0"/>
+                <a:sym typeface="Wingdings" panose="05000000000000000000" pitchFamily="2" charset="2"/>
+              </a:rPr>
+              <a:t>Task: Make a grade calculator using parameterized </a:t>
+            </a:r>
+            <a:r>
+              <a:rPr lang="en-US" sz="3200" kern="0" dirty="0" err="1">
+                <a:latin typeface="Carlito"/>
+                <a:cs typeface="Times New Roman" panose="02020603050405020304" pitchFamily="18" charset="0"/>
+                <a:sym typeface="Wingdings" panose="05000000000000000000" pitchFamily="2" charset="2"/>
+              </a:rPr>
+              <a:t>functn</a:t>
+            </a:r>
+            <a:r>
+              <a:rPr lang="en-US" sz="3200" kern="0" dirty="0">
+                <a:latin typeface="Carlito"/>
+                <a:cs typeface="Times New Roman" panose="02020603050405020304" pitchFamily="18" charset="0"/>
+                <a:sym typeface="Wingdings" panose="05000000000000000000" pitchFamily="2" charset="2"/>
+              </a:rPr>
+              <a:t>.</a:t>
+            </a:r>
+          </a:p>
+          <a:p>
+            <a:pPr marL="12700">
+              <a:spcBef>
+                <a:spcPts val="95"/>
+              </a:spcBef>
+            </a:pPr>
+            <a:r>
+              <a:rPr lang="en-US" sz="3200" kern="0" dirty="0">
+                <a:latin typeface="Carlito"/>
+                <a:cs typeface="Times New Roman" panose="02020603050405020304" pitchFamily="18" charset="0"/>
+                <a:sym typeface="Wingdings" panose="05000000000000000000" pitchFamily="2" charset="2"/>
+              </a:rPr>
+              <a:t>{Note : 1+true2 , ‘1’+true1true and 1+‘a’1a} </a:t>
+            </a:r>
+          </a:p>
+          <a:p>
+            <a:pPr marL="12700">
+              <a:spcBef>
+                <a:spcPts val="95"/>
+              </a:spcBef>
+            </a:pPr>
+            <a:endParaRPr lang="en-US" sz="3200" kern="0" dirty="0">
+              <a:latin typeface="Carlito"/>
+              <a:cs typeface="Times New Roman" panose="02020603050405020304" pitchFamily="18" charset="0"/>
+              <a:sym typeface="Wingdings" panose="05000000000000000000" pitchFamily="2" charset="2"/>
+            </a:endParaRPr>
+          </a:p>
+          <a:p>
+            <a:pPr marL="12700">
+              <a:spcBef>
+                <a:spcPts val="95"/>
+              </a:spcBef>
+            </a:pPr>
+            <a:r>
+              <a:rPr lang="en-US" sz="3200" kern="0" dirty="0">
+                <a:latin typeface="Carlito"/>
+                <a:cs typeface="Times New Roman" panose="02020603050405020304" pitchFamily="18" charset="0"/>
+                <a:sym typeface="Wingdings" panose="05000000000000000000" pitchFamily="2" charset="2"/>
+              </a:rPr>
+              <a:t>We can also store an entire function in a variable and It’s called:</a:t>
+            </a:r>
+          </a:p>
+          <a:p>
+            <a:pPr marL="12700">
+              <a:spcBef>
+                <a:spcPts val="95"/>
+              </a:spcBef>
+            </a:pPr>
+            <a:r>
+              <a:rPr lang="en-US" sz="3200" kern="0" dirty="0">
+                <a:latin typeface="Carlito"/>
+                <a:cs typeface="Times New Roman" panose="02020603050405020304" pitchFamily="18" charset="0"/>
+                <a:sym typeface="Wingdings" panose="05000000000000000000" pitchFamily="2" charset="2"/>
+              </a:rPr>
+              <a:t>1. functional expression 2. first-class function 3.first-class citizen</a:t>
+            </a:r>
+          </a:p>
+          <a:p>
+            <a:pPr marL="12700">
+              <a:spcBef>
+                <a:spcPts val="95"/>
+              </a:spcBef>
+            </a:pPr>
+            <a:r>
+              <a:rPr lang="en-US" sz="2800" kern="0" dirty="0">
+                <a:latin typeface="Carlito"/>
+                <a:cs typeface="Times New Roman" panose="02020603050405020304" pitchFamily="18" charset="0"/>
+                <a:sym typeface="Wingdings" panose="05000000000000000000" pitchFamily="2" charset="2"/>
+              </a:rPr>
+              <a:t>e.g. let a = function sum(num=40){</a:t>
+            </a:r>
+          </a:p>
+          <a:p>
+            <a:pPr marL="12700">
+              <a:spcBef>
+                <a:spcPts val="95"/>
+              </a:spcBef>
+            </a:pPr>
+            <a:r>
+              <a:rPr lang="en-US" sz="2800" kern="0" dirty="0">
+                <a:latin typeface="Carlito"/>
+                <a:cs typeface="Times New Roman" panose="02020603050405020304" pitchFamily="18" charset="0"/>
+                <a:sym typeface="Wingdings" panose="05000000000000000000" pitchFamily="2" charset="2"/>
+              </a:rPr>
+              <a:t>	//some </a:t>
+            </a:r>
+            <a:r>
+              <a:rPr lang="en-US" sz="2800" kern="0" dirty="0" err="1">
+                <a:latin typeface="Carlito"/>
+                <a:cs typeface="Times New Roman" panose="02020603050405020304" pitchFamily="18" charset="0"/>
+                <a:sym typeface="Wingdings" panose="05000000000000000000" pitchFamily="2" charset="2"/>
+              </a:rPr>
+              <a:t>kaam</a:t>
+            </a:r>
+            <a:endParaRPr lang="en-US" sz="2800" kern="0" dirty="0">
+              <a:latin typeface="Carlito"/>
+              <a:cs typeface="Times New Roman" panose="02020603050405020304" pitchFamily="18" charset="0"/>
+              <a:sym typeface="Wingdings" panose="05000000000000000000" pitchFamily="2" charset="2"/>
+            </a:endParaRPr>
+          </a:p>
+          <a:p>
+            <a:pPr marL="12700">
+              <a:spcBef>
+                <a:spcPts val="95"/>
+              </a:spcBef>
+            </a:pPr>
+            <a:r>
+              <a:rPr lang="en-US" sz="2800" kern="0" dirty="0">
+                <a:latin typeface="Carlito"/>
+                <a:cs typeface="Times New Roman" panose="02020603050405020304" pitchFamily="18" charset="0"/>
+                <a:sym typeface="Wingdings" panose="05000000000000000000" pitchFamily="2" charset="2"/>
+              </a:rPr>
+              <a:t>}</a:t>
+            </a:r>
+            <a:endParaRPr lang="en-US" sz="3200" kern="0" dirty="0">
+              <a:latin typeface="Carlito"/>
+              <a:cs typeface="Times New Roman" panose="02020603050405020304" pitchFamily="18" charset="0"/>
+              <a:sym typeface="Wingdings" panose="05000000000000000000" pitchFamily="2" charset="2"/>
+            </a:endParaRPr>
+          </a:p>
+        </p:txBody>
+      </p:sp>
+      <p:sp>
+        <p:nvSpPr>
+          <p:cNvPr id="7" name="TextBox 6">
+            <a:extLst>
+              <a:ext uri="{FF2B5EF4-FFF2-40B4-BE49-F238E27FC236}">
+                <a16:creationId xmlns:a16="http://schemas.microsoft.com/office/drawing/2014/main" id="{C2428796-F632-00B4-E484-CA738D260150}"/>
+              </a:ext>
+            </a:extLst>
+          </p:cNvPr>
+          <p:cNvSpPr txBox="1"/>
+          <p:nvPr/>
+        </p:nvSpPr>
+        <p:spPr>
+          <a:xfrm>
+            <a:off x="685800" y="4323186"/>
+            <a:ext cx="7086600" cy="707886"/>
+          </a:xfrm>
+          <a:prstGeom prst="rect">
+            <a:avLst/>
+          </a:prstGeom>
+          <a:noFill/>
+        </p:spPr>
+        <p:txBody>
+          <a:bodyPr wrap="square" rtlCol="0">
+            <a:spAutoFit/>
+          </a:bodyPr>
+          <a:lstStyle/>
+          <a:p>
+            <a:endParaRPr lang="en-IN" sz="4000" dirty="0">
+              <a:solidFill>
+                <a:schemeClr val="bg1"/>
+              </a:solidFill>
+            </a:endParaRPr>
+          </a:p>
+        </p:txBody>
+      </p:sp>
+    </p:spTree>
+    <p:extLst>
+      <p:ext uri="{BB962C8B-B14F-4D97-AF65-F5344CB8AC3E}">
+        <p14:creationId xmlns:p14="http://schemas.microsoft.com/office/powerpoint/2010/main" val="748028254"/>
+      </p:ext>
+    </p:extLst>
+  </p:cSld>
+  <p:clrMapOvr>
+    <a:masterClrMapping/>
+  </p:clrMapOvr>
+</p:sld>
+</file>
+
+<file path=ppt/slides/slide22.xml><?xml version="1.0" encoding="utf-8"?>
+<p:sld xmlns:a="http://schemas.openxmlformats.org/drawingml/2006/main" xmlns:r="http://schemas.openxmlformats.org/officeDocument/2006/relationships" xmlns:p="http://schemas.openxmlformats.org/presentationml/2006/main">
+  <p:cSld>
+    <p:spTree>
+      <p:nvGrpSpPr>
+        <p:cNvPr id="1" name=""/>
+        <p:cNvGrpSpPr/>
+        <p:nvPr/>
+      </p:nvGrpSpPr>
+      <p:grpSpPr>
+        <a:xfrm>
+          <a:off x="0" y="0"/>
+          <a:ext cx="0" cy="0"/>
+          <a:chOff x="0" y="0"/>
+          <a:chExt cx="0" cy="0"/>
+        </a:xfrm>
+      </p:grpSpPr>
+      <p:sp>
+        <p:nvSpPr>
+          <p:cNvPr id="2" name="object 2"/>
+          <p:cNvSpPr/>
+          <p:nvPr/>
+        </p:nvSpPr>
+        <p:spPr>
+          <a:xfrm>
+            <a:off x="1" y="44199"/>
+            <a:ext cx="12191999" cy="7118601"/>
+          </a:xfrm>
+          <a:prstGeom prst="rect">
+            <a:avLst/>
+          </a:prstGeom>
+          <a:blipFill>
+            <a:blip r:embed="rId2" cstate="print"/>
+            <a:stretch>
+              <a:fillRect/>
+            </a:stretch>
+          </a:blipFill>
+        </p:spPr>
+        <p:txBody>
+          <a:bodyPr wrap="square" lIns="0" tIns="0" rIns="0" bIns="0" rtlCol="0"/>
+          <a:lstStyle/>
+          <a:p>
+            <a:endParaRPr b="1" dirty="0">
+              <a:ln w="13462">
+                <a:solidFill>
+                  <a:schemeClr val="bg1"/>
+                </a:solidFill>
+                <a:prstDash val="solid"/>
+              </a:ln>
+              <a:solidFill>
+                <a:schemeClr val="tx1">
+                  <a:lumMod val="85000"/>
+                  <a:lumOff val="15000"/>
+                </a:schemeClr>
+              </a:solidFill>
+              <a:effectLst>
+                <a:outerShdw dist="38100" dir="2700000" algn="bl" rotWithShape="0">
+                  <a:schemeClr val="accent5"/>
+                </a:outerShdw>
+              </a:effectLst>
+            </a:endParaRPr>
+          </a:p>
+        </p:txBody>
+      </p:sp>
+      <p:sp>
+        <p:nvSpPr>
+          <p:cNvPr id="3" name="object 3"/>
+          <p:cNvSpPr txBox="1">
+            <a:spLocks noGrp="1"/>
+          </p:cNvSpPr>
+          <p:nvPr>
+            <p:ph type="title"/>
+          </p:nvPr>
+        </p:nvSpPr>
+        <p:spPr>
+          <a:xfrm>
+            <a:off x="685800" y="457200"/>
+            <a:ext cx="8967115" cy="535403"/>
+          </a:xfrm>
+          <a:prstGeom prst="rect">
+            <a:avLst/>
+          </a:prstGeom>
+        </p:spPr>
+        <p:txBody>
+          <a:bodyPr vert="horz" wrap="square" lIns="0" tIns="12065" rIns="0" bIns="0" rtlCol="0">
+            <a:spAutoFit/>
+          </a:bodyPr>
+          <a:lstStyle/>
+          <a:p>
+            <a:pPr marL="12700">
+              <a:lnSpc>
+                <a:spcPct val="100000"/>
+              </a:lnSpc>
+              <a:spcBef>
+                <a:spcPts val="95"/>
+              </a:spcBef>
+            </a:pPr>
+            <a:r>
+              <a:rPr lang="en-US" sz="3400" dirty="0">
+                <a:latin typeface="Carlito"/>
+                <a:cs typeface="Carlito"/>
+              </a:rPr>
+              <a:t>Functions running behind the scenes</a:t>
+            </a:r>
+            <a:endParaRPr sz="3400" dirty="0">
+              <a:latin typeface="Carlito"/>
+              <a:cs typeface="Carlito"/>
+            </a:endParaRPr>
+          </a:p>
+        </p:txBody>
+      </p:sp>
+      <p:sp>
+        <p:nvSpPr>
+          <p:cNvPr id="5" name="object 5"/>
+          <p:cNvSpPr/>
+          <p:nvPr/>
+        </p:nvSpPr>
+        <p:spPr>
+          <a:xfrm>
+            <a:off x="9816083" y="262127"/>
+            <a:ext cx="1976627" cy="822960"/>
+          </a:xfrm>
+          <a:prstGeom prst="rect">
+            <a:avLst/>
+          </a:prstGeom>
+          <a:blipFill>
+            <a:blip r:embed="rId3" cstate="print"/>
+            <a:stretch>
+              <a:fillRect/>
+            </a:stretch>
+          </a:blipFill>
+        </p:spPr>
+        <p:txBody>
+          <a:bodyPr wrap="square" lIns="0" tIns="0" rIns="0" bIns="0" rtlCol="0"/>
+          <a:lstStyle/>
+          <a:p>
+            <a:endParaRPr/>
+          </a:p>
+        </p:txBody>
+      </p:sp>
+      <p:sp>
+        <p:nvSpPr>
+          <p:cNvPr id="4" name="object 3">
+            <a:extLst>
+              <a:ext uri="{FF2B5EF4-FFF2-40B4-BE49-F238E27FC236}">
+                <a16:creationId xmlns:a16="http://schemas.microsoft.com/office/drawing/2014/main" id="{1ED9D45B-4B0D-FC76-3A8C-E89F6CD72254}"/>
+              </a:ext>
+            </a:extLst>
+          </p:cNvPr>
+          <p:cNvSpPr txBox="1">
+            <a:spLocks/>
+          </p:cNvSpPr>
+          <p:nvPr/>
+        </p:nvSpPr>
+        <p:spPr>
+          <a:xfrm>
+            <a:off x="685800" y="990600"/>
+            <a:ext cx="11429999" cy="3523400"/>
+          </a:xfrm>
+          <a:prstGeom prst="rect">
+            <a:avLst/>
+          </a:prstGeom>
+        </p:spPr>
+        <p:txBody>
+          <a:bodyPr vert="horz" wrap="square" lIns="0" tIns="12065" rIns="0" bIns="0" rtlCol="0">
+            <a:spAutoFit/>
+          </a:bodyPr>
+          <a:lstStyle>
+            <a:lvl1pPr>
+              <a:defRPr sz="6000" b="0" i="0">
+                <a:solidFill>
+                  <a:srgbClr val="E7E6E6"/>
+                </a:solidFill>
+                <a:latin typeface="Trebuchet MS"/>
+                <a:ea typeface="+mj-ea"/>
+                <a:cs typeface="Trebuchet MS"/>
+              </a:defRPr>
+            </a:lvl1pPr>
+          </a:lstStyle>
+          <a:p>
+            <a:pPr marL="12700">
+              <a:spcBef>
+                <a:spcPts val="95"/>
+              </a:spcBef>
+            </a:pPr>
+            <a:r>
+              <a:rPr lang="en-US" sz="3200" kern="0" dirty="0">
+                <a:latin typeface="Carlito"/>
+                <a:cs typeface="Times New Roman" panose="02020603050405020304" pitchFamily="18" charset="0"/>
+                <a:sym typeface="Wingdings" panose="05000000000000000000" pitchFamily="2" charset="2"/>
+              </a:rPr>
+              <a:t>When JS code runs Global Execution Context is created .</a:t>
+            </a:r>
+          </a:p>
+          <a:p>
+            <a:pPr marL="469900" indent="-457200">
+              <a:spcBef>
+                <a:spcPts val="95"/>
+              </a:spcBef>
+              <a:buFont typeface="Wingdings" panose="05000000000000000000" pitchFamily="2" charset="2"/>
+              <a:buChar char="à"/>
+            </a:pPr>
+            <a:r>
+              <a:rPr lang="en-US" sz="3200" kern="0" dirty="0">
+                <a:latin typeface="Carlito"/>
+                <a:cs typeface="Times New Roman" panose="02020603050405020304" pitchFamily="18" charset="0"/>
+                <a:sym typeface="Wingdings" panose="05000000000000000000" pitchFamily="2" charset="2"/>
+              </a:rPr>
+              <a:t>GEC has 2 parts :-</a:t>
+            </a:r>
+          </a:p>
+          <a:p>
+            <a:pPr marL="12700">
+              <a:spcBef>
+                <a:spcPts val="95"/>
+              </a:spcBef>
+            </a:pPr>
+            <a:r>
+              <a:rPr lang="en-US" sz="3200" kern="0" dirty="0">
+                <a:latin typeface="Carlito"/>
+                <a:cs typeface="Times New Roman" panose="02020603050405020304" pitchFamily="18" charset="0"/>
+                <a:sym typeface="Wingdings" panose="05000000000000000000" pitchFamily="2" charset="2"/>
+              </a:rPr>
+              <a:t>     MCP (Memory creation Phase) and CEP(Code Execution Phase</a:t>
+            </a:r>
+          </a:p>
+          <a:p>
+            <a:pPr marL="12700">
+              <a:spcBef>
+                <a:spcPts val="95"/>
+              </a:spcBef>
+            </a:pPr>
+            <a:r>
+              <a:rPr lang="en-US" sz="3200" kern="0" dirty="0">
+                <a:latin typeface="Carlito"/>
+                <a:cs typeface="Times New Roman" panose="02020603050405020304" pitchFamily="18" charset="0"/>
+                <a:sym typeface="Wingdings" panose="05000000000000000000" pitchFamily="2" charset="2"/>
+              </a:rPr>
+              <a:t>In MCP entire function is given memory before it has run.</a:t>
+            </a:r>
+          </a:p>
+          <a:p>
+            <a:pPr marL="12700">
+              <a:spcBef>
+                <a:spcPts val="95"/>
+              </a:spcBef>
+            </a:pPr>
+            <a:r>
+              <a:rPr lang="en-US" sz="3200" kern="0" dirty="0">
+                <a:latin typeface="Carlito"/>
+                <a:cs typeface="Times New Roman" panose="02020603050405020304" pitchFamily="18" charset="0"/>
+                <a:sym typeface="Wingdings" panose="05000000000000000000" pitchFamily="2" charset="2"/>
+              </a:rPr>
+              <a:t>In CEP the code will be ran line by line.</a:t>
+            </a:r>
+          </a:p>
+          <a:p>
+            <a:pPr marL="469900" indent="-457200">
+              <a:spcBef>
+                <a:spcPts val="95"/>
+              </a:spcBef>
+              <a:buFont typeface="Wingdings" panose="05000000000000000000" pitchFamily="2" charset="2"/>
+              <a:buChar char="à"/>
+            </a:pPr>
+            <a:r>
+              <a:rPr lang="en-US" sz="3200" kern="0" dirty="0">
+                <a:latin typeface="Carlito"/>
+                <a:cs typeface="Times New Roman" panose="02020603050405020304" pitchFamily="18" charset="0"/>
+                <a:sym typeface="Wingdings" panose="05000000000000000000" pitchFamily="2" charset="2"/>
+              </a:rPr>
+              <a:t>When a new function is seen in CEP another Execution Context is created and a new MCP and CEP is created inside it.</a:t>
+            </a:r>
+          </a:p>
+        </p:txBody>
+      </p:sp>
+      <p:sp>
+        <p:nvSpPr>
+          <p:cNvPr id="7" name="TextBox 6">
+            <a:extLst>
+              <a:ext uri="{FF2B5EF4-FFF2-40B4-BE49-F238E27FC236}">
+                <a16:creationId xmlns:a16="http://schemas.microsoft.com/office/drawing/2014/main" id="{C2428796-F632-00B4-E484-CA738D260150}"/>
+              </a:ext>
+            </a:extLst>
+          </p:cNvPr>
+          <p:cNvSpPr txBox="1"/>
+          <p:nvPr/>
+        </p:nvSpPr>
+        <p:spPr>
+          <a:xfrm>
+            <a:off x="685800" y="4323186"/>
+            <a:ext cx="7086600" cy="707886"/>
+          </a:xfrm>
+          <a:prstGeom prst="rect">
+            <a:avLst/>
+          </a:prstGeom>
+          <a:noFill/>
+        </p:spPr>
+        <p:txBody>
+          <a:bodyPr wrap="square" rtlCol="0">
+            <a:spAutoFit/>
+          </a:bodyPr>
+          <a:lstStyle/>
+          <a:p>
+            <a:endParaRPr lang="en-IN" sz="4000" dirty="0">
+              <a:solidFill>
+                <a:schemeClr val="bg1"/>
+              </a:solidFill>
+            </a:endParaRPr>
+          </a:p>
+        </p:txBody>
+      </p:sp>
+    </p:spTree>
+    <p:extLst>
+      <p:ext uri="{BB962C8B-B14F-4D97-AF65-F5344CB8AC3E}">
+        <p14:creationId xmlns:p14="http://schemas.microsoft.com/office/powerpoint/2010/main" val="4011670622"/>
+      </p:ext>
+    </p:extLst>
+  </p:cSld>
+  <p:clrMapOvr>
+    <a:masterClrMapping/>
+  </p:clrMapOvr>
+</p:sld>
+</file>
+
+<file path=ppt/slides/slide23.xml><?xml version="1.0" encoding="utf-8"?>
+<p:sld xmlns:a="http://schemas.openxmlformats.org/drawingml/2006/main" xmlns:r="http://schemas.openxmlformats.org/officeDocument/2006/relationships" xmlns:p="http://schemas.openxmlformats.org/presentationml/2006/main">
+  <p:cSld>
+    <p:spTree>
+      <p:nvGrpSpPr>
+        <p:cNvPr id="1" name=""/>
+        <p:cNvGrpSpPr/>
+        <p:nvPr/>
+      </p:nvGrpSpPr>
+      <p:grpSpPr>
+        <a:xfrm>
+          <a:off x="0" y="0"/>
+          <a:ext cx="0" cy="0"/>
+          <a:chOff x="0" y="0"/>
+          <a:chExt cx="0" cy="0"/>
+        </a:xfrm>
+      </p:grpSpPr>
+      <p:sp>
+        <p:nvSpPr>
+          <p:cNvPr id="2" name="object 2"/>
+          <p:cNvSpPr/>
+          <p:nvPr/>
+        </p:nvSpPr>
+        <p:spPr>
+          <a:xfrm>
+            <a:off x="1" y="44199"/>
+            <a:ext cx="12191999" cy="7118601"/>
+          </a:xfrm>
+          <a:prstGeom prst="rect">
+            <a:avLst/>
+          </a:prstGeom>
+          <a:blipFill>
+            <a:blip r:embed="rId2" cstate="print"/>
+            <a:stretch>
+              <a:fillRect/>
+            </a:stretch>
+          </a:blipFill>
+        </p:spPr>
+        <p:txBody>
+          <a:bodyPr wrap="square" lIns="0" tIns="0" rIns="0" bIns="0" rtlCol="0"/>
+          <a:lstStyle/>
+          <a:p>
+            <a:endParaRPr b="1" dirty="0">
+              <a:ln w="13462">
+                <a:solidFill>
+                  <a:schemeClr val="bg1"/>
+                </a:solidFill>
+                <a:prstDash val="solid"/>
+              </a:ln>
+              <a:solidFill>
+                <a:schemeClr val="tx1">
+                  <a:lumMod val="85000"/>
+                  <a:lumOff val="15000"/>
+                </a:schemeClr>
+              </a:solidFill>
+              <a:effectLst>
+                <a:outerShdw dist="38100" dir="2700000" algn="bl" rotWithShape="0">
+                  <a:schemeClr val="accent5"/>
+                </a:outerShdw>
+              </a:effectLst>
+            </a:endParaRPr>
+          </a:p>
+        </p:txBody>
+      </p:sp>
+      <p:sp>
+        <p:nvSpPr>
+          <p:cNvPr id="3" name="object 3"/>
+          <p:cNvSpPr txBox="1">
+            <a:spLocks noGrp="1"/>
+          </p:cNvSpPr>
+          <p:nvPr>
+            <p:ph type="title"/>
+          </p:nvPr>
+        </p:nvSpPr>
+        <p:spPr>
+          <a:xfrm>
+            <a:off x="685800" y="457200"/>
+            <a:ext cx="8967115" cy="535403"/>
+          </a:xfrm>
+          <a:prstGeom prst="rect">
+            <a:avLst/>
+          </a:prstGeom>
+        </p:spPr>
+        <p:txBody>
+          <a:bodyPr vert="horz" wrap="square" lIns="0" tIns="12065" rIns="0" bIns="0" rtlCol="0">
+            <a:spAutoFit/>
+          </a:bodyPr>
+          <a:lstStyle/>
+          <a:p>
+            <a:pPr marL="12700">
+              <a:lnSpc>
+                <a:spcPct val="100000"/>
+              </a:lnSpc>
+              <a:spcBef>
+                <a:spcPts val="95"/>
+              </a:spcBef>
+            </a:pPr>
+            <a:r>
+              <a:rPr lang="en-US" sz="3400" dirty="0">
+                <a:latin typeface="Carlito"/>
+                <a:cs typeface="Carlito"/>
+              </a:rPr>
+              <a:t>IIFE-Immediately Invoked Function Expression</a:t>
+            </a:r>
+            <a:endParaRPr sz="3400" dirty="0">
+              <a:latin typeface="Carlito"/>
+              <a:cs typeface="Carlito"/>
+            </a:endParaRPr>
+          </a:p>
+        </p:txBody>
+      </p:sp>
+      <p:sp>
+        <p:nvSpPr>
+          <p:cNvPr id="5" name="object 5"/>
+          <p:cNvSpPr/>
+          <p:nvPr/>
+        </p:nvSpPr>
+        <p:spPr>
+          <a:xfrm>
+            <a:off x="9816083" y="262127"/>
+            <a:ext cx="1976627" cy="822960"/>
+          </a:xfrm>
+          <a:prstGeom prst="rect">
+            <a:avLst/>
+          </a:prstGeom>
+          <a:blipFill>
+            <a:blip r:embed="rId3" cstate="print"/>
+            <a:stretch>
+              <a:fillRect/>
+            </a:stretch>
+          </a:blipFill>
+        </p:spPr>
+        <p:txBody>
+          <a:bodyPr wrap="square" lIns="0" tIns="0" rIns="0" bIns="0" rtlCol="0"/>
+          <a:lstStyle/>
+          <a:p>
+            <a:endParaRPr/>
+          </a:p>
+        </p:txBody>
+      </p:sp>
+      <p:sp>
+        <p:nvSpPr>
+          <p:cNvPr id="4" name="object 3">
+            <a:extLst>
+              <a:ext uri="{FF2B5EF4-FFF2-40B4-BE49-F238E27FC236}">
+                <a16:creationId xmlns:a16="http://schemas.microsoft.com/office/drawing/2014/main" id="{1ED9D45B-4B0D-FC76-3A8C-E89F6CD72254}"/>
+              </a:ext>
+            </a:extLst>
+          </p:cNvPr>
+          <p:cNvSpPr txBox="1">
+            <a:spLocks/>
+          </p:cNvSpPr>
+          <p:nvPr/>
+        </p:nvSpPr>
+        <p:spPr>
+          <a:xfrm>
+            <a:off x="685800" y="990600"/>
+            <a:ext cx="11429999" cy="5052024"/>
+          </a:xfrm>
+          <a:prstGeom prst="rect">
+            <a:avLst/>
+          </a:prstGeom>
+        </p:spPr>
+        <p:txBody>
+          <a:bodyPr vert="horz" wrap="square" lIns="0" tIns="12065" rIns="0" bIns="0" rtlCol="0">
+            <a:spAutoFit/>
+          </a:bodyPr>
+          <a:lstStyle>
+            <a:lvl1pPr>
+              <a:defRPr sz="6000" b="0" i="0">
+                <a:solidFill>
+                  <a:srgbClr val="E7E6E6"/>
+                </a:solidFill>
+                <a:latin typeface="Trebuchet MS"/>
+                <a:ea typeface="+mj-ea"/>
+                <a:cs typeface="Trebuchet MS"/>
+              </a:defRPr>
+            </a:lvl1pPr>
+          </a:lstStyle>
+          <a:p>
+            <a:pPr marL="12700">
+              <a:spcBef>
+                <a:spcPts val="95"/>
+              </a:spcBef>
+            </a:pPr>
+            <a:r>
+              <a:rPr lang="en-US" sz="3200" kern="0" dirty="0">
+                <a:latin typeface="Carlito"/>
+                <a:cs typeface="Times New Roman" panose="02020603050405020304" pitchFamily="18" charset="0"/>
+                <a:sym typeface="Wingdings" panose="05000000000000000000" pitchFamily="2" charset="2"/>
+              </a:rPr>
+              <a:t>Functions are invoked immediately after being declared .</a:t>
+            </a:r>
+          </a:p>
+          <a:p>
+            <a:pPr marL="12700">
+              <a:spcBef>
+                <a:spcPts val="95"/>
+              </a:spcBef>
+            </a:pPr>
+            <a:r>
+              <a:rPr lang="en-US" sz="3200" kern="0" dirty="0" err="1">
+                <a:latin typeface="Carlito"/>
+                <a:cs typeface="Times New Roman" panose="02020603050405020304" pitchFamily="18" charset="0"/>
+                <a:sym typeface="Wingdings" panose="05000000000000000000" pitchFamily="2" charset="2"/>
+              </a:rPr>
+              <a:t>e.g</a:t>
+            </a:r>
+            <a:r>
+              <a:rPr lang="en-US" sz="3200" kern="0" dirty="0">
+                <a:latin typeface="Carlito"/>
+                <a:cs typeface="Times New Roman" panose="02020603050405020304" pitchFamily="18" charset="0"/>
+                <a:sym typeface="Wingdings" panose="05000000000000000000" pitchFamily="2" charset="2"/>
+              </a:rPr>
+              <a:t> (func(){})()this last part is where the function is called.</a:t>
+            </a:r>
+          </a:p>
+          <a:p>
+            <a:pPr marL="12700">
+              <a:spcBef>
+                <a:spcPts val="95"/>
+              </a:spcBef>
+            </a:pPr>
+            <a:r>
+              <a:rPr lang="en-US" sz="3200" kern="0" dirty="0">
+                <a:latin typeface="Carlito"/>
+                <a:cs typeface="Times New Roman" panose="02020603050405020304" pitchFamily="18" charset="0"/>
+                <a:sym typeface="Wingdings" panose="05000000000000000000" pitchFamily="2" charset="2"/>
+              </a:rPr>
+              <a:t>		     to pass params : ( sum(</a:t>
+            </a:r>
+            <a:r>
+              <a:rPr lang="en-US" sz="3200" kern="0" dirty="0" err="1">
+                <a:latin typeface="Carlito"/>
+                <a:cs typeface="Times New Roman" panose="02020603050405020304" pitchFamily="18" charset="0"/>
+                <a:sym typeface="Wingdings" panose="05000000000000000000" pitchFamily="2" charset="2"/>
+              </a:rPr>
+              <a:t>a,b</a:t>
+            </a:r>
+            <a:r>
+              <a:rPr lang="en-US" sz="3200" kern="0" dirty="0">
+                <a:latin typeface="Carlito"/>
+                <a:cs typeface="Times New Roman" panose="02020603050405020304" pitchFamily="18" charset="0"/>
+                <a:sym typeface="Wingdings" panose="05000000000000000000" pitchFamily="2" charset="2"/>
+              </a:rPr>
+              <a:t>) {</a:t>
+            </a:r>
+            <a:r>
+              <a:rPr lang="en-US" sz="3200" kern="0" dirty="0" err="1">
+                <a:latin typeface="Carlito"/>
+                <a:cs typeface="Times New Roman" panose="02020603050405020304" pitchFamily="18" charset="0"/>
+                <a:sym typeface="Wingdings" panose="05000000000000000000" pitchFamily="2" charset="2"/>
+              </a:rPr>
+              <a:t>a+b</a:t>
+            </a:r>
+            <a:r>
+              <a:rPr lang="en-US" sz="3200" kern="0" dirty="0">
+                <a:latin typeface="Carlito"/>
+                <a:cs typeface="Times New Roman" panose="02020603050405020304" pitchFamily="18" charset="0"/>
+                <a:sym typeface="Wingdings" panose="05000000000000000000" pitchFamily="2" charset="2"/>
+              </a:rPr>
+              <a:t>} )(</a:t>
+            </a:r>
+            <a:r>
+              <a:rPr lang="en-US" sz="3200" kern="0" dirty="0" err="1">
+                <a:latin typeface="Carlito"/>
+                <a:cs typeface="Times New Roman" panose="02020603050405020304" pitchFamily="18" charset="0"/>
+                <a:sym typeface="Wingdings" panose="05000000000000000000" pitchFamily="2" charset="2"/>
+              </a:rPr>
+              <a:t>x,y</a:t>
+            </a:r>
+            <a:r>
+              <a:rPr lang="en-US" sz="3200" kern="0" dirty="0">
+                <a:latin typeface="Carlito"/>
+                <a:cs typeface="Times New Roman" panose="02020603050405020304" pitchFamily="18" charset="0"/>
+                <a:sym typeface="Wingdings" panose="05000000000000000000" pitchFamily="2" charset="2"/>
+              </a:rPr>
+              <a:t>); </a:t>
+            </a:r>
+          </a:p>
+          <a:p>
+            <a:pPr marL="12700">
+              <a:spcBef>
+                <a:spcPts val="95"/>
+              </a:spcBef>
+            </a:pPr>
+            <a:endParaRPr lang="en-US" sz="3200" kern="0" dirty="0">
+              <a:latin typeface="Carlito"/>
+              <a:cs typeface="Times New Roman" panose="02020603050405020304" pitchFamily="18" charset="0"/>
+              <a:sym typeface="Wingdings" panose="05000000000000000000" pitchFamily="2" charset="2"/>
+            </a:endParaRPr>
+          </a:p>
+          <a:p>
+            <a:pPr marL="12700">
+              <a:spcBef>
+                <a:spcPts val="95"/>
+              </a:spcBef>
+            </a:pPr>
+            <a:r>
+              <a:rPr lang="en-US" sz="3200" kern="0" dirty="0">
+                <a:latin typeface="Carlito"/>
+                <a:cs typeface="Times New Roman" panose="02020603050405020304" pitchFamily="18" charset="0"/>
+                <a:sym typeface="Wingdings" panose="05000000000000000000" pitchFamily="2" charset="2"/>
+              </a:rPr>
+              <a:t>Scope: </a:t>
+            </a:r>
+          </a:p>
+          <a:p>
+            <a:pPr marL="12700">
+              <a:spcBef>
+                <a:spcPts val="95"/>
+              </a:spcBef>
+            </a:pPr>
+            <a:r>
+              <a:rPr lang="en-US" sz="3200" kern="0" dirty="0">
+                <a:latin typeface="Carlito"/>
+                <a:cs typeface="Times New Roman" panose="02020603050405020304" pitchFamily="18" charset="0"/>
+                <a:sym typeface="Wingdings" panose="05000000000000000000" pitchFamily="2" charset="2"/>
+              </a:rPr>
+              <a:t>let &amp; const Block Scope</a:t>
+            </a:r>
+          </a:p>
+          <a:p>
+            <a:pPr marL="12700">
+              <a:spcBef>
+                <a:spcPts val="95"/>
+              </a:spcBef>
+            </a:pPr>
+            <a:r>
+              <a:rPr lang="en-US" sz="3200" kern="0" dirty="0">
+                <a:latin typeface="Carlito"/>
+                <a:cs typeface="Times New Roman" panose="02020603050405020304" pitchFamily="18" charset="0"/>
+                <a:sym typeface="Wingdings" panose="05000000000000000000" pitchFamily="2" charset="2"/>
+              </a:rPr>
+              <a:t>var  Functional Scope</a:t>
+            </a:r>
+          </a:p>
+          <a:p>
+            <a:pPr marL="12700">
+              <a:spcBef>
+                <a:spcPts val="95"/>
+              </a:spcBef>
+            </a:pPr>
+            <a:endParaRPr lang="en-US" sz="3200" kern="0" dirty="0">
+              <a:latin typeface="Carlito"/>
+              <a:cs typeface="Times New Roman" panose="02020603050405020304" pitchFamily="18" charset="0"/>
+              <a:sym typeface="Wingdings" panose="05000000000000000000" pitchFamily="2" charset="2"/>
+            </a:endParaRPr>
+          </a:p>
+          <a:p>
+            <a:pPr marL="12700">
+              <a:spcBef>
+                <a:spcPts val="95"/>
+              </a:spcBef>
+            </a:pPr>
+            <a:endParaRPr lang="en-US" sz="3200" kern="0" dirty="0">
+              <a:latin typeface="Carlito"/>
+              <a:cs typeface="Times New Roman" panose="02020603050405020304" pitchFamily="18" charset="0"/>
+              <a:sym typeface="Wingdings" panose="05000000000000000000" pitchFamily="2" charset="2"/>
+            </a:endParaRPr>
+          </a:p>
+          <a:p>
+            <a:pPr marL="12700">
+              <a:spcBef>
+                <a:spcPts val="95"/>
+              </a:spcBef>
+            </a:pPr>
+            <a:endParaRPr lang="en-US" sz="3200" kern="0" dirty="0">
+              <a:latin typeface="Carlito"/>
+              <a:cs typeface="Times New Roman" panose="02020603050405020304" pitchFamily="18" charset="0"/>
+              <a:sym typeface="Wingdings" panose="05000000000000000000" pitchFamily="2" charset="2"/>
+            </a:endParaRPr>
+          </a:p>
+        </p:txBody>
+      </p:sp>
+      <p:sp>
+        <p:nvSpPr>
+          <p:cNvPr id="7" name="TextBox 6">
+            <a:extLst>
+              <a:ext uri="{FF2B5EF4-FFF2-40B4-BE49-F238E27FC236}">
+                <a16:creationId xmlns:a16="http://schemas.microsoft.com/office/drawing/2014/main" id="{C2428796-F632-00B4-E484-CA738D260150}"/>
+              </a:ext>
+            </a:extLst>
+          </p:cNvPr>
+          <p:cNvSpPr txBox="1"/>
+          <p:nvPr/>
+        </p:nvSpPr>
+        <p:spPr>
+          <a:xfrm>
+            <a:off x="685800" y="4323186"/>
+            <a:ext cx="7086600" cy="707886"/>
+          </a:xfrm>
+          <a:prstGeom prst="rect">
+            <a:avLst/>
+          </a:prstGeom>
+          <a:noFill/>
+        </p:spPr>
+        <p:txBody>
+          <a:bodyPr wrap="square" rtlCol="0">
+            <a:spAutoFit/>
+          </a:bodyPr>
+          <a:lstStyle/>
+          <a:p>
+            <a:endParaRPr lang="en-IN" sz="4000" dirty="0">
+              <a:solidFill>
+                <a:schemeClr val="bg1"/>
+              </a:solidFill>
+            </a:endParaRPr>
+          </a:p>
+        </p:txBody>
+      </p:sp>
+      <p:graphicFrame>
+        <p:nvGraphicFramePr>
+          <p:cNvPr id="6" name="Table 5">
+            <a:extLst>
+              <a:ext uri="{FF2B5EF4-FFF2-40B4-BE49-F238E27FC236}">
+                <a16:creationId xmlns:a16="http://schemas.microsoft.com/office/drawing/2014/main" id="{AF7EBA3F-0C05-9412-34BB-E7903F7D05FA}"/>
+              </a:ext>
+            </a:extLst>
+          </p:cNvPr>
+          <p:cNvGraphicFramePr>
+            <a:graphicFrameLocks noGrp="1"/>
+          </p:cNvGraphicFramePr>
+          <p:nvPr>
+            <p:extLst>
+              <p:ext uri="{D42A27DB-BD31-4B8C-83A1-F6EECF244321}">
+                <p14:modId xmlns:p14="http://schemas.microsoft.com/office/powerpoint/2010/main" val="2860855443"/>
+              </p:ext>
+            </p:extLst>
+          </p:nvPr>
+        </p:nvGraphicFramePr>
+        <p:xfrm>
+          <a:off x="6299198" y="3139284"/>
+          <a:ext cx="5816601" cy="2621280"/>
+        </p:xfrm>
+        <a:graphic>
+          <a:graphicData uri="http://schemas.openxmlformats.org/drawingml/2006/table">
+            <a:tbl>
+              <a:tblPr firstRow="1" bandRow="1">
+                <a:tableStyleId>{5C22544A-7EE6-4342-B048-85BDC9FD1C3A}</a:tableStyleId>
+              </a:tblPr>
+              <a:tblGrid>
+                <a:gridCol w="1938867">
+                  <a:extLst>
+                    <a:ext uri="{9D8B030D-6E8A-4147-A177-3AD203B41FA5}">
+                      <a16:colId xmlns:a16="http://schemas.microsoft.com/office/drawing/2014/main" val="914743963"/>
+                    </a:ext>
+                  </a:extLst>
+                </a:gridCol>
+                <a:gridCol w="1938867">
+                  <a:extLst>
+                    <a:ext uri="{9D8B030D-6E8A-4147-A177-3AD203B41FA5}">
+                      <a16:colId xmlns:a16="http://schemas.microsoft.com/office/drawing/2014/main" val="3988215175"/>
+                    </a:ext>
+                  </a:extLst>
+                </a:gridCol>
+                <a:gridCol w="1938867">
+                  <a:extLst>
+                    <a:ext uri="{9D8B030D-6E8A-4147-A177-3AD203B41FA5}">
+                      <a16:colId xmlns:a16="http://schemas.microsoft.com/office/drawing/2014/main" val="3260854927"/>
+                    </a:ext>
+                  </a:extLst>
+                </a:gridCol>
+              </a:tblGrid>
+              <a:tr h="648564">
+                <a:tc>
+                  <a:txBody>
+                    <a:bodyPr/>
+                    <a:lstStyle/>
+                    <a:p>
+                      <a:endParaRPr lang="en-IN" dirty="0"/>
+                    </a:p>
+                  </a:txBody>
+                  <a:tcPr/>
+                </a:tc>
+                <a:tc>
+                  <a:txBody>
+                    <a:bodyPr/>
+                    <a:lstStyle/>
+                    <a:p>
+                      <a:r>
+                        <a:rPr lang="en-US" sz="3200" dirty="0"/>
+                        <a:t>Redeclare</a:t>
+                      </a:r>
+                      <a:endParaRPr lang="en-IN" dirty="0"/>
+                    </a:p>
+                  </a:txBody>
+                  <a:tcPr/>
+                </a:tc>
+                <a:tc>
+                  <a:txBody>
+                    <a:bodyPr/>
+                    <a:lstStyle/>
+                    <a:p>
+                      <a:r>
+                        <a:rPr lang="en-US" sz="3200" dirty="0"/>
+                        <a:t>Reassign</a:t>
+                      </a:r>
+                      <a:endParaRPr lang="en-IN" dirty="0"/>
+                    </a:p>
+                  </a:txBody>
+                  <a:tcPr/>
+                </a:tc>
+                <a:extLst>
+                  <a:ext uri="{0D108BD9-81ED-4DB2-BD59-A6C34878D82A}">
+                    <a16:rowId xmlns:a16="http://schemas.microsoft.com/office/drawing/2014/main" val="3940966402"/>
+                  </a:ext>
+                </a:extLst>
+              </a:tr>
+              <a:tr h="657572">
+                <a:tc>
+                  <a:txBody>
+                    <a:bodyPr/>
+                    <a:lstStyle/>
+                    <a:p>
+                      <a:r>
+                        <a:rPr lang="en-US" sz="3200" dirty="0"/>
+                        <a:t>Const</a:t>
+                      </a:r>
+                      <a:endParaRPr lang="en-IN" sz="3200" dirty="0"/>
+                    </a:p>
+                  </a:txBody>
+                  <a:tcPr/>
+                </a:tc>
+                <a:tc>
+                  <a:txBody>
+                    <a:bodyPr/>
+                    <a:lstStyle/>
+                    <a:p>
+                      <a:r>
+                        <a:rPr lang="en-US" sz="3200" dirty="0"/>
+                        <a:t>No</a:t>
+                      </a:r>
+                      <a:endParaRPr lang="en-IN" sz="3200" dirty="0"/>
+                    </a:p>
+                  </a:txBody>
+                  <a:tcPr/>
+                </a:tc>
+                <a:tc>
+                  <a:txBody>
+                    <a:bodyPr/>
+                    <a:lstStyle/>
+                    <a:p>
+                      <a:r>
+                        <a:rPr lang="en-US" sz="3200" dirty="0"/>
+                        <a:t>No</a:t>
+                      </a:r>
+                      <a:endParaRPr lang="en-IN" sz="3200" dirty="0"/>
+                    </a:p>
+                  </a:txBody>
+                  <a:tcPr/>
+                </a:tc>
+                <a:extLst>
+                  <a:ext uri="{0D108BD9-81ED-4DB2-BD59-A6C34878D82A}">
+                    <a16:rowId xmlns:a16="http://schemas.microsoft.com/office/drawing/2014/main" val="282145518"/>
+                  </a:ext>
+                </a:extLst>
+              </a:tr>
+              <a:tr h="657572">
+                <a:tc>
+                  <a:txBody>
+                    <a:bodyPr/>
+                    <a:lstStyle/>
+                    <a:p>
+                      <a:r>
+                        <a:rPr lang="en-US" sz="3200" dirty="0"/>
+                        <a:t>Let</a:t>
+                      </a:r>
+                      <a:endParaRPr lang="en-IN" sz="3200" dirty="0"/>
+                    </a:p>
+                  </a:txBody>
+                  <a:tcPr/>
+                </a:tc>
+                <a:tc>
+                  <a:txBody>
+                    <a:bodyPr/>
+                    <a:lstStyle/>
+                    <a:p>
+                      <a:r>
+                        <a:rPr lang="en-US" sz="3200" dirty="0"/>
+                        <a:t>No</a:t>
+                      </a:r>
+                      <a:endParaRPr lang="en-IN" sz="3200" dirty="0"/>
+                    </a:p>
+                  </a:txBody>
+                  <a:tcPr/>
+                </a:tc>
+                <a:tc>
+                  <a:txBody>
+                    <a:bodyPr/>
+                    <a:lstStyle/>
+                    <a:p>
+                      <a:r>
+                        <a:rPr lang="en-US" sz="3200" dirty="0"/>
+                        <a:t>Yes</a:t>
+                      </a:r>
+                      <a:endParaRPr lang="en-IN" sz="3200" dirty="0"/>
+                    </a:p>
+                  </a:txBody>
+                  <a:tcPr/>
+                </a:tc>
+                <a:extLst>
+                  <a:ext uri="{0D108BD9-81ED-4DB2-BD59-A6C34878D82A}">
+                    <a16:rowId xmlns:a16="http://schemas.microsoft.com/office/drawing/2014/main" val="212148015"/>
+                  </a:ext>
+                </a:extLst>
+              </a:tr>
+              <a:tr h="657572">
+                <a:tc>
+                  <a:txBody>
+                    <a:bodyPr/>
+                    <a:lstStyle/>
+                    <a:p>
+                      <a:r>
+                        <a:rPr lang="en-US" sz="3200" dirty="0"/>
+                        <a:t>Var</a:t>
+                      </a:r>
+                      <a:endParaRPr lang="en-IN" sz="3200" dirty="0"/>
+                    </a:p>
+                  </a:txBody>
+                  <a:tcPr/>
+                </a:tc>
+                <a:tc>
+                  <a:txBody>
+                    <a:bodyPr/>
+                    <a:lstStyle/>
+                    <a:p>
+                      <a:r>
+                        <a:rPr lang="en-US" sz="3200" dirty="0"/>
+                        <a:t>Yes </a:t>
+                      </a:r>
+                      <a:endParaRPr lang="en-IN" sz="3200" dirty="0"/>
+                    </a:p>
+                  </a:txBody>
+                  <a:tcPr/>
+                </a:tc>
+                <a:tc>
+                  <a:txBody>
+                    <a:bodyPr/>
+                    <a:lstStyle/>
+                    <a:p>
+                      <a:r>
+                        <a:rPr lang="en-US" sz="3200" dirty="0"/>
+                        <a:t>Yes</a:t>
+                      </a:r>
+                      <a:endParaRPr lang="en-IN" sz="3200" dirty="0"/>
+                    </a:p>
+                  </a:txBody>
+                  <a:tcPr/>
+                </a:tc>
+                <a:extLst>
+                  <a:ext uri="{0D108BD9-81ED-4DB2-BD59-A6C34878D82A}">
+                    <a16:rowId xmlns:a16="http://schemas.microsoft.com/office/drawing/2014/main" val="198144636"/>
+                  </a:ext>
+                </a:extLst>
+              </a:tr>
+            </a:tbl>
+          </a:graphicData>
+        </a:graphic>
+      </p:graphicFrame>
+    </p:spTree>
+    <p:extLst>
+      <p:ext uri="{BB962C8B-B14F-4D97-AF65-F5344CB8AC3E}">
+        <p14:creationId xmlns:p14="http://schemas.microsoft.com/office/powerpoint/2010/main" val="1267905476"/>
+      </p:ext>
+    </p:extLst>
+  </p:cSld>
+  <p:clrMapOvr>
+    <a:masterClrMapping/>
+  </p:clrMapOvr>
+</p:sld>
+</file>
+
+<file path=ppt/slides/slide24.xml><?xml version="1.0" encoding="utf-8"?>
+<p:sld xmlns:a="http://schemas.openxmlformats.org/drawingml/2006/main" xmlns:r="http://schemas.openxmlformats.org/officeDocument/2006/relationships" xmlns:p="http://schemas.openxmlformats.org/presentationml/2006/main">
+  <p:cSld>
+    <p:spTree>
+      <p:nvGrpSpPr>
+        <p:cNvPr id="1" name=""/>
+        <p:cNvGrpSpPr/>
+        <p:nvPr/>
+      </p:nvGrpSpPr>
+      <p:grpSpPr>
+        <a:xfrm>
+          <a:off x="0" y="0"/>
+          <a:ext cx="0" cy="0"/>
+          <a:chOff x="0" y="0"/>
+          <a:chExt cx="0" cy="0"/>
+        </a:xfrm>
+      </p:grpSpPr>
+      <p:sp>
+        <p:nvSpPr>
+          <p:cNvPr id="2" name="object 2"/>
+          <p:cNvSpPr/>
+          <p:nvPr/>
+        </p:nvSpPr>
+        <p:spPr>
+          <a:xfrm>
+            <a:off x="1" y="44199"/>
+            <a:ext cx="12191999" cy="7118601"/>
+          </a:xfrm>
+          <a:prstGeom prst="rect">
+            <a:avLst/>
+          </a:prstGeom>
+          <a:blipFill>
+            <a:blip r:embed="rId2" cstate="print"/>
+            <a:stretch>
+              <a:fillRect/>
+            </a:stretch>
+          </a:blipFill>
+        </p:spPr>
+        <p:txBody>
+          <a:bodyPr wrap="square" lIns="0" tIns="0" rIns="0" bIns="0" rtlCol="0"/>
+          <a:lstStyle/>
+          <a:p>
+            <a:endParaRPr b="1" dirty="0">
+              <a:ln w="13462">
+                <a:solidFill>
+                  <a:schemeClr val="bg1"/>
+                </a:solidFill>
+                <a:prstDash val="solid"/>
+              </a:ln>
+              <a:solidFill>
+                <a:schemeClr val="tx1">
+                  <a:lumMod val="85000"/>
+                  <a:lumOff val="15000"/>
+                </a:schemeClr>
+              </a:solidFill>
+              <a:effectLst>
+                <a:outerShdw dist="38100" dir="2700000" algn="bl" rotWithShape="0">
+                  <a:schemeClr val="accent5"/>
+                </a:outerShdw>
+              </a:effectLst>
+            </a:endParaRPr>
+          </a:p>
+        </p:txBody>
+      </p:sp>
+      <p:sp>
+        <p:nvSpPr>
+          <p:cNvPr id="3" name="object 3"/>
+          <p:cNvSpPr txBox="1">
+            <a:spLocks noGrp="1"/>
+          </p:cNvSpPr>
+          <p:nvPr>
+            <p:ph type="title"/>
+          </p:nvPr>
+        </p:nvSpPr>
+        <p:spPr>
+          <a:xfrm>
+            <a:off x="685800" y="457200"/>
+            <a:ext cx="8967115" cy="535403"/>
+          </a:xfrm>
+          <a:prstGeom prst="rect">
+            <a:avLst/>
+          </a:prstGeom>
+        </p:spPr>
+        <p:txBody>
+          <a:bodyPr vert="horz" wrap="square" lIns="0" tIns="12065" rIns="0" bIns="0" rtlCol="0">
+            <a:spAutoFit/>
+          </a:bodyPr>
+          <a:lstStyle/>
+          <a:p>
+            <a:pPr marL="12700">
+              <a:lnSpc>
+                <a:spcPct val="100000"/>
+              </a:lnSpc>
+              <a:spcBef>
+                <a:spcPts val="95"/>
+              </a:spcBef>
+            </a:pPr>
+            <a:r>
+              <a:rPr lang="en-US" sz="3400" dirty="0">
+                <a:latin typeface="Carlito"/>
+                <a:cs typeface="Carlito"/>
+              </a:rPr>
+              <a:t>Hoisting</a:t>
+            </a:r>
+            <a:endParaRPr sz="3400" dirty="0">
+              <a:latin typeface="Carlito"/>
+              <a:cs typeface="Carlito"/>
+            </a:endParaRPr>
+          </a:p>
+        </p:txBody>
+      </p:sp>
+      <p:sp>
+        <p:nvSpPr>
+          <p:cNvPr id="5" name="object 5"/>
+          <p:cNvSpPr/>
+          <p:nvPr/>
+        </p:nvSpPr>
+        <p:spPr>
+          <a:xfrm>
+            <a:off x="9816083" y="262127"/>
+            <a:ext cx="1976627" cy="822960"/>
+          </a:xfrm>
+          <a:prstGeom prst="rect">
+            <a:avLst/>
+          </a:prstGeom>
+          <a:blipFill>
+            <a:blip r:embed="rId3" cstate="print"/>
+            <a:stretch>
+              <a:fillRect/>
+            </a:stretch>
+          </a:blipFill>
+        </p:spPr>
+        <p:txBody>
+          <a:bodyPr wrap="square" lIns="0" tIns="0" rIns="0" bIns="0" rtlCol="0"/>
+          <a:lstStyle/>
+          <a:p>
+            <a:endParaRPr/>
+          </a:p>
+        </p:txBody>
+      </p:sp>
+      <p:sp>
+        <p:nvSpPr>
+          <p:cNvPr id="4" name="object 3">
+            <a:extLst>
+              <a:ext uri="{FF2B5EF4-FFF2-40B4-BE49-F238E27FC236}">
+                <a16:creationId xmlns:a16="http://schemas.microsoft.com/office/drawing/2014/main" id="{1ED9D45B-4B0D-FC76-3A8C-E89F6CD72254}"/>
+              </a:ext>
+            </a:extLst>
+          </p:cNvPr>
+          <p:cNvSpPr txBox="1">
+            <a:spLocks/>
+          </p:cNvSpPr>
+          <p:nvPr/>
+        </p:nvSpPr>
+        <p:spPr>
+          <a:xfrm>
+            <a:off x="685800" y="990600"/>
+            <a:ext cx="11429999" cy="5939446"/>
+          </a:xfrm>
+          <a:prstGeom prst="rect">
+            <a:avLst/>
+          </a:prstGeom>
+        </p:spPr>
+        <p:txBody>
+          <a:bodyPr vert="horz" wrap="square" lIns="0" tIns="12065" rIns="0" bIns="0" rtlCol="0">
+            <a:spAutoFit/>
+          </a:bodyPr>
+          <a:lstStyle>
+            <a:lvl1pPr>
+              <a:defRPr sz="6000" b="0" i="0">
+                <a:solidFill>
+                  <a:srgbClr val="E7E6E6"/>
+                </a:solidFill>
+                <a:latin typeface="Trebuchet MS"/>
+                <a:ea typeface="+mj-ea"/>
+                <a:cs typeface="Trebuchet MS"/>
+              </a:defRPr>
+            </a:lvl1pPr>
+          </a:lstStyle>
+          <a:p>
+            <a:pPr marL="12700">
+              <a:spcBef>
+                <a:spcPts val="95"/>
+              </a:spcBef>
+            </a:pPr>
+            <a:r>
+              <a:rPr lang="en-US" sz="3200" kern="0" dirty="0">
+                <a:latin typeface="Carlito"/>
+                <a:cs typeface="Times New Roman" panose="02020603050405020304" pitchFamily="18" charset="0"/>
+                <a:sym typeface="Wingdings" panose="05000000000000000000" pitchFamily="2" charset="2"/>
+              </a:rPr>
+              <a:t>Consider this example :</a:t>
+            </a:r>
+          </a:p>
+          <a:p>
+            <a:pPr marL="12700">
+              <a:spcBef>
+                <a:spcPts val="95"/>
+              </a:spcBef>
+            </a:pPr>
+            <a:r>
+              <a:rPr lang="en-US" sz="2400" kern="0" dirty="0">
+                <a:latin typeface="Consolas" panose="020B0609020204030204" pitchFamily="49" charset="0"/>
+                <a:cs typeface="Times New Roman" panose="02020603050405020304" pitchFamily="18" charset="0"/>
+                <a:sym typeface="Wingdings" panose="05000000000000000000" pitchFamily="2" charset="2"/>
+              </a:rPr>
+              <a:t>	print(a);	</a:t>
+            </a:r>
+          </a:p>
+          <a:p>
+            <a:pPr marL="12700">
+              <a:spcBef>
+                <a:spcPts val="95"/>
+              </a:spcBef>
+            </a:pPr>
+            <a:r>
+              <a:rPr lang="en-US" sz="2400" kern="0" dirty="0">
+                <a:latin typeface="Consolas" panose="020B0609020204030204" pitchFamily="49" charset="0"/>
+                <a:cs typeface="Times New Roman" panose="02020603050405020304" pitchFamily="18" charset="0"/>
+                <a:sym typeface="Wingdings" panose="05000000000000000000" pitchFamily="2" charset="2"/>
+              </a:rPr>
+              <a:t>	a();</a:t>
+            </a:r>
+          </a:p>
+          <a:p>
+            <a:pPr marL="12700">
+              <a:spcBef>
+                <a:spcPts val="95"/>
+              </a:spcBef>
+            </a:pPr>
+            <a:r>
+              <a:rPr lang="en-US" sz="2400" kern="0" dirty="0">
+                <a:latin typeface="Consolas" panose="020B0609020204030204" pitchFamily="49" charset="0"/>
+                <a:cs typeface="Times New Roman" panose="02020603050405020304" pitchFamily="18" charset="0"/>
+                <a:sym typeface="Wingdings" panose="05000000000000000000" pitchFamily="2" charset="2"/>
+              </a:rPr>
+              <a:t>	var a = 10;</a:t>
+            </a:r>
+          </a:p>
+          <a:p>
+            <a:pPr marL="12700">
+              <a:spcBef>
+                <a:spcPts val="95"/>
+              </a:spcBef>
+            </a:pPr>
+            <a:r>
+              <a:rPr lang="en-US" sz="2400" kern="0" dirty="0">
+                <a:latin typeface="Consolas" panose="020B0609020204030204" pitchFamily="49" charset="0"/>
+                <a:cs typeface="Times New Roman" panose="02020603050405020304" pitchFamily="18" charset="0"/>
+                <a:sym typeface="Wingdings" panose="05000000000000000000" pitchFamily="2" charset="2"/>
+              </a:rPr>
+              <a:t>	function a(){ };</a:t>
+            </a:r>
+          </a:p>
+          <a:p>
+            <a:pPr marL="12700">
+              <a:spcBef>
+                <a:spcPts val="95"/>
+              </a:spcBef>
+            </a:pPr>
+            <a:r>
+              <a:rPr lang="en-US" sz="2400" kern="0" dirty="0">
+                <a:latin typeface="Consolas" panose="020B0609020204030204" pitchFamily="49" charset="0"/>
+                <a:cs typeface="Times New Roman" panose="02020603050405020304" pitchFamily="18" charset="0"/>
+                <a:sym typeface="Wingdings" panose="05000000000000000000" pitchFamily="2" charset="2"/>
+              </a:rPr>
+              <a:t>This will give undefined.</a:t>
+            </a:r>
+          </a:p>
+          <a:p>
+            <a:pPr marL="12700">
+              <a:spcBef>
+                <a:spcPts val="95"/>
+              </a:spcBef>
+            </a:pPr>
+            <a:r>
+              <a:rPr lang="en-US" sz="3200" kern="0" dirty="0">
+                <a:latin typeface="Carlito"/>
+                <a:cs typeface="Times New Roman" panose="02020603050405020304" pitchFamily="18" charset="0"/>
+                <a:sym typeface="Wingdings" panose="05000000000000000000" pitchFamily="2" charset="2"/>
+              </a:rPr>
+              <a:t>So, Hoisting is when you can use var or function before declaration.</a:t>
+            </a:r>
+          </a:p>
+          <a:p>
+            <a:pPr marL="12700">
+              <a:spcBef>
+                <a:spcPts val="95"/>
+              </a:spcBef>
+            </a:pPr>
+            <a:r>
+              <a:rPr lang="en-US" sz="3200" kern="0" dirty="0">
+                <a:latin typeface="Carlito"/>
+                <a:cs typeface="Times New Roman" panose="02020603050405020304" pitchFamily="18" charset="0"/>
+                <a:sym typeface="Wingdings" panose="05000000000000000000" pitchFamily="2" charset="2"/>
+              </a:rPr>
+              <a:t>All let, const , var can perform hoisting.</a:t>
+            </a:r>
+          </a:p>
+          <a:p>
+            <a:pPr marL="12700">
+              <a:spcBef>
+                <a:spcPts val="95"/>
+              </a:spcBef>
+            </a:pPr>
+            <a:endParaRPr lang="en-US" sz="3200" kern="0" dirty="0">
+              <a:latin typeface="Carlito"/>
+              <a:cs typeface="Times New Roman" panose="02020603050405020304" pitchFamily="18" charset="0"/>
+              <a:sym typeface="Wingdings" panose="05000000000000000000" pitchFamily="2" charset="2"/>
+            </a:endParaRPr>
+          </a:p>
+          <a:p>
+            <a:pPr marL="12700">
+              <a:spcBef>
+                <a:spcPts val="95"/>
+              </a:spcBef>
+            </a:pPr>
+            <a:r>
+              <a:rPr lang="en-US" sz="3200" kern="0" dirty="0">
+                <a:latin typeface="Carlito"/>
+                <a:cs typeface="Times New Roman" panose="02020603050405020304" pitchFamily="18" charset="0"/>
+                <a:sym typeface="Wingdings" panose="05000000000000000000" pitchFamily="2" charset="2"/>
+              </a:rPr>
+              <a:t>But if we replace ‘var’ with ‘let’ then error will occur. Because the hoisting of let and const happens in Dead Temporal Zone (DTZ).</a:t>
+            </a:r>
+          </a:p>
+          <a:p>
+            <a:pPr marL="12700">
+              <a:spcBef>
+                <a:spcPts val="95"/>
+              </a:spcBef>
+            </a:pPr>
+            <a:r>
+              <a:rPr lang="en-US" sz="3200" kern="0" dirty="0">
+                <a:latin typeface="Carlito"/>
+                <a:cs typeface="Times New Roman" panose="02020603050405020304" pitchFamily="18" charset="0"/>
+                <a:sym typeface="Wingdings" panose="05000000000000000000" pitchFamily="2" charset="2"/>
+              </a:rPr>
+              <a:t>It’s between MCP and CEP.</a:t>
+            </a:r>
+          </a:p>
+          <a:p>
+            <a:pPr marL="12700">
+              <a:spcBef>
+                <a:spcPts val="95"/>
+              </a:spcBef>
+            </a:pPr>
+            <a:endParaRPr lang="en-US" sz="3200" kern="0" dirty="0">
+              <a:latin typeface="Carlito"/>
+              <a:cs typeface="Times New Roman" panose="02020603050405020304" pitchFamily="18" charset="0"/>
+              <a:sym typeface="Wingdings" panose="05000000000000000000" pitchFamily="2" charset="2"/>
+            </a:endParaRPr>
+          </a:p>
+        </p:txBody>
+      </p:sp>
+      <p:sp>
+        <p:nvSpPr>
+          <p:cNvPr id="7" name="TextBox 6">
+            <a:extLst>
+              <a:ext uri="{FF2B5EF4-FFF2-40B4-BE49-F238E27FC236}">
+                <a16:creationId xmlns:a16="http://schemas.microsoft.com/office/drawing/2014/main" id="{C2428796-F632-00B4-E484-CA738D260150}"/>
+              </a:ext>
+            </a:extLst>
+          </p:cNvPr>
+          <p:cNvSpPr txBox="1"/>
+          <p:nvPr/>
+        </p:nvSpPr>
+        <p:spPr>
+          <a:xfrm>
+            <a:off x="685800" y="4323186"/>
+            <a:ext cx="7086600" cy="707886"/>
+          </a:xfrm>
+          <a:prstGeom prst="rect">
+            <a:avLst/>
+          </a:prstGeom>
+          <a:noFill/>
+        </p:spPr>
+        <p:txBody>
+          <a:bodyPr wrap="square" rtlCol="0">
+            <a:spAutoFit/>
+          </a:bodyPr>
+          <a:lstStyle/>
+          <a:p>
+            <a:endParaRPr lang="en-IN" sz="4000" dirty="0">
+              <a:solidFill>
+                <a:schemeClr val="bg1"/>
+              </a:solidFill>
+            </a:endParaRPr>
+          </a:p>
+        </p:txBody>
+      </p:sp>
+    </p:spTree>
+    <p:extLst>
+      <p:ext uri="{BB962C8B-B14F-4D97-AF65-F5344CB8AC3E}">
+        <p14:creationId xmlns:p14="http://schemas.microsoft.com/office/powerpoint/2010/main" val="501377949"/>
+      </p:ext>
+    </p:extLst>
+  </p:cSld>
+  <p:clrMapOvr>
+    <a:masterClrMapping/>
+  </p:clrMapOvr>
+</p:sld>
+</file>
+
+<file path=ppt/slides/slide25.xml><?xml version="1.0" encoding="utf-8"?>
+<p:sld xmlns:a="http://schemas.openxmlformats.org/drawingml/2006/main" xmlns:r="http://schemas.openxmlformats.org/officeDocument/2006/relationships" xmlns:p="http://schemas.openxmlformats.org/presentationml/2006/main">
+  <p:cSld>
+    <p:spTree>
+      <p:nvGrpSpPr>
+        <p:cNvPr id="1" name=""/>
+        <p:cNvGrpSpPr/>
+        <p:nvPr/>
+      </p:nvGrpSpPr>
+      <p:grpSpPr>
+        <a:xfrm>
+          <a:off x="0" y="0"/>
+          <a:ext cx="0" cy="0"/>
+          <a:chOff x="0" y="0"/>
+          <a:chExt cx="0" cy="0"/>
+        </a:xfrm>
+      </p:grpSpPr>
+      <p:sp>
+        <p:nvSpPr>
+          <p:cNvPr id="2" name="object 2"/>
+          <p:cNvSpPr/>
+          <p:nvPr/>
+        </p:nvSpPr>
+        <p:spPr>
+          <a:xfrm>
+            <a:off x="1" y="44199"/>
+            <a:ext cx="12191999" cy="7118601"/>
+          </a:xfrm>
+          <a:prstGeom prst="rect">
+            <a:avLst/>
+          </a:prstGeom>
+          <a:blipFill>
+            <a:blip r:embed="rId2" cstate="print"/>
+            <a:stretch>
+              <a:fillRect/>
+            </a:stretch>
+          </a:blipFill>
+        </p:spPr>
+        <p:txBody>
+          <a:bodyPr wrap="square" lIns="0" tIns="0" rIns="0" bIns="0" rtlCol="0"/>
+          <a:lstStyle/>
+          <a:p>
+            <a:endParaRPr b="1" dirty="0">
+              <a:ln w="13462">
+                <a:solidFill>
+                  <a:schemeClr val="bg1"/>
+                </a:solidFill>
+                <a:prstDash val="solid"/>
+              </a:ln>
+              <a:solidFill>
+                <a:schemeClr val="tx1">
+                  <a:lumMod val="85000"/>
+                  <a:lumOff val="15000"/>
+                </a:schemeClr>
+              </a:solidFill>
+              <a:effectLst>
+                <a:outerShdw dist="38100" dir="2700000" algn="bl" rotWithShape="0">
+                  <a:schemeClr val="accent5"/>
+                </a:outerShdw>
+              </a:effectLst>
+            </a:endParaRPr>
+          </a:p>
+        </p:txBody>
+      </p:sp>
+      <p:sp>
+        <p:nvSpPr>
+          <p:cNvPr id="3" name="object 3"/>
+          <p:cNvSpPr txBox="1">
+            <a:spLocks noGrp="1"/>
+          </p:cNvSpPr>
+          <p:nvPr>
+            <p:ph type="title"/>
+          </p:nvPr>
+        </p:nvSpPr>
+        <p:spPr>
+          <a:xfrm>
+            <a:off x="685800" y="457200"/>
+            <a:ext cx="8967115" cy="535403"/>
+          </a:xfrm>
+          <a:prstGeom prst="rect">
+            <a:avLst/>
+          </a:prstGeom>
+        </p:spPr>
+        <p:txBody>
+          <a:bodyPr vert="horz" wrap="square" lIns="0" tIns="12065" rIns="0" bIns="0" rtlCol="0">
+            <a:spAutoFit/>
+          </a:bodyPr>
+          <a:lstStyle/>
+          <a:p>
+            <a:pPr marL="12700">
+              <a:lnSpc>
+                <a:spcPct val="100000"/>
+              </a:lnSpc>
+              <a:spcBef>
+                <a:spcPts val="95"/>
+              </a:spcBef>
+            </a:pPr>
+            <a:r>
+              <a:rPr lang="en-US" sz="3400" dirty="0">
+                <a:latin typeface="Carlito"/>
+                <a:cs typeface="Carlito"/>
+              </a:rPr>
+              <a:t>Scope</a:t>
+            </a:r>
+            <a:endParaRPr sz="3400" dirty="0">
+              <a:latin typeface="Carlito"/>
+              <a:cs typeface="Carlito"/>
+            </a:endParaRPr>
+          </a:p>
+        </p:txBody>
+      </p:sp>
+      <p:sp>
+        <p:nvSpPr>
+          <p:cNvPr id="5" name="object 5"/>
+          <p:cNvSpPr/>
+          <p:nvPr/>
+        </p:nvSpPr>
+        <p:spPr>
+          <a:xfrm>
+            <a:off x="9816083" y="262127"/>
+            <a:ext cx="1976627" cy="822960"/>
+          </a:xfrm>
+          <a:prstGeom prst="rect">
+            <a:avLst/>
+          </a:prstGeom>
+          <a:blipFill>
+            <a:blip r:embed="rId3" cstate="print"/>
+            <a:stretch>
+              <a:fillRect/>
+            </a:stretch>
+          </a:blipFill>
+        </p:spPr>
+        <p:txBody>
+          <a:bodyPr wrap="square" lIns="0" tIns="0" rIns="0" bIns="0" rtlCol="0"/>
+          <a:lstStyle/>
+          <a:p>
+            <a:endParaRPr/>
+          </a:p>
+        </p:txBody>
+      </p:sp>
+      <p:sp>
+        <p:nvSpPr>
+          <p:cNvPr id="4" name="object 3">
+            <a:extLst>
+              <a:ext uri="{FF2B5EF4-FFF2-40B4-BE49-F238E27FC236}">
+                <a16:creationId xmlns:a16="http://schemas.microsoft.com/office/drawing/2014/main" id="{1ED9D45B-4B0D-FC76-3A8C-E89F6CD72254}"/>
+              </a:ext>
+            </a:extLst>
+          </p:cNvPr>
+          <p:cNvSpPr txBox="1">
+            <a:spLocks/>
+          </p:cNvSpPr>
+          <p:nvPr/>
+        </p:nvSpPr>
+        <p:spPr>
+          <a:xfrm>
+            <a:off x="685800" y="990600"/>
+            <a:ext cx="11429999" cy="6298519"/>
+          </a:xfrm>
+          <a:prstGeom prst="rect">
+            <a:avLst/>
+          </a:prstGeom>
+        </p:spPr>
+        <p:txBody>
+          <a:bodyPr vert="horz" wrap="square" lIns="0" tIns="12065" rIns="0" bIns="0" rtlCol="0">
+            <a:spAutoFit/>
+          </a:bodyPr>
+          <a:lstStyle>
+            <a:lvl1pPr>
+              <a:defRPr sz="6000" b="0" i="0">
+                <a:solidFill>
+                  <a:srgbClr val="E7E6E6"/>
+                </a:solidFill>
+                <a:latin typeface="Trebuchet MS"/>
+                <a:ea typeface="+mj-ea"/>
+                <a:cs typeface="Trebuchet MS"/>
+              </a:defRPr>
+            </a:lvl1pPr>
+          </a:lstStyle>
+          <a:p>
+            <a:pPr marL="12700">
+              <a:spcBef>
+                <a:spcPts val="95"/>
+              </a:spcBef>
+            </a:pPr>
+            <a:r>
+              <a:rPr lang="en-US" sz="3200" kern="0" dirty="0">
+                <a:latin typeface="Carlito"/>
+                <a:cs typeface="Times New Roman" panose="02020603050405020304" pitchFamily="18" charset="0"/>
+                <a:sym typeface="Wingdings" panose="05000000000000000000" pitchFamily="2" charset="2"/>
+              </a:rPr>
+              <a:t>It is Local Memory + Lexical Environment of Parents.</a:t>
+            </a:r>
+          </a:p>
+          <a:p>
+            <a:pPr marL="12700">
+              <a:spcBef>
+                <a:spcPts val="95"/>
+              </a:spcBef>
+            </a:pPr>
+            <a:r>
+              <a:rPr lang="en-US" sz="3200" kern="0" dirty="0">
+                <a:latin typeface="Carlito"/>
+                <a:cs typeface="Times New Roman" panose="02020603050405020304" pitchFamily="18" charset="0"/>
+                <a:sym typeface="Wingdings" panose="05000000000000000000" pitchFamily="2" charset="2"/>
+              </a:rPr>
+              <a:t>Lexical Environment of Parent is : Local + Parent’s memory</a:t>
+            </a:r>
+          </a:p>
+          <a:p>
+            <a:pPr marL="12700">
+              <a:spcBef>
+                <a:spcPts val="95"/>
+              </a:spcBef>
+            </a:pPr>
+            <a:r>
+              <a:rPr lang="en-US" sz="3200" kern="0" dirty="0">
+                <a:latin typeface="Carlito"/>
+                <a:cs typeface="Times New Roman" panose="02020603050405020304" pitchFamily="18" charset="0"/>
+                <a:sym typeface="Wingdings" panose="05000000000000000000" pitchFamily="2" charset="2"/>
+              </a:rPr>
+              <a:t>								</a:t>
+            </a:r>
+            <a:r>
+              <a:rPr lang="en-US" sz="2800" kern="0" dirty="0">
+                <a:latin typeface="Carlito"/>
+                <a:cs typeface="Times New Roman" panose="02020603050405020304" pitchFamily="18" charset="0"/>
+                <a:sym typeface="Wingdings" panose="05000000000000000000" pitchFamily="2" charset="2"/>
+              </a:rPr>
+              <a:t>and it goes on…</a:t>
+            </a:r>
+          </a:p>
+          <a:p>
+            <a:pPr marL="12700">
+              <a:spcBef>
+                <a:spcPts val="95"/>
+              </a:spcBef>
+            </a:pPr>
+            <a:r>
+              <a:rPr lang="en-US" sz="2800" kern="0" dirty="0">
+                <a:latin typeface="Carlito"/>
+                <a:cs typeface="Times New Roman" panose="02020603050405020304" pitchFamily="18" charset="0"/>
+                <a:sym typeface="Wingdings" panose="05000000000000000000" pitchFamily="2" charset="2"/>
+              </a:rPr>
+              <a:t>So 	In GEC {let and const  Script Scope}</a:t>
+            </a:r>
+          </a:p>
+          <a:p>
+            <a:pPr marL="12700">
+              <a:spcBef>
+                <a:spcPts val="95"/>
+              </a:spcBef>
+            </a:pPr>
+            <a:r>
+              <a:rPr lang="en-US" sz="2800" kern="0" dirty="0">
+                <a:latin typeface="Carlito"/>
+                <a:cs typeface="Times New Roman" panose="02020603050405020304" pitchFamily="18" charset="0"/>
+                <a:sym typeface="Wingdings" panose="05000000000000000000" pitchFamily="2" charset="2"/>
+              </a:rPr>
+              <a:t>		 {var  Global Scope}</a:t>
+            </a:r>
+          </a:p>
+          <a:p>
+            <a:pPr marL="12700">
+              <a:spcBef>
+                <a:spcPts val="95"/>
+              </a:spcBef>
+            </a:pPr>
+            <a:r>
+              <a:rPr lang="en-US" sz="2800" kern="0" dirty="0">
+                <a:latin typeface="Carlito"/>
+                <a:cs typeface="Times New Roman" panose="02020603050405020304" pitchFamily="18" charset="0"/>
+                <a:sym typeface="Wingdings" panose="05000000000000000000" pitchFamily="2" charset="2"/>
+              </a:rPr>
+              <a:t>	In EC 	 {let and const  Block Scope}</a:t>
+            </a:r>
+          </a:p>
+          <a:p>
+            <a:pPr marL="12700">
+              <a:spcBef>
+                <a:spcPts val="95"/>
+              </a:spcBef>
+            </a:pPr>
+            <a:r>
+              <a:rPr lang="en-US" sz="2800" kern="0" dirty="0">
+                <a:latin typeface="Carlito"/>
+                <a:cs typeface="Times New Roman" panose="02020603050405020304" pitchFamily="18" charset="0"/>
+                <a:sym typeface="Wingdings" panose="05000000000000000000" pitchFamily="2" charset="2"/>
+              </a:rPr>
+              <a:t>		 {var Functional Scope}</a:t>
+            </a:r>
+          </a:p>
+          <a:p>
+            <a:pPr marL="12700">
+              <a:spcBef>
+                <a:spcPts val="95"/>
+              </a:spcBef>
+            </a:pPr>
+            <a:r>
+              <a:rPr lang="en-US" sz="2800" kern="0" dirty="0">
+                <a:latin typeface="Carlito"/>
+                <a:cs typeface="Times New Roman" panose="02020603050405020304" pitchFamily="18" charset="0"/>
+                <a:sym typeface="Wingdings" panose="05000000000000000000" pitchFamily="2" charset="2"/>
+              </a:rPr>
+              <a:t>Let’s check using following : </a:t>
+            </a:r>
+          </a:p>
+          <a:p>
+            <a:pPr marL="12700">
+              <a:spcBef>
+                <a:spcPts val="95"/>
+              </a:spcBef>
+            </a:pPr>
+            <a:r>
+              <a:rPr lang="en-US" sz="2000" kern="0" dirty="0">
+                <a:latin typeface="Consolas" panose="020B0609020204030204" pitchFamily="49" charset="0"/>
+                <a:cs typeface="Times New Roman" panose="02020603050405020304" pitchFamily="18" charset="0"/>
+                <a:sym typeface="Wingdings" panose="05000000000000000000" pitchFamily="2" charset="2"/>
+              </a:rPr>
+              <a:t>let x = 20;{				var x = 20;{</a:t>
+            </a:r>
+          </a:p>
+          <a:p>
+            <a:pPr marL="12700">
+              <a:spcBef>
+                <a:spcPts val="95"/>
+              </a:spcBef>
+            </a:pPr>
+            <a:r>
+              <a:rPr lang="en-US" sz="2000" kern="0" dirty="0">
+                <a:latin typeface="Consolas" panose="020B0609020204030204" pitchFamily="49" charset="0"/>
+                <a:cs typeface="Times New Roman" panose="02020603050405020304" pitchFamily="18" charset="0"/>
+                <a:sym typeface="Wingdings" panose="05000000000000000000" pitchFamily="2" charset="2"/>
+              </a:rPr>
+              <a:t> let y = 30;				  var y = 30;</a:t>
+            </a:r>
+          </a:p>
+          <a:p>
+            <a:pPr marL="12700">
+              <a:spcBef>
+                <a:spcPts val="95"/>
+              </a:spcBef>
+            </a:pPr>
+            <a:r>
+              <a:rPr lang="en-US" sz="2000" kern="0" dirty="0">
+                <a:latin typeface="Consolas" panose="020B0609020204030204" pitchFamily="49" charset="0"/>
+                <a:cs typeface="Times New Roman" panose="02020603050405020304" pitchFamily="18" charset="0"/>
+                <a:sym typeface="Wingdings" panose="05000000000000000000" pitchFamily="2" charset="2"/>
+              </a:rPr>
+              <a:t> function b(){			  function b(){</a:t>
+            </a:r>
+          </a:p>
+          <a:p>
+            <a:pPr marL="12700">
+              <a:spcBef>
+                <a:spcPts val="95"/>
+              </a:spcBef>
+            </a:pPr>
+            <a:r>
+              <a:rPr lang="en-US" sz="2000" kern="0" dirty="0">
+                <a:latin typeface="Consolas" panose="020B0609020204030204" pitchFamily="49" charset="0"/>
+                <a:cs typeface="Times New Roman" panose="02020603050405020304" pitchFamily="18" charset="0"/>
+                <a:sym typeface="Wingdings" panose="05000000000000000000" pitchFamily="2" charset="2"/>
+              </a:rPr>
+              <a:t>  console.log(x);			   console.log(x);</a:t>
+            </a:r>
+          </a:p>
+          <a:p>
+            <a:pPr marL="12700">
+              <a:spcBef>
+                <a:spcPts val="95"/>
+              </a:spcBef>
+            </a:pPr>
+            <a:r>
+              <a:rPr lang="en-US" sz="2000" kern="0" dirty="0">
+                <a:latin typeface="Consolas" panose="020B0609020204030204" pitchFamily="49" charset="0"/>
+                <a:cs typeface="Times New Roman" panose="02020603050405020304" pitchFamily="18" charset="0"/>
+                <a:sym typeface="Wingdings" panose="05000000000000000000" pitchFamily="2" charset="2"/>
+              </a:rPr>
+              <a:t>  console.log(y);			   console.log(y);</a:t>
+            </a:r>
+          </a:p>
+          <a:p>
+            <a:pPr marL="12700">
+              <a:spcBef>
+                <a:spcPts val="95"/>
+              </a:spcBef>
+            </a:pPr>
+            <a:r>
+              <a:rPr lang="en-US" sz="2000" kern="0" dirty="0">
+                <a:latin typeface="Consolas" panose="020B0609020204030204" pitchFamily="49" charset="0"/>
+                <a:cs typeface="Times New Roman" panose="02020603050405020304" pitchFamily="18" charset="0"/>
+                <a:sym typeface="Wingdings" panose="05000000000000000000" pitchFamily="2" charset="2"/>
+              </a:rPr>
+              <a:t> }					  }</a:t>
+            </a:r>
+          </a:p>
+          <a:p>
+            <a:pPr marL="12700">
+              <a:spcBef>
+                <a:spcPts val="95"/>
+              </a:spcBef>
+            </a:pPr>
+            <a:r>
+              <a:rPr lang="en-US" sz="2000" kern="0" dirty="0">
+                <a:latin typeface="Consolas" panose="020B0609020204030204" pitchFamily="49" charset="0"/>
+                <a:cs typeface="Times New Roman" panose="02020603050405020304" pitchFamily="18" charset="0"/>
+                <a:sym typeface="Wingdings" panose="05000000000000000000" pitchFamily="2" charset="2"/>
+              </a:rPr>
+              <a:t> b();					  b();</a:t>
+            </a:r>
+          </a:p>
+          <a:p>
+            <a:pPr marL="12700">
+              <a:spcBef>
+                <a:spcPts val="95"/>
+              </a:spcBef>
+            </a:pPr>
+            <a:r>
+              <a:rPr lang="en-US" sz="2000" kern="0" dirty="0">
+                <a:latin typeface="Consolas" panose="020B0609020204030204" pitchFamily="49" charset="0"/>
+                <a:cs typeface="Times New Roman" panose="02020603050405020304" pitchFamily="18" charset="0"/>
+                <a:sym typeface="Wingdings" panose="05000000000000000000" pitchFamily="2" charset="2"/>
+              </a:rPr>
+              <a:t>}					}</a:t>
+            </a:r>
+            <a:endParaRPr lang="en-US" sz="3200" kern="0" dirty="0">
+              <a:latin typeface="Carlito"/>
+              <a:cs typeface="Times New Roman" panose="02020603050405020304" pitchFamily="18" charset="0"/>
+              <a:sym typeface="Wingdings" panose="05000000000000000000" pitchFamily="2" charset="2"/>
+            </a:endParaRPr>
+          </a:p>
+        </p:txBody>
+      </p:sp>
+      <p:sp>
+        <p:nvSpPr>
+          <p:cNvPr id="7" name="TextBox 6">
+            <a:extLst>
+              <a:ext uri="{FF2B5EF4-FFF2-40B4-BE49-F238E27FC236}">
+                <a16:creationId xmlns:a16="http://schemas.microsoft.com/office/drawing/2014/main" id="{C2428796-F632-00B4-E484-CA738D260150}"/>
+              </a:ext>
+            </a:extLst>
+          </p:cNvPr>
+          <p:cNvSpPr txBox="1"/>
+          <p:nvPr/>
+        </p:nvSpPr>
+        <p:spPr>
+          <a:xfrm>
+            <a:off x="685800" y="4323186"/>
+            <a:ext cx="7086600" cy="707886"/>
+          </a:xfrm>
+          <a:prstGeom prst="rect">
+            <a:avLst/>
+          </a:prstGeom>
+          <a:noFill/>
+        </p:spPr>
+        <p:txBody>
+          <a:bodyPr wrap="square" rtlCol="0">
+            <a:spAutoFit/>
+          </a:bodyPr>
+          <a:lstStyle/>
+          <a:p>
+            <a:endParaRPr lang="en-IN" sz="4000" dirty="0">
+              <a:solidFill>
+                <a:schemeClr val="bg1"/>
+              </a:solidFill>
+            </a:endParaRPr>
+          </a:p>
+        </p:txBody>
+      </p:sp>
+    </p:spTree>
+    <p:extLst>
+      <p:ext uri="{BB962C8B-B14F-4D97-AF65-F5344CB8AC3E}">
+        <p14:creationId xmlns:p14="http://schemas.microsoft.com/office/powerpoint/2010/main" val="2131368122"/>
+      </p:ext>
+    </p:extLst>
+  </p:cSld>
+  <p:clrMapOvr>
+    <a:masterClrMapping/>
+  </p:clrMapOvr>
+</p:sld>
+</file>
+
+<file path=ppt/slides/slide26.xml><?xml version="1.0" encoding="utf-8"?>
+<p:sld xmlns:a="http://schemas.openxmlformats.org/drawingml/2006/main" xmlns:r="http://schemas.openxmlformats.org/officeDocument/2006/relationships" xmlns:p="http://schemas.openxmlformats.org/presentationml/2006/main">
+  <p:cSld>
+    <p:spTree>
+      <p:nvGrpSpPr>
+        <p:cNvPr id="1" name=""/>
+        <p:cNvGrpSpPr/>
+        <p:nvPr/>
+      </p:nvGrpSpPr>
+      <p:grpSpPr>
+        <a:xfrm>
+          <a:off x="0" y="0"/>
+          <a:ext cx="0" cy="0"/>
+          <a:chOff x="0" y="0"/>
+          <a:chExt cx="0" cy="0"/>
+        </a:xfrm>
+      </p:grpSpPr>
+      <p:sp>
+        <p:nvSpPr>
+          <p:cNvPr id="2" name="object 2"/>
+          <p:cNvSpPr/>
+          <p:nvPr/>
+        </p:nvSpPr>
+        <p:spPr>
+          <a:xfrm>
+            <a:off x="1" y="44199"/>
+            <a:ext cx="12191999" cy="7118601"/>
+          </a:xfrm>
+          <a:prstGeom prst="rect">
+            <a:avLst/>
+          </a:prstGeom>
+          <a:blipFill>
+            <a:blip r:embed="rId2" cstate="print"/>
+            <a:stretch>
+              <a:fillRect/>
+            </a:stretch>
+          </a:blipFill>
+        </p:spPr>
+        <p:txBody>
+          <a:bodyPr wrap="square" lIns="0" tIns="0" rIns="0" bIns="0" rtlCol="0"/>
+          <a:lstStyle/>
+          <a:p>
+            <a:endParaRPr b="1" dirty="0">
+              <a:ln w="13462">
+                <a:solidFill>
+                  <a:schemeClr val="bg1"/>
+                </a:solidFill>
+                <a:prstDash val="solid"/>
+              </a:ln>
+              <a:solidFill>
+                <a:schemeClr val="tx1">
+                  <a:lumMod val="85000"/>
+                  <a:lumOff val="15000"/>
+                </a:schemeClr>
+              </a:solidFill>
+              <a:effectLst>
+                <a:outerShdw dist="38100" dir="2700000" algn="bl" rotWithShape="0">
+                  <a:schemeClr val="accent5"/>
+                </a:outerShdw>
+              </a:effectLst>
+            </a:endParaRPr>
+          </a:p>
+        </p:txBody>
+      </p:sp>
+      <p:sp>
+        <p:nvSpPr>
+          <p:cNvPr id="3" name="object 3"/>
+          <p:cNvSpPr txBox="1">
+            <a:spLocks noGrp="1"/>
+          </p:cNvSpPr>
+          <p:nvPr>
+            <p:ph type="title"/>
+          </p:nvPr>
+        </p:nvSpPr>
+        <p:spPr>
+          <a:xfrm>
+            <a:off x="685800" y="457200"/>
+            <a:ext cx="8967115" cy="535403"/>
+          </a:xfrm>
+          <a:prstGeom prst="rect">
+            <a:avLst/>
+          </a:prstGeom>
+        </p:spPr>
+        <p:txBody>
+          <a:bodyPr vert="horz" wrap="square" lIns="0" tIns="12065" rIns="0" bIns="0" rtlCol="0">
+            <a:spAutoFit/>
+          </a:bodyPr>
+          <a:lstStyle/>
+          <a:p>
+            <a:pPr marL="12700">
+              <a:lnSpc>
+                <a:spcPct val="100000"/>
+              </a:lnSpc>
+              <a:spcBef>
+                <a:spcPts val="95"/>
+              </a:spcBef>
+            </a:pPr>
+            <a:r>
+              <a:rPr lang="en-US" sz="3400" dirty="0">
+                <a:latin typeface="Carlito"/>
+                <a:cs typeface="Carlito"/>
+              </a:rPr>
+              <a:t>Higher Order Function</a:t>
+            </a:r>
+            <a:endParaRPr sz="3400" dirty="0">
+              <a:latin typeface="Carlito"/>
+              <a:cs typeface="Carlito"/>
+            </a:endParaRPr>
+          </a:p>
+        </p:txBody>
+      </p:sp>
+      <p:sp>
+        <p:nvSpPr>
+          <p:cNvPr id="5" name="object 5"/>
+          <p:cNvSpPr/>
+          <p:nvPr/>
+        </p:nvSpPr>
+        <p:spPr>
+          <a:xfrm>
+            <a:off x="9816083" y="262127"/>
+            <a:ext cx="1976627" cy="822960"/>
+          </a:xfrm>
+          <a:prstGeom prst="rect">
+            <a:avLst/>
+          </a:prstGeom>
+          <a:blipFill>
+            <a:blip r:embed="rId3" cstate="print"/>
+            <a:stretch>
+              <a:fillRect/>
+            </a:stretch>
+          </a:blipFill>
+        </p:spPr>
+        <p:txBody>
+          <a:bodyPr wrap="square" lIns="0" tIns="0" rIns="0" bIns="0" rtlCol="0"/>
+          <a:lstStyle/>
+          <a:p>
+            <a:endParaRPr/>
+          </a:p>
+        </p:txBody>
+      </p:sp>
+      <p:sp>
+        <p:nvSpPr>
+          <p:cNvPr id="4" name="object 3">
+            <a:extLst>
+              <a:ext uri="{FF2B5EF4-FFF2-40B4-BE49-F238E27FC236}">
+                <a16:creationId xmlns:a16="http://schemas.microsoft.com/office/drawing/2014/main" id="{1ED9D45B-4B0D-FC76-3A8C-E89F6CD72254}"/>
+              </a:ext>
+            </a:extLst>
+          </p:cNvPr>
+          <p:cNvSpPr txBox="1">
+            <a:spLocks/>
+          </p:cNvSpPr>
+          <p:nvPr/>
+        </p:nvSpPr>
+        <p:spPr>
+          <a:xfrm>
+            <a:off x="685800" y="990600"/>
+            <a:ext cx="11429999" cy="5816336"/>
+          </a:xfrm>
+          <a:prstGeom prst="rect">
+            <a:avLst/>
+          </a:prstGeom>
+        </p:spPr>
+        <p:txBody>
+          <a:bodyPr vert="horz" wrap="square" lIns="0" tIns="12065" rIns="0" bIns="0" rtlCol="0">
+            <a:spAutoFit/>
+          </a:bodyPr>
+          <a:lstStyle>
+            <a:lvl1pPr>
+              <a:defRPr sz="6000" b="0" i="0">
+                <a:solidFill>
+                  <a:srgbClr val="E7E6E6"/>
+                </a:solidFill>
+                <a:latin typeface="Trebuchet MS"/>
+                <a:ea typeface="+mj-ea"/>
+                <a:cs typeface="Trebuchet MS"/>
+              </a:defRPr>
+            </a:lvl1pPr>
+          </a:lstStyle>
+          <a:p>
+            <a:pPr marL="12700">
+              <a:spcBef>
+                <a:spcPts val="95"/>
+              </a:spcBef>
+            </a:pPr>
+            <a:r>
+              <a:rPr lang="en-US" sz="3200" kern="0" dirty="0">
+                <a:latin typeface="Carlito"/>
+                <a:cs typeface="Times New Roman" panose="02020603050405020304" pitchFamily="18" charset="0"/>
+                <a:sym typeface="Wingdings" panose="05000000000000000000" pitchFamily="2" charset="2"/>
+              </a:rPr>
+              <a:t>Function that operate on other function either by :</a:t>
+            </a:r>
+          </a:p>
+          <a:p>
+            <a:pPr marL="12700">
+              <a:spcBef>
+                <a:spcPts val="95"/>
+              </a:spcBef>
+            </a:pPr>
+            <a:r>
+              <a:rPr lang="en-US" sz="3200" kern="0" dirty="0">
+                <a:latin typeface="Carlito"/>
+                <a:cs typeface="Times New Roman" panose="02020603050405020304" pitchFamily="18" charset="0"/>
+                <a:sym typeface="Wingdings" panose="05000000000000000000" pitchFamily="2" charset="2"/>
+              </a:rPr>
+              <a:t>	</a:t>
+            </a:r>
+            <a:r>
+              <a:rPr lang="en-US" sz="3200" kern="0" dirty="0" err="1">
+                <a:latin typeface="Carlito"/>
+                <a:cs typeface="Times New Roman" panose="02020603050405020304" pitchFamily="18" charset="0"/>
+                <a:sym typeface="Wingdings" panose="05000000000000000000" pitchFamily="2" charset="2"/>
+              </a:rPr>
+              <a:t>i</a:t>
+            </a:r>
+            <a:r>
+              <a:rPr lang="en-US" sz="3200" kern="0" dirty="0">
+                <a:latin typeface="Carlito"/>
+                <a:cs typeface="Times New Roman" panose="02020603050405020304" pitchFamily="18" charset="0"/>
+                <a:sym typeface="Wingdings" panose="05000000000000000000" pitchFamily="2" charset="2"/>
+              </a:rPr>
+              <a:t>. taking them as an argument.</a:t>
+            </a:r>
+          </a:p>
+          <a:p>
+            <a:pPr marL="12700">
+              <a:spcBef>
+                <a:spcPts val="95"/>
+              </a:spcBef>
+            </a:pPr>
+            <a:r>
+              <a:rPr lang="en-US" sz="3200" kern="0" dirty="0">
+                <a:latin typeface="Carlito"/>
+                <a:cs typeface="Times New Roman" panose="02020603050405020304" pitchFamily="18" charset="0"/>
+                <a:sym typeface="Wingdings" panose="05000000000000000000" pitchFamily="2" charset="2"/>
+              </a:rPr>
+              <a:t>	ii. returning them from inside.</a:t>
+            </a:r>
+          </a:p>
+          <a:p>
+            <a:pPr marL="12700">
+              <a:spcBef>
+                <a:spcPts val="95"/>
+              </a:spcBef>
+            </a:pPr>
+            <a:r>
+              <a:rPr lang="en-US" sz="3200" kern="0" dirty="0">
+                <a:latin typeface="Carlito"/>
+                <a:cs typeface="Times New Roman" panose="02020603050405020304" pitchFamily="18" charset="0"/>
+                <a:sym typeface="Wingdings" panose="05000000000000000000" pitchFamily="2" charset="2"/>
+              </a:rPr>
+              <a:t>e.g.  	</a:t>
+            </a:r>
+            <a:r>
+              <a:rPr lang="en-US" sz="2400" kern="0" dirty="0">
+                <a:latin typeface="Consolas" panose="020B0609020204030204" pitchFamily="49" charset="0"/>
+                <a:cs typeface="Times New Roman" panose="02020603050405020304" pitchFamily="18" charset="0"/>
+                <a:sym typeface="Wingdings" panose="05000000000000000000" pitchFamily="2" charset="2"/>
+              </a:rPr>
+              <a:t>function a(</a:t>
+            </a:r>
+            <a:r>
+              <a:rPr lang="en-US" sz="2400" kern="0" dirty="0" err="1">
+                <a:latin typeface="Consolas" panose="020B0609020204030204" pitchFamily="49" charset="0"/>
+                <a:cs typeface="Times New Roman" panose="02020603050405020304" pitchFamily="18" charset="0"/>
+                <a:sym typeface="Wingdings" panose="05000000000000000000" pitchFamily="2" charset="2"/>
+              </a:rPr>
+              <a:t>arg</a:t>
+            </a:r>
+            <a:r>
+              <a:rPr lang="en-US" sz="2400" kern="0" dirty="0">
+                <a:latin typeface="Consolas" panose="020B0609020204030204" pitchFamily="49" charset="0"/>
+                <a:cs typeface="Times New Roman" panose="02020603050405020304" pitchFamily="18" charset="0"/>
+                <a:sym typeface="Wingdings" panose="05000000000000000000" pitchFamily="2" charset="2"/>
+              </a:rPr>
+              <a:t>){ </a:t>
+            </a:r>
+          </a:p>
+          <a:p>
+            <a:pPr marL="12700">
+              <a:spcBef>
+                <a:spcPts val="95"/>
+              </a:spcBef>
+            </a:pPr>
+            <a:r>
+              <a:rPr lang="en-US" sz="2400" kern="0" dirty="0">
+                <a:latin typeface="Consolas" panose="020B0609020204030204" pitchFamily="49" charset="0"/>
+                <a:cs typeface="Times New Roman" panose="02020603050405020304" pitchFamily="18" charset="0"/>
+                <a:sym typeface="Wingdings" panose="05000000000000000000" pitchFamily="2" charset="2"/>
+              </a:rPr>
+              <a:t>		return </a:t>
+            </a:r>
+            <a:r>
+              <a:rPr lang="en-US" sz="2400" kern="0" dirty="0" err="1">
+                <a:latin typeface="Consolas" panose="020B0609020204030204" pitchFamily="49" charset="0"/>
+                <a:cs typeface="Times New Roman" panose="02020603050405020304" pitchFamily="18" charset="0"/>
+                <a:sym typeface="Wingdings" panose="05000000000000000000" pitchFamily="2" charset="2"/>
+              </a:rPr>
+              <a:t>arg</a:t>
+            </a:r>
+            <a:r>
+              <a:rPr lang="en-US" sz="2400" kern="0" dirty="0">
+                <a:latin typeface="Consolas" panose="020B0609020204030204" pitchFamily="49" charset="0"/>
+                <a:cs typeface="Times New Roman" panose="02020603050405020304" pitchFamily="18" charset="0"/>
+                <a:sym typeface="Wingdings" panose="05000000000000000000" pitchFamily="2" charset="2"/>
+              </a:rPr>
+              <a:t>;</a:t>
+            </a:r>
+          </a:p>
+          <a:p>
+            <a:pPr marL="12700">
+              <a:spcBef>
+                <a:spcPts val="95"/>
+              </a:spcBef>
+            </a:pPr>
+            <a:r>
+              <a:rPr lang="en-US" sz="2400" kern="0" dirty="0">
+                <a:latin typeface="Consolas" panose="020B0609020204030204" pitchFamily="49" charset="0"/>
+                <a:cs typeface="Times New Roman" panose="02020603050405020304" pitchFamily="18" charset="0"/>
+                <a:sym typeface="Wingdings" panose="05000000000000000000" pitchFamily="2" charset="2"/>
+              </a:rPr>
+              <a:t>	} </a:t>
+            </a:r>
+          </a:p>
+          <a:p>
+            <a:pPr marL="12700">
+              <a:spcBef>
+                <a:spcPts val="95"/>
+              </a:spcBef>
+            </a:pPr>
+            <a:r>
+              <a:rPr lang="en-US" sz="2400" kern="0" dirty="0">
+                <a:latin typeface="Consolas" panose="020B0609020204030204" pitchFamily="49" charset="0"/>
+                <a:cs typeface="Times New Roman" panose="02020603050405020304" pitchFamily="18" charset="0"/>
+                <a:sym typeface="Wingdings" panose="05000000000000000000" pitchFamily="2" charset="2"/>
+              </a:rPr>
+              <a:t>	function b(){ </a:t>
+            </a:r>
+          </a:p>
+          <a:p>
+            <a:pPr marL="12700">
+              <a:spcBef>
+                <a:spcPts val="95"/>
+              </a:spcBef>
+            </a:pPr>
+            <a:r>
+              <a:rPr lang="en-US" sz="2400" kern="0" dirty="0">
+                <a:latin typeface="Consolas" panose="020B0609020204030204" pitchFamily="49" charset="0"/>
+                <a:cs typeface="Times New Roman" panose="02020603050405020304" pitchFamily="18" charset="0"/>
+                <a:sym typeface="Wingdings" panose="05000000000000000000" pitchFamily="2" charset="2"/>
+              </a:rPr>
+              <a:t>		print(“something”) </a:t>
+            </a:r>
+          </a:p>
+          <a:p>
+            <a:pPr marL="12700">
+              <a:spcBef>
+                <a:spcPts val="95"/>
+              </a:spcBef>
+            </a:pPr>
+            <a:r>
+              <a:rPr lang="en-US" sz="2400" kern="0" dirty="0">
+                <a:latin typeface="Consolas" panose="020B0609020204030204" pitchFamily="49" charset="0"/>
+                <a:cs typeface="Times New Roman" panose="02020603050405020304" pitchFamily="18" charset="0"/>
+                <a:sym typeface="Wingdings" panose="05000000000000000000" pitchFamily="2" charset="2"/>
+              </a:rPr>
+              <a:t>	}</a:t>
+            </a:r>
+          </a:p>
+          <a:p>
+            <a:pPr marL="12700">
+              <a:spcBef>
+                <a:spcPts val="95"/>
+              </a:spcBef>
+            </a:pPr>
+            <a:r>
+              <a:rPr lang="en-US" sz="2400" kern="0" dirty="0">
+                <a:latin typeface="Consolas" panose="020B0609020204030204" pitchFamily="49" charset="0"/>
+                <a:cs typeface="Times New Roman" panose="02020603050405020304" pitchFamily="18" charset="0"/>
+                <a:sym typeface="Wingdings" panose="05000000000000000000" pitchFamily="2" charset="2"/>
+              </a:rPr>
+              <a:t>	a(b);</a:t>
+            </a:r>
+          </a:p>
+          <a:p>
+            <a:pPr marL="12700">
+              <a:spcBef>
+                <a:spcPts val="95"/>
+              </a:spcBef>
+            </a:pPr>
+            <a:r>
+              <a:rPr lang="en-US" sz="3200" kern="0" dirty="0">
+                <a:latin typeface="+mj-lt"/>
+                <a:cs typeface="Times New Roman" panose="02020603050405020304" pitchFamily="18" charset="0"/>
+                <a:sym typeface="Wingdings" panose="05000000000000000000" pitchFamily="2" charset="2"/>
+              </a:rPr>
+              <a:t>Task : Try to return a function that is declared inside the first function and print it.</a:t>
+            </a:r>
+          </a:p>
+          <a:p>
+            <a:pPr marL="12700">
+              <a:spcBef>
+                <a:spcPts val="95"/>
+              </a:spcBef>
+            </a:pPr>
+            <a:r>
+              <a:rPr lang="en-US" sz="3200" kern="0" dirty="0">
+                <a:latin typeface="+mj-lt"/>
+                <a:cs typeface="Times New Roman" panose="02020603050405020304" pitchFamily="18" charset="0"/>
+                <a:sym typeface="Wingdings" panose="05000000000000000000" pitchFamily="2" charset="2"/>
+              </a:rPr>
+              <a:t> </a:t>
+            </a:r>
+          </a:p>
+        </p:txBody>
+      </p:sp>
+      <p:sp>
+        <p:nvSpPr>
+          <p:cNvPr id="7" name="TextBox 6">
+            <a:extLst>
+              <a:ext uri="{FF2B5EF4-FFF2-40B4-BE49-F238E27FC236}">
+                <a16:creationId xmlns:a16="http://schemas.microsoft.com/office/drawing/2014/main" id="{C2428796-F632-00B4-E484-CA738D260150}"/>
+              </a:ext>
+            </a:extLst>
+          </p:cNvPr>
+          <p:cNvSpPr txBox="1"/>
+          <p:nvPr/>
+        </p:nvSpPr>
+        <p:spPr>
+          <a:xfrm>
+            <a:off x="685800" y="4323186"/>
+            <a:ext cx="7086600" cy="707886"/>
+          </a:xfrm>
+          <a:prstGeom prst="rect">
+            <a:avLst/>
+          </a:prstGeom>
+          <a:noFill/>
+        </p:spPr>
+        <p:txBody>
+          <a:bodyPr wrap="square" rtlCol="0">
+            <a:spAutoFit/>
+          </a:bodyPr>
+          <a:lstStyle/>
+          <a:p>
+            <a:endParaRPr lang="en-IN" sz="4000" dirty="0">
+              <a:solidFill>
+                <a:schemeClr val="bg1"/>
+              </a:solidFill>
+            </a:endParaRPr>
+          </a:p>
+        </p:txBody>
+      </p:sp>
+    </p:spTree>
+    <p:extLst>
+      <p:ext uri="{BB962C8B-B14F-4D97-AF65-F5344CB8AC3E}">
+        <p14:creationId xmlns:p14="http://schemas.microsoft.com/office/powerpoint/2010/main" val="2183372326"/>
+      </p:ext>
+    </p:extLst>
+  </p:cSld>
+  <p:clrMapOvr>
+    <a:masterClrMapping/>
+  </p:clrMapOvr>
+</p:sld>
+</file>
+
+<file path=ppt/slides/slide27.xml><?xml version="1.0" encoding="utf-8"?>
+<p:sld xmlns:a="http://schemas.openxmlformats.org/drawingml/2006/main" xmlns:r="http://schemas.openxmlformats.org/officeDocument/2006/relationships" xmlns:p="http://schemas.openxmlformats.org/presentationml/2006/main">
+  <p:cSld>
+    <p:spTree>
+      <p:nvGrpSpPr>
+        <p:cNvPr id="1" name=""/>
+        <p:cNvGrpSpPr/>
+        <p:nvPr/>
+      </p:nvGrpSpPr>
+      <p:grpSpPr>
+        <a:xfrm>
+          <a:off x="0" y="0"/>
+          <a:ext cx="0" cy="0"/>
+          <a:chOff x="0" y="0"/>
+          <a:chExt cx="0" cy="0"/>
+        </a:xfrm>
+      </p:grpSpPr>
+      <p:sp>
+        <p:nvSpPr>
+          <p:cNvPr id="2" name="object 2"/>
+          <p:cNvSpPr/>
+          <p:nvPr/>
+        </p:nvSpPr>
+        <p:spPr>
+          <a:xfrm>
+            <a:off x="1" y="44199"/>
+            <a:ext cx="12191999" cy="7118601"/>
+          </a:xfrm>
+          <a:prstGeom prst="rect">
+            <a:avLst/>
+          </a:prstGeom>
+          <a:blipFill>
+            <a:blip r:embed="rId2" cstate="print"/>
+            <a:stretch>
+              <a:fillRect/>
+            </a:stretch>
+          </a:blipFill>
+        </p:spPr>
+        <p:txBody>
+          <a:bodyPr wrap="square" lIns="0" tIns="0" rIns="0" bIns="0" rtlCol="0"/>
+          <a:lstStyle/>
+          <a:p>
+            <a:endParaRPr b="1" dirty="0">
+              <a:ln w="13462">
+                <a:solidFill>
+                  <a:schemeClr val="bg1"/>
+                </a:solidFill>
+                <a:prstDash val="solid"/>
+              </a:ln>
+              <a:solidFill>
+                <a:schemeClr val="tx1">
+                  <a:lumMod val="85000"/>
+                  <a:lumOff val="15000"/>
+                </a:schemeClr>
+              </a:solidFill>
+              <a:effectLst>
+                <a:outerShdw dist="38100" dir="2700000" algn="bl" rotWithShape="0">
+                  <a:schemeClr val="accent5"/>
+                </a:outerShdw>
+              </a:effectLst>
+            </a:endParaRPr>
+          </a:p>
+        </p:txBody>
+      </p:sp>
+      <p:sp>
+        <p:nvSpPr>
+          <p:cNvPr id="3" name="object 3"/>
+          <p:cNvSpPr txBox="1">
+            <a:spLocks noGrp="1"/>
+          </p:cNvSpPr>
+          <p:nvPr>
+            <p:ph type="title"/>
+          </p:nvPr>
+        </p:nvSpPr>
+        <p:spPr>
+          <a:xfrm>
+            <a:off x="685800" y="457200"/>
+            <a:ext cx="8967115" cy="535403"/>
+          </a:xfrm>
+          <a:prstGeom prst="rect">
+            <a:avLst/>
+          </a:prstGeom>
+        </p:spPr>
+        <p:txBody>
+          <a:bodyPr vert="horz" wrap="square" lIns="0" tIns="12065" rIns="0" bIns="0" rtlCol="0">
+            <a:spAutoFit/>
+          </a:bodyPr>
+          <a:lstStyle/>
+          <a:p>
+            <a:pPr marL="12700">
+              <a:lnSpc>
+                <a:spcPct val="100000"/>
+              </a:lnSpc>
+              <a:spcBef>
+                <a:spcPts val="95"/>
+              </a:spcBef>
+            </a:pPr>
+            <a:r>
+              <a:rPr lang="en-US" sz="3400" dirty="0">
+                <a:latin typeface="Carlito"/>
+                <a:cs typeface="Carlito"/>
+              </a:rPr>
+              <a:t>Callback Function</a:t>
+            </a:r>
+            <a:endParaRPr sz="3400" dirty="0">
+              <a:latin typeface="Carlito"/>
+              <a:cs typeface="Carlito"/>
+            </a:endParaRPr>
+          </a:p>
+        </p:txBody>
+      </p:sp>
+      <p:sp>
+        <p:nvSpPr>
+          <p:cNvPr id="5" name="object 5"/>
+          <p:cNvSpPr/>
+          <p:nvPr/>
+        </p:nvSpPr>
+        <p:spPr>
+          <a:xfrm>
+            <a:off x="9816083" y="262127"/>
+            <a:ext cx="1976627" cy="822960"/>
+          </a:xfrm>
+          <a:prstGeom prst="rect">
+            <a:avLst/>
+          </a:prstGeom>
+          <a:blipFill>
+            <a:blip r:embed="rId3" cstate="print"/>
+            <a:stretch>
+              <a:fillRect/>
+            </a:stretch>
+          </a:blipFill>
+        </p:spPr>
+        <p:txBody>
+          <a:bodyPr wrap="square" lIns="0" tIns="0" rIns="0" bIns="0" rtlCol="0"/>
+          <a:lstStyle/>
+          <a:p>
+            <a:endParaRPr/>
+          </a:p>
+        </p:txBody>
+      </p:sp>
+      <p:sp>
+        <p:nvSpPr>
+          <p:cNvPr id="4" name="object 3">
+            <a:extLst>
+              <a:ext uri="{FF2B5EF4-FFF2-40B4-BE49-F238E27FC236}">
+                <a16:creationId xmlns:a16="http://schemas.microsoft.com/office/drawing/2014/main" id="{1ED9D45B-4B0D-FC76-3A8C-E89F6CD72254}"/>
+              </a:ext>
+            </a:extLst>
+          </p:cNvPr>
+          <p:cNvSpPr txBox="1">
+            <a:spLocks/>
+          </p:cNvSpPr>
+          <p:nvPr/>
+        </p:nvSpPr>
+        <p:spPr>
+          <a:xfrm>
+            <a:off x="685800" y="990600"/>
+            <a:ext cx="11429999" cy="4805803"/>
+          </a:xfrm>
+          <a:prstGeom prst="rect">
+            <a:avLst/>
+          </a:prstGeom>
+        </p:spPr>
+        <p:txBody>
+          <a:bodyPr vert="horz" wrap="square" lIns="0" tIns="12065" rIns="0" bIns="0" rtlCol="0">
+            <a:spAutoFit/>
+          </a:bodyPr>
+          <a:lstStyle>
+            <a:lvl1pPr>
+              <a:defRPr sz="6000" b="0" i="0">
+                <a:solidFill>
+                  <a:srgbClr val="E7E6E6"/>
+                </a:solidFill>
+                <a:latin typeface="Trebuchet MS"/>
+                <a:ea typeface="+mj-ea"/>
+                <a:cs typeface="Trebuchet MS"/>
+              </a:defRPr>
+            </a:lvl1pPr>
+          </a:lstStyle>
+          <a:p>
+            <a:pPr marL="12700">
+              <a:spcBef>
+                <a:spcPts val="95"/>
+              </a:spcBef>
+            </a:pPr>
+            <a:r>
+              <a:rPr lang="en-US" sz="3200" kern="0" dirty="0">
+                <a:latin typeface="Carlito"/>
+                <a:cs typeface="Times New Roman" panose="02020603050405020304" pitchFamily="18" charset="0"/>
+                <a:sym typeface="Wingdings" panose="05000000000000000000" pitchFamily="2" charset="2"/>
+              </a:rPr>
+              <a:t>Function passed into another function where it is invoked inside that fun</a:t>
+            </a:r>
+          </a:p>
+          <a:p>
+            <a:pPr marL="12700">
+              <a:spcBef>
+                <a:spcPts val="95"/>
+              </a:spcBef>
+            </a:pPr>
+            <a:r>
+              <a:rPr lang="en-US" sz="3200" kern="0" dirty="0">
+                <a:latin typeface="Carlito"/>
+                <a:cs typeface="Times New Roman" panose="02020603050405020304" pitchFamily="18" charset="0"/>
+                <a:sym typeface="Wingdings" panose="05000000000000000000" pitchFamily="2" charset="2"/>
+              </a:rPr>
+              <a:t>e.g.  	</a:t>
+            </a:r>
+            <a:r>
+              <a:rPr lang="en-US" sz="2400" kern="0" dirty="0">
+                <a:latin typeface="Consolas" panose="020B0609020204030204" pitchFamily="49" charset="0"/>
+                <a:cs typeface="Times New Roman" panose="02020603050405020304" pitchFamily="18" charset="0"/>
+                <a:sym typeface="Wingdings" panose="05000000000000000000" pitchFamily="2" charset="2"/>
+              </a:rPr>
+              <a:t>function a(</a:t>
+            </a:r>
+            <a:r>
+              <a:rPr lang="en-US" sz="2400" kern="0" dirty="0" err="1">
+                <a:latin typeface="Consolas" panose="020B0609020204030204" pitchFamily="49" charset="0"/>
+                <a:cs typeface="Times New Roman" panose="02020603050405020304" pitchFamily="18" charset="0"/>
+                <a:sym typeface="Wingdings" panose="05000000000000000000" pitchFamily="2" charset="2"/>
+              </a:rPr>
+              <a:t>arg</a:t>
+            </a:r>
+            <a:r>
+              <a:rPr lang="en-US" sz="2400" kern="0" dirty="0">
+                <a:latin typeface="Consolas" panose="020B0609020204030204" pitchFamily="49" charset="0"/>
+                <a:cs typeface="Times New Roman" panose="02020603050405020304" pitchFamily="18" charset="0"/>
+                <a:sym typeface="Wingdings" panose="05000000000000000000" pitchFamily="2" charset="2"/>
+              </a:rPr>
+              <a:t>){ </a:t>
+            </a:r>
+          </a:p>
+          <a:p>
+            <a:pPr marL="12700">
+              <a:spcBef>
+                <a:spcPts val="95"/>
+              </a:spcBef>
+            </a:pPr>
+            <a:r>
+              <a:rPr lang="en-US" sz="2400" kern="0" dirty="0">
+                <a:latin typeface="Consolas" panose="020B0609020204030204" pitchFamily="49" charset="0"/>
+                <a:cs typeface="Times New Roman" panose="02020603050405020304" pitchFamily="18" charset="0"/>
+                <a:sym typeface="Wingdings" panose="05000000000000000000" pitchFamily="2" charset="2"/>
+              </a:rPr>
+              <a:t>		return </a:t>
+            </a:r>
+            <a:r>
+              <a:rPr lang="en-US" sz="2400" kern="0" dirty="0" err="1">
+                <a:latin typeface="Consolas" panose="020B0609020204030204" pitchFamily="49" charset="0"/>
+                <a:cs typeface="Times New Roman" panose="02020603050405020304" pitchFamily="18" charset="0"/>
+                <a:sym typeface="Wingdings" panose="05000000000000000000" pitchFamily="2" charset="2"/>
+              </a:rPr>
+              <a:t>arg</a:t>
+            </a:r>
+            <a:r>
+              <a:rPr lang="en-US" sz="2400" kern="0" dirty="0">
+                <a:latin typeface="Consolas" panose="020B0609020204030204" pitchFamily="49" charset="0"/>
+                <a:cs typeface="Times New Roman" panose="02020603050405020304" pitchFamily="18" charset="0"/>
+                <a:sym typeface="Wingdings" panose="05000000000000000000" pitchFamily="2" charset="2"/>
+              </a:rPr>
+              <a:t>();</a:t>
+            </a:r>
+          </a:p>
+          <a:p>
+            <a:pPr marL="12700">
+              <a:spcBef>
+                <a:spcPts val="95"/>
+              </a:spcBef>
+            </a:pPr>
+            <a:r>
+              <a:rPr lang="en-US" sz="2400" kern="0" dirty="0">
+                <a:latin typeface="Consolas" panose="020B0609020204030204" pitchFamily="49" charset="0"/>
+                <a:cs typeface="Times New Roman" panose="02020603050405020304" pitchFamily="18" charset="0"/>
+                <a:sym typeface="Wingdings" panose="05000000000000000000" pitchFamily="2" charset="2"/>
+              </a:rPr>
+              <a:t>	} </a:t>
+            </a:r>
+          </a:p>
+          <a:p>
+            <a:pPr marL="12700">
+              <a:spcBef>
+                <a:spcPts val="95"/>
+              </a:spcBef>
+            </a:pPr>
+            <a:r>
+              <a:rPr lang="en-US" sz="2400" kern="0" dirty="0">
+                <a:latin typeface="Consolas" panose="020B0609020204030204" pitchFamily="49" charset="0"/>
+                <a:cs typeface="Times New Roman" panose="02020603050405020304" pitchFamily="18" charset="0"/>
+                <a:sym typeface="Wingdings" panose="05000000000000000000" pitchFamily="2" charset="2"/>
+              </a:rPr>
+              <a:t>	function b(){ </a:t>
+            </a:r>
+          </a:p>
+          <a:p>
+            <a:pPr marL="12700">
+              <a:spcBef>
+                <a:spcPts val="95"/>
+              </a:spcBef>
+            </a:pPr>
+            <a:r>
+              <a:rPr lang="en-US" sz="2400" kern="0" dirty="0">
+                <a:latin typeface="Consolas" panose="020B0609020204030204" pitchFamily="49" charset="0"/>
+                <a:cs typeface="Times New Roman" panose="02020603050405020304" pitchFamily="18" charset="0"/>
+                <a:sym typeface="Wingdings" panose="05000000000000000000" pitchFamily="2" charset="2"/>
+              </a:rPr>
+              <a:t>		print(“something”) </a:t>
+            </a:r>
+          </a:p>
+          <a:p>
+            <a:pPr marL="12700">
+              <a:spcBef>
+                <a:spcPts val="95"/>
+              </a:spcBef>
+            </a:pPr>
+            <a:r>
+              <a:rPr lang="en-US" sz="2400" kern="0" dirty="0">
+                <a:latin typeface="Consolas" panose="020B0609020204030204" pitchFamily="49" charset="0"/>
+                <a:cs typeface="Times New Roman" panose="02020603050405020304" pitchFamily="18" charset="0"/>
+                <a:sym typeface="Wingdings" panose="05000000000000000000" pitchFamily="2" charset="2"/>
+              </a:rPr>
+              <a:t>	}</a:t>
+            </a:r>
+          </a:p>
+          <a:p>
+            <a:pPr marL="12700">
+              <a:spcBef>
+                <a:spcPts val="95"/>
+              </a:spcBef>
+            </a:pPr>
+            <a:r>
+              <a:rPr lang="en-US" sz="2400" kern="0" dirty="0">
+                <a:latin typeface="Consolas" panose="020B0609020204030204" pitchFamily="49" charset="0"/>
+                <a:cs typeface="Times New Roman" panose="02020603050405020304" pitchFamily="18" charset="0"/>
+                <a:sym typeface="Wingdings" panose="05000000000000000000" pitchFamily="2" charset="2"/>
+              </a:rPr>
+              <a:t>	a(b);</a:t>
+            </a:r>
+          </a:p>
+          <a:p>
+            <a:pPr marL="12700">
+              <a:spcBef>
+                <a:spcPts val="95"/>
+              </a:spcBef>
+            </a:pPr>
+            <a:r>
+              <a:rPr lang="en-US" sz="3200" kern="0" dirty="0">
+                <a:latin typeface="+mj-lt"/>
+                <a:cs typeface="Times New Roman" panose="02020603050405020304" pitchFamily="18" charset="0"/>
+                <a:sym typeface="Wingdings" panose="05000000000000000000" pitchFamily="2" charset="2"/>
+              </a:rPr>
+              <a:t>	</a:t>
+            </a:r>
+          </a:p>
+          <a:p>
+            <a:pPr marL="12700">
+              <a:spcBef>
+                <a:spcPts val="95"/>
+              </a:spcBef>
+            </a:pPr>
+            <a:r>
+              <a:rPr lang="en-US" sz="3200" kern="0" dirty="0">
+                <a:latin typeface="+mj-lt"/>
+                <a:cs typeface="Times New Roman" panose="02020603050405020304" pitchFamily="18" charset="0"/>
+                <a:sym typeface="Wingdings" panose="05000000000000000000" pitchFamily="2" charset="2"/>
+              </a:rPr>
+              <a:t>here b is callback function if invoked inside </a:t>
+            </a:r>
+            <a:r>
+              <a:rPr lang="en-US" sz="3200" kern="0">
+                <a:latin typeface="+mj-lt"/>
+                <a:cs typeface="Times New Roman" panose="02020603050405020304" pitchFamily="18" charset="0"/>
+                <a:sym typeface="Wingdings" panose="05000000000000000000" pitchFamily="2" charset="2"/>
+              </a:rPr>
+              <a:t>the function.</a:t>
+            </a:r>
+            <a:endParaRPr lang="en-US" sz="3200" kern="0" dirty="0">
+              <a:latin typeface="+mj-lt"/>
+              <a:cs typeface="Times New Roman" panose="02020603050405020304" pitchFamily="18" charset="0"/>
+              <a:sym typeface="Wingdings" panose="05000000000000000000" pitchFamily="2" charset="2"/>
+            </a:endParaRPr>
+          </a:p>
+        </p:txBody>
+      </p:sp>
+      <p:sp>
+        <p:nvSpPr>
+          <p:cNvPr id="7" name="TextBox 6">
+            <a:extLst>
+              <a:ext uri="{FF2B5EF4-FFF2-40B4-BE49-F238E27FC236}">
+                <a16:creationId xmlns:a16="http://schemas.microsoft.com/office/drawing/2014/main" id="{C2428796-F632-00B4-E484-CA738D260150}"/>
+              </a:ext>
+            </a:extLst>
+          </p:cNvPr>
+          <p:cNvSpPr txBox="1"/>
+          <p:nvPr/>
+        </p:nvSpPr>
+        <p:spPr>
+          <a:xfrm>
+            <a:off x="685800" y="4323186"/>
+            <a:ext cx="7086600" cy="707886"/>
+          </a:xfrm>
+          <a:prstGeom prst="rect">
+            <a:avLst/>
+          </a:prstGeom>
+          <a:noFill/>
+        </p:spPr>
+        <p:txBody>
+          <a:bodyPr wrap="square" rtlCol="0">
+            <a:spAutoFit/>
+          </a:bodyPr>
+          <a:lstStyle/>
+          <a:p>
+            <a:endParaRPr lang="en-IN" sz="4000" dirty="0">
+              <a:solidFill>
+                <a:schemeClr val="bg1"/>
+              </a:solidFill>
+            </a:endParaRPr>
+          </a:p>
+        </p:txBody>
+      </p:sp>
+    </p:spTree>
+    <p:extLst>
+      <p:ext uri="{BB962C8B-B14F-4D97-AF65-F5344CB8AC3E}">
+        <p14:creationId xmlns:p14="http://schemas.microsoft.com/office/powerpoint/2010/main" val="397111623"/>
+      </p:ext>
+    </p:extLst>
+  </p:cSld>
+  <p:clrMapOvr>
+    <a:masterClrMapping/>
+  </p:clrMapOvr>
+</p:sld>
+</file>
+
+<file path=ppt/slides/slide28.xml><?xml version="1.0" encoding="utf-8"?>
+<p:sld xmlns:a="http://schemas.openxmlformats.org/drawingml/2006/main" xmlns:r="http://schemas.openxmlformats.org/officeDocument/2006/relationships" xmlns:p="http://schemas.openxmlformats.org/presentationml/2006/main">
+  <p:cSld>
+    <p:spTree>
+      <p:nvGrpSpPr>
+        <p:cNvPr id="1" name=""/>
+        <p:cNvGrpSpPr/>
+        <p:nvPr/>
+      </p:nvGrpSpPr>
+      <p:grpSpPr>
+        <a:xfrm>
+          <a:off x="0" y="0"/>
+          <a:ext cx="0" cy="0"/>
+          <a:chOff x="0" y="0"/>
+          <a:chExt cx="0" cy="0"/>
+        </a:xfrm>
+      </p:grpSpPr>
+      <p:sp>
+        <p:nvSpPr>
+          <p:cNvPr id="2" name="object 2"/>
+          <p:cNvSpPr/>
+          <p:nvPr/>
+        </p:nvSpPr>
+        <p:spPr>
+          <a:xfrm>
+            <a:off x="1" y="44199"/>
+            <a:ext cx="12191999" cy="7118601"/>
+          </a:xfrm>
+          <a:prstGeom prst="rect">
+            <a:avLst/>
+          </a:prstGeom>
+          <a:blipFill>
+            <a:blip r:embed="rId2" cstate="print"/>
+            <a:stretch>
+              <a:fillRect/>
+            </a:stretch>
+          </a:blipFill>
+        </p:spPr>
+        <p:txBody>
+          <a:bodyPr wrap="square" lIns="0" tIns="0" rIns="0" bIns="0" rtlCol="0"/>
+          <a:lstStyle/>
+          <a:p>
+            <a:endParaRPr b="1" dirty="0">
+              <a:ln w="13462">
+                <a:solidFill>
+                  <a:schemeClr val="bg1"/>
+                </a:solidFill>
+                <a:prstDash val="solid"/>
+              </a:ln>
+              <a:solidFill>
+                <a:schemeClr val="tx1">
+                  <a:lumMod val="85000"/>
+                  <a:lumOff val="15000"/>
+                </a:schemeClr>
+              </a:solidFill>
+              <a:effectLst>
+                <a:outerShdw dist="38100" dir="2700000" algn="bl" rotWithShape="0">
+                  <a:schemeClr val="accent5"/>
+                </a:outerShdw>
+              </a:effectLst>
+            </a:endParaRPr>
+          </a:p>
+        </p:txBody>
+      </p:sp>
+      <p:sp>
+        <p:nvSpPr>
+          <p:cNvPr id="3" name="object 3"/>
+          <p:cNvSpPr txBox="1">
+            <a:spLocks noGrp="1"/>
+          </p:cNvSpPr>
+          <p:nvPr>
+            <p:ph type="title"/>
+          </p:nvPr>
+        </p:nvSpPr>
+        <p:spPr>
+          <a:xfrm>
+            <a:off x="762000" y="457200"/>
+            <a:ext cx="8967115" cy="535403"/>
+          </a:xfrm>
+          <a:prstGeom prst="rect">
+            <a:avLst/>
+          </a:prstGeom>
+        </p:spPr>
+        <p:txBody>
+          <a:bodyPr vert="horz" wrap="square" lIns="0" tIns="12065" rIns="0" bIns="0" rtlCol="0">
+            <a:spAutoFit/>
+          </a:bodyPr>
+          <a:lstStyle/>
+          <a:p>
+            <a:pPr marL="12700">
+              <a:lnSpc>
+                <a:spcPct val="100000"/>
+              </a:lnSpc>
+              <a:spcBef>
+                <a:spcPts val="95"/>
+              </a:spcBef>
+            </a:pPr>
+            <a:endParaRPr sz="3400" dirty="0">
+              <a:latin typeface="Carlito"/>
+              <a:cs typeface="Carlito"/>
+            </a:endParaRPr>
+          </a:p>
+        </p:txBody>
+      </p:sp>
+      <p:sp>
+        <p:nvSpPr>
+          <p:cNvPr id="5" name="object 5"/>
+          <p:cNvSpPr/>
+          <p:nvPr/>
+        </p:nvSpPr>
+        <p:spPr>
+          <a:xfrm>
+            <a:off x="9816083" y="262127"/>
+            <a:ext cx="1976627" cy="822960"/>
+          </a:xfrm>
+          <a:prstGeom prst="rect">
+            <a:avLst/>
+          </a:prstGeom>
+          <a:blipFill>
+            <a:blip r:embed="rId3" cstate="print"/>
+            <a:stretch>
+              <a:fillRect/>
+            </a:stretch>
+          </a:blipFill>
+        </p:spPr>
+        <p:txBody>
+          <a:bodyPr wrap="square" lIns="0" tIns="0" rIns="0" bIns="0" rtlCol="0"/>
+          <a:lstStyle/>
+          <a:p>
+            <a:endParaRPr/>
+          </a:p>
+        </p:txBody>
+      </p:sp>
+      <p:sp>
+        <p:nvSpPr>
+          <p:cNvPr id="7" name="TextBox 6">
+            <a:extLst>
+              <a:ext uri="{FF2B5EF4-FFF2-40B4-BE49-F238E27FC236}">
+                <a16:creationId xmlns:a16="http://schemas.microsoft.com/office/drawing/2014/main" id="{C2428796-F632-00B4-E484-CA738D260150}"/>
+              </a:ext>
+            </a:extLst>
+          </p:cNvPr>
+          <p:cNvSpPr txBox="1"/>
+          <p:nvPr/>
+        </p:nvSpPr>
+        <p:spPr>
+          <a:xfrm>
+            <a:off x="685800" y="4323186"/>
+            <a:ext cx="7086600" cy="707886"/>
+          </a:xfrm>
+          <a:prstGeom prst="rect">
+            <a:avLst/>
+          </a:prstGeom>
+          <a:noFill/>
+        </p:spPr>
+        <p:txBody>
+          <a:bodyPr wrap="square" rtlCol="0">
+            <a:spAutoFit/>
+          </a:bodyPr>
+          <a:lstStyle/>
+          <a:p>
+            <a:endParaRPr lang="en-IN" sz="4000" dirty="0">
+              <a:solidFill>
+                <a:schemeClr val="bg1"/>
+              </a:solidFill>
+            </a:endParaRPr>
+          </a:p>
+        </p:txBody>
+      </p:sp>
+    </p:spTree>
+    <p:extLst>
+      <p:ext uri="{BB962C8B-B14F-4D97-AF65-F5344CB8AC3E}">
+        <p14:creationId xmlns:p14="http://schemas.microsoft.com/office/powerpoint/2010/main" val="3262975767"/>
       </p:ext>
     </p:extLst>
   </p:cSld>

--- a/JS.pptx
+++ b/JS.pptx
@@ -32,7 +32,19 @@
     <p:sldId id="405" r:id="rId26"/>
     <p:sldId id="406" r:id="rId27"/>
     <p:sldId id="407" r:id="rId28"/>
-    <p:sldId id="402" r:id="rId29"/>
+    <p:sldId id="408" r:id="rId29"/>
+    <p:sldId id="409" r:id="rId30"/>
+    <p:sldId id="410" r:id="rId31"/>
+    <p:sldId id="412" r:id="rId32"/>
+    <p:sldId id="413" r:id="rId33"/>
+    <p:sldId id="414" r:id="rId34"/>
+    <p:sldId id="415" r:id="rId35"/>
+    <p:sldId id="416" r:id="rId36"/>
+    <p:sldId id="417" r:id="rId37"/>
+    <p:sldId id="418" r:id="rId38"/>
+    <p:sldId id="419" r:id="rId39"/>
+    <p:sldId id="420" r:id="rId40"/>
+    <p:sldId id="421" r:id="rId41"/>
   </p:sldIdLst>
   <p:sldSz cx="12192000" cy="6858000"/>
   <p:notesSz cx="12192000" cy="6858000"/>
@@ -289,7 +301,7 @@
           <a:p>
             <a:fld id="{1D8BD707-D9CF-40AE-B4C6-C98DA3205C09}" type="datetimeFigureOut">
               <a:rPr lang="en-US"/>
-              <a:t>11/6/2023</a:t>
+              <a:t>11/28/2023</a:t>
             </a:fld>
             <a:endParaRPr lang="en-US"/>
           </a:p>
@@ -466,7 +478,7 @@
           <a:p>
             <a:fld id="{1D8BD707-D9CF-40AE-B4C6-C98DA3205C09}" type="datetimeFigureOut">
               <a:rPr lang="en-US"/>
-              <a:t>11/6/2023</a:t>
+              <a:t>11/28/2023</a:t>
             </a:fld>
             <a:endParaRPr lang="en-US"/>
           </a:p>
@@ -680,7 +692,7 @@
           <a:p>
             <a:fld id="{1D8BD707-D9CF-40AE-B4C6-C98DA3205C09}" type="datetimeFigureOut">
               <a:rPr lang="en-US"/>
-              <a:t>11/6/2023</a:t>
+              <a:t>11/28/2023</a:t>
             </a:fld>
             <a:endParaRPr lang="en-US"/>
           </a:p>
@@ -828,7 +840,7 @@
           <a:p>
             <a:fld id="{1D8BD707-D9CF-40AE-B4C6-C98DA3205C09}" type="datetimeFigureOut">
               <a:rPr lang="en-US"/>
-              <a:t>11/6/2023</a:t>
+              <a:t>11/28/2023</a:t>
             </a:fld>
             <a:endParaRPr lang="en-US"/>
           </a:p>
@@ -955,7 +967,7 @@
           <a:p>
             <a:fld id="{1D8BD707-D9CF-40AE-B4C6-C98DA3205C09}" type="datetimeFigureOut">
               <a:rPr lang="en-US"/>
-              <a:t>11/6/2023</a:t>
+              <a:t>11/28/2023</a:t>
             </a:fld>
             <a:endParaRPr lang="en-US"/>
           </a:p>
@@ -1209,7 +1221,7 @@
           <a:p>
             <a:fld id="{1D8BD707-D9CF-40AE-B4C6-C98DA3205C09}" type="datetimeFigureOut">
               <a:rPr lang="en-US"/>
-              <a:t>11/6/2023</a:t>
+              <a:t>11/28/2023</a:t>
             </a:fld>
             <a:endParaRPr lang="en-US"/>
           </a:p>
@@ -9725,7 +9737,7 @@
                 <a:cs typeface="Times New Roman" panose="02020603050405020304" pitchFamily="18" charset="0"/>
                 <a:sym typeface="Wingdings" panose="05000000000000000000" pitchFamily="2" charset="2"/>
               </a:rPr>
-              <a:t>	function b(){ </a:t>
+              <a:t>	function b(){</a:t>
             </a:r>
           </a:p>
           <a:p>
@@ -10011,7 +10023,7 @@
         <p:spPr>
           <a:xfrm>
             <a:off x="685800" y="990600"/>
-            <a:ext cx="11429999" cy="4805803"/>
+            <a:ext cx="11429999" cy="5803512"/>
           </a:xfrm>
           <a:prstGeom prst="rect">
             <a:avLst/>
@@ -10220,21 +10232,23 @@
                 <a:cs typeface="Times New Roman" panose="02020603050405020304" pitchFamily="18" charset="0"/>
                 <a:sym typeface="Wingdings" panose="05000000000000000000" pitchFamily="2" charset="2"/>
               </a:rPr>
-              <a:t>here b is callback function if invoked inside </a:t>
-            </a:r>
-            <a:r>
-              <a:rPr lang="en-US" sz="3200" kern="0">
+              <a:t>here b is callback function if invoked inside the function.</a:t>
+            </a:r>
+          </a:p>
+          <a:p>
+            <a:pPr marL="12700">
+              <a:spcBef>
+                <a:spcPts val="95"/>
+              </a:spcBef>
+            </a:pPr>
+            <a:r>
+              <a:rPr lang="en-US" sz="3200" kern="0" dirty="0">
                 <a:latin typeface="+mj-lt"/>
                 <a:cs typeface="Times New Roman" panose="02020603050405020304" pitchFamily="18" charset="0"/>
                 <a:sym typeface="Wingdings" panose="05000000000000000000" pitchFamily="2" charset="2"/>
               </a:rPr>
-              <a:t>the function.</a:t>
-            </a:r>
-            <a:endParaRPr lang="en-US" sz="3200" kern="0" dirty="0">
-              <a:latin typeface="+mj-lt"/>
-              <a:cs typeface="Times New Roman" panose="02020603050405020304" pitchFamily="18" charset="0"/>
-              <a:sym typeface="Wingdings" panose="05000000000000000000" pitchFamily="2" charset="2"/>
-            </a:endParaRPr>
+              <a:t>Task: Make a calculate function in which the all mathematical calculations (+,-,/,%,*) is done inside the callback function.</a:t>
+            </a:r>
           </a:p>
         </p:txBody>
       </p:sp>
@@ -10363,7 +10377,7 @@
         </p:nvSpPr>
         <p:spPr>
           <a:xfrm>
-            <a:off x="762000" y="457200"/>
+            <a:off x="685800" y="457200"/>
             <a:ext cx="8967115" cy="535403"/>
           </a:xfrm>
           <a:prstGeom prst="rect">
@@ -10384,6 +10398,13 @@
                 <a:spcPts val="95"/>
               </a:spcBef>
             </a:pPr>
+            <a:r>
+              <a:rPr lang="en-US" sz="3400" dirty="0">
+                <a:latin typeface="Carlito"/>
+                <a:cs typeface="Carlito"/>
+              </a:rPr>
+              <a:t>Practical JS Methods</a:t>
+            </a:r>
             <a:endParaRPr sz="3400" dirty="0">
               <a:latin typeface="Carlito"/>
               <a:cs typeface="Carlito"/>
@@ -10417,6 +10438,151 @@
           <a:lstStyle/>
           <a:p>
             <a:endParaRPr/>
+          </a:p>
+        </p:txBody>
+      </p:sp>
+      <p:sp>
+        <p:nvSpPr>
+          <p:cNvPr id="4" name="object 3">
+            <a:extLst>
+              <a:ext uri="{FF2B5EF4-FFF2-40B4-BE49-F238E27FC236}">
+                <a16:creationId xmlns:a16="http://schemas.microsoft.com/office/drawing/2014/main" id="{1ED9D45B-4B0D-FC76-3A8C-E89F6CD72254}"/>
+              </a:ext>
+            </a:extLst>
+          </p:cNvPr>
+          <p:cNvSpPr txBox="1">
+            <a:spLocks/>
+          </p:cNvSpPr>
+          <p:nvPr/>
+        </p:nvSpPr>
+        <p:spPr>
+          <a:xfrm>
+            <a:off x="685800" y="990600"/>
+            <a:ext cx="11429999" cy="3990195"/>
+          </a:xfrm>
+          <a:prstGeom prst="rect">
+            <a:avLst/>
+          </a:prstGeom>
+        </p:spPr>
+        <p:txBody>
+          <a:bodyPr vert="horz" wrap="square" lIns="0" tIns="12065" rIns="0" bIns="0" rtlCol="0">
+            <a:spAutoFit/>
+          </a:bodyPr>
+          <a:lstStyle>
+            <a:lvl1pPr>
+              <a:defRPr sz="6000" b="0" i="0">
+                <a:solidFill>
+                  <a:srgbClr val="E7E6E6"/>
+                </a:solidFill>
+                <a:latin typeface="Trebuchet MS"/>
+                <a:ea typeface="+mj-ea"/>
+                <a:cs typeface="Trebuchet MS"/>
+              </a:defRPr>
+            </a:lvl1pPr>
+          </a:lstStyle>
+          <a:p>
+            <a:pPr marL="527050" indent="-514350">
+              <a:spcBef>
+                <a:spcPts val="95"/>
+              </a:spcBef>
+              <a:buAutoNum type="arabicPeriod"/>
+            </a:pPr>
+            <a:r>
+              <a:rPr lang="en-US" sz="3200" kern="0" dirty="0" err="1">
+                <a:latin typeface="Carlito"/>
+                <a:cs typeface="Times New Roman" panose="02020603050405020304" pitchFamily="18" charset="0"/>
+                <a:sym typeface="Wingdings" panose="05000000000000000000" pitchFamily="2" charset="2"/>
+              </a:rPr>
+              <a:t>forEach</a:t>
+            </a:r>
+            <a:r>
+              <a:rPr lang="en-US" sz="3200" kern="0" dirty="0">
+                <a:latin typeface="Carlito"/>
+                <a:cs typeface="Times New Roman" panose="02020603050405020304" pitchFamily="18" charset="0"/>
+                <a:sym typeface="Wingdings" panose="05000000000000000000" pitchFamily="2" charset="2"/>
+              </a:rPr>
+              <a:t>() : it accepts a callback function and iterate through a list of arrays.</a:t>
+            </a:r>
+          </a:p>
+          <a:p>
+            <a:pPr marL="527050" indent="-514350">
+              <a:spcBef>
+                <a:spcPts val="95"/>
+              </a:spcBef>
+              <a:buAutoNum type="arabicPeriod"/>
+            </a:pPr>
+            <a:r>
+              <a:rPr lang="en-US" sz="3200" kern="0" dirty="0">
+                <a:latin typeface="Carlito"/>
+                <a:cs typeface="Times New Roman" panose="02020603050405020304" pitchFamily="18" charset="0"/>
+                <a:sym typeface="Wingdings" panose="05000000000000000000" pitchFamily="2" charset="2"/>
+              </a:rPr>
+              <a:t>map()  : it accepts a callback function and can return a array with different value as specified by us.</a:t>
+            </a:r>
+          </a:p>
+          <a:p>
+            <a:pPr marL="527050" indent="-514350">
+              <a:spcBef>
+                <a:spcPts val="95"/>
+              </a:spcBef>
+              <a:buAutoNum type="arabicPeriod"/>
+            </a:pPr>
+            <a:r>
+              <a:rPr lang="en-US" sz="3200" kern="0" dirty="0">
+                <a:latin typeface="+mj-lt"/>
+                <a:cs typeface="Times New Roman" panose="02020603050405020304" pitchFamily="18" charset="0"/>
+                <a:sym typeface="Wingdings" panose="05000000000000000000" pitchFamily="2" charset="2"/>
+              </a:rPr>
+              <a:t>filter() : it also accepts a callback function and returns a truthy or </a:t>
+            </a:r>
+            <a:r>
+              <a:rPr lang="en-US" sz="3200" kern="0" dirty="0" err="1">
+                <a:latin typeface="+mj-lt"/>
+                <a:cs typeface="Times New Roman" panose="02020603050405020304" pitchFamily="18" charset="0"/>
+                <a:sym typeface="Wingdings" panose="05000000000000000000" pitchFamily="2" charset="2"/>
+              </a:rPr>
+              <a:t>falsy</a:t>
+            </a:r>
+            <a:r>
+              <a:rPr lang="en-US" sz="3200" kern="0" dirty="0">
+                <a:latin typeface="+mj-lt"/>
+                <a:cs typeface="Times New Roman" panose="02020603050405020304" pitchFamily="18" charset="0"/>
+                <a:sym typeface="Wingdings" panose="05000000000000000000" pitchFamily="2" charset="2"/>
+              </a:rPr>
+              <a:t> values.</a:t>
+            </a:r>
+          </a:p>
+          <a:p>
+            <a:pPr marL="527050" indent="-514350">
+              <a:spcBef>
+                <a:spcPts val="95"/>
+              </a:spcBef>
+              <a:buAutoNum type="arabicPeriod"/>
+            </a:pPr>
+            <a:r>
+              <a:rPr lang="en-US" sz="3200" kern="0" dirty="0">
+                <a:latin typeface="+mj-lt"/>
+                <a:cs typeface="Times New Roman" panose="02020603050405020304" pitchFamily="18" charset="0"/>
+                <a:sym typeface="Wingdings" panose="05000000000000000000" pitchFamily="2" charset="2"/>
+              </a:rPr>
+              <a:t>sort() : Lexicographically sorted by default , then we can pass a callback function and change it’s properties like in </a:t>
+            </a:r>
+            <a:r>
+              <a:rPr lang="en-US" sz="3200" kern="0" dirty="0" err="1">
+                <a:latin typeface="+mj-lt"/>
+                <a:cs typeface="Times New Roman" panose="02020603050405020304" pitchFamily="18" charset="0"/>
+                <a:sym typeface="Wingdings" panose="05000000000000000000" pitchFamily="2" charset="2"/>
+              </a:rPr>
+              <a:t>compareTo</a:t>
+            </a:r>
+            <a:r>
+              <a:rPr lang="en-US" sz="3200" kern="0" dirty="0">
+                <a:latin typeface="+mj-lt"/>
+                <a:cs typeface="Times New Roman" panose="02020603050405020304" pitchFamily="18" charset="0"/>
+                <a:sym typeface="Wingdings" panose="05000000000000000000" pitchFamily="2" charset="2"/>
+              </a:rPr>
+              <a:t>.</a:t>
+            </a:r>
           </a:p>
         </p:txBody>
       </p:sp>
@@ -10459,7 +10625,392 @@
     </p:spTree>
     <p:extLst>
       <p:ext uri="{BB962C8B-B14F-4D97-AF65-F5344CB8AC3E}">
-        <p14:creationId xmlns:p14="http://schemas.microsoft.com/office/powerpoint/2010/main" val="3262975767"/>
+        <p14:creationId xmlns:p14="http://schemas.microsoft.com/office/powerpoint/2010/main" val="2308469713"/>
+      </p:ext>
+    </p:extLst>
+  </p:cSld>
+  <p:clrMapOvr>
+    <a:masterClrMapping/>
+  </p:clrMapOvr>
+</p:sld>
+</file>
+
+<file path=ppt/slides/slide29.xml><?xml version="1.0" encoding="utf-8"?>
+<p:sld xmlns:a="http://schemas.openxmlformats.org/drawingml/2006/main" xmlns:r="http://schemas.openxmlformats.org/officeDocument/2006/relationships" xmlns:p="http://schemas.openxmlformats.org/presentationml/2006/main">
+  <p:cSld>
+    <p:spTree>
+      <p:nvGrpSpPr>
+        <p:cNvPr id="1" name=""/>
+        <p:cNvGrpSpPr/>
+        <p:nvPr/>
+      </p:nvGrpSpPr>
+      <p:grpSpPr>
+        <a:xfrm>
+          <a:off x="0" y="0"/>
+          <a:ext cx="0" cy="0"/>
+          <a:chOff x="0" y="0"/>
+          <a:chExt cx="0" cy="0"/>
+        </a:xfrm>
+      </p:grpSpPr>
+      <p:sp>
+        <p:nvSpPr>
+          <p:cNvPr id="2" name="object 2"/>
+          <p:cNvSpPr/>
+          <p:nvPr/>
+        </p:nvSpPr>
+        <p:spPr>
+          <a:xfrm>
+            <a:off x="1" y="44199"/>
+            <a:ext cx="12191999" cy="7118601"/>
+          </a:xfrm>
+          <a:prstGeom prst="rect">
+            <a:avLst/>
+          </a:prstGeom>
+          <a:blipFill>
+            <a:blip r:embed="rId2" cstate="print"/>
+            <a:stretch>
+              <a:fillRect/>
+            </a:stretch>
+          </a:blipFill>
+        </p:spPr>
+        <p:txBody>
+          <a:bodyPr wrap="square" lIns="0" tIns="0" rIns="0" bIns="0" rtlCol="0"/>
+          <a:lstStyle/>
+          <a:p>
+            <a:endParaRPr b="1" dirty="0">
+              <a:ln w="13462">
+                <a:solidFill>
+                  <a:schemeClr val="bg1"/>
+                </a:solidFill>
+                <a:prstDash val="solid"/>
+              </a:ln>
+              <a:solidFill>
+                <a:schemeClr val="tx1">
+                  <a:lumMod val="85000"/>
+                  <a:lumOff val="15000"/>
+                </a:schemeClr>
+              </a:solidFill>
+              <a:effectLst>
+                <a:outerShdw dist="38100" dir="2700000" algn="bl" rotWithShape="0">
+                  <a:schemeClr val="accent5"/>
+                </a:outerShdw>
+              </a:effectLst>
+            </a:endParaRPr>
+          </a:p>
+        </p:txBody>
+      </p:sp>
+      <p:sp>
+        <p:nvSpPr>
+          <p:cNvPr id="3" name="object 3"/>
+          <p:cNvSpPr txBox="1">
+            <a:spLocks noGrp="1"/>
+          </p:cNvSpPr>
+          <p:nvPr>
+            <p:ph type="title"/>
+          </p:nvPr>
+        </p:nvSpPr>
+        <p:spPr>
+          <a:xfrm>
+            <a:off x="685800" y="457200"/>
+            <a:ext cx="8967115" cy="535403"/>
+          </a:xfrm>
+          <a:prstGeom prst="rect">
+            <a:avLst/>
+          </a:prstGeom>
+        </p:spPr>
+        <p:txBody>
+          <a:bodyPr vert="horz" wrap="square" lIns="0" tIns="12065" rIns="0" bIns="0" rtlCol="0">
+            <a:spAutoFit/>
+          </a:bodyPr>
+          <a:lstStyle/>
+          <a:p>
+            <a:pPr marL="12700">
+              <a:lnSpc>
+                <a:spcPct val="100000"/>
+              </a:lnSpc>
+              <a:spcBef>
+                <a:spcPts val="95"/>
+              </a:spcBef>
+            </a:pPr>
+            <a:r>
+              <a:rPr lang="en-US" sz="3400" dirty="0">
+                <a:latin typeface="Carlito"/>
+                <a:cs typeface="Carlito"/>
+              </a:rPr>
+              <a:t>Closure</a:t>
+            </a:r>
+            <a:endParaRPr sz="3400" dirty="0">
+              <a:latin typeface="Carlito"/>
+              <a:cs typeface="Carlito"/>
+            </a:endParaRPr>
+          </a:p>
+        </p:txBody>
+      </p:sp>
+      <p:sp>
+        <p:nvSpPr>
+          <p:cNvPr id="5" name="object 5"/>
+          <p:cNvSpPr/>
+          <p:nvPr/>
+        </p:nvSpPr>
+        <p:spPr>
+          <a:xfrm>
+            <a:off x="9816083" y="262127"/>
+            <a:ext cx="1976627" cy="822960"/>
+          </a:xfrm>
+          <a:prstGeom prst="rect">
+            <a:avLst/>
+          </a:prstGeom>
+          <a:blipFill>
+            <a:blip r:embed="rId3" cstate="print"/>
+            <a:stretch>
+              <a:fillRect/>
+            </a:stretch>
+          </a:blipFill>
+        </p:spPr>
+        <p:txBody>
+          <a:bodyPr wrap="square" lIns="0" tIns="0" rIns="0" bIns="0" rtlCol="0"/>
+          <a:lstStyle/>
+          <a:p>
+            <a:endParaRPr/>
+          </a:p>
+        </p:txBody>
+      </p:sp>
+      <p:sp>
+        <p:nvSpPr>
+          <p:cNvPr id="4" name="object 3">
+            <a:extLst>
+              <a:ext uri="{FF2B5EF4-FFF2-40B4-BE49-F238E27FC236}">
+                <a16:creationId xmlns:a16="http://schemas.microsoft.com/office/drawing/2014/main" id="{1ED9D45B-4B0D-FC76-3A8C-E89F6CD72254}"/>
+              </a:ext>
+            </a:extLst>
+          </p:cNvPr>
+          <p:cNvSpPr txBox="1">
+            <a:spLocks/>
+          </p:cNvSpPr>
+          <p:nvPr/>
+        </p:nvSpPr>
+        <p:spPr>
+          <a:xfrm>
+            <a:off x="685800" y="990600"/>
+            <a:ext cx="11429999" cy="4757071"/>
+          </a:xfrm>
+          <a:prstGeom prst="rect">
+            <a:avLst/>
+          </a:prstGeom>
+        </p:spPr>
+        <p:txBody>
+          <a:bodyPr vert="horz" wrap="square" lIns="0" tIns="12065" rIns="0" bIns="0" rtlCol="0">
+            <a:spAutoFit/>
+          </a:bodyPr>
+          <a:lstStyle>
+            <a:lvl1pPr>
+              <a:defRPr sz="6000" b="0" i="0">
+                <a:solidFill>
+                  <a:srgbClr val="E7E6E6"/>
+                </a:solidFill>
+                <a:latin typeface="Trebuchet MS"/>
+                <a:ea typeface="+mj-ea"/>
+                <a:cs typeface="Trebuchet MS"/>
+              </a:defRPr>
+            </a:lvl1pPr>
+          </a:lstStyle>
+          <a:p>
+            <a:pPr marL="12700">
+              <a:spcBef>
+                <a:spcPts val="95"/>
+              </a:spcBef>
+            </a:pPr>
+            <a:r>
+              <a:rPr lang="en-US" sz="3200" kern="0" dirty="0">
+                <a:latin typeface="+mj-lt"/>
+                <a:cs typeface="Times New Roman" panose="02020603050405020304" pitchFamily="18" charset="0"/>
+                <a:sym typeface="Wingdings" panose="05000000000000000000" pitchFamily="2" charset="2"/>
+              </a:rPr>
+              <a:t>Function bundled along with the reference to its lexical env.</a:t>
+            </a:r>
+          </a:p>
+          <a:p>
+            <a:pPr marL="12700">
+              <a:spcBef>
+                <a:spcPts val="95"/>
+              </a:spcBef>
+            </a:pPr>
+            <a:endParaRPr lang="en-US" sz="2400" kern="0" dirty="0">
+              <a:latin typeface="Consolas" panose="020B0609020204030204" pitchFamily="49" charset="0"/>
+              <a:cs typeface="Times New Roman" panose="02020603050405020304" pitchFamily="18" charset="0"/>
+              <a:sym typeface="Wingdings" panose="05000000000000000000" pitchFamily="2" charset="2"/>
+            </a:endParaRPr>
+          </a:p>
+          <a:p>
+            <a:pPr marL="12700">
+              <a:spcBef>
+                <a:spcPts val="95"/>
+              </a:spcBef>
+            </a:pPr>
+            <a:r>
+              <a:rPr lang="en-US" sz="2400" kern="0" dirty="0">
+                <a:latin typeface="Consolas" panose="020B0609020204030204" pitchFamily="49" charset="0"/>
+                <a:cs typeface="Times New Roman" panose="02020603050405020304" pitchFamily="18" charset="0"/>
+                <a:sym typeface="Wingdings" panose="05000000000000000000" pitchFamily="2" charset="2"/>
+              </a:rPr>
+              <a:t>function anything(){</a:t>
+            </a:r>
+          </a:p>
+          <a:p>
+            <a:pPr marL="12700">
+              <a:spcBef>
+                <a:spcPts val="95"/>
+              </a:spcBef>
+            </a:pPr>
+            <a:r>
+              <a:rPr lang="en-US" sz="2400" kern="0" dirty="0">
+                <a:latin typeface="Consolas" panose="020B0609020204030204" pitchFamily="49" charset="0"/>
+                <a:cs typeface="Times New Roman" panose="02020603050405020304" pitchFamily="18" charset="0"/>
+                <a:sym typeface="Wingdings" panose="05000000000000000000" pitchFamily="2" charset="2"/>
+              </a:rPr>
+              <a:t>	let name = ‘x’;</a:t>
+            </a:r>
+          </a:p>
+          <a:p>
+            <a:pPr marL="12700">
+              <a:spcBef>
+                <a:spcPts val="95"/>
+              </a:spcBef>
+            </a:pPr>
+            <a:r>
+              <a:rPr lang="en-US" sz="2400" kern="0" dirty="0">
+                <a:latin typeface="Consolas" panose="020B0609020204030204" pitchFamily="49" charset="0"/>
+                <a:cs typeface="Times New Roman" panose="02020603050405020304" pitchFamily="18" charset="0"/>
+                <a:sym typeface="Wingdings" panose="05000000000000000000" pitchFamily="2" charset="2"/>
+              </a:rPr>
+              <a:t>	function </a:t>
+            </a:r>
+            <a:r>
+              <a:rPr lang="en-US" sz="2400" kern="0" dirty="0" err="1">
+                <a:latin typeface="Consolas" panose="020B0609020204030204" pitchFamily="49" charset="0"/>
+                <a:cs typeface="Times New Roman" panose="02020603050405020304" pitchFamily="18" charset="0"/>
+                <a:sym typeface="Wingdings" panose="05000000000000000000" pitchFamily="2" charset="2"/>
+              </a:rPr>
+              <a:t>printName</a:t>
+            </a:r>
+            <a:r>
+              <a:rPr lang="en-US" sz="2400" kern="0" dirty="0">
+                <a:latin typeface="Consolas" panose="020B0609020204030204" pitchFamily="49" charset="0"/>
+                <a:cs typeface="Times New Roman" panose="02020603050405020304" pitchFamily="18" charset="0"/>
+                <a:sym typeface="Wingdings" panose="05000000000000000000" pitchFamily="2" charset="2"/>
+              </a:rPr>
+              <a:t>(){</a:t>
+            </a:r>
+          </a:p>
+          <a:p>
+            <a:pPr marL="12700">
+              <a:spcBef>
+                <a:spcPts val="95"/>
+              </a:spcBef>
+            </a:pPr>
+            <a:r>
+              <a:rPr lang="en-US" sz="2400" kern="0" dirty="0">
+                <a:latin typeface="Consolas" panose="020B0609020204030204" pitchFamily="49" charset="0"/>
+                <a:cs typeface="Times New Roman" panose="02020603050405020304" pitchFamily="18" charset="0"/>
+                <a:sym typeface="Wingdings" panose="05000000000000000000" pitchFamily="2" charset="2"/>
+              </a:rPr>
+              <a:t>		 log(name);</a:t>
+            </a:r>
+          </a:p>
+          <a:p>
+            <a:pPr marL="12700">
+              <a:spcBef>
+                <a:spcPts val="95"/>
+              </a:spcBef>
+            </a:pPr>
+            <a:r>
+              <a:rPr lang="en-US" sz="2400" kern="0" dirty="0">
+                <a:latin typeface="Consolas" panose="020B0609020204030204" pitchFamily="49" charset="0"/>
+                <a:cs typeface="Times New Roman" panose="02020603050405020304" pitchFamily="18" charset="0"/>
+                <a:sym typeface="Wingdings" panose="05000000000000000000" pitchFamily="2" charset="2"/>
+              </a:rPr>
+              <a:t>	}</a:t>
+            </a:r>
+          </a:p>
+          <a:p>
+            <a:pPr marL="12700">
+              <a:spcBef>
+                <a:spcPts val="95"/>
+              </a:spcBef>
+            </a:pPr>
+            <a:r>
+              <a:rPr lang="en-US" sz="2400" kern="0" dirty="0">
+                <a:latin typeface="Consolas" panose="020B0609020204030204" pitchFamily="49" charset="0"/>
+                <a:cs typeface="Times New Roman" panose="02020603050405020304" pitchFamily="18" charset="0"/>
+                <a:sym typeface="Wingdings" panose="05000000000000000000" pitchFamily="2" charset="2"/>
+              </a:rPr>
+              <a:t>	return </a:t>
+            </a:r>
+            <a:r>
+              <a:rPr lang="en-US" sz="2400" kern="0" dirty="0" err="1">
+                <a:latin typeface="Consolas" panose="020B0609020204030204" pitchFamily="49" charset="0"/>
+                <a:cs typeface="Times New Roman" panose="02020603050405020304" pitchFamily="18" charset="0"/>
+                <a:sym typeface="Wingdings" panose="05000000000000000000" pitchFamily="2" charset="2"/>
+              </a:rPr>
+              <a:t>printName</a:t>
+            </a:r>
+            <a:r>
+              <a:rPr lang="en-US" sz="2400" kern="0" dirty="0">
+                <a:latin typeface="Consolas" panose="020B0609020204030204" pitchFamily="49" charset="0"/>
+                <a:cs typeface="Times New Roman" panose="02020603050405020304" pitchFamily="18" charset="0"/>
+                <a:sym typeface="Wingdings" panose="05000000000000000000" pitchFamily="2" charset="2"/>
+              </a:rPr>
+              <a:t>();</a:t>
+            </a:r>
+          </a:p>
+          <a:p>
+            <a:pPr marL="12700">
+              <a:spcBef>
+                <a:spcPts val="95"/>
+              </a:spcBef>
+            </a:pPr>
+            <a:r>
+              <a:rPr lang="en-US" sz="2400" kern="0" dirty="0">
+                <a:latin typeface="Consolas" panose="020B0609020204030204" pitchFamily="49" charset="0"/>
+                <a:cs typeface="Times New Roman" panose="02020603050405020304" pitchFamily="18" charset="0"/>
+                <a:sym typeface="Wingdings" panose="05000000000000000000" pitchFamily="2" charset="2"/>
+              </a:rPr>
+              <a:t>}</a:t>
+            </a:r>
+          </a:p>
+          <a:p>
+            <a:pPr marL="12700">
+              <a:spcBef>
+                <a:spcPts val="95"/>
+              </a:spcBef>
+            </a:pPr>
+            <a:r>
+              <a:rPr lang="en-US" sz="2400" kern="0" dirty="0">
+                <a:latin typeface="Consolas" panose="020B0609020204030204" pitchFamily="49" charset="0"/>
+                <a:cs typeface="Times New Roman" panose="02020603050405020304" pitchFamily="18" charset="0"/>
+                <a:sym typeface="Wingdings" panose="05000000000000000000" pitchFamily="2" charset="2"/>
+              </a:rPr>
+              <a:t>let a = anything();//here ‘a’ will have everything including name variable ‘name’ inside it.</a:t>
+            </a:r>
+          </a:p>
+          <a:p>
+            <a:pPr marL="12700">
+              <a:spcBef>
+                <a:spcPts val="95"/>
+              </a:spcBef>
+            </a:pPr>
+            <a:endParaRPr lang="en-US" sz="2800" kern="0" dirty="0">
+              <a:latin typeface="+mj-lt"/>
+              <a:cs typeface="Times New Roman" panose="02020603050405020304" pitchFamily="18" charset="0"/>
+              <a:sym typeface="Wingdings" panose="05000000000000000000" pitchFamily="2" charset="2"/>
+            </a:endParaRPr>
+          </a:p>
+        </p:txBody>
+      </p:sp>
+    </p:spTree>
+    <p:extLst>
+      <p:ext uri="{BB962C8B-B14F-4D97-AF65-F5344CB8AC3E}">
+        <p14:creationId xmlns:p14="http://schemas.microsoft.com/office/powerpoint/2010/main" val="4015286804"/>
       </p:ext>
     </p:extLst>
   </p:cSld>
@@ -10871,6 +11422,4890 @@
 </p:sld>
 </file>
 
+<file path=ppt/slides/slide30.xml><?xml version="1.0" encoding="utf-8"?>
+<p:sld xmlns:a="http://schemas.openxmlformats.org/drawingml/2006/main" xmlns:r="http://schemas.openxmlformats.org/officeDocument/2006/relationships" xmlns:p="http://schemas.openxmlformats.org/presentationml/2006/main">
+  <p:cSld>
+    <p:spTree>
+      <p:nvGrpSpPr>
+        <p:cNvPr id="1" name=""/>
+        <p:cNvGrpSpPr/>
+        <p:nvPr/>
+      </p:nvGrpSpPr>
+      <p:grpSpPr>
+        <a:xfrm>
+          <a:off x="0" y="0"/>
+          <a:ext cx="0" cy="0"/>
+          <a:chOff x="0" y="0"/>
+          <a:chExt cx="0" cy="0"/>
+        </a:xfrm>
+      </p:grpSpPr>
+      <p:sp>
+        <p:nvSpPr>
+          <p:cNvPr id="2" name="object 2"/>
+          <p:cNvSpPr/>
+          <p:nvPr/>
+        </p:nvSpPr>
+        <p:spPr>
+          <a:xfrm>
+            <a:off x="1" y="44199"/>
+            <a:ext cx="12191999" cy="7118601"/>
+          </a:xfrm>
+          <a:prstGeom prst="rect">
+            <a:avLst/>
+          </a:prstGeom>
+          <a:blipFill>
+            <a:blip r:embed="rId2" cstate="print"/>
+            <a:stretch>
+              <a:fillRect/>
+            </a:stretch>
+          </a:blipFill>
+        </p:spPr>
+        <p:txBody>
+          <a:bodyPr wrap="square" lIns="0" tIns="0" rIns="0" bIns="0" rtlCol="0"/>
+          <a:lstStyle/>
+          <a:p>
+            <a:endParaRPr b="1" dirty="0">
+              <a:ln w="13462">
+                <a:solidFill>
+                  <a:schemeClr val="bg1"/>
+                </a:solidFill>
+                <a:prstDash val="solid"/>
+              </a:ln>
+              <a:solidFill>
+                <a:schemeClr val="tx1">
+                  <a:lumMod val="85000"/>
+                  <a:lumOff val="15000"/>
+                </a:schemeClr>
+              </a:solidFill>
+              <a:effectLst>
+                <a:outerShdw dist="38100" dir="2700000" algn="bl" rotWithShape="0">
+                  <a:schemeClr val="accent5"/>
+                </a:outerShdw>
+              </a:effectLst>
+            </a:endParaRPr>
+          </a:p>
+        </p:txBody>
+      </p:sp>
+      <p:sp>
+        <p:nvSpPr>
+          <p:cNvPr id="3" name="object 3"/>
+          <p:cNvSpPr txBox="1">
+            <a:spLocks noGrp="1"/>
+          </p:cNvSpPr>
+          <p:nvPr>
+            <p:ph type="title"/>
+          </p:nvPr>
+        </p:nvSpPr>
+        <p:spPr>
+          <a:xfrm>
+            <a:off x="685800" y="457200"/>
+            <a:ext cx="8967115" cy="535403"/>
+          </a:xfrm>
+          <a:prstGeom prst="rect">
+            <a:avLst/>
+          </a:prstGeom>
+        </p:spPr>
+        <p:txBody>
+          <a:bodyPr vert="horz" wrap="square" lIns="0" tIns="12065" rIns="0" bIns="0" rtlCol="0">
+            <a:spAutoFit/>
+          </a:bodyPr>
+          <a:lstStyle/>
+          <a:p>
+            <a:pPr marL="12700">
+              <a:lnSpc>
+                <a:spcPct val="100000"/>
+              </a:lnSpc>
+              <a:spcBef>
+                <a:spcPts val="95"/>
+              </a:spcBef>
+            </a:pPr>
+            <a:r>
+              <a:rPr lang="en-US" sz="3400" dirty="0">
+                <a:latin typeface="Carlito"/>
+                <a:cs typeface="Carlito"/>
+              </a:rPr>
+              <a:t>Prototype</a:t>
+            </a:r>
+            <a:endParaRPr sz="3400" dirty="0">
+              <a:latin typeface="Carlito"/>
+              <a:cs typeface="Carlito"/>
+            </a:endParaRPr>
+          </a:p>
+        </p:txBody>
+      </p:sp>
+      <p:sp>
+        <p:nvSpPr>
+          <p:cNvPr id="5" name="object 5"/>
+          <p:cNvSpPr/>
+          <p:nvPr/>
+        </p:nvSpPr>
+        <p:spPr>
+          <a:xfrm>
+            <a:off x="9816083" y="262127"/>
+            <a:ext cx="1976627" cy="822960"/>
+          </a:xfrm>
+          <a:prstGeom prst="rect">
+            <a:avLst/>
+          </a:prstGeom>
+          <a:blipFill>
+            <a:blip r:embed="rId3" cstate="print"/>
+            <a:stretch>
+              <a:fillRect/>
+            </a:stretch>
+          </a:blipFill>
+        </p:spPr>
+        <p:txBody>
+          <a:bodyPr wrap="square" lIns="0" tIns="0" rIns="0" bIns="0" rtlCol="0"/>
+          <a:lstStyle/>
+          <a:p>
+            <a:endParaRPr/>
+          </a:p>
+        </p:txBody>
+      </p:sp>
+      <p:sp>
+        <p:nvSpPr>
+          <p:cNvPr id="4" name="object 3">
+            <a:extLst>
+              <a:ext uri="{FF2B5EF4-FFF2-40B4-BE49-F238E27FC236}">
+                <a16:creationId xmlns:a16="http://schemas.microsoft.com/office/drawing/2014/main" id="{1ED9D45B-4B0D-FC76-3A8C-E89F6CD72254}"/>
+              </a:ext>
+            </a:extLst>
+          </p:cNvPr>
+          <p:cNvSpPr txBox="1">
+            <a:spLocks/>
+          </p:cNvSpPr>
+          <p:nvPr/>
+        </p:nvSpPr>
+        <p:spPr>
+          <a:xfrm>
+            <a:off x="685800" y="990600"/>
+            <a:ext cx="11506200" cy="5595763"/>
+          </a:xfrm>
+          <a:prstGeom prst="rect">
+            <a:avLst/>
+          </a:prstGeom>
+        </p:spPr>
+        <p:txBody>
+          <a:bodyPr vert="horz" wrap="square" lIns="0" tIns="12065" rIns="0" bIns="0" rtlCol="0">
+            <a:spAutoFit/>
+          </a:bodyPr>
+          <a:lstStyle>
+            <a:lvl1pPr>
+              <a:defRPr sz="6000" b="0" i="0">
+                <a:solidFill>
+                  <a:srgbClr val="E7E6E6"/>
+                </a:solidFill>
+                <a:latin typeface="Trebuchet MS"/>
+                <a:ea typeface="+mj-ea"/>
+                <a:cs typeface="Trebuchet MS"/>
+              </a:defRPr>
+            </a:lvl1pPr>
+          </a:lstStyle>
+          <a:p>
+            <a:pPr marL="12700">
+              <a:spcBef>
+                <a:spcPts val="95"/>
+              </a:spcBef>
+            </a:pPr>
+            <a:r>
+              <a:rPr lang="en-US" sz="3200" kern="0" dirty="0">
+                <a:latin typeface="+mj-lt"/>
+                <a:cs typeface="Times New Roman" panose="02020603050405020304" pitchFamily="18" charset="0"/>
+                <a:sym typeface="Wingdings" panose="05000000000000000000" pitchFamily="2" charset="2"/>
+              </a:rPr>
+              <a:t>It is an Object which is used as an fallback Source.</a:t>
+            </a:r>
+          </a:p>
+          <a:p>
+            <a:pPr marL="12700">
+              <a:spcBef>
+                <a:spcPts val="95"/>
+              </a:spcBef>
+            </a:pPr>
+            <a:endParaRPr lang="en-US" sz="2800" kern="0" dirty="0">
+              <a:latin typeface="+mj-lt"/>
+              <a:cs typeface="Times New Roman" panose="02020603050405020304" pitchFamily="18" charset="0"/>
+              <a:sym typeface="Wingdings" panose="05000000000000000000" pitchFamily="2" charset="2"/>
+            </a:endParaRPr>
+          </a:p>
+          <a:p>
+            <a:pPr marL="12700">
+              <a:spcBef>
+                <a:spcPts val="95"/>
+              </a:spcBef>
+            </a:pPr>
+            <a:r>
+              <a:rPr lang="en-US" sz="2400" kern="0" dirty="0">
+                <a:latin typeface="Consolas" panose="020B0609020204030204" pitchFamily="49" charset="0"/>
+                <a:cs typeface="Times New Roman" panose="02020603050405020304" pitchFamily="18" charset="0"/>
+                <a:sym typeface="Wingdings" panose="05000000000000000000" pitchFamily="2" charset="2"/>
+              </a:rPr>
+              <a:t>let obj = {</a:t>
+            </a:r>
+          </a:p>
+          <a:p>
+            <a:pPr marL="12700">
+              <a:spcBef>
+                <a:spcPts val="95"/>
+              </a:spcBef>
+            </a:pPr>
+            <a:r>
+              <a:rPr lang="en-US" sz="2400" kern="0" dirty="0">
+                <a:latin typeface="Consolas" panose="020B0609020204030204" pitchFamily="49" charset="0"/>
+                <a:cs typeface="Times New Roman" panose="02020603050405020304" pitchFamily="18" charset="0"/>
+                <a:sym typeface="Wingdings" panose="05000000000000000000" pitchFamily="2" charset="2"/>
+              </a:rPr>
+              <a:t>	title : “buy something”</a:t>
+            </a:r>
+          </a:p>
+          <a:p>
+            <a:pPr marL="12700">
+              <a:spcBef>
+                <a:spcPts val="95"/>
+              </a:spcBef>
+            </a:pPr>
+            <a:r>
+              <a:rPr lang="en-US" sz="2400" kern="0" dirty="0">
+                <a:latin typeface="Consolas" panose="020B0609020204030204" pitchFamily="49" charset="0"/>
+                <a:cs typeface="Times New Roman" panose="02020603050405020304" pitchFamily="18" charset="0"/>
+                <a:sym typeface="Wingdings" panose="05000000000000000000" pitchFamily="2" charset="2"/>
+              </a:rPr>
+              <a:t>	fun : function(){</a:t>
+            </a:r>
+          </a:p>
+          <a:p>
+            <a:pPr marL="12700">
+              <a:spcBef>
+                <a:spcPts val="95"/>
+              </a:spcBef>
+            </a:pPr>
+            <a:r>
+              <a:rPr lang="en-US" sz="2400" kern="0" dirty="0">
+                <a:latin typeface="Consolas" panose="020B0609020204030204" pitchFamily="49" charset="0"/>
+                <a:cs typeface="Times New Roman" panose="02020603050405020304" pitchFamily="18" charset="0"/>
+                <a:sym typeface="Wingdings" panose="05000000000000000000" pitchFamily="2" charset="2"/>
+              </a:rPr>
+              <a:t>		return `buy this ${</a:t>
+            </a:r>
+            <a:r>
+              <a:rPr lang="en-US" sz="2400" kern="0" dirty="0" err="1">
+                <a:latin typeface="Consolas" panose="020B0609020204030204" pitchFamily="49" charset="0"/>
+                <a:cs typeface="Times New Roman" panose="02020603050405020304" pitchFamily="18" charset="0"/>
+                <a:sym typeface="Wingdings" panose="05000000000000000000" pitchFamily="2" charset="2"/>
+              </a:rPr>
+              <a:t>this.title</a:t>
+            </a:r>
+            <a:r>
+              <a:rPr lang="en-US" sz="2400" kern="0" dirty="0">
+                <a:latin typeface="Consolas" panose="020B0609020204030204" pitchFamily="49" charset="0"/>
+                <a:cs typeface="Times New Roman" panose="02020603050405020304" pitchFamily="18" charset="0"/>
+                <a:sym typeface="Wingdings" panose="05000000000000000000" pitchFamily="2" charset="2"/>
+              </a:rPr>
+              <a:t>}`;</a:t>
+            </a:r>
+          </a:p>
+          <a:p>
+            <a:pPr marL="12700">
+              <a:spcBef>
+                <a:spcPts val="95"/>
+              </a:spcBef>
+            </a:pPr>
+            <a:r>
+              <a:rPr lang="en-US" sz="2400" kern="0" dirty="0">
+                <a:latin typeface="Consolas" panose="020B0609020204030204" pitchFamily="49" charset="0"/>
+                <a:cs typeface="Times New Roman" panose="02020603050405020304" pitchFamily="18" charset="0"/>
+                <a:sym typeface="Wingdings" panose="05000000000000000000" pitchFamily="2" charset="2"/>
+              </a:rPr>
+              <a:t>	}</a:t>
+            </a:r>
+          </a:p>
+          <a:p>
+            <a:pPr marL="12700">
+              <a:spcBef>
+                <a:spcPts val="95"/>
+              </a:spcBef>
+            </a:pPr>
+            <a:r>
+              <a:rPr lang="en-US" sz="2400" kern="0" dirty="0">
+                <a:latin typeface="Consolas" panose="020B0609020204030204" pitchFamily="49" charset="0"/>
+                <a:cs typeface="Times New Roman" panose="02020603050405020304" pitchFamily="18" charset="0"/>
+                <a:sym typeface="Wingdings" panose="05000000000000000000" pitchFamily="2" charset="2"/>
+              </a:rPr>
+              <a:t>}</a:t>
+            </a:r>
+            <a:r>
+              <a:rPr lang="en-US" sz="2000" kern="0" dirty="0">
+                <a:latin typeface="Consolas" panose="020B0609020204030204" pitchFamily="49" charset="0"/>
+                <a:cs typeface="Times New Roman" panose="02020603050405020304" pitchFamily="18" charset="0"/>
+                <a:sym typeface="Wingdings" panose="05000000000000000000" pitchFamily="2" charset="2"/>
+              </a:rPr>
+              <a:t>;</a:t>
+            </a:r>
+          </a:p>
+          <a:p>
+            <a:pPr marL="12700">
+              <a:spcBef>
+                <a:spcPts val="95"/>
+              </a:spcBef>
+            </a:pPr>
+            <a:r>
+              <a:rPr lang="en-US" sz="2400" kern="0" dirty="0">
+                <a:latin typeface="Consolas" panose="020B0609020204030204" pitchFamily="49" charset="0"/>
+                <a:cs typeface="Times New Roman" panose="02020603050405020304" pitchFamily="18" charset="0"/>
+                <a:sym typeface="Wingdings" panose="05000000000000000000" pitchFamily="2" charset="2"/>
+              </a:rPr>
+              <a:t>here </a:t>
+            </a:r>
+            <a:r>
+              <a:rPr lang="en-US" sz="2400" kern="0" dirty="0" err="1">
+                <a:latin typeface="Consolas" panose="020B0609020204030204" pitchFamily="49" charset="0"/>
+                <a:cs typeface="Times New Roman" panose="02020603050405020304" pitchFamily="18" charset="0"/>
+                <a:sym typeface="Wingdings" panose="05000000000000000000" pitchFamily="2" charset="2"/>
+              </a:rPr>
+              <a:t>fun.toString</a:t>
+            </a:r>
+            <a:r>
+              <a:rPr lang="en-US" sz="2400" kern="0" dirty="0">
+                <a:latin typeface="Consolas" panose="020B0609020204030204" pitchFamily="49" charset="0"/>
+                <a:cs typeface="Times New Roman" panose="02020603050405020304" pitchFamily="18" charset="0"/>
+                <a:sym typeface="Wingdings" panose="05000000000000000000" pitchFamily="2" charset="2"/>
+              </a:rPr>
+              <a:t>() is an object found inside prototype.</a:t>
+            </a:r>
+          </a:p>
+          <a:p>
+            <a:pPr marL="12700">
+              <a:spcBef>
+                <a:spcPts val="95"/>
+              </a:spcBef>
+            </a:pPr>
+            <a:endParaRPr lang="en-US" sz="2400" kern="0" dirty="0">
+              <a:latin typeface="Consolas" panose="020B0609020204030204" pitchFamily="49" charset="0"/>
+              <a:cs typeface="Times New Roman" panose="02020603050405020304" pitchFamily="18" charset="0"/>
+              <a:sym typeface="Wingdings" panose="05000000000000000000" pitchFamily="2" charset="2"/>
+            </a:endParaRPr>
+          </a:p>
+          <a:p>
+            <a:pPr marL="12700">
+              <a:spcBef>
+                <a:spcPts val="95"/>
+              </a:spcBef>
+            </a:pPr>
+            <a:r>
+              <a:rPr lang="en-US" sz="2800" kern="0" dirty="0">
+                <a:latin typeface="+mn-lt"/>
+                <a:cs typeface="Times New Roman" panose="02020603050405020304" pitchFamily="18" charset="0"/>
+                <a:sym typeface="Wingdings" panose="05000000000000000000" pitchFamily="2" charset="2"/>
+              </a:rPr>
+              <a:t>To Check Prototype of any object we can use </a:t>
+            </a:r>
+            <a:r>
+              <a:rPr lang="en-US" sz="2800" kern="0" dirty="0" err="1">
+                <a:latin typeface="+mn-lt"/>
+                <a:cs typeface="Times New Roman" panose="02020603050405020304" pitchFamily="18" charset="0"/>
+                <a:sym typeface="Wingdings" panose="05000000000000000000" pitchFamily="2" charset="2"/>
+              </a:rPr>
+              <a:t>dender</a:t>
+            </a:r>
+            <a:r>
+              <a:rPr lang="en-US" sz="2800" kern="0" dirty="0">
+                <a:latin typeface="+mn-lt"/>
+                <a:cs typeface="Times New Roman" panose="02020603050405020304" pitchFamily="18" charset="0"/>
+                <a:sym typeface="Wingdings" panose="05000000000000000000" pitchFamily="2" charset="2"/>
+              </a:rPr>
+              <a:t> proto (.__proto__)</a:t>
+            </a:r>
+          </a:p>
+          <a:p>
+            <a:pPr marL="12700">
+              <a:spcBef>
+                <a:spcPts val="95"/>
+              </a:spcBef>
+            </a:pPr>
+            <a:r>
+              <a:rPr lang="en-US" sz="2400" kern="0" dirty="0" err="1">
+                <a:latin typeface="+mn-lt"/>
+                <a:cs typeface="Times New Roman" panose="02020603050405020304" pitchFamily="18" charset="0"/>
+                <a:sym typeface="Wingdings" panose="05000000000000000000" pitchFamily="2" charset="2"/>
+              </a:rPr>
+              <a:t>arr</a:t>
+            </a:r>
+            <a:r>
+              <a:rPr lang="en-US" sz="2400" kern="0" dirty="0">
+                <a:latin typeface="+mn-lt"/>
+                <a:cs typeface="Times New Roman" panose="02020603050405020304" pitchFamily="18" charset="0"/>
+                <a:sym typeface="Wingdings" panose="05000000000000000000" pitchFamily="2" charset="2"/>
+              </a:rPr>
+              <a:t>  Array ’s Prototype  Object’s Prototype   null</a:t>
+            </a:r>
+          </a:p>
+          <a:p>
+            <a:pPr marL="12700">
+              <a:spcBef>
+                <a:spcPts val="95"/>
+              </a:spcBef>
+            </a:pPr>
+            <a:r>
+              <a:rPr lang="en-US" sz="2400" kern="0" dirty="0">
+                <a:latin typeface="+mn-lt"/>
+                <a:cs typeface="Times New Roman" panose="02020603050405020304" pitchFamily="18" charset="0"/>
+                <a:sym typeface="Wingdings" panose="05000000000000000000" pitchFamily="2" charset="2"/>
+              </a:rPr>
+              <a:t>String  String’s Prototype  Object’s Prototype  null</a:t>
+            </a:r>
+          </a:p>
+          <a:p>
+            <a:pPr marL="12700">
+              <a:spcBef>
+                <a:spcPts val="95"/>
+              </a:spcBef>
+            </a:pPr>
+            <a:r>
+              <a:rPr lang="en-US" sz="2400" kern="0" dirty="0">
+                <a:latin typeface="+mn-lt"/>
+                <a:cs typeface="Times New Roman" panose="02020603050405020304" pitchFamily="18" charset="0"/>
+                <a:sym typeface="Wingdings" panose="05000000000000000000" pitchFamily="2" charset="2"/>
+              </a:rPr>
+              <a:t>Function  Function’s Prototype  Object’s Prototype  null</a:t>
+            </a:r>
+          </a:p>
+        </p:txBody>
+      </p:sp>
+    </p:spTree>
+    <p:extLst>
+      <p:ext uri="{BB962C8B-B14F-4D97-AF65-F5344CB8AC3E}">
+        <p14:creationId xmlns:p14="http://schemas.microsoft.com/office/powerpoint/2010/main" val="2447219830"/>
+      </p:ext>
+    </p:extLst>
+  </p:cSld>
+  <p:clrMapOvr>
+    <a:masterClrMapping/>
+  </p:clrMapOvr>
+</p:sld>
+</file>
+
+<file path=ppt/slides/slide31.xml><?xml version="1.0" encoding="utf-8"?>
+<p:sld xmlns:a="http://schemas.openxmlformats.org/drawingml/2006/main" xmlns:r="http://schemas.openxmlformats.org/officeDocument/2006/relationships" xmlns:p="http://schemas.openxmlformats.org/presentationml/2006/main">
+  <p:cSld>
+    <p:spTree>
+      <p:nvGrpSpPr>
+        <p:cNvPr id="1" name=""/>
+        <p:cNvGrpSpPr/>
+        <p:nvPr/>
+      </p:nvGrpSpPr>
+      <p:grpSpPr>
+        <a:xfrm>
+          <a:off x="0" y="0"/>
+          <a:ext cx="0" cy="0"/>
+          <a:chOff x="0" y="0"/>
+          <a:chExt cx="0" cy="0"/>
+        </a:xfrm>
+      </p:grpSpPr>
+      <p:sp>
+        <p:nvSpPr>
+          <p:cNvPr id="2" name="object 2"/>
+          <p:cNvSpPr/>
+          <p:nvPr/>
+        </p:nvSpPr>
+        <p:spPr>
+          <a:xfrm>
+            <a:off x="1" y="44199"/>
+            <a:ext cx="12191999" cy="7118601"/>
+          </a:xfrm>
+          <a:prstGeom prst="rect">
+            <a:avLst/>
+          </a:prstGeom>
+          <a:blipFill>
+            <a:blip r:embed="rId2" cstate="print"/>
+            <a:stretch>
+              <a:fillRect/>
+            </a:stretch>
+          </a:blipFill>
+        </p:spPr>
+        <p:txBody>
+          <a:bodyPr wrap="square" lIns="0" tIns="0" rIns="0" bIns="0" rtlCol="0"/>
+          <a:lstStyle/>
+          <a:p>
+            <a:endParaRPr b="1" dirty="0">
+              <a:ln w="13462">
+                <a:solidFill>
+                  <a:schemeClr val="bg1"/>
+                </a:solidFill>
+                <a:prstDash val="solid"/>
+              </a:ln>
+              <a:solidFill>
+                <a:schemeClr val="tx1">
+                  <a:lumMod val="85000"/>
+                  <a:lumOff val="15000"/>
+                </a:schemeClr>
+              </a:solidFill>
+              <a:effectLst>
+                <a:outerShdw dist="38100" dir="2700000" algn="bl" rotWithShape="0">
+                  <a:schemeClr val="accent5"/>
+                </a:outerShdw>
+              </a:effectLst>
+            </a:endParaRPr>
+          </a:p>
+        </p:txBody>
+      </p:sp>
+      <p:sp>
+        <p:nvSpPr>
+          <p:cNvPr id="3" name="object 3"/>
+          <p:cNvSpPr txBox="1">
+            <a:spLocks noGrp="1"/>
+          </p:cNvSpPr>
+          <p:nvPr>
+            <p:ph type="title"/>
+          </p:nvPr>
+        </p:nvSpPr>
+        <p:spPr>
+          <a:xfrm>
+            <a:off x="685800" y="457200"/>
+            <a:ext cx="8967115" cy="535403"/>
+          </a:xfrm>
+          <a:prstGeom prst="rect">
+            <a:avLst/>
+          </a:prstGeom>
+        </p:spPr>
+        <p:txBody>
+          <a:bodyPr vert="horz" wrap="square" lIns="0" tIns="12065" rIns="0" bIns="0" rtlCol="0">
+            <a:spAutoFit/>
+          </a:bodyPr>
+          <a:lstStyle/>
+          <a:p>
+            <a:pPr marL="12700">
+              <a:lnSpc>
+                <a:spcPct val="100000"/>
+              </a:lnSpc>
+              <a:spcBef>
+                <a:spcPts val="95"/>
+              </a:spcBef>
+            </a:pPr>
+            <a:r>
+              <a:rPr lang="en-US" sz="3400" dirty="0">
+                <a:latin typeface="Carlito"/>
+                <a:cs typeface="Carlito"/>
+              </a:rPr>
+              <a:t>Constructor Functions</a:t>
+            </a:r>
+            <a:endParaRPr sz="3400" dirty="0">
+              <a:latin typeface="Carlito"/>
+              <a:cs typeface="Carlito"/>
+            </a:endParaRPr>
+          </a:p>
+        </p:txBody>
+      </p:sp>
+      <p:sp>
+        <p:nvSpPr>
+          <p:cNvPr id="5" name="object 5"/>
+          <p:cNvSpPr/>
+          <p:nvPr/>
+        </p:nvSpPr>
+        <p:spPr>
+          <a:xfrm>
+            <a:off x="9816083" y="262127"/>
+            <a:ext cx="1976627" cy="822960"/>
+          </a:xfrm>
+          <a:prstGeom prst="rect">
+            <a:avLst/>
+          </a:prstGeom>
+          <a:blipFill>
+            <a:blip r:embed="rId3" cstate="print"/>
+            <a:stretch>
+              <a:fillRect/>
+            </a:stretch>
+          </a:blipFill>
+        </p:spPr>
+        <p:txBody>
+          <a:bodyPr wrap="square" lIns="0" tIns="0" rIns="0" bIns="0" rtlCol="0"/>
+          <a:lstStyle/>
+          <a:p>
+            <a:endParaRPr/>
+          </a:p>
+        </p:txBody>
+      </p:sp>
+      <p:sp>
+        <p:nvSpPr>
+          <p:cNvPr id="4" name="object 3">
+            <a:extLst>
+              <a:ext uri="{FF2B5EF4-FFF2-40B4-BE49-F238E27FC236}">
+                <a16:creationId xmlns:a16="http://schemas.microsoft.com/office/drawing/2014/main" id="{1ED9D45B-4B0D-FC76-3A8C-E89F6CD72254}"/>
+              </a:ext>
+            </a:extLst>
+          </p:cNvPr>
+          <p:cNvSpPr txBox="1">
+            <a:spLocks/>
+          </p:cNvSpPr>
+          <p:nvPr/>
+        </p:nvSpPr>
+        <p:spPr>
+          <a:xfrm>
+            <a:off x="685800" y="990600"/>
+            <a:ext cx="11429999" cy="5187959"/>
+          </a:xfrm>
+          <a:prstGeom prst="rect">
+            <a:avLst/>
+          </a:prstGeom>
+        </p:spPr>
+        <p:txBody>
+          <a:bodyPr vert="horz" wrap="square" lIns="0" tIns="12065" rIns="0" bIns="0" rtlCol="0">
+            <a:spAutoFit/>
+          </a:bodyPr>
+          <a:lstStyle>
+            <a:lvl1pPr>
+              <a:defRPr sz="6000" b="0" i="0">
+                <a:solidFill>
+                  <a:srgbClr val="E7E6E6"/>
+                </a:solidFill>
+                <a:latin typeface="Trebuchet MS"/>
+                <a:ea typeface="+mj-ea"/>
+                <a:cs typeface="Trebuchet MS"/>
+              </a:defRPr>
+            </a:lvl1pPr>
+          </a:lstStyle>
+          <a:p>
+            <a:pPr marL="469900" indent="-457200">
+              <a:spcBef>
+                <a:spcPts val="95"/>
+              </a:spcBef>
+              <a:buFont typeface="Wingdings" panose="05000000000000000000" pitchFamily="2" charset="2"/>
+              <a:buChar char="à"/>
+            </a:pPr>
+            <a:r>
+              <a:rPr lang="en-US" sz="3200" kern="0" dirty="0">
+                <a:latin typeface="+mj-lt"/>
+                <a:cs typeface="Times New Roman" panose="02020603050405020304" pitchFamily="18" charset="0"/>
+                <a:sym typeface="Wingdings" panose="05000000000000000000" pitchFamily="2" charset="2"/>
+              </a:rPr>
+              <a:t>“new” keyword before function call creates a constructor function.</a:t>
+            </a:r>
+          </a:p>
+          <a:p>
+            <a:pPr marL="469900" indent="-457200">
+              <a:spcBef>
+                <a:spcPts val="95"/>
+              </a:spcBef>
+              <a:buFont typeface="Wingdings" panose="05000000000000000000" pitchFamily="2" charset="2"/>
+              <a:buChar char="à"/>
+            </a:pPr>
+            <a:r>
+              <a:rPr lang="en-US" sz="3200" kern="0" dirty="0">
+                <a:latin typeface="+mj-lt"/>
+                <a:cs typeface="Times New Roman" panose="02020603050405020304" pitchFamily="18" charset="0"/>
+                <a:sym typeface="Wingdings" panose="05000000000000000000" pitchFamily="2" charset="2"/>
+              </a:rPr>
+              <a:t>It creates an Object </a:t>
+            </a:r>
+          </a:p>
+          <a:p>
+            <a:pPr marL="12700">
+              <a:spcBef>
+                <a:spcPts val="95"/>
+              </a:spcBef>
+            </a:pPr>
+            <a:endParaRPr lang="en-US" sz="2400" kern="0" dirty="0">
+              <a:latin typeface="Consolas" panose="020B0609020204030204" pitchFamily="49" charset="0"/>
+              <a:cs typeface="Times New Roman" panose="02020603050405020304" pitchFamily="18" charset="0"/>
+              <a:sym typeface="Wingdings" panose="05000000000000000000" pitchFamily="2" charset="2"/>
+            </a:endParaRPr>
+          </a:p>
+          <a:p>
+            <a:pPr marL="12700">
+              <a:spcBef>
+                <a:spcPts val="95"/>
+              </a:spcBef>
+            </a:pPr>
+            <a:r>
+              <a:rPr lang="en-US" sz="2400" kern="0" dirty="0">
+                <a:latin typeface="Consolas" panose="020B0609020204030204" pitchFamily="49" charset="0"/>
+                <a:cs typeface="Times New Roman" panose="02020603050405020304" pitchFamily="18" charset="0"/>
+                <a:sym typeface="Wingdings" panose="05000000000000000000" pitchFamily="2" charset="2"/>
+              </a:rPr>
+              <a:t>function a(){ </a:t>
+            </a:r>
+            <a:r>
+              <a:rPr lang="en-US" sz="2400" kern="0" dirty="0" err="1">
+                <a:latin typeface="Consolas" panose="020B0609020204030204" pitchFamily="49" charset="0"/>
+                <a:cs typeface="Times New Roman" panose="02020603050405020304" pitchFamily="18" charset="0"/>
+                <a:sym typeface="Wingdings" panose="05000000000000000000" pitchFamily="2" charset="2"/>
+              </a:rPr>
+              <a:t>this.user</a:t>
+            </a:r>
+            <a:r>
+              <a:rPr lang="en-US" sz="2400" kern="0" dirty="0">
+                <a:latin typeface="Consolas" panose="020B0609020204030204" pitchFamily="49" charset="0"/>
+                <a:cs typeface="Times New Roman" panose="02020603050405020304" pitchFamily="18" charset="0"/>
+                <a:sym typeface="Wingdings" panose="05000000000000000000" pitchFamily="2" charset="2"/>
+              </a:rPr>
+              <a:t> = “first” ;} </a:t>
+            </a:r>
+          </a:p>
+          <a:p>
+            <a:pPr marL="12700">
+              <a:spcBef>
+                <a:spcPts val="95"/>
+              </a:spcBef>
+            </a:pPr>
+            <a:r>
+              <a:rPr lang="en-US" sz="2400" kern="0" dirty="0">
+                <a:latin typeface="Consolas" panose="020B0609020204030204" pitchFamily="49" charset="0"/>
+                <a:cs typeface="Times New Roman" panose="02020603050405020304" pitchFamily="18" charset="0"/>
+                <a:sym typeface="Wingdings" panose="05000000000000000000" pitchFamily="2" charset="2"/>
+              </a:rPr>
+              <a:t>let a = new a();</a:t>
+            </a:r>
+          </a:p>
+          <a:p>
+            <a:pPr marL="12700">
+              <a:spcBef>
+                <a:spcPts val="95"/>
+              </a:spcBef>
+            </a:pPr>
+            <a:r>
+              <a:rPr lang="en-US" sz="2400" kern="0" dirty="0">
+                <a:latin typeface="Consolas" panose="020B0609020204030204" pitchFamily="49" charset="0"/>
+                <a:cs typeface="Times New Roman" panose="02020603050405020304" pitchFamily="18" charset="0"/>
+                <a:sym typeface="Wingdings" panose="05000000000000000000" pitchFamily="2" charset="2"/>
+              </a:rPr>
+              <a:t>print(a);</a:t>
+            </a:r>
+          </a:p>
+          <a:p>
+            <a:pPr marL="12700">
+              <a:spcBef>
+                <a:spcPts val="95"/>
+              </a:spcBef>
+            </a:pPr>
+            <a:endParaRPr lang="en-US" sz="2400" kern="0" dirty="0">
+              <a:latin typeface="Consolas" panose="020B0609020204030204" pitchFamily="49" charset="0"/>
+              <a:cs typeface="Times New Roman" panose="02020603050405020304" pitchFamily="18" charset="0"/>
+              <a:sym typeface="Wingdings" panose="05000000000000000000" pitchFamily="2" charset="2"/>
+            </a:endParaRPr>
+          </a:p>
+          <a:p>
+            <a:pPr marL="469900" indent="-457200">
+              <a:spcBef>
+                <a:spcPts val="95"/>
+              </a:spcBef>
+              <a:buFont typeface="Wingdings" panose="05000000000000000000" pitchFamily="2" charset="2"/>
+              <a:buChar char="à"/>
+            </a:pPr>
+            <a:r>
+              <a:rPr lang="en-US" sz="3200" kern="0" dirty="0">
+                <a:latin typeface="+mj-lt"/>
+                <a:cs typeface="Times New Roman" panose="02020603050405020304" pitchFamily="18" charset="0"/>
+                <a:sym typeface="Wingdings" panose="05000000000000000000" pitchFamily="2" charset="2"/>
+              </a:rPr>
+              <a:t>We can pass the values in a(val1,val2) too.</a:t>
+            </a:r>
+          </a:p>
+          <a:p>
+            <a:pPr marL="469900" indent="-457200">
+              <a:spcBef>
+                <a:spcPts val="95"/>
+              </a:spcBef>
+              <a:buFont typeface="Wingdings" panose="05000000000000000000" pitchFamily="2" charset="2"/>
+              <a:buChar char="à"/>
+            </a:pPr>
+            <a:endParaRPr lang="en-US" sz="2400" kern="0" dirty="0">
+              <a:latin typeface="Consolas" panose="020B0609020204030204" pitchFamily="49" charset="0"/>
+              <a:cs typeface="Times New Roman" panose="02020603050405020304" pitchFamily="18" charset="0"/>
+              <a:sym typeface="Wingdings" panose="05000000000000000000" pitchFamily="2" charset="2"/>
+            </a:endParaRPr>
+          </a:p>
+          <a:p>
+            <a:pPr marL="12700">
+              <a:spcBef>
+                <a:spcPts val="95"/>
+              </a:spcBef>
+            </a:pPr>
+            <a:r>
+              <a:rPr lang="en-US" sz="2400" kern="0" dirty="0">
+                <a:latin typeface="Consolas" panose="020B0609020204030204" pitchFamily="49" charset="0"/>
+                <a:cs typeface="Times New Roman" panose="02020603050405020304" pitchFamily="18" charset="0"/>
+                <a:sym typeface="Wingdings" panose="05000000000000000000" pitchFamily="2" charset="2"/>
+              </a:rPr>
+              <a:t>To make Prototype use:</a:t>
+            </a:r>
+          </a:p>
+          <a:p>
+            <a:pPr marL="12700">
+              <a:spcBef>
+                <a:spcPts val="95"/>
+              </a:spcBef>
+            </a:pPr>
+            <a:r>
+              <a:rPr lang="en-US" sz="2400" kern="0" dirty="0" err="1">
+                <a:latin typeface="Consolas" panose="020B0609020204030204" pitchFamily="49" charset="0"/>
+                <a:cs typeface="Times New Roman" panose="02020603050405020304" pitchFamily="18" charset="0"/>
+                <a:sym typeface="Wingdings" panose="05000000000000000000" pitchFamily="2" charset="2"/>
+              </a:rPr>
+              <a:t>a.prototype.getName</a:t>
+            </a:r>
+            <a:r>
+              <a:rPr lang="en-US" sz="2400" kern="0" dirty="0">
+                <a:latin typeface="Consolas" panose="020B0609020204030204" pitchFamily="49" charset="0"/>
+                <a:cs typeface="Times New Roman" panose="02020603050405020304" pitchFamily="18" charset="0"/>
+                <a:sym typeface="Wingdings" panose="05000000000000000000" pitchFamily="2" charset="2"/>
+              </a:rPr>
+              <a:t> = function(){log(//name)};</a:t>
+            </a:r>
+            <a:endParaRPr lang="en-US" sz="3200" kern="0" dirty="0">
+              <a:latin typeface="Consolas" panose="020B0609020204030204" pitchFamily="49" charset="0"/>
+              <a:cs typeface="Times New Roman" panose="02020603050405020304" pitchFamily="18" charset="0"/>
+              <a:sym typeface="Wingdings" panose="05000000000000000000" pitchFamily="2" charset="2"/>
+            </a:endParaRPr>
+          </a:p>
+        </p:txBody>
+      </p:sp>
+    </p:spTree>
+    <p:extLst>
+      <p:ext uri="{BB962C8B-B14F-4D97-AF65-F5344CB8AC3E}">
+        <p14:creationId xmlns:p14="http://schemas.microsoft.com/office/powerpoint/2010/main" val="3587550671"/>
+      </p:ext>
+    </p:extLst>
+  </p:cSld>
+  <p:clrMapOvr>
+    <a:masterClrMapping/>
+  </p:clrMapOvr>
+</p:sld>
+</file>
+
+<file path=ppt/slides/slide32.xml><?xml version="1.0" encoding="utf-8"?>
+<p:sld xmlns:a="http://schemas.openxmlformats.org/drawingml/2006/main" xmlns:r="http://schemas.openxmlformats.org/officeDocument/2006/relationships" xmlns:p="http://schemas.openxmlformats.org/presentationml/2006/main">
+  <p:cSld>
+    <p:spTree>
+      <p:nvGrpSpPr>
+        <p:cNvPr id="1" name=""/>
+        <p:cNvGrpSpPr/>
+        <p:nvPr/>
+      </p:nvGrpSpPr>
+      <p:grpSpPr>
+        <a:xfrm>
+          <a:off x="0" y="0"/>
+          <a:ext cx="0" cy="0"/>
+          <a:chOff x="0" y="0"/>
+          <a:chExt cx="0" cy="0"/>
+        </a:xfrm>
+      </p:grpSpPr>
+      <p:sp>
+        <p:nvSpPr>
+          <p:cNvPr id="2" name="object 2"/>
+          <p:cNvSpPr/>
+          <p:nvPr/>
+        </p:nvSpPr>
+        <p:spPr>
+          <a:xfrm>
+            <a:off x="1" y="44199"/>
+            <a:ext cx="12191999" cy="7118601"/>
+          </a:xfrm>
+          <a:prstGeom prst="rect">
+            <a:avLst/>
+          </a:prstGeom>
+          <a:blipFill>
+            <a:blip r:embed="rId2" cstate="print"/>
+            <a:stretch>
+              <a:fillRect/>
+            </a:stretch>
+          </a:blipFill>
+        </p:spPr>
+        <p:txBody>
+          <a:bodyPr wrap="square" lIns="0" tIns="0" rIns="0" bIns="0" rtlCol="0"/>
+          <a:lstStyle/>
+          <a:p>
+            <a:endParaRPr b="1" dirty="0">
+              <a:ln w="13462">
+                <a:solidFill>
+                  <a:schemeClr val="bg1"/>
+                </a:solidFill>
+                <a:prstDash val="solid"/>
+              </a:ln>
+              <a:solidFill>
+                <a:schemeClr val="tx1">
+                  <a:lumMod val="85000"/>
+                  <a:lumOff val="15000"/>
+                </a:schemeClr>
+              </a:solidFill>
+              <a:effectLst>
+                <a:outerShdw dist="38100" dir="2700000" algn="bl" rotWithShape="0">
+                  <a:schemeClr val="accent5"/>
+                </a:outerShdw>
+              </a:effectLst>
+            </a:endParaRPr>
+          </a:p>
+        </p:txBody>
+      </p:sp>
+      <p:sp>
+        <p:nvSpPr>
+          <p:cNvPr id="3" name="object 3"/>
+          <p:cNvSpPr txBox="1">
+            <a:spLocks noGrp="1"/>
+          </p:cNvSpPr>
+          <p:nvPr>
+            <p:ph type="title"/>
+          </p:nvPr>
+        </p:nvSpPr>
+        <p:spPr>
+          <a:xfrm>
+            <a:off x="685800" y="457200"/>
+            <a:ext cx="8967115" cy="535403"/>
+          </a:xfrm>
+          <a:prstGeom prst="rect">
+            <a:avLst/>
+          </a:prstGeom>
+        </p:spPr>
+        <p:txBody>
+          <a:bodyPr vert="horz" wrap="square" lIns="0" tIns="12065" rIns="0" bIns="0" rtlCol="0">
+            <a:spAutoFit/>
+          </a:bodyPr>
+          <a:lstStyle/>
+          <a:p>
+            <a:pPr marL="12700">
+              <a:lnSpc>
+                <a:spcPct val="100000"/>
+              </a:lnSpc>
+              <a:spcBef>
+                <a:spcPts val="95"/>
+              </a:spcBef>
+            </a:pPr>
+            <a:r>
+              <a:rPr lang="en-US" sz="3400" dirty="0">
+                <a:latin typeface="Carlito"/>
+                <a:cs typeface="Carlito"/>
+              </a:rPr>
+              <a:t>Class Syntax</a:t>
+            </a:r>
+            <a:endParaRPr sz="3400" dirty="0">
+              <a:latin typeface="Carlito"/>
+              <a:cs typeface="Carlito"/>
+            </a:endParaRPr>
+          </a:p>
+        </p:txBody>
+      </p:sp>
+      <p:sp>
+        <p:nvSpPr>
+          <p:cNvPr id="5" name="object 5"/>
+          <p:cNvSpPr/>
+          <p:nvPr/>
+        </p:nvSpPr>
+        <p:spPr>
+          <a:xfrm>
+            <a:off x="9816083" y="262127"/>
+            <a:ext cx="1976627" cy="822960"/>
+          </a:xfrm>
+          <a:prstGeom prst="rect">
+            <a:avLst/>
+          </a:prstGeom>
+          <a:blipFill>
+            <a:blip r:embed="rId3" cstate="print"/>
+            <a:stretch>
+              <a:fillRect/>
+            </a:stretch>
+          </a:blipFill>
+        </p:spPr>
+        <p:txBody>
+          <a:bodyPr wrap="square" lIns="0" tIns="0" rIns="0" bIns="0" rtlCol="0"/>
+          <a:lstStyle/>
+          <a:p>
+            <a:endParaRPr/>
+          </a:p>
+        </p:txBody>
+      </p:sp>
+      <p:sp>
+        <p:nvSpPr>
+          <p:cNvPr id="4" name="object 3">
+            <a:extLst>
+              <a:ext uri="{FF2B5EF4-FFF2-40B4-BE49-F238E27FC236}">
+                <a16:creationId xmlns:a16="http://schemas.microsoft.com/office/drawing/2014/main" id="{1ED9D45B-4B0D-FC76-3A8C-E89F6CD72254}"/>
+              </a:ext>
+            </a:extLst>
+          </p:cNvPr>
+          <p:cNvSpPr txBox="1">
+            <a:spLocks/>
+          </p:cNvSpPr>
+          <p:nvPr/>
+        </p:nvSpPr>
+        <p:spPr>
+          <a:xfrm>
+            <a:off x="685800" y="990600"/>
+            <a:ext cx="11429999" cy="5972789"/>
+          </a:xfrm>
+          <a:prstGeom prst="rect">
+            <a:avLst/>
+          </a:prstGeom>
+        </p:spPr>
+        <p:txBody>
+          <a:bodyPr vert="horz" wrap="square" lIns="0" tIns="12065" rIns="0" bIns="0" rtlCol="0">
+            <a:spAutoFit/>
+          </a:bodyPr>
+          <a:lstStyle>
+            <a:lvl1pPr>
+              <a:defRPr sz="6000" b="0" i="0">
+                <a:solidFill>
+                  <a:srgbClr val="E7E6E6"/>
+                </a:solidFill>
+                <a:latin typeface="Trebuchet MS"/>
+                <a:ea typeface="+mj-ea"/>
+                <a:cs typeface="Trebuchet MS"/>
+              </a:defRPr>
+            </a:lvl1pPr>
+          </a:lstStyle>
+          <a:p>
+            <a:pPr marL="469900" indent="-457200">
+              <a:spcBef>
+                <a:spcPts val="95"/>
+              </a:spcBef>
+              <a:buFont typeface="Wingdings" panose="05000000000000000000" pitchFamily="2" charset="2"/>
+              <a:buChar char="à"/>
+            </a:pPr>
+            <a:r>
+              <a:rPr lang="en-US" sz="3200" kern="0" dirty="0">
+                <a:latin typeface="+mj-lt"/>
+                <a:cs typeface="Times New Roman" panose="02020603050405020304" pitchFamily="18" charset="0"/>
+                <a:sym typeface="Wingdings" panose="05000000000000000000" pitchFamily="2" charset="2"/>
+              </a:rPr>
+              <a:t>Syntactical Sugar for Constructor Function.</a:t>
+            </a:r>
+          </a:p>
+          <a:p>
+            <a:pPr marL="12700">
+              <a:spcBef>
+                <a:spcPts val="95"/>
+              </a:spcBef>
+            </a:pPr>
+            <a:r>
+              <a:rPr lang="en-US" sz="2000" kern="0" dirty="0">
+                <a:latin typeface="Consolas" panose="020B0609020204030204" pitchFamily="49" charset="0"/>
+                <a:cs typeface="Times New Roman" panose="02020603050405020304" pitchFamily="18" charset="0"/>
+                <a:sym typeface="Wingdings" panose="05000000000000000000" pitchFamily="2" charset="2"/>
+              </a:rPr>
+              <a:t>class Person {</a:t>
+            </a:r>
+          </a:p>
+          <a:p>
+            <a:pPr marL="12700">
+              <a:spcBef>
+                <a:spcPts val="95"/>
+              </a:spcBef>
+            </a:pPr>
+            <a:r>
+              <a:rPr lang="en-US" sz="2000" kern="0" dirty="0">
+                <a:latin typeface="Consolas" panose="020B0609020204030204" pitchFamily="49" charset="0"/>
+                <a:cs typeface="Times New Roman" panose="02020603050405020304" pitchFamily="18" charset="0"/>
+                <a:sym typeface="Wingdings" panose="05000000000000000000" pitchFamily="2" charset="2"/>
+              </a:rPr>
+              <a:t>	constructor(</a:t>
+            </a:r>
+            <a:r>
+              <a:rPr lang="en-US" sz="2000" kern="0" dirty="0" err="1">
+                <a:latin typeface="Consolas" panose="020B0609020204030204" pitchFamily="49" charset="0"/>
+                <a:cs typeface="Times New Roman" panose="02020603050405020304" pitchFamily="18" charset="0"/>
+                <a:sym typeface="Wingdings" panose="05000000000000000000" pitchFamily="2" charset="2"/>
+              </a:rPr>
+              <a:t>a,b,c</a:t>
+            </a:r>
+            <a:r>
+              <a:rPr lang="en-US" sz="2000" kern="0" dirty="0">
+                <a:latin typeface="Consolas" panose="020B0609020204030204" pitchFamily="49" charset="0"/>
+                <a:cs typeface="Times New Roman" panose="02020603050405020304" pitchFamily="18" charset="0"/>
+                <a:sym typeface="Wingdings" panose="05000000000000000000" pitchFamily="2" charset="2"/>
+              </a:rPr>
+              <a:t>){</a:t>
+            </a:r>
+          </a:p>
+          <a:p>
+            <a:pPr marL="12700">
+              <a:spcBef>
+                <a:spcPts val="95"/>
+              </a:spcBef>
+            </a:pPr>
+            <a:r>
+              <a:rPr lang="en-US" sz="2000" kern="0" dirty="0">
+                <a:latin typeface="Consolas" panose="020B0609020204030204" pitchFamily="49" charset="0"/>
+                <a:cs typeface="Times New Roman" panose="02020603050405020304" pitchFamily="18" charset="0"/>
+                <a:sym typeface="Wingdings" panose="05000000000000000000" pitchFamily="2" charset="2"/>
+              </a:rPr>
+              <a:t>		</a:t>
+            </a:r>
+            <a:r>
+              <a:rPr lang="en-US" sz="2000" kern="0" dirty="0" err="1">
+                <a:latin typeface="Consolas" panose="020B0609020204030204" pitchFamily="49" charset="0"/>
+                <a:cs typeface="Times New Roman" panose="02020603050405020304" pitchFamily="18" charset="0"/>
+                <a:sym typeface="Wingdings" panose="05000000000000000000" pitchFamily="2" charset="2"/>
+              </a:rPr>
+              <a:t>this.a</a:t>
+            </a:r>
+            <a:r>
+              <a:rPr lang="en-US" sz="2000" kern="0" dirty="0">
+                <a:latin typeface="Consolas" panose="020B0609020204030204" pitchFamily="49" charset="0"/>
+                <a:cs typeface="Times New Roman" panose="02020603050405020304" pitchFamily="18" charset="0"/>
+                <a:sym typeface="Wingdings" panose="05000000000000000000" pitchFamily="2" charset="2"/>
+              </a:rPr>
+              <a:t> = a;</a:t>
+            </a:r>
+          </a:p>
+          <a:p>
+            <a:pPr marL="12700">
+              <a:spcBef>
+                <a:spcPts val="95"/>
+              </a:spcBef>
+            </a:pPr>
+            <a:r>
+              <a:rPr lang="en-US" sz="2000" kern="0" dirty="0">
+                <a:latin typeface="Consolas" panose="020B0609020204030204" pitchFamily="49" charset="0"/>
+                <a:cs typeface="Times New Roman" panose="02020603050405020304" pitchFamily="18" charset="0"/>
+                <a:sym typeface="Wingdings" panose="05000000000000000000" pitchFamily="2" charset="2"/>
+              </a:rPr>
+              <a:t>		…;</a:t>
+            </a:r>
+          </a:p>
+          <a:p>
+            <a:pPr marL="12700">
+              <a:spcBef>
+                <a:spcPts val="95"/>
+              </a:spcBef>
+            </a:pPr>
+            <a:r>
+              <a:rPr lang="en-US" sz="2000" kern="0" dirty="0">
+                <a:latin typeface="Consolas" panose="020B0609020204030204" pitchFamily="49" charset="0"/>
+                <a:cs typeface="Times New Roman" panose="02020603050405020304" pitchFamily="18" charset="0"/>
+                <a:sym typeface="Wingdings" panose="05000000000000000000" pitchFamily="2" charset="2"/>
+              </a:rPr>
+              <a:t>	}</a:t>
+            </a:r>
+          </a:p>
+          <a:p>
+            <a:pPr marL="12700">
+              <a:spcBef>
+                <a:spcPts val="95"/>
+              </a:spcBef>
+            </a:pPr>
+            <a:r>
+              <a:rPr lang="en-US" sz="2000" kern="0" dirty="0">
+                <a:latin typeface="Consolas" panose="020B0609020204030204" pitchFamily="49" charset="0"/>
+                <a:cs typeface="Times New Roman" panose="02020603050405020304" pitchFamily="18" charset="0"/>
+                <a:sym typeface="Wingdings" panose="05000000000000000000" pitchFamily="2" charset="2"/>
+              </a:rPr>
+              <a:t>	</a:t>
+            </a:r>
+            <a:r>
+              <a:rPr lang="en-US" sz="2000" kern="0" dirty="0" err="1">
+                <a:latin typeface="Consolas" panose="020B0609020204030204" pitchFamily="49" charset="0"/>
+                <a:cs typeface="Times New Roman" panose="02020603050405020304" pitchFamily="18" charset="0"/>
+                <a:sym typeface="Wingdings" panose="05000000000000000000" pitchFamily="2" charset="2"/>
+              </a:rPr>
+              <a:t>getName</a:t>
+            </a:r>
+            <a:r>
+              <a:rPr lang="en-US" sz="2000" kern="0" dirty="0">
+                <a:latin typeface="Consolas" panose="020B0609020204030204" pitchFamily="49" charset="0"/>
+                <a:cs typeface="Times New Roman" panose="02020603050405020304" pitchFamily="18" charset="0"/>
+                <a:sym typeface="Wingdings" panose="05000000000000000000" pitchFamily="2" charset="2"/>
+              </a:rPr>
+              <a:t>(){log(`print name`)}//method</a:t>
+            </a:r>
+          </a:p>
+          <a:p>
+            <a:pPr marL="12700">
+              <a:spcBef>
+                <a:spcPts val="95"/>
+              </a:spcBef>
+            </a:pPr>
+            <a:r>
+              <a:rPr lang="en-US" sz="2000" kern="0" dirty="0">
+                <a:latin typeface="Consolas" panose="020B0609020204030204" pitchFamily="49" charset="0"/>
+                <a:cs typeface="Times New Roman" panose="02020603050405020304" pitchFamily="18" charset="0"/>
+                <a:sym typeface="Wingdings" panose="05000000000000000000" pitchFamily="2" charset="2"/>
+              </a:rPr>
+              <a:t>}</a:t>
+            </a:r>
+          </a:p>
+          <a:p>
+            <a:pPr marL="12700">
+              <a:spcBef>
+                <a:spcPts val="95"/>
+              </a:spcBef>
+            </a:pPr>
+            <a:r>
+              <a:rPr lang="en-US" sz="2000" kern="0" dirty="0">
+                <a:latin typeface="Consolas" panose="020B0609020204030204" pitchFamily="49" charset="0"/>
+                <a:cs typeface="Times New Roman" panose="02020603050405020304" pitchFamily="18" charset="0"/>
+                <a:sym typeface="Wingdings" panose="05000000000000000000" pitchFamily="2" charset="2"/>
+              </a:rPr>
+              <a:t>let prs1 = new Person(2,4,5);</a:t>
+            </a:r>
+          </a:p>
+          <a:p>
+            <a:pPr marL="12700">
+              <a:spcBef>
+                <a:spcPts val="95"/>
+              </a:spcBef>
+            </a:pPr>
+            <a:r>
+              <a:rPr lang="en-US" sz="2000" kern="0" dirty="0">
+                <a:latin typeface="Consolas" panose="020B0609020204030204" pitchFamily="49" charset="0"/>
+                <a:cs typeface="Times New Roman" panose="02020603050405020304" pitchFamily="18" charset="0"/>
+                <a:sym typeface="Wingdings" panose="05000000000000000000" pitchFamily="2" charset="2"/>
+              </a:rPr>
+              <a:t>log(prs1.a);log(prs1.b);</a:t>
+            </a:r>
+          </a:p>
+          <a:p>
+            <a:pPr marL="12700">
+              <a:spcBef>
+                <a:spcPts val="95"/>
+              </a:spcBef>
+            </a:pPr>
+            <a:endParaRPr lang="en-US" sz="2000" kern="0" dirty="0">
+              <a:latin typeface="Consolas" panose="020B0609020204030204" pitchFamily="49" charset="0"/>
+              <a:cs typeface="Times New Roman" panose="02020603050405020304" pitchFamily="18" charset="0"/>
+              <a:sym typeface="Wingdings" panose="05000000000000000000" pitchFamily="2" charset="2"/>
+            </a:endParaRPr>
+          </a:p>
+          <a:p>
+            <a:pPr marL="12700">
+              <a:spcBef>
+                <a:spcPts val="95"/>
+              </a:spcBef>
+            </a:pPr>
+            <a:r>
+              <a:rPr lang="en-US" sz="3200" kern="0" dirty="0">
+                <a:latin typeface="+mj-lt"/>
+                <a:cs typeface="Times New Roman" panose="02020603050405020304" pitchFamily="18" charset="0"/>
+                <a:sym typeface="Wingdings" panose="05000000000000000000" pitchFamily="2" charset="2"/>
+              </a:rPr>
+              <a:t>Inheritance : Getting existing properties from previous classes.</a:t>
+            </a:r>
+          </a:p>
+          <a:p>
+            <a:pPr marL="12700">
+              <a:lnSpc>
+                <a:spcPct val="150000"/>
+              </a:lnSpc>
+              <a:spcBef>
+                <a:spcPts val="95"/>
+              </a:spcBef>
+            </a:pPr>
+            <a:r>
+              <a:rPr lang="en-US" sz="2000" kern="0" dirty="0">
+                <a:latin typeface="Consolas" panose="020B0609020204030204" pitchFamily="49" charset="0"/>
+                <a:cs typeface="Times New Roman" panose="02020603050405020304" pitchFamily="18" charset="0"/>
+                <a:sym typeface="Wingdings" panose="05000000000000000000" pitchFamily="2" charset="2"/>
+              </a:rPr>
+              <a:t>class Student extends Person{//default super()}</a:t>
+            </a:r>
+          </a:p>
+          <a:p>
+            <a:pPr marL="12700">
+              <a:spcBef>
+                <a:spcPts val="95"/>
+              </a:spcBef>
+            </a:pPr>
+            <a:r>
+              <a:rPr lang="en-US" sz="2000" kern="0" dirty="0">
+                <a:latin typeface="Consolas" panose="020B0609020204030204" pitchFamily="49" charset="0"/>
+                <a:cs typeface="Times New Roman" panose="02020603050405020304" pitchFamily="18" charset="0"/>
+                <a:sym typeface="Wingdings" panose="05000000000000000000" pitchFamily="2" charset="2"/>
+              </a:rPr>
+              <a:t>class Student extends Person{constructor(</a:t>
+            </a:r>
+            <a:r>
+              <a:rPr lang="en-US" sz="2000" kern="0" dirty="0" err="1">
+                <a:latin typeface="Consolas" panose="020B0609020204030204" pitchFamily="49" charset="0"/>
+                <a:cs typeface="Times New Roman" panose="02020603050405020304" pitchFamily="18" charset="0"/>
+                <a:sym typeface="Wingdings" panose="05000000000000000000" pitchFamily="2" charset="2"/>
+              </a:rPr>
+              <a:t>a,b,c,d</a:t>
+            </a:r>
+            <a:r>
+              <a:rPr lang="en-US" sz="2000" kern="0" dirty="0">
+                <a:latin typeface="Consolas" panose="020B0609020204030204" pitchFamily="49" charset="0"/>
+                <a:cs typeface="Times New Roman" panose="02020603050405020304" pitchFamily="18" charset="0"/>
+                <a:sym typeface="Wingdings" panose="05000000000000000000" pitchFamily="2" charset="2"/>
+              </a:rPr>
+              <a:t>){super(</a:t>
+            </a:r>
+            <a:r>
+              <a:rPr lang="en-US" sz="2000" kern="0" dirty="0" err="1">
+                <a:latin typeface="Consolas" panose="020B0609020204030204" pitchFamily="49" charset="0"/>
+                <a:cs typeface="Times New Roman" panose="02020603050405020304" pitchFamily="18" charset="0"/>
+                <a:sym typeface="Wingdings" panose="05000000000000000000" pitchFamily="2" charset="2"/>
+              </a:rPr>
+              <a:t>a,b,c</a:t>
+            </a:r>
+            <a:r>
+              <a:rPr lang="en-US" sz="2000" kern="0" dirty="0">
+                <a:latin typeface="Consolas" panose="020B0609020204030204" pitchFamily="49" charset="0"/>
+                <a:cs typeface="Times New Roman" panose="02020603050405020304" pitchFamily="18" charset="0"/>
+                <a:sym typeface="Wingdings" panose="05000000000000000000" pitchFamily="2" charset="2"/>
+              </a:rPr>
+              <a:t>);</a:t>
+            </a:r>
+            <a:r>
+              <a:rPr lang="en-US" sz="2000" kern="0" dirty="0" err="1">
+                <a:latin typeface="Consolas" panose="020B0609020204030204" pitchFamily="49" charset="0"/>
+                <a:cs typeface="Times New Roman" panose="02020603050405020304" pitchFamily="18" charset="0"/>
+                <a:sym typeface="Wingdings" panose="05000000000000000000" pitchFamily="2" charset="2"/>
+              </a:rPr>
+              <a:t>this.d</a:t>
+            </a:r>
+            <a:r>
+              <a:rPr lang="en-US" sz="2000" kern="0" dirty="0">
+                <a:latin typeface="Consolas" panose="020B0609020204030204" pitchFamily="49" charset="0"/>
+                <a:cs typeface="Times New Roman" panose="02020603050405020304" pitchFamily="18" charset="0"/>
+                <a:sym typeface="Wingdings" panose="05000000000000000000" pitchFamily="2" charset="2"/>
+              </a:rPr>
+              <a:t> = d}}</a:t>
+            </a:r>
+          </a:p>
+          <a:p>
+            <a:pPr marL="12700">
+              <a:spcBef>
+                <a:spcPts val="95"/>
+              </a:spcBef>
+            </a:pPr>
+            <a:endParaRPr lang="en-US" sz="2000" kern="0" dirty="0">
+              <a:latin typeface="Consolas" panose="020B0609020204030204" pitchFamily="49" charset="0"/>
+              <a:cs typeface="Times New Roman" panose="02020603050405020304" pitchFamily="18" charset="0"/>
+              <a:sym typeface="Wingdings" panose="05000000000000000000" pitchFamily="2" charset="2"/>
+            </a:endParaRPr>
+          </a:p>
+          <a:p>
+            <a:pPr marL="12700">
+              <a:spcBef>
+                <a:spcPts val="95"/>
+              </a:spcBef>
+            </a:pPr>
+            <a:r>
+              <a:rPr lang="en-US" sz="2000" kern="0" dirty="0">
+                <a:latin typeface="Consolas" panose="020B0609020204030204" pitchFamily="49" charset="0"/>
+                <a:cs typeface="Times New Roman" panose="02020603050405020304" pitchFamily="18" charset="0"/>
+                <a:sym typeface="Wingdings" panose="05000000000000000000" pitchFamily="2" charset="2"/>
+              </a:rPr>
+              <a:t>let std1 = new Student(2,3,5,6);</a:t>
+            </a:r>
+          </a:p>
+          <a:p>
+            <a:pPr marL="12700">
+              <a:spcBef>
+                <a:spcPts val="95"/>
+              </a:spcBef>
+            </a:pPr>
+            <a:r>
+              <a:rPr lang="en-US" sz="2000" kern="0" dirty="0">
+                <a:latin typeface="Consolas" panose="020B0609020204030204" pitchFamily="49" charset="0"/>
+                <a:cs typeface="Times New Roman" panose="02020603050405020304" pitchFamily="18" charset="0"/>
+                <a:sym typeface="Wingdings" panose="05000000000000000000" pitchFamily="2" charset="2"/>
+              </a:rPr>
+              <a:t>log(std1.a);</a:t>
+            </a:r>
+            <a:endParaRPr lang="en-US" sz="3200" kern="0" dirty="0">
+              <a:latin typeface="+mj-lt"/>
+              <a:cs typeface="Times New Roman" panose="02020603050405020304" pitchFamily="18" charset="0"/>
+              <a:sym typeface="Wingdings" panose="05000000000000000000" pitchFamily="2" charset="2"/>
+            </a:endParaRPr>
+          </a:p>
+        </p:txBody>
+      </p:sp>
+    </p:spTree>
+    <p:extLst>
+      <p:ext uri="{BB962C8B-B14F-4D97-AF65-F5344CB8AC3E}">
+        <p14:creationId xmlns:p14="http://schemas.microsoft.com/office/powerpoint/2010/main" val="279081668"/>
+      </p:ext>
+    </p:extLst>
+  </p:cSld>
+  <p:clrMapOvr>
+    <a:masterClrMapping/>
+  </p:clrMapOvr>
+</p:sld>
+</file>
+
+<file path=ppt/slides/slide33.xml><?xml version="1.0" encoding="utf-8"?>
+<p:sld xmlns:a="http://schemas.openxmlformats.org/drawingml/2006/main" xmlns:r="http://schemas.openxmlformats.org/officeDocument/2006/relationships" xmlns:p="http://schemas.openxmlformats.org/presentationml/2006/main">
+  <p:cSld>
+    <p:spTree>
+      <p:nvGrpSpPr>
+        <p:cNvPr id="1" name=""/>
+        <p:cNvGrpSpPr/>
+        <p:nvPr/>
+      </p:nvGrpSpPr>
+      <p:grpSpPr>
+        <a:xfrm>
+          <a:off x="0" y="0"/>
+          <a:ext cx="0" cy="0"/>
+          <a:chOff x="0" y="0"/>
+          <a:chExt cx="0" cy="0"/>
+        </a:xfrm>
+      </p:grpSpPr>
+      <p:sp>
+        <p:nvSpPr>
+          <p:cNvPr id="2" name="object 2"/>
+          <p:cNvSpPr/>
+          <p:nvPr/>
+        </p:nvSpPr>
+        <p:spPr>
+          <a:xfrm>
+            <a:off x="1" y="44199"/>
+            <a:ext cx="12191999" cy="7118601"/>
+          </a:xfrm>
+          <a:prstGeom prst="rect">
+            <a:avLst/>
+          </a:prstGeom>
+          <a:blipFill>
+            <a:blip r:embed="rId2" cstate="print"/>
+            <a:stretch>
+              <a:fillRect/>
+            </a:stretch>
+          </a:blipFill>
+        </p:spPr>
+        <p:txBody>
+          <a:bodyPr wrap="square" lIns="0" tIns="0" rIns="0" bIns="0" rtlCol="0"/>
+          <a:lstStyle/>
+          <a:p>
+            <a:endParaRPr b="1" dirty="0">
+              <a:ln w="13462">
+                <a:solidFill>
+                  <a:schemeClr val="bg1"/>
+                </a:solidFill>
+                <a:prstDash val="solid"/>
+              </a:ln>
+              <a:solidFill>
+                <a:schemeClr val="tx1">
+                  <a:lumMod val="85000"/>
+                  <a:lumOff val="15000"/>
+                </a:schemeClr>
+              </a:solidFill>
+              <a:effectLst>
+                <a:outerShdw dist="38100" dir="2700000" algn="bl" rotWithShape="0">
+                  <a:schemeClr val="accent5"/>
+                </a:outerShdw>
+              </a:effectLst>
+            </a:endParaRPr>
+          </a:p>
+        </p:txBody>
+      </p:sp>
+      <p:sp>
+        <p:nvSpPr>
+          <p:cNvPr id="3" name="object 3"/>
+          <p:cNvSpPr txBox="1">
+            <a:spLocks noGrp="1"/>
+          </p:cNvSpPr>
+          <p:nvPr>
+            <p:ph type="title"/>
+          </p:nvPr>
+        </p:nvSpPr>
+        <p:spPr>
+          <a:xfrm>
+            <a:off x="685800" y="457200"/>
+            <a:ext cx="8967115" cy="535403"/>
+          </a:xfrm>
+          <a:prstGeom prst="rect">
+            <a:avLst/>
+          </a:prstGeom>
+        </p:spPr>
+        <p:txBody>
+          <a:bodyPr vert="horz" wrap="square" lIns="0" tIns="12065" rIns="0" bIns="0" rtlCol="0">
+            <a:spAutoFit/>
+          </a:bodyPr>
+          <a:lstStyle/>
+          <a:p>
+            <a:pPr marL="12700">
+              <a:lnSpc>
+                <a:spcPct val="100000"/>
+              </a:lnSpc>
+              <a:spcBef>
+                <a:spcPts val="95"/>
+              </a:spcBef>
+            </a:pPr>
+            <a:r>
+              <a:rPr lang="en-US" sz="3400" dirty="0">
+                <a:latin typeface="Carlito"/>
+                <a:cs typeface="Carlito"/>
+              </a:rPr>
+              <a:t>This</a:t>
+            </a:r>
+            <a:endParaRPr sz="3400" dirty="0">
+              <a:latin typeface="Carlito"/>
+              <a:cs typeface="Carlito"/>
+            </a:endParaRPr>
+          </a:p>
+        </p:txBody>
+      </p:sp>
+      <p:sp>
+        <p:nvSpPr>
+          <p:cNvPr id="5" name="object 5"/>
+          <p:cNvSpPr/>
+          <p:nvPr/>
+        </p:nvSpPr>
+        <p:spPr>
+          <a:xfrm>
+            <a:off x="9816083" y="262127"/>
+            <a:ext cx="1976627" cy="822960"/>
+          </a:xfrm>
+          <a:prstGeom prst="rect">
+            <a:avLst/>
+          </a:prstGeom>
+          <a:blipFill>
+            <a:blip r:embed="rId3" cstate="print"/>
+            <a:stretch>
+              <a:fillRect/>
+            </a:stretch>
+          </a:blipFill>
+        </p:spPr>
+        <p:txBody>
+          <a:bodyPr wrap="square" lIns="0" tIns="0" rIns="0" bIns="0" rtlCol="0"/>
+          <a:lstStyle/>
+          <a:p>
+            <a:endParaRPr/>
+          </a:p>
+        </p:txBody>
+      </p:sp>
+      <p:sp>
+        <p:nvSpPr>
+          <p:cNvPr id="4" name="object 3">
+            <a:extLst>
+              <a:ext uri="{FF2B5EF4-FFF2-40B4-BE49-F238E27FC236}">
+                <a16:creationId xmlns:a16="http://schemas.microsoft.com/office/drawing/2014/main" id="{1ED9D45B-4B0D-FC76-3A8C-E89F6CD72254}"/>
+              </a:ext>
+            </a:extLst>
+          </p:cNvPr>
+          <p:cNvSpPr txBox="1">
+            <a:spLocks/>
+          </p:cNvSpPr>
+          <p:nvPr/>
+        </p:nvSpPr>
+        <p:spPr>
+          <a:xfrm>
+            <a:off x="685800" y="990600"/>
+            <a:ext cx="11429999" cy="5362365"/>
+          </a:xfrm>
+          <a:prstGeom prst="rect">
+            <a:avLst/>
+          </a:prstGeom>
+        </p:spPr>
+        <p:txBody>
+          <a:bodyPr vert="horz" wrap="square" lIns="0" tIns="12065" rIns="0" bIns="0" rtlCol="0">
+            <a:spAutoFit/>
+          </a:bodyPr>
+          <a:lstStyle>
+            <a:lvl1pPr>
+              <a:defRPr sz="6000" b="0" i="0">
+                <a:solidFill>
+                  <a:srgbClr val="E7E6E6"/>
+                </a:solidFill>
+                <a:latin typeface="Trebuchet MS"/>
+                <a:ea typeface="+mj-ea"/>
+                <a:cs typeface="Trebuchet MS"/>
+              </a:defRPr>
+            </a:lvl1pPr>
+          </a:lstStyle>
+          <a:p>
+            <a:pPr marL="527050" indent="-514350">
+              <a:spcBef>
+                <a:spcPts val="95"/>
+              </a:spcBef>
+              <a:buAutoNum type="arabicPeriod"/>
+            </a:pPr>
+            <a:r>
+              <a:rPr lang="en-US" sz="3200" kern="0" dirty="0">
+                <a:latin typeface="+mj-lt"/>
+                <a:cs typeface="Times New Roman" panose="02020603050405020304" pitchFamily="18" charset="0"/>
+                <a:sym typeface="Wingdings" panose="05000000000000000000" pitchFamily="2" charset="2"/>
+              </a:rPr>
+              <a:t>Regular invocation</a:t>
+            </a:r>
+            <a:endParaRPr lang="en-US" sz="4400" kern="0" dirty="0">
+              <a:latin typeface="+mj-lt"/>
+              <a:cs typeface="Times New Roman" panose="02020603050405020304" pitchFamily="18" charset="0"/>
+              <a:sym typeface="Wingdings" panose="05000000000000000000" pitchFamily="2" charset="2"/>
+            </a:endParaRPr>
+          </a:p>
+          <a:p>
+            <a:pPr marL="12700">
+              <a:spcBef>
+                <a:spcPts val="95"/>
+              </a:spcBef>
+            </a:pPr>
+            <a:r>
+              <a:rPr lang="en-US" sz="2000" kern="0" dirty="0">
+                <a:latin typeface="Consolas" panose="020B0609020204030204" pitchFamily="49" charset="0"/>
+                <a:cs typeface="Times New Roman" panose="02020603050405020304" pitchFamily="18" charset="0"/>
+                <a:sym typeface="Wingdings" panose="05000000000000000000" pitchFamily="2" charset="2"/>
+              </a:rPr>
+              <a:t>	function </a:t>
+            </a:r>
+            <a:r>
+              <a:rPr lang="en-US" sz="2000" kern="0" dirty="0" err="1">
+                <a:latin typeface="Consolas" panose="020B0609020204030204" pitchFamily="49" charset="0"/>
+                <a:cs typeface="Times New Roman" panose="02020603050405020304" pitchFamily="18" charset="0"/>
+                <a:sym typeface="Wingdings" panose="05000000000000000000" pitchFamily="2" charset="2"/>
+              </a:rPr>
+              <a:t>fn</a:t>
+            </a:r>
+            <a:r>
+              <a:rPr lang="en-US" sz="2000" kern="0" dirty="0">
+                <a:latin typeface="Consolas" panose="020B0609020204030204" pitchFamily="49" charset="0"/>
+                <a:cs typeface="Times New Roman" panose="02020603050405020304" pitchFamily="18" charset="0"/>
+                <a:sym typeface="Wingdings" panose="05000000000000000000" pitchFamily="2" charset="2"/>
+              </a:rPr>
+              <a:t>(){</a:t>
+            </a:r>
+          </a:p>
+          <a:p>
+            <a:pPr marL="12700">
+              <a:spcBef>
+                <a:spcPts val="95"/>
+              </a:spcBef>
+            </a:pPr>
+            <a:r>
+              <a:rPr lang="en-US" sz="2000" kern="0" dirty="0">
+                <a:latin typeface="Consolas" panose="020B0609020204030204" pitchFamily="49" charset="0"/>
+                <a:cs typeface="Times New Roman" panose="02020603050405020304" pitchFamily="18" charset="0"/>
+                <a:sym typeface="Wingdings" panose="05000000000000000000" pitchFamily="2" charset="2"/>
+              </a:rPr>
+              <a:t>		log(this);</a:t>
+            </a:r>
+          </a:p>
+          <a:p>
+            <a:pPr marL="12700">
+              <a:spcBef>
+                <a:spcPts val="95"/>
+              </a:spcBef>
+            </a:pPr>
+            <a:r>
+              <a:rPr lang="en-US" sz="2000" kern="0" dirty="0">
+                <a:latin typeface="Consolas" panose="020B0609020204030204" pitchFamily="49" charset="0"/>
+                <a:cs typeface="Times New Roman" panose="02020603050405020304" pitchFamily="18" charset="0"/>
+                <a:sym typeface="Wingdings" panose="05000000000000000000" pitchFamily="2" charset="2"/>
+              </a:rPr>
+              <a:t>	}// this points to windows obj</a:t>
+            </a:r>
+            <a:endParaRPr lang="en-US" sz="3200" kern="0" dirty="0">
+              <a:latin typeface="+mj-lt"/>
+              <a:cs typeface="Times New Roman" panose="02020603050405020304" pitchFamily="18" charset="0"/>
+              <a:sym typeface="Wingdings" panose="05000000000000000000" pitchFamily="2" charset="2"/>
+            </a:endParaRPr>
+          </a:p>
+          <a:p>
+            <a:pPr marL="12700">
+              <a:spcBef>
+                <a:spcPts val="95"/>
+              </a:spcBef>
+            </a:pPr>
+            <a:r>
+              <a:rPr lang="en-US" sz="3200" kern="0" dirty="0">
+                <a:latin typeface="+mj-lt"/>
+                <a:cs typeface="Times New Roman" panose="02020603050405020304" pitchFamily="18" charset="0"/>
+                <a:sym typeface="Wingdings" panose="05000000000000000000" pitchFamily="2" charset="2"/>
+              </a:rPr>
+              <a:t>2. Method invocation</a:t>
+            </a:r>
+          </a:p>
+          <a:p>
+            <a:pPr marL="12700">
+              <a:spcBef>
+                <a:spcPts val="95"/>
+              </a:spcBef>
+            </a:pPr>
+            <a:r>
+              <a:rPr lang="en-US" sz="2000" kern="0" dirty="0">
+                <a:latin typeface="Consolas" panose="020B0609020204030204" pitchFamily="49" charset="0"/>
+                <a:cs typeface="Times New Roman" panose="02020603050405020304" pitchFamily="18" charset="0"/>
+                <a:sym typeface="Wingdings" panose="05000000000000000000" pitchFamily="2" charset="2"/>
+              </a:rPr>
+              <a:t>	let obj = {</a:t>
+            </a:r>
+          </a:p>
+          <a:p>
+            <a:pPr marL="12700">
+              <a:spcBef>
+                <a:spcPts val="95"/>
+              </a:spcBef>
+            </a:pPr>
+            <a:r>
+              <a:rPr lang="en-US" sz="2000" kern="0" dirty="0">
+                <a:latin typeface="Consolas" panose="020B0609020204030204" pitchFamily="49" charset="0"/>
+                <a:cs typeface="Times New Roman" panose="02020603050405020304" pitchFamily="18" charset="0"/>
+                <a:sym typeface="Wingdings" panose="05000000000000000000" pitchFamily="2" charset="2"/>
+              </a:rPr>
+              <a:t>		num : 2;</a:t>
+            </a:r>
+          </a:p>
+          <a:p>
+            <a:pPr marL="12700">
+              <a:spcBef>
+                <a:spcPts val="95"/>
+              </a:spcBef>
+            </a:pPr>
+            <a:r>
+              <a:rPr lang="en-US" sz="2000" kern="0" dirty="0">
+                <a:latin typeface="Consolas" panose="020B0609020204030204" pitchFamily="49" charset="0"/>
+                <a:cs typeface="Times New Roman" panose="02020603050405020304" pitchFamily="18" charset="0"/>
+                <a:sym typeface="Wingdings" panose="05000000000000000000" pitchFamily="2" charset="2"/>
+              </a:rPr>
+              <a:t>		</a:t>
+            </a:r>
+            <a:r>
+              <a:rPr lang="en-US" sz="2000" kern="0" dirty="0" err="1">
+                <a:latin typeface="Consolas" panose="020B0609020204030204" pitchFamily="49" charset="0"/>
+                <a:cs typeface="Times New Roman" panose="02020603050405020304" pitchFamily="18" charset="0"/>
+                <a:sym typeface="Wingdings" panose="05000000000000000000" pitchFamily="2" charset="2"/>
+              </a:rPr>
+              <a:t>fn:function</a:t>
+            </a:r>
+            <a:r>
+              <a:rPr lang="en-US" sz="2000" kern="0" dirty="0">
+                <a:latin typeface="Consolas" panose="020B0609020204030204" pitchFamily="49" charset="0"/>
+                <a:cs typeface="Times New Roman" panose="02020603050405020304" pitchFamily="18" charset="0"/>
+                <a:sym typeface="Wingdings" panose="05000000000000000000" pitchFamily="2" charset="2"/>
+              </a:rPr>
+              <a:t>(){log(this)}</a:t>
+            </a:r>
+          </a:p>
+          <a:p>
+            <a:pPr marL="12700">
+              <a:spcBef>
+                <a:spcPts val="95"/>
+              </a:spcBef>
+            </a:pPr>
+            <a:r>
+              <a:rPr lang="en-US" sz="2000" kern="0" dirty="0">
+                <a:latin typeface="Consolas" panose="020B0609020204030204" pitchFamily="49" charset="0"/>
+                <a:cs typeface="Times New Roman" panose="02020603050405020304" pitchFamily="18" charset="0"/>
+                <a:sym typeface="Wingdings" panose="05000000000000000000" pitchFamily="2" charset="2"/>
+              </a:rPr>
+              <a:t>	};</a:t>
+            </a:r>
+          </a:p>
+          <a:p>
+            <a:pPr marL="12700">
+              <a:spcBef>
+                <a:spcPts val="95"/>
+              </a:spcBef>
+            </a:pPr>
+            <a:r>
+              <a:rPr lang="en-US" sz="2000" kern="0" dirty="0">
+                <a:latin typeface="Consolas" panose="020B0609020204030204" pitchFamily="49" charset="0"/>
+                <a:cs typeface="Times New Roman" panose="02020603050405020304" pitchFamily="18" charset="0"/>
+                <a:sym typeface="Wingdings" panose="05000000000000000000" pitchFamily="2" charset="2"/>
+              </a:rPr>
+              <a:t>	</a:t>
+            </a:r>
+            <a:r>
+              <a:rPr lang="en-US" sz="2000" kern="0" dirty="0" err="1">
+                <a:latin typeface="Consolas" panose="020B0609020204030204" pitchFamily="49" charset="0"/>
+                <a:cs typeface="Times New Roman" panose="02020603050405020304" pitchFamily="18" charset="0"/>
+                <a:sym typeface="Wingdings" panose="05000000000000000000" pitchFamily="2" charset="2"/>
+              </a:rPr>
+              <a:t>obj.fn</a:t>
+            </a:r>
+            <a:r>
+              <a:rPr lang="en-US" sz="2000" kern="0" dirty="0">
+                <a:latin typeface="Consolas" panose="020B0609020204030204" pitchFamily="49" charset="0"/>
+                <a:cs typeface="Times New Roman" panose="02020603050405020304" pitchFamily="18" charset="0"/>
+                <a:sym typeface="Wingdings" panose="05000000000000000000" pitchFamily="2" charset="2"/>
+              </a:rPr>
+              <a:t>();  this points to obj Object</a:t>
+            </a:r>
+          </a:p>
+          <a:p>
+            <a:pPr marL="12700">
+              <a:spcBef>
+                <a:spcPts val="95"/>
+              </a:spcBef>
+            </a:pPr>
+            <a:r>
+              <a:rPr lang="en-US" sz="2000" kern="0" dirty="0">
+                <a:latin typeface="Consolas" panose="020B0609020204030204" pitchFamily="49" charset="0"/>
+                <a:cs typeface="Times New Roman" panose="02020603050405020304" pitchFamily="18" charset="0"/>
+                <a:sym typeface="Wingdings" panose="05000000000000000000" pitchFamily="2" charset="2"/>
+              </a:rPr>
+              <a:t>	let x = </a:t>
+            </a:r>
+            <a:r>
+              <a:rPr lang="en-US" sz="2000" kern="0" dirty="0" err="1">
+                <a:latin typeface="Consolas" panose="020B0609020204030204" pitchFamily="49" charset="0"/>
+                <a:cs typeface="Times New Roman" panose="02020603050405020304" pitchFamily="18" charset="0"/>
+                <a:sym typeface="Wingdings" panose="05000000000000000000" pitchFamily="2" charset="2"/>
+              </a:rPr>
+              <a:t>obj.fn</a:t>
+            </a:r>
+            <a:r>
+              <a:rPr lang="en-US" sz="2000" kern="0" dirty="0">
+                <a:latin typeface="Consolas" panose="020B0609020204030204" pitchFamily="49" charset="0"/>
+                <a:cs typeface="Times New Roman" panose="02020603050405020304" pitchFamily="18" charset="0"/>
+                <a:sym typeface="Wingdings" panose="05000000000000000000" pitchFamily="2" charset="2"/>
+              </a:rPr>
+              <a:t>; x();  this points to windows Object</a:t>
+            </a:r>
+          </a:p>
+          <a:p>
+            <a:pPr marL="12700">
+              <a:spcBef>
+                <a:spcPts val="95"/>
+              </a:spcBef>
+            </a:pPr>
+            <a:r>
+              <a:rPr lang="en-US" sz="3200" kern="0" dirty="0">
+                <a:latin typeface="+mj-lt"/>
+                <a:cs typeface="Times New Roman" panose="02020603050405020304" pitchFamily="18" charset="0"/>
+                <a:sym typeface="Wingdings" panose="05000000000000000000" pitchFamily="2" charset="2"/>
+              </a:rPr>
+              <a:t>3.Constructor function calling</a:t>
+            </a:r>
+          </a:p>
+          <a:p>
+            <a:pPr marL="12700">
+              <a:spcBef>
+                <a:spcPts val="95"/>
+              </a:spcBef>
+            </a:pPr>
+            <a:r>
+              <a:rPr lang="en-US" sz="2000" kern="0" dirty="0">
+                <a:latin typeface="Consolas" panose="020B0609020204030204" pitchFamily="49" charset="0"/>
+                <a:cs typeface="Times New Roman" panose="02020603050405020304" pitchFamily="18" charset="0"/>
+                <a:sym typeface="Wingdings" panose="05000000000000000000" pitchFamily="2" charset="2"/>
+              </a:rPr>
+              <a:t>	function </a:t>
+            </a:r>
+            <a:r>
+              <a:rPr lang="en-US" sz="2000" kern="0" dirty="0" err="1">
+                <a:latin typeface="Consolas" panose="020B0609020204030204" pitchFamily="49" charset="0"/>
+                <a:cs typeface="Times New Roman" panose="02020603050405020304" pitchFamily="18" charset="0"/>
+                <a:sym typeface="Wingdings" panose="05000000000000000000" pitchFamily="2" charset="2"/>
+              </a:rPr>
+              <a:t>CreateObj</a:t>
+            </a:r>
+            <a:r>
+              <a:rPr lang="en-US" sz="2000" kern="0" dirty="0">
+                <a:latin typeface="Consolas" panose="020B0609020204030204" pitchFamily="49" charset="0"/>
+                <a:cs typeface="Times New Roman" panose="02020603050405020304" pitchFamily="18" charset="0"/>
+                <a:sym typeface="Wingdings" panose="05000000000000000000" pitchFamily="2" charset="2"/>
+              </a:rPr>
+              <a:t>(){</a:t>
+            </a:r>
+          </a:p>
+          <a:p>
+            <a:pPr marL="12700">
+              <a:spcBef>
+                <a:spcPts val="95"/>
+              </a:spcBef>
+            </a:pPr>
+            <a:r>
+              <a:rPr lang="en-US" sz="2000" kern="0" dirty="0">
+                <a:latin typeface="Consolas" panose="020B0609020204030204" pitchFamily="49" charset="0"/>
+                <a:cs typeface="Times New Roman" panose="02020603050405020304" pitchFamily="18" charset="0"/>
+                <a:sym typeface="Wingdings" panose="05000000000000000000" pitchFamily="2" charset="2"/>
+              </a:rPr>
+              <a:t>		</a:t>
+            </a:r>
+            <a:r>
+              <a:rPr lang="en-US" sz="2000" kern="0" dirty="0" err="1">
+                <a:latin typeface="Consolas" panose="020B0609020204030204" pitchFamily="49" charset="0"/>
+                <a:cs typeface="Times New Roman" panose="02020603050405020304" pitchFamily="18" charset="0"/>
+                <a:sym typeface="Wingdings" panose="05000000000000000000" pitchFamily="2" charset="2"/>
+              </a:rPr>
+              <a:t>this.x</a:t>
+            </a:r>
+            <a:r>
+              <a:rPr lang="en-US" sz="2000" kern="0" dirty="0">
+                <a:latin typeface="Consolas" panose="020B0609020204030204" pitchFamily="49" charset="0"/>
+                <a:cs typeface="Times New Roman" panose="02020603050405020304" pitchFamily="18" charset="0"/>
+                <a:sym typeface="Wingdings" panose="05000000000000000000" pitchFamily="2" charset="2"/>
+              </a:rPr>
+              <a:t> = 20;		</a:t>
+            </a:r>
+          </a:p>
+          <a:p>
+            <a:pPr marL="12700">
+              <a:spcBef>
+                <a:spcPts val="95"/>
+              </a:spcBef>
+            </a:pPr>
+            <a:r>
+              <a:rPr lang="en-US" sz="2000" kern="0" dirty="0">
+                <a:latin typeface="Consolas" panose="020B0609020204030204" pitchFamily="49" charset="0"/>
+                <a:cs typeface="Times New Roman" panose="02020603050405020304" pitchFamily="18" charset="0"/>
+                <a:sym typeface="Wingdings" panose="05000000000000000000" pitchFamily="2" charset="2"/>
+              </a:rPr>
+              <a:t>	}; let obj = new </a:t>
+            </a:r>
+            <a:r>
+              <a:rPr lang="en-US" sz="2000" kern="0" dirty="0" err="1">
+                <a:latin typeface="Consolas" panose="020B0609020204030204" pitchFamily="49" charset="0"/>
+                <a:cs typeface="Times New Roman" panose="02020603050405020304" pitchFamily="18" charset="0"/>
+                <a:sym typeface="Wingdings" panose="05000000000000000000" pitchFamily="2" charset="2"/>
+              </a:rPr>
+              <a:t>CreateObj</a:t>
+            </a:r>
+            <a:r>
+              <a:rPr lang="en-US" sz="2000" kern="0" dirty="0">
+                <a:latin typeface="Consolas" panose="020B0609020204030204" pitchFamily="49" charset="0"/>
+                <a:cs typeface="Times New Roman" panose="02020603050405020304" pitchFamily="18" charset="0"/>
+                <a:sym typeface="Wingdings" panose="05000000000000000000" pitchFamily="2" charset="2"/>
+              </a:rPr>
+              <a:t>();</a:t>
+            </a:r>
+          </a:p>
+        </p:txBody>
+      </p:sp>
+    </p:spTree>
+    <p:extLst>
+      <p:ext uri="{BB962C8B-B14F-4D97-AF65-F5344CB8AC3E}">
+        <p14:creationId xmlns:p14="http://schemas.microsoft.com/office/powerpoint/2010/main" val="2161800000"/>
+      </p:ext>
+    </p:extLst>
+  </p:cSld>
+  <p:clrMapOvr>
+    <a:masterClrMapping/>
+  </p:clrMapOvr>
+</p:sld>
+</file>
+
+<file path=ppt/slides/slide34.xml><?xml version="1.0" encoding="utf-8"?>
+<p:sld xmlns:a="http://schemas.openxmlformats.org/drawingml/2006/main" xmlns:r="http://schemas.openxmlformats.org/officeDocument/2006/relationships" xmlns:p="http://schemas.openxmlformats.org/presentationml/2006/main">
+  <p:cSld>
+    <p:spTree>
+      <p:nvGrpSpPr>
+        <p:cNvPr id="1" name=""/>
+        <p:cNvGrpSpPr/>
+        <p:nvPr/>
+      </p:nvGrpSpPr>
+      <p:grpSpPr>
+        <a:xfrm>
+          <a:off x="0" y="0"/>
+          <a:ext cx="0" cy="0"/>
+          <a:chOff x="0" y="0"/>
+          <a:chExt cx="0" cy="0"/>
+        </a:xfrm>
+      </p:grpSpPr>
+      <p:sp>
+        <p:nvSpPr>
+          <p:cNvPr id="2" name="object 2"/>
+          <p:cNvSpPr/>
+          <p:nvPr/>
+        </p:nvSpPr>
+        <p:spPr>
+          <a:xfrm>
+            <a:off x="1" y="44199"/>
+            <a:ext cx="12191999" cy="7118601"/>
+          </a:xfrm>
+          <a:prstGeom prst="rect">
+            <a:avLst/>
+          </a:prstGeom>
+          <a:blipFill>
+            <a:blip r:embed="rId2" cstate="print"/>
+            <a:stretch>
+              <a:fillRect/>
+            </a:stretch>
+          </a:blipFill>
+        </p:spPr>
+        <p:txBody>
+          <a:bodyPr wrap="square" lIns="0" tIns="0" rIns="0" bIns="0" rtlCol="0"/>
+          <a:lstStyle/>
+          <a:p>
+            <a:endParaRPr b="1" dirty="0">
+              <a:ln w="13462">
+                <a:solidFill>
+                  <a:schemeClr val="bg1"/>
+                </a:solidFill>
+                <a:prstDash val="solid"/>
+              </a:ln>
+              <a:solidFill>
+                <a:schemeClr val="tx1">
+                  <a:lumMod val="85000"/>
+                  <a:lumOff val="15000"/>
+                </a:schemeClr>
+              </a:solidFill>
+              <a:effectLst>
+                <a:outerShdw dist="38100" dir="2700000" algn="bl" rotWithShape="0">
+                  <a:schemeClr val="accent5"/>
+                </a:outerShdw>
+              </a:effectLst>
+            </a:endParaRPr>
+          </a:p>
+        </p:txBody>
+      </p:sp>
+      <p:sp>
+        <p:nvSpPr>
+          <p:cNvPr id="3" name="object 3"/>
+          <p:cNvSpPr txBox="1">
+            <a:spLocks noGrp="1"/>
+          </p:cNvSpPr>
+          <p:nvPr>
+            <p:ph type="title"/>
+          </p:nvPr>
+        </p:nvSpPr>
+        <p:spPr>
+          <a:xfrm>
+            <a:off x="685800" y="304800"/>
+            <a:ext cx="8967115" cy="535403"/>
+          </a:xfrm>
+          <a:prstGeom prst="rect">
+            <a:avLst/>
+          </a:prstGeom>
+        </p:spPr>
+        <p:txBody>
+          <a:bodyPr vert="horz" wrap="square" lIns="0" tIns="12065" rIns="0" bIns="0" rtlCol="0">
+            <a:spAutoFit/>
+          </a:bodyPr>
+          <a:lstStyle/>
+          <a:p>
+            <a:pPr marL="12700">
+              <a:lnSpc>
+                <a:spcPct val="100000"/>
+              </a:lnSpc>
+              <a:spcBef>
+                <a:spcPts val="95"/>
+              </a:spcBef>
+            </a:pPr>
+            <a:r>
+              <a:rPr lang="en-US" sz="3400" dirty="0">
+                <a:latin typeface="+mj-lt"/>
+                <a:cs typeface="Carlito"/>
+              </a:rPr>
+              <a:t>This</a:t>
+            </a:r>
+            <a:endParaRPr sz="3400" dirty="0">
+              <a:latin typeface="+mj-lt"/>
+              <a:cs typeface="Carlito"/>
+            </a:endParaRPr>
+          </a:p>
+        </p:txBody>
+      </p:sp>
+      <p:sp>
+        <p:nvSpPr>
+          <p:cNvPr id="5" name="object 5"/>
+          <p:cNvSpPr/>
+          <p:nvPr/>
+        </p:nvSpPr>
+        <p:spPr>
+          <a:xfrm>
+            <a:off x="9816083" y="262127"/>
+            <a:ext cx="1976627" cy="822960"/>
+          </a:xfrm>
+          <a:prstGeom prst="rect">
+            <a:avLst/>
+          </a:prstGeom>
+          <a:blipFill>
+            <a:blip r:embed="rId3" cstate="print"/>
+            <a:stretch>
+              <a:fillRect/>
+            </a:stretch>
+          </a:blipFill>
+        </p:spPr>
+        <p:txBody>
+          <a:bodyPr wrap="square" lIns="0" tIns="0" rIns="0" bIns="0" rtlCol="0"/>
+          <a:lstStyle/>
+          <a:p>
+            <a:endParaRPr/>
+          </a:p>
+        </p:txBody>
+      </p:sp>
+      <p:sp>
+        <p:nvSpPr>
+          <p:cNvPr id="4" name="object 3">
+            <a:extLst>
+              <a:ext uri="{FF2B5EF4-FFF2-40B4-BE49-F238E27FC236}">
+                <a16:creationId xmlns:a16="http://schemas.microsoft.com/office/drawing/2014/main" id="{1ED9D45B-4B0D-FC76-3A8C-E89F6CD72254}"/>
+              </a:ext>
+            </a:extLst>
+          </p:cNvPr>
+          <p:cNvSpPr txBox="1">
+            <a:spLocks/>
+          </p:cNvSpPr>
+          <p:nvPr/>
+        </p:nvSpPr>
+        <p:spPr>
+          <a:xfrm>
+            <a:off x="685800" y="838200"/>
+            <a:ext cx="11429999" cy="6036909"/>
+          </a:xfrm>
+          <a:prstGeom prst="rect">
+            <a:avLst/>
+          </a:prstGeom>
+        </p:spPr>
+        <p:txBody>
+          <a:bodyPr vert="horz" wrap="square" lIns="0" tIns="12065" rIns="0" bIns="0" rtlCol="0">
+            <a:spAutoFit/>
+          </a:bodyPr>
+          <a:lstStyle>
+            <a:lvl1pPr>
+              <a:defRPr sz="6000" b="0" i="0">
+                <a:solidFill>
+                  <a:srgbClr val="E7E6E6"/>
+                </a:solidFill>
+                <a:latin typeface="Trebuchet MS"/>
+                <a:ea typeface="+mj-ea"/>
+                <a:cs typeface="Trebuchet MS"/>
+              </a:defRPr>
+            </a:lvl1pPr>
+          </a:lstStyle>
+          <a:p>
+            <a:pPr marL="527050" indent="-514350">
+              <a:spcBef>
+                <a:spcPts val="95"/>
+              </a:spcBef>
+              <a:buAutoNum type="arabicPeriod"/>
+            </a:pPr>
+            <a:r>
+              <a:rPr lang="en-US" sz="2800" kern="0" dirty="0">
+                <a:latin typeface="+mn-lt"/>
+                <a:cs typeface="Times New Roman" panose="02020603050405020304" pitchFamily="18" charset="0"/>
+                <a:sym typeface="Wingdings" panose="05000000000000000000" pitchFamily="2" charset="2"/>
+              </a:rPr>
+              <a:t>Call : Used to call functions from other objects.</a:t>
+            </a:r>
+          </a:p>
+          <a:p>
+            <a:pPr marL="12700">
+              <a:spcBef>
+                <a:spcPts val="95"/>
+              </a:spcBef>
+            </a:pPr>
+            <a:r>
+              <a:rPr lang="en-US" sz="2000" kern="0" dirty="0">
+                <a:latin typeface="Consolas" panose="020B0609020204030204" pitchFamily="49" charset="0"/>
+                <a:cs typeface="Times New Roman" panose="02020603050405020304" pitchFamily="18" charset="0"/>
+                <a:sym typeface="Wingdings" panose="05000000000000000000" pitchFamily="2" charset="2"/>
+              </a:rPr>
+              <a:t>let obj = {</a:t>
+            </a:r>
+          </a:p>
+          <a:p>
+            <a:pPr marL="12700">
+              <a:spcBef>
+                <a:spcPts val="95"/>
+              </a:spcBef>
+            </a:pPr>
+            <a:r>
+              <a:rPr lang="en-US" sz="2000" kern="0" dirty="0">
+                <a:latin typeface="Consolas" panose="020B0609020204030204" pitchFamily="49" charset="0"/>
+                <a:cs typeface="Times New Roman" panose="02020603050405020304" pitchFamily="18" charset="0"/>
+                <a:sym typeface="Wingdings" panose="05000000000000000000" pitchFamily="2" charset="2"/>
+              </a:rPr>
+              <a:t>	a:20,</a:t>
+            </a:r>
+          </a:p>
+          <a:p>
+            <a:pPr marL="12700">
+              <a:spcBef>
+                <a:spcPts val="95"/>
+              </a:spcBef>
+            </a:pPr>
+            <a:r>
+              <a:rPr lang="en-US" sz="2000" kern="0" dirty="0">
+                <a:latin typeface="Consolas" panose="020B0609020204030204" pitchFamily="49" charset="0"/>
+                <a:cs typeface="Times New Roman" panose="02020603050405020304" pitchFamily="18" charset="0"/>
+                <a:sym typeface="Wingdings" panose="05000000000000000000" pitchFamily="2" charset="2"/>
+              </a:rPr>
+              <a:t>	</a:t>
+            </a:r>
+            <a:r>
+              <a:rPr lang="en-US" sz="2000" kern="0" dirty="0" err="1">
+                <a:latin typeface="Consolas" panose="020B0609020204030204" pitchFamily="49" charset="0"/>
+                <a:cs typeface="Times New Roman" panose="02020603050405020304" pitchFamily="18" charset="0"/>
+                <a:sym typeface="Wingdings" panose="05000000000000000000" pitchFamily="2" charset="2"/>
+              </a:rPr>
+              <a:t>fn:function</a:t>
+            </a:r>
+            <a:r>
+              <a:rPr lang="en-US" sz="2000" kern="0" dirty="0">
+                <a:latin typeface="Consolas" panose="020B0609020204030204" pitchFamily="49" charset="0"/>
+                <a:cs typeface="Times New Roman" panose="02020603050405020304" pitchFamily="18" charset="0"/>
+                <a:sym typeface="Wingdings" panose="05000000000000000000" pitchFamily="2" charset="2"/>
+              </a:rPr>
+              <a:t>(</a:t>
+            </a:r>
+            <a:r>
+              <a:rPr lang="en-US" sz="2000" kern="0" dirty="0" err="1">
+                <a:latin typeface="Consolas" panose="020B0609020204030204" pitchFamily="49" charset="0"/>
+                <a:cs typeface="Times New Roman" panose="02020603050405020304" pitchFamily="18" charset="0"/>
+                <a:sym typeface="Wingdings" panose="05000000000000000000" pitchFamily="2" charset="2"/>
+              </a:rPr>
+              <a:t>a,b,c</a:t>
+            </a:r>
+            <a:r>
+              <a:rPr lang="en-US" sz="2000" kern="0" dirty="0">
+                <a:latin typeface="Consolas" panose="020B0609020204030204" pitchFamily="49" charset="0"/>
+                <a:cs typeface="Times New Roman" panose="02020603050405020304" pitchFamily="18" charset="0"/>
+                <a:sym typeface="Wingdings" panose="05000000000000000000" pitchFamily="2" charset="2"/>
+              </a:rPr>
+              <a:t>){</a:t>
+            </a:r>
+          </a:p>
+          <a:p>
+            <a:pPr marL="12700">
+              <a:spcBef>
+                <a:spcPts val="95"/>
+              </a:spcBef>
+            </a:pPr>
+            <a:r>
+              <a:rPr lang="en-US" sz="2000" kern="0" dirty="0">
+                <a:latin typeface="Consolas" panose="020B0609020204030204" pitchFamily="49" charset="0"/>
+                <a:cs typeface="Times New Roman" panose="02020603050405020304" pitchFamily="18" charset="0"/>
+                <a:sym typeface="Wingdings" panose="05000000000000000000" pitchFamily="2" charset="2"/>
+              </a:rPr>
+              <a:t>		log(</a:t>
+            </a:r>
+            <a:r>
+              <a:rPr lang="en-US" sz="2000" kern="0" dirty="0" err="1">
+                <a:latin typeface="Consolas" panose="020B0609020204030204" pitchFamily="49" charset="0"/>
+                <a:cs typeface="Times New Roman" panose="02020603050405020304" pitchFamily="18" charset="0"/>
+                <a:sym typeface="Wingdings" panose="05000000000000000000" pitchFamily="2" charset="2"/>
+              </a:rPr>
+              <a:t>this,a,b,c</a:t>
+            </a:r>
+            <a:r>
+              <a:rPr lang="en-US" sz="2000" kern="0" dirty="0">
+                <a:latin typeface="Consolas" panose="020B0609020204030204" pitchFamily="49" charset="0"/>
+                <a:cs typeface="Times New Roman" panose="02020603050405020304" pitchFamily="18" charset="0"/>
+                <a:sym typeface="Wingdings" panose="05000000000000000000" pitchFamily="2" charset="2"/>
+              </a:rPr>
+              <a:t>);</a:t>
+            </a:r>
+          </a:p>
+          <a:p>
+            <a:pPr marL="12700">
+              <a:spcBef>
+                <a:spcPts val="95"/>
+              </a:spcBef>
+            </a:pPr>
+            <a:r>
+              <a:rPr lang="en-US" sz="2000" kern="0" dirty="0">
+                <a:latin typeface="Consolas" panose="020B0609020204030204" pitchFamily="49" charset="0"/>
+                <a:cs typeface="Times New Roman" panose="02020603050405020304" pitchFamily="18" charset="0"/>
+                <a:sym typeface="Wingdings" panose="05000000000000000000" pitchFamily="2" charset="2"/>
+              </a:rPr>
+              <a:t>	}</a:t>
+            </a:r>
+          </a:p>
+          <a:p>
+            <a:pPr marL="12700">
+              <a:spcBef>
+                <a:spcPts val="95"/>
+              </a:spcBef>
+            </a:pPr>
+            <a:r>
+              <a:rPr lang="en-US" sz="2000" kern="0" dirty="0">
+                <a:latin typeface="Consolas" panose="020B0609020204030204" pitchFamily="49" charset="0"/>
+                <a:cs typeface="Times New Roman" panose="02020603050405020304" pitchFamily="18" charset="0"/>
+                <a:sym typeface="Wingdings" panose="05000000000000000000" pitchFamily="2" charset="2"/>
+              </a:rPr>
+              <a:t>}</a:t>
+            </a:r>
+          </a:p>
+          <a:p>
+            <a:pPr marL="12700">
+              <a:spcBef>
+                <a:spcPts val="95"/>
+              </a:spcBef>
+            </a:pPr>
+            <a:r>
+              <a:rPr lang="en-US" sz="2000" kern="0" dirty="0">
+                <a:latin typeface="Consolas" panose="020B0609020204030204" pitchFamily="49" charset="0"/>
+                <a:cs typeface="Times New Roman" panose="02020603050405020304" pitchFamily="18" charset="0"/>
+                <a:sym typeface="Wingdings" panose="05000000000000000000" pitchFamily="2" charset="2"/>
+              </a:rPr>
+              <a:t>let obj2 = { a:50 }</a:t>
+            </a:r>
+          </a:p>
+          <a:p>
+            <a:pPr marL="12700">
+              <a:spcBef>
+                <a:spcPts val="95"/>
+              </a:spcBef>
+            </a:pPr>
+            <a:r>
+              <a:rPr lang="en-US" sz="2000" kern="0" dirty="0" err="1">
+                <a:latin typeface="Consolas" panose="020B0609020204030204" pitchFamily="49" charset="0"/>
+                <a:cs typeface="Times New Roman" panose="02020603050405020304" pitchFamily="18" charset="0"/>
+                <a:sym typeface="Wingdings" panose="05000000000000000000" pitchFamily="2" charset="2"/>
+              </a:rPr>
+              <a:t>obj.fn.call</a:t>
+            </a:r>
+            <a:r>
+              <a:rPr lang="en-US" sz="2000" kern="0" dirty="0">
+                <a:latin typeface="Consolas" panose="020B0609020204030204" pitchFamily="49" charset="0"/>
+                <a:cs typeface="Times New Roman" panose="02020603050405020304" pitchFamily="18" charset="0"/>
+                <a:sym typeface="Wingdings" panose="05000000000000000000" pitchFamily="2" charset="2"/>
+              </a:rPr>
+              <a:t>(obj2,11,12,31);//50 </a:t>
+            </a:r>
+          </a:p>
+          <a:p>
+            <a:pPr marL="12700">
+              <a:spcBef>
+                <a:spcPts val="95"/>
+              </a:spcBef>
+            </a:pPr>
+            <a:endParaRPr lang="en-US" sz="2000" kern="0" dirty="0">
+              <a:latin typeface="Consolas" panose="020B0609020204030204" pitchFamily="49" charset="0"/>
+              <a:cs typeface="Times New Roman" panose="02020603050405020304" pitchFamily="18" charset="0"/>
+              <a:sym typeface="Wingdings" panose="05000000000000000000" pitchFamily="2" charset="2"/>
+            </a:endParaRPr>
+          </a:p>
+          <a:p>
+            <a:pPr marL="12700">
+              <a:spcBef>
+                <a:spcPts val="95"/>
+              </a:spcBef>
+            </a:pPr>
+            <a:r>
+              <a:rPr lang="en-US" sz="2800" kern="0" dirty="0">
+                <a:latin typeface="+mj-lt"/>
+                <a:cs typeface="Times New Roman" panose="02020603050405020304" pitchFamily="18" charset="0"/>
+                <a:sym typeface="Wingdings" panose="05000000000000000000" pitchFamily="2" charset="2"/>
+              </a:rPr>
+              <a:t>2. Apply  : It works same as call except we have to use [] for multiple arguments.</a:t>
+            </a:r>
+          </a:p>
+          <a:p>
+            <a:pPr marL="12700">
+              <a:spcBef>
+                <a:spcPts val="95"/>
+              </a:spcBef>
+            </a:pPr>
+            <a:r>
+              <a:rPr lang="en-US" sz="2000" kern="0" dirty="0" err="1">
+                <a:latin typeface="Consolas" panose="020B0609020204030204" pitchFamily="49" charset="0"/>
+                <a:cs typeface="Times New Roman" panose="02020603050405020304" pitchFamily="18" charset="0"/>
+                <a:sym typeface="Wingdings" panose="05000000000000000000" pitchFamily="2" charset="2"/>
+              </a:rPr>
+              <a:t>obj.fn.call</a:t>
+            </a:r>
+            <a:r>
+              <a:rPr lang="en-US" sz="2000" kern="0" dirty="0">
+                <a:latin typeface="Consolas" panose="020B0609020204030204" pitchFamily="49" charset="0"/>
+                <a:cs typeface="Times New Roman" panose="02020603050405020304" pitchFamily="18" charset="0"/>
+                <a:sym typeface="Wingdings" panose="05000000000000000000" pitchFamily="2" charset="2"/>
+              </a:rPr>
+              <a:t>(obj2,[21,31,43]);//50 </a:t>
+            </a:r>
+          </a:p>
+          <a:p>
+            <a:pPr marL="12700">
+              <a:spcBef>
+                <a:spcPts val="95"/>
+              </a:spcBef>
+            </a:pPr>
+            <a:endParaRPr lang="en-US" sz="1400" kern="0" dirty="0">
+              <a:latin typeface="Consolas" panose="020B0609020204030204" pitchFamily="49" charset="0"/>
+              <a:cs typeface="Times New Roman" panose="02020603050405020304" pitchFamily="18" charset="0"/>
+              <a:sym typeface="Wingdings" panose="05000000000000000000" pitchFamily="2" charset="2"/>
+            </a:endParaRPr>
+          </a:p>
+          <a:p>
+            <a:pPr marL="12700">
+              <a:spcBef>
+                <a:spcPts val="95"/>
+              </a:spcBef>
+            </a:pPr>
+            <a:endParaRPr lang="en-US" sz="1100" kern="0" dirty="0">
+              <a:latin typeface="Consolas" panose="020B0609020204030204" pitchFamily="49" charset="0"/>
+              <a:cs typeface="Times New Roman" panose="02020603050405020304" pitchFamily="18" charset="0"/>
+              <a:sym typeface="Wingdings" panose="05000000000000000000" pitchFamily="2" charset="2"/>
+            </a:endParaRPr>
+          </a:p>
+          <a:p>
+            <a:pPr marL="12700">
+              <a:spcBef>
+                <a:spcPts val="95"/>
+              </a:spcBef>
+            </a:pPr>
+            <a:r>
+              <a:rPr lang="en-US" sz="2800" kern="0" dirty="0">
+                <a:latin typeface="+mj-lt"/>
+                <a:cs typeface="Times New Roman" panose="02020603050405020304" pitchFamily="18" charset="0"/>
+                <a:sym typeface="Wingdings" panose="05000000000000000000" pitchFamily="2" charset="2"/>
+              </a:rPr>
+              <a:t>3. Bind : It makes the obj to get fixated on one obj and not change. </a:t>
+            </a:r>
+          </a:p>
+          <a:p>
+            <a:pPr marL="12700">
+              <a:spcBef>
+                <a:spcPts val="95"/>
+              </a:spcBef>
+            </a:pPr>
+            <a:r>
+              <a:rPr lang="en-US" sz="2000" kern="0" dirty="0">
+                <a:latin typeface="Consolas" panose="020B0609020204030204" pitchFamily="49" charset="0"/>
+                <a:cs typeface="Times New Roman" panose="02020603050405020304" pitchFamily="18" charset="0"/>
+                <a:sym typeface="Wingdings" panose="05000000000000000000" pitchFamily="2" charset="2"/>
+              </a:rPr>
+              <a:t>let </a:t>
+            </a:r>
+            <a:r>
+              <a:rPr lang="en-US" sz="2000" kern="0" dirty="0" err="1">
+                <a:latin typeface="Consolas" panose="020B0609020204030204" pitchFamily="49" charset="0"/>
+                <a:cs typeface="Times New Roman" panose="02020603050405020304" pitchFamily="18" charset="0"/>
+                <a:sym typeface="Wingdings" panose="05000000000000000000" pitchFamily="2" charset="2"/>
+              </a:rPr>
+              <a:t>newObj</a:t>
+            </a:r>
+            <a:r>
+              <a:rPr lang="en-US" sz="2000" kern="0" dirty="0">
+                <a:latin typeface="Consolas" panose="020B0609020204030204" pitchFamily="49" charset="0"/>
+                <a:cs typeface="Times New Roman" panose="02020603050405020304" pitchFamily="18" charset="0"/>
+                <a:sym typeface="Wingdings" panose="05000000000000000000" pitchFamily="2" charset="2"/>
+              </a:rPr>
+              <a:t> = </a:t>
+            </a:r>
+            <a:r>
+              <a:rPr lang="en-US" sz="2000" kern="0" dirty="0" err="1">
+                <a:latin typeface="Consolas" panose="020B0609020204030204" pitchFamily="49" charset="0"/>
+                <a:cs typeface="Times New Roman" panose="02020603050405020304" pitchFamily="18" charset="0"/>
+                <a:sym typeface="Wingdings" panose="05000000000000000000" pitchFamily="2" charset="2"/>
+              </a:rPr>
+              <a:t>obj.fn.bind</a:t>
+            </a:r>
+            <a:r>
+              <a:rPr lang="en-US" sz="2000" kern="0" dirty="0">
+                <a:latin typeface="Consolas" panose="020B0609020204030204" pitchFamily="49" charset="0"/>
+                <a:cs typeface="Times New Roman" panose="02020603050405020304" pitchFamily="18" charset="0"/>
+                <a:sym typeface="Wingdings" panose="05000000000000000000" pitchFamily="2" charset="2"/>
+              </a:rPr>
+              <a:t>(obj); </a:t>
+            </a:r>
+            <a:r>
+              <a:rPr lang="en-US" sz="2000" kern="0" dirty="0" err="1">
+                <a:latin typeface="Consolas" panose="020B0609020204030204" pitchFamily="49" charset="0"/>
+                <a:cs typeface="Times New Roman" panose="02020603050405020304" pitchFamily="18" charset="0"/>
+                <a:sym typeface="Wingdings" panose="05000000000000000000" pitchFamily="2" charset="2"/>
+              </a:rPr>
+              <a:t>newObj</a:t>
+            </a:r>
+            <a:r>
+              <a:rPr lang="en-US" sz="2000" kern="0" dirty="0">
+                <a:latin typeface="Consolas" panose="020B0609020204030204" pitchFamily="49" charset="0"/>
+                <a:cs typeface="Times New Roman" panose="02020603050405020304" pitchFamily="18" charset="0"/>
+                <a:sym typeface="Wingdings" panose="05000000000000000000" pitchFamily="2" charset="2"/>
+              </a:rPr>
+              <a:t>(); //will not point to window object</a:t>
+            </a:r>
+          </a:p>
+          <a:p>
+            <a:pPr marL="12700">
+              <a:spcBef>
+                <a:spcPts val="95"/>
+              </a:spcBef>
+            </a:pPr>
+            <a:endParaRPr lang="en-US" sz="1400" kern="0" dirty="0">
+              <a:latin typeface="Consolas" panose="020B0609020204030204" pitchFamily="49" charset="0"/>
+              <a:cs typeface="Times New Roman" panose="02020603050405020304" pitchFamily="18" charset="0"/>
+              <a:sym typeface="Wingdings" panose="05000000000000000000" pitchFamily="2" charset="2"/>
+            </a:endParaRPr>
+          </a:p>
+        </p:txBody>
+      </p:sp>
+    </p:spTree>
+    <p:extLst>
+      <p:ext uri="{BB962C8B-B14F-4D97-AF65-F5344CB8AC3E}">
+        <p14:creationId xmlns:p14="http://schemas.microsoft.com/office/powerpoint/2010/main" val="3074644953"/>
+      </p:ext>
+    </p:extLst>
+  </p:cSld>
+  <p:clrMapOvr>
+    <a:masterClrMapping/>
+  </p:clrMapOvr>
+</p:sld>
+</file>
+
+<file path=ppt/slides/slide35.xml><?xml version="1.0" encoding="utf-8"?>
+<p:sld xmlns:a="http://schemas.openxmlformats.org/drawingml/2006/main" xmlns:r="http://schemas.openxmlformats.org/officeDocument/2006/relationships" xmlns:p="http://schemas.openxmlformats.org/presentationml/2006/main">
+  <p:cSld>
+    <p:spTree>
+      <p:nvGrpSpPr>
+        <p:cNvPr id="1" name=""/>
+        <p:cNvGrpSpPr/>
+        <p:nvPr/>
+      </p:nvGrpSpPr>
+      <p:grpSpPr>
+        <a:xfrm>
+          <a:off x="0" y="0"/>
+          <a:ext cx="0" cy="0"/>
+          <a:chOff x="0" y="0"/>
+          <a:chExt cx="0" cy="0"/>
+        </a:xfrm>
+      </p:grpSpPr>
+      <p:sp>
+        <p:nvSpPr>
+          <p:cNvPr id="2" name="object 2"/>
+          <p:cNvSpPr/>
+          <p:nvPr/>
+        </p:nvSpPr>
+        <p:spPr>
+          <a:xfrm>
+            <a:off x="1" y="44199"/>
+            <a:ext cx="12191999" cy="7118601"/>
+          </a:xfrm>
+          <a:prstGeom prst="rect">
+            <a:avLst/>
+          </a:prstGeom>
+          <a:blipFill>
+            <a:blip r:embed="rId2" cstate="print"/>
+            <a:stretch>
+              <a:fillRect/>
+            </a:stretch>
+          </a:blipFill>
+        </p:spPr>
+        <p:txBody>
+          <a:bodyPr wrap="square" lIns="0" tIns="0" rIns="0" bIns="0" rtlCol="0"/>
+          <a:lstStyle/>
+          <a:p>
+            <a:endParaRPr b="1" dirty="0">
+              <a:ln w="13462">
+                <a:solidFill>
+                  <a:schemeClr val="bg1"/>
+                </a:solidFill>
+                <a:prstDash val="solid"/>
+              </a:ln>
+              <a:solidFill>
+                <a:schemeClr val="tx1">
+                  <a:lumMod val="85000"/>
+                  <a:lumOff val="15000"/>
+                </a:schemeClr>
+              </a:solidFill>
+              <a:effectLst>
+                <a:outerShdw dist="38100" dir="2700000" algn="bl" rotWithShape="0">
+                  <a:schemeClr val="accent5"/>
+                </a:outerShdw>
+              </a:effectLst>
+            </a:endParaRPr>
+          </a:p>
+        </p:txBody>
+      </p:sp>
+      <p:sp>
+        <p:nvSpPr>
+          <p:cNvPr id="3" name="object 3"/>
+          <p:cNvSpPr txBox="1">
+            <a:spLocks noGrp="1"/>
+          </p:cNvSpPr>
+          <p:nvPr>
+            <p:ph type="title"/>
+          </p:nvPr>
+        </p:nvSpPr>
+        <p:spPr>
+          <a:xfrm>
+            <a:off x="609600" y="304800"/>
+            <a:ext cx="8967115" cy="535403"/>
+          </a:xfrm>
+          <a:prstGeom prst="rect">
+            <a:avLst/>
+          </a:prstGeom>
+        </p:spPr>
+        <p:txBody>
+          <a:bodyPr vert="horz" wrap="square" lIns="0" tIns="12065" rIns="0" bIns="0" rtlCol="0">
+            <a:spAutoFit/>
+          </a:bodyPr>
+          <a:lstStyle/>
+          <a:p>
+            <a:pPr marL="12700">
+              <a:lnSpc>
+                <a:spcPct val="100000"/>
+              </a:lnSpc>
+              <a:spcBef>
+                <a:spcPts val="95"/>
+              </a:spcBef>
+            </a:pPr>
+            <a:r>
+              <a:rPr lang="en-US" sz="3400" dirty="0">
+                <a:latin typeface="+mj-lt"/>
+                <a:cs typeface="Carlito"/>
+              </a:rPr>
+              <a:t>Arrow Function (=&gt;)</a:t>
+            </a:r>
+            <a:endParaRPr sz="3400" dirty="0">
+              <a:latin typeface="+mj-lt"/>
+              <a:cs typeface="Carlito"/>
+            </a:endParaRPr>
+          </a:p>
+        </p:txBody>
+      </p:sp>
+      <p:sp>
+        <p:nvSpPr>
+          <p:cNvPr id="5" name="object 5"/>
+          <p:cNvSpPr/>
+          <p:nvPr/>
+        </p:nvSpPr>
+        <p:spPr>
+          <a:xfrm>
+            <a:off x="9816083" y="262127"/>
+            <a:ext cx="1976627" cy="822960"/>
+          </a:xfrm>
+          <a:prstGeom prst="rect">
+            <a:avLst/>
+          </a:prstGeom>
+          <a:blipFill>
+            <a:blip r:embed="rId3" cstate="print"/>
+            <a:stretch>
+              <a:fillRect/>
+            </a:stretch>
+          </a:blipFill>
+        </p:spPr>
+        <p:txBody>
+          <a:bodyPr wrap="square" lIns="0" tIns="0" rIns="0" bIns="0" rtlCol="0"/>
+          <a:lstStyle/>
+          <a:p>
+            <a:endParaRPr/>
+          </a:p>
+        </p:txBody>
+      </p:sp>
+      <p:sp>
+        <p:nvSpPr>
+          <p:cNvPr id="4" name="object 3">
+            <a:extLst>
+              <a:ext uri="{FF2B5EF4-FFF2-40B4-BE49-F238E27FC236}">
+                <a16:creationId xmlns:a16="http://schemas.microsoft.com/office/drawing/2014/main" id="{1ED9D45B-4B0D-FC76-3A8C-E89F6CD72254}"/>
+              </a:ext>
+            </a:extLst>
+          </p:cNvPr>
+          <p:cNvSpPr txBox="1">
+            <a:spLocks/>
+          </p:cNvSpPr>
+          <p:nvPr/>
+        </p:nvSpPr>
+        <p:spPr>
+          <a:xfrm>
+            <a:off x="533400" y="838200"/>
+            <a:ext cx="11429999" cy="5213607"/>
+          </a:xfrm>
+          <a:prstGeom prst="rect">
+            <a:avLst/>
+          </a:prstGeom>
+        </p:spPr>
+        <p:txBody>
+          <a:bodyPr vert="horz" wrap="square" lIns="0" tIns="12065" rIns="0" bIns="0" rtlCol="0">
+            <a:spAutoFit/>
+          </a:bodyPr>
+          <a:lstStyle>
+            <a:lvl1pPr>
+              <a:defRPr sz="6000" b="0" i="0">
+                <a:solidFill>
+                  <a:srgbClr val="E7E6E6"/>
+                </a:solidFill>
+                <a:latin typeface="Trebuchet MS"/>
+                <a:ea typeface="+mj-ea"/>
+                <a:cs typeface="Trebuchet MS"/>
+              </a:defRPr>
+            </a:lvl1pPr>
+          </a:lstStyle>
+          <a:p>
+            <a:pPr marL="12700">
+              <a:spcBef>
+                <a:spcPts val="95"/>
+              </a:spcBef>
+            </a:pPr>
+            <a:r>
+              <a:rPr lang="en-US" sz="3200" kern="0" dirty="0">
+                <a:latin typeface="+mn-lt"/>
+                <a:cs typeface="Times New Roman" panose="02020603050405020304" pitchFamily="18" charset="0"/>
+                <a:sym typeface="Wingdings" panose="05000000000000000000" pitchFamily="2" charset="2"/>
+              </a:rPr>
+              <a:t>ES6 feature to write function precisely</a:t>
+            </a:r>
+          </a:p>
+          <a:p>
+            <a:pPr marL="12700">
+              <a:spcBef>
+                <a:spcPts val="95"/>
+              </a:spcBef>
+            </a:pPr>
+            <a:r>
+              <a:rPr lang="en-US" sz="2400" kern="0" dirty="0" err="1">
+                <a:latin typeface="Consolas" panose="020B0609020204030204" pitchFamily="49" charset="0"/>
+                <a:cs typeface="Times New Roman" panose="02020603050405020304" pitchFamily="18" charset="0"/>
+                <a:sym typeface="Wingdings" panose="05000000000000000000" pitchFamily="2" charset="2"/>
+              </a:rPr>
+              <a:t>e.g</a:t>
+            </a:r>
+            <a:r>
+              <a:rPr lang="en-US" sz="2400" kern="0" dirty="0">
+                <a:latin typeface="Consolas" panose="020B0609020204030204" pitchFamily="49" charset="0"/>
+                <a:cs typeface="Times New Roman" panose="02020603050405020304" pitchFamily="18" charset="0"/>
+                <a:sym typeface="Wingdings" panose="05000000000000000000" pitchFamily="2" charset="2"/>
+              </a:rPr>
+              <a:t> let fun = ()=&gt;{//do something}; fun();</a:t>
+            </a:r>
+          </a:p>
+          <a:p>
+            <a:pPr marL="12700">
+              <a:spcBef>
+                <a:spcPts val="95"/>
+              </a:spcBef>
+            </a:pPr>
+            <a:endParaRPr lang="en-US" sz="2400" kern="0" dirty="0">
+              <a:latin typeface="Consolas" panose="020B0609020204030204" pitchFamily="49" charset="0"/>
+              <a:cs typeface="Times New Roman" panose="02020603050405020304" pitchFamily="18" charset="0"/>
+              <a:sym typeface="Wingdings" panose="05000000000000000000" pitchFamily="2" charset="2"/>
+            </a:endParaRPr>
+          </a:p>
+          <a:p>
+            <a:pPr marL="12700">
+              <a:spcBef>
+                <a:spcPts val="95"/>
+              </a:spcBef>
+            </a:pPr>
+            <a:r>
+              <a:rPr lang="en-US" sz="3200" kern="0" dirty="0">
+                <a:latin typeface="+mn-lt"/>
+                <a:cs typeface="Times New Roman" panose="02020603050405020304" pitchFamily="18" charset="0"/>
+                <a:sym typeface="Wingdings" panose="05000000000000000000" pitchFamily="2" charset="2"/>
+              </a:rPr>
+              <a:t>In case of arrow function it points to this of previous object .</a:t>
+            </a:r>
+          </a:p>
+          <a:p>
+            <a:pPr marL="12700">
+              <a:spcBef>
+                <a:spcPts val="95"/>
+              </a:spcBef>
+            </a:pPr>
+            <a:endParaRPr lang="en-US" sz="2400" kern="0" dirty="0">
+              <a:latin typeface="Consolas" panose="020B0609020204030204" pitchFamily="49" charset="0"/>
+              <a:cs typeface="Times New Roman" panose="02020603050405020304" pitchFamily="18" charset="0"/>
+              <a:sym typeface="Wingdings" panose="05000000000000000000" pitchFamily="2" charset="2"/>
+            </a:endParaRPr>
+          </a:p>
+          <a:p>
+            <a:pPr marL="12700">
+              <a:spcBef>
+                <a:spcPts val="95"/>
+              </a:spcBef>
+            </a:pPr>
+            <a:r>
+              <a:rPr lang="en-US" sz="2400" kern="0" dirty="0">
+                <a:latin typeface="Consolas" panose="020B0609020204030204" pitchFamily="49" charset="0"/>
+                <a:cs typeface="Times New Roman" panose="02020603050405020304" pitchFamily="18" charset="0"/>
+                <a:sym typeface="Wingdings" panose="05000000000000000000" pitchFamily="2" charset="2"/>
+              </a:rPr>
+              <a:t>let obj = { num : 3, </a:t>
+            </a:r>
+            <a:r>
+              <a:rPr lang="en-US" sz="2400" kern="0" dirty="0" err="1">
+                <a:latin typeface="Consolas" panose="020B0609020204030204" pitchFamily="49" charset="0"/>
+                <a:cs typeface="Times New Roman" panose="02020603050405020304" pitchFamily="18" charset="0"/>
+                <a:sym typeface="Wingdings" panose="05000000000000000000" pitchFamily="2" charset="2"/>
+              </a:rPr>
+              <a:t>fn</a:t>
+            </a:r>
+            <a:r>
+              <a:rPr lang="en-US" sz="2400" kern="0" dirty="0">
+                <a:latin typeface="Consolas" panose="020B0609020204030204" pitchFamily="49" charset="0"/>
+                <a:cs typeface="Times New Roman" panose="02020603050405020304" pitchFamily="18" charset="0"/>
+                <a:sym typeface="Wingdings" panose="05000000000000000000" pitchFamily="2" charset="2"/>
+              </a:rPr>
+              <a:t>()=&gt;{log(this);}} </a:t>
+            </a:r>
+          </a:p>
+          <a:p>
+            <a:pPr marL="12700">
+              <a:spcBef>
+                <a:spcPts val="95"/>
+              </a:spcBef>
+            </a:pPr>
+            <a:r>
+              <a:rPr lang="en-US" sz="2400" kern="0" dirty="0" err="1">
+                <a:latin typeface="Consolas" panose="020B0609020204030204" pitchFamily="49" charset="0"/>
+                <a:cs typeface="Times New Roman" panose="02020603050405020304" pitchFamily="18" charset="0"/>
+                <a:sym typeface="Wingdings" panose="05000000000000000000" pitchFamily="2" charset="2"/>
+              </a:rPr>
+              <a:t>obj.fn</a:t>
+            </a:r>
+            <a:r>
+              <a:rPr lang="en-US" sz="2400" kern="0" dirty="0">
+                <a:latin typeface="Consolas" panose="020B0609020204030204" pitchFamily="49" charset="0"/>
+                <a:cs typeface="Times New Roman" panose="02020603050405020304" pitchFamily="18" charset="0"/>
+                <a:sym typeface="Wingdings" panose="05000000000000000000" pitchFamily="2" charset="2"/>
+              </a:rPr>
+              <a:t>();// window ko point </a:t>
+            </a:r>
+            <a:r>
+              <a:rPr lang="en-US" sz="2400" kern="0" dirty="0" err="1">
+                <a:latin typeface="Consolas" panose="020B0609020204030204" pitchFamily="49" charset="0"/>
+                <a:cs typeface="Times New Roman" panose="02020603050405020304" pitchFamily="18" charset="0"/>
+                <a:sym typeface="Wingdings" panose="05000000000000000000" pitchFamily="2" charset="2"/>
+              </a:rPr>
+              <a:t>karega</a:t>
+            </a:r>
+            <a:r>
+              <a:rPr lang="en-US" sz="2400" kern="0" dirty="0">
+                <a:latin typeface="Consolas" panose="020B0609020204030204" pitchFamily="49" charset="0"/>
+                <a:cs typeface="Times New Roman" panose="02020603050405020304" pitchFamily="18" charset="0"/>
+                <a:sym typeface="Wingdings" panose="05000000000000000000" pitchFamily="2" charset="2"/>
+              </a:rPr>
+              <a:t> because of this</a:t>
+            </a:r>
+          </a:p>
+          <a:p>
+            <a:pPr marL="12700">
+              <a:spcBef>
+                <a:spcPts val="95"/>
+              </a:spcBef>
+            </a:pPr>
+            <a:endParaRPr lang="en-US" sz="2400" kern="0" dirty="0">
+              <a:latin typeface="Consolas" panose="020B0609020204030204" pitchFamily="49" charset="0"/>
+              <a:cs typeface="Times New Roman" panose="02020603050405020304" pitchFamily="18" charset="0"/>
+              <a:sym typeface="Wingdings" panose="05000000000000000000" pitchFamily="2" charset="2"/>
+            </a:endParaRPr>
+          </a:p>
+          <a:p>
+            <a:pPr marL="12700">
+              <a:spcBef>
+                <a:spcPts val="95"/>
+              </a:spcBef>
+            </a:pPr>
+            <a:r>
+              <a:rPr lang="en-US" sz="2400" kern="0" dirty="0">
+                <a:latin typeface="Consolas" panose="020B0609020204030204" pitchFamily="49" charset="0"/>
+                <a:cs typeface="Times New Roman" panose="02020603050405020304" pitchFamily="18" charset="0"/>
+                <a:sym typeface="Wingdings" panose="05000000000000000000" pitchFamily="2" charset="2"/>
+              </a:rPr>
+              <a:t>let obj = { obj2 : {fn1:function { </a:t>
+            </a:r>
+            <a:r>
+              <a:rPr lang="en-US" sz="2400" kern="0" dirty="0" err="1">
+                <a:latin typeface="Consolas" panose="020B0609020204030204" pitchFamily="49" charset="0"/>
+                <a:cs typeface="Times New Roman" panose="02020603050405020304" pitchFamily="18" charset="0"/>
+                <a:sym typeface="Wingdings" panose="05000000000000000000" pitchFamily="2" charset="2"/>
+              </a:rPr>
+              <a:t>fn</a:t>
+            </a:r>
+            <a:r>
+              <a:rPr lang="en-US" sz="2400" kern="0" dirty="0">
+                <a:latin typeface="Consolas" panose="020B0609020204030204" pitchFamily="49" charset="0"/>
+                <a:cs typeface="Times New Roman" panose="02020603050405020304" pitchFamily="18" charset="0"/>
+                <a:sym typeface="Wingdings" panose="05000000000000000000" pitchFamily="2" charset="2"/>
+              </a:rPr>
+              <a:t>()=&gt; {log(this); } </a:t>
+            </a:r>
+            <a:r>
+              <a:rPr lang="en-US" sz="2400" kern="0" dirty="0" err="1">
+                <a:latin typeface="Consolas" panose="020B0609020204030204" pitchFamily="49" charset="0"/>
+                <a:cs typeface="Times New Roman" panose="02020603050405020304" pitchFamily="18" charset="0"/>
+                <a:sym typeface="Wingdings" panose="05000000000000000000" pitchFamily="2" charset="2"/>
+              </a:rPr>
+              <a:t>fn</a:t>
+            </a:r>
+            <a:r>
+              <a:rPr lang="en-US" sz="2400" kern="0" dirty="0">
+                <a:latin typeface="Consolas" panose="020B0609020204030204" pitchFamily="49" charset="0"/>
+                <a:cs typeface="Times New Roman" panose="02020603050405020304" pitchFamily="18" charset="0"/>
+                <a:sym typeface="Wingdings" panose="05000000000000000000" pitchFamily="2" charset="2"/>
+              </a:rPr>
+              <a:t>();}}</a:t>
+            </a:r>
+          </a:p>
+          <a:p>
+            <a:pPr marL="12700">
+              <a:spcBef>
+                <a:spcPts val="95"/>
+              </a:spcBef>
+            </a:pPr>
+            <a:r>
+              <a:rPr lang="en-US" sz="2400" kern="0" dirty="0">
+                <a:latin typeface="Consolas" panose="020B0609020204030204" pitchFamily="49" charset="0"/>
+                <a:cs typeface="Times New Roman" panose="02020603050405020304" pitchFamily="18" charset="0"/>
+                <a:sym typeface="Wingdings" panose="05000000000000000000" pitchFamily="2" charset="2"/>
+              </a:rPr>
+              <a:t>obj.obj2.fn1(); here this will point to obj2</a:t>
+            </a:r>
+          </a:p>
+          <a:p>
+            <a:pPr marL="12700">
+              <a:spcBef>
+                <a:spcPts val="95"/>
+              </a:spcBef>
+            </a:pPr>
+            <a:endParaRPr lang="en-US" sz="2400" kern="0" dirty="0">
+              <a:latin typeface="Consolas" panose="020B0609020204030204" pitchFamily="49" charset="0"/>
+              <a:cs typeface="Times New Roman" panose="02020603050405020304" pitchFamily="18" charset="0"/>
+              <a:sym typeface="Wingdings" panose="05000000000000000000" pitchFamily="2" charset="2"/>
+            </a:endParaRPr>
+          </a:p>
+          <a:p>
+            <a:pPr marL="12700">
+              <a:spcBef>
+                <a:spcPts val="95"/>
+              </a:spcBef>
+            </a:pPr>
+            <a:endParaRPr lang="en-US" sz="2400" kern="0" dirty="0">
+              <a:latin typeface="Consolas" panose="020B0609020204030204" pitchFamily="49" charset="0"/>
+              <a:cs typeface="Times New Roman" panose="02020603050405020304" pitchFamily="18" charset="0"/>
+              <a:sym typeface="Wingdings" panose="05000000000000000000" pitchFamily="2" charset="2"/>
+            </a:endParaRPr>
+          </a:p>
+          <a:p>
+            <a:pPr marL="12700">
+              <a:spcBef>
+                <a:spcPts val="95"/>
+              </a:spcBef>
+            </a:pPr>
+            <a:endParaRPr lang="en-US" sz="2400" kern="0" dirty="0">
+              <a:latin typeface="Consolas" panose="020B0609020204030204" pitchFamily="49" charset="0"/>
+              <a:cs typeface="Times New Roman" panose="02020603050405020304" pitchFamily="18" charset="0"/>
+              <a:sym typeface="Wingdings" panose="05000000000000000000" pitchFamily="2" charset="2"/>
+            </a:endParaRPr>
+          </a:p>
+        </p:txBody>
+      </p:sp>
+    </p:spTree>
+    <p:extLst>
+      <p:ext uri="{BB962C8B-B14F-4D97-AF65-F5344CB8AC3E}">
+        <p14:creationId xmlns:p14="http://schemas.microsoft.com/office/powerpoint/2010/main" val="2479317000"/>
+      </p:ext>
+    </p:extLst>
+  </p:cSld>
+  <p:clrMapOvr>
+    <a:masterClrMapping/>
+  </p:clrMapOvr>
+</p:sld>
+</file>
+
+<file path=ppt/slides/slide36.xml><?xml version="1.0" encoding="utf-8"?>
+<p:sld xmlns:a="http://schemas.openxmlformats.org/drawingml/2006/main" xmlns:r="http://schemas.openxmlformats.org/officeDocument/2006/relationships" xmlns:p="http://schemas.openxmlformats.org/presentationml/2006/main">
+  <p:cSld>
+    <p:spTree>
+      <p:nvGrpSpPr>
+        <p:cNvPr id="1" name=""/>
+        <p:cNvGrpSpPr/>
+        <p:nvPr/>
+      </p:nvGrpSpPr>
+      <p:grpSpPr>
+        <a:xfrm>
+          <a:off x="0" y="0"/>
+          <a:ext cx="0" cy="0"/>
+          <a:chOff x="0" y="0"/>
+          <a:chExt cx="0" cy="0"/>
+        </a:xfrm>
+      </p:grpSpPr>
+      <p:sp>
+        <p:nvSpPr>
+          <p:cNvPr id="2" name="object 2"/>
+          <p:cNvSpPr/>
+          <p:nvPr/>
+        </p:nvSpPr>
+        <p:spPr>
+          <a:xfrm>
+            <a:off x="-36871" y="-36871"/>
+            <a:ext cx="12191999" cy="7118601"/>
+          </a:xfrm>
+          <a:prstGeom prst="rect">
+            <a:avLst/>
+          </a:prstGeom>
+          <a:blipFill>
+            <a:blip r:embed="rId2" cstate="print"/>
+            <a:stretch>
+              <a:fillRect/>
+            </a:stretch>
+          </a:blipFill>
+        </p:spPr>
+        <p:txBody>
+          <a:bodyPr wrap="square" lIns="0" tIns="0" rIns="0" bIns="0" rtlCol="0"/>
+          <a:lstStyle/>
+          <a:p>
+            <a:endParaRPr b="1" dirty="0">
+              <a:ln w="13462">
+                <a:solidFill>
+                  <a:schemeClr val="bg1"/>
+                </a:solidFill>
+                <a:prstDash val="solid"/>
+              </a:ln>
+              <a:solidFill>
+                <a:schemeClr val="tx1">
+                  <a:lumMod val="85000"/>
+                  <a:lumOff val="15000"/>
+                </a:schemeClr>
+              </a:solidFill>
+              <a:effectLst>
+                <a:outerShdw dist="38100" dir="2700000" algn="bl" rotWithShape="0">
+                  <a:schemeClr val="accent5"/>
+                </a:outerShdw>
+              </a:effectLst>
+            </a:endParaRPr>
+          </a:p>
+        </p:txBody>
+      </p:sp>
+      <p:sp>
+        <p:nvSpPr>
+          <p:cNvPr id="3" name="object 3"/>
+          <p:cNvSpPr txBox="1">
+            <a:spLocks noGrp="1"/>
+          </p:cNvSpPr>
+          <p:nvPr>
+            <p:ph type="title"/>
+          </p:nvPr>
+        </p:nvSpPr>
+        <p:spPr>
+          <a:xfrm>
+            <a:off x="609600" y="304800"/>
+            <a:ext cx="8967115" cy="535403"/>
+          </a:xfrm>
+          <a:prstGeom prst="rect">
+            <a:avLst/>
+          </a:prstGeom>
+        </p:spPr>
+        <p:txBody>
+          <a:bodyPr vert="horz" wrap="square" lIns="0" tIns="12065" rIns="0" bIns="0" rtlCol="0">
+            <a:spAutoFit/>
+          </a:bodyPr>
+          <a:lstStyle/>
+          <a:p>
+            <a:pPr marL="12700">
+              <a:lnSpc>
+                <a:spcPct val="100000"/>
+              </a:lnSpc>
+              <a:spcBef>
+                <a:spcPts val="95"/>
+              </a:spcBef>
+            </a:pPr>
+            <a:r>
+              <a:rPr lang="en-US" sz="3400" dirty="0">
+                <a:latin typeface="+mj-lt"/>
+                <a:cs typeface="Carlito"/>
+              </a:rPr>
+              <a:t>Async JavaScript Fundamentals</a:t>
+            </a:r>
+            <a:endParaRPr sz="3400" dirty="0">
+              <a:latin typeface="+mj-lt"/>
+              <a:cs typeface="Carlito"/>
+            </a:endParaRPr>
+          </a:p>
+        </p:txBody>
+      </p:sp>
+      <p:sp>
+        <p:nvSpPr>
+          <p:cNvPr id="5" name="object 5"/>
+          <p:cNvSpPr/>
+          <p:nvPr/>
+        </p:nvSpPr>
+        <p:spPr>
+          <a:xfrm>
+            <a:off x="9816083" y="262127"/>
+            <a:ext cx="1976627" cy="822960"/>
+          </a:xfrm>
+          <a:prstGeom prst="rect">
+            <a:avLst/>
+          </a:prstGeom>
+          <a:blipFill>
+            <a:blip r:embed="rId3" cstate="print"/>
+            <a:stretch>
+              <a:fillRect/>
+            </a:stretch>
+          </a:blipFill>
+        </p:spPr>
+        <p:txBody>
+          <a:bodyPr wrap="square" lIns="0" tIns="0" rIns="0" bIns="0" rtlCol="0"/>
+          <a:lstStyle/>
+          <a:p>
+            <a:endParaRPr/>
+          </a:p>
+        </p:txBody>
+      </p:sp>
+      <p:sp>
+        <p:nvSpPr>
+          <p:cNvPr id="4" name="object 3">
+            <a:extLst>
+              <a:ext uri="{FF2B5EF4-FFF2-40B4-BE49-F238E27FC236}">
+                <a16:creationId xmlns:a16="http://schemas.microsoft.com/office/drawing/2014/main" id="{1ED9D45B-4B0D-FC76-3A8C-E89F6CD72254}"/>
+              </a:ext>
+            </a:extLst>
+          </p:cNvPr>
+          <p:cNvSpPr txBox="1">
+            <a:spLocks/>
+          </p:cNvSpPr>
+          <p:nvPr/>
+        </p:nvSpPr>
+        <p:spPr>
+          <a:xfrm>
+            <a:off x="533400" y="838200"/>
+            <a:ext cx="11621728" cy="5706049"/>
+          </a:xfrm>
+          <a:prstGeom prst="rect">
+            <a:avLst/>
+          </a:prstGeom>
+        </p:spPr>
+        <p:txBody>
+          <a:bodyPr vert="horz" wrap="square" lIns="0" tIns="12065" rIns="0" bIns="0" rtlCol="0">
+            <a:spAutoFit/>
+          </a:bodyPr>
+          <a:lstStyle>
+            <a:lvl1pPr>
+              <a:defRPr sz="6000" b="0" i="0">
+                <a:solidFill>
+                  <a:srgbClr val="E7E6E6"/>
+                </a:solidFill>
+                <a:latin typeface="Trebuchet MS"/>
+                <a:ea typeface="+mj-ea"/>
+                <a:cs typeface="Trebuchet MS"/>
+              </a:defRPr>
+            </a:lvl1pPr>
+          </a:lstStyle>
+          <a:p>
+            <a:pPr marL="12700">
+              <a:spcBef>
+                <a:spcPts val="95"/>
+              </a:spcBef>
+            </a:pPr>
+            <a:r>
+              <a:rPr lang="en-US" sz="2800" kern="0" dirty="0">
+                <a:latin typeface="+mn-lt"/>
+                <a:cs typeface="Times New Roman" panose="02020603050405020304" pitchFamily="18" charset="0"/>
+                <a:sym typeface="Wingdings" panose="05000000000000000000" pitchFamily="2" charset="2"/>
+              </a:rPr>
+              <a:t>There are 2 types of codes :</a:t>
+            </a:r>
+          </a:p>
+          <a:p>
+            <a:pPr marL="469900" indent="-457200">
+              <a:spcBef>
+                <a:spcPts val="95"/>
+              </a:spcBef>
+              <a:buAutoNum type="arabicPeriod"/>
+            </a:pPr>
+            <a:r>
+              <a:rPr lang="en-US" sz="2800" kern="0" dirty="0">
+                <a:latin typeface="+mn-lt"/>
+                <a:cs typeface="Times New Roman" panose="02020603050405020304" pitchFamily="18" charset="0"/>
+                <a:sym typeface="Wingdings" panose="05000000000000000000" pitchFamily="2" charset="2"/>
+              </a:rPr>
+              <a:t>Blocking Code : Block the flow of Program  Read File in Sync</a:t>
+            </a:r>
+          </a:p>
+          <a:p>
+            <a:pPr marL="469900" indent="-457200">
+              <a:spcBef>
+                <a:spcPts val="95"/>
+              </a:spcBef>
+              <a:buFontTx/>
+              <a:buAutoNum type="arabicPeriod"/>
+            </a:pPr>
+            <a:r>
+              <a:rPr lang="en-US" sz="2800" kern="0" dirty="0">
+                <a:latin typeface="+mn-lt"/>
+                <a:cs typeface="Times New Roman" panose="02020603050405020304" pitchFamily="18" charset="0"/>
+                <a:sym typeface="Wingdings" panose="05000000000000000000" pitchFamily="2" charset="2"/>
+              </a:rPr>
+              <a:t>Non Blocking Code : Don’t Block the execution  Read File in Async</a:t>
+            </a:r>
+          </a:p>
+          <a:p>
+            <a:pPr marL="469900" indent="-457200">
+              <a:spcBef>
+                <a:spcPts val="95"/>
+              </a:spcBef>
+              <a:buFontTx/>
+              <a:buAutoNum type="arabicPeriod"/>
+            </a:pPr>
+            <a:endParaRPr lang="en-US" sz="2800" kern="0" dirty="0">
+              <a:latin typeface="+mn-lt"/>
+              <a:cs typeface="Times New Roman" panose="02020603050405020304" pitchFamily="18" charset="0"/>
+              <a:sym typeface="Wingdings" panose="05000000000000000000" pitchFamily="2" charset="2"/>
+            </a:endParaRPr>
+          </a:p>
+          <a:p>
+            <a:pPr marL="12700">
+              <a:spcBef>
+                <a:spcPts val="95"/>
+              </a:spcBef>
+            </a:pPr>
+            <a:r>
+              <a:rPr lang="en-US" sz="2800" kern="0" dirty="0">
+                <a:latin typeface="+mn-lt"/>
+                <a:cs typeface="Times New Roman" panose="02020603050405020304" pitchFamily="18" charset="0"/>
+                <a:sym typeface="Wingdings" panose="05000000000000000000" pitchFamily="2" charset="2"/>
+              </a:rPr>
+              <a:t> JS standalone is not used anywhere.</a:t>
+            </a:r>
+          </a:p>
+          <a:p>
+            <a:pPr marL="12700">
+              <a:spcBef>
+                <a:spcPts val="95"/>
+              </a:spcBef>
+            </a:pPr>
+            <a:r>
+              <a:rPr lang="en-US" sz="2800" kern="0" dirty="0">
+                <a:latin typeface="+mn-lt"/>
+                <a:cs typeface="Times New Roman" panose="02020603050405020304" pitchFamily="18" charset="0"/>
+                <a:sym typeface="Wingdings" panose="05000000000000000000" pitchFamily="2" charset="2"/>
+              </a:rPr>
+              <a:t> </a:t>
+            </a:r>
+            <a:r>
+              <a:rPr lang="en-US" sz="2800" kern="0" dirty="0" err="1">
+                <a:latin typeface="+mn-lt"/>
+                <a:cs typeface="Times New Roman" panose="02020603050405020304" pitchFamily="18" charset="0"/>
+                <a:sym typeface="Wingdings" panose="05000000000000000000" pitchFamily="2" charset="2"/>
+              </a:rPr>
+              <a:t>settimeout</a:t>
+            </a:r>
+            <a:r>
+              <a:rPr lang="en-US" sz="2800" kern="0" dirty="0">
+                <a:latin typeface="+mn-lt"/>
+                <a:cs typeface="Times New Roman" panose="02020603050405020304" pitchFamily="18" charset="0"/>
+                <a:sym typeface="Wingdings" panose="05000000000000000000" pitchFamily="2" charset="2"/>
+              </a:rPr>
+              <a:t> and </a:t>
+            </a:r>
+            <a:r>
+              <a:rPr lang="en-US" sz="2800" kern="0" dirty="0" err="1">
+                <a:latin typeface="+mn-lt"/>
+                <a:cs typeface="Times New Roman" panose="02020603050405020304" pitchFamily="18" charset="0"/>
+                <a:sym typeface="Wingdings" panose="05000000000000000000" pitchFamily="2" charset="2"/>
+              </a:rPr>
+              <a:t>setinterval</a:t>
+            </a:r>
+            <a:r>
+              <a:rPr lang="en-US" sz="2800" kern="0" dirty="0">
+                <a:latin typeface="+mn-lt"/>
+                <a:cs typeface="Times New Roman" panose="02020603050405020304" pitchFamily="18" charset="0"/>
+                <a:sym typeface="Wingdings" panose="05000000000000000000" pitchFamily="2" charset="2"/>
+              </a:rPr>
+              <a:t> is called .</a:t>
+            </a:r>
+          </a:p>
+          <a:p>
+            <a:pPr marL="12700">
+              <a:spcBef>
+                <a:spcPts val="95"/>
+              </a:spcBef>
+            </a:pPr>
+            <a:r>
+              <a:rPr lang="en-US" sz="2800" kern="0" dirty="0">
+                <a:latin typeface="+mn-lt"/>
+                <a:cs typeface="Times New Roman" panose="02020603050405020304" pitchFamily="18" charset="0"/>
+                <a:sym typeface="Wingdings" panose="05000000000000000000" pitchFamily="2" charset="2"/>
+              </a:rPr>
+              <a:t> Register callback keeps the record of </a:t>
+            </a:r>
+          </a:p>
+          <a:p>
+            <a:pPr marL="12700">
+              <a:spcBef>
+                <a:spcPts val="95"/>
+              </a:spcBef>
+            </a:pPr>
+            <a:r>
+              <a:rPr lang="en-US" sz="2800" kern="0" dirty="0">
+                <a:latin typeface="+mn-lt"/>
+                <a:cs typeface="Times New Roman" panose="02020603050405020304" pitchFamily="18" charset="0"/>
+                <a:sym typeface="Wingdings" panose="05000000000000000000" pitchFamily="2" charset="2"/>
+              </a:rPr>
+              <a:t>these calls.</a:t>
+            </a:r>
+          </a:p>
+          <a:p>
+            <a:pPr marL="12700">
+              <a:spcBef>
+                <a:spcPts val="95"/>
+              </a:spcBef>
+            </a:pPr>
+            <a:r>
+              <a:rPr lang="en-US" sz="2800" kern="0" dirty="0">
+                <a:latin typeface="+mn-lt"/>
+                <a:cs typeface="Times New Roman" panose="02020603050405020304" pitchFamily="18" charset="0"/>
+                <a:sym typeface="Wingdings" panose="05000000000000000000" pitchFamily="2" charset="2"/>
+              </a:rPr>
+              <a:t> </a:t>
+            </a:r>
+            <a:r>
+              <a:rPr lang="en-US" sz="2800" kern="0" dirty="0" err="1">
+                <a:latin typeface="+mn-lt"/>
+                <a:cs typeface="Times New Roman" panose="02020603050405020304" pitchFamily="18" charset="0"/>
+                <a:sym typeface="Wingdings" panose="05000000000000000000" pitchFamily="2" charset="2"/>
+              </a:rPr>
+              <a:t>taskQueue</a:t>
+            </a:r>
+            <a:r>
+              <a:rPr lang="en-US" sz="2800" kern="0" dirty="0">
+                <a:latin typeface="+mn-lt"/>
+                <a:cs typeface="Times New Roman" panose="02020603050405020304" pitchFamily="18" charset="0"/>
+                <a:sym typeface="Wingdings" panose="05000000000000000000" pitchFamily="2" charset="2"/>
+              </a:rPr>
+              <a:t> keeps the tasks and adds it</a:t>
+            </a:r>
+          </a:p>
+          <a:p>
+            <a:pPr marL="12700">
+              <a:spcBef>
+                <a:spcPts val="95"/>
+              </a:spcBef>
+            </a:pPr>
+            <a:r>
+              <a:rPr lang="en-US" sz="2800" kern="0" dirty="0">
+                <a:latin typeface="+mn-lt"/>
+                <a:cs typeface="Times New Roman" panose="02020603050405020304" pitchFamily="18" charset="0"/>
+                <a:sym typeface="Wingdings" panose="05000000000000000000" pitchFamily="2" charset="2"/>
+              </a:rPr>
+              <a:t>to the call stack.</a:t>
+            </a:r>
+          </a:p>
+          <a:p>
+            <a:pPr marL="469900" indent="-457200">
+              <a:spcBef>
+                <a:spcPts val="95"/>
+              </a:spcBef>
+              <a:buFont typeface="Wingdings" panose="05000000000000000000" pitchFamily="2" charset="2"/>
+              <a:buChar char="à"/>
+            </a:pPr>
+            <a:r>
+              <a:rPr lang="en-US" sz="2800" kern="0" dirty="0">
+                <a:latin typeface="+mn-lt"/>
+                <a:cs typeface="Times New Roman" panose="02020603050405020304" pitchFamily="18" charset="0"/>
+                <a:sym typeface="Wingdings" panose="05000000000000000000" pitchFamily="2" charset="2"/>
+              </a:rPr>
+              <a:t>‘promise’ is a new async function</a:t>
+            </a:r>
+          </a:p>
+          <a:p>
+            <a:pPr marL="12700">
+              <a:spcBef>
+                <a:spcPts val="95"/>
+              </a:spcBef>
+            </a:pPr>
+            <a:r>
+              <a:rPr lang="en-US" sz="2800" kern="0" dirty="0">
+                <a:latin typeface="+mn-lt"/>
+                <a:cs typeface="Times New Roman" panose="02020603050405020304" pitchFamily="18" charset="0"/>
+                <a:sym typeface="Wingdings" panose="05000000000000000000" pitchFamily="2" charset="2"/>
+              </a:rPr>
+              <a:t>which has high priority queue in it.</a:t>
+            </a:r>
+          </a:p>
+          <a:p>
+            <a:pPr marL="12700">
+              <a:spcBef>
+                <a:spcPts val="95"/>
+              </a:spcBef>
+            </a:pPr>
+            <a:endParaRPr lang="en-US" sz="2400" kern="0" dirty="0">
+              <a:latin typeface="Consolas" panose="020B0609020204030204" pitchFamily="49" charset="0"/>
+              <a:cs typeface="Times New Roman" panose="02020603050405020304" pitchFamily="18" charset="0"/>
+              <a:sym typeface="Wingdings" panose="05000000000000000000" pitchFamily="2" charset="2"/>
+            </a:endParaRPr>
+          </a:p>
+        </p:txBody>
+      </p:sp>
+      <p:pic>
+        <p:nvPicPr>
+          <p:cNvPr id="7" name="Picture 6">
+            <a:extLst>
+              <a:ext uri="{FF2B5EF4-FFF2-40B4-BE49-F238E27FC236}">
+                <a16:creationId xmlns:a16="http://schemas.microsoft.com/office/drawing/2014/main" id="{85F3D8DC-5A79-0F9A-6F2B-992AF9158421}"/>
+              </a:ext>
+            </a:extLst>
+          </p:cNvPr>
+          <p:cNvPicPr>
+            <a:picLocks noChangeAspect="1"/>
+          </p:cNvPicPr>
+          <p:nvPr/>
+        </p:nvPicPr>
+        <p:blipFill rotWithShape="1">
+          <a:blip r:embed="rId4">
+            <a:extLst>
+              <a:ext uri="{28A0092B-C50C-407E-A947-70E740481C1C}">
+                <a14:useLocalDpi xmlns:a14="http://schemas.microsoft.com/office/drawing/2010/main" val="0"/>
+              </a:ext>
+            </a:extLst>
+          </a:blip>
+          <a:srcRect l="7765" t="9260" r="7282" b="1852"/>
+          <a:stretch/>
+        </p:blipFill>
+        <p:spPr>
+          <a:xfrm>
+            <a:off x="6553200" y="2743200"/>
+            <a:ext cx="5562600" cy="3657601"/>
+          </a:xfrm>
+          <a:prstGeom prst="rect">
+            <a:avLst/>
+          </a:prstGeom>
+        </p:spPr>
+      </p:pic>
+    </p:spTree>
+    <p:extLst>
+      <p:ext uri="{BB962C8B-B14F-4D97-AF65-F5344CB8AC3E}">
+        <p14:creationId xmlns:p14="http://schemas.microsoft.com/office/powerpoint/2010/main" val="1521720287"/>
+      </p:ext>
+    </p:extLst>
+  </p:cSld>
+  <p:clrMapOvr>
+    <a:masterClrMapping/>
+  </p:clrMapOvr>
+</p:sld>
+</file>
+
+<file path=ppt/slides/slide37.xml><?xml version="1.0" encoding="utf-8"?>
+<p:sld xmlns:a="http://schemas.openxmlformats.org/drawingml/2006/main" xmlns:r="http://schemas.openxmlformats.org/officeDocument/2006/relationships" xmlns:p="http://schemas.openxmlformats.org/presentationml/2006/main">
+  <p:cSld>
+    <p:spTree>
+      <p:nvGrpSpPr>
+        <p:cNvPr id="1" name=""/>
+        <p:cNvGrpSpPr/>
+        <p:nvPr/>
+      </p:nvGrpSpPr>
+      <p:grpSpPr>
+        <a:xfrm>
+          <a:off x="0" y="0"/>
+          <a:ext cx="0" cy="0"/>
+          <a:chOff x="0" y="0"/>
+          <a:chExt cx="0" cy="0"/>
+        </a:xfrm>
+      </p:grpSpPr>
+      <p:sp>
+        <p:nvSpPr>
+          <p:cNvPr id="2" name="object 2"/>
+          <p:cNvSpPr/>
+          <p:nvPr/>
+        </p:nvSpPr>
+        <p:spPr>
+          <a:xfrm>
+            <a:off x="-36871" y="-36871"/>
+            <a:ext cx="12191999" cy="7118601"/>
+          </a:xfrm>
+          <a:prstGeom prst="rect">
+            <a:avLst/>
+          </a:prstGeom>
+          <a:blipFill>
+            <a:blip r:embed="rId2" cstate="print"/>
+            <a:stretch>
+              <a:fillRect/>
+            </a:stretch>
+          </a:blipFill>
+        </p:spPr>
+        <p:txBody>
+          <a:bodyPr wrap="square" lIns="0" tIns="0" rIns="0" bIns="0" rtlCol="0"/>
+          <a:lstStyle/>
+          <a:p>
+            <a:endParaRPr b="1" dirty="0">
+              <a:ln w="13462">
+                <a:solidFill>
+                  <a:schemeClr val="bg1"/>
+                </a:solidFill>
+                <a:prstDash val="solid"/>
+              </a:ln>
+              <a:solidFill>
+                <a:schemeClr val="tx1">
+                  <a:lumMod val="85000"/>
+                  <a:lumOff val="15000"/>
+                </a:schemeClr>
+              </a:solidFill>
+              <a:effectLst>
+                <a:outerShdw dist="38100" dir="2700000" algn="bl" rotWithShape="0">
+                  <a:schemeClr val="accent5"/>
+                </a:outerShdw>
+              </a:effectLst>
+            </a:endParaRPr>
+          </a:p>
+        </p:txBody>
+      </p:sp>
+      <p:sp>
+        <p:nvSpPr>
+          <p:cNvPr id="3" name="object 3"/>
+          <p:cNvSpPr txBox="1">
+            <a:spLocks noGrp="1"/>
+          </p:cNvSpPr>
+          <p:nvPr>
+            <p:ph type="title"/>
+          </p:nvPr>
+        </p:nvSpPr>
+        <p:spPr>
+          <a:xfrm>
+            <a:off x="609600" y="304800"/>
+            <a:ext cx="8967115" cy="535403"/>
+          </a:xfrm>
+          <a:prstGeom prst="rect">
+            <a:avLst/>
+          </a:prstGeom>
+        </p:spPr>
+        <p:txBody>
+          <a:bodyPr vert="horz" wrap="square" lIns="0" tIns="12065" rIns="0" bIns="0" rtlCol="0">
+            <a:spAutoFit/>
+          </a:bodyPr>
+          <a:lstStyle/>
+          <a:p>
+            <a:pPr marL="12700">
+              <a:lnSpc>
+                <a:spcPct val="100000"/>
+              </a:lnSpc>
+              <a:spcBef>
+                <a:spcPts val="95"/>
+              </a:spcBef>
+            </a:pPr>
+            <a:r>
+              <a:rPr lang="en-US" sz="3400" dirty="0">
+                <a:latin typeface="+mj-lt"/>
+                <a:cs typeface="Carlito"/>
+              </a:rPr>
+              <a:t>Async JavaScript Fundamentals</a:t>
+            </a:r>
+            <a:endParaRPr sz="3400" dirty="0">
+              <a:latin typeface="+mj-lt"/>
+              <a:cs typeface="Carlito"/>
+            </a:endParaRPr>
+          </a:p>
+        </p:txBody>
+      </p:sp>
+      <p:sp>
+        <p:nvSpPr>
+          <p:cNvPr id="5" name="object 5"/>
+          <p:cNvSpPr/>
+          <p:nvPr/>
+        </p:nvSpPr>
+        <p:spPr>
+          <a:xfrm>
+            <a:off x="9816083" y="262127"/>
+            <a:ext cx="1976627" cy="822960"/>
+          </a:xfrm>
+          <a:prstGeom prst="rect">
+            <a:avLst/>
+          </a:prstGeom>
+          <a:blipFill>
+            <a:blip r:embed="rId3" cstate="print"/>
+            <a:stretch>
+              <a:fillRect/>
+            </a:stretch>
+          </a:blipFill>
+        </p:spPr>
+        <p:txBody>
+          <a:bodyPr wrap="square" lIns="0" tIns="0" rIns="0" bIns="0" rtlCol="0"/>
+          <a:lstStyle/>
+          <a:p>
+            <a:endParaRPr/>
+          </a:p>
+        </p:txBody>
+      </p:sp>
+      <p:sp>
+        <p:nvSpPr>
+          <p:cNvPr id="4" name="object 3">
+            <a:extLst>
+              <a:ext uri="{FF2B5EF4-FFF2-40B4-BE49-F238E27FC236}">
+                <a16:creationId xmlns:a16="http://schemas.microsoft.com/office/drawing/2014/main" id="{1ED9D45B-4B0D-FC76-3A8C-E89F6CD72254}"/>
+              </a:ext>
+            </a:extLst>
+          </p:cNvPr>
+          <p:cNvSpPr txBox="1">
+            <a:spLocks/>
+          </p:cNvSpPr>
+          <p:nvPr/>
+        </p:nvSpPr>
+        <p:spPr>
+          <a:xfrm>
+            <a:off x="533400" y="838200"/>
+            <a:ext cx="11621728" cy="4967385"/>
+          </a:xfrm>
+          <a:prstGeom prst="rect">
+            <a:avLst/>
+          </a:prstGeom>
+        </p:spPr>
+        <p:txBody>
+          <a:bodyPr vert="horz" wrap="square" lIns="0" tIns="12065" rIns="0" bIns="0" rtlCol="0">
+            <a:spAutoFit/>
+          </a:bodyPr>
+          <a:lstStyle>
+            <a:lvl1pPr>
+              <a:defRPr sz="6000" b="0" i="0">
+                <a:solidFill>
+                  <a:srgbClr val="E7E6E6"/>
+                </a:solidFill>
+                <a:latin typeface="Trebuchet MS"/>
+                <a:ea typeface="+mj-ea"/>
+                <a:cs typeface="Trebuchet MS"/>
+              </a:defRPr>
+            </a:lvl1pPr>
+          </a:lstStyle>
+          <a:p>
+            <a:pPr marL="12700">
+              <a:spcBef>
+                <a:spcPts val="95"/>
+              </a:spcBef>
+            </a:pPr>
+            <a:r>
+              <a:rPr lang="en-US" sz="2400" b="1" kern="0" dirty="0">
+                <a:latin typeface="Consolas" panose="020B0609020204030204" pitchFamily="49" charset="0"/>
+                <a:cs typeface="Times New Roman" panose="02020603050405020304" pitchFamily="18" charset="0"/>
+                <a:sym typeface="Wingdings" panose="05000000000000000000" pitchFamily="2" charset="2"/>
+              </a:rPr>
+              <a:t>Examples</a:t>
+            </a:r>
+            <a:r>
+              <a:rPr lang="en-US" sz="2400" kern="0" dirty="0">
+                <a:latin typeface="Consolas" panose="020B0609020204030204" pitchFamily="49" charset="0"/>
+                <a:cs typeface="Times New Roman" panose="02020603050405020304" pitchFamily="18" charset="0"/>
+                <a:sym typeface="Wingdings" panose="05000000000000000000" pitchFamily="2" charset="2"/>
+              </a:rPr>
+              <a:t>: </a:t>
+            </a:r>
+          </a:p>
+          <a:p>
+            <a:pPr marL="12700">
+              <a:spcBef>
+                <a:spcPts val="95"/>
+              </a:spcBef>
+            </a:pPr>
+            <a:r>
+              <a:rPr lang="en-US" sz="2400" kern="0" dirty="0" err="1">
+                <a:latin typeface="Consolas" panose="020B0609020204030204" pitchFamily="49" charset="0"/>
+                <a:cs typeface="Times New Roman" panose="02020603050405020304" pitchFamily="18" charset="0"/>
+                <a:sym typeface="Wingdings" panose="05000000000000000000" pitchFamily="2" charset="2"/>
+              </a:rPr>
+              <a:t>setTimeout</a:t>
+            </a:r>
+            <a:r>
+              <a:rPr lang="en-US" sz="2400" kern="0" dirty="0">
+                <a:latin typeface="Consolas" panose="020B0609020204030204" pitchFamily="49" charset="0"/>
+                <a:cs typeface="Times New Roman" panose="02020603050405020304" pitchFamily="18" charset="0"/>
+                <a:sym typeface="Wingdings" panose="05000000000000000000" pitchFamily="2" charset="2"/>
+              </a:rPr>
+              <a:t>(function(){</a:t>
+            </a:r>
+          </a:p>
+          <a:p>
+            <a:pPr marL="12700">
+              <a:spcBef>
+                <a:spcPts val="95"/>
+              </a:spcBef>
+            </a:pPr>
+            <a:r>
+              <a:rPr lang="en-US" sz="2400" kern="0" dirty="0">
+                <a:latin typeface="Consolas" panose="020B0609020204030204" pitchFamily="49" charset="0"/>
+                <a:cs typeface="Times New Roman" panose="02020603050405020304" pitchFamily="18" charset="0"/>
+                <a:sym typeface="Wingdings" panose="05000000000000000000" pitchFamily="2" charset="2"/>
+              </a:rPr>
+              <a:t>	log(“do something”);</a:t>
+            </a:r>
+          </a:p>
+          <a:p>
+            <a:pPr marL="12700">
+              <a:spcBef>
+                <a:spcPts val="95"/>
+              </a:spcBef>
+            </a:pPr>
+            <a:r>
+              <a:rPr lang="en-US" sz="2400" kern="0" dirty="0">
+                <a:latin typeface="Consolas" panose="020B0609020204030204" pitchFamily="49" charset="0"/>
+                <a:cs typeface="Times New Roman" panose="02020603050405020304" pitchFamily="18" charset="0"/>
+                <a:sym typeface="Wingdings" panose="05000000000000000000" pitchFamily="2" charset="2"/>
+              </a:rPr>
+              <a:t>},2000);</a:t>
+            </a:r>
+          </a:p>
+          <a:p>
+            <a:pPr marL="12700">
+              <a:spcBef>
+                <a:spcPts val="95"/>
+              </a:spcBef>
+            </a:pPr>
+            <a:r>
+              <a:rPr lang="en-US" sz="2400" kern="0" dirty="0">
+                <a:latin typeface="Consolas" panose="020B0609020204030204" pitchFamily="49" charset="0"/>
+                <a:cs typeface="Times New Roman" panose="02020603050405020304" pitchFamily="18" charset="0"/>
+                <a:sym typeface="Wingdings" panose="05000000000000000000" pitchFamily="2" charset="2"/>
+              </a:rPr>
+              <a:t>clear</a:t>
+            </a:r>
+          </a:p>
+          <a:p>
+            <a:pPr marL="12700">
+              <a:spcBef>
+                <a:spcPts val="95"/>
+              </a:spcBef>
+            </a:pPr>
+            <a:endParaRPr lang="en-US" sz="2400" kern="0" dirty="0">
+              <a:latin typeface="Consolas" panose="020B0609020204030204" pitchFamily="49" charset="0"/>
+              <a:cs typeface="Times New Roman" panose="02020603050405020304" pitchFamily="18" charset="0"/>
+              <a:sym typeface="Wingdings" panose="05000000000000000000" pitchFamily="2" charset="2"/>
+            </a:endParaRPr>
+          </a:p>
+          <a:p>
+            <a:pPr marL="12700">
+              <a:spcBef>
+                <a:spcPts val="95"/>
+              </a:spcBef>
+            </a:pPr>
+            <a:r>
+              <a:rPr lang="en-US" sz="2400" kern="0" dirty="0" err="1">
+                <a:latin typeface="Consolas" panose="020B0609020204030204" pitchFamily="49" charset="0"/>
+                <a:cs typeface="Times New Roman" panose="02020603050405020304" pitchFamily="18" charset="0"/>
+                <a:sym typeface="Wingdings" panose="05000000000000000000" pitchFamily="2" charset="2"/>
+              </a:rPr>
+              <a:t>setInterval</a:t>
+            </a:r>
+            <a:r>
+              <a:rPr lang="en-US" sz="2400" kern="0" dirty="0">
+                <a:latin typeface="Consolas" panose="020B0609020204030204" pitchFamily="49" charset="0"/>
+                <a:cs typeface="Times New Roman" panose="02020603050405020304" pitchFamily="18" charset="0"/>
+                <a:sym typeface="Wingdings" panose="05000000000000000000" pitchFamily="2" charset="2"/>
+              </a:rPr>
+              <a:t>(function(){</a:t>
+            </a:r>
+          </a:p>
+          <a:p>
+            <a:pPr marL="12700">
+              <a:spcBef>
+                <a:spcPts val="95"/>
+              </a:spcBef>
+            </a:pPr>
+            <a:r>
+              <a:rPr lang="en-US" sz="2400" kern="0" dirty="0">
+                <a:latin typeface="Consolas" panose="020B0609020204030204" pitchFamily="49" charset="0"/>
+                <a:cs typeface="Times New Roman" panose="02020603050405020304" pitchFamily="18" charset="0"/>
+                <a:sym typeface="Wingdings" panose="05000000000000000000" pitchFamily="2" charset="2"/>
+              </a:rPr>
+              <a:t>	log(“do something”,</a:t>
+            </a:r>
+            <a:r>
+              <a:rPr lang="en-US" sz="2400" kern="0" dirty="0" err="1">
+                <a:latin typeface="Consolas" panose="020B0609020204030204" pitchFamily="49" charset="0"/>
+                <a:cs typeface="Times New Roman" panose="02020603050405020304" pitchFamily="18" charset="0"/>
+                <a:sym typeface="Wingdings" panose="05000000000000000000" pitchFamily="2" charset="2"/>
+              </a:rPr>
+              <a:t>Date.now</a:t>
+            </a:r>
+            <a:r>
+              <a:rPr lang="en-US" sz="2400" kern="0" dirty="0">
+                <a:latin typeface="Consolas" panose="020B0609020204030204" pitchFamily="49" charset="0"/>
+                <a:cs typeface="Times New Roman" panose="02020603050405020304" pitchFamily="18" charset="0"/>
+                <a:sym typeface="Wingdings" panose="05000000000000000000" pitchFamily="2" charset="2"/>
+              </a:rPr>
+              <a:t>());</a:t>
+            </a:r>
+          </a:p>
+          <a:p>
+            <a:pPr marL="12700">
+              <a:spcBef>
+                <a:spcPts val="95"/>
+              </a:spcBef>
+            </a:pPr>
+            <a:r>
+              <a:rPr lang="en-US" sz="2400" kern="0" dirty="0">
+                <a:latin typeface="Consolas" panose="020B0609020204030204" pitchFamily="49" charset="0"/>
+                <a:cs typeface="Times New Roman" panose="02020603050405020304" pitchFamily="18" charset="0"/>
+                <a:sym typeface="Wingdings" panose="05000000000000000000" pitchFamily="2" charset="2"/>
+              </a:rPr>
+              <a:t>},1000);</a:t>
+            </a:r>
+          </a:p>
+          <a:p>
+            <a:pPr marL="12700">
+              <a:spcBef>
+                <a:spcPts val="95"/>
+              </a:spcBef>
+            </a:pPr>
+            <a:endParaRPr lang="en-US" sz="2400" kern="0" dirty="0">
+              <a:latin typeface="Consolas" panose="020B0609020204030204" pitchFamily="49" charset="0"/>
+              <a:cs typeface="Times New Roman" panose="02020603050405020304" pitchFamily="18" charset="0"/>
+              <a:sym typeface="Wingdings" panose="05000000000000000000" pitchFamily="2" charset="2"/>
+            </a:endParaRPr>
+          </a:p>
+          <a:p>
+            <a:pPr marL="12700">
+              <a:spcBef>
+                <a:spcPts val="95"/>
+              </a:spcBef>
+            </a:pPr>
+            <a:r>
+              <a:rPr lang="en-US" sz="2400" b="1" kern="0" dirty="0">
+                <a:latin typeface="Consolas" panose="020B0609020204030204" pitchFamily="49" charset="0"/>
+                <a:cs typeface="Times New Roman" panose="02020603050405020304" pitchFamily="18" charset="0"/>
+                <a:sym typeface="Wingdings" panose="05000000000000000000" pitchFamily="2" charset="2"/>
+              </a:rPr>
+              <a:t>//by providing reference </a:t>
+            </a:r>
+          </a:p>
+          <a:p>
+            <a:pPr marL="12700">
+              <a:spcBef>
+                <a:spcPts val="95"/>
+              </a:spcBef>
+            </a:pPr>
+            <a:r>
+              <a:rPr lang="en-US" sz="2400" kern="0" dirty="0">
+                <a:latin typeface="Consolas" panose="020B0609020204030204" pitchFamily="49" charset="0"/>
+                <a:cs typeface="Times New Roman" panose="02020603050405020304" pitchFamily="18" charset="0"/>
+                <a:sym typeface="Wingdings" panose="05000000000000000000" pitchFamily="2" charset="2"/>
+              </a:rPr>
+              <a:t>const </a:t>
+            </a:r>
+            <a:r>
+              <a:rPr lang="en-US" sz="2400" kern="0" dirty="0" err="1">
+                <a:latin typeface="Consolas" panose="020B0609020204030204" pitchFamily="49" charset="0"/>
+                <a:cs typeface="Times New Roman" panose="02020603050405020304" pitchFamily="18" charset="0"/>
+                <a:sym typeface="Wingdings" panose="05000000000000000000" pitchFamily="2" charset="2"/>
+              </a:rPr>
+              <a:t>newFun</a:t>
+            </a:r>
+            <a:r>
+              <a:rPr lang="en-US" sz="2400" kern="0" dirty="0">
+                <a:latin typeface="Consolas" panose="020B0609020204030204" pitchFamily="49" charset="0"/>
+                <a:cs typeface="Times New Roman" panose="02020603050405020304" pitchFamily="18" charset="0"/>
+                <a:sym typeface="Wingdings" panose="05000000000000000000" pitchFamily="2" charset="2"/>
+              </a:rPr>
+              <a:t> = function(){ log(“doing it in ref”); }</a:t>
+            </a:r>
+          </a:p>
+          <a:p>
+            <a:pPr marL="12700">
+              <a:spcBef>
+                <a:spcPts val="95"/>
+              </a:spcBef>
+            </a:pPr>
+            <a:r>
+              <a:rPr lang="en-US" sz="2400" kern="0" dirty="0" err="1">
+                <a:latin typeface="Consolas" panose="020B0609020204030204" pitchFamily="49" charset="0"/>
+                <a:cs typeface="Times New Roman" panose="02020603050405020304" pitchFamily="18" charset="0"/>
+                <a:sym typeface="Wingdings" panose="05000000000000000000" pitchFamily="2" charset="2"/>
+              </a:rPr>
+              <a:t>setTimeout</a:t>
+            </a:r>
+            <a:r>
+              <a:rPr lang="en-US" sz="2400" kern="0" dirty="0">
+                <a:latin typeface="Consolas" panose="020B0609020204030204" pitchFamily="49" charset="0"/>
+                <a:cs typeface="Times New Roman" panose="02020603050405020304" pitchFamily="18" charset="0"/>
+                <a:sym typeface="Wingdings" panose="05000000000000000000" pitchFamily="2" charset="2"/>
+              </a:rPr>
+              <a:t>(</a:t>
+            </a:r>
+            <a:r>
+              <a:rPr lang="en-US" sz="2400" kern="0" dirty="0" err="1">
+                <a:latin typeface="Consolas" panose="020B0609020204030204" pitchFamily="49" charset="0"/>
+                <a:cs typeface="Times New Roman" panose="02020603050405020304" pitchFamily="18" charset="0"/>
+                <a:sym typeface="Wingdings" panose="05000000000000000000" pitchFamily="2" charset="2"/>
+              </a:rPr>
+              <a:t>newFun</a:t>
+            </a:r>
+            <a:r>
+              <a:rPr lang="en-US" sz="2400" kern="0" dirty="0">
+                <a:latin typeface="Consolas" panose="020B0609020204030204" pitchFamily="49" charset="0"/>
+                <a:cs typeface="Times New Roman" panose="02020603050405020304" pitchFamily="18" charset="0"/>
+                <a:sym typeface="Wingdings" panose="05000000000000000000" pitchFamily="2" charset="2"/>
+              </a:rPr>
+              <a:t>);</a:t>
+            </a:r>
+            <a:r>
+              <a:rPr lang="en-US" sz="2400" b="1" kern="0" dirty="0">
+                <a:latin typeface="Consolas" panose="020B0609020204030204" pitchFamily="49" charset="0"/>
+                <a:cs typeface="Times New Roman" panose="02020603050405020304" pitchFamily="18" charset="0"/>
+                <a:sym typeface="Wingdings" panose="05000000000000000000" pitchFamily="2" charset="2"/>
+              </a:rPr>
+              <a:t>//don’t call the function, only provide its ref.</a:t>
+            </a:r>
+          </a:p>
+        </p:txBody>
+      </p:sp>
+    </p:spTree>
+    <p:extLst>
+      <p:ext uri="{BB962C8B-B14F-4D97-AF65-F5344CB8AC3E}">
+        <p14:creationId xmlns:p14="http://schemas.microsoft.com/office/powerpoint/2010/main" val="720193725"/>
+      </p:ext>
+    </p:extLst>
+  </p:cSld>
+  <p:clrMapOvr>
+    <a:masterClrMapping/>
+  </p:clrMapOvr>
+</p:sld>
+</file>
+
+<file path=ppt/slides/slide38.xml><?xml version="1.0" encoding="utf-8"?>
+<p:sld xmlns:a="http://schemas.openxmlformats.org/drawingml/2006/main" xmlns:r="http://schemas.openxmlformats.org/officeDocument/2006/relationships" xmlns:p="http://schemas.openxmlformats.org/presentationml/2006/main">
+  <p:cSld>
+    <p:spTree>
+      <p:nvGrpSpPr>
+        <p:cNvPr id="1" name=""/>
+        <p:cNvGrpSpPr/>
+        <p:nvPr/>
+      </p:nvGrpSpPr>
+      <p:grpSpPr>
+        <a:xfrm>
+          <a:off x="0" y="0"/>
+          <a:ext cx="0" cy="0"/>
+          <a:chOff x="0" y="0"/>
+          <a:chExt cx="0" cy="0"/>
+        </a:xfrm>
+      </p:grpSpPr>
+      <p:sp>
+        <p:nvSpPr>
+          <p:cNvPr id="2" name="object 2"/>
+          <p:cNvSpPr/>
+          <p:nvPr/>
+        </p:nvSpPr>
+        <p:spPr>
+          <a:xfrm>
+            <a:off x="-36871" y="-36871"/>
+            <a:ext cx="12191999" cy="7118601"/>
+          </a:xfrm>
+          <a:prstGeom prst="rect">
+            <a:avLst/>
+          </a:prstGeom>
+          <a:blipFill>
+            <a:blip r:embed="rId2" cstate="print"/>
+            <a:stretch>
+              <a:fillRect/>
+            </a:stretch>
+          </a:blipFill>
+        </p:spPr>
+        <p:txBody>
+          <a:bodyPr wrap="square" lIns="0" tIns="0" rIns="0" bIns="0" rtlCol="0"/>
+          <a:lstStyle/>
+          <a:p>
+            <a:endParaRPr b="1" dirty="0">
+              <a:ln w="13462">
+                <a:solidFill>
+                  <a:schemeClr val="bg1"/>
+                </a:solidFill>
+                <a:prstDash val="solid"/>
+              </a:ln>
+              <a:solidFill>
+                <a:schemeClr val="tx1">
+                  <a:lumMod val="85000"/>
+                  <a:lumOff val="15000"/>
+                </a:schemeClr>
+              </a:solidFill>
+              <a:effectLst>
+                <a:outerShdw dist="38100" dir="2700000" algn="bl" rotWithShape="0">
+                  <a:schemeClr val="accent5"/>
+                </a:outerShdw>
+              </a:effectLst>
+            </a:endParaRPr>
+          </a:p>
+        </p:txBody>
+      </p:sp>
+      <p:sp>
+        <p:nvSpPr>
+          <p:cNvPr id="3" name="object 3"/>
+          <p:cNvSpPr txBox="1">
+            <a:spLocks noGrp="1"/>
+          </p:cNvSpPr>
+          <p:nvPr>
+            <p:ph type="title"/>
+          </p:nvPr>
+        </p:nvSpPr>
+        <p:spPr>
+          <a:xfrm>
+            <a:off x="481685" y="304800"/>
+            <a:ext cx="8967115" cy="566181"/>
+          </a:xfrm>
+          <a:prstGeom prst="rect">
+            <a:avLst/>
+          </a:prstGeom>
+        </p:spPr>
+        <p:txBody>
+          <a:bodyPr vert="horz" wrap="square" lIns="0" tIns="12065" rIns="0" bIns="0" rtlCol="0">
+            <a:spAutoFit/>
+          </a:bodyPr>
+          <a:lstStyle/>
+          <a:p>
+            <a:pPr marL="12700">
+              <a:spcBef>
+                <a:spcPts val="95"/>
+              </a:spcBef>
+            </a:pPr>
+            <a:r>
+              <a:rPr lang="en-US" sz="3400" dirty="0">
+                <a:latin typeface="+mj-lt"/>
+                <a:cs typeface="Carlito"/>
+              </a:rPr>
+              <a:t>DOM(</a:t>
+            </a:r>
+            <a:r>
+              <a:rPr lang="en-US" sz="3600" kern="0" dirty="0">
+                <a:latin typeface="+mn-lt"/>
+                <a:cs typeface="Calibri Light" panose="020F0302020204030204" pitchFamily="34" charset="0"/>
+                <a:sym typeface="Wingdings" panose="05000000000000000000" pitchFamily="2" charset="2"/>
+              </a:rPr>
+              <a:t>Document Object Model</a:t>
+            </a:r>
+            <a:r>
+              <a:rPr lang="en-US" sz="3400" dirty="0">
+                <a:latin typeface="+mj-lt"/>
+                <a:cs typeface="Carlito"/>
+              </a:rPr>
+              <a:t>)</a:t>
+            </a:r>
+            <a:endParaRPr sz="3400" dirty="0">
+              <a:latin typeface="+mj-lt"/>
+              <a:cs typeface="Carlito"/>
+            </a:endParaRPr>
+          </a:p>
+        </p:txBody>
+      </p:sp>
+      <p:sp>
+        <p:nvSpPr>
+          <p:cNvPr id="5" name="object 5"/>
+          <p:cNvSpPr/>
+          <p:nvPr/>
+        </p:nvSpPr>
+        <p:spPr>
+          <a:xfrm>
+            <a:off x="9816083" y="262127"/>
+            <a:ext cx="1976627" cy="822960"/>
+          </a:xfrm>
+          <a:prstGeom prst="rect">
+            <a:avLst/>
+          </a:prstGeom>
+          <a:blipFill>
+            <a:blip r:embed="rId3" cstate="print"/>
+            <a:stretch>
+              <a:fillRect/>
+            </a:stretch>
+          </a:blipFill>
+        </p:spPr>
+        <p:txBody>
+          <a:bodyPr wrap="square" lIns="0" tIns="0" rIns="0" bIns="0" rtlCol="0"/>
+          <a:lstStyle/>
+          <a:p>
+            <a:endParaRPr/>
+          </a:p>
+        </p:txBody>
+      </p:sp>
+      <p:sp>
+        <p:nvSpPr>
+          <p:cNvPr id="4" name="object 3">
+            <a:extLst>
+              <a:ext uri="{FF2B5EF4-FFF2-40B4-BE49-F238E27FC236}">
+                <a16:creationId xmlns:a16="http://schemas.microsoft.com/office/drawing/2014/main" id="{1ED9D45B-4B0D-FC76-3A8C-E89F6CD72254}"/>
+              </a:ext>
+            </a:extLst>
+          </p:cNvPr>
+          <p:cNvSpPr txBox="1">
+            <a:spLocks/>
+          </p:cNvSpPr>
+          <p:nvPr/>
+        </p:nvSpPr>
+        <p:spPr>
+          <a:xfrm>
+            <a:off x="533400" y="838200"/>
+            <a:ext cx="11621728" cy="5718873"/>
+          </a:xfrm>
+          <a:prstGeom prst="rect">
+            <a:avLst/>
+          </a:prstGeom>
+        </p:spPr>
+        <p:txBody>
+          <a:bodyPr vert="horz" wrap="square" lIns="0" tIns="12065" rIns="0" bIns="0" rtlCol="0">
+            <a:spAutoFit/>
+          </a:bodyPr>
+          <a:lstStyle>
+            <a:lvl1pPr>
+              <a:defRPr sz="6000" b="0" i="0">
+                <a:solidFill>
+                  <a:srgbClr val="E7E6E6"/>
+                </a:solidFill>
+                <a:latin typeface="Trebuchet MS"/>
+                <a:ea typeface="+mj-ea"/>
+                <a:cs typeface="Trebuchet MS"/>
+              </a:defRPr>
+            </a:lvl1pPr>
+          </a:lstStyle>
+          <a:p>
+            <a:pPr marL="12700">
+              <a:spcBef>
+                <a:spcPts val="95"/>
+              </a:spcBef>
+            </a:pPr>
+            <a:r>
+              <a:rPr lang="en-US" sz="2800" kern="0" dirty="0">
+                <a:latin typeface="+mn-lt"/>
+                <a:cs typeface="Calibri Light" panose="020F0302020204030204" pitchFamily="34" charset="0"/>
+                <a:sym typeface="Wingdings" panose="05000000000000000000" pitchFamily="2" charset="2"/>
+              </a:rPr>
+              <a:t>Document -&gt; HTML</a:t>
+            </a:r>
+          </a:p>
+          <a:p>
+            <a:pPr marL="12700">
+              <a:spcBef>
+                <a:spcPts val="95"/>
+              </a:spcBef>
+            </a:pPr>
+            <a:r>
+              <a:rPr lang="en-US" sz="2800" kern="0" dirty="0">
+                <a:latin typeface="+mn-lt"/>
+                <a:cs typeface="Calibri Light" panose="020F0302020204030204" pitchFamily="34" charset="0"/>
+                <a:sym typeface="Wingdings" panose="05000000000000000000" pitchFamily="2" charset="2"/>
+              </a:rPr>
+              <a:t>Object -&gt; JS Object </a:t>
+            </a:r>
+          </a:p>
+          <a:p>
+            <a:pPr marL="12700">
+              <a:spcBef>
+                <a:spcPts val="95"/>
+              </a:spcBef>
+            </a:pPr>
+            <a:r>
+              <a:rPr lang="en-US" sz="2800" kern="0" dirty="0">
+                <a:latin typeface="+mn-lt"/>
+                <a:cs typeface="Calibri Light" panose="020F0302020204030204" pitchFamily="34" charset="0"/>
+                <a:sym typeface="Wingdings" panose="05000000000000000000" pitchFamily="2" charset="2"/>
+              </a:rPr>
+              <a:t>Model -&gt; to manipulate</a:t>
+            </a:r>
+          </a:p>
+          <a:p>
+            <a:pPr marL="12700">
+              <a:spcBef>
+                <a:spcPts val="95"/>
+              </a:spcBef>
+            </a:pPr>
+            <a:endParaRPr lang="en-US" sz="2800" kern="0" dirty="0">
+              <a:latin typeface="+mn-lt"/>
+              <a:cs typeface="Calibri Light" panose="020F0302020204030204" pitchFamily="34" charset="0"/>
+              <a:sym typeface="Wingdings" panose="05000000000000000000" pitchFamily="2" charset="2"/>
+            </a:endParaRPr>
+          </a:p>
+          <a:p>
+            <a:pPr marL="12700">
+              <a:spcBef>
+                <a:spcPts val="95"/>
+              </a:spcBef>
+            </a:pPr>
+            <a:r>
+              <a:rPr lang="en-US" sz="2800" kern="0" dirty="0">
+                <a:latin typeface="+mn-lt"/>
+                <a:cs typeface="Calibri Light" panose="020F0302020204030204" pitchFamily="34" charset="0"/>
+                <a:sym typeface="Wingdings" panose="05000000000000000000" pitchFamily="2" charset="2"/>
+              </a:rPr>
+              <a:t>5 types of Selectors</a:t>
+            </a:r>
+          </a:p>
+          <a:p>
+            <a:pPr marL="12700">
+              <a:spcBef>
+                <a:spcPts val="95"/>
+              </a:spcBef>
+            </a:pPr>
+            <a:r>
+              <a:rPr lang="en-US" sz="2800" kern="0" dirty="0">
+                <a:latin typeface="+mn-lt"/>
+                <a:cs typeface="Calibri Light" panose="020F0302020204030204" pitchFamily="34" charset="0"/>
+                <a:sym typeface="Wingdings" panose="05000000000000000000" pitchFamily="2" charset="2"/>
+              </a:rPr>
+              <a:t>1.getElementsByTagName(‘h1’)-&gt; returns </a:t>
+            </a:r>
+            <a:r>
+              <a:rPr lang="en-US" sz="2800" kern="0" dirty="0" err="1">
+                <a:latin typeface="+mn-lt"/>
+                <a:cs typeface="Calibri Light" panose="020F0302020204030204" pitchFamily="34" charset="0"/>
+                <a:sym typeface="Wingdings" panose="05000000000000000000" pitchFamily="2" charset="2"/>
+              </a:rPr>
+              <a:t>HTMLCollection</a:t>
+            </a:r>
+            <a:r>
+              <a:rPr lang="en-US" sz="2800" kern="0" dirty="0">
+                <a:latin typeface="+mn-lt"/>
+                <a:cs typeface="Calibri Light" panose="020F0302020204030204" pitchFamily="34" charset="0"/>
+                <a:sym typeface="Wingdings" panose="05000000000000000000" pitchFamily="2" charset="2"/>
+              </a:rPr>
+              <a:t> i.e. array</a:t>
+            </a:r>
+          </a:p>
+          <a:p>
+            <a:pPr marL="469900" indent="-457200">
+              <a:spcBef>
+                <a:spcPts val="95"/>
+              </a:spcBef>
+              <a:buFont typeface="Wingdings" panose="05000000000000000000" pitchFamily="2" charset="2"/>
+              <a:buChar char="à"/>
+            </a:pPr>
+            <a:r>
+              <a:rPr lang="en-US" sz="2800" kern="0" dirty="0">
+                <a:latin typeface="+mn-lt"/>
+                <a:cs typeface="Calibri Light" panose="020F0302020204030204" pitchFamily="34" charset="0"/>
+                <a:sym typeface="Wingdings" panose="05000000000000000000" pitchFamily="2" charset="2"/>
+              </a:rPr>
+              <a:t>we can loop through them and apply style to them </a:t>
+            </a:r>
+          </a:p>
+          <a:p>
+            <a:pPr marL="12700">
+              <a:spcBef>
+                <a:spcPts val="95"/>
+              </a:spcBef>
+            </a:pPr>
+            <a:r>
+              <a:rPr lang="en-US" sz="2000" kern="0" dirty="0">
+                <a:latin typeface="Consolas" panose="020B0609020204030204" pitchFamily="49" charset="0"/>
+                <a:cs typeface="Calibri Light" panose="020F0302020204030204" pitchFamily="34" charset="0"/>
+                <a:sym typeface="Wingdings" panose="05000000000000000000" pitchFamily="2" charset="2"/>
+              </a:rPr>
+              <a:t>	for(let item of </a:t>
+            </a:r>
+            <a:r>
+              <a:rPr lang="en-US" sz="2000" kern="0" dirty="0" err="1">
+                <a:latin typeface="Consolas" panose="020B0609020204030204" pitchFamily="49" charset="0"/>
+                <a:cs typeface="Calibri Light" panose="020F0302020204030204" pitchFamily="34" charset="0"/>
+                <a:sym typeface="Wingdings" panose="05000000000000000000" pitchFamily="2" charset="2"/>
+              </a:rPr>
+              <a:t>arr</a:t>
+            </a:r>
+            <a:r>
+              <a:rPr lang="en-US" sz="2000" kern="0" dirty="0">
+                <a:latin typeface="Consolas" panose="020B0609020204030204" pitchFamily="49" charset="0"/>
+                <a:cs typeface="Calibri Light" panose="020F0302020204030204" pitchFamily="34" charset="0"/>
+                <a:sym typeface="Wingdings" panose="05000000000000000000" pitchFamily="2" charset="2"/>
+              </a:rPr>
+              <a:t>){</a:t>
+            </a:r>
+          </a:p>
+          <a:p>
+            <a:pPr marL="12700">
+              <a:spcBef>
+                <a:spcPts val="95"/>
+              </a:spcBef>
+            </a:pPr>
+            <a:r>
+              <a:rPr lang="en-US" sz="2000" kern="0" dirty="0">
+                <a:latin typeface="Consolas" panose="020B0609020204030204" pitchFamily="49" charset="0"/>
+                <a:cs typeface="Calibri Light" panose="020F0302020204030204" pitchFamily="34" charset="0"/>
+                <a:sym typeface="Wingdings" panose="05000000000000000000" pitchFamily="2" charset="2"/>
+              </a:rPr>
+              <a:t>		</a:t>
+            </a:r>
+            <a:r>
+              <a:rPr lang="en-US" sz="2000" kern="0" dirty="0" err="1">
+                <a:latin typeface="Consolas" panose="020B0609020204030204" pitchFamily="49" charset="0"/>
+                <a:cs typeface="Calibri Light" panose="020F0302020204030204" pitchFamily="34" charset="0"/>
+                <a:sym typeface="Wingdings" panose="05000000000000000000" pitchFamily="2" charset="2"/>
+              </a:rPr>
+              <a:t>item.style.color</a:t>
+            </a:r>
+            <a:r>
+              <a:rPr lang="en-US" sz="2000" kern="0" dirty="0">
+                <a:latin typeface="Consolas" panose="020B0609020204030204" pitchFamily="49" charset="0"/>
+                <a:cs typeface="Calibri Light" panose="020F0302020204030204" pitchFamily="34" charset="0"/>
+                <a:sym typeface="Wingdings" panose="05000000000000000000" pitchFamily="2" charset="2"/>
+              </a:rPr>
+              <a:t> = ‘red’;</a:t>
+            </a:r>
+          </a:p>
+          <a:p>
+            <a:pPr marL="12700">
+              <a:spcBef>
+                <a:spcPts val="95"/>
+              </a:spcBef>
+            </a:pPr>
+            <a:r>
+              <a:rPr lang="en-US" sz="2000" kern="0" dirty="0">
+                <a:latin typeface="Consolas" panose="020B0609020204030204" pitchFamily="49" charset="0"/>
+                <a:cs typeface="Calibri Light" panose="020F0302020204030204" pitchFamily="34" charset="0"/>
+                <a:sym typeface="Wingdings" panose="05000000000000000000" pitchFamily="2" charset="2"/>
+              </a:rPr>
+              <a:t>	}</a:t>
+            </a:r>
+          </a:p>
+          <a:p>
+            <a:pPr marL="12700">
+              <a:spcBef>
+                <a:spcPts val="95"/>
+              </a:spcBef>
+            </a:pPr>
+            <a:endParaRPr lang="en-US" sz="2000" kern="0" dirty="0">
+              <a:latin typeface="Consolas" panose="020B0609020204030204" pitchFamily="49" charset="0"/>
+              <a:cs typeface="Calibri Light" panose="020F0302020204030204" pitchFamily="34" charset="0"/>
+              <a:sym typeface="Wingdings" panose="05000000000000000000" pitchFamily="2" charset="2"/>
+            </a:endParaRPr>
+          </a:p>
+          <a:p>
+            <a:pPr marL="12700">
+              <a:spcBef>
+                <a:spcPts val="95"/>
+              </a:spcBef>
+            </a:pPr>
+            <a:r>
+              <a:rPr lang="en-US" sz="2800" kern="0" dirty="0">
+                <a:latin typeface="+mn-lt"/>
+                <a:cs typeface="Calibri Light" panose="020F0302020204030204" pitchFamily="34" charset="0"/>
+                <a:sym typeface="Wingdings" panose="05000000000000000000" pitchFamily="2" charset="2"/>
+              </a:rPr>
+              <a:t>2. </a:t>
+            </a:r>
+            <a:r>
+              <a:rPr lang="en-US" sz="2800" kern="0" dirty="0" err="1">
+                <a:latin typeface="+mn-lt"/>
+                <a:cs typeface="Calibri Light" panose="020F0302020204030204" pitchFamily="34" charset="0"/>
+                <a:sym typeface="Wingdings" panose="05000000000000000000" pitchFamily="2" charset="2"/>
+              </a:rPr>
+              <a:t>getElementByID</a:t>
+            </a:r>
+            <a:r>
+              <a:rPr lang="en-US" sz="2800" kern="0" dirty="0">
+                <a:latin typeface="+mn-lt"/>
+                <a:cs typeface="Calibri Light" panose="020F0302020204030204" pitchFamily="34" charset="0"/>
+                <a:sym typeface="Wingdings" panose="05000000000000000000" pitchFamily="2" charset="2"/>
+              </a:rPr>
+              <a:t>(‘h1’)-&gt; returns single element</a:t>
+            </a:r>
+          </a:p>
+          <a:p>
+            <a:pPr marL="12700">
+              <a:spcBef>
+                <a:spcPts val="95"/>
+              </a:spcBef>
+            </a:pPr>
+            <a:r>
+              <a:rPr lang="en-US" sz="2800" kern="0" dirty="0">
+                <a:latin typeface="+mn-lt"/>
+                <a:cs typeface="Calibri Light" panose="020F0302020204030204" pitchFamily="34" charset="0"/>
+                <a:sym typeface="Wingdings" panose="05000000000000000000" pitchFamily="2" charset="2"/>
+              </a:rPr>
+              <a:t>3. </a:t>
+            </a:r>
+            <a:r>
+              <a:rPr lang="en-US" sz="2800" kern="0" dirty="0" err="1">
+                <a:latin typeface="+mn-lt"/>
+                <a:cs typeface="Calibri Light" panose="020F0302020204030204" pitchFamily="34" charset="0"/>
+                <a:sym typeface="Wingdings" panose="05000000000000000000" pitchFamily="2" charset="2"/>
+              </a:rPr>
+              <a:t>getElementByClassName</a:t>
+            </a:r>
+            <a:r>
+              <a:rPr lang="en-US" sz="2800" kern="0" dirty="0">
+                <a:latin typeface="+mn-lt"/>
+                <a:cs typeface="Calibri Light" panose="020F0302020204030204" pitchFamily="34" charset="0"/>
+                <a:sym typeface="Wingdings" panose="05000000000000000000" pitchFamily="2" charset="2"/>
+              </a:rPr>
+              <a:t>(‘h1’)-&gt; returns </a:t>
+            </a:r>
+            <a:r>
+              <a:rPr lang="en-US" sz="2800" kern="0" dirty="0" err="1">
+                <a:latin typeface="+mn-lt"/>
+                <a:cs typeface="Calibri Light" panose="020F0302020204030204" pitchFamily="34" charset="0"/>
+                <a:sym typeface="Wingdings" panose="05000000000000000000" pitchFamily="2" charset="2"/>
+              </a:rPr>
+              <a:t>HTMLCollection</a:t>
+            </a:r>
+            <a:endParaRPr lang="en-US" sz="2800" kern="0" dirty="0">
+              <a:latin typeface="+mn-lt"/>
+              <a:cs typeface="Calibri Light" panose="020F0302020204030204" pitchFamily="34" charset="0"/>
+              <a:sym typeface="Wingdings" panose="05000000000000000000" pitchFamily="2" charset="2"/>
+            </a:endParaRPr>
+          </a:p>
+          <a:p>
+            <a:pPr marL="12700">
+              <a:spcBef>
+                <a:spcPts val="95"/>
+              </a:spcBef>
+            </a:pPr>
+            <a:endParaRPr lang="en-US" sz="2800" kern="0" dirty="0">
+              <a:latin typeface="+mn-lt"/>
+              <a:cs typeface="Calibri Light" panose="020F0302020204030204" pitchFamily="34" charset="0"/>
+              <a:sym typeface="Wingdings" panose="05000000000000000000" pitchFamily="2" charset="2"/>
+            </a:endParaRPr>
+          </a:p>
+        </p:txBody>
+      </p:sp>
+    </p:spTree>
+    <p:extLst>
+      <p:ext uri="{BB962C8B-B14F-4D97-AF65-F5344CB8AC3E}">
+        <p14:creationId xmlns:p14="http://schemas.microsoft.com/office/powerpoint/2010/main" val="94353504"/>
+      </p:ext>
+    </p:extLst>
+  </p:cSld>
+  <p:clrMapOvr>
+    <a:masterClrMapping/>
+  </p:clrMapOvr>
+</p:sld>
+</file>
+
+<file path=ppt/slides/slide39.xml><?xml version="1.0" encoding="utf-8"?>
+<p:sld xmlns:a="http://schemas.openxmlformats.org/drawingml/2006/main" xmlns:r="http://schemas.openxmlformats.org/officeDocument/2006/relationships" xmlns:p="http://schemas.openxmlformats.org/presentationml/2006/main">
+  <p:cSld>
+    <p:spTree>
+      <p:nvGrpSpPr>
+        <p:cNvPr id="1" name=""/>
+        <p:cNvGrpSpPr/>
+        <p:nvPr/>
+      </p:nvGrpSpPr>
+      <p:grpSpPr>
+        <a:xfrm>
+          <a:off x="0" y="0"/>
+          <a:ext cx="0" cy="0"/>
+          <a:chOff x="0" y="0"/>
+          <a:chExt cx="0" cy="0"/>
+        </a:xfrm>
+      </p:grpSpPr>
+      <p:sp>
+        <p:nvSpPr>
+          <p:cNvPr id="2" name="object 2"/>
+          <p:cNvSpPr/>
+          <p:nvPr/>
+        </p:nvSpPr>
+        <p:spPr>
+          <a:xfrm>
+            <a:off x="-36871" y="-36871"/>
+            <a:ext cx="12191999" cy="7118601"/>
+          </a:xfrm>
+          <a:prstGeom prst="rect">
+            <a:avLst/>
+          </a:prstGeom>
+          <a:blipFill>
+            <a:blip r:embed="rId2" cstate="print"/>
+            <a:stretch>
+              <a:fillRect/>
+            </a:stretch>
+          </a:blipFill>
+        </p:spPr>
+        <p:txBody>
+          <a:bodyPr wrap="square" lIns="0" tIns="0" rIns="0" bIns="0" rtlCol="0"/>
+          <a:lstStyle/>
+          <a:p>
+            <a:endParaRPr b="1" dirty="0">
+              <a:ln w="13462">
+                <a:solidFill>
+                  <a:schemeClr val="bg1"/>
+                </a:solidFill>
+                <a:prstDash val="solid"/>
+              </a:ln>
+              <a:solidFill>
+                <a:schemeClr val="tx1">
+                  <a:lumMod val="85000"/>
+                  <a:lumOff val="15000"/>
+                </a:schemeClr>
+              </a:solidFill>
+              <a:effectLst>
+                <a:outerShdw dist="38100" dir="2700000" algn="bl" rotWithShape="0">
+                  <a:schemeClr val="accent5"/>
+                </a:outerShdw>
+              </a:effectLst>
+            </a:endParaRPr>
+          </a:p>
+        </p:txBody>
+      </p:sp>
+      <p:sp>
+        <p:nvSpPr>
+          <p:cNvPr id="3" name="object 3"/>
+          <p:cNvSpPr txBox="1">
+            <a:spLocks noGrp="1"/>
+          </p:cNvSpPr>
+          <p:nvPr>
+            <p:ph type="title"/>
+          </p:nvPr>
+        </p:nvSpPr>
+        <p:spPr>
+          <a:xfrm>
+            <a:off x="481685" y="304800"/>
+            <a:ext cx="8967115" cy="566181"/>
+          </a:xfrm>
+          <a:prstGeom prst="rect">
+            <a:avLst/>
+          </a:prstGeom>
+        </p:spPr>
+        <p:txBody>
+          <a:bodyPr vert="horz" wrap="square" lIns="0" tIns="12065" rIns="0" bIns="0" rtlCol="0">
+            <a:spAutoFit/>
+          </a:bodyPr>
+          <a:lstStyle/>
+          <a:p>
+            <a:pPr marL="12700">
+              <a:spcBef>
+                <a:spcPts val="95"/>
+              </a:spcBef>
+            </a:pPr>
+            <a:r>
+              <a:rPr lang="en-US" sz="3400" dirty="0">
+                <a:latin typeface="+mj-lt"/>
+                <a:cs typeface="Carlito"/>
+              </a:rPr>
+              <a:t>DOM(</a:t>
+            </a:r>
+            <a:r>
+              <a:rPr lang="en-US" sz="3600" kern="0" dirty="0">
+                <a:latin typeface="+mn-lt"/>
+                <a:cs typeface="Calibri Light" panose="020F0302020204030204" pitchFamily="34" charset="0"/>
+                <a:sym typeface="Wingdings" panose="05000000000000000000" pitchFamily="2" charset="2"/>
+              </a:rPr>
+              <a:t>Document Object Model</a:t>
+            </a:r>
+            <a:r>
+              <a:rPr lang="en-US" sz="3400" dirty="0">
+                <a:latin typeface="+mj-lt"/>
+                <a:cs typeface="Carlito"/>
+              </a:rPr>
+              <a:t>)</a:t>
+            </a:r>
+            <a:endParaRPr sz="3400" dirty="0">
+              <a:latin typeface="+mj-lt"/>
+              <a:cs typeface="Carlito"/>
+            </a:endParaRPr>
+          </a:p>
+        </p:txBody>
+      </p:sp>
+      <p:sp>
+        <p:nvSpPr>
+          <p:cNvPr id="5" name="object 5"/>
+          <p:cNvSpPr/>
+          <p:nvPr/>
+        </p:nvSpPr>
+        <p:spPr>
+          <a:xfrm>
+            <a:off x="9816083" y="262127"/>
+            <a:ext cx="1976627" cy="822960"/>
+          </a:xfrm>
+          <a:prstGeom prst="rect">
+            <a:avLst/>
+          </a:prstGeom>
+          <a:blipFill>
+            <a:blip r:embed="rId3" cstate="print"/>
+            <a:stretch>
+              <a:fillRect/>
+            </a:stretch>
+          </a:blipFill>
+        </p:spPr>
+        <p:txBody>
+          <a:bodyPr wrap="square" lIns="0" tIns="0" rIns="0" bIns="0" rtlCol="0"/>
+          <a:lstStyle/>
+          <a:p>
+            <a:endParaRPr/>
+          </a:p>
+        </p:txBody>
+      </p:sp>
+      <p:sp>
+        <p:nvSpPr>
+          <p:cNvPr id="4" name="object 3">
+            <a:extLst>
+              <a:ext uri="{FF2B5EF4-FFF2-40B4-BE49-F238E27FC236}">
+                <a16:creationId xmlns:a16="http://schemas.microsoft.com/office/drawing/2014/main" id="{1ED9D45B-4B0D-FC76-3A8C-E89F6CD72254}"/>
+              </a:ext>
+            </a:extLst>
+          </p:cNvPr>
+          <p:cNvSpPr txBox="1">
+            <a:spLocks/>
+          </p:cNvSpPr>
+          <p:nvPr/>
+        </p:nvSpPr>
+        <p:spPr>
+          <a:xfrm>
+            <a:off x="533400" y="838200"/>
+            <a:ext cx="11621728" cy="5557291"/>
+          </a:xfrm>
+          <a:prstGeom prst="rect">
+            <a:avLst/>
+          </a:prstGeom>
+        </p:spPr>
+        <p:txBody>
+          <a:bodyPr vert="horz" wrap="square" lIns="0" tIns="12065" rIns="0" bIns="0" rtlCol="0">
+            <a:spAutoFit/>
+          </a:bodyPr>
+          <a:lstStyle>
+            <a:lvl1pPr>
+              <a:defRPr sz="6000" b="0" i="0">
+                <a:solidFill>
+                  <a:srgbClr val="E7E6E6"/>
+                </a:solidFill>
+                <a:latin typeface="Trebuchet MS"/>
+                <a:ea typeface="+mj-ea"/>
+                <a:cs typeface="Trebuchet MS"/>
+              </a:defRPr>
+            </a:lvl1pPr>
+          </a:lstStyle>
+          <a:p>
+            <a:pPr marL="12700">
+              <a:spcBef>
+                <a:spcPts val="95"/>
+              </a:spcBef>
+            </a:pPr>
+            <a:r>
+              <a:rPr lang="en-US" sz="3200" kern="0" dirty="0">
+                <a:latin typeface="+mn-lt"/>
+                <a:cs typeface="Calibri Light" panose="020F0302020204030204" pitchFamily="34" charset="0"/>
+                <a:sym typeface="Wingdings" panose="05000000000000000000" pitchFamily="2" charset="2"/>
+              </a:rPr>
+              <a:t>2. </a:t>
+            </a:r>
+            <a:r>
+              <a:rPr lang="en-US" sz="3200" kern="0" dirty="0" err="1">
+                <a:latin typeface="+mn-lt"/>
+                <a:cs typeface="Calibri Light" panose="020F0302020204030204" pitchFamily="34" charset="0"/>
+                <a:sym typeface="Wingdings" panose="05000000000000000000" pitchFamily="2" charset="2"/>
+              </a:rPr>
+              <a:t>querySelector</a:t>
+            </a:r>
+            <a:r>
+              <a:rPr lang="en-US" sz="3200" kern="0" dirty="0">
+                <a:latin typeface="+mn-lt"/>
+                <a:cs typeface="Calibri Light" panose="020F0302020204030204" pitchFamily="34" charset="0"/>
+                <a:sym typeface="Wingdings" panose="05000000000000000000" pitchFamily="2" charset="2"/>
+              </a:rPr>
+              <a:t>(‘h1’)-&gt; returns single element</a:t>
+            </a:r>
+          </a:p>
+          <a:p>
+            <a:pPr marL="469900" indent="-457200">
+              <a:spcBef>
+                <a:spcPts val="95"/>
+              </a:spcBef>
+              <a:buFont typeface="Wingdings" panose="05000000000000000000" pitchFamily="2" charset="2"/>
+              <a:buChar char="à"/>
+            </a:pPr>
+            <a:r>
+              <a:rPr lang="en-US" sz="3200" kern="0" dirty="0">
+                <a:latin typeface="+mn-lt"/>
+                <a:cs typeface="Calibri Light" panose="020F0302020204030204" pitchFamily="34" charset="0"/>
+                <a:sym typeface="Wingdings" panose="05000000000000000000" pitchFamily="2" charset="2"/>
+              </a:rPr>
+              <a:t>It takes class(.x) , id(#x)  and tag(x) as argument</a:t>
+            </a:r>
+          </a:p>
+          <a:p>
+            <a:pPr marL="12700">
+              <a:spcBef>
+                <a:spcPts val="95"/>
+              </a:spcBef>
+            </a:pPr>
+            <a:endParaRPr lang="en-US" sz="3200" kern="0" dirty="0">
+              <a:latin typeface="+mn-lt"/>
+              <a:cs typeface="Calibri Light" panose="020F0302020204030204" pitchFamily="34" charset="0"/>
+              <a:sym typeface="Wingdings" panose="05000000000000000000" pitchFamily="2" charset="2"/>
+            </a:endParaRPr>
+          </a:p>
+          <a:p>
+            <a:pPr marL="12700">
+              <a:spcBef>
+                <a:spcPts val="95"/>
+              </a:spcBef>
+            </a:pPr>
+            <a:r>
+              <a:rPr lang="en-US" sz="3200" kern="0" dirty="0">
+                <a:latin typeface="+mn-lt"/>
+                <a:cs typeface="Calibri Light" panose="020F0302020204030204" pitchFamily="34" charset="0"/>
+                <a:sym typeface="Wingdings" panose="05000000000000000000" pitchFamily="2" charset="2"/>
+              </a:rPr>
+              <a:t>3. </a:t>
+            </a:r>
+            <a:r>
+              <a:rPr lang="en-US" sz="3200" kern="0" dirty="0" err="1">
+                <a:latin typeface="+mn-lt"/>
+                <a:cs typeface="Calibri Light" panose="020F0302020204030204" pitchFamily="34" charset="0"/>
+                <a:sym typeface="Wingdings" panose="05000000000000000000" pitchFamily="2" charset="2"/>
+              </a:rPr>
+              <a:t>querySelectorAll</a:t>
+            </a:r>
+            <a:r>
+              <a:rPr lang="en-US" sz="3200" kern="0" dirty="0">
+                <a:latin typeface="+mn-lt"/>
+                <a:cs typeface="Calibri Light" panose="020F0302020204030204" pitchFamily="34" charset="0"/>
+                <a:sym typeface="Wingdings" panose="05000000000000000000" pitchFamily="2" charset="2"/>
+              </a:rPr>
+              <a:t>(‘h1’)-&gt; returns </a:t>
+            </a:r>
+            <a:r>
+              <a:rPr lang="en-US" sz="3200" kern="0" dirty="0" err="1">
+                <a:latin typeface="+mn-lt"/>
+                <a:cs typeface="Calibri Light" panose="020F0302020204030204" pitchFamily="34" charset="0"/>
+                <a:sym typeface="Wingdings" panose="05000000000000000000" pitchFamily="2" charset="2"/>
+              </a:rPr>
+              <a:t>Nodelist</a:t>
+            </a:r>
+            <a:r>
+              <a:rPr lang="en-US" sz="3200" kern="0" dirty="0">
+                <a:latin typeface="+mn-lt"/>
+                <a:cs typeface="Calibri Light" panose="020F0302020204030204" pitchFamily="34" charset="0"/>
+                <a:sym typeface="Wingdings" panose="05000000000000000000" pitchFamily="2" charset="2"/>
+              </a:rPr>
+              <a:t> </a:t>
+            </a:r>
+          </a:p>
+          <a:p>
+            <a:pPr marL="12700">
+              <a:spcBef>
+                <a:spcPts val="95"/>
+              </a:spcBef>
+            </a:pPr>
+            <a:endParaRPr lang="en-US" sz="3200" kern="0" dirty="0">
+              <a:latin typeface="+mn-lt"/>
+              <a:cs typeface="Calibri Light" panose="020F0302020204030204" pitchFamily="34" charset="0"/>
+              <a:sym typeface="Wingdings" panose="05000000000000000000" pitchFamily="2" charset="2"/>
+            </a:endParaRPr>
+          </a:p>
+          <a:p>
+            <a:pPr marL="12700">
+              <a:spcBef>
+                <a:spcPts val="95"/>
+              </a:spcBef>
+            </a:pPr>
+            <a:r>
+              <a:rPr lang="en-US" sz="3200" kern="0" dirty="0" err="1">
+                <a:latin typeface="+mn-lt"/>
+                <a:cs typeface="Calibri Light" panose="020F0302020204030204" pitchFamily="34" charset="0"/>
+                <a:sym typeface="Wingdings" panose="05000000000000000000" pitchFamily="2" charset="2"/>
+              </a:rPr>
+              <a:t>Propeties</a:t>
+            </a:r>
+            <a:r>
+              <a:rPr lang="en-US" sz="3200" kern="0" dirty="0">
+                <a:latin typeface="+mn-lt"/>
+                <a:cs typeface="Calibri Light" panose="020F0302020204030204" pitchFamily="34" charset="0"/>
+                <a:sym typeface="Wingdings" panose="05000000000000000000" pitchFamily="2" charset="2"/>
+              </a:rPr>
+              <a:t> of HTML (Like Setter and Getter) </a:t>
+            </a:r>
+          </a:p>
+          <a:p>
+            <a:pPr marL="12700">
+              <a:spcBef>
+                <a:spcPts val="95"/>
+              </a:spcBef>
+            </a:pPr>
+            <a:r>
+              <a:rPr lang="en-US" sz="3200" kern="0" dirty="0">
+                <a:latin typeface="+mn-lt"/>
+                <a:cs typeface="Calibri Light" panose="020F0302020204030204" pitchFamily="34" charset="0"/>
+                <a:sym typeface="Wingdings" panose="05000000000000000000" pitchFamily="2" charset="2"/>
+              </a:rPr>
+              <a:t>1. </a:t>
+            </a:r>
+            <a:r>
+              <a:rPr lang="en-US" sz="3200" kern="0" dirty="0" err="1">
+                <a:latin typeface="+mn-lt"/>
+                <a:cs typeface="Calibri Light" panose="020F0302020204030204" pitchFamily="34" charset="0"/>
+                <a:sym typeface="Wingdings" panose="05000000000000000000" pitchFamily="2" charset="2"/>
+              </a:rPr>
+              <a:t>innerText</a:t>
+            </a:r>
+            <a:r>
+              <a:rPr lang="en-US" sz="3200" kern="0" dirty="0">
+                <a:latin typeface="+mn-lt"/>
+                <a:cs typeface="Calibri Light" panose="020F0302020204030204" pitchFamily="34" charset="0"/>
+                <a:sym typeface="Wingdings" panose="05000000000000000000" pitchFamily="2" charset="2"/>
+              </a:rPr>
+              <a:t> -&gt; gives text inside that tag, can apply </a:t>
+            </a:r>
+            <a:r>
+              <a:rPr lang="en-US" sz="3200" kern="0" dirty="0" err="1">
+                <a:latin typeface="+mn-lt"/>
+                <a:cs typeface="Calibri Light" panose="020F0302020204030204" pitchFamily="34" charset="0"/>
+                <a:sym typeface="Wingdings" panose="05000000000000000000" pitchFamily="2" charset="2"/>
+              </a:rPr>
+              <a:t>css</a:t>
+            </a:r>
+            <a:r>
+              <a:rPr lang="en-US" sz="3200" kern="0" dirty="0">
+                <a:latin typeface="+mn-lt"/>
+                <a:cs typeface="Calibri Light" panose="020F0302020204030204" pitchFamily="34" charset="0"/>
+                <a:sym typeface="Wingdings" panose="05000000000000000000" pitchFamily="2" charset="2"/>
+              </a:rPr>
+              <a:t> in it.</a:t>
+            </a:r>
+          </a:p>
+          <a:p>
+            <a:pPr marL="12700">
+              <a:spcBef>
+                <a:spcPts val="95"/>
+              </a:spcBef>
+            </a:pPr>
+            <a:r>
+              <a:rPr lang="en-US" sz="3200" kern="0" dirty="0">
+                <a:latin typeface="+mn-lt"/>
+                <a:cs typeface="Calibri Light" panose="020F0302020204030204" pitchFamily="34" charset="0"/>
+                <a:sym typeface="Wingdings" panose="05000000000000000000" pitchFamily="2" charset="2"/>
+              </a:rPr>
+              <a:t>2. </a:t>
+            </a:r>
+            <a:r>
+              <a:rPr lang="en-US" sz="3200" kern="0" dirty="0" err="1">
+                <a:latin typeface="+mn-lt"/>
+                <a:cs typeface="Calibri Light" panose="020F0302020204030204" pitchFamily="34" charset="0"/>
+                <a:sym typeface="Wingdings" panose="05000000000000000000" pitchFamily="2" charset="2"/>
+              </a:rPr>
+              <a:t>textContent</a:t>
+            </a:r>
+            <a:r>
+              <a:rPr lang="en-US" sz="3200" kern="0" dirty="0">
+                <a:latin typeface="+mn-lt"/>
+                <a:cs typeface="Calibri Light" panose="020F0302020204030204" pitchFamily="34" charset="0"/>
+                <a:sym typeface="Wingdings" panose="05000000000000000000" pitchFamily="2" charset="2"/>
+              </a:rPr>
+              <a:t> -&gt; gives text inside that tag, cannot apply </a:t>
+            </a:r>
+            <a:r>
+              <a:rPr lang="en-US" sz="3200" kern="0" dirty="0" err="1">
+                <a:latin typeface="+mn-lt"/>
+                <a:cs typeface="Calibri Light" panose="020F0302020204030204" pitchFamily="34" charset="0"/>
+                <a:sym typeface="Wingdings" panose="05000000000000000000" pitchFamily="2" charset="2"/>
+              </a:rPr>
+              <a:t>css</a:t>
+            </a:r>
+            <a:r>
+              <a:rPr lang="en-US" sz="3200" kern="0" dirty="0">
+                <a:latin typeface="+mn-lt"/>
+                <a:cs typeface="Calibri Light" panose="020F0302020204030204" pitchFamily="34" charset="0"/>
+                <a:sym typeface="Wingdings" panose="05000000000000000000" pitchFamily="2" charset="2"/>
+              </a:rPr>
+              <a:t> in it.</a:t>
+            </a:r>
+          </a:p>
+          <a:p>
+            <a:pPr marL="12700">
+              <a:spcBef>
+                <a:spcPts val="95"/>
+              </a:spcBef>
+            </a:pPr>
+            <a:r>
+              <a:rPr lang="en-US" sz="3200" kern="0" dirty="0">
+                <a:latin typeface="+mn-lt"/>
+                <a:cs typeface="Calibri Light" panose="020F0302020204030204" pitchFamily="34" charset="0"/>
+                <a:sym typeface="Wingdings" panose="05000000000000000000" pitchFamily="2" charset="2"/>
+              </a:rPr>
+              <a:t>3. </a:t>
+            </a:r>
+            <a:r>
+              <a:rPr lang="en-US" sz="3200" kern="0" dirty="0" err="1">
+                <a:latin typeface="+mn-lt"/>
+                <a:cs typeface="Calibri Light" panose="020F0302020204030204" pitchFamily="34" charset="0"/>
+                <a:sym typeface="Wingdings" panose="05000000000000000000" pitchFamily="2" charset="2"/>
+              </a:rPr>
+              <a:t>innerHTML</a:t>
+            </a:r>
+            <a:r>
+              <a:rPr lang="en-US" sz="3200" kern="0" dirty="0">
+                <a:latin typeface="+mn-lt"/>
+                <a:cs typeface="Calibri Light" panose="020F0302020204030204" pitchFamily="34" charset="0"/>
+                <a:sym typeface="Wingdings" panose="05000000000000000000" pitchFamily="2" charset="2"/>
+              </a:rPr>
+              <a:t> -&gt; returns text + tags </a:t>
+            </a:r>
+          </a:p>
+          <a:p>
+            <a:pPr marL="12700">
+              <a:spcBef>
+                <a:spcPts val="95"/>
+              </a:spcBef>
+            </a:pPr>
+            <a:endParaRPr lang="en-US" sz="3200" kern="0" dirty="0">
+              <a:latin typeface="+mn-lt"/>
+              <a:cs typeface="Calibri Light" panose="020F0302020204030204" pitchFamily="34" charset="0"/>
+              <a:sym typeface="Wingdings" panose="05000000000000000000" pitchFamily="2" charset="2"/>
+            </a:endParaRPr>
+          </a:p>
+          <a:p>
+            <a:pPr marL="12700">
+              <a:spcBef>
+                <a:spcPts val="95"/>
+              </a:spcBef>
+            </a:pPr>
+            <a:endParaRPr lang="en-US" sz="3200" kern="0" dirty="0">
+              <a:latin typeface="+mn-lt"/>
+              <a:cs typeface="Calibri Light" panose="020F0302020204030204" pitchFamily="34" charset="0"/>
+              <a:sym typeface="Wingdings" panose="05000000000000000000" pitchFamily="2" charset="2"/>
+            </a:endParaRPr>
+          </a:p>
+        </p:txBody>
+      </p:sp>
+    </p:spTree>
+    <p:extLst>
+      <p:ext uri="{BB962C8B-B14F-4D97-AF65-F5344CB8AC3E}">
+        <p14:creationId xmlns:p14="http://schemas.microsoft.com/office/powerpoint/2010/main" val="2570486009"/>
+      </p:ext>
+    </p:extLst>
+  </p:cSld>
+  <p:clrMapOvr>
+    <a:masterClrMapping/>
+  </p:clrMapOvr>
+</p:sld>
+</file>
+
 <file path=ppt/slides/slide4.xml><?xml version="1.0" encoding="utf-8"?>
 <p:sld xmlns:a="http://schemas.openxmlformats.org/drawingml/2006/main" xmlns:r="http://schemas.openxmlformats.org/officeDocument/2006/relationships" xmlns:p="http://schemas.openxmlformats.org/presentationml/2006/main">
   <p:cSld>
@@ -11250,6 +16685,399 @@
     <p:extLst>
       <p:ext uri="{BB962C8B-B14F-4D97-AF65-F5344CB8AC3E}">
         <p14:creationId xmlns:p14="http://schemas.microsoft.com/office/powerpoint/2010/main" val="264970842"/>
+      </p:ext>
+    </p:extLst>
+  </p:cSld>
+  <p:clrMapOvr>
+    <a:masterClrMapping/>
+  </p:clrMapOvr>
+</p:sld>
+</file>
+
+<file path=ppt/slides/slide40.xml><?xml version="1.0" encoding="utf-8"?>
+<p:sld xmlns:a="http://schemas.openxmlformats.org/drawingml/2006/main" xmlns:r="http://schemas.openxmlformats.org/officeDocument/2006/relationships" xmlns:p="http://schemas.openxmlformats.org/presentationml/2006/main">
+  <p:cSld>
+    <p:spTree>
+      <p:nvGrpSpPr>
+        <p:cNvPr id="1" name=""/>
+        <p:cNvGrpSpPr/>
+        <p:nvPr/>
+      </p:nvGrpSpPr>
+      <p:grpSpPr>
+        <a:xfrm>
+          <a:off x="0" y="0"/>
+          <a:ext cx="0" cy="0"/>
+          <a:chOff x="0" y="0"/>
+          <a:chExt cx="0" cy="0"/>
+        </a:xfrm>
+      </p:grpSpPr>
+      <p:sp>
+        <p:nvSpPr>
+          <p:cNvPr id="2" name="object 2"/>
+          <p:cNvSpPr/>
+          <p:nvPr/>
+        </p:nvSpPr>
+        <p:spPr>
+          <a:xfrm>
+            <a:off x="-36871" y="-36871"/>
+            <a:ext cx="12191999" cy="7118601"/>
+          </a:xfrm>
+          <a:prstGeom prst="rect">
+            <a:avLst/>
+          </a:prstGeom>
+          <a:blipFill>
+            <a:blip r:embed="rId2" cstate="print"/>
+            <a:stretch>
+              <a:fillRect/>
+            </a:stretch>
+          </a:blipFill>
+        </p:spPr>
+        <p:txBody>
+          <a:bodyPr wrap="square" lIns="0" tIns="0" rIns="0" bIns="0" rtlCol="0"/>
+          <a:lstStyle/>
+          <a:p>
+            <a:endParaRPr b="1" dirty="0">
+              <a:ln w="13462">
+                <a:solidFill>
+                  <a:schemeClr val="bg1"/>
+                </a:solidFill>
+                <a:prstDash val="solid"/>
+              </a:ln>
+              <a:solidFill>
+                <a:schemeClr val="tx1">
+                  <a:lumMod val="85000"/>
+                  <a:lumOff val="15000"/>
+                </a:schemeClr>
+              </a:solidFill>
+              <a:effectLst>
+                <a:outerShdw dist="38100" dir="2700000" algn="bl" rotWithShape="0">
+                  <a:schemeClr val="accent5"/>
+                </a:outerShdw>
+              </a:effectLst>
+            </a:endParaRPr>
+          </a:p>
+        </p:txBody>
+      </p:sp>
+      <p:sp>
+        <p:nvSpPr>
+          <p:cNvPr id="3" name="object 3"/>
+          <p:cNvSpPr txBox="1">
+            <a:spLocks noGrp="1"/>
+          </p:cNvSpPr>
+          <p:nvPr>
+            <p:ph type="title"/>
+          </p:nvPr>
+        </p:nvSpPr>
+        <p:spPr>
+          <a:xfrm>
+            <a:off x="481685" y="304800"/>
+            <a:ext cx="8967115" cy="535403"/>
+          </a:xfrm>
+          <a:prstGeom prst="rect">
+            <a:avLst/>
+          </a:prstGeom>
+        </p:spPr>
+        <p:txBody>
+          <a:bodyPr vert="horz" wrap="square" lIns="0" tIns="12065" rIns="0" bIns="0" rtlCol="0">
+            <a:spAutoFit/>
+          </a:bodyPr>
+          <a:lstStyle/>
+          <a:p>
+            <a:pPr marL="12700">
+              <a:spcBef>
+                <a:spcPts val="95"/>
+              </a:spcBef>
+            </a:pPr>
+            <a:r>
+              <a:rPr lang="en-US" sz="3400" dirty="0">
+                <a:latin typeface="+mj-lt"/>
+                <a:cs typeface="Carlito"/>
+              </a:rPr>
+              <a:t>Attribute Manipulator</a:t>
+            </a:r>
+            <a:endParaRPr sz="3400" dirty="0">
+              <a:latin typeface="+mj-lt"/>
+              <a:cs typeface="Carlito"/>
+            </a:endParaRPr>
+          </a:p>
+        </p:txBody>
+      </p:sp>
+      <p:sp>
+        <p:nvSpPr>
+          <p:cNvPr id="5" name="object 5"/>
+          <p:cNvSpPr/>
+          <p:nvPr/>
+        </p:nvSpPr>
+        <p:spPr>
+          <a:xfrm>
+            <a:off x="9816083" y="262127"/>
+            <a:ext cx="1976627" cy="822960"/>
+          </a:xfrm>
+          <a:prstGeom prst="rect">
+            <a:avLst/>
+          </a:prstGeom>
+          <a:blipFill>
+            <a:blip r:embed="rId3" cstate="print"/>
+            <a:stretch>
+              <a:fillRect/>
+            </a:stretch>
+          </a:blipFill>
+        </p:spPr>
+        <p:txBody>
+          <a:bodyPr wrap="square" lIns="0" tIns="0" rIns="0" bIns="0" rtlCol="0"/>
+          <a:lstStyle/>
+          <a:p>
+            <a:endParaRPr/>
+          </a:p>
+        </p:txBody>
+      </p:sp>
+      <p:sp>
+        <p:nvSpPr>
+          <p:cNvPr id="4" name="object 3">
+            <a:extLst>
+              <a:ext uri="{FF2B5EF4-FFF2-40B4-BE49-F238E27FC236}">
+                <a16:creationId xmlns:a16="http://schemas.microsoft.com/office/drawing/2014/main" id="{1ED9D45B-4B0D-FC76-3A8C-E89F6CD72254}"/>
+              </a:ext>
+            </a:extLst>
+          </p:cNvPr>
+          <p:cNvSpPr txBox="1">
+            <a:spLocks/>
+          </p:cNvSpPr>
+          <p:nvPr/>
+        </p:nvSpPr>
+        <p:spPr>
+          <a:xfrm>
+            <a:off x="533400" y="838200"/>
+            <a:ext cx="11621728" cy="4867358"/>
+          </a:xfrm>
+          <a:prstGeom prst="rect">
+            <a:avLst/>
+          </a:prstGeom>
+        </p:spPr>
+        <p:txBody>
+          <a:bodyPr vert="horz" wrap="square" lIns="0" tIns="12065" rIns="0" bIns="0" rtlCol="0">
+            <a:spAutoFit/>
+          </a:bodyPr>
+          <a:lstStyle>
+            <a:lvl1pPr>
+              <a:defRPr sz="6000" b="0" i="0">
+                <a:solidFill>
+                  <a:srgbClr val="E7E6E6"/>
+                </a:solidFill>
+                <a:latin typeface="Trebuchet MS"/>
+                <a:ea typeface="+mj-ea"/>
+                <a:cs typeface="Trebuchet MS"/>
+              </a:defRPr>
+            </a:lvl1pPr>
+          </a:lstStyle>
+          <a:p>
+            <a:pPr marL="12700">
+              <a:spcBef>
+                <a:spcPts val="95"/>
+              </a:spcBef>
+            </a:pPr>
+            <a:r>
+              <a:rPr lang="en-US" sz="2800" kern="0" dirty="0">
+                <a:latin typeface="+mn-lt"/>
+                <a:cs typeface="Calibri Light" panose="020F0302020204030204" pitchFamily="34" charset="0"/>
+                <a:sym typeface="Wingdings" panose="05000000000000000000" pitchFamily="2" charset="2"/>
+              </a:rPr>
+              <a:t>Helps in manipulating attribute inside HTML</a:t>
+            </a:r>
+          </a:p>
+          <a:p>
+            <a:pPr marL="469900" indent="-457200">
+              <a:spcBef>
+                <a:spcPts val="95"/>
+              </a:spcBef>
+              <a:buFont typeface="Wingdings" panose="05000000000000000000" pitchFamily="2" charset="2"/>
+              <a:buChar char="à"/>
+            </a:pPr>
+            <a:r>
+              <a:rPr lang="en-US" sz="2800" kern="0" dirty="0" err="1">
+                <a:latin typeface="+mn-lt"/>
+                <a:cs typeface="Calibri Light" panose="020F0302020204030204" pitchFamily="34" charset="0"/>
+                <a:sym typeface="Wingdings" panose="05000000000000000000" pitchFamily="2" charset="2"/>
+              </a:rPr>
+              <a:t>getAttribute</a:t>
+            </a:r>
+            <a:r>
+              <a:rPr lang="en-US" sz="2800" kern="0" dirty="0">
+                <a:latin typeface="+mn-lt"/>
+                <a:cs typeface="Calibri Light" panose="020F0302020204030204" pitchFamily="34" charset="0"/>
+                <a:sym typeface="Wingdings" panose="05000000000000000000" pitchFamily="2" charset="2"/>
+              </a:rPr>
+              <a:t>(‘</a:t>
+            </a:r>
+            <a:r>
+              <a:rPr lang="en-US" sz="2800" kern="0" dirty="0" err="1">
+                <a:latin typeface="+mn-lt"/>
+                <a:cs typeface="Calibri Light" panose="020F0302020204030204" pitchFamily="34" charset="0"/>
+                <a:sym typeface="Wingdings" panose="05000000000000000000" pitchFamily="2" charset="2"/>
+              </a:rPr>
+              <a:t>href</a:t>
+            </a:r>
+            <a:r>
+              <a:rPr lang="en-US" sz="2800" kern="0" dirty="0">
+                <a:latin typeface="+mn-lt"/>
+                <a:cs typeface="Calibri Light" panose="020F0302020204030204" pitchFamily="34" charset="0"/>
+                <a:sym typeface="Wingdings" panose="05000000000000000000" pitchFamily="2" charset="2"/>
+              </a:rPr>
+              <a:t>’) -&gt; to fetch attribute data from tag</a:t>
+            </a:r>
+          </a:p>
+          <a:p>
+            <a:pPr marL="469900" indent="-457200">
+              <a:spcBef>
+                <a:spcPts val="95"/>
+              </a:spcBef>
+              <a:buFont typeface="Wingdings" panose="05000000000000000000" pitchFamily="2" charset="2"/>
+              <a:buChar char="à"/>
+            </a:pPr>
+            <a:r>
+              <a:rPr lang="en-US" sz="2800" kern="0" dirty="0" err="1">
+                <a:latin typeface="+mn-lt"/>
+                <a:cs typeface="Calibri Light" panose="020F0302020204030204" pitchFamily="34" charset="0"/>
+                <a:sym typeface="Wingdings" panose="05000000000000000000" pitchFamily="2" charset="2"/>
+              </a:rPr>
+              <a:t>setAttribute</a:t>
+            </a:r>
+            <a:r>
+              <a:rPr lang="en-US" sz="2800" kern="0" dirty="0">
+                <a:latin typeface="+mn-lt"/>
+                <a:cs typeface="Calibri Light" panose="020F0302020204030204" pitchFamily="34" charset="0"/>
+                <a:sym typeface="Wingdings" panose="05000000000000000000" pitchFamily="2" charset="2"/>
+              </a:rPr>
+              <a:t>(‘</a:t>
+            </a:r>
+            <a:r>
+              <a:rPr lang="en-US" sz="2800" kern="0" dirty="0" err="1">
+                <a:latin typeface="+mn-lt"/>
+                <a:cs typeface="Calibri Light" panose="020F0302020204030204" pitchFamily="34" charset="0"/>
+                <a:sym typeface="Wingdings" panose="05000000000000000000" pitchFamily="2" charset="2"/>
+              </a:rPr>
+              <a:t>href</a:t>
+            </a:r>
+            <a:r>
+              <a:rPr lang="en-US" sz="2800" kern="0" dirty="0">
+                <a:latin typeface="+mn-lt"/>
+                <a:cs typeface="Calibri Light" panose="020F0302020204030204" pitchFamily="34" charset="0"/>
+                <a:sym typeface="Wingdings" panose="05000000000000000000" pitchFamily="2" charset="2"/>
+              </a:rPr>
+              <a:t>’ , ‘www.something.com’);</a:t>
+            </a:r>
+          </a:p>
+          <a:p>
+            <a:pPr marL="469900" indent="-457200">
+              <a:spcBef>
+                <a:spcPts val="95"/>
+              </a:spcBef>
+              <a:buFont typeface="Wingdings" panose="05000000000000000000" pitchFamily="2" charset="2"/>
+              <a:buChar char="à"/>
+            </a:pPr>
+            <a:endParaRPr lang="en-US" sz="2800" kern="0" dirty="0">
+              <a:latin typeface="+mn-lt"/>
+              <a:cs typeface="Calibri Light" panose="020F0302020204030204" pitchFamily="34" charset="0"/>
+              <a:sym typeface="Wingdings" panose="05000000000000000000" pitchFamily="2" charset="2"/>
+            </a:endParaRPr>
+          </a:p>
+          <a:p>
+            <a:pPr marL="12700">
+              <a:spcBef>
+                <a:spcPts val="95"/>
+              </a:spcBef>
+            </a:pPr>
+            <a:r>
+              <a:rPr lang="en-US" sz="2800" kern="0" dirty="0">
+                <a:latin typeface="+mn-lt"/>
+                <a:cs typeface="Calibri Light" panose="020F0302020204030204" pitchFamily="34" charset="0"/>
+                <a:sym typeface="Wingdings" panose="05000000000000000000" pitchFamily="2" charset="2"/>
+              </a:rPr>
+              <a:t>Task: Make a slider using ‘</a:t>
+            </a:r>
+            <a:r>
+              <a:rPr lang="en-US" sz="2800" kern="0" dirty="0" err="1">
+                <a:latin typeface="+mn-lt"/>
+                <a:cs typeface="Calibri Light" panose="020F0302020204030204" pitchFamily="34" charset="0"/>
+                <a:sym typeface="Wingdings" panose="05000000000000000000" pitchFamily="2" charset="2"/>
+              </a:rPr>
+              <a:t>setInterval</a:t>
+            </a:r>
+            <a:r>
+              <a:rPr lang="en-US" sz="2800" kern="0" dirty="0">
+                <a:latin typeface="+mn-lt"/>
+                <a:cs typeface="Calibri Light" panose="020F0302020204030204" pitchFamily="34" charset="0"/>
+                <a:sym typeface="Wingdings" panose="05000000000000000000" pitchFamily="2" charset="2"/>
+              </a:rPr>
+              <a:t>’ and attribute manipulator, which changes image in 2 seconds.</a:t>
+            </a:r>
+          </a:p>
+          <a:p>
+            <a:pPr marL="12700">
+              <a:spcBef>
+                <a:spcPts val="95"/>
+              </a:spcBef>
+            </a:pPr>
+            <a:endParaRPr lang="en-US" sz="2800" kern="0">
+              <a:latin typeface="+mn-lt"/>
+              <a:cs typeface="Calibri Light" panose="020F0302020204030204" pitchFamily="34" charset="0"/>
+              <a:sym typeface="Wingdings" panose="05000000000000000000" pitchFamily="2" charset="2"/>
+            </a:endParaRPr>
+          </a:p>
+          <a:p>
+            <a:pPr marL="12700">
+              <a:spcBef>
+                <a:spcPts val="95"/>
+              </a:spcBef>
+            </a:pPr>
+            <a:endParaRPr lang="en-US" sz="2800" kern="0" dirty="0">
+              <a:latin typeface="+mn-lt"/>
+              <a:cs typeface="Calibri Light" panose="020F0302020204030204" pitchFamily="34" charset="0"/>
+              <a:sym typeface="Wingdings" panose="05000000000000000000" pitchFamily="2" charset="2"/>
+            </a:endParaRPr>
+          </a:p>
+          <a:p>
+            <a:pPr marL="12700">
+              <a:spcBef>
+                <a:spcPts val="95"/>
+              </a:spcBef>
+            </a:pPr>
+            <a:endParaRPr lang="en-US" sz="2800" kern="0" dirty="0">
+              <a:latin typeface="+mn-lt"/>
+              <a:cs typeface="Calibri Light" panose="020F0302020204030204" pitchFamily="34" charset="0"/>
+              <a:sym typeface="Wingdings" panose="05000000000000000000" pitchFamily="2" charset="2"/>
+            </a:endParaRPr>
+          </a:p>
+          <a:p>
+            <a:pPr marL="12700">
+              <a:spcBef>
+                <a:spcPts val="95"/>
+              </a:spcBef>
+            </a:pPr>
+            <a:endParaRPr lang="en-US" sz="2800" kern="0" dirty="0">
+              <a:latin typeface="+mn-lt"/>
+              <a:cs typeface="Calibri Light" panose="020F0302020204030204" pitchFamily="34" charset="0"/>
+              <a:sym typeface="Wingdings" panose="05000000000000000000" pitchFamily="2" charset="2"/>
+            </a:endParaRPr>
+          </a:p>
+          <a:p>
+            <a:pPr marL="12700">
+              <a:spcBef>
+                <a:spcPts val="95"/>
+              </a:spcBef>
+            </a:pPr>
+            <a:endParaRPr lang="en-US" sz="2800" kern="0" dirty="0">
+              <a:latin typeface="+mn-lt"/>
+              <a:cs typeface="Calibri Light" panose="020F0302020204030204" pitchFamily="34" charset="0"/>
+              <a:sym typeface="Wingdings" panose="05000000000000000000" pitchFamily="2" charset="2"/>
+            </a:endParaRPr>
+          </a:p>
+        </p:txBody>
+      </p:sp>
+    </p:spTree>
+    <p:extLst>
+      <p:ext uri="{BB962C8B-B14F-4D97-AF65-F5344CB8AC3E}">
+        <p14:creationId xmlns:p14="http://schemas.microsoft.com/office/powerpoint/2010/main" val="2598095397"/>
       </p:ext>
     </p:extLst>
   </p:cSld>

--- a/JS.pptx
+++ b/JS.pptx
@@ -45,6 +45,13 @@
     <p:sldId id="419" r:id="rId39"/>
     <p:sldId id="420" r:id="rId40"/>
     <p:sldId id="421" r:id="rId41"/>
+    <p:sldId id="422" r:id="rId42"/>
+    <p:sldId id="423" r:id="rId43"/>
+    <p:sldId id="424" r:id="rId44"/>
+    <p:sldId id="425" r:id="rId45"/>
+    <p:sldId id="426" r:id="rId46"/>
+    <p:sldId id="428" r:id="rId47"/>
+    <p:sldId id="429" r:id="rId48"/>
   </p:sldIdLst>
   <p:sldSz cx="12192000" cy="6858000"/>
   <p:notesSz cx="12192000" cy="6858000"/>
@@ -301,7 +308,7 @@
           <a:p>
             <a:fld id="{1D8BD707-D9CF-40AE-B4C6-C98DA3205C09}" type="datetimeFigureOut">
               <a:rPr lang="en-US"/>
-              <a:t>11/28/2023</a:t>
+              <a:t>12/1/2023</a:t>
             </a:fld>
             <a:endParaRPr lang="en-US"/>
           </a:p>
@@ -478,7 +485,7 @@
           <a:p>
             <a:fld id="{1D8BD707-D9CF-40AE-B4C6-C98DA3205C09}" type="datetimeFigureOut">
               <a:rPr lang="en-US"/>
-              <a:t>11/28/2023</a:t>
+              <a:t>12/1/2023</a:t>
             </a:fld>
             <a:endParaRPr lang="en-US"/>
           </a:p>
@@ -692,7 +699,7 @@
           <a:p>
             <a:fld id="{1D8BD707-D9CF-40AE-B4C6-C98DA3205C09}" type="datetimeFigureOut">
               <a:rPr lang="en-US"/>
-              <a:t>11/28/2023</a:t>
+              <a:t>12/1/2023</a:t>
             </a:fld>
             <a:endParaRPr lang="en-US"/>
           </a:p>
@@ -840,7 +847,7 @@
           <a:p>
             <a:fld id="{1D8BD707-D9CF-40AE-B4C6-C98DA3205C09}" type="datetimeFigureOut">
               <a:rPr lang="en-US"/>
-              <a:t>11/28/2023</a:t>
+              <a:t>12/1/2023</a:t>
             </a:fld>
             <a:endParaRPr lang="en-US"/>
           </a:p>
@@ -967,7 +974,7 @@
           <a:p>
             <a:fld id="{1D8BD707-D9CF-40AE-B4C6-C98DA3205C09}" type="datetimeFigureOut">
               <a:rPr lang="en-US"/>
-              <a:t>11/28/2023</a:t>
+              <a:t>12/1/2023</a:t>
             </a:fld>
             <a:endParaRPr lang="en-US"/>
           </a:p>
@@ -1221,7 +1228,7 @@
           <a:p>
             <a:fld id="{1D8BD707-D9CF-40AE-B4C6-C98DA3205C09}" type="datetimeFigureOut">
               <a:rPr lang="en-US"/>
-              <a:t>11/28/2023</a:t>
+              <a:t>12/1/2023</a:t>
             </a:fld>
             <a:endParaRPr lang="en-US"/>
           </a:p>
@@ -15758,7 +15765,7 @@
                 <a:cs typeface="Calibri Light" panose="020F0302020204030204" pitchFamily="34" charset="0"/>
                 <a:sym typeface="Wingdings" panose="05000000000000000000" pitchFamily="2" charset="2"/>
               </a:rPr>
-              <a:t>getElementByClassName</a:t>
+              <a:t>getElementsByClassName</a:t>
             </a:r>
             <a:r>
               <a:rPr lang="en-US" sz="2800" kern="0" dirty="0">
@@ -16848,7 +16855,7 @@
         <p:spPr>
           <a:xfrm>
             <a:off x="533400" y="838200"/>
-            <a:ext cx="11621728" cy="4867358"/>
+            <a:ext cx="11621728" cy="5249514"/>
           </a:xfrm>
           <a:prstGeom prst="rect">
             <a:avLst/>
@@ -16975,6 +16982,60 @@
               <a:buFont typeface="Wingdings" panose="05000000000000000000" pitchFamily="2" charset="2"/>
               <a:buChar char="à"/>
             </a:pPr>
+            <a:r>
+              <a:rPr lang="en-US" sz="2800" kern="0" dirty="0" err="1">
+                <a:latin typeface="+mn-lt"/>
+                <a:cs typeface="Calibri Light" panose="020F0302020204030204" pitchFamily="34" charset="0"/>
+                <a:sym typeface="Wingdings" panose="05000000000000000000" pitchFamily="2" charset="2"/>
+              </a:rPr>
+              <a:t>setAttribute</a:t>
+            </a:r>
+            <a:r>
+              <a:rPr lang="en-US" sz="2800" kern="0" dirty="0">
+                <a:latin typeface="+mn-lt"/>
+                <a:cs typeface="Calibri Light" panose="020F0302020204030204" pitchFamily="34" charset="0"/>
+                <a:sym typeface="Wingdings" panose="05000000000000000000" pitchFamily="2" charset="2"/>
+              </a:rPr>
+              <a:t>(‘class’ , ‘one two three’);//multiple classes possible</a:t>
+            </a:r>
+          </a:p>
+          <a:p>
+            <a:pPr marL="12700">
+              <a:spcBef>
+                <a:spcPts val="95"/>
+              </a:spcBef>
+            </a:pPr>
+            <a:r>
+              <a:rPr lang="en-US" sz="2400" kern="0" dirty="0">
+                <a:latin typeface="Consolas" panose="020B0609020204030204" pitchFamily="49" charset="0"/>
+                <a:cs typeface="Calibri Light" panose="020F0302020204030204" pitchFamily="34" charset="0"/>
+                <a:sym typeface="Wingdings" panose="05000000000000000000" pitchFamily="2" charset="2"/>
+              </a:rPr>
+              <a:t>Task: Make a slider using ‘</a:t>
+            </a:r>
+            <a:r>
+              <a:rPr lang="en-US" sz="2400" kern="0" dirty="0" err="1">
+                <a:latin typeface="Consolas" panose="020B0609020204030204" pitchFamily="49" charset="0"/>
+                <a:cs typeface="Calibri Light" panose="020F0302020204030204" pitchFamily="34" charset="0"/>
+                <a:sym typeface="Wingdings" panose="05000000000000000000" pitchFamily="2" charset="2"/>
+              </a:rPr>
+              <a:t>setInterval</a:t>
+            </a:r>
+            <a:r>
+              <a:rPr lang="en-US" sz="2400" kern="0" dirty="0">
+                <a:latin typeface="Consolas" panose="020B0609020204030204" pitchFamily="49" charset="0"/>
+                <a:cs typeface="Calibri Light" panose="020F0302020204030204" pitchFamily="34" charset="0"/>
+                <a:sym typeface="Wingdings" panose="05000000000000000000" pitchFamily="2" charset="2"/>
+              </a:rPr>
+              <a:t>’ and attribute manipulator, which changes image in 2 seconds.</a:t>
+            </a:r>
+          </a:p>
+          <a:p>
+            <a:pPr marL="12700">
+              <a:spcBef>
+                <a:spcPts val="95"/>
+              </a:spcBef>
+            </a:pPr>
             <a:endParaRPr lang="en-US" sz="2800" kern="0" dirty="0">
               <a:latin typeface="+mn-lt"/>
               <a:cs typeface="Calibri Light" panose="020F0302020204030204" pitchFamily="34" charset="0"/>
@@ -16988,41 +17049,364 @@
               </a:spcBef>
             </a:pPr>
             <a:r>
-              <a:rPr lang="en-US" sz="2800" kern="0" dirty="0">
+              <a:rPr lang="en-US" sz="3200" kern="0" dirty="0" err="1">
                 <a:latin typeface="+mn-lt"/>
                 <a:cs typeface="Calibri Light" panose="020F0302020204030204" pitchFamily="34" charset="0"/>
                 <a:sym typeface="Wingdings" panose="05000000000000000000" pitchFamily="2" charset="2"/>
               </a:rPr>
-              <a:t>Task: Make a slider using ‘</a:t>
-            </a:r>
-            <a:r>
-              <a:rPr lang="en-US" sz="2800" kern="0" dirty="0" err="1">
-                <a:latin typeface="+mn-lt"/>
-                <a:cs typeface="Calibri Light" panose="020F0302020204030204" pitchFamily="34" charset="0"/>
-                <a:sym typeface="Wingdings" panose="05000000000000000000" pitchFamily="2" charset="2"/>
-              </a:rPr>
-              <a:t>setInterval</a:t>
-            </a:r>
-            <a:r>
-              <a:rPr lang="en-US" sz="2800" kern="0" dirty="0">
-                <a:latin typeface="+mn-lt"/>
-                <a:cs typeface="Calibri Light" panose="020F0302020204030204" pitchFamily="34" charset="0"/>
-                <a:sym typeface="Wingdings" panose="05000000000000000000" pitchFamily="2" charset="2"/>
-              </a:rPr>
-              <a:t>’ and attribute manipulator, which changes image in 2 seconds.</a:t>
-            </a:r>
-          </a:p>
-          <a:p>
-            <a:pPr marL="12700">
-              <a:spcBef>
-                <a:spcPts val="95"/>
-              </a:spcBef>
-            </a:pPr>
-            <a:endParaRPr lang="en-US" sz="2800" kern="0">
+              <a:t>ClassList</a:t>
+            </a:r>
+            <a:endParaRPr lang="en-US" sz="3200" kern="0" dirty="0">
               <a:latin typeface="+mn-lt"/>
               <a:cs typeface="Calibri Light" panose="020F0302020204030204" pitchFamily="34" charset="0"/>
               <a:sym typeface="Wingdings" panose="05000000000000000000" pitchFamily="2" charset="2"/>
             </a:endParaRPr>
+          </a:p>
+          <a:p>
+            <a:pPr marL="527050" indent="-514350">
+              <a:spcBef>
+                <a:spcPts val="95"/>
+              </a:spcBef>
+              <a:buAutoNum type="arabicPeriod"/>
+            </a:pPr>
+            <a:r>
+              <a:rPr lang="en-US" sz="2800" kern="0" dirty="0">
+                <a:latin typeface="+mn-lt"/>
+                <a:cs typeface="Calibri Light" panose="020F0302020204030204" pitchFamily="34" charset="0"/>
+                <a:sym typeface="Wingdings" panose="05000000000000000000" pitchFamily="2" charset="2"/>
+              </a:rPr>
+              <a:t>add :  </a:t>
+            </a:r>
+            <a:r>
+              <a:rPr lang="en-US" sz="2800" kern="0" dirty="0" err="1">
+                <a:latin typeface="+mn-lt"/>
+                <a:cs typeface="Calibri Light" panose="020F0302020204030204" pitchFamily="34" charset="0"/>
+                <a:sym typeface="Wingdings" panose="05000000000000000000" pitchFamily="2" charset="2"/>
+              </a:rPr>
+              <a:t>doc.classList.add</a:t>
+            </a:r>
+            <a:r>
+              <a:rPr lang="en-US" sz="2800" kern="0" dirty="0">
+                <a:latin typeface="+mn-lt"/>
+                <a:cs typeface="Calibri Light" panose="020F0302020204030204" pitchFamily="34" charset="0"/>
+                <a:sym typeface="Wingdings" panose="05000000000000000000" pitchFamily="2" charset="2"/>
+              </a:rPr>
+              <a:t>(‘cl1’,’cl2’); // class can be added </a:t>
+            </a:r>
+          </a:p>
+          <a:p>
+            <a:pPr marL="527050" indent="-514350">
+              <a:spcBef>
+                <a:spcPts val="95"/>
+              </a:spcBef>
+              <a:buAutoNum type="arabicPeriod"/>
+            </a:pPr>
+            <a:r>
+              <a:rPr lang="en-US" sz="2800" kern="0" dirty="0">
+                <a:latin typeface="+mn-lt"/>
+                <a:cs typeface="Calibri Light" panose="020F0302020204030204" pitchFamily="34" charset="0"/>
+                <a:sym typeface="Wingdings" panose="05000000000000000000" pitchFamily="2" charset="2"/>
+              </a:rPr>
+              <a:t>remove : </a:t>
+            </a:r>
+            <a:r>
+              <a:rPr lang="en-US" sz="2800" kern="0" dirty="0" err="1">
+                <a:latin typeface="+mn-lt"/>
+                <a:cs typeface="Calibri Light" panose="020F0302020204030204" pitchFamily="34" charset="0"/>
+                <a:sym typeface="Wingdings" panose="05000000000000000000" pitchFamily="2" charset="2"/>
+              </a:rPr>
+              <a:t>doc.classList.remove</a:t>
+            </a:r>
+            <a:r>
+              <a:rPr lang="en-US" sz="2800" kern="0" dirty="0">
+                <a:latin typeface="+mn-lt"/>
+                <a:cs typeface="Calibri Light" panose="020F0302020204030204" pitchFamily="34" charset="0"/>
+                <a:sym typeface="Wingdings" panose="05000000000000000000" pitchFamily="2" charset="2"/>
+              </a:rPr>
+              <a:t>(‘cl1’,’cl2’); // remove these classes</a:t>
+            </a:r>
+          </a:p>
+          <a:p>
+            <a:pPr marL="527050" indent="-514350">
+              <a:spcBef>
+                <a:spcPts val="95"/>
+              </a:spcBef>
+              <a:buAutoNum type="arabicPeriod"/>
+            </a:pPr>
+            <a:r>
+              <a:rPr lang="en-US" sz="2800" kern="0" dirty="0">
+                <a:latin typeface="+mn-lt"/>
+                <a:cs typeface="Calibri Light" panose="020F0302020204030204" pitchFamily="34" charset="0"/>
+                <a:sym typeface="Wingdings" panose="05000000000000000000" pitchFamily="2" charset="2"/>
+              </a:rPr>
+              <a:t>toggle : </a:t>
+            </a:r>
+            <a:r>
+              <a:rPr lang="en-US" sz="2800" kern="0" dirty="0" err="1">
+                <a:latin typeface="+mn-lt"/>
+                <a:cs typeface="Calibri Light" panose="020F0302020204030204" pitchFamily="34" charset="0"/>
+                <a:sym typeface="Wingdings" panose="05000000000000000000" pitchFamily="2" charset="2"/>
+              </a:rPr>
+              <a:t>doc.classList.toggle</a:t>
+            </a:r>
+            <a:r>
+              <a:rPr lang="en-US" sz="2800" kern="0" dirty="0">
+                <a:latin typeface="+mn-lt"/>
+                <a:cs typeface="Calibri Light" panose="020F0302020204030204" pitchFamily="34" charset="0"/>
+                <a:sym typeface="Wingdings" panose="05000000000000000000" pitchFamily="2" charset="2"/>
+              </a:rPr>
+              <a:t>(‘tc1’);// make true-&gt;false and vice-versa</a:t>
+            </a:r>
+          </a:p>
+          <a:p>
+            <a:pPr marL="527050" indent="-514350">
+              <a:spcBef>
+                <a:spcPts val="95"/>
+              </a:spcBef>
+              <a:buAutoNum type="arabicPeriod"/>
+            </a:pPr>
+            <a:r>
+              <a:rPr lang="en-US" sz="2800" kern="0" dirty="0">
+                <a:latin typeface="+mn-lt"/>
+                <a:cs typeface="Calibri Light" panose="020F0302020204030204" pitchFamily="34" charset="0"/>
+                <a:sym typeface="Wingdings" panose="05000000000000000000" pitchFamily="2" charset="2"/>
+              </a:rPr>
+              <a:t>contains : </a:t>
+            </a:r>
+            <a:r>
+              <a:rPr lang="en-US" sz="2800" kern="0" dirty="0" err="1">
+                <a:latin typeface="+mn-lt"/>
+                <a:cs typeface="Calibri Light" panose="020F0302020204030204" pitchFamily="34" charset="0"/>
+                <a:sym typeface="Wingdings" panose="05000000000000000000" pitchFamily="2" charset="2"/>
+              </a:rPr>
+              <a:t>doc.classList.contains</a:t>
+            </a:r>
+            <a:r>
+              <a:rPr lang="en-US" sz="2800" kern="0" dirty="0">
+                <a:latin typeface="+mn-lt"/>
+                <a:cs typeface="Calibri Light" panose="020F0302020204030204" pitchFamily="34" charset="0"/>
+                <a:sym typeface="Wingdings" panose="05000000000000000000" pitchFamily="2" charset="2"/>
+              </a:rPr>
+              <a:t>(‘present’); //returns true or false</a:t>
+            </a:r>
+          </a:p>
+        </p:txBody>
+      </p:sp>
+    </p:spTree>
+    <p:extLst>
+      <p:ext uri="{BB962C8B-B14F-4D97-AF65-F5344CB8AC3E}">
+        <p14:creationId xmlns:p14="http://schemas.microsoft.com/office/powerpoint/2010/main" val="2598095397"/>
+      </p:ext>
+    </p:extLst>
+  </p:cSld>
+  <p:clrMapOvr>
+    <a:masterClrMapping/>
+  </p:clrMapOvr>
+</p:sld>
+</file>
+
+<file path=ppt/slides/slide41.xml><?xml version="1.0" encoding="utf-8"?>
+<p:sld xmlns:a="http://schemas.openxmlformats.org/drawingml/2006/main" xmlns:r="http://schemas.openxmlformats.org/officeDocument/2006/relationships" xmlns:p="http://schemas.openxmlformats.org/presentationml/2006/main">
+  <p:cSld>
+    <p:spTree>
+      <p:nvGrpSpPr>
+        <p:cNvPr id="1" name=""/>
+        <p:cNvGrpSpPr/>
+        <p:nvPr/>
+      </p:nvGrpSpPr>
+      <p:grpSpPr>
+        <a:xfrm>
+          <a:off x="0" y="0"/>
+          <a:ext cx="0" cy="0"/>
+          <a:chOff x="0" y="0"/>
+          <a:chExt cx="0" cy="0"/>
+        </a:xfrm>
+      </p:grpSpPr>
+      <p:sp>
+        <p:nvSpPr>
+          <p:cNvPr id="2" name="object 2"/>
+          <p:cNvSpPr/>
+          <p:nvPr/>
+        </p:nvSpPr>
+        <p:spPr>
+          <a:xfrm>
+            <a:off x="-36871" y="-36871"/>
+            <a:ext cx="12191999" cy="7118601"/>
+          </a:xfrm>
+          <a:prstGeom prst="rect">
+            <a:avLst/>
+          </a:prstGeom>
+          <a:blipFill>
+            <a:blip r:embed="rId2" cstate="print"/>
+            <a:stretch>
+              <a:fillRect/>
+            </a:stretch>
+          </a:blipFill>
+        </p:spPr>
+        <p:txBody>
+          <a:bodyPr wrap="square" lIns="0" tIns="0" rIns="0" bIns="0" rtlCol="0"/>
+          <a:lstStyle/>
+          <a:p>
+            <a:endParaRPr b="1" dirty="0">
+              <a:ln w="13462">
+                <a:solidFill>
+                  <a:schemeClr val="bg1"/>
+                </a:solidFill>
+                <a:prstDash val="solid"/>
+              </a:ln>
+              <a:solidFill>
+                <a:schemeClr val="tx1">
+                  <a:lumMod val="85000"/>
+                  <a:lumOff val="15000"/>
+                </a:schemeClr>
+              </a:solidFill>
+              <a:effectLst>
+                <a:outerShdw dist="38100" dir="2700000" algn="bl" rotWithShape="0">
+                  <a:schemeClr val="accent5"/>
+                </a:outerShdw>
+              </a:effectLst>
+            </a:endParaRPr>
+          </a:p>
+        </p:txBody>
+      </p:sp>
+      <p:sp>
+        <p:nvSpPr>
+          <p:cNvPr id="3" name="object 3"/>
+          <p:cNvSpPr txBox="1">
+            <a:spLocks noGrp="1"/>
+          </p:cNvSpPr>
+          <p:nvPr>
+            <p:ph type="title"/>
+          </p:nvPr>
+        </p:nvSpPr>
+        <p:spPr>
+          <a:xfrm>
+            <a:off x="481685" y="304800"/>
+            <a:ext cx="8967115" cy="566181"/>
+          </a:xfrm>
+          <a:prstGeom prst="rect">
+            <a:avLst/>
+          </a:prstGeom>
+        </p:spPr>
+        <p:txBody>
+          <a:bodyPr vert="horz" wrap="square" lIns="0" tIns="12065" rIns="0" bIns="0" rtlCol="0">
+            <a:spAutoFit/>
+          </a:bodyPr>
+          <a:lstStyle/>
+          <a:p>
+            <a:pPr marL="12700">
+              <a:spcBef>
+                <a:spcPts val="95"/>
+              </a:spcBef>
+            </a:pPr>
+            <a:r>
+              <a:rPr lang="en-US" sz="3600" kern="0" dirty="0">
+                <a:latin typeface="+mn-lt"/>
+                <a:cs typeface="Calibri Light" panose="020F0302020204030204" pitchFamily="34" charset="0"/>
+                <a:sym typeface="Wingdings" panose="05000000000000000000" pitchFamily="2" charset="2"/>
+              </a:rPr>
+              <a:t>Dom Tree Traversing</a:t>
+            </a:r>
+          </a:p>
+        </p:txBody>
+      </p:sp>
+      <p:sp>
+        <p:nvSpPr>
+          <p:cNvPr id="5" name="object 5"/>
+          <p:cNvSpPr/>
+          <p:nvPr/>
+        </p:nvSpPr>
+        <p:spPr>
+          <a:xfrm>
+            <a:off x="9816083" y="262127"/>
+            <a:ext cx="1976627" cy="822960"/>
+          </a:xfrm>
+          <a:prstGeom prst="rect">
+            <a:avLst/>
+          </a:prstGeom>
+          <a:blipFill>
+            <a:blip r:embed="rId3" cstate="print"/>
+            <a:stretch>
+              <a:fillRect/>
+            </a:stretch>
+          </a:blipFill>
+        </p:spPr>
+        <p:txBody>
+          <a:bodyPr wrap="square" lIns="0" tIns="0" rIns="0" bIns="0" rtlCol="0"/>
+          <a:lstStyle/>
+          <a:p>
+            <a:endParaRPr/>
+          </a:p>
+        </p:txBody>
+      </p:sp>
+      <p:sp>
+        <p:nvSpPr>
+          <p:cNvPr id="4" name="object 3">
+            <a:extLst>
+              <a:ext uri="{FF2B5EF4-FFF2-40B4-BE49-F238E27FC236}">
+                <a16:creationId xmlns:a16="http://schemas.microsoft.com/office/drawing/2014/main" id="{1ED9D45B-4B0D-FC76-3A8C-E89F6CD72254}"/>
+              </a:ext>
+            </a:extLst>
+          </p:cNvPr>
+          <p:cNvSpPr txBox="1">
+            <a:spLocks/>
+          </p:cNvSpPr>
+          <p:nvPr/>
+        </p:nvSpPr>
+        <p:spPr>
+          <a:xfrm>
+            <a:off x="533400" y="838200"/>
+            <a:ext cx="11621728" cy="5077672"/>
+          </a:xfrm>
+          <a:prstGeom prst="rect">
+            <a:avLst/>
+          </a:prstGeom>
+        </p:spPr>
+        <p:txBody>
+          <a:bodyPr vert="horz" wrap="square" lIns="0" tIns="12065" rIns="0" bIns="0" rtlCol="0">
+            <a:spAutoFit/>
+          </a:bodyPr>
+          <a:lstStyle>
+            <a:lvl1pPr>
+              <a:defRPr sz="6000" b="0" i="0">
+                <a:solidFill>
+                  <a:srgbClr val="E7E6E6"/>
+                </a:solidFill>
+                <a:latin typeface="Trebuchet MS"/>
+                <a:ea typeface="+mj-ea"/>
+                <a:cs typeface="Trebuchet MS"/>
+              </a:defRPr>
+            </a:lvl1pPr>
+          </a:lstStyle>
+          <a:p>
+            <a:pPr marL="12700">
+              <a:spcBef>
+                <a:spcPts val="95"/>
+              </a:spcBef>
+            </a:pPr>
+            <a:r>
+              <a:rPr lang="en-US" sz="2800" kern="0" dirty="0">
+                <a:latin typeface="+mn-lt"/>
+                <a:cs typeface="Calibri Light" panose="020F0302020204030204" pitchFamily="34" charset="0"/>
+                <a:sym typeface="Wingdings" panose="05000000000000000000" pitchFamily="2" charset="2"/>
+              </a:rPr>
+              <a:t>To access the child elements of parent tag we have to use </a:t>
+            </a:r>
+          </a:p>
+          <a:p>
+            <a:pPr marL="12700">
+              <a:spcBef>
+                <a:spcPts val="95"/>
+              </a:spcBef>
+            </a:pPr>
+            <a:r>
+              <a:rPr lang="en-US" sz="2800" kern="0" dirty="0">
+                <a:latin typeface="+mn-lt"/>
+                <a:cs typeface="Calibri Light" panose="020F0302020204030204" pitchFamily="34" charset="0"/>
+                <a:sym typeface="Wingdings" panose="05000000000000000000" pitchFamily="2" charset="2"/>
+              </a:rPr>
+              <a:t>.children </a:t>
+            </a:r>
           </a:p>
           <a:p>
             <a:pPr marL="12700">
@@ -17042,6 +17426,1031 @@
                 <a:spcPts val="95"/>
               </a:spcBef>
             </a:pPr>
+            <a:r>
+              <a:rPr lang="en-US" sz="2400" kern="0" dirty="0">
+                <a:latin typeface="Consolas" panose="020B0609020204030204" pitchFamily="49" charset="0"/>
+                <a:cs typeface="Calibri Light" panose="020F0302020204030204" pitchFamily="34" charset="0"/>
+                <a:sym typeface="Wingdings" panose="05000000000000000000" pitchFamily="2" charset="2"/>
+              </a:rPr>
+              <a:t>let parent = </a:t>
+            </a:r>
+            <a:r>
+              <a:rPr lang="en-US" sz="2400" kern="0" dirty="0" err="1">
+                <a:latin typeface="Consolas" panose="020B0609020204030204" pitchFamily="49" charset="0"/>
+                <a:cs typeface="Calibri Light" panose="020F0302020204030204" pitchFamily="34" charset="0"/>
+                <a:sym typeface="Wingdings" panose="05000000000000000000" pitchFamily="2" charset="2"/>
+              </a:rPr>
+              <a:t>doc.querySelector</a:t>
+            </a:r>
+            <a:r>
+              <a:rPr lang="en-US" sz="2400" kern="0" dirty="0">
+                <a:latin typeface="Consolas" panose="020B0609020204030204" pitchFamily="49" charset="0"/>
+                <a:cs typeface="Calibri Light" panose="020F0302020204030204" pitchFamily="34" charset="0"/>
+                <a:sym typeface="Wingdings" panose="05000000000000000000" pitchFamily="2" charset="2"/>
+              </a:rPr>
+              <a:t>(‘.parent’);</a:t>
+            </a:r>
+          </a:p>
+          <a:p>
+            <a:pPr marL="12700">
+              <a:spcBef>
+                <a:spcPts val="95"/>
+              </a:spcBef>
+            </a:pPr>
+            <a:r>
+              <a:rPr lang="en-US" sz="2400" kern="0" dirty="0" err="1">
+                <a:latin typeface="Consolas" panose="020B0609020204030204" pitchFamily="49" charset="0"/>
+                <a:cs typeface="Calibri Light" panose="020F0302020204030204" pitchFamily="34" charset="0"/>
+                <a:sym typeface="Wingdings" panose="05000000000000000000" pitchFamily="2" charset="2"/>
+              </a:rPr>
+              <a:t>parent.children</a:t>
+            </a:r>
+            <a:r>
+              <a:rPr lang="en-US" sz="2400" kern="0" dirty="0">
+                <a:latin typeface="Consolas" panose="020B0609020204030204" pitchFamily="49" charset="0"/>
+                <a:cs typeface="Calibri Light" panose="020F0302020204030204" pitchFamily="34" charset="0"/>
+                <a:sym typeface="Wingdings" panose="05000000000000000000" pitchFamily="2" charset="2"/>
+              </a:rPr>
+              <a:t>; // gives HTML collection array</a:t>
+            </a:r>
+          </a:p>
+          <a:p>
+            <a:pPr marL="12700">
+              <a:spcBef>
+                <a:spcPts val="95"/>
+              </a:spcBef>
+            </a:pPr>
+            <a:r>
+              <a:rPr lang="en-US" sz="2400" kern="0" dirty="0" err="1">
+                <a:latin typeface="Consolas" panose="020B0609020204030204" pitchFamily="49" charset="0"/>
+                <a:cs typeface="Calibri Light" panose="020F0302020204030204" pitchFamily="34" charset="0"/>
+                <a:sym typeface="Wingdings" panose="05000000000000000000" pitchFamily="2" charset="2"/>
+              </a:rPr>
+              <a:t>parent.children</a:t>
+            </a:r>
+            <a:r>
+              <a:rPr lang="en-US" sz="2400" kern="0" dirty="0">
+                <a:latin typeface="Consolas" panose="020B0609020204030204" pitchFamily="49" charset="0"/>
+                <a:cs typeface="Calibri Light" panose="020F0302020204030204" pitchFamily="34" charset="0"/>
+                <a:sym typeface="Wingdings" panose="05000000000000000000" pitchFamily="2" charset="2"/>
+              </a:rPr>
+              <a:t>[1];//gives specific element</a:t>
+            </a:r>
+          </a:p>
+          <a:p>
+            <a:pPr marL="12700">
+              <a:spcBef>
+                <a:spcPts val="95"/>
+              </a:spcBef>
+            </a:pPr>
+            <a:endParaRPr lang="en-US" sz="2000" kern="0" dirty="0">
+              <a:latin typeface="Consolas" panose="020B0609020204030204" pitchFamily="49" charset="0"/>
+              <a:cs typeface="Calibri Light" panose="020F0302020204030204" pitchFamily="34" charset="0"/>
+              <a:sym typeface="Wingdings" panose="05000000000000000000" pitchFamily="2" charset="2"/>
+            </a:endParaRPr>
+          </a:p>
+          <a:p>
+            <a:pPr marL="12700">
+              <a:spcBef>
+                <a:spcPts val="95"/>
+              </a:spcBef>
+            </a:pPr>
+            <a:r>
+              <a:rPr lang="en-US" sz="2800" kern="0" dirty="0">
+                <a:latin typeface="+mn-lt"/>
+                <a:cs typeface="Calibri Light" panose="020F0302020204030204" pitchFamily="34" charset="0"/>
+                <a:sym typeface="Wingdings" panose="05000000000000000000" pitchFamily="2" charset="2"/>
+              </a:rPr>
+              <a:t>Similarly, we can access parent from child elements</a:t>
+            </a:r>
+          </a:p>
+          <a:p>
+            <a:pPr marL="12700">
+              <a:spcBef>
+                <a:spcPts val="95"/>
+              </a:spcBef>
+            </a:pPr>
+            <a:r>
+              <a:rPr lang="en-US" sz="2400" kern="0" dirty="0">
+                <a:latin typeface="Consolas" panose="020B0609020204030204" pitchFamily="49" charset="0"/>
+                <a:cs typeface="Calibri Light" panose="020F0302020204030204" pitchFamily="34" charset="0"/>
+                <a:sym typeface="Wingdings" panose="05000000000000000000" pitchFamily="2" charset="2"/>
+              </a:rPr>
+              <a:t>let child = </a:t>
+            </a:r>
+            <a:r>
+              <a:rPr lang="en-US" sz="2400" kern="0" dirty="0" err="1">
+                <a:latin typeface="Consolas" panose="020B0609020204030204" pitchFamily="49" charset="0"/>
+                <a:cs typeface="Calibri Light" panose="020F0302020204030204" pitchFamily="34" charset="0"/>
+                <a:sym typeface="Wingdings" panose="05000000000000000000" pitchFamily="2" charset="2"/>
+              </a:rPr>
+              <a:t>doc.querySelector</a:t>
+            </a:r>
+            <a:r>
+              <a:rPr lang="en-US" sz="2400" kern="0" dirty="0">
+                <a:latin typeface="Consolas" panose="020B0609020204030204" pitchFamily="49" charset="0"/>
+                <a:cs typeface="Calibri Light" panose="020F0302020204030204" pitchFamily="34" charset="0"/>
+                <a:sym typeface="Wingdings" panose="05000000000000000000" pitchFamily="2" charset="2"/>
+              </a:rPr>
+              <a:t>(‘.day’);</a:t>
+            </a:r>
+          </a:p>
+          <a:p>
+            <a:pPr marL="12700">
+              <a:spcBef>
+                <a:spcPts val="95"/>
+              </a:spcBef>
+            </a:pPr>
+            <a:r>
+              <a:rPr lang="en-US" sz="2400" kern="0" dirty="0" err="1">
+                <a:latin typeface="Consolas" panose="020B0609020204030204" pitchFamily="49" charset="0"/>
+                <a:cs typeface="Calibri Light" panose="020F0302020204030204" pitchFamily="34" charset="0"/>
+                <a:sym typeface="Wingdings" panose="05000000000000000000" pitchFamily="2" charset="2"/>
+              </a:rPr>
+              <a:t>child.parentElement</a:t>
+            </a:r>
+            <a:r>
+              <a:rPr lang="en-US" sz="2400" kern="0" dirty="0">
+                <a:latin typeface="Consolas" panose="020B0609020204030204" pitchFamily="49" charset="0"/>
+                <a:cs typeface="Calibri Light" panose="020F0302020204030204" pitchFamily="34" charset="0"/>
+                <a:sym typeface="Wingdings" panose="05000000000000000000" pitchFamily="2" charset="2"/>
+              </a:rPr>
+              <a:t>; // gives parent element</a:t>
+            </a:r>
+          </a:p>
+          <a:p>
+            <a:pPr marL="12700">
+              <a:spcBef>
+                <a:spcPts val="95"/>
+              </a:spcBef>
+            </a:pPr>
+            <a:r>
+              <a:rPr lang="en-US" sz="2400" kern="0" dirty="0" err="1">
+                <a:latin typeface="Consolas" panose="020B0609020204030204" pitchFamily="49" charset="0"/>
+                <a:cs typeface="Calibri Light" panose="020F0302020204030204" pitchFamily="34" charset="0"/>
+                <a:sym typeface="Wingdings" panose="05000000000000000000" pitchFamily="2" charset="2"/>
+              </a:rPr>
+              <a:t>child.nextElementSibling</a:t>
+            </a:r>
+            <a:r>
+              <a:rPr lang="en-US" sz="2400" kern="0" dirty="0">
+                <a:latin typeface="Consolas" panose="020B0609020204030204" pitchFamily="49" charset="0"/>
+                <a:cs typeface="Calibri Light" panose="020F0302020204030204" pitchFamily="34" charset="0"/>
+                <a:sym typeface="Wingdings" panose="05000000000000000000" pitchFamily="2" charset="2"/>
+              </a:rPr>
+              <a:t>;// gives second sibling element of selected element</a:t>
+            </a:r>
+          </a:p>
+          <a:p>
+            <a:pPr marL="12700">
+              <a:spcBef>
+                <a:spcPts val="95"/>
+              </a:spcBef>
+            </a:pPr>
+            <a:endParaRPr lang="en-US" sz="2000" kern="0" dirty="0">
+              <a:latin typeface="Consolas" panose="020B0609020204030204" pitchFamily="49" charset="0"/>
+              <a:cs typeface="Calibri Light" panose="020F0302020204030204" pitchFamily="34" charset="0"/>
+              <a:sym typeface="Wingdings" panose="05000000000000000000" pitchFamily="2" charset="2"/>
+            </a:endParaRPr>
+          </a:p>
+        </p:txBody>
+      </p:sp>
+    </p:spTree>
+    <p:extLst>
+      <p:ext uri="{BB962C8B-B14F-4D97-AF65-F5344CB8AC3E}">
+        <p14:creationId xmlns:p14="http://schemas.microsoft.com/office/powerpoint/2010/main" val="3624862493"/>
+      </p:ext>
+    </p:extLst>
+  </p:cSld>
+  <p:clrMapOvr>
+    <a:masterClrMapping/>
+  </p:clrMapOvr>
+</p:sld>
+</file>
+
+<file path=ppt/slides/slide42.xml><?xml version="1.0" encoding="utf-8"?>
+<p:sld xmlns:a="http://schemas.openxmlformats.org/drawingml/2006/main" xmlns:r="http://schemas.openxmlformats.org/officeDocument/2006/relationships" xmlns:p="http://schemas.openxmlformats.org/presentationml/2006/main">
+  <p:cSld>
+    <p:spTree>
+      <p:nvGrpSpPr>
+        <p:cNvPr id="1" name=""/>
+        <p:cNvGrpSpPr/>
+        <p:nvPr/>
+      </p:nvGrpSpPr>
+      <p:grpSpPr>
+        <a:xfrm>
+          <a:off x="0" y="0"/>
+          <a:ext cx="0" cy="0"/>
+          <a:chOff x="0" y="0"/>
+          <a:chExt cx="0" cy="0"/>
+        </a:xfrm>
+      </p:grpSpPr>
+      <p:sp>
+        <p:nvSpPr>
+          <p:cNvPr id="2" name="object 2"/>
+          <p:cNvSpPr/>
+          <p:nvPr/>
+        </p:nvSpPr>
+        <p:spPr>
+          <a:xfrm>
+            <a:off x="-36871" y="-36871"/>
+            <a:ext cx="12191999" cy="7118601"/>
+          </a:xfrm>
+          <a:prstGeom prst="rect">
+            <a:avLst/>
+          </a:prstGeom>
+          <a:blipFill>
+            <a:blip r:embed="rId2" cstate="print"/>
+            <a:stretch>
+              <a:fillRect/>
+            </a:stretch>
+          </a:blipFill>
+        </p:spPr>
+        <p:txBody>
+          <a:bodyPr wrap="square" lIns="0" tIns="0" rIns="0" bIns="0" rtlCol="0"/>
+          <a:lstStyle/>
+          <a:p>
+            <a:endParaRPr b="1" dirty="0">
+              <a:ln w="13462">
+                <a:solidFill>
+                  <a:schemeClr val="bg1"/>
+                </a:solidFill>
+                <a:prstDash val="solid"/>
+              </a:ln>
+              <a:solidFill>
+                <a:schemeClr val="tx1">
+                  <a:lumMod val="85000"/>
+                  <a:lumOff val="15000"/>
+                </a:schemeClr>
+              </a:solidFill>
+              <a:effectLst>
+                <a:outerShdw dist="38100" dir="2700000" algn="bl" rotWithShape="0">
+                  <a:schemeClr val="accent5"/>
+                </a:outerShdw>
+              </a:effectLst>
+            </a:endParaRPr>
+          </a:p>
+        </p:txBody>
+      </p:sp>
+      <p:sp>
+        <p:nvSpPr>
+          <p:cNvPr id="3" name="object 3"/>
+          <p:cNvSpPr txBox="1">
+            <a:spLocks noGrp="1"/>
+          </p:cNvSpPr>
+          <p:nvPr>
+            <p:ph type="title"/>
+          </p:nvPr>
+        </p:nvSpPr>
+        <p:spPr>
+          <a:xfrm>
+            <a:off x="481685" y="304800"/>
+            <a:ext cx="8967115" cy="566181"/>
+          </a:xfrm>
+          <a:prstGeom prst="rect">
+            <a:avLst/>
+          </a:prstGeom>
+        </p:spPr>
+        <p:txBody>
+          <a:bodyPr vert="horz" wrap="square" lIns="0" tIns="12065" rIns="0" bIns="0" rtlCol="0">
+            <a:spAutoFit/>
+          </a:bodyPr>
+          <a:lstStyle/>
+          <a:p>
+            <a:pPr marL="12700">
+              <a:spcBef>
+                <a:spcPts val="95"/>
+              </a:spcBef>
+            </a:pPr>
+            <a:r>
+              <a:rPr lang="en-US" sz="3600" kern="0" dirty="0">
+                <a:latin typeface="+mn-lt"/>
+                <a:cs typeface="Calibri Light" panose="020F0302020204030204" pitchFamily="34" charset="0"/>
+                <a:sym typeface="Wingdings" panose="05000000000000000000" pitchFamily="2" charset="2"/>
+              </a:rPr>
+              <a:t>Adding Element in DOM</a:t>
+            </a:r>
+          </a:p>
+        </p:txBody>
+      </p:sp>
+      <p:sp>
+        <p:nvSpPr>
+          <p:cNvPr id="5" name="object 5"/>
+          <p:cNvSpPr/>
+          <p:nvPr/>
+        </p:nvSpPr>
+        <p:spPr>
+          <a:xfrm>
+            <a:off x="9816083" y="262127"/>
+            <a:ext cx="1976627" cy="822960"/>
+          </a:xfrm>
+          <a:prstGeom prst="rect">
+            <a:avLst/>
+          </a:prstGeom>
+          <a:blipFill>
+            <a:blip r:embed="rId3" cstate="print"/>
+            <a:stretch>
+              <a:fillRect/>
+            </a:stretch>
+          </a:blipFill>
+        </p:spPr>
+        <p:txBody>
+          <a:bodyPr wrap="square" lIns="0" tIns="0" rIns="0" bIns="0" rtlCol="0"/>
+          <a:lstStyle/>
+          <a:p>
+            <a:endParaRPr/>
+          </a:p>
+        </p:txBody>
+      </p:sp>
+      <p:sp>
+        <p:nvSpPr>
+          <p:cNvPr id="4" name="object 3">
+            <a:extLst>
+              <a:ext uri="{FF2B5EF4-FFF2-40B4-BE49-F238E27FC236}">
+                <a16:creationId xmlns:a16="http://schemas.microsoft.com/office/drawing/2014/main" id="{1ED9D45B-4B0D-FC76-3A8C-E89F6CD72254}"/>
+              </a:ext>
+            </a:extLst>
+          </p:cNvPr>
+          <p:cNvSpPr txBox="1">
+            <a:spLocks/>
+          </p:cNvSpPr>
+          <p:nvPr/>
+        </p:nvSpPr>
+        <p:spPr>
+          <a:xfrm>
+            <a:off x="533400" y="838200"/>
+            <a:ext cx="11621728" cy="4954561"/>
+          </a:xfrm>
+          <a:prstGeom prst="rect">
+            <a:avLst/>
+          </a:prstGeom>
+        </p:spPr>
+        <p:txBody>
+          <a:bodyPr vert="horz" wrap="square" lIns="0" tIns="12065" rIns="0" bIns="0" rtlCol="0">
+            <a:spAutoFit/>
+          </a:bodyPr>
+          <a:lstStyle>
+            <a:lvl1pPr>
+              <a:defRPr sz="6000" b="0" i="0">
+                <a:solidFill>
+                  <a:srgbClr val="E7E6E6"/>
+                </a:solidFill>
+                <a:latin typeface="Trebuchet MS"/>
+                <a:ea typeface="+mj-ea"/>
+                <a:cs typeface="Trebuchet MS"/>
+              </a:defRPr>
+            </a:lvl1pPr>
+          </a:lstStyle>
+          <a:p>
+            <a:pPr marL="12700">
+              <a:spcBef>
+                <a:spcPts val="95"/>
+              </a:spcBef>
+            </a:pPr>
+            <a:r>
+              <a:rPr lang="en-US" sz="2400" kern="0" dirty="0">
+                <a:solidFill>
+                  <a:schemeClr val="bg1">
+                    <a:lumMod val="75000"/>
+                  </a:schemeClr>
+                </a:solidFill>
+                <a:latin typeface="Consolas" panose="020B0609020204030204" pitchFamily="49" charset="0"/>
+                <a:cs typeface="Calibri Light" panose="020F0302020204030204" pitchFamily="34" charset="0"/>
+                <a:sym typeface="Wingdings" panose="05000000000000000000" pitchFamily="2" charset="2"/>
+              </a:rPr>
+              <a:t>1.//make element</a:t>
+            </a:r>
+          </a:p>
+          <a:p>
+            <a:pPr marL="12700">
+              <a:spcBef>
+                <a:spcPts val="95"/>
+              </a:spcBef>
+            </a:pPr>
+            <a:r>
+              <a:rPr lang="en-US" sz="2400" kern="0" dirty="0">
+                <a:latin typeface="Consolas" panose="020B0609020204030204" pitchFamily="49" charset="0"/>
+                <a:cs typeface="Calibri Light" panose="020F0302020204030204" pitchFamily="34" charset="0"/>
+                <a:sym typeface="Wingdings" panose="05000000000000000000" pitchFamily="2" charset="2"/>
+              </a:rPr>
+              <a:t>let </a:t>
+            </a:r>
+            <a:r>
+              <a:rPr lang="en-US" sz="2400" kern="0" dirty="0" err="1">
+                <a:latin typeface="Consolas" panose="020B0609020204030204" pitchFamily="49" charset="0"/>
+                <a:cs typeface="Calibri Light" panose="020F0302020204030204" pitchFamily="34" charset="0"/>
+                <a:sym typeface="Wingdings" panose="05000000000000000000" pitchFamily="2" charset="2"/>
+              </a:rPr>
+              <a:t>ele</a:t>
+            </a:r>
+            <a:r>
+              <a:rPr lang="en-US" sz="2400" kern="0" dirty="0">
+                <a:latin typeface="Consolas" panose="020B0609020204030204" pitchFamily="49" charset="0"/>
+                <a:cs typeface="Calibri Light" panose="020F0302020204030204" pitchFamily="34" charset="0"/>
+                <a:sym typeface="Wingdings" panose="05000000000000000000" pitchFamily="2" charset="2"/>
+              </a:rPr>
+              <a:t> = </a:t>
+            </a:r>
+            <a:r>
+              <a:rPr lang="en-US" sz="2400" kern="0" dirty="0" err="1">
+                <a:latin typeface="Consolas" panose="020B0609020204030204" pitchFamily="49" charset="0"/>
+                <a:cs typeface="Calibri Light" panose="020F0302020204030204" pitchFamily="34" charset="0"/>
+                <a:sym typeface="Wingdings" panose="05000000000000000000" pitchFamily="2" charset="2"/>
+              </a:rPr>
+              <a:t>doc.createElement</a:t>
+            </a:r>
+            <a:r>
+              <a:rPr lang="en-US" sz="2400" kern="0" dirty="0">
+                <a:latin typeface="Consolas" panose="020B0609020204030204" pitchFamily="49" charset="0"/>
+                <a:cs typeface="Calibri Light" panose="020F0302020204030204" pitchFamily="34" charset="0"/>
+                <a:sym typeface="Wingdings" panose="05000000000000000000" pitchFamily="2" charset="2"/>
+              </a:rPr>
+              <a:t>(‘div’);</a:t>
+            </a:r>
+          </a:p>
+          <a:p>
+            <a:pPr marL="12700">
+              <a:spcBef>
+                <a:spcPts val="95"/>
+              </a:spcBef>
+            </a:pPr>
+            <a:r>
+              <a:rPr lang="en-US" sz="2400" kern="0" dirty="0">
+                <a:solidFill>
+                  <a:schemeClr val="bg1">
+                    <a:lumMod val="75000"/>
+                  </a:schemeClr>
+                </a:solidFill>
+                <a:latin typeface="Consolas" panose="020B0609020204030204" pitchFamily="49" charset="0"/>
+                <a:cs typeface="Calibri Light" panose="020F0302020204030204" pitchFamily="34" charset="0"/>
+                <a:sym typeface="Wingdings" panose="05000000000000000000" pitchFamily="2" charset="2"/>
+              </a:rPr>
+              <a:t>2.//get the parent or children previously present</a:t>
+            </a:r>
+          </a:p>
+          <a:p>
+            <a:pPr marL="12700">
+              <a:spcBef>
+                <a:spcPts val="95"/>
+              </a:spcBef>
+            </a:pPr>
+            <a:r>
+              <a:rPr lang="en-US" sz="2400" kern="0" dirty="0">
+                <a:latin typeface="Consolas" panose="020B0609020204030204" pitchFamily="49" charset="0"/>
+                <a:cs typeface="Calibri Light" panose="020F0302020204030204" pitchFamily="34" charset="0"/>
+                <a:sym typeface="Wingdings" panose="05000000000000000000" pitchFamily="2" charset="2"/>
+              </a:rPr>
+              <a:t>let </a:t>
+            </a:r>
+            <a:r>
+              <a:rPr lang="en-US" sz="2400" kern="0" dirty="0" err="1">
+                <a:latin typeface="Consolas" panose="020B0609020204030204" pitchFamily="49" charset="0"/>
+                <a:cs typeface="Calibri Light" panose="020F0302020204030204" pitchFamily="34" charset="0"/>
+                <a:sym typeface="Wingdings" panose="05000000000000000000" pitchFamily="2" charset="2"/>
+              </a:rPr>
+              <a:t>presentEle</a:t>
+            </a:r>
+            <a:r>
+              <a:rPr lang="en-US" sz="2400" kern="0" dirty="0">
+                <a:latin typeface="Consolas" panose="020B0609020204030204" pitchFamily="49" charset="0"/>
+                <a:cs typeface="Calibri Light" panose="020F0302020204030204" pitchFamily="34" charset="0"/>
+                <a:sym typeface="Wingdings" panose="05000000000000000000" pitchFamily="2" charset="2"/>
+              </a:rPr>
+              <a:t> = </a:t>
+            </a:r>
+            <a:r>
+              <a:rPr lang="en-US" sz="2400" kern="0" dirty="0" err="1">
+                <a:latin typeface="Consolas" panose="020B0609020204030204" pitchFamily="49" charset="0"/>
+                <a:cs typeface="Calibri Light" panose="020F0302020204030204" pitchFamily="34" charset="0"/>
+                <a:sym typeface="Wingdings" panose="05000000000000000000" pitchFamily="2" charset="2"/>
+              </a:rPr>
+              <a:t>doc.getElementById</a:t>
+            </a:r>
+            <a:r>
+              <a:rPr lang="en-US" sz="2400" kern="0" dirty="0">
+                <a:latin typeface="Consolas" panose="020B0609020204030204" pitchFamily="49" charset="0"/>
+                <a:cs typeface="Calibri Light" panose="020F0302020204030204" pitchFamily="34" charset="0"/>
+                <a:sym typeface="Wingdings" panose="05000000000000000000" pitchFamily="2" charset="2"/>
+              </a:rPr>
+              <a:t>(‘parent’);</a:t>
+            </a:r>
+          </a:p>
+          <a:p>
+            <a:pPr marL="12700">
+              <a:spcBef>
+                <a:spcPts val="95"/>
+              </a:spcBef>
+            </a:pPr>
+            <a:r>
+              <a:rPr lang="en-US" sz="2400" kern="0" dirty="0">
+                <a:solidFill>
+                  <a:schemeClr val="bg1">
+                    <a:lumMod val="75000"/>
+                  </a:schemeClr>
+                </a:solidFill>
+                <a:latin typeface="Consolas" panose="020B0609020204030204" pitchFamily="49" charset="0"/>
+                <a:cs typeface="Calibri Light" panose="020F0302020204030204" pitchFamily="34" charset="0"/>
+                <a:sym typeface="Wingdings" panose="05000000000000000000" pitchFamily="2" charset="2"/>
+              </a:rPr>
+              <a:t>3.//insert content in the element</a:t>
+            </a:r>
+          </a:p>
+          <a:p>
+            <a:pPr marL="12700">
+              <a:spcBef>
+                <a:spcPts val="95"/>
+              </a:spcBef>
+            </a:pPr>
+            <a:r>
+              <a:rPr lang="en-US" sz="2400" kern="0" dirty="0" err="1">
+                <a:latin typeface="Consolas" panose="020B0609020204030204" pitchFamily="49" charset="0"/>
+                <a:cs typeface="Calibri Light" panose="020F0302020204030204" pitchFamily="34" charset="0"/>
+                <a:sym typeface="Wingdings" panose="05000000000000000000" pitchFamily="2" charset="2"/>
+              </a:rPr>
+              <a:t>ele.innerText</a:t>
+            </a:r>
+            <a:r>
+              <a:rPr lang="en-US" sz="2400" kern="0" dirty="0">
+                <a:latin typeface="Consolas" panose="020B0609020204030204" pitchFamily="49" charset="0"/>
+                <a:cs typeface="Calibri Light" panose="020F0302020204030204" pitchFamily="34" charset="0"/>
+                <a:sym typeface="Wingdings" panose="05000000000000000000" pitchFamily="2" charset="2"/>
+              </a:rPr>
+              <a:t> = “some content”;</a:t>
+            </a:r>
+          </a:p>
+          <a:p>
+            <a:pPr marL="12700">
+              <a:spcBef>
+                <a:spcPts val="95"/>
+              </a:spcBef>
+            </a:pPr>
+            <a:r>
+              <a:rPr lang="en-US" sz="2400" kern="0" dirty="0">
+                <a:solidFill>
+                  <a:schemeClr val="bg1">
+                    <a:lumMod val="75000"/>
+                  </a:schemeClr>
+                </a:solidFill>
+                <a:latin typeface="Consolas" panose="020B0609020204030204" pitchFamily="49" charset="0"/>
+                <a:cs typeface="Calibri Light" panose="020F0302020204030204" pitchFamily="34" charset="0"/>
+                <a:sym typeface="Wingdings" panose="05000000000000000000" pitchFamily="2" charset="2"/>
+              </a:rPr>
+              <a:t>4.//append it to the parent(previous element present)</a:t>
+            </a:r>
+          </a:p>
+          <a:p>
+            <a:pPr marL="12700">
+              <a:spcBef>
+                <a:spcPts val="95"/>
+              </a:spcBef>
+            </a:pPr>
+            <a:r>
+              <a:rPr lang="en-US" sz="2400" kern="0" dirty="0" err="1">
+                <a:latin typeface="Consolas" panose="020B0609020204030204" pitchFamily="49" charset="0"/>
+                <a:cs typeface="Calibri Light" panose="020F0302020204030204" pitchFamily="34" charset="0"/>
+                <a:sym typeface="Wingdings" panose="05000000000000000000" pitchFamily="2" charset="2"/>
+              </a:rPr>
+              <a:t>presentEle.appendChild</a:t>
+            </a:r>
+            <a:r>
+              <a:rPr lang="en-US" sz="2400" kern="0" dirty="0">
+                <a:latin typeface="Consolas" panose="020B0609020204030204" pitchFamily="49" charset="0"/>
+                <a:cs typeface="Calibri Light" panose="020F0302020204030204" pitchFamily="34" charset="0"/>
+                <a:sym typeface="Wingdings" panose="05000000000000000000" pitchFamily="2" charset="2"/>
+              </a:rPr>
+              <a:t>(</a:t>
+            </a:r>
+            <a:r>
+              <a:rPr lang="en-US" sz="2400" kern="0" dirty="0" err="1">
+                <a:latin typeface="Consolas" panose="020B0609020204030204" pitchFamily="49" charset="0"/>
+                <a:cs typeface="Calibri Light" panose="020F0302020204030204" pitchFamily="34" charset="0"/>
+                <a:sym typeface="Wingdings" panose="05000000000000000000" pitchFamily="2" charset="2"/>
+              </a:rPr>
+              <a:t>ele</a:t>
+            </a:r>
+            <a:r>
+              <a:rPr lang="en-US" sz="2400" kern="0" dirty="0">
+                <a:latin typeface="Consolas" panose="020B0609020204030204" pitchFamily="49" charset="0"/>
+                <a:cs typeface="Calibri Light" panose="020F0302020204030204" pitchFamily="34" charset="0"/>
+                <a:sym typeface="Wingdings" panose="05000000000000000000" pitchFamily="2" charset="2"/>
+              </a:rPr>
+              <a:t>);</a:t>
+            </a:r>
+          </a:p>
+          <a:p>
+            <a:pPr marL="12700">
+              <a:spcBef>
+                <a:spcPts val="95"/>
+              </a:spcBef>
+            </a:pPr>
+            <a:endParaRPr lang="en-US" sz="2400" kern="0" dirty="0">
+              <a:latin typeface="Consolas" panose="020B0609020204030204" pitchFamily="49" charset="0"/>
+              <a:cs typeface="Calibri Light" panose="020F0302020204030204" pitchFamily="34" charset="0"/>
+              <a:sym typeface="Wingdings" panose="05000000000000000000" pitchFamily="2" charset="2"/>
+            </a:endParaRPr>
+          </a:p>
+          <a:p>
+            <a:pPr marL="12700">
+              <a:spcBef>
+                <a:spcPts val="95"/>
+              </a:spcBef>
+            </a:pPr>
+            <a:r>
+              <a:rPr lang="en-US" sz="2800" kern="0" dirty="0">
+                <a:latin typeface="+mn-lt"/>
+                <a:cs typeface="Calibri Light" panose="020F0302020204030204" pitchFamily="34" charset="0"/>
+                <a:sym typeface="Wingdings" panose="05000000000000000000" pitchFamily="2" charset="2"/>
+              </a:rPr>
+              <a:t>To input multiple </a:t>
+            </a:r>
+            <a:r>
+              <a:rPr lang="en-US" sz="2800" kern="0" dirty="0" err="1">
+                <a:latin typeface="+mn-lt"/>
+                <a:cs typeface="Calibri Light" panose="020F0302020204030204" pitchFamily="34" charset="0"/>
+                <a:sym typeface="Wingdings" panose="05000000000000000000" pitchFamily="2" charset="2"/>
+              </a:rPr>
+              <a:t>childs</a:t>
+            </a:r>
+            <a:r>
+              <a:rPr lang="en-US" sz="2800" kern="0" dirty="0">
+                <a:latin typeface="+mn-lt"/>
+                <a:cs typeface="Calibri Light" panose="020F0302020204030204" pitchFamily="34" charset="0"/>
+                <a:sym typeface="Wingdings" panose="05000000000000000000" pitchFamily="2" charset="2"/>
+              </a:rPr>
+              <a:t> we can use .append</a:t>
+            </a:r>
+          </a:p>
+          <a:p>
+            <a:pPr marL="12700">
+              <a:spcBef>
+                <a:spcPts val="95"/>
+              </a:spcBef>
+            </a:pPr>
+            <a:r>
+              <a:rPr lang="en-US" sz="2800" kern="0" dirty="0">
+                <a:latin typeface="+mn-lt"/>
+                <a:cs typeface="Calibri Light" panose="020F0302020204030204" pitchFamily="34" charset="0"/>
+                <a:sym typeface="Wingdings" panose="05000000000000000000" pitchFamily="2" charset="2"/>
+              </a:rPr>
+              <a:t>To remove elements we can use </a:t>
+            </a:r>
+            <a:r>
+              <a:rPr lang="en-US" sz="2800" kern="0" dirty="0" err="1">
+                <a:latin typeface="+mn-lt"/>
+                <a:cs typeface="Calibri Light" panose="020F0302020204030204" pitchFamily="34" charset="0"/>
+                <a:sym typeface="Wingdings" panose="05000000000000000000" pitchFamily="2" charset="2"/>
+              </a:rPr>
+              <a:t>removeChild</a:t>
+            </a:r>
+            <a:r>
+              <a:rPr lang="en-US" sz="2800" kern="0" dirty="0">
+                <a:latin typeface="+mn-lt"/>
+                <a:cs typeface="Calibri Light" panose="020F0302020204030204" pitchFamily="34" charset="0"/>
+                <a:sym typeface="Wingdings" panose="05000000000000000000" pitchFamily="2" charset="2"/>
+              </a:rPr>
+              <a:t>();</a:t>
+            </a:r>
+          </a:p>
+          <a:p>
+            <a:pPr marL="12700">
+              <a:spcBef>
+                <a:spcPts val="95"/>
+              </a:spcBef>
+            </a:pPr>
+            <a:r>
+              <a:rPr lang="en-US" sz="2800" kern="0" dirty="0">
+                <a:latin typeface="+mn-lt"/>
+                <a:cs typeface="Calibri Light" panose="020F0302020204030204" pitchFamily="34" charset="0"/>
+                <a:sym typeface="Wingdings" panose="05000000000000000000" pitchFamily="2" charset="2"/>
+              </a:rPr>
+              <a:t>To directly remove use remove();</a:t>
+            </a:r>
+            <a:endParaRPr lang="en-US" sz="3200" kern="0" dirty="0">
+              <a:latin typeface="+mn-lt"/>
+              <a:cs typeface="Calibri Light" panose="020F0302020204030204" pitchFamily="34" charset="0"/>
+              <a:sym typeface="Wingdings" panose="05000000000000000000" pitchFamily="2" charset="2"/>
+            </a:endParaRPr>
+          </a:p>
+        </p:txBody>
+      </p:sp>
+    </p:spTree>
+    <p:extLst>
+      <p:ext uri="{BB962C8B-B14F-4D97-AF65-F5344CB8AC3E}">
+        <p14:creationId xmlns:p14="http://schemas.microsoft.com/office/powerpoint/2010/main" val="2613100490"/>
+      </p:ext>
+    </p:extLst>
+  </p:cSld>
+  <p:clrMapOvr>
+    <a:masterClrMapping/>
+  </p:clrMapOvr>
+</p:sld>
+</file>
+
+<file path=ppt/slides/slide43.xml><?xml version="1.0" encoding="utf-8"?>
+<p:sld xmlns:a="http://schemas.openxmlformats.org/drawingml/2006/main" xmlns:r="http://schemas.openxmlformats.org/officeDocument/2006/relationships" xmlns:p="http://schemas.openxmlformats.org/presentationml/2006/main">
+  <p:cSld>
+    <p:spTree>
+      <p:nvGrpSpPr>
+        <p:cNvPr id="1" name=""/>
+        <p:cNvGrpSpPr/>
+        <p:nvPr/>
+      </p:nvGrpSpPr>
+      <p:grpSpPr>
+        <a:xfrm>
+          <a:off x="0" y="0"/>
+          <a:ext cx="0" cy="0"/>
+          <a:chOff x="0" y="0"/>
+          <a:chExt cx="0" cy="0"/>
+        </a:xfrm>
+      </p:grpSpPr>
+      <p:sp>
+        <p:nvSpPr>
+          <p:cNvPr id="2" name="object 2"/>
+          <p:cNvSpPr/>
+          <p:nvPr/>
+        </p:nvSpPr>
+        <p:spPr>
+          <a:xfrm>
+            <a:off x="-36871" y="-36871"/>
+            <a:ext cx="12191999" cy="7118601"/>
+          </a:xfrm>
+          <a:prstGeom prst="rect">
+            <a:avLst/>
+          </a:prstGeom>
+          <a:blipFill>
+            <a:blip r:embed="rId2" cstate="print"/>
+            <a:stretch>
+              <a:fillRect/>
+            </a:stretch>
+          </a:blipFill>
+        </p:spPr>
+        <p:txBody>
+          <a:bodyPr wrap="square" lIns="0" tIns="0" rIns="0" bIns="0" rtlCol="0"/>
+          <a:lstStyle/>
+          <a:p>
+            <a:endParaRPr b="1" dirty="0">
+              <a:ln w="13462">
+                <a:solidFill>
+                  <a:schemeClr val="bg1"/>
+                </a:solidFill>
+                <a:prstDash val="solid"/>
+              </a:ln>
+              <a:solidFill>
+                <a:schemeClr val="tx1">
+                  <a:lumMod val="85000"/>
+                  <a:lumOff val="15000"/>
+                </a:schemeClr>
+              </a:solidFill>
+              <a:effectLst>
+                <a:outerShdw dist="38100" dir="2700000" algn="bl" rotWithShape="0">
+                  <a:schemeClr val="accent5"/>
+                </a:outerShdw>
+              </a:effectLst>
+            </a:endParaRPr>
+          </a:p>
+        </p:txBody>
+      </p:sp>
+      <p:sp>
+        <p:nvSpPr>
+          <p:cNvPr id="3" name="object 3"/>
+          <p:cNvSpPr txBox="1">
+            <a:spLocks noGrp="1"/>
+          </p:cNvSpPr>
+          <p:nvPr>
+            <p:ph type="title"/>
+          </p:nvPr>
+        </p:nvSpPr>
+        <p:spPr>
+          <a:xfrm>
+            <a:off x="481685" y="304800"/>
+            <a:ext cx="8967115" cy="566181"/>
+          </a:xfrm>
+          <a:prstGeom prst="rect">
+            <a:avLst/>
+          </a:prstGeom>
+        </p:spPr>
+        <p:txBody>
+          <a:bodyPr vert="horz" wrap="square" lIns="0" tIns="12065" rIns="0" bIns="0" rtlCol="0">
+            <a:spAutoFit/>
+          </a:bodyPr>
+          <a:lstStyle/>
+          <a:p>
+            <a:pPr marL="12700">
+              <a:spcBef>
+                <a:spcPts val="95"/>
+              </a:spcBef>
+            </a:pPr>
+            <a:r>
+              <a:rPr lang="en-US" sz="3600" kern="0" dirty="0">
+                <a:latin typeface="+mn-lt"/>
+                <a:cs typeface="Calibri Light" panose="020F0302020204030204" pitchFamily="34" charset="0"/>
+                <a:sym typeface="Wingdings" panose="05000000000000000000" pitchFamily="2" charset="2"/>
+              </a:rPr>
+              <a:t>DOM Events</a:t>
+            </a:r>
+          </a:p>
+        </p:txBody>
+      </p:sp>
+      <p:sp>
+        <p:nvSpPr>
+          <p:cNvPr id="5" name="object 5"/>
+          <p:cNvSpPr/>
+          <p:nvPr/>
+        </p:nvSpPr>
+        <p:spPr>
+          <a:xfrm>
+            <a:off x="9816083" y="262127"/>
+            <a:ext cx="1976627" cy="822960"/>
+          </a:xfrm>
+          <a:prstGeom prst="rect">
+            <a:avLst/>
+          </a:prstGeom>
+          <a:blipFill>
+            <a:blip r:embed="rId3" cstate="print"/>
+            <a:stretch>
+              <a:fillRect/>
+            </a:stretch>
+          </a:blipFill>
+        </p:spPr>
+        <p:txBody>
+          <a:bodyPr wrap="square" lIns="0" tIns="0" rIns="0" bIns="0" rtlCol="0"/>
+          <a:lstStyle/>
+          <a:p>
+            <a:endParaRPr/>
+          </a:p>
+        </p:txBody>
+      </p:sp>
+      <p:sp>
+        <p:nvSpPr>
+          <p:cNvPr id="4" name="object 3">
+            <a:extLst>
+              <a:ext uri="{FF2B5EF4-FFF2-40B4-BE49-F238E27FC236}">
+                <a16:creationId xmlns:a16="http://schemas.microsoft.com/office/drawing/2014/main" id="{1ED9D45B-4B0D-FC76-3A8C-E89F6CD72254}"/>
+              </a:ext>
+            </a:extLst>
+          </p:cNvPr>
+          <p:cNvSpPr txBox="1">
+            <a:spLocks/>
+          </p:cNvSpPr>
+          <p:nvPr/>
+        </p:nvSpPr>
+        <p:spPr>
+          <a:xfrm>
+            <a:off x="533400" y="838200"/>
+            <a:ext cx="11621728" cy="5398273"/>
+          </a:xfrm>
+          <a:prstGeom prst="rect">
+            <a:avLst/>
+          </a:prstGeom>
+        </p:spPr>
+        <p:txBody>
+          <a:bodyPr vert="horz" wrap="square" lIns="0" tIns="12065" rIns="0" bIns="0" rtlCol="0">
+            <a:spAutoFit/>
+          </a:bodyPr>
+          <a:lstStyle>
+            <a:lvl1pPr>
+              <a:defRPr sz="6000" b="0" i="0">
+                <a:solidFill>
+                  <a:srgbClr val="E7E6E6"/>
+                </a:solidFill>
+                <a:latin typeface="Trebuchet MS"/>
+                <a:ea typeface="+mj-ea"/>
+                <a:cs typeface="Trebuchet MS"/>
+              </a:defRPr>
+            </a:lvl1pPr>
+          </a:lstStyle>
+          <a:p>
+            <a:pPr marL="12700">
+              <a:spcBef>
+                <a:spcPts val="95"/>
+              </a:spcBef>
+            </a:pPr>
+            <a:r>
+              <a:rPr lang="en-US" sz="2800" kern="0" dirty="0">
+                <a:latin typeface="+mn-lt"/>
+                <a:cs typeface="Calibri Light" panose="020F0302020204030204" pitchFamily="34" charset="0"/>
+                <a:sym typeface="Wingdings" panose="05000000000000000000" pitchFamily="2" charset="2"/>
+              </a:rPr>
+              <a:t>Actions that happen in HTML document.</a:t>
+            </a:r>
+          </a:p>
+          <a:p>
+            <a:pPr marL="527050" indent="-514350">
+              <a:spcBef>
+                <a:spcPts val="95"/>
+              </a:spcBef>
+              <a:buAutoNum type="arabicPeriod"/>
+            </a:pPr>
+            <a:r>
+              <a:rPr lang="en-US" sz="2800" kern="0" dirty="0">
+                <a:latin typeface="+mn-lt"/>
+                <a:cs typeface="Calibri Light" panose="020F0302020204030204" pitchFamily="34" charset="0"/>
+                <a:sym typeface="Wingdings" panose="05000000000000000000" pitchFamily="2" charset="2"/>
+              </a:rPr>
+              <a:t>Inline: onclick as attribute</a:t>
+            </a:r>
+          </a:p>
+          <a:p>
+            <a:pPr marL="527050" indent="-514350">
+              <a:spcBef>
+                <a:spcPts val="95"/>
+              </a:spcBef>
+              <a:buAutoNum type="arabicPeriod"/>
+            </a:pPr>
+            <a:r>
+              <a:rPr lang="en-US" sz="2800" kern="0" dirty="0">
+                <a:latin typeface="+mn-lt"/>
+                <a:cs typeface="Calibri Light" panose="020F0302020204030204" pitchFamily="34" charset="0"/>
+                <a:sym typeface="Wingdings" panose="05000000000000000000" pitchFamily="2" charset="2"/>
+              </a:rPr>
+              <a:t>onclick directly </a:t>
+            </a:r>
+          </a:p>
+          <a:p>
+            <a:pPr marL="12700">
+              <a:spcBef>
+                <a:spcPts val="95"/>
+              </a:spcBef>
+            </a:pPr>
+            <a:r>
+              <a:rPr lang="en-US" sz="2000" kern="0" dirty="0">
+                <a:latin typeface="Consolas" panose="020B0609020204030204" pitchFamily="49" charset="0"/>
+                <a:cs typeface="Calibri Light" panose="020F0302020204030204" pitchFamily="34" charset="0"/>
+                <a:sym typeface="Wingdings" panose="05000000000000000000" pitchFamily="2" charset="2"/>
+              </a:rPr>
+              <a:t>const </a:t>
+            </a:r>
+            <a:r>
+              <a:rPr lang="en-US" sz="2000" kern="0" dirty="0" err="1">
+                <a:latin typeface="Consolas" panose="020B0609020204030204" pitchFamily="49" charset="0"/>
+                <a:cs typeface="Calibri Light" panose="020F0302020204030204" pitchFamily="34" charset="0"/>
+                <a:sym typeface="Wingdings" panose="05000000000000000000" pitchFamily="2" charset="2"/>
+              </a:rPr>
+              <a:t>btn</a:t>
+            </a:r>
+            <a:r>
+              <a:rPr lang="en-US" sz="2000" kern="0" dirty="0">
+                <a:latin typeface="Consolas" panose="020B0609020204030204" pitchFamily="49" charset="0"/>
+                <a:cs typeface="Calibri Light" panose="020F0302020204030204" pitchFamily="34" charset="0"/>
+                <a:sym typeface="Wingdings" panose="05000000000000000000" pitchFamily="2" charset="2"/>
+              </a:rPr>
+              <a:t> = </a:t>
+            </a:r>
+            <a:r>
+              <a:rPr lang="en-US" sz="2000" kern="0" dirty="0" err="1">
+                <a:latin typeface="Consolas" panose="020B0609020204030204" pitchFamily="49" charset="0"/>
+                <a:cs typeface="Calibri Light" panose="020F0302020204030204" pitchFamily="34" charset="0"/>
+                <a:sym typeface="Wingdings" panose="05000000000000000000" pitchFamily="2" charset="2"/>
+              </a:rPr>
+              <a:t>doc.querySelector</a:t>
+            </a:r>
+            <a:r>
+              <a:rPr lang="en-US" sz="2000" kern="0" dirty="0">
+                <a:latin typeface="Consolas" panose="020B0609020204030204" pitchFamily="49" charset="0"/>
+                <a:cs typeface="Calibri Light" panose="020F0302020204030204" pitchFamily="34" charset="0"/>
+                <a:sym typeface="Wingdings" panose="05000000000000000000" pitchFamily="2" charset="2"/>
+              </a:rPr>
+              <a:t>(‘.</a:t>
+            </a:r>
+            <a:r>
+              <a:rPr lang="en-US" sz="2000" kern="0" dirty="0" err="1">
+                <a:latin typeface="Consolas" panose="020B0609020204030204" pitchFamily="49" charset="0"/>
+                <a:cs typeface="Calibri Light" panose="020F0302020204030204" pitchFamily="34" charset="0"/>
+                <a:sym typeface="Wingdings" panose="05000000000000000000" pitchFamily="2" charset="2"/>
+              </a:rPr>
+              <a:t>btn</a:t>
+            </a:r>
+            <a:r>
+              <a:rPr lang="en-US" sz="2000" kern="0" dirty="0">
+                <a:latin typeface="Consolas" panose="020B0609020204030204" pitchFamily="49" charset="0"/>
+                <a:cs typeface="Calibri Light" panose="020F0302020204030204" pitchFamily="34" charset="0"/>
+                <a:sym typeface="Wingdings" panose="05000000000000000000" pitchFamily="2" charset="2"/>
+              </a:rPr>
+              <a:t>’);</a:t>
+            </a:r>
+          </a:p>
+          <a:p>
+            <a:pPr marL="12700">
+              <a:spcBef>
+                <a:spcPts val="95"/>
+              </a:spcBef>
+            </a:pPr>
+            <a:r>
+              <a:rPr lang="en-US" sz="2000" kern="0" dirty="0" err="1">
+                <a:latin typeface="Consolas" panose="020B0609020204030204" pitchFamily="49" charset="0"/>
+                <a:cs typeface="Calibri Light" panose="020F0302020204030204" pitchFamily="34" charset="0"/>
+                <a:sym typeface="Wingdings" panose="05000000000000000000" pitchFamily="2" charset="2"/>
+              </a:rPr>
+              <a:t>btn.onclick</a:t>
+            </a:r>
+            <a:r>
+              <a:rPr lang="en-US" sz="2000" kern="0" dirty="0">
+                <a:latin typeface="Consolas" panose="020B0609020204030204" pitchFamily="49" charset="0"/>
+                <a:cs typeface="Calibri Light" panose="020F0302020204030204" pitchFamily="34" charset="0"/>
+                <a:sym typeface="Wingdings" panose="05000000000000000000" pitchFamily="2" charset="2"/>
+              </a:rPr>
+              <a:t> = ()=&gt;{ log(‘clicked’); }</a:t>
+            </a:r>
             <a:endParaRPr lang="en-US" sz="2800" kern="0" dirty="0">
               <a:latin typeface="+mn-lt"/>
               <a:cs typeface="Calibri Light" panose="020F0302020204030204" pitchFamily="34" charset="0"/>
@@ -17054,6 +18463,22 @@
                 <a:spcPts val="95"/>
               </a:spcBef>
             </a:pPr>
+            <a:r>
+              <a:rPr lang="en-US" sz="2800" kern="0" dirty="0">
+                <a:latin typeface="+mn-lt"/>
+                <a:cs typeface="Calibri Light" panose="020F0302020204030204" pitchFamily="34" charset="0"/>
+                <a:sym typeface="Wingdings" panose="05000000000000000000" pitchFamily="2" charset="2"/>
+              </a:rPr>
+              <a:t>3. using </a:t>
+            </a:r>
+            <a:r>
+              <a:rPr lang="en-US" sz="2800" kern="0" dirty="0" err="1">
+                <a:latin typeface="+mn-lt"/>
+                <a:cs typeface="Calibri Light" panose="020F0302020204030204" pitchFamily="34" charset="0"/>
+                <a:sym typeface="Wingdings" panose="05000000000000000000" pitchFamily="2" charset="2"/>
+              </a:rPr>
+              <a:t>eventListener</a:t>
+            </a:r>
             <a:endParaRPr lang="en-US" sz="2800" kern="0" dirty="0">
               <a:latin typeface="+mn-lt"/>
               <a:cs typeface="Calibri Light" panose="020F0302020204030204" pitchFamily="34" charset="0"/>
@@ -17066,18 +18491,2185 @@
                 <a:spcPts val="95"/>
               </a:spcBef>
             </a:pPr>
+            <a:r>
+              <a:rPr lang="en-US" sz="2000" kern="0" dirty="0" err="1">
+                <a:latin typeface="Consolas" panose="020B0609020204030204" pitchFamily="49" charset="0"/>
+                <a:cs typeface="Calibri Light" panose="020F0302020204030204" pitchFamily="34" charset="0"/>
+                <a:sym typeface="Wingdings" panose="05000000000000000000" pitchFamily="2" charset="2"/>
+              </a:rPr>
+              <a:t>btn.addEventListener</a:t>
+            </a:r>
+            <a:r>
+              <a:rPr lang="en-US" sz="2000" kern="0" dirty="0">
+                <a:latin typeface="Consolas" panose="020B0609020204030204" pitchFamily="49" charset="0"/>
+                <a:cs typeface="Calibri Light" panose="020F0302020204030204" pitchFamily="34" charset="0"/>
+                <a:sym typeface="Wingdings" panose="05000000000000000000" pitchFamily="2" charset="2"/>
+              </a:rPr>
+              <a:t>(‘click’,()=&gt;{ log(‘clicked’); } ); </a:t>
+            </a:r>
+            <a:r>
+              <a:rPr lang="en-US" sz="2000" kern="0" dirty="0" err="1">
+                <a:latin typeface="Consolas" panose="020B0609020204030204" pitchFamily="49" charset="0"/>
+                <a:cs typeface="Calibri Light" panose="020F0302020204030204" pitchFamily="34" charset="0"/>
+                <a:sym typeface="Wingdings" panose="05000000000000000000" pitchFamily="2" charset="2"/>
+              </a:rPr>
+              <a:t>btn.addEventListener</a:t>
+            </a:r>
+            <a:r>
+              <a:rPr lang="en-US" sz="2000" kern="0" dirty="0">
+                <a:latin typeface="Consolas" panose="020B0609020204030204" pitchFamily="49" charset="0"/>
+                <a:cs typeface="Calibri Light" panose="020F0302020204030204" pitchFamily="34" charset="0"/>
+                <a:sym typeface="Wingdings" panose="05000000000000000000" pitchFamily="2" charset="2"/>
+              </a:rPr>
+              <a:t>(‘</a:t>
+            </a:r>
+            <a:r>
+              <a:rPr lang="en-US" sz="2000" kern="0" dirty="0" err="1">
+                <a:latin typeface="Consolas" panose="020B0609020204030204" pitchFamily="49" charset="0"/>
+                <a:cs typeface="Calibri Light" panose="020F0302020204030204" pitchFamily="34" charset="0"/>
+                <a:sym typeface="Wingdings" panose="05000000000000000000" pitchFamily="2" charset="2"/>
+              </a:rPr>
+              <a:t>dblclick</a:t>
+            </a:r>
+            <a:r>
+              <a:rPr lang="en-US" sz="2000" kern="0" dirty="0">
+                <a:latin typeface="Consolas" panose="020B0609020204030204" pitchFamily="49" charset="0"/>
+                <a:cs typeface="Calibri Light" panose="020F0302020204030204" pitchFamily="34" charset="0"/>
+                <a:sym typeface="Wingdings" panose="05000000000000000000" pitchFamily="2" charset="2"/>
+              </a:rPr>
+              <a:t>’,()=&gt;{ log(‘clicked twice’); } );</a:t>
+            </a:r>
+          </a:p>
+          <a:p>
+            <a:pPr marL="12700">
+              <a:spcBef>
+                <a:spcPts val="95"/>
+              </a:spcBef>
+            </a:pPr>
             <a:endParaRPr lang="en-US" sz="2800" kern="0" dirty="0">
               <a:latin typeface="+mn-lt"/>
               <a:cs typeface="Calibri Light" panose="020F0302020204030204" pitchFamily="34" charset="0"/>
               <a:sym typeface="Wingdings" panose="05000000000000000000" pitchFamily="2" charset="2"/>
             </a:endParaRPr>
           </a:p>
+          <a:p>
+            <a:pPr marL="12700">
+              <a:spcBef>
+                <a:spcPts val="95"/>
+              </a:spcBef>
+            </a:pPr>
+            <a:r>
+              <a:rPr lang="en-US" sz="2800" kern="0" dirty="0">
+                <a:latin typeface="+mn-lt"/>
+                <a:cs typeface="Calibri Light" panose="020F0302020204030204" pitchFamily="34" charset="0"/>
+                <a:sym typeface="Wingdings" panose="05000000000000000000" pitchFamily="2" charset="2"/>
+              </a:rPr>
+              <a:t>Input Events</a:t>
+            </a:r>
+          </a:p>
+          <a:p>
+            <a:pPr marL="12700">
+              <a:spcBef>
+                <a:spcPts val="95"/>
+              </a:spcBef>
+            </a:pPr>
+            <a:r>
+              <a:rPr lang="en-US" sz="2000" kern="0" dirty="0" err="1">
+                <a:latin typeface="Consolas" panose="020B0609020204030204" pitchFamily="49" charset="0"/>
+                <a:cs typeface="Calibri Light" panose="020F0302020204030204" pitchFamily="34" charset="0"/>
+                <a:sym typeface="Wingdings" panose="05000000000000000000" pitchFamily="2" charset="2"/>
+              </a:rPr>
+              <a:t>btn.addEventListener</a:t>
+            </a:r>
+            <a:r>
+              <a:rPr lang="en-US" sz="2000" kern="0" dirty="0">
+                <a:latin typeface="Consolas" panose="020B0609020204030204" pitchFamily="49" charset="0"/>
+                <a:cs typeface="Calibri Light" panose="020F0302020204030204" pitchFamily="34" charset="0"/>
+                <a:sym typeface="Wingdings" panose="05000000000000000000" pitchFamily="2" charset="2"/>
+              </a:rPr>
+              <a:t>(‘input’,()=&gt;{ log(‘clicked’); } );</a:t>
+            </a:r>
+            <a:endParaRPr lang="en-US" sz="2400" kern="0" dirty="0">
+              <a:latin typeface="+mj-lt"/>
+              <a:cs typeface="Calibri Light" panose="020F0302020204030204" pitchFamily="34" charset="0"/>
+              <a:sym typeface="Wingdings" panose="05000000000000000000" pitchFamily="2" charset="2"/>
+            </a:endParaRPr>
+          </a:p>
+          <a:p>
+            <a:pPr marL="12700">
+              <a:spcBef>
+                <a:spcPts val="95"/>
+              </a:spcBef>
+            </a:pPr>
+            <a:r>
+              <a:rPr lang="en-US" sz="2400" kern="0" dirty="0">
+                <a:latin typeface="+mj-lt"/>
+                <a:cs typeface="Calibri Light" panose="020F0302020204030204" pitchFamily="34" charset="0"/>
+                <a:sym typeface="Wingdings" panose="05000000000000000000" pitchFamily="2" charset="2"/>
+              </a:rPr>
+              <a:t>To access the elements in input tag we use </a:t>
+            </a:r>
+            <a:r>
+              <a:rPr lang="en-US" sz="2400" kern="0" dirty="0" err="1">
+                <a:latin typeface="+mj-lt"/>
+                <a:cs typeface="Calibri Light" panose="020F0302020204030204" pitchFamily="34" charset="0"/>
+                <a:sym typeface="Wingdings" panose="05000000000000000000" pitchFamily="2" charset="2"/>
+              </a:rPr>
+              <a:t>arg</a:t>
+            </a:r>
+            <a:r>
+              <a:rPr lang="en-US" sz="2400" kern="0" dirty="0">
+                <a:latin typeface="+mj-lt"/>
+                <a:cs typeface="Calibri Light" panose="020F0302020204030204" pitchFamily="34" charset="0"/>
+                <a:sym typeface="Wingdings" panose="05000000000000000000" pitchFamily="2" charset="2"/>
+              </a:rPr>
+              <a:t> e and  </a:t>
+            </a:r>
+            <a:r>
+              <a:rPr lang="en-US" sz="2400" kern="0" dirty="0" err="1">
+                <a:latin typeface="+mj-lt"/>
+                <a:cs typeface="Calibri Light" panose="020F0302020204030204" pitchFamily="34" charset="0"/>
+                <a:sym typeface="Wingdings" panose="05000000000000000000" pitchFamily="2" charset="2"/>
+              </a:rPr>
+              <a:t>e.target.value</a:t>
+            </a:r>
+            <a:r>
+              <a:rPr lang="en-US" sz="2400" kern="0" dirty="0">
+                <a:latin typeface="+mj-lt"/>
+                <a:cs typeface="Calibri Light" panose="020F0302020204030204" pitchFamily="34" charset="0"/>
+                <a:sym typeface="Wingdings" panose="05000000000000000000" pitchFamily="2" charset="2"/>
+              </a:rPr>
+              <a:t> for its value</a:t>
+            </a:r>
+          </a:p>
+          <a:p>
+            <a:pPr marL="12700">
+              <a:spcBef>
+                <a:spcPts val="95"/>
+              </a:spcBef>
+            </a:pPr>
+            <a:r>
+              <a:rPr lang="en-US" sz="2000" kern="0" dirty="0" err="1">
+                <a:latin typeface="Consolas" panose="020B0609020204030204" pitchFamily="49" charset="0"/>
+                <a:cs typeface="Calibri Light" panose="020F0302020204030204" pitchFamily="34" charset="0"/>
+                <a:sym typeface="Wingdings" panose="05000000000000000000" pitchFamily="2" charset="2"/>
+              </a:rPr>
+              <a:t>btn.addEventListener</a:t>
+            </a:r>
+            <a:r>
+              <a:rPr lang="en-US" sz="2000" kern="0" dirty="0">
+                <a:latin typeface="Consolas" panose="020B0609020204030204" pitchFamily="49" charset="0"/>
+                <a:cs typeface="Calibri Light" panose="020F0302020204030204" pitchFamily="34" charset="0"/>
+                <a:sym typeface="Wingdings" panose="05000000000000000000" pitchFamily="2" charset="2"/>
+              </a:rPr>
+              <a:t>(‘input’,(e)=&gt;{ log(</a:t>
+            </a:r>
+            <a:r>
+              <a:rPr lang="en-US" sz="2000" kern="0" dirty="0" err="1">
+                <a:latin typeface="Consolas" panose="020B0609020204030204" pitchFamily="49" charset="0"/>
+                <a:cs typeface="Calibri Light" panose="020F0302020204030204" pitchFamily="34" charset="0"/>
+                <a:sym typeface="Wingdings" panose="05000000000000000000" pitchFamily="2" charset="2"/>
+              </a:rPr>
+              <a:t>e.target.value</a:t>
+            </a:r>
+            <a:r>
+              <a:rPr lang="en-US" sz="2000" kern="0" dirty="0">
+                <a:latin typeface="Consolas" panose="020B0609020204030204" pitchFamily="49" charset="0"/>
+                <a:cs typeface="Calibri Light" panose="020F0302020204030204" pitchFamily="34" charset="0"/>
+                <a:sym typeface="Wingdings" panose="05000000000000000000" pitchFamily="2" charset="2"/>
+              </a:rPr>
+              <a:t>); } );</a:t>
+            </a:r>
+          </a:p>
+          <a:p>
+            <a:pPr marL="12700">
+              <a:spcBef>
+                <a:spcPts val="95"/>
+              </a:spcBef>
+            </a:pPr>
+            <a:endParaRPr lang="en-US" sz="2800" kern="0" dirty="0">
+              <a:latin typeface="+mn-lt"/>
+              <a:cs typeface="Calibri Light" panose="020F0302020204030204" pitchFamily="34" charset="0"/>
+              <a:sym typeface="Wingdings" panose="05000000000000000000" pitchFamily="2" charset="2"/>
+            </a:endParaRPr>
+          </a:p>
         </p:txBody>
       </p:sp>
     </p:spTree>
     <p:extLst>
       <p:ext uri="{BB962C8B-B14F-4D97-AF65-F5344CB8AC3E}">
-        <p14:creationId xmlns:p14="http://schemas.microsoft.com/office/powerpoint/2010/main" val="2598095397"/>
+        <p14:creationId xmlns:p14="http://schemas.microsoft.com/office/powerpoint/2010/main" val="973722338"/>
+      </p:ext>
+    </p:extLst>
+  </p:cSld>
+  <p:clrMapOvr>
+    <a:masterClrMapping/>
+  </p:clrMapOvr>
+</p:sld>
+</file>
+
+<file path=ppt/slides/slide44.xml><?xml version="1.0" encoding="utf-8"?>
+<p:sld xmlns:a="http://schemas.openxmlformats.org/drawingml/2006/main" xmlns:r="http://schemas.openxmlformats.org/officeDocument/2006/relationships" xmlns:p="http://schemas.openxmlformats.org/presentationml/2006/main">
+  <p:cSld>
+    <p:spTree>
+      <p:nvGrpSpPr>
+        <p:cNvPr id="1" name=""/>
+        <p:cNvGrpSpPr/>
+        <p:nvPr/>
+      </p:nvGrpSpPr>
+      <p:grpSpPr>
+        <a:xfrm>
+          <a:off x="0" y="0"/>
+          <a:ext cx="0" cy="0"/>
+          <a:chOff x="0" y="0"/>
+          <a:chExt cx="0" cy="0"/>
+        </a:xfrm>
+      </p:grpSpPr>
+      <p:sp>
+        <p:nvSpPr>
+          <p:cNvPr id="2" name="object 2"/>
+          <p:cNvSpPr/>
+          <p:nvPr/>
+        </p:nvSpPr>
+        <p:spPr>
+          <a:xfrm>
+            <a:off x="-36871" y="-36871"/>
+            <a:ext cx="12191999" cy="7118601"/>
+          </a:xfrm>
+          <a:prstGeom prst="rect">
+            <a:avLst/>
+          </a:prstGeom>
+          <a:blipFill>
+            <a:blip r:embed="rId2" cstate="print"/>
+            <a:stretch>
+              <a:fillRect/>
+            </a:stretch>
+          </a:blipFill>
+        </p:spPr>
+        <p:txBody>
+          <a:bodyPr wrap="square" lIns="0" tIns="0" rIns="0" bIns="0" rtlCol="0"/>
+          <a:lstStyle/>
+          <a:p>
+            <a:endParaRPr b="1" dirty="0">
+              <a:ln w="13462">
+                <a:solidFill>
+                  <a:schemeClr val="bg1"/>
+                </a:solidFill>
+                <a:prstDash val="solid"/>
+              </a:ln>
+              <a:solidFill>
+                <a:schemeClr val="tx1">
+                  <a:lumMod val="85000"/>
+                  <a:lumOff val="15000"/>
+                </a:schemeClr>
+              </a:solidFill>
+              <a:effectLst>
+                <a:outerShdw dist="38100" dir="2700000" algn="bl" rotWithShape="0">
+                  <a:schemeClr val="accent5"/>
+                </a:outerShdw>
+              </a:effectLst>
+            </a:endParaRPr>
+          </a:p>
+        </p:txBody>
+      </p:sp>
+      <p:sp>
+        <p:nvSpPr>
+          <p:cNvPr id="3" name="object 3"/>
+          <p:cNvSpPr txBox="1">
+            <a:spLocks noGrp="1"/>
+          </p:cNvSpPr>
+          <p:nvPr>
+            <p:ph type="title"/>
+          </p:nvPr>
+        </p:nvSpPr>
+        <p:spPr>
+          <a:xfrm>
+            <a:off x="481685" y="304800"/>
+            <a:ext cx="8967115" cy="566181"/>
+          </a:xfrm>
+          <a:prstGeom prst="rect">
+            <a:avLst/>
+          </a:prstGeom>
+        </p:spPr>
+        <p:txBody>
+          <a:bodyPr vert="horz" wrap="square" lIns="0" tIns="12065" rIns="0" bIns="0" rtlCol="0">
+            <a:spAutoFit/>
+          </a:bodyPr>
+          <a:lstStyle/>
+          <a:p>
+            <a:pPr marL="12700">
+              <a:spcBef>
+                <a:spcPts val="95"/>
+              </a:spcBef>
+            </a:pPr>
+            <a:r>
+              <a:rPr lang="en-US" sz="3600" kern="0" dirty="0">
+                <a:latin typeface="+mn-lt"/>
+                <a:cs typeface="Calibri Light" panose="020F0302020204030204" pitchFamily="34" charset="0"/>
+                <a:sym typeface="Wingdings" panose="05000000000000000000" pitchFamily="2" charset="2"/>
+              </a:rPr>
+              <a:t>DOM Events</a:t>
+            </a:r>
+          </a:p>
+        </p:txBody>
+      </p:sp>
+      <p:sp>
+        <p:nvSpPr>
+          <p:cNvPr id="5" name="object 5"/>
+          <p:cNvSpPr/>
+          <p:nvPr/>
+        </p:nvSpPr>
+        <p:spPr>
+          <a:xfrm>
+            <a:off x="9816083" y="262127"/>
+            <a:ext cx="1976627" cy="822960"/>
+          </a:xfrm>
+          <a:prstGeom prst="rect">
+            <a:avLst/>
+          </a:prstGeom>
+          <a:blipFill>
+            <a:blip r:embed="rId3" cstate="print"/>
+            <a:stretch>
+              <a:fillRect/>
+            </a:stretch>
+          </a:blipFill>
+        </p:spPr>
+        <p:txBody>
+          <a:bodyPr wrap="square" lIns="0" tIns="0" rIns="0" bIns="0" rtlCol="0"/>
+          <a:lstStyle/>
+          <a:p>
+            <a:endParaRPr/>
+          </a:p>
+        </p:txBody>
+      </p:sp>
+      <p:sp>
+        <p:nvSpPr>
+          <p:cNvPr id="4" name="object 3">
+            <a:extLst>
+              <a:ext uri="{FF2B5EF4-FFF2-40B4-BE49-F238E27FC236}">
+                <a16:creationId xmlns:a16="http://schemas.microsoft.com/office/drawing/2014/main" id="{1ED9D45B-4B0D-FC76-3A8C-E89F6CD72254}"/>
+              </a:ext>
+            </a:extLst>
+          </p:cNvPr>
+          <p:cNvSpPr txBox="1">
+            <a:spLocks/>
+          </p:cNvSpPr>
+          <p:nvPr/>
+        </p:nvSpPr>
+        <p:spPr>
+          <a:xfrm>
+            <a:off x="533400" y="838200"/>
+            <a:ext cx="11621728" cy="5262338"/>
+          </a:xfrm>
+          <a:prstGeom prst="rect">
+            <a:avLst/>
+          </a:prstGeom>
+        </p:spPr>
+        <p:txBody>
+          <a:bodyPr vert="horz" wrap="square" lIns="0" tIns="12065" rIns="0" bIns="0" rtlCol="0">
+            <a:spAutoFit/>
+          </a:bodyPr>
+          <a:lstStyle>
+            <a:lvl1pPr>
+              <a:defRPr sz="6000" b="0" i="0">
+                <a:solidFill>
+                  <a:srgbClr val="E7E6E6"/>
+                </a:solidFill>
+                <a:latin typeface="Trebuchet MS"/>
+                <a:ea typeface="+mj-ea"/>
+                <a:cs typeface="Trebuchet MS"/>
+              </a:defRPr>
+            </a:lvl1pPr>
+          </a:lstStyle>
+          <a:p>
+            <a:pPr marL="12700">
+              <a:spcBef>
+                <a:spcPts val="95"/>
+              </a:spcBef>
+            </a:pPr>
+            <a:r>
+              <a:rPr lang="en-US" sz="2800" kern="0" dirty="0">
+                <a:latin typeface="+mn-lt"/>
+                <a:cs typeface="Calibri Light" panose="020F0302020204030204" pitchFamily="34" charset="0"/>
+                <a:sym typeface="Wingdings" panose="05000000000000000000" pitchFamily="2" charset="2"/>
+              </a:rPr>
+              <a:t>Submit Events : Used in form tag</a:t>
+            </a:r>
+            <a:endParaRPr lang="en-US" sz="2400" kern="0" dirty="0">
+              <a:latin typeface="+mn-lt"/>
+              <a:cs typeface="Calibri Light" panose="020F0302020204030204" pitchFamily="34" charset="0"/>
+              <a:sym typeface="Wingdings" panose="05000000000000000000" pitchFamily="2" charset="2"/>
+            </a:endParaRPr>
+          </a:p>
+          <a:p>
+            <a:pPr marL="12700">
+              <a:spcBef>
+                <a:spcPts val="95"/>
+              </a:spcBef>
+            </a:pPr>
+            <a:r>
+              <a:rPr lang="en-US" sz="2400" kern="0" dirty="0">
+                <a:latin typeface="Consolas" panose="020B0609020204030204" pitchFamily="49" charset="0"/>
+                <a:cs typeface="Calibri Light" panose="020F0302020204030204" pitchFamily="34" charset="0"/>
+                <a:sym typeface="Wingdings" panose="05000000000000000000" pitchFamily="2" charset="2"/>
+              </a:rPr>
+              <a:t>0.const form = </a:t>
+            </a:r>
+            <a:r>
+              <a:rPr lang="en-US" sz="2400" kern="0" dirty="0" err="1">
+                <a:latin typeface="Consolas" panose="020B0609020204030204" pitchFamily="49" charset="0"/>
+                <a:cs typeface="Calibri Light" panose="020F0302020204030204" pitchFamily="34" charset="0"/>
+                <a:sym typeface="Wingdings" panose="05000000000000000000" pitchFamily="2" charset="2"/>
+              </a:rPr>
+              <a:t>doc.querySelector</a:t>
+            </a:r>
+            <a:r>
+              <a:rPr lang="en-US" sz="2400" kern="0" dirty="0">
+                <a:latin typeface="Consolas" panose="020B0609020204030204" pitchFamily="49" charset="0"/>
+                <a:cs typeface="Calibri Light" panose="020F0302020204030204" pitchFamily="34" charset="0"/>
+                <a:sym typeface="Wingdings" panose="05000000000000000000" pitchFamily="2" charset="2"/>
+              </a:rPr>
+              <a:t>(‘form’);</a:t>
+            </a:r>
+          </a:p>
+          <a:p>
+            <a:pPr marL="12700">
+              <a:spcBef>
+                <a:spcPts val="95"/>
+              </a:spcBef>
+            </a:pPr>
+            <a:r>
+              <a:rPr lang="en-US" sz="2400" kern="0" dirty="0">
+                <a:latin typeface="Consolas" panose="020B0609020204030204" pitchFamily="49" charset="0"/>
+                <a:cs typeface="Calibri Light" panose="020F0302020204030204" pitchFamily="34" charset="0"/>
+                <a:sym typeface="Wingdings" panose="05000000000000000000" pitchFamily="2" charset="2"/>
+              </a:rPr>
+              <a:t>1.form.addEventListener(‘submit’,()=&gt;{ log(‘form submitted’); } );</a:t>
+            </a:r>
+          </a:p>
+          <a:p>
+            <a:pPr marL="12700">
+              <a:spcBef>
+                <a:spcPts val="95"/>
+              </a:spcBef>
+            </a:pPr>
+            <a:r>
+              <a:rPr lang="en-US" sz="2400" kern="0" dirty="0">
+                <a:latin typeface="Consolas" panose="020B0609020204030204" pitchFamily="49" charset="0"/>
+                <a:cs typeface="Calibri Light" panose="020F0302020204030204" pitchFamily="34" charset="0"/>
+                <a:sym typeface="Wingdings" panose="05000000000000000000" pitchFamily="2" charset="2"/>
+              </a:rPr>
+              <a:t>//the submit will reload the page, </a:t>
+            </a:r>
+          </a:p>
+          <a:p>
+            <a:pPr marL="12700">
+              <a:spcBef>
+                <a:spcPts val="95"/>
+              </a:spcBef>
+            </a:pPr>
+            <a:r>
+              <a:rPr lang="en-US" sz="2400" kern="0" dirty="0">
+                <a:latin typeface="Consolas" panose="020B0609020204030204" pitchFamily="49" charset="0"/>
+                <a:cs typeface="Calibri Light" panose="020F0302020204030204" pitchFamily="34" charset="0"/>
+                <a:sym typeface="Wingdings" panose="05000000000000000000" pitchFamily="2" charset="2"/>
+              </a:rPr>
+              <a:t>//to stop it we have to use </a:t>
+            </a:r>
+            <a:r>
+              <a:rPr lang="en-US" sz="2400" kern="0" dirty="0" err="1">
+                <a:latin typeface="Consolas" panose="020B0609020204030204" pitchFamily="49" charset="0"/>
+                <a:cs typeface="Calibri Light" panose="020F0302020204030204" pitchFamily="34" charset="0"/>
+                <a:sym typeface="Wingdings" panose="05000000000000000000" pitchFamily="2" charset="2"/>
+              </a:rPr>
+              <a:t>event.preventDefault</a:t>
+            </a:r>
+            <a:r>
+              <a:rPr lang="en-US" sz="2400" kern="0" dirty="0">
+                <a:latin typeface="Consolas" panose="020B0609020204030204" pitchFamily="49" charset="0"/>
+                <a:cs typeface="Calibri Light" panose="020F0302020204030204" pitchFamily="34" charset="0"/>
+                <a:sym typeface="Wingdings" panose="05000000000000000000" pitchFamily="2" charset="2"/>
+              </a:rPr>
+              <a:t>()</a:t>
+            </a:r>
+            <a:endParaRPr lang="en-US" sz="2400" kern="0" dirty="0">
+              <a:latin typeface="+mj-lt"/>
+              <a:cs typeface="Calibri Light" panose="020F0302020204030204" pitchFamily="34" charset="0"/>
+              <a:sym typeface="Wingdings" panose="05000000000000000000" pitchFamily="2" charset="2"/>
+            </a:endParaRPr>
+          </a:p>
+          <a:p>
+            <a:pPr marL="12700">
+              <a:spcBef>
+                <a:spcPts val="95"/>
+              </a:spcBef>
+            </a:pPr>
+            <a:r>
+              <a:rPr lang="en-US" sz="2400" kern="0" dirty="0">
+                <a:latin typeface="Consolas" panose="020B0609020204030204" pitchFamily="49" charset="0"/>
+                <a:cs typeface="Calibri Light" panose="020F0302020204030204" pitchFamily="34" charset="0"/>
+                <a:sym typeface="Wingdings" panose="05000000000000000000" pitchFamily="2" charset="2"/>
+              </a:rPr>
+              <a:t>2.form.addEventListener(‘submit’,(e)=&gt;{</a:t>
+            </a:r>
+            <a:r>
+              <a:rPr lang="en-US" sz="2400" kern="0" dirty="0" err="1">
+                <a:latin typeface="Consolas" panose="020B0609020204030204" pitchFamily="49" charset="0"/>
+                <a:cs typeface="Calibri Light" panose="020F0302020204030204" pitchFamily="34" charset="0"/>
+                <a:sym typeface="Wingdings" panose="05000000000000000000" pitchFamily="2" charset="2"/>
+              </a:rPr>
+              <a:t>e.preventDefault</a:t>
+            </a:r>
+            <a:r>
+              <a:rPr lang="en-US" sz="2400" kern="0" dirty="0">
+                <a:latin typeface="Consolas" panose="020B0609020204030204" pitchFamily="49" charset="0"/>
+                <a:cs typeface="Calibri Light" panose="020F0302020204030204" pitchFamily="34" charset="0"/>
+                <a:sym typeface="Wingdings" panose="05000000000000000000" pitchFamily="2" charset="2"/>
+              </a:rPr>
+              <a:t>();log(‘form submitted’);});</a:t>
+            </a:r>
+          </a:p>
+          <a:p>
+            <a:pPr marL="12700">
+              <a:spcBef>
+                <a:spcPts val="95"/>
+              </a:spcBef>
+            </a:pPr>
+            <a:endParaRPr lang="en-US" sz="2800" kern="0" dirty="0">
+              <a:latin typeface="+mn-lt"/>
+              <a:cs typeface="Calibri Light" panose="020F0302020204030204" pitchFamily="34" charset="0"/>
+              <a:sym typeface="Wingdings" panose="05000000000000000000" pitchFamily="2" charset="2"/>
+            </a:endParaRPr>
+          </a:p>
+          <a:p>
+            <a:pPr marL="12700">
+              <a:spcBef>
+                <a:spcPts val="95"/>
+              </a:spcBef>
+            </a:pPr>
+            <a:r>
+              <a:rPr lang="en-US" sz="2800" kern="0" dirty="0">
+                <a:latin typeface="+mn-lt"/>
+                <a:cs typeface="Calibri Light" panose="020F0302020204030204" pitchFamily="34" charset="0"/>
+                <a:sym typeface="Wingdings" panose="05000000000000000000" pitchFamily="2" charset="2"/>
+              </a:rPr>
+              <a:t>Access Elements of form</a:t>
+            </a:r>
+          </a:p>
+          <a:p>
+            <a:pPr marL="12700">
+              <a:spcBef>
+                <a:spcPts val="95"/>
+              </a:spcBef>
+            </a:pPr>
+            <a:r>
+              <a:rPr lang="en-US" sz="2800" kern="0" dirty="0">
+                <a:latin typeface="+mn-lt"/>
+                <a:cs typeface="Calibri Light" panose="020F0302020204030204" pitchFamily="34" charset="0"/>
+                <a:sym typeface="Wingdings" panose="05000000000000000000" pitchFamily="2" charset="2"/>
+              </a:rPr>
+              <a:t>For 2 input fields in form</a:t>
+            </a:r>
+          </a:p>
+          <a:p>
+            <a:pPr marL="12700">
+              <a:spcBef>
+                <a:spcPts val="95"/>
+              </a:spcBef>
+            </a:pPr>
+            <a:r>
+              <a:rPr lang="en-US" sz="2400" kern="0" dirty="0">
+                <a:latin typeface="Consolas" panose="020B0609020204030204" pitchFamily="49" charset="0"/>
+                <a:cs typeface="Calibri Light" panose="020F0302020204030204" pitchFamily="34" charset="0"/>
+                <a:sym typeface="Wingdings" panose="05000000000000000000" pitchFamily="2" charset="2"/>
+              </a:rPr>
+              <a:t>1.log(</a:t>
+            </a:r>
+            <a:r>
+              <a:rPr lang="en-US" sz="2400" kern="0" dirty="0" err="1">
+                <a:latin typeface="Consolas" panose="020B0609020204030204" pitchFamily="49" charset="0"/>
+                <a:cs typeface="Calibri Light" panose="020F0302020204030204" pitchFamily="34" charset="0"/>
+                <a:sym typeface="Wingdings" panose="05000000000000000000" pitchFamily="2" charset="2"/>
+              </a:rPr>
+              <a:t>form.elements</a:t>
+            </a:r>
+            <a:r>
+              <a:rPr lang="en-US" sz="2400" kern="0" dirty="0">
+                <a:latin typeface="Consolas" panose="020B0609020204030204" pitchFamily="49" charset="0"/>
+                <a:cs typeface="Calibri Light" panose="020F0302020204030204" pitchFamily="34" charset="0"/>
+                <a:sym typeface="Wingdings" panose="05000000000000000000" pitchFamily="2" charset="2"/>
+              </a:rPr>
+              <a:t>[0].value);</a:t>
+            </a:r>
+          </a:p>
+          <a:p>
+            <a:pPr marL="12700">
+              <a:spcBef>
+                <a:spcPts val="95"/>
+              </a:spcBef>
+            </a:pPr>
+            <a:r>
+              <a:rPr lang="en-US" sz="2400" kern="0" dirty="0">
+                <a:latin typeface="Consolas" panose="020B0609020204030204" pitchFamily="49" charset="0"/>
+                <a:cs typeface="Calibri Light" panose="020F0302020204030204" pitchFamily="34" charset="0"/>
+                <a:sym typeface="Wingdings" panose="05000000000000000000" pitchFamily="2" charset="2"/>
+              </a:rPr>
+              <a:t>2.log(</a:t>
+            </a:r>
+            <a:r>
+              <a:rPr lang="en-US" sz="2400" kern="0" dirty="0" err="1">
+                <a:latin typeface="Consolas" panose="020B0609020204030204" pitchFamily="49" charset="0"/>
+                <a:cs typeface="Calibri Light" panose="020F0302020204030204" pitchFamily="34" charset="0"/>
+                <a:sym typeface="Wingdings" panose="05000000000000000000" pitchFamily="2" charset="2"/>
+              </a:rPr>
+              <a:t>form.elements</a:t>
+            </a:r>
+            <a:r>
+              <a:rPr lang="en-US" sz="2400" kern="0" dirty="0">
+                <a:latin typeface="Consolas" panose="020B0609020204030204" pitchFamily="49" charset="0"/>
+                <a:cs typeface="Calibri Light" panose="020F0302020204030204" pitchFamily="34" charset="0"/>
+                <a:sym typeface="Wingdings" panose="05000000000000000000" pitchFamily="2" charset="2"/>
+              </a:rPr>
+              <a:t>[1].value);</a:t>
+            </a:r>
+          </a:p>
+          <a:p>
+            <a:pPr marL="12700">
+              <a:spcBef>
+                <a:spcPts val="95"/>
+              </a:spcBef>
+            </a:pPr>
+            <a:endParaRPr lang="en-US" sz="2800" kern="0" dirty="0">
+              <a:latin typeface="+mn-lt"/>
+              <a:cs typeface="Calibri Light" panose="020F0302020204030204" pitchFamily="34" charset="0"/>
+              <a:sym typeface="Wingdings" panose="05000000000000000000" pitchFamily="2" charset="2"/>
+            </a:endParaRPr>
+          </a:p>
+        </p:txBody>
+      </p:sp>
+    </p:spTree>
+    <p:extLst>
+      <p:ext uri="{BB962C8B-B14F-4D97-AF65-F5344CB8AC3E}">
+        <p14:creationId xmlns:p14="http://schemas.microsoft.com/office/powerpoint/2010/main" val="2178604332"/>
+      </p:ext>
+    </p:extLst>
+  </p:cSld>
+  <p:clrMapOvr>
+    <a:masterClrMapping/>
+  </p:clrMapOvr>
+</p:sld>
+</file>
+
+<file path=ppt/slides/slide45.xml><?xml version="1.0" encoding="utf-8"?>
+<p:sld xmlns:a="http://schemas.openxmlformats.org/drawingml/2006/main" xmlns:r="http://schemas.openxmlformats.org/officeDocument/2006/relationships" xmlns:p="http://schemas.openxmlformats.org/presentationml/2006/main">
+  <p:cSld>
+    <p:spTree>
+      <p:nvGrpSpPr>
+        <p:cNvPr id="1" name=""/>
+        <p:cNvGrpSpPr/>
+        <p:nvPr/>
+      </p:nvGrpSpPr>
+      <p:grpSpPr>
+        <a:xfrm>
+          <a:off x="0" y="0"/>
+          <a:ext cx="0" cy="0"/>
+          <a:chOff x="0" y="0"/>
+          <a:chExt cx="0" cy="0"/>
+        </a:xfrm>
+      </p:grpSpPr>
+      <p:sp>
+        <p:nvSpPr>
+          <p:cNvPr id="2" name="object 2"/>
+          <p:cNvSpPr/>
+          <p:nvPr/>
+        </p:nvSpPr>
+        <p:spPr>
+          <a:xfrm>
+            <a:off x="-36871" y="-36871"/>
+            <a:ext cx="12191999" cy="7118601"/>
+          </a:xfrm>
+          <a:prstGeom prst="rect">
+            <a:avLst/>
+          </a:prstGeom>
+          <a:blipFill>
+            <a:blip r:embed="rId2" cstate="print"/>
+            <a:stretch>
+              <a:fillRect/>
+            </a:stretch>
+          </a:blipFill>
+        </p:spPr>
+        <p:txBody>
+          <a:bodyPr wrap="square" lIns="0" tIns="0" rIns="0" bIns="0" rtlCol="0"/>
+          <a:lstStyle/>
+          <a:p>
+            <a:endParaRPr b="1" dirty="0">
+              <a:ln w="13462">
+                <a:solidFill>
+                  <a:schemeClr val="bg1"/>
+                </a:solidFill>
+                <a:prstDash val="solid"/>
+              </a:ln>
+              <a:solidFill>
+                <a:schemeClr val="tx1">
+                  <a:lumMod val="85000"/>
+                  <a:lumOff val="15000"/>
+                </a:schemeClr>
+              </a:solidFill>
+              <a:effectLst>
+                <a:outerShdw dist="38100" dir="2700000" algn="bl" rotWithShape="0">
+                  <a:schemeClr val="accent5"/>
+                </a:outerShdw>
+              </a:effectLst>
+            </a:endParaRPr>
+          </a:p>
+        </p:txBody>
+      </p:sp>
+      <p:sp>
+        <p:nvSpPr>
+          <p:cNvPr id="3" name="object 3"/>
+          <p:cNvSpPr txBox="1">
+            <a:spLocks noGrp="1"/>
+          </p:cNvSpPr>
+          <p:nvPr>
+            <p:ph type="title"/>
+          </p:nvPr>
+        </p:nvSpPr>
+        <p:spPr>
+          <a:xfrm>
+            <a:off x="481685" y="304800"/>
+            <a:ext cx="8967115" cy="566181"/>
+          </a:xfrm>
+          <a:prstGeom prst="rect">
+            <a:avLst/>
+          </a:prstGeom>
+        </p:spPr>
+        <p:txBody>
+          <a:bodyPr vert="horz" wrap="square" lIns="0" tIns="12065" rIns="0" bIns="0" rtlCol="0">
+            <a:spAutoFit/>
+          </a:bodyPr>
+          <a:lstStyle/>
+          <a:p>
+            <a:pPr marL="12700">
+              <a:spcBef>
+                <a:spcPts val="95"/>
+              </a:spcBef>
+            </a:pPr>
+            <a:r>
+              <a:rPr lang="en-US" sz="3600" kern="0" dirty="0">
+                <a:latin typeface="+mn-lt"/>
+                <a:cs typeface="Calibri Light" panose="020F0302020204030204" pitchFamily="34" charset="0"/>
+                <a:sym typeface="Wingdings" panose="05000000000000000000" pitchFamily="2" charset="2"/>
+              </a:rPr>
+              <a:t>Project ( Note Taking App)</a:t>
+            </a:r>
+          </a:p>
+        </p:txBody>
+      </p:sp>
+      <p:sp>
+        <p:nvSpPr>
+          <p:cNvPr id="5" name="object 5"/>
+          <p:cNvSpPr/>
+          <p:nvPr/>
+        </p:nvSpPr>
+        <p:spPr>
+          <a:xfrm>
+            <a:off x="9816083" y="262127"/>
+            <a:ext cx="1976627" cy="822960"/>
+          </a:xfrm>
+          <a:prstGeom prst="rect">
+            <a:avLst/>
+          </a:prstGeom>
+          <a:blipFill>
+            <a:blip r:embed="rId3" cstate="print"/>
+            <a:stretch>
+              <a:fillRect/>
+            </a:stretch>
+          </a:blipFill>
+        </p:spPr>
+        <p:txBody>
+          <a:bodyPr wrap="square" lIns="0" tIns="0" rIns="0" bIns="0" rtlCol="0"/>
+          <a:lstStyle/>
+          <a:p>
+            <a:endParaRPr/>
+          </a:p>
+        </p:txBody>
+      </p:sp>
+      <p:sp>
+        <p:nvSpPr>
+          <p:cNvPr id="4" name="object 3">
+            <a:extLst>
+              <a:ext uri="{FF2B5EF4-FFF2-40B4-BE49-F238E27FC236}">
+                <a16:creationId xmlns:a16="http://schemas.microsoft.com/office/drawing/2014/main" id="{1ED9D45B-4B0D-FC76-3A8C-E89F6CD72254}"/>
+              </a:ext>
+            </a:extLst>
+          </p:cNvPr>
+          <p:cNvSpPr txBox="1">
+            <a:spLocks/>
+          </p:cNvSpPr>
+          <p:nvPr/>
+        </p:nvSpPr>
+        <p:spPr>
+          <a:xfrm>
+            <a:off x="533400" y="838200"/>
+            <a:ext cx="11621728" cy="3992760"/>
+          </a:xfrm>
+          <a:prstGeom prst="rect">
+            <a:avLst/>
+          </a:prstGeom>
+        </p:spPr>
+        <p:txBody>
+          <a:bodyPr vert="horz" wrap="square" lIns="0" tIns="12065" rIns="0" bIns="0" rtlCol="0">
+            <a:spAutoFit/>
+          </a:bodyPr>
+          <a:lstStyle>
+            <a:lvl1pPr>
+              <a:defRPr sz="6000" b="0" i="0">
+                <a:solidFill>
+                  <a:srgbClr val="E7E6E6"/>
+                </a:solidFill>
+                <a:latin typeface="Trebuchet MS"/>
+                <a:ea typeface="+mj-ea"/>
+                <a:cs typeface="Trebuchet MS"/>
+              </a:defRPr>
+            </a:lvl1pPr>
+          </a:lstStyle>
+          <a:p>
+            <a:pPr marL="527050" indent="-514350">
+              <a:spcBef>
+                <a:spcPts val="95"/>
+              </a:spcBef>
+              <a:buAutoNum type="arabicPeriod"/>
+            </a:pPr>
+            <a:r>
+              <a:rPr lang="en-US" sz="2800" kern="0" dirty="0">
+                <a:latin typeface="+mn-lt"/>
+                <a:cs typeface="Calibri Light" panose="020F0302020204030204" pitchFamily="34" charset="0"/>
+                <a:sym typeface="Wingdings" panose="05000000000000000000" pitchFamily="2" charset="2"/>
+              </a:rPr>
+              <a:t>We will need html tags such as </a:t>
+            </a:r>
+            <a:r>
+              <a:rPr lang="en-US" sz="2800" kern="0" dirty="0" err="1">
+                <a:latin typeface="+mn-lt"/>
+                <a:cs typeface="Calibri Light" panose="020F0302020204030204" pitchFamily="34" charset="0"/>
+                <a:sym typeface="Wingdings" panose="05000000000000000000" pitchFamily="2" charset="2"/>
+              </a:rPr>
+              <a:t>ul</a:t>
+            </a:r>
+            <a:r>
+              <a:rPr lang="en-US" sz="2800" kern="0" dirty="0">
+                <a:latin typeface="+mn-lt"/>
+                <a:cs typeface="Calibri Light" panose="020F0302020204030204" pitchFamily="34" charset="0"/>
+                <a:sym typeface="Wingdings" panose="05000000000000000000" pitchFamily="2" charset="2"/>
+              </a:rPr>
+              <a:t> , input , button</a:t>
+            </a:r>
+          </a:p>
+          <a:p>
+            <a:pPr marL="527050" indent="-514350">
+              <a:spcBef>
+                <a:spcPts val="95"/>
+              </a:spcBef>
+              <a:buAutoNum type="arabicPeriod"/>
+            </a:pPr>
+            <a:r>
+              <a:rPr lang="en-US" sz="2800" kern="0" dirty="0">
+                <a:latin typeface="+mn-lt"/>
+                <a:cs typeface="Calibri Light" panose="020F0302020204030204" pitchFamily="34" charset="0"/>
+                <a:sym typeface="Wingdings" panose="05000000000000000000" pitchFamily="2" charset="2"/>
+              </a:rPr>
+              <a:t>Get elements in JS for all tags</a:t>
+            </a:r>
+          </a:p>
+          <a:p>
+            <a:pPr marL="527050" indent="-514350">
+              <a:spcBef>
+                <a:spcPts val="95"/>
+              </a:spcBef>
+              <a:buAutoNum type="arabicPeriod"/>
+            </a:pPr>
+            <a:r>
+              <a:rPr lang="en-US" sz="2800" kern="0" dirty="0">
+                <a:latin typeface="+mn-lt"/>
+                <a:cs typeface="Calibri Light" panose="020F0302020204030204" pitchFamily="34" charset="0"/>
+                <a:sym typeface="Wingdings" panose="05000000000000000000" pitchFamily="2" charset="2"/>
+              </a:rPr>
+              <a:t>when click event in button then create li.</a:t>
+            </a:r>
+          </a:p>
+          <a:p>
+            <a:pPr marL="527050" indent="-514350">
+              <a:spcBef>
+                <a:spcPts val="95"/>
+              </a:spcBef>
+              <a:buAutoNum type="arabicPeriod"/>
+            </a:pPr>
+            <a:r>
+              <a:rPr lang="en-US" sz="2800" kern="0" dirty="0">
+                <a:latin typeface="+mn-lt"/>
+                <a:cs typeface="Calibri Light" panose="020F0302020204030204" pitchFamily="34" charset="0"/>
+                <a:sym typeface="Wingdings" panose="05000000000000000000" pitchFamily="2" charset="2"/>
+              </a:rPr>
+              <a:t>Insert input element value to it.</a:t>
+            </a:r>
+          </a:p>
+          <a:p>
+            <a:pPr marL="527050" indent="-514350">
+              <a:spcBef>
+                <a:spcPts val="95"/>
+              </a:spcBef>
+              <a:buAutoNum type="arabicPeriod"/>
+            </a:pPr>
+            <a:r>
+              <a:rPr lang="en-US" sz="2800" kern="0" dirty="0">
+                <a:latin typeface="+mn-lt"/>
+                <a:cs typeface="Calibri Light" panose="020F0302020204030204" pitchFamily="34" charset="0"/>
+                <a:sym typeface="Wingdings" panose="05000000000000000000" pitchFamily="2" charset="2"/>
+              </a:rPr>
+              <a:t>next clear the value .</a:t>
+            </a:r>
+          </a:p>
+          <a:p>
+            <a:pPr marL="527050" indent="-514350">
+              <a:spcBef>
+                <a:spcPts val="95"/>
+              </a:spcBef>
+              <a:buAutoNum type="arabicPeriod"/>
+            </a:pPr>
+            <a:r>
+              <a:rPr lang="en-US" sz="2800" kern="0" dirty="0" err="1">
+                <a:latin typeface="+mn-lt"/>
+                <a:cs typeface="Calibri Light" panose="020F0302020204030204" pitchFamily="34" charset="0"/>
+                <a:sym typeface="Wingdings" panose="05000000000000000000" pitchFamily="2" charset="2"/>
+              </a:rPr>
+              <a:t>appendChild</a:t>
+            </a:r>
+            <a:r>
+              <a:rPr lang="en-US" sz="2800" kern="0" dirty="0">
+                <a:latin typeface="+mn-lt"/>
+                <a:cs typeface="Calibri Light" panose="020F0302020204030204" pitchFamily="34" charset="0"/>
+                <a:sym typeface="Wingdings" panose="05000000000000000000" pitchFamily="2" charset="2"/>
+              </a:rPr>
+              <a:t> the created element into the </a:t>
+            </a:r>
+            <a:r>
+              <a:rPr lang="en-US" sz="2800" kern="0" dirty="0" err="1">
+                <a:latin typeface="+mn-lt"/>
+                <a:cs typeface="Calibri Light" panose="020F0302020204030204" pitchFamily="34" charset="0"/>
+                <a:sym typeface="Wingdings" panose="05000000000000000000" pitchFamily="2" charset="2"/>
+              </a:rPr>
+              <a:t>ul</a:t>
+            </a:r>
+            <a:r>
+              <a:rPr lang="en-US" sz="2800" kern="0" dirty="0">
+                <a:latin typeface="+mn-lt"/>
+                <a:cs typeface="Calibri Light" panose="020F0302020204030204" pitchFamily="34" charset="0"/>
+                <a:sym typeface="Wingdings" panose="05000000000000000000" pitchFamily="2" charset="2"/>
+              </a:rPr>
+              <a:t> </a:t>
+            </a:r>
+          </a:p>
+          <a:p>
+            <a:pPr marL="527050" indent="-514350">
+              <a:spcBef>
+                <a:spcPts val="95"/>
+              </a:spcBef>
+              <a:buAutoNum type="arabicPeriod"/>
+            </a:pPr>
+            <a:r>
+              <a:rPr lang="en-US" sz="2800" kern="0" dirty="0">
+                <a:latin typeface="+mn-lt"/>
+                <a:cs typeface="Calibri Light" panose="020F0302020204030204" pitchFamily="34" charset="0"/>
+                <a:sym typeface="Wingdings" panose="05000000000000000000" pitchFamily="2" charset="2"/>
+              </a:rPr>
+              <a:t>Add click to the created element to remove() it , when click over it.</a:t>
+            </a:r>
+          </a:p>
+          <a:p>
+            <a:pPr marL="527050" indent="-514350">
+              <a:spcBef>
+                <a:spcPts val="95"/>
+              </a:spcBef>
+              <a:buAutoNum type="arabicPeriod"/>
+            </a:pPr>
+            <a:endParaRPr lang="en-US" sz="2800" kern="0" dirty="0">
+              <a:latin typeface="+mn-lt"/>
+              <a:cs typeface="Calibri Light" panose="020F0302020204030204" pitchFamily="34" charset="0"/>
+              <a:sym typeface="Wingdings" panose="05000000000000000000" pitchFamily="2" charset="2"/>
+            </a:endParaRPr>
+          </a:p>
+          <a:p>
+            <a:pPr marL="12700">
+              <a:spcBef>
+                <a:spcPts val="95"/>
+              </a:spcBef>
+            </a:pPr>
+            <a:r>
+              <a:rPr lang="en-US" sz="2800" kern="0" dirty="0">
+                <a:latin typeface="+mn-lt"/>
+                <a:cs typeface="Calibri Light" panose="020F0302020204030204" pitchFamily="34" charset="0"/>
+                <a:sym typeface="Wingdings" panose="05000000000000000000" pitchFamily="2" charset="2"/>
+              </a:rPr>
+              <a:t>Add CSS to your heart’s content.</a:t>
+            </a:r>
+          </a:p>
+        </p:txBody>
+      </p:sp>
+    </p:spTree>
+    <p:extLst>
+      <p:ext uri="{BB962C8B-B14F-4D97-AF65-F5344CB8AC3E}">
+        <p14:creationId xmlns:p14="http://schemas.microsoft.com/office/powerpoint/2010/main" val="3058086588"/>
+      </p:ext>
+    </p:extLst>
+  </p:cSld>
+  <p:clrMapOvr>
+    <a:masterClrMapping/>
+  </p:clrMapOvr>
+</p:sld>
+</file>
+
+<file path=ppt/slides/slide46.xml><?xml version="1.0" encoding="utf-8"?>
+<p:sld xmlns:a="http://schemas.openxmlformats.org/drawingml/2006/main" xmlns:r="http://schemas.openxmlformats.org/officeDocument/2006/relationships" xmlns:p="http://schemas.openxmlformats.org/presentationml/2006/main">
+  <p:cSld>
+    <p:spTree>
+      <p:nvGrpSpPr>
+        <p:cNvPr id="1" name=""/>
+        <p:cNvGrpSpPr/>
+        <p:nvPr/>
+      </p:nvGrpSpPr>
+      <p:grpSpPr>
+        <a:xfrm>
+          <a:off x="0" y="0"/>
+          <a:ext cx="0" cy="0"/>
+          <a:chOff x="0" y="0"/>
+          <a:chExt cx="0" cy="0"/>
+        </a:xfrm>
+      </p:grpSpPr>
+      <p:sp>
+        <p:nvSpPr>
+          <p:cNvPr id="2" name="object 2"/>
+          <p:cNvSpPr/>
+          <p:nvPr/>
+        </p:nvSpPr>
+        <p:spPr>
+          <a:xfrm>
+            <a:off x="-36871" y="-36871"/>
+            <a:ext cx="12191999" cy="7118601"/>
+          </a:xfrm>
+          <a:prstGeom prst="rect">
+            <a:avLst/>
+          </a:prstGeom>
+          <a:blipFill>
+            <a:blip r:embed="rId2" cstate="print"/>
+            <a:stretch>
+              <a:fillRect/>
+            </a:stretch>
+          </a:blipFill>
+        </p:spPr>
+        <p:txBody>
+          <a:bodyPr wrap="square" lIns="0" tIns="0" rIns="0" bIns="0" rtlCol="0"/>
+          <a:lstStyle/>
+          <a:p>
+            <a:endParaRPr b="1" dirty="0">
+              <a:ln w="13462">
+                <a:solidFill>
+                  <a:schemeClr val="bg1"/>
+                </a:solidFill>
+                <a:prstDash val="solid"/>
+              </a:ln>
+              <a:solidFill>
+                <a:schemeClr val="tx1">
+                  <a:lumMod val="85000"/>
+                  <a:lumOff val="15000"/>
+                </a:schemeClr>
+              </a:solidFill>
+              <a:effectLst>
+                <a:outerShdw dist="38100" dir="2700000" algn="bl" rotWithShape="0">
+                  <a:schemeClr val="accent5"/>
+                </a:outerShdw>
+              </a:effectLst>
+            </a:endParaRPr>
+          </a:p>
+        </p:txBody>
+      </p:sp>
+      <p:sp>
+        <p:nvSpPr>
+          <p:cNvPr id="3" name="object 3"/>
+          <p:cNvSpPr txBox="1">
+            <a:spLocks noGrp="1"/>
+          </p:cNvSpPr>
+          <p:nvPr>
+            <p:ph type="title"/>
+          </p:nvPr>
+        </p:nvSpPr>
+        <p:spPr>
+          <a:xfrm>
+            <a:off x="481685" y="304800"/>
+            <a:ext cx="8967115" cy="566181"/>
+          </a:xfrm>
+          <a:prstGeom prst="rect">
+            <a:avLst/>
+          </a:prstGeom>
+        </p:spPr>
+        <p:txBody>
+          <a:bodyPr vert="horz" wrap="square" lIns="0" tIns="12065" rIns="0" bIns="0" rtlCol="0">
+            <a:spAutoFit/>
+          </a:bodyPr>
+          <a:lstStyle/>
+          <a:p>
+            <a:pPr marL="12700">
+              <a:spcBef>
+                <a:spcPts val="95"/>
+              </a:spcBef>
+            </a:pPr>
+            <a:r>
+              <a:rPr lang="en-US" sz="3600" kern="0" dirty="0">
+                <a:latin typeface="+mn-lt"/>
+                <a:cs typeface="Calibri Light" panose="020F0302020204030204" pitchFamily="34" charset="0"/>
+                <a:sym typeface="Wingdings" panose="05000000000000000000" pitchFamily="2" charset="2"/>
+              </a:rPr>
+              <a:t>Event Life Cycle</a:t>
+            </a:r>
+          </a:p>
+        </p:txBody>
+      </p:sp>
+      <p:sp>
+        <p:nvSpPr>
+          <p:cNvPr id="5" name="object 5"/>
+          <p:cNvSpPr/>
+          <p:nvPr/>
+        </p:nvSpPr>
+        <p:spPr>
+          <a:xfrm>
+            <a:off x="9816083" y="262127"/>
+            <a:ext cx="1976627" cy="822960"/>
+          </a:xfrm>
+          <a:prstGeom prst="rect">
+            <a:avLst/>
+          </a:prstGeom>
+          <a:blipFill>
+            <a:blip r:embed="rId3" cstate="print"/>
+            <a:stretch>
+              <a:fillRect/>
+            </a:stretch>
+          </a:blipFill>
+        </p:spPr>
+        <p:txBody>
+          <a:bodyPr wrap="square" lIns="0" tIns="0" rIns="0" bIns="0" rtlCol="0"/>
+          <a:lstStyle/>
+          <a:p>
+            <a:endParaRPr/>
+          </a:p>
+        </p:txBody>
+      </p:sp>
+      <p:sp>
+        <p:nvSpPr>
+          <p:cNvPr id="4" name="object 3">
+            <a:extLst>
+              <a:ext uri="{FF2B5EF4-FFF2-40B4-BE49-F238E27FC236}">
+                <a16:creationId xmlns:a16="http://schemas.microsoft.com/office/drawing/2014/main" id="{1ED9D45B-4B0D-FC76-3A8C-E89F6CD72254}"/>
+              </a:ext>
+            </a:extLst>
+          </p:cNvPr>
+          <p:cNvSpPr txBox="1">
+            <a:spLocks/>
+          </p:cNvSpPr>
+          <p:nvPr/>
+        </p:nvSpPr>
+        <p:spPr>
+          <a:xfrm>
+            <a:off x="533400" y="838200"/>
+            <a:ext cx="11621728" cy="5670142"/>
+          </a:xfrm>
+          <a:prstGeom prst="rect">
+            <a:avLst/>
+          </a:prstGeom>
+        </p:spPr>
+        <p:txBody>
+          <a:bodyPr vert="horz" wrap="square" lIns="0" tIns="12065" rIns="0" bIns="0" rtlCol="0">
+            <a:spAutoFit/>
+          </a:bodyPr>
+          <a:lstStyle>
+            <a:lvl1pPr>
+              <a:defRPr sz="6000" b="0" i="0">
+                <a:solidFill>
+                  <a:srgbClr val="E7E6E6"/>
+                </a:solidFill>
+                <a:latin typeface="Trebuchet MS"/>
+                <a:ea typeface="+mj-ea"/>
+                <a:cs typeface="Trebuchet MS"/>
+              </a:defRPr>
+            </a:lvl1pPr>
+          </a:lstStyle>
+          <a:p>
+            <a:pPr marL="527050" indent="-514350">
+              <a:spcBef>
+                <a:spcPts val="95"/>
+              </a:spcBef>
+              <a:buAutoNum type="arabicPeriod"/>
+            </a:pPr>
+            <a:r>
+              <a:rPr lang="en-US" sz="2800" kern="0" dirty="0">
+                <a:latin typeface="+mn-lt"/>
+                <a:cs typeface="Calibri Light" panose="020F0302020204030204" pitchFamily="34" charset="0"/>
+                <a:sym typeface="Wingdings" panose="05000000000000000000" pitchFamily="2" charset="2"/>
+              </a:rPr>
+              <a:t>The 3</a:t>
+            </a:r>
+            <a:r>
+              <a:rPr lang="en-US" sz="2800" kern="0" baseline="30000" dirty="0">
+                <a:latin typeface="+mn-lt"/>
+                <a:cs typeface="Calibri Light" panose="020F0302020204030204" pitchFamily="34" charset="0"/>
+                <a:sym typeface="Wingdings" panose="05000000000000000000" pitchFamily="2" charset="2"/>
+              </a:rPr>
+              <a:t>rd</a:t>
+            </a:r>
+            <a:r>
+              <a:rPr lang="en-US" sz="2800" kern="0" dirty="0">
+                <a:latin typeface="+mn-lt"/>
+                <a:cs typeface="Calibri Light" panose="020F0302020204030204" pitchFamily="34" charset="0"/>
+                <a:sym typeface="Wingdings" panose="05000000000000000000" pitchFamily="2" charset="2"/>
+              </a:rPr>
+              <a:t> parameter of </a:t>
+            </a:r>
+            <a:r>
+              <a:rPr lang="en-US" sz="2800" kern="0" dirty="0" err="1">
+                <a:latin typeface="+mn-lt"/>
+                <a:cs typeface="Calibri Light" panose="020F0302020204030204" pitchFamily="34" charset="0"/>
+                <a:sym typeface="Wingdings" panose="05000000000000000000" pitchFamily="2" charset="2"/>
+              </a:rPr>
+              <a:t>addEventListener</a:t>
+            </a:r>
+            <a:r>
+              <a:rPr lang="en-US" sz="2800" kern="0" dirty="0">
+                <a:latin typeface="+mn-lt"/>
+                <a:cs typeface="Calibri Light" panose="020F0302020204030204" pitchFamily="34" charset="0"/>
+                <a:sym typeface="Wingdings" panose="05000000000000000000" pitchFamily="2" charset="2"/>
+              </a:rPr>
+              <a:t> denotes propagation of events.</a:t>
+            </a:r>
+          </a:p>
+          <a:p>
+            <a:pPr marL="527050" indent="-514350">
+              <a:spcBef>
+                <a:spcPts val="95"/>
+              </a:spcBef>
+              <a:buAutoNum type="arabicPeriod"/>
+            </a:pPr>
+            <a:r>
+              <a:rPr lang="en-US" sz="2800" kern="0" dirty="0">
+                <a:latin typeface="+mn-lt"/>
+                <a:cs typeface="Calibri Light" panose="020F0302020204030204" pitchFamily="34" charset="0"/>
+                <a:sym typeface="Wingdings" panose="05000000000000000000" pitchFamily="2" charset="2"/>
+              </a:rPr>
+              <a:t>When child is clicked, first the child is registered then parent because of bubbling mode.</a:t>
+            </a:r>
+          </a:p>
+          <a:p>
+            <a:br>
+              <a:rPr lang="en-IN" sz="900" b="0" dirty="0">
+                <a:solidFill>
+                  <a:srgbClr val="D4D4D4"/>
+                </a:solidFill>
+                <a:effectLst/>
+                <a:latin typeface="Consolas" panose="020B0609020204030204" pitchFamily="49" charset="0"/>
+              </a:rPr>
+            </a:br>
+            <a:r>
+              <a:rPr lang="en-IN" sz="900" b="0" dirty="0">
+                <a:solidFill>
+                  <a:srgbClr val="D4D4D4"/>
+                </a:solidFill>
+                <a:effectLst/>
+                <a:latin typeface="Consolas" panose="020B0609020204030204" pitchFamily="49" charset="0"/>
+              </a:rPr>
+              <a:t>        </a:t>
+            </a:r>
+            <a:r>
+              <a:rPr lang="en-IN" sz="2000" b="0" dirty="0" err="1">
+                <a:solidFill>
+                  <a:schemeClr val="bg1"/>
+                </a:solidFill>
+                <a:effectLst/>
+                <a:latin typeface="Consolas" panose="020B0609020204030204" pitchFamily="49" charset="0"/>
+              </a:rPr>
+              <a:t>parent.addEventListener</a:t>
+            </a:r>
+            <a:r>
+              <a:rPr lang="en-IN" sz="2000" b="0" dirty="0">
+                <a:solidFill>
+                  <a:schemeClr val="bg1"/>
+                </a:solidFill>
+                <a:effectLst/>
+                <a:latin typeface="Consolas" panose="020B0609020204030204" pitchFamily="49" charset="0"/>
+              </a:rPr>
+              <a:t>('click',(e)=&gt;{</a:t>
+            </a:r>
+          </a:p>
+          <a:p>
+            <a:r>
+              <a:rPr lang="en-IN" sz="2000" dirty="0">
+                <a:solidFill>
+                  <a:schemeClr val="bg1"/>
+                </a:solidFill>
+                <a:latin typeface="Consolas" panose="020B0609020204030204" pitchFamily="49" charset="0"/>
+              </a:rPr>
+              <a:t>				</a:t>
+            </a:r>
+            <a:r>
+              <a:rPr lang="en-IN" sz="2000" b="0" dirty="0">
+                <a:solidFill>
+                  <a:schemeClr val="bg1"/>
+                </a:solidFill>
+                <a:effectLst/>
+                <a:latin typeface="Consolas" panose="020B0609020204030204" pitchFamily="49" charset="0"/>
+              </a:rPr>
+              <a:t>console.log("Parent is selected”);},false)</a:t>
+            </a:r>
+          </a:p>
+          <a:p>
+            <a:endParaRPr lang="en-IN" sz="2000" b="0" dirty="0">
+              <a:solidFill>
+                <a:schemeClr val="bg1"/>
+              </a:solidFill>
+              <a:effectLst/>
+              <a:latin typeface="Consolas" panose="020B0609020204030204" pitchFamily="49" charset="0"/>
+            </a:endParaRPr>
+          </a:p>
+          <a:p>
+            <a:pPr marL="12700">
+              <a:spcBef>
+                <a:spcPts val="95"/>
+              </a:spcBef>
+            </a:pPr>
+            <a:r>
+              <a:rPr lang="en-US" sz="2800" kern="0" dirty="0">
+                <a:latin typeface="+mn-lt"/>
+                <a:cs typeface="Calibri Light" panose="020F0302020204030204" pitchFamily="34" charset="0"/>
+                <a:sym typeface="Wingdings" panose="05000000000000000000" pitchFamily="2" charset="2"/>
+              </a:rPr>
+              <a:t>3. But if we make the  3</a:t>
+            </a:r>
+            <a:r>
+              <a:rPr lang="en-US" sz="2800" kern="0" baseline="30000" dirty="0">
+                <a:latin typeface="+mn-lt"/>
+                <a:cs typeface="Calibri Light" panose="020F0302020204030204" pitchFamily="34" charset="0"/>
+                <a:sym typeface="Wingdings" panose="05000000000000000000" pitchFamily="2" charset="2"/>
+              </a:rPr>
+              <a:t>rd</a:t>
+            </a:r>
+            <a:r>
+              <a:rPr lang="en-US" sz="2800" kern="0" dirty="0">
+                <a:latin typeface="+mn-lt"/>
+                <a:cs typeface="Calibri Light" panose="020F0302020204030204" pitchFamily="34" charset="0"/>
+                <a:sym typeface="Wingdings" panose="05000000000000000000" pitchFamily="2" charset="2"/>
+              </a:rPr>
+              <a:t> para true then it will capture parent first then child because of capturing mode.</a:t>
+            </a:r>
+          </a:p>
+          <a:p>
+            <a:br>
+              <a:rPr lang="en-IN" sz="1050" b="0" dirty="0">
+                <a:solidFill>
+                  <a:srgbClr val="D4D4D4"/>
+                </a:solidFill>
+                <a:effectLst/>
+                <a:latin typeface="Consolas" panose="020B0609020204030204" pitchFamily="49" charset="0"/>
+              </a:rPr>
+            </a:br>
+            <a:r>
+              <a:rPr lang="en-IN" sz="2000" b="0" dirty="0">
+                <a:solidFill>
+                  <a:srgbClr val="D4D4D4"/>
+                </a:solidFill>
+                <a:effectLst/>
+                <a:latin typeface="Consolas" panose="020B0609020204030204" pitchFamily="49" charset="0"/>
+              </a:rPr>
+              <a:t>        </a:t>
+            </a:r>
+            <a:r>
+              <a:rPr lang="en-IN" sz="2000" b="0" dirty="0" err="1">
+                <a:solidFill>
+                  <a:schemeClr val="bg1"/>
+                </a:solidFill>
+                <a:effectLst/>
+                <a:latin typeface="Consolas" panose="020B0609020204030204" pitchFamily="49" charset="0"/>
+              </a:rPr>
+              <a:t>parent.addEventListener</a:t>
+            </a:r>
+            <a:r>
+              <a:rPr lang="en-IN" sz="2000" b="0" dirty="0">
+                <a:solidFill>
+                  <a:schemeClr val="bg1"/>
+                </a:solidFill>
+                <a:effectLst/>
+                <a:latin typeface="Consolas" panose="020B0609020204030204" pitchFamily="49" charset="0"/>
+              </a:rPr>
+              <a:t>('click',(e)=&gt;{</a:t>
+            </a:r>
+          </a:p>
+          <a:p>
+            <a:r>
+              <a:rPr lang="en-IN" sz="2000" b="0" dirty="0">
+                <a:solidFill>
+                  <a:schemeClr val="bg1"/>
+                </a:solidFill>
+                <a:effectLst/>
+                <a:latin typeface="Consolas" panose="020B0609020204030204" pitchFamily="49" charset="0"/>
+              </a:rPr>
+              <a:t>            console.log("Parent is selected");</a:t>
+            </a:r>
+          </a:p>
+          <a:p>
+            <a:r>
+              <a:rPr lang="en-IN" sz="2000" b="0" dirty="0">
+                <a:solidFill>
+                  <a:schemeClr val="bg1"/>
+                </a:solidFill>
+                <a:effectLst/>
+                <a:latin typeface="Consolas" panose="020B0609020204030204" pitchFamily="49" charset="0"/>
+              </a:rPr>
+              <a:t>            </a:t>
+            </a:r>
+            <a:r>
+              <a:rPr lang="en-IN" sz="2000" b="0" dirty="0" err="1">
+                <a:solidFill>
+                  <a:schemeClr val="bg1"/>
+                </a:solidFill>
+                <a:effectLst/>
+                <a:latin typeface="Consolas" panose="020B0609020204030204" pitchFamily="49" charset="0"/>
+              </a:rPr>
+              <a:t>e.stopPropagation</a:t>
+            </a:r>
+            <a:r>
+              <a:rPr lang="en-IN" sz="2000" b="0" dirty="0">
+                <a:solidFill>
+                  <a:schemeClr val="bg1"/>
+                </a:solidFill>
+                <a:effectLst/>
+                <a:latin typeface="Consolas" panose="020B0609020204030204" pitchFamily="49" charset="0"/>
+              </a:rPr>
+              <a:t>();},true)</a:t>
+            </a:r>
+          </a:p>
+          <a:p>
+            <a:pPr marL="12700">
+              <a:spcBef>
+                <a:spcPts val="95"/>
+              </a:spcBef>
+            </a:pPr>
+            <a:r>
+              <a:rPr lang="en-US" sz="2800" kern="0" dirty="0">
+                <a:latin typeface="+mn-lt"/>
+                <a:cs typeface="Calibri Light" panose="020F0302020204030204" pitchFamily="34" charset="0"/>
+                <a:sym typeface="Wingdings" panose="05000000000000000000" pitchFamily="2" charset="2"/>
+              </a:rPr>
+              <a:t>we can also use event’s stop propagation for stopping the propagation of event.</a:t>
+            </a:r>
+          </a:p>
+          <a:p>
+            <a:pPr marL="12700">
+              <a:spcBef>
+                <a:spcPts val="95"/>
+              </a:spcBef>
+            </a:pPr>
+            <a:endParaRPr lang="en-US" sz="2800" kern="0" dirty="0">
+              <a:latin typeface="+mn-lt"/>
+              <a:cs typeface="Calibri Light" panose="020F0302020204030204" pitchFamily="34" charset="0"/>
+              <a:sym typeface="Wingdings" panose="05000000000000000000" pitchFamily="2" charset="2"/>
+            </a:endParaRPr>
+          </a:p>
+          <a:p>
+            <a:pPr marL="12700">
+              <a:spcBef>
+                <a:spcPts val="95"/>
+              </a:spcBef>
+            </a:pPr>
+            <a:endParaRPr lang="en-US" sz="2800" kern="0" dirty="0">
+              <a:latin typeface="+mn-lt"/>
+              <a:cs typeface="Calibri Light" panose="020F0302020204030204" pitchFamily="34" charset="0"/>
+              <a:sym typeface="Wingdings" panose="05000000000000000000" pitchFamily="2" charset="2"/>
+            </a:endParaRPr>
+          </a:p>
+        </p:txBody>
+      </p:sp>
+    </p:spTree>
+    <p:extLst>
+      <p:ext uri="{BB962C8B-B14F-4D97-AF65-F5344CB8AC3E}">
+        <p14:creationId xmlns:p14="http://schemas.microsoft.com/office/powerpoint/2010/main" val="1493172746"/>
+      </p:ext>
+    </p:extLst>
+  </p:cSld>
+  <p:clrMapOvr>
+    <a:masterClrMapping/>
+  </p:clrMapOvr>
+</p:sld>
+</file>
+
+<file path=ppt/slides/slide47.xml><?xml version="1.0" encoding="utf-8"?>
+<p:sld xmlns:a="http://schemas.openxmlformats.org/drawingml/2006/main" xmlns:r="http://schemas.openxmlformats.org/officeDocument/2006/relationships" xmlns:p="http://schemas.openxmlformats.org/presentationml/2006/main">
+  <p:cSld>
+    <p:spTree>
+      <p:nvGrpSpPr>
+        <p:cNvPr id="1" name=""/>
+        <p:cNvGrpSpPr/>
+        <p:nvPr/>
+      </p:nvGrpSpPr>
+      <p:grpSpPr>
+        <a:xfrm>
+          <a:off x="0" y="0"/>
+          <a:ext cx="0" cy="0"/>
+          <a:chOff x="0" y="0"/>
+          <a:chExt cx="0" cy="0"/>
+        </a:xfrm>
+      </p:grpSpPr>
+      <p:sp>
+        <p:nvSpPr>
+          <p:cNvPr id="2" name="object 2"/>
+          <p:cNvSpPr/>
+          <p:nvPr/>
+        </p:nvSpPr>
+        <p:spPr>
+          <a:xfrm>
+            <a:off x="-36871" y="-36871"/>
+            <a:ext cx="12191999" cy="7118601"/>
+          </a:xfrm>
+          <a:prstGeom prst="rect">
+            <a:avLst/>
+          </a:prstGeom>
+          <a:blipFill>
+            <a:blip r:embed="rId2" cstate="print"/>
+            <a:stretch>
+              <a:fillRect/>
+            </a:stretch>
+          </a:blipFill>
+        </p:spPr>
+        <p:txBody>
+          <a:bodyPr wrap="square" lIns="0" tIns="0" rIns="0" bIns="0" rtlCol="0"/>
+          <a:lstStyle/>
+          <a:p>
+            <a:endParaRPr b="1" dirty="0">
+              <a:ln w="13462">
+                <a:solidFill>
+                  <a:schemeClr val="bg1"/>
+                </a:solidFill>
+                <a:prstDash val="solid"/>
+              </a:ln>
+              <a:solidFill>
+                <a:schemeClr val="tx1">
+                  <a:lumMod val="85000"/>
+                  <a:lumOff val="15000"/>
+                </a:schemeClr>
+              </a:solidFill>
+              <a:effectLst>
+                <a:outerShdw dist="38100" dir="2700000" algn="bl" rotWithShape="0">
+                  <a:schemeClr val="accent5"/>
+                </a:outerShdw>
+              </a:effectLst>
+            </a:endParaRPr>
+          </a:p>
+        </p:txBody>
+      </p:sp>
+      <p:sp>
+        <p:nvSpPr>
+          <p:cNvPr id="3" name="object 3"/>
+          <p:cNvSpPr txBox="1">
+            <a:spLocks noGrp="1"/>
+          </p:cNvSpPr>
+          <p:nvPr>
+            <p:ph type="title"/>
+          </p:nvPr>
+        </p:nvSpPr>
+        <p:spPr>
+          <a:xfrm>
+            <a:off x="481685" y="304800"/>
+            <a:ext cx="8967115" cy="566181"/>
+          </a:xfrm>
+          <a:prstGeom prst="rect">
+            <a:avLst/>
+          </a:prstGeom>
+        </p:spPr>
+        <p:txBody>
+          <a:bodyPr vert="horz" wrap="square" lIns="0" tIns="12065" rIns="0" bIns="0" rtlCol="0">
+            <a:spAutoFit/>
+          </a:bodyPr>
+          <a:lstStyle/>
+          <a:p>
+            <a:pPr marL="12700">
+              <a:spcBef>
+                <a:spcPts val="95"/>
+              </a:spcBef>
+            </a:pPr>
+            <a:r>
+              <a:rPr lang="en-US" sz="3600" kern="0" dirty="0" err="1">
+                <a:latin typeface="+mn-lt"/>
+                <a:cs typeface="Calibri Light" panose="020F0302020204030204" pitchFamily="34" charset="0"/>
+                <a:sym typeface="Wingdings" panose="05000000000000000000" pitchFamily="2" charset="2"/>
+              </a:rPr>
+              <a:t>JQuery</a:t>
+            </a:r>
+            <a:endParaRPr lang="en-US" sz="3600" kern="0" dirty="0">
+              <a:latin typeface="+mn-lt"/>
+              <a:cs typeface="Calibri Light" panose="020F0302020204030204" pitchFamily="34" charset="0"/>
+              <a:sym typeface="Wingdings" panose="05000000000000000000" pitchFamily="2" charset="2"/>
+            </a:endParaRPr>
+          </a:p>
+        </p:txBody>
+      </p:sp>
+      <p:sp>
+        <p:nvSpPr>
+          <p:cNvPr id="5" name="object 5"/>
+          <p:cNvSpPr/>
+          <p:nvPr/>
+        </p:nvSpPr>
+        <p:spPr>
+          <a:xfrm>
+            <a:off x="9816083" y="262127"/>
+            <a:ext cx="1976627" cy="822960"/>
+          </a:xfrm>
+          <a:prstGeom prst="rect">
+            <a:avLst/>
+          </a:prstGeom>
+          <a:blipFill>
+            <a:blip r:embed="rId3" cstate="print"/>
+            <a:stretch>
+              <a:fillRect/>
+            </a:stretch>
+          </a:blipFill>
+        </p:spPr>
+        <p:txBody>
+          <a:bodyPr wrap="square" lIns="0" tIns="0" rIns="0" bIns="0" rtlCol="0"/>
+          <a:lstStyle/>
+          <a:p>
+            <a:endParaRPr/>
+          </a:p>
+        </p:txBody>
+      </p:sp>
+      <p:sp>
+        <p:nvSpPr>
+          <p:cNvPr id="4" name="object 3">
+            <a:extLst>
+              <a:ext uri="{FF2B5EF4-FFF2-40B4-BE49-F238E27FC236}">
+                <a16:creationId xmlns:a16="http://schemas.microsoft.com/office/drawing/2014/main" id="{1ED9D45B-4B0D-FC76-3A8C-E89F6CD72254}"/>
+              </a:ext>
+            </a:extLst>
+          </p:cNvPr>
+          <p:cNvSpPr txBox="1">
+            <a:spLocks/>
+          </p:cNvSpPr>
+          <p:nvPr/>
+        </p:nvSpPr>
+        <p:spPr>
+          <a:xfrm>
+            <a:off x="533400" y="838200"/>
+            <a:ext cx="11621728" cy="5508559"/>
+          </a:xfrm>
+          <a:prstGeom prst="rect">
+            <a:avLst/>
+          </a:prstGeom>
+        </p:spPr>
+        <p:txBody>
+          <a:bodyPr vert="horz" wrap="square" lIns="0" tIns="12065" rIns="0" bIns="0" rtlCol="0">
+            <a:spAutoFit/>
+          </a:bodyPr>
+          <a:lstStyle>
+            <a:lvl1pPr>
+              <a:defRPr sz="6000" b="0" i="0">
+                <a:solidFill>
+                  <a:srgbClr val="E7E6E6"/>
+                </a:solidFill>
+                <a:latin typeface="Trebuchet MS"/>
+                <a:ea typeface="+mj-ea"/>
+                <a:cs typeface="Trebuchet MS"/>
+              </a:defRPr>
+            </a:lvl1pPr>
+          </a:lstStyle>
+          <a:p>
+            <a:pPr marL="12700">
+              <a:spcBef>
+                <a:spcPts val="95"/>
+              </a:spcBef>
+            </a:pPr>
+            <a:r>
+              <a:rPr lang="en-US" sz="2800" kern="0" dirty="0" err="1">
+                <a:latin typeface="+mn-lt"/>
+                <a:cs typeface="Calibri Light" panose="020F0302020204030204" pitchFamily="34" charset="0"/>
+                <a:sym typeface="Wingdings" panose="05000000000000000000" pitchFamily="2" charset="2"/>
+              </a:rPr>
+              <a:t>JQuery</a:t>
+            </a:r>
+            <a:r>
+              <a:rPr lang="en-US" sz="2800" kern="0" dirty="0">
+                <a:latin typeface="+mn-lt"/>
+                <a:cs typeface="Calibri Light" panose="020F0302020204030204" pitchFamily="34" charset="0"/>
+                <a:sym typeface="Wingdings" panose="05000000000000000000" pitchFamily="2" charset="2"/>
+              </a:rPr>
+              <a:t> is a JS library.</a:t>
+            </a:r>
+          </a:p>
+          <a:p>
+            <a:pPr marL="12700">
+              <a:spcBef>
+                <a:spcPts val="95"/>
+              </a:spcBef>
+            </a:pPr>
+            <a:r>
+              <a:rPr lang="en-US" sz="2800" kern="0" dirty="0">
+                <a:latin typeface="+mn-lt"/>
+                <a:cs typeface="Calibri Light" panose="020F0302020204030204" pitchFamily="34" charset="0"/>
+                <a:sym typeface="Wingdings" panose="05000000000000000000" pitchFamily="2" charset="2"/>
+              </a:rPr>
+              <a:t>Use jQuery by downloading the codes and including it in jQuery.js</a:t>
+            </a:r>
+          </a:p>
+          <a:p>
+            <a:pPr marL="12700">
+              <a:spcBef>
+                <a:spcPts val="95"/>
+              </a:spcBef>
+            </a:pPr>
+            <a:r>
+              <a:rPr lang="en-US" sz="2800" kern="0" dirty="0">
+                <a:latin typeface="+mn-lt"/>
+                <a:cs typeface="Calibri Light" panose="020F0302020204030204" pitchFamily="34" charset="0"/>
+                <a:sym typeface="Wingdings" panose="05000000000000000000" pitchFamily="2" charset="2"/>
+              </a:rPr>
+              <a:t>1. $  selector .(same as </a:t>
+            </a:r>
+            <a:r>
+              <a:rPr lang="en-US" sz="2800" kern="0" dirty="0" err="1">
+                <a:latin typeface="+mn-lt"/>
+                <a:cs typeface="Calibri Light" panose="020F0302020204030204" pitchFamily="34" charset="0"/>
+                <a:sym typeface="Wingdings" panose="05000000000000000000" pitchFamily="2" charset="2"/>
+              </a:rPr>
+              <a:t>querySelectorAll</a:t>
+            </a:r>
+            <a:r>
+              <a:rPr lang="en-US" sz="2800" kern="0" dirty="0">
+                <a:latin typeface="+mn-lt"/>
+                <a:cs typeface="Calibri Light" panose="020F0302020204030204" pitchFamily="34" charset="0"/>
+                <a:sym typeface="Wingdings" panose="05000000000000000000" pitchFamily="2" charset="2"/>
+              </a:rPr>
+              <a:t>)</a:t>
+            </a:r>
+          </a:p>
+          <a:p>
+            <a:pPr marL="12700">
+              <a:spcBef>
+                <a:spcPts val="95"/>
+              </a:spcBef>
+            </a:pPr>
+            <a:r>
+              <a:rPr lang="en-US" sz="2800" kern="0" dirty="0">
+                <a:latin typeface="+mn-lt"/>
+                <a:cs typeface="Calibri Light" panose="020F0302020204030204" pitchFamily="34" charset="0"/>
+                <a:sym typeface="Wingdings" panose="05000000000000000000" pitchFamily="2" charset="2"/>
+              </a:rPr>
+              <a:t>2. to use style use $(‘h1’).</a:t>
+            </a:r>
+            <a:r>
+              <a:rPr lang="en-US" sz="2800" kern="0" dirty="0" err="1">
+                <a:latin typeface="+mn-lt"/>
+                <a:cs typeface="Calibri Light" panose="020F0302020204030204" pitchFamily="34" charset="0"/>
+                <a:sym typeface="Wingdings" panose="05000000000000000000" pitchFamily="2" charset="2"/>
+              </a:rPr>
+              <a:t>css</a:t>
+            </a:r>
+            <a:r>
+              <a:rPr lang="en-US" sz="2800" kern="0" dirty="0">
+                <a:latin typeface="+mn-lt"/>
+                <a:cs typeface="Calibri Light" panose="020F0302020204030204" pitchFamily="34" charset="0"/>
+                <a:sym typeface="Wingdings" panose="05000000000000000000" pitchFamily="2" charset="2"/>
+              </a:rPr>
+              <a:t>(‘background-color’, ‘red’);</a:t>
+            </a:r>
+          </a:p>
+          <a:p>
+            <a:pPr marL="12700">
+              <a:spcBef>
+                <a:spcPts val="95"/>
+              </a:spcBef>
+            </a:pPr>
+            <a:r>
+              <a:rPr lang="en-US" sz="2800" kern="0" dirty="0">
+                <a:latin typeface="+mn-lt"/>
+                <a:cs typeface="Calibri Light" panose="020F0302020204030204" pitchFamily="34" charset="0"/>
+                <a:sym typeface="Wingdings" panose="05000000000000000000" pitchFamily="2" charset="2"/>
+              </a:rPr>
+              <a:t>3. to use multiple styles we will use object and for properties we use CamelCase. ex-</a:t>
+            </a:r>
+            <a:r>
+              <a:rPr lang="en-US" sz="2800" kern="0" dirty="0" err="1">
+                <a:latin typeface="+mn-lt"/>
+                <a:cs typeface="Calibri Light" panose="020F0302020204030204" pitchFamily="34" charset="0"/>
+                <a:sym typeface="Wingdings" panose="05000000000000000000" pitchFamily="2" charset="2"/>
+              </a:rPr>
+              <a:t>backgroundColor</a:t>
+            </a:r>
+            <a:r>
+              <a:rPr lang="en-US" sz="2800" kern="0" dirty="0">
+                <a:latin typeface="+mn-lt"/>
+                <a:cs typeface="Calibri Light" panose="020F0302020204030204" pitchFamily="34" charset="0"/>
+                <a:sym typeface="Wingdings" panose="05000000000000000000" pitchFamily="2" charset="2"/>
+              </a:rPr>
+              <a:t> : ‘plum’</a:t>
+            </a:r>
+          </a:p>
+          <a:p>
+            <a:pPr marL="12700">
+              <a:spcBef>
+                <a:spcPts val="95"/>
+              </a:spcBef>
+            </a:pPr>
+            <a:r>
+              <a:rPr lang="en-US" sz="2800" kern="0" dirty="0">
+                <a:latin typeface="+mn-lt"/>
+                <a:cs typeface="Calibri Light" panose="020F0302020204030204" pitchFamily="34" charset="0"/>
+                <a:sym typeface="Wingdings" panose="05000000000000000000" pitchFamily="2" charset="2"/>
+              </a:rPr>
+              <a:t>4. to use </a:t>
+            </a:r>
+            <a:r>
+              <a:rPr lang="en-US" sz="2800" kern="0" dirty="0" err="1">
+                <a:latin typeface="+mn-lt"/>
+                <a:cs typeface="Calibri Light" panose="020F0302020204030204" pitchFamily="34" charset="0"/>
+                <a:sym typeface="Wingdings" panose="05000000000000000000" pitchFamily="2" charset="2"/>
+              </a:rPr>
+              <a:t>innerText</a:t>
+            </a:r>
+            <a:r>
+              <a:rPr lang="en-US" sz="2800" kern="0" dirty="0">
+                <a:latin typeface="+mn-lt"/>
+                <a:cs typeface="Calibri Light" panose="020F0302020204030204" pitchFamily="34" charset="0"/>
+                <a:sym typeface="Wingdings" panose="05000000000000000000" pitchFamily="2" charset="2"/>
+              </a:rPr>
+              <a:t> </a:t>
+            </a:r>
+            <a:r>
+              <a:rPr lang="en-US" sz="2000" kern="0" dirty="0">
+                <a:latin typeface="Consolas" panose="020B0609020204030204" pitchFamily="49" charset="0"/>
+                <a:cs typeface="Calibri Light" panose="020F0302020204030204" pitchFamily="34" charset="0"/>
+                <a:sym typeface="Wingdings" panose="05000000000000000000" pitchFamily="2" charset="2"/>
+              </a:rPr>
+              <a:t>= </a:t>
+            </a:r>
+            <a:r>
+              <a:rPr lang="en-US" sz="2800" kern="0" dirty="0">
+                <a:latin typeface="+mn-lt"/>
+                <a:cs typeface="Calibri Light" panose="020F0302020204030204" pitchFamily="34" charset="0"/>
+                <a:sym typeface="Wingdings" panose="05000000000000000000" pitchFamily="2" charset="2"/>
+              </a:rPr>
+              <a:t> </a:t>
+            </a:r>
+            <a:r>
+              <a:rPr lang="en-US" sz="2000" kern="0" dirty="0">
+                <a:latin typeface="Consolas" panose="020B0609020204030204" pitchFamily="49" charset="0"/>
+                <a:cs typeface="Calibri Light" panose="020F0302020204030204" pitchFamily="34" charset="0"/>
+                <a:sym typeface="Wingdings" panose="05000000000000000000" pitchFamily="2" charset="2"/>
+              </a:rPr>
+              <a:t>$(‘h1’).text()//output</a:t>
+            </a:r>
+            <a:r>
+              <a:rPr lang="en-US" sz="2000" kern="0" dirty="0">
+                <a:latin typeface="+mn-lt"/>
+                <a:cs typeface="Calibri Light" panose="020F0302020204030204" pitchFamily="34" charset="0"/>
+                <a:sym typeface="Wingdings" panose="05000000000000000000" pitchFamily="2" charset="2"/>
+              </a:rPr>
+              <a:t>, </a:t>
+            </a:r>
+            <a:r>
+              <a:rPr lang="en-US" sz="2000" kern="0" dirty="0">
+                <a:latin typeface="Consolas" panose="020B0609020204030204" pitchFamily="49" charset="0"/>
+                <a:cs typeface="Calibri Light" panose="020F0302020204030204" pitchFamily="34" charset="0"/>
+                <a:sym typeface="Wingdings" panose="05000000000000000000" pitchFamily="2" charset="2"/>
+              </a:rPr>
+              <a:t> $(‘h1’).text(‘new Text’)//input</a:t>
+            </a:r>
+          </a:p>
+          <a:p>
+            <a:pPr marL="12700">
+              <a:spcBef>
+                <a:spcPts val="95"/>
+              </a:spcBef>
+            </a:pPr>
+            <a:r>
+              <a:rPr lang="en-US" sz="2800" kern="0" dirty="0">
+                <a:latin typeface="+mn-lt"/>
+                <a:cs typeface="Calibri Light" panose="020F0302020204030204" pitchFamily="34" charset="0"/>
+                <a:sym typeface="Wingdings" panose="05000000000000000000" pitchFamily="2" charset="2"/>
+              </a:rPr>
+              <a:t>5. to use </a:t>
+            </a:r>
+            <a:r>
+              <a:rPr lang="en-US" sz="2800" kern="0" dirty="0" err="1">
+                <a:latin typeface="+mn-lt"/>
+                <a:cs typeface="Calibri Light" panose="020F0302020204030204" pitchFamily="34" charset="0"/>
+                <a:sym typeface="Wingdings" panose="05000000000000000000" pitchFamily="2" charset="2"/>
+              </a:rPr>
+              <a:t>innerHTML</a:t>
+            </a:r>
+            <a:r>
+              <a:rPr lang="en-US" sz="2000" kern="0" dirty="0">
+                <a:latin typeface="Consolas" panose="020B0609020204030204" pitchFamily="49" charset="0"/>
+                <a:cs typeface="Calibri Light" panose="020F0302020204030204" pitchFamily="34" charset="0"/>
+                <a:sym typeface="Wingdings" panose="05000000000000000000" pitchFamily="2" charset="2"/>
+              </a:rPr>
+              <a:t>= </a:t>
+            </a:r>
+            <a:r>
+              <a:rPr lang="en-US" sz="2800" kern="0" dirty="0">
+                <a:latin typeface="+mn-lt"/>
+                <a:cs typeface="Calibri Light" panose="020F0302020204030204" pitchFamily="34" charset="0"/>
+                <a:sym typeface="Wingdings" panose="05000000000000000000" pitchFamily="2" charset="2"/>
+              </a:rPr>
+              <a:t> </a:t>
+            </a:r>
+            <a:r>
+              <a:rPr lang="en-US" sz="2000" kern="0" dirty="0">
+                <a:latin typeface="Consolas" panose="020B0609020204030204" pitchFamily="49" charset="0"/>
+                <a:cs typeface="Calibri Light" panose="020F0302020204030204" pitchFamily="34" charset="0"/>
+                <a:sym typeface="Wingdings" panose="05000000000000000000" pitchFamily="2" charset="2"/>
+              </a:rPr>
+              <a:t>$(‘h1’).html(‘&lt;h2&gt;new Text&lt;/h2&gt;’)//input</a:t>
+            </a:r>
+            <a:endParaRPr lang="en-US" sz="2800" kern="0" dirty="0">
+              <a:latin typeface="Consolas" panose="020B0609020204030204" pitchFamily="49" charset="0"/>
+              <a:cs typeface="Calibri Light" panose="020F0302020204030204" pitchFamily="34" charset="0"/>
+              <a:sym typeface="Wingdings" panose="05000000000000000000" pitchFamily="2" charset="2"/>
+            </a:endParaRPr>
+          </a:p>
+          <a:p>
+            <a:pPr marL="12700">
+              <a:spcBef>
+                <a:spcPts val="95"/>
+              </a:spcBef>
+            </a:pPr>
+            <a:r>
+              <a:rPr lang="en-US" sz="2800" kern="0" dirty="0">
+                <a:latin typeface="+mn-lt"/>
+                <a:cs typeface="Calibri Light" panose="020F0302020204030204" pitchFamily="34" charset="0"/>
+                <a:sym typeface="Wingdings" panose="05000000000000000000" pitchFamily="2" charset="2"/>
+              </a:rPr>
+              <a:t>6. to use attribute</a:t>
+            </a:r>
+            <a:r>
+              <a:rPr lang="en-US" sz="2000" kern="0" dirty="0">
+                <a:latin typeface="Consolas" panose="020B0609020204030204" pitchFamily="49" charset="0"/>
+                <a:cs typeface="Calibri Light" panose="020F0302020204030204" pitchFamily="34" charset="0"/>
+                <a:sym typeface="Wingdings" panose="05000000000000000000" pitchFamily="2" charset="2"/>
+              </a:rPr>
+              <a:t>= </a:t>
+            </a:r>
+            <a:r>
+              <a:rPr lang="en-US" sz="2800" kern="0" dirty="0">
+                <a:latin typeface="+mn-lt"/>
+                <a:cs typeface="Calibri Light" panose="020F0302020204030204" pitchFamily="34" charset="0"/>
+                <a:sym typeface="Wingdings" panose="05000000000000000000" pitchFamily="2" charset="2"/>
+              </a:rPr>
+              <a:t> </a:t>
+            </a:r>
+            <a:r>
+              <a:rPr lang="en-US" sz="2000" kern="0" dirty="0">
+                <a:latin typeface="Consolas" panose="020B0609020204030204" pitchFamily="49" charset="0"/>
+                <a:cs typeface="Calibri Light" panose="020F0302020204030204" pitchFamily="34" charset="0"/>
+                <a:sym typeface="Wingdings" panose="05000000000000000000" pitchFamily="2" charset="2"/>
+              </a:rPr>
+              <a:t>$(‘a’).</a:t>
+            </a:r>
+            <a:r>
+              <a:rPr lang="en-US" sz="2000" kern="0" dirty="0" err="1">
+                <a:latin typeface="Consolas" panose="020B0609020204030204" pitchFamily="49" charset="0"/>
+                <a:cs typeface="Calibri Light" panose="020F0302020204030204" pitchFamily="34" charset="0"/>
+                <a:sym typeface="Wingdings" panose="05000000000000000000" pitchFamily="2" charset="2"/>
+              </a:rPr>
+              <a:t>attr</a:t>
+            </a:r>
+            <a:r>
+              <a:rPr lang="en-US" sz="2000" kern="0" dirty="0">
+                <a:latin typeface="Consolas" panose="020B0609020204030204" pitchFamily="49" charset="0"/>
+                <a:cs typeface="Calibri Light" panose="020F0302020204030204" pitchFamily="34" charset="0"/>
+                <a:sym typeface="Wingdings" panose="05000000000000000000" pitchFamily="2" charset="2"/>
+              </a:rPr>
+              <a:t>(‘</a:t>
+            </a:r>
+            <a:r>
+              <a:rPr lang="en-US" sz="2000" kern="0" dirty="0" err="1">
+                <a:latin typeface="Consolas" panose="020B0609020204030204" pitchFamily="49" charset="0"/>
+                <a:cs typeface="Calibri Light" panose="020F0302020204030204" pitchFamily="34" charset="0"/>
+                <a:sym typeface="Wingdings" panose="05000000000000000000" pitchFamily="2" charset="2"/>
+              </a:rPr>
+              <a:t>href</a:t>
+            </a:r>
+            <a:r>
+              <a:rPr lang="en-US" sz="2000" kern="0" dirty="0">
+                <a:latin typeface="Consolas" panose="020B0609020204030204" pitchFamily="49" charset="0"/>
+                <a:cs typeface="Calibri Light" panose="020F0302020204030204" pitchFamily="34" charset="0"/>
+                <a:sym typeface="Wingdings" panose="05000000000000000000" pitchFamily="2" charset="2"/>
+              </a:rPr>
+              <a:t>’)//get</a:t>
+            </a:r>
+          </a:p>
+          <a:p>
+            <a:pPr marL="12700">
+              <a:spcBef>
+                <a:spcPts val="95"/>
+              </a:spcBef>
+            </a:pPr>
+            <a:r>
+              <a:rPr lang="en-US" sz="2000" kern="0" dirty="0">
+                <a:latin typeface="Consolas" panose="020B0609020204030204" pitchFamily="49" charset="0"/>
+                <a:cs typeface="Calibri Light" panose="020F0302020204030204" pitchFamily="34" charset="0"/>
+                <a:sym typeface="Wingdings" panose="05000000000000000000" pitchFamily="2" charset="2"/>
+              </a:rPr>
+              <a:t>			 $(‘a’).</a:t>
+            </a:r>
+            <a:r>
+              <a:rPr lang="en-US" sz="2000" kern="0" dirty="0" err="1">
+                <a:latin typeface="Consolas" panose="020B0609020204030204" pitchFamily="49" charset="0"/>
+                <a:cs typeface="Calibri Light" panose="020F0302020204030204" pitchFamily="34" charset="0"/>
+                <a:sym typeface="Wingdings" panose="05000000000000000000" pitchFamily="2" charset="2"/>
+              </a:rPr>
+              <a:t>attr</a:t>
+            </a:r>
+            <a:r>
+              <a:rPr lang="en-US" sz="2000" kern="0" dirty="0">
+                <a:latin typeface="Consolas" panose="020B0609020204030204" pitchFamily="49" charset="0"/>
+                <a:cs typeface="Calibri Light" panose="020F0302020204030204" pitchFamily="34" charset="0"/>
+                <a:sym typeface="Wingdings" panose="05000000000000000000" pitchFamily="2" charset="2"/>
+              </a:rPr>
+              <a:t>(‘</a:t>
+            </a:r>
+            <a:r>
+              <a:rPr lang="en-US" sz="2000" kern="0" dirty="0" err="1">
+                <a:latin typeface="Consolas" panose="020B0609020204030204" pitchFamily="49" charset="0"/>
+                <a:cs typeface="Calibri Light" panose="020F0302020204030204" pitchFamily="34" charset="0"/>
+                <a:sym typeface="Wingdings" panose="05000000000000000000" pitchFamily="2" charset="2"/>
+              </a:rPr>
+              <a:t>href</a:t>
+            </a:r>
+            <a:r>
+              <a:rPr lang="en-US" sz="2000" kern="0" dirty="0">
+                <a:latin typeface="Consolas" panose="020B0609020204030204" pitchFamily="49" charset="0"/>
+                <a:cs typeface="Calibri Light" panose="020F0302020204030204" pitchFamily="34" charset="0"/>
+                <a:sym typeface="Wingdings" panose="05000000000000000000" pitchFamily="2" charset="2"/>
+              </a:rPr>
+              <a:t>’, ‘www.google.com’ )//set</a:t>
+            </a:r>
+            <a:endParaRPr lang="en-US" sz="2800" kern="0" dirty="0">
+              <a:latin typeface="Consolas" panose="020B0609020204030204" pitchFamily="49" charset="0"/>
+              <a:cs typeface="Calibri Light" panose="020F0302020204030204" pitchFamily="34" charset="0"/>
+              <a:sym typeface="Wingdings" panose="05000000000000000000" pitchFamily="2" charset="2"/>
+            </a:endParaRPr>
+          </a:p>
+          <a:p>
+            <a:pPr marL="12700">
+              <a:spcBef>
+                <a:spcPts val="95"/>
+              </a:spcBef>
+            </a:pPr>
+            <a:endParaRPr lang="en-US" sz="2800" kern="0" dirty="0">
+              <a:latin typeface="Consolas" panose="020B0609020204030204" pitchFamily="49" charset="0"/>
+              <a:cs typeface="Calibri Light" panose="020F0302020204030204" pitchFamily="34" charset="0"/>
+              <a:sym typeface="Wingdings" panose="05000000000000000000" pitchFamily="2" charset="2"/>
+            </a:endParaRPr>
+          </a:p>
+          <a:p>
+            <a:pPr marL="12700">
+              <a:spcBef>
+                <a:spcPts val="95"/>
+              </a:spcBef>
+            </a:pPr>
+            <a:r>
+              <a:rPr lang="en-US" sz="2800" kern="0" dirty="0">
+                <a:latin typeface="+mn-lt"/>
+                <a:cs typeface="Calibri Light" panose="020F0302020204030204" pitchFamily="34" charset="0"/>
+                <a:sym typeface="Wingdings" panose="05000000000000000000" pitchFamily="2" charset="2"/>
+              </a:rPr>
+              <a:t>7. to use input value </a:t>
+            </a:r>
+            <a:r>
+              <a:rPr lang="en-US" sz="2000" kern="0" dirty="0">
+                <a:latin typeface="Consolas" panose="020B0609020204030204" pitchFamily="49" charset="0"/>
+                <a:cs typeface="Calibri Light" panose="020F0302020204030204" pitchFamily="34" charset="0"/>
+                <a:sym typeface="Wingdings" panose="05000000000000000000" pitchFamily="2" charset="2"/>
+              </a:rPr>
+              <a:t>= </a:t>
+            </a:r>
+            <a:r>
+              <a:rPr lang="en-US" sz="2800" kern="0" dirty="0">
+                <a:latin typeface="+mn-lt"/>
+                <a:cs typeface="Calibri Light" panose="020F0302020204030204" pitchFamily="34" charset="0"/>
+                <a:sym typeface="Wingdings" panose="05000000000000000000" pitchFamily="2" charset="2"/>
+              </a:rPr>
+              <a:t> 	</a:t>
+            </a:r>
+            <a:r>
+              <a:rPr lang="en-US" sz="2000" kern="0" dirty="0">
+                <a:latin typeface="Consolas" panose="020B0609020204030204" pitchFamily="49" charset="0"/>
+                <a:cs typeface="Calibri Light" panose="020F0302020204030204" pitchFamily="34" charset="0"/>
+                <a:sym typeface="Wingdings" panose="05000000000000000000" pitchFamily="2" charset="2"/>
+              </a:rPr>
+              <a:t>$(‘input’).</a:t>
+            </a:r>
+            <a:r>
+              <a:rPr lang="en-US" sz="2000" kern="0" dirty="0" err="1">
+                <a:latin typeface="Consolas" panose="020B0609020204030204" pitchFamily="49" charset="0"/>
+                <a:cs typeface="Calibri Light" panose="020F0302020204030204" pitchFamily="34" charset="0"/>
+                <a:sym typeface="Wingdings" panose="05000000000000000000" pitchFamily="2" charset="2"/>
+              </a:rPr>
+              <a:t>val</a:t>
+            </a:r>
+            <a:r>
+              <a:rPr lang="en-US" sz="2000" kern="0" dirty="0">
+                <a:latin typeface="Consolas" panose="020B0609020204030204" pitchFamily="49" charset="0"/>
+                <a:cs typeface="Calibri Light" panose="020F0302020204030204" pitchFamily="34" charset="0"/>
+                <a:sym typeface="Wingdings" panose="05000000000000000000" pitchFamily="2" charset="2"/>
+              </a:rPr>
+              <a:t>()//get</a:t>
+            </a:r>
+          </a:p>
+          <a:p>
+            <a:pPr marL="12700">
+              <a:spcBef>
+                <a:spcPts val="95"/>
+              </a:spcBef>
+            </a:pPr>
+            <a:r>
+              <a:rPr lang="en-US" sz="2000" kern="0" dirty="0">
+                <a:latin typeface="Consolas" panose="020B0609020204030204" pitchFamily="49" charset="0"/>
+                <a:cs typeface="Calibri Light" panose="020F0302020204030204" pitchFamily="34" charset="0"/>
+                <a:sym typeface="Wingdings" panose="05000000000000000000" pitchFamily="2" charset="2"/>
+              </a:rPr>
+              <a:t>				$(‘input’).</a:t>
+            </a:r>
+            <a:r>
+              <a:rPr lang="en-US" sz="2000" kern="0" dirty="0" err="1">
+                <a:latin typeface="Consolas" panose="020B0609020204030204" pitchFamily="49" charset="0"/>
+                <a:cs typeface="Calibri Light" panose="020F0302020204030204" pitchFamily="34" charset="0"/>
+                <a:sym typeface="Wingdings" panose="05000000000000000000" pitchFamily="2" charset="2"/>
+              </a:rPr>
+              <a:t>val</a:t>
+            </a:r>
+            <a:r>
+              <a:rPr lang="en-US" sz="2000" kern="0" dirty="0">
+                <a:latin typeface="Consolas" panose="020B0609020204030204" pitchFamily="49" charset="0"/>
+                <a:cs typeface="Calibri Light" panose="020F0302020204030204" pitchFamily="34" charset="0"/>
+                <a:sym typeface="Wingdings" panose="05000000000000000000" pitchFamily="2" charset="2"/>
+              </a:rPr>
+              <a:t>(‘some value’)//set</a:t>
+            </a:r>
+            <a:endParaRPr lang="en-US" sz="2800" kern="0" dirty="0">
+              <a:latin typeface="Consolas" panose="020B0609020204030204" pitchFamily="49" charset="0"/>
+              <a:cs typeface="Calibri Light" panose="020F0302020204030204" pitchFamily="34" charset="0"/>
+              <a:sym typeface="Wingdings" panose="05000000000000000000" pitchFamily="2" charset="2"/>
+            </a:endParaRPr>
+          </a:p>
+        </p:txBody>
+      </p:sp>
+    </p:spTree>
+    <p:extLst>
+      <p:ext uri="{BB962C8B-B14F-4D97-AF65-F5344CB8AC3E}">
+        <p14:creationId xmlns:p14="http://schemas.microsoft.com/office/powerpoint/2010/main" val="3770203744"/>
       </p:ext>
     </p:extLst>
   </p:cSld>

--- a/JS.pptx
+++ b/JS.pptx
@@ -42,16 +42,24 @@
     <p:sldId id="416" r:id="rId36"/>
     <p:sldId id="417" r:id="rId37"/>
     <p:sldId id="418" r:id="rId38"/>
-    <p:sldId id="419" r:id="rId39"/>
-    <p:sldId id="420" r:id="rId40"/>
-    <p:sldId id="421" r:id="rId41"/>
-    <p:sldId id="422" r:id="rId42"/>
-    <p:sldId id="423" r:id="rId43"/>
-    <p:sldId id="424" r:id="rId44"/>
-    <p:sldId id="425" r:id="rId45"/>
-    <p:sldId id="426" r:id="rId46"/>
-    <p:sldId id="428" r:id="rId47"/>
-    <p:sldId id="429" r:id="rId48"/>
+    <p:sldId id="434" r:id="rId39"/>
+    <p:sldId id="419" r:id="rId40"/>
+    <p:sldId id="420" r:id="rId41"/>
+    <p:sldId id="421" r:id="rId42"/>
+    <p:sldId id="422" r:id="rId43"/>
+    <p:sldId id="423" r:id="rId44"/>
+    <p:sldId id="424" r:id="rId45"/>
+    <p:sldId id="425" r:id="rId46"/>
+    <p:sldId id="426" r:id="rId47"/>
+    <p:sldId id="428" r:id="rId48"/>
+    <p:sldId id="429" r:id="rId49"/>
+    <p:sldId id="430" r:id="rId50"/>
+    <p:sldId id="431" r:id="rId51"/>
+    <p:sldId id="432" r:id="rId52"/>
+    <p:sldId id="433" r:id="rId53"/>
+    <p:sldId id="435" r:id="rId54"/>
+    <p:sldId id="437" r:id="rId55"/>
+    <p:sldId id="438" r:id="rId56"/>
   </p:sldIdLst>
   <p:sldSz cx="12192000" cy="6858000"/>
   <p:notesSz cx="12192000" cy="6858000"/>
@@ -308,7 +316,7 @@
           <a:p>
             <a:fld id="{1D8BD707-D9CF-40AE-B4C6-C98DA3205C09}" type="datetimeFigureOut">
               <a:rPr lang="en-US"/>
-              <a:t>12/1/2023</a:t>
+              <a:t>12/4/2023</a:t>
             </a:fld>
             <a:endParaRPr lang="en-US"/>
           </a:p>
@@ -485,7 +493,7 @@
           <a:p>
             <a:fld id="{1D8BD707-D9CF-40AE-B4C6-C98DA3205C09}" type="datetimeFigureOut">
               <a:rPr lang="en-US"/>
-              <a:t>12/1/2023</a:t>
+              <a:t>12/4/2023</a:t>
             </a:fld>
             <a:endParaRPr lang="en-US"/>
           </a:p>
@@ -699,7 +707,7 @@
           <a:p>
             <a:fld id="{1D8BD707-D9CF-40AE-B4C6-C98DA3205C09}" type="datetimeFigureOut">
               <a:rPr lang="en-US"/>
-              <a:t>12/1/2023</a:t>
+              <a:t>12/4/2023</a:t>
             </a:fld>
             <a:endParaRPr lang="en-US"/>
           </a:p>
@@ -847,7 +855,7 @@
           <a:p>
             <a:fld id="{1D8BD707-D9CF-40AE-B4C6-C98DA3205C09}" type="datetimeFigureOut">
               <a:rPr lang="en-US"/>
-              <a:t>12/1/2023</a:t>
+              <a:t>12/4/2023</a:t>
             </a:fld>
             <a:endParaRPr lang="en-US"/>
           </a:p>
@@ -974,7 +982,7 @@
           <a:p>
             <a:fld id="{1D8BD707-D9CF-40AE-B4C6-C98DA3205C09}" type="datetimeFigureOut">
               <a:rPr lang="en-US"/>
-              <a:t>12/1/2023</a:t>
+              <a:t>12/4/2023</a:t>
             </a:fld>
             <a:endParaRPr lang="en-US"/>
           </a:p>
@@ -1228,7 +1236,7 @@
           <a:p>
             <a:fld id="{1D8BD707-D9CF-40AE-B4C6-C98DA3205C09}" type="datetimeFigureOut">
               <a:rPr lang="en-US"/>
-              <a:t>12/1/2023</a:t>
+              <a:t>12/4/2023</a:t>
             </a:fld>
             <a:endParaRPr lang="en-US"/>
           </a:p>
@@ -15390,8 +15398,8 @@
         </p:nvSpPr>
         <p:spPr>
           <a:xfrm>
-            <a:off x="481685" y="304800"/>
-            <a:ext cx="8967115" cy="566181"/>
+            <a:off x="609600" y="304800"/>
+            <a:ext cx="8967115" cy="535403"/>
           </a:xfrm>
           <a:prstGeom prst="rect">
             <a:avLst/>
@@ -15404,6 +15412,9 @@
           <a:lstStyle/>
           <a:p>
             <a:pPr marL="12700">
+              <a:lnSpc>
+                <a:spcPct val="100000"/>
+              </a:lnSpc>
               <a:spcBef>
                 <a:spcPts val="95"/>
               </a:spcBef>
@@ -15413,22 +15424,7 @@
                 <a:latin typeface="+mj-lt"/>
                 <a:cs typeface="Carlito"/>
               </a:rPr>
-              <a:t>DOM(</a:t>
-            </a:r>
-            <a:r>
-              <a:rPr lang="en-US" sz="3600" kern="0" dirty="0">
-                <a:latin typeface="+mn-lt"/>
-                <a:cs typeface="Calibri Light" panose="020F0302020204030204" pitchFamily="34" charset="0"/>
-                <a:sym typeface="Wingdings" panose="05000000000000000000" pitchFamily="2" charset="2"/>
-              </a:rPr>
-              <a:t>Document Object Model</a:t>
-            </a:r>
-            <a:r>
-              <a:rPr lang="en-US" sz="3400" dirty="0">
-                <a:latin typeface="+mj-lt"/>
-                <a:cs typeface="Carlito"/>
-              </a:rPr>
-              <a:t>)</a:t>
+              <a:t>Async JavaScript Fundamentals</a:t>
             </a:r>
             <a:endParaRPr sz="3400" dirty="0">
               <a:latin typeface="+mj-lt"/>
@@ -15483,7 +15479,7 @@
         <p:spPr>
           <a:xfrm>
             <a:off x="533400" y="838200"/>
-            <a:ext cx="11621728" cy="5718873"/>
+            <a:ext cx="11621728" cy="2907847"/>
           </a:xfrm>
           <a:prstGeom prst="rect">
             <a:avLst/>
@@ -15514,11 +15510,23 @@
             <a:r>
               <a:rPr lang="en-US" sz="2800" kern="0" dirty="0">
                 <a:latin typeface="+mn-lt"/>
-                <a:cs typeface="Calibri Light" panose="020F0302020204030204" pitchFamily="34" charset="0"/>
-                <a:sym typeface="Wingdings" panose="05000000000000000000" pitchFamily="2" charset="2"/>
-              </a:rPr>
-              <a:t>Document -&gt; HTML</a:t>
-            </a:r>
+                <a:cs typeface="Times New Roman" panose="02020603050405020304" pitchFamily="18" charset="0"/>
+                <a:sym typeface="Wingdings" panose="05000000000000000000" pitchFamily="2" charset="2"/>
+              </a:rPr>
+              <a:t>Continuous use of callback one inside other results in ‘callback hell’. To resolve this we have promise.</a:t>
+            </a:r>
+          </a:p>
+          <a:p>
+            <a:pPr marL="12700">
+              <a:spcBef>
+                <a:spcPts val="95"/>
+              </a:spcBef>
+            </a:pPr>
+            <a:endParaRPr lang="en-US" sz="2800" kern="0" dirty="0">
+              <a:latin typeface="Consolas" panose="020B0609020204030204" pitchFamily="49" charset="0"/>
+              <a:cs typeface="Times New Roman" panose="02020603050405020304" pitchFamily="18" charset="0"/>
+              <a:sym typeface="Wingdings" panose="05000000000000000000" pitchFamily="2" charset="2"/>
+            </a:endParaRPr>
           </a:p>
           <a:p>
             <a:pPr marL="12700">
@@ -15529,275 +15537,51 @@
             <a:r>
               <a:rPr lang="en-US" sz="2800" kern="0" dirty="0">
                 <a:latin typeface="+mn-lt"/>
-                <a:cs typeface="Calibri Light" panose="020F0302020204030204" pitchFamily="34" charset="0"/>
-                <a:sym typeface="Wingdings" panose="05000000000000000000" pitchFamily="2" charset="2"/>
-              </a:rPr>
-              <a:t>Object -&gt; JS Object </a:t>
-            </a:r>
-          </a:p>
-          <a:p>
-            <a:pPr marL="12700">
-              <a:spcBef>
-                <a:spcPts val="95"/>
-              </a:spcBef>
-            </a:pPr>
-            <a:r>
-              <a:rPr lang="en-US" sz="2800" kern="0" dirty="0">
-                <a:latin typeface="+mn-lt"/>
-                <a:cs typeface="Calibri Light" panose="020F0302020204030204" pitchFamily="34" charset="0"/>
-                <a:sym typeface="Wingdings" panose="05000000000000000000" pitchFamily="2" charset="2"/>
-              </a:rPr>
-              <a:t>Model -&gt; to manipulate</a:t>
-            </a:r>
-          </a:p>
-          <a:p>
-            <a:pPr marL="12700">
-              <a:spcBef>
-                <a:spcPts val="95"/>
-              </a:spcBef>
-            </a:pPr>
-            <a:endParaRPr lang="en-US" sz="2800" kern="0" dirty="0">
-              <a:latin typeface="+mn-lt"/>
-              <a:cs typeface="Calibri Light" panose="020F0302020204030204" pitchFamily="34" charset="0"/>
-              <a:sym typeface="Wingdings" panose="05000000000000000000" pitchFamily="2" charset="2"/>
-            </a:endParaRPr>
-          </a:p>
-          <a:p>
-            <a:pPr marL="12700">
-              <a:spcBef>
-                <a:spcPts val="95"/>
-              </a:spcBef>
-            </a:pPr>
-            <a:r>
-              <a:rPr lang="en-US" sz="2800" kern="0" dirty="0">
-                <a:latin typeface="+mn-lt"/>
-                <a:cs typeface="Calibri Light" panose="020F0302020204030204" pitchFamily="34" charset="0"/>
-                <a:sym typeface="Wingdings" panose="05000000000000000000" pitchFamily="2" charset="2"/>
-              </a:rPr>
-              <a:t>5 types of Selectors</a:t>
-            </a:r>
-          </a:p>
-          <a:p>
-            <a:pPr marL="12700">
-              <a:spcBef>
-                <a:spcPts val="95"/>
-              </a:spcBef>
-            </a:pPr>
-            <a:r>
-              <a:rPr lang="en-US" sz="2800" kern="0" dirty="0">
-                <a:latin typeface="+mn-lt"/>
-                <a:cs typeface="Calibri Light" panose="020F0302020204030204" pitchFamily="34" charset="0"/>
-                <a:sym typeface="Wingdings" panose="05000000000000000000" pitchFamily="2" charset="2"/>
-              </a:rPr>
-              <a:t>1.getElementsByTagName(‘h1’)-&gt; returns </a:t>
-            </a:r>
-            <a:r>
-              <a:rPr lang="en-US" sz="2800" kern="0" dirty="0" err="1">
-                <a:latin typeface="+mn-lt"/>
-                <a:cs typeface="Calibri Light" panose="020F0302020204030204" pitchFamily="34" charset="0"/>
-                <a:sym typeface="Wingdings" panose="05000000000000000000" pitchFamily="2" charset="2"/>
-              </a:rPr>
-              <a:t>HTMLCollection</a:t>
-            </a:r>
-            <a:r>
-              <a:rPr lang="en-US" sz="2800" kern="0" dirty="0">
-                <a:latin typeface="+mn-lt"/>
-                <a:cs typeface="Calibri Light" panose="020F0302020204030204" pitchFamily="34" charset="0"/>
-                <a:sym typeface="Wingdings" panose="05000000000000000000" pitchFamily="2" charset="2"/>
-              </a:rPr>
-              <a:t> i.e. array</a:t>
-            </a:r>
-          </a:p>
-          <a:p>
-            <a:pPr marL="469900" indent="-457200">
-              <a:spcBef>
-                <a:spcPts val="95"/>
-              </a:spcBef>
-              <a:buFont typeface="Wingdings" panose="05000000000000000000" pitchFamily="2" charset="2"/>
-              <a:buChar char="à"/>
-            </a:pPr>
-            <a:r>
-              <a:rPr lang="en-US" sz="2800" kern="0" dirty="0">
-                <a:latin typeface="+mn-lt"/>
-                <a:cs typeface="Calibri Light" panose="020F0302020204030204" pitchFamily="34" charset="0"/>
-                <a:sym typeface="Wingdings" panose="05000000000000000000" pitchFamily="2" charset="2"/>
-              </a:rPr>
-              <a:t>we can loop through them and apply style to them </a:t>
-            </a:r>
-          </a:p>
-          <a:p>
-            <a:pPr marL="12700">
-              <a:spcBef>
-                <a:spcPts val="95"/>
-              </a:spcBef>
-            </a:pPr>
-            <a:r>
-              <a:rPr lang="en-US" sz="2000" kern="0" dirty="0">
-                <a:latin typeface="Consolas" panose="020B0609020204030204" pitchFamily="49" charset="0"/>
-                <a:cs typeface="Calibri Light" panose="020F0302020204030204" pitchFamily="34" charset="0"/>
-                <a:sym typeface="Wingdings" panose="05000000000000000000" pitchFamily="2" charset="2"/>
-              </a:rPr>
-              <a:t>	for(let item of </a:t>
-            </a:r>
-            <a:r>
-              <a:rPr lang="en-US" sz="2000" kern="0" dirty="0" err="1">
-                <a:latin typeface="Consolas" panose="020B0609020204030204" pitchFamily="49" charset="0"/>
-                <a:cs typeface="Calibri Light" panose="020F0302020204030204" pitchFamily="34" charset="0"/>
-                <a:sym typeface="Wingdings" panose="05000000000000000000" pitchFamily="2" charset="2"/>
-              </a:rPr>
-              <a:t>arr</a:t>
-            </a:r>
-            <a:r>
-              <a:rPr lang="en-US" sz="2000" kern="0" dirty="0">
-                <a:latin typeface="Consolas" panose="020B0609020204030204" pitchFamily="49" charset="0"/>
-                <a:cs typeface="Calibri Light" panose="020F0302020204030204" pitchFamily="34" charset="0"/>
-                <a:sym typeface="Wingdings" panose="05000000000000000000" pitchFamily="2" charset="2"/>
-              </a:rPr>
-              <a:t>){</a:t>
-            </a:r>
-          </a:p>
-          <a:p>
-            <a:pPr marL="12700">
-              <a:spcBef>
-                <a:spcPts val="95"/>
-              </a:spcBef>
-            </a:pPr>
-            <a:r>
-              <a:rPr lang="en-US" sz="2000" kern="0" dirty="0">
-                <a:latin typeface="Consolas" panose="020B0609020204030204" pitchFamily="49" charset="0"/>
-                <a:cs typeface="Calibri Light" panose="020F0302020204030204" pitchFamily="34" charset="0"/>
-                <a:sym typeface="Wingdings" panose="05000000000000000000" pitchFamily="2" charset="2"/>
-              </a:rPr>
-              <a:t>		</a:t>
-            </a:r>
-            <a:r>
-              <a:rPr lang="en-US" sz="2000" kern="0" dirty="0" err="1">
-                <a:latin typeface="Consolas" panose="020B0609020204030204" pitchFamily="49" charset="0"/>
-                <a:cs typeface="Calibri Light" panose="020F0302020204030204" pitchFamily="34" charset="0"/>
-                <a:sym typeface="Wingdings" panose="05000000000000000000" pitchFamily="2" charset="2"/>
-              </a:rPr>
-              <a:t>item.style.color</a:t>
-            </a:r>
-            <a:r>
-              <a:rPr lang="en-US" sz="2000" kern="0" dirty="0">
-                <a:latin typeface="Consolas" panose="020B0609020204030204" pitchFamily="49" charset="0"/>
-                <a:cs typeface="Calibri Light" panose="020F0302020204030204" pitchFamily="34" charset="0"/>
-                <a:sym typeface="Wingdings" panose="05000000000000000000" pitchFamily="2" charset="2"/>
-              </a:rPr>
-              <a:t> = ‘red’;</a:t>
-            </a:r>
-          </a:p>
-          <a:p>
-            <a:pPr marL="12700">
-              <a:spcBef>
-                <a:spcPts val="95"/>
-              </a:spcBef>
-            </a:pPr>
-            <a:r>
-              <a:rPr lang="en-US" sz="2000" kern="0" dirty="0">
-                <a:latin typeface="Consolas" panose="020B0609020204030204" pitchFamily="49" charset="0"/>
-                <a:cs typeface="Calibri Light" panose="020F0302020204030204" pitchFamily="34" charset="0"/>
-                <a:sym typeface="Wingdings" panose="05000000000000000000" pitchFamily="2" charset="2"/>
-              </a:rPr>
-              <a:t>	}</a:t>
-            </a:r>
-          </a:p>
-          <a:p>
-            <a:pPr marL="12700">
-              <a:spcBef>
-                <a:spcPts val="95"/>
-              </a:spcBef>
-            </a:pPr>
-            <a:endParaRPr lang="en-US" sz="2000" kern="0" dirty="0">
+                <a:cs typeface="Times New Roman" panose="02020603050405020304" pitchFamily="18" charset="0"/>
+                <a:sym typeface="Wingdings" panose="05000000000000000000" pitchFamily="2" charset="2"/>
+              </a:rPr>
+              <a:t>Promise is either resolve or reject </a:t>
+            </a:r>
+          </a:p>
+          <a:p>
+            <a:pPr marL="12700">
+              <a:spcBef>
+                <a:spcPts val="95"/>
+              </a:spcBef>
+            </a:pPr>
+            <a:r>
+              <a:rPr lang="en-US" sz="2400" kern="0" dirty="0">
+                <a:latin typeface="Consolas" panose="020B0609020204030204" pitchFamily="49" charset="0"/>
+                <a:cs typeface="Times New Roman" panose="02020603050405020304" pitchFamily="18" charset="0"/>
+                <a:sym typeface="Wingdings" panose="05000000000000000000" pitchFamily="2" charset="2"/>
+              </a:rPr>
+              <a:t>if resolve it return values in .then()</a:t>
+            </a:r>
+          </a:p>
+          <a:p>
+            <a:pPr marL="12700">
+              <a:spcBef>
+                <a:spcPts val="95"/>
+              </a:spcBef>
+            </a:pPr>
+            <a:r>
+              <a:rPr lang="en-US" sz="2400" kern="0" dirty="0">
+                <a:latin typeface="Consolas" panose="020B0609020204030204" pitchFamily="49" charset="0"/>
+                <a:cs typeface="Times New Roman" panose="02020603050405020304" pitchFamily="18" charset="0"/>
+                <a:sym typeface="Wingdings" panose="05000000000000000000" pitchFamily="2" charset="2"/>
+              </a:rPr>
+              <a:t>if rejected it returns values in .catch()</a:t>
+            </a:r>
+          </a:p>
+          <a:p>
+            <a:pPr marL="12700">
+              <a:spcBef>
+                <a:spcPts val="95"/>
+              </a:spcBef>
+            </a:pPr>
+            <a:endParaRPr lang="en-US" sz="2400" kern="0" dirty="0">
               <a:latin typeface="Consolas" panose="020B0609020204030204" pitchFamily="49" charset="0"/>
-              <a:cs typeface="Calibri Light" panose="020F0302020204030204" pitchFamily="34" charset="0"/>
-              <a:sym typeface="Wingdings" panose="05000000000000000000" pitchFamily="2" charset="2"/>
-            </a:endParaRPr>
-          </a:p>
-          <a:p>
-            <a:pPr marL="12700">
-              <a:spcBef>
-                <a:spcPts val="95"/>
-              </a:spcBef>
-            </a:pPr>
-            <a:r>
-              <a:rPr lang="en-US" sz="2800" kern="0" dirty="0">
-                <a:latin typeface="+mn-lt"/>
-                <a:cs typeface="Calibri Light" panose="020F0302020204030204" pitchFamily="34" charset="0"/>
-                <a:sym typeface="Wingdings" panose="05000000000000000000" pitchFamily="2" charset="2"/>
-              </a:rPr>
-              <a:t>2. </a:t>
-            </a:r>
-            <a:r>
-              <a:rPr lang="en-US" sz="2800" kern="0" dirty="0" err="1">
-                <a:latin typeface="+mn-lt"/>
-                <a:cs typeface="Calibri Light" panose="020F0302020204030204" pitchFamily="34" charset="0"/>
-                <a:sym typeface="Wingdings" panose="05000000000000000000" pitchFamily="2" charset="2"/>
-              </a:rPr>
-              <a:t>getElementByID</a:t>
-            </a:r>
-            <a:r>
-              <a:rPr lang="en-US" sz="2800" kern="0" dirty="0">
-                <a:latin typeface="+mn-lt"/>
-                <a:cs typeface="Calibri Light" panose="020F0302020204030204" pitchFamily="34" charset="0"/>
-                <a:sym typeface="Wingdings" panose="05000000000000000000" pitchFamily="2" charset="2"/>
-              </a:rPr>
-              <a:t>(‘h1’)-&gt; returns single element</a:t>
-            </a:r>
-          </a:p>
-          <a:p>
-            <a:pPr marL="12700">
-              <a:spcBef>
-                <a:spcPts val="95"/>
-              </a:spcBef>
-            </a:pPr>
-            <a:r>
-              <a:rPr lang="en-US" sz="2800" kern="0" dirty="0">
-                <a:latin typeface="+mn-lt"/>
-                <a:cs typeface="Calibri Light" panose="020F0302020204030204" pitchFamily="34" charset="0"/>
-                <a:sym typeface="Wingdings" panose="05000000000000000000" pitchFamily="2" charset="2"/>
-              </a:rPr>
-              <a:t>3. </a:t>
-            </a:r>
-            <a:r>
-              <a:rPr lang="en-US" sz="2800" kern="0" dirty="0" err="1">
-                <a:latin typeface="+mn-lt"/>
-                <a:cs typeface="Calibri Light" panose="020F0302020204030204" pitchFamily="34" charset="0"/>
-                <a:sym typeface="Wingdings" panose="05000000000000000000" pitchFamily="2" charset="2"/>
-              </a:rPr>
-              <a:t>getElementsByClassName</a:t>
-            </a:r>
-            <a:r>
-              <a:rPr lang="en-US" sz="2800" kern="0" dirty="0">
-                <a:latin typeface="+mn-lt"/>
-                <a:cs typeface="Calibri Light" panose="020F0302020204030204" pitchFamily="34" charset="0"/>
-                <a:sym typeface="Wingdings" panose="05000000000000000000" pitchFamily="2" charset="2"/>
-              </a:rPr>
-              <a:t>(‘h1’)-&gt; returns </a:t>
-            </a:r>
-            <a:r>
-              <a:rPr lang="en-US" sz="2800" kern="0" dirty="0" err="1">
-                <a:latin typeface="+mn-lt"/>
-                <a:cs typeface="Calibri Light" panose="020F0302020204030204" pitchFamily="34" charset="0"/>
-                <a:sym typeface="Wingdings" panose="05000000000000000000" pitchFamily="2" charset="2"/>
-              </a:rPr>
-              <a:t>HTMLCollection</a:t>
-            </a:r>
-            <a:endParaRPr lang="en-US" sz="2800" kern="0" dirty="0">
-              <a:latin typeface="+mn-lt"/>
-              <a:cs typeface="Calibri Light" panose="020F0302020204030204" pitchFamily="34" charset="0"/>
-              <a:sym typeface="Wingdings" panose="05000000000000000000" pitchFamily="2" charset="2"/>
-            </a:endParaRPr>
-          </a:p>
-          <a:p>
-            <a:pPr marL="12700">
-              <a:spcBef>
-                <a:spcPts val="95"/>
-              </a:spcBef>
-            </a:pPr>
-            <a:endParaRPr lang="en-US" sz="2800" kern="0" dirty="0">
-              <a:latin typeface="+mn-lt"/>
-              <a:cs typeface="Calibri Light" panose="020F0302020204030204" pitchFamily="34" charset="0"/>
+              <a:cs typeface="Times New Roman" panose="02020603050405020304" pitchFamily="18" charset="0"/>
               <a:sym typeface="Wingdings" panose="05000000000000000000" pitchFamily="2" charset="2"/>
             </a:endParaRPr>
           </a:p>
@@ -15806,7 +15590,7 @@
     </p:spTree>
     <p:extLst>
       <p:ext uri="{BB962C8B-B14F-4D97-AF65-F5344CB8AC3E}">
-        <p14:creationId xmlns:p14="http://schemas.microsoft.com/office/powerpoint/2010/main" val="94353504"/>
+        <p14:creationId xmlns:p14="http://schemas.microsoft.com/office/powerpoint/2010/main" val="3442996341"/>
       </p:ext>
     </p:extLst>
   </p:cSld>
@@ -15985,7 +15769,7 @@
         <p:spPr>
           <a:xfrm>
             <a:off x="533400" y="838200"/>
-            <a:ext cx="11621728" cy="5557291"/>
+            <a:ext cx="11621728" cy="5718873"/>
           </a:xfrm>
           <a:prstGeom prst="rect">
             <a:avLst/>
@@ -16014,54 +15798,51 @@
               </a:spcBef>
             </a:pPr>
             <a:r>
-              <a:rPr lang="en-US" sz="3200" kern="0" dirty="0">
+              <a:rPr lang="en-US" sz="2800" kern="0" dirty="0">
                 <a:latin typeface="+mn-lt"/>
                 <a:cs typeface="Calibri Light" panose="020F0302020204030204" pitchFamily="34" charset="0"/>
                 <a:sym typeface="Wingdings" panose="05000000000000000000" pitchFamily="2" charset="2"/>
               </a:rPr>
-              <a:t>2. </a:t>
-            </a:r>
-            <a:r>
-              <a:rPr lang="en-US" sz="3200" kern="0" dirty="0" err="1">
+              <a:t>Document -&gt; HTML</a:t>
+            </a:r>
+          </a:p>
+          <a:p>
+            <a:pPr marL="12700">
+              <a:spcBef>
+                <a:spcPts val="95"/>
+              </a:spcBef>
+            </a:pPr>
+            <a:r>
+              <a:rPr lang="en-US" sz="2800" kern="0" dirty="0">
                 <a:latin typeface="+mn-lt"/>
                 <a:cs typeface="Calibri Light" panose="020F0302020204030204" pitchFamily="34" charset="0"/>
                 <a:sym typeface="Wingdings" panose="05000000000000000000" pitchFamily="2" charset="2"/>
               </a:rPr>
-              <a:t>querySelector</a:t>
-            </a:r>
-            <a:r>
-              <a:rPr lang="en-US" sz="3200" kern="0" dirty="0">
+              <a:t>Object -&gt; JS Object </a:t>
+            </a:r>
+          </a:p>
+          <a:p>
+            <a:pPr marL="12700">
+              <a:spcBef>
+                <a:spcPts val="95"/>
+              </a:spcBef>
+            </a:pPr>
+            <a:r>
+              <a:rPr lang="en-US" sz="2800" kern="0" dirty="0">
                 <a:latin typeface="+mn-lt"/>
                 <a:cs typeface="Calibri Light" panose="020F0302020204030204" pitchFamily="34" charset="0"/>
                 <a:sym typeface="Wingdings" panose="05000000000000000000" pitchFamily="2" charset="2"/>
               </a:rPr>
-              <a:t>(‘h1’)-&gt; returns single element</a:t>
-            </a:r>
-          </a:p>
-          <a:p>
-            <a:pPr marL="469900" indent="-457200">
-              <a:spcBef>
-                <a:spcPts val="95"/>
-              </a:spcBef>
-              <a:buFont typeface="Wingdings" panose="05000000000000000000" pitchFamily="2" charset="2"/>
-              <a:buChar char="à"/>
-            </a:pPr>
-            <a:r>
-              <a:rPr lang="en-US" sz="3200" kern="0" dirty="0">
-                <a:latin typeface="+mn-lt"/>
-                <a:cs typeface="Calibri Light" panose="020F0302020204030204" pitchFamily="34" charset="0"/>
-                <a:sym typeface="Wingdings" panose="05000000000000000000" pitchFamily="2" charset="2"/>
-              </a:rPr>
-              <a:t>It takes class(.x) , id(#x)  and tag(x) as argument</a:t>
-            </a:r>
-          </a:p>
-          <a:p>
-            <a:pPr marL="12700">
-              <a:spcBef>
-                <a:spcPts val="95"/>
-              </a:spcBef>
-            </a:pPr>
-            <a:endParaRPr lang="en-US" sz="3200" kern="0" dirty="0">
+              <a:t>Model -&gt; to manipulate</a:t>
+            </a:r>
+          </a:p>
+          <a:p>
+            <a:pPr marL="12700">
+              <a:spcBef>
+                <a:spcPts val="95"/>
+              </a:spcBef>
+            </a:pPr>
+            <a:endParaRPr lang="en-US" sz="2800" kern="0" dirty="0">
               <a:latin typeface="+mn-lt"/>
               <a:cs typeface="Calibri Light" panose="020F0302020204030204" pitchFamily="34" charset="0"/>
               <a:sym typeface="Wingdings" panose="05000000000000000000" pitchFamily="2" charset="2"/>
@@ -16074,23 +15855,206 @@
               </a:spcBef>
             </a:pPr>
             <a:r>
-              <a:rPr lang="en-US" sz="3200" kern="0" dirty="0">
+              <a:rPr lang="en-US" sz="2800" kern="0" dirty="0">
                 <a:latin typeface="+mn-lt"/>
                 <a:cs typeface="Calibri Light" panose="020F0302020204030204" pitchFamily="34" charset="0"/>
                 <a:sym typeface="Wingdings" panose="05000000000000000000" pitchFamily="2" charset="2"/>
               </a:rPr>
+              <a:t>5 types of Selectors</a:t>
+            </a:r>
+          </a:p>
+          <a:p>
+            <a:pPr marL="12700">
+              <a:spcBef>
+                <a:spcPts val="95"/>
+              </a:spcBef>
+            </a:pPr>
+            <a:r>
+              <a:rPr lang="en-US" sz="2800" kern="0" dirty="0">
+                <a:latin typeface="+mn-lt"/>
+                <a:cs typeface="Calibri Light" panose="020F0302020204030204" pitchFamily="34" charset="0"/>
+                <a:sym typeface="Wingdings" panose="05000000000000000000" pitchFamily="2" charset="2"/>
+              </a:rPr>
+              <a:t>1.getElementsByTagName(‘h1’)-&gt; returns </a:t>
+            </a:r>
+            <a:r>
+              <a:rPr lang="en-US" sz="2800" kern="0" dirty="0" err="1">
+                <a:latin typeface="+mn-lt"/>
+                <a:cs typeface="Calibri Light" panose="020F0302020204030204" pitchFamily="34" charset="0"/>
+                <a:sym typeface="Wingdings" panose="05000000000000000000" pitchFamily="2" charset="2"/>
+              </a:rPr>
+              <a:t>HTMLCollection</a:t>
+            </a:r>
+            <a:r>
+              <a:rPr lang="en-US" sz="2800" kern="0" dirty="0">
+                <a:latin typeface="+mn-lt"/>
+                <a:cs typeface="Calibri Light" panose="020F0302020204030204" pitchFamily="34" charset="0"/>
+                <a:sym typeface="Wingdings" panose="05000000000000000000" pitchFamily="2" charset="2"/>
+              </a:rPr>
+              <a:t> i.e. array</a:t>
+            </a:r>
+          </a:p>
+          <a:p>
+            <a:pPr marL="469900" indent="-457200">
+              <a:spcBef>
+                <a:spcPts val="95"/>
+              </a:spcBef>
+              <a:buFont typeface="Wingdings" panose="05000000000000000000" pitchFamily="2" charset="2"/>
+              <a:buChar char="à"/>
+            </a:pPr>
+            <a:r>
+              <a:rPr lang="en-US" sz="2800" kern="0" dirty="0">
+                <a:latin typeface="+mn-lt"/>
+                <a:cs typeface="Calibri Light" panose="020F0302020204030204" pitchFamily="34" charset="0"/>
+                <a:sym typeface="Wingdings" panose="05000000000000000000" pitchFamily="2" charset="2"/>
+              </a:rPr>
+              <a:t>we can loop through them and apply style to them </a:t>
+            </a:r>
+          </a:p>
+          <a:p>
+            <a:pPr marL="12700">
+              <a:spcBef>
+                <a:spcPts val="95"/>
+              </a:spcBef>
+            </a:pPr>
+            <a:r>
+              <a:rPr lang="en-US" sz="2000" kern="0" dirty="0">
+                <a:latin typeface="Consolas" panose="020B0609020204030204" pitchFamily="49" charset="0"/>
+                <a:cs typeface="Calibri Light" panose="020F0302020204030204" pitchFamily="34" charset="0"/>
+                <a:sym typeface="Wingdings" panose="05000000000000000000" pitchFamily="2" charset="2"/>
+              </a:rPr>
+              <a:t>	for(let item of </a:t>
+            </a:r>
+            <a:r>
+              <a:rPr lang="en-US" sz="2000" kern="0" dirty="0" err="1">
+                <a:latin typeface="Consolas" panose="020B0609020204030204" pitchFamily="49" charset="0"/>
+                <a:cs typeface="Calibri Light" panose="020F0302020204030204" pitchFamily="34" charset="0"/>
+                <a:sym typeface="Wingdings" panose="05000000000000000000" pitchFamily="2" charset="2"/>
+              </a:rPr>
+              <a:t>arr</a:t>
+            </a:r>
+            <a:r>
+              <a:rPr lang="en-US" sz="2000" kern="0" dirty="0">
+                <a:latin typeface="Consolas" panose="020B0609020204030204" pitchFamily="49" charset="0"/>
+                <a:cs typeface="Calibri Light" panose="020F0302020204030204" pitchFamily="34" charset="0"/>
+                <a:sym typeface="Wingdings" panose="05000000000000000000" pitchFamily="2" charset="2"/>
+              </a:rPr>
+              <a:t>){</a:t>
+            </a:r>
+          </a:p>
+          <a:p>
+            <a:pPr marL="12700">
+              <a:spcBef>
+                <a:spcPts val="95"/>
+              </a:spcBef>
+            </a:pPr>
+            <a:r>
+              <a:rPr lang="en-US" sz="2000" kern="0" dirty="0">
+                <a:latin typeface="Consolas" panose="020B0609020204030204" pitchFamily="49" charset="0"/>
+                <a:cs typeface="Calibri Light" panose="020F0302020204030204" pitchFamily="34" charset="0"/>
+                <a:sym typeface="Wingdings" panose="05000000000000000000" pitchFamily="2" charset="2"/>
+              </a:rPr>
+              <a:t>		</a:t>
+            </a:r>
+            <a:r>
+              <a:rPr lang="en-US" sz="2000" kern="0" dirty="0" err="1">
+                <a:latin typeface="Consolas" panose="020B0609020204030204" pitchFamily="49" charset="0"/>
+                <a:cs typeface="Calibri Light" panose="020F0302020204030204" pitchFamily="34" charset="0"/>
+                <a:sym typeface="Wingdings" panose="05000000000000000000" pitchFamily="2" charset="2"/>
+              </a:rPr>
+              <a:t>item.style.color</a:t>
+            </a:r>
+            <a:r>
+              <a:rPr lang="en-US" sz="2000" kern="0" dirty="0">
+                <a:latin typeface="Consolas" panose="020B0609020204030204" pitchFamily="49" charset="0"/>
+                <a:cs typeface="Calibri Light" panose="020F0302020204030204" pitchFamily="34" charset="0"/>
+                <a:sym typeface="Wingdings" panose="05000000000000000000" pitchFamily="2" charset="2"/>
+              </a:rPr>
+              <a:t> = ‘red’;</a:t>
+            </a:r>
+          </a:p>
+          <a:p>
+            <a:pPr marL="12700">
+              <a:spcBef>
+                <a:spcPts val="95"/>
+              </a:spcBef>
+            </a:pPr>
+            <a:r>
+              <a:rPr lang="en-US" sz="2000" kern="0" dirty="0">
+                <a:latin typeface="Consolas" panose="020B0609020204030204" pitchFamily="49" charset="0"/>
+                <a:cs typeface="Calibri Light" panose="020F0302020204030204" pitchFamily="34" charset="0"/>
+                <a:sym typeface="Wingdings" panose="05000000000000000000" pitchFamily="2" charset="2"/>
+              </a:rPr>
+              <a:t>	}</a:t>
+            </a:r>
+          </a:p>
+          <a:p>
+            <a:pPr marL="12700">
+              <a:spcBef>
+                <a:spcPts val="95"/>
+              </a:spcBef>
+            </a:pPr>
+            <a:endParaRPr lang="en-US" sz="2000" kern="0" dirty="0">
+              <a:latin typeface="Consolas" panose="020B0609020204030204" pitchFamily="49" charset="0"/>
+              <a:cs typeface="Calibri Light" panose="020F0302020204030204" pitchFamily="34" charset="0"/>
+              <a:sym typeface="Wingdings" panose="05000000000000000000" pitchFamily="2" charset="2"/>
+            </a:endParaRPr>
+          </a:p>
+          <a:p>
+            <a:pPr marL="12700">
+              <a:spcBef>
+                <a:spcPts val="95"/>
+              </a:spcBef>
+            </a:pPr>
+            <a:r>
+              <a:rPr lang="en-US" sz="2800" kern="0" dirty="0">
+                <a:latin typeface="+mn-lt"/>
+                <a:cs typeface="Calibri Light" panose="020F0302020204030204" pitchFamily="34" charset="0"/>
+                <a:sym typeface="Wingdings" panose="05000000000000000000" pitchFamily="2" charset="2"/>
+              </a:rPr>
+              <a:t>2. </a:t>
+            </a:r>
+            <a:r>
+              <a:rPr lang="en-US" sz="2800" kern="0" dirty="0" err="1">
+                <a:latin typeface="+mn-lt"/>
+                <a:cs typeface="Calibri Light" panose="020F0302020204030204" pitchFamily="34" charset="0"/>
+                <a:sym typeface="Wingdings" panose="05000000000000000000" pitchFamily="2" charset="2"/>
+              </a:rPr>
+              <a:t>getElementByID</a:t>
+            </a:r>
+            <a:r>
+              <a:rPr lang="en-US" sz="2800" kern="0" dirty="0">
+                <a:latin typeface="+mn-lt"/>
+                <a:cs typeface="Calibri Light" panose="020F0302020204030204" pitchFamily="34" charset="0"/>
+                <a:sym typeface="Wingdings" panose="05000000000000000000" pitchFamily="2" charset="2"/>
+              </a:rPr>
+              <a:t>(‘h1’)-&gt; returns single element</a:t>
+            </a:r>
+          </a:p>
+          <a:p>
+            <a:pPr marL="12700">
+              <a:spcBef>
+                <a:spcPts val="95"/>
+              </a:spcBef>
+            </a:pPr>
+            <a:r>
+              <a:rPr lang="en-US" sz="2800" kern="0" dirty="0">
+                <a:latin typeface="+mn-lt"/>
+                <a:cs typeface="Calibri Light" panose="020F0302020204030204" pitchFamily="34" charset="0"/>
+                <a:sym typeface="Wingdings" panose="05000000000000000000" pitchFamily="2" charset="2"/>
+              </a:rPr>
               <a:t>3. </a:t>
             </a:r>
             <a:r>
-              <a:rPr lang="en-US" sz="3200" kern="0" dirty="0" err="1">
+              <a:rPr lang="en-US" sz="2800" kern="0" dirty="0" err="1">
                 <a:latin typeface="+mn-lt"/>
                 <a:cs typeface="Calibri Light" panose="020F0302020204030204" pitchFamily="34" charset="0"/>
                 <a:sym typeface="Wingdings" panose="05000000000000000000" pitchFamily="2" charset="2"/>
               </a:rPr>
-              <a:t>querySelectorAll</a:t>
-            </a:r>
-            <a:r>
-              <a:rPr lang="en-US" sz="3200" kern="0" dirty="0">
+              <a:t>getElementsByClassName</a:t>
+            </a:r>
+            <a:r>
+              <a:rPr lang="en-US" sz="2800" kern="0" dirty="0">
                 <a:latin typeface="+mn-lt"/>
                 <a:cs typeface="Calibri Light" panose="020F0302020204030204" pitchFamily="34" charset="0"/>
                 <a:sym typeface="Wingdings" panose="05000000000000000000" pitchFamily="2" charset="2"/>
@@ -16098,29 +16062,14 @@
               <a:t>(‘h1’)-&gt; returns </a:t>
             </a:r>
             <a:r>
-              <a:rPr lang="en-US" sz="3200" kern="0" dirty="0" err="1">
+              <a:rPr lang="en-US" sz="2800" kern="0" dirty="0" err="1">
                 <a:latin typeface="+mn-lt"/>
                 <a:cs typeface="Calibri Light" panose="020F0302020204030204" pitchFamily="34" charset="0"/>
                 <a:sym typeface="Wingdings" panose="05000000000000000000" pitchFamily="2" charset="2"/>
               </a:rPr>
-              <a:t>Nodelist</a:t>
-            </a:r>
-            <a:r>
-              <a:rPr lang="en-US" sz="3200" kern="0" dirty="0">
-                <a:latin typeface="+mn-lt"/>
-                <a:cs typeface="Calibri Light" panose="020F0302020204030204" pitchFamily="34" charset="0"/>
-                <a:sym typeface="Wingdings" panose="05000000000000000000" pitchFamily="2" charset="2"/>
-              </a:rPr>
-              <a:t> </a:t>
-            </a:r>
-          </a:p>
-          <a:p>
-            <a:pPr marL="12700">
-              <a:spcBef>
-                <a:spcPts val="95"/>
-              </a:spcBef>
-            </a:pPr>
-            <a:endParaRPr lang="en-US" sz="3200" kern="0" dirty="0">
+              <a:t>HTMLCollection</a:t>
+            </a:r>
+            <a:endParaRPr lang="en-US" sz="2800" kern="0" dirty="0">
               <a:latin typeface="+mn-lt"/>
               <a:cs typeface="Calibri Light" panose="020F0302020204030204" pitchFamily="34" charset="0"/>
               <a:sym typeface="Wingdings" panose="05000000000000000000" pitchFamily="2" charset="2"/>
@@ -16132,178 +16081,18 @@
                 <a:spcPts val="95"/>
               </a:spcBef>
             </a:pPr>
-            <a:r>
-              <a:rPr lang="en-US" sz="3200" kern="0" dirty="0" err="1">
-                <a:latin typeface="+mn-lt"/>
-                <a:cs typeface="Calibri Light" panose="020F0302020204030204" pitchFamily="34" charset="0"/>
-                <a:sym typeface="Wingdings" panose="05000000000000000000" pitchFamily="2" charset="2"/>
-              </a:rPr>
-              <a:t>Propeties</a:t>
-            </a:r>
-            <a:r>
-              <a:rPr lang="en-US" sz="3200" kern="0" dirty="0">
-                <a:latin typeface="+mn-lt"/>
-                <a:cs typeface="Calibri Light" panose="020F0302020204030204" pitchFamily="34" charset="0"/>
-                <a:sym typeface="Wingdings" panose="05000000000000000000" pitchFamily="2" charset="2"/>
-              </a:rPr>
-              <a:t> of HTML (Like Setter and Getter) </a:t>
-            </a:r>
-          </a:p>
-          <a:p>
-            <a:pPr marL="12700">
-              <a:spcBef>
-                <a:spcPts val="95"/>
-              </a:spcBef>
-            </a:pPr>
-            <a:r>
-              <a:rPr lang="en-US" sz="3200" kern="0" dirty="0">
-                <a:latin typeface="+mn-lt"/>
-                <a:cs typeface="Calibri Light" panose="020F0302020204030204" pitchFamily="34" charset="0"/>
-                <a:sym typeface="Wingdings" panose="05000000000000000000" pitchFamily="2" charset="2"/>
-              </a:rPr>
-              <a:t>1. </a:t>
-            </a:r>
-            <a:r>
-              <a:rPr lang="en-US" sz="3200" kern="0" dirty="0" err="1">
-                <a:latin typeface="+mn-lt"/>
-                <a:cs typeface="Calibri Light" panose="020F0302020204030204" pitchFamily="34" charset="0"/>
-                <a:sym typeface="Wingdings" panose="05000000000000000000" pitchFamily="2" charset="2"/>
-              </a:rPr>
-              <a:t>innerText</a:t>
-            </a:r>
-            <a:r>
-              <a:rPr lang="en-US" sz="3200" kern="0" dirty="0">
-                <a:latin typeface="+mn-lt"/>
-                <a:cs typeface="Calibri Light" panose="020F0302020204030204" pitchFamily="34" charset="0"/>
-                <a:sym typeface="Wingdings" panose="05000000000000000000" pitchFamily="2" charset="2"/>
-              </a:rPr>
-              <a:t> -&gt; gives text inside that tag, can apply </a:t>
-            </a:r>
-            <a:r>
-              <a:rPr lang="en-US" sz="3200" kern="0" dirty="0" err="1">
-                <a:latin typeface="+mn-lt"/>
-                <a:cs typeface="Calibri Light" panose="020F0302020204030204" pitchFamily="34" charset="0"/>
-                <a:sym typeface="Wingdings" panose="05000000000000000000" pitchFamily="2" charset="2"/>
-              </a:rPr>
-              <a:t>css</a:t>
-            </a:r>
-            <a:r>
-              <a:rPr lang="en-US" sz="3200" kern="0" dirty="0">
-                <a:latin typeface="+mn-lt"/>
-                <a:cs typeface="Calibri Light" panose="020F0302020204030204" pitchFamily="34" charset="0"/>
-                <a:sym typeface="Wingdings" panose="05000000000000000000" pitchFamily="2" charset="2"/>
-              </a:rPr>
-              <a:t> in it.</a:t>
-            </a:r>
-          </a:p>
-          <a:p>
-            <a:pPr marL="12700">
-              <a:spcBef>
-                <a:spcPts val="95"/>
-              </a:spcBef>
-            </a:pPr>
-            <a:r>
-              <a:rPr lang="en-US" sz="3200" kern="0" dirty="0">
-                <a:latin typeface="+mn-lt"/>
-                <a:cs typeface="Calibri Light" panose="020F0302020204030204" pitchFamily="34" charset="0"/>
-                <a:sym typeface="Wingdings" panose="05000000000000000000" pitchFamily="2" charset="2"/>
-              </a:rPr>
-              <a:t>2. </a:t>
-            </a:r>
-            <a:r>
-              <a:rPr lang="en-US" sz="3200" kern="0" dirty="0" err="1">
-                <a:latin typeface="+mn-lt"/>
-                <a:cs typeface="Calibri Light" panose="020F0302020204030204" pitchFamily="34" charset="0"/>
-                <a:sym typeface="Wingdings" panose="05000000000000000000" pitchFamily="2" charset="2"/>
-              </a:rPr>
-              <a:t>textContent</a:t>
-            </a:r>
-            <a:r>
-              <a:rPr lang="en-US" sz="3200" kern="0" dirty="0">
-                <a:latin typeface="+mn-lt"/>
-                <a:cs typeface="Calibri Light" panose="020F0302020204030204" pitchFamily="34" charset="0"/>
-                <a:sym typeface="Wingdings" panose="05000000000000000000" pitchFamily="2" charset="2"/>
-              </a:rPr>
-              <a:t> -&gt; gives text inside that tag, cannot apply </a:t>
-            </a:r>
-            <a:r>
-              <a:rPr lang="en-US" sz="3200" kern="0" dirty="0" err="1">
-                <a:latin typeface="+mn-lt"/>
-                <a:cs typeface="Calibri Light" panose="020F0302020204030204" pitchFamily="34" charset="0"/>
-                <a:sym typeface="Wingdings" panose="05000000000000000000" pitchFamily="2" charset="2"/>
-              </a:rPr>
-              <a:t>css</a:t>
-            </a:r>
-            <a:r>
-              <a:rPr lang="en-US" sz="3200" kern="0" dirty="0">
-                <a:latin typeface="+mn-lt"/>
-                <a:cs typeface="Calibri Light" panose="020F0302020204030204" pitchFamily="34" charset="0"/>
-                <a:sym typeface="Wingdings" panose="05000000000000000000" pitchFamily="2" charset="2"/>
-              </a:rPr>
-              <a:t> in it.</a:t>
-            </a:r>
-          </a:p>
-          <a:p>
-            <a:pPr marL="12700">
-              <a:spcBef>
-                <a:spcPts val="95"/>
-              </a:spcBef>
-            </a:pPr>
-            <a:r>
-              <a:rPr lang="en-US" sz="3200" kern="0" dirty="0">
-                <a:latin typeface="+mn-lt"/>
-                <a:cs typeface="Calibri Light" panose="020F0302020204030204" pitchFamily="34" charset="0"/>
-                <a:sym typeface="Wingdings" panose="05000000000000000000" pitchFamily="2" charset="2"/>
-              </a:rPr>
-              <a:t>3. </a:t>
-            </a:r>
-            <a:r>
-              <a:rPr lang="en-US" sz="3200" kern="0" dirty="0" err="1">
-                <a:latin typeface="+mn-lt"/>
-                <a:cs typeface="Calibri Light" panose="020F0302020204030204" pitchFamily="34" charset="0"/>
-                <a:sym typeface="Wingdings" panose="05000000000000000000" pitchFamily="2" charset="2"/>
-              </a:rPr>
-              <a:t>innerHTML</a:t>
-            </a:r>
-            <a:r>
-              <a:rPr lang="en-US" sz="3200" kern="0" dirty="0">
-                <a:latin typeface="+mn-lt"/>
-                <a:cs typeface="Calibri Light" panose="020F0302020204030204" pitchFamily="34" charset="0"/>
-                <a:sym typeface="Wingdings" panose="05000000000000000000" pitchFamily="2" charset="2"/>
-              </a:rPr>
-              <a:t> -&gt; returns text + tags </a:t>
-            </a:r>
-          </a:p>
-          <a:p>
-            <a:pPr marL="12700">
-              <a:spcBef>
-                <a:spcPts val="95"/>
-              </a:spcBef>
-            </a:pPr>
-            <a:endParaRPr lang="en-US" sz="3200" kern="0" dirty="0">
+            <a:endParaRPr lang="en-US" sz="2800" kern="0" dirty="0">
               <a:latin typeface="+mn-lt"/>
               <a:cs typeface="Calibri Light" panose="020F0302020204030204" pitchFamily="34" charset="0"/>
               <a:sym typeface="Wingdings" panose="05000000000000000000" pitchFamily="2" charset="2"/>
             </a:endParaRPr>
           </a:p>
-          <a:p>
-            <a:pPr marL="12700">
-              <a:spcBef>
-                <a:spcPts val="95"/>
-              </a:spcBef>
-            </a:pPr>
-            <a:endParaRPr lang="en-US" sz="3200" kern="0" dirty="0">
-              <a:latin typeface="+mn-lt"/>
-              <a:cs typeface="Calibri Light" panose="020F0302020204030204" pitchFamily="34" charset="0"/>
-              <a:sym typeface="Wingdings" panose="05000000000000000000" pitchFamily="2" charset="2"/>
-            </a:endParaRPr>
-          </a:p>
         </p:txBody>
       </p:sp>
     </p:spTree>
     <p:extLst>
       <p:ext uri="{BB962C8B-B14F-4D97-AF65-F5344CB8AC3E}">
-        <p14:creationId xmlns:p14="http://schemas.microsoft.com/office/powerpoint/2010/main" val="2570486009"/>
+        <p14:creationId xmlns:p14="http://schemas.microsoft.com/office/powerpoint/2010/main" val="94353504"/>
       </p:ext>
     </p:extLst>
   </p:cSld>
@@ -16778,7 +16567,7 @@
         <p:spPr>
           <a:xfrm>
             <a:off x="481685" y="304800"/>
-            <a:ext cx="8967115" cy="535403"/>
+            <a:ext cx="8967115" cy="566181"/>
           </a:xfrm>
           <a:prstGeom prst="rect">
             <a:avLst/>
@@ -16800,7 +16589,22 @@
                 <a:latin typeface="+mj-lt"/>
                 <a:cs typeface="Carlito"/>
               </a:rPr>
-              <a:t>Attribute Manipulator</a:t>
+              <a:t>DOM(</a:t>
+            </a:r>
+            <a:r>
+              <a:rPr lang="en-US" sz="3600" kern="0" dirty="0">
+                <a:latin typeface="+mn-lt"/>
+                <a:cs typeface="Calibri Light" panose="020F0302020204030204" pitchFamily="34" charset="0"/>
+                <a:sym typeface="Wingdings" panose="05000000000000000000" pitchFamily="2" charset="2"/>
+              </a:rPr>
+              <a:t>Document Object Model</a:t>
+            </a:r>
+            <a:r>
+              <a:rPr lang="en-US" sz="3400" dirty="0">
+                <a:latin typeface="+mj-lt"/>
+                <a:cs typeface="Carlito"/>
+              </a:rPr>
+              <a:t>)</a:t>
             </a:r>
             <a:endParaRPr sz="3400" dirty="0">
               <a:latin typeface="+mj-lt"/>
@@ -16855,7 +16659,7 @@
         <p:spPr>
           <a:xfrm>
             <a:off x="533400" y="838200"/>
-            <a:ext cx="11621728" cy="5249514"/>
+            <a:ext cx="11621728" cy="5557291"/>
           </a:xfrm>
           <a:prstGeom prst="rect">
             <a:avLst/>
@@ -16884,12 +16688,28 @@
               </a:spcBef>
             </a:pPr>
             <a:r>
-              <a:rPr lang="en-US" sz="2800" kern="0" dirty="0">
+              <a:rPr lang="en-US" sz="3200" kern="0" dirty="0">
                 <a:latin typeface="+mn-lt"/>
                 <a:cs typeface="Calibri Light" panose="020F0302020204030204" pitchFamily="34" charset="0"/>
                 <a:sym typeface="Wingdings" panose="05000000000000000000" pitchFamily="2" charset="2"/>
               </a:rPr>
-              <a:t>Helps in manipulating attribute inside HTML</a:t>
+              <a:t>2. </a:t>
+            </a:r>
+            <a:r>
+              <a:rPr lang="en-US" sz="3200" kern="0" dirty="0" err="1">
+                <a:latin typeface="+mn-lt"/>
+                <a:cs typeface="Calibri Light" panose="020F0302020204030204" pitchFamily="34" charset="0"/>
+                <a:sym typeface="Wingdings" panose="05000000000000000000" pitchFamily="2" charset="2"/>
+              </a:rPr>
+              <a:t>querySelector</a:t>
+            </a:r>
+            <a:r>
+              <a:rPr lang="en-US" sz="3200" kern="0" dirty="0">
+                <a:latin typeface="+mn-lt"/>
+                <a:cs typeface="Calibri Light" panose="020F0302020204030204" pitchFamily="34" charset="0"/>
+                <a:sym typeface="Wingdings" panose="05000000000000000000" pitchFamily="2" charset="2"/>
+              </a:rPr>
+              <a:t>(‘h1’)-&gt; returns single element</a:t>
             </a:r>
           </a:p>
           <a:p>
@@ -16901,161 +16721,20 @@
               <a:buChar char="à"/>
             </a:pPr>
             <a:r>
-              <a:rPr lang="en-US" sz="2800" kern="0" dirty="0" err="1">
+              <a:rPr lang="en-US" sz="3200" kern="0" dirty="0">
                 <a:latin typeface="+mn-lt"/>
                 <a:cs typeface="Calibri Light" panose="020F0302020204030204" pitchFamily="34" charset="0"/>
                 <a:sym typeface="Wingdings" panose="05000000000000000000" pitchFamily="2" charset="2"/>
               </a:rPr>
-              <a:t>getAttribute</a:t>
-            </a:r>
-            <a:r>
-              <a:rPr lang="en-US" sz="2800" kern="0" dirty="0">
-                <a:latin typeface="+mn-lt"/>
-                <a:cs typeface="Calibri Light" panose="020F0302020204030204" pitchFamily="34" charset="0"/>
-                <a:sym typeface="Wingdings" panose="05000000000000000000" pitchFamily="2" charset="2"/>
-              </a:rPr>
-              <a:t>(‘</a:t>
-            </a:r>
-            <a:r>
-              <a:rPr lang="en-US" sz="2800" kern="0" dirty="0" err="1">
-                <a:latin typeface="+mn-lt"/>
-                <a:cs typeface="Calibri Light" panose="020F0302020204030204" pitchFamily="34" charset="0"/>
-                <a:sym typeface="Wingdings" panose="05000000000000000000" pitchFamily="2" charset="2"/>
-              </a:rPr>
-              <a:t>href</a:t>
-            </a:r>
-            <a:r>
-              <a:rPr lang="en-US" sz="2800" kern="0" dirty="0">
-                <a:latin typeface="+mn-lt"/>
-                <a:cs typeface="Calibri Light" panose="020F0302020204030204" pitchFamily="34" charset="0"/>
-                <a:sym typeface="Wingdings" panose="05000000000000000000" pitchFamily="2" charset="2"/>
-              </a:rPr>
-              <a:t>’) -&gt; to fetch attribute data from tag</a:t>
-            </a:r>
-          </a:p>
-          <a:p>
-            <a:pPr marL="469900" indent="-457200">
-              <a:spcBef>
-                <a:spcPts val="95"/>
-              </a:spcBef>
-              <a:buFont typeface="Wingdings" panose="05000000000000000000" pitchFamily="2" charset="2"/>
-              <a:buChar char="à"/>
-            </a:pPr>
-            <a:r>
-              <a:rPr lang="en-US" sz="2800" kern="0" dirty="0" err="1">
-                <a:latin typeface="+mn-lt"/>
-                <a:cs typeface="Calibri Light" panose="020F0302020204030204" pitchFamily="34" charset="0"/>
-                <a:sym typeface="Wingdings" panose="05000000000000000000" pitchFamily="2" charset="2"/>
-              </a:rPr>
-              <a:t>setAttribute</a:t>
-            </a:r>
-            <a:r>
-              <a:rPr lang="en-US" sz="2800" kern="0" dirty="0">
-                <a:latin typeface="+mn-lt"/>
-                <a:cs typeface="Calibri Light" panose="020F0302020204030204" pitchFamily="34" charset="0"/>
-                <a:sym typeface="Wingdings" panose="05000000000000000000" pitchFamily="2" charset="2"/>
-              </a:rPr>
-              <a:t>(‘</a:t>
-            </a:r>
-            <a:r>
-              <a:rPr lang="en-US" sz="2800" kern="0" dirty="0" err="1">
-                <a:latin typeface="+mn-lt"/>
-                <a:cs typeface="Calibri Light" panose="020F0302020204030204" pitchFamily="34" charset="0"/>
-                <a:sym typeface="Wingdings" panose="05000000000000000000" pitchFamily="2" charset="2"/>
-              </a:rPr>
-              <a:t>href</a:t>
-            </a:r>
-            <a:r>
-              <a:rPr lang="en-US" sz="2800" kern="0" dirty="0">
-                <a:latin typeface="+mn-lt"/>
-                <a:cs typeface="Calibri Light" panose="020F0302020204030204" pitchFamily="34" charset="0"/>
-                <a:sym typeface="Wingdings" panose="05000000000000000000" pitchFamily="2" charset="2"/>
-              </a:rPr>
-              <a:t>’ , ‘www.something.com’);</a:t>
-            </a:r>
-          </a:p>
-          <a:p>
-            <a:pPr marL="469900" indent="-457200">
-              <a:spcBef>
-                <a:spcPts val="95"/>
-              </a:spcBef>
-              <a:buFont typeface="Wingdings" panose="05000000000000000000" pitchFamily="2" charset="2"/>
-              <a:buChar char="à"/>
-            </a:pPr>
-            <a:r>
-              <a:rPr lang="en-US" sz="2800" kern="0" dirty="0" err="1">
-                <a:latin typeface="+mn-lt"/>
-                <a:cs typeface="Calibri Light" panose="020F0302020204030204" pitchFamily="34" charset="0"/>
-                <a:sym typeface="Wingdings" panose="05000000000000000000" pitchFamily="2" charset="2"/>
-              </a:rPr>
-              <a:t>setAttribute</a:t>
-            </a:r>
-            <a:r>
-              <a:rPr lang="en-US" sz="2800" kern="0" dirty="0">
-                <a:latin typeface="+mn-lt"/>
-                <a:cs typeface="Calibri Light" panose="020F0302020204030204" pitchFamily="34" charset="0"/>
-                <a:sym typeface="Wingdings" panose="05000000000000000000" pitchFamily="2" charset="2"/>
-              </a:rPr>
-              <a:t>(‘class’ , ‘one two three’);//multiple classes possible</a:t>
-            </a:r>
-          </a:p>
-          <a:p>
-            <a:pPr marL="12700">
-              <a:spcBef>
-                <a:spcPts val="95"/>
-              </a:spcBef>
-            </a:pPr>
-            <a:r>
-              <a:rPr lang="en-US" sz="2400" kern="0" dirty="0">
-                <a:latin typeface="Consolas" panose="020B0609020204030204" pitchFamily="49" charset="0"/>
-                <a:cs typeface="Calibri Light" panose="020F0302020204030204" pitchFamily="34" charset="0"/>
-                <a:sym typeface="Wingdings" panose="05000000000000000000" pitchFamily="2" charset="2"/>
-              </a:rPr>
-              <a:t>Task: Make a slider using ‘</a:t>
-            </a:r>
-            <a:r>
-              <a:rPr lang="en-US" sz="2400" kern="0" dirty="0" err="1">
-                <a:latin typeface="Consolas" panose="020B0609020204030204" pitchFamily="49" charset="0"/>
-                <a:cs typeface="Calibri Light" panose="020F0302020204030204" pitchFamily="34" charset="0"/>
-                <a:sym typeface="Wingdings" panose="05000000000000000000" pitchFamily="2" charset="2"/>
-              </a:rPr>
-              <a:t>setInterval</a:t>
-            </a:r>
-            <a:r>
-              <a:rPr lang="en-US" sz="2400" kern="0" dirty="0">
-                <a:latin typeface="Consolas" panose="020B0609020204030204" pitchFamily="49" charset="0"/>
-                <a:cs typeface="Calibri Light" panose="020F0302020204030204" pitchFamily="34" charset="0"/>
-                <a:sym typeface="Wingdings" panose="05000000000000000000" pitchFamily="2" charset="2"/>
-              </a:rPr>
-              <a:t>’ and attribute manipulator, which changes image in 2 seconds.</a:t>
-            </a:r>
-          </a:p>
-          <a:p>
-            <a:pPr marL="12700">
-              <a:spcBef>
-                <a:spcPts val="95"/>
-              </a:spcBef>
-            </a:pPr>
-            <a:endParaRPr lang="en-US" sz="2800" kern="0" dirty="0">
-              <a:latin typeface="+mn-lt"/>
-              <a:cs typeface="Calibri Light" panose="020F0302020204030204" pitchFamily="34" charset="0"/>
-              <a:sym typeface="Wingdings" panose="05000000000000000000" pitchFamily="2" charset="2"/>
-            </a:endParaRPr>
-          </a:p>
-          <a:p>
-            <a:pPr marL="12700">
-              <a:spcBef>
-                <a:spcPts val="95"/>
-              </a:spcBef>
-            </a:pPr>
-            <a:r>
-              <a:rPr lang="en-US" sz="3200" kern="0" dirty="0" err="1">
-                <a:latin typeface="+mn-lt"/>
-                <a:cs typeface="Calibri Light" panose="020F0302020204030204" pitchFamily="34" charset="0"/>
-                <a:sym typeface="Wingdings" panose="05000000000000000000" pitchFamily="2" charset="2"/>
-              </a:rPr>
-              <a:t>ClassList</a:t>
-            </a:r>
+              <a:t>It takes class(.x) , id(#x)  and tag(x) as argument</a:t>
+            </a:r>
+          </a:p>
+          <a:p>
+            <a:pPr marL="12700">
+              <a:spcBef>
+                <a:spcPts val="95"/>
+              </a:spcBef>
+            </a:pPr>
             <a:endParaRPr lang="en-US" sz="3200" kern="0" dirty="0">
               <a:latin typeface="+mn-lt"/>
               <a:cs typeface="Calibri Light" panose="020F0302020204030204" pitchFamily="34" charset="0"/>
@@ -17063,139 +16742,242 @@
             </a:endParaRPr>
           </a:p>
           <a:p>
-            <a:pPr marL="527050" indent="-514350">
-              <a:spcBef>
-                <a:spcPts val="95"/>
-              </a:spcBef>
-              <a:buAutoNum type="arabicPeriod"/>
-            </a:pPr>
-            <a:r>
-              <a:rPr lang="en-US" sz="2800" kern="0" dirty="0">
+            <a:pPr marL="12700">
+              <a:spcBef>
+                <a:spcPts val="95"/>
+              </a:spcBef>
+            </a:pPr>
+            <a:r>
+              <a:rPr lang="en-US" sz="3200" kern="0" dirty="0">
                 <a:latin typeface="+mn-lt"/>
                 <a:cs typeface="Calibri Light" panose="020F0302020204030204" pitchFamily="34" charset="0"/>
                 <a:sym typeface="Wingdings" panose="05000000000000000000" pitchFamily="2" charset="2"/>
               </a:rPr>
-              <a:t>add :  </a:t>
-            </a:r>
-            <a:r>
-              <a:rPr lang="en-US" sz="2800" kern="0" dirty="0" err="1">
+              <a:t>3. </a:t>
+            </a:r>
+            <a:r>
+              <a:rPr lang="en-US" sz="3200" kern="0" dirty="0" err="1">
                 <a:latin typeface="+mn-lt"/>
                 <a:cs typeface="Calibri Light" panose="020F0302020204030204" pitchFamily="34" charset="0"/>
                 <a:sym typeface="Wingdings" panose="05000000000000000000" pitchFamily="2" charset="2"/>
               </a:rPr>
-              <a:t>doc.classList.add</a:t>
-            </a:r>
-            <a:r>
-              <a:rPr lang="en-US" sz="2800" kern="0" dirty="0">
+              <a:t>querySelectorAll</a:t>
+            </a:r>
+            <a:r>
+              <a:rPr lang="en-US" sz="3200" kern="0" dirty="0">
                 <a:latin typeface="+mn-lt"/>
                 <a:cs typeface="Calibri Light" panose="020F0302020204030204" pitchFamily="34" charset="0"/>
                 <a:sym typeface="Wingdings" panose="05000000000000000000" pitchFamily="2" charset="2"/>
               </a:rPr>
-              <a:t>(‘cl1’,’cl2’); // class can be added </a:t>
-            </a:r>
-          </a:p>
-          <a:p>
-            <a:pPr marL="527050" indent="-514350">
-              <a:spcBef>
-                <a:spcPts val="95"/>
-              </a:spcBef>
-              <a:buAutoNum type="arabicPeriod"/>
-            </a:pPr>
-            <a:r>
-              <a:rPr lang="en-US" sz="2800" kern="0" dirty="0">
+              <a:t>(‘h1’)-&gt; returns </a:t>
+            </a:r>
+            <a:r>
+              <a:rPr lang="en-US" sz="3200" kern="0" dirty="0" err="1">
                 <a:latin typeface="+mn-lt"/>
                 <a:cs typeface="Calibri Light" panose="020F0302020204030204" pitchFamily="34" charset="0"/>
                 <a:sym typeface="Wingdings" panose="05000000000000000000" pitchFamily="2" charset="2"/>
               </a:rPr>
-              <a:t>remove : </a:t>
-            </a:r>
-            <a:r>
-              <a:rPr lang="en-US" sz="2800" kern="0" dirty="0" err="1">
+              <a:t>Nodelist</a:t>
+            </a:r>
+            <a:r>
+              <a:rPr lang="en-US" sz="3200" kern="0" dirty="0">
                 <a:latin typeface="+mn-lt"/>
                 <a:cs typeface="Calibri Light" panose="020F0302020204030204" pitchFamily="34" charset="0"/>
                 <a:sym typeface="Wingdings" panose="05000000000000000000" pitchFamily="2" charset="2"/>
               </a:rPr>
-              <a:t>doc.classList.remove</a:t>
-            </a:r>
-            <a:r>
-              <a:rPr lang="en-US" sz="2800" kern="0" dirty="0">
+              <a:t> </a:t>
+            </a:r>
+          </a:p>
+          <a:p>
+            <a:pPr marL="12700">
+              <a:spcBef>
+                <a:spcPts val="95"/>
+              </a:spcBef>
+            </a:pPr>
+            <a:endParaRPr lang="en-US" sz="3200" kern="0" dirty="0">
+              <a:latin typeface="+mn-lt"/>
+              <a:cs typeface="Calibri Light" panose="020F0302020204030204" pitchFamily="34" charset="0"/>
+              <a:sym typeface="Wingdings" panose="05000000000000000000" pitchFamily="2" charset="2"/>
+            </a:endParaRPr>
+          </a:p>
+          <a:p>
+            <a:pPr marL="12700">
+              <a:spcBef>
+                <a:spcPts val="95"/>
+              </a:spcBef>
+            </a:pPr>
+            <a:r>
+              <a:rPr lang="en-US" sz="3200" kern="0" dirty="0" err="1">
                 <a:latin typeface="+mn-lt"/>
                 <a:cs typeface="Calibri Light" panose="020F0302020204030204" pitchFamily="34" charset="0"/>
                 <a:sym typeface="Wingdings" panose="05000000000000000000" pitchFamily="2" charset="2"/>
               </a:rPr>
-              <a:t>(‘cl1’,’cl2’); // remove these classes</a:t>
-            </a:r>
-          </a:p>
-          <a:p>
-            <a:pPr marL="527050" indent="-514350">
-              <a:spcBef>
-                <a:spcPts val="95"/>
-              </a:spcBef>
-              <a:buAutoNum type="arabicPeriod"/>
-            </a:pPr>
-            <a:r>
-              <a:rPr lang="en-US" sz="2800" kern="0" dirty="0">
+              <a:t>Propeties</a:t>
+            </a:r>
+            <a:r>
+              <a:rPr lang="en-US" sz="3200" kern="0" dirty="0">
                 <a:latin typeface="+mn-lt"/>
                 <a:cs typeface="Calibri Light" panose="020F0302020204030204" pitchFamily="34" charset="0"/>
                 <a:sym typeface="Wingdings" panose="05000000000000000000" pitchFamily="2" charset="2"/>
               </a:rPr>
-              <a:t>toggle : </a:t>
-            </a:r>
-            <a:r>
-              <a:rPr lang="en-US" sz="2800" kern="0" dirty="0" err="1">
+              <a:t> of HTML (Like Setter and Getter) </a:t>
+            </a:r>
+          </a:p>
+          <a:p>
+            <a:pPr marL="12700">
+              <a:spcBef>
+                <a:spcPts val="95"/>
+              </a:spcBef>
+            </a:pPr>
+            <a:r>
+              <a:rPr lang="en-US" sz="3200" kern="0" dirty="0">
                 <a:latin typeface="+mn-lt"/>
                 <a:cs typeface="Calibri Light" panose="020F0302020204030204" pitchFamily="34" charset="0"/>
                 <a:sym typeface="Wingdings" panose="05000000000000000000" pitchFamily="2" charset="2"/>
               </a:rPr>
-              <a:t>doc.classList.toggle</a:t>
-            </a:r>
-            <a:r>
-              <a:rPr lang="en-US" sz="2800" kern="0" dirty="0">
+              <a:t>1. </a:t>
+            </a:r>
+            <a:r>
+              <a:rPr lang="en-US" sz="3200" kern="0" dirty="0" err="1">
                 <a:latin typeface="+mn-lt"/>
                 <a:cs typeface="Calibri Light" panose="020F0302020204030204" pitchFamily="34" charset="0"/>
                 <a:sym typeface="Wingdings" panose="05000000000000000000" pitchFamily="2" charset="2"/>
               </a:rPr>
-              <a:t>(‘tc1’);// make true-&gt;false and vice-versa</a:t>
-            </a:r>
-          </a:p>
-          <a:p>
-            <a:pPr marL="527050" indent="-514350">
-              <a:spcBef>
-                <a:spcPts val="95"/>
-              </a:spcBef>
-              <a:buAutoNum type="arabicPeriod"/>
-            </a:pPr>
-            <a:r>
-              <a:rPr lang="en-US" sz="2800" kern="0" dirty="0">
+              <a:t>innerText</a:t>
+            </a:r>
+            <a:r>
+              <a:rPr lang="en-US" sz="3200" kern="0" dirty="0">
                 <a:latin typeface="+mn-lt"/>
                 <a:cs typeface="Calibri Light" panose="020F0302020204030204" pitchFamily="34" charset="0"/>
                 <a:sym typeface="Wingdings" panose="05000000000000000000" pitchFamily="2" charset="2"/>
               </a:rPr>
-              <a:t>contains : </a:t>
-            </a:r>
-            <a:r>
-              <a:rPr lang="en-US" sz="2800" kern="0" dirty="0" err="1">
+              <a:t> -&gt; gives text inside that tag, can apply </a:t>
+            </a:r>
+            <a:r>
+              <a:rPr lang="en-US" sz="3200" kern="0" dirty="0" err="1">
                 <a:latin typeface="+mn-lt"/>
                 <a:cs typeface="Calibri Light" panose="020F0302020204030204" pitchFamily="34" charset="0"/>
                 <a:sym typeface="Wingdings" panose="05000000000000000000" pitchFamily="2" charset="2"/>
               </a:rPr>
-              <a:t>doc.classList.contains</a:t>
-            </a:r>
-            <a:r>
-              <a:rPr lang="en-US" sz="2800" kern="0" dirty="0">
+              <a:t>css</a:t>
+            </a:r>
+            <a:r>
+              <a:rPr lang="en-US" sz="3200" kern="0" dirty="0">
                 <a:latin typeface="+mn-lt"/>
                 <a:cs typeface="Calibri Light" panose="020F0302020204030204" pitchFamily="34" charset="0"/>
                 <a:sym typeface="Wingdings" panose="05000000000000000000" pitchFamily="2" charset="2"/>
               </a:rPr>
-              <a:t>(‘present’); //returns true or false</a:t>
-            </a:r>
+              <a:t> in it.</a:t>
+            </a:r>
+          </a:p>
+          <a:p>
+            <a:pPr marL="12700">
+              <a:spcBef>
+                <a:spcPts val="95"/>
+              </a:spcBef>
+            </a:pPr>
+            <a:r>
+              <a:rPr lang="en-US" sz="3200" kern="0" dirty="0">
+                <a:latin typeface="+mn-lt"/>
+                <a:cs typeface="Calibri Light" panose="020F0302020204030204" pitchFamily="34" charset="0"/>
+                <a:sym typeface="Wingdings" panose="05000000000000000000" pitchFamily="2" charset="2"/>
+              </a:rPr>
+              <a:t>2. </a:t>
+            </a:r>
+            <a:r>
+              <a:rPr lang="en-US" sz="3200" kern="0" dirty="0" err="1">
+                <a:latin typeface="+mn-lt"/>
+                <a:cs typeface="Calibri Light" panose="020F0302020204030204" pitchFamily="34" charset="0"/>
+                <a:sym typeface="Wingdings" panose="05000000000000000000" pitchFamily="2" charset="2"/>
+              </a:rPr>
+              <a:t>textContent</a:t>
+            </a:r>
+            <a:r>
+              <a:rPr lang="en-US" sz="3200" kern="0" dirty="0">
+                <a:latin typeface="+mn-lt"/>
+                <a:cs typeface="Calibri Light" panose="020F0302020204030204" pitchFamily="34" charset="0"/>
+                <a:sym typeface="Wingdings" panose="05000000000000000000" pitchFamily="2" charset="2"/>
+              </a:rPr>
+              <a:t> -&gt; gives text inside that tag, cannot apply </a:t>
+            </a:r>
+            <a:r>
+              <a:rPr lang="en-US" sz="3200" kern="0" dirty="0" err="1">
+                <a:latin typeface="+mn-lt"/>
+                <a:cs typeface="Calibri Light" panose="020F0302020204030204" pitchFamily="34" charset="0"/>
+                <a:sym typeface="Wingdings" panose="05000000000000000000" pitchFamily="2" charset="2"/>
+              </a:rPr>
+              <a:t>css</a:t>
+            </a:r>
+            <a:r>
+              <a:rPr lang="en-US" sz="3200" kern="0" dirty="0">
+                <a:latin typeface="+mn-lt"/>
+                <a:cs typeface="Calibri Light" panose="020F0302020204030204" pitchFamily="34" charset="0"/>
+                <a:sym typeface="Wingdings" panose="05000000000000000000" pitchFamily="2" charset="2"/>
+              </a:rPr>
+              <a:t> in it.</a:t>
+            </a:r>
+          </a:p>
+          <a:p>
+            <a:pPr marL="12700">
+              <a:spcBef>
+                <a:spcPts val="95"/>
+              </a:spcBef>
+            </a:pPr>
+            <a:r>
+              <a:rPr lang="en-US" sz="3200" kern="0" dirty="0">
+                <a:latin typeface="+mn-lt"/>
+                <a:cs typeface="Calibri Light" panose="020F0302020204030204" pitchFamily="34" charset="0"/>
+                <a:sym typeface="Wingdings" panose="05000000000000000000" pitchFamily="2" charset="2"/>
+              </a:rPr>
+              <a:t>3. </a:t>
+            </a:r>
+            <a:r>
+              <a:rPr lang="en-US" sz="3200" kern="0" dirty="0" err="1">
+                <a:latin typeface="+mn-lt"/>
+                <a:cs typeface="Calibri Light" panose="020F0302020204030204" pitchFamily="34" charset="0"/>
+                <a:sym typeface="Wingdings" panose="05000000000000000000" pitchFamily="2" charset="2"/>
+              </a:rPr>
+              <a:t>innerHTML</a:t>
+            </a:r>
+            <a:r>
+              <a:rPr lang="en-US" sz="3200" kern="0" dirty="0">
+                <a:latin typeface="+mn-lt"/>
+                <a:cs typeface="Calibri Light" panose="020F0302020204030204" pitchFamily="34" charset="0"/>
+                <a:sym typeface="Wingdings" panose="05000000000000000000" pitchFamily="2" charset="2"/>
+              </a:rPr>
+              <a:t> -&gt; returns text + tags </a:t>
+            </a:r>
+          </a:p>
+          <a:p>
+            <a:pPr marL="12700">
+              <a:spcBef>
+                <a:spcPts val="95"/>
+              </a:spcBef>
+            </a:pPr>
+            <a:endParaRPr lang="en-US" sz="3200" kern="0" dirty="0">
+              <a:latin typeface="+mn-lt"/>
+              <a:cs typeface="Calibri Light" panose="020F0302020204030204" pitchFamily="34" charset="0"/>
+              <a:sym typeface="Wingdings" panose="05000000000000000000" pitchFamily="2" charset="2"/>
+            </a:endParaRPr>
+          </a:p>
+          <a:p>
+            <a:pPr marL="12700">
+              <a:spcBef>
+                <a:spcPts val="95"/>
+              </a:spcBef>
+            </a:pPr>
+            <a:endParaRPr lang="en-US" sz="3200" kern="0" dirty="0">
+              <a:latin typeface="+mn-lt"/>
+              <a:cs typeface="Calibri Light" panose="020F0302020204030204" pitchFamily="34" charset="0"/>
+              <a:sym typeface="Wingdings" panose="05000000000000000000" pitchFamily="2" charset="2"/>
+            </a:endParaRPr>
           </a:p>
         </p:txBody>
       </p:sp>
     </p:spTree>
     <p:extLst>
       <p:ext uri="{BB962C8B-B14F-4D97-AF65-F5344CB8AC3E}">
-        <p14:creationId xmlns:p14="http://schemas.microsoft.com/office/powerpoint/2010/main" val="2598095397"/>
+        <p14:creationId xmlns:p14="http://schemas.microsoft.com/office/powerpoint/2010/main" val="2570486009"/>
       </p:ext>
     </p:extLst>
   </p:cSld>
@@ -17282,7 +17064,7 @@
         <p:spPr>
           <a:xfrm>
             <a:off x="481685" y="304800"/>
-            <a:ext cx="8967115" cy="566181"/>
+            <a:ext cx="8967115" cy="535403"/>
           </a:xfrm>
           <a:prstGeom prst="rect">
             <a:avLst/>
@@ -17300,13 +17082,16 @@
               </a:spcBef>
             </a:pPr>
             <a:r>
-              <a:rPr lang="en-US" sz="3600" kern="0" dirty="0">
-                <a:latin typeface="+mn-lt"/>
-                <a:cs typeface="Calibri Light" panose="020F0302020204030204" pitchFamily="34" charset="0"/>
-                <a:sym typeface="Wingdings" panose="05000000000000000000" pitchFamily="2" charset="2"/>
-              </a:rPr>
-              <a:t>Dom Tree Traversing</a:t>
-            </a:r>
+              <a:rPr lang="en-US" sz="3400" dirty="0">
+                <a:latin typeface="+mj-lt"/>
+                <a:cs typeface="Carlito"/>
+              </a:rPr>
+              <a:t>Attribute Manipulator</a:t>
+            </a:r>
+            <a:endParaRPr sz="3400" dirty="0">
+              <a:latin typeface="+mj-lt"/>
+              <a:cs typeface="Carlito"/>
+            </a:endParaRPr>
           </a:p>
         </p:txBody>
       </p:sp>
@@ -17356,7 +17141,7 @@
         <p:spPr>
           <a:xfrm>
             <a:off x="533400" y="838200"/>
-            <a:ext cx="11621728" cy="5077672"/>
+            <a:ext cx="11621728" cy="5249514"/>
           </a:xfrm>
           <a:prstGeom prst="rect">
             <a:avLst/>
@@ -17390,22 +17175,145 @@
                 <a:cs typeface="Calibri Light" panose="020F0302020204030204" pitchFamily="34" charset="0"/>
                 <a:sym typeface="Wingdings" panose="05000000000000000000" pitchFamily="2" charset="2"/>
               </a:rPr>
-              <a:t>To access the child elements of parent tag we have to use </a:t>
-            </a:r>
-          </a:p>
-          <a:p>
-            <a:pPr marL="12700">
-              <a:spcBef>
-                <a:spcPts val="95"/>
-              </a:spcBef>
-            </a:pPr>
+              <a:t>Helps in manipulating attribute inside HTML</a:t>
+            </a:r>
+          </a:p>
+          <a:p>
+            <a:pPr marL="469900" indent="-457200">
+              <a:spcBef>
+                <a:spcPts val="95"/>
+              </a:spcBef>
+              <a:buFont typeface="Wingdings" panose="05000000000000000000" pitchFamily="2" charset="2"/>
+              <a:buChar char="à"/>
+            </a:pPr>
+            <a:r>
+              <a:rPr lang="en-US" sz="2800" kern="0" dirty="0" err="1">
+                <a:latin typeface="+mn-lt"/>
+                <a:cs typeface="Calibri Light" panose="020F0302020204030204" pitchFamily="34" charset="0"/>
+                <a:sym typeface="Wingdings" panose="05000000000000000000" pitchFamily="2" charset="2"/>
+              </a:rPr>
+              <a:t>getAttribute</a:t>
+            </a:r>
             <a:r>
               <a:rPr lang="en-US" sz="2800" kern="0" dirty="0">
                 <a:latin typeface="+mn-lt"/>
                 <a:cs typeface="Calibri Light" panose="020F0302020204030204" pitchFamily="34" charset="0"/>
                 <a:sym typeface="Wingdings" panose="05000000000000000000" pitchFamily="2" charset="2"/>
               </a:rPr>
-              <a:t>.children </a:t>
+              <a:t>(‘</a:t>
+            </a:r>
+            <a:r>
+              <a:rPr lang="en-US" sz="2800" kern="0" dirty="0" err="1">
+                <a:latin typeface="+mn-lt"/>
+                <a:cs typeface="Calibri Light" panose="020F0302020204030204" pitchFamily="34" charset="0"/>
+                <a:sym typeface="Wingdings" panose="05000000000000000000" pitchFamily="2" charset="2"/>
+              </a:rPr>
+              <a:t>href</a:t>
+            </a:r>
+            <a:r>
+              <a:rPr lang="en-US" sz="2800" kern="0" dirty="0">
+                <a:latin typeface="+mn-lt"/>
+                <a:cs typeface="Calibri Light" panose="020F0302020204030204" pitchFamily="34" charset="0"/>
+                <a:sym typeface="Wingdings" panose="05000000000000000000" pitchFamily="2" charset="2"/>
+              </a:rPr>
+              <a:t>’) -&gt; to fetch attribute data from tag</a:t>
+            </a:r>
+          </a:p>
+          <a:p>
+            <a:pPr marL="469900" indent="-457200">
+              <a:spcBef>
+                <a:spcPts val="95"/>
+              </a:spcBef>
+              <a:buFont typeface="Wingdings" panose="05000000000000000000" pitchFamily="2" charset="2"/>
+              <a:buChar char="à"/>
+            </a:pPr>
+            <a:r>
+              <a:rPr lang="en-US" sz="2800" kern="0" dirty="0" err="1">
+                <a:latin typeface="+mn-lt"/>
+                <a:cs typeface="Calibri Light" panose="020F0302020204030204" pitchFamily="34" charset="0"/>
+                <a:sym typeface="Wingdings" panose="05000000000000000000" pitchFamily="2" charset="2"/>
+              </a:rPr>
+              <a:t>setAttribute</a:t>
+            </a:r>
+            <a:r>
+              <a:rPr lang="en-US" sz="2800" kern="0" dirty="0">
+                <a:latin typeface="+mn-lt"/>
+                <a:cs typeface="Calibri Light" panose="020F0302020204030204" pitchFamily="34" charset="0"/>
+                <a:sym typeface="Wingdings" panose="05000000000000000000" pitchFamily="2" charset="2"/>
+              </a:rPr>
+              <a:t>(‘</a:t>
+            </a:r>
+            <a:r>
+              <a:rPr lang="en-US" sz="2800" kern="0" dirty="0" err="1">
+                <a:latin typeface="+mn-lt"/>
+                <a:cs typeface="Calibri Light" panose="020F0302020204030204" pitchFamily="34" charset="0"/>
+                <a:sym typeface="Wingdings" panose="05000000000000000000" pitchFamily="2" charset="2"/>
+              </a:rPr>
+              <a:t>href</a:t>
+            </a:r>
+            <a:r>
+              <a:rPr lang="en-US" sz="2800" kern="0" dirty="0">
+                <a:latin typeface="+mn-lt"/>
+                <a:cs typeface="Calibri Light" panose="020F0302020204030204" pitchFamily="34" charset="0"/>
+                <a:sym typeface="Wingdings" panose="05000000000000000000" pitchFamily="2" charset="2"/>
+              </a:rPr>
+              <a:t>’ , ‘www.something.com’);</a:t>
+            </a:r>
+          </a:p>
+          <a:p>
+            <a:pPr marL="469900" indent="-457200">
+              <a:spcBef>
+                <a:spcPts val="95"/>
+              </a:spcBef>
+              <a:buFont typeface="Wingdings" panose="05000000000000000000" pitchFamily="2" charset="2"/>
+              <a:buChar char="à"/>
+            </a:pPr>
+            <a:r>
+              <a:rPr lang="en-US" sz="2800" kern="0" dirty="0" err="1">
+                <a:latin typeface="+mn-lt"/>
+                <a:cs typeface="Calibri Light" panose="020F0302020204030204" pitchFamily="34" charset="0"/>
+                <a:sym typeface="Wingdings" panose="05000000000000000000" pitchFamily="2" charset="2"/>
+              </a:rPr>
+              <a:t>setAttribute</a:t>
+            </a:r>
+            <a:r>
+              <a:rPr lang="en-US" sz="2800" kern="0" dirty="0">
+                <a:latin typeface="+mn-lt"/>
+                <a:cs typeface="Calibri Light" panose="020F0302020204030204" pitchFamily="34" charset="0"/>
+                <a:sym typeface="Wingdings" panose="05000000000000000000" pitchFamily="2" charset="2"/>
+              </a:rPr>
+              <a:t>(‘class’ , ‘one two three’);//multiple classes possible</a:t>
+            </a:r>
+          </a:p>
+          <a:p>
+            <a:pPr marL="12700">
+              <a:spcBef>
+                <a:spcPts val="95"/>
+              </a:spcBef>
+            </a:pPr>
+            <a:r>
+              <a:rPr lang="en-US" sz="2400" kern="0" dirty="0">
+                <a:latin typeface="Consolas" panose="020B0609020204030204" pitchFamily="49" charset="0"/>
+                <a:cs typeface="Calibri Light" panose="020F0302020204030204" pitchFamily="34" charset="0"/>
+                <a:sym typeface="Wingdings" panose="05000000000000000000" pitchFamily="2" charset="2"/>
+              </a:rPr>
+              <a:t>Task: Make a slider using ‘</a:t>
+            </a:r>
+            <a:r>
+              <a:rPr lang="en-US" sz="2400" kern="0" dirty="0" err="1">
+                <a:latin typeface="Consolas" panose="020B0609020204030204" pitchFamily="49" charset="0"/>
+                <a:cs typeface="Calibri Light" panose="020F0302020204030204" pitchFamily="34" charset="0"/>
+                <a:sym typeface="Wingdings" panose="05000000000000000000" pitchFamily="2" charset="2"/>
+              </a:rPr>
+              <a:t>setInterval</a:t>
+            </a:r>
+            <a:r>
+              <a:rPr lang="en-US" sz="2400" kern="0" dirty="0">
+                <a:latin typeface="Consolas" panose="020B0609020204030204" pitchFamily="49" charset="0"/>
+                <a:cs typeface="Calibri Light" panose="020F0302020204030204" pitchFamily="34" charset="0"/>
+                <a:sym typeface="Wingdings" panose="05000000000000000000" pitchFamily="2" charset="2"/>
+              </a:rPr>
+              <a:t>’ and attribute manipulator, which changes image in 2 seconds.</a:t>
             </a:r>
           </a:p>
           <a:p>
@@ -17427,93 +17335,25 @@
               </a:spcBef>
             </a:pPr>
             <a:r>
-              <a:rPr lang="en-US" sz="2400" kern="0" dirty="0">
-                <a:latin typeface="Consolas" panose="020B0609020204030204" pitchFamily="49" charset="0"/>
-                <a:cs typeface="Calibri Light" panose="020F0302020204030204" pitchFamily="34" charset="0"/>
-                <a:sym typeface="Wingdings" panose="05000000000000000000" pitchFamily="2" charset="2"/>
-              </a:rPr>
-              <a:t>let parent = </a:t>
-            </a:r>
-            <a:r>
-              <a:rPr lang="en-US" sz="2400" kern="0" dirty="0" err="1">
-                <a:latin typeface="Consolas" panose="020B0609020204030204" pitchFamily="49" charset="0"/>
-                <a:cs typeface="Calibri Light" panose="020F0302020204030204" pitchFamily="34" charset="0"/>
-                <a:sym typeface="Wingdings" panose="05000000000000000000" pitchFamily="2" charset="2"/>
-              </a:rPr>
-              <a:t>doc.querySelector</a:t>
-            </a:r>
-            <a:r>
-              <a:rPr lang="en-US" sz="2400" kern="0" dirty="0">
-                <a:latin typeface="Consolas" panose="020B0609020204030204" pitchFamily="49" charset="0"/>
-                <a:cs typeface="Calibri Light" panose="020F0302020204030204" pitchFamily="34" charset="0"/>
-                <a:sym typeface="Wingdings" panose="05000000000000000000" pitchFamily="2" charset="2"/>
-              </a:rPr>
-              <a:t>(‘.parent’);</a:t>
-            </a:r>
-          </a:p>
-          <a:p>
-            <a:pPr marL="12700">
-              <a:spcBef>
-                <a:spcPts val="95"/>
-              </a:spcBef>
-            </a:pPr>
-            <a:r>
-              <a:rPr lang="en-US" sz="2400" kern="0" dirty="0" err="1">
-                <a:latin typeface="Consolas" panose="020B0609020204030204" pitchFamily="49" charset="0"/>
-                <a:cs typeface="Calibri Light" panose="020F0302020204030204" pitchFamily="34" charset="0"/>
-                <a:sym typeface="Wingdings" panose="05000000000000000000" pitchFamily="2" charset="2"/>
-              </a:rPr>
-              <a:t>parent.children</a:t>
-            </a:r>
-            <a:r>
-              <a:rPr lang="en-US" sz="2400" kern="0" dirty="0">
-                <a:latin typeface="Consolas" panose="020B0609020204030204" pitchFamily="49" charset="0"/>
-                <a:cs typeface="Calibri Light" panose="020F0302020204030204" pitchFamily="34" charset="0"/>
-                <a:sym typeface="Wingdings" panose="05000000000000000000" pitchFamily="2" charset="2"/>
-              </a:rPr>
-              <a:t>; // gives HTML collection array</a:t>
-            </a:r>
-          </a:p>
-          <a:p>
-            <a:pPr marL="12700">
-              <a:spcBef>
-                <a:spcPts val="95"/>
-              </a:spcBef>
-            </a:pPr>
-            <a:r>
-              <a:rPr lang="en-US" sz="2400" kern="0" dirty="0" err="1">
-                <a:latin typeface="Consolas" panose="020B0609020204030204" pitchFamily="49" charset="0"/>
-                <a:cs typeface="Calibri Light" panose="020F0302020204030204" pitchFamily="34" charset="0"/>
-                <a:sym typeface="Wingdings" panose="05000000000000000000" pitchFamily="2" charset="2"/>
-              </a:rPr>
-              <a:t>parent.children</a:t>
-            </a:r>
-            <a:r>
-              <a:rPr lang="en-US" sz="2400" kern="0" dirty="0">
-                <a:latin typeface="Consolas" panose="020B0609020204030204" pitchFamily="49" charset="0"/>
-                <a:cs typeface="Calibri Light" panose="020F0302020204030204" pitchFamily="34" charset="0"/>
-                <a:sym typeface="Wingdings" panose="05000000000000000000" pitchFamily="2" charset="2"/>
-              </a:rPr>
-              <a:t>[1];//gives specific element</a:t>
-            </a:r>
-          </a:p>
-          <a:p>
-            <a:pPr marL="12700">
-              <a:spcBef>
-                <a:spcPts val="95"/>
-              </a:spcBef>
-            </a:pPr>
-            <a:endParaRPr lang="en-US" sz="2000" kern="0" dirty="0">
-              <a:latin typeface="Consolas" panose="020B0609020204030204" pitchFamily="49" charset="0"/>
+              <a:rPr lang="en-US" sz="3200" kern="0" dirty="0" err="1">
+                <a:latin typeface="+mn-lt"/>
+                <a:cs typeface="Calibri Light" panose="020F0302020204030204" pitchFamily="34" charset="0"/>
+                <a:sym typeface="Wingdings" panose="05000000000000000000" pitchFamily="2" charset="2"/>
+              </a:rPr>
+              <a:t>ClassList</a:t>
+            </a:r>
+            <a:endParaRPr lang="en-US" sz="3200" kern="0" dirty="0">
+              <a:latin typeface="+mn-lt"/>
               <a:cs typeface="Calibri Light" panose="020F0302020204030204" pitchFamily="34" charset="0"/>
               <a:sym typeface="Wingdings" panose="05000000000000000000" pitchFamily="2" charset="2"/>
             </a:endParaRPr>
           </a:p>
           <a:p>
-            <a:pPr marL="12700">
-              <a:spcBef>
-                <a:spcPts val="95"/>
-              </a:spcBef>
+            <a:pPr marL="527050" indent="-514350">
+              <a:spcBef>
+                <a:spcPts val="95"/>
+              </a:spcBef>
+              <a:buAutoNum type="arabicPeriod"/>
             </a:pPr>
             <a:r>
               <a:rPr lang="en-US" sz="2800" kern="0" dirty="0">
@@ -17521,104 +17361,127 @@
                 <a:cs typeface="Calibri Light" panose="020F0302020204030204" pitchFamily="34" charset="0"/>
                 <a:sym typeface="Wingdings" panose="05000000000000000000" pitchFamily="2" charset="2"/>
               </a:rPr>
-              <a:t>Similarly, we can access parent from child elements</a:t>
-            </a:r>
-          </a:p>
-          <a:p>
-            <a:pPr marL="12700">
-              <a:spcBef>
-                <a:spcPts val="95"/>
-              </a:spcBef>
-            </a:pPr>
-            <a:r>
-              <a:rPr lang="en-US" sz="2400" kern="0" dirty="0">
-                <a:latin typeface="Consolas" panose="020B0609020204030204" pitchFamily="49" charset="0"/>
-                <a:cs typeface="Calibri Light" panose="020F0302020204030204" pitchFamily="34" charset="0"/>
-                <a:sym typeface="Wingdings" panose="05000000000000000000" pitchFamily="2" charset="2"/>
-              </a:rPr>
-              <a:t>let child = </a:t>
-            </a:r>
-            <a:r>
-              <a:rPr lang="en-US" sz="2400" kern="0" dirty="0" err="1">
-                <a:latin typeface="Consolas" panose="020B0609020204030204" pitchFamily="49" charset="0"/>
-                <a:cs typeface="Calibri Light" panose="020F0302020204030204" pitchFamily="34" charset="0"/>
-                <a:sym typeface="Wingdings" panose="05000000000000000000" pitchFamily="2" charset="2"/>
-              </a:rPr>
-              <a:t>doc.querySelector</a:t>
-            </a:r>
-            <a:r>
-              <a:rPr lang="en-US" sz="2400" kern="0" dirty="0">
-                <a:latin typeface="Consolas" panose="020B0609020204030204" pitchFamily="49" charset="0"/>
-                <a:cs typeface="Calibri Light" panose="020F0302020204030204" pitchFamily="34" charset="0"/>
-                <a:sym typeface="Wingdings" panose="05000000000000000000" pitchFamily="2" charset="2"/>
-              </a:rPr>
-              <a:t>(‘.day’);</a:t>
-            </a:r>
-          </a:p>
-          <a:p>
-            <a:pPr marL="12700">
-              <a:spcBef>
-                <a:spcPts val="95"/>
-              </a:spcBef>
-            </a:pPr>
-            <a:r>
-              <a:rPr lang="en-US" sz="2400" kern="0" dirty="0" err="1">
-                <a:latin typeface="Consolas" panose="020B0609020204030204" pitchFamily="49" charset="0"/>
-                <a:cs typeface="Calibri Light" panose="020F0302020204030204" pitchFamily="34" charset="0"/>
-                <a:sym typeface="Wingdings" panose="05000000000000000000" pitchFamily="2" charset="2"/>
-              </a:rPr>
-              <a:t>child.parentElement</a:t>
-            </a:r>
-            <a:r>
-              <a:rPr lang="en-US" sz="2400" kern="0" dirty="0">
-                <a:latin typeface="Consolas" panose="020B0609020204030204" pitchFamily="49" charset="0"/>
-                <a:cs typeface="Calibri Light" panose="020F0302020204030204" pitchFamily="34" charset="0"/>
-                <a:sym typeface="Wingdings" panose="05000000000000000000" pitchFamily="2" charset="2"/>
-              </a:rPr>
-              <a:t>; // gives parent element</a:t>
-            </a:r>
-          </a:p>
-          <a:p>
-            <a:pPr marL="12700">
-              <a:spcBef>
-                <a:spcPts val="95"/>
-              </a:spcBef>
-            </a:pPr>
-            <a:r>
-              <a:rPr lang="en-US" sz="2400" kern="0" dirty="0" err="1">
-                <a:latin typeface="Consolas" panose="020B0609020204030204" pitchFamily="49" charset="0"/>
-                <a:cs typeface="Calibri Light" panose="020F0302020204030204" pitchFamily="34" charset="0"/>
-                <a:sym typeface="Wingdings" panose="05000000000000000000" pitchFamily="2" charset="2"/>
-              </a:rPr>
-              <a:t>child.nextElementSibling</a:t>
-            </a:r>
-            <a:r>
-              <a:rPr lang="en-US" sz="2400" kern="0" dirty="0">
-                <a:latin typeface="Consolas" panose="020B0609020204030204" pitchFamily="49" charset="0"/>
-                <a:cs typeface="Calibri Light" panose="020F0302020204030204" pitchFamily="34" charset="0"/>
-                <a:sym typeface="Wingdings" panose="05000000000000000000" pitchFamily="2" charset="2"/>
-              </a:rPr>
-              <a:t>;// gives second sibling element of selected element</a:t>
-            </a:r>
-          </a:p>
-          <a:p>
-            <a:pPr marL="12700">
-              <a:spcBef>
-                <a:spcPts val="95"/>
-              </a:spcBef>
-            </a:pPr>
-            <a:endParaRPr lang="en-US" sz="2000" kern="0" dirty="0">
-              <a:latin typeface="Consolas" panose="020B0609020204030204" pitchFamily="49" charset="0"/>
-              <a:cs typeface="Calibri Light" panose="020F0302020204030204" pitchFamily="34" charset="0"/>
-              <a:sym typeface="Wingdings" panose="05000000000000000000" pitchFamily="2" charset="2"/>
-            </a:endParaRPr>
+              <a:t>add :  </a:t>
+            </a:r>
+            <a:r>
+              <a:rPr lang="en-US" sz="2800" kern="0" dirty="0" err="1">
+                <a:latin typeface="+mn-lt"/>
+                <a:cs typeface="Calibri Light" panose="020F0302020204030204" pitchFamily="34" charset="0"/>
+                <a:sym typeface="Wingdings" panose="05000000000000000000" pitchFamily="2" charset="2"/>
+              </a:rPr>
+              <a:t>doc.classList.add</a:t>
+            </a:r>
+            <a:r>
+              <a:rPr lang="en-US" sz="2800" kern="0" dirty="0">
+                <a:latin typeface="+mn-lt"/>
+                <a:cs typeface="Calibri Light" panose="020F0302020204030204" pitchFamily="34" charset="0"/>
+                <a:sym typeface="Wingdings" panose="05000000000000000000" pitchFamily="2" charset="2"/>
+              </a:rPr>
+              <a:t>(‘cl1’,’cl2’); // class can be added </a:t>
+            </a:r>
+          </a:p>
+          <a:p>
+            <a:pPr marL="527050" indent="-514350">
+              <a:spcBef>
+                <a:spcPts val="95"/>
+              </a:spcBef>
+              <a:buAutoNum type="arabicPeriod"/>
+            </a:pPr>
+            <a:r>
+              <a:rPr lang="en-US" sz="2800" kern="0" dirty="0">
+                <a:latin typeface="+mn-lt"/>
+                <a:cs typeface="Calibri Light" panose="020F0302020204030204" pitchFamily="34" charset="0"/>
+                <a:sym typeface="Wingdings" panose="05000000000000000000" pitchFamily="2" charset="2"/>
+              </a:rPr>
+              <a:t>remove : </a:t>
+            </a:r>
+            <a:r>
+              <a:rPr lang="en-US" sz="2800" kern="0" dirty="0" err="1">
+                <a:latin typeface="+mn-lt"/>
+                <a:cs typeface="Calibri Light" panose="020F0302020204030204" pitchFamily="34" charset="0"/>
+                <a:sym typeface="Wingdings" panose="05000000000000000000" pitchFamily="2" charset="2"/>
+              </a:rPr>
+              <a:t>doc.classList.remove</a:t>
+            </a:r>
+            <a:r>
+              <a:rPr lang="en-US" sz="2800" kern="0" dirty="0">
+                <a:latin typeface="+mn-lt"/>
+                <a:cs typeface="Calibri Light" panose="020F0302020204030204" pitchFamily="34" charset="0"/>
+                <a:sym typeface="Wingdings" panose="05000000000000000000" pitchFamily="2" charset="2"/>
+              </a:rPr>
+              <a:t>(‘cl1’,’cl2’); // remove these classes</a:t>
+            </a:r>
+          </a:p>
+          <a:p>
+            <a:pPr marL="527050" indent="-514350">
+              <a:spcBef>
+                <a:spcPts val="95"/>
+              </a:spcBef>
+              <a:buAutoNum type="arabicPeriod"/>
+            </a:pPr>
+            <a:r>
+              <a:rPr lang="en-US" sz="2800" kern="0" dirty="0">
+                <a:latin typeface="+mn-lt"/>
+                <a:cs typeface="Calibri Light" panose="020F0302020204030204" pitchFamily="34" charset="0"/>
+                <a:sym typeface="Wingdings" panose="05000000000000000000" pitchFamily="2" charset="2"/>
+              </a:rPr>
+              <a:t>toggle : </a:t>
+            </a:r>
+            <a:r>
+              <a:rPr lang="en-US" sz="2800" kern="0" dirty="0" err="1">
+                <a:latin typeface="+mn-lt"/>
+                <a:cs typeface="Calibri Light" panose="020F0302020204030204" pitchFamily="34" charset="0"/>
+                <a:sym typeface="Wingdings" panose="05000000000000000000" pitchFamily="2" charset="2"/>
+              </a:rPr>
+              <a:t>doc.classList.toggle</a:t>
+            </a:r>
+            <a:r>
+              <a:rPr lang="en-US" sz="2800" kern="0" dirty="0">
+                <a:latin typeface="+mn-lt"/>
+                <a:cs typeface="Calibri Light" panose="020F0302020204030204" pitchFamily="34" charset="0"/>
+                <a:sym typeface="Wingdings" panose="05000000000000000000" pitchFamily="2" charset="2"/>
+              </a:rPr>
+              <a:t>(‘tc1’);// make true-&gt;false and vice-versa</a:t>
+            </a:r>
+          </a:p>
+          <a:p>
+            <a:pPr marL="527050" indent="-514350">
+              <a:spcBef>
+                <a:spcPts val="95"/>
+              </a:spcBef>
+              <a:buAutoNum type="arabicPeriod"/>
+            </a:pPr>
+            <a:r>
+              <a:rPr lang="en-US" sz="2800" kern="0" dirty="0">
+                <a:latin typeface="+mn-lt"/>
+                <a:cs typeface="Calibri Light" panose="020F0302020204030204" pitchFamily="34" charset="0"/>
+                <a:sym typeface="Wingdings" panose="05000000000000000000" pitchFamily="2" charset="2"/>
+              </a:rPr>
+              <a:t>contains : </a:t>
+            </a:r>
+            <a:r>
+              <a:rPr lang="en-US" sz="2800" kern="0" dirty="0" err="1">
+                <a:latin typeface="+mn-lt"/>
+                <a:cs typeface="Calibri Light" panose="020F0302020204030204" pitchFamily="34" charset="0"/>
+                <a:sym typeface="Wingdings" panose="05000000000000000000" pitchFamily="2" charset="2"/>
+              </a:rPr>
+              <a:t>doc.classList.contains</a:t>
+            </a:r>
+            <a:r>
+              <a:rPr lang="en-US" sz="2800" kern="0" dirty="0">
+                <a:latin typeface="+mn-lt"/>
+                <a:cs typeface="Calibri Light" panose="020F0302020204030204" pitchFamily="34" charset="0"/>
+                <a:sym typeface="Wingdings" panose="05000000000000000000" pitchFamily="2" charset="2"/>
+              </a:rPr>
+              <a:t>(‘present’); //returns true or false</a:t>
+            </a:r>
           </a:p>
         </p:txBody>
       </p:sp>
     </p:spTree>
     <p:extLst>
       <p:ext uri="{BB962C8B-B14F-4D97-AF65-F5344CB8AC3E}">
-        <p14:creationId xmlns:p14="http://schemas.microsoft.com/office/powerpoint/2010/main" val="3624862493"/>
+        <p14:creationId xmlns:p14="http://schemas.microsoft.com/office/powerpoint/2010/main" val="2598095397"/>
       </p:ext>
     </p:extLst>
   </p:cSld>
@@ -17728,7 +17591,7 @@
                 <a:cs typeface="Calibri Light" panose="020F0302020204030204" pitchFamily="34" charset="0"/>
                 <a:sym typeface="Wingdings" panose="05000000000000000000" pitchFamily="2" charset="2"/>
               </a:rPr>
-              <a:t>Adding Element in DOM</a:t>
+              <a:t>Dom Tree Traversing</a:t>
             </a:r>
           </a:p>
         </p:txBody>
@@ -17779,7 +17642,7 @@
         <p:spPr>
           <a:xfrm>
             <a:off x="533400" y="838200"/>
-            <a:ext cx="11621728" cy="4954561"/>
+            <a:ext cx="11621728" cy="5077672"/>
           </a:xfrm>
           <a:prstGeom prst="rect">
             <a:avLst/>
@@ -17808,40 +17671,85 @@
               </a:spcBef>
             </a:pPr>
             <a:r>
+              <a:rPr lang="en-US" sz="2800" kern="0" dirty="0">
+                <a:latin typeface="+mn-lt"/>
+                <a:cs typeface="Calibri Light" panose="020F0302020204030204" pitchFamily="34" charset="0"/>
+                <a:sym typeface="Wingdings" panose="05000000000000000000" pitchFamily="2" charset="2"/>
+              </a:rPr>
+              <a:t>To access the child elements of parent tag we have to use </a:t>
+            </a:r>
+          </a:p>
+          <a:p>
+            <a:pPr marL="12700">
+              <a:spcBef>
+                <a:spcPts val="95"/>
+              </a:spcBef>
+            </a:pPr>
+            <a:r>
+              <a:rPr lang="en-US" sz="2800" kern="0" dirty="0">
+                <a:latin typeface="+mn-lt"/>
+                <a:cs typeface="Calibri Light" panose="020F0302020204030204" pitchFamily="34" charset="0"/>
+                <a:sym typeface="Wingdings" panose="05000000000000000000" pitchFamily="2" charset="2"/>
+              </a:rPr>
+              <a:t>.children </a:t>
+            </a:r>
+          </a:p>
+          <a:p>
+            <a:pPr marL="12700">
+              <a:spcBef>
+                <a:spcPts val="95"/>
+              </a:spcBef>
+            </a:pPr>
+            <a:endParaRPr lang="en-US" sz="2800" kern="0" dirty="0">
+              <a:latin typeface="+mn-lt"/>
+              <a:cs typeface="Calibri Light" panose="020F0302020204030204" pitchFamily="34" charset="0"/>
+              <a:sym typeface="Wingdings" panose="05000000000000000000" pitchFamily="2" charset="2"/>
+            </a:endParaRPr>
+          </a:p>
+          <a:p>
+            <a:pPr marL="12700">
+              <a:spcBef>
+                <a:spcPts val="95"/>
+              </a:spcBef>
+            </a:pPr>
+            <a:r>
               <a:rPr lang="en-US" sz="2400" kern="0" dirty="0">
-                <a:solidFill>
-                  <a:schemeClr val="bg1">
-                    <a:lumMod val="75000"/>
-                  </a:schemeClr>
-                </a:solidFill>
-                <a:latin typeface="Consolas" panose="020B0609020204030204" pitchFamily="49" charset="0"/>
-                <a:cs typeface="Calibri Light" panose="020F0302020204030204" pitchFamily="34" charset="0"/>
-                <a:sym typeface="Wingdings" panose="05000000000000000000" pitchFamily="2" charset="2"/>
-              </a:rPr>
-              <a:t>1.//make element</a:t>
-            </a:r>
-          </a:p>
-          <a:p>
-            <a:pPr marL="12700">
-              <a:spcBef>
-                <a:spcPts val="95"/>
-              </a:spcBef>
-            </a:pPr>
+                <a:latin typeface="Consolas" panose="020B0609020204030204" pitchFamily="49" charset="0"/>
+                <a:cs typeface="Calibri Light" panose="020F0302020204030204" pitchFamily="34" charset="0"/>
+                <a:sym typeface="Wingdings" panose="05000000000000000000" pitchFamily="2" charset="2"/>
+              </a:rPr>
+              <a:t>let parent = </a:t>
+            </a:r>
+            <a:r>
+              <a:rPr lang="en-US" sz="2400" kern="0" dirty="0" err="1">
+                <a:latin typeface="Consolas" panose="020B0609020204030204" pitchFamily="49" charset="0"/>
+                <a:cs typeface="Calibri Light" panose="020F0302020204030204" pitchFamily="34" charset="0"/>
+                <a:sym typeface="Wingdings" panose="05000000000000000000" pitchFamily="2" charset="2"/>
+              </a:rPr>
+              <a:t>doc.querySelector</a:t>
+            </a:r>
             <a:r>
               <a:rPr lang="en-US" sz="2400" kern="0" dirty="0">
                 <a:latin typeface="Consolas" panose="020B0609020204030204" pitchFamily="49" charset="0"/>
                 <a:cs typeface="Calibri Light" panose="020F0302020204030204" pitchFamily="34" charset="0"/>
                 <a:sym typeface="Wingdings" panose="05000000000000000000" pitchFamily="2" charset="2"/>
               </a:rPr>
-              <a:t>let </a:t>
-            </a:r>
+              <a:t>(‘.parent’);</a:t>
+            </a:r>
+          </a:p>
+          <a:p>
+            <a:pPr marL="12700">
+              <a:spcBef>
+                <a:spcPts val="95"/>
+              </a:spcBef>
+            </a:pPr>
             <a:r>
               <a:rPr lang="en-US" sz="2400" kern="0" dirty="0" err="1">
                 <a:latin typeface="Consolas" panose="020B0609020204030204" pitchFamily="49" charset="0"/>
                 <a:cs typeface="Calibri Light" panose="020F0302020204030204" pitchFamily="34" charset="0"/>
                 <a:sym typeface="Wingdings" panose="05000000000000000000" pitchFamily="2" charset="2"/>
               </a:rPr>
-              <a:t>ele</a:t>
+              <a:t>parent.children</a:t>
             </a:r>
             <a:r>
               <a:rPr lang="en-US" sz="2400" kern="0" dirty="0">
@@ -17849,15 +17757,22 @@
                 <a:cs typeface="Calibri Light" panose="020F0302020204030204" pitchFamily="34" charset="0"/>
                 <a:sym typeface="Wingdings" panose="05000000000000000000" pitchFamily="2" charset="2"/>
               </a:rPr>
-              <a:t> = </a:t>
-            </a:r>
+              <a:t>; // gives HTML collection array</a:t>
+            </a:r>
+          </a:p>
+          <a:p>
+            <a:pPr marL="12700">
+              <a:spcBef>
+                <a:spcPts val="95"/>
+              </a:spcBef>
+            </a:pPr>
             <a:r>
               <a:rPr lang="en-US" sz="2400" kern="0" dirty="0" err="1">
                 <a:latin typeface="Consolas" panose="020B0609020204030204" pitchFamily="49" charset="0"/>
                 <a:cs typeface="Calibri Light" panose="020F0302020204030204" pitchFamily="34" charset="0"/>
                 <a:sym typeface="Wingdings" panose="05000000000000000000" pitchFamily="2" charset="2"/>
               </a:rPr>
-              <a:t>doc.createElement</a:t>
+              <a:t>parent.children</a:t>
             </a:r>
             <a:r>
               <a:rPr lang="en-US" sz="2400" kern="0" dirty="0">
@@ -17865,185 +17780,16 @@
                 <a:cs typeface="Calibri Light" panose="020F0302020204030204" pitchFamily="34" charset="0"/>
                 <a:sym typeface="Wingdings" panose="05000000000000000000" pitchFamily="2" charset="2"/>
               </a:rPr>
-              <a:t>(‘div’);</a:t>
-            </a:r>
-          </a:p>
-          <a:p>
-            <a:pPr marL="12700">
-              <a:spcBef>
-                <a:spcPts val="95"/>
-              </a:spcBef>
-            </a:pPr>
-            <a:r>
-              <a:rPr lang="en-US" sz="2400" kern="0" dirty="0">
-                <a:solidFill>
-                  <a:schemeClr val="bg1">
-                    <a:lumMod val="75000"/>
-                  </a:schemeClr>
-                </a:solidFill>
-                <a:latin typeface="Consolas" panose="020B0609020204030204" pitchFamily="49" charset="0"/>
-                <a:cs typeface="Calibri Light" panose="020F0302020204030204" pitchFamily="34" charset="0"/>
-                <a:sym typeface="Wingdings" panose="05000000000000000000" pitchFamily="2" charset="2"/>
-              </a:rPr>
-              <a:t>2.//get the parent or children previously present</a:t>
-            </a:r>
-          </a:p>
-          <a:p>
-            <a:pPr marL="12700">
-              <a:spcBef>
-                <a:spcPts val="95"/>
-              </a:spcBef>
-            </a:pPr>
-            <a:r>
-              <a:rPr lang="en-US" sz="2400" kern="0" dirty="0">
-                <a:latin typeface="Consolas" panose="020B0609020204030204" pitchFamily="49" charset="0"/>
-                <a:cs typeface="Calibri Light" panose="020F0302020204030204" pitchFamily="34" charset="0"/>
-                <a:sym typeface="Wingdings" panose="05000000000000000000" pitchFamily="2" charset="2"/>
-              </a:rPr>
-              <a:t>let </a:t>
-            </a:r>
-            <a:r>
-              <a:rPr lang="en-US" sz="2400" kern="0" dirty="0" err="1">
-                <a:latin typeface="Consolas" panose="020B0609020204030204" pitchFamily="49" charset="0"/>
-                <a:cs typeface="Calibri Light" panose="020F0302020204030204" pitchFamily="34" charset="0"/>
-                <a:sym typeface="Wingdings" panose="05000000000000000000" pitchFamily="2" charset="2"/>
-              </a:rPr>
-              <a:t>presentEle</a:t>
-            </a:r>
-            <a:r>
-              <a:rPr lang="en-US" sz="2400" kern="0" dirty="0">
-                <a:latin typeface="Consolas" panose="020B0609020204030204" pitchFamily="49" charset="0"/>
-                <a:cs typeface="Calibri Light" panose="020F0302020204030204" pitchFamily="34" charset="0"/>
-                <a:sym typeface="Wingdings" panose="05000000000000000000" pitchFamily="2" charset="2"/>
-              </a:rPr>
-              <a:t> = </a:t>
-            </a:r>
-            <a:r>
-              <a:rPr lang="en-US" sz="2400" kern="0" dirty="0" err="1">
-                <a:latin typeface="Consolas" panose="020B0609020204030204" pitchFamily="49" charset="0"/>
-                <a:cs typeface="Calibri Light" panose="020F0302020204030204" pitchFamily="34" charset="0"/>
-                <a:sym typeface="Wingdings" panose="05000000000000000000" pitchFamily="2" charset="2"/>
-              </a:rPr>
-              <a:t>doc.getElementById</a:t>
-            </a:r>
-            <a:r>
-              <a:rPr lang="en-US" sz="2400" kern="0" dirty="0">
-                <a:latin typeface="Consolas" panose="020B0609020204030204" pitchFamily="49" charset="0"/>
-                <a:cs typeface="Calibri Light" panose="020F0302020204030204" pitchFamily="34" charset="0"/>
-                <a:sym typeface="Wingdings" panose="05000000000000000000" pitchFamily="2" charset="2"/>
-              </a:rPr>
-              <a:t>(‘parent’);</a:t>
-            </a:r>
-          </a:p>
-          <a:p>
-            <a:pPr marL="12700">
-              <a:spcBef>
-                <a:spcPts val="95"/>
-              </a:spcBef>
-            </a:pPr>
-            <a:r>
-              <a:rPr lang="en-US" sz="2400" kern="0" dirty="0">
-                <a:solidFill>
-                  <a:schemeClr val="bg1">
-                    <a:lumMod val="75000"/>
-                  </a:schemeClr>
-                </a:solidFill>
-                <a:latin typeface="Consolas" panose="020B0609020204030204" pitchFamily="49" charset="0"/>
-                <a:cs typeface="Calibri Light" panose="020F0302020204030204" pitchFamily="34" charset="0"/>
-                <a:sym typeface="Wingdings" panose="05000000000000000000" pitchFamily="2" charset="2"/>
-              </a:rPr>
-              <a:t>3.//insert content in the element</a:t>
-            </a:r>
-          </a:p>
-          <a:p>
-            <a:pPr marL="12700">
-              <a:spcBef>
-                <a:spcPts val="95"/>
-              </a:spcBef>
-            </a:pPr>
-            <a:r>
-              <a:rPr lang="en-US" sz="2400" kern="0" dirty="0" err="1">
-                <a:latin typeface="Consolas" panose="020B0609020204030204" pitchFamily="49" charset="0"/>
-                <a:cs typeface="Calibri Light" panose="020F0302020204030204" pitchFamily="34" charset="0"/>
-                <a:sym typeface="Wingdings" panose="05000000000000000000" pitchFamily="2" charset="2"/>
-              </a:rPr>
-              <a:t>ele.innerText</a:t>
-            </a:r>
-            <a:r>
-              <a:rPr lang="en-US" sz="2400" kern="0" dirty="0">
-                <a:latin typeface="Consolas" panose="020B0609020204030204" pitchFamily="49" charset="0"/>
-                <a:cs typeface="Calibri Light" panose="020F0302020204030204" pitchFamily="34" charset="0"/>
-                <a:sym typeface="Wingdings" panose="05000000000000000000" pitchFamily="2" charset="2"/>
-              </a:rPr>
-              <a:t> = “some content”;</a:t>
-            </a:r>
-          </a:p>
-          <a:p>
-            <a:pPr marL="12700">
-              <a:spcBef>
-                <a:spcPts val="95"/>
-              </a:spcBef>
-            </a:pPr>
-            <a:r>
-              <a:rPr lang="en-US" sz="2400" kern="0" dirty="0">
-                <a:solidFill>
-                  <a:schemeClr val="bg1">
-                    <a:lumMod val="75000"/>
-                  </a:schemeClr>
-                </a:solidFill>
-                <a:latin typeface="Consolas" panose="020B0609020204030204" pitchFamily="49" charset="0"/>
-                <a:cs typeface="Calibri Light" panose="020F0302020204030204" pitchFamily="34" charset="0"/>
-                <a:sym typeface="Wingdings" panose="05000000000000000000" pitchFamily="2" charset="2"/>
-              </a:rPr>
-              <a:t>4.//append it to the parent(previous element present)</a:t>
-            </a:r>
-          </a:p>
-          <a:p>
-            <a:pPr marL="12700">
-              <a:spcBef>
-                <a:spcPts val="95"/>
-              </a:spcBef>
-            </a:pPr>
-            <a:r>
-              <a:rPr lang="en-US" sz="2400" kern="0" dirty="0" err="1">
-                <a:latin typeface="Consolas" panose="020B0609020204030204" pitchFamily="49" charset="0"/>
-                <a:cs typeface="Calibri Light" panose="020F0302020204030204" pitchFamily="34" charset="0"/>
-                <a:sym typeface="Wingdings" panose="05000000000000000000" pitchFamily="2" charset="2"/>
-              </a:rPr>
-              <a:t>presentEle.appendChild</a:t>
-            </a:r>
-            <a:r>
-              <a:rPr lang="en-US" sz="2400" kern="0" dirty="0">
-                <a:latin typeface="Consolas" panose="020B0609020204030204" pitchFamily="49" charset="0"/>
-                <a:cs typeface="Calibri Light" panose="020F0302020204030204" pitchFamily="34" charset="0"/>
-                <a:sym typeface="Wingdings" panose="05000000000000000000" pitchFamily="2" charset="2"/>
-              </a:rPr>
-              <a:t>(</a:t>
-            </a:r>
-            <a:r>
-              <a:rPr lang="en-US" sz="2400" kern="0" dirty="0" err="1">
-                <a:latin typeface="Consolas" panose="020B0609020204030204" pitchFamily="49" charset="0"/>
-                <a:cs typeface="Calibri Light" panose="020F0302020204030204" pitchFamily="34" charset="0"/>
-                <a:sym typeface="Wingdings" panose="05000000000000000000" pitchFamily="2" charset="2"/>
-              </a:rPr>
-              <a:t>ele</a:t>
-            </a:r>
-            <a:r>
-              <a:rPr lang="en-US" sz="2400" kern="0" dirty="0">
-                <a:latin typeface="Consolas" panose="020B0609020204030204" pitchFamily="49" charset="0"/>
-                <a:cs typeface="Calibri Light" panose="020F0302020204030204" pitchFamily="34" charset="0"/>
-                <a:sym typeface="Wingdings" panose="05000000000000000000" pitchFamily="2" charset="2"/>
-              </a:rPr>
-              <a:t>);</a:t>
-            </a:r>
-          </a:p>
-          <a:p>
-            <a:pPr marL="12700">
-              <a:spcBef>
-                <a:spcPts val="95"/>
-              </a:spcBef>
-            </a:pPr>
-            <a:endParaRPr lang="en-US" sz="2400" kern="0" dirty="0">
+              <a:t>[1];//gives specific element</a:t>
+            </a:r>
+          </a:p>
+          <a:p>
+            <a:pPr marL="12700">
+              <a:spcBef>
+                <a:spcPts val="95"/>
+              </a:spcBef>
+            </a:pPr>
+            <a:endParaRPr lang="en-US" sz="2000" kern="0" dirty="0">
               <a:latin typeface="Consolas" panose="020B0609020204030204" pitchFamily="49" charset="0"/>
               <a:cs typeface="Calibri Light" panose="020F0302020204030204" pitchFamily="34" charset="0"/>
               <a:sym typeface="Wingdings" panose="05000000000000000000" pitchFamily="2" charset="2"/>
@@ -18061,72 +17807,94 @@
                 <a:cs typeface="Calibri Light" panose="020F0302020204030204" pitchFamily="34" charset="0"/>
                 <a:sym typeface="Wingdings" panose="05000000000000000000" pitchFamily="2" charset="2"/>
               </a:rPr>
-              <a:t>To input multiple </a:t>
-            </a:r>
-            <a:r>
-              <a:rPr lang="en-US" sz="2800" kern="0" dirty="0" err="1">
-                <a:latin typeface="+mn-lt"/>
-                <a:cs typeface="Calibri Light" panose="020F0302020204030204" pitchFamily="34" charset="0"/>
-                <a:sym typeface="Wingdings" panose="05000000000000000000" pitchFamily="2" charset="2"/>
-              </a:rPr>
-              <a:t>childs</a:t>
-            </a:r>
-            <a:r>
-              <a:rPr lang="en-US" sz="2800" kern="0" dirty="0">
-                <a:latin typeface="+mn-lt"/>
-                <a:cs typeface="Calibri Light" panose="020F0302020204030204" pitchFamily="34" charset="0"/>
-                <a:sym typeface="Wingdings" panose="05000000000000000000" pitchFamily="2" charset="2"/>
-              </a:rPr>
-              <a:t> we can use .append</a:t>
-            </a:r>
-          </a:p>
-          <a:p>
-            <a:pPr marL="12700">
-              <a:spcBef>
-                <a:spcPts val="95"/>
-              </a:spcBef>
-            </a:pPr>
-            <a:r>
-              <a:rPr lang="en-US" sz="2800" kern="0" dirty="0">
-                <a:latin typeface="+mn-lt"/>
-                <a:cs typeface="Calibri Light" panose="020F0302020204030204" pitchFamily="34" charset="0"/>
-                <a:sym typeface="Wingdings" panose="05000000000000000000" pitchFamily="2" charset="2"/>
-              </a:rPr>
-              <a:t>To remove elements we can use </a:t>
-            </a:r>
-            <a:r>
-              <a:rPr lang="en-US" sz="2800" kern="0" dirty="0" err="1">
-                <a:latin typeface="+mn-lt"/>
-                <a:cs typeface="Calibri Light" panose="020F0302020204030204" pitchFamily="34" charset="0"/>
-                <a:sym typeface="Wingdings" panose="05000000000000000000" pitchFamily="2" charset="2"/>
-              </a:rPr>
-              <a:t>removeChild</a:t>
-            </a:r>
-            <a:r>
-              <a:rPr lang="en-US" sz="2800" kern="0" dirty="0">
-                <a:latin typeface="+mn-lt"/>
-                <a:cs typeface="Calibri Light" panose="020F0302020204030204" pitchFamily="34" charset="0"/>
-                <a:sym typeface="Wingdings" panose="05000000000000000000" pitchFamily="2" charset="2"/>
-              </a:rPr>
-              <a:t>();</a:t>
-            </a:r>
-          </a:p>
-          <a:p>
-            <a:pPr marL="12700">
-              <a:spcBef>
-                <a:spcPts val="95"/>
-              </a:spcBef>
-            </a:pPr>
-            <a:r>
-              <a:rPr lang="en-US" sz="2800" kern="0" dirty="0">
-                <a:latin typeface="+mn-lt"/>
-                <a:cs typeface="Calibri Light" panose="020F0302020204030204" pitchFamily="34" charset="0"/>
-                <a:sym typeface="Wingdings" panose="05000000000000000000" pitchFamily="2" charset="2"/>
-              </a:rPr>
-              <a:t>To directly remove use remove();</a:t>
-            </a:r>
-            <a:endParaRPr lang="en-US" sz="3200" kern="0" dirty="0">
-              <a:latin typeface="+mn-lt"/>
+              <a:t>Similarly, we can access parent from child elements</a:t>
+            </a:r>
+          </a:p>
+          <a:p>
+            <a:pPr marL="12700">
+              <a:spcBef>
+                <a:spcPts val="95"/>
+              </a:spcBef>
+            </a:pPr>
+            <a:r>
+              <a:rPr lang="en-US" sz="2400" kern="0" dirty="0">
+                <a:latin typeface="Consolas" panose="020B0609020204030204" pitchFamily="49" charset="0"/>
+                <a:cs typeface="Calibri Light" panose="020F0302020204030204" pitchFamily="34" charset="0"/>
+                <a:sym typeface="Wingdings" panose="05000000000000000000" pitchFamily="2" charset="2"/>
+              </a:rPr>
+              <a:t>let child = </a:t>
+            </a:r>
+            <a:r>
+              <a:rPr lang="en-US" sz="2400" kern="0" dirty="0" err="1">
+                <a:latin typeface="Consolas" panose="020B0609020204030204" pitchFamily="49" charset="0"/>
+                <a:cs typeface="Calibri Light" panose="020F0302020204030204" pitchFamily="34" charset="0"/>
+                <a:sym typeface="Wingdings" panose="05000000000000000000" pitchFamily="2" charset="2"/>
+              </a:rPr>
+              <a:t>doc.querySelector</a:t>
+            </a:r>
+            <a:r>
+              <a:rPr lang="en-US" sz="2400" kern="0" dirty="0">
+                <a:latin typeface="Consolas" panose="020B0609020204030204" pitchFamily="49" charset="0"/>
+                <a:cs typeface="Calibri Light" panose="020F0302020204030204" pitchFamily="34" charset="0"/>
+                <a:sym typeface="Wingdings" panose="05000000000000000000" pitchFamily="2" charset="2"/>
+              </a:rPr>
+              <a:t>(‘.day’);</a:t>
+            </a:r>
+          </a:p>
+          <a:p>
+            <a:pPr marL="12700">
+              <a:spcBef>
+                <a:spcPts val="95"/>
+              </a:spcBef>
+            </a:pPr>
+            <a:r>
+              <a:rPr lang="en-US" sz="2400" kern="0" dirty="0" err="1">
+                <a:latin typeface="Consolas" panose="020B0609020204030204" pitchFamily="49" charset="0"/>
+                <a:cs typeface="Calibri Light" panose="020F0302020204030204" pitchFamily="34" charset="0"/>
+                <a:sym typeface="Wingdings" panose="05000000000000000000" pitchFamily="2" charset="2"/>
+              </a:rPr>
+              <a:t>child.parentElement</a:t>
+            </a:r>
+            <a:r>
+              <a:rPr lang="en-US" sz="2400" kern="0" dirty="0">
+                <a:latin typeface="Consolas" panose="020B0609020204030204" pitchFamily="49" charset="0"/>
+                <a:cs typeface="Calibri Light" panose="020F0302020204030204" pitchFamily="34" charset="0"/>
+                <a:sym typeface="Wingdings" panose="05000000000000000000" pitchFamily="2" charset="2"/>
+              </a:rPr>
+              <a:t>; // gives parent element</a:t>
+            </a:r>
+          </a:p>
+          <a:p>
+            <a:pPr marL="12700">
+              <a:spcBef>
+                <a:spcPts val="95"/>
+              </a:spcBef>
+            </a:pPr>
+            <a:r>
+              <a:rPr lang="en-US" sz="2400" kern="0" dirty="0" err="1">
+                <a:latin typeface="Consolas" panose="020B0609020204030204" pitchFamily="49" charset="0"/>
+                <a:cs typeface="Calibri Light" panose="020F0302020204030204" pitchFamily="34" charset="0"/>
+                <a:sym typeface="Wingdings" panose="05000000000000000000" pitchFamily="2" charset="2"/>
+              </a:rPr>
+              <a:t>child.nextElementSibling</a:t>
+            </a:r>
+            <a:r>
+              <a:rPr lang="en-US" sz="2400" kern="0" dirty="0">
+                <a:latin typeface="Consolas" panose="020B0609020204030204" pitchFamily="49" charset="0"/>
+                <a:cs typeface="Calibri Light" panose="020F0302020204030204" pitchFamily="34" charset="0"/>
+                <a:sym typeface="Wingdings" panose="05000000000000000000" pitchFamily="2" charset="2"/>
+              </a:rPr>
+              <a:t>;// gives second sibling element of selected element</a:t>
+            </a:r>
+          </a:p>
+          <a:p>
+            <a:pPr marL="12700">
+              <a:spcBef>
+                <a:spcPts val="95"/>
+              </a:spcBef>
+            </a:pPr>
+            <a:endParaRPr lang="en-US" sz="2000" kern="0" dirty="0">
+              <a:latin typeface="Consolas" panose="020B0609020204030204" pitchFamily="49" charset="0"/>
               <a:cs typeface="Calibri Light" panose="020F0302020204030204" pitchFamily="34" charset="0"/>
               <a:sym typeface="Wingdings" panose="05000000000000000000" pitchFamily="2" charset="2"/>
             </a:endParaRPr>
@@ -18136,7 +17904,7 @@
     </p:spTree>
     <p:extLst>
       <p:ext uri="{BB962C8B-B14F-4D97-AF65-F5344CB8AC3E}">
-        <p14:creationId xmlns:p14="http://schemas.microsoft.com/office/powerpoint/2010/main" val="2613100490"/>
+        <p14:creationId xmlns:p14="http://schemas.microsoft.com/office/powerpoint/2010/main" val="3624862493"/>
       </p:ext>
     </p:extLst>
   </p:cSld>
@@ -18246,7 +18014,7 @@
                 <a:cs typeface="Calibri Light" panose="020F0302020204030204" pitchFamily="34" charset="0"/>
                 <a:sym typeface="Wingdings" panose="05000000000000000000" pitchFamily="2" charset="2"/>
               </a:rPr>
-              <a:t>DOM Events</a:t>
+              <a:t>Adding Element in DOM</a:t>
             </a:r>
           </a:p>
         </p:txBody>
@@ -18297,7 +18065,7 @@
         <p:spPr>
           <a:xfrm>
             <a:off x="533400" y="838200"/>
-            <a:ext cx="11621728" cy="5398273"/>
+            <a:ext cx="11621728" cy="4954561"/>
           </a:xfrm>
           <a:prstGeom prst="rect">
             <a:avLst/>
@@ -18326,36 +18094,283 @@
               </a:spcBef>
             </a:pPr>
             <a:r>
+              <a:rPr lang="en-US" sz="2400" kern="0" dirty="0">
+                <a:solidFill>
+                  <a:schemeClr val="bg1">
+                    <a:lumMod val="75000"/>
+                  </a:schemeClr>
+                </a:solidFill>
+                <a:latin typeface="Consolas" panose="020B0609020204030204" pitchFamily="49" charset="0"/>
+                <a:cs typeface="Calibri Light" panose="020F0302020204030204" pitchFamily="34" charset="0"/>
+                <a:sym typeface="Wingdings" panose="05000000000000000000" pitchFamily="2" charset="2"/>
+              </a:rPr>
+              <a:t>1.//make element</a:t>
+            </a:r>
+          </a:p>
+          <a:p>
+            <a:pPr marL="12700">
+              <a:spcBef>
+                <a:spcPts val="95"/>
+              </a:spcBef>
+            </a:pPr>
+            <a:r>
+              <a:rPr lang="en-US" sz="2400" kern="0" dirty="0">
+                <a:latin typeface="Consolas" panose="020B0609020204030204" pitchFamily="49" charset="0"/>
+                <a:cs typeface="Calibri Light" panose="020F0302020204030204" pitchFamily="34" charset="0"/>
+                <a:sym typeface="Wingdings" panose="05000000000000000000" pitchFamily="2" charset="2"/>
+              </a:rPr>
+              <a:t>let </a:t>
+            </a:r>
+            <a:r>
+              <a:rPr lang="en-US" sz="2400" kern="0" dirty="0" err="1">
+                <a:latin typeface="Consolas" panose="020B0609020204030204" pitchFamily="49" charset="0"/>
+                <a:cs typeface="Calibri Light" panose="020F0302020204030204" pitchFamily="34" charset="0"/>
+                <a:sym typeface="Wingdings" panose="05000000000000000000" pitchFamily="2" charset="2"/>
+              </a:rPr>
+              <a:t>ele</a:t>
+            </a:r>
+            <a:r>
+              <a:rPr lang="en-US" sz="2400" kern="0" dirty="0">
+                <a:latin typeface="Consolas" panose="020B0609020204030204" pitchFamily="49" charset="0"/>
+                <a:cs typeface="Calibri Light" panose="020F0302020204030204" pitchFamily="34" charset="0"/>
+                <a:sym typeface="Wingdings" panose="05000000000000000000" pitchFamily="2" charset="2"/>
+              </a:rPr>
+              <a:t> = </a:t>
+            </a:r>
+            <a:r>
+              <a:rPr lang="en-US" sz="2400" kern="0" dirty="0" err="1">
+                <a:latin typeface="Consolas" panose="020B0609020204030204" pitchFamily="49" charset="0"/>
+                <a:cs typeface="Calibri Light" panose="020F0302020204030204" pitchFamily="34" charset="0"/>
+                <a:sym typeface="Wingdings" panose="05000000000000000000" pitchFamily="2" charset="2"/>
+              </a:rPr>
+              <a:t>doc.createElement</a:t>
+            </a:r>
+            <a:r>
+              <a:rPr lang="en-US" sz="2400" kern="0" dirty="0">
+                <a:latin typeface="Consolas" panose="020B0609020204030204" pitchFamily="49" charset="0"/>
+                <a:cs typeface="Calibri Light" panose="020F0302020204030204" pitchFamily="34" charset="0"/>
+                <a:sym typeface="Wingdings" panose="05000000000000000000" pitchFamily="2" charset="2"/>
+              </a:rPr>
+              <a:t>(‘div’);</a:t>
+            </a:r>
+          </a:p>
+          <a:p>
+            <a:pPr marL="12700">
+              <a:spcBef>
+                <a:spcPts val="95"/>
+              </a:spcBef>
+            </a:pPr>
+            <a:r>
+              <a:rPr lang="en-US" sz="2400" kern="0" dirty="0">
+                <a:solidFill>
+                  <a:schemeClr val="bg1">
+                    <a:lumMod val="75000"/>
+                  </a:schemeClr>
+                </a:solidFill>
+                <a:latin typeface="Consolas" panose="020B0609020204030204" pitchFamily="49" charset="0"/>
+                <a:cs typeface="Calibri Light" panose="020F0302020204030204" pitchFamily="34" charset="0"/>
+                <a:sym typeface="Wingdings" panose="05000000000000000000" pitchFamily="2" charset="2"/>
+              </a:rPr>
+              <a:t>2.//get the parent or children previously present</a:t>
+            </a:r>
+          </a:p>
+          <a:p>
+            <a:pPr marL="12700">
+              <a:spcBef>
+                <a:spcPts val="95"/>
+              </a:spcBef>
+            </a:pPr>
+            <a:r>
+              <a:rPr lang="en-US" sz="2400" kern="0" dirty="0">
+                <a:latin typeface="Consolas" panose="020B0609020204030204" pitchFamily="49" charset="0"/>
+                <a:cs typeface="Calibri Light" panose="020F0302020204030204" pitchFamily="34" charset="0"/>
+                <a:sym typeface="Wingdings" panose="05000000000000000000" pitchFamily="2" charset="2"/>
+              </a:rPr>
+              <a:t>let </a:t>
+            </a:r>
+            <a:r>
+              <a:rPr lang="en-US" sz="2400" kern="0" dirty="0" err="1">
+                <a:latin typeface="Consolas" panose="020B0609020204030204" pitchFamily="49" charset="0"/>
+                <a:cs typeface="Calibri Light" panose="020F0302020204030204" pitchFamily="34" charset="0"/>
+                <a:sym typeface="Wingdings" panose="05000000000000000000" pitchFamily="2" charset="2"/>
+              </a:rPr>
+              <a:t>presentEle</a:t>
+            </a:r>
+            <a:r>
+              <a:rPr lang="en-US" sz="2400" kern="0" dirty="0">
+                <a:latin typeface="Consolas" panose="020B0609020204030204" pitchFamily="49" charset="0"/>
+                <a:cs typeface="Calibri Light" panose="020F0302020204030204" pitchFamily="34" charset="0"/>
+                <a:sym typeface="Wingdings" panose="05000000000000000000" pitchFamily="2" charset="2"/>
+              </a:rPr>
+              <a:t> = </a:t>
+            </a:r>
+            <a:r>
+              <a:rPr lang="en-US" sz="2400" kern="0" dirty="0" err="1">
+                <a:latin typeface="Consolas" panose="020B0609020204030204" pitchFamily="49" charset="0"/>
+                <a:cs typeface="Calibri Light" panose="020F0302020204030204" pitchFamily="34" charset="0"/>
+                <a:sym typeface="Wingdings" panose="05000000000000000000" pitchFamily="2" charset="2"/>
+              </a:rPr>
+              <a:t>doc.getElementById</a:t>
+            </a:r>
+            <a:r>
+              <a:rPr lang="en-US" sz="2400" kern="0" dirty="0">
+                <a:latin typeface="Consolas" panose="020B0609020204030204" pitchFamily="49" charset="0"/>
+                <a:cs typeface="Calibri Light" panose="020F0302020204030204" pitchFamily="34" charset="0"/>
+                <a:sym typeface="Wingdings" panose="05000000000000000000" pitchFamily="2" charset="2"/>
+              </a:rPr>
+              <a:t>(‘parent’);</a:t>
+            </a:r>
+          </a:p>
+          <a:p>
+            <a:pPr marL="12700">
+              <a:spcBef>
+                <a:spcPts val="95"/>
+              </a:spcBef>
+            </a:pPr>
+            <a:r>
+              <a:rPr lang="en-US" sz="2400" kern="0" dirty="0">
+                <a:solidFill>
+                  <a:schemeClr val="bg1">
+                    <a:lumMod val="75000"/>
+                  </a:schemeClr>
+                </a:solidFill>
+                <a:latin typeface="Consolas" panose="020B0609020204030204" pitchFamily="49" charset="0"/>
+                <a:cs typeface="Calibri Light" panose="020F0302020204030204" pitchFamily="34" charset="0"/>
+                <a:sym typeface="Wingdings" panose="05000000000000000000" pitchFamily="2" charset="2"/>
+              </a:rPr>
+              <a:t>3.//insert content in the element</a:t>
+            </a:r>
+          </a:p>
+          <a:p>
+            <a:pPr marL="12700">
+              <a:spcBef>
+                <a:spcPts val="95"/>
+              </a:spcBef>
+            </a:pPr>
+            <a:r>
+              <a:rPr lang="en-US" sz="2400" kern="0" dirty="0" err="1">
+                <a:latin typeface="Consolas" panose="020B0609020204030204" pitchFamily="49" charset="0"/>
+                <a:cs typeface="Calibri Light" panose="020F0302020204030204" pitchFamily="34" charset="0"/>
+                <a:sym typeface="Wingdings" panose="05000000000000000000" pitchFamily="2" charset="2"/>
+              </a:rPr>
+              <a:t>ele.innerText</a:t>
+            </a:r>
+            <a:r>
+              <a:rPr lang="en-US" sz="2400" kern="0" dirty="0">
+                <a:latin typeface="Consolas" panose="020B0609020204030204" pitchFamily="49" charset="0"/>
+                <a:cs typeface="Calibri Light" panose="020F0302020204030204" pitchFamily="34" charset="0"/>
+                <a:sym typeface="Wingdings" panose="05000000000000000000" pitchFamily="2" charset="2"/>
+              </a:rPr>
+              <a:t> = “some content”;</a:t>
+            </a:r>
+          </a:p>
+          <a:p>
+            <a:pPr marL="12700">
+              <a:spcBef>
+                <a:spcPts val="95"/>
+              </a:spcBef>
+            </a:pPr>
+            <a:r>
+              <a:rPr lang="en-US" sz="2400" kern="0" dirty="0">
+                <a:solidFill>
+                  <a:schemeClr val="bg1">
+                    <a:lumMod val="75000"/>
+                  </a:schemeClr>
+                </a:solidFill>
+                <a:latin typeface="Consolas" panose="020B0609020204030204" pitchFamily="49" charset="0"/>
+                <a:cs typeface="Calibri Light" panose="020F0302020204030204" pitchFamily="34" charset="0"/>
+                <a:sym typeface="Wingdings" panose="05000000000000000000" pitchFamily="2" charset="2"/>
+              </a:rPr>
+              <a:t>4.//append it to the parent(previous element present)</a:t>
+            </a:r>
+          </a:p>
+          <a:p>
+            <a:pPr marL="12700">
+              <a:spcBef>
+                <a:spcPts val="95"/>
+              </a:spcBef>
+            </a:pPr>
+            <a:r>
+              <a:rPr lang="en-US" sz="2400" kern="0" dirty="0" err="1">
+                <a:latin typeface="Consolas" panose="020B0609020204030204" pitchFamily="49" charset="0"/>
+                <a:cs typeface="Calibri Light" panose="020F0302020204030204" pitchFamily="34" charset="0"/>
+                <a:sym typeface="Wingdings" panose="05000000000000000000" pitchFamily="2" charset="2"/>
+              </a:rPr>
+              <a:t>presentEle.appendChild</a:t>
+            </a:r>
+            <a:r>
+              <a:rPr lang="en-US" sz="2400" kern="0" dirty="0">
+                <a:latin typeface="Consolas" panose="020B0609020204030204" pitchFamily="49" charset="0"/>
+                <a:cs typeface="Calibri Light" panose="020F0302020204030204" pitchFamily="34" charset="0"/>
+                <a:sym typeface="Wingdings" panose="05000000000000000000" pitchFamily="2" charset="2"/>
+              </a:rPr>
+              <a:t>(</a:t>
+            </a:r>
+            <a:r>
+              <a:rPr lang="en-US" sz="2400" kern="0" dirty="0" err="1">
+                <a:latin typeface="Consolas" panose="020B0609020204030204" pitchFamily="49" charset="0"/>
+                <a:cs typeface="Calibri Light" panose="020F0302020204030204" pitchFamily="34" charset="0"/>
+                <a:sym typeface="Wingdings" panose="05000000000000000000" pitchFamily="2" charset="2"/>
+              </a:rPr>
+              <a:t>ele</a:t>
+            </a:r>
+            <a:r>
+              <a:rPr lang="en-US" sz="2400" kern="0" dirty="0">
+                <a:latin typeface="Consolas" panose="020B0609020204030204" pitchFamily="49" charset="0"/>
+                <a:cs typeface="Calibri Light" panose="020F0302020204030204" pitchFamily="34" charset="0"/>
+                <a:sym typeface="Wingdings" panose="05000000000000000000" pitchFamily="2" charset="2"/>
+              </a:rPr>
+              <a:t>);</a:t>
+            </a:r>
+          </a:p>
+          <a:p>
+            <a:pPr marL="12700">
+              <a:spcBef>
+                <a:spcPts val="95"/>
+              </a:spcBef>
+            </a:pPr>
+            <a:endParaRPr lang="en-US" sz="2400" kern="0" dirty="0">
+              <a:latin typeface="Consolas" panose="020B0609020204030204" pitchFamily="49" charset="0"/>
+              <a:cs typeface="Calibri Light" panose="020F0302020204030204" pitchFamily="34" charset="0"/>
+              <a:sym typeface="Wingdings" panose="05000000000000000000" pitchFamily="2" charset="2"/>
+            </a:endParaRPr>
+          </a:p>
+          <a:p>
+            <a:pPr marL="12700">
+              <a:spcBef>
+                <a:spcPts val="95"/>
+              </a:spcBef>
+            </a:pPr>
+            <a:r>
               <a:rPr lang="en-US" sz="2800" kern="0" dirty="0">
                 <a:latin typeface="+mn-lt"/>
                 <a:cs typeface="Calibri Light" panose="020F0302020204030204" pitchFamily="34" charset="0"/>
                 <a:sym typeface="Wingdings" panose="05000000000000000000" pitchFamily="2" charset="2"/>
               </a:rPr>
-              <a:t>Actions that happen in HTML document.</a:t>
-            </a:r>
-          </a:p>
-          <a:p>
-            <a:pPr marL="527050" indent="-514350">
-              <a:spcBef>
-                <a:spcPts val="95"/>
-              </a:spcBef>
-              <a:buAutoNum type="arabicPeriod"/>
-            </a:pPr>
+              <a:t>To input multiple </a:t>
+            </a:r>
+            <a:r>
+              <a:rPr lang="en-US" sz="2800" kern="0" dirty="0" err="1">
+                <a:latin typeface="+mn-lt"/>
+                <a:cs typeface="Calibri Light" panose="020F0302020204030204" pitchFamily="34" charset="0"/>
+                <a:sym typeface="Wingdings" panose="05000000000000000000" pitchFamily="2" charset="2"/>
+              </a:rPr>
+              <a:t>childs</a:t>
+            </a:r>
             <a:r>
               <a:rPr lang="en-US" sz="2800" kern="0" dirty="0">
                 <a:latin typeface="+mn-lt"/>
                 <a:cs typeface="Calibri Light" panose="020F0302020204030204" pitchFamily="34" charset="0"/>
                 <a:sym typeface="Wingdings" panose="05000000000000000000" pitchFamily="2" charset="2"/>
               </a:rPr>
-              <a:t>Inline: onclick as attribute</a:t>
-            </a:r>
-          </a:p>
-          <a:p>
-            <a:pPr marL="527050" indent="-514350">
-              <a:spcBef>
-                <a:spcPts val="95"/>
-              </a:spcBef>
-              <a:buAutoNum type="arabicPeriod"/>
+              <a:t> we can use .append</a:t>
+            </a:r>
+          </a:p>
+          <a:p>
+            <a:pPr marL="12700">
+              <a:spcBef>
+                <a:spcPts val="95"/>
+              </a:spcBef>
             </a:pPr>
             <a:r>
               <a:rPr lang="en-US" sz="2800" kern="0" dirty="0">
@@ -18363,342 +18378,51 @@
                 <a:cs typeface="Calibri Light" panose="020F0302020204030204" pitchFamily="34" charset="0"/>
                 <a:sym typeface="Wingdings" panose="05000000000000000000" pitchFamily="2" charset="2"/>
               </a:rPr>
-              <a:t>onclick directly </a:t>
-            </a:r>
-          </a:p>
-          <a:p>
-            <a:pPr marL="12700">
-              <a:spcBef>
-                <a:spcPts val="95"/>
-              </a:spcBef>
-            </a:pPr>
-            <a:r>
-              <a:rPr lang="en-US" sz="2000" kern="0" dirty="0">
-                <a:latin typeface="Consolas" panose="020B0609020204030204" pitchFamily="49" charset="0"/>
-                <a:cs typeface="Calibri Light" panose="020F0302020204030204" pitchFamily="34" charset="0"/>
-                <a:sym typeface="Wingdings" panose="05000000000000000000" pitchFamily="2" charset="2"/>
-              </a:rPr>
-              <a:t>const </a:t>
-            </a:r>
-            <a:r>
-              <a:rPr lang="en-US" sz="2000" kern="0" dirty="0" err="1">
-                <a:latin typeface="Consolas" panose="020B0609020204030204" pitchFamily="49" charset="0"/>
-                <a:cs typeface="Calibri Light" panose="020F0302020204030204" pitchFamily="34" charset="0"/>
-                <a:sym typeface="Wingdings" panose="05000000000000000000" pitchFamily="2" charset="2"/>
-              </a:rPr>
-              <a:t>btn</a:t>
-            </a:r>
-            <a:r>
-              <a:rPr lang="en-US" sz="2000" kern="0" dirty="0">
-                <a:latin typeface="Consolas" panose="020B0609020204030204" pitchFamily="49" charset="0"/>
-                <a:cs typeface="Calibri Light" panose="020F0302020204030204" pitchFamily="34" charset="0"/>
-                <a:sym typeface="Wingdings" panose="05000000000000000000" pitchFamily="2" charset="2"/>
-              </a:rPr>
-              <a:t> = </a:t>
-            </a:r>
-            <a:r>
-              <a:rPr lang="en-US" sz="2000" kern="0" dirty="0" err="1">
-                <a:latin typeface="Consolas" panose="020B0609020204030204" pitchFamily="49" charset="0"/>
-                <a:cs typeface="Calibri Light" panose="020F0302020204030204" pitchFamily="34" charset="0"/>
-                <a:sym typeface="Wingdings" panose="05000000000000000000" pitchFamily="2" charset="2"/>
-              </a:rPr>
-              <a:t>doc.querySelector</a:t>
-            </a:r>
-            <a:r>
-              <a:rPr lang="en-US" sz="2000" kern="0" dirty="0">
-                <a:latin typeface="Consolas" panose="020B0609020204030204" pitchFamily="49" charset="0"/>
-                <a:cs typeface="Calibri Light" panose="020F0302020204030204" pitchFamily="34" charset="0"/>
-                <a:sym typeface="Wingdings" panose="05000000000000000000" pitchFamily="2" charset="2"/>
-              </a:rPr>
-              <a:t>(‘.</a:t>
-            </a:r>
-            <a:r>
-              <a:rPr lang="en-US" sz="2000" kern="0" dirty="0" err="1">
-                <a:latin typeface="Consolas" panose="020B0609020204030204" pitchFamily="49" charset="0"/>
-                <a:cs typeface="Calibri Light" panose="020F0302020204030204" pitchFamily="34" charset="0"/>
-                <a:sym typeface="Wingdings" panose="05000000000000000000" pitchFamily="2" charset="2"/>
-              </a:rPr>
-              <a:t>btn</a:t>
-            </a:r>
-            <a:r>
-              <a:rPr lang="en-US" sz="2000" kern="0" dirty="0">
-                <a:latin typeface="Consolas" panose="020B0609020204030204" pitchFamily="49" charset="0"/>
-                <a:cs typeface="Calibri Light" panose="020F0302020204030204" pitchFamily="34" charset="0"/>
-                <a:sym typeface="Wingdings" panose="05000000000000000000" pitchFamily="2" charset="2"/>
-              </a:rPr>
-              <a:t>’);</a:t>
-            </a:r>
-          </a:p>
-          <a:p>
-            <a:pPr marL="12700">
-              <a:spcBef>
-                <a:spcPts val="95"/>
-              </a:spcBef>
-            </a:pPr>
-            <a:r>
-              <a:rPr lang="en-US" sz="2000" kern="0" dirty="0" err="1">
-                <a:latin typeface="Consolas" panose="020B0609020204030204" pitchFamily="49" charset="0"/>
-                <a:cs typeface="Calibri Light" panose="020F0302020204030204" pitchFamily="34" charset="0"/>
-                <a:sym typeface="Wingdings" panose="05000000000000000000" pitchFamily="2" charset="2"/>
-              </a:rPr>
-              <a:t>btn.onclick</a:t>
-            </a:r>
-            <a:r>
-              <a:rPr lang="en-US" sz="2000" kern="0" dirty="0">
-                <a:latin typeface="Consolas" panose="020B0609020204030204" pitchFamily="49" charset="0"/>
-                <a:cs typeface="Calibri Light" panose="020F0302020204030204" pitchFamily="34" charset="0"/>
-                <a:sym typeface="Wingdings" panose="05000000000000000000" pitchFamily="2" charset="2"/>
-              </a:rPr>
-              <a:t> = ()=&gt;{ log(‘clicked’); }</a:t>
-            </a:r>
-            <a:endParaRPr lang="en-US" sz="2800" kern="0" dirty="0">
+              <a:t>To remove elements we can use </a:t>
+            </a:r>
+            <a:r>
+              <a:rPr lang="en-US" sz="2800" kern="0" dirty="0" err="1">
+                <a:latin typeface="+mn-lt"/>
+                <a:cs typeface="Calibri Light" panose="020F0302020204030204" pitchFamily="34" charset="0"/>
+                <a:sym typeface="Wingdings" panose="05000000000000000000" pitchFamily="2" charset="2"/>
+              </a:rPr>
+              <a:t>removeChild</a:t>
+            </a:r>
+            <a:r>
+              <a:rPr lang="en-US" sz="2800" kern="0" dirty="0">
+                <a:latin typeface="+mn-lt"/>
+                <a:cs typeface="Calibri Light" panose="020F0302020204030204" pitchFamily="34" charset="0"/>
+                <a:sym typeface="Wingdings" panose="05000000000000000000" pitchFamily="2" charset="2"/>
+              </a:rPr>
+              <a:t>();</a:t>
+            </a:r>
+          </a:p>
+          <a:p>
+            <a:pPr marL="12700">
+              <a:spcBef>
+                <a:spcPts val="95"/>
+              </a:spcBef>
+            </a:pPr>
+            <a:r>
+              <a:rPr lang="en-US" sz="2800" kern="0" dirty="0">
+                <a:latin typeface="+mn-lt"/>
+                <a:cs typeface="Calibri Light" panose="020F0302020204030204" pitchFamily="34" charset="0"/>
+                <a:sym typeface="Wingdings" panose="05000000000000000000" pitchFamily="2" charset="2"/>
+              </a:rPr>
+              <a:t>To directly remove use remove();</a:t>
+            </a:r>
+            <a:endParaRPr lang="en-US" sz="3200" kern="0" dirty="0">
               <a:latin typeface="+mn-lt"/>
               <a:cs typeface="Calibri Light" panose="020F0302020204030204" pitchFamily="34" charset="0"/>
               <a:sym typeface="Wingdings" panose="05000000000000000000" pitchFamily="2" charset="2"/>
             </a:endParaRPr>
           </a:p>
-          <a:p>
-            <a:pPr marL="12700">
-              <a:spcBef>
-                <a:spcPts val="95"/>
-              </a:spcBef>
-            </a:pPr>
-            <a:r>
-              <a:rPr lang="en-US" sz="2800" kern="0" dirty="0">
-                <a:latin typeface="+mn-lt"/>
-                <a:cs typeface="Calibri Light" panose="020F0302020204030204" pitchFamily="34" charset="0"/>
-                <a:sym typeface="Wingdings" panose="05000000000000000000" pitchFamily="2" charset="2"/>
-              </a:rPr>
-              <a:t>3. using </a:t>
-            </a:r>
-            <a:r>
-              <a:rPr lang="en-US" sz="2800" kern="0" dirty="0" err="1">
-                <a:latin typeface="+mn-lt"/>
-                <a:cs typeface="Calibri Light" panose="020F0302020204030204" pitchFamily="34" charset="0"/>
-                <a:sym typeface="Wingdings" panose="05000000000000000000" pitchFamily="2" charset="2"/>
-              </a:rPr>
-              <a:t>eventListener</a:t>
-            </a:r>
-            <a:endParaRPr lang="en-US" sz="2800" kern="0" dirty="0">
-              <a:latin typeface="+mn-lt"/>
-              <a:cs typeface="Calibri Light" panose="020F0302020204030204" pitchFamily="34" charset="0"/>
-              <a:sym typeface="Wingdings" panose="05000000000000000000" pitchFamily="2" charset="2"/>
-            </a:endParaRPr>
-          </a:p>
-          <a:p>
-            <a:pPr marL="12700">
-              <a:spcBef>
-                <a:spcPts val="95"/>
-              </a:spcBef>
-            </a:pPr>
-            <a:r>
-              <a:rPr lang="en-US" sz="2000" kern="0" dirty="0" err="1">
-                <a:latin typeface="Consolas" panose="020B0609020204030204" pitchFamily="49" charset="0"/>
-                <a:cs typeface="Calibri Light" panose="020F0302020204030204" pitchFamily="34" charset="0"/>
-                <a:sym typeface="Wingdings" panose="05000000000000000000" pitchFamily="2" charset="2"/>
-              </a:rPr>
-              <a:t>btn.addEventListener</a:t>
-            </a:r>
-            <a:r>
-              <a:rPr lang="en-US" sz="2000" kern="0" dirty="0">
-                <a:latin typeface="Consolas" panose="020B0609020204030204" pitchFamily="49" charset="0"/>
-                <a:cs typeface="Calibri Light" panose="020F0302020204030204" pitchFamily="34" charset="0"/>
-                <a:sym typeface="Wingdings" panose="05000000000000000000" pitchFamily="2" charset="2"/>
-              </a:rPr>
-              <a:t>(‘click’,()=&gt;{ log(‘clicked’); } ); </a:t>
-            </a:r>
-            <a:r>
-              <a:rPr lang="en-US" sz="2000" kern="0" dirty="0" err="1">
-                <a:latin typeface="Consolas" panose="020B0609020204030204" pitchFamily="49" charset="0"/>
-                <a:cs typeface="Calibri Light" panose="020F0302020204030204" pitchFamily="34" charset="0"/>
-                <a:sym typeface="Wingdings" panose="05000000000000000000" pitchFamily="2" charset="2"/>
-              </a:rPr>
-              <a:t>btn.addEventListener</a:t>
-            </a:r>
-            <a:r>
-              <a:rPr lang="en-US" sz="2000" kern="0" dirty="0">
-                <a:latin typeface="Consolas" panose="020B0609020204030204" pitchFamily="49" charset="0"/>
-                <a:cs typeface="Calibri Light" panose="020F0302020204030204" pitchFamily="34" charset="0"/>
-                <a:sym typeface="Wingdings" panose="05000000000000000000" pitchFamily="2" charset="2"/>
-              </a:rPr>
-              <a:t>(‘</a:t>
-            </a:r>
-            <a:r>
-              <a:rPr lang="en-US" sz="2000" kern="0" dirty="0" err="1">
-                <a:latin typeface="Consolas" panose="020B0609020204030204" pitchFamily="49" charset="0"/>
-                <a:cs typeface="Calibri Light" panose="020F0302020204030204" pitchFamily="34" charset="0"/>
-                <a:sym typeface="Wingdings" panose="05000000000000000000" pitchFamily="2" charset="2"/>
-              </a:rPr>
-              <a:t>dblclick</a:t>
-            </a:r>
-            <a:r>
-              <a:rPr lang="en-US" sz="2000" kern="0" dirty="0">
-                <a:latin typeface="Consolas" panose="020B0609020204030204" pitchFamily="49" charset="0"/>
-                <a:cs typeface="Calibri Light" panose="020F0302020204030204" pitchFamily="34" charset="0"/>
-                <a:sym typeface="Wingdings" panose="05000000000000000000" pitchFamily="2" charset="2"/>
-              </a:rPr>
-              <a:t>’,()=&gt;{ log(‘clicked twice’); } );</a:t>
-            </a:r>
-          </a:p>
-          <a:p>
-            <a:pPr marL="12700">
-              <a:spcBef>
-                <a:spcPts val="95"/>
-              </a:spcBef>
-            </a:pPr>
-            <a:endParaRPr lang="en-US" sz="2800" kern="0" dirty="0">
-              <a:latin typeface="+mn-lt"/>
-              <a:cs typeface="Calibri Light" panose="020F0302020204030204" pitchFamily="34" charset="0"/>
-              <a:sym typeface="Wingdings" panose="05000000000000000000" pitchFamily="2" charset="2"/>
-            </a:endParaRPr>
-          </a:p>
-          <a:p>
-            <a:pPr marL="12700">
-              <a:spcBef>
-                <a:spcPts val="95"/>
-              </a:spcBef>
-            </a:pPr>
-            <a:r>
-              <a:rPr lang="en-US" sz="2800" kern="0" dirty="0">
-                <a:latin typeface="+mn-lt"/>
-                <a:cs typeface="Calibri Light" panose="020F0302020204030204" pitchFamily="34" charset="0"/>
-                <a:sym typeface="Wingdings" panose="05000000000000000000" pitchFamily="2" charset="2"/>
-              </a:rPr>
-              <a:t>Input Events</a:t>
-            </a:r>
-          </a:p>
-          <a:p>
-            <a:pPr marL="12700">
-              <a:spcBef>
-                <a:spcPts val="95"/>
-              </a:spcBef>
-            </a:pPr>
-            <a:r>
-              <a:rPr lang="en-US" sz="2000" kern="0" dirty="0" err="1">
-                <a:latin typeface="Consolas" panose="020B0609020204030204" pitchFamily="49" charset="0"/>
-                <a:cs typeface="Calibri Light" panose="020F0302020204030204" pitchFamily="34" charset="0"/>
-                <a:sym typeface="Wingdings" panose="05000000000000000000" pitchFamily="2" charset="2"/>
-              </a:rPr>
-              <a:t>btn.addEventListener</a:t>
-            </a:r>
-            <a:r>
-              <a:rPr lang="en-US" sz="2000" kern="0" dirty="0">
-                <a:latin typeface="Consolas" panose="020B0609020204030204" pitchFamily="49" charset="0"/>
-                <a:cs typeface="Calibri Light" panose="020F0302020204030204" pitchFamily="34" charset="0"/>
-                <a:sym typeface="Wingdings" panose="05000000000000000000" pitchFamily="2" charset="2"/>
-              </a:rPr>
-              <a:t>(‘input’,()=&gt;{ log(‘clicked’); } );</a:t>
-            </a:r>
-            <a:endParaRPr lang="en-US" sz="2400" kern="0" dirty="0">
-              <a:latin typeface="+mj-lt"/>
-              <a:cs typeface="Calibri Light" panose="020F0302020204030204" pitchFamily="34" charset="0"/>
-              <a:sym typeface="Wingdings" panose="05000000000000000000" pitchFamily="2" charset="2"/>
-            </a:endParaRPr>
-          </a:p>
-          <a:p>
-            <a:pPr marL="12700">
-              <a:spcBef>
-                <a:spcPts val="95"/>
-              </a:spcBef>
-            </a:pPr>
-            <a:r>
-              <a:rPr lang="en-US" sz="2400" kern="0" dirty="0">
-                <a:latin typeface="+mj-lt"/>
-                <a:cs typeface="Calibri Light" panose="020F0302020204030204" pitchFamily="34" charset="0"/>
-                <a:sym typeface="Wingdings" panose="05000000000000000000" pitchFamily="2" charset="2"/>
-              </a:rPr>
-              <a:t>To access the elements in input tag we use </a:t>
-            </a:r>
-            <a:r>
-              <a:rPr lang="en-US" sz="2400" kern="0" dirty="0" err="1">
-                <a:latin typeface="+mj-lt"/>
-                <a:cs typeface="Calibri Light" panose="020F0302020204030204" pitchFamily="34" charset="0"/>
-                <a:sym typeface="Wingdings" panose="05000000000000000000" pitchFamily="2" charset="2"/>
-              </a:rPr>
-              <a:t>arg</a:t>
-            </a:r>
-            <a:r>
-              <a:rPr lang="en-US" sz="2400" kern="0" dirty="0">
-                <a:latin typeface="+mj-lt"/>
-                <a:cs typeface="Calibri Light" panose="020F0302020204030204" pitchFamily="34" charset="0"/>
-                <a:sym typeface="Wingdings" panose="05000000000000000000" pitchFamily="2" charset="2"/>
-              </a:rPr>
-              <a:t> e and  </a:t>
-            </a:r>
-            <a:r>
-              <a:rPr lang="en-US" sz="2400" kern="0" dirty="0" err="1">
-                <a:latin typeface="+mj-lt"/>
-                <a:cs typeface="Calibri Light" panose="020F0302020204030204" pitchFamily="34" charset="0"/>
-                <a:sym typeface="Wingdings" panose="05000000000000000000" pitchFamily="2" charset="2"/>
-              </a:rPr>
-              <a:t>e.target.value</a:t>
-            </a:r>
-            <a:r>
-              <a:rPr lang="en-US" sz="2400" kern="0" dirty="0">
-                <a:latin typeface="+mj-lt"/>
-                <a:cs typeface="Calibri Light" panose="020F0302020204030204" pitchFamily="34" charset="0"/>
-                <a:sym typeface="Wingdings" panose="05000000000000000000" pitchFamily="2" charset="2"/>
-              </a:rPr>
-              <a:t> for its value</a:t>
-            </a:r>
-          </a:p>
-          <a:p>
-            <a:pPr marL="12700">
-              <a:spcBef>
-                <a:spcPts val="95"/>
-              </a:spcBef>
-            </a:pPr>
-            <a:r>
-              <a:rPr lang="en-US" sz="2000" kern="0" dirty="0" err="1">
-                <a:latin typeface="Consolas" panose="020B0609020204030204" pitchFamily="49" charset="0"/>
-                <a:cs typeface="Calibri Light" panose="020F0302020204030204" pitchFamily="34" charset="0"/>
-                <a:sym typeface="Wingdings" panose="05000000000000000000" pitchFamily="2" charset="2"/>
-              </a:rPr>
-              <a:t>btn.addEventListener</a:t>
-            </a:r>
-            <a:r>
-              <a:rPr lang="en-US" sz="2000" kern="0" dirty="0">
-                <a:latin typeface="Consolas" panose="020B0609020204030204" pitchFamily="49" charset="0"/>
-                <a:cs typeface="Calibri Light" panose="020F0302020204030204" pitchFamily="34" charset="0"/>
-                <a:sym typeface="Wingdings" panose="05000000000000000000" pitchFamily="2" charset="2"/>
-              </a:rPr>
-              <a:t>(‘input’,(e)=&gt;{ log(</a:t>
-            </a:r>
-            <a:r>
-              <a:rPr lang="en-US" sz="2000" kern="0" dirty="0" err="1">
-                <a:latin typeface="Consolas" panose="020B0609020204030204" pitchFamily="49" charset="0"/>
-                <a:cs typeface="Calibri Light" panose="020F0302020204030204" pitchFamily="34" charset="0"/>
-                <a:sym typeface="Wingdings" panose="05000000000000000000" pitchFamily="2" charset="2"/>
-              </a:rPr>
-              <a:t>e.target.value</a:t>
-            </a:r>
-            <a:r>
-              <a:rPr lang="en-US" sz="2000" kern="0" dirty="0">
-                <a:latin typeface="Consolas" panose="020B0609020204030204" pitchFamily="49" charset="0"/>
-                <a:cs typeface="Calibri Light" panose="020F0302020204030204" pitchFamily="34" charset="0"/>
-                <a:sym typeface="Wingdings" panose="05000000000000000000" pitchFamily="2" charset="2"/>
-              </a:rPr>
-              <a:t>); } );</a:t>
-            </a:r>
-          </a:p>
-          <a:p>
-            <a:pPr marL="12700">
-              <a:spcBef>
-                <a:spcPts val="95"/>
-              </a:spcBef>
-            </a:pPr>
-            <a:endParaRPr lang="en-US" sz="2800" kern="0" dirty="0">
-              <a:latin typeface="+mn-lt"/>
-              <a:cs typeface="Calibri Light" panose="020F0302020204030204" pitchFamily="34" charset="0"/>
-              <a:sym typeface="Wingdings" panose="05000000000000000000" pitchFamily="2" charset="2"/>
-            </a:endParaRPr>
-          </a:p>
         </p:txBody>
       </p:sp>
     </p:spTree>
     <p:extLst>
       <p:ext uri="{BB962C8B-B14F-4D97-AF65-F5344CB8AC3E}">
-        <p14:creationId xmlns:p14="http://schemas.microsoft.com/office/powerpoint/2010/main" val="973722338"/>
+        <p14:creationId xmlns:p14="http://schemas.microsoft.com/office/powerpoint/2010/main" val="2613100490"/>
       </p:ext>
     </p:extLst>
   </p:cSld>
@@ -18859,7 +18583,7 @@
         <p:spPr>
           <a:xfrm>
             <a:off x="533400" y="838200"/>
-            <a:ext cx="11621728" cy="5262338"/>
+            <a:ext cx="11621728" cy="5398273"/>
           </a:xfrm>
           <a:prstGeom prst="rect">
             <a:avLst/>
@@ -18893,9 +18617,127 @@
                 <a:cs typeface="Calibri Light" panose="020F0302020204030204" pitchFamily="34" charset="0"/>
                 <a:sym typeface="Wingdings" panose="05000000000000000000" pitchFamily="2" charset="2"/>
               </a:rPr>
-              <a:t>Submit Events : Used in form tag</a:t>
-            </a:r>
-            <a:endParaRPr lang="en-US" sz="2400" kern="0" dirty="0">
+              <a:t>Actions that happen in HTML document.</a:t>
+            </a:r>
+          </a:p>
+          <a:p>
+            <a:pPr marL="527050" indent="-514350">
+              <a:spcBef>
+                <a:spcPts val="95"/>
+              </a:spcBef>
+              <a:buAutoNum type="arabicPeriod"/>
+            </a:pPr>
+            <a:r>
+              <a:rPr lang="en-US" sz="2800" kern="0" dirty="0">
+                <a:latin typeface="+mn-lt"/>
+                <a:cs typeface="Calibri Light" panose="020F0302020204030204" pitchFamily="34" charset="0"/>
+                <a:sym typeface="Wingdings" panose="05000000000000000000" pitchFamily="2" charset="2"/>
+              </a:rPr>
+              <a:t>Inline: onclick as attribute</a:t>
+            </a:r>
+          </a:p>
+          <a:p>
+            <a:pPr marL="527050" indent="-514350">
+              <a:spcBef>
+                <a:spcPts val="95"/>
+              </a:spcBef>
+              <a:buAutoNum type="arabicPeriod"/>
+            </a:pPr>
+            <a:r>
+              <a:rPr lang="en-US" sz="2800" kern="0" dirty="0">
+                <a:latin typeface="+mn-lt"/>
+                <a:cs typeface="Calibri Light" panose="020F0302020204030204" pitchFamily="34" charset="0"/>
+                <a:sym typeface="Wingdings" panose="05000000000000000000" pitchFamily="2" charset="2"/>
+              </a:rPr>
+              <a:t>onclick directly </a:t>
+            </a:r>
+          </a:p>
+          <a:p>
+            <a:pPr marL="12700">
+              <a:spcBef>
+                <a:spcPts val="95"/>
+              </a:spcBef>
+            </a:pPr>
+            <a:r>
+              <a:rPr lang="en-US" sz="2000" kern="0" dirty="0">
+                <a:latin typeface="Consolas" panose="020B0609020204030204" pitchFamily="49" charset="0"/>
+                <a:cs typeface="Calibri Light" panose="020F0302020204030204" pitchFamily="34" charset="0"/>
+                <a:sym typeface="Wingdings" panose="05000000000000000000" pitchFamily="2" charset="2"/>
+              </a:rPr>
+              <a:t>const </a:t>
+            </a:r>
+            <a:r>
+              <a:rPr lang="en-US" sz="2000" kern="0" dirty="0" err="1">
+                <a:latin typeface="Consolas" panose="020B0609020204030204" pitchFamily="49" charset="0"/>
+                <a:cs typeface="Calibri Light" panose="020F0302020204030204" pitchFamily="34" charset="0"/>
+                <a:sym typeface="Wingdings" panose="05000000000000000000" pitchFamily="2" charset="2"/>
+              </a:rPr>
+              <a:t>btn</a:t>
+            </a:r>
+            <a:r>
+              <a:rPr lang="en-US" sz="2000" kern="0" dirty="0">
+                <a:latin typeface="Consolas" panose="020B0609020204030204" pitchFamily="49" charset="0"/>
+                <a:cs typeface="Calibri Light" panose="020F0302020204030204" pitchFamily="34" charset="0"/>
+                <a:sym typeface="Wingdings" panose="05000000000000000000" pitchFamily="2" charset="2"/>
+              </a:rPr>
+              <a:t> = </a:t>
+            </a:r>
+            <a:r>
+              <a:rPr lang="en-US" sz="2000" kern="0" dirty="0" err="1">
+                <a:latin typeface="Consolas" panose="020B0609020204030204" pitchFamily="49" charset="0"/>
+                <a:cs typeface="Calibri Light" panose="020F0302020204030204" pitchFamily="34" charset="0"/>
+                <a:sym typeface="Wingdings" panose="05000000000000000000" pitchFamily="2" charset="2"/>
+              </a:rPr>
+              <a:t>doc.querySelector</a:t>
+            </a:r>
+            <a:r>
+              <a:rPr lang="en-US" sz="2000" kern="0" dirty="0">
+                <a:latin typeface="Consolas" panose="020B0609020204030204" pitchFamily="49" charset="0"/>
+                <a:cs typeface="Calibri Light" panose="020F0302020204030204" pitchFamily="34" charset="0"/>
+                <a:sym typeface="Wingdings" panose="05000000000000000000" pitchFamily="2" charset="2"/>
+              </a:rPr>
+              <a:t>(‘.</a:t>
+            </a:r>
+            <a:r>
+              <a:rPr lang="en-US" sz="2000" kern="0" dirty="0" err="1">
+                <a:latin typeface="Consolas" panose="020B0609020204030204" pitchFamily="49" charset="0"/>
+                <a:cs typeface="Calibri Light" panose="020F0302020204030204" pitchFamily="34" charset="0"/>
+                <a:sym typeface="Wingdings" panose="05000000000000000000" pitchFamily="2" charset="2"/>
+              </a:rPr>
+              <a:t>btn</a:t>
+            </a:r>
+            <a:r>
+              <a:rPr lang="en-US" sz="2000" kern="0" dirty="0">
+                <a:latin typeface="Consolas" panose="020B0609020204030204" pitchFamily="49" charset="0"/>
+                <a:cs typeface="Calibri Light" panose="020F0302020204030204" pitchFamily="34" charset="0"/>
+                <a:sym typeface="Wingdings" panose="05000000000000000000" pitchFamily="2" charset="2"/>
+              </a:rPr>
+              <a:t>’);</a:t>
+            </a:r>
+          </a:p>
+          <a:p>
+            <a:pPr marL="12700">
+              <a:spcBef>
+                <a:spcPts val="95"/>
+              </a:spcBef>
+            </a:pPr>
+            <a:r>
+              <a:rPr lang="en-US" sz="2000" kern="0" dirty="0" err="1">
+                <a:latin typeface="Consolas" panose="020B0609020204030204" pitchFamily="49" charset="0"/>
+                <a:cs typeface="Calibri Light" panose="020F0302020204030204" pitchFamily="34" charset="0"/>
+                <a:sym typeface="Wingdings" panose="05000000000000000000" pitchFamily="2" charset="2"/>
+              </a:rPr>
+              <a:t>btn.onclick</a:t>
+            </a:r>
+            <a:r>
+              <a:rPr lang="en-US" sz="2000" kern="0" dirty="0">
+                <a:latin typeface="Consolas" panose="020B0609020204030204" pitchFamily="49" charset="0"/>
+                <a:cs typeface="Calibri Light" panose="020F0302020204030204" pitchFamily="34" charset="0"/>
+                <a:sym typeface="Wingdings" panose="05000000000000000000" pitchFamily="2" charset="2"/>
+              </a:rPr>
+              <a:t> = ()=&gt;{ log(‘clicked’); }</a:t>
+            </a:r>
+            <a:endParaRPr lang="en-US" sz="2800" kern="0" dirty="0">
               <a:latin typeface="+mn-lt"/>
               <a:cs typeface="Calibri Light" panose="020F0302020204030204" pitchFamily="34" charset="0"/>
               <a:sym typeface="Wingdings" panose="05000000000000000000" pitchFamily="2" charset="2"/>
@@ -18908,89 +18750,130 @@
               </a:spcBef>
             </a:pPr>
             <a:r>
-              <a:rPr lang="en-US" sz="2400" kern="0" dirty="0">
-                <a:latin typeface="Consolas" panose="020B0609020204030204" pitchFamily="49" charset="0"/>
-                <a:cs typeface="Calibri Light" panose="020F0302020204030204" pitchFamily="34" charset="0"/>
-                <a:sym typeface="Wingdings" panose="05000000000000000000" pitchFamily="2" charset="2"/>
-              </a:rPr>
-              <a:t>0.const form = </a:t>
-            </a:r>
-            <a:r>
-              <a:rPr lang="en-US" sz="2400" kern="0" dirty="0" err="1">
-                <a:latin typeface="Consolas" panose="020B0609020204030204" pitchFamily="49" charset="0"/>
-                <a:cs typeface="Calibri Light" panose="020F0302020204030204" pitchFamily="34" charset="0"/>
-                <a:sym typeface="Wingdings" panose="05000000000000000000" pitchFamily="2" charset="2"/>
-              </a:rPr>
-              <a:t>doc.querySelector</a:t>
-            </a:r>
-            <a:r>
-              <a:rPr lang="en-US" sz="2400" kern="0" dirty="0">
-                <a:latin typeface="Consolas" panose="020B0609020204030204" pitchFamily="49" charset="0"/>
-                <a:cs typeface="Calibri Light" panose="020F0302020204030204" pitchFamily="34" charset="0"/>
-                <a:sym typeface="Wingdings" panose="05000000000000000000" pitchFamily="2" charset="2"/>
-              </a:rPr>
-              <a:t>(‘form’);</a:t>
-            </a:r>
-          </a:p>
-          <a:p>
-            <a:pPr marL="12700">
-              <a:spcBef>
-                <a:spcPts val="95"/>
-              </a:spcBef>
-            </a:pPr>
-            <a:r>
-              <a:rPr lang="en-US" sz="2400" kern="0" dirty="0">
-                <a:latin typeface="Consolas" panose="020B0609020204030204" pitchFamily="49" charset="0"/>
-                <a:cs typeface="Calibri Light" panose="020F0302020204030204" pitchFamily="34" charset="0"/>
-                <a:sym typeface="Wingdings" panose="05000000000000000000" pitchFamily="2" charset="2"/>
-              </a:rPr>
-              <a:t>1.form.addEventListener(‘submit’,()=&gt;{ log(‘form submitted’); } );</a:t>
-            </a:r>
-          </a:p>
-          <a:p>
-            <a:pPr marL="12700">
-              <a:spcBef>
-                <a:spcPts val="95"/>
-              </a:spcBef>
-            </a:pPr>
-            <a:r>
-              <a:rPr lang="en-US" sz="2400" kern="0" dirty="0">
-                <a:latin typeface="Consolas" panose="020B0609020204030204" pitchFamily="49" charset="0"/>
-                <a:cs typeface="Calibri Light" panose="020F0302020204030204" pitchFamily="34" charset="0"/>
-                <a:sym typeface="Wingdings" panose="05000000000000000000" pitchFamily="2" charset="2"/>
-              </a:rPr>
-              <a:t>//the submit will reload the page, </a:t>
-            </a:r>
-          </a:p>
-          <a:p>
-            <a:pPr marL="12700">
-              <a:spcBef>
-                <a:spcPts val="95"/>
-              </a:spcBef>
-            </a:pPr>
-            <a:r>
-              <a:rPr lang="en-US" sz="2400" kern="0" dirty="0">
-                <a:latin typeface="Consolas" panose="020B0609020204030204" pitchFamily="49" charset="0"/>
-                <a:cs typeface="Calibri Light" panose="020F0302020204030204" pitchFamily="34" charset="0"/>
-                <a:sym typeface="Wingdings" panose="05000000000000000000" pitchFamily="2" charset="2"/>
-              </a:rPr>
-              <a:t>//to stop it we have to use </a:t>
-            </a:r>
-            <a:r>
-              <a:rPr lang="en-US" sz="2400" kern="0" dirty="0" err="1">
-                <a:latin typeface="Consolas" panose="020B0609020204030204" pitchFamily="49" charset="0"/>
-                <a:cs typeface="Calibri Light" panose="020F0302020204030204" pitchFamily="34" charset="0"/>
-                <a:sym typeface="Wingdings" panose="05000000000000000000" pitchFamily="2" charset="2"/>
-              </a:rPr>
-              <a:t>event.preventDefault</a:t>
-            </a:r>
-            <a:r>
-              <a:rPr lang="en-US" sz="2400" kern="0" dirty="0">
-                <a:latin typeface="Consolas" panose="020B0609020204030204" pitchFamily="49" charset="0"/>
-                <a:cs typeface="Calibri Light" panose="020F0302020204030204" pitchFamily="34" charset="0"/>
-                <a:sym typeface="Wingdings" panose="05000000000000000000" pitchFamily="2" charset="2"/>
-              </a:rPr>
-              <a:t>()</a:t>
+              <a:rPr lang="en-US" sz="2800" kern="0" dirty="0">
+                <a:latin typeface="+mn-lt"/>
+                <a:cs typeface="Calibri Light" panose="020F0302020204030204" pitchFamily="34" charset="0"/>
+                <a:sym typeface="Wingdings" panose="05000000000000000000" pitchFamily="2" charset="2"/>
+              </a:rPr>
+              <a:t>3. using </a:t>
+            </a:r>
+            <a:r>
+              <a:rPr lang="en-US" sz="2800" kern="0" dirty="0" err="1">
+                <a:latin typeface="+mn-lt"/>
+                <a:cs typeface="Calibri Light" panose="020F0302020204030204" pitchFamily="34" charset="0"/>
+                <a:sym typeface="Wingdings" panose="05000000000000000000" pitchFamily="2" charset="2"/>
+              </a:rPr>
+              <a:t>eventListener</a:t>
+            </a:r>
+            <a:endParaRPr lang="en-US" sz="2800" kern="0" dirty="0">
+              <a:latin typeface="+mn-lt"/>
+              <a:cs typeface="Calibri Light" panose="020F0302020204030204" pitchFamily="34" charset="0"/>
+              <a:sym typeface="Wingdings" panose="05000000000000000000" pitchFamily="2" charset="2"/>
+            </a:endParaRPr>
+          </a:p>
+          <a:p>
+            <a:pPr marL="12700">
+              <a:spcBef>
+                <a:spcPts val="95"/>
+              </a:spcBef>
+            </a:pPr>
+            <a:r>
+              <a:rPr lang="en-US" sz="2000" kern="0" dirty="0" err="1">
+                <a:latin typeface="Consolas" panose="020B0609020204030204" pitchFamily="49" charset="0"/>
+                <a:cs typeface="Calibri Light" panose="020F0302020204030204" pitchFamily="34" charset="0"/>
+                <a:sym typeface="Wingdings" panose="05000000000000000000" pitchFamily="2" charset="2"/>
+              </a:rPr>
+              <a:t>btn.addEventListener</a:t>
+            </a:r>
+            <a:r>
+              <a:rPr lang="en-US" sz="2000" kern="0" dirty="0">
+                <a:latin typeface="Consolas" panose="020B0609020204030204" pitchFamily="49" charset="0"/>
+                <a:cs typeface="Calibri Light" panose="020F0302020204030204" pitchFamily="34" charset="0"/>
+                <a:sym typeface="Wingdings" panose="05000000000000000000" pitchFamily="2" charset="2"/>
+              </a:rPr>
+              <a:t>(‘click’,()=&gt;{ log(‘clicked’); } ); </a:t>
+            </a:r>
+            <a:r>
+              <a:rPr lang="en-US" sz="2000" kern="0" dirty="0" err="1">
+                <a:latin typeface="Consolas" panose="020B0609020204030204" pitchFamily="49" charset="0"/>
+                <a:cs typeface="Calibri Light" panose="020F0302020204030204" pitchFamily="34" charset="0"/>
+                <a:sym typeface="Wingdings" panose="05000000000000000000" pitchFamily="2" charset="2"/>
+              </a:rPr>
+              <a:t>btn.addEventListener</a:t>
+            </a:r>
+            <a:r>
+              <a:rPr lang="en-US" sz="2000" kern="0" dirty="0">
+                <a:latin typeface="Consolas" panose="020B0609020204030204" pitchFamily="49" charset="0"/>
+                <a:cs typeface="Calibri Light" panose="020F0302020204030204" pitchFamily="34" charset="0"/>
+                <a:sym typeface="Wingdings" panose="05000000000000000000" pitchFamily="2" charset="2"/>
+              </a:rPr>
+              <a:t>(‘</a:t>
+            </a:r>
+            <a:r>
+              <a:rPr lang="en-US" sz="2000" kern="0" dirty="0" err="1">
+                <a:latin typeface="Consolas" panose="020B0609020204030204" pitchFamily="49" charset="0"/>
+                <a:cs typeface="Calibri Light" panose="020F0302020204030204" pitchFamily="34" charset="0"/>
+                <a:sym typeface="Wingdings" panose="05000000000000000000" pitchFamily="2" charset="2"/>
+              </a:rPr>
+              <a:t>dblclick</a:t>
+            </a:r>
+            <a:r>
+              <a:rPr lang="en-US" sz="2000" kern="0" dirty="0">
+                <a:latin typeface="Consolas" panose="020B0609020204030204" pitchFamily="49" charset="0"/>
+                <a:cs typeface="Calibri Light" panose="020F0302020204030204" pitchFamily="34" charset="0"/>
+                <a:sym typeface="Wingdings" panose="05000000000000000000" pitchFamily="2" charset="2"/>
+              </a:rPr>
+              <a:t>’,()=&gt;{ log(‘clicked twice’); } );</a:t>
+            </a:r>
+          </a:p>
+          <a:p>
+            <a:pPr marL="12700">
+              <a:spcBef>
+                <a:spcPts val="95"/>
+              </a:spcBef>
+            </a:pPr>
+            <a:endParaRPr lang="en-US" sz="2800" kern="0" dirty="0">
+              <a:latin typeface="+mn-lt"/>
+              <a:cs typeface="Calibri Light" panose="020F0302020204030204" pitchFamily="34" charset="0"/>
+              <a:sym typeface="Wingdings" panose="05000000000000000000" pitchFamily="2" charset="2"/>
+            </a:endParaRPr>
+          </a:p>
+          <a:p>
+            <a:pPr marL="12700">
+              <a:spcBef>
+                <a:spcPts val="95"/>
+              </a:spcBef>
+            </a:pPr>
+            <a:r>
+              <a:rPr lang="en-US" sz="2800" kern="0" dirty="0">
+                <a:latin typeface="+mn-lt"/>
+                <a:cs typeface="Calibri Light" panose="020F0302020204030204" pitchFamily="34" charset="0"/>
+                <a:sym typeface="Wingdings" panose="05000000000000000000" pitchFamily="2" charset="2"/>
+              </a:rPr>
+              <a:t>Input Events</a:t>
+            </a:r>
+          </a:p>
+          <a:p>
+            <a:pPr marL="12700">
+              <a:spcBef>
+                <a:spcPts val="95"/>
+              </a:spcBef>
+            </a:pPr>
+            <a:r>
+              <a:rPr lang="en-US" sz="2000" kern="0" dirty="0" err="1">
+                <a:latin typeface="Consolas" panose="020B0609020204030204" pitchFamily="49" charset="0"/>
+                <a:cs typeface="Calibri Light" panose="020F0302020204030204" pitchFamily="34" charset="0"/>
+                <a:sym typeface="Wingdings" panose="05000000000000000000" pitchFamily="2" charset="2"/>
+              </a:rPr>
+              <a:t>btn.addEventListener</a:t>
+            </a:r>
+            <a:r>
+              <a:rPr lang="en-US" sz="2000" kern="0" dirty="0">
+                <a:latin typeface="Consolas" panose="020B0609020204030204" pitchFamily="49" charset="0"/>
+                <a:cs typeface="Calibri Light" panose="020F0302020204030204" pitchFamily="34" charset="0"/>
+                <a:sym typeface="Wingdings" panose="05000000000000000000" pitchFamily="2" charset="2"/>
+              </a:rPr>
+              <a:t>(‘input’,()=&gt;{ log(‘clicked’); } );</a:t>
             </a:r>
             <a:endParaRPr lang="en-US" sz="2400" kern="0" dirty="0">
               <a:latin typeface="+mj-lt"/>
@@ -19006,27 +18889,82 @@
             </a:pPr>
             <a:r>
               <a:rPr lang="en-US" sz="2400" kern="0" dirty="0">
-                <a:latin typeface="Consolas" panose="020B0609020204030204" pitchFamily="49" charset="0"/>
-                <a:cs typeface="Calibri Light" panose="020F0302020204030204" pitchFamily="34" charset="0"/>
-                <a:sym typeface="Wingdings" panose="05000000000000000000" pitchFamily="2" charset="2"/>
-              </a:rPr>
-              <a:t>2.form.addEventListener(‘submit’,(e)=&gt;{</a:t>
+                <a:latin typeface="+mj-lt"/>
+                <a:cs typeface="Calibri Light" panose="020F0302020204030204" pitchFamily="34" charset="0"/>
+                <a:sym typeface="Wingdings" panose="05000000000000000000" pitchFamily="2" charset="2"/>
+              </a:rPr>
+              <a:t>To access the elements in input tag we use </a:t>
             </a:r>
             <a:r>
               <a:rPr lang="en-US" sz="2400" kern="0" dirty="0" err="1">
-                <a:latin typeface="Consolas" panose="020B0609020204030204" pitchFamily="49" charset="0"/>
-                <a:cs typeface="Calibri Light" panose="020F0302020204030204" pitchFamily="34" charset="0"/>
-                <a:sym typeface="Wingdings" panose="05000000000000000000" pitchFamily="2" charset="2"/>
-              </a:rPr>
-              <a:t>e.preventDefault</a:t>
+                <a:latin typeface="+mj-lt"/>
+                <a:cs typeface="Calibri Light" panose="020F0302020204030204" pitchFamily="34" charset="0"/>
+                <a:sym typeface="Wingdings" panose="05000000000000000000" pitchFamily="2" charset="2"/>
+              </a:rPr>
+              <a:t>arg</a:t>
             </a:r>
             <a:r>
               <a:rPr lang="en-US" sz="2400" kern="0" dirty="0">
-                <a:latin typeface="Consolas" panose="020B0609020204030204" pitchFamily="49" charset="0"/>
-                <a:cs typeface="Calibri Light" panose="020F0302020204030204" pitchFamily="34" charset="0"/>
-                <a:sym typeface="Wingdings" panose="05000000000000000000" pitchFamily="2" charset="2"/>
-              </a:rPr>
-              <a:t>();log(‘form submitted’);});</a:t>
+                <a:latin typeface="+mj-lt"/>
+                <a:cs typeface="Calibri Light" panose="020F0302020204030204" pitchFamily="34" charset="0"/>
+                <a:sym typeface="Wingdings" panose="05000000000000000000" pitchFamily="2" charset="2"/>
+              </a:rPr>
+              <a:t> e and  </a:t>
+            </a:r>
+            <a:r>
+              <a:rPr lang="en-US" sz="2400" kern="0" dirty="0" err="1">
+                <a:latin typeface="+mj-lt"/>
+                <a:cs typeface="Calibri Light" panose="020F0302020204030204" pitchFamily="34" charset="0"/>
+                <a:sym typeface="Wingdings" panose="05000000000000000000" pitchFamily="2" charset="2"/>
+              </a:rPr>
+              <a:t>e.target.value</a:t>
+            </a:r>
+            <a:r>
+              <a:rPr lang="en-US" sz="2400" kern="0" dirty="0">
+                <a:latin typeface="+mj-lt"/>
+                <a:cs typeface="Calibri Light" panose="020F0302020204030204" pitchFamily="34" charset="0"/>
+                <a:sym typeface="Wingdings" panose="05000000000000000000" pitchFamily="2" charset="2"/>
+              </a:rPr>
+              <a:t> for its value</a:t>
+            </a:r>
+          </a:p>
+          <a:p>
+            <a:pPr marL="12700">
+              <a:spcBef>
+                <a:spcPts val="95"/>
+              </a:spcBef>
+            </a:pPr>
+            <a:r>
+              <a:rPr lang="en-US" sz="2000" kern="0" dirty="0" err="1">
+                <a:latin typeface="Consolas" panose="020B0609020204030204" pitchFamily="49" charset="0"/>
+                <a:cs typeface="Calibri Light" panose="020F0302020204030204" pitchFamily="34" charset="0"/>
+                <a:sym typeface="Wingdings" panose="05000000000000000000" pitchFamily="2" charset="2"/>
+              </a:rPr>
+              <a:t>btn.addEventListener</a:t>
+            </a:r>
+            <a:r>
+              <a:rPr lang="en-US" sz="2000" kern="0" dirty="0">
+                <a:latin typeface="Consolas" panose="020B0609020204030204" pitchFamily="49" charset="0"/>
+                <a:cs typeface="Calibri Light" panose="020F0302020204030204" pitchFamily="34" charset="0"/>
+                <a:sym typeface="Wingdings" panose="05000000000000000000" pitchFamily="2" charset="2"/>
+              </a:rPr>
+              <a:t>(‘input’,(e)=&gt;{ log(</a:t>
+            </a:r>
+            <a:r>
+              <a:rPr lang="en-US" sz="2000" kern="0" dirty="0" err="1">
+                <a:latin typeface="Consolas" panose="020B0609020204030204" pitchFamily="49" charset="0"/>
+                <a:cs typeface="Calibri Light" panose="020F0302020204030204" pitchFamily="34" charset="0"/>
+                <a:sym typeface="Wingdings" panose="05000000000000000000" pitchFamily="2" charset="2"/>
+              </a:rPr>
+              <a:t>e.target.value</a:t>
+            </a:r>
+            <a:r>
+              <a:rPr lang="en-US" sz="2000" kern="0" dirty="0">
+                <a:latin typeface="Consolas" panose="020B0609020204030204" pitchFamily="49" charset="0"/>
+                <a:cs typeface="Calibri Light" panose="020F0302020204030204" pitchFamily="34" charset="0"/>
+                <a:sym typeface="Wingdings" panose="05000000000000000000" pitchFamily="2" charset="2"/>
+              </a:rPr>
+              <a:t>); } );</a:t>
             </a:r>
           </a:p>
           <a:p>
@@ -19041,116 +18979,12 @@
               <a:sym typeface="Wingdings" panose="05000000000000000000" pitchFamily="2" charset="2"/>
             </a:endParaRPr>
           </a:p>
-          <a:p>
-            <a:pPr marL="12700">
-              <a:spcBef>
-                <a:spcPts val="95"/>
-              </a:spcBef>
-            </a:pPr>
-            <a:r>
-              <a:rPr lang="en-US" sz="2800" kern="0" dirty="0">
-                <a:latin typeface="+mn-lt"/>
-                <a:cs typeface="Calibri Light" panose="020F0302020204030204" pitchFamily="34" charset="0"/>
-                <a:sym typeface="Wingdings" panose="05000000000000000000" pitchFamily="2" charset="2"/>
-              </a:rPr>
-              <a:t>Access Elements of form</a:t>
-            </a:r>
-          </a:p>
-          <a:p>
-            <a:pPr marL="12700">
-              <a:spcBef>
-                <a:spcPts val="95"/>
-              </a:spcBef>
-            </a:pPr>
-            <a:r>
-              <a:rPr lang="en-US" sz="2800" kern="0" dirty="0">
-                <a:latin typeface="+mn-lt"/>
-                <a:cs typeface="Calibri Light" panose="020F0302020204030204" pitchFamily="34" charset="0"/>
-                <a:sym typeface="Wingdings" panose="05000000000000000000" pitchFamily="2" charset="2"/>
-              </a:rPr>
-              <a:t>For 2 input fields in form</a:t>
-            </a:r>
-          </a:p>
-          <a:p>
-            <a:pPr marL="12700">
-              <a:spcBef>
-                <a:spcPts val="95"/>
-              </a:spcBef>
-            </a:pPr>
-            <a:r>
-              <a:rPr lang="en-US" sz="2400" kern="0" dirty="0">
-                <a:latin typeface="Consolas" panose="020B0609020204030204" pitchFamily="49" charset="0"/>
-                <a:cs typeface="Calibri Light" panose="020F0302020204030204" pitchFamily="34" charset="0"/>
-                <a:sym typeface="Wingdings" panose="05000000000000000000" pitchFamily="2" charset="2"/>
-              </a:rPr>
-              <a:t>1.log(</a:t>
-            </a:r>
-            <a:r>
-              <a:rPr lang="en-US" sz="2400" kern="0" dirty="0" err="1">
-                <a:latin typeface="Consolas" panose="020B0609020204030204" pitchFamily="49" charset="0"/>
-                <a:cs typeface="Calibri Light" panose="020F0302020204030204" pitchFamily="34" charset="0"/>
-                <a:sym typeface="Wingdings" panose="05000000000000000000" pitchFamily="2" charset="2"/>
-              </a:rPr>
-              <a:t>form.elements</a:t>
-            </a:r>
-            <a:r>
-              <a:rPr lang="en-US" sz="2400" kern="0" dirty="0">
-                <a:latin typeface="Consolas" panose="020B0609020204030204" pitchFamily="49" charset="0"/>
-                <a:cs typeface="Calibri Light" panose="020F0302020204030204" pitchFamily="34" charset="0"/>
-                <a:sym typeface="Wingdings" panose="05000000000000000000" pitchFamily="2" charset="2"/>
-              </a:rPr>
-              <a:t>[0].value);</a:t>
-            </a:r>
-          </a:p>
-          <a:p>
-            <a:pPr marL="12700">
-              <a:spcBef>
-                <a:spcPts val="95"/>
-              </a:spcBef>
-            </a:pPr>
-            <a:r>
-              <a:rPr lang="en-US" sz="2400" kern="0" dirty="0">
-                <a:latin typeface="Consolas" panose="020B0609020204030204" pitchFamily="49" charset="0"/>
-                <a:cs typeface="Calibri Light" panose="020F0302020204030204" pitchFamily="34" charset="0"/>
-                <a:sym typeface="Wingdings" panose="05000000000000000000" pitchFamily="2" charset="2"/>
-              </a:rPr>
-              <a:t>2.log(</a:t>
-            </a:r>
-            <a:r>
-              <a:rPr lang="en-US" sz="2400" kern="0" dirty="0" err="1">
-                <a:latin typeface="Consolas" panose="020B0609020204030204" pitchFamily="49" charset="0"/>
-                <a:cs typeface="Calibri Light" panose="020F0302020204030204" pitchFamily="34" charset="0"/>
-                <a:sym typeface="Wingdings" panose="05000000000000000000" pitchFamily="2" charset="2"/>
-              </a:rPr>
-              <a:t>form.elements</a:t>
-            </a:r>
-            <a:r>
-              <a:rPr lang="en-US" sz="2400" kern="0" dirty="0">
-                <a:latin typeface="Consolas" panose="020B0609020204030204" pitchFamily="49" charset="0"/>
-                <a:cs typeface="Calibri Light" panose="020F0302020204030204" pitchFamily="34" charset="0"/>
-                <a:sym typeface="Wingdings" panose="05000000000000000000" pitchFamily="2" charset="2"/>
-              </a:rPr>
-              <a:t>[1].value);</a:t>
-            </a:r>
-          </a:p>
-          <a:p>
-            <a:pPr marL="12700">
-              <a:spcBef>
-                <a:spcPts val="95"/>
-              </a:spcBef>
-            </a:pPr>
-            <a:endParaRPr lang="en-US" sz="2800" kern="0" dirty="0">
-              <a:latin typeface="+mn-lt"/>
-              <a:cs typeface="Calibri Light" panose="020F0302020204030204" pitchFamily="34" charset="0"/>
-              <a:sym typeface="Wingdings" panose="05000000000000000000" pitchFamily="2" charset="2"/>
-            </a:endParaRPr>
-          </a:p>
         </p:txBody>
       </p:sp>
     </p:spTree>
     <p:extLst>
       <p:ext uri="{BB962C8B-B14F-4D97-AF65-F5344CB8AC3E}">
-        <p14:creationId xmlns:p14="http://schemas.microsoft.com/office/powerpoint/2010/main" val="2178604332"/>
+        <p14:creationId xmlns:p14="http://schemas.microsoft.com/office/powerpoint/2010/main" val="973722338"/>
       </p:ext>
     </p:extLst>
   </p:cSld>
@@ -19260,7 +19094,7 @@
                 <a:cs typeface="Calibri Light" panose="020F0302020204030204" pitchFamily="34" charset="0"/>
                 <a:sym typeface="Wingdings" panose="05000000000000000000" pitchFamily="2" charset="2"/>
               </a:rPr>
-              <a:t>Project ( Note Taking App)</a:t>
+              <a:t>DOM Events</a:t>
             </a:r>
           </a:p>
         </p:txBody>
@@ -19311,7 +19145,7 @@
         <p:spPr>
           <a:xfrm>
             <a:off x="533400" y="838200"/>
-            <a:ext cx="11621728" cy="3992760"/>
+            <a:ext cx="11621728" cy="5262338"/>
           </a:xfrm>
           <a:prstGeom prst="rect">
             <a:avLst/>
@@ -19334,11 +19168,10 @@
             </a:lvl1pPr>
           </a:lstStyle>
           <a:p>
-            <a:pPr marL="527050" indent="-514350">
-              <a:spcBef>
-                <a:spcPts val="95"/>
-              </a:spcBef>
-              <a:buAutoNum type="arabicPeriod"/>
+            <a:pPr marL="12700">
+              <a:spcBef>
+                <a:spcPts val="95"/>
+              </a:spcBef>
             </a:pPr>
             <a:r>
               <a:rPr lang="en-US" sz="2800" kern="0" dirty="0">
@@ -19346,151 +19179,147 @@
                 <a:cs typeface="Calibri Light" panose="020F0302020204030204" pitchFamily="34" charset="0"/>
                 <a:sym typeface="Wingdings" panose="05000000000000000000" pitchFamily="2" charset="2"/>
               </a:rPr>
-              <a:t>We will need html tags such as </a:t>
-            </a:r>
-            <a:r>
-              <a:rPr lang="en-US" sz="2800" kern="0" dirty="0" err="1">
-                <a:latin typeface="+mn-lt"/>
-                <a:cs typeface="Calibri Light" panose="020F0302020204030204" pitchFamily="34" charset="0"/>
-                <a:sym typeface="Wingdings" panose="05000000000000000000" pitchFamily="2" charset="2"/>
-              </a:rPr>
-              <a:t>ul</a:t>
-            </a:r>
-            <a:r>
-              <a:rPr lang="en-US" sz="2800" kern="0" dirty="0">
-                <a:latin typeface="+mn-lt"/>
-                <a:cs typeface="Calibri Light" panose="020F0302020204030204" pitchFamily="34" charset="0"/>
-                <a:sym typeface="Wingdings" panose="05000000000000000000" pitchFamily="2" charset="2"/>
-              </a:rPr>
-              <a:t> , input , button</a:t>
-            </a:r>
-          </a:p>
-          <a:p>
-            <a:pPr marL="527050" indent="-514350">
-              <a:spcBef>
-                <a:spcPts val="95"/>
-              </a:spcBef>
-              <a:buAutoNum type="arabicPeriod"/>
-            </a:pPr>
-            <a:r>
-              <a:rPr lang="en-US" sz="2800" kern="0" dirty="0">
-                <a:latin typeface="+mn-lt"/>
-                <a:cs typeface="Calibri Light" panose="020F0302020204030204" pitchFamily="34" charset="0"/>
-                <a:sym typeface="Wingdings" panose="05000000000000000000" pitchFamily="2" charset="2"/>
-              </a:rPr>
-              <a:t>Get elements in JS for all tags</a:t>
-            </a:r>
-          </a:p>
-          <a:p>
-            <a:pPr marL="527050" indent="-514350">
-              <a:spcBef>
-                <a:spcPts val="95"/>
-              </a:spcBef>
-              <a:buAutoNum type="arabicPeriod"/>
-            </a:pPr>
-            <a:r>
-              <a:rPr lang="en-US" sz="2800" kern="0" dirty="0">
-                <a:latin typeface="+mn-lt"/>
-                <a:cs typeface="Calibri Light" panose="020F0302020204030204" pitchFamily="34" charset="0"/>
-                <a:sym typeface="Wingdings" panose="05000000000000000000" pitchFamily="2" charset="2"/>
-              </a:rPr>
-              <a:t>when click event in button then create li.</a:t>
-            </a:r>
-          </a:p>
-          <a:p>
-            <a:pPr marL="527050" indent="-514350">
-              <a:spcBef>
-                <a:spcPts val="95"/>
-              </a:spcBef>
-              <a:buAutoNum type="arabicPeriod"/>
-            </a:pPr>
-            <a:r>
-              <a:rPr lang="en-US" sz="2800" kern="0" dirty="0">
-                <a:latin typeface="+mn-lt"/>
-                <a:cs typeface="Calibri Light" panose="020F0302020204030204" pitchFamily="34" charset="0"/>
-                <a:sym typeface="Wingdings" panose="05000000000000000000" pitchFamily="2" charset="2"/>
-              </a:rPr>
-              <a:t>Insert input element value to it.</a:t>
-            </a:r>
-          </a:p>
-          <a:p>
-            <a:pPr marL="527050" indent="-514350">
-              <a:spcBef>
-                <a:spcPts val="95"/>
-              </a:spcBef>
-              <a:buAutoNum type="arabicPeriod"/>
-            </a:pPr>
-            <a:r>
-              <a:rPr lang="en-US" sz="2800" kern="0" dirty="0">
-                <a:latin typeface="+mn-lt"/>
-                <a:cs typeface="Calibri Light" panose="020F0302020204030204" pitchFamily="34" charset="0"/>
-                <a:sym typeface="Wingdings" panose="05000000000000000000" pitchFamily="2" charset="2"/>
-              </a:rPr>
-              <a:t>next clear the value .</a:t>
-            </a:r>
-          </a:p>
-          <a:p>
-            <a:pPr marL="527050" indent="-514350">
-              <a:spcBef>
-                <a:spcPts val="95"/>
-              </a:spcBef>
-              <a:buAutoNum type="arabicPeriod"/>
-            </a:pPr>
-            <a:r>
-              <a:rPr lang="en-US" sz="2800" kern="0" dirty="0" err="1">
-                <a:latin typeface="+mn-lt"/>
-                <a:cs typeface="Calibri Light" panose="020F0302020204030204" pitchFamily="34" charset="0"/>
-                <a:sym typeface="Wingdings" panose="05000000000000000000" pitchFamily="2" charset="2"/>
-              </a:rPr>
-              <a:t>appendChild</a:t>
-            </a:r>
-            <a:r>
-              <a:rPr lang="en-US" sz="2800" kern="0" dirty="0">
-                <a:latin typeface="+mn-lt"/>
-                <a:cs typeface="Calibri Light" panose="020F0302020204030204" pitchFamily="34" charset="0"/>
-                <a:sym typeface="Wingdings" panose="05000000000000000000" pitchFamily="2" charset="2"/>
-              </a:rPr>
-              <a:t> the created element into the </a:t>
-            </a:r>
-            <a:r>
-              <a:rPr lang="en-US" sz="2800" kern="0" dirty="0" err="1">
-                <a:latin typeface="+mn-lt"/>
-                <a:cs typeface="Calibri Light" panose="020F0302020204030204" pitchFamily="34" charset="0"/>
-                <a:sym typeface="Wingdings" panose="05000000000000000000" pitchFamily="2" charset="2"/>
-              </a:rPr>
-              <a:t>ul</a:t>
-            </a:r>
-            <a:r>
-              <a:rPr lang="en-US" sz="2800" kern="0" dirty="0">
-                <a:latin typeface="+mn-lt"/>
-                <a:cs typeface="Calibri Light" panose="020F0302020204030204" pitchFamily="34" charset="0"/>
-                <a:sym typeface="Wingdings" panose="05000000000000000000" pitchFamily="2" charset="2"/>
-              </a:rPr>
-              <a:t> </a:t>
-            </a:r>
-          </a:p>
-          <a:p>
-            <a:pPr marL="527050" indent="-514350">
-              <a:spcBef>
-                <a:spcPts val="95"/>
-              </a:spcBef>
-              <a:buAutoNum type="arabicPeriod"/>
-            </a:pPr>
-            <a:r>
-              <a:rPr lang="en-US" sz="2800" kern="0" dirty="0">
-                <a:latin typeface="+mn-lt"/>
-                <a:cs typeface="Calibri Light" panose="020F0302020204030204" pitchFamily="34" charset="0"/>
-                <a:sym typeface="Wingdings" panose="05000000000000000000" pitchFamily="2" charset="2"/>
-              </a:rPr>
-              <a:t>Add click to the created element to remove() it , when click over it.</a:t>
-            </a:r>
-          </a:p>
-          <a:p>
-            <a:pPr marL="527050" indent="-514350">
-              <a:spcBef>
-                <a:spcPts val="95"/>
-              </a:spcBef>
-              <a:buAutoNum type="arabicPeriod"/>
+              <a:t>Submit Events : Used in form tag</a:t>
+            </a:r>
+            <a:endParaRPr lang="en-US" sz="2400" kern="0" dirty="0">
+              <a:latin typeface="+mn-lt"/>
+              <a:cs typeface="Calibri Light" panose="020F0302020204030204" pitchFamily="34" charset="0"/>
+              <a:sym typeface="Wingdings" panose="05000000000000000000" pitchFamily="2" charset="2"/>
+            </a:endParaRPr>
+          </a:p>
+          <a:p>
+            <a:pPr marL="12700">
+              <a:spcBef>
+                <a:spcPts val="95"/>
+              </a:spcBef>
+            </a:pPr>
+            <a:r>
+              <a:rPr lang="en-US" sz="2400" kern="0" dirty="0">
+                <a:latin typeface="Consolas" panose="020B0609020204030204" pitchFamily="49" charset="0"/>
+                <a:cs typeface="Calibri Light" panose="020F0302020204030204" pitchFamily="34" charset="0"/>
+                <a:sym typeface="Wingdings" panose="05000000000000000000" pitchFamily="2" charset="2"/>
+              </a:rPr>
+              <a:t>0.const form = </a:t>
+            </a:r>
+            <a:r>
+              <a:rPr lang="en-US" sz="2400" kern="0" dirty="0" err="1">
+                <a:latin typeface="Consolas" panose="020B0609020204030204" pitchFamily="49" charset="0"/>
+                <a:cs typeface="Calibri Light" panose="020F0302020204030204" pitchFamily="34" charset="0"/>
+                <a:sym typeface="Wingdings" panose="05000000000000000000" pitchFamily="2" charset="2"/>
+              </a:rPr>
+              <a:t>doc.querySelector</a:t>
+            </a:r>
+            <a:r>
+              <a:rPr lang="en-US" sz="2400" kern="0" dirty="0">
+                <a:latin typeface="Consolas" panose="020B0609020204030204" pitchFamily="49" charset="0"/>
+                <a:cs typeface="Calibri Light" panose="020F0302020204030204" pitchFamily="34" charset="0"/>
+                <a:sym typeface="Wingdings" panose="05000000000000000000" pitchFamily="2" charset="2"/>
+              </a:rPr>
+              <a:t>(‘form’);</a:t>
+            </a:r>
+          </a:p>
+          <a:p>
+            <a:pPr marL="12700">
+              <a:spcBef>
+                <a:spcPts val="95"/>
+              </a:spcBef>
+            </a:pPr>
+            <a:r>
+              <a:rPr lang="en-US" sz="2400" kern="0" dirty="0">
+                <a:latin typeface="Consolas" panose="020B0609020204030204" pitchFamily="49" charset="0"/>
+                <a:cs typeface="Calibri Light" panose="020F0302020204030204" pitchFamily="34" charset="0"/>
+                <a:sym typeface="Wingdings" panose="05000000000000000000" pitchFamily="2" charset="2"/>
+              </a:rPr>
+              <a:t>1.form.addEventListener(‘submit’,()=&gt;{ log(‘form submitted’); } );</a:t>
+            </a:r>
+          </a:p>
+          <a:p>
+            <a:pPr marL="12700">
+              <a:spcBef>
+                <a:spcPts val="95"/>
+              </a:spcBef>
+            </a:pPr>
+            <a:r>
+              <a:rPr lang="en-US" sz="2400" kern="0" dirty="0">
+                <a:latin typeface="Consolas" panose="020B0609020204030204" pitchFamily="49" charset="0"/>
+                <a:cs typeface="Calibri Light" panose="020F0302020204030204" pitchFamily="34" charset="0"/>
+                <a:sym typeface="Wingdings" panose="05000000000000000000" pitchFamily="2" charset="2"/>
+              </a:rPr>
+              <a:t>//the submit will reload the page, </a:t>
+            </a:r>
+          </a:p>
+          <a:p>
+            <a:pPr marL="12700">
+              <a:spcBef>
+                <a:spcPts val="95"/>
+              </a:spcBef>
+            </a:pPr>
+            <a:r>
+              <a:rPr lang="en-US" sz="2400" kern="0" dirty="0">
+                <a:latin typeface="Consolas" panose="020B0609020204030204" pitchFamily="49" charset="0"/>
+                <a:cs typeface="Calibri Light" panose="020F0302020204030204" pitchFamily="34" charset="0"/>
+                <a:sym typeface="Wingdings" panose="05000000000000000000" pitchFamily="2" charset="2"/>
+              </a:rPr>
+              <a:t>//to stop it we have to use </a:t>
+            </a:r>
+            <a:r>
+              <a:rPr lang="en-US" sz="2400" kern="0" dirty="0" err="1">
+                <a:latin typeface="Consolas" panose="020B0609020204030204" pitchFamily="49" charset="0"/>
+                <a:cs typeface="Calibri Light" panose="020F0302020204030204" pitchFamily="34" charset="0"/>
+                <a:sym typeface="Wingdings" panose="05000000000000000000" pitchFamily="2" charset="2"/>
+              </a:rPr>
+              <a:t>event.preventDefault</a:t>
+            </a:r>
+            <a:r>
+              <a:rPr lang="en-US" sz="2400" kern="0" dirty="0">
+                <a:latin typeface="Consolas" panose="020B0609020204030204" pitchFamily="49" charset="0"/>
+                <a:cs typeface="Calibri Light" panose="020F0302020204030204" pitchFamily="34" charset="0"/>
+                <a:sym typeface="Wingdings" panose="05000000000000000000" pitchFamily="2" charset="2"/>
+              </a:rPr>
+              <a:t>()</a:t>
+            </a:r>
+            <a:endParaRPr lang="en-US" sz="2400" kern="0" dirty="0">
+              <a:latin typeface="+mj-lt"/>
+              <a:cs typeface="Calibri Light" panose="020F0302020204030204" pitchFamily="34" charset="0"/>
+              <a:sym typeface="Wingdings" panose="05000000000000000000" pitchFamily="2" charset="2"/>
+            </a:endParaRPr>
+          </a:p>
+          <a:p>
+            <a:pPr marL="12700">
+              <a:spcBef>
+                <a:spcPts val="95"/>
+              </a:spcBef>
+            </a:pPr>
+            <a:r>
+              <a:rPr lang="en-US" sz="2400" kern="0" dirty="0">
+                <a:latin typeface="Consolas" panose="020B0609020204030204" pitchFamily="49" charset="0"/>
+                <a:cs typeface="Calibri Light" panose="020F0302020204030204" pitchFamily="34" charset="0"/>
+                <a:sym typeface="Wingdings" panose="05000000000000000000" pitchFamily="2" charset="2"/>
+              </a:rPr>
+              <a:t>2.form.addEventListener(‘submit’,(e)=&gt;{</a:t>
+            </a:r>
+            <a:r>
+              <a:rPr lang="en-US" sz="2400" kern="0" dirty="0" err="1">
+                <a:latin typeface="Consolas" panose="020B0609020204030204" pitchFamily="49" charset="0"/>
+                <a:cs typeface="Calibri Light" panose="020F0302020204030204" pitchFamily="34" charset="0"/>
+                <a:sym typeface="Wingdings" panose="05000000000000000000" pitchFamily="2" charset="2"/>
+              </a:rPr>
+              <a:t>e.preventDefault</a:t>
+            </a:r>
+            <a:r>
+              <a:rPr lang="en-US" sz="2400" kern="0" dirty="0">
+                <a:latin typeface="Consolas" panose="020B0609020204030204" pitchFamily="49" charset="0"/>
+                <a:cs typeface="Calibri Light" panose="020F0302020204030204" pitchFamily="34" charset="0"/>
+                <a:sym typeface="Wingdings" panose="05000000000000000000" pitchFamily="2" charset="2"/>
+              </a:rPr>
+              <a:t>();log(‘form submitted’);});</a:t>
+            </a:r>
+          </a:p>
+          <a:p>
+            <a:pPr marL="12700">
+              <a:spcBef>
+                <a:spcPts val="95"/>
+              </a:spcBef>
             </a:pPr>
             <a:endParaRPr lang="en-US" sz="2800" kern="0" dirty="0">
               <a:latin typeface="+mn-lt"/>
@@ -19510,15 +19339,104 @@
                 <a:cs typeface="Calibri Light" panose="020F0302020204030204" pitchFamily="34" charset="0"/>
                 <a:sym typeface="Wingdings" panose="05000000000000000000" pitchFamily="2" charset="2"/>
               </a:rPr>
-              <a:t>Add CSS to your heart’s content.</a:t>
-            </a:r>
+              <a:t>Access Elements of form</a:t>
+            </a:r>
+          </a:p>
+          <a:p>
+            <a:pPr marL="12700">
+              <a:spcBef>
+                <a:spcPts val="95"/>
+              </a:spcBef>
+            </a:pPr>
+            <a:r>
+              <a:rPr lang="en-US" sz="2800" kern="0" dirty="0">
+                <a:latin typeface="+mn-lt"/>
+                <a:cs typeface="Calibri Light" panose="020F0302020204030204" pitchFamily="34" charset="0"/>
+                <a:sym typeface="Wingdings" panose="05000000000000000000" pitchFamily="2" charset="2"/>
+              </a:rPr>
+              <a:t>For 2 input fields in form</a:t>
+            </a:r>
+          </a:p>
+          <a:p>
+            <a:pPr marL="12700">
+              <a:spcBef>
+                <a:spcPts val="95"/>
+              </a:spcBef>
+            </a:pPr>
+            <a:r>
+              <a:rPr lang="en-US" sz="2400" kern="0" dirty="0">
+                <a:latin typeface="Consolas" panose="020B0609020204030204" pitchFamily="49" charset="0"/>
+                <a:cs typeface="Calibri Light" panose="020F0302020204030204" pitchFamily="34" charset="0"/>
+                <a:sym typeface="Wingdings" panose="05000000000000000000" pitchFamily="2" charset="2"/>
+              </a:rPr>
+              <a:t>1.log(</a:t>
+            </a:r>
+            <a:r>
+              <a:rPr lang="en-US" sz="2400" kern="0" dirty="0" err="1">
+                <a:latin typeface="Consolas" panose="020B0609020204030204" pitchFamily="49" charset="0"/>
+                <a:cs typeface="Calibri Light" panose="020F0302020204030204" pitchFamily="34" charset="0"/>
+                <a:sym typeface="Wingdings" panose="05000000000000000000" pitchFamily="2" charset="2"/>
+              </a:rPr>
+              <a:t>form.elements</a:t>
+            </a:r>
+            <a:r>
+              <a:rPr lang="en-US" sz="2400" kern="0" dirty="0">
+                <a:latin typeface="Consolas" panose="020B0609020204030204" pitchFamily="49" charset="0"/>
+                <a:cs typeface="Calibri Light" panose="020F0302020204030204" pitchFamily="34" charset="0"/>
+                <a:sym typeface="Wingdings" panose="05000000000000000000" pitchFamily="2" charset="2"/>
+              </a:rPr>
+              <a:t>[0].value);</a:t>
+            </a:r>
+          </a:p>
+          <a:p>
+            <a:pPr marL="12700">
+              <a:spcBef>
+                <a:spcPts val="95"/>
+              </a:spcBef>
+            </a:pPr>
+            <a:r>
+              <a:rPr lang="en-US" sz="2400" kern="0" dirty="0">
+                <a:latin typeface="Consolas" panose="020B0609020204030204" pitchFamily="49" charset="0"/>
+                <a:cs typeface="Calibri Light" panose="020F0302020204030204" pitchFamily="34" charset="0"/>
+                <a:sym typeface="Wingdings" panose="05000000000000000000" pitchFamily="2" charset="2"/>
+              </a:rPr>
+              <a:t>2.log(</a:t>
+            </a:r>
+            <a:r>
+              <a:rPr lang="en-US" sz="2400" kern="0" dirty="0" err="1">
+                <a:latin typeface="Consolas" panose="020B0609020204030204" pitchFamily="49" charset="0"/>
+                <a:cs typeface="Calibri Light" panose="020F0302020204030204" pitchFamily="34" charset="0"/>
+                <a:sym typeface="Wingdings" panose="05000000000000000000" pitchFamily="2" charset="2"/>
+              </a:rPr>
+              <a:t>form.elements</a:t>
+            </a:r>
+            <a:r>
+              <a:rPr lang="en-US" sz="2400" kern="0" dirty="0">
+                <a:latin typeface="Consolas" panose="020B0609020204030204" pitchFamily="49" charset="0"/>
+                <a:cs typeface="Calibri Light" panose="020F0302020204030204" pitchFamily="34" charset="0"/>
+                <a:sym typeface="Wingdings" panose="05000000000000000000" pitchFamily="2" charset="2"/>
+              </a:rPr>
+              <a:t>[1].value);</a:t>
+            </a:r>
+          </a:p>
+          <a:p>
+            <a:pPr marL="12700">
+              <a:spcBef>
+                <a:spcPts val="95"/>
+              </a:spcBef>
+            </a:pPr>
+            <a:endParaRPr lang="en-US" sz="2800" kern="0" dirty="0">
+              <a:latin typeface="+mn-lt"/>
+              <a:cs typeface="Calibri Light" panose="020F0302020204030204" pitchFamily="34" charset="0"/>
+              <a:sym typeface="Wingdings" panose="05000000000000000000" pitchFamily="2" charset="2"/>
+            </a:endParaRPr>
           </a:p>
         </p:txBody>
       </p:sp>
     </p:spTree>
     <p:extLst>
       <p:ext uri="{BB962C8B-B14F-4D97-AF65-F5344CB8AC3E}">
-        <p14:creationId xmlns:p14="http://schemas.microsoft.com/office/powerpoint/2010/main" val="3058086588"/>
+        <p14:creationId xmlns:p14="http://schemas.microsoft.com/office/powerpoint/2010/main" val="2178604332"/>
       </p:ext>
     </p:extLst>
   </p:cSld>
@@ -19628,7 +19546,7 @@
                 <a:cs typeface="Calibri Light" panose="020F0302020204030204" pitchFamily="34" charset="0"/>
                 <a:sym typeface="Wingdings" panose="05000000000000000000" pitchFamily="2" charset="2"/>
               </a:rPr>
-              <a:t>Event Life Cycle</a:t>
+              <a:t>Project ( Note Taking App)</a:t>
             </a:r>
           </a:p>
         </p:txBody>
@@ -19679,7 +19597,7 @@
         <p:spPr>
           <a:xfrm>
             <a:off x="533400" y="838200"/>
-            <a:ext cx="11621728" cy="5670142"/>
+            <a:ext cx="11621728" cy="3992760"/>
           </a:xfrm>
           <a:prstGeom prst="rect">
             <a:avLst/>
@@ -19714,15 +19632,15 @@
                 <a:cs typeface="Calibri Light" panose="020F0302020204030204" pitchFamily="34" charset="0"/>
                 <a:sym typeface="Wingdings" panose="05000000000000000000" pitchFamily="2" charset="2"/>
               </a:rPr>
-              <a:t>The 3</a:t>
-            </a:r>
-            <a:r>
-              <a:rPr lang="en-US" sz="2800" kern="0" baseline="30000" dirty="0">
+              <a:t>We will need html tags such as </a:t>
+            </a:r>
+            <a:r>
+              <a:rPr lang="en-US" sz="2800" kern="0" dirty="0" err="1">
                 <a:latin typeface="+mn-lt"/>
                 <a:cs typeface="Calibri Light" panose="020F0302020204030204" pitchFamily="34" charset="0"/>
                 <a:sym typeface="Wingdings" panose="05000000000000000000" pitchFamily="2" charset="2"/>
               </a:rPr>
-              <a:t>rd</a:t>
+              <a:t>ul</a:t>
             </a:r>
             <a:r>
               <a:rPr lang="en-US" sz="2800" kern="0" dirty="0">
@@ -19730,15 +19648,87 @@
                 <a:cs typeface="Calibri Light" panose="020F0302020204030204" pitchFamily="34" charset="0"/>
                 <a:sym typeface="Wingdings" panose="05000000000000000000" pitchFamily="2" charset="2"/>
               </a:rPr>
-              <a:t> parameter of </a:t>
-            </a:r>
+              <a:t> , input , button</a:t>
+            </a:r>
+          </a:p>
+          <a:p>
+            <a:pPr marL="527050" indent="-514350">
+              <a:spcBef>
+                <a:spcPts val="95"/>
+              </a:spcBef>
+              <a:buAutoNum type="arabicPeriod"/>
+            </a:pPr>
+            <a:r>
+              <a:rPr lang="en-US" sz="2800" kern="0" dirty="0">
+                <a:latin typeface="+mn-lt"/>
+                <a:cs typeface="Calibri Light" panose="020F0302020204030204" pitchFamily="34" charset="0"/>
+                <a:sym typeface="Wingdings" panose="05000000000000000000" pitchFamily="2" charset="2"/>
+              </a:rPr>
+              <a:t>Get elements in JS for all tags</a:t>
+            </a:r>
+          </a:p>
+          <a:p>
+            <a:pPr marL="527050" indent="-514350">
+              <a:spcBef>
+                <a:spcPts val="95"/>
+              </a:spcBef>
+              <a:buAutoNum type="arabicPeriod"/>
+            </a:pPr>
+            <a:r>
+              <a:rPr lang="en-US" sz="2800" kern="0" dirty="0">
+                <a:latin typeface="+mn-lt"/>
+                <a:cs typeface="Calibri Light" panose="020F0302020204030204" pitchFamily="34" charset="0"/>
+                <a:sym typeface="Wingdings" panose="05000000000000000000" pitchFamily="2" charset="2"/>
+              </a:rPr>
+              <a:t>when click event in button then create li.</a:t>
+            </a:r>
+          </a:p>
+          <a:p>
+            <a:pPr marL="527050" indent="-514350">
+              <a:spcBef>
+                <a:spcPts val="95"/>
+              </a:spcBef>
+              <a:buAutoNum type="arabicPeriod"/>
+            </a:pPr>
+            <a:r>
+              <a:rPr lang="en-US" sz="2800" kern="0" dirty="0">
+                <a:latin typeface="+mn-lt"/>
+                <a:cs typeface="Calibri Light" panose="020F0302020204030204" pitchFamily="34" charset="0"/>
+                <a:sym typeface="Wingdings" panose="05000000000000000000" pitchFamily="2" charset="2"/>
+              </a:rPr>
+              <a:t>Insert input element value to it.</a:t>
+            </a:r>
+          </a:p>
+          <a:p>
+            <a:pPr marL="527050" indent="-514350">
+              <a:spcBef>
+                <a:spcPts val="95"/>
+              </a:spcBef>
+              <a:buAutoNum type="arabicPeriod"/>
+            </a:pPr>
+            <a:r>
+              <a:rPr lang="en-US" sz="2800" kern="0" dirty="0">
+                <a:latin typeface="+mn-lt"/>
+                <a:cs typeface="Calibri Light" panose="020F0302020204030204" pitchFamily="34" charset="0"/>
+                <a:sym typeface="Wingdings" panose="05000000000000000000" pitchFamily="2" charset="2"/>
+              </a:rPr>
+              <a:t>next clear the value .</a:t>
+            </a:r>
+          </a:p>
+          <a:p>
+            <a:pPr marL="527050" indent="-514350">
+              <a:spcBef>
+                <a:spcPts val="95"/>
+              </a:spcBef>
+              <a:buAutoNum type="arabicPeriod"/>
+            </a:pPr>
             <a:r>
               <a:rPr lang="en-US" sz="2800" kern="0" dirty="0" err="1">
                 <a:latin typeface="+mn-lt"/>
                 <a:cs typeface="Calibri Light" panose="020F0302020204030204" pitchFamily="34" charset="0"/>
                 <a:sym typeface="Wingdings" panose="05000000000000000000" pitchFamily="2" charset="2"/>
               </a:rPr>
-              <a:t>addEventListener</a:t>
+              <a:t>appendChild</a:t>
             </a:r>
             <a:r>
               <a:rPr lang="en-US" sz="2800" kern="0" dirty="0">
@@ -19746,101 +19736,31 @@
                 <a:cs typeface="Calibri Light" panose="020F0302020204030204" pitchFamily="34" charset="0"/>
                 <a:sym typeface="Wingdings" panose="05000000000000000000" pitchFamily="2" charset="2"/>
               </a:rPr>
-              <a:t> denotes propagation of events.</a:t>
-            </a:r>
-          </a:p>
-          <a:p>
-            <a:pPr marL="527050" indent="-514350">
-              <a:spcBef>
-                <a:spcPts val="95"/>
-              </a:spcBef>
-              <a:buAutoNum type="arabicPeriod"/>
-            </a:pPr>
+              <a:t> the created element into the </a:t>
+            </a:r>
+            <a:r>
+              <a:rPr lang="en-US" sz="2800" kern="0" dirty="0" err="1">
+                <a:latin typeface="+mn-lt"/>
+                <a:cs typeface="Calibri Light" panose="020F0302020204030204" pitchFamily="34" charset="0"/>
+                <a:sym typeface="Wingdings" panose="05000000000000000000" pitchFamily="2" charset="2"/>
+              </a:rPr>
+              <a:t>ul</a:t>
+            </a:r>
             <a:r>
               <a:rPr lang="en-US" sz="2800" kern="0" dirty="0">
                 <a:latin typeface="+mn-lt"/>
                 <a:cs typeface="Calibri Light" panose="020F0302020204030204" pitchFamily="34" charset="0"/>
                 <a:sym typeface="Wingdings" panose="05000000000000000000" pitchFamily="2" charset="2"/>
               </a:rPr>
-              <a:t>When child is clicked, first the child is registered then parent because of bubbling mode.</a:t>
-            </a:r>
-          </a:p>
-          <a:p>
-            <a:br>
-              <a:rPr lang="en-IN" sz="900" b="0" dirty="0">
-                <a:solidFill>
-                  <a:srgbClr val="D4D4D4"/>
-                </a:solidFill>
-                <a:effectLst/>
-                <a:latin typeface="Consolas" panose="020B0609020204030204" pitchFamily="49" charset="0"/>
-              </a:rPr>
-            </a:br>
-            <a:r>
-              <a:rPr lang="en-IN" sz="900" b="0" dirty="0">
-                <a:solidFill>
-                  <a:srgbClr val="D4D4D4"/>
-                </a:solidFill>
-                <a:effectLst/>
-                <a:latin typeface="Consolas" panose="020B0609020204030204" pitchFamily="49" charset="0"/>
-              </a:rPr>
-              <a:t>        </a:t>
-            </a:r>
-            <a:r>
-              <a:rPr lang="en-IN" sz="2000" b="0" dirty="0" err="1">
-                <a:solidFill>
-                  <a:schemeClr val="bg1"/>
-                </a:solidFill>
-                <a:effectLst/>
-                <a:latin typeface="Consolas" panose="020B0609020204030204" pitchFamily="49" charset="0"/>
-              </a:rPr>
-              <a:t>parent.addEventListener</a:t>
-            </a:r>
-            <a:r>
-              <a:rPr lang="en-IN" sz="2000" b="0" dirty="0">
-                <a:solidFill>
-                  <a:schemeClr val="bg1"/>
-                </a:solidFill>
-                <a:effectLst/>
-                <a:latin typeface="Consolas" panose="020B0609020204030204" pitchFamily="49" charset="0"/>
-              </a:rPr>
-              <a:t>('click',(e)=&gt;{</a:t>
-            </a:r>
-          </a:p>
-          <a:p>
-            <a:r>
-              <a:rPr lang="en-IN" sz="2000" dirty="0">
-                <a:solidFill>
-                  <a:schemeClr val="bg1"/>
-                </a:solidFill>
-                <a:latin typeface="Consolas" panose="020B0609020204030204" pitchFamily="49" charset="0"/>
-              </a:rPr>
-              <a:t>				</a:t>
-            </a:r>
-            <a:r>
-              <a:rPr lang="en-IN" sz="2000" b="0" dirty="0">
-                <a:solidFill>
-                  <a:schemeClr val="bg1"/>
-                </a:solidFill>
-                <a:effectLst/>
-                <a:latin typeface="Consolas" panose="020B0609020204030204" pitchFamily="49" charset="0"/>
-              </a:rPr>
-              <a:t>console.log("Parent is selected”);},false)</a:t>
-            </a:r>
-          </a:p>
-          <a:p>
-            <a:endParaRPr lang="en-IN" sz="2000" b="0" dirty="0">
-              <a:solidFill>
-                <a:schemeClr val="bg1"/>
-              </a:solidFill>
-              <a:effectLst/>
-              <a:latin typeface="Consolas" panose="020B0609020204030204" pitchFamily="49" charset="0"/>
-            </a:endParaRPr>
-          </a:p>
-          <a:p>
-            <a:pPr marL="12700">
-              <a:spcBef>
-                <a:spcPts val="95"/>
-              </a:spcBef>
+              <a:t> </a:t>
+            </a:r>
+          </a:p>
+          <a:p>
+            <a:pPr marL="527050" indent="-514350">
+              <a:spcBef>
+                <a:spcPts val="95"/>
+              </a:spcBef>
+              <a:buAutoNum type="arabicPeriod"/>
             </a:pPr>
             <a:r>
               <a:rPr lang="en-US" sz="2800" kern="0" dirty="0">
@@ -19848,130 +19768,15 @@
                 <a:cs typeface="Calibri Light" panose="020F0302020204030204" pitchFamily="34" charset="0"/>
                 <a:sym typeface="Wingdings" panose="05000000000000000000" pitchFamily="2" charset="2"/>
               </a:rPr>
-              <a:t>3. But if we make the  3</a:t>
-            </a:r>
-            <a:r>
-              <a:rPr lang="en-US" sz="2800" kern="0" baseline="30000" dirty="0">
-                <a:latin typeface="+mn-lt"/>
-                <a:cs typeface="Calibri Light" panose="020F0302020204030204" pitchFamily="34" charset="0"/>
-                <a:sym typeface="Wingdings" panose="05000000000000000000" pitchFamily="2" charset="2"/>
-              </a:rPr>
-              <a:t>rd</a:t>
-            </a:r>
-            <a:r>
-              <a:rPr lang="en-US" sz="2800" kern="0" dirty="0">
-                <a:latin typeface="+mn-lt"/>
-                <a:cs typeface="Calibri Light" panose="020F0302020204030204" pitchFamily="34" charset="0"/>
-                <a:sym typeface="Wingdings" panose="05000000000000000000" pitchFamily="2" charset="2"/>
-              </a:rPr>
-              <a:t> para true then it will capture parent first then child because of capturing mode.</a:t>
-            </a:r>
-          </a:p>
-          <a:p>
-            <a:br>
-              <a:rPr lang="en-IN" sz="1050" b="0" dirty="0">
-                <a:solidFill>
-                  <a:srgbClr val="D4D4D4"/>
-                </a:solidFill>
-                <a:effectLst/>
-                <a:latin typeface="Consolas" panose="020B0609020204030204" pitchFamily="49" charset="0"/>
-              </a:rPr>
-            </a:br>
-            <a:r>
-              <a:rPr lang="en-IN" sz="2000" b="0" dirty="0">
-                <a:solidFill>
-                  <a:srgbClr val="D4D4D4"/>
-                </a:solidFill>
-                <a:effectLst/>
-                <a:latin typeface="Consolas" panose="020B0609020204030204" pitchFamily="49" charset="0"/>
-              </a:rPr>
-              <a:t>        </a:t>
-            </a:r>
-            <a:r>
-              <a:rPr lang="en-IN" sz="2000" b="0" dirty="0" err="1">
-                <a:solidFill>
-                  <a:schemeClr val="bg1"/>
-                </a:solidFill>
-                <a:effectLst/>
-                <a:latin typeface="Consolas" panose="020B0609020204030204" pitchFamily="49" charset="0"/>
-              </a:rPr>
-              <a:t>parent.addEventListener</a:t>
-            </a:r>
-            <a:r>
-              <a:rPr lang="en-IN" sz="2000" b="0" dirty="0">
-                <a:solidFill>
-                  <a:schemeClr val="bg1"/>
-                </a:solidFill>
-                <a:effectLst/>
-                <a:latin typeface="Consolas" panose="020B0609020204030204" pitchFamily="49" charset="0"/>
-              </a:rPr>
-              <a:t>('click',(e)=&gt;{</a:t>
-            </a:r>
-          </a:p>
-          <a:p>
-            <a:r>
-              <a:rPr lang="en-IN" sz="2000" b="0" dirty="0">
-                <a:solidFill>
-                  <a:schemeClr val="bg1"/>
-                </a:solidFill>
-                <a:effectLst/>
-                <a:latin typeface="Consolas" panose="020B0609020204030204" pitchFamily="49" charset="0"/>
-              </a:rPr>
-              <a:t>            console.log("Parent is selected");</a:t>
-            </a:r>
-          </a:p>
-          <a:p>
-            <a:r>
-              <a:rPr lang="en-IN" sz="2000" b="0" dirty="0">
-                <a:solidFill>
-                  <a:schemeClr val="bg1"/>
-                </a:solidFill>
-                <a:effectLst/>
-                <a:latin typeface="Consolas" panose="020B0609020204030204" pitchFamily="49" charset="0"/>
-              </a:rPr>
-              <a:t>            </a:t>
-            </a:r>
-            <a:r>
-              <a:rPr lang="en-IN" sz="2000" b="0" dirty="0" err="1">
-                <a:solidFill>
-                  <a:schemeClr val="bg1"/>
-                </a:solidFill>
-                <a:effectLst/>
-                <a:latin typeface="Consolas" panose="020B0609020204030204" pitchFamily="49" charset="0"/>
-              </a:rPr>
-              <a:t>e.stopPropagation</a:t>
-            </a:r>
-            <a:r>
-              <a:rPr lang="en-IN" sz="2000" b="0" dirty="0">
-                <a:solidFill>
-                  <a:schemeClr val="bg1"/>
-                </a:solidFill>
-                <a:effectLst/>
-                <a:latin typeface="Consolas" panose="020B0609020204030204" pitchFamily="49" charset="0"/>
-              </a:rPr>
-              <a:t>();},true)</a:t>
-            </a:r>
-          </a:p>
-          <a:p>
-            <a:pPr marL="12700">
-              <a:spcBef>
-                <a:spcPts val="95"/>
-              </a:spcBef>
-            </a:pPr>
-            <a:r>
-              <a:rPr lang="en-US" sz="2800" kern="0" dirty="0">
-                <a:latin typeface="+mn-lt"/>
-                <a:cs typeface="Calibri Light" panose="020F0302020204030204" pitchFamily="34" charset="0"/>
-                <a:sym typeface="Wingdings" panose="05000000000000000000" pitchFamily="2" charset="2"/>
-              </a:rPr>
-              <a:t>we can also use event’s stop propagation for stopping the propagation of event.</a:t>
-            </a:r>
-          </a:p>
-          <a:p>
-            <a:pPr marL="12700">
-              <a:spcBef>
-                <a:spcPts val="95"/>
-              </a:spcBef>
+              <a:t>Add click to the created element to remove() it , when click over it.</a:t>
+            </a:r>
+          </a:p>
+          <a:p>
+            <a:pPr marL="527050" indent="-514350">
+              <a:spcBef>
+                <a:spcPts val="95"/>
+              </a:spcBef>
+              <a:buAutoNum type="arabicPeriod"/>
             </a:pPr>
             <a:endParaRPr lang="en-US" sz="2800" kern="0" dirty="0">
               <a:latin typeface="+mn-lt"/>
@@ -19985,18 +19790,21 @@
                 <a:spcPts val="95"/>
               </a:spcBef>
             </a:pPr>
-            <a:endParaRPr lang="en-US" sz="2800" kern="0" dirty="0">
-              <a:latin typeface="+mn-lt"/>
-              <a:cs typeface="Calibri Light" panose="020F0302020204030204" pitchFamily="34" charset="0"/>
-              <a:sym typeface="Wingdings" panose="05000000000000000000" pitchFamily="2" charset="2"/>
-            </a:endParaRPr>
+            <a:r>
+              <a:rPr lang="en-US" sz="2800" kern="0" dirty="0">
+                <a:latin typeface="+mn-lt"/>
+                <a:cs typeface="Calibri Light" panose="020F0302020204030204" pitchFamily="34" charset="0"/>
+                <a:sym typeface="Wingdings" panose="05000000000000000000" pitchFamily="2" charset="2"/>
+              </a:rPr>
+              <a:t>Add CSS to your heart’s content.</a:t>
+            </a:r>
           </a:p>
         </p:txBody>
       </p:sp>
     </p:spTree>
     <p:extLst>
       <p:ext uri="{BB962C8B-B14F-4D97-AF65-F5344CB8AC3E}">
-        <p14:creationId xmlns:p14="http://schemas.microsoft.com/office/powerpoint/2010/main" val="1493172746"/>
+        <p14:creationId xmlns:p14="http://schemas.microsoft.com/office/powerpoint/2010/main" val="3058086588"/>
       </p:ext>
     </p:extLst>
   </p:cSld>
@@ -20101,18 +19909,13 @@
               </a:spcBef>
             </a:pPr>
             <a:r>
-              <a:rPr lang="en-US" sz="3600" kern="0" dirty="0" err="1">
+              <a:rPr lang="en-US" sz="3600" kern="0" dirty="0">
                 <a:latin typeface="+mn-lt"/>
                 <a:cs typeface="Calibri Light" panose="020F0302020204030204" pitchFamily="34" charset="0"/>
                 <a:sym typeface="Wingdings" panose="05000000000000000000" pitchFamily="2" charset="2"/>
               </a:rPr>
-              <a:t>JQuery</a:t>
-            </a:r>
-            <a:endParaRPr lang="en-US" sz="3600" kern="0" dirty="0">
-              <a:latin typeface="+mn-lt"/>
-              <a:cs typeface="Calibri Light" panose="020F0302020204030204" pitchFamily="34" charset="0"/>
-              <a:sym typeface="Wingdings" panose="05000000000000000000" pitchFamily="2" charset="2"/>
-            </a:endParaRPr>
+              <a:t>Event Life Cycle</a:t>
+            </a:r>
           </a:p>
         </p:txBody>
       </p:sp>
@@ -20162,7 +19965,7 @@
         <p:spPr>
           <a:xfrm>
             <a:off x="533400" y="838200"/>
-            <a:ext cx="11621728" cy="5508559"/>
+            <a:ext cx="11621728" cy="5670142"/>
           </a:xfrm>
           <a:prstGeom prst="rect">
             <a:avLst/>
@@ -20185,6 +19988,489 @@
             </a:lvl1pPr>
           </a:lstStyle>
           <a:p>
+            <a:pPr marL="527050" indent="-514350">
+              <a:spcBef>
+                <a:spcPts val="95"/>
+              </a:spcBef>
+              <a:buAutoNum type="arabicPeriod"/>
+            </a:pPr>
+            <a:r>
+              <a:rPr lang="en-US" sz="2800" kern="0" dirty="0">
+                <a:latin typeface="+mn-lt"/>
+                <a:cs typeface="Calibri Light" panose="020F0302020204030204" pitchFamily="34" charset="0"/>
+                <a:sym typeface="Wingdings" panose="05000000000000000000" pitchFamily="2" charset="2"/>
+              </a:rPr>
+              <a:t>The 3</a:t>
+            </a:r>
+            <a:r>
+              <a:rPr lang="en-US" sz="2800" kern="0" baseline="30000" dirty="0">
+                <a:latin typeface="+mn-lt"/>
+                <a:cs typeface="Calibri Light" panose="020F0302020204030204" pitchFamily="34" charset="0"/>
+                <a:sym typeface="Wingdings" panose="05000000000000000000" pitchFamily="2" charset="2"/>
+              </a:rPr>
+              <a:t>rd</a:t>
+            </a:r>
+            <a:r>
+              <a:rPr lang="en-US" sz="2800" kern="0" dirty="0">
+                <a:latin typeface="+mn-lt"/>
+                <a:cs typeface="Calibri Light" panose="020F0302020204030204" pitchFamily="34" charset="0"/>
+                <a:sym typeface="Wingdings" panose="05000000000000000000" pitchFamily="2" charset="2"/>
+              </a:rPr>
+              <a:t> parameter of </a:t>
+            </a:r>
+            <a:r>
+              <a:rPr lang="en-US" sz="2800" kern="0" dirty="0" err="1">
+                <a:latin typeface="+mn-lt"/>
+                <a:cs typeface="Calibri Light" panose="020F0302020204030204" pitchFamily="34" charset="0"/>
+                <a:sym typeface="Wingdings" panose="05000000000000000000" pitchFamily="2" charset="2"/>
+              </a:rPr>
+              <a:t>addEventListener</a:t>
+            </a:r>
+            <a:r>
+              <a:rPr lang="en-US" sz="2800" kern="0" dirty="0">
+                <a:latin typeface="+mn-lt"/>
+                <a:cs typeface="Calibri Light" panose="020F0302020204030204" pitchFamily="34" charset="0"/>
+                <a:sym typeface="Wingdings" panose="05000000000000000000" pitchFamily="2" charset="2"/>
+              </a:rPr>
+              <a:t> denotes propagation of events.</a:t>
+            </a:r>
+          </a:p>
+          <a:p>
+            <a:pPr marL="527050" indent="-514350">
+              <a:spcBef>
+                <a:spcPts val="95"/>
+              </a:spcBef>
+              <a:buAutoNum type="arabicPeriod"/>
+            </a:pPr>
+            <a:r>
+              <a:rPr lang="en-US" sz="2800" kern="0" dirty="0">
+                <a:latin typeface="+mn-lt"/>
+                <a:cs typeface="Calibri Light" panose="020F0302020204030204" pitchFamily="34" charset="0"/>
+                <a:sym typeface="Wingdings" panose="05000000000000000000" pitchFamily="2" charset="2"/>
+              </a:rPr>
+              <a:t>When child is clicked, first the child is registered then parent because of bubbling mode.</a:t>
+            </a:r>
+          </a:p>
+          <a:p>
+            <a:br>
+              <a:rPr lang="en-IN" sz="900" b="0" dirty="0">
+                <a:solidFill>
+                  <a:srgbClr val="D4D4D4"/>
+                </a:solidFill>
+                <a:effectLst/>
+                <a:latin typeface="Consolas" panose="020B0609020204030204" pitchFamily="49" charset="0"/>
+              </a:rPr>
+            </a:br>
+            <a:r>
+              <a:rPr lang="en-IN" sz="900" b="0" dirty="0">
+                <a:solidFill>
+                  <a:srgbClr val="D4D4D4"/>
+                </a:solidFill>
+                <a:effectLst/>
+                <a:latin typeface="Consolas" panose="020B0609020204030204" pitchFamily="49" charset="0"/>
+              </a:rPr>
+              <a:t>        </a:t>
+            </a:r>
+            <a:r>
+              <a:rPr lang="en-IN" sz="2000" b="0" dirty="0" err="1">
+                <a:solidFill>
+                  <a:schemeClr val="bg1"/>
+                </a:solidFill>
+                <a:effectLst/>
+                <a:latin typeface="Consolas" panose="020B0609020204030204" pitchFamily="49" charset="0"/>
+              </a:rPr>
+              <a:t>parent.addEventListener</a:t>
+            </a:r>
+            <a:r>
+              <a:rPr lang="en-IN" sz="2000" b="0" dirty="0">
+                <a:solidFill>
+                  <a:schemeClr val="bg1"/>
+                </a:solidFill>
+                <a:effectLst/>
+                <a:latin typeface="Consolas" panose="020B0609020204030204" pitchFamily="49" charset="0"/>
+              </a:rPr>
+              <a:t>('click',(e)=&gt;{</a:t>
+            </a:r>
+          </a:p>
+          <a:p>
+            <a:r>
+              <a:rPr lang="en-IN" sz="2000" dirty="0">
+                <a:solidFill>
+                  <a:schemeClr val="bg1"/>
+                </a:solidFill>
+                <a:latin typeface="Consolas" panose="020B0609020204030204" pitchFamily="49" charset="0"/>
+              </a:rPr>
+              <a:t>				</a:t>
+            </a:r>
+            <a:r>
+              <a:rPr lang="en-IN" sz="2000" b="0" dirty="0">
+                <a:solidFill>
+                  <a:schemeClr val="bg1"/>
+                </a:solidFill>
+                <a:effectLst/>
+                <a:latin typeface="Consolas" panose="020B0609020204030204" pitchFamily="49" charset="0"/>
+              </a:rPr>
+              <a:t>console.log("Parent is selected”);},false)</a:t>
+            </a:r>
+          </a:p>
+          <a:p>
+            <a:endParaRPr lang="en-IN" sz="2000" b="0" dirty="0">
+              <a:solidFill>
+                <a:schemeClr val="bg1"/>
+              </a:solidFill>
+              <a:effectLst/>
+              <a:latin typeface="Consolas" panose="020B0609020204030204" pitchFamily="49" charset="0"/>
+            </a:endParaRPr>
+          </a:p>
+          <a:p>
+            <a:pPr marL="12700">
+              <a:spcBef>
+                <a:spcPts val="95"/>
+              </a:spcBef>
+            </a:pPr>
+            <a:r>
+              <a:rPr lang="en-US" sz="2800" kern="0" dirty="0">
+                <a:latin typeface="+mn-lt"/>
+                <a:cs typeface="Calibri Light" panose="020F0302020204030204" pitchFamily="34" charset="0"/>
+                <a:sym typeface="Wingdings" panose="05000000000000000000" pitchFamily="2" charset="2"/>
+              </a:rPr>
+              <a:t>3. But if we make the  3</a:t>
+            </a:r>
+            <a:r>
+              <a:rPr lang="en-US" sz="2800" kern="0" baseline="30000" dirty="0">
+                <a:latin typeface="+mn-lt"/>
+                <a:cs typeface="Calibri Light" panose="020F0302020204030204" pitchFamily="34" charset="0"/>
+                <a:sym typeface="Wingdings" panose="05000000000000000000" pitchFamily="2" charset="2"/>
+              </a:rPr>
+              <a:t>rd</a:t>
+            </a:r>
+            <a:r>
+              <a:rPr lang="en-US" sz="2800" kern="0" dirty="0">
+                <a:latin typeface="+mn-lt"/>
+                <a:cs typeface="Calibri Light" panose="020F0302020204030204" pitchFamily="34" charset="0"/>
+                <a:sym typeface="Wingdings" panose="05000000000000000000" pitchFamily="2" charset="2"/>
+              </a:rPr>
+              <a:t> para true then it will capture parent first then child because of capturing mode.</a:t>
+            </a:r>
+          </a:p>
+          <a:p>
+            <a:br>
+              <a:rPr lang="en-IN" sz="1050" b="0" dirty="0">
+                <a:solidFill>
+                  <a:srgbClr val="D4D4D4"/>
+                </a:solidFill>
+                <a:effectLst/>
+                <a:latin typeface="Consolas" panose="020B0609020204030204" pitchFamily="49" charset="0"/>
+              </a:rPr>
+            </a:br>
+            <a:r>
+              <a:rPr lang="en-IN" sz="2000" b="0" dirty="0">
+                <a:solidFill>
+                  <a:srgbClr val="D4D4D4"/>
+                </a:solidFill>
+                <a:effectLst/>
+                <a:latin typeface="Consolas" panose="020B0609020204030204" pitchFamily="49" charset="0"/>
+              </a:rPr>
+              <a:t>        </a:t>
+            </a:r>
+            <a:r>
+              <a:rPr lang="en-IN" sz="2000" b="0" dirty="0" err="1">
+                <a:solidFill>
+                  <a:schemeClr val="bg1"/>
+                </a:solidFill>
+                <a:effectLst/>
+                <a:latin typeface="Consolas" panose="020B0609020204030204" pitchFamily="49" charset="0"/>
+              </a:rPr>
+              <a:t>parent.addEventListener</a:t>
+            </a:r>
+            <a:r>
+              <a:rPr lang="en-IN" sz="2000" b="0" dirty="0">
+                <a:solidFill>
+                  <a:schemeClr val="bg1"/>
+                </a:solidFill>
+                <a:effectLst/>
+                <a:latin typeface="Consolas" panose="020B0609020204030204" pitchFamily="49" charset="0"/>
+              </a:rPr>
+              <a:t>('click',(e)=&gt;{</a:t>
+            </a:r>
+          </a:p>
+          <a:p>
+            <a:r>
+              <a:rPr lang="en-IN" sz="2000" b="0" dirty="0">
+                <a:solidFill>
+                  <a:schemeClr val="bg1"/>
+                </a:solidFill>
+                <a:effectLst/>
+                <a:latin typeface="Consolas" panose="020B0609020204030204" pitchFamily="49" charset="0"/>
+              </a:rPr>
+              <a:t>            console.log("Parent is selected");</a:t>
+            </a:r>
+          </a:p>
+          <a:p>
+            <a:r>
+              <a:rPr lang="en-IN" sz="2000" b="0" dirty="0">
+                <a:solidFill>
+                  <a:schemeClr val="bg1"/>
+                </a:solidFill>
+                <a:effectLst/>
+                <a:latin typeface="Consolas" panose="020B0609020204030204" pitchFamily="49" charset="0"/>
+              </a:rPr>
+              <a:t>            </a:t>
+            </a:r>
+            <a:r>
+              <a:rPr lang="en-IN" sz="2000" b="0" dirty="0" err="1">
+                <a:solidFill>
+                  <a:schemeClr val="bg1"/>
+                </a:solidFill>
+                <a:effectLst/>
+                <a:latin typeface="Consolas" panose="020B0609020204030204" pitchFamily="49" charset="0"/>
+              </a:rPr>
+              <a:t>e.stopPropagation</a:t>
+            </a:r>
+            <a:r>
+              <a:rPr lang="en-IN" sz="2000" b="0" dirty="0">
+                <a:solidFill>
+                  <a:schemeClr val="bg1"/>
+                </a:solidFill>
+                <a:effectLst/>
+                <a:latin typeface="Consolas" panose="020B0609020204030204" pitchFamily="49" charset="0"/>
+              </a:rPr>
+              <a:t>();},true)</a:t>
+            </a:r>
+          </a:p>
+          <a:p>
+            <a:pPr marL="12700">
+              <a:spcBef>
+                <a:spcPts val="95"/>
+              </a:spcBef>
+            </a:pPr>
+            <a:r>
+              <a:rPr lang="en-US" sz="2800" kern="0" dirty="0">
+                <a:latin typeface="+mn-lt"/>
+                <a:cs typeface="Calibri Light" panose="020F0302020204030204" pitchFamily="34" charset="0"/>
+                <a:sym typeface="Wingdings" panose="05000000000000000000" pitchFamily="2" charset="2"/>
+              </a:rPr>
+              <a:t>we can also use event’s stop propagation for stopping the propagation of event.</a:t>
+            </a:r>
+          </a:p>
+          <a:p>
+            <a:pPr marL="12700">
+              <a:spcBef>
+                <a:spcPts val="95"/>
+              </a:spcBef>
+            </a:pPr>
+            <a:endParaRPr lang="en-US" sz="2800" kern="0" dirty="0">
+              <a:latin typeface="+mn-lt"/>
+              <a:cs typeface="Calibri Light" panose="020F0302020204030204" pitchFamily="34" charset="0"/>
+              <a:sym typeface="Wingdings" panose="05000000000000000000" pitchFamily="2" charset="2"/>
+            </a:endParaRPr>
+          </a:p>
+          <a:p>
+            <a:pPr marL="12700">
+              <a:spcBef>
+                <a:spcPts val="95"/>
+              </a:spcBef>
+            </a:pPr>
+            <a:endParaRPr lang="en-US" sz="2800" kern="0" dirty="0">
+              <a:latin typeface="+mn-lt"/>
+              <a:cs typeface="Calibri Light" panose="020F0302020204030204" pitchFamily="34" charset="0"/>
+              <a:sym typeface="Wingdings" panose="05000000000000000000" pitchFamily="2" charset="2"/>
+            </a:endParaRPr>
+          </a:p>
+        </p:txBody>
+      </p:sp>
+    </p:spTree>
+    <p:extLst>
+      <p:ext uri="{BB962C8B-B14F-4D97-AF65-F5344CB8AC3E}">
+        <p14:creationId xmlns:p14="http://schemas.microsoft.com/office/powerpoint/2010/main" val="1493172746"/>
+      </p:ext>
+    </p:extLst>
+  </p:cSld>
+  <p:clrMapOvr>
+    <a:masterClrMapping/>
+  </p:clrMapOvr>
+</p:sld>
+</file>
+
+<file path=ppt/slides/slide48.xml><?xml version="1.0" encoding="utf-8"?>
+<p:sld xmlns:a="http://schemas.openxmlformats.org/drawingml/2006/main" xmlns:r="http://schemas.openxmlformats.org/officeDocument/2006/relationships" xmlns:p="http://schemas.openxmlformats.org/presentationml/2006/main">
+  <p:cSld>
+    <p:spTree>
+      <p:nvGrpSpPr>
+        <p:cNvPr id="1" name=""/>
+        <p:cNvGrpSpPr/>
+        <p:nvPr/>
+      </p:nvGrpSpPr>
+      <p:grpSpPr>
+        <a:xfrm>
+          <a:off x="0" y="0"/>
+          <a:ext cx="0" cy="0"/>
+          <a:chOff x="0" y="0"/>
+          <a:chExt cx="0" cy="0"/>
+        </a:xfrm>
+      </p:grpSpPr>
+      <p:sp>
+        <p:nvSpPr>
+          <p:cNvPr id="2" name="object 2"/>
+          <p:cNvSpPr/>
+          <p:nvPr/>
+        </p:nvSpPr>
+        <p:spPr>
+          <a:xfrm>
+            <a:off x="-36871" y="-36871"/>
+            <a:ext cx="12191999" cy="7118601"/>
+          </a:xfrm>
+          <a:prstGeom prst="rect">
+            <a:avLst/>
+          </a:prstGeom>
+          <a:blipFill>
+            <a:blip r:embed="rId2" cstate="print"/>
+            <a:stretch>
+              <a:fillRect/>
+            </a:stretch>
+          </a:blipFill>
+        </p:spPr>
+        <p:txBody>
+          <a:bodyPr wrap="square" lIns="0" tIns="0" rIns="0" bIns="0" rtlCol="0"/>
+          <a:lstStyle/>
+          <a:p>
+            <a:endParaRPr b="1" dirty="0">
+              <a:ln w="13462">
+                <a:solidFill>
+                  <a:schemeClr val="bg1"/>
+                </a:solidFill>
+                <a:prstDash val="solid"/>
+              </a:ln>
+              <a:solidFill>
+                <a:schemeClr val="tx1">
+                  <a:lumMod val="85000"/>
+                  <a:lumOff val="15000"/>
+                </a:schemeClr>
+              </a:solidFill>
+              <a:effectLst>
+                <a:outerShdw dist="38100" dir="2700000" algn="bl" rotWithShape="0">
+                  <a:schemeClr val="accent5"/>
+                </a:outerShdw>
+              </a:effectLst>
+            </a:endParaRPr>
+          </a:p>
+        </p:txBody>
+      </p:sp>
+      <p:sp>
+        <p:nvSpPr>
+          <p:cNvPr id="3" name="object 3"/>
+          <p:cNvSpPr txBox="1">
+            <a:spLocks noGrp="1"/>
+          </p:cNvSpPr>
+          <p:nvPr>
+            <p:ph type="title"/>
+          </p:nvPr>
+        </p:nvSpPr>
+        <p:spPr>
+          <a:xfrm>
+            <a:off x="481685" y="304800"/>
+            <a:ext cx="8967115" cy="566181"/>
+          </a:xfrm>
+          <a:prstGeom prst="rect">
+            <a:avLst/>
+          </a:prstGeom>
+        </p:spPr>
+        <p:txBody>
+          <a:bodyPr vert="horz" wrap="square" lIns="0" tIns="12065" rIns="0" bIns="0" rtlCol="0">
+            <a:spAutoFit/>
+          </a:bodyPr>
+          <a:lstStyle/>
+          <a:p>
+            <a:pPr marL="12700">
+              <a:spcBef>
+                <a:spcPts val="95"/>
+              </a:spcBef>
+            </a:pPr>
+            <a:r>
+              <a:rPr lang="en-US" sz="3600" kern="0" dirty="0" err="1">
+                <a:latin typeface="+mn-lt"/>
+                <a:cs typeface="Calibri Light" panose="020F0302020204030204" pitchFamily="34" charset="0"/>
+                <a:sym typeface="Wingdings" panose="05000000000000000000" pitchFamily="2" charset="2"/>
+              </a:rPr>
+              <a:t>JQuery</a:t>
+            </a:r>
+            <a:endParaRPr lang="en-US" sz="3600" kern="0" dirty="0">
+              <a:latin typeface="+mn-lt"/>
+              <a:cs typeface="Calibri Light" panose="020F0302020204030204" pitchFamily="34" charset="0"/>
+              <a:sym typeface="Wingdings" panose="05000000000000000000" pitchFamily="2" charset="2"/>
+            </a:endParaRPr>
+          </a:p>
+        </p:txBody>
+      </p:sp>
+      <p:sp>
+        <p:nvSpPr>
+          <p:cNvPr id="5" name="object 5"/>
+          <p:cNvSpPr/>
+          <p:nvPr/>
+        </p:nvSpPr>
+        <p:spPr>
+          <a:xfrm>
+            <a:off x="9816083" y="262127"/>
+            <a:ext cx="1976627" cy="822960"/>
+          </a:xfrm>
+          <a:prstGeom prst="rect">
+            <a:avLst/>
+          </a:prstGeom>
+          <a:blipFill>
+            <a:blip r:embed="rId3" cstate="print"/>
+            <a:stretch>
+              <a:fillRect/>
+            </a:stretch>
+          </a:blipFill>
+        </p:spPr>
+        <p:txBody>
+          <a:bodyPr wrap="square" lIns="0" tIns="0" rIns="0" bIns="0" rtlCol="0"/>
+          <a:lstStyle/>
+          <a:p>
+            <a:endParaRPr/>
+          </a:p>
+        </p:txBody>
+      </p:sp>
+      <p:sp>
+        <p:nvSpPr>
+          <p:cNvPr id="4" name="object 3">
+            <a:extLst>
+              <a:ext uri="{FF2B5EF4-FFF2-40B4-BE49-F238E27FC236}">
+                <a16:creationId xmlns:a16="http://schemas.microsoft.com/office/drawing/2014/main" id="{1ED9D45B-4B0D-FC76-3A8C-E89F6CD72254}"/>
+              </a:ext>
+            </a:extLst>
+          </p:cNvPr>
+          <p:cNvSpPr txBox="1">
+            <a:spLocks/>
+          </p:cNvSpPr>
+          <p:nvPr/>
+        </p:nvSpPr>
+        <p:spPr>
+          <a:xfrm>
+            <a:off x="533400" y="838200"/>
+            <a:ext cx="11621728" cy="5508559"/>
+          </a:xfrm>
+          <a:prstGeom prst="rect">
+            <a:avLst/>
+          </a:prstGeom>
+        </p:spPr>
+        <p:txBody>
+          <a:bodyPr vert="horz" wrap="square" lIns="0" tIns="12065" rIns="0" bIns="0" rtlCol="0">
+            <a:spAutoFit/>
+          </a:bodyPr>
+          <a:lstStyle>
+            <a:lvl1pPr>
+              <a:defRPr sz="6000" b="0" i="0">
+                <a:solidFill>
+                  <a:srgbClr val="E7E6E6"/>
+                </a:solidFill>
+                <a:latin typeface="Trebuchet MS"/>
+                <a:ea typeface="+mj-ea"/>
+                <a:cs typeface="Trebuchet MS"/>
+              </a:defRPr>
+            </a:lvl1pPr>
+          </a:lstStyle>
+          <a:p>
             <a:pPr marL="12700">
               <a:spcBef>
                 <a:spcPts val="95"/>
@@ -20670,6 +20956,562 @@
     <p:extLst>
       <p:ext uri="{BB962C8B-B14F-4D97-AF65-F5344CB8AC3E}">
         <p14:creationId xmlns:p14="http://schemas.microsoft.com/office/powerpoint/2010/main" val="3770203744"/>
+      </p:ext>
+    </p:extLst>
+  </p:cSld>
+  <p:clrMapOvr>
+    <a:masterClrMapping/>
+  </p:clrMapOvr>
+</p:sld>
+</file>
+
+<file path=ppt/slides/slide49.xml><?xml version="1.0" encoding="utf-8"?>
+<p:sld xmlns:a="http://schemas.openxmlformats.org/drawingml/2006/main" xmlns:r="http://schemas.openxmlformats.org/officeDocument/2006/relationships" xmlns:p="http://schemas.openxmlformats.org/presentationml/2006/main">
+  <p:cSld>
+    <p:spTree>
+      <p:nvGrpSpPr>
+        <p:cNvPr id="1" name=""/>
+        <p:cNvGrpSpPr/>
+        <p:nvPr/>
+      </p:nvGrpSpPr>
+      <p:grpSpPr>
+        <a:xfrm>
+          <a:off x="0" y="0"/>
+          <a:ext cx="0" cy="0"/>
+          <a:chOff x="0" y="0"/>
+          <a:chExt cx="0" cy="0"/>
+        </a:xfrm>
+      </p:grpSpPr>
+      <p:sp>
+        <p:nvSpPr>
+          <p:cNvPr id="2" name="object 2"/>
+          <p:cNvSpPr/>
+          <p:nvPr/>
+        </p:nvSpPr>
+        <p:spPr>
+          <a:xfrm>
+            <a:off x="-36871" y="-36871"/>
+            <a:ext cx="12191999" cy="7118601"/>
+          </a:xfrm>
+          <a:prstGeom prst="rect">
+            <a:avLst/>
+          </a:prstGeom>
+          <a:blipFill>
+            <a:blip r:embed="rId2" cstate="print"/>
+            <a:stretch>
+              <a:fillRect/>
+            </a:stretch>
+          </a:blipFill>
+        </p:spPr>
+        <p:txBody>
+          <a:bodyPr wrap="square" lIns="0" tIns="0" rIns="0" bIns="0" rtlCol="0"/>
+          <a:lstStyle/>
+          <a:p>
+            <a:endParaRPr b="1" dirty="0">
+              <a:ln w="13462">
+                <a:solidFill>
+                  <a:schemeClr val="bg1"/>
+                </a:solidFill>
+                <a:prstDash val="solid"/>
+              </a:ln>
+              <a:solidFill>
+                <a:schemeClr val="tx1">
+                  <a:lumMod val="85000"/>
+                  <a:lumOff val="15000"/>
+                </a:schemeClr>
+              </a:solidFill>
+              <a:effectLst>
+                <a:outerShdw dist="38100" dir="2700000" algn="bl" rotWithShape="0">
+                  <a:schemeClr val="accent5"/>
+                </a:outerShdw>
+              </a:effectLst>
+            </a:endParaRPr>
+          </a:p>
+        </p:txBody>
+      </p:sp>
+      <p:sp>
+        <p:nvSpPr>
+          <p:cNvPr id="3" name="object 3"/>
+          <p:cNvSpPr txBox="1">
+            <a:spLocks noGrp="1"/>
+          </p:cNvSpPr>
+          <p:nvPr>
+            <p:ph type="title"/>
+          </p:nvPr>
+        </p:nvSpPr>
+        <p:spPr>
+          <a:xfrm>
+            <a:off x="481685" y="304800"/>
+            <a:ext cx="8967115" cy="566181"/>
+          </a:xfrm>
+          <a:prstGeom prst="rect">
+            <a:avLst/>
+          </a:prstGeom>
+        </p:spPr>
+        <p:txBody>
+          <a:bodyPr vert="horz" wrap="square" lIns="0" tIns="12065" rIns="0" bIns="0" rtlCol="0">
+            <a:spAutoFit/>
+          </a:bodyPr>
+          <a:lstStyle/>
+          <a:p>
+            <a:pPr marL="12700">
+              <a:spcBef>
+                <a:spcPts val="95"/>
+              </a:spcBef>
+            </a:pPr>
+            <a:r>
+              <a:rPr lang="en-US" sz="3600" kern="0" dirty="0" err="1">
+                <a:latin typeface="+mn-lt"/>
+                <a:cs typeface="Calibri Light" panose="020F0302020204030204" pitchFamily="34" charset="0"/>
+                <a:sym typeface="Wingdings" panose="05000000000000000000" pitchFamily="2" charset="2"/>
+              </a:rPr>
+              <a:t>JQuery</a:t>
+            </a:r>
+            <a:endParaRPr lang="en-US" sz="3600" kern="0" dirty="0">
+              <a:latin typeface="+mn-lt"/>
+              <a:cs typeface="Calibri Light" panose="020F0302020204030204" pitchFamily="34" charset="0"/>
+              <a:sym typeface="Wingdings" panose="05000000000000000000" pitchFamily="2" charset="2"/>
+            </a:endParaRPr>
+          </a:p>
+        </p:txBody>
+      </p:sp>
+      <p:sp>
+        <p:nvSpPr>
+          <p:cNvPr id="5" name="object 5"/>
+          <p:cNvSpPr/>
+          <p:nvPr/>
+        </p:nvSpPr>
+        <p:spPr>
+          <a:xfrm>
+            <a:off x="9816083" y="262127"/>
+            <a:ext cx="1976627" cy="822960"/>
+          </a:xfrm>
+          <a:prstGeom prst="rect">
+            <a:avLst/>
+          </a:prstGeom>
+          <a:blipFill>
+            <a:blip r:embed="rId3" cstate="print"/>
+            <a:stretch>
+              <a:fillRect/>
+            </a:stretch>
+          </a:blipFill>
+        </p:spPr>
+        <p:txBody>
+          <a:bodyPr wrap="square" lIns="0" tIns="0" rIns="0" bIns="0" rtlCol="0"/>
+          <a:lstStyle/>
+          <a:p>
+            <a:endParaRPr/>
+          </a:p>
+        </p:txBody>
+      </p:sp>
+      <p:sp>
+        <p:nvSpPr>
+          <p:cNvPr id="4" name="object 3">
+            <a:extLst>
+              <a:ext uri="{FF2B5EF4-FFF2-40B4-BE49-F238E27FC236}">
+                <a16:creationId xmlns:a16="http://schemas.microsoft.com/office/drawing/2014/main" id="{1ED9D45B-4B0D-FC76-3A8C-E89F6CD72254}"/>
+              </a:ext>
+            </a:extLst>
+          </p:cNvPr>
+          <p:cNvSpPr txBox="1">
+            <a:spLocks/>
+          </p:cNvSpPr>
+          <p:nvPr/>
+        </p:nvSpPr>
+        <p:spPr>
+          <a:xfrm>
+            <a:off x="533400" y="838200"/>
+            <a:ext cx="11621728" cy="4508285"/>
+          </a:xfrm>
+          <a:prstGeom prst="rect">
+            <a:avLst/>
+          </a:prstGeom>
+        </p:spPr>
+        <p:txBody>
+          <a:bodyPr vert="horz" wrap="square" lIns="0" tIns="12065" rIns="0" bIns="0" rtlCol="0">
+            <a:spAutoFit/>
+          </a:bodyPr>
+          <a:lstStyle>
+            <a:lvl1pPr>
+              <a:defRPr sz="6000" b="0" i="0">
+                <a:solidFill>
+                  <a:srgbClr val="E7E6E6"/>
+                </a:solidFill>
+                <a:latin typeface="Trebuchet MS"/>
+                <a:ea typeface="+mj-ea"/>
+                <a:cs typeface="Trebuchet MS"/>
+              </a:defRPr>
+            </a:lvl1pPr>
+          </a:lstStyle>
+          <a:p>
+            <a:r>
+              <a:rPr lang="en-US" sz="2800" kern="0" dirty="0">
+                <a:latin typeface="+mn-lt"/>
+                <a:cs typeface="Calibri Light" panose="020F0302020204030204" pitchFamily="34" charset="0"/>
+                <a:sym typeface="Wingdings" panose="05000000000000000000" pitchFamily="2" charset="2"/>
+              </a:rPr>
+              <a:t>8. Events :</a:t>
+            </a:r>
+            <a:r>
+              <a:rPr lang="en-US" sz="2800" kern="0" dirty="0">
+                <a:latin typeface="Consolas" panose="020B0609020204030204" pitchFamily="49" charset="0"/>
+                <a:cs typeface="Calibri Light" panose="020F0302020204030204" pitchFamily="34" charset="0"/>
+                <a:sym typeface="Wingdings" panose="05000000000000000000" pitchFamily="2" charset="2"/>
+              </a:rPr>
+              <a:t> </a:t>
+            </a:r>
+            <a:br>
+              <a:rPr lang="en-IN" sz="900" b="0" dirty="0">
+                <a:solidFill>
+                  <a:srgbClr val="D4D4D4"/>
+                </a:solidFill>
+                <a:effectLst/>
+                <a:latin typeface="Consolas" panose="020B0609020204030204" pitchFamily="49" charset="0"/>
+              </a:rPr>
+            </a:br>
+            <a:r>
+              <a:rPr lang="en-IN" sz="2800" b="0" dirty="0">
+                <a:solidFill>
+                  <a:srgbClr val="D4D4D4"/>
+                </a:solidFill>
+                <a:effectLst/>
+                <a:latin typeface="+mj-lt"/>
+              </a:rPr>
+              <a:t>1. General click </a:t>
+            </a:r>
+          </a:p>
+          <a:p>
+            <a:r>
+              <a:rPr lang="en-IN" sz="2000" b="0" dirty="0">
+                <a:solidFill>
+                  <a:schemeClr val="bg1"/>
+                </a:solidFill>
+                <a:effectLst/>
+                <a:latin typeface="Consolas" panose="020B0609020204030204" pitchFamily="49" charset="0"/>
+              </a:rPr>
+              <a:t>$('button').click(function(){console.log("normal Function");})</a:t>
+            </a:r>
+          </a:p>
+          <a:p>
+            <a:endParaRPr lang="en-IN" sz="2000" b="0" dirty="0">
+              <a:solidFill>
+                <a:schemeClr val="bg1"/>
+              </a:solidFill>
+              <a:effectLst/>
+              <a:latin typeface="Consolas" panose="020B0609020204030204" pitchFamily="49" charset="0"/>
+            </a:endParaRPr>
+          </a:p>
+          <a:p>
+            <a:r>
+              <a:rPr lang="en-US" sz="2800" kern="0" dirty="0">
+                <a:latin typeface="+mn-lt"/>
+                <a:cs typeface="Calibri Light" panose="020F0302020204030204" pitchFamily="34" charset="0"/>
+                <a:sym typeface="Wingdings" panose="05000000000000000000" pitchFamily="2" charset="2"/>
+              </a:rPr>
+              <a:t>2. To select a particular element when multiple buttons are there</a:t>
+            </a:r>
+          </a:p>
+          <a:p>
+            <a:r>
+              <a:rPr lang="en-US" sz="2800" kern="0" dirty="0">
+                <a:latin typeface="+mn-lt"/>
+                <a:cs typeface="Calibri Light" panose="020F0302020204030204" pitchFamily="34" charset="0"/>
+                <a:sym typeface="Wingdings" panose="05000000000000000000" pitchFamily="2" charset="2"/>
+              </a:rPr>
+              <a:t> </a:t>
+            </a:r>
+            <a:r>
+              <a:rPr lang="en-IN" sz="2000" b="0" dirty="0">
+                <a:solidFill>
+                  <a:schemeClr val="bg1"/>
+                </a:solidFill>
+                <a:effectLst/>
+                <a:latin typeface="Consolas" panose="020B0609020204030204" pitchFamily="49" charset="0"/>
+              </a:rPr>
+              <a:t>$('button').click(function(){$(this).</a:t>
+            </a:r>
+            <a:r>
+              <a:rPr lang="en-IN" sz="2000" b="0" dirty="0" err="1">
+                <a:solidFill>
+                  <a:schemeClr val="bg1"/>
+                </a:solidFill>
+                <a:effectLst/>
+                <a:latin typeface="Consolas" panose="020B0609020204030204" pitchFamily="49" charset="0"/>
+              </a:rPr>
+              <a:t>css</a:t>
+            </a:r>
+            <a:r>
+              <a:rPr lang="en-IN" sz="2000" b="0" dirty="0">
+                <a:solidFill>
+                  <a:schemeClr val="bg1"/>
+                </a:solidFill>
+                <a:effectLst/>
+                <a:latin typeface="Consolas" panose="020B0609020204030204" pitchFamily="49" charset="0"/>
+              </a:rPr>
+              <a:t>(“</a:t>
+            </a:r>
+            <a:r>
+              <a:rPr lang="en-IN" sz="2000" b="0" dirty="0" err="1">
+                <a:solidFill>
+                  <a:schemeClr val="bg1"/>
+                </a:solidFill>
+                <a:effectLst/>
+                <a:latin typeface="Consolas" panose="020B0609020204030204" pitchFamily="49" charset="0"/>
+              </a:rPr>
+              <a:t>color</a:t>
+            </a:r>
+            <a:r>
+              <a:rPr lang="en-IN" sz="2000" b="0" dirty="0">
+                <a:solidFill>
+                  <a:schemeClr val="bg1"/>
+                </a:solidFill>
+                <a:effectLst/>
+                <a:latin typeface="Consolas" panose="020B0609020204030204" pitchFamily="49" charset="0"/>
+              </a:rPr>
+              <a:t>“,“red”);})</a:t>
+            </a:r>
+          </a:p>
+          <a:p>
+            <a:r>
+              <a:rPr lang="en-IN" sz="2000" kern="0" dirty="0">
+                <a:solidFill>
+                  <a:schemeClr val="bg1"/>
+                </a:solidFill>
+                <a:latin typeface="Consolas" panose="020B0609020204030204" pitchFamily="49" charset="0"/>
+                <a:cs typeface="Calibri Light" panose="020F0302020204030204" pitchFamily="34" charset="0"/>
+                <a:sym typeface="Wingdings" panose="05000000000000000000" pitchFamily="2" charset="2"/>
+              </a:rPr>
+              <a:t>//for </a:t>
+            </a:r>
+            <a:r>
+              <a:rPr lang="en-IN" sz="2000" kern="0" dirty="0" err="1">
+                <a:solidFill>
+                  <a:schemeClr val="bg1"/>
+                </a:solidFill>
+                <a:latin typeface="Consolas" panose="020B0609020204030204" pitchFamily="49" charset="0"/>
+                <a:cs typeface="Calibri Light" panose="020F0302020204030204" pitchFamily="34" charset="0"/>
+                <a:sym typeface="Wingdings" panose="05000000000000000000" pitchFamily="2" charset="2"/>
+              </a:rPr>
+              <a:t>addEventListerner</a:t>
+            </a:r>
+            <a:r>
+              <a:rPr lang="en-IN" sz="2000" kern="0" dirty="0">
+                <a:solidFill>
+                  <a:schemeClr val="bg1"/>
+                </a:solidFill>
+                <a:latin typeface="Consolas" panose="020B0609020204030204" pitchFamily="49" charset="0"/>
+                <a:cs typeface="Calibri Light" panose="020F0302020204030204" pitchFamily="34" charset="0"/>
+                <a:sym typeface="Wingdings" panose="05000000000000000000" pitchFamily="2" charset="2"/>
+              </a:rPr>
+              <a:t>  we have “$(‘button’).on”</a:t>
+            </a:r>
+            <a:endParaRPr lang="en-US" sz="2000" kern="0" dirty="0">
+              <a:latin typeface="+mn-lt"/>
+              <a:cs typeface="Calibri Light" panose="020F0302020204030204" pitchFamily="34" charset="0"/>
+              <a:sym typeface="Wingdings" panose="05000000000000000000" pitchFamily="2" charset="2"/>
+            </a:endParaRPr>
+          </a:p>
+          <a:p>
+            <a:pPr marL="12700">
+              <a:spcBef>
+                <a:spcPts val="95"/>
+              </a:spcBef>
+            </a:pPr>
+            <a:r>
+              <a:rPr lang="en-US" sz="2000" kern="0" dirty="0">
+                <a:latin typeface="+mn-lt"/>
+                <a:cs typeface="Calibri Light" panose="020F0302020204030204" pitchFamily="34" charset="0"/>
+                <a:sym typeface="Wingdings" panose="05000000000000000000" pitchFamily="2" charset="2"/>
+              </a:rPr>
+              <a:t> </a:t>
+            </a:r>
+            <a:r>
+              <a:rPr lang="en-IN" sz="2000" b="0" dirty="0">
+                <a:solidFill>
+                  <a:schemeClr val="bg1"/>
+                </a:solidFill>
+                <a:effectLst/>
+                <a:latin typeface="Consolas" panose="020B0609020204030204" pitchFamily="49" charset="0"/>
+              </a:rPr>
+              <a:t>$('button’).on(‘</a:t>
+            </a:r>
+            <a:r>
+              <a:rPr lang="en-IN" sz="2000" b="0" dirty="0" err="1">
+                <a:solidFill>
+                  <a:schemeClr val="bg1"/>
+                </a:solidFill>
+                <a:effectLst/>
+                <a:latin typeface="Consolas" panose="020B0609020204030204" pitchFamily="49" charset="0"/>
+              </a:rPr>
+              <a:t>click’,function</a:t>
+            </a:r>
+            <a:r>
+              <a:rPr lang="en-IN" sz="2000" b="0" dirty="0">
+                <a:solidFill>
+                  <a:schemeClr val="bg1"/>
+                </a:solidFill>
+                <a:effectLst/>
+                <a:latin typeface="Consolas" panose="020B0609020204030204" pitchFamily="49" charset="0"/>
+              </a:rPr>
+              <a:t>(){$(this).</a:t>
+            </a:r>
+            <a:r>
+              <a:rPr lang="en-IN" sz="2000" b="0" dirty="0" err="1">
+                <a:solidFill>
+                  <a:schemeClr val="bg1"/>
+                </a:solidFill>
+                <a:effectLst/>
+                <a:latin typeface="Consolas" panose="020B0609020204030204" pitchFamily="49" charset="0"/>
+              </a:rPr>
+              <a:t>css</a:t>
+            </a:r>
+            <a:r>
+              <a:rPr lang="en-IN" sz="2000" b="0" dirty="0">
+                <a:solidFill>
+                  <a:schemeClr val="bg1"/>
+                </a:solidFill>
+                <a:effectLst/>
+                <a:latin typeface="Consolas" panose="020B0609020204030204" pitchFamily="49" charset="0"/>
+              </a:rPr>
+              <a:t>(“</a:t>
+            </a:r>
+            <a:r>
+              <a:rPr lang="en-IN" sz="2000" b="0" dirty="0" err="1">
+                <a:solidFill>
+                  <a:schemeClr val="bg1"/>
+                </a:solidFill>
+                <a:effectLst/>
+                <a:latin typeface="Consolas" panose="020B0609020204030204" pitchFamily="49" charset="0"/>
+              </a:rPr>
+              <a:t>color</a:t>
+            </a:r>
+            <a:r>
+              <a:rPr lang="en-IN" sz="2000" b="0" dirty="0">
+                <a:solidFill>
+                  <a:schemeClr val="bg1"/>
+                </a:solidFill>
+                <a:effectLst/>
+                <a:latin typeface="Consolas" panose="020B0609020204030204" pitchFamily="49" charset="0"/>
+              </a:rPr>
+              <a:t>“,“red”);})</a:t>
+            </a:r>
+            <a:endParaRPr lang="en-US" sz="2000" kern="0" dirty="0">
+              <a:latin typeface="+mn-lt"/>
+              <a:cs typeface="Calibri Light" panose="020F0302020204030204" pitchFamily="34" charset="0"/>
+              <a:sym typeface="Wingdings" panose="05000000000000000000" pitchFamily="2" charset="2"/>
+            </a:endParaRPr>
+          </a:p>
+          <a:p>
+            <a:pPr marL="12700">
+              <a:spcBef>
+                <a:spcPts val="95"/>
+              </a:spcBef>
+            </a:pPr>
+            <a:endParaRPr lang="en-US" sz="2800" kern="0" dirty="0">
+              <a:latin typeface="+mn-lt"/>
+              <a:cs typeface="Calibri Light" panose="020F0302020204030204" pitchFamily="34" charset="0"/>
+              <a:sym typeface="Wingdings" panose="05000000000000000000" pitchFamily="2" charset="2"/>
+            </a:endParaRPr>
+          </a:p>
+          <a:p>
+            <a:pPr marL="12700">
+              <a:spcBef>
+                <a:spcPts val="95"/>
+              </a:spcBef>
+            </a:pPr>
+            <a:r>
+              <a:rPr lang="en-US" sz="2800" kern="0" dirty="0">
+                <a:latin typeface="+mn-lt"/>
+                <a:cs typeface="Calibri Light" panose="020F0302020204030204" pitchFamily="34" charset="0"/>
+                <a:sym typeface="Wingdings" panose="05000000000000000000" pitchFamily="2" charset="2"/>
+              </a:rPr>
+              <a:t>3. Input event</a:t>
+            </a:r>
+          </a:p>
+          <a:p>
+            <a:pPr marL="12700">
+              <a:spcBef>
+                <a:spcPts val="95"/>
+              </a:spcBef>
+            </a:pPr>
+            <a:r>
+              <a:rPr lang="en-US" sz="2000" kern="0" dirty="0">
+                <a:latin typeface="Consolas" panose="020B0609020204030204" pitchFamily="49" charset="0"/>
+                <a:cs typeface="Calibri Light" panose="020F0302020204030204" pitchFamily="34" charset="0"/>
+                <a:sym typeface="Wingdings" panose="05000000000000000000" pitchFamily="2" charset="2"/>
+              </a:rPr>
+              <a:t>$(‘input’).</a:t>
+            </a:r>
+            <a:r>
+              <a:rPr lang="en-US" sz="2000" kern="0" dirty="0" err="1">
+                <a:latin typeface="Consolas" panose="020B0609020204030204" pitchFamily="49" charset="0"/>
+                <a:cs typeface="Calibri Light" panose="020F0302020204030204" pitchFamily="34" charset="0"/>
+                <a:sym typeface="Wingdings" panose="05000000000000000000" pitchFamily="2" charset="2"/>
+              </a:rPr>
+              <a:t>keyup</a:t>
+            </a:r>
+            <a:r>
+              <a:rPr lang="en-US" sz="2000" kern="0" dirty="0">
+                <a:latin typeface="Consolas" panose="020B0609020204030204" pitchFamily="49" charset="0"/>
+                <a:cs typeface="Calibri Light" panose="020F0302020204030204" pitchFamily="34" charset="0"/>
+                <a:sym typeface="Wingdings" panose="05000000000000000000" pitchFamily="2" charset="2"/>
+              </a:rPr>
+              <a:t>(function(){log(“Key released”)};</a:t>
+            </a:r>
+          </a:p>
+          <a:p>
+            <a:pPr marL="12700">
+              <a:spcBef>
+                <a:spcPts val="95"/>
+              </a:spcBef>
+            </a:pPr>
+            <a:r>
+              <a:rPr lang="en-US" sz="2000" kern="0" dirty="0">
+                <a:latin typeface="Consolas" panose="020B0609020204030204" pitchFamily="49" charset="0"/>
+                <a:cs typeface="Calibri Light" panose="020F0302020204030204" pitchFamily="34" charset="0"/>
+                <a:sym typeface="Wingdings" panose="05000000000000000000" pitchFamily="2" charset="2"/>
+              </a:rPr>
+              <a:t>$(‘input’).</a:t>
+            </a:r>
+            <a:r>
+              <a:rPr lang="en-US" sz="2000" kern="0" dirty="0" err="1">
+                <a:latin typeface="Consolas" panose="020B0609020204030204" pitchFamily="49" charset="0"/>
+                <a:cs typeface="Calibri Light" panose="020F0302020204030204" pitchFamily="34" charset="0"/>
+                <a:sym typeface="Wingdings" panose="05000000000000000000" pitchFamily="2" charset="2"/>
+              </a:rPr>
+              <a:t>keyup</a:t>
+            </a:r>
+            <a:r>
+              <a:rPr lang="en-US" sz="2000" kern="0" dirty="0">
+                <a:latin typeface="Consolas" panose="020B0609020204030204" pitchFamily="49" charset="0"/>
+                <a:cs typeface="Calibri Light" panose="020F0302020204030204" pitchFamily="34" charset="0"/>
+                <a:sym typeface="Wingdings" panose="05000000000000000000" pitchFamily="2" charset="2"/>
+              </a:rPr>
+              <a:t>(function(e){log(“Key released”,</a:t>
+            </a:r>
+            <a:r>
+              <a:rPr lang="en-US" sz="2000" kern="0" dirty="0" err="1">
+                <a:latin typeface="Consolas" panose="020B0609020204030204" pitchFamily="49" charset="0"/>
+                <a:cs typeface="Calibri Light" panose="020F0302020204030204" pitchFamily="34" charset="0"/>
+                <a:sym typeface="Wingdings" panose="05000000000000000000" pitchFamily="2" charset="2"/>
+              </a:rPr>
+              <a:t>e.val</a:t>
+            </a:r>
+            <a:r>
+              <a:rPr lang="en-US" sz="2000" kern="0" dirty="0">
+                <a:latin typeface="Consolas" panose="020B0609020204030204" pitchFamily="49" charset="0"/>
+                <a:cs typeface="Calibri Light" panose="020F0302020204030204" pitchFamily="34" charset="0"/>
+                <a:sym typeface="Wingdings" panose="05000000000000000000" pitchFamily="2" charset="2"/>
+              </a:rPr>
+              <a:t>())};</a:t>
+            </a:r>
+          </a:p>
+        </p:txBody>
+      </p:sp>
+    </p:spTree>
+    <p:extLst>
+      <p:ext uri="{BB962C8B-B14F-4D97-AF65-F5344CB8AC3E}">
+        <p14:creationId xmlns:p14="http://schemas.microsoft.com/office/powerpoint/2010/main" val="2463762875"/>
       </p:ext>
     </p:extLst>
   </p:cSld>
@@ -21145,6 +21987,2905 @@
     <p:extLst>
       <p:ext uri="{BB962C8B-B14F-4D97-AF65-F5344CB8AC3E}">
         <p14:creationId xmlns:p14="http://schemas.microsoft.com/office/powerpoint/2010/main" val="885233415"/>
+      </p:ext>
+    </p:extLst>
+  </p:cSld>
+  <p:clrMapOvr>
+    <a:masterClrMapping/>
+  </p:clrMapOvr>
+</p:sld>
+</file>
+
+<file path=ppt/slides/slide50.xml><?xml version="1.0" encoding="utf-8"?>
+<p:sld xmlns:a="http://schemas.openxmlformats.org/drawingml/2006/main" xmlns:r="http://schemas.openxmlformats.org/officeDocument/2006/relationships" xmlns:p="http://schemas.openxmlformats.org/presentationml/2006/main">
+  <p:cSld>
+    <p:spTree>
+      <p:nvGrpSpPr>
+        <p:cNvPr id="1" name=""/>
+        <p:cNvGrpSpPr/>
+        <p:nvPr/>
+      </p:nvGrpSpPr>
+      <p:grpSpPr>
+        <a:xfrm>
+          <a:off x="0" y="0"/>
+          <a:ext cx="0" cy="0"/>
+          <a:chOff x="0" y="0"/>
+          <a:chExt cx="0" cy="0"/>
+        </a:xfrm>
+      </p:grpSpPr>
+      <p:sp>
+        <p:nvSpPr>
+          <p:cNvPr id="2" name="object 2"/>
+          <p:cNvSpPr/>
+          <p:nvPr/>
+        </p:nvSpPr>
+        <p:spPr>
+          <a:xfrm>
+            <a:off x="-36871" y="-36871"/>
+            <a:ext cx="12191999" cy="7118601"/>
+          </a:xfrm>
+          <a:prstGeom prst="rect">
+            <a:avLst/>
+          </a:prstGeom>
+          <a:blipFill>
+            <a:blip r:embed="rId2" cstate="print"/>
+            <a:stretch>
+              <a:fillRect/>
+            </a:stretch>
+          </a:blipFill>
+        </p:spPr>
+        <p:txBody>
+          <a:bodyPr wrap="square" lIns="0" tIns="0" rIns="0" bIns="0" rtlCol="0"/>
+          <a:lstStyle/>
+          <a:p>
+            <a:endParaRPr b="1" dirty="0">
+              <a:ln w="13462">
+                <a:solidFill>
+                  <a:schemeClr val="bg1"/>
+                </a:solidFill>
+                <a:prstDash val="solid"/>
+              </a:ln>
+              <a:solidFill>
+                <a:schemeClr val="tx1">
+                  <a:lumMod val="85000"/>
+                  <a:lumOff val="15000"/>
+                </a:schemeClr>
+              </a:solidFill>
+              <a:effectLst>
+                <a:outerShdw dist="38100" dir="2700000" algn="bl" rotWithShape="0">
+                  <a:schemeClr val="accent5"/>
+                </a:outerShdw>
+              </a:effectLst>
+            </a:endParaRPr>
+          </a:p>
+        </p:txBody>
+      </p:sp>
+      <p:sp>
+        <p:nvSpPr>
+          <p:cNvPr id="3" name="object 3"/>
+          <p:cNvSpPr txBox="1">
+            <a:spLocks noGrp="1"/>
+          </p:cNvSpPr>
+          <p:nvPr>
+            <p:ph type="title"/>
+          </p:nvPr>
+        </p:nvSpPr>
+        <p:spPr>
+          <a:xfrm>
+            <a:off x="481685" y="304800"/>
+            <a:ext cx="8967115" cy="566181"/>
+          </a:xfrm>
+          <a:prstGeom prst="rect">
+            <a:avLst/>
+          </a:prstGeom>
+        </p:spPr>
+        <p:txBody>
+          <a:bodyPr vert="horz" wrap="square" lIns="0" tIns="12065" rIns="0" bIns="0" rtlCol="0">
+            <a:spAutoFit/>
+          </a:bodyPr>
+          <a:lstStyle/>
+          <a:p>
+            <a:pPr marL="12700">
+              <a:spcBef>
+                <a:spcPts val="95"/>
+              </a:spcBef>
+            </a:pPr>
+            <a:r>
+              <a:rPr lang="en-US" sz="3600" kern="0" dirty="0">
+                <a:latin typeface="+mn-lt"/>
+                <a:cs typeface="Calibri Light" panose="020F0302020204030204" pitchFamily="34" charset="0"/>
+                <a:sym typeface="Wingdings" panose="05000000000000000000" pitchFamily="2" charset="2"/>
+              </a:rPr>
+              <a:t>AJAX (</a:t>
+            </a:r>
+            <a:r>
+              <a:rPr lang="en-US" sz="3200" kern="0" dirty="0">
+                <a:latin typeface="+mn-lt"/>
+                <a:cs typeface="Calibri Light" panose="020F0302020204030204" pitchFamily="34" charset="0"/>
+                <a:sym typeface="Wingdings" panose="05000000000000000000" pitchFamily="2" charset="2"/>
+              </a:rPr>
+              <a:t>Asynchronous </a:t>
+            </a:r>
+            <a:r>
+              <a:rPr lang="en-US" sz="3200" kern="0" dirty="0" err="1">
+                <a:latin typeface="+mn-lt"/>
+                <a:cs typeface="Calibri Light" panose="020F0302020204030204" pitchFamily="34" charset="0"/>
+                <a:sym typeface="Wingdings" panose="05000000000000000000" pitchFamily="2" charset="2"/>
+              </a:rPr>
+              <a:t>Javascript</a:t>
+            </a:r>
+            <a:r>
+              <a:rPr lang="en-US" sz="3200" kern="0" dirty="0">
+                <a:latin typeface="+mn-lt"/>
+                <a:cs typeface="Calibri Light" panose="020F0302020204030204" pitchFamily="34" charset="0"/>
+                <a:sym typeface="Wingdings" panose="05000000000000000000" pitchFamily="2" charset="2"/>
+              </a:rPr>
+              <a:t> and XML</a:t>
+            </a:r>
+            <a:r>
+              <a:rPr lang="en-US" sz="3600" kern="0" dirty="0">
+                <a:latin typeface="+mn-lt"/>
+                <a:cs typeface="Calibri Light" panose="020F0302020204030204" pitchFamily="34" charset="0"/>
+                <a:sym typeface="Wingdings" panose="05000000000000000000" pitchFamily="2" charset="2"/>
+              </a:rPr>
+              <a:t>)</a:t>
+            </a:r>
+          </a:p>
+        </p:txBody>
+      </p:sp>
+      <p:sp>
+        <p:nvSpPr>
+          <p:cNvPr id="5" name="object 5"/>
+          <p:cNvSpPr/>
+          <p:nvPr/>
+        </p:nvSpPr>
+        <p:spPr>
+          <a:xfrm>
+            <a:off x="9816083" y="262127"/>
+            <a:ext cx="1976627" cy="822960"/>
+          </a:xfrm>
+          <a:prstGeom prst="rect">
+            <a:avLst/>
+          </a:prstGeom>
+          <a:blipFill>
+            <a:blip r:embed="rId3" cstate="print"/>
+            <a:stretch>
+              <a:fillRect/>
+            </a:stretch>
+          </a:blipFill>
+        </p:spPr>
+        <p:txBody>
+          <a:bodyPr wrap="square" lIns="0" tIns="0" rIns="0" bIns="0" rtlCol="0"/>
+          <a:lstStyle/>
+          <a:p>
+            <a:endParaRPr/>
+          </a:p>
+        </p:txBody>
+      </p:sp>
+      <p:sp>
+        <p:nvSpPr>
+          <p:cNvPr id="4" name="object 3">
+            <a:extLst>
+              <a:ext uri="{FF2B5EF4-FFF2-40B4-BE49-F238E27FC236}">
+                <a16:creationId xmlns:a16="http://schemas.microsoft.com/office/drawing/2014/main" id="{1ED9D45B-4B0D-FC76-3A8C-E89F6CD72254}"/>
+              </a:ext>
+            </a:extLst>
+          </p:cNvPr>
+          <p:cNvSpPr txBox="1">
+            <a:spLocks/>
+          </p:cNvSpPr>
+          <p:nvPr/>
+        </p:nvSpPr>
+        <p:spPr>
+          <a:xfrm>
+            <a:off x="457200" y="838200"/>
+            <a:ext cx="11621728" cy="5613716"/>
+          </a:xfrm>
+          <a:prstGeom prst="rect">
+            <a:avLst/>
+          </a:prstGeom>
+        </p:spPr>
+        <p:txBody>
+          <a:bodyPr vert="horz" wrap="square" lIns="0" tIns="12065" rIns="0" bIns="0" rtlCol="0">
+            <a:spAutoFit/>
+          </a:bodyPr>
+          <a:lstStyle>
+            <a:lvl1pPr>
+              <a:defRPr sz="6000" b="0" i="0">
+                <a:solidFill>
+                  <a:srgbClr val="E7E6E6"/>
+                </a:solidFill>
+                <a:latin typeface="Trebuchet MS"/>
+                <a:ea typeface="+mj-ea"/>
+                <a:cs typeface="Trebuchet MS"/>
+              </a:defRPr>
+            </a:lvl1pPr>
+          </a:lstStyle>
+          <a:p>
+            <a:r>
+              <a:rPr lang="en-US" sz="2800" kern="0" dirty="0">
+                <a:latin typeface="+mn-lt"/>
+                <a:cs typeface="Calibri Light" panose="020F0302020204030204" pitchFamily="34" charset="0"/>
+                <a:sym typeface="Wingdings" panose="05000000000000000000" pitchFamily="2" charset="2"/>
+              </a:rPr>
+              <a:t>1. This is a web Technique to create SPA(Single Page Application).</a:t>
+            </a:r>
+          </a:p>
+          <a:p>
+            <a:endParaRPr lang="en-US" sz="2800" kern="0" dirty="0">
+              <a:latin typeface="+mn-lt"/>
+              <a:cs typeface="Calibri Light" panose="020F0302020204030204" pitchFamily="34" charset="0"/>
+              <a:sym typeface="Wingdings" panose="05000000000000000000" pitchFamily="2" charset="2"/>
+            </a:endParaRPr>
+          </a:p>
+          <a:p>
+            <a:r>
+              <a:rPr lang="en-US" sz="2800" kern="0" dirty="0">
+                <a:latin typeface="+mn-lt"/>
+                <a:cs typeface="Calibri Light" panose="020F0302020204030204" pitchFamily="34" charset="0"/>
+                <a:sym typeface="Wingdings" panose="05000000000000000000" pitchFamily="2" charset="2"/>
+              </a:rPr>
+              <a:t>Model of sending request</a:t>
+            </a:r>
+          </a:p>
+          <a:p>
+            <a:pPr marL="457200" indent="-457200">
+              <a:buFont typeface="Wingdings" panose="05000000000000000000" pitchFamily="2" charset="2"/>
+              <a:buChar char="à"/>
+            </a:pPr>
+            <a:r>
+              <a:rPr lang="en-US" sz="2800" kern="0" dirty="0">
+                <a:latin typeface="+mn-lt"/>
+                <a:cs typeface="Calibri Light" panose="020F0302020204030204" pitchFamily="34" charset="0"/>
+                <a:sym typeface="Wingdings" panose="05000000000000000000" pitchFamily="2" charset="2"/>
+              </a:rPr>
+              <a:t>Ajax has a JS layer that only controls</a:t>
+            </a:r>
+          </a:p>
+          <a:p>
+            <a:r>
+              <a:rPr lang="en-US" sz="2800" kern="0" dirty="0">
+                <a:latin typeface="+mn-lt"/>
+                <a:cs typeface="Calibri Light" panose="020F0302020204030204" pitchFamily="34" charset="0"/>
+                <a:sym typeface="Wingdings" panose="05000000000000000000" pitchFamily="2" charset="2"/>
+              </a:rPr>
+              <a:t>the response part without including</a:t>
+            </a:r>
+          </a:p>
+          <a:p>
+            <a:r>
+              <a:rPr lang="en-US" sz="2800" kern="0" dirty="0">
+                <a:latin typeface="+mn-lt"/>
+                <a:cs typeface="Calibri Light" panose="020F0302020204030204" pitchFamily="34" charset="0"/>
+                <a:sym typeface="Wingdings" panose="05000000000000000000" pitchFamily="2" charset="2"/>
+              </a:rPr>
+              <a:t>html or </a:t>
+            </a:r>
+            <a:r>
+              <a:rPr lang="en-US" sz="2800" kern="0" dirty="0" err="1">
+                <a:latin typeface="+mn-lt"/>
+                <a:cs typeface="Calibri Light" panose="020F0302020204030204" pitchFamily="34" charset="0"/>
+                <a:sym typeface="Wingdings" panose="05000000000000000000" pitchFamily="2" charset="2"/>
+              </a:rPr>
+              <a:t>css</a:t>
+            </a:r>
+            <a:r>
+              <a:rPr lang="en-US" sz="2800" kern="0" dirty="0">
+                <a:latin typeface="+mn-lt"/>
+                <a:cs typeface="Calibri Light" panose="020F0302020204030204" pitchFamily="34" charset="0"/>
+                <a:sym typeface="Wingdings" panose="05000000000000000000" pitchFamily="2" charset="2"/>
+              </a:rPr>
+              <a:t>. This is the AJAX engine.</a:t>
+            </a:r>
+          </a:p>
+          <a:p>
+            <a:endParaRPr lang="en-US" sz="2800" kern="0" dirty="0">
+              <a:latin typeface="+mn-lt"/>
+              <a:cs typeface="Calibri Light" panose="020F0302020204030204" pitchFamily="34" charset="0"/>
+              <a:sym typeface="Wingdings" panose="05000000000000000000" pitchFamily="2" charset="2"/>
+            </a:endParaRPr>
+          </a:p>
+          <a:p>
+            <a:r>
+              <a:rPr lang="en-US" sz="2800" kern="0" dirty="0">
+                <a:latin typeface="+mn-lt"/>
+                <a:cs typeface="Calibri Light" panose="020F0302020204030204" pitchFamily="34" charset="0"/>
+                <a:sym typeface="Wingdings" panose="05000000000000000000" pitchFamily="2" charset="2"/>
+              </a:rPr>
+              <a:t>We get 2 types of data </a:t>
+            </a:r>
+          </a:p>
+          <a:p>
+            <a:r>
+              <a:rPr lang="en-US" sz="2800" kern="0" dirty="0">
+                <a:latin typeface="+mn-lt"/>
+                <a:cs typeface="Calibri Light" panose="020F0302020204030204" pitchFamily="34" charset="0"/>
+                <a:sym typeface="Wingdings" panose="05000000000000000000" pitchFamily="2" charset="2"/>
+              </a:rPr>
+              <a:t>1.XML - </a:t>
+            </a:r>
+            <a:r>
+              <a:rPr lang="en-US" sz="2800" kern="0" dirty="0" err="1">
+                <a:latin typeface="+mn-lt"/>
+                <a:cs typeface="Calibri Light" panose="020F0302020204030204" pitchFamily="34" charset="0"/>
+                <a:sym typeface="Wingdings" panose="05000000000000000000" pitchFamily="2" charset="2"/>
+              </a:rPr>
+              <a:t>Xtensible</a:t>
+            </a:r>
+            <a:r>
+              <a:rPr lang="en-US" sz="2800" kern="0" dirty="0">
+                <a:latin typeface="+mn-lt"/>
+                <a:cs typeface="Calibri Light" panose="020F0302020204030204" pitchFamily="34" charset="0"/>
+                <a:sym typeface="Wingdings" panose="05000000000000000000" pitchFamily="2" charset="2"/>
+              </a:rPr>
+              <a:t> Markup Lang.</a:t>
+            </a:r>
+          </a:p>
+          <a:p>
+            <a:r>
+              <a:rPr lang="en-US" sz="2800" kern="0" dirty="0">
+                <a:latin typeface="+mn-lt"/>
+                <a:cs typeface="Calibri Light" panose="020F0302020204030204" pitchFamily="34" charset="0"/>
+                <a:sym typeface="Wingdings" panose="05000000000000000000" pitchFamily="2" charset="2"/>
+              </a:rPr>
+              <a:t>2.JSON- </a:t>
+            </a:r>
+            <a:r>
+              <a:rPr lang="en-US" sz="2800" kern="0" dirty="0" err="1">
+                <a:latin typeface="+mn-lt"/>
+                <a:cs typeface="Calibri Light" panose="020F0302020204030204" pitchFamily="34" charset="0"/>
+                <a:sym typeface="Wingdings" panose="05000000000000000000" pitchFamily="2" charset="2"/>
+              </a:rPr>
+              <a:t>Javascript</a:t>
+            </a:r>
+            <a:r>
+              <a:rPr lang="en-US" sz="2800" kern="0" dirty="0">
+                <a:latin typeface="+mn-lt"/>
+                <a:cs typeface="Calibri Light" panose="020F0302020204030204" pitchFamily="34" charset="0"/>
+                <a:sym typeface="Wingdings" panose="05000000000000000000" pitchFamily="2" charset="2"/>
+              </a:rPr>
+              <a:t> object notation.</a:t>
+            </a:r>
+          </a:p>
+          <a:p>
+            <a:r>
+              <a:rPr lang="en-US" sz="2800" kern="0" dirty="0">
+                <a:latin typeface="+mn-lt"/>
+                <a:cs typeface="Calibri Light" panose="020F0302020204030204" pitchFamily="34" charset="0"/>
+                <a:sym typeface="Wingdings" panose="05000000000000000000" pitchFamily="2" charset="2"/>
+              </a:rPr>
+              <a:t>	(“</a:t>
+            </a:r>
+            <a:r>
+              <a:rPr lang="en-US" sz="2800" kern="0" dirty="0" err="1">
+                <a:latin typeface="+mn-lt"/>
+                <a:cs typeface="Calibri Light" panose="020F0302020204030204" pitchFamily="34" charset="0"/>
+                <a:sym typeface="Wingdings" panose="05000000000000000000" pitchFamily="2" charset="2"/>
+              </a:rPr>
+              <a:t>key”:“value</a:t>
+            </a:r>
+            <a:r>
+              <a:rPr lang="en-US" sz="2800" kern="0" dirty="0">
+                <a:latin typeface="+mn-lt"/>
+                <a:cs typeface="Calibri Light" panose="020F0302020204030204" pitchFamily="34" charset="0"/>
+                <a:sym typeface="Wingdings" panose="05000000000000000000" pitchFamily="2" charset="2"/>
+              </a:rPr>
+              <a:t>”) pair with double</a:t>
+            </a:r>
+          </a:p>
+          <a:p>
+            <a:r>
+              <a:rPr lang="en-US" sz="2800" kern="0" dirty="0">
+                <a:latin typeface="+mn-lt"/>
+                <a:cs typeface="Calibri Light" panose="020F0302020204030204" pitchFamily="34" charset="0"/>
+                <a:sym typeface="Wingdings" panose="05000000000000000000" pitchFamily="2" charset="2"/>
+              </a:rPr>
+              <a:t>	inverted comma.</a:t>
+            </a:r>
+          </a:p>
+          <a:p>
+            <a:r>
+              <a:rPr lang="en-US" sz="2800" kern="0" dirty="0">
+                <a:latin typeface="+mn-lt"/>
+                <a:cs typeface="Calibri Light" panose="020F0302020204030204" pitchFamily="34" charset="0"/>
+                <a:sym typeface="Wingdings" panose="05000000000000000000" pitchFamily="2" charset="2"/>
+              </a:rPr>
+              <a:t>3.API - Application Programming Interface.</a:t>
+            </a:r>
+          </a:p>
+        </p:txBody>
+      </p:sp>
+      <p:pic>
+        <p:nvPicPr>
+          <p:cNvPr id="7" name="Picture 6">
+            <a:extLst>
+              <a:ext uri="{FF2B5EF4-FFF2-40B4-BE49-F238E27FC236}">
+                <a16:creationId xmlns:a16="http://schemas.microsoft.com/office/drawing/2014/main" id="{C1032970-97E8-9660-90BF-0B85727EC1AF}"/>
+              </a:ext>
+            </a:extLst>
+          </p:cNvPr>
+          <p:cNvPicPr>
+            <a:picLocks noChangeAspect="1"/>
+          </p:cNvPicPr>
+          <p:nvPr/>
+        </p:nvPicPr>
+        <p:blipFill>
+          <a:blip r:embed="rId4">
+            <a:duotone>
+              <a:schemeClr val="accent1">
+                <a:shade val="45000"/>
+                <a:satMod val="135000"/>
+              </a:schemeClr>
+              <a:prstClr val="white"/>
+            </a:duotone>
+            <a:extLst>
+              <a:ext uri="{BEBA8EAE-BF5A-486C-A8C5-ECC9F3942E4B}">
+                <a14:imgProps xmlns:a14="http://schemas.microsoft.com/office/drawing/2010/main">
+                  <a14:imgLayer r:embed="rId5">
+                    <a14:imgEffect>
+                      <a14:artisticPhotocopy/>
+                    </a14:imgEffect>
+                  </a14:imgLayer>
+                </a14:imgProps>
+              </a:ext>
+            </a:extLst>
+          </a:blip>
+          <a:stretch>
+            <a:fillRect/>
+          </a:stretch>
+        </p:blipFill>
+        <p:spPr>
+          <a:xfrm>
+            <a:off x="6221360" y="1426758"/>
+            <a:ext cx="5437240" cy="4371290"/>
+          </a:xfrm>
+          <a:prstGeom prst="rect">
+            <a:avLst/>
+          </a:prstGeom>
+        </p:spPr>
+      </p:pic>
+    </p:spTree>
+    <p:extLst>
+      <p:ext uri="{BB962C8B-B14F-4D97-AF65-F5344CB8AC3E}">
+        <p14:creationId xmlns:p14="http://schemas.microsoft.com/office/powerpoint/2010/main" val="3954851001"/>
+      </p:ext>
+    </p:extLst>
+  </p:cSld>
+  <p:clrMapOvr>
+    <a:masterClrMapping/>
+  </p:clrMapOvr>
+</p:sld>
+</file>
+
+<file path=ppt/slides/slide51.xml><?xml version="1.0" encoding="utf-8"?>
+<p:sld xmlns:a="http://schemas.openxmlformats.org/drawingml/2006/main" xmlns:r="http://schemas.openxmlformats.org/officeDocument/2006/relationships" xmlns:p="http://schemas.openxmlformats.org/presentationml/2006/main">
+  <p:cSld>
+    <p:spTree>
+      <p:nvGrpSpPr>
+        <p:cNvPr id="1" name=""/>
+        <p:cNvGrpSpPr/>
+        <p:nvPr/>
+      </p:nvGrpSpPr>
+      <p:grpSpPr>
+        <a:xfrm>
+          <a:off x="0" y="0"/>
+          <a:ext cx="0" cy="0"/>
+          <a:chOff x="0" y="0"/>
+          <a:chExt cx="0" cy="0"/>
+        </a:xfrm>
+      </p:grpSpPr>
+      <p:sp>
+        <p:nvSpPr>
+          <p:cNvPr id="2" name="object 2"/>
+          <p:cNvSpPr/>
+          <p:nvPr/>
+        </p:nvSpPr>
+        <p:spPr>
+          <a:xfrm>
+            <a:off x="-36871" y="-36871"/>
+            <a:ext cx="12191999" cy="7118601"/>
+          </a:xfrm>
+          <a:prstGeom prst="rect">
+            <a:avLst/>
+          </a:prstGeom>
+          <a:blipFill>
+            <a:blip r:embed="rId2" cstate="print"/>
+            <a:stretch>
+              <a:fillRect/>
+            </a:stretch>
+          </a:blipFill>
+        </p:spPr>
+        <p:txBody>
+          <a:bodyPr wrap="square" lIns="0" tIns="0" rIns="0" bIns="0" rtlCol="0"/>
+          <a:lstStyle/>
+          <a:p>
+            <a:endParaRPr b="1" dirty="0">
+              <a:ln w="13462">
+                <a:solidFill>
+                  <a:schemeClr val="bg1"/>
+                </a:solidFill>
+                <a:prstDash val="solid"/>
+              </a:ln>
+              <a:solidFill>
+                <a:schemeClr val="tx1">
+                  <a:lumMod val="85000"/>
+                  <a:lumOff val="15000"/>
+                </a:schemeClr>
+              </a:solidFill>
+              <a:effectLst>
+                <a:outerShdw dist="38100" dir="2700000" algn="bl" rotWithShape="0">
+                  <a:schemeClr val="accent5"/>
+                </a:outerShdw>
+              </a:effectLst>
+            </a:endParaRPr>
+          </a:p>
+        </p:txBody>
+      </p:sp>
+      <p:sp>
+        <p:nvSpPr>
+          <p:cNvPr id="3" name="object 3"/>
+          <p:cNvSpPr txBox="1">
+            <a:spLocks noGrp="1"/>
+          </p:cNvSpPr>
+          <p:nvPr>
+            <p:ph type="title"/>
+          </p:nvPr>
+        </p:nvSpPr>
+        <p:spPr>
+          <a:xfrm>
+            <a:off x="481685" y="228600"/>
+            <a:ext cx="8967115" cy="566181"/>
+          </a:xfrm>
+          <a:prstGeom prst="rect">
+            <a:avLst/>
+          </a:prstGeom>
+        </p:spPr>
+        <p:txBody>
+          <a:bodyPr vert="horz" wrap="square" lIns="0" tIns="12065" rIns="0" bIns="0" rtlCol="0">
+            <a:spAutoFit/>
+          </a:bodyPr>
+          <a:lstStyle/>
+          <a:p>
+            <a:pPr marL="12700">
+              <a:spcBef>
+                <a:spcPts val="95"/>
+              </a:spcBef>
+            </a:pPr>
+            <a:r>
+              <a:rPr lang="en-US" sz="3600" kern="0" dirty="0">
+                <a:latin typeface="+mn-lt"/>
+                <a:cs typeface="Calibri Light" panose="020F0302020204030204" pitchFamily="34" charset="0"/>
+                <a:sym typeface="Wingdings" panose="05000000000000000000" pitchFamily="2" charset="2"/>
+              </a:rPr>
+              <a:t>AJAX (</a:t>
+            </a:r>
+            <a:r>
+              <a:rPr lang="en-US" sz="3200" kern="0" dirty="0">
+                <a:latin typeface="+mn-lt"/>
+                <a:cs typeface="Calibri Light" panose="020F0302020204030204" pitchFamily="34" charset="0"/>
+                <a:sym typeface="Wingdings" panose="05000000000000000000" pitchFamily="2" charset="2"/>
+              </a:rPr>
+              <a:t>Asynchronous </a:t>
+            </a:r>
+            <a:r>
+              <a:rPr lang="en-US" sz="3200" kern="0" dirty="0" err="1">
+                <a:latin typeface="+mn-lt"/>
+                <a:cs typeface="Calibri Light" panose="020F0302020204030204" pitchFamily="34" charset="0"/>
+                <a:sym typeface="Wingdings" panose="05000000000000000000" pitchFamily="2" charset="2"/>
+              </a:rPr>
+              <a:t>Javascript</a:t>
+            </a:r>
+            <a:r>
+              <a:rPr lang="en-US" sz="3200" kern="0" dirty="0">
+                <a:latin typeface="+mn-lt"/>
+                <a:cs typeface="Calibri Light" panose="020F0302020204030204" pitchFamily="34" charset="0"/>
+                <a:sym typeface="Wingdings" panose="05000000000000000000" pitchFamily="2" charset="2"/>
+              </a:rPr>
+              <a:t> and XML</a:t>
+            </a:r>
+            <a:r>
+              <a:rPr lang="en-US" sz="3600" kern="0" dirty="0">
+                <a:latin typeface="+mn-lt"/>
+                <a:cs typeface="Calibri Light" panose="020F0302020204030204" pitchFamily="34" charset="0"/>
+                <a:sym typeface="Wingdings" panose="05000000000000000000" pitchFamily="2" charset="2"/>
+              </a:rPr>
+              <a:t>)</a:t>
+            </a:r>
+          </a:p>
+        </p:txBody>
+      </p:sp>
+      <p:sp>
+        <p:nvSpPr>
+          <p:cNvPr id="5" name="object 5"/>
+          <p:cNvSpPr/>
+          <p:nvPr/>
+        </p:nvSpPr>
+        <p:spPr>
+          <a:xfrm>
+            <a:off x="9816083" y="262127"/>
+            <a:ext cx="1976627" cy="822960"/>
+          </a:xfrm>
+          <a:prstGeom prst="rect">
+            <a:avLst/>
+          </a:prstGeom>
+          <a:blipFill>
+            <a:blip r:embed="rId3" cstate="print"/>
+            <a:stretch>
+              <a:fillRect/>
+            </a:stretch>
+          </a:blipFill>
+        </p:spPr>
+        <p:txBody>
+          <a:bodyPr wrap="square" lIns="0" tIns="0" rIns="0" bIns="0" rtlCol="0"/>
+          <a:lstStyle/>
+          <a:p>
+            <a:endParaRPr/>
+          </a:p>
+        </p:txBody>
+      </p:sp>
+      <p:sp>
+        <p:nvSpPr>
+          <p:cNvPr id="4" name="object 3">
+            <a:extLst>
+              <a:ext uri="{FF2B5EF4-FFF2-40B4-BE49-F238E27FC236}">
+                <a16:creationId xmlns:a16="http://schemas.microsoft.com/office/drawing/2014/main" id="{1ED9D45B-4B0D-FC76-3A8C-E89F6CD72254}"/>
+              </a:ext>
+            </a:extLst>
+          </p:cNvPr>
+          <p:cNvSpPr txBox="1">
+            <a:spLocks/>
+          </p:cNvSpPr>
+          <p:nvPr/>
+        </p:nvSpPr>
+        <p:spPr>
+          <a:xfrm>
+            <a:off x="457200" y="762000"/>
+            <a:ext cx="11621728" cy="6059992"/>
+          </a:xfrm>
+          <a:prstGeom prst="rect">
+            <a:avLst/>
+          </a:prstGeom>
+        </p:spPr>
+        <p:txBody>
+          <a:bodyPr vert="horz" wrap="square" lIns="0" tIns="12065" rIns="0" bIns="0" rtlCol="0">
+            <a:spAutoFit/>
+          </a:bodyPr>
+          <a:lstStyle>
+            <a:lvl1pPr>
+              <a:defRPr sz="6000" b="0" i="0">
+                <a:solidFill>
+                  <a:srgbClr val="E7E6E6"/>
+                </a:solidFill>
+                <a:latin typeface="Trebuchet MS"/>
+                <a:ea typeface="+mj-ea"/>
+                <a:cs typeface="Trebuchet MS"/>
+              </a:defRPr>
+            </a:lvl1pPr>
+          </a:lstStyle>
+          <a:p>
+            <a:r>
+              <a:rPr lang="en-US" sz="2800" kern="0" dirty="0">
+                <a:latin typeface="+mn-lt"/>
+                <a:cs typeface="Calibri Light" panose="020F0302020204030204" pitchFamily="34" charset="0"/>
+                <a:sym typeface="Wingdings" panose="05000000000000000000" pitchFamily="2" charset="2"/>
+              </a:rPr>
+              <a:t> We cannot work with </a:t>
+            </a:r>
+            <a:r>
+              <a:rPr lang="en-US" sz="2800" kern="0" dirty="0" err="1">
+                <a:latin typeface="+mn-lt"/>
+                <a:cs typeface="Calibri Light" panose="020F0302020204030204" pitchFamily="34" charset="0"/>
+                <a:sym typeface="Wingdings" panose="05000000000000000000" pitchFamily="2" charset="2"/>
+              </a:rPr>
+              <a:t>json</a:t>
+            </a:r>
+            <a:r>
+              <a:rPr lang="en-US" sz="2800" kern="0" dirty="0">
+                <a:latin typeface="+mn-lt"/>
+                <a:cs typeface="Calibri Light" panose="020F0302020204030204" pitchFamily="34" charset="0"/>
+                <a:sym typeface="Wingdings" panose="05000000000000000000" pitchFamily="2" charset="2"/>
+              </a:rPr>
+              <a:t> data directly. </a:t>
+            </a:r>
+          </a:p>
+          <a:p>
+            <a:pPr marL="457200" indent="-457200">
+              <a:buFont typeface="Wingdings" panose="05000000000000000000" pitchFamily="2" charset="2"/>
+              <a:buChar char="à"/>
+            </a:pPr>
+            <a:r>
+              <a:rPr lang="en-US" sz="2800" kern="0" dirty="0" err="1">
+                <a:latin typeface="+mn-lt"/>
+                <a:cs typeface="Calibri Light" panose="020F0302020204030204" pitchFamily="34" charset="0"/>
+                <a:sym typeface="Wingdings" panose="05000000000000000000" pitchFamily="2" charset="2"/>
+              </a:rPr>
+              <a:t>Json.parse</a:t>
+            </a:r>
+            <a:r>
+              <a:rPr lang="en-US" sz="2800" kern="0" dirty="0">
+                <a:latin typeface="+mn-lt"/>
+                <a:cs typeface="Calibri Light" panose="020F0302020204030204" pitchFamily="34" charset="0"/>
+                <a:sym typeface="Wingdings" panose="05000000000000000000" pitchFamily="2" charset="2"/>
+              </a:rPr>
+              <a:t>(Json String)We have to convert it into usable JS object or array.</a:t>
+            </a:r>
+          </a:p>
+          <a:p>
+            <a:r>
+              <a:rPr lang="en-US" sz="2800" kern="0" dirty="0">
+                <a:latin typeface="+mn-lt"/>
+                <a:cs typeface="Calibri Light" panose="020F0302020204030204" pitchFamily="34" charset="0"/>
+                <a:sym typeface="Wingdings" panose="05000000000000000000" pitchFamily="2" charset="2"/>
+              </a:rPr>
+              <a:t> </a:t>
+            </a:r>
+            <a:r>
+              <a:rPr lang="en-US" sz="2800" kern="0" dirty="0" err="1">
+                <a:latin typeface="+mn-lt"/>
+                <a:cs typeface="Calibri Light" panose="020F0302020204030204" pitchFamily="34" charset="0"/>
+                <a:sym typeface="Wingdings" panose="05000000000000000000" pitchFamily="2" charset="2"/>
+              </a:rPr>
+              <a:t>Json.stringify</a:t>
+            </a:r>
+            <a:r>
+              <a:rPr lang="en-US" sz="2800" kern="0" dirty="0">
+                <a:latin typeface="+mn-lt"/>
+                <a:cs typeface="Calibri Light" panose="020F0302020204030204" pitchFamily="34" charset="0"/>
+                <a:sym typeface="Wingdings" panose="05000000000000000000" pitchFamily="2" charset="2"/>
+              </a:rPr>
+              <a:t>(Json object) Converts Json object into usable JS String. </a:t>
+            </a:r>
+          </a:p>
+          <a:p>
+            <a:r>
+              <a:rPr lang="en-US" sz="2000" b="0" i="0" dirty="0">
+                <a:solidFill>
+                  <a:schemeClr val="bg1"/>
+                </a:solidFill>
+                <a:effectLst/>
+                <a:latin typeface="Consolas" panose="020B0609020204030204" pitchFamily="49" charset="0"/>
+              </a:rPr>
+              <a:t>	let </a:t>
+            </a:r>
+            <a:r>
+              <a:rPr lang="en-US" sz="2000" b="0" i="0" dirty="0" err="1">
+                <a:solidFill>
+                  <a:schemeClr val="bg1"/>
+                </a:solidFill>
+                <a:effectLst/>
+                <a:latin typeface="Consolas" panose="020B0609020204030204" pitchFamily="49" charset="0"/>
+              </a:rPr>
+              <a:t>jsonData</a:t>
+            </a:r>
+            <a:r>
+              <a:rPr lang="en-US" sz="2000" b="0" i="0" dirty="0">
+                <a:solidFill>
+                  <a:schemeClr val="bg1"/>
+                </a:solidFill>
+                <a:effectLst/>
+                <a:latin typeface="Consolas" panose="020B0609020204030204" pitchFamily="49" charset="0"/>
+              </a:rPr>
+              <a:t> = {</a:t>
+            </a:r>
+            <a:br>
+              <a:rPr lang="en-US" sz="900" dirty="0"/>
+            </a:br>
+            <a:r>
+              <a:rPr lang="en-US" sz="900" dirty="0"/>
+              <a:t>		</a:t>
+            </a:r>
+            <a:r>
+              <a:rPr lang="en-US" sz="2000" b="0" i="0" dirty="0">
+                <a:solidFill>
+                  <a:schemeClr val="bg1"/>
+                </a:solidFill>
+                <a:effectLst/>
+                <a:latin typeface="Consolas" panose="020B0609020204030204" pitchFamily="49" charset="0"/>
+              </a:rPr>
+              <a:t>"employee":{"</a:t>
+            </a:r>
+            <a:r>
+              <a:rPr lang="en-US" sz="2000" b="0" i="0" dirty="0" err="1">
+                <a:solidFill>
+                  <a:schemeClr val="bg1"/>
+                </a:solidFill>
+                <a:effectLst/>
+                <a:latin typeface="Consolas" panose="020B0609020204030204" pitchFamily="49" charset="0"/>
+              </a:rPr>
+              <a:t>name":"John</a:t>
+            </a:r>
+            <a:r>
+              <a:rPr lang="en-US" sz="2000" b="0" i="0" dirty="0">
+                <a:solidFill>
+                  <a:schemeClr val="bg1"/>
+                </a:solidFill>
+                <a:effectLst/>
+                <a:latin typeface="Consolas" panose="020B0609020204030204" pitchFamily="49" charset="0"/>
+              </a:rPr>
+              <a:t>", "age":30, "</a:t>
+            </a:r>
+            <a:r>
+              <a:rPr lang="en-US" sz="2000" b="0" i="0" dirty="0" err="1">
+                <a:solidFill>
+                  <a:schemeClr val="bg1"/>
+                </a:solidFill>
+                <a:effectLst/>
+                <a:latin typeface="Consolas" panose="020B0609020204030204" pitchFamily="49" charset="0"/>
+              </a:rPr>
+              <a:t>city":"New</a:t>
+            </a:r>
+            <a:r>
+              <a:rPr lang="en-US" sz="2000" b="0" i="0" dirty="0">
+                <a:solidFill>
+                  <a:schemeClr val="bg1"/>
+                </a:solidFill>
+                <a:effectLst/>
+                <a:latin typeface="Consolas" panose="020B0609020204030204" pitchFamily="49" charset="0"/>
+              </a:rPr>
+              <a:t> York"}</a:t>
+            </a:r>
+            <a:br>
+              <a:rPr lang="en-US" sz="2000" dirty="0">
+                <a:solidFill>
+                  <a:schemeClr val="bg1"/>
+                </a:solidFill>
+                <a:latin typeface="Consolas" panose="020B0609020204030204" pitchFamily="49" charset="0"/>
+              </a:rPr>
+            </a:br>
+            <a:r>
+              <a:rPr lang="en-US" sz="2000" dirty="0">
+                <a:solidFill>
+                  <a:schemeClr val="bg1"/>
+                </a:solidFill>
+                <a:latin typeface="Consolas" panose="020B0609020204030204" pitchFamily="49" charset="0"/>
+              </a:rPr>
+              <a:t>	</a:t>
+            </a:r>
+            <a:r>
+              <a:rPr lang="en-US" sz="2000" b="0" i="0" dirty="0">
+                <a:solidFill>
+                  <a:schemeClr val="bg1"/>
+                </a:solidFill>
+                <a:effectLst/>
+                <a:latin typeface="Consolas" panose="020B0609020204030204" pitchFamily="49" charset="0"/>
+              </a:rPr>
+              <a:t>};</a:t>
+            </a:r>
+            <a:endParaRPr lang="en-US" sz="2800" kern="0" dirty="0">
+              <a:solidFill>
+                <a:schemeClr val="bg1"/>
+              </a:solidFill>
+              <a:latin typeface="Consolas" panose="020B0609020204030204" pitchFamily="49" charset="0"/>
+              <a:cs typeface="Calibri Light" panose="020F0302020204030204" pitchFamily="34" charset="0"/>
+              <a:sym typeface="Wingdings" panose="05000000000000000000" pitchFamily="2" charset="2"/>
+            </a:endParaRPr>
+          </a:p>
+          <a:p>
+            <a:endParaRPr lang="en-IN" sz="900" b="0" dirty="0">
+              <a:solidFill>
+                <a:srgbClr val="D4D4D4"/>
+              </a:solidFill>
+              <a:effectLst/>
+              <a:latin typeface="Consolas" panose="020B0609020204030204" pitchFamily="49" charset="0"/>
+            </a:endParaRPr>
+          </a:p>
+          <a:p>
+            <a:r>
+              <a:rPr lang="en-IN" sz="2000" b="0" dirty="0">
+                <a:solidFill>
+                  <a:schemeClr val="bg1"/>
+                </a:solidFill>
+                <a:effectLst/>
+                <a:latin typeface="Consolas" panose="020B0609020204030204" pitchFamily="49" charset="0"/>
+              </a:rPr>
+              <a:t>	let </a:t>
+            </a:r>
+            <a:r>
+              <a:rPr lang="en-IN" sz="2000" b="0" dirty="0" err="1">
+                <a:solidFill>
+                  <a:schemeClr val="bg1"/>
+                </a:solidFill>
+                <a:effectLst/>
+                <a:latin typeface="Consolas" panose="020B0609020204030204" pitchFamily="49" charset="0"/>
+              </a:rPr>
+              <a:t>obj</a:t>
+            </a:r>
+            <a:r>
+              <a:rPr lang="en-IN" sz="2000" b="0" dirty="0">
+                <a:solidFill>
+                  <a:schemeClr val="bg1"/>
+                </a:solidFill>
+                <a:effectLst/>
+                <a:latin typeface="Consolas" panose="020B0609020204030204" pitchFamily="49" charset="0"/>
+              </a:rPr>
+              <a:t> = </a:t>
+            </a:r>
+            <a:r>
+              <a:rPr lang="en-IN" sz="2000" b="0" dirty="0" err="1">
+                <a:solidFill>
+                  <a:schemeClr val="bg1"/>
+                </a:solidFill>
+                <a:effectLst/>
+                <a:latin typeface="Consolas" panose="020B0609020204030204" pitchFamily="49" charset="0"/>
+              </a:rPr>
+              <a:t>JSON.stringify</a:t>
+            </a:r>
+            <a:r>
+              <a:rPr lang="en-IN" sz="2000" b="0" dirty="0">
+                <a:solidFill>
+                  <a:schemeClr val="bg1"/>
+                </a:solidFill>
+                <a:effectLst/>
+                <a:latin typeface="Consolas" panose="020B0609020204030204" pitchFamily="49" charset="0"/>
+              </a:rPr>
+              <a:t>(</a:t>
+            </a:r>
+            <a:r>
+              <a:rPr lang="en-IN" sz="2000" b="0" dirty="0" err="1">
+                <a:solidFill>
+                  <a:schemeClr val="bg1"/>
+                </a:solidFill>
+                <a:effectLst/>
+                <a:latin typeface="Consolas" panose="020B0609020204030204" pitchFamily="49" charset="0"/>
+              </a:rPr>
+              <a:t>jsonData</a:t>
+            </a:r>
+            <a:r>
+              <a:rPr lang="en-IN" sz="2000" b="0" dirty="0">
+                <a:solidFill>
+                  <a:schemeClr val="bg1"/>
+                </a:solidFill>
+                <a:effectLst/>
+                <a:latin typeface="Consolas" panose="020B0609020204030204" pitchFamily="49" charset="0"/>
+              </a:rPr>
+              <a:t>);</a:t>
+            </a:r>
+          </a:p>
+          <a:p>
+            <a:r>
+              <a:rPr lang="en-IN" sz="2000" b="0" dirty="0">
+                <a:solidFill>
+                  <a:schemeClr val="bg1"/>
+                </a:solidFill>
+                <a:effectLst/>
+                <a:latin typeface="Consolas" panose="020B0609020204030204" pitchFamily="49" charset="0"/>
+              </a:rPr>
+              <a:t>	let obj1 = </a:t>
+            </a:r>
+            <a:r>
+              <a:rPr lang="en-IN" sz="2000" b="0" dirty="0" err="1">
+                <a:solidFill>
+                  <a:schemeClr val="bg1"/>
+                </a:solidFill>
+                <a:effectLst/>
+                <a:latin typeface="Consolas" panose="020B0609020204030204" pitchFamily="49" charset="0"/>
+              </a:rPr>
+              <a:t>JSON.parse</a:t>
+            </a:r>
+            <a:r>
+              <a:rPr lang="en-IN" sz="2000" b="0" dirty="0">
+                <a:solidFill>
+                  <a:schemeClr val="bg1"/>
+                </a:solidFill>
+                <a:effectLst/>
+                <a:latin typeface="Consolas" panose="020B0609020204030204" pitchFamily="49" charset="0"/>
+              </a:rPr>
+              <a:t>(</a:t>
+            </a:r>
+            <a:r>
+              <a:rPr lang="en-IN" sz="2000" b="0" dirty="0" err="1">
+                <a:solidFill>
+                  <a:schemeClr val="bg1"/>
+                </a:solidFill>
+                <a:effectLst/>
+                <a:latin typeface="Consolas" panose="020B0609020204030204" pitchFamily="49" charset="0"/>
+              </a:rPr>
+              <a:t>obj</a:t>
+            </a:r>
+            <a:r>
+              <a:rPr lang="en-IN" sz="2000" b="0" dirty="0">
+                <a:solidFill>
+                  <a:schemeClr val="bg1"/>
+                </a:solidFill>
+                <a:effectLst/>
+                <a:latin typeface="Consolas" panose="020B0609020204030204" pitchFamily="49" charset="0"/>
+              </a:rPr>
+              <a:t>);</a:t>
+            </a:r>
+          </a:p>
+          <a:p>
+            <a:r>
+              <a:rPr lang="en-IN" sz="2000" b="0" dirty="0">
+                <a:solidFill>
+                  <a:schemeClr val="bg1"/>
+                </a:solidFill>
+                <a:effectLst/>
+                <a:latin typeface="Consolas" panose="020B0609020204030204" pitchFamily="49" charset="0"/>
+              </a:rPr>
+              <a:t>	console.log(obj1);</a:t>
+            </a:r>
+          </a:p>
+          <a:p>
+            <a:r>
+              <a:rPr lang="en-IN" sz="2000" b="0" dirty="0">
+                <a:solidFill>
+                  <a:schemeClr val="bg1"/>
+                </a:solidFill>
+                <a:effectLst/>
+                <a:latin typeface="Consolas" panose="020B0609020204030204" pitchFamily="49" charset="0"/>
+              </a:rPr>
+              <a:t>	console.log(obj1['employee']['name’]);</a:t>
+            </a:r>
+          </a:p>
+          <a:p>
+            <a:r>
+              <a:rPr lang="en-US" sz="3200" kern="0" dirty="0">
+                <a:latin typeface="+mn-lt"/>
+                <a:cs typeface="Calibri Light" panose="020F0302020204030204" pitchFamily="34" charset="0"/>
+                <a:sym typeface="Wingdings" panose="05000000000000000000" pitchFamily="2" charset="2"/>
+              </a:rPr>
+              <a:t>Now we have to send request using JS.</a:t>
+            </a:r>
+            <a:endParaRPr lang="en-US" sz="2800" kern="0" dirty="0">
+              <a:latin typeface="+mn-lt"/>
+              <a:cs typeface="Calibri Light" panose="020F0302020204030204" pitchFamily="34" charset="0"/>
+              <a:sym typeface="Wingdings" panose="05000000000000000000" pitchFamily="2" charset="2"/>
+            </a:endParaRPr>
+          </a:p>
+          <a:p>
+            <a:r>
+              <a:rPr lang="en-US" sz="2800" kern="0" dirty="0">
+                <a:latin typeface="+mn-lt"/>
+                <a:cs typeface="Calibri Light" panose="020F0302020204030204" pitchFamily="34" charset="0"/>
+                <a:sym typeface="Wingdings" panose="05000000000000000000" pitchFamily="2" charset="2"/>
+              </a:rPr>
+              <a:t>1. HTTP Request(e.g. </a:t>
+            </a:r>
+            <a:r>
+              <a:rPr lang="en-IN" sz="2000" b="0" dirty="0">
+                <a:solidFill>
+                  <a:schemeClr val="bg1"/>
+                </a:solidFill>
+                <a:effectLst/>
+                <a:latin typeface="Consolas" panose="020B0609020204030204" pitchFamily="49" charset="0"/>
+              </a:rPr>
+              <a:t>https://isro.vercel.app/api/spacecrafts</a:t>
+            </a:r>
+            <a:r>
+              <a:rPr lang="en-IN" sz="2400" dirty="0">
+                <a:solidFill>
+                  <a:schemeClr val="bg1"/>
+                </a:solidFill>
+                <a:latin typeface="Consolas" panose="020B0609020204030204" pitchFamily="49" charset="0"/>
+              </a:rPr>
+              <a:t>)</a:t>
+            </a:r>
+            <a:endParaRPr lang="en-US" sz="2800" kern="0" dirty="0">
+              <a:solidFill>
+                <a:schemeClr val="bg1"/>
+              </a:solidFill>
+              <a:latin typeface="+mn-lt"/>
+              <a:cs typeface="Calibri Light" panose="020F0302020204030204" pitchFamily="34" charset="0"/>
+              <a:sym typeface="Wingdings" panose="05000000000000000000" pitchFamily="2" charset="2"/>
+            </a:endParaRPr>
+          </a:p>
+          <a:p>
+            <a:r>
+              <a:rPr lang="en-US" sz="2000" kern="0" dirty="0">
+                <a:latin typeface="Consolas" panose="020B0609020204030204" pitchFamily="49" charset="0"/>
+                <a:cs typeface="Calibri Light" panose="020F0302020204030204" pitchFamily="34" charset="0"/>
+                <a:sym typeface="Wingdings" panose="05000000000000000000" pitchFamily="2" charset="2"/>
+              </a:rPr>
+              <a:t>let req = new </a:t>
+            </a:r>
+            <a:r>
+              <a:rPr lang="en-US" sz="2000" kern="0" dirty="0" err="1">
+                <a:latin typeface="Consolas" panose="020B0609020204030204" pitchFamily="49" charset="0"/>
+                <a:cs typeface="Calibri Light" panose="020F0302020204030204" pitchFamily="34" charset="0"/>
+                <a:sym typeface="Wingdings" panose="05000000000000000000" pitchFamily="2" charset="2"/>
+              </a:rPr>
+              <a:t>XMLHTTpRequest</a:t>
+            </a:r>
+            <a:r>
+              <a:rPr lang="en-US" sz="2000" kern="0" dirty="0">
+                <a:latin typeface="Consolas" panose="020B0609020204030204" pitchFamily="49" charset="0"/>
+                <a:cs typeface="Calibri Light" panose="020F0302020204030204" pitchFamily="34" charset="0"/>
+                <a:sym typeface="Wingdings" panose="05000000000000000000" pitchFamily="2" charset="2"/>
+              </a:rPr>
+              <a:t>();</a:t>
+            </a:r>
+          </a:p>
+          <a:p>
+            <a:r>
+              <a:rPr lang="en-US" sz="2000" kern="0" dirty="0" err="1">
+                <a:latin typeface="Consolas" panose="020B0609020204030204" pitchFamily="49" charset="0"/>
+                <a:cs typeface="Calibri Light" panose="020F0302020204030204" pitchFamily="34" charset="0"/>
+                <a:sym typeface="Wingdings" panose="05000000000000000000" pitchFamily="2" charset="2"/>
+              </a:rPr>
+              <a:t>req.open</a:t>
+            </a:r>
+            <a:r>
+              <a:rPr lang="en-US" sz="2000" kern="0" dirty="0">
+                <a:latin typeface="Consolas" panose="020B0609020204030204" pitchFamily="49" charset="0"/>
+                <a:cs typeface="Calibri Light" panose="020F0302020204030204" pitchFamily="34" charset="0"/>
+                <a:sym typeface="Wingdings" panose="05000000000000000000" pitchFamily="2" charset="2"/>
+              </a:rPr>
+              <a:t>(‘GET’, ‘</a:t>
+            </a:r>
+            <a:r>
+              <a:rPr lang="en-US" sz="2000" kern="0" dirty="0" err="1">
+                <a:latin typeface="Consolas" panose="020B0609020204030204" pitchFamily="49" charset="0"/>
+                <a:cs typeface="Calibri Light" panose="020F0302020204030204" pitchFamily="34" charset="0"/>
+                <a:sym typeface="Wingdings" panose="05000000000000000000" pitchFamily="2" charset="2"/>
+              </a:rPr>
+              <a:t>api_url</a:t>
+            </a:r>
+            <a:r>
+              <a:rPr lang="en-US" sz="2000" kern="0" dirty="0">
+                <a:latin typeface="Consolas" panose="020B0609020204030204" pitchFamily="49" charset="0"/>
+                <a:cs typeface="Calibri Light" panose="020F0302020204030204" pitchFamily="34" charset="0"/>
+                <a:sym typeface="Wingdings" panose="05000000000000000000" pitchFamily="2" charset="2"/>
+              </a:rPr>
+              <a:t>’); </a:t>
+            </a:r>
+          </a:p>
+          <a:p>
+            <a:r>
+              <a:rPr lang="en-US" sz="2000" kern="0" dirty="0" err="1">
+                <a:latin typeface="Consolas" panose="020B0609020204030204" pitchFamily="49" charset="0"/>
+                <a:cs typeface="Calibri Light" panose="020F0302020204030204" pitchFamily="34" charset="0"/>
+                <a:sym typeface="Wingdings" panose="05000000000000000000" pitchFamily="2" charset="2"/>
+              </a:rPr>
+              <a:t>req.send</a:t>
+            </a:r>
+            <a:r>
+              <a:rPr lang="en-US" sz="2000" kern="0" dirty="0">
+                <a:latin typeface="Consolas" panose="020B0609020204030204" pitchFamily="49" charset="0"/>
+                <a:cs typeface="Calibri Light" panose="020F0302020204030204" pitchFamily="34" charset="0"/>
+                <a:sym typeface="Wingdings" panose="05000000000000000000" pitchFamily="2" charset="2"/>
+              </a:rPr>
+              <a:t>();//to send data </a:t>
+            </a:r>
+          </a:p>
+          <a:p>
+            <a:r>
+              <a:rPr lang="en-US" sz="2000" kern="0" dirty="0" err="1">
+                <a:latin typeface="Consolas" panose="020B0609020204030204" pitchFamily="49" charset="0"/>
+                <a:cs typeface="Calibri Light" panose="020F0302020204030204" pitchFamily="34" charset="0"/>
+                <a:sym typeface="Wingdings" panose="05000000000000000000" pitchFamily="2" charset="2"/>
+              </a:rPr>
+              <a:t>req.onload</a:t>
+            </a:r>
+            <a:r>
+              <a:rPr lang="en-US" sz="2000" kern="0" dirty="0">
+                <a:latin typeface="Consolas" panose="020B0609020204030204" pitchFamily="49" charset="0"/>
+                <a:cs typeface="Calibri Light" panose="020F0302020204030204" pitchFamily="34" charset="0"/>
+                <a:sym typeface="Wingdings" panose="05000000000000000000" pitchFamily="2" charset="2"/>
+              </a:rPr>
+              <a:t> = function(){log(</a:t>
+            </a:r>
+            <a:r>
+              <a:rPr lang="en-US" sz="2000" kern="0" dirty="0" err="1">
+                <a:latin typeface="Consolas" panose="020B0609020204030204" pitchFamily="49" charset="0"/>
+                <a:cs typeface="Calibri Light" panose="020F0302020204030204" pitchFamily="34" charset="0"/>
+                <a:sym typeface="Wingdings" panose="05000000000000000000" pitchFamily="2" charset="2"/>
+              </a:rPr>
+              <a:t>JSON.parse</a:t>
+            </a:r>
+            <a:r>
+              <a:rPr lang="en-US" sz="2000" kern="0" dirty="0">
+                <a:latin typeface="Consolas" panose="020B0609020204030204" pitchFamily="49" charset="0"/>
+                <a:cs typeface="Calibri Light" panose="020F0302020204030204" pitchFamily="34" charset="0"/>
+                <a:sym typeface="Wingdings" panose="05000000000000000000" pitchFamily="2" charset="2"/>
+              </a:rPr>
+              <a:t>(</a:t>
+            </a:r>
+            <a:r>
+              <a:rPr lang="en-US" sz="2000" kern="0" dirty="0" err="1">
+                <a:latin typeface="Consolas" panose="020B0609020204030204" pitchFamily="49" charset="0"/>
+                <a:cs typeface="Calibri Light" panose="020F0302020204030204" pitchFamily="34" charset="0"/>
+                <a:sym typeface="Wingdings" panose="05000000000000000000" pitchFamily="2" charset="2"/>
+              </a:rPr>
+              <a:t>this.reponse</a:t>
+            </a:r>
+            <a:r>
+              <a:rPr lang="en-US" sz="2000" kern="0" dirty="0">
+                <a:latin typeface="Consolas" panose="020B0609020204030204" pitchFamily="49" charset="0"/>
+                <a:cs typeface="Calibri Light" panose="020F0302020204030204" pitchFamily="34" charset="0"/>
+                <a:sym typeface="Wingdings" panose="05000000000000000000" pitchFamily="2" charset="2"/>
+              </a:rPr>
+              <a:t>),</a:t>
+            </a:r>
+            <a:r>
+              <a:rPr lang="en-US" sz="2000" kern="0" dirty="0" err="1">
+                <a:latin typeface="Consolas" panose="020B0609020204030204" pitchFamily="49" charset="0"/>
+                <a:cs typeface="Calibri Light" panose="020F0302020204030204" pitchFamily="34" charset="0"/>
+                <a:sym typeface="Wingdings" panose="05000000000000000000" pitchFamily="2" charset="2"/>
+              </a:rPr>
+              <a:t>onLoad</a:t>
+            </a:r>
+            <a:r>
+              <a:rPr lang="en-US" sz="2000" kern="0" dirty="0">
+                <a:latin typeface="Consolas" panose="020B0609020204030204" pitchFamily="49" charset="0"/>
+                <a:cs typeface="Calibri Light" panose="020F0302020204030204" pitchFamily="34" charset="0"/>
+                <a:sym typeface="Wingdings" panose="05000000000000000000" pitchFamily="2" charset="2"/>
+              </a:rPr>
+              <a:t>)};</a:t>
+            </a:r>
+          </a:p>
+          <a:p>
+            <a:r>
+              <a:rPr lang="en-US" sz="2000" kern="0" dirty="0" err="1">
+                <a:latin typeface="Consolas" panose="020B0609020204030204" pitchFamily="49" charset="0"/>
+                <a:cs typeface="Calibri Light" panose="020F0302020204030204" pitchFamily="34" charset="0"/>
+                <a:sym typeface="Wingdings" panose="05000000000000000000" pitchFamily="2" charset="2"/>
+              </a:rPr>
+              <a:t>req.onerror</a:t>
+            </a:r>
+            <a:r>
+              <a:rPr lang="en-US" sz="2000" kern="0" dirty="0">
+                <a:latin typeface="Consolas" panose="020B0609020204030204" pitchFamily="49" charset="0"/>
+                <a:cs typeface="Calibri Light" panose="020F0302020204030204" pitchFamily="34" charset="0"/>
+                <a:sym typeface="Wingdings" panose="05000000000000000000" pitchFamily="2" charset="2"/>
+              </a:rPr>
+              <a:t> = function(){log(</a:t>
+            </a:r>
+            <a:r>
+              <a:rPr lang="en-US" sz="2000" kern="0" dirty="0" err="1">
+                <a:latin typeface="Consolas" panose="020B0609020204030204" pitchFamily="49" charset="0"/>
+                <a:cs typeface="Calibri Light" panose="020F0302020204030204" pitchFamily="34" charset="0"/>
+                <a:sym typeface="Wingdings" panose="05000000000000000000" pitchFamily="2" charset="2"/>
+              </a:rPr>
+              <a:t>this,onError</a:t>
+            </a:r>
+            <a:r>
+              <a:rPr lang="en-US" sz="2000" kern="0" dirty="0">
+                <a:latin typeface="Consolas" panose="020B0609020204030204" pitchFamily="49" charset="0"/>
+                <a:cs typeface="Calibri Light" panose="020F0302020204030204" pitchFamily="34" charset="0"/>
+                <a:sym typeface="Wingdings" panose="05000000000000000000" pitchFamily="2" charset="2"/>
+              </a:rPr>
+              <a:t>)};</a:t>
+            </a:r>
+          </a:p>
+        </p:txBody>
+      </p:sp>
+    </p:spTree>
+    <p:extLst>
+      <p:ext uri="{BB962C8B-B14F-4D97-AF65-F5344CB8AC3E}">
+        <p14:creationId xmlns:p14="http://schemas.microsoft.com/office/powerpoint/2010/main" val="3946598047"/>
+      </p:ext>
+    </p:extLst>
+  </p:cSld>
+  <p:clrMapOvr>
+    <a:masterClrMapping/>
+  </p:clrMapOvr>
+</p:sld>
+</file>
+
+<file path=ppt/slides/slide52.xml><?xml version="1.0" encoding="utf-8"?>
+<p:sld xmlns:a="http://schemas.openxmlformats.org/drawingml/2006/main" xmlns:r="http://schemas.openxmlformats.org/officeDocument/2006/relationships" xmlns:p="http://schemas.openxmlformats.org/presentationml/2006/main">
+  <p:cSld>
+    <p:spTree>
+      <p:nvGrpSpPr>
+        <p:cNvPr id="1" name=""/>
+        <p:cNvGrpSpPr/>
+        <p:nvPr/>
+      </p:nvGrpSpPr>
+      <p:grpSpPr>
+        <a:xfrm>
+          <a:off x="0" y="0"/>
+          <a:ext cx="0" cy="0"/>
+          <a:chOff x="0" y="0"/>
+          <a:chExt cx="0" cy="0"/>
+        </a:xfrm>
+      </p:grpSpPr>
+      <p:sp>
+        <p:nvSpPr>
+          <p:cNvPr id="2" name="object 2"/>
+          <p:cNvSpPr/>
+          <p:nvPr/>
+        </p:nvSpPr>
+        <p:spPr>
+          <a:xfrm>
+            <a:off x="-36871" y="-36871"/>
+            <a:ext cx="12191999" cy="7118601"/>
+          </a:xfrm>
+          <a:prstGeom prst="rect">
+            <a:avLst/>
+          </a:prstGeom>
+          <a:blipFill>
+            <a:blip r:embed="rId2" cstate="print"/>
+            <a:stretch>
+              <a:fillRect/>
+            </a:stretch>
+          </a:blipFill>
+        </p:spPr>
+        <p:txBody>
+          <a:bodyPr wrap="square" lIns="0" tIns="0" rIns="0" bIns="0" rtlCol="0"/>
+          <a:lstStyle/>
+          <a:p>
+            <a:endParaRPr b="1" dirty="0">
+              <a:ln w="13462">
+                <a:solidFill>
+                  <a:schemeClr val="bg1"/>
+                </a:solidFill>
+                <a:prstDash val="solid"/>
+              </a:ln>
+              <a:solidFill>
+                <a:schemeClr val="tx1">
+                  <a:lumMod val="85000"/>
+                  <a:lumOff val="15000"/>
+                </a:schemeClr>
+              </a:solidFill>
+              <a:effectLst>
+                <a:outerShdw dist="38100" dir="2700000" algn="bl" rotWithShape="0">
+                  <a:schemeClr val="accent5"/>
+                </a:outerShdw>
+              </a:effectLst>
+            </a:endParaRPr>
+          </a:p>
+        </p:txBody>
+      </p:sp>
+      <p:sp>
+        <p:nvSpPr>
+          <p:cNvPr id="3" name="object 3"/>
+          <p:cNvSpPr txBox="1">
+            <a:spLocks noGrp="1"/>
+          </p:cNvSpPr>
+          <p:nvPr>
+            <p:ph type="title"/>
+          </p:nvPr>
+        </p:nvSpPr>
+        <p:spPr>
+          <a:xfrm>
+            <a:off x="481685" y="228600"/>
+            <a:ext cx="8967115" cy="566181"/>
+          </a:xfrm>
+          <a:prstGeom prst="rect">
+            <a:avLst/>
+          </a:prstGeom>
+        </p:spPr>
+        <p:txBody>
+          <a:bodyPr vert="horz" wrap="square" lIns="0" tIns="12065" rIns="0" bIns="0" rtlCol="0">
+            <a:spAutoFit/>
+          </a:bodyPr>
+          <a:lstStyle/>
+          <a:p>
+            <a:pPr marL="12700">
+              <a:spcBef>
+                <a:spcPts val="95"/>
+              </a:spcBef>
+            </a:pPr>
+            <a:r>
+              <a:rPr lang="en-US" sz="3600" kern="0" dirty="0">
+                <a:latin typeface="+mn-lt"/>
+                <a:cs typeface="Calibri Light" panose="020F0302020204030204" pitchFamily="34" charset="0"/>
+                <a:sym typeface="Wingdings" panose="05000000000000000000" pitchFamily="2" charset="2"/>
+              </a:rPr>
+              <a:t>AJAX (</a:t>
+            </a:r>
+            <a:r>
+              <a:rPr lang="en-US" sz="3200" kern="0" dirty="0">
+                <a:latin typeface="+mn-lt"/>
+                <a:cs typeface="Calibri Light" panose="020F0302020204030204" pitchFamily="34" charset="0"/>
+                <a:sym typeface="Wingdings" panose="05000000000000000000" pitchFamily="2" charset="2"/>
+              </a:rPr>
+              <a:t>Asynchronous </a:t>
+            </a:r>
+            <a:r>
+              <a:rPr lang="en-US" sz="3200" kern="0" dirty="0" err="1">
+                <a:latin typeface="+mn-lt"/>
+                <a:cs typeface="Calibri Light" panose="020F0302020204030204" pitchFamily="34" charset="0"/>
+                <a:sym typeface="Wingdings" panose="05000000000000000000" pitchFamily="2" charset="2"/>
+              </a:rPr>
+              <a:t>Javascript</a:t>
+            </a:r>
+            <a:r>
+              <a:rPr lang="en-US" sz="3200" kern="0" dirty="0">
+                <a:latin typeface="+mn-lt"/>
+                <a:cs typeface="Calibri Light" panose="020F0302020204030204" pitchFamily="34" charset="0"/>
+                <a:sym typeface="Wingdings" panose="05000000000000000000" pitchFamily="2" charset="2"/>
+              </a:rPr>
+              <a:t> and XML</a:t>
+            </a:r>
+            <a:r>
+              <a:rPr lang="en-US" sz="3600" kern="0" dirty="0">
+                <a:latin typeface="+mn-lt"/>
+                <a:cs typeface="Calibri Light" panose="020F0302020204030204" pitchFamily="34" charset="0"/>
+                <a:sym typeface="Wingdings" panose="05000000000000000000" pitchFamily="2" charset="2"/>
+              </a:rPr>
+              <a:t>)</a:t>
+            </a:r>
+          </a:p>
+        </p:txBody>
+      </p:sp>
+      <p:sp>
+        <p:nvSpPr>
+          <p:cNvPr id="5" name="object 5"/>
+          <p:cNvSpPr/>
+          <p:nvPr/>
+        </p:nvSpPr>
+        <p:spPr>
+          <a:xfrm>
+            <a:off x="9816083" y="262127"/>
+            <a:ext cx="1976627" cy="822960"/>
+          </a:xfrm>
+          <a:prstGeom prst="rect">
+            <a:avLst/>
+          </a:prstGeom>
+          <a:blipFill>
+            <a:blip r:embed="rId3" cstate="print"/>
+            <a:stretch>
+              <a:fillRect/>
+            </a:stretch>
+          </a:blipFill>
+        </p:spPr>
+        <p:txBody>
+          <a:bodyPr wrap="square" lIns="0" tIns="0" rIns="0" bIns="0" rtlCol="0"/>
+          <a:lstStyle/>
+          <a:p>
+            <a:endParaRPr/>
+          </a:p>
+        </p:txBody>
+      </p:sp>
+      <p:sp>
+        <p:nvSpPr>
+          <p:cNvPr id="4" name="object 3">
+            <a:extLst>
+              <a:ext uri="{FF2B5EF4-FFF2-40B4-BE49-F238E27FC236}">
+                <a16:creationId xmlns:a16="http://schemas.microsoft.com/office/drawing/2014/main" id="{1ED9D45B-4B0D-FC76-3A8C-E89F6CD72254}"/>
+              </a:ext>
+            </a:extLst>
+          </p:cNvPr>
+          <p:cNvSpPr txBox="1">
+            <a:spLocks/>
+          </p:cNvSpPr>
+          <p:nvPr/>
+        </p:nvSpPr>
+        <p:spPr>
+          <a:xfrm>
+            <a:off x="457200" y="762000"/>
+            <a:ext cx="11621728" cy="5305940"/>
+          </a:xfrm>
+          <a:prstGeom prst="rect">
+            <a:avLst/>
+          </a:prstGeom>
+        </p:spPr>
+        <p:txBody>
+          <a:bodyPr vert="horz" wrap="square" lIns="0" tIns="12065" rIns="0" bIns="0" rtlCol="0">
+            <a:spAutoFit/>
+          </a:bodyPr>
+          <a:lstStyle>
+            <a:lvl1pPr>
+              <a:defRPr sz="6000" b="0" i="0">
+                <a:solidFill>
+                  <a:srgbClr val="E7E6E6"/>
+                </a:solidFill>
+                <a:latin typeface="Trebuchet MS"/>
+                <a:ea typeface="+mj-ea"/>
+                <a:cs typeface="Trebuchet MS"/>
+              </a:defRPr>
+            </a:lvl1pPr>
+          </a:lstStyle>
+          <a:p>
+            <a:r>
+              <a:rPr lang="en-US" sz="2800" kern="0" dirty="0">
+                <a:latin typeface="+mn-lt"/>
+                <a:cs typeface="Calibri Light" panose="020F0302020204030204" pitchFamily="34" charset="0"/>
+                <a:sym typeface="Wingdings" panose="05000000000000000000" pitchFamily="2" charset="2"/>
+              </a:rPr>
+              <a:t>2. Fetch: (Part of browser and returns a promise)</a:t>
+            </a:r>
+          </a:p>
+          <a:p>
+            <a:r>
+              <a:rPr lang="en-US" sz="2000" kern="0" dirty="0">
+                <a:latin typeface="Consolas" panose="020B0609020204030204" pitchFamily="49" charset="0"/>
+                <a:cs typeface="Calibri Light" panose="020F0302020204030204" pitchFamily="34" charset="0"/>
+                <a:sym typeface="Wingdings" panose="05000000000000000000" pitchFamily="2" charset="2"/>
+              </a:rPr>
+              <a:t>fetch(‘</a:t>
+            </a:r>
+            <a:r>
+              <a:rPr lang="en-US" sz="2000" kern="0" dirty="0" err="1">
+                <a:latin typeface="Consolas" panose="020B0609020204030204" pitchFamily="49" charset="0"/>
+                <a:cs typeface="Calibri Light" panose="020F0302020204030204" pitchFamily="34" charset="0"/>
+                <a:sym typeface="Wingdings" panose="05000000000000000000" pitchFamily="2" charset="2"/>
+              </a:rPr>
+              <a:t>api_url</a:t>
+            </a:r>
+            <a:r>
+              <a:rPr lang="en-US" sz="2000" kern="0" dirty="0">
+                <a:latin typeface="Consolas" panose="020B0609020204030204" pitchFamily="49" charset="0"/>
+                <a:cs typeface="Calibri Light" panose="020F0302020204030204" pitchFamily="34" charset="0"/>
+                <a:sym typeface="Wingdings" panose="05000000000000000000" pitchFamily="2" charset="2"/>
+              </a:rPr>
+              <a:t>’)</a:t>
+            </a:r>
+          </a:p>
+          <a:p>
+            <a:r>
+              <a:rPr lang="en-US" sz="2000" kern="0" dirty="0">
+                <a:latin typeface="Consolas" panose="020B0609020204030204" pitchFamily="49" charset="0"/>
+                <a:cs typeface="Calibri Light" panose="020F0302020204030204" pitchFamily="34" charset="0"/>
+                <a:sym typeface="Wingdings" panose="05000000000000000000" pitchFamily="2" charset="2"/>
+              </a:rPr>
+              <a:t>.then(function(response)){</a:t>
+            </a:r>
+          </a:p>
+          <a:p>
+            <a:r>
+              <a:rPr lang="en-US" sz="2000" kern="0" dirty="0">
+                <a:latin typeface="Consolas" panose="020B0609020204030204" pitchFamily="49" charset="0"/>
+                <a:cs typeface="Calibri Light" panose="020F0302020204030204" pitchFamily="34" charset="0"/>
+                <a:sym typeface="Wingdings" panose="05000000000000000000" pitchFamily="2" charset="2"/>
+              </a:rPr>
+              <a:t>	return </a:t>
+            </a:r>
+            <a:r>
+              <a:rPr lang="en-US" sz="2000" kern="0" dirty="0" err="1">
+                <a:latin typeface="Consolas" panose="020B0609020204030204" pitchFamily="49" charset="0"/>
+                <a:cs typeface="Calibri Light" panose="020F0302020204030204" pitchFamily="34" charset="0"/>
+                <a:sym typeface="Wingdings" panose="05000000000000000000" pitchFamily="2" charset="2"/>
+              </a:rPr>
+              <a:t>response.json</a:t>
+            </a:r>
+            <a:r>
+              <a:rPr lang="en-US" sz="2000" kern="0" dirty="0">
+                <a:latin typeface="Consolas" panose="020B0609020204030204" pitchFamily="49" charset="0"/>
+                <a:cs typeface="Calibri Light" panose="020F0302020204030204" pitchFamily="34" charset="0"/>
+                <a:sym typeface="Wingdings" panose="05000000000000000000" pitchFamily="2" charset="2"/>
+              </a:rPr>
+              <a:t>(); // this also returns a promise thus we can use .then</a:t>
+            </a:r>
+          </a:p>
+          <a:p>
+            <a:r>
+              <a:rPr lang="en-US" sz="2000" kern="0" dirty="0">
+                <a:latin typeface="Consolas" panose="020B0609020204030204" pitchFamily="49" charset="0"/>
+                <a:cs typeface="Calibri Light" panose="020F0302020204030204" pitchFamily="34" charset="0"/>
+                <a:sym typeface="Wingdings" panose="05000000000000000000" pitchFamily="2" charset="2"/>
+              </a:rPr>
+              <a:t>}) 	</a:t>
+            </a:r>
+          </a:p>
+          <a:p>
+            <a:r>
+              <a:rPr lang="en-US" sz="2000" kern="0" dirty="0">
+                <a:latin typeface="Consolas" panose="020B0609020204030204" pitchFamily="49" charset="0"/>
+                <a:cs typeface="Calibri Light" panose="020F0302020204030204" pitchFamily="34" charset="0"/>
+                <a:sym typeface="Wingdings" panose="05000000000000000000" pitchFamily="2" charset="2"/>
+              </a:rPr>
+              <a:t>	.then(function(data){//to resolve </a:t>
+            </a:r>
+          </a:p>
+          <a:p>
+            <a:r>
+              <a:rPr lang="en-US" sz="2000" kern="0" dirty="0">
+                <a:latin typeface="Consolas" panose="020B0609020204030204" pitchFamily="49" charset="0"/>
+                <a:cs typeface="Calibri Light" panose="020F0302020204030204" pitchFamily="34" charset="0"/>
+                <a:sym typeface="Wingdings" panose="05000000000000000000" pitchFamily="2" charset="2"/>
+              </a:rPr>
+              <a:t>		log(data)</a:t>
+            </a:r>
+          </a:p>
+          <a:p>
+            <a:r>
+              <a:rPr lang="en-US" sz="2000" kern="0" dirty="0">
+                <a:latin typeface="Consolas" panose="020B0609020204030204" pitchFamily="49" charset="0"/>
+                <a:cs typeface="Calibri Light" panose="020F0302020204030204" pitchFamily="34" charset="0"/>
+                <a:sym typeface="Wingdings" panose="05000000000000000000" pitchFamily="2" charset="2"/>
+              </a:rPr>
+              <a:t>	})</a:t>
+            </a:r>
+          </a:p>
+          <a:p>
+            <a:endParaRPr lang="en-US" sz="2000" kern="0" dirty="0">
+              <a:latin typeface="Consolas" panose="020B0609020204030204" pitchFamily="49" charset="0"/>
+              <a:cs typeface="Calibri Light" panose="020F0302020204030204" pitchFamily="34" charset="0"/>
+              <a:sym typeface="Wingdings" panose="05000000000000000000" pitchFamily="2" charset="2"/>
+            </a:endParaRPr>
+          </a:p>
+          <a:p>
+            <a:r>
+              <a:rPr lang="en-US" sz="2000" kern="0" dirty="0">
+                <a:latin typeface="Consolas" panose="020B0609020204030204" pitchFamily="49" charset="0"/>
+                <a:cs typeface="Calibri Light" panose="020F0302020204030204" pitchFamily="34" charset="0"/>
+                <a:sym typeface="Wingdings" panose="05000000000000000000" pitchFamily="2" charset="2"/>
+              </a:rPr>
+              <a:t>.catch(function(err)){</a:t>
+            </a:r>
+          </a:p>
+          <a:p>
+            <a:r>
+              <a:rPr lang="en-US" sz="2000" kern="0" dirty="0">
+                <a:latin typeface="Consolas" panose="020B0609020204030204" pitchFamily="49" charset="0"/>
+                <a:cs typeface="Calibri Light" panose="020F0302020204030204" pitchFamily="34" charset="0"/>
+                <a:sym typeface="Wingdings" panose="05000000000000000000" pitchFamily="2" charset="2"/>
+              </a:rPr>
+              <a:t>	log(err);</a:t>
+            </a:r>
+          </a:p>
+          <a:p>
+            <a:r>
+              <a:rPr lang="en-US" sz="2000" kern="0" dirty="0">
+                <a:latin typeface="Consolas" panose="020B0609020204030204" pitchFamily="49" charset="0"/>
+                <a:cs typeface="Calibri Light" panose="020F0302020204030204" pitchFamily="34" charset="0"/>
+                <a:sym typeface="Wingdings" panose="05000000000000000000" pitchFamily="2" charset="2"/>
+              </a:rPr>
+              <a:t>})</a:t>
+            </a:r>
+          </a:p>
+          <a:p>
+            <a:r>
+              <a:rPr lang="en-US" sz="2000" kern="0" dirty="0">
+                <a:latin typeface="Consolas" panose="020B0609020204030204" pitchFamily="49" charset="0"/>
+                <a:cs typeface="Calibri Light" panose="020F0302020204030204" pitchFamily="34" charset="0"/>
+                <a:sym typeface="Wingdings" panose="05000000000000000000" pitchFamily="2" charset="2"/>
+              </a:rPr>
+              <a:t>It returns small chunks of data </a:t>
+            </a:r>
+          </a:p>
+          <a:p>
+            <a:endParaRPr lang="en-US" sz="2800" kern="0" dirty="0">
+              <a:latin typeface="+mj-lt"/>
+              <a:cs typeface="Calibri Light" panose="020F0302020204030204" pitchFamily="34" charset="0"/>
+              <a:sym typeface="Wingdings" panose="05000000000000000000" pitchFamily="2" charset="2"/>
+            </a:endParaRPr>
+          </a:p>
+          <a:p>
+            <a:endParaRPr lang="en-US" sz="2800" kern="0" dirty="0">
+              <a:latin typeface="+mj-lt"/>
+              <a:cs typeface="Calibri Light" panose="020F0302020204030204" pitchFamily="34" charset="0"/>
+              <a:sym typeface="Wingdings" panose="05000000000000000000" pitchFamily="2" charset="2"/>
+            </a:endParaRPr>
+          </a:p>
+          <a:p>
+            <a:endParaRPr lang="en-US" sz="2000" kern="0" dirty="0">
+              <a:latin typeface="Consolas" panose="020B0609020204030204" pitchFamily="49" charset="0"/>
+              <a:cs typeface="Calibri Light" panose="020F0302020204030204" pitchFamily="34" charset="0"/>
+              <a:sym typeface="Wingdings" panose="05000000000000000000" pitchFamily="2" charset="2"/>
+            </a:endParaRPr>
+          </a:p>
+        </p:txBody>
+      </p:sp>
+    </p:spTree>
+    <p:extLst>
+      <p:ext uri="{BB962C8B-B14F-4D97-AF65-F5344CB8AC3E}">
+        <p14:creationId xmlns:p14="http://schemas.microsoft.com/office/powerpoint/2010/main" val="1537312366"/>
+      </p:ext>
+    </p:extLst>
+  </p:cSld>
+  <p:clrMapOvr>
+    <a:masterClrMapping/>
+  </p:clrMapOvr>
+</p:sld>
+</file>
+
+<file path=ppt/slides/slide53.xml><?xml version="1.0" encoding="utf-8"?>
+<p:sld xmlns:a="http://schemas.openxmlformats.org/drawingml/2006/main" xmlns:r="http://schemas.openxmlformats.org/officeDocument/2006/relationships" xmlns:p="http://schemas.openxmlformats.org/presentationml/2006/main">
+  <p:cSld>
+    <p:spTree>
+      <p:nvGrpSpPr>
+        <p:cNvPr id="1" name=""/>
+        <p:cNvGrpSpPr/>
+        <p:nvPr/>
+      </p:nvGrpSpPr>
+      <p:grpSpPr>
+        <a:xfrm>
+          <a:off x="0" y="0"/>
+          <a:ext cx="0" cy="0"/>
+          <a:chOff x="0" y="0"/>
+          <a:chExt cx="0" cy="0"/>
+        </a:xfrm>
+      </p:grpSpPr>
+      <p:sp>
+        <p:nvSpPr>
+          <p:cNvPr id="2" name="object 2"/>
+          <p:cNvSpPr/>
+          <p:nvPr/>
+        </p:nvSpPr>
+        <p:spPr>
+          <a:xfrm>
+            <a:off x="-36871" y="-36871"/>
+            <a:ext cx="12191999" cy="7118601"/>
+          </a:xfrm>
+          <a:prstGeom prst="rect">
+            <a:avLst/>
+          </a:prstGeom>
+          <a:blipFill>
+            <a:blip r:embed="rId2" cstate="print"/>
+            <a:stretch>
+              <a:fillRect/>
+            </a:stretch>
+          </a:blipFill>
+        </p:spPr>
+        <p:txBody>
+          <a:bodyPr wrap="square" lIns="0" tIns="0" rIns="0" bIns="0" rtlCol="0"/>
+          <a:lstStyle/>
+          <a:p>
+            <a:endParaRPr b="1" dirty="0">
+              <a:ln w="13462">
+                <a:solidFill>
+                  <a:schemeClr val="bg1"/>
+                </a:solidFill>
+                <a:prstDash val="solid"/>
+              </a:ln>
+              <a:solidFill>
+                <a:schemeClr val="tx1">
+                  <a:lumMod val="85000"/>
+                  <a:lumOff val="15000"/>
+                </a:schemeClr>
+              </a:solidFill>
+              <a:effectLst>
+                <a:outerShdw dist="38100" dir="2700000" algn="bl" rotWithShape="0">
+                  <a:schemeClr val="accent5"/>
+                </a:outerShdw>
+              </a:effectLst>
+            </a:endParaRPr>
+          </a:p>
+        </p:txBody>
+      </p:sp>
+      <p:sp>
+        <p:nvSpPr>
+          <p:cNvPr id="3" name="object 3"/>
+          <p:cNvSpPr txBox="1">
+            <a:spLocks noGrp="1"/>
+          </p:cNvSpPr>
+          <p:nvPr>
+            <p:ph type="title"/>
+          </p:nvPr>
+        </p:nvSpPr>
+        <p:spPr>
+          <a:xfrm>
+            <a:off x="481685" y="228600"/>
+            <a:ext cx="8967115" cy="566181"/>
+          </a:xfrm>
+          <a:prstGeom prst="rect">
+            <a:avLst/>
+          </a:prstGeom>
+        </p:spPr>
+        <p:txBody>
+          <a:bodyPr vert="horz" wrap="square" lIns="0" tIns="12065" rIns="0" bIns="0" rtlCol="0">
+            <a:spAutoFit/>
+          </a:bodyPr>
+          <a:lstStyle/>
+          <a:p>
+            <a:pPr marL="12700">
+              <a:spcBef>
+                <a:spcPts val="95"/>
+              </a:spcBef>
+            </a:pPr>
+            <a:r>
+              <a:rPr lang="en-US" sz="3600" kern="0" dirty="0">
+                <a:latin typeface="+mn-lt"/>
+                <a:cs typeface="Calibri Light" panose="020F0302020204030204" pitchFamily="34" charset="0"/>
+                <a:sym typeface="Wingdings" panose="05000000000000000000" pitchFamily="2" charset="2"/>
+              </a:rPr>
+              <a:t>AJAX (</a:t>
+            </a:r>
+            <a:r>
+              <a:rPr lang="en-US" sz="3200" kern="0" dirty="0">
+                <a:latin typeface="+mn-lt"/>
+                <a:cs typeface="Calibri Light" panose="020F0302020204030204" pitchFamily="34" charset="0"/>
+                <a:sym typeface="Wingdings" panose="05000000000000000000" pitchFamily="2" charset="2"/>
+              </a:rPr>
+              <a:t>Asynchronous </a:t>
+            </a:r>
+            <a:r>
+              <a:rPr lang="en-US" sz="3200" kern="0" dirty="0" err="1">
+                <a:latin typeface="+mn-lt"/>
+                <a:cs typeface="Calibri Light" panose="020F0302020204030204" pitchFamily="34" charset="0"/>
+                <a:sym typeface="Wingdings" panose="05000000000000000000" pitchFamily="2" charset="2"/>
+              </a:rPr>
+              <a:t>Javascript</a:t>
+            </a:r>
+            <a:r>
+              <a:rPr lang="en-US" sz="3200" kern="0" dirty="0">
+                <a:latin typeface="+mn-lt"/>
+                <a:cs typeface="Calibri Light" panose="020F0302020204030204" pitchFamily="34" charset="0"/>
+                <a:sym typeface="Wingdings" panose="05000000000000000000" pitchFamily="2" charset="2"/>
+              </a:rPr>
+              <a:t> and XML</a:t>
+            </a:r>
+            <a:r>
+              <a:rPr lang="en-US" sz="3600" kern="0" dirty="0">
+                <a:latin typeface="+mn-lt"/>
+                <a:cs typeface="Calibri Light" panose="020F0302020204030204" pitchFamily="34" charset="0"/>
+                <a:sym typeface="Wingdings" panose="05000000000000000000" pitchFamily="2" charset="2"/>
+              </a:rPr>
+              <a:t>)</a:t>
+            </a:r>
+          </a:p>
+        </p:txBody>
+      </p:sp>
+      <p:sp>
+        <p:nvSpPr>
+          <p:cNvPr id="5" name="object 5"/>
+          <p:cNvSpPr/>
+          <p:nvPr/>
+        </p:nvSpPr>
+        <p:spPr>
+          <a:xfrm>
+            <a:off x="9816083" y="262127"/>
+            <a:ext cx="1976627" cy="822960"/>
+          </a:xfrm>
+          <a:prstGeom prst="rect">
+            <a:avLst/>
+          </a:prstGeom>
+          <a:blipFill>
+            <a:blip r:embed="rId3" cstate="print"/>
+            <a:stretch>
+              <a:fillRect/>
+            </a:stretch>
+          </a:blipFill>
+        </p:spPr>
+        <p:txBody>
+          <a:bodyPr wrap="square" lIns="0" tIns="0" rIns="0" bIns="0" rtlCol="0"/>
+          <a:lstStyle/>
+          <a:p>
+            <a:endParaRPr/>
+          </a:p>
+        </p:txBody>
+      </p:sp>
+      <p:sp>
+        <p:nvSpPr>
+          <p:cNvPr id="4" name="object 3">
+            <a:extLst>
+              <a:ext uri="{FF2B5EF4-FFF2-40B4-BE49-F238E27FC236}">
+                <a16:creationId xmlns:a16="http://schemas.microsoft.com/office/drawing/2014/main" id="{1ED9D45B-4B0D-FC76-3A8C-E89F6CD72254}"/>
+              </a:ext>
+            </a:extLst>
+          </p:cNvPr>
+          <p:cNvSpPr txBox="1">
+            <a:spLocks/>
+          </p:cNvSpPr>
+          <p:nvPr/>
+        </p:nvSpPr>
+        <p:spPr>
+          <a:xfrm>
+            <a:off x="457200" y="762000"/>
+            <a:ext cx="11621728" cy="4690387"/>
+          </a:xfrm>
+          <a:prstGeom prst="rect">
+            <a:avLst/>
+          </a:prstGeom>
+        </p:spPr>
+        <p:txBody>
+          <a:bodyPr vert="horz" wrap="square" lIns="0" tIns="12065" rIns="0" bIns="0" rtlCol="0">
+            <a:spAutoFit/>
+          </a:bodyPr>
+          <a:lstStyle>
+            <a:lvl1pPr>
+              <a:defRPr sz="6000" b="0" i="0">
+                <a:solidFill>
+                  <a:srgbClr val="E7E6E6"/>
+                </a:solidFill>
+                <a:latin typeface="Trebuchet MS"/>
+                <a:ea typeface="+mj-ea"/>
+                <a:cs typeface="Trebuchet MS"/>
+              </a:defRPr>
+            </a:lvl1pPr>
+          </a:lstStyle>
+          <a:p>
+            <a:r>
+              <a:rPr lang="en-US" sz="2800" kern="0" dirty="0">
+                <a:latin typeface="+mj-lt"/>
+                <a:cs typeface="Calibri Light" panose="020F0302020204030204" pitchFamily="34" charset="0"/>
+                <a:sym typeface="Wingdings" panose="05000000000000000000" pitchFamily="2" charset="2"/>
+              </a:rPr>
+              <a:t>3.Axios : (3</a:t>
+            </a:r>
+            <a:r>
+              <a:rPr lang="en-US" sz="2800" kern="0" baseline="30000" dirty="0">
+                <a:latin typeface="+mj-lt"/>
+                <a:cs typeface="Calibri Light" panose="020F0302020204030204" pitchFamily="34" charset="0"/>
+                <a:sym typeface="Wingdings" panose="05000000000000000000" pitchFamily="2" charset="2"/>
+              </a:rPr>
+              <a:t>rd</a:t>
+            </a:r>
+            <a:r>
+              <a:rPr lang="en-US" sz="2800" kern="0" dirty="0">
+                <a:latin typeface="+mj-lt"/>
+                <a:cs typeface="Calibri Light" panose="020F0302020204030204" pitchFamily="34" charset="0"/>
+                <a:sym typeface="Wingdings" panose="05000000000000000000" pitchFamily="2" charset="2"/>
+              </a:rPr>
+              <a:t> party , It also returns a promise)</a:t>
+            </a:r>
+          </a:p>
+          <a:p>
+            <a:r>
+              <a:rPr lang="en-US" sz="2800" kern="0" dirty="0">
+                <a:latin typeface="+mj-lt"/>
+                <a:cs typeface="Calibri Light" panose="020F0302020204030204" pitchFamily="34" charset="0"/>
+                <a:sym typeface="Wingdings" panose="05000000000000000000" pitchFamily="2" charset="2"/>
+              </a:rPr>
+              <a:t> include the </a:t>
+            </a:r>
+            <a:r>
+              <a:rPr lang="en-US" sz="2800" kern="0" dirty="0" err="1">
+                <a:latin typeface="+mj-lt"/>
+                <a:cs typeface="Calibri Light" panose="020F0302020204030204" pitchFamily="34" charset="0"/>
+                <a:sym typeface="Wingdings" panose="05000000000000000000" pitchFamily="2" charset="2"/>
+              </a:rPr>
+              <a:t>cdn</a:t>
+            </a:r>
+            <a:r>
+              <a:rPr lang="en-US" sz="2800" kern="0" dirty="0">
+                <a:latin typeface="+mj-lt"/>
+                <a:cs typeface="Calibri Light" panose="020F0302020204030204" pitchFamily="34" charset="0"/>
+                <a:sym typeface="Wingdings" panose="05000000000000000000" pitchFamily="2" charset="2"/>
+              </a:rPr>
+              <a:t>:</a:t>
+            </a:r>
+          </a:p>
+          <a:p>
+            <a:r>
+              <a:rPr lang="en-IN" sz="2000" b="0" dirty="0">
+                <a:solidFill>
+                  <a:schemeClr val="bg1"/>
+                </a:solidFill>
+                <a:effectLst/>
+                <a:latin typeface="Consolas" panose="020B0609020204030204" pitchFamily="49" charset="0"/>
+              </a:rPr>
+              <a:t>&lt;script </a:t>
+            </a:r>
+            <a:r>
+              <a:rPr lang="en-IN" sz="2000" b="0" dirty="0" err="1">
+                <a:solidFill>
+                  <a:schemeClr val="bg1"/>
+                </a:solidFill>
+                <a:effectLst/>
+                <a:latin typeface="Consolas" panose="020B0609020204030204" pitchFamily="49" charset="0"/>
+              </a:rPr>
+              <a:t>src</a:t>
+            </a:r>
+            <a:r>
+              <a:rPr lang="en-IN" sz="2000" b="0" dirty="0">
+                <a:solidFill>
+                  <a:schemeClr val="bg1"/>
+                </a:solidFill>
+                <a:effectLst/>
+                <a:latin typeface="Consolas" panose="020B0609020204030204" pitchFamily="49" charset="0"/>
+              </a:rPr>
+              <a:t>="https://cdn.jsdelivr.net/</a:t>
+            </a:r>
+            <a:r>
+              <a:rPr lang="en-IN" sz="2000" b="0" dirty="0" err="1">
+                <a:solidFill>
+                  <a:schemeClr val="bg1"/>
+                </a:solidFill>
+                <a:effectLst/>
+                <a:latin typeface="Consolas" panose="020B0609020204030204" pitchFamily="49" charset="0"/>
+              </a:rPr>
+              <a:t>npm</a:t>
+            </a:r>
+            <a:r>
+              <a:rPr lang="en-IN" sz="2000" b="0" dirty="0">
+                <a:solidFill>
+                  <a:schemeClr val="bg1"/>
+                </a:solidFill>
+                <a:effectLst/>
+                <a:latin typeface="Consolas" panose="020B0609020204030204" pitchFamily="49" charset="0"/>
+              </a:rPr>
+              <a:t>/</a:t>
+            </a:r>
+            <a:r>
+              <a:rPr lang="en-IN" sz="2000" b="0" dirty="0" err="1">
+                <a:solidFill>
+                  <a:schemeClr val="bg1"/>
+                </a:solidFill>
+                <a:effectLst/>
+                <a:latin typeface="Consolas" panose="020B0609020204030204" pitchFamily="49" charset="0"/>
+              </a:rPr>
+              <a:t>axios</a:t>
+            </a:r>
+            <a:r>
+              <a:rPr lang="en-IN" sz="2000" b="0" dirty="0">
+                <a:solidFill>
+                  <a:schemeClr val="bg1"/>
+                </a:solidFill>
+                <a:effectLst/>
+                <a:latin typeface="Consolas" panose="020B0609020204030204" pitchFamily="49" charset="0"/>
+              </a:rPr>
+              <a:t>/</a:t>
+            </a:r>
+            <a:r>
+              <a:rPr lang="en-IN" sz="2000" b="0" dirty="0" err="1">
+                <a:solidFill>
+                  <a:schemeClr val="bg1"/>
+                </a:solidFill>
+                <a:effectLst/>
+                <a:latin typeface="Consolas" panose="020B0609020204030204" pitchFamily="49" charset="0"/>
+              </a:rPr>
+              <a:t>dist</a:t>
+            </a:r>
+            <a:r>
+              <a:rPr lang="en-IN" sz="2000" b="0" dirty="0">
+                <a:solidFill>
+                  <a:schemeClr val="bg1"/>
+                </a:solidFill>
+                <a:effectLst/>
+                <a:latin typeface="Consolas" panose="020B0609020204030204" pitchFamily="49" charset="0"/>
+              </a:rPr>
+              <a:t>/axios.min.js"&gt;&lt;/script&gt;</a:t>
+            </a:r>
+          </a:p>
+          <a:p>
+            <a:r>
+              <a:rPr lang="en-IN" sz="2000" b="0" dirty="0">
+                <a:solidFill>
+                  <a:schemeClr val="bg1"/>
+                </a:solidFill>
+                <a:effectLst/>
+                <a:latin typeface="Consolas" panose="020B0609020204030204" pitchFamily="49" charset="0"/>
+              </a:rPr>
+              <a:t>	&lt;script&gt;</a:t>
+            </a:r>
+          </a:p>
+          <a:p>
+            <a:r>
+              <a:rPr lang="en-IN" sz="2000" b="0" dirty="0">
+                <a:solidFill>
+                  <a:schemeClr val="bg1"/>
+                </a:solidFill>
+                <a:effectLst/>
+                <a:latin typeface="Consolas" panose="020B0609020204030204" pitchFamily="49" charset="0"/>
+              </a:rPr>
+              <a:t>        </a:t>
+            </a:r>
+            <a:r>
+              <a:rPr lang="en-IN" sz="2000" b="0" dirty="0" err="1">
+                <a:solidFill>
+                  <a:schemeClr val="bg1"/>
+                </a:solidFill>
+                <a:effectLst/>
+                <a:latin typeface="Consolas" panose="020B0609020204030204" pitchFamily="49" charset="0"/>
+              </a:rPr>
+              <a:t>axios.get</a:t>
+            </a:r>
+            <a:r>
+              <a:rPr lang="en-IN" sz="2000" b="0" dirty="0">
+                <a:solidFill>
+                  <a:schemeClr val="bg1"/>
+                </a:solidFill>
+                <a:effectLst/>
+                <a:latin typeface="Consolas" panose="020B0609020204030204" pitchFamily="49" charset="0"/>
+              </a:rPr>
+              <a:t>('https://isro.vercel.app/api/spacecrafts')</a:t>
+            </a:r>
+          </a:p>
+          <a:p>
+            <a:r>
+              <a:rPr lang="en-IN" sz="2000" b="0" dirty="0">
+                <a:solidFill>
+                  <a:schemeClr val="bg1"/>
+                </a:solidFill>
+                <a:effectLst/>
+                <a:latin typeface="Consolas" panose="020B0609020204030204" pitchFamily="49" charset="0"/>
+              </a:rPr>
+              <a:t>        .then(function(res){</a:t>
+            </a:r>
+          </a:p>
+          <a:p>
+            <a:r>
+              <a:rPr lang="en-IN" sz="2000" b="0" dirty="0">
+                <a:solidFill>
+                  <a:schemeClr val="bg1"/>
+                </a:solidFill>
+                <a:effectLst/>
+                <a:latin typeface="Consolas" panose="020B0609020204030204" pitchFamily="49" charset="0"/>
+              </a:rPr>
+              <a:t>            console.log(</a:t>
+            </a:r>
+            <a:r>
+              <a:rPr lang="en-IN" sz="2000" b="0" dirty="0" err="1">
+                <a:solidFill>
+                  <a:schemeClr val="bg1"/>
+                </a:solidFill>
+                <a:effectLst/>
+                <a:latin typeface="Consolas" panose="020B0609020204030204" pitchFamily="49" charset="0"/>
+              </a:rPr>
+              <a:t>res.data</a:t>
+            </a:r>
+            <a:r>
+              <a:rPr lang="en-IN" sz="2000" b="0" dirty="0">
+                <a:solidFill>
+                  <a:schemeClr val="bg1"/>
+                </a:solidFill>
+                <a:effectLst/>
+                <a:latin typeface="Consolas" panose="020B0609020204030204" pitchFamily="49" charset="0"/>
+              </a:rPr>
+              <a:t>);</a:t>
+            </a:r>
+          </a:p>
+          <a:p>
+            <a:r>
+              <a:rPr lang="en-IN" sz="2000" b="0" dirty="0">
+                <a:solidFill>
+                  <a:schemeClr val="bg1"/>
+                </a:solidFill>
+                <a:effectLst/>
+                <a:latin typeface="Consolas" panose="020B0609020204030204" pitchFamily="49" charset="0"/>
+              </a:rPr>
+              <a:t>        })</a:t>
+            </a:r>
+          </a:p>
+          <a:p>
+            <a:r>
+              <a:rPr lang="en-IN" sz="2000" b="0" dirty="0">
+                <a:solidFill>
+                  <a:schemeClr val="bg1"/>
+                </a:solidFill>
+                <a:effectLst/>
+                <a:latin typeface="Consolas" panose="020B0609020204030204" pitchFamily="49" charset="0"/>
+              </a:rPr>
+              <a:t>        .catch(function(err){</a:t>
+            </a:r>
+          </a:p>
+          <a:p>
+            <a:r>
+              <a:rPr lang="en-IN" sz="2000" b="0" dirty="0">
+                <a:solidFill>
+                  <a:schemeClr val="bg1"/>
+                </a:solidFill>
+                <a:effectLst/>
+                <a:latin typeface="Consolas" panose="020B0609020204030204" pitchFamily="49" charset="0"/>
+              </a:rPr>
+              <a:t>            console.log(err);</a:t>
+            </a:r>
+          </a:p>
+          <a:p>
+            <a:r>
+              <a:rPr lang="en-IN" sz="2000" b="0" dirty="0">
+                <a:solidFill>
+                  <a:schemeClr val="bg1"/>
+                </a:solidFill>
+                <a:effectLst/>
+                <a:latin typeface="Consolas" panose="020B0609020204030204" pitchFamily="49" charset="0"/>
+              </a:rPr>
+              <a:t>        })</a:t>
+            </a:r>
+          </a:p>
+          <a:p>
+            <a:r>
+              <a:rPr lang="en-IN" sz="2000" dirty="0">
+                <a:solidFill>
+                  <a:schemeClr val="bg1"/>
+                </a:solidFill>
+                <a:latin typeface="Consolas" panose="020B0609020204030204" pitchFamily="49" charset="0"/>
+              </a:rPr>
+              <a:t>	&lt;/script&gt;</a:t>
+            </a:r>
+            <a:endParaRPr lang="en-IN" sz="2000" b="0" dirty="0">
+              <a:solidFill>
+                <a:schemeClr val="bg1"/>
+              </a:solidFill>
+              <a:effectLst/>
+              <a:latin typeface="Consolas" panose="020B0609020204030204" pitchFamily="49" charset="0"/>
+            </a:endParaRPr>
+          </a:p>
+          <a:p>
+            <a:r>
+              <a:rPr lang="en-US" sz="2800" kern="0" dirty="0">
+                <a:latin typeface="+mj-lt"/>
+                <a:cs typeface="Calibri Light" panose="020F0302020204030204" pitchFamily="34" charset="0"/>
+                <a:sym typeface="Wingdings" panose="05000000000000000000" pitchFamily="2" charset="2"/>
+              </a:rPr>
+              <a:t></a:t>
+            </a:r>
+            <a:r>
+              <a:rPr lang="en-US" sz="2800" kern="0" dirty="0" err="1">
+                <a:latin typeface="+mj-lt"/>
+                <a:cs typeface="Calibri Light" panose="020F0302020204030204" pitchFamily="34" charset="0"/>
+                <a:sym typeface="Wingdings" panose="05000000000000000000" pitchFamily="2" charset="2"/>
+              </a:rPr>
+              <a:t>Axios</a:t>
+            </a:r>
+            <a:r>
+              <a:rPr lang="en-US" sz="2800" kern="0" dirty="0">
+                <a:latin typeface="+mj-lt"/>
+                <a:cs typeface="Calibri Light" panose="020F0302020204030204" pitchFamily="34" charset="0"/>
+                <a:sym typeface="Wingdings" panose="05000000000000000000" pitchFamily="2" charset="2"/>
+              </a:rPr>
+              <a:t> put pressure on servers so using fetch is better when data is limited.</a:t>
+            </a:r>
+          </a:p>
+          <a:p>
+            <a:endParaRPr lang="en-US" sz="2000" kern="0" dirty="0">
+              <a:latin typeface="Consolas" panose="020B0609020204030204" pitchFamily="49" charset="0"/>
+              <a:cs typeface="Calibri Light" panose="020F0302020204030204" pitchFamily="34" charset="0"/>
+              <a:sym typeface="Wingdings" panose="05000000000000000000" pitchFamily="2" charset="2"/>
+            </a:endParaRPr>
+          </a:p>
+        </p:txBody>
+      </p:sp>
+    </p:spTree>
+    <p:extLst>
+      <p:ext uri="{BB962C8B-B14F-4D97-AF65-F5344CB8AC3E}">
+        <p14:creationId xmlns:p14="http://schemas.microsoft.com/office/powerpoint/2010/main" val="1526179317"/>
+      </p:ext>
+    </p:extLst>
+  </p:cSld>
+  <p:clrMapOvr>
+    <a:masterClrMapping/>
+  </p:clrMapOvr>
+</p:sld>
+</file>
+
+<file path=ppt/slides/slide54.xml><?xml version="1.0" encoding="utf-8"?>
+<p:sld xmlns:a="http://schemas.openxmlformats.org/drawingml/2006/main" xmlns:r="http://schemas.openxmlformats.org/officeDocument/2006/relationships" xmlns:p="http://schemas.openxmlformats.org/presentationml/2006/main">
+  <p:cSld>
+    <p:spTree>
+      <p:nvGrpSpPr>
+        <p:cNvPr id="1" name=""/>
+        <p:cNvGrpSpPr/>
+        <p:nvPr/>
+      </p:nvGrpSpPr>
+      <p:grpSpPr>
+        <a:xfrm>
+          <a:off x="0" y="0"/>
+          <a:ext cx="0" cy="0"/>
+          <a:chOff x="0" y="0"/>
+          <a:chExt cx="0" cy="0"/>
+        </a:xfrm>
+      </p:grpSpPr>
+      <p:sp>
+        <p:nvSpPr>
+          <p:cNvPr id="2" name="object 2"/>
+          <p:cNvSpPr/>
+          <p:nvPr/>
+        </p:nvSpPr>
+        <p:spPr>
+          <a:xfrm>
+            <a:off x="-36871" y="-36871"/>
+            <a:ext cx="12191999" cy="7118601"/>
+          </a:xfrm>
+          <a:prstGeom prst="rect">
+            <a:avLst/>
+          </a:prstGeom>
+          <a:blipFill>
+            <a:blip r:embed="rId2" cstate="print"/>
+            <a:stretch>
+              <a:fillRect/>
+            </a:stretch>
+          </a:blipFill>
+        </p:spPr>
+        <p:txBody>
+          <a:bodyPr wrap="square" lIns="0" tIns="0" rIns="0" bIns="0" rtlCol="0"/>
+          <a:lstStyle/>
+          <a:p>
+            <a:endParaRPr b="1" dirty="0">
+              <a:ln w="13462">
+                <a:solidFill>
+                  <a:schemeClr val="bg1"/>
+                </a:solidFill>
+                <a:prstDash val="solid"/>
+              </a:ln>
+              <a:solidFill>
+                <a:schemeClr val="tx1">
+                  <a:lumMod val="85000"/>
+                  <a:lumOff val="15000"/>
+                </a:schemeClr>
+              </a:solidFill>
+              <a:effectLst>
+                <a:outerShdw dist="38100" dir="2700000" algn="bl" rotWithShape="0">
+                  <a:schemeClr val="accent5"/>
+                </a:outerShdw>
+              </a:effectLst>
+            </a:endParaRPr>
+          </a:p>
+        </p:txBody>
+      </p:sp>
+      <p:sp>
+        <p:nvSpPr>
+          <p:cNvPr id="3" name="object 3"/>
+          <p:cNvSpPr txBox="1">
+            <a:spLocks noGrp="1"/>
+          </p:cNvSpPr>
+          <p:nvPr>
+            <p:ph type="title"/>
+          </p:nvPr>
+        </p:nvSpPr>
+        <p:spPr>
+          <a:xfrm>
+            <a:off x="481685" y="228600"/>
+            <a:ext cx="8967115" cy="566181"/>
+          </a:xfrm>
+          <a:prstGeom prst="rect">
+            <a:avLst/>
+          </a:prstGeom>
+        </p:spPr>
+        <p:txBody>
+          <a:bodyPr vert="horz" wrap="square" lIns="0" tIns="12065" rIns="0" bIns="0" rtlCol="0">
+            <a:spAutoFit/>
+          </a:bodyPr>
+          <a:lstStyle/>
+          <a:p>
+            <a:pPr marL="12700">
+              <a:spcBef>
+                <a:spcPts val="95"/>
+              </a:spcBef>
+            </a:pPr>
+            <a:r>
+              <a:rPr lang="en-US" sz="3600" kern="0" dirty="0">
+                <a:latin typeface="+mn-lt"/>
+                <a:cs typeface="Calibri Light" panose="020F0302020204030204" pitchFamily="34" charset="0"/>
+                <a:sym typeface="Wingdings" panose="05000000000000000000" pitchFamily="2" charset="2"/>
+              </a:rPr>
+              <a:t>Task Project ( Movie Search WebApp)</a:t>
+            </a:r>
+          </a:p>
+        </p:txBody>
+      </p:sp>
+      <p:sp>
+        <p:nvSpPr>
+          <p:cNvPr id="5" name="object 5"/>
+          <p:cNvSpPr/>
+          <p:nvPr/>
+        </p:nvSpPr>
+        <p:spPr>
+          <a:xfrm>
+            <a:off x="9816083" y="262127"/>
+            <a:ext cx="1976627" cy="822960"/>
+          </a:xfrm>
+          <a:prstGeom prst="rect">
+            <a:avLst/>
+          </a:prstGeom>
+          <a:blipFill>
+            <a:blip r:embed="rId3" cstate="print"/>
+            <a:stretch>
+              <a:fillRect/>
+            </a:stretch>
+          </a:blipFill>
+        </p:spPr>
+        <p:txBody>
+          <a:bodyPr wrap="square" lIns="0" tIns="0" rIns="0" bIns="0" rtlCol="0"/>
+          <a:lstStyle/>
+          <a:p>
+            <a:endParaRPr/>
+          </a:p>
+        </p:txBody>
+      </p:sp>
+      <p:sp>
+        <p:nvSpPr>
+          <p:cNvPr id="4" name="object 3">
+            <a:extLst>
+              <a:ext uri="{FF2B5EF4-FFF2-40B4-BE49-F238E27FC236}">
+                <a16:creationId xmlns:a16="http://schemas.microsoft.com/office/drawing/2014/main" id="{1ED9D45B-4B0D-FC76-3A8C-E89F6CD72254}"/>
+              </a:ext>
+            </a:extLst>
+          </p:cNvPr>
+          <p:cNvSpPr txBox="1">
+            <a:spLocks/>
+          </p:cNvSpPr>
+          <p:nvPr/>
+        </p:nvSpPr>
+        <p:spPr>
+          <a:xfrm>
+            <a:off x="457200" y="762000"/>
+            <a:ext cx="11621728" cy="5182829"/>
+          </a:xfrm>
+          <a:prstGeom prst="rect">
+            <a:avLst/>
+          </a:prstGeom>
+        </p:spPr>
+        <p:txBody>
+          <a:bodyPr vert="horz" wrap="square" lIns="0" tIns="12065" rIns="0" bIns="0" rtlCol="0">
+            <a:spAutoFit/>
+          </a:bodyPr>
+          <a:lstStyle>
+            <a:lvl1pPr>
+              <a:defRPr sz="6000" b="0" i="0">
+                <a:solidFill>
+                  <a:srgbClr val="E7E6E6"/>
+                </a:solidFill>
+                <a:latin typeface="Trebuchet MS"/>
+                <a:ea typeface="+mj-ea"/>
+                <a:cs typeface="Trebuchet MS"/>
+              </a:defRPr>
+            </a:lvl1pPr>
+          </a:lstStyle>
+          <a:p>
+            <a:pPr marL="457200" indent="-457200">
+              <a:buAutoNum type="arabicPeriod"/>
+            </a:pPr>
+            <a:r>
+              <a:rPr lang="en-US" sz="2800" kern="0" dirty="0">
+                <a:latin typeface="+mn-lt"/>
+                <a:cs typeface="Calibri Light" panose="020F0302020204030204" pitchFamily="34" charset="0"/>
+                <a:sym typeface="Wingdings" panose="05000000000000000000" pitchFamily="2" charset="2"/>
+              </a:rPr>
+              <a:t>First make input , button , section to store cards.</a:t>
+            </a:r>
+          </a:p>
+          <a:p>
+            <a:pPr marL="457200" indent="-457200">
+              <a:buAutoNum type="arabicPeriod"/>
+            </a:pPr>
+            <a:r>
+              <a:rPr lang="en-US" sz="2800" kern="0" dirty="0">
+                <a:latin typeface="+mn-lt"/>
+                <a:cs typeface="Calibri Light" panose="020F0302020204030204" pitchFamily="34" charset="0"/>
+                <a:sym typeface="Wingdings" panose="05000000000000000000" pitchFamily="2" charset="2"/>
+              </a:rPr>
+              <a:t>Select them all in JS using the right queries.</a:t>
+            </a:r>
+          </a:p>
+          <a:p>
+            <a:pPr marL="457200" indent="-457200">
+              <a:buAutoNum type="arabicPeriod"/>
+            </a:pPr>
+            <a:r>
+              <a:rPr lang="en-US" sz="2800" kern="0" dirty="0">
+                <a:latin typeface="+mn-lt"/>
+                <a:cs typeface="Calibri Light" panose="020F0302020204030204" pitchFamily="34" charset="0"/>
+                <a:sym typeface="Wingdings" panose="05000000000000000000" pitchFamily="2" charset="2"/>
+              </a:rPr>
+              <a:t>On event click fetch the data with </a:t>
+            </a:r>
+            <a:r>
+              <a:rPr lang="en-US" sz="2800" kern="0" dirty="0" err="1">
+                <a:latin typeface="+mn-lt"/>
+                <a:cs typeface="Calibri Light" panose="020F0302020204030204" pitchFamily="34" charset="0"/>
+                <a:sym typeface="Wingdings" panose="05000000000000000000" pitchFamily="2" charset="2"/>
+              </a:rPr>
+              <a:t>api</a:t>
+            </a:r>
+            <a:endParaRPr lang="en-US" sz="2800" kern="0" dirty="0">
+              <a:latin typeface="+mn-lt"/>
+              <a:cs typeface="Calibri Light" panose="020F0302020204030204" pitchFamily="34" charset="0"/>
+              <a:sym typeface="Wingdings" panose="05000000000000000000" pitchFamily="2" charset="2"/>
+            </a:endParaRPr>
+          </a:p>
+          <a:p>
+            <a:r>
+              <a:rPr lang="en-US" sz="2800" kern="0" dirty="0">
+                <a:latin typeface="+mn-lt"/>
+                <a:cs typeface="Calibri Light" panose="020F0302020204030204" pitchFamily="34" charset="0"/>
+                <a:sym typeface="Wingdings" panose="05000000000000000000" pitchFamily="2" charset="2"/>
+              </a:rPr>
+              <a:t>API = {</a:t>
+            </a:r>
+            <a:r>
+              <a:rPr lang="en-IN" sz="2000" b="0" dirty="0">
+                <a:solidFill>
+                  <a:schemeClr val="bg1"/>
+                </a:solidFill>
+                <a:effectLst/>
+                <a:latin typeface="Consolas" panose="020B0609020204030204" pitchFamily="49" charset="0"/>
+              </a:rPr>
+              <a:t>https://api.tvmaze.com/search/shows?q=${input.value}</a:t>
+            </a:r>
+            <a:r>
+              <a:rPr lang="en-US" sz="2800" kern="0" dirty="0">
+                <a:latin typeface="+mn-lt"/>
+                <a:cs typeface="Calibri Light" panose="020F0302020204030204" pitchFamily="34" charset="0"/>
+                <a:sym typeface="Wingdings" panose="05000000000000000000" pitchFamily="2" charset="2"/>
+              </a:rPr>
+              <a:t>}</a:t>
+            </a:r>
+          </a:p>
+          <a:p>
+            <a:pPr marL="514350" indent="-514350">
+              <a:buAutoNum type="arabicPeriod" startAt="4"/>
+            </a:pPr>
+            <a:r>
+              <a:rPr lang="en-US" sz="2800" kern="0" dirty="0">
+                <a:latin typeface="+mn-lt"/>
+                <a:cs typeface="Calibri Light" panose="020F0302020204030204" pitchFamily="34" charset="0"/>
+                <a:sym typeface="Wingdings" panose="05000000000000000000" pitchFamily="2" charset="2"/>
+              </a:rPr>
+              <a:t>implement then to return </a:t>
+            </a:r>
+            <a:r>
+              <a:rPr lang="en-US" sz="2800" kern="0" dirty="0" err="1">
+                <a:latin typeface="+mn-lt"/>
+                <a:cs typeface="Calibri Light" panose="020F0302020204030204" pitchFamily="34" charset="0"/>
+                <a:sym typeface="Wingdings" panose="05000000000000000000" pitchFamily="2" charset="2"/>
+              </a:rPr>
+              <a:t>response.json</a:t>
+            </a:r>
+            <a:endParaRPr lang="en-US" sz="2800" kern="0" dirty="0">
+              <a:latin typeface="+mn-lt"/>
+              <a:cs typeface="Calibri Light" panose="020F0302020204030204" pitchFamily="34" charset="0"/>
+              <a:sym typeface="Wingdings" panose="05000000000000000000" pitchFamily="2" charset="2"/>
+            </a:endParaRPr>
+          </a:p>
+          <a:p>
+            <a:pPr marL="514350" indent="-514350">
+              <a:buAutoNum type="arabicPeriod" startAt="4"/>
+            </a:pPr>
+            <a:r>
+              <a:rPr lang="en-US" sz="2800" kern="0" dirty="0">
+                <a:latin typeface="+mn-lt"/>
+                <a:cs typeface="Calibri Light" panose="020F0302020204030204" pitchFamily="34" charset="0"/>
+                <a:sym typeface="Wingdings" panose="05000000000000000000" pitchFamily="2" charset="2"/>
+              </a:rPr>
+              <a:t>then implement then to get data</a:t>
+            </a:r>
+          </a:p>
+          <a:p>
+            <a:pPr marL="514350" indent="-514350">
+              <a:buAutoNum type="arabicPeriod" startAt="4"/>
+            </a:pPr>
+            <a:r>
+              <a:rPr lang="en-US" sz="2800" kern="0" dirty="0">
+                <a:latin typeface="+mn-lt"/>
+                <a:cs typeface="Calibri Light" panose="020F0302020204030204" pitchFamily="34" charset="0"/>
+                <a:sym typeface="Wingdings" panose="05000000000000000000" pitchFamily="2" charset="2"/>
+              </a:rPr>
+              <a:t>use </a:t>
+            </a:r>
+            <a:r>
+              <a:rPr lang="en-US" sz="2800" kern="0" dirty="0" err="1">
+                <a:latin typeface="+mn-lt"/>
+                <a:cs typeface="Calibri Light" panose="020F0302020204030204" pitchFamily="34" charset="0"/>
+                <a:sym typeface="Wingdings" panose="05000000000000000000" pitchFamily="2" charset="2"/>
+              </a:rPr>
+              <a:t>section.firstChild</a:t>
+            </a:r>
+            <a:r>
+              <a:rPr lang="en-US" sz="2800" kern="0" dirty="0">
+                <a:latin typeface="+mn-lt"/>
+                <a:cs typeface="Calibri Light" panose="020F0302020204030204" pitchFamily="34" charset="0"/>
+                <a:sym typeface="Wingdings" panose="05000000000000000000" pitchFamily="2" charset="2"/>
+              </a:rPr>
+              <a:t> to remove the first child so as to clear </a:t>
+            </a:r>
+            <a:r>
+              <a:rPr lang="en-US" sz="2800" kern="0" dirty="0" err="1">
+                <a:latin typeface="+mn-lt"/>
+                <a:cs typeface="Calibri Light" panose="020F0302020204030204" pitchFamily="34" charset="0"/>
+                <a:sym typeface="Wingdings" panose="05000000000000000000" pitchFamily="2" charset="2"/>
+              </a:rPr>
+              <a:t>prev</a:t>
+            </a:r>
+            <a:r>
+              <a:rPr lang="en-US" sz="2800" kern="0" dirty="0">
+                <a:latin typeface="+mn-lt"/>
+                <a:cs typeface="Calibri Light" panose="020F0302020204030204" pitchFamily="34" charset="0"/>
+                <a:sym typeface="Wingdings" panose="05000000000000000000" pitchFamily="2" charset="2"/>
+              </a:rPr>
+              <a:t> data.</a:t>
+            </a:r>
+          </a:p>
+          <a:p>
+            <a:pPr marL="514350" indent="-514350">
+              <a:buAutoNum type="arabicPeriod" startAt="4"/>
+            </a:pPr>
+            <a:r>
+              <a:rPr lang="en-US" sz="2800" kern="0" dirty="0">
+                <a:latin typeface="+mn-lt"/>
+                <a:cs typeface="Calibri Light" panose="020F0302020204030204" pitchFamily="34" charset="0"/>
+                <a:sym typeface="Wingdings" panose="05000000000000000000" pitchFamily="2" charset="2"/>
+              </a:rPr>
+              <a:t>use for of loop to parse through all objects , make card and add </a:t>
+            </a:r>
+            <a:r>
+              <a:rPr lang="en-US" sz="2800" kern="0" dirty="0" err="1">
+                <a:latin typeface="+mn-lt"/>
+                <a:cs typeface="Calibri Light" panose="020F0302020204030204" pitchFamily="34" charset="0"/>
+                <a:sym typeface="Wingdings" panose="05000000000000000000" pitchFamily="2" charset="2"/>
+              </a:rPr>
+              <a:t>innerHTML</a:t>
+            </a:r>
+            <a:r>
+              <a:rPr lang="en-US" sz="2800" kern="0" dirty="0">
+                <a:latin typeface="+mn-lt"/>
+                <a:cs typeface="Calibri Light" panose="020F0302020204030204" pitchFamily="34" charset="0"/>
+                <a:sym typeface="Wingdings" panose="05000000000000000000" pitchFamily="2" charset="2"/>
+              </a:rPr>
+              <a:t> values of image and name of the data got.</a:t>
+            </a:r>
+          </a:p>
+          <a:p>
+            <a:pPr marL="514350" indent="-514350">
+              <a:buAutoNum type="arabicPeriod" startAt="4"/>
+            </a:pPr>
+            <a:r>
+              <a:rPr lang="en-US" sz="2800" kern="0" dirty="0" err="1">
+                <a:latin typeface="+mn-lt"/>
+                <a:cs typeface="Calibri Light" panose="020F0302020204030204" pitchFamily="34" charset="0"/>
+                <a:sym typeface="Wingdings" panose="05000000000000000000" pitchFamily="2" charset="2"/>
+              </a:rPr>
+              <a:t>appedChild</a:t>
+            </a:r>
+            <a:r>
+              <a:rPr lang="en-US" sz="2800" kern="0" dirty="0">
+                <a:latin typeface="+mn-lt"/>
+                <a:cs typeface="Calibri Light" panose="020F0302020204030204" pitchFamily="34" charset="0"/>
+                <a:sym typeface="Wingdings" panose="05000000000000000000" pitchFamily="2" charset="2"/>
+              </a:rPr>
+              <a:t> the card to the section </a:t>
+            </a:r>
+          </a:p>
+          <a:p>
+            <a:pPr marL="514350" indent="-514350">
+              <a:buAutoNum type="arabicPeriod" startAt="4"/>
+            </a:pPr>
+            <a:endParaRPr lang="en-US" sz="2800" kern="0" dirty="0">
+              <a:latin typeface="+mn-lt"/>
+              <a:cs typeface="Calibri Light" panose="020F0302020204030204" pitchFamily="34" charset="0"/>
+              <a:sym typeface="Wingdings" panose="05000000000000000000" pitchFamily="2" charset="2"/>
+            </a:endParaRPr>
+          </a:p>
+          <a:p>
+            <a:r>
+              <a:rPr lang="en-US" sz="2800" kern="0" dirty="0">
+                <a:latin typeface="+mn-lt"/>
+                <a:cs typeface="Calibri Light" panose="020F0302020204030204" pitchFamily="34" charset="0"/>
+                <a:sym typeface="Wingdings" panose="05000000000000000000" pitchFamily="2" charset="2"/>
+              </a:rPr>
+              <a:t>Add CSS to your heart’s content</a:t>
+            </a:r>
+          </a:p>
+        </p:txBody>
+      </p:sp>
+    </p:spTree>
+    <p:extLst>
+      <p:ext uri="{BB962C8B-B14F-4D97-AF65-F5344CB8AC3E}">
+        <p14:creationId xmlns:p14="http://schemas.microsoft.com/office/powerpoint/2010/main" val="3557379176"/>
+      </p:ext>
+    </p:extLst>
+  </p:cSld>
+  <p:clrMapOvr>
+    <a:masterClrMapping/>
+  </p:clrMapOvr>
+</p:sld>
+</file>
+
+<file path=ppt/slides/slide55.xml><?xml version="1.0" encoding="utf-8"?>
+<p:sld xmlns:a="http://schemas.openxmlformats.org/drawingml/2006/main" xmlns:r="http://schemas.openxmlformats.org/officeDocument/2006/relationships" xmlns:p="http://schemas.openxmlformats.org/presentationml/2006/main">
+  <p:cSld>
+    <p:spTree>
+      <p:nvGrpSpPr>
+        <p:cNvPr id="1" name=""/>
+        <p:cNvGrpSpPr/>
+        <p:nvPr/>
+      </p:nvGrpSpPr>
+      <p:grpSpPr>
+        <a:xfrm>
+          <a:off x="0" y="0"/>
+          <a:ext cx="0" cy="0"/>
+          <a:chOff x="0" y="0"/>
+          <a:chExt cx="0" cy="0"/>
+        </a:xfrm>
+      </p:grpSpPr>
+      <p:sp>
+        <p:nvSpPr>
+          <p:cNvPr id="2" name="object 2"/>
+          <p:cNvSpPr/>
+          <p:nvPr/>
+        </p:nvSpPr>
+        <p:spPr>
+          <a:xfrm>
+            <a:off x="-36871" y="-36871"/>
+            <a:ext cx="12191999" cy="7118601"/>
+          </a:xfrm>
+          <a:prstGeom prst="rect">
+            <a:avLst/>
+          </a:prstGeom>
+          <a:blipFill>
+            <a:blip r:embed="rId2" cstate="print"/>
+            <a:stretch>
+              <a:fillRect/>
+            </a:stretch>
+          </a:blipFill>
+        </p:spPr>
+        <p:txBody>
+          <a:bodyPr wrap="square" lIns="0" tIns="0" rIns="0" bIns="0" rtlCol="0"/>
+          <a:lstStyle/>
+          <a:p>
+            <a:endParaRPr b="1" dirty="0">
+              <a:ln w="13462">
+                <a:solidFill>
+                  <a:schemeClr val="bg1"/>
+                </a:solidFill>
+                <a:prstDash val="solid"/>
+              </a:ln>
+              <a:solidFill>
+                <a:schemeClr val="tx1">
+                  <a:lumMod val="85000"/>
+                  <a:lumOff val="15000"/>
+                </a:schemeClr>
+              </a:solidFill>
+              <a:effectLst>
+                <a:outerShdw dist="38100" dir="2700000" algn="bl" rotWithShape="0">
+                  <a:schemeClr val="accent5"/>
+                </a:outerShdw>
+              </a:effectLst>
+            </a:endParaRPr>
+          </a:p>
+        </p:txBody>
+      </p:sp>
+      <p:sp>
+        <p:nvSpPr>
+          <p:cNvPr id="3" name="object 3"/>
+          <p:cNvSpPr txBox="1">
+            <a:spLocks noGrp="1"/>
+          </p:cNvSpPr>
+          <p:nvPr>
+            <p:ph type="title"/>
+          </p:nvPr>
+        </p:nvSpPr>
+        <p:spPr>
+          <a:xfrm>
+            <a:off x="481685" y="228600"/>
+            <a:ext cx="8967115" cy="566181"/>
+          </a:xfrm>
+          <a:prstGeom prst="rect">
+            <a:avLst/>
+          </a:prstGeom>
+        </p:spPr>
+        <p:txBody>
+          <a:bodyPr vert="horz" wrap="square" lIns="0" tIns="12065" rIns="0" bIns="0" rtlCol="0">
+            <a:spAutoFit/>
+          </a:bodyPr>
+          <a:lstStyle/>
+          <a:p>
+            <a:pPr marL="12700">
+              <a:spcBef>
+                <a:spcPts val="95"/>
+              </a:spcBef>
+            </a:pPr>
+            <a:r>
+              <a:rPr lang="en-US" sz="3600" kern="0" dirty="0">
+                <a:latin typeface="+mn-lt"/>
+                <a:cs typeface="Calibri Light" panose="020F0302020204030204" pitchFamily="34" charset="0"/>
+                <a:sym typeface="Wingdings" panose="05000000000000000000" pitchFamily="2" charset="2"/>
+              </a:rPr>
+              <a:t>JS Modules</a:t>
+            </a:r>
+          </a:p>
+        </p:txBody>
+      </p:sp>
+      <p:sp>
+        <p:nvSpPr>
+          <p:cNvPr id="5" name="object 5"/>
+          <p:cNvSpPr/>
+          <p:nvPr/>
+        </p:nvSpPr>
+        <p:spPr>
+          <a:xfrm>
+            <a:off x="9816083" y="262127"/>
+            <a:ext cx="1976627" cy="822960"/>
+          </a:xfrm>
+          <a:prstGeom prst="rect">
+            <a:avLst/>
+          </a:prstGeom>
+          <a:blipFill>
+            <a:blip r:embed="rId3" cstate="print"/>
+            <a:stretch>
+              <a:fillRect/>
+            </a:stretch>
+          </a:blipFill>
+        </p:spPr>
+        <p:txBody>
+          <a:bodyPr wrap="square" lIns="0" tIns="0" rIns="0" bIns="0" rtlCol="0"/>
+          <a:lstStyle/>
+          <a:p>
+            <a:endParaRPr/>
+          </a:p>
+        </p:txBody>
+      </p:sp>
+      <p:sp>
+        <p:nvSpPr>
+          <p:cNvPr id="4" name="object 3">
+            <a:extLst>
+              <a:ext uri="{FF2B5EF4-FFF2-40B4-BE49-F238E27FC236}">
+                <a16:creationId xmlns:a16="http://schemas.microsoft.com/office/drawing/2014/main" id="{1ED9D45B-4B0D-FC76-3A8C-E89F6CD72254}"/>
+              </a:ext>
+            </a:extLst>
+          </p:cNvPr>
+          <p:cNvSpPr txBox="1">
+            <a:spLocks/>
+          </p:cNvSpPr>
+          <p:nvPr/>
+        </p:nvSpPr>
+        <p:spPr>
+          <a:xfrm>
+            <a:off x="457200" y="802443"/>
+            <a:ext cx="11621728" cy="750847"/>
+          </a:xfrm>
+          <a:prstGeom prst="rect">
+            <a:avLst/>
+          </a:prstGeom>
+        </p:spPr>
+        <p:txBody>
+          <a:bodyPr vert="horz" wrap="square" lIns="0" tIns="12065" rIns="0" bIns="0" rtlCol="0">
+            <a:spAutoFit/>
+          </a:bodyPr>
+          <a:lstStyle>
+            <a:lvl1pPr>
+              <a:defRPr sz="6000" b="0" i="0">
+                <a:solidFill>
+                  <a:srgbClr val="E7E6E6"/>
+                </a:solidFill>
+                <a:latin typeface="Trebuchet MS"/>
+                <a:ea typeface="+mj-ea"/>
+                <a:cs typeface="Trebuchet MS"/>
+              </a:defRPr>
+            </a:lvl1pPr>
+          </a:lstStyle>
+          <a:p>
+            <a:r>
+              <a:rPr lang="en-US" sz="2800" kern="0" dirty="0">
+                <a:latin typeface="+mn-lt"/>
+                <a:cs typeface="Calibri Light" panose="020F0302020204030204" pitchFamily="34" charset="0"/>
+                <a:sym typeface="Wingdings" panose="05000000000000000000" pitchFamily="2" charset="2"/>
+              </a:rPr>
+              <a:t>We can declare variables in one file and use it elsewhere.</a:t>
+            </a:r>
+          </a:p>
+          <a:p>
+            <a:r>
+              <a:rPr lang="en-IN" sz="2000" b="0" dirty="0">
+                <a:solidFill>
+                  <a:schemeClr val="bg1"/>
+                </a:solidFill>
+                <a:effectLst/>
+                <a:latin typeface="Consolas" panose="020B0609020204030204" pitchFamily="49" charset="0"/>
+              </a:rPr>
+              <a:t>start with : &lt;script type="module" </a:t>
+            </a:r>
+            <a:r>
+              <a:rPr lang="en-IN" sz="2000" b="0" dirty="0" err="1">
+                <a:solidFill>
+                  <a:schemeClr val="bg1"/>
+                </a:solidFill>
+                <a:effectLst/>
+                <a:latin typeface="Consolas" panose="020B0609020204030204" pitchFamily="49" charset="0"/>
+              </a:rPr>
+              <a:t>src</a:t>
+            </a:r>
+            <a:r>
+              <a:rPr lang="en-IN" sz="2000" b="0" dirty="0">
+                <a:solidFill>
+                  <a:schemeClr val="bg1"/>
+                </a:solidFill>
+                <a:effectLst/>
+                <a:latin typeface="Consolas" panose="020B0609020204030204" pitchFamily="49" charset="0"/>
+              </a:rPr>
+              <a:t>="import.js"&gt;&lt;/script&gt;</a:t>
+            </a:r>
+          </a:p>
+        </p:txBody>
+      </p:sp>
+      <p:pic>
+        <p:nvPicPr>
+          <p:cNvPr id="7" name="Picture 6">
+            <a:extLst>
+              <a:ext uri="{FF2B5EF4-FFF2-40B4-BE49-F238E27FC236}">
+                <a16:creationId xmlns:a16="http://schemas.microsoft.com/office/drawing/2014/main" id="{FCCE2F5B-A830-6C94-E9F7-C68A9C372583}"/>
+              </a:ext>
+            </a:extLst>
+          </p:cNvPr>
+          <p:cNvPicPr>
+            <a:picLocks noChangeAspect="1"/>
+          </p:cNvPicPr>
+          <p:nvPr/>
+        </p:nvPicPr>
+        <p:blipFill>
+          <a:blip r:embed="rId4"/>
+          <a:stretch>
+            <a:fillRect/>
+          </a:stretch>
+        </p:blipFill>
+        <p:spPr>
+          <a:xfrm>
+            <a:off x="457200" y="1884026"/>
+            <a:ext cx="9244012" cy="5205366"/>
+          </a:xfrm>
+          <a:prstGeom prst="rect">
+            <a:avLst/>
+          </a:prstGeom>
+        </p:spPr>
+      </p:pic>
+    </p:spTree>
+    <p:extLst>
+      <p:ext uri="{BB962C8B-B14F-4D97-AF65-F5344CB8AC3E}">
+        <p14:creationId xmlns:p14="http://schemas.microsoft.com/office/powerpoint/2010/main" val="2562424367"/>
       </p:ext>
     </p:extLst>
   </p:cSld>

--- a/JS.pptx
+++ b/JS.pptx
@@ -43,23 +43,24 @@
     <p:sldId id="417" r:id="rId37"/>
     <p:sldId id="418" r:id="rId38"/>
     <p:sldId id="434" r:id="rId39"/>
-    <p:sldId id="419" r:id="rId40"/>
-    <p:sldId id="420" r:id="rId41"/>
-    <p:sldId id="421" r:id="rId42"/>
-    <p:sldId id="422" r:id="rId43"/>
-    <p:sldId id="423" r:id="rId44"/>
-    <p:sldId id="424" r:id="rId45"/>
-    <p:sldId id="425" r:id="rId46"/>
-    <p:sldId id="426" r:id="rId47"/>
-    <p:sldId id="428" r:id="rId48"/>
-    <p:sldId id="429" r:id="rId49"/>
-    <p:sldId id="430" r:id="rId50"/>
-    <p:sldId id="431" r:id="rId51"/>
-    <p:sldId id="432" r:id="rId52"/>
-    <p:sldId id="433" r:id="rId53"/>
-    <p:sldId id="435" r:id="rId54"/>
-    <p:sldId id="437" r:id="rId55"/>
-    <p:sldId id="438" r:id="rId56"/>
+    <p:sldId id="439" r:id="rId40"/>
+    <p:sldId id="419" r:id="rId41"/>
+    <p:sldId id="420" r:id="rId42"/>
+    <p:sldId id="421" r:id="rId43"/>
+    <p:sldId id="422" r:id="rId44"/>
+    <p:sldId id="423" r:id="rId45"/>
+    <p:sldId id="424" r:id="rId46"/>
+    <p:sldId id="425" r:id="rId47"/>
+    <p:sldId id="426" r:id="rId48"/>
+    <p:sldId id="428" r:id="rId49"/>
+    <p:sldId id="429" r:id="rId50"/>
+    <p:sldId id="430" r:id="rId51"/>
+    <p:sldId id="431" r:id="rId52"/>
+    <p:sldId id="432" r:id="rId53"/>
+    <p:sldId id="433" r:id="rId54"/>
+    <p:sldId id="435" r:id="rId55"/>
+    <p:sldId id="437" r:id="rId56"/>
+    <p:sldId id="438" r:id="rId57"/>
   </p:sldIdLst>
   <p:sldSz cx="12192000" cy="6858000"/>
   <p:notesSz cx="12192000" cy="6858000"/>
@@ -316,7 +317,7 @@
           <a:p>
             <a:fld id="{1D8BD707-D9CF-40AE-B4C6-C98DA3205C09}" type="datetimeFigureOut">
               <a:rPr lang="en-US"/>
-              <a:t>12/4/2023</a:t>
+              <a:t>1/9/2024</a:t>
             </a:fld>
             <a:endParaRPr lang="en-US"/>
           </a:p>
@@ -493,7 +494,7 @@
           <a:p>
             <a:fld id="{1D8BD707-D9CF-40AE-B4C6-C98DA3205C09}" type="datetimeFigureOut">
               <a:rPr lang="en-US"/>
-              <a:t>12/4/2023</a:t>
+              <a:t>1/9/2024</a:t>
             </a:fld>
             <a:endParaRPr lang="en-US"/>
           </a:p>
@@ -707,7 +708,7 @@
           <a:p>
             <a:fld id="{1D8BD707-D9CF-40AE-B4C6-C98DA3205C09}" type="datetimeFigureOut">
               <a:rPr lang="en-US"/>
-              <a:t>12/4/2023</a:t>
+              <a:t>1/9/2024</a:t>
             </a:fld>
             <a:endParaRPr lang="en-US"/>
           </a:p>
@@ -855,7 +856,7 @@
           <a:p>
             <a:fld id="{1D8BD707-D9CF-40AE-B4C6-C98DA3205C09}" type="datetimeFigureOut">
               <a:rPr lang="en-US"/>
-              <a:t>12/4/2023</a:t>
+              <a:t>1/9/2024</a:t>
             </a:fld>
             <a:endParaRPr lang="en-US"/>
           </a:p>
@@ -982,7 +983,7 @@
           <a:p>
             <a:fld id="{1D8BD707-D9CF-40AE-B4C6-C98DA3205C09}" type="datetimeFigureOut">
               <a:rPr lang="en-US"/>
-              <a:t>12/4/2023</a:t>
+              <a:t>1/9/2024</a:t>
             </a:fld>
             <a:endParaRPr lang="en-US"/>
           </a:p>
@@ -1236,7 +1237,7 @@
           <a:p>
             <a:fld id="{1D8BD707-D9CF-40AE-B4C6-C98DA3205C09}" type="datetimeFigureOut">
               <a:rPr lang="en-US"/>
-              <a:t>12/4/2023</a:t>
+              <a:t>1/9/2024</a:t>
             </a:fld>
             <a:endParaRPr lang="en-US"/>
           </a:p>
@@ -15587,6 +15588,66 @@
           </a:p>
         </p:txBody>
       </p:sp>
+      <p:pic>
+        <p:nvPicPr>
+          <p:cNvPr id="7" name="Picture 6">
+            <a:extLst>
+              <a:ext uri="{FF2B5EF4-FFF2-40B4-BE49-F238E27FC236}">
+                <a16:creationId xmlns:a16="http://schemas.microsoft.com/office/drawing/2014/main" id="{7D5D90B5-415B-320C-B08A-E409A0BD3281}"/>
+              </a:ext>
+            </a:extLst>
+          </p:cNvPr>
+          <p:cNvPicPr>
+            <a:picLocks noChangeAspect="1"/>
+          </p:cNvPicPr>
+          <p:nvPr/>
+        </p:nvPicPr>
+        <p:blipFill>
+          <a:blip r:embed="rId4"/>
+          <a:stretch>
+            <a:fillRect/>
+          </a:stretch>
+        </p:blipFill>
+        <p:spPr>
+          <a:xfrm>
+            <a:off x="558526" y="3746047"/>
+            <a:ext cx="4699274" cy="2462525"/>
+          </a:xfrm>
+          <a:prstGeom prst="rect">
+            <a:avLst/>
+          </a:prstGeom>
+        </p:spPr>
+      </p:pic>
+      <p:pic>
+        <p:nvPicPr>
+          <p:cNvPr id="9" name="Picture 8">
+            <a:extLst>
+              <a:ext uri="{FF2B5EF4-FFF2-40B4-BE49-F238E27FC236}">
+                <a16:creationId xmlns:a16="http://schemas.microsoft.com/office/drawing/2014/main" id="{1BA07DC3-8541-8AB3-8B08-4B0FDCB9AAA6}"/>
+              </a:ext>
+            </a:extLst>
+          </p:cNvPr>
+          <p:cNvPicPr>
+            <a:picLocks noChangeAspect="1"/>
+          </p:cNvPicPr>
+          <p:nvPr/>
+        </p:nvPicPr>
+        <p:blipFill>
+          <a:blip r:embed="rId5"/>
+          <a:stretch>
+            <a:fillRect/>
+          </a:stretch>
+        </p:blipFill>
+        <p:spPr>
+          <a:xfrm>
+            <a:off x="7132639" y="3033468"/>
+            <a:ext cx="4983161" cy="3796464"/>
+          </a:xfrm>
+          <a:prstGeom prst="rect">
+            <a:avLst/>
+          </a:prstGeom>
+        </p:spPr>
+      </p:pic>
     </p:spTree>
     <p:extLst>
       <p:ext uri="{BB962C8B-B14F-4D97-AF65-F5344CB8AC3E}">
@@ -15676,8 +15737,8 @@
         </p:nvSpPr>
         <p:spPr>
           <a:xfrm>
-            <a:off x="481685" y="304800"/>
-            <a:ext cx="8967115" cy="566181"/>
+            <a:off x="609600" y="304800"/>
+            <a:ext cx="8967115" cy="535403"/>
           </a:xfrm>
           <a:prstGeom prst="rect">
             <a:avLst/>
@@ -15690,6 +15751,9 @@
           <a:lstStyle/>
           <a:p>
             <a:pPr marL="12700">
+              <a:lnSpc>
+                <a:spcPct val="100000"/>
+              </a:lnSpc>
               <a:spcBef>
                 <a:spcPts val="95"/>
               </a:spcBef>
@@ -15699,22 +15763,7 @@
                 <a:latin typeface="+mj-lt"/>
                 <a:cs typeface="Carlito"/>
               </a:rPr>
-              <a:t>DOM(</a:t>
-            </a:r>
-            <a:r>
-              <a:rPr lang="en-US" sz="3600" kern="0" dirty="0">
-                <a:latin typeface="+mn-lt"/>
-                <a:cs typeface="Calibri Light" panose="020F0302020204030204" pitchFamily="34" charset="0"/>
-                <a:sym typeface="Wingdings" panose="05000000000000000000" pitchFamily="2" charset="2"/>
-              </a:rPr>
-              <a:t>Document Object Model</a:t>
-            </a:r>
-            <a:r>
-              <a:rPr lang="en-US" sz="3400" dirty="0">
-                <a:latin typeface="+mj-lt"/>
-                <a:cs typeface="Carlito"/>
-              </a:rPr>
-              <a:t>)</a:t>
+              <a:t>Async JavaScript Fundamentals</a:t>
             </a:r>
             <a:endParaRPr sz="3400" dirty="0">
               <a:latin typeface="+mj-lt"/>
@@ -15769,7 +15818,7 @@
         <p:spPr>
           <a:xfrm>
             <a:off x="533400" y="838200"/>
-            <a:ext cx="11621728" cy="5718873"/>
+            <a:ext cx="11621728" cy="886781"/>
           </a:xfrm>
           <a:prstGeom prst="rect">
             <a:avLst/>
@@ -15800,10 +15849,10 @@
             <a:r>
               <a:rPr lang="en-US" sz="2800" kern="0" dirty="0">
                 <a:latin typeface="+mn-lt"/>
-                <a:cs typeface="Calibri Light" panose="020F0302020204030204" pitchFamily="34" charset="0"/>
-                <a:sym typeface="Wingdings" panose="05000000000000000000" pitchFamily="2" charset="2"/>
-              </a:rPr>
-              <a:t>Document -&gt; HTML</a:t>
+                <a:cs typeface="Times New Roman" panose="02020603050405020304" pitchFamily="18" charset="0"/>
+                <a:sym typeface="Wingdings" panose="05000000000000000000" pitchFamily="2" charset="2"/>
+              </a:rPr>
+              <a:t>1. async - await function returns a promise . </a:t>
             </a:r>
           </a:p>
           <a:p>
@@ -15815,284 +15864,48 @@
             <a:r>
               <a:rPr lang="en-US" sz="2800" kern="0" dirty="0">
                 <a:latin typeface="+mn-lt"/>
-                <a:cs typeface="Calibri Light" panose="020F0302020204030204" pitchFamily="34" charset="0"/>
-                <a:sym typeface="Wingdings" panose="05000000000000000000" pitchFamily="2" charset="2"/>
-              </a:rPr>
-              <a:t>Object -&gt; JS Object </a:t>
-            </a:r>
-          </a:p>
-          <a:p>
-            <a:pPr marL="12700">
-              <a:spcBef>
-                <a:spcPts val="95"/>
-              </a:spcBef>
-            </a:pPr>
-            <a:r>
-              <a:rPr lang="en-US" sz="2800" kern="0" dirty="0">
-                <a:latin typeface="+mn-lt"/>
-                <a:cs typeface="Calibri Light" panose="020F0302020204030204" pitchFamily="34" charset="0"/>
-                <a:sym typeface="Wingdings" panose="05000000000000000000" pitchFamily="2" charset="2"/>
-              </a:rPr>
-              <a:t>Model -&gt; to manipulate</a:t>
-            </a:r>
-          </a:p>
-          <a:p>
-            <a:pPr marL="12700">
-              <a:spcBef>
-                <a:spcPts val="95"/>
-              </a:spcBef>
-            </a:pPr>
-            <a:endParaRPr lang="en-US" sz="2800" kern="0" dirty="0">
-              <a:latin typeface="+mn-lt"/>
-              <a:cs typeface="Calibri Light" panose="020F0302020204030204" pitchFamily="34" charset="0"/>
-              <a:sym typeface="Wingdings" panose="05000000000000000000" pitchFamily="2" charset="2"/>
-            </a:endParaRPr>
-          </a:p>
-          <a:p>
-            <a:pPr marL="12700">
-              <a:spcBef>
-                <a:spcPts val="95"/>
-              </a:spcBef>
-            </a:pPr>
-            <a:r>
-              <a:rPr lang="en-US" sz="2800" kern="0" dirty="0">
-                <a:latin typeface="+mn-lt"/>
-                <a:cs typeface="Calibri Light" panose="020F0302020204030204" pitchFamily="34" charset="0"/>
-                <a:sym typeface="Wingdings" panose="05000000000000000000" pitchFamily="2" charset="2"/>
-              </a:rPr>
-              <a:t>5 types of Selectors</a:t>
-            </a:r>
-          </a:p>
-          <a:p>
-            <a:pPr marL="12700">
-              <a:spcBef>
-                <a:spcPts val="95"/>
-              </a:spcBef>
-            </a:pPr>
-            <a:r>
-              <a:rPr lang="en-US" sz="2800" kern="0" dirty="0">
-                <a:latin typeface="+mn-lt"/>
-                <a:cs typeface="Calibri Light" panose="020F0302020204030204" pitchFamily="34" charset="0"/>
-                <a:sym typeface="Wingdings" panose="05000000000000000000" pitchFamily="2" charset="2"/>
-              </a:rPr>
-              <a:t>1.getElementsByTagName(‘h1’)-&gt; returns </a:t>
-            </a:r>
-            <a:r>
-              <a:rPr lang="en-US" sz="2800" kern="0" dirty="0" err="1">
-                <a:latin typeface="+mn-lt"/>
-                <a:cs typeface="Calibri Light" panose="020F0302020204030204" pitchFamily="34" charset="0"/>
-                <a:sym typeface="Wingdings" panose="05000000000000000000" pitchFamily="2" charset="2"/>
-              </a:rPr>
-              <a:t>HTMLCollection</a:t>
-            </a:r>
-            <a:r>
-              <a:rPr lang="en-US" sz="2800" kern="0" dirty="0">
-                <a:latin typeface="+mn-lt"/>
-                <a:cs typeface="Calibri Light" panose="020F0302020204030204" pitchFamily="34" charset="0"/>
-                <a:sym typeface="Wingdings" panose="05000000000000000000" pitchFamily="2" charset="2"/>
-              </a:rPr>
-              <a:t> i.e. array</a:t>
-            </a:r>
-          </a:p>
-          <a:p>
-            <a:pPr marL="469900" indent="-457200">
-              <a:spcBef>
-                <a:spcPts val="95"/>
-              </a:spcBef>
-              <a:buFont typeface="Wingdings" panose="05000000000000000000" pitchFamily="2" charset="2"/>
-              <a:buChar char="à"/>
-            </a:pPr>
-            <a:r>
-              <a:rPr lang="en-US" sz="2800" kern="0" dirty="0">
-                <a:latin typeface="+mn-lt"/>
-                <a:cs typeface="Calibri Light" panose="020F0302020204030204" pitchFamily="34" charset="0"/>
-                <a:sym typeface="Wingdings" panose="05000000000000000000" pitchFamily="2" charset="2"/>
-              </a:rPr>
-              <a:t>we can loop through them and apply style to them </a:t>
-            </a:r>
-          </a:p>
-          <a:p>
-            <a:pPr marL="12700">
-              <a:spcBef>
-                <a:spcPts val="95"/>
-              </a:spcBef>
-            </a:pPr>
-            <a:r>
-              <a:rPr lang="en-US" sz="2000" kern="0" dirty="0">
-                <a:latin typeface="Consolas" panose="020B0609020204030204" pitchFamily="49" charset="0"/>
-                <a:cs typeface="Calibri Light" panose="020F0302020204030204" pitchFamily="34" charset="0"/>
-                <a:sym typeface="Wingdings" panose="05000000000000000000" pitchFamily="2" charset="2"/>
-              </a:rPr>
-              <a:t>	for(let item of </a:t>
-            </a:r>
-            <a:r>
-              <a:rPr lang="en-US" sz="2000" kern="0" dirty="0" err="1">
-                <a:latin typeface="Consolas" panose="020B0609020204030204" pitchFamily="49" charset="0"/>
-                <a:cs typeface="Calibri Light" panose="020F0302020204030204" pitchFamily="34" charset="0"/>
-                <a:sym typeface="Wingdings" panose="05000000000000000000" pitchFamily="2" charset="2"/>
-              </a:rPr>
-              <a:t>arr</a:t>
-            </a:r>
-            <a:r>
-              <a:rPr lang="en-US" sz="2000" kern="0" dirty="0">
-                <a:latin typeface="Consolas" panose="020B0609020204030204" pitchFamily="49" charset="0"/>
-                <a:cs typeface="Calibri Light" panose="020F0302020204030204" pitchFamily="34" charset="0"/>
-                <a:sym typeface="Wingdings" panose="05000000000000000000" pitchFamily="2" charset="2"/>
-              </a:rPr>
-              <a:t>){</a:t>
-            </a:r>
-          </a:p>
-          <a:p>
-            <a:pPr marL="12700">
-              <a:spcBef>
-                <a:spcPts val="95"/>
-              </a:spcBef>
-            </a:pPr>
-            <a:r>
-              <a:rPr lang="en-US" sz="2000" kern="0" dirty="0">
-                <a:latin typeface="Consolas" panose="020B0609020204030204" pitchFamily="49" charset="0"/>
-                <a:cs typeface="Calibri Light" panose="020F0302020204030204" pitchFamily="34" charset="0"/>
-                <a:sym typeface="Wingdings" panose="05000000000000000000" pitchFamily="2" charset="2"/>
-              </a:rPr>
-              <a:t>		</a:t>
-            </a:r>
-            <a:r>
-              <a:rPr lang="en-US" sz="2000" kern="0" dirty="0" err="1">
-                <a:latin typeface="Consolas" panose="020B0609020204030204" pitchFamily="49" charset="0"/>
-                <a:cs typeface="Calibri Light" panose="020F0302020204030204" pitchFamily="34" charset="0"/>
-                <a:sym typeface="Wingdings" panose="05000000000000000000" pitchFamily="2" charset="2"/>
-              </a:rPr>
-              <a:t>item.style.color</a:t>
-            </a:r>
-            <a:r>
-              <a:rPr lang="en-US" sz="2000" kern="0" dirty="0">
-                <a:latin typeface="Consolas" panose="020B0609020204030204" pitchFamily="49" charset="0"/>
-                <a:cs typeface="Calibri Light" panose="020F0302020204030204" pitchFamily="34" charset="0"/>
-                <a:sym typeface="Wingdings" panose="05000000000000000000" pitchFamily="2" charset="2"/>
-              </a:rPr>
-              <a:t> = ‘red’;</a:t>
-            </a:r>
-          </a:p>
-          <a:p>
-            <a:pPr marL="12700">
-              <a:spcBef>
-                <a:spcPts val="95"/>
-              </a:spcBef>
-            </a:pPr>
-            <a:r>
-              <a:rPr lang="en-US" sz="2000" kern="0" dirty="0">
-                <a:latin typeface="Consolas" panose="020B0609020204030204" pitchFamily="49" charset="0"/>
-                <a:cs typeface="Calibri Light" panose="020F0302020204030204" pitchFamily="34" charset="0"/>
-                <a:sym typeface="Wingdings" panose="05000000000000000000" pitchFamily="2" charset="2"/>
-              </a:rPr>
-              <a:t>	}</a:t>
-            </a:r>
-          </a:p>
-          <a:p>
-            <a:pPr marL="12700">
-              <a:spcBef>
-                <a:spcPts val="95"/>
-              </a:spcBef>
-            </a:pPr>
-            <a:endParaRPr lang="en-US" sz="2000" kern="0" dirty="0">
-              <a:latin typeface="Consolas" panose="020B0609020204030204" pitchFamily="49" charset="0"/>
-              <a:cs typeface="Calibri Light" panose="020F0302020204030204" pitchFamily="34" charset="0"/>
-              <a:sym typeface="Wingdings" panose="05000000000000000000" pitchFamily="2" charset="2"/>
-            </a:endParaRPr>
-          </a:p>
-          <a:p>
-            <a:pPr marL="12700">
-              <a:spcBef>
-                <a:spcPts val="95"/>
-              </a:spcBef>
-            </a:pPr>
-            <a:r>
-              <a:rPr lang="en-US" sz="2800" kern="0" dirty="0">
-                <a:latin typeface="+mn-lt"/>
-                <a:cs typeface="Calibri Light" panose="020F0302020204030204" pitchFamily="34" charset="0"/>
-                <a:sym typeface="Wingdings" panose="05000000000000000000" pitchFamily="2" charset="2"/>
-              </a:rPr>
-              <a:t>2. </a:t>
-            </a:r>
-            <a:r>
-              <a:rPr lang="en-US" sz="2800" kern="0" dirty="0" err="1">
-                <a:latin typeface="+mn-lt"/>
-                <a:cs typeface="Calibri Light" panose="020F0302020204030204" pitchFamily="34" charset="0"/>
-                <a:sym typeface="Wingdings" panose="05000000000000000000" pitchFamily="2" charset="2"/>
-              </a:rPr>
-              <a:t>getElementByID</a:t>
-            </a:r>
-            <a:r>
-              <a:rPr lang="en-US" sz="2800" kern="0" dirty="0">
-                <a:latin typeface="+mn-lt"/>
-                <a:cs typeface="Calibri Light" panose="020F0302020204030204" pitchFamily="34" charset="0"/>
-                <a:sym typeface="Wingdings" panose="05000000000000000000" pitchFamily="2" charset="2"/>
-              </a:rPr>
-              <a:t>(‘h1’)-&gt; returns single element</a:t>
-            </a:r>
-          </a:p>
-          <a:p>
-            <a:pPr marL="12700">
-              <a:spcBef>
-                <a:spcPts val="95"/>
-              </a:spcBef>
-            </a:pPr>
-            <a:r>
-              <a:rPr lang="en-US" sz="2800" kern="0" dirty="0">
-                <a:latin typeface="+mn-lt"/>
-                <a:cs typeface="Calibri Light" panose="020F0302020204030204" pitchFamily="34" charset="0"/>
-                <a:sym typeface="Wingdings" panose="05000000000000000000" pitchFamily="2" charset="2"/>
-              </a:rPr>
-              <a:t>3. </a:t>
-            </a:r>
-            <a:r>
-              <a:rPr lang="en-US" sz="2800" kern="0" dirty="0" err="1">
-                <a:latin typeface="+mn-lt"/>
-                <a:cs typeface="Calibri Light" panose="020F0302020204030204" pitchFamily="34" charset="0"/>
-                <a:sym typeface="Wingdings" panose="05000000000000000000" pitchFamily="2" charset="2"/>
-              </a:rPr>
-              <a:t>getElementsByClassName</a:t>
-            </a:r>
-            <a:r>
-              <a:rPr lang="en-US" sz="2800" kern="0" dirty="0">
-                <a:latin typeface="+mn-lt"/>
-                <a:cs typeface="Calibri Light" panose="020F0302020204030204" pitchFamily="34" charset="0"/>
-                <a:sym typeface="Wingdings" panose="05000000000000000000" pitchFamily="2" charset="2"/>
-              </a:rPr>
-              <a:t>(‘h1’)-&gt; returns </a:t>
-            </a:r>
-            <a:r>
-              <a:rPr lang="en-US" sz="2800" kern="0" dirty="0" err="1">
-                <a:latin typeface="+mn-lt"/>
-                <a:cs typeface="Calibri Light" panose="020F0302020204030204" pitchFamily="34" charset="0"/>
-                <a:sym typeface="Wingdings" panose="05000000000000000000" pitchFamily="2" charset="2"/>
-              </a:rPr>
-              <a:t>HTMLCollection</a:t>
-            </a:r>
-            <a:endParaRPr lang="en-US" sz="2800" kern="0" dirty="0">
-              <a:latin typeface="+mn-lt"/>
-              <a:cs typeface="Calibri Light" panose="020F0302020204030204" pitchFamily="34" charset="0"/>
-              <a:sym typeface="Wingdings" panose="05000000000000000000" pitchFamily="2" charset="2"/>
-            </a:endParaRPr>
-          </a:p>
-          <a:p>
-            <a:pPr marL="12700">
-              <a:spcBef>
-                <a:spcPts val="95"/>
-              </a:spcBef>
-            </a:pPr>
-            <a:endParaRPr lang="en-US" sz="2800" kern="0" dirty="0">
-              <a:latin typeface="+mn-lt"/>
-              <a:cs typeface="Calibri Light" panose="020F0302020204030204" pitchFamily="34" charset="0"/>
-              <a:sym typeface="Wingdings" panose="05000000000000000000" pitchFamily="2" charset="2"/>
-            </a:endParaRPr>
-          </a:p>
-        </p:txBody>
-      </p:sp>
+                <a:cs typeface="Times New Roman" panose="02020603050405020304" pitchFamily="18" charset="0"/>
+                <a:sym typeface="Wingdings" panose="05000000000000000000" pitchFamily="2" charset="2"/>
+              </a:rPr>
+              <a:t>2. async always works with await.</a:t>
+            </a:r>
+          </a:p>
+        </p:txBody>
+      </p:sp>
+      <p:pic>
+        <p:nvPicPr>
+          <p:cNvPr id="7" name="Picture 6">
+            <a:extLst>
+              <a:ext uri="{FF2B5EF4-FFF2-40B4-BE49-F238E27FC236}">
+                <a16:creationId xmlns:a16="http://schemas.microsoft.com/office/drawing/2014/main" id="{4687281C-0D25-E396-287B-337378ADA274}"/>
+              </a:ext>
+            </a:extLst>
+          </p:cNvPr>
+          <p:cNvPicPr>
+            <a:picLocks noChangeAspect="1"/>
+          </p:cNvPicPr>
+          <p:nvPr/>
+        </p:nvPicPr>
+        <p:blipFill>
+          <a:blip r:embed="rId4"/>
+          <a:stretch>
+            <a:fillRect/>
+          </a:stretch>
+        </p:blipFill>
+        <p:spPr>
+          <a:xfrm>
+            <a:off x="914400" y="1905000"/>
+            <a:ext cx="6079662" cy="3815114"/>
+          </a:xfrm>
+          <a:prstGeom prst="rect">
+            <a:avLst/>
+          </a:prstGeom>
+        </p:spPr>
+      </p:pic>
     </p:spTree>
     <p:extLst>
       <p:ext uri="{BB962C8B-B14F-4D97-AF65-F5344CB8AC3E}">
-        <p14:creationId xmlns:p14="http://schemas.microsoft.com/office/powerpoint/2010/main" val="94353504"/>
+        <p14:creationId xmlns:p14="http://schemas.microsoft.com/office/powerpoint/2010/main" val="2472234369"/>
       </p:ext>
     </p:extLst>
   </p:cSld>
@@ -16659,7 +16472,7 @@
         <p:spPr>
           <a:xfrm>
             <a:off x="533400" y="838200"/>
-            <a:ext cx="11621728" cy="5557291"/>
+            <a:ext cx="11621728" cy="5718873"/>
           </a:xfrm>
           <a:prstGeom prst="rect">
             <a:avLst/>
@@ -16688,54 +16501,51 @@
               </a:spcBef>
             </a:pPr>
             <a:r>
-              <a:rPr lang="en-US" sz="3200" kern="0" dirty="0">
+              <a:rPr lang="en-US" sz="2800" kern="0" dirty="0">
                 <a:latin typeface="+mn-lt"/>
                 <a:cs typeface="Calibri Light" panose="020F0302020204030204" pitchFamily="34" charset="0"/>
                 <a:sym typeface="Wingdings" panose="05000000000000000000" pitchFamily="2" charset="2"/>
               </a:rPr>
-              <a:t>2. </a:t>
-            </a:r>
-            <a:r>
-              <a:rPr lang="en-US" sz="3200" kern="0" dirty="0" err="1">
+              <a:t>Document -&gt; HTML</a:t>
+            </a:r>
+          </a:p>
+          <a:p>
+            <a:pPr marL="12700">
+              <a:spcBef>
+                <a:spcPts val="95"/>
+              </a:spcBef>
+            </a:pPr>
+            <a:r>
+              <a:rPr lang="en-US" sz="2800" kern="0" dirty="0">
                 <a:latin typeface="+mn-lt"/>
                 <a:cs typeface="Calibri Light" panose="020F0302020204030204" pitchFamily="34" charset="0"/>
                 <a:sym typeface="Wingdings" panose="05000000000000000000" pitchFamily="2" charset="2"/>
               </a:rPr>
-              <a:t>querySelector</a:t>
-            </a:r>
-            <a:r>
-              <a:rPr lang="en-US" sz="3200" kern="0" dirty="0">
+              <a:t>Object -&gt; JS Object </a:t>
+            </a:r>
+          </a:p>
+          <a:p>
+            <a:pPr marL="12700">
+              <a:spcBef>
+                <a:spcPts val="95"/>
+              </a:spcBef>
+            </a:pPr>
+            <a:r>
+              <a:rPr lang="en-US" sz="2800" kern="0" dirty="0">
                 <a:latin typeface="+mn-lt"/>
                 <a:cs typeface="Calibri Light" panose="020F0302020204030204" pitchFamily="34" charset="0"/>
                 <a:sym typeface="Wingdings" panose="05000000000000000000" pitchFamily="2" charset="2"/>
               </a:rPr>
-              <a:t>(‘h1’)-&gt; returns single element</a:t>
-            </a:r>
-          </a:p>
-          <a:p>
-            <a:pPr marL="469900" indent="-457200">
-              <a:spcBef>
-                <a:spcPts val="95"/>
-              </a:spcBef>
-              <a:buFont typeface="Wingdings" panose="05000000000000000000" pitchFamily="2" charset="2"/>
-              <a:buChar char="à"/>
-            </a:pPr>
-            <a:r>
-              <a:rPr lang="en-US" sz="3200" kern="0" dirty="0">
-                <a:latin typeface="+mn-lt"/>
-                <a:cs typeface="Calibri Light" panose="020F0302020204030204" pitchFamily="34" charset="0"/>
-                <a:sym typeface="Wingdings" panose="05000000000000000000" pitchFamily="2" charset="2"/>
-              </a:rPr>
-              <a:t>It takes class(.x) , id(#x)  and tag(x) as argument</a:t>
-            </a:r>
-          </a:p>
-          <a:p>
-            <a:pPr marL="12700">
-              <a:spcBef>
-                <a:spcPts val="95"/>
-              </a:spcBef>
-            </a:pPr>
-            <a:endParaRPr lang="en-US" sz="3200" kern="0" dirty="0">
+              <a:t>Model -&gt; to manipulate</a:t>
+            </a:r>
+          </a:p>
+          <a:p>
+            <a:pPr marL="12700">
+              <a:spcBef>
+                <a:spcPts val="95"/>
+              </a:spcBef>
+            </a:pPr>
+            <a:endParaRPr lang="en-US" sz="2800" kern="0" dirty="0">
               <a:latin typeface="+mn-lt"/>
               <a:cs typeface="Calibri Light" panose="020F0302020204030204" pitchFamily="34" charset="0"/>
               <a:sym typeface="Wingdings" panose="05000000000000000000" pitchFamily="2" charset="2"/>
@@ -16748,23 +16558,206 @@
               </a:spcBef>
             </a:pPr>
             <a:r>
-              <a:rPr lang="en-US" sz="3200" kern="0" dirty="0">
+              <a:rPr lang="en-US" sz="2800" kern="0" dirty="0">
                 <a:latin typeface="+mn-lt"/>
                 <a:cs typeface="Calibri Light" panose="020F0302020204030204" pitchFamily="34" charset="0"/>
                 <a:sym typeface="Wingdings" panose="05000000000000000000" pitchFamily="2" charset="2"/>
               </a:rPr>
+              <a:t>5 types of Selectors</a:t>
+            </a:r>
+          </a:p>
+          <a:p>
+            <a:pPr marL="12700">
+              <a:spcBef>
+                <a:spcPts val="95"/>
+              </a:spcBef>
+            </a:pPr>
+            <a:r>
+              <a:rPr lang="en-US" sz="2800" kern="0" dirty="0">
+                <a:latin typeface="+mn-lt"/>
+                <a:cs typeface="Calibri Light" panose="020F0302020204030204" pitchFamily="34" charset="0"/>
+                <a:sym typeface="Wingdings" panose="05000000000000000000" pitchFamily="2" charset="2"/>
+              </a:rPr>
+              <a:t>1.getElementsByTagName(‘h1’)-&gt; returns </a:t>
+            </a:r>
+            <a:r>
+              <a:rPr lang="en-US" sz="2800" kern="0" dirty="0" err="1">
+                <a:latin typeface="+mn-lt"/>
+                <a:cs typeface="Calibri Light" panose="020F0302020204030204" pitchFamily="34" charset="0"/>
+                <a:sym typeface="Wingdings" panose="05000000000000000000" pitchFamily="2" charset="2"/>
+              </a:rPr>
+              <a:t>HTMLCollection</a:t>
+            </a:r>
+            <a:r>
+              <a:rPr lang="en-US" sz="2800" kern="0" dirty="0">
+                <a:latin typeface="+mn-lt"/>
+                <a:cs typeface="Calibri Light" panose="020F0302020204030204" pitchFamily="34" charset="0"/>
+                <a:sym typeface="Wingdings" panose="05000000000000000000" pitchFamily="2" charset="2"/>
+              </a:rPr>
+              <a:t> i.e. array</a:t>
+            </a:r>
+          </a:p>
+          <a:p>
+            <a:pPr marL="469900" indent="-457200">
+              <a:spcBef>
+                <a:spcPts val="95"/>
+              </a:spcBef>
+              <a:buFont typeface="Wingdings" panose="05000000000000000000" pitchFamily="2" charset="2"/>
+              <a:buChar char="à"/>
+            </a:pPr>
+            <a:r>
+              <a:rPr lang="en-US" sz="2800" kern="0" dirty="0">
+                <a:latin typeface="+mn-lt"/>
+                <a:cs typeface="Calibri Light" panose="020F0302020204030204" pitchFamily="34" charset="0"/>
+                <a:sym typeface="Wingdings" panose="05000000000000000000" pitchFamily="2" charset="2"/>
+              </a:rPr>
+              <a:t>we can loop through them and apply style to them </a:t>
+            </a:r>
+          </a:p>
+          <a:p>
+            <a:pPr marL="12700">
+              <a:spcBef>
+                <a:spcPts val="95"/>
+              </a:spcBef>
+            </a:pPr>
+            <a:r>
+              <a:rPr lang="en-US" sz="2000" kern="0" dirty="0">
+                <a:latin typeface="Consolas" panose="020B0609020204030204" pitchFamily="49" charset="0"/>
+                <a:cs typeface="Calibri Light" panose="020F0302020204030204" pitchFamily="34" charset="0"/>
+                <a:sym typeface="Wingdings" panose="05000000000000000000" pitchFamily="2" charset="2"/>
+              </a:rPr>
+              <a:t>	for(let item of </a:t>
+            </a:r>
+            <a:r>
+              <a:rPr lang="en-US" sz="2000" kern="0" dirty="0" err="1">
+                <a:latin typeface="Consolas" panose="020B0609020204030204" pitchFamily="49" charset="0"/>
+                <a:cs typeface="Calibri Light" panose="020F0302020204030204" pitchFamily="34" charset="0"/>
+                <a:sym typeface="Wingdings" panose="05000000000000000000" pitchFamily="2" charset="2"/>
+              </a:rPr>
+              <a:t>arr</a:t>
+            </a:r>
+            <a:r>
+              <a:rPr lang="en-US" sz="2000" kern="0" dirty="0">
+                <a:latin typeface="Consolas" panose="020B0609020204030204" pitchFamily="49" charset="0"/>
+                <a:cs typeface="Calibri Light" panose="020F0302020204030204" pitchFamily="34" charset="0"/>
+                <a:sym typeface="Wingdings" panose="05000000000000000000" pitchFamily="2" charset="2"/>
+              </a:rPr>
+              <a:t>){</a:t>
+            </a:r>
+          </a:p>
+          <a:p>
+            <a:pPr marL="12700">
+              <a:spcBef>
+                <a:spcPts val="95"/>
+              </a:spcBef>
+            </a:pPr>
+            <a:r>
+              <a:rPr lang="en-US" sz="2000" kern="0" dirty="0">
+                <a:latin typeface="Consolas" panose="020B0609020204030204" pitchFamily="49" charset="0"/>
+                <a:cs typeface="Calibri Light" panose="020F0302020204030204" pitchFamily="34" charset="0"/>
+                <a:sym typeface="Wingdings" panose="05000000000000000000" pitchFamily="2" charset="2"/>
+              </a:rPr>
+              <a:t>		</a:t>
+            </a:r>
+            <a:r>
+              <a:rPr lang="en-US" sz="2000" kern="0" dirty="0" err="1">
+                <a:latin typeface="Consolas" panose="020B0609020204030204" pitchFamily="49" charset="0"/>
+                <a:cs typeface="Calibri Light" panose="020F0302020204030204" pitchFamily="34" charset="0"/>
+                <a:sym typeface="Wingdings" panose="05000000000000000000" pitchFamily="2" charset="2"/>
+              </a:rPr>
+              <a:t>item.style.color</a:t>
+            </a:r>
+            <a:r>
+              <a:rPr lang="en-US" sz="2000" kern="0" dirty="0">
+                <a:latin typeface="Consolas" panose="020B0609020204030204" pitchFamily="49" charset="0"/>
+                <a:cs typeface="Calibri Light" panose="020F0302020204030204" pitchFamily="34" charset="0"/>
+                <a:sym typeface="Wingdings" panose="05000000000000000000" pitchFamily="2" charset="2"/>
+              </a:rPr>
+              <a:t> = ‘red’;</a:t>
+            </a:r>
+          </a:p>
+          <a:p>
+            <a:pPr marL="12700">
+              <a:spcBef>
+                <a:spcPts val="95"/>
+              </a:spcBef>
+            </a:pPr>
+            <a:r>
+              <a:rPr lang="en-US" sz="2000" kern="0" dirty="0">
+                <a:latin typeface="Consolas" panose="020B0609020204030204" pitchFamily="49" charset="0"/>
+                <a:cs typeface="Calibri Light" panose="020F0302020204030204" pitchFamily="34" charset="0"/>
+                <a:sym typeface="Wingdings" panose="05000000000000000000" pitchFamily="2" charset="2"/>
+              </a:rPr>
+              <a:t>	}</a:t>
+            </a:r>
+          </a:p>
+          <a:p>
+            <a:pPr marL="12700">
+              <a:spcBef>
+                <a:spcPts val="95"/>
+              </a:spcBef>
+            </a:pPr>
+            <a:endParaRPr lang="en-US" sz="2000" kern="0" dirty="0">
+              <a:latin typeface="Consolas" panose="020B0609020204030204" pitchFamily="49" charset="0"/>
+              <a:cs typeface="Calibri Light" panose="020F0302020204030204" pitchFamily="34" charset="0"/>
+              <a:sym typeface="Wingdings" panose="05000000000000000000" pitchFamily="2" charset="2"/>
+            </a:endParaRPr>
+          </a:p>
+          <a:p>
+            <a:pPr marL="12700">
+              <a:spcBef>
+                <a:spcPts val="95"/>
+              </a:spcBef>
+            </a:pPr>
+            <a:r>
+              <a:rPr lang="en-US" sz="2800" kern="0" dirty="0">
+                <a:latin typeface="+mn-lt"/>
+                <a:cs typeface="Calibri Light" panose="020F0302020204030204" pitchFamily="34" charset="0"/>
+                <a:sym typeface="Wingdings" panose="05000000000000000000" pitchFamily="2" charset="2"/>
+              </a:rPr>
+              <a:t>2. </a:t>
+            </a:r>
+            <a:r>
+              <a:rPr lang="en-US" sz="2800" kern="0" dirty="0" err="1">
+                <a:latin typeface="+mn-lt"/>
+                <a:cs typeface="Calibri Light" panose="020F0302020204030204" pitchFamily="34" charset="0"/>
+                <a:sym typeface="Wingdings" panose="05000000000000000000" pitchFamily="2" charset="2"/>
+              </a:rPr>
+              <a:t>getElementByID</a:t>
+            </a:r>
+            <a:r>
+              <a:rPr lang="en-US" sz="2800" kern="0" dirty="0">
+                <a:latin typeface="+mn-lt"/>
+                <a:cs typeface="Calibri Light" panose="020F0302020204030204" pitchFamily="34" charset="0"/>
+                <a:sym typeface="Wingdings" panose="05000000000000000000" pitchFamily="2" charset="2"/>
+              </a:rPr>
+              <a:t>(‘h1’)-&gt; returns single element</a:t>
+            </a:r>
+          </a:p>
+          <a:p>
+            <a:pPr marL="12700">
+              <a:spcBef>
+                <a:spcPts val="95"/>
+              </a:spcBef>
+            </a:pPr>
+            <a:r>
+              <a:rPr lang="en-US" sz="2800" kern="0" dirty="0">
+                <a:latin typeface="+mn-lt"/>
+                <a:cs typeface="Calibri Light" panose="020F0302020204030204" pitchFamily="34" charset="0"/>
+                <a:sym typeface="Wingdings" panose="05000000000000000000" pitchFamily="2" charset="2"/>
+              </a:rPr>
               <a:t>3. </a:t>
             </a:r>
             <a:r>
-              <a:rPr lang="en-US" sz="3200" kern="0" dirty="0" err="1">
+              <a:rPr lang="en-US" sz="2800" kern="0" dirty="0" err="1">
                 <a:latin typeface="+mn-lt"/>
                 <a:cs typeface="Calibri Light" panose="020F0302020204030204" pitchFamily="34" charset="0"/>
                 <a:sym typeface="Wingdings" panose="05000000000000000000" pitchFamily="2" charset="2"/>
               </a:rPr>
-              <a:t>querySelectorAll</a:t>
-            </a:r>
-            <a:r>
-              <a:rPr lang="en-US" sz="3200" kern="0" dirty="0">
+              <a:t>getElementsByClassName</a:t>
+            </a:r>
+            <a:r>
+              <a:rPr lang="en-US" sz="2800" kern="0" dirty="0">
                 <a:latin typeface="+mn-lt"/>
                 <a:cs typeface="Calibri Light" panose="020F0302020204030204" pitchFamily="34" charset="0"/>
                 <a:sym typeface="Wingdings" panose="05000000000000000000" pitchFamily="2" charset="2"/>
@@ -16772,29 +16765,14 @@
               <a:t>(‘h1’)-&gt; returns </a:t>
             </a:r>
             <a:r>
-              <a:rPr lang="en-US" sz="3200" kern="0" dirty="0" err="1">
+              <a:rPr lang="en-US" sz="2800" kern="0" dirty="0" err="1">
                 <a:latin typeface="+mn-lt"/>
                 <a:cs typeface="Calibri Light" panose="020F0302020204030204" pitchFamily="34" charset="0"/>
                 <a:sym typeface="Wingdings" panose="05000000000000000000" pitchFamily="2" charset="2"/>
               </a:rPr>
-              <a:t>Nodelist</a:t>
-            </a:r>
-            <a:r>
-              <a:rPr lang="en-US" sz="3200" kern="0" dirty="0">
-                <a:latin typeface="+mn-lt"/>
-                <a:cs typeface="Calibri Light" panose="020F0302020204030204" pitchFamily="34" charset="0"/>
-                <a:sym typeface="Wingdings" panose="05000000000000000000" pitchFamily="2" charset="2"/>
-              </a:rPr>
-              <a:t> </a:t>
-            </a:r>
-          </a:p>
-          <a:p>
-            <a:pPr marL="12700">
-              <a:spcBef>
-                <a:spcPts val="95"/>
-              </a:spcBef>
-            </a:pPr>
-            <a:endParaRPr lang="en-US" sz="3200" kern="0" dirty="0">
+              <a:t>HTMLCollection</a:t>
+            </a:r>
+            <a:endParaRPr lang="en-US" sz="2800" kern="0" dirty="0">
               <a:latin typeface="+mn-lt"/>
               <a:cs typeface="Calibri Light" panose="020F0302020204030204" pitchFamily="34" charset="0"/>
               <a:sym typeface="Wingdings" panose="05000000000000000000" pitchFamily="2" charset="2"/>
@@ -16806,178 +16784,18 @@
                 <a:spcPts val="95"/>
               </a:spcBef>
             </a:pPr>
-            <a:r>
-              <a:rPr lang="en-US" sz="3200" kern="0" dirty="0" err="1">
-                <a:latin typeface="+mn-lt"/>
-                <a:cs typeface="Calibri Light" panose="020F0302020204030204" pitchFamily="34" charset="0"/>
-                <a:sym typeface="Wingdings" panose="05000000000000000000" pitchFamily="2" charset="2"/>
-              </a:rPr>
-              <a:t>Propeties</a:t>
-            </a:r>
-            <a:r>
-              <a:rPr lang="en-US" sz="3200" kern="0" dirty="0">
-                <a:latin typeface="+mn-lt"/>
-                <a:cs typeface="Calibri Light" panose="020F0302020204030204" pitchFamily="34" charset="0"/>
-                <a:sym typeface="Wingdings" panose="05000000000000000000" pitchFamily="2" charset="2"/>
-              </a:rPr>
-              <a:t> of HTML (Like Setter and Getter) </a:t>
-            </a:r>
-          </a:p>
-          <a:p>
-            <a:pPr marL="12700">
-              <a:spcBef>
-                <a:spcPts val="95"/>
-              </a:spcBef>
-            </a:pPr>
-            <a:r>
-              <a:rPr lang="en-US" sz="3200" kern="0" dirty="0">
-                <a:latin typeface="+mn-lt"/>
-                <a:cs typeface="Calibri Light" panose="020F0302020204030204" pitchFamily="34" charset="0"/>
-                <a:sym typeface="Wingdings" panose="05000000000000000000" pitchFamily="2" charset="2"/>
-              </a:rPr>
-              <a:t>1. </a:t>
-            </a:r>
-            <a:r>
-              <a:rPr lang="en-US" sz="3200" kern="0" dirty="0" err="1">
-                <a:latin typeface="+mn-lt"/>
-                <a:cs typeface="Calibri Light" panose="020F0302020204030204" pitchFamily="34" charset="0"/>
-                <a:sym typeface="Wingdings" panose="05000000000000000000" pitchFamily="2" charset="2"/>
-              </a:rPr>
-              <a:t>innerText</a:t>
-            </a:r>
-            <a:r>
-              <a:rPr lang="en-US" sz="3200" kern="0" dirty="0">
-                <a:latin typeface="+mn-lt"/>
-                <a:cs typeface="Calibri Light" panose="020F0302020204030204" pitchFamily="34" charset="0"/>
-                <a:sym typeface="Wingdings" panose="05000000000000000000" pitchFamily="2" charset="2"/>
-              </a:rPr>
-              <a:t> -&gt; gives text inside that tag, can apply </a:t>
-            </a:r>
-            <a:r>
-              <a:rPr lang="en-US" sz="3200" kern="0" dirty="0" err="1">
-                <a:latin typeface="+mn-lt"/>
-                <a:cs typeface="Calibri Light" panose="020F0302020204030204" pitchFamily="34" charset="0"/>
-                <a:sym typeface="Wingdings" panose="05000000000000000000" pitchFamily="2" charset="2"/>
-              </a:rPr>
-              <a:t>css</a:t>
-            </a:r>
-            <a:r>
-              <a:rPr lang="en-US" sz="3200" kern="0" dirty="0">
-                <a:latin typeface="+mn-lt"/>
-                <a:cs typeface="Calibri Light" panose="020F0302020204030204" pitchFamily="34" charset="0"/>
-                <a:sym typeface="Wingdings" panose="05000000000000000000" pitchFamily="2" charset="2"/>
-              </a:rPr>
-              <a:t> in it.</a:t>
-            </a:r>
-          </a:p>
-          <a:p>
-            <a:pPr marL="12700">
-              <a:spcBef>
-                <a:spcPts val="95"/>
-              </a:spcBef>
-            </a:pPr>
-            <a:r>
-              <a:rPr lang="en-US" sz="3200" kern="0" dirty="0">
-                <a:latin typeface="+mn-lt"/>
-                <a:cs typeface="Calibri Light" panose="020F0302020204030204" pitchFamily="34" charset="0"/>
-                <a:sym typeface="Wingdings" panose="05000000000000000000" pitchFamily="2" charset="2"/>
-              </a:rPr>
-              <a:t>2. </a:t>
-            </a:r>
-            <a:r>
-              <a:rPr lang="en-US" sz="3200" kern="0" dirty="0" err="1">
-                <a:latin typeface="+mn-lt"/>
-                <a:cs typeface="Calibri Light" panose="020F0302020204030204" pitchFamily="34" charset="0"/>
-                <a:sym typeface="Wingdings" panose="05000000000000000000" pitchFamily="2" charset="2"/>
-              </a:rPr>
-              <a:t>textContent</a:t>
-            </a:r>
-            <a:r>
-              <a:rPr lang="en-US" sz="3200" kern="0" dirty="0">
-                <a:latin typeface="+mn-lt"/>
-                <a:cs typeface="Calibri Light" panose="020F0302020204030204" pitchFamily="34" charset="0"/>
-                <a:sym typeface="Wingdings" panose="05000000000000000000" pitchFamily="2" charset="2"/>
-              </a:rPr>
-              <a:t> -&gt; gives text inside that tag, cannot apply </a:t>
-            </a:r>
-            <a:r>
-              <a:rPr lang="en-US" sz="3200" kern="0" dirty="0" err="1">
-                <a:latin typeface="+mn-lt"/>
-                <a:cs typeface="Calibri Light" panose="020F0302020204030204" pitchFamily="34" charset="0"/>
-                <a:sym typeface="Wingdings" panose="05000000000000000000" pitchFamily="2" charset="2"/>
-              </a:rPr>
-              <a:t>css</a:t>
-            </a:r>
-            <a:r>
-              <a:rPr lang="en-US" sz="3200" kern="0" dirty="0">
-                <a:latin typeface="+mn-lt"/>
-                <a:cs typeface="Calibri Light" panose="020F0302020204030204" pitchFamily="34" charset="0"/>
-                <a:sym typeface="Wingdings" panose="05000000000000000000" pitchFamily="2" charset="2"/>
-              </a:rPr>
-              <a:t> in it.</a:t>
-            </a:r>
-          </a:p>
-          <a:p>
-            <a:pPr marL="12700">
-              <a:spcBef>
-                <a:spcPts val="95"/>
-              </a:spcBef>
-            </a:pPr>
-            <a:r>
-              <a:rPr lang="en-US" sz="3200" kern="0" dirty="0">
-                <a:latin typeface="+mn-lt"/>
-                <a:cs typeface="Calibri Light" panose="020F0302020204030204" pitchFamily="34" charset="0"/>
-                <a:sym typeface="Wingdings" panose="05000000000000000000" pitchFamily="2" charset="2"/>
-              </a:rPr>
-              <a:t>3. </a:t>
-            </a:r>
-            <a:r>
-              <a:rPr lang="en-US" sz="3200" kern="0" dirty="0" err="1">
-                <a:latin typeface="+mn-lt"/>
-                <a:cs typeface="Calibri Light" panose="020F0302020204030204" pitchFamily="34" charset="0"/>
-                <a:sym typeface="Wingdings" panose="05000000000000000000" pitchFamily="2" charset="2"/>
-              </a:rPr>
-              <a:t>innerHTML</a:t>
-            </a:r>
-            <a:r>
-              <a:rPr lang="en-US" sz="3200" kern="0" dirty="0">
-                <a:latin typeface="+mn-lt"/>
-                <a:cs typeface="Calibri Light" panose="020F0302020204030204" pitchFamily="34" charset="0"/>
-                <a:sym typeface="Wingdings" panose="05000000000000000000" pitchFamily="2" charset="2"/>
-              </a:rPr>
-              <a:t> -&gt; returns text + tags </a:t>
-            </a:r>
-          </a:p>
-          <a:p>
-            <a:pPr marL="12700">
-              <a:spcBef>
-                <a:spcPts val="95"/>
-              </a:spcBef>
-            </a:pPr>
-            <a:endParaRPr lang="en-US" sz="3200" kern="0" dirty="0">
+            <a:endParaRPr lang="en-US" sz="2800" kern="0" dirty="0">
               <a:latin typeface="+mn-lt"/>
               <a:cs typeface="Calibri Light" panose="020F0302020204030204" pitchFamily="34" charset="0"/>
               <a:sym typeface="Wingdings" panose="05000000000000000000" pitchFamily="2" charset="2"/>
             </a:endParaRPr>
           </a:p>
-          <a:p>
-            <a:pPr marL="12700">
-              <a:spcBef>
-                <a:spcPts val="95"/>
-              </a:spcBef>
-            </a:pPr>
-            <a:endParaRPr lang="en-US" sz="3200" kern="0" dirty="0">
-              <a:latin typeface="+mn-lt"/>
-              <a:cs typeface="Calibri Light" panose="020F0302020204030204" pitchFamily="34" charset="0"/>
-              <a:sym typeface="Wingdings" panose="05000000000000000000" pitchFamily="2" charset="2"/>
-            </a:endParaRPr>
-          </a:p>
         </p:txBody>
       </p:sp>
     </p:spTree>
     <p:extLst>
       <p:ext uri="{BB962C8B-B14F-4D97-AF65-F5344CB8AC3E}">
-        <p14:creationId xmlns:p14="http://schemas.microsoft.com/office/powerpoint/2010/main" val="2570486009"/>
+        <p14:creationId xmlns:p14="http://schemas.microsoft.com/office/powerpoint/2010/main" val="94353504"/>
       </p:ext>
     </p:extLst>
   </p:cSld>
@@ -17064,7 +16882,7 @@
         <p:spPr>
           <a:xfrm>
             <a:off x="481685" y="304800"/>
-            <a:ext cx="8967115" cy="535403"/>
+            <a:ext cx="8967115" cy="566181"/>
           </a:xfrm>
           <a:prstGeom prst="rect">
             <a:avLst/>
@@ -17086,7 +16904,22 @@
                 <a:latin typeface="+mj-lt"/>
                 <a:cs typeface="Carlito"/>
               </a:rPr>
-              <a:t>Attribute Manipulator</a:t>
+              <a:t>DOM(</a:t>
+            </a:r>
+            <a:r>
+              <a:rPr lang="en-US" sz="3600" kern="0" dirty="0">
+                <a:latin typeface="+mn-lt"/>
+                <a:cs typeface="Calibri Light" panose="020F0302020204030204" pitchFamily="34" charset="0"/>
+                <a:sym typeface="Wingdings" panose="05000000000000000000" pitchFamily="2" charset="2"/>
+              </a:rPr>
+              <a:t>Document Object Model</a:t>
+            </a:r>
+            <a:r>
+              <a:rPr lang="en-US" sz="3400" dirty="0">
+                <a:latin typeface="+mj-lt"/>
+                <a:cs typeface="Carlito"/>
+              </a:rPr>
+              <a:t>)</a:t>
             </a:r>
             <a:endParaRPr sz="3400" dirty="0">
               <a:latin typeface="+mj-lt"/>
@@ -17141,7 +16974,7 @@
         <p:spPr>
           <a:xfrm>
             <a:off x="533400" y="838200"/>
-            <a:ext cx="11621728" cy="5249514"/>
+            <a:ext cx="11621728" cy="5557291"/>
           </a:xfrm>
           <a:prstGeom prst="rect">
             <a:avLst/>
@@ -17170,12 +17003,28 @@
               </a:spcBef>
             </a:pPr>
             <a:r>
-              <a:rPr lang="en-US" sz="2800" kern="0" dirty="0">
+              <a:rPr lang="en-US" sz="3200" kern="0" dirty="0">
                 <a:latin typeface="+mn-lt"/>
                 <a:cs typeface="Calibri Light" panose="020F0302020204030204" pitchFamily="34" charset="0"/>
                 <a:sym typeface="Wingdings" panose="05000000000000000000" pitchFamily="2" charset="2"/>
               </a:rPr>
-              <a:t>Helps in manipulating attribute inside HTML</a:t>
+              <a:t>2. </a:t>
+            </a:r>
+            <a:r>
+              <a:rPr lang="en-US" sz="3200" kern="0" dirty="0" err="1">
+                <a:latin typeface="+mn-lt"/>
+                <a:cs typeface="Calibri Light" panose="020F0302020204030204" pitchFamily="34" charset="0"/>
+                <a:sym typeface="Wingdings" panose="05000000000000000000" pitchFamily="2" charset="2"/>
+              </a:rPr>
+              <a:t>querySelector</a:t>
+            </a:r>
+            <a:r>
+              <a:rPr lang="en-US" sz="3200" kern="0" dirty="0">
+                <a:latin typeface="+mn-lt"/>
+                <a:cs typeface="Calibri Light" panose="020F0302020204030204" pitchFamily="34" charset="0"/>
+                <a:sym typeface="Wingdings" panose="05000000000000000000" pitchFamily="2" charset="2"/>
+              </a:rPr>
+              <a:t>(‘h1’)-&gt; returns single element</a:t>
             </a:r>
           </a:p>
           <a:p>
@@ -17187,161 +17036,20 @@
               <a:buChar char="à"/>
             </a:pPr>
             <a:r>
-              <a:rPr lang="en-US" sz="2800" kern="0" dirty="0" err="1">
+              <a:rPr lang="en-US" sz="3200" kern="0" dirty="0">
                 <a:latin typeface="+mn-lt"/>
                 <a:cs typeface="Calibri Light" panose="020F0302020204030204" pitchFamily="34" charset="0"/>
                 <a:sym typeface="Wingdings" panose="05000000000000000000" pitchFamily="2" charset="2"/>
               </a:rPr>
-              <a:t>getAttribute</a:t>
-            </a:r>
-            <a:r>
-              <a:rPr lang="en-US" sz="2800" kern="0" dirty="0">
-                <a:latin typeface="+mn-lt"/>
-                <a:cs typeface="Calibri Light" panose="020F0302020204030204" pitchFamily="34" charset="0"/>
-                <a:sym typeface="Wingdings" panose="05000000000000000000" pitchFamily="2" charset="2"/>
-              </a:rPr>
-              <a:t>(‘</a:t>
-            </a:r>
-            <a:r>
-              <a:rPr lang="en-US" sz="2800" kern="0" dirty="0" err="1">
-                <a:latin typeface="+mn-lt"/>
-                <a:cs typeface="Calibri Light" panose="020F0302020204030204" pitchFamily="34" charset="0"/>
-                <a:sym typeface="Wingdings" panose="05000000000000000000" pitchFamily="2" charset="2"/>
-              </a:rPr>
-              <a:t>href</a:t>
-            </a:r>
-            <a:r>
-              <a:rPr lang="en-US" sz="2800" kern="0" dirty="0">
-                <a:latin typeface="+mn-lt"/>
-                <a:cs typeface="Calibri Light" panose="020F0302020204030204" pitchFamily="34" charset="0"/>
-                <a:sym typeface="Wingdings" panose="05000000000000000000" pitchFamily="2" charset="2"/>
-              </a:rPr>
-              <a:t>’) -&gt; to fetch attribute data from tag</a:t>
-            </a:r>
-          </a:p>
-          <a:p>
-            <a:pPr marL="469900" indent="-457200">
-              <a:spcBef>
-                <a:spcPts val="95"/>
-              </a:spcBef>
-              <a:buFont typeface="Wingdings" panose="05000000000000000000" pitchFamily="2" charset="2"/>
-              <a:buChar char="à"/>
-            </a:pPr>
-            <a:r>
-              <a:rPr lang="en-US" sz="2800" kern="0" dirty="0" err="1">
-                <a:latin typeface="+mn-lt"/>
-                <a:cs typeface="Calibri Light" panose="020F0302020204030204" pitchFamily="34" charset="0"/>
-                <a:sym typeface="Wingdings" panose="05000000000000000000" pitchFamily="2" charset="2"/>
-              </a:rPr>
-              <a:t>setAttribute</a:t>
-            </a:r>
-            <a:r>
-              <a:rPr lang="en-US" sz="2800" kern="0" dirty="0">
-                <a:latin typeface="+mn-lt"/>
-                <a:cs typeface="Calibri Light" panose="020F0302020204030204" pitchFamily="34" charset="0"/>
-                <a:sym typeface="Wingdings" panose="05000000000000000000" pitchFamily="2" charset="2"/>
-              </a:rPr>
-              <a:t>(‘</a:t>
-            </a:r>
-            <a:r>
-              <a:rPr lang="en-US" sz="2800" kern="0" dirty="0" err="1">
-                <a:latin typeface="+mn-lt"/>
-                <a:cs typeface="Calibri Light" panose="020F0302020204030204" pitchFamily="34" charset="0"/>
-                <a:sym typeface="Wingdings" panose="05000000000000000000" pitchFamily="2" charset="2"/>
-              </a:rPr>
-              <a:t>href</a:t>
-            </a:r>
-            <a:r>
-              <a:rPr lang="en-US" sz="2800" kern="0" dirty="0">
-                <a:latin typeface="+mn-lt"/>
-                <a:cs typeface="Calibri Light" panose="020F0302020204030204" pitchFamily="34" charset="0"/>
-                <a:sym typeface="Wingdings" panose="05000000000000000000" pitchFamily="2" charset="2"/>
-              </a:rPr>
-              <a:t>’ , ‘www.something.com’);</a:t>
-            </a:r>
-          </a:p>
-          <a:p>
-            <a:pPr marL="469900" indent="-457200">
-              <a:spcBef>
-                <a:spcPts val="95"/>
-              </a:spcBef>
-              <a:buFont typeface="Wingdings" panose="05000000000000000000" pitchFamily="2" charset="2"/>
-              <a:buChar char="à"/>
-            </a:pPr>
-            <a:r>
-              <a:rPr lang="en-US" sz="2800" kern="0" dirty="0" err="1">
-                <a:latin typeface="+mn-lt"/>
-                <a:cs typeface="Calibri Light" panose="020F0302020204030204" pitchFamily="34" charset="0"/>
-                <a:sym typeface="Wingdings" panose="05000000000000000000" pitchFamily="2" charset="2"/>
-              </a:rPr>
-              <a:t>setAttribute</a:t>
-            </a:r>
-            <a:r>
-              <a:rPr lang="en-US" sz="2800" kern="0" dirty="0">
-                <a:latin typeface="+mn-lt"/>
-                <a:cs typeface="Calibri Light" panose="020F0302020204030204" pitchFamily="34" charset="0"/>
-                <a:sym typeface="Wingdings" panose="05000000000000000000" pitchFamily="2" charset="2"/>
-              </a:rPr>
-              <a:t>(‘class’ , ‘one two three’);//multiple classes possible</a:t>
-            </a:r>
-          </a:p>
-          <a:p>
-            <a:pPr marL="12700">
-              <a:spcBef>
-                <a:spcPts val="95"/>
-              </a:spcBef>
-            </a:pPr>
-            <a:r>
-              <a:rPr lang="en-US" sz="2400" kern="0" dirty="0">
-                <a:latin typeface="Consolas" panose="020B0609020204030204" pitchFamily="49" charset="0"/>
-                <a:cs typeface="Calibri Light" panose="020F0302020204030204" pitchFamily="34" charset="0"/>
-                <a:sym typeface="Wingdings" panose="05000000000000000000" pitchFamily="2" charset="2"/>
-              </a:rPr>
-              <a:t>Task: Make a slider using ‘</a:t>
-            </a:r>
-            <a:r>
-              <a:rPr lang="en-US" sz="2400" kern="0" dirty="0" err="1">
-                <a:latin typeface="Consolas" panose="020B0609020204030204" pitchFamily="49" charset="0"/>
-                <a:cs typeface="Calibri Light" panose="020F0302020204030204" pitchFamily="34" charset="0"/>
-                <a:sym typeface="Wingdings" panose="05000000000000000000" pitchFamily="2" charset="2"/>
-              </a:rPr>
-              <a:t>setInterval</a:t>
-            </a:r>
-            <a:r>
-              <a:rPr lang="en-US" sz="2400" kern="0" dirty="0">
-                <a:latin typeface="Consolas" panose="020B0609020204030204" pitchFamily="49" charset="0"/>
-                <a:cs typeface="Calibri Light" panose="020F0302020204030204" pitchFamily="34" charset="0"/>
-                <a:sym typeface="Wingdings" panose="05000000000000000000" pitchFamily="2" charset="2"/>
-              </a:rPr>
-              <a:t>’ and attribute manipulator, which changes image in 2 seconds.</a:t>
-            </a:r>
-          </a:p>
-          <a:p>
-            <a:pPr marL="12700">
-              <a:spcBef>
-                <a:spcPts val="95"/>
-              </a:spcBef>
-            </a:pPr>
-            <a:endParaRPr lang="en-US" sz="2800" kern="0" dirty="0">
-              <a:latin typeface="+mn-lt"/>
-              <a:cs typeface="Calibri Light" panose="020F0302020204030204" pitchFamily="34" charset="0"/>
-              <a:sym typeface="Wingdings" panose="05000000000000000000" pitchFamily="2" charset="2"/>
-            </a:endParaRPr>
-          </a:p>
-          <a:p>
-            <a:pPr marL="12700">
-              <a:spcBef>
-                <a:spcPts val="95"/>
-              </a:spcBef>
-            </a:pPr>
-            <a:r>
-              <a:rPr lang="en-US" sz="3200" kern="0" dirty="0" err="1">
-                <a:latin typeface="+mn-lt"/>
-                <a:cs typeface="Calibri Light" panose="020F0302020204030204" pitchFamily="34" charset="0"/>
-                <a:sym typeface="Wingdings" panose="05000000000000000000" pitchFamily="2" charset="2"/>
-              </a:rPr>
-              <a:t>ClassList</a:t>
-            </a:r>
+              <a:t>It takes class(.x) , id(#x)  and tag(x) as argument</a:t>
+            </a:r>
+          </a:p>
+          <a:p>
+            <a:pPr marL="12700">
+              <a:spcBef>
+                <a:spcPts val="95"/>
+              </a:spcBef>
+            </a:pPr>
             <a:endParaRPr lang="en-US" sz="3200" kern="0" dirty="0">
               <a:latin typeface="+mn-lt"/>
               <a:cs typeface="Calibri Light" panose="020F0302020204030204" pitchFamily="34" charset="0"/>
@@ -17349,139 +17057,242 @@
             </a:endParaRPr>
           </a:p>
           <a:p>
-            <a:pPr marL="527050" indent="-514350">
-              <a:spcBef>
-                <a:spcPts val="95"/>
-              </a:spcBef>
-              <a:buAutoNum type="arabicPeriod"/>
-            </a:pPr>
-            <a:r>
-              <a:rPr lang="en-US" sz="2800" kern="0" dirty="0">
+            <a:pPr marL="12700">
+              <a:spcBef>
+                <a:spcPts val="95"/>
+              </a:spcBef>
+            </a:pPr>
+            <a:r>
+              <a:rPr lang="en-US" sz="3200" kern="0" dirty="0">
                 <a:latin typeface="+mn-lt"/>
                 <a:cs typeface="Calibri Light" panose="020F0302020204030204" pitchFamily="34" charset="0"/>
                 <a:sym typeface="Wingdings" panose="05000000000000000000" pitchFamily="2" charset="2"/>
               </a:rPr>
-              <a:t>add :  </a:t>
-            </a:r>
-            <a:r>
-              <a:rPr lang="en-US" sz="2800" kern="0" dirty="0" err="1">
+              <a:t>3. </a:t>
+            </a:r>
+            <a:r>
+              <a:rPr lang="en-US" sz="3200" kern="0" dirty="0" err="1">
                 <a:latin typeface="+mn-lt"/>
                 <a:cs typeface="Calibri Light" panose="020F0302020204030204" pitchFamily="34" charset="0"/>
                 <a:sym typeface="Wingdings" panose="05000000000000000000" pitchFamily="2" charset="2"/>
               </a:rPr>
-              <a:t>doc.classList.add</a:t>
-            </a:r>
-            <a:r>
-              <a:rPr lang="en-US" sz="2800" kern="0" dirty="0">
+              <a:t>querySelectorAll</a:t>
+            </a:r>
+            <a:r>
+              <a:rPr lang="en-US" sz="3200" kern="0" dirty="0">
                 <a:latin typeface="+mn-lt"/>
                 <a:cs typeface="Calibri Light" panose="020F0302020204030204" pitchFamily="34" charset="0"/>
                 <a:sym typeface="Wingdings" panose="05000000000000000000" pitchFamily="2" charset="2"/>
               </a:rPr>
-              <a:t>(‘cl1’,’cl2’); // class can be added </a:t>
-            </a:r>
-          </a:p>
-          <a:p>
-            <a:pPr marL="527050" indent="-514350">
-              <a:spcBef>
-                <a:spcPts val="95"/>
-              </a:spcBef>
-              <a:buAutoNum type="arabicPeriod"/>
-            </a:pPr>
-            <a:r>
-              <a:rPr lang="en-US" sz="2800" kern="0" dirty="0">
+              <a:t>(‘h1’)-&gt; returns </a:t>
+            </a:r>
+            <a:r>
+              <a:rPr lang="en-US" sz="3200" kern="0" dirty="0" err="1">
                 <a:latin typeface="+mn-lt"/>
                 <a:cs typeface="Calibri Light" panose="020F0302020204030204" pitchFamily="34" charset="0"/>
                 <a:sym typeface="Wingdings" panose="05000000000000000000" pitchFamily="2" charset="2"/>
               </a:rPr>
-              <a:t>remove : </a:t>
-            </a:r>
-            <a:r>
-              <a:rPr lang="en-US" sz="2800" kern="0" dirty="0" err="1">
+              <a:t>Nodelist</a:t>
+            </a:r>
+            <a:r>
+              <a:rPr lang="en-US" sz="3200" kern="0" dirty="0">
                 <a:latin typeface="+mn-lt"/>
                 <a:cs typeface="Calibri Light" panose="020F0302020204030204" pitchFamily="34" charset="0"/>
                 <a:sym typeface="Wingdings" panose="05000000000000000000" pitchFamily="2" charset="2"/>
               </a:rPr>
-              <a:t>doc.classList.remove</a:t>
-            </a:r>
-            <a:r>
-              <a:rPr lang="en-US" sz="2800" kern="0" dirty="0">
+              <a:t> </a:t>
+            </a:r>
+          </a:p>
+          <a:p>
+            <a:pPr marL="12700">
+              <a:spcBef>
+                <a:spcPts val="95"/>
+              </a:spcBef>
+            </a:pPr>
+            <a:endParaRPr lang="en-US" sz="3200" kern="0" dirty="0">
+              <a:latin typeface="+mn-lt"/>
+              <a:cs typeface="Calibri Light" panose="020F0302020204030204" pitchFamily="34" charset="0"/>
+              <a:sym typeface="Wingdings" panose="05000000000000000000" pitchFamily="2" charset="2"/>
+            </a:endParaRPr>
+          </a:p>
+          <a:p>
+            <a:pPr marL="12700">
+              <a:spcBef>
+                <a:spcPts val="95"/>
+              </a:spcBef>
+            </a:pPr>
+            <a:r>
+              <a:rPr lang="en-US" sz="3200" kern="0" dirty="0" err="1">
                 <a:latin typeface="+mn-lt"/>
                 <a:cs typeface="Calibri Light" panose="020F0302020204030204" pitchFamily="34" charset="0"/>
                 <a:sym typeface="Wingdings" panose="05000000000000000000" pitchFamily="2" charset="2"/>
               </a:rPr>
-              <a:t>(‘cl1’,’cl2’); // remove these classes</a:t>
-            </a:r>
-          </a:p>
-          <a:p>
-            <a:pPr marL="527050" indent="-514350">
-              <a:spcBef>
-                <a:spcPts val="95"/>
-              </a:spcBef>
-              <a:buAutoNum type="arabicPeriod"/>
-            </a:pPr>
-            <a:r>
-              <a:rPr lang="en-US" sz="2800" kern="0" dirty="0">
+              <a:t>Propeties</a:t>
+            </a:r>
+            <a:r>
+              <a:rPr lang="en-US" sz="3200" kern="0" dirty="0">
                 <a:latin typeface="+mn-lt"/>
                 <a:cs typeface="Calibri Light" panose="020F0302020204030204" pitchFamily="34" charset="0"/>
                 <a:sym typeface="Wingdings" panose="05000000000000000000" pitchFamily="2" charset="2"/>
               </a:rPr>
-              <a:t>toggle : </a:t>
-            </a:r>
-            <a:r>
-              <a:rPr lang="en-US" sz="2800" kern="0" dirty="0" err="1">
+              <a:t> of HTML (Like Setter and Getter) </a:t>
+            </a:r>
+          </a:p>
+          <a:p>
+            <a:pPr marL="12700">
+              <a:spcBef>
+                <a:spcPts val="95"/>
+              </a:spcBef>
+            </a:pPr>
+            <a:r>
+              <a:rPr lang="en-US" sz="3200" kern="0" dirty="0">
                 <a:latin typeface="+mn-lt"/>
                 <a:cs typeface="Calibri Light" panose="020F0302020204030204" pitchFamily="34" charset="0"/>
                 <a:sym typeface="Wingdings" panose="05000000000000000000" pitchFamily="2" charset="2"/>
               </a:rPr>
-              <a:t>doc.classList.toggle</a:t>
-            </a:r>
-            <a:r>
-              <a:rPr lang="en-US" sz="2800" kern="0" dirty="0">
+              <a:t>1. </a:t>
+            </a:r>
+            <a:r>
+              <a:rPr lang="en-US" sz="3200" kern="0" dirty="0" err="1">
                 <a:latin typeface="+mn-lt"/>
                 <a:cs typeface="Calibri Light" panose="020F0302020204030204" pitchFamily="34" charset="0"/>
                 <a:sym typeface="Wingdings" panose="05000000000000000000" pitchFamily="2" charset="2"/>
               </a:rPr>
-              <a:t>(‘tc1’);// make true-&gt;false and vice-versa</a:t>
-            </a:r>
-          </a:p>
-          <a:p>
-            <a:pPr marL="527050" indent="-514350">
-              <a:spcBef>
-                <a:spcPts val="95"/>
-              </a:spcBef>
-              <a:buAutoNum type="arabicPeriod"/>
-            </a:pPr>
-            <a:r>
-              <a:rPr lang="en-US" sz="2800" kern="0" dirty="0">
+              <a:t>innerText</a:t>
+            </a:r>
+            <a:r>
+              <a:rPr lang="en-US" sz="3200" kern="0" dirty="0">
                 <a:latin typeface="+mn-lt"/>
                 <a:cs typeface="Calibri Light" panose="020F0302020204030204" pitchFamily="34" charset="0"/>
                 <a:sym typeface="Wingdings" panose="05000000000000000000" pitchFamily="2" charset="2"/>
               </a:rPr>
-              <a:t>contains : </a:t>
-            </a:r>
-            <a:r>
-              <a:rPr lang="en-US" sz="2800" kern="0" dirty="0" err="1">
+              <a:t> -&gt; gives text inside that tag, can apply </a:t>
+            </a:r>
+            <a:r>
+              <a:rPr lang="en-US" sz="3200" kern="0" dirty="0" err="1">
                 <a:latin typeface="+mn-lt"/>
                 <a:cs typeface="Calibri Light" panose="020F0302020204030204" pitchFamily="34" charset="0"/>
                 <a:sym typeface="Wingdings" panose="05000000000000000000" pitchFamily="2" charset="2"/>
               </a:rPr>
-              <a:t>doc.classList.contains</a:t>
-            </a:r>
-            <a:r>
-              <a:rPr lang="en-US" sz="2800" kern="0" dirty="0">
+              <a:t>css</a:t>
+            </a:r>
+            <a:r>
+              <a:rPr lang="en-US" sz="3200" kern="0" dirty="0">
                 <a:latin typeface="+mn-lt"/>
                 <a:cs typeface="Calibri Light" panose="020F0302020204030204" pitchFamily="34" charset="0"/>
                 <a:sym typeface="Wingdings" panose="05000000000000000000" pitchFamily="2" charset="2"/>
               </a:rPr>
-              <a:t>(‘present’); //returns true or false</a:t>
-            </a:r>
+              <a:t> in it.</a:t>
+            </a:r>
+          </a:p>
+          <a:p>
+            <a:pPr marL="12700">
+              <a:spcBef>
+                <a:spcPts val="95"/>
+              </a:spcBef>
+            </a:pPr>
+            <a:r>
+              <a:rPr lang="en-US" sz="3200" kern="0" dirty="0">
+                <a:latin typeface="+mn-lt"/>
+                <a:cs typeface="Calibri Light" panose="020F0302020204030204" pitchFamily="34" charset="0"/>
+                <a:sym typeface="Wingdings" panose="05000000000000000000" pitchFamily="2" charset="2"/>
+              </a:rPr>
+              <a:t>2. </a:t>
+            </a:r>
+            <a:r>
+              <a:rPr lang="en-US" sz="3200" kern="0" dirty="0" err="1">
+                <a:latin typeface="+mn-lt"/>
+                <a:cs typeface="Calibri Light" panose="020F0302020204030204" pitchFamily="34" charset="0"/>
+                <a:sym typeface="Wingdings" panose="05000000000000000000" pitchFamily="2" charset="2"/>
+              </a:rPr>
+              <a:t>textContent</a:t>
+            </a:r>
+            <a:r>
+              <a:rPr lang="en-US" sz="3200" kern="0" dirty="0">
+                <a:latin typeface="+mn-lt"/>
+                <a:cs typeface="Calibri Light" panose="020F0302020204030204" pitchFamily="34" charset="0"/>
+                <a:sym typeface="Wingdings" panose="05000000000000000000" pitchFamily="2" charset="2"/>
+              </a:rPr>
+              <a:t> -&gt; gives text inside that tag, cannot apply </a:t>
+            </a:r>
+            <a:r>
+              <a:rPr lang="en-US" sz="3200" kern="0" dirty="0" err="1">
+                <a:latin typeface="+mn-lt"/>
+                <a:cs typeface="Calibri Light" panose="020F0302020204030204" pitchFamily="34" charset="0"/>
+                <a:sym typeface="Wingdings" panose="05000000000000000000" pitchFamily="2" charset="2"/>
+              </a:rPr>
+              <a:t>css</a:t>
+            </a:r>
+            <a:r>
+              <a:rPr lang="en-US" sz="3200" kern="0" dirty="0">
+                <a:latin typeface="+mn-lt"/>
+                <a:cs typeface="Calibri Light" panose="020F0302020204030204" pitchFamily="34" charset="0"/>
+                <a:sym typeface="Wingdings" panose="05000000000000000000" pitchFamily="2" charset="2"/>
+              </a:rPr>
+              <a:t> in it.</a:t>
+            </a:r>
+          </a:p>
+          <a:p>
+            <a:pPr marL="12700">
+              <a:spcBef>
+                <a:spcPts val="95"/>
+              </a:spcBef>
+            </a:pPr>
+            <a:r>
+              <a:rPr lang="en-US" sz="3200" kern="0" dirty="0">
+                <a:latin typeface="+mn-lt"/>
+                <a:cs typeface="Calibri Light" panose="020F0302020204030204" pitchFamily="34" charset="0"/>
+                <a:sym typeface="Wingdings" panose="05000000000000000000" pitchFamily="2" charset="2"/>
+              </a:rPr>
+              <a:t>3. </a:t>
+            </a:r>
+            <a:r>
+              <a:rPr lang="en-US" sz="3200" kern="0" dirty="0" err="1">
+                <a:latin typeface="+mn-lt"/>
+                <a:cs typeface="Calibri Light" panose="020F0302020204030204" pitchFamily="34" charset="0"/>
+                <a:sym typeface="Wingdings" panose="05000000000000000000" pitchFamily="2" charset="2"/>
+              </a:rPr>
+              <a:t>innerHTML</a:t>
+            </a:r>
+            <a:r>
+              <a:rPr lang="en-US" sz="3200" kern="0" dirty="0">
+                <a:latin typeface="+mn-lt"/>
+                <a:cs typeface="Calibri Light" panose="020F0302020204030204" pitchFamily="34" charset="0"/>
+                <a:sym typeface="Wingdings" panose="05000000000000000000" pitchFamily="2" charset="2"/>
+              </a:rPr>
+              <a:t> -&gt; returns text + tags </a:t>
+            </a:r>
+          </a:p>
+          <a:p>
+            <a:pPr marL="12700">
+              <a:spcBef>
+                <a:spcPts val="95"/>
+              </a:spcBef>
+            </a:pPr>
+            <a:endParaRPr lang="en-US" sz="3200" kern="0" dirty="0">
+              <a:latin typeface="+mn-lt"/>
+              <a:cs typeface="Calibri Light" panose="020F0302020204030204" pitchFamily="34" charset="0"/>
+              <a:sym typeface="Wingdings" panose="05000000000000000000" pitchFamily="2" charset="2"/>
+            </a:endParaRPr>
+          </a:p>
+          <a:p>
+            <a:pPr marL="12700">
+              <a:spcBef>
+                <a:spcPts val="95"/>
+              </a:spcBef>
+            </a:pPr>
+            <a:endParaRPr lang="en-US" sz="3200" kern="0" dirty="0">
+              <a:latin typeface="+mn-lt"/>
+              <a:cs typeface="Calibri Light" panose="020F0302020204030204" pitchFamily="34" charset="0"/>
+              <a:sym typeface="Wingdings" panose="05000000000000000000" pitchFamily="2" charset="2"/>
+            </a:endParaRPr>
           </a:p>
         </p:txBody>
       </p:sp>
     </p:spTree>
     <p:extLst>
       <p:ext uri="{BB962C8B-B14F-4D97-AF65-F5344CB8AC3E}">
-        <p14:creationId xmlns:p14="http://schemas.microsoft.com/office/powerpoint/2010/main" val="2598095397"/>
+        <p14:creationId xmlns:p14="http://schemas.microsoft.com/office/powerpoint/2010/main" val="2570486009"/>
       </p:ext>
     </p:extLst>
   </p:cSld>
@@ -17568,7 +17379,7 @@
         <p:spPr>
           <a:xfrm>
             <a:off x="481685" y="304800"/>
-            <a:ext cx="8967115" cy="566181"/>
+            <a:ext cx="8967115" cy="535403"/>
           </a:xfrm>
           <a:prstGeom prst="rect">
             <a:avLst/>
@@ -17586,13 +17397,16 @@
               </a:spcBef>
             </a:pPr>
             <a:r>
-              <a:rPr lang="en-US" sz="3600" kern="0" dirty="0">
-                <a:latin typeface="+mn-lt"/>
-                <a:cs typeface="Calibri Light" panose="020F0302020204030204" pitchFamily="34" charset="0"/>
-                <a:sym typeface="Wingdings" panose="05000000000000000000" pitchFamily="2" charset="2"/>
-              </a:rPr>
-              <a:t>Dom Tree Traversing</a:t>
-            </a:r>
+              <a:rPr lang="en-US" sz="3400" dirty="0">
+                <a:latin typeface="+mj-lt"/>
+                <a:cs typeface="Carlito"/>
+              </a:rPr>
+              <a:t>Attribute Manipulator</a:t>
+            </a:r>
+            <a:endParaRPr sz="3400" dirty="0">
+              <a:latin typeface="+mj-lt"/>
+              <a:cs typeface="Carlito"/>
+            </a:endParaRPr>
           </a:p>
         </p:txBody>
       </p:sp>
@@ -17642,7 +17456,7 @@
         <p:spPr>
           <a:xfrm>
             <a:off x="533400" y="838200"/>
-            <a:ext cx="11621728" cy="5077672"/>
+            <a:ext cx="11621728" cy="5249514"/>
           </a:xfrm>
           <a:prstGeom prst="rect">
             <a:avLst/>
@@ -17676,22 +17490,145 @@
                 <a:cs typeface="Calibri Light" panose="020F0302020204030204" pitchFamily="34" charset="0"/>
                 <a:sym typeface="Wingdings" panose="05000000000000000000" pitchFamily="2" charset="2"/>
               </a:rPr>
-              <a:t>To access the child elements of parent tag we have to use </a:t>
-            </a:r>
-          </a:p>
-          <a:p>
-            <a:pPr marL="12700">
-              <a:spcBef>
-                <a:spcPts val="95"/>
-              </a:spcBef>
-            </a:pPr>
+              <a:t>Helps in manipulating attribute inside HTML</a:t>
+            </a:r>
+          </a:p>
+          <a:p>
+            <a:pPr marL="469900" indent="-457200">
+              <a:spcBef>
+                <a:spcPts val="95"/>
+              </a:spcBef>
+              <a:buFont typeface="Wingdings" panose="05000000000000000000" pitchFamily="2" charset="2"/>
+              <a:buChar char="à"/>
+            </a:pPr>
+            <a:r>
+              <a:rPr lang="en-US" sz="2800" kern="0" dirty="0" err="1">
+                <a:latin typeface="+mn-lt"/>
+                <a:cs typeface="Calibri Light" panose="020F0302020204030204" pitchFamily="34" charset="0"/>
+                <a:sym typeface="Wingdings" panose="05000000000000000000" pitchFamily="2" charset="2"/>
+              </a:rPr>
+              <a:t>getAttribute</a:t>
+            </a:r>
             <a:r>
               <a:rPr lang="en-US" sz="2800" kern="0" dirty="0">
                 <a:latin typeface="+mn-lt"/>
                 <a:cs typeface="Calibri Light" panose="020F0302020204030204" pitchFamily="34" charset="0"/>
                 <a:sym typeface="Wingdings" panose="05000000000000000000" pitchFamily="2" charset="2"/>
               </a:rPr>
-              <a:t>.children </a:t>
+              <a:t>(‘</a:t>
+            </a:r>
+            <a:r>
+              <a:rPr lang="en-US" sz="2800" kern="0" dirty="0" err="1">
+                <a:latin typeface="+mn-lt"/>
+                <a:cs typeface="Calibri Light" panose="020F0302020204030204" pitchFamily="34" charset="0"/>
+                <a:sym typeface="Wingdings" panose="05000000000000000000" pitchFamily="2" charset="2"/>
+              </a:rPr>
+              <a:t>href</a:t>
+            </a:r>
+            <a:r>
+              <a:rPr lang="en-US" sz="2800" kern="0" dirty="0">
+                <a:latin typeface="+mn-lt"/>
+                <a:cs typeface="Calibri Light" panose="020F0302020204030204" pitchFamily="34" charset="0"/>
+                <a:sym typeface="Wingdings" panose="05000000000000000000" pitchFamily="2" charset="2"/>
+              </a:rPr>
+              <a:t>’) -&gt; to fetch attribute data from tag</a:t>
+            </a:r>
+          </a:p>
+          <a:p>
+            <a:pPr marL="469900" indent="-457200">
+              <a:spcBef>
+                <a:spcPts val="95"/>
+              </a:spcBef>
+              <a:buFont typeface="Wingdings" panose="05000000000000000000" pitchFamily="2" charset="2"/>
+              <a:buChar char="à"/>
+            </a:pPr>
+            <a:r>
+              <a:rPr lang="en-US" sz="2800" kern="0" dirty="0" err="1">
+                <a:latin typeface="+mn-lt"/>
+                <a:cs typeface="Calibri Light" panose="020F0302020204030204" pitchFamily="34" charset="0"/>
+                <a:sym typeface="Wingdings" panose="05000000000000000000" pitchFamily="2" charset="2"/>
+              </a:rPr>
+              <a:t>setAttribute</a:t>
+            </a:r>
+            <a:r>
+              <a:rPr lang="en-US" sz="2800" kern="0" dirty="0">
+                <a:latin typeface="+mn-lt"/>
+                <a:cs typeface="Calibri Light" panose="020F0302020204030204" pitchFamily="34" charset="0"/>
+                <a:sym typeface="Wingdings" panose="05000000000000000000" pitchFamily="2" charset="2"/>
+              </a:rPr>
+              <a:t>(‘</a:t>
+            </a:r>
+            <a:r>
+              <a:rPr lang="en-US" sz="2800" kern="0" dirty="0" err="1">
+                <a:latin typeface="+mn-lt"/>
+                <a:cs typeface="Calibri Light" panose="020F0302020204030204" pitchFamily="34" charset="0"/>
+                <a:sym typeface="Wingdings" panose="05000000000000000000" pitchFamily="2" charset="2"/>
+              </a:rPr>
+              <a:t>href</a:t>
+            </a:r>
+            <a:r>
+              <a:rPr lang="en-US" sz="2800" kern="0" dirty="0">
+                <a:latin typeface="+mn-lt"/>
+                <a:cs typeface="Calibri Light" panose="020F0302020204030204" pitchFamily="34" charset="0"/>
+                <a:sym typeface="Wingdings" panose="05000000000000000000" pitchFamily="2" charset="2"/>
+              </a:rPr>
+              <a:t>’ , ‘www.something.com’);</a:t>
+            </a:r>
+          </a:p>
+          <a:p>
+            <a:pPr marL="469900" indent="-457200">
+              <a:spcBef>
+                <a:spcPts val="95"/>
+              </a:spcBef>
+              <a:buFont typeface="Wingdings" panose="05000000000000000000" pitchFamily="2" charset="2"/>
+              <a:buChar char="à"/>
+            </a:pPr>
+            <a:r>
+              <a:rPr lang="en-US" sz="2800" kern="0" dirty="0" err="1">
+                <a:latin typeface="+mn-lt"/>
+                <a:cs typeface="Calibri Light" panose="020F0302020204030204" pitchFamily="34" charset="0"/>
+                <a:sym typeface="Wingdings" panose="05000000000000000000" pitchFamily="2" charset="2"/>
+              </a:rPr>
+              <a:t>setAttribute</a:t>
+            </a:r>
+            <a:r>
+              <a:rPr lang="en-US" sz="2800" kern="0" dirty="0">
+                <a:latin typeface="+mn-lt"/>
+                <a:cs typeface="Calibri Light" panose="020F0302020204030204" pitchFamily="34" charset="0"/>
+                <a:sym typeface="Wingdings" panose="05000000000000000000" pitchFamily="2" charset="2"/>
+              </a:rPr>
+              <a:t>(‘class’ , ‘one two three’);//multiple classes possible</a:t>
+            </a:r>
+          </a:p>
+          <a:p>
+            <a:pPr marL="12700">
+              <a:spcBef>
+                <a:spcPts val="95"/>
+              </a:spcBef>
+            </a:pPr>
+            <a:r>
+              <a:rPr lang="en-US" sz="2400" kern="0" dirty="0">
+                <a:latin typeface="Consolas" panose="020B0609020204030204" pitchFamily="49" charset="0"/>
+                <a:cs typeface="Calibri Light" panose="020F0302020204030204" pitchFamily="34" charset="0"/>
+                <a:sym typeface="Wingdings" panose="05000000000000000000" pitchFamily="2" charset="2"/>
+              </a:rPr>
+              <a:t>Task: Make a slider using ‘</a:t>
+            </a:r>
+            <a:r>
+              <a:rPr lang="en-US" sz="2400" kern="0" dirty="0" err="1">
+                <a:latin typeface="Consolas" panose="020B0609020204030204" pitchFamily="49" charset="0"/>
+                <a:cs typeface="Calibri Light" panose="020F0302020204030204" pitchFamily="34" charset="0"/>
+                <a:sym typeface="Wingdings" panose="05000000000000000000" pitchFamily="2" charset="2"/>
+              </a:rPr>
+              <a:t>setInterval</a:t>
+            </a:r>
+            <a:r>
+              <a:rPr lang="en-US" sz="2400" kern="0" dirty="0">
+                <a:latin typeface="Consolas" panose="020B0609020204030204" pitchFamily="49" charset="0"/>
+                <a:cs typeface="Calibri Light" panose="020F0302020204030204" pitchFamily="34" charset="0"/>
+                <a:sym typeface="Wingdings" panose="05000000000000000000" pitchFamily="2" charset="2"/>
+              </a:rPr>
+              <a:t>’ and attribute manipulator, which changes image in 2 seconds.</a:t>
             </a:r>
           </a:p>
           <a:p>
@@ -17713,93 +17650,25 @@
               </a:spcBef>
             </a:pPr>
             <a:r>
-              <a:rPr lang="en-US" sz="2400" kern="0" dirty="0">
-                <a:latin typeface="Consolas" panose="020B0609020204030204" pitchFamily="49" charset="0"/>
-                <a:cs typeface="Calibri Light" panose="020F0302020204030204" pitchFamily="34" charset="0"/>
-                <a:sym typeface="Wingdings" panose="05000000000000000000" pitchFamily="2" charset="2"/>
-              </a:rPr>
-              <a:t>let parent = </a:t>
-            </a:r>
-            <a:r>
-              <a:rPr lang="en-US" sz="2400" kern="0" dirty="0" err="1">
-                <a:latin typeface="Consolas" panose="020B0609020204030204" pitchFamily="49" charset="0"/>
-                <a:cs typeface="Calibri Light" panose="020F0302020204030204" pitchFamily="34" charset="0"/>
-                <a:sym typeface="Wingdings" panose="05000000000000000000" pitchFamily="2" charset="2"/>
-              </a:rPr>
-              <a:t>doc.querySelector</a:t>
-            </a:r>
-            <a:r>
-              <a:rPr lang="en-US" sz="2400" kern="0" dirty="0">
-                <a:latin typeface="Consolas" panose="020B0609020204030204" pitchFamily="49" charset="0"/>
-                <a:cs typeface="Calibri Light" panose="020F0302020204030204" pitchFamily="34" charset="0"/>
-                <a:sym typeface="Wingdings" panose="05000000000000000000" pitchFamily="2" charset="2"/>
-              </a:rPr>
-              <a:t>(‘.parent’);</a:t>
-            </a:r>
-          </a:p>
-          <a:p>
-            <a:pPr marL="12700">
-              <a:spcBef>
-                <a:spcPts val="95"/>
-              </a:spcBef>
-            </a:pPr>
-            <a:r>
-              <a:rPr lang="en-US" sz="2400" kern="0" dirty="0" err="1">
-                <a:latin typeface="Consolas" panose="020B0609020204030204" pitchFamily="49" charset="0"/>
-                <a:cs typeface="Calibri Light" panose="020F0302020204030204" pitchFamily="34" charset="0"/>
-                <a:sym typeface="Wingdings" panose="05000000000000000000" pitchFamily="2" charset="2"/>
-              </a:rPr>
-              <a:t>parent.children</a:t>
-            </a:r>
-            <a:r>
-              <a:rPr lang="en-US" sz="2400" kern="0" dirty="0">
-                <a:latin typeface="Consolas" panose="020B0609020204030204" pitchFamily="49" charset="0"/>
-                <a:cs typeface="Calibri Light" panose="020F0302020204030204" pitchFamily="34" charset="0"/>
-                <a:sym typeface="Wingdings" panose="05000000000000000000" pitchFamily="2" charset="2"/>
-              </a:rPr>
-              <a:t>; // gives HTML collection array</a:t>
-            </a:r>
-          </a:p>
-          <a:p>
-            <a:pPr marL="12700">
-              <a:spcBef>
-                <a:spcPts val="95"/>
-              </a:spcBef>
-            </a:pPr>
-            <a:r>
-              <a:rPr lang="en-US" sz="2400" kern="0" dirty="0" err="1">
-                <a:latin typeface="Consolas" panose="020B0609020204030204" pitchFamily="49" charset="0"/>
-                <a:cs typeface="Calibri Light" panose="020F0302020204030204" pitchFamily="34" charset="0"/>
-                <a:sym typeface="Wingdings" panose="05000000000000000000" pitchFamily="2" charset="2"/>
-              </a:rPr>
-              <a:t>parent.children</a:t>
-            </a:r>
-            <a:r>
-              <a:rPr lang="en-US" sz="2400" kern="0" dirty="0">
-                <a:latin typeface="Consolas" panose="020B0609020204030204" pitchFamily="49" charset="0"/>
-                <a:cs typeface="Calibri Light" panose="020F0302020204030204" pitchFamily="34" charset="0"/>
-                <a:sym typeface="Wingdings" panose="05000000000000000000" pitchFamily="2" charset="2"/>
-              </a:rPr>
-              <a:t>[1];//gives specific element</a:t>
-            </a:r>
-          </a:p>
-          <a:p>
-            <a:pPr marL="12700">
-              <a:spcBef>
-                <a:spcPts val="95"/>
-              </a:spcBef>
-            </a:pPr>
-            <a:endParaRPr lang="en-US" sz="2000" kern="0" dirty="0">
-              <a:latin typeface="Consolas" panose="020B0609020204030204" pitchFamily="49" charset="0"/>
+              <a:rPr lang="en-US" sz="3200" kern="0" dirty="0" err="1">
+                <a:latin typeface="+mn-lt"/>
+                <a:cs typeface="Calibri Light" panose="020F0302020204030204" pitchFamily="34" charset="0"/>
+                <a:sym typeface="Wingdings" panose="05000000000000000000" pitchFamily="2" charset="2"/>
+              </a:rPr>
+              <a:t>ClassList</a:t>
+            </a:r>
+            <a:endParaRPr lang="en-US" sz="3200" kern="0" dirty="0">
+              <a:latin typeface="+mn-lt"/>
               <a:cs typeface="Calibri Light" panose="020F0302020204030204" pitchFamily="34" charset="0"/>
               <a:sym typeface="Wingdings" panose="05000000000000000000" pitchFamily="2" charset="2"/>
             </a:endParaRPr>
           </a:p>
           <a:p>
-            <a:pPr marL="12700">
-              <a:spcBef>
-                <a:spcPts val="95"/>
-              </a:spcBef>
+            <a:pPr marL="527050" indent="-514350">
+              <a:spcBef>
+                <a:spcPts val="95"/>
+              </a:spcBef>
+              <a:buAutoNum type="arabicPeriod"/>
             </a:pPr>
             <a:r>
               <a:rPr lang="en-US" sz="2800" kern="0" dirty="0">
@@ -17807,104 +17676,127 @@
                 <a:cs typeface="Calibri Light" panose="020F0302020204030204" pitchFamily="34" charset="0"/>
                 <a:sym typeface="Wingdings" panose="05000000000000000000" pitchFamily="2" charset="2"/>
               </a:rPr>
-              <a:t>Similarly, we can access parent from child elements</a:t>
-            </a:r>
-          </a:p>
-          <a:p>
-            <a:pPr marL="12700">
-              <a:spcBef>
-                <a:spcPts val="95"/>
-              </a:spcBef>
-            </a:pPr>
-            <a:r>
-              <a:rPr lang="en-US" sz="2400" kern="0" dirty="0">
-                <a:latin typeface="Consolas" panose="020B0609020204030204" pitchFamily="49" charset="0"/>
-                <a:cs typeface="Calibri Light" panose="020F0302020204030204" pitchFamily="34" charset="0"/>
-                <a:sym typeface="Wingdings" panose="05000000000000000000" pitchFamily="2" charset="2"/>
-              </a:rPr>
-              <a:t>let child = </a:t>
-            </a:r>
-            <a:r>
-              <a:rPr lang="en-US" sz="2400" kern="0" dirty="0" err="1">
-                <a:latin typeface="Consolas" panose="020B0609020204030204" pitchFamily="49" charset="0"/>
-                <a:cs typeface="Calibri Light" panose="020F0302020204030204" pitchFamily="34" charset="0"/>
-                <a:sym typeface="Wingdings" panose="05000000000000000000" pitchFamily="2" charset="2"/>
-              </a:rPr>
-              <a:t>doc.querySelector</a:t>
-            </a:r>
-            <a:r>
-              <a:rPr lang="en-US" sz="2400" kern="0" dirty="0">
-                <a:latin typeface="Consolas" panose="020B0609020204030204" pitchFamily="49" charset="0"/>
-                <a:cs typeface="Calibri Light" panose="020F0302020204030204" pitchFamily="34" charset="0"/>
-                <a:sym typeface="Wingdings" panose="05000000000000000000" pitchFamily="2" charset="2"/>
-              </a:rPr>
-              <a:t>(‘.day’);</a:t>
-            </a:r>
-          </a:p>
-          <a:p>
-            <a:pPr marL="12700">
-              <a:spcBef>
-                <a:spcPts val="95"/>
-              </a:spcBef>
-            </a:pPr>
-            <a:r>
-              <a:rPr lang="en-US" sz="2400" kern="0" dirty="0" err="1">
-                <a:latin typeface="Consolas" panose="020B0609020204030204" pitchFamily="49" charset="0"/>
-                <a:cs typeface="Calibri Light" panose="020F0302020204030204" pitchFamily="34" charset="0"/>
-                <a:sym typeface="Wingdings" panose="05000000000000000000" pitchFamily="2" charset="2"/>
-              </a:rPr>
-              <a:t>child.parentElement</a:t>
-            </a:r>
-            <a:r>
-              <a:rPr lang="en-US" sz="2400" kern="0" dirty="0">
-                <a:latin typeface="Consolas" panose="020B0609020204030204" pitchFamily="49" charset="0"/>
-                <a:cs typeface="Calibri Light" panose="020F0302020204030204" pitchFamily="34" charset="0"/>
-                <a:sym typeface="Wingdings" panose="05000000000000000000" pitchFamily="2" charset="2"/>
-              </a:rPr>
-              <a:t>; // gives parent element</a:t>
-            </a:r>
-          </a:p>
-          <a:p>
-            <a:pPr marL="12700">
-              <a:spcBef>
-                <a:spcPts val="95"/>
-              </a:spcBef>
-            </a:pPr>
-            <a:r>
-              <a:rPr lang="en-US" sz="2400" kern="0" dirty="0" err="1">
-                <a:latin typeface="Consolas" panose="020B0609020204030204" pitchFamily="49" charset="0"/>
-                <a:cs typeface="Calibri Light" panose="020F0302020204030204" pitchFamily="34" charset="0"/>
-                <a:sym typeface="Wingdings" panose="05000000000000000000" pitchFamily="2" charset="2"/>
-              </a:rPr>
-              <a:t>child.nextElementSibling</a:t>
-            </a:r>
-            <a:r>
-              <a:rPr lang="en-US" sz="2400" kern="0" dirty="0">
-                <a:latin typeface="Consolas" panose="020B0609020204030204" pitchFamily="49" charset="0"/>
-                <a:cs typeface="Calibri Light" panose="020F0302020204030204" pitchFamily="34" charset="0"/>
-                <a:sym typeface="Wingdings" panose="05000000000000000000" pitchFamily="2" charset="2"/>
-              </a:rPr>
-              <a:t>;// gives second sibling element of selected element</a:t>
-            </a:r>
-          </a:p>
-          <a:p>
-            <a:pPr marL="12700">
-              <a:spcBef>
-                <a:spcPts val="95"/>
-              </a:spcBef>
-            </a:pPr>
-            <a:endParaRPr lang="en-US" sz="2000" kern="0" dirty="0">
-              <a:latin typeface="Consolas" panose="020B0609020204030204" pitchFamily="49" charset="0"/>
-              <a:cs typeface="Calibri Light" panose="020F0302020204030204" pitchFamily="34" charset="0"/>
-              <a:sym typeface="Wingdings" panose="05000000000000000000" pitchFamily="2" charset="2"/>
-            </a:endParaRPr>
+              <a:t>add :  </a:t>
+            </a:r>
+            <a:r>
+              <a:rPr lang="en-US" sz="2800" kern="0" dirty="0" err="1">
+                <a:latin typeface="+mn-lt"/>
+                <a:cs typeface="Calibri Light" panose="020F0302020204030204" pitchFamily="34" charset="0"/>
+                <a:sym typeface="Wingdings" panose="05000000000000000000" pitchFamily="2" charset="2"/>
+              </a:rPr>
+              <a:t>doc.classList.add</a:t>
+            </a:r>
+            <a:r>
+              <a:rPr lang="en-US" sz="2800" kern="0" dirty="0">
+                <a:latin typeface="+mn-lt"/>
+                <a:cs typeface="Calibri Light" panose="020F0302020204030204" pitchFamily="34" charset="0"/>
+                <a:sym typeface="Wingdings" panose="05000000000000000000" pitchFamily="2" charset="2"/>
+              </a:rPr>
+              <a:t>(‘cl1’,’cl2’); // class can be added </a:t>
+            </a:r>
+          </a:p>
+          <a:p>
+            <a:pPr marL="527050" indent="-514350">
+              <a:spcBef>
+                <a:spcPts val="95"/>
+              </a:spcBef>
+              <a:buAutoNum type="arabicPeriod"/>
+            </a:pPr>
+            <a:r>
+              <a:rPr lang="en-US" sz="2800" kern="0" dirty="0">
+                <a:latin typeface="+mn-lt"/>
+                <a:cs typeface="Calibri Light" panose="020F0302020204030204" pitchFamily="34" charset="0"/>
+                <a:sym typeface="Wingdings" panose="05000000000000000000" pitchFamily="2" charset="2"/>
+              </a:rPr>
+              <a:t>remove : </a:t>
+            </a:r>
+            <a:r>
+              <a:rPr lang="en-US" sz="2800" kern="0" dirty="0" err="1">
+                <a:latin typeface="+mn-lt"/>
+                <a:cs typeface="Calibri Light" panose="020F0302020204030204" pitchFamily="34" charset="0"/>
+                <a:sym typeface="Wingdings" panose="05000000000000000000" pitchFamily="2" charset="2"/>
+              </a:rPr>
+              <a:t>doc.classList.remove</a:t>
+            </a:r>
+            <a:r>
+              <a:rPr lang="en-US" sz="2800" kern="0" dirty="0">
+                <a:latin typeface="+mn-lt"/>
+                <a:cs typeface="Calibri Light" panose="020F0302020204030204" pitchFamily="34" charset="0"/>
+                <a:sym typeface="Wingdings" panose="05000000000000000000" pitchFamily="2" charset="2"/>
+              </a:rPr>
+              <a:t>(‘cl1’,’cl2’); // remove these classes</a:t>
+            </a:r>
+          </a:p>
+          <a:p>
+            <a:pPr marL="527050" indent="-514350">
+              <a:spcBef>
+                <a:spcPts val="95"/>
+              </a:spcBef>
+              <a:buAutoNum type="arabicPeriod"/>
+            </a:pPr>
+            <a:r>
+              <a:rPr lang="en-US" sz="2800" kern="0" dirty="0">
+                <a:latin typeface="+mn-lt"/>
+                <a:cs typeface="Calibri Light" panose="020F0302020204030204" pitchFamily="34" charset="0"/>
+                <a:sym typeface="Wingdings" panose="05000000000000000000" pitchFamily="2" charset="2"/>
+              </a:rPr>
+              <a:t>toggle : </a:t>
+            </a:r>
+            <a:r>
+              <a:rPr lang="en-US" sz="2800" kern="0" dirty="0" err="1">
+                <a:latin typeface="+mn-lt"/>
+                <a:cs typeface="Calibri Light" panose="020F0302020204030204" pitchFamily="34" charset="0"/>
+                <a:sym typeface="Wingdings" panose="05000000000000000000" pitchFamily="2" charset="2"/>
+              </a:rPr>
+              <a:t>doc.classList.toggle</a:t>
+            </a:r>
+            <a:r>
+              <a:rPr lang="en-US" sz="2800" kern="0" dirty="0">
+                <a:latin typeface="+mn-lt"/>
+                <a:cs typeface="Calibri Light" panose="020F0302020204030204" pitchFamily="34" charset="0"/>
+                <a:sym typeface="Wingdings" panose="05000000000000000000" pitchFamily="2" charset="2"/>
+              </a:rPr>
+              <a:t>(‘tc1’);// make true-&gt;false and vice-versa</a:t>
+            </a:r>
+          </a:p>
+          <a:p>
+            <a:pPr marL="527050" indent="-514350">
+              <a:spcBef>
+                <a:spcPts val="95"/>
+              </a:spcBef>
+              <a:buAutoNum type="arabicPeriod"/>
+            </a:pPr>
+            <a:r>
+              <a:rPr lang="en-US" sz="2800" kern="0" dirty="0">
+                <a:latin typeface="+mn-lt"/>
+                <a:cs typeface="Calibri Light" panose="020F0302020204030204" pitchFamily="34" charset="0"/>
+                <a:sym typeface="Wingdings" panose="05000000000000000000" pitchFamily="2" charset="2"/>
+              </a:rPr>
+              <a:t>contains : </a:t>
+            </a:r>
+            <a:r>
+              <a:rPr lang="en-US" sz="2800" kern="0" dirty="0" err="1">
+                <a:latin typeface="+mn-lt"/>
+                <a:cs typeface="Calibri Light" panose="020F0302020204030204" pitchFamily="34" charset="0"/>
+                <a:sym typeface="Wingdings" panose="05000000000000000000" pitchFamily="2" charset="2"/>
+              </a:rPr>
+              <a:t>doc.classList.contains</a:t>
+            </a:r>
+            <a:r>
+              <a:rPr lang="en-US" sz="2800" kern="0" dirty="0">
+                <a:latin typeface="+mn-lt"/>
+                <a:cs typeface="Calibri Light" panose="020F0302020204030204" pitchFamily="34" charset="0"/>
+                <a:sym typeface="Wingdings" panose="05000000000000000000" pitchFamily="2" charset="2"/>
+              </a:rPr>
+              <a:t>(‘present’); //returns true or false</a:t>
+            </a:r>
           </a:p>
         </p:txBody>
       </p:sp>
     </p:spTree>
     <p:extLst>
       <p:ext uri="{BB962C8B-B14F-4D97-AF65-F5344CB8AC3E}">
-        <p14:creationId xmlns:p14="http://schemas.microsoft.com/office/powerpoint/2010/main" val="3624862493"/>
+        <p14:creationId xmlns:p14="http://schemas.microsoft.com/office/powerpoint/2010/main" val="2598095397"/>
       </p:ext>
     </p:extLst>
   </p:cSld>
@@ -18014,7 +17906,7 @@
                 <a:cs typeface="Calibri Light" panose="020F0302020204030204" pitchFamily="34" charset="0"/>
                 <a:sym typeface="Wingdings" panose="05000000000000000000" pitchFamily="2" charset="2"/>
               </a:rPr>
-              <a:t>Adding Element in DOM</a:t>
+              <a:t>Dom Tree Traversing</a:t>
             </a:r>
           </a:p>
         </p:txBody>
@@ -18065,7 +17957,7 @@
         <p:spPr>
           <a:xfrm>
             <a:off x="533400" y="838200"/>
-            <a:ext cx="11621728" cy="4954561"/>
+            <a:ext cx="11621728" cy="5077672"/>
           </a:xfrm>
           <a:prstGeom prst="rect">
             <a:avLst/>
@@ -18094,40 +17986,85 @@
               </a:spcBef>
             </a:pPr>
             <a:r>
+              <a:rPr lang="en-US" sz="2800" kern="0" dirty="0">
+                <a:latin typeface="+mn-lt"/>
+                <a:cs typeface="Calibri Light" panose="020F0302020204030204" pitchFamily="34" charset="0"/>
+                <a:sym typeface="Wingdings" panose="05000000000000000000" pitchFamily="2" charset="2"/>
+              </a:rPr>
+              <a:t>To access the child elements of parent tag we have to use </a:t>
+            </a:r>
+          </a:p>
+          <a:p>
+            <a:pPr marL="12700">
+              <a:spcBef>
+                <a:spcPts val="95"/>
+              </a:spcBef>
+            </a:pPr>
+            <a:r>
+              <a:rPr lang="en-US" sz="2800" kern="0" dirty="0">
+                <a:latin typeface="+mn-lt"/>
+                <a:cs typeface="Calibri Light" panose="020F0302020204030204" pitchFamily="34" charset="0"/>
+                <a:sym typeface="Wingdings" panose="05000000000000000000" pitchFamily="2" charset="2"/>
+              </a:rPr>
+              <a:t>.children </a:t>
+            </a:r>
+          </a:p>
+          <a:p>
+            <a:pPr marL="12700">
+              <a:spcBef>
+                <a:spcPts val="95"/>
+              </a:spcBef>
+            </a:pPr>
+            <a:endParaRPr lang="en-US" sz="2800" kern="0" dirty="0">
+              <a:latin typeface="+mn-lt"/>
+              <a:cs typeface="Calibri Light" panose="020F0302020204030204" pitchFamily="34" charset="0"/>
+              <a:sym typeface="Wingdings" panose="05000000000000000000" pitchFamily="2" charset="2"/>
+            </a:endParaRPr>
+          </a:p>
+          <a:p>
+            <a:pPr marL="12700">
+              <a:spcBef>
+                <a:spcPts val="95"/>
+              </a:spcBef>
+            </a:pPr>
+            <a:r>
               <a:rPr lang="en-US" sz="2400" kern="0" dirty="0">
-                <a:solidFill>
-                  <a:schemeClr val="bg1">
-                    <a:lumMod val="75000"/>
-                  </a:schemeClr>
-                </a:solidFill>
-                <a:latin typeface="Consolas" panose="020B0609020204030204" pitchFamily="49" charset="0"/>
-                <a:cs typeface="Calibri Light" panose="020F0302020204030204" pitchFamily="34" charset="0"/>
-                <a:sym typeface="Wingdings" panose="05000000000000000000" pitchFamily="2" charset="2"/>
-              </a:rPr>
-              <a:t>1.//make element</a:t>
-            </a:r>
-          </a:p>
-          <a:p>
-            <a:pPr marL="12700">
-              <a:spcBef>
-                <a:spcPts val="95"/>
-              </a:spcBef>
-            </a:pPr>
+                <a:latin typeface="Consolas" panose="020B0609020204030204" pitchFamily="49" charset="0"/>
+                <a:cs typeface="Calibri Light" panose="020F0302020204030204" pitchFamily="34" charset="0"/>
+                <a:sym typeface="Wingdings" panose="05000000000000000000" pitchFamily="2" charset="2"/>
+              </a:rPr>
+              <a:t>let parent = </a:t>
+            </a:r>
+            <a:r>
+              <a:rPr lang="en-US" sz="2400" kern="0" dirty="0" err="1">
+                <a:latin typeface="Consolas" panose="020B0609020204030204" pitchFamily="49" charset="0"/>
+                <a:cs typeface="Calibri Light" panose="020F0302020204030204" pitchFamily="34" charset="0"/>
+                <a:sym typeface="Wingdings" panose="05000000000000000000" pitchFamily="2" charset="2"/>
+              </a:rPr>
+              <a:t>doc.querySelector</a:t>
+            </a:r>
             <a:r>
               <a:rPr lang="en-US" sz="2400" kern="0" dirty="0">
                 <a:latin typeface="Consolas" panose="020B0609020204030204" pitchFamily="49" charset="0"/>
                 <a:cs typeface="Calibri Light" panose="020F0302020204030204" pitchFamily="34" charset="0"/>
                 <a:sym typeface="Wingdings" panose="05000000000000000000" pitchFamily="2" charset="2"/>
               </a:rPr>
-              <a:t>let </a:t>
-            </a:r>
+              <a:t>(‘.parent’);</a:t>
+            </a:r>
+          </a:p>
+          <a:p>
+            <a:pPr marL="12700">
+              <a:spcBef>
+                <a:spcPts val="95"/>
+              </a:spcBef>
+            </a:pPr>
             <a:r>
               <a:rPr lang="en-US" sz="2400" kern="0" dirty="0" err="1">
                 <a:latin typeface="Consolas" panose="020B0609020204030204" pitchFamily="49" charset="0"/>
                 <a:cs typeface="Calibri Light" panose="020F0302020204030204" pitchFamily="34" charset="0"/>
                 <a:sym typeface="Wingdings" panose="05000000000000000000" pitchFamily="2" charset="2"/>
               </a:rPr>
-              <a:t>ele</a:t>
+              <a:t>parent.children</a:t>
             </a:r>
             <a:r>
               <a:rPr lang="en-US" sz="2400" kern="0" dirty="0">
@@ -18135,15 +18072,22 @@
                 <a:cs typeface="Calibri Light" panose="020F0302020204030204" pitchFamily="34" charset="0"/>
                 <a:sym typeface="Wingdings" panose="05000000000000000000" pitchFamily="2" charset="2"/>
               </a:rPr>
-              <a:t> = </a:t>
-            </a:r>
+              <a:t>; // gives HTML collection array</a:t>
+            </a:r>
+          </a:p>
+          <a:p>
+            <a:pPr marL="12700">
+              <a:spcBef>
+                <a:spcPts val="95"/>
+              </a:spcBef>
+            </a:pPr>
             <a:r>
               <a:rPr lang="en-US" sz="2400" kern="0" dirty="0" err="1">
                 <a:latin typeface="Consolas" panose="020B0609020204030204" pitchFamily="49" charset="0"/>
                 <a:cs typeface="Calibri Light" panose="020F0302020204030204" pitchFamily="34" charset="0"/>
                 <a:sym typeface="Wingdings" panose="05000000000000000000" pitchFamily="2" charset="2"/>
               </a:rPr>
-              <a:t>doc.createElement</a:t>
+              <a:t>parent.children</a:t>
             </a:r>
             <a:r>
               <a:rPr lang="en-US" sz="2400" kern="0" dirty="0">
@@ -18151,185 +18095,16 @@
                 <a:cs typeface="Calibri Light" panose="020F0302020204030204" pitchFamily="34" charset="0"/>
                 <a:sym typeface="Wingdings" panose="05000000000000000000" pitchFamily="2" charset="2"/>
               </a:rPr>
-              <a:t>(‘div’);</a:t>
-            </a:r>
-          </a:p>
-          <a:p>
-            <a:pPr marL="12700">
-              <a:spcBef>
-                <a:spcPts val="95"/>
-              </a:spcBef>
-            </a:pPr>
-            <a:r>
-              <a:rPr lang="en-US" sz="2400" kern="0" dirty="0">
-                <a:solidFill>
-                  <a:schemeClr val="bg1">
-                    <a:lumMod val="75000"/>
-                  </a:schemeClr>
-                </a:solidFill>
-                <a:latin typeface="Consolas" panose="020B0609020204030204" pitchFamily="49" charset="0"/>
-                <a:cs typeface="Calibri Light" panose="020F0302020204030204" pitchFamily="34" charset="0"/>
-                <a:sym typeface="Wingdings" panose="05000000000000000000" pitchFamily="2" charset="2"/>
-              </a:rPr>
-              <a:t>2.//get the parent or children previously present</a:t>
-            </a:r>
-          </a:p>
-          <a:p>
-            <a:pPr marL="12700">
-              <a:spcBef>
-                <a:spcPts val="95"/>
-              </a:spcBef>
-            </a:pPr>
-            <a:r>
-              <a:rPr lang="en-US" sz="2400" kern="0" dirty="0">
-                <a:latin typeface="Consolas" panose="020B0609020204030204" pitchFamily="49" charset="0"/>
-                <a:cs typeface="Calibri Light" panose="020F0302020204030204" pitchFamily="34" charset="0"/>
-                <a:sym typeface="Wingdings" panose="05000000000000000000" pitchFamily="2" charset="2"/>
-              </a:rPr>
-              <a:t>let </a:t>
-            </a:r>
-            <a:r>
-              <a:rPr lang="en-US" sz="2400" kern="0" dirty="0" err="1">
-                <a:latin typeface="Consolas" panose="020B0609020204030204" pitchFamily="49" charset="0"/>
-                <a:cs typeface="Calibri Light" panose="020F0302020204030204" pitchFamily="34" charset="0"/>
-                <a:sym typeface="Wingdings" panose="05000000000000000000" pitchFamily="2" charset="2"/>
-              </a:rPr>
-              <a:t>presentEle</a:t>
-            </a:r>
-            <a:r>
-              <a:rPr lang="en-US" sz="2400" kern="0" dirty="0">
-                <a:latin typeface="Consolas" panose="020B0609020204030204" pitchFamily="49" charset="0"/>
-                <a:cs typeface="Calibri Light" panose="020F0302020204030204" pitchFamily="34" charset="0"/>
-                <a:sym typeface="Wingdings" panose="05000000000000000000" pitchFamily="2" charset="2"/>
-              </a:rPr>
-              <a:t> = </a:t>
-            </a:r>
-            <a:r>
-              <a:rPr lang="en-US" sz="2400" kern="0" dirty="0" err="1">
-                <a:latin typeface="Consolas" panose="020B0609020204030204" pitchFamily="49" charset="0"/>
-                <a:cs typeface="Calibri Light" panose="020F0302020204030204" pitchFamily="34" charset="0"/>
-                <a:sym typeface="Wingdings" panose="05000000000000000000" pitchFamily="2" charset="2"/>
-              </a:rPr>
-              <a:t>doc.getElementById</a:t>
-            </a:r>
-            <a:r>
-              <a:rPr lang="en-US" sz="2400" kern="0" dirty="0">
-                <a:latin typeface="Consolas" panose="020B0609020204030204" pitchFamily="49" charset="0"/>
-                <a:cs typeface="Calibri Light" panose="020F0302020204030204" pitchFamily="34" charset="0"/>
-                <a:sym typeface="Wingdings" panose="05000000000000000000" pitchFamily="2" charset="2"/>
-              </a:rPr>
-              <a:t>(‘parent’);</a:t>
-            </a:r>
-          </a:p>
-          <a:p>
-            <a:pPr marL="12700">
-              <a:spcBef>
-                <a:spcPts val="95"/>
-              </a:spcBef>
-            </a:pPr>
-            <a:r>
-              <a:rPr lang="en-US" sz="2400" kern="0" dirty="0">
-                <a:solidFill>
-                  <a:schemeClr val="bg1">
-                    <a:lumMod val="75000"/>
-                  </a:schemeClr>
-                </a:solidFill>
-                <a:latin typeface="Consolas" panose="020B0609020204030204" pitchFamily="49" charset="0"/>
-                <a:cs typeface="Calibri Light" panose="020F0302020204030204" pitchFamily="34" charset="0"/>
-                <a:sym typeface="Wingdings" panose="05000000000000000000" pitchFamily="2" charset="2"/>
-              </a:rPr>
-              <a:t>3.//insert content in the element</a:t>
-            </a:r>
-          </a:p>
-          <a:p>
-            <a:pPr marL="12700">
-              <a:spcBef>
-                <a:spcPts val="95"/>
-              </a:spcBef>
-            </a:pPr>
-            <a:r>
-              <a:rPr lang="en-US" sz="2400" kern="0" dirty="0" err="1">
-                <a:latin typeface="Consolas" panose="020B0609020204030204" pitchFamily="49" charset="0"/>
-                <a:cs typeface="Calibri Light" panose="020F0302020204030204" pitchFamily="34" charset="0"/>
-                <a:sym typeface="Wingdings" panose="05000000000000000000" pitchFamily="2" charset="2"/>
-              </a:rPr>
-              <a:t>ele.innerText</a:t>
-            </a:r>
-            <a:r>
-              <a:rPr lang="en-US" sz="2400" kern="0" dirty="0">
-                <a:latin typeface="Consolas" panose="020B0609020204030204" pitchFamily="49" charset="0"/>
-                <a:cs typeface="Calibri Light" panose="020F0302020204030204" pitchFamily="34" charset="0"/>
-                <a:sym typeface="Wingdings" panose="05000000000000000000" pitchFamily="2" charset="2"/>
-              </a:rPr>
-              <a:t> = “some content”;</a:t>
-            </a:r>
-          </a:p>
-          <a:p>
-            <a:pPr marL="12700">
-              <a:spcBef>
-                <a:spcPts val="95"/>
-              </a:spcBef>
-            </a:pPr>
-            <a:r>
-              <a:rPr lang="en-US" sz="2400" kern="0" dirty="0">
-                <a:solidFill>
-                  <a:schemeClr val="bg1">
-                    <a:lumMod val="75000"/>
-                  </a:schemeClr>
-                </a:solidFill>
-                <a:latin typeface="Consolas" panose="020B0609020204030204" pitchFamily="49" charset="0"/>
-                <a:cs typeface="Calibri Light" panose="020F0302020204030204" pitchFamily="34" charset="0"/>
-                <a:sym typeface="Wingdings" panose="05000000000000000000" pitchFamily="2" charset="2"/>
-              </a:rPr>
-              <a:t>4.//append it to the parent(previous element present)</a:t>
-            </a:r>
-          </a:p>
-          <a:p>
-            <a:pPr marL="12700">
-              <a:spcBef>
-                <a:spcPts val="95"/>
-              </a:spcBef>
-            </a:pPr>
-            <a:r>
-              <a:rPr lang="en-US" sz="2400" kern="0" dirty="0" err="1">
-                <a:latin typeface="Consolas" panose="020B0609020204030204" pitchFamily="49" charset="0"/>
-                <a:cs typeface="Calibri Light" panose="020F0302020204030204" pitchFamily="34" charset="0"/>
-                <a:sym typeface="Wingdings" panose="05000000000000000000" pitchFamily="2" charset="2"/>
-              </a:rPr>
-              <a:t>presentEle.appendChild</a:t>
-            </a:r>
-            <a:r>
-              <a:rPr lang="en-US" sz="2400" kern="0" dirty="0">
-                <a:latin typeface="Consolas" panose="020B0609020204030204" pitchFamily="49" charset="0"/>
-                <a:cs typeface="Calibri Light" panose="020F0302020204030204" pitchFamily="34" charset="0"/>
-                <a:sym typeface="Wingdings" panose="05000000000000000000" pitchFamily="2" charset="2"/>
-              </a:rPr>
-              <a:t>(</a:t>
-            </a:r>
-            <a:r>
-              <a:rPr lang="en-US" sz="2400" kern="0" dirty="0" err="1">
-                <a:latin typeface="Consolas" panose="020B0609020204030204" pitchFamily="49" charset="0"/>
-                <a:cs typeface="Calibri Light" panose="020F0302020204030204" pitchFamily="34" charset="0"/>
-                <a:sym typeface="Wingdings" panose="05000000000000000000" pitchFamily="2" charset="2"/>
-              </a:rPr>
-              <a:t>ele</a:t>
-            </a:r>
-            <a:r>
-              <a:rPr lang="en-US" sz="2400" kern="0" dirty="0">
-                <a:latin typeface="Consolas" panose="020B0609020204030204" pitchFamily="49" charset="0"/>
-                <a:cs typeface="Calibri Light" panose="020F0302020204030204" pitchFamily="34" charset="0"/>
-                <a:sym typeface="Wingdings" panose="05000000000000000000" pitchFamily="2" charset="2"/>
-              </a:rPr>
-              <a:t>);</a:t>
-            </a:r>
-          </a:p>
-          <a:p>
-            <a:pPr marL="12700">
-              <a:spcBef>
-                <a:spcPts val="95"/>
-              </a:spcBef>
-            </a:pPr>
-            <a:endParaRPr lang="en-US" sz="2400" kern="0" dirty="0">
+              <a:t>[1];//gives specific element</a:t>
+            </a:r>
+          </a:p>
+          <a:p>
+            <a:pPr marL="12700">
+              <a:spcBef>
+                <a:spcPts val="95"/>
+              </a:spcBef>
+            </a:pPr>
+            <a:endParaRPr lang="en-US" sz="2000" kern="0" dirty="0">
               <a:latin typeface="Consolas" panose="020B0609020204030204" pitchFamily="49" charset="0"/>
               <a:cs typeface="Calibri Light" panose="020F0302020204030204" pitchFamily="34" charset="0"/>
               <a:sym typeface="Wingdings" panose="05000000000000000000" pitchFamily="2" charset="2"/>
@@ -18347,72 +18122,94 @@
                 <a:cs typeface="Calibri Light" panose="020F0302020204030204" pitchFamily="34" charset="0"/>
                 <a:sym typeface="Wingdings" panose="05000000000000000000" pitchFamily="2" charset="2"/>
               </a:rPr>
-              <a:t>To input multiple </a:t>
-            </a:r>
-            <a:r>
-              <a:rPr lang="en-US" sz="2800" kern="0" dirty="0" err="1">
-                <a:latin typeface="+mn-lt"/>
-                <a:cs typeface="Calibri Light" panose="020F0302020204030204" pitchFamily="34" charset="0"/>
-                <a:sym typeface="Wingdings" panose="05000000000000000000" pitchFamily="2" charset="2"/>
-              </a:rPr>
-              <a:t>childs</a:t>
-            </a:r>
-            <a:r>
-              <a:rPr lang="en-US" sz="2800" kern="0" dirty="0">
-                <a:latin typeface="+mn-lt"/>
-                <a:cs typeface="Calibri Light" panose="020F0302020204030204" pitchFamily="34" charset="0"/>
-                <a:sym typeface="Wingdings" panose="05000000000000000000" pitchFamily="2" charset="2"/>
-              </a:rPr>
-              <a:t> we can use .append</a:t>
-            </a:r>
-          </a:p>
-          <a:p>
-            <a:pPr marL="12700">
-              <a:spcBef>
-                <a:spcPts val="95"/>
-              </a:spcBef>
-            </a:pPr>
-            <a:r>
-              <a:rPr lang="en-US" sz="2800" kern="0" dirty="0">
-                <a:latin typeface="+mn-lt"/>
-                <a:cs typeface="Calibri Light" panose="020F0302020204030204" pitchFamily="34" charset="0"/>
-                <a:sym typeface="Wingdings" panose="05000000000000000000" pitchFamily="2" charset="2"/>
-              </a:rPr>
-              <a:t>To remove elements we can use </a:t>
-            </a:r>
-            <a:r>
-              <a:rPr lang="en-US" sz="2800" kern="0" dirty="0" err="1">
-                <a:latin typeface="+mn-lt"/>
-                <a:cs typeface="Calibri Light" panose="020F0302020204030204" pitchFamily="34" charset="0"/>
-                <a:sym typeface="Wingdings" panose="05000000000000000000" pitchFamily="2" charset="2"/>
-              </a:rPr>
-              <a:t>removeChild</a:t>
-            </a:r>
-            <a:r>
-              <a:rPr lang="en-US" sz="2800" kern="0" dirty="0">
-                <a:latin typeface="+mn-lt"/>
-                <a:cs typeface="Calibri Light" panose="020F0302020204030204" pitchFamily="34" charset="0"/>
-                <a:sym typeface="Wingdings" panose="05000000000000000000" pitchFamily="2" charset="2"/>
-              </a:rPr>
-              <a:t>();</a:t>
-            </a:r>
-          </a:p>
-          <a:p>
-            <a:pPr marL="12700">
-              <a:spcBef>
-                <a:spcPts val="95"/>
-              </a:spcBef>
-            </a:pPr>
-            <a:r>
-              <a:rPr lang="en-US" sz="2800" kern="0" dirty="0">
-                <a:latin typeface="+mn-lt"/>
-                <a:cs typeface="Calibri Light" panose="020F0302020204030204" pitchFamily="34" charset="0"/>
-                <a:sym typeface="Wingdings" panose="05000000000000000000" pitchFamily="2" charset="2"/>
-              </a:rPr>
-              <a:t>To directly remove use remove();</a:t>
-            </a:r>
-            <a:endParaRPr lang="en-US" sz="3200" kern="0" dirty="0">
-              <a:latin typeface="+mn-lt"/>
+              <a:t>Similarly, we can access parent from child elements</a:t>
+            </a:r>
+          </a:p>
+          <a:p>
+            <a:pPr marL="12700">
+              <a:spcBef>
+                <a:spcPts val="95"/>
+              </a:spcBef>
+            </a:pPr>
+            <a:r>
+              <a:rPr lang="en-US" sz="2400" kern="0" dirty="0">
+                <a:latin typeface="Consolas" panose="020B0609020204030204" pitchFamily="49" charset="0"/>
+                <a:cs typeface="Calibri Light" panose="020F0302020204030204" pitchFamily="34" charset="0"/>
+                <a:sym typeface="Wingdings" panose="05000000000000000000" pitchFamily="2" charset="2"/>
+              </a:rPr>
+              <a:t>let child = </a:t>
+            </a:r>
+            <a:r>
+              <a:rPr lang="en-US" sz="2400" kern="0" dirty="0" err="1">
+                <a:latin typeface="Consolas" panose="020B0609020204030204" pitchFamily="49" charset="0"/>
+                <a:cs typeface="Calibri Light" panose="020F0302020204030204" pitchFamily="34" charset="0"/>
+                <a:sym typeface="Wingdings" panose="05000000000000000000" pitchFamily="2" charset="2"/>
+              </a:rPr>
+              <a:t>doc.querySelector</a:t>
+            </a:r>
+            <a:r>
+              <a:rPr lang="en-US" sz="2400" kern="0" dirty="0">
+                <a:latin typeface="Consolas" panose="020B0609020204030204" pitchFamily="49" charset="0"/>
+                <a:cs typeface="Calibri Light" panose="020F0302020204030204" pitchFamily="34" charset="0"/>
+                <a:sym typeface="Wingdings" panose="05000000000000000000" pitchFamily="2" charset="2"/>
+              </a:rPr>
+              <a:t>(‘.day’);</a:t>
+            </a:r>
+          </a:p>
+          <a:p>
+            <a:pPr marL="12700">
+              <a:spcBef>
+                <a:spcPts val="95"/>
+              </a:spcBef>
+            </a:pPr>
+            <a:r>
+              <a:rPr lang="en-US" sz="2400" kern="0" dirty="0" err="1">
+                <a:latin typeface="Consolas" panose="020B0609020204030204" pitchFamily="49" charset="0"/>
+                <a:cs typeface="Calibri Light" panose="020F0302020204030204" pitchFamily="34" charset="0"/>
+                <a:sym typeface="Wingdings" panose="05000000000000000000" pitchFamily="2" charset="2"/>
+              </a:rPr>
+              <a:t>child.parentElement</a:t>
+            </a:r>
+            <a:r>
+              <a:rPr lang="en-US" sz="2400" kern="0" dirty="0">
+                <a:latin typeface="Consolas" panose="020B0609020204030204" pitchFamily="49" charset="0"/>
+                <a:cs typeface="Calibri Light" panose="020F0302020204030204" pitchFamily="34" charset="0"/>
+                <a:sym typeface="Wingdings" panose="05000000000000000000" pitchFamily="2" charset="2"/>
+              </a:rPr>
+              <a:t>; // gives parent element</a:t>
+            </a:r>
+          </a:p>
+          <a:p>
+            <a:pPr marL="12700">
+              <a:spcBef>
+                <a:spcPts val="95"/>
+              </a:spcBef>
+            </a:pPr>
+            <a:r>
+              <a:rPr lang="en-US" sz="2400" kern="0" dirty="0" err="1">
+                <a:latin typeface="Consolas" panose="020B0609020204030204" pitchFamily="49" charset="0"/>
+                <a:cs typeface="Calibri Light" panose="020F0302020204030204" pitchFamily="34" charset="0"/>
+                <a:sym typeface="Wingdings" panose="05000000000000000000" pitchFamily="2" charset="2"/>
+              </a:rPr>
+              <a:t>child.nextElementSibling</a:t>
+            </a:r>
+            <a:r>
+              <a:rPr lang="en-US" sz="2400" kern="0" dirty="0">
+                <a:latin typeface="Consolas" panose="020B0609020204030204" pitchFamily="49" charset="0"/>
+                <a:cs typeface="Calibri Light" panose="020F0302020204030204" pitchFamily="34" charset="0"/>
+                <a:sym typeface="Wingdings" panose="05000000000000000000" pitchFamily="2" charset="2"/>
+              </a:rPr>
+              <a:t>;// gives second sibling element of selected element</a:t>
+            </a:r>
+          </a:p>
+          <a:p>
+            <a:pPr marL="12700">
+              <a:spcBef>
+                <a:spcPts val="95"/>
+              </a:spcBef>
+            </a:pPr>
+            <a:endParaRPr lang="en-US" sz="2000" kern="0" dirty="0">
+              <a:latin typeface="Consolas" panose="020B0609020204030204" pitchFamily="49" charset="0"/>
               <a:cs typeface="Calibri Light" panose="020F0302020204030204" pitchFamily="34" charset="0"/>
               <a:sym typeface="Wingdings" panose="05000000000000000000" pitchFamily="2" charset="2"/>
             </a:endParaRPr>
@@ -18422,7 +18219,7 @@
     </p:spTree>
     <p:extLst>
       <p:ext uri="{BB962C8B-B14F-4D97-AF65-F5344CB8AC3E}">
-        <p14:creationId xmlns:p14="http://schemas.microsoft.com/office/powerpoint/2010/main" val="2613100490"/>
+        <p14:creationId xmlns:p14="http://schemas.microsoft.com/office/powerpoint/2010/main" val="3624862493"/>
       </p:ext>
     </p:extLst>
   </p:cSld>
@@ -18532,7 +18329,7 @@
                 <a:cs typeface="Calibri Light" panose="020F0302020204030204" pitchFamily="34" charset="0"/>
                 <a:sym typeface="Wingdings" panose="05000000000000000000" pitchFamily="2" charset="2"/>
               </a:rPr>
-              <a:t>DOM Events</a:t>
+              <a:t>Adding Element in DOM</a:t>
             </a:r>
           </a:p>
         </p:txBody>
@@ -18583,7 +18380,7 @@
         <p:spPr>
           <a:xfrm>
             <a:off x="533400" y="838200"/>
-            <a:ext cx="11621728" cy="5398273"/>
+            <a:ext cx="11621728" cy="4954561"/>
           </a:xfrm>
           <a:prstGeom prst="rect">
             <a:avLst/>
@@ -18612,36 +18409,283 @@
               </a:spcBef>
             </a:pPr>
             <a:r>
+              <a:rPr lang="en-US" sz="2400" kern="0" dirty="0">
+                <a:solidFill>
+                  <a:schemeClr val="bg1">
+                    <a:lumMod val="75000"/>
+                  </a:schemeClr>
+                </a:solidFill>
+                <a:latin typeface="Consolas" panose="020B0609020204030204" pitchFamily="49" charset="0"/>
+                <a:cs typeface="Calibri Light" panose="020F0302020204030204" pitchFamily="34" charset="0"/>
+                <a:sym typeface="Wingdings" panose="05000000000000000000" pitchFamily="2" charset="2"/>
+              </a:rPr>
+              <a:t>1.//make element</a:t>
+            </a:r>
+          </a:p>
+          <a:p>
+            <a:pPr marL="12700">
+              <a:spcBef>
+                <a:spcPts val="95"/>
+              </a:spcBef>
+            </a:pPr>
+            <a:r>
+              <a:rPr lang="en-US" sz="2400" kern="0" dirty="0">
+                <a:latin typeface="Consolas" panose="020B0609020204030204" pitchFamily="49" charset="0"/>
+                <a:cs typeface="Calibri Light" panose="020F0302020204030204" pitchFamily="34" charset="0"/>
+                <a:sym typeface="Wingdings" panose="05000000000000000000" pitchFamily="2" charset="2"/>
+              </a:rPr>
+              <a:t>let </a:t>
+            </a:r>
+            <a:r>
+              <a:rPr lang="en-US" sz="2400" kern="0" dirty="0" err="1">
+                <a:latin typeface="Consolas" panose="020B0609020204030204" pitchFamily="49" charset="0"/>
+                <a:cs typeface="Calibri Light" panose="020F0302020204030204" pitchFamily="34" charset="0"/>
+                <a:sym typeface="Wingdings" panose="05000000000000000000" pitchFamily="2" charset="2"/>
+              </a:rPr>
+              <a:t>ele</a:t>
+            </a:r>
+            <a:r>
+              <a:rPr lang="en-US" sz="2400" kern="0" dirty="0">
+                <a:latin typeface="Consolas" panose="020B0609020204030204" pitchFamily="49" charset="0"/>
+                <a:cs typeface="Calibri Light" panose="020F0302020204030204" pitchFamily="34" charset="0"/>
+                <a:sym typeface="Wingdings" panose="05000000000000000000" pitchFamily="2" charset="2"/>
+              </a:rPr>
+              <a:t> = </a:t>
+            </a:r>
+            <a:r>
+              <a:rPr lang="en-US" sz="2400" kern="0" dirty="0" err="1">
+                <a:latin typeface="Consolas" panose="020B0609020204030204" pitchFamily="49" charset="0"/>
+                <a:cs typeface="Calibri Light" panose="020F0302020204030204" pitchFamily="34" charset="0"/>
+                <a:sym typeface="Wingdings" panose="05000000000000000000" pitchFamily="2" charset="2"/>
+              </a:rPr>
+              <a:t>doc.createElement</a:t>
+            </a:r>
+            <a:r>
+              <a:rPr lang="en-US" sz="2400" kern="0" dirty="0">
+                <a:latin typeface="Consolas" panose="020B0609020204030204" pitchFamily="49" charset="0"/>
+                <a:cs typeface="Calibri Light" panose="020F0302020204030204" pitchFamily="34" charset="0"/>
+                <a:sym typeface="Wingdings" panose="05000000000000000000" pitchFamily="2" charset="2"/>
+              </a:rPr>
+              <a:t>(‘div’);</a:t>
+            </a:r>
+          </a:p>
+          <a:p>
+            <a:pPr marL="12700">
+              <a:spcBef>
+                <a:spcPts val="95"/>
+              </a:spcBef>
+            </a:pPr>
+            <a:r>
+              <a:rPr lang="en-US" sz="2400" kern="0" dirty="0">
+                <a:solidFill>
+                  <a:schemeClr val="bg1">
+                    <a:lumMod val="75000"/>
+                  </a:schemeClr>
+                </a:solidFill>
+                <a:latin typeface="Consolas" panose="020B0609020204030204" pitchFamily="49" charset="0"/>
+                <a:cs typeface="Calibri Light" panose="020F0302020204030204" pitchFamily="34" charset="0"/>
+                <a:sym typeface="Wingdings" panose="05000000000000000000" pitchFamily="2" charset="2"/>
+              </a:rPr>
+              <a:t>2.//get the parent or children previously present</a:t>
+            </a:r>
+          </a:p>
+          <a:p>
+            <a:pPr marL="12700">
+              <a:spcBef>
+                <a:spcPts val="95"/>
+              </a:spcBef>
+            </a:pPr>
+            <a:r>
+              <a:rPr lang="en-US" sz="2400" kern="0" dirty="0">
+                <a:latin typeface="Consolas" panose="020B0609020204030204" pitchFamily="49" charset="0"/>
+                <a:cs typeface="Calibri Light" panose="020F0302020204030204" pitchFamily="34" charset="0"/>
+                <a:sym typeface="Wingdings" panose="05000000000000000000" pitchFamily="2" charset="2"/>
+              </a:rPr>
+              <a:t>let </a:t>
+            </a:r>
+            <a:r>
+              <a:rPr lang="en-US" sz="2400" kern="0" dirty="0" err="1">
+                <a:latin typeface="Consolas" panose="020B0609020204030204" pitchFamily="49" charset="0"/>
+                <a:cs typeface="Calibri Light" panose="020F0302020204030204" pitchFamily="34" charset="0"/>
+                <a:sym typeface="Wingdings" panose="05000000000000000000" pitchFamily="2" charset="2"/>
+              </a:rPr>
+              <a:t>presentEle</a:t>
+            </a:r>
+            <a:r>
+              <a:rPr lang="en-US" sz="2400" kern="0" dirty="0">
+                <a:latin typeface="Consolas" panose="020B0609020204030204" pitchFamily="49" charset="0"/>
+                <a:cs typeface="Calibri Light" panose="020F0302020204030204" pitchFamily="34" charset="0"/>
+                <a:sym typeface="Wingdings" panose="05000000000000000000" pitchFamily="2" charset="2"/>
+              </a:rPr>
+              <a:t> = </a:t>
+            </a:r>
+            <a:r>
+              <a:rPr lang="en-US" sz="2400" kern="0" dirty="0" err="1">
+                <a:latin typeface="Consolas" panose="020B0609020204030204" pitchFamily="49" charset="0"/>
+                <a:cs typeface="Calibri Light" panose="020F0302020204030204" pitchFamily="34" charset="0"/>
+                <a:sym typeface="Wingdings" panose="05000000000000000000" pitchFamily="2" charset="2"/>
+              </a:rPr>
+              <a:t>doc.getElementById</a:t>
+            </a:r>
+            <a:r>
+              <a:rPr lang="en-US" sz="2400" kern="0" dirty="0">
+                <a:latin typeface="Consolas" panose="020B0609020204030204" pitchFamily="49" charset="0"/>
+                <a:cs typeface="Calibri Light" panose="020F0302020204030204" pitchFamily="34" charset="0"/>
+                <a:sym typeface="Wingdings" panose="05000000000000000000" pitchFamily="2" charset="2"/>
+              </a:rPr>
+              <a:t>(‘parent’);</a:t>
+            </a:r>
+          </a:p>
+          <a:p>
+            <a:pPr marL="12700">
+              <a:spcBef>
+                <a:spcPts val="95"/>
+              </a:spcBef>
+            </a:pPr>
+            <a:r>
+              <a:rPr lang="en-US" sz="2400" kern="0" dirty="0">
+                <a:solidFill>
+                  <a:schemeClr val="bg1">
+                    <a:lumMod val="75000"/>
+                  </a:schemeClr>
+                </a:solidFill>
+                <a:latin typeface="Consolas" panose="020B0609020204030204" pitchFamily="49" charset="0"/>
+                <a:cs typeface="Calibri Light" panose="020F0302020204030204" pitchFamily="34" charset="0"/>
+                <a:sym typeface="Wingdings" panose="05000000000000000000" pitchFamily="2" charset="2"/>
+              </a:rPr>
+              <a:t>3.//insert content in the element</a:t>
+            </a:r>
+          </a:p>
+          <a:p>
+            <a:pPr marL="12700">
+              <a:spcBef>
+                <a:spcPts val="95"/>
+              </a:spcBef>
+            </a:pPr>
+            <a:r>
+              <a:rPr lang="en-US" sz="2400" kern="0" dirty="0" err="1">
+                <a:latin typeface="Consolas" panose="020B0609020204030204" pitchFamily="49" charset="0"/>
+                <a:cs typeface="Calibri Light" panose="020F0302020204030204" pitchFamily="34" charset="0"/>
+                <a:sym typeface="Wingdings" panose="05000000000000000000" pitchFamily="2" charset="2"/>
+              </a:rPr>
+              <a:t>ele.innerText</a:t>
+            </a:r>
+            <a:r>
+              <a:rPr lang="en-US" sz="2400" kern="0" dirty="0">
+                <a:latin typeface="Consolas" panose="020B0609020204030204" pitchFamily="49" charset="0"/>
+                <a:cs typeface="Calibri Light" panose="020F0302020204030204" pitchFamily="34" charset="0"/>
+                <a:sym typeface="Wingdings" panose="05000000000000000000" pitchFamily="2" charset="2"/>
+              </a:rPr>
+              <a:t> = “some content”;</a:t>
+            </a:r>
+          </a:p>
+          <a:p>
+            <a:pPr marL="12700">
+              <a:spcBef>
+                <a:spcPts val="95"/>
+              </a:spcBef>
+            </a:pPr>
+            <a:r>
+              <a:rPr lang="en-US" sz="2400" kern="0" dirty="0">
+                <a:solidFill>
+                  <a:schemeClr val="bg1">
+                    <a:lumMod val="75000"/>
+                  </a:schemeClr>
+                </a:solidFill>
+                <a:latin typeface="Consolas" panose="020B0609020204030204" pitchFamily="49" charset="0"/>
+                <a:cs typeface="Calibri Light" panose="020F0302020204030204" pitchFamily="34" charset="0"/>
+                <a:sym typeface="Wingdings" panose="05000000000000000000" pitchFamily="2" charset="2"/>
+              </a:rPr>
+              <a:t>4.//append it to the parent(previous element present)</a:t>
+            </a:r>
+          </a:p>
+          <a:p>
+            <a:pPr marL="12700">
+              <a:spcBef>
+                <a:spcPts val="95"/>
+              </a:spcBef>
+            </a:pPr>
+            <a:r>
+              <a:rPr lang="en-US" sz="2400" kern="0" dirty="0" err="1">
+                <a:latin typeface="Consolas" panose="020B0609020204030204" pitchFamily="49" charset="0"/>
+                <a:cs typeface="Calibri Light" panose="020F0302020204030204" pitchFamily="34" charset="0"/>
+                <a:sym typeface="Wingdings" panose="05000000000000000000" pitchFamily="2" charset="2"/>
+              </a:rPr>
+              <a:t>presentEle.appendChild</a:t>
+            </a:r>
+            <a:r>
+              <a:rPr lang="en-US" sz="2400" kern="0" dirty="0">
+                <a:latin typeface="Consolas" panose="020B0609020204030204" pitchFamily="49" charset="0"/>
+                <a:cs typeface="Calibri Light" panose="020F0302020204030204" pitchFamily="34" charset="0"/>
+                <a:sym typeface="Wingdings" panose="05000000000000000000" pitchFamily="2" charset="2"/>
+              </a:rPr>
+              <a:t>(</a:t>
+            </a:r>
+            <a:r>
+              <a:rPr lang="en-US" sz="2400" kern="0" dirty="0" err="1">
+                <a:latin typeface="Consolas" panose="020B0609020204030204" pitchFamily="49" charset="0"/>
+                <a:cs typeface="Calibri Light" panose="020F0302020204030204" pitchFamily="34" charset="0"/>
+                <a:sym typeface="Wingdings" panose="05000000000000000000" pitchFamily="2" charset="2"/>
+              </a:rPr>
+              <a:t>ele</a:t>
+            </a:r>
+            <a:r>
+              <a:rPr lang="en-US" sz="2400" kern="0" dirty="0">
+                <a:latin typeface="Consolas" panose="020B0609020204030204" pitchFamily="49" charset="0"/>
+                <a:cs typeface="Calibri Light" panose="020F0302020204030204" pitchFamily="34" charset="0"/>
+                <a:sym typeface="Wingdings" panose="05000000000000000000" pitchFamily="2" charset="2"/>
+              </a:rPr>
+              <a:t>);</a:t>
+            </a:r>
+          </a:p>
+          <a:p>
+            <a:pPr marL="12700">
+              <a:spcBef>
+                <a:spcPts val="95"/>
+              </a:spcBef>
+            </a:pPr>
+            <a:endParaRPr lang="en-US" sz="2400" kern="0" dirty="0">
+              <a:latin typeface="Consolas" panose="020B0609020204030204" pitchFamily="49" charset="0"/>
+              <a:cs typeface="Calibri Light" panose="020F0302020204030204" pitchFamily="34" charset="0"/>
+              <a:sym typeface="Wingdings" panose="05000000000000000000" pitchFamily="2" charset="2"/>
+            </a:endParaRPr>
+          </a:p>
+          <a:p>
+            <a:pPr marL="12700">
+              <a:spcBef>
+                <a:spcPts val="95"/>
+              </a:spcBef>
+            </a:pPr>
+            <a:r>
               <a:rPr lang="en-US" sz="2800" kern="0" dirty="0">
                 <a:latin typeface="+mn-lt"/>
                 <a:cs typeface="Calibri Light" panose="020F0302020204030204" pitchFamily="34" charset="0"/>
                 <a:sym typeface="Wingdings" panose="05000000000000000000" pitchFamily="2" charset="2"/>
               </a:rPr>
-              <a:t>Actions that happen in HTML document.</a:t>
-            </a:r>
-          </a:p>
-          <a:p>
-            <a:pPr marL="527050" indent="-514350">
-              <a:spcBef>
-                <a:spcPts val="95"/>
-              </a:spcBef>
-              <a:buAutoNum type="arabicPeriod"/>
-            </a:pPr>
+              <a:t>To input multiple </a:t>
+            </a:r>
+            <a:r>
+              <a:rPr lang="en-US" sz="2800" kern="0" dirty="0" err="1">
+                <a:latin typeface="+mn-lt"/>
+                <a:cs typeface="Calibri Light" panose="020F0302020204030204" pitchFamily="34" charset="0"/>
+                <a:sym typeface="Wingdings" panose="05000000000000000000" pitchFamily="2" charset="2"/>
+              </a:rPr>
+              <a:t>childs</a:t>
+            </a:r>
             <a:r>
               <a:rPr lang="en-US" sz="2800" kern="0" dirty="0">
                 <a:latin typeface="+mn-lt"/>
                 <a:cs typeface="Calibri Light" panose="020F0302020204030204" pitchFamily="34" charset="0"/>
                 <a:sym typeface="Wingdings" panose="05000000000000000000" pitchFamily="2" charset="2"/>
               </a:rPr>
-              <a:t>Inline: onclick as attribute</a:t>
-            </a:r>
-          </a:p>
-          <a:p>
-            <a:pPr marL="527050" indent="-514350">
-              <a:spcBef>
-                <a:spcPts val="95"/>
-              </a:spcBef>
-              <a:buAutoNum type="arabicPeriod"/>
+              <a:t> we can use .append</a:t>
+            </a:r>
+          </a:p>
+          <a:p>
+            <a:pPr marL="12700">
+              <a:spcBef>
+                <a:spcPts val="95"/>
+              </a:spcBef>
             </a:pPr>
             <a:r>
               <a:rPr lang="en-US" sz="2800" kern="0" dirty="0">
@@ -18649,342 +18693,51 @@
                 <a:cs typeface="Calibri Light" panose="020F0302020204030204" pitchFamily="34" charset="0"/>
                 <a:sym typeface="Wingdings" panose="05000000000000000000" pitchFamily="2" charset="2"/>
               </a:rPr>
-              <a:t>onclick directly </a:t>
-            </a:r>
-          </a:p>
-          <a:p>
-            <a:pPr marL="12700">
-              <a:spcBef>
-                <a:spcPts val="95"/>
-              </a:spcBef>
-            </a:pPr>
-            <a:r>
-              <a:rPr lang="en-US" sz="2000" kern="0" dirty="0">
-                <a:latin typeface="Consolas" panose="020B0609020204030204" pitchFamily="49" charset="0"/>
-                <a:cs typeface="Calibri Light" panose="020F0302020204030204" pitchFamily="34" charset="0"/>
-                <a:sym typeface="Wingdings" panose="05000000000000000000" pitchFamily="2" charset="2"/>
-              </a:rPr>
-              <a:t>const </a:t>
-            </a:r>
-            <a:r>
-              <a:rPr lang="en-US" sz="2000" kern="0" dirty="0" err="1">
-                <a:latin typeface="Consolas" panose="020B0609020204030204" pitchFamily="49" charset="0"/>
-                <a:cs typeface="Calibri Light" panose="020F0302020204030204" pitchFamily="34" charset="0"/>
-                <a:sym typeface="Wingdings" panose="05000000000000000000" pitchFamily="2" charset="2"/>
-              </a:rPr>
-              <a:t>btn</a:t>
-            </a:r>
-            <a:r>
-              <a:rPr lang="en-US" sz="2000" kern="0" dirty="0">
-                <a:latin typeface="Consolas" panose="020B0609020204030204" pitchFamily="49" charset="0"/>
-                <a:cs typeface="Calibri Light" panose="020F0302020204030204" pitchFamily="34" charset="0"/>
-                <a:sym typeface="Wingdings" panose="05000000000000000000" pitchFamily="2" charset="2"/>
-              </a:rPr>
-              <a:t> = </a:t>
-            </a:r>
-            <a:r>
-              <a:rPr lang="en-US" sz="2000" kern="0" dirty="0" err="1">
-                <a:latin typeface="Consolas" panose="020B0609020204030204" pitchFamily="49" charset="0"/>
-                <a:cs typeface="Calibri Light" panose="020F0302020204030204" pitchFamily="34" charset="0"/>
-                <a:sym typeface="Wingdings" panose="05000000000000000000" pitchFamily="2" charset="2"/>
-              </a:rPr>
-              <a:t>doc.querySelector</a:t>
-            </a:r>
-            <a:r>
-              <a:rPr lang="en-US" sz="2000" kern="0" dirty="0">
-                <a:latin typeface="Consolas" panose="020B0609020204030204" pitchFamily="49" charset="0"/>
-                <a:cs typeface="Calibri Light" panose="020F0302020204030204" pitchFamily="34" charset="0"/>
-                <a:sym typeface="Wingdings" panose="05000000000000000000" pitchFamily="2" charset="2"/>
-              </a:rPr>
-              <a:t>(‘.</a:t>
-            </a:r>
-            <a:r>
-              <a:rPr lang="en-US" sz="2000" kern="0" dirty="0" err="1">
-                <a:latin typeface="Consolas" panose="020B0609020204030204" pitchFamily="49" charset="0"/>
-                <a:cs typeface="Calibri Light" panose="020F0302020204030204" pitchFamily="34" charset="0"/>
-                <a:sym typeface="Wingdings" panose="05000000000000000000" pitchFamily="2" charset="2"/>
-              </a:rPr>
-              <a:t>btn</a:t>
-            </a:r>
-            <a:r>
-              <a:rPr lang="en-US" sz="2000" kern="0" dirty="0">
-                <a:latin typeface="Consolas" panose="020B0609020204030204" pitchFamily="49" charset="0"/>
-                <a:cs typeface="Calibri Light" panose="020F0302020204030204" pitchFamily="34" charset="0"/>
-                <a:sym typeface="Wingdings" panose="05000000000000000000" pitchFamily="2" charset="2"/>
-              </a:rPr>
-              <a:t>’);</a:t>
-            </a:r>
-          </a:p>
-          <a:p>
-            <a:pPr marL="12700">
-              <a:spcBef>
-                <a:spcPts val="95"/>
-              </a:spcBef>
-            </a:pPr>
-            <a:r>
-              <a:rPr lang="en-US" sz="2000" kern="0" dirty="0" err="1">
-                <a:latin typeface="Consolas" panose="020B0609020204030204" pitchFamily="49" charset="0"/>
-                <a:cs typeface="Calibri Light" panose="020F0302020204030204" pitchFamily="34" charset="0"/>
-                <a:sym typeface="Wingdings" panose="05000000000000000000" pitchFamily="2" charset="2"/>
-              </a:rPr>
-              <a:t>btn.onclick</a:t>
-            </a:r>
-            <a:r>
-              <a:rPr lang="en-US" sz="2000" kern="0" dirty="0">
-                <a:latin typeface="Consolas" panose="020B0609020204030204" pitchFamily="49" charset="0"/>
-                <a:cs typeface="Calibri Light" panose="020F0302020204030204" pitchFamily="34" charset="0"/>
-                <a:sym typeface="Wingdings" panose="05000000000000000000" pitchFamily="2" charset="2"/>
-              </a:rPr>
-              <a:t> = ()=&gt;{ log(‘clicked’); }</a:t>
-            </a:r>
-            <a:endParaRPr lang="en-US" sz="2800" kern="0" dirty="0">
+              <a:t>To remove elements we can use </a:t>
+            </a:r>
+            <a:r>
+              <a:rPr lang="en-US" sz="2800" kern="0" dirty="0" err="1">
+                <a:latin typeface="+mn-lt"/>
+                <a:cs typeface="Calibri Light" panose="020F0302020204030204" pitchFamily="34" charset="0"/>
+                <a:sym typeface="Wingdings" panose="05000000000000000000" pitchFamily="2" charset="2"/>
+              </a:rPr>
+              <a:t>removeChild</a:t>
+            </a:r>
+            <a:r>
+              <a:rPr lang="en-US" sz="2800" kern="0" dirty="0">
+                <a:latin typeface="+mn-lt"/>
+                <a:cs typeface="Calibri Light" panose="020F0302020204030204" pitchFamily="34" charset="0"/>
+                <a:sym typeface="Wingdings" panose="05000000000000000000" pitchFamily="2" charset="2"/>
+              </a:rPr>
+              <a:t>();</a:t>
+            </a:r>
+          </a:p>
+          <a:p>
+            <a:pPr marL="12700">
+              <a:spcBef>
+                <a:spcPts val="95"/>
+              </a:spcBef>
+            </a:pPr>
+            <a:r>
+              <a:rPr lang="en-US" sz="2800" kern="0" dirty="0">
+                <a:latin typeface="+mn-lt"/>
+                <a:cs typeface="Calibri Light" panose="020F0302020204030204" pitchFamily="34" charset="0"/>
+                <a:sym typeface="Wingdings" panose="05000000000000000000" pitchFamily="2" charset="2"/>
+              </a:rPr>
+              <a:t>To directly remove use remove();</a:t>
+            </a:r>
+            <a:endParaRPr lang="en-US" sz="3200" kern="0" dirty="0">
               <a:latin typeface="+mn-lt"/>
               <a:cs typeface="Calibri Light" panose="020F0302020204030204" pitchFamily="34" charset="0"/>
               <a:sym typeface="Wingdings" panose="05000000000000000000" pitchFamily="2" charset="2"/>
             </a:endParaRPr>
           </a:p>
-          <a:p>
-            <a:pPr marL="12700">
-              <a:spcBef>
-                <a:spcPts val="95"/>
-              </a:spcBef>
-            </a:pPr>
-            <a:r>
-              <a:rPr lang="en-US" sz="2800" kern="0" dirty="0">
-                <a:latin typeface="+mn-lt"/>
-                <a:cs typeface="Calibri Light" panose="020F0302020204030204" pitchFamily="34" charset="0"/>
-                <a:sym typeface="Wingdings" panose="05000000000000000000" pitchFamily="2" charset="2"/>
-              </a:rPr>
-              <a:t>3. using </a:t>
-            </a:r>
-            <a:r>
-              <a:rPr lang="en-US" sz="2800" kern="0" dirty="0" err="1">
-                <a:latin typeface="+mn-lt"/>
-                <a:cs typeface="Calibri Light" panose="020F0302020204030204" pitchFamily="34" charset="0"/>
-                <a:sym typeface="Wingdings" panose="05000000000000000000" pitchFamily="2" charset="2"/>
-              </a:rPr>
-              <a:t>eventListener</a:t>
-            </a:r>
-            <a:endParaRPr lang="en-US" sz="2800" kern="0" dirty="0">
-              <a:latin typeface="+mn-lt"/>
-              <a:cs typeface="Calibri Light" panose="020F0302020204030204" pitchFamily="34" charset="0"/>
-              <a:sym typeface="Wingdings" panose="05000000000000000000" pitchFamily="2" charset="2"/>
-            </a:endParaRPr>
-          </a:p>
-          <a:p>
-            <a:pPr marL="12700">
-              <a:spcBef>
-                <a:spcPts val="95"/>
-              </a:spcBef>
-            </a:pPr>
-            <a:r>
-              <a:rPr lang="en-US" sz="2000" kern="0" dirty="0" err="1">
-                <a:latin typeface="Consolas" panose="020B0609020204030204" pitchFamily="49" charset="0"/>
-                <a:cs typeface="Calibri Light" panose="020F0302020204030204" pitchFamily="34" charset="0"/>
-                <a:sym typeface="Wingdings" panose="05000000000000000000" pitchFamily="2" charset="2"/>
-              </a:rPr>
-              <a:t>btn.addEventListener</a:t>
-            </a:r>
-            <a:r>
-              <a:rPr lang="en-US" sz="2000" kern="0" dirty="0">
-                <a:latin typeface="Consolas" panose="020B0609020204030204" pitchFamily="49" charset="0"/>
-                <a:cs typeface="Calibri Light" panose="020F0302020204030204" pitchFamily="34" charset="0"/>
-                <a:sym typeface="Wingdings" panose="05000000000000000000" pitchFamily="2" charset="2"/>
-              </a:rPr>
-              <a:t>(‘click’,()=&gt;{ log(‘clicked’); } ); </a:t>
-            </a:r>
-            <a:r>
-              <a:rPr lang="en-US" sz="2000" kern="0" dirty="0" err="1">
-                <a:latin typeface="Consolas" panose="020B0609020204030204" pitchFamily="49" charset="0"/>
-                <a:cs typeface="Calibri Light" panose="020F0302020204030204" pitchFamily="34" charset="0"/>
-                <a:sym typeface="Wingdings" panose="05000000000000000000" pitchFamily="2" charset="2"/>
-              </a:rPr>
-              <a:t>btn.addEventListener</a:t>
-            </a:r>
-            <a:r>
-              <a:rPr lang="en-US" sz="2000" kern="0" dirty="0">
-                <a:latin typeface="Consolas" panose="020B0609020204030204" pitchFamily="49" charset="0"/>
-                <a:cs typeface="Calibri Light" panose="020F0302020204030204" pitchFamily="34" charset="0"/>
-                <a:sym typeface="Wingdings" panose="05000000000000000000" pitchFamily="2" charset="2"/>
-              </a:rPr>
-              <a:t>(‘</a:t>
-            </a:r>
-            <a:r>
-              <a:rPr lang="en-US" sz="2000" kern="0" dirty="0" err="1">
-                <a:latin typeface="Consolas" panose="020B0609020204030204" pitchFamily="49" charset="0"/>
-                <a:cs typeface="Calibri Light" panose="020F0302020204030204" pitchFamily="34" charset="0"/>
-                <a:sym typeface="Wingdings" panose="05000000000000000000" pitchFamily="2" charset="2"/>
-              </a:rPr>
-              <a:t>dblclick</a:t>
-            </a:r>
-            <a:r>
-              <a:rPr lang="en-US" sz="2000" kern="0" dirty="0">
-                <a:latin typeface="Consolas" panose="020B0609020204030204" pitchFamily="49" charset="0"/>
-                <a:cs typeface="Calibri Light" panose="020F0302020204030204" pitchFamily="34" charset="0"/>
-                <a:sym typeface="Wingdings" panose="05000000000000000000" pitchFamily="2" charset="2"/>
-              </a:rPr>
-              <a:t>’,()=&gt;{ log(‘clicked twice’); } );</a:t>
-            </a:r>
-          </a:p>
-          <a:p>
-            <a:pPr marL="12700">
-              <a:spcBef>
-                <a:spcPts val="95"/>
-              </a:spcBef>
-            </a:pPr>
-            <a:endParaRPr lang="en-US" sz="2800" kern="0" dirty="0">
-              <a:latin typeface="+mn-lt"/>
-              <a:cs typeface="Calibri Light" panose="020F0302020204030204" pitchFamily="34" charset="0"/>
-              <a:sym typeface="Wingdings" panose="05000000000000000000" pitchFamily="2" charset="2"/>
-            </a:endParaRPr>
-          </a:p>
-          <a:p>
-            <a:pPr marL="12700">
-              <a:spcBef>
-                <a:spcPts val="95"/>
-              </a:spcBef>
-            </a:pPr>
-            <a:r>
-              <a:rPr lang="en-US" sz="2800" kern="0" dirty="0">
-                <a:latin typeface="+mn-lt"/>
-                <a:cs typeface="Calibri Light" panose="020F0302020204030204" pitchFamily="34" charset="0"/>
-                <a:sym typeface="Wingdings" panose="05000000000000000000" pitchFamily="2" charset="2"/>
-              </a:rPr>
-              <a:t>Input Events</a:t>
-            </a:r>
-          </a:p>
-          <a:p>
-            <a:pPr marL="12700">
-              <a:spcBef>
-                <a:spcPts val="95"/>
-              </a:spcBef>
-            </a:pPr>
-            <a:r>
-              <a:rPr lang="en-US" sz="2000" kern="0" dirty="0" err="1">
-                <a:latin typeface="Consolas" panose="020B0609020204030204" pitchFamily="49" charset="0"/>
-                <a:cs typeface="Calibri Light" panose="020F0302020204030204" pitchFamily="34" charset="0"/>
-                <a:sym typeface="Wingdings" panose="05000000000000000000" pitchFamily="2" charset="2"/>
-              </a:rPr>
-              <a:t>btn.addEventListener</a:t>
-            </a:r>
-            <a:r>
-              <a:rPr lang="en-US" sz="2000" kern="0" dirty="0">
-                <a:latin typeface="Consolas" panose="020B0609020204030204" pitchFamily="49" charset="0"/>
-                <a:cs typeface="Calibri Light" panose="020F0302020204030204" pitchFamily="34" charset="0"/>
-                <a:sym typeface="Wingdings" panose="05000000000000000000" pitchFamily="2" charset="2"/>
-              </a:rPr>
-              <a:t>(‘input’,()=&gt;{ log(‘clicked’); } );</a:t>
-            </a:r>
-            <a:endParaRPr lang="en-US" sz="2400" kern="0" dirty="0">
-              <a:latin typeface="+mj-lt"/>
-              <a:cs typeface="Calibri Light" panose="020F0302020204030204" pitchFamily="34" charset="0"/>
-              <a:sym typeface="Wingdings" panose="05000000000000000000" pitchFamily="2" charset="2"/>
-            </a:endParaRPr>
-          </a:p>
-          <a:p>
-            <a:pPr marL="12700">
-              <a:spcBef>
-                <a:spcPts val="95"/>
-              </a:spcBef>
-            </a:pPr>
-            <a:r>
-              <a:rPr lang="en-US" sz="2400" kern="0" dirty="0">
-                <a:latin typeface="+mj-lt"/>
-                <a:cs typeface="Calibri Light" panose="020F0302020204030204" pitchFamily="34" charset="0"/>
-                <a:sym typeface="Wingdings" panose="05000000000000000000" pitchFamily="2" charset="2"/>
-              </a:rPr>
-              <a:t>To access the elements in input tag we use </a:t>
-            </a:r>
-            <a:r>
-              <a:rPr lang="en-US" sz="2400" kern="0" dirty="0" err="1">
-                <a:latin typeface="+mj-lt"/>
-                <a:cs typeface="Calibri Light" panose="020F0302020204030204" pitchFamily="34" charset="0"/>
-                <a:sym typeface="Wingdings" panose="05000000000000000000" pitchFamily="2" charset="2"/>
-              </a:rPr>
-              <a:t>arg</a:t>
-            </a:r>
-            <a:r>
-              <a:rPr lang="en-US" sz="2400" kern="0" dirty="0">
-                <a:latin typeface="+mj-lt"/>
-                <a:cs typeface="Calibri Light" panose="020F0302020204030204" pitchFamily="34" charset="0"/>
-                <a:sym typeface="Wingdings" panose="05000000000000000000" pitchFamily="2" charset="2"/>
-              </a:rPr>
-              <a:t> e and  </a:t>
-            </a:r>
-            <a:r>
-              <a:rPr lang="en-US" sz="2400" kern="0" dirty="0" err="1">
-                <a:latin typeface="+mj-lt"/>
-                <a:cs typeface="Calibri Light" panose="020F0302020204030204" pitchFamily="34" charset="0"/>
-                <a:sym typeface="Wingdings" panose="05000000000000000000" pitchFamily="2" charset="2"/>
-              </a:rPr>
-              <a:t>e.target.value</a:t>
-            </a:r>
-            <a:r>
-              <a:rPr lang="en-US" sz="2400" kern="0" dirty="0">
-                <a:latin typeface="+mj-lt"/>
-                <a:cs typeface="Calibri Light" panose="020F0302020204030204" pitchFamily="34" charset="0"/>
-                <a:sym typeface="Wingdings" panose="05000000000000000000" pitchFamily="2" charset="2"/>
-              </a:rPr>
-              <a:t> for its value</a:t>
-            </a:r>
-          </a:p>
-          <a:p>
-            <a:pPr marL="12700">
-              <a:spcBef>
-                <a:spcPts val="95"/>
-              </a:spcBef>
-            </a:pPr>
-            <a:r>
-              <a:rPr lang="en-US" sz="2000" kern="0" dirty="0" err="1">
-                <a:latin typeface="Consolas" panose="020B0609020204030204" pitchFamily="49" charset="0"/>
-                <a:cs typeface="Calibri Light" panose="020F0302020204030204" pitchFamily="34" charset="0"/>
-                <a:sym typeface="Wingdings" panose="05000000000000000000" pitchFamily="2" charset="2"/>
-              </a:rPr>
-              <a:t>btn.addEventListener</a:t>
-            </a:r>
-            <a:r>
-              <a:rPr lang="en-US" sz="2000" kern="0" dirty="0">
-                <a:latin typeface="Consolas" panose="020B0609020204030204" pitchFamily="49" charset="0"/>
-                <a:cs typeface="Calibri Light" panose="020F0302020204030204" pitchFamily="34" charset="0"/>
-                <a:sym typeface="Wingdings" panose="05000000000000000000" pitchFamily="2" charset="2"/>
-              </a:rPr>
-              <a:t>(‘input’,(e)=&gt;{ log(</a:t>
-            </a:r>
-            <a:r>
-              <a:rPr lang="en-US" sz="2000" kern="0" dirty="0" err="1">
-                <a:latin typeface="Consolas" panose="020B0609020204030204" pitchFamily="49" charset="0"/>
-                <a:cs typeface="Calibri Light" panose="020F0302020204030204" pitchFamily="34" charset="0"/>
-                <a:sym typeface="Wingdings" panose="05000000000000000000" pitchFamily="2" charset="2"/>
-              </a:rPr>
-              <a:t>e.target.value</a:t>
-            </a:r>
-            <a:r>
-              <a:rPr lang="en-US" sz="2000" kern="0" dirty="0">
-                <a:latin typeface="Consolas" panose="020B0609020204030204" pitchFamily="49" charset="0"/>
-                <a:cs typeface="Calibri Light" panose="020F0302020204030204" pitchFamily="34" charset="0"/>
-                <a:sym typeface="Wingdings" panose="05000000000000000000" pitchFamily="2" charset="2"/>
-              </a:rPr>
-              <a:t>); } );</a:t>
-            </a:r>
-          </a:p>
-          <a:p>
-            <a:pPr marL="12700">
-              <a:spcBef>
-                <a:spcPts val="95"/>
-              </a:spcBef>
-            </a:pPr>
-            <a:endParaRPr lang="en-US" sz="2800" kern="0" dirty="0">
-              <a:latin typeface="+mn-lt"/>
-              <a:cs typeface="Calibri Light" panose="020F0302020204030204" pitchFamily="34" charset="0"/>
-              <a:sym typeface="Wingdings" panose="05000000000000000000" pitchFamily="2" charset="2"/>
-            </a:endParaRPr>
-          </a:p>
         </p:txBody>
       </p:sp>
     </p:spTree>
     <p:extLst>
       <p:ext uri="{BB962C8B-B14F-4D97-AF65-F5344CB8AC3E}">
-        <p14:creationId xmlns:p14="http://schemas.microsoft.com/office/powerpoint/2010/main" val="973722338"/>
+        <p14:creationId xmlns:p14="http://schemas.microsoft.com/office/powerpoint/2010/main" val="2613100490"/>
       </p:ext>
     </p:extLst>
   </p:cSld>
@@ -19145,7 +18898,7 @@
         <p:spPr>
           <a:xfrm>
             <a:off x="533400" y="838200"/>
-            <a:ext cx="11621728" cy="5262338"/>
+            <a:ext cx="11621728" cy="5398273"/>
           </a:xfrm>
           <a:prstGeom prst="rect">
             <a:avLst/>
@@ -19179,9 +18932,127 @@
                 <a:cs typeface="Calibri Light" panose="020F0302020204030204" pitchFamily="34" charset="0"/>
                 <a:sym typeface="Wingdings" panose="05000000000000000000" pitchFamily="2" charset="2"/>
               </a:rPr>
-              <a:t>Submit Events : Used in form tag</a:t>
-            </a:r>
-            <a:endParaRPr lang="en-US" sz="2400" kern="0" dirty="0">
+              <a:t>Actions that happen in HTML document.</a:t>
+            </a:r>
+          </a:p>
+          <a:p>
+            <a:pPr marL="527050" indent="-514350">
+              <a:spcBef>
+                <a:spcPts val="95"/>
+              </a:spcBef>
+              <a:buAutoNum type="arabicPeriod"/>
+            </a:pPr>
+            <a:r>
+              <a:rPr lang="en-US" sz="2800" kern="0" dirty="0">
+                <a:latin typeface="+mn-lt"/>
+                <a:cs typeface="Calibri Light" panose="020F0302020204030204" pitchFamily="34" charset="0"/>
+                <a:sym typeface="Wingdings" panose="05000000000000000000" pitchFamily="2" charset="2"/>
+              </a:rPr>
+              <a:t>Inline: onclick as attribute</a:t>
+            </a:r>
+          </a:p>
+          <a:p>
+            <a:pPr marL="527050" indent="-514350">
+              <a:spcBef>
+                <a:spcPts val="95"/>
+              </a:spcBef>
+              <a:buAutoNum type="arabicPeriod"/>
+            </a:pPr>
+            <a:r>
+              <a:rPr lang="en-US" sz="2800" kern="0" dirty="0">
+                <a:latin typeface="+mn-lt"/>
+                <a:cs typeface="Calibri Light" panose="020F0302020204030204" pitchFamily="34" charset="0"/>
+                <a:sym typeface="Wingdings" panose="05000000000000000000" pitchFamily="2" charset="2"/>
+              </a:rPr>
+              <a:t>onclick directly </a:t>
+            </a:r>
+          </a:p>
+          <a:p>
+            <a:pPr marL="12700">
+              <a:spcBef>
+                <a:spcPts val="95"/>
+              </a:spcBef>
+            </a:pPr>
+            <a:r>
+              <a:rPr lang="en-US" sz="2000" kern="0" dirty="0">
+                <a:latin typeface="Consolas" panose="020B0609020204030204" pitchFamily="49" charset="0"/>
+                <a:cs typeface="Calibri Light" panose="020F0302020204030204" pitchFamily="34" charset="0"/>
+                <a:sym typeface="Wingdings" panose="05000000000000000000" pitchFamily="2" charset="2"/>
+              </a:rPr>
+              <a:t>const </a:t>
+            </a:r>
+            <a:r>
+              <a:rPr lang="en-US" sz="2000" kern="0" dirty="0" err="1">
+                <a:latin typeface="Consolas" panose="020B0609020204030204" pitchFamily="49" charset="0"/>
+                <a:cs typeface="Calibri Light" panose="020F0302020204030204" pitchFamily="34" charset="0"/>
+                <a:sym typeface="Wingdings" panose="05000000000000000000" pitchFamily="2" charset="2"/>
+              </a:rPr>
+              <a:t>btn</a:t>
+            </a:r>
+            <a:r>
+              <a:rPr lang="en-US" sz="2000" kern="0" dirty="0">
+                <a:latin typeface="Consolas" panose="020B0609020204030204" pitchFamily="49" charset="0"/>
+                <a:cs typeface="Calibri Light" panose="020F0302020204030204" pitchFamily="34" charset="0"/>
+                <a:sym typeface="Wingdings" panose="05000000000000000000" pitchFamily="2" charset="2"/>
+              </a:rPr>
+              <a:t> = </a:t>
+            </a:r>
+            <a:r>
+              <a:rPr lang="en-US" sz="2000" kern="0" dirty="0" err="1">
+                <a:latin typeface="Consolas" panose="020B0609020204030204" pitchFamily="49" charset="0"/>
+                <a:cs typeface="Calibri Light" panose="020F0302020204030204" pitchFamily="34" charset="0"/>
+                <a:sym typeface="Wingdings" panose="05000000000000000000" pitchFamily="2" charset="2"/>
+              </a:rPr>
+              <a:t>doc.querySelector</a:t>
+            </a:r>
+            <a:r>
+              <a:rPr lang="en-US" sz="2000" kern="0" dirty="0">
+                <a:latin typeface="Consolas" panose="020B0609020204030204" pitchFamily="49" charset="0"/>
+                <a:cs typeface="Calibri Light" panose="020F0302020204030204" pitchFamily="34" charset="0"/>
+                <a:sym typeface="Wingdings" panose="05000000000000000000" pitchFamily="2" charset="2"/>
+              </a:rPr>
+              <a:t>(‘.</a:t>
+            </a:r>
+            <a:r>
+              <a:rPr lang="en-US" sz="2000" kern="0" dirty="0" err="1">
+                <a:latin typeface="Consolas" panose="020B0609020204030204" pitchFamily="49" charset="0"/>
+                <a:cs typeface="Calibri Light" panose="020F0302020204030204" pitchFamily="34" charset="0"/>
+                <a:sym typeface="Wingdings" panose="05000000000000000000" pitchFamily="2" charset="2"/>
+              </a:rPr>
+              <a:t>btn</a:t>
+            </a:r>
+            <a:r>
+              <a:rPr lang="en-US" sz="2000" kern="0" dirty="0">
+                <a:latin typeface="Consolas" panose="020B0609020204030204" pitchFamily="49" charset="0"/>
+                <a:cs typeface="Calibri Light" panose="020F0302020204030204" pitchFamily="34" charset="0"/>
+                <a:sym typeface="Wingdings" panose="05000000000000000000" pitchFamily="2" charset="2"/>
+              </a:rPr>
+              <a:t>’);</a:t>
+            </a:r>
+          </a:p>
+          <a:p>
+            <a:pPr marL="12700">
+              <a:spcBef>
+                <a:spcPts val="95"/>
+              </a:spcBef>
+            </a:pPr>
+            <a:r>
+              <a:rPr lang="en-US" sz="2000" kern="0" dirty="0" err="1">
+                <a:latin typeface="Consolas" panose="020B0609020204030204" pitchFamily="49" charset="0"/>
+                <a:cs typeface="Calibri Light" panose="020F0302020204030204" pitchFamily="34" charset="0"/>
+                <a:sym typeface="Wingdings" panose="05000000000000000000" pitchFamily="2" charset="2"/>
+              </a:rPr>
+              <a:t>btn.onclick</a:t>
+            </a:r>
+            <a:r>
+              <a:rPr lang="en-US" sz="2000" kern="0" dirty="0">
+                <a:latin typeface="Consolas" panose="020B0609020204030204" pitchFamily="49" charset="0"/>
+                <a:cs typeface="Calibri Light" panose="020F0302020204030204" pitchFamily="34" charset="0"/>
+                <a:sym typeface="Wingdings" panose="05000000000000000000" pitchFamily="2" charset="2"/>
+              </a:rPr>
+              <a:t> = ()=&gt;{ log(‘clicked’); }</a:t>
+            </a:r>
+            <a:endParaRPr lang="en-US" sz="2800" kern="0" dirty="0">
               <a:latin typeface="+mn-lt"/>
               <a:cs typeface="Calibri Light" panose="020F0302020204030204" pitchFamily="34" charset="0"/>
               <a:sym typeface="Wingdings" panose="05000000000000000000" pitchFamily="2" charset="2"/>
@@ -19194,89 +19065,130 @@
               </a:spcBef>
             </a:pPr>
             <a:r>
-              <a:rPr lang="en-US" sz="2400" kern="0" dirty="0">
-                <a:latin typeface="Consolas" panose="020B0609020204030204" pitchFamily="49" charset="0"/>
-                <a:cs typeface="Calibri Light" panose="020F0302020204030204" pitchFamily="34" charset="0"/>
-                <a:sym typeface="Wingdings" panose="05000000000000000000" pitchFamily="2" charset="2"/>
-              </a:rPr>
-              <a:t>0.const form = </a:t>
-            </a:r>
-            <a:r>
-              <a:rPr lang="en-US" sz="2400" kern="0" dirty="0" err="1">
-                <a:latin typeface="Consolas" panose="020B0609020204030204" pitchFamily="49" charset="0"/>
-                <a:cs typeface="Calibri Light" panose="020F0302020204030204" pitchFamily="34" charset="0"/>
-                <a:sym typeface="Wingdings" panose="05000000000000000000" pitchFamily="2" charset="2"/>
-              </a:rPr>
-              <a:t>doc.querySelector</a:t>
-            </a:r>
-            <a:r>
-              <a:rPr lang="en-US" sz="2400" kern="0" dirty="0">
-                <a:latin typeface="Consolas" panose="020B0609020204030204" pitchFamily="49" charset="0"/>
-                <a:cs typeface="Calibri Light" panose="020F0302020204030204" pitchFamily="34" charset="0"/>
-                <a:sym typeface="Wingdings" panose="05000000000000000000" pitchFamily="2" charset="2"/>
-              </a:rPr>
-              <a:t>(‘form’);</a:t>
-            </a:r>
-          </a:p>
-          <a:p>
-            <a:pPr marL="12700">
-              <a:spcBef>
-                <a:spcPts val="95"/>
-              </a:spcBef>
-            </a:pPr>
-            <a:r>
-              <a:rPr lang="en-US" sz="2400" kern="0" dirty="0">
-                <a:latin typeface="Consolas" panose="020B0609020204030204" pitchFamily="49" charset="0"/>
-                <a:cs typeface="Calibri Light" panose="020F0302020204030204" pitchFamily="34" charset="0"/>
-                <a:sym typeface="Wingdings" panose="05000000000000000000" pitchFamily="2" charset="2"/>
-              </a:rPr>
-              <a:t>1.form.addEventListener(‘submit’,()=&gt;{ log(‘form submitted’); } );</a:t>
-            </a:r>
-          </a:p>
-          <a:p>
-            <a:pPr marL="12700">
-              <a:spcBef>
-                <a:spcPts val="95"/>
-              </a:spcBef>
-            </a:pPr>
-            <a:r>
-              <a:rPr lang="en-US" sz="2400" kern="0" dirty="0">
-                <a:latin typeface="Consolas" panose="020B0609020204030204" pitchFamily="49" charset="0"/>
-                <a:cs typeface="Calibri Light" panose="020F0302020204030204" pitchFamily="34" charset="0"/>
-                <a:sym typeface="Wingdings" panose="05000000000000000000" pitchFamily="2" charset="2"/>
-              </a:rPr>
-              <a:t>//the submit will reload the page, </a:t>
-            </a:r>
-          </a:p>
-          <a:p>
-            <a:pPr marL="12700">
-              <a:spcBef>
-                <a:spcPts val="95"/>
-              </a:spcBef>
-            </a:pPr>
-            <a:r>
-              <a:rPr lang="en-US" sz="2400" kern="0" dirty="0">
-                <a:latin typeface="Consolas" panose="020B0609020204030204" pitchFamily="49" charset="0"/>
-                <a:cs typeface="Calibri Light" panose="020F0302020204030204" pitchFamily="34" charset="0"/>
-                <a:sym typeface="Wingdings" panose="05000000000000000000" pitchFamily="2" charset="2"/>
-              </a:rPr>
-              <a:t>//to stop it we have to use </a:t>
-            </a:r>
-            <a:r>
-              <a:rPr lang="en-US" sz="2400" kern="0" dirty="0" err="1">
-                <a:latin typeface="Consolas" panose="020B0609020204030204" pitchFamily="49" charset="0"/>
-                <a:cs typeface="Calibri Light" panose="020F0302020204030204" pitchFamily="34" charset="0"/>
-                <a:sym typeface="Wingdings" panose="05000000000000000000" pitchFamily="2" charset="2"/>
-              </a:rPr>
-              <a:t>event.preventDefault</a:t>
-            </a:r>
-            <a:r>
-              <a:rPr lang="en-US" sz="2400" kern="0" dirty="0">
-                <a:latin typeface="Consolas" panose="020B0609020204030204" pitchFamily="49" charset="0"/>
-                <a:cs typeface="Calibri Light" panose="020F0302020204030204" pitchFamily="34" charset="0"/>
-                <a:sym typeface="Wingdings" panose="05000000000000000000" pitchFamily="2" charset="2"/>
-              </a:rPr>
-              <a:t>()</a:t>
+              <a:rPr lang="en-US" sz="2800" kern="0" dirty="0">
+                <a:latin typeface="+mn-lt"/>
+                <a:cs typeface="Calibri Light" panose="020F0302020204030204" pitchFamily="34" charset="0"/>
+                <a:sym typeface="Wingdings" panose="05000000000000000000" pitchFamily="2" charset="2"/>
+              </a:rPr>
+              <a:t>3. using </a:t>
+            </a:r>
+            <a:r>
+              <a:rPr lang="en-US" sz="2800" kern="0" dirty="0" err="1">
+                <a:latin typeface="+mn-lt"/>
+                <a:cs typeface="Calibri Light" panose="020F0302020204030204" pitchFamily="34" charset="0"/>
+                <a:sym typeface="Wingdings" panose="05000000000000000000" pitchFamily="2" charset="2"/>
+              </a:rPr>
+              <a:t>eventListener</a:t>
+            </a:r>
+            <a:endParaRPr lang="en-US" sz="2800" kern="0" dirty="0">
+              <a:latin typeface="+mn-lt"/>
+              <a:cs typeface="Calibri Light" panose="020F0302020204030204" pitchFamily="34" charset="0"/>
+              <a:sym typeface="Wingdings" panose="05000000000000000000" pitchFamily="2" charset="2"/>
+            </a:endParaRPr>
+          </a:p>
+          <a:p>
+            <a:pPr marL="12700">
+              <a:spcBef>
+                <a:spcPts val="95"/>
+              </a:spcBef>
+            </a:pPr>
+            <a:r>
+              <a:rPr lang="en-US" sz="2000" kern="0" dirty="0" err="1">
+                <a:latin typeface="Consolas" panose="020B0609020204030204" pitchFamily="49" charset="0"/>
+                <a:cs typeface="Calibri Light" panose="020F0302020204030204" pitchFamily="34" charset="0"/>
+                <a:sym typeface="Wingdings" panose="05000000000000000000" pitchFamily="2" charset="2"/>
+              </a:rPr>
+              <a:t>btn.addEventListener</a:t>
+            </a:r>
+            <a:r>
+              <a:rPr lang="en-US" sz="2000" kern="0" dirty="0">
+                <a:latin typeface="Consolas" panose="020B0609020204030204" pitchFamily="49" charset="0"/>
+                <a:cs typeface="Calibri Light" panose="020F0302020204030204" pitchFamily="34" charset="0"/>
+                <a:sym typeface="Wingdings" panose="05000000000000000000" pitchFamily="2" charset="2"/>
+              </a:rPr>
+              <a:t>(‘click’,()=&gt;{ log(‘clicked’); } ); </a:t>
+            </a:r>
+            <a:r>
+              <a:rPr lang="en-US" sz="2000" kern="0" dirty="0" err="1">
+                <a:latin typeface="Consolas" panose="020B0609020204030204" pitchFamily="49" charset="0"/>
+                <a:cs typeface="Calibri Light" panose="020F0302020204030204" pitchFamily="34" charset="0"/>
+                <a:sym typeface="Wingdings" panose="05000000000000000000" pitchFamily="2" charset="2"/>
+              </a:rPr>
+              <a:t>btn.addEventListener</a:t>
+            </a:r>
+            <a:r>
+              <a:rPr lang="en-US" sz="2000" kern="0" dirty="0">
+                <a:latin typeface="Consolas" panose="020B0609020204030204" pitchFamily="49" charset="0"/>
+                <a:cs typeface="Calibri Light" panose="020F0302020204030204" pitchFamily="34" charset="0"/>
+                <a:sym typeface="Wingdings" panose="05000000000000000000" pitchFamily="2" charset="2"/>
+              </a:rPr>
+              <a:t>(‘</a:t>
+            </a:r>
+            <a:r>
+              <a:rPr lang="en-US" sz="2000" kern="0" dirty="0" err="1">
+                <a:latin typeface="Consolas" panose="020B0609020204030204" pitchFamily="49" charset="0"/>
+                <a:cs typeface="Calibri Light" panose="020F0302020204030204" pitchFamily="34" charset="0"/>
+                <a:sym typeface="Wingdings" panose="05000000000000000000" pitchFamily="2" charset="2"/>
+              </a:rPr>
+              <a:t>dblclick</a:t>
+            </a:r>
+            <a:r>
+              <a:rPr lang="en-US" sz="2000" kern="0" dirty="0">
+                <a:latin typeface="Consolas" panose="020B0609020204030204" pitchFamily="49" charset="0"/>
+                <a:cs typeface="Calibri Light" panose="020F0302020204030204" pitchFamily="34" charset="0"/>
+                <a:sym typeface="Wingdings" panose="05000000000000000000" pitchFamily="2" charset="2"/>
+              </a:rPr>
+              <a:t>’,()=&gt;{ log(‘clicked twice’); } );</a:t>
+            </a:r>
+          </a:p>
+          <a:p>
+            <a:pPr marL="12700">
+              <a:spcBef>
+                <a:spcPts val="95"/>
+              </a:spcBef>
+            </a:pPr>
+            <a:endParaRPr lang="en-US" sz="2800" kern="0" dirty="0">
+              <a:latin typeface="+mn-lt"/>
+              <a:cs typeface="Calibri Light" panose="020F0302020204030204" pitchFamily="34" charset="0"/>
+              <a:sym typeface="Wingdings" panose="05000000000000000000" pitchFamily="2" charset="2"/>
+            </a:endParaRPr>
+          </a:p>
+          <a:p>
+            <a:pPr marL="12700">
+              <a:spcBef>
+                <a:spcPts val="95"/>
+              </a:spcBef>
+            </a:pPr>
+            <a:r>
+              <a:rPr lang="en-US" sz="2800" kern="0" dirty="0">
+                <a:latin typeface="+mn-lt"/>
+                <a:cs typeface="Calibri Light" panose="020F0302020204030204" pitchFamily="34" charset="0"/>
+                <a:sym typeface="Wingdings" panose="05000000000000000000" pitchFamily="2" charset="2"/>
+              </a:rPr>
+              <a:t>Input Events</a:t>
+            </a:r>
+          </a:p>
+          <a:p>
+            <a:pPr marL="12700">
+              <a:spcBef>
+                <a:spcPts val="95"/>
+              </a:spcBef>
+            </a:pPr>
+            <a:r>
+              <a:rPr lang="en-US" sz="2000" kern="0" dirty="0" err="1">
+                <a:latin typeface="Consolas" panose="020B0609020204030204" pitchFamily="49" charset="0"/>
+                <a:cs typeface="Calibri Light" panose="020F0302020204030204" pitchFamily="34" charset="0"/>
+                <a:sym typeface="Wingdings" panose="05000000000000000000" pitchFamily="2" charset="2"/>
+              </a:rPr>
+              <a:t>btn.addEventListener</a:t>
+            </a:r>
+            <a:r>
+              <a:rPr lang="en-US" sz="2000" kern="0" dirty="0">
+                <a:latin typeface="Consolas" panose="020B0609020204030204" pitchFamily="49" charset="0"/>
+                <a:cs typeface="Calibri Light" panose="020F0302020204030204" pitchFamily="34" charset="0"/>
+                <a:sym typeface="Wingdings" panose="05000000000000000000" pitchFamily="2" charset="2"/>
+              </a:rPr>
+              <a:t>(‘input’,()=&gt;{ log(‘clicked’); } );</a:t>
             </a:r>
             <a:endParaRPr lang="en-US" sz="2400" kern="0" dirty="0">
               <a:latin typeface="+mj-lt"/>
@@ -19292,27 +19204,82 @@
             </a:pPr>
             <a:r>
               <a:rPr lang="en-US" sz="2400" kern="0" dirty="0">
-                <a:latin typeface="Consolas" panose="020B0609020204030204" pitchFamily="49" charset="0"/>
-                <a:cs typeface="Calibri Light" panose="020F0302020204030204" pitchFamily="34" charset="0"/>
-                <a:sym typeface="Wingdings" panose="05000000000000000000" pitchFamily="2" charset="2"/>
-              </a:rPr>
-              <a:t>2.form.addEventListener(‘submit’,(e)=&gt;{</a:t>
+                <a:latin typeface="+mj-lt"/>
+                <a:cs typeface="Calibri Light" panose="020F0302020204030204" pitchFamily="34" charset="0"/>
+                <a:sym typeface="Wingdings" panose="05000000000000000000" pitchFamily="2" charset="2"/>
+              </a:rPr>
+              <a:t>To access the elements in input tag we use </a:t>
             </a:r>
             <a:r>
               <a:rPr lang="en-US" sz="2400" kern="0" dirty="0" err="1">
-                <a:latin typeface="Consolas" panose="020B0609020204030204" pitchFamily="49" charset="0"/>
-                <a:cs typeface="Calibri Light" panose="020F0302020204030204" pitchFamily="34" charset="0"/>
-                <a:sym typeface="Wingdings" panose="05000000000000000000" pitchFamily="2" charset="2"/>
-              </a:rPr>
-              <a:t>e.preventDefault</a:t>
+                <a:latin typeface="+mj-lt"/>
+                <a:cs typeface="Calibri Light" panose="020F0302020204030204" pitchFamily="34" charset="0"/>
+                <a:sym typeface="Wingdings" panose="05000000000000000000" pitchFamily="2" charset="2"/>
+              </a:rPr>
+              <a:t>arg</a:t>
             </a:r>
             <a:r>
               <a:rPr lang="en-US" sz="2400" kern="0" dirty="0">
-                <a:latin typeface="Consolas" panose="020B0609020204030204" pitchFamily="49" charset="0"/>
-                <a:cs typeface="Calibri Light" panose="020F0302020204030204" pitchFamily="34" charset="0"/>
-                <a:sym typeface="Wingdings" panose="05000000000000000000" pitchFamily="2" charset="2"/>
-              </a:rPr>
-              <a:t>();log(‘form submitted’);});</a:t>
+                <a:latin typeface="+mj-lt"/>
+                <a:cs typeface="Calibri Light" panose="020F0302020204030204" pitchFamily="34" charset="0"/>
+                <a:sym typeface="Wingdings" panose="05000000000000000000" pitchFamily="2" charset="2"/>
+              </a:rPr>
+              <a:t> e and  </a:t>
+            </a:r>
+            <a:r>
+              <a:rPr lang="en-US" sz="2400" kern="0" dirty="0" err="1">
+                <a:latin typeface="+mj-lt"/>
+                <a:cs typeface="Calibri Light" panose="020F0302020204030204" pitchFamily="34" charset="0"/>
+                <a:sym typeface="Wingdings" panose="05000000000000000000" pitchFamily="2" charset="2"/>
+              </a:rPr>
+              <a:t>e.target.value</a:t>
+            </a:r>
+            <a:r>
+              <a:rPr lang="en-US" sz="2400" kern="0" dirty="0">
+                <a:latin typeface="+mj-lt"/>
+                <a:cs typeface="Calibri Light" panose="020F0302020204030204" pitchFamily="34" charset="0"/>
+                <a:sym typeface="Wingdings" panose="05000000000000000000" pitchFamily="2" charset="2"/>
+              </a:rPr>
+              <a:t> for its value</a:t>
+            </a:r>
+          </a:p>
+          <a:p>
+            <a:pPr marL="12700">
+              <a:spcBef>
+                <a:spcPts val="95"/>
+              </a:spcBef>
+            </a:pPr>
+            <a:r>
+              <a:rPr lang="en-US" sz="2000" kern="0" dirty="0" err="1">
+                <a:latin typeface="Consolas" panose="020B0609020204030204" pitchFamily="49" charset="0"/>
+                <a:cs typeface="Calibri Light" panose="020F0302020204030204" pitchFamily="34" charset="0"/>
+                <a:sym typeface="Wingdings" panose="05000000000000000000" pitchFamily="2" charset="2"/>
+              </a:rPr>
+              <a:t>btn.addEventListener</a:t>
+            </a:r>
+            <a:r>
+              <a:rPr lang="en-US" sz="2000" kern="0" dirty="0">
+                <a:latin typeface="Consolas" panose="020B0609020204030204" pitchFamily="49" charset="0"/>
+                <a:cs typeface="Calibri Light" panose="020F0302020204030204" pitchFamily="34" charset="0"/>
+                <a:sym typeface="Wingdings" panose="05000000000000000000" pitchFamily="2" charset="2"/>
+              </a:rPr>
+              <a:t>(‘input’,(e)=&gt;{ log(</a:t>
+            </a:r>
+            <a:r>
+              <a:rPr lang="en-US" sz="2000" kern="0" dirty="0" err="1">
+                <a:latin typeface="Consolas" panose="020B0609020204030204" pitchFamily="49" charset="0"/>
+                <a:cs typeface="Calibri Light" panose="020F0302020204030204" pitchFamily="34" charset="0"/>
+                <a:sym typeface="Wingdings" panose="05000000000000000000" pitchFamily="2" charset="2"/>
+              </a:rPr>
+              <a:t>e.target.value</a:t>
+            </a:r>
+            <a:r>
+              <a:rPr lang="en-US" sz="2000" kern="0" dirty="0">
+                <a:latin typeface="Consolas" panose="020B0609020204030204" pitchFamily="49" charset="0"/>
+                <a:cs typeface="Calibri Light" panose="020F0302020204030204" pitchFamily="34" charset="0"/>
+                <a:sym typeface="Wingdings" panose="05000000000000000000" pitchFamily="2" charset="2"/>
+              </a:rPr>
+              <a:t>); } );</a:t>
             </a:r>
           </a:p>
           <a:p>
@@ -19327,116 +19294,12 @@
               <a:sym typeface="Wingdings" panose="05000000000000000000" pitchFamily="2" charset="2"/>
             </a:endParaRPr>
           </a:p>
-          <a:p>
-            <a:pPr marL="12700">
-              <a:spcBef>
-                <a:spcPts val="95"/>
-              </a:spcBef>
-            </a:pPr>
-            <a:r>
-              <a:rPr lang="en-US" sz="2800" kern="0" dirty="0">
-                <a:latin typeface="+mn-lt"/>
-                <a:cs typeface="Calibri Light" panose="020F0302020204030204" pitchFamily="34" charset="0"/>
-                <a:sym typeface="Wingdings" panose="05000000000000000000" pitchFamily="2" charset="2"/>
-              </a:rPr>
-              <a:t>Access Elements of form</a:t>
-            </a:r>
-          </a:p>
-          <a:p>
-            <a:pPr marL="12700">
-              <a:spcBef>
-                <a:spcPts val="95"/>
-              </a:spcBef>
-            </a:pPr>
-            <a:r>
-              <a:rPr lang="en-US" sz="2800" kern="0" dirty="0">
-                <a:latin typeface="+mn-lt"/>
-                <a:cs typeface="Calibri Light" panose="020F0302020204030204" pitchFamily="34" charset="0"/>
-                <a:sym typeface="Wingdings" panose="05000000000000000000" pitchFamily="2" charset="2"/>
-              </a:rPr>
-              <a:t>For 2 input fields in form</a:t>
-            </a:r>
-          </a:p>
-          <a:p>
-            <a:pPr marL="12700">
-              <a:spcBef>
-                <a:spcPts val="95"/>
-              </a:spcBef>
-            </a:pPr>
-            <a:r>
-              <a:rPr lang="en-US" sz="2400" kern="0" dirty="0">
-                <a:latin typeface="Consolas" panose="020B0609020204030204" pitchFamily="49" charset="0"/>
-                <a:cs typeface="Calibri Light" panose="020F0302020204030204" pitchFamily="34" charset="0"/>
-                <a:sym typeface="Wingdings" panose="05000000000000000000" pitchFamily="2" charset="2"/>
-              </a:rPr>
-              <a:t>1.log(</a:t>
-            </a:r>
-            <a:r>
-              <a:rPr lang="en-US" sz="2400" kern="0" dirty="0" err="1">
-                <a:latin typeface="Consolas" panose="020B0609020204030204" pitchFamily="49" charset="0"/>
-                <a:cs typeface="Calibri Light" panose="020F0302020204030204" pitchFamily="34" charset="0"/>
-                <a:sym typeface="Wingdings" panose="05000000000000000000" pitchFamily="2" charset="2"/>
-              </a:rPr>
-              <a:t>form.elements</a:t>
-            </a:r>
-            <a:r>
-              <a:rPr lang="en-US" sz="2400" kern="0" dirty="0">
-                <a:latin typeface="Consolas" panose="020B0609020204030204" pitchFamily="49" charset="0"/>
-                <a:cs typeface="Calibri Light" panose="020F0302020204030204" pitchFamily="34" charset="0"/>
-                <a:sym typeface="Wingdings" panose="05000000000000000000" pitchFamily="2" charset="2"/>
-              </a:rPr>
-              <a:t>[0].value);</a:t>
-            </a:r>
-          </a:p>
-          <a:p>
-            <a:pPr marL="12700">
-              <a:spcBef>
-                <a:spcPts val="95"/>
-              </a:spcBef>
-            </a:pPr>
-            <a:r>
-              <a:rPr lang="en-US" sz="2400" kern="0" dirty="0">
-                <a:latin typeface="Consolas" panose="020B0609020204030204" pitchFamily="49" charset="0"/>
-                <a:cs typeface="Calibri Light" panose="020F0302020204030204" pitchFamily="34" charset="0"/>
-                <a:sym typeface="Wingdings" panose="05000000000000000000" pitchFamily="2" charset="2"/>
-              </a:rPr>
-              <a:t>2.log(</a:t>
-            </a:r>
-            <a:r>
-              <a:rPr lang="en-US" sz="2400" kern="0" dirty="0" err="1">
-                <a:latin typeface="Consolas" panose="020B0609020204030204" pitchFamily="49" charset="0"/>
-                <a:cs typeface="Calibri Light" panose="020F0302020204030204" pitchFamily="34" charset="0"/>
-                <a:sym typeface="Wingdings" panose="05000000000000000000" pitchFamily="2" charset="2"/>
-              </a:rPr>
-              <a:t>form.elements</a:t>
-            </a:r>
-            <a:r>
-              <a:rPr lang="en-US" sz="2400" kern="0" dirty="0">
-                <a:latin typeface="Consolas" panose="020B0609020204030204" pitchFamily="49" charset="0"/>
-                <a:cs typeface="Calibri Light" panose="020F0302020204030204" pitchFamily="34" charset="0"/>
-                <a:sym typeface="Wingdings" panose="05000000000000000000" pitchFamily="2" charset="2"/>
-              </a:rPr>
-              <a:t>[1].value);</a:t>
-            </a:r>
-          </a:p>
-          <a:p>
-            <a:pPr marL="12700">
-              <a:spcBef>
-                <a:spcPts val="95"/>
-              </a:spcBef>
-            </a:pPr>
-            <a:endParaRPr lang="en-US" sz="2800" kern="0" dirty="0">
-              <a:latin typeface="+mn-lt"/>
-              <a:cs typeface="Calibri Light" panose="020F0302020204030204" pitchFamily="34" charset="0"/>
-              <a:sym typeface="Wingdings" panose="05000000000000000000" pitchFamily="2" charset="2"/>
-            </a:endParaRPr>
-          </a:p>
         </p:txBody>
       </p:sp>
     </p:spTree>
     <p:extLst>
       <p:ext uri="{BB962C8B-B14F-4D97-AF65-F5344CB8AC3E}">
-        <p14:creationId xmlns:p14="http://schemas.microsoft.com/office/powerpoint/2010/main" val="2178604332"/>
+        <p14:creationId xmlns:p14="http://schemas.microsoft.com/office/powerpoint/2010/main" val="973722338"/>
       </p:ext>
     </p:extLst>
   </p:cSld>
@@ -19546,7 +19409,7 @@
                 <a:cs typeface="Calibri Light" panose="020F0302020204030204" pitchFamily="34" charset="0"/>
                 <a:sym typeface="Wingdings" panose="05000000000000000000" pitchFamily="2" charset="2"/>
               </a:rPr>
-              <a:t>Project ( Note Taking App)</a:t>
+              <a:t>DOM Events</a:t>
             </a:r>
           </a:p>
         </p:txBody>
@@ -19597,7 +19460,7 @@
         <p:spPr>
           <a:xfrm>
             <a:off x="533400" y="838200"/>
-            <a:ext cx="11621728" cy="3992760"/>
+            <a:ext cx="11621728" cy="5262338"/>
           </a:xfrm>
           <a:prstGeom prst="rect">
             <a:avLst/>
@@ -19620,11 +19483,10 @@
             </a:lvl1pPr>
           </a:lstStyle>
           <a:p>
-            <a:pPr marL="527050" indent="-514350">
-              <a:spcBef>
-                <a:spcPts val="95"/>
-              </a:spcBef>
-              <a:buAutoNum type="arabicPeriod"/>
+            <a:pPr marL="12700">
+              <a:spcBef>
+                <a:spcPts val="95"/>
+              </a:spcBef>
             </a:pPr>
             <a:r>
               <a:rPr lang="en-US" sz="2800" kern="0" dirty="0">
@@ -19632,151 +19494,147 @@
                 <a:cs typeface="Calibri Light" panose="020F0302020204030204" pitchFamily="34" charset="0"/>
                 <a:sym typeface="Wingdings" panose="05000000000000000000" pitchFamily="2" charset="2"/>
               </a:rPr>
-              <a:t>We will need html tags such as </a:t>
-            </a:r>
-            <a:r>
-              <a:rPr lang="en-US" sz="2800" kern="0" dirty="0" err="1">
-                <a:latin typeface="+mn-lt"/>
-                <a:cs typeface="Calibri Light" panose="020F0302020204030204" pitchFamily="34" charset="0"/>
-                <a:sym typeface="Wingdings" panose="05000000000000000000" pitchFamily="2" charset="2"/>
-              </a:rPr>
-              <a:t>ul</a:t>
-            </a:r>
-            <a:r>
-              <a:rPr lang="en-US" sz="2800" kern="0" dirty="0">
-                <a:latin typeface="+mn-lt"/>
-                <a:cs typeface="Calibri Light" panose="020F0302020204030204" pitchFamily="34" charset="0"/>
-                <a:sym typeface="Wingdings" panose="05000000000000000000" pitchFamily="2" charset="2"/>
-              </a:rPr>
-              <a:t> , input , button</a:t>
-            </a:r>
-          </a:p>
-          <a:p>
-            <a:pPr marL="527050" indent="-514350">
-              <a:spcBef>
-                <a:spcPts val="95"/>
-              </a:spcBef>
-              <a:buAutoNum type="arabicPeriod"/>
-            </a:pPr>
-            <a:r>
-              <a:rPr lang="en-US" sz="2800" kern="0" dirty="0">
-                <a:latin typeface="+mn-lt"/>
-                <a:cs typeface="Calibri Light" panose="020F0302020204030204" pitchFamily="34" charset="0"/>
-                <a:sym typeface="Wingdings" panose="05000000000000000000" pitchFamily="2" charset="2"/>
-              </a:rPr>
-              <a:t>Get elements in JS for all tags</a:t>
-            </a:r>
-          </a:p>
-          <a:p>
-            <a:pPr marL="527050" indent="-514350">
-              <a:spcBef>
-                <a:spcPts val="95"/>
-              </a:spcBef>
-              <a:buAutoNum type="arabicPeriod"/>
-            </a:pPr>
-            <a:r>
-              <a:rPr lang="en-US" sz="2800" kern="0" dirty="0">
-                <a:latin typeface="+mn-lt"/>
-                <a:cs typeface="Calibri Light" panose="020F0302020204030204" pitchFamily="34" charset="0"/>
-                <a:sym typeface="Wingdings" panose="05000000000000000000" pitchFamily="2" charset="2"/>
-              </a:rPr>
-              <a:t>when click event in button then create li.</a:t>
-            </a:r>
-          </a:p>
-          <a:p>
-            <a:pPr marL="527050" indent="-514350">
-              <a:spcBef>
-                <a:spcPts val="95"/>
-              </a:spcBef>
-              <a:buAutoNum type="arabicPeriod"/>
-            </a:pPr>
-            <a:r>
-              <a:rPr lang="en-US" sz="2800" kern="0" dirty="0">
-                <a:latin typeface="+mn-lt"/>
-                <a:cs typeface="Calibri Light" panose="020F0302020204030204" pitchFamily="34" charset="0"/>
-                <a:sym typeface="Wingdings" panose="05000000000000000000" pitchFamily="2" charset="2"/>
-              </a:rPr>
-              <a:t>Insert input element value to it.</a:t>
-            </a:r>
-          </a:p>
-          <a:p>
-            <a:pPr marL="527050" indent="-514350">
-              <a:spcBef>
-                <a:spcPts val="95"/>
-              </a:spcBef>
-              <a:buAutoNum type="arabicPeriod"/>
-            </a:pPr>
-            <a:r>
-              <a:rPr lang="en-US" sz="2800" kern="0" dirty="0">
-                <a:latin typeface="+mn-lt"/>
-                <a:cs typeface="Calibri Light" panose="020F0302020204030204" pitchFamily="34" charset="0"/>
-                <a:sym typeface="Wingdings" panose="05000000000000000000" pitchFamily="2" charset="2"/>
-              </a:rPr>
-              <a:t>next clear the value .</a:t>
-            </a:r>
-          </a:p>
-          <a:p>
-            <a:pPr marL="527050" indent="-514350">
-              <a:spcBef>
-                <a:spcPts val="95"/>
-              </a:spcBef>
-              <a:buAutoNum type="arabicPeriod"/>
-            </a:pPr>
-            <a:r>
-              <a:rPr lang="en-US" sz="2800" kern="0" dirty="0" err="1">
-                <a:latin typeface="+mn-lt"/>
-                <a:cs typeface="Calibri Light" panose="020F0302020204030204" pitchFamily="34" charset="0"/>
-                <a:sym typeface="Wingdings" panose="05000000000000000000" pitchFamily="2" charset="2"/>
-              </a:rPr>
-              <a:t>appendChild</a:t>
-            </a:r>
-            <a:r>
-              <a:rPr lang="en-US" sz="2800" kern="0" dirty="0">
-                <a:latin typeface="+mn-lt"/>
-                <a:cs typeface="Calibri Light" panose="020F0302020204030204" pitchFamily="34" charset="0"/>
-                <a:sym typeface="Wingdings" panose="05000000000000000000" pitchFamily="2" charset="2"/>
-              </a:rPr>
-              <a:t> the created element into the </a:t>
-            </a:r>
-            <a:r>
-              <a:rPr lang="en-US" sz="2800" kern="0" dirty="0" err="1">
-                <a:latin typeface="+mn-lt"/>
-                <a:cs typeface="Calibri Light" panose="020F0302020204030204" pitchFamily="34" charset="0"/>
-                <a:sym typeface="Wingdings" panose="05000000000000000000" pitchFamily="2" charset="2"/>
-              </a:rPr>
-              <a:t>ul</a:t>
-            </a:r>
-            <a:r>
-              <a:rPr lang="en-US" sz="2800" kern="0" dirty="0">
-                <a:latin typeface="+mn-lt"/>
-                <a:cs typeface="Calibri Light" panose="020F0302020204030204" pitchFamily="34" charset="0"/>
-                <a:sym typeface="Wingdings" panose="05000000000000000000" pitchFamily="2" charset="2"/>
-              </a:rPr>
-              <a:t> </a:t>
-            </a:r>
-          </a:p>
-          <a:p>
-            <a:pPr marL="527050" indent="-514350">
-              <a:spcBef>
-                <a:spcPts val="95"/>
-              </a:spcBef>
-              <a:buAutoNum type="arabicPeriod"/>
-            </a:pPr>
-            <a:r>
-              <a:rPr lang="en-US" sz="2800" kern="0" dirty="0">
-                <a:latin typeface="+mn-lt"/>
-                <a:cs typeface="Calibri Light" panose="020F0302020204030204" pitchFamily="34" charset="0"/>
-                <a:sym typeface="Wingdings" panose="05000000000000000000" pitchFamily="2" charset="2"/>
-              </a:rPr>
-              <a:t>Add click to the created element to remove() it , when click over it.</a:t>
-            </a:r>
-          </a:p>
-          <a:p>
-            <a:pPr marL="527050" indent="-514350">
-              <a:spcBef>
-                <a:spcPts val="95"/>
-              </a:spcBef>
-              <a:buAutoNum type="arabicPeriod"/>
+              <a:t>Submit Events : Used in form tag</a:t>
+            </a:r>
+            <a:endParaRPr lang="en-US" sz="2400" kern="0" dirty="0">
+              <a:latin typeface="+mn-lt"/>
+              <a:cs typeface="Calibri Light" panose="020F0302020204030204" pitchFamily="34" charset="0"/>
+              <a:sym typeface="Wingdings" panose="05000000000000000000" pitchFamily="2" charset="2"/>
+            </a:endParaRPr>
+          </a:p>
+          <a:p>
+            <a:pPr marL="12700">
+              <a:spcBef>
+                <a:spcPts val="95"/>
+              </a:spcBef>
+            </a:pPr>
+            <a:r>
+              <a:rPr lang="en-US" sz="2400" kern="0" dirty="0">
+                <a:latin typeface="Consolas" panose="020B0609020204030204" pitchFamily="49" charset="0"/>
+                <a:cs typeface="Calibri Light" panose="020F0302020204030204" pitchFamily="34" charset="0"/>
+                <a:sym typeface="Wingdings" panose="05000000000000000000" pitchFamily="2" charset="2"/>
+              </a:rPr>
+              <a:t>0.const form = </a:t>
+            </a:r>
+            <a:r>
+              <a:rPr lang="en-US" sz="2400" kern="0" dirty="0" err="1">
+                <a:latin typeface="Consolas" panose="020B0609020204030204" pitchFamily="49" charset="0"/>
+                <a:cs typeface="Calibri Light" panose="020F0302020204030204" pitchFamily="34" charset="0"/>
+                <a:sym typeface="Wingdings" panose="05000000000000000000" pitchFamily="2" charset="2"/>
+              </a:rPr>
+              <a:t>doc.querySelector</a:t>
+            </a:r>
+            <a:r>
+              <a:rPr lang="en-US" sz="2400" kern="0" dirty="0">
+                <a:latin typeface="Consolas" panose="020B0609020204030204" pitchFamily="49" charset="0"/>
+                <a:cs typeface="Calibri Light" panose="020F0302020204030204" pitchFamily="34" charset="0"/>
+                <a:sym typeface="Wingdings" panose="05000000000000000000" pitchFamily="2" charset="2"/>
+              </a:rPr>
+              <a:t>(‘form’);</a:t>
+            </a:r>
+          </a:p>
+          <a:p>
+            <a:pPr marL="12700">
+              <a:spcBef>
+                <a:spcPts val="95"/>
+              </a:spcBef>
+            </a:pPr>
+            <a:r>
+              <a:rPr lang="en-US" sz="2400" kern="0" dirty="0">
+                <a:latin typeface="Consolas" panose="020B0609020204030204" pitchFamily="49" charset="0"/>
+                <a:cs typeface="Calibri Light" panose="020F0302020204030204" pitchFamily="34" charset="0"/>
+                <a:sym typeface="Wingdings" panose="05000000000000000000" pitchFamily="2" charset="2"/>
+              </a:rPr>
+              <a:t>1.form.addEventListener(‘submit’,()=&gt;{ log(‘form submitted’); } );</a:t>
+            </a:r>
+          </a:p>
+          <a:p>
+            <a:pPr marL="12700">
+              <a:spcBef>
+                <a:spcPts val="95"/>
+              </a:spcBef>
+            </a:pPr>
+            <a:r>
+              <a:rPr lang="en-US" sz="2400" kern="0" dirty="0">
+                <a:latin typeface="Consolas" panose="020B0609020204030204" pitchFamily="49" charset="0"/>
+                <a:cs typeface="Calibri Light" panose="020F0302020204030204" pitchFamily="34" charset="0"/>
+                <a:sym typeface="Wingdings" panose="05000000000000000000" pitchFamily="2" charset="2"/>
+              </a:rPr>
+              <a:t>//the submit will reload the page, </a:t>
+            </a:r>
+          </a:p>
+          <a:p>
+            <a:pPr marL="12700">
+              <a:spcBef>
+                <a:spcPts val="95"/>
+              </a:spcBef>
+            </a:pPr>
+            <a:r>
+              <a:rPr lang="en-US" sz="2400" kern="0" dirty="0">
+                <a:latin typeface="Consolas" panose="020B0609020204030204" pitchFamily="49" charset="0"/>
+                <a:cs typeface="Calibri Light" panose="020F0302020204030204" pitchFamily="34" charset="0"/>
+                <a:sym typeface="Wingdings" panose="05000000000000000000" pitchFamily="2" charset="2"/>
+              </a:rPr>
+              <a:t>//to stop it we have to use </a:t>
+            </a:r>
+            <a:r>
+              <a:rPr lang="en-US" sz="2400" kern="0" dirty="0" err="1">
+                <a:latin typeface="Consolas" panose="020B0609020204030204" pitchFamily="49" charset="0"/>
+                <a:cs typeface="Calibri Light" panose="020F0302020204030204" pitchFamily="34" charset="0"/>
+                <a:sym typeface="Wingdings" panose="05000000000000000000" pitchFamily="2" charset="2"/>
+              </a:rPr>
+              <a:t>event.preventDefault</a:t>
+            </a:r>
+            <a:r>
+              <a:rPr lang="en-US" sz="2400" kern="0" dirty="0">
+                <a:latin typeface="Consolas" panose="020B0609020204030204" pitchFamily="49" charset="0"/>
+                <a:cs typeface="Calibri Light" panose="020F0302020204030204" pitchFamily="34" charset="0"/>
+                <a:sym typeface="Wingdings" panose="05000000000000000000" pitchFamily="2" charset="2"/>
+              </a:rPr>
+              <a:t>()</a:t>
+            </a:r>
+            <a:endParaRPr lang="en-US" sz="2400" kern="0" dirty="0">
+              <a:latin typeface="+mj-lt"/>
+              <a:cs typeface="Calibri Light" panose="020F0302020204030204" pitchFamily="34" charset="0"/>
+              <a:sym typeface="Wingdings" panose="05000000000000000000" pitchFamily="2" charset="2"/>
+            </a:endParaRPr>
+          </a:p>
+          <a:p>
+            <a:pPr marL="12700">
+              <a:spcBef>
+                <a:spcPts val="95"/>
+              </a:spcBef>
+            </a:pPr>
+            <a:r>
+              <a:rPr lang="en-US" sz="2400" kern="0" dirty="0">
+                <a:latin typeface="Consolas" panose="020B0609020204030204" pitchFamily="49" charset="0"/>
+                <a:cs typeface="Calibri Light" panose="020F0302020204030204" pitchFamily="34" charset="0"/>
+                <a:sym typeface="Wingdings" panose="05000000000000000000" pitchFamily="2" charset="2"/>
+              </a:rPr>
+              <a:t>2.form.addEventListener(‘submit’,(e)=&gt;{</a:t>
+            </a:r>
+            <a:r>
+              <a:rPr lang="en-US" sz="2400" kern="0" dirty="0" err="1">
+                <a:latin typeface="Consolas" panose="020B0609020204030204" pitchFamily="49" charset="0"/>
+                <a:cs typeface="Calibri Light" panose="020F0302020204030204" pitchFamily="34" charset="0"/>
+                <a:sym typeface="Wingdings" panose="05000000000000000000" pitchFamily="2" charset="2"/>
+              </a:rPr>
+              <a:t>e.preventDefault</a:t>
+            </a:r>
+            <a:r>
+              <a:rPr lang="en-US" sz="2400" kern="0" dirty="0">
+                <a:latin typeface="Consolas" panose="020B0609020204030204" pitchFamily="49" charset="0"/>
+                <a:cs typeface="Calibri Light" panose="020F0302020204030204" pitchFamily="34" charset="0"/>
+                <a:sym typeface="Wingdings" panose="05000000000000000000" pitchFamily="2" charset="2"/>
+              </a:rPr>
+              <a:t>();log(‘form submitted’);});</a:t>
+            </a:r>
+          </a:p>
+          <a:p>
+            <a:pPr marL="12700">
+              <a:spcBef>
+                <a:spcPts val="95"/>
+              </a:spcBef>
             </a:pPr>
             <a:endParaRPr lang="en-US" sz="2800" kern="0" dirty="0">
               <a:latin typeface="+mn-lt"/>
@@ -19796,15 +19654,104 @@
                 <a:cs typeface="Calibri Light" panose="020F0302020204030204" pitchFamily="34" charset="0"/>
                 <a:sym typeface="Wingdings" panose="05000000000000000000" pitchFamily="2" charset="2"/>
               </a:rPr>
-              <a:t>Add CSS to your heart’s content.</a:t>
-            </a:r>
+              <a:t>Access Elements of form</a:t>
+            </a:r>
+          </a:p>
+          <a:p>
+            <a:pPr marL="12700">
+              <a:spcBef>
+                <a:spcPts val="95"/>
+              </a:spcBef>
+            </a:pPr>
+            <a:r>
+              <a:rPr lang="en-US" sz="2800" kern="0" dirty="0">
+                <a:latin typeface="+mn-lt"/>
+                <a:cs typeface="Calibri Light" panose="020F0302020204030204" pitchFamily="34" charset="0"/>
+                <a:sym typeface="Wingdings" panose="05000000000000000000" pitchFamily="2" charset="2"/>
+              </a:rPr>
+              <a:t>For 2 input fields in form</a:t>
+            </a:r>
+          </a:p>
+          <a:p>
+            <a:pPr marL="12700">
+              <a:spcBef>
+                <a:spcPts val="95"/>
+              </a:spcBef>
+            </a:pPr>
+            <a:r>
+              <a:rPr lang="en-US" sz="2400" kern="0" dirty="0">
+                <a:latin typeface="Consolas" panose="020B0609020204030204" pitchFamily="49" charset="0"/>
+                <a:cs typeface="Calibri Light" panose="020F0302020204030204" pitchFamily="34" charset="0"/>
+                <a:sym typeface="Wingdings" panose="05000000000000000000" pitchFamily="2" charset="2"/>
+              </a:rPr>
+              <a:t>1.log(</a:t>
+            </a:r>
+            <a:r>
+              <a:rPr lang="en-US" sz="2400" kern="0" dirty="0" err="1">
+                <a:latin typeface="Consolas" panose="020B0609020204030204" pitchFamily="49" charset="0"/>
+                <a:cs typeface="Calibri Light" panose="020F0302020204030204" pitchFamily="34" charset="0"/>
+                <a:sym typeface="Wingdings" panose="05000000000000000000" pitchFamily="2" charset="2"/>
+              </a:rPr>
+              <a:t>form.elements</a:t>
+            </a:r>
+            <a:r>
+              <a:rPr lang="en-US" sz="2400" kern="0" dirty="0">
+                <a:latin typeface="Consolas" panose="020B0609020204030204" pitchFamily="49" charset="0"/>
+                <a:cs typeface="Calibri Light" panose="020F0302020204030204" pitchFamily="34" charset="0"/>
+                <a:sym typeface="Wingdings" panose="05000000000000000000" pitchFamily="2" charset="2"/>
+              </a:rPr>
+              <a:t>[0].value);</a:t>
+            </a:r>
+          </a:p>
+          <a:p>
+            <a:pPr marL="12700">
+              <a:spcBef>
+                <a:spcPts val="95"/>
+              </a:spcBef>
+            </a:pPr>
+            <a:r>
+              <a:rPr lang="en-US" sz="2400" kern="0" dirty="0">
+                <a:latin typeface="Consolas" panose="020B0609020204030204" pitchFamily="49" charset="0"/>
+                <a:cs typeface="Calibri Light" panose="020F0302020204030204" pitchFamily="34" charset="0"/>
+                <a:sym typeface="Wingdings" panose="05000000000000000000" pitchFamily="2" charset="2"/>
+              </a:rPr>
+              <a:t>2.log(</a:t>
+            </a:r>
+            <a:r>
+              <a:rPr lang="en-US" sz="2400" kern="0" dirty="0" err="1">
+                <a:latin typeface="Consolas" panose="020B0609020204030204" pitchFamily="49" charset="0"/>
+                <a:cs typeface="Calibri Light" panose="020F0302020204030204" pitchFamily="34" charset="0"/>
+                <a:sym typeface="Wingdings" panose="05000000000000000000" pitchFamily="2" charset="2"/>
+              </a:rPr>
+              <a:t>form.elements</a:t>
+            </a:r>
+            <a:r>
+              <a:rPr lang="en-US" sz="2400" kern="0" dirty="0">
+                <a:latin typeface="Consolas" panose="020B0609020204030204" pitchFamily="49" charset="0"/>
+                <a:cs typeface="Calibri Light" panose="020F0302020204030204" pitchFamily="34" charset="0"/>
+                <a:sym typeface="Wingdings" panose="05000000000000000000" pitchFamily="2" charset="2"/>
+              </a:rPr>
+              <a:t>[1].value);</a:t>
+            </a:r>
+          </a:p>
+          <a:p>
+            <a:pPr marL="12700">
+              <a:spcBef>
+                <a:spcPts val="95"/>
+              </a:spcBef>
+            </a:pPr>
+            <a:endParaRPr lang="en-US" sz="2800" kern="0" dirty="0">
+              <a:latin typeface="+mn-lt"/>
+              <a:cs typeface="Calibri Light" panose="020F0302020204030204" pitchFamily="34" charset="0"/>
+              <a:sym typeface="Wingdings" panose="05000000000000000000" pitchFamily="2" charset="2"/>
+            </a:endParaRPr>
           </a:p>
         </p:txBody>
       </p:sp>
     </p:spTree>
     <p:extLst>
       <p:ext uri="{BB962C8B-B14F-4D97-AF65-F5344CB8AC3E}">
-        <p14:creationId xmlns:p14="http://schemas.microsoft.com/office/powerpoint/2010/main" val="3058086588"/>
+        <p14:creationId xmlns:p14="http://schemas.microsoft.com/office/powerpoint/2010/main" val="2178604332"/>
       </p:ext>
     </p:extLst>
   </p:cSld>
@@ -19914,7 +19861,7 @@
                 <a:cs typeface="Calibri Light" panose="020F0302020204030204" pitchFamily="34" charset="0"/>
                 <a:sym typeface="Wingdings" panose="05000000000000000000" pitchFamily="2" charset="2"/>
               </a:rPr>
-              <a:t>Event Life Cycle</a:t>
+              <a:t>Project ( Note Taking App)</a:t>
             </a:r>
           </a:p>
         </p:txBody>
@@ -19965,7 +19912,7 @@
         <p:spPr>
           <a:xfrm>
             <a:off x="533400" y="838200"/>
-            <a:ext cx="11621728" cy="5670142"/>
+            <a:ext cx="11621728" cy="3992760"/>
           </a:xfrm>
           <a:prstGeom prst="rect">
             <a:avLst/>
@@ -20000,15 +19947,15 @@
                 <a:cs typeface="Calibri Light" panose="020F0302020204030204" pitchFamily="34" charset="0"/>
                 <a:sym typeface="Wingdings" panose="05000000000000000000" pitchFamily="2" charset="2"/>
               </a:rPr>
-              <a:t>The 3</a:t>
-            </a:r>
-            <a:r>
-              <a:rPr lang="en-US" sz="2800" kern="0" baseline="30000" dirty="0">
+              <a:t>We will need html tags such as </a:t>
+            </a:r>
+            <a:r>
+              <a:rPr lang="en-US" sz="2800" kern="0" dirty="0" err="1">
                 <a:latin typeface="+mn-lt"/>
                 <a:cs typeface="Calibri Light" panose="020F0302020204030204" pitchFamily="34" charset="0"/>
                 <a:sym typeface="Wingdings" panose="05000000000000000000" pitchFamily="2" charset="2"/>
               </a:rPr>
-              <a:t>rd</a:t>
+              <a:t>ul</a:t>
             </a:r>
             <a:r>
               <a:rPr lang="en-US" sz="2800" kern="0" dirty="0">
@@ -20016,15 +19963,87 @@
                 <a:cs typeface="Calibri Light" panose="020F0302020204030204" pitchFamily="34" charset="0"/>
                 <a:sym typeface="Wingdings" panose="05000000000000000000" pitchFamily="2" charset="2"/>
               </a:rPr>
-              <a:t> parameter of </a:t>
-            </a:r>
+              <a:t> , input , button</a:t>
+            </a:r>
+          </a:p>
+          <a:p>
+            <a:pPr marL="527050" indent="-514350">
+              <a:spcBef>
+                <a:spcPts val="95"/>
+              </a:spcBef>
+              <a:buAutoNum type="arabicPeriod"/>
+            </a:pPr>
+            <a:r>
+              <a:rPr lang="en-US" sz="2800" kern="0" dirty="0">
+                <a:latin typeface="+mn-lt"/>
+                <a:cs typeface="Calibri Light" panose="020F0302020204030204" pitchFamily="34" charset="0"/>
+                <a:sym typeface="Wingdings" panose="05000000000000000000" pitchFamily="2" charset="2"/>
+              </a:rPr>
+              <a:t>Get elements in JS for all tags</a:t>
+            </a:r>
+          </a:p>
+          <a:p>
+            <a:pPr marL="527050" indent="-514350">
+              <a:spcBef>
+                <a:spcPts val="95"/>
+              </a:spcBef>
+              <a:buAutoNum type="arabicPeriod"/>
+            </a:pPr>
+            <a:r>
+              <a:rPr lang="en-US" sz="2800" kern="0" dirty="0">
+                <a:latin typeface="+mn-lt"/>
+                <a:cs typeface="Calibri Light" panose="020F0302020204030204" pitchFamily="34" charset="0"/>
+                <a:sym typeface="Wingdings" panose="05000000000000000000" pitchFamily="2" charset="2"/>
+              </a:rPr>
+              <a:t>when click event in button then create li.</a:t>
+            </a:r>
+          </a:p>
+          <a:p>
+            <a:pPr marL="527050" indent="-514350">
+              <a:spcBef>
+                <a:spcPts val="95"/>
+              </a:spcBef>
+              <a:buAutoNum type="arabicPeriod"/>
+            </a:pPr>
+            <a:r>
+              <a:rPr lang="en-US" sz="2800" kern="0" dirty="0">
+                <a:latin typeface="+mn-lt"/>
+                <a:cs typeface="Calibri Light" panose="020F0302020204030204" pitchFamily="34" charset="0"/>
+                <a:sym typeface="Wingdings" panose="05000000000000000000" pitchFamily="2" charset="2"/>
+              </a:rPr>
+              <a:t>Insert input element value to it.</a:t>
+            </a:r>
+          </a:p>
+          <a:p>
+            <a:pPr marL="527050" indent="-514350">
+              <a:spcBef>
+                <a:spcPts val="95"/>
+              </a:spcBef>
+              <a:buAutoNum type="arabicPeriod"/>
+            </a:pPr>
+            <a:r>
+              <a:rPr lang="en-US" sz="2800" kern="0" dirty="0">
+                <a:latin typeface="+mn-lt"/>
+                <a:cs typeface="Calibri Light" panose="020F0302020204030204" pitchFamily="34" charset="0"/>
+                <a:sym typeface="Wingdings" panose="05000000000000000000" pitchFamily="2" charset="2"/>
+              </a:rPr>
+              <a:t>next clear the value .</a:t>
+            </a:r>
+          </a:p>
+          <a:p>
+            <a:pPr marL="527050" indent="-514350">
+              <a:spcBef>
+                <a:spcPts val="95"/>
+              </a:spcBef>
+              <a:buAutoNum type="arabicPeriod"/>
+            </a:pPr>
             <a:r>
               <a:rPr lang="en-US" sz="2800" kern="0" dirty="0" err="1">
                 <a:latin typeface="+mn-lt"/>
                 <a:cs typeface="Calibri Light" panose="020F0302020204030204" pitchFamily="34" charset="0"/>
                 <a:sym typeface="Wingdings" panose="05000000000000000000" pitchFamily="2" charset="2"/>
               </a:rPr>
-              <a:t>addEventListener</a:t>
+              <a:t>appendChild</a:t>
             </a:r>
             <a:r>
               <a:rPr lang="en-US" sz="2800" kern="0" dirty="0">
@@ -20032,101 +20051,31 @@
                 <a:cs typeface="Calibri Light" panose="020F0302020204030204" pitchFamily="34" charset="0"/>
                 <a:sym typeface="Wingdings" panose="05000000000000000000" pitchFamily="2" charset="2"/>
               </a:rPr>
-              <a:t> denotes propagation of events.</a:t>
-            </a:r>
-          </a:p>
-          <a:p>
-            <a:pPr marL="527050" indent="-514350">
-              <a:spcBef>
-                <a:spcPts val="95"/>
-              </a:spcBef>
-              <a:buAutoNum type="arabicPeriod"/>
-            </a:pPr>
+              <a:t> the created element into the </a:t>
+            </a:r>
+            <a:r>
+              <a:rPr lang="en-US" sz="2800" kern="0" dirty="0" err="1">
+                <a:latin typeface="+mn-lt"/>
+                <a:cs typeface="Calibri Light" panose="020F0302020204030204" pitchFamily="34" charset="0"/>
+                <a:sym typeface="Wingdings" panose="05000000000000000000" pitchFamily="2" charset="2"/>
+              </a:rPr>
+              <a:t>ul</a:t>
+            </a:r>
             <a:r>
               <a:rPr lang="en-US" sz="2800" kern="0" dirty="0">
                 <a:latin typeface="+mn-lt"/>
                 <a:cs typeface="Calibri Light" panose="020F0302020204030204" pitchFamily="34" charset="0"/>
                 <a:sym typeface="Wingdings" panose="05000000000000000000" pitchFamily="2" charset="2"/>
               </a:rPr>
-              <a:t>When child is clicked, first the child is registered then parent because of bubbling mode.</a:t>
-            </a:r>
-          </a:p>
-          <a:p>
-            <a:br>
-              <a:rPr lang="en-IN" sz="900" b="0" dirty="0">
-                <a:solidFill>
-                  <a:srgbClr val="D4D4D4"/>
-                </a:solidFill>
-                <a:effectLst/>
-                <a:latin typeface="Consolas" panose="020B0609020204030204" pitchFamily="49" charset="0"/>
-              </a:rPr>
-            </a:br>
-            <a:r>
-              <a:rPr lang="en-IN" sz="900" b="0" dirty="0">
-                <a:solidFill>
-                  <a:srgbClr val="D4D4D4"/>
-                </a:solidFill>
-                <a:effectLst/>
-                <a:latin typeface="Consolas" panose="020B0609020204030204" pitchFamily="49" charset="0"/>
-              </a:rPr>
-              <a:t>        </a:t>
-            </a:r>
-            <a:r>
-              <a:rPr lang="en-IN" sz="2000" b="0" dirty="0" err="1">
-                <a:solidFill>
-                  <a:schemeClr val="bg1"/>
-                </a:solidFill>
-                <a:effectLst/>
-                <a:latin typeface="Consolas" panose="020B0609020204030204" pitchFamily="49" charset="0"/>
-              </a:rPr>
-              <a:t>parent.addEventListener</a:t>
-            </a:r>
-            <a:r>
-              <a:rPr lang="en-IN" sz="2000" b="0" dirty="0">
-                <a:solidFill>
-                  <a:schemeClr val="bg1"/>
-                </a:solidFill>
-                <a:effectLst/>
-                <a:latin typeface="Consolas" panose="020B0609020204030204" pitchFamily="49" charset="0"/>
-              </a:rPr>
-              <a:t>('click',(e)=&gt;{</a:t>
-            </a:r>
-          </a:p>
-          <a:p>
-            <a:r>
-              <a:rPr lang="en-IN" sz="2000" dirty="0">
-                <a:solidFill>
-                  <a:schemeClr val="bg1"/>
-                </a:solidFill>
-                <a:latin typeface="Consolas" panose="020B0609020204030204" pitchFamily="49" charset="0"/>
-              </a:rPr>
-              <a:t>				</a:t>
-            </a:r>
-            <a:r>
-              <a:rPr lang="en-IN" sz="2000" b="0" dirty="0">
-                <a:solidFill>
-                  <a:schemeClr val="bg1"/>
-                </a:solidFill>
-                <a:effectLst/>
-                <a:latin typeface="Consolas" panose="020B0609020204030204" pitchFamily="49" charset="0"/>
-              </a:rPr>
-              <a:t>console.log("Parent is selected”);},false)</a:t>
-            </a:r>
-          </a:p>
-          <a:p>
-            <a:endParaRPr lang="en-IN" sz="2000" b="0" dirty="0">
-              <a:solidFill>
-                <a:schemeClr val="bg1"/>
-              </a:solidFill>
-              <a:effectLst/>
-              <a:latin typeface="Consolas" panose="020B0609020204030204" pitchFamily="49" charset="0"/>
-            </a:endParaRPr>
-          </a:p>
-          <a:p>
-            <a:pPr marL="12700">
-              <a:spcBef>
-                <a:spcPts val="95"/>
-              </a:spcBef>
+              <a:t> </a:t>
+            </a:r>
+          </a:p>
+          <a:p>
+            <a:pPr marL="527050" indent="-514350">
+              <a:spcBef>
+                <a:spcPts val="95"/>
+              </a:spcBef>
+              <a:buAutoNum type="arabicPeriod"/>
             </a:pPr>
             <a:r>
               <a:rPr lang="en-US" sz="2800" kern="0" dirty="0">
@@ -20134,130 +20083,15 @@
                 <a:cs typeface="Calibri Light" panose="020F0302020204030204" pitchFamily="34" charset="0"/>
                 <a:sym typeface="Wingdings" panose="05000000000000000000" pitchFamily="2" charset="2"/>
               </a:rPr>
-              <a:t>3. But if we make the  3</a:t>
-            </a:r>
-            <a:r>
-              <a:rPr lang="en-US" sz="2800" kern="0" baseline="30000" dirty="0">
-                <a:latin typeface="+mn-lt"/>
-                <a:cs typeface="Calibri Light" panose="020F0302020204030204" pitchFamily="34" charset="0"/>
-                <a:sym typeface="Wingdings" panose="05000000000000000000" pitchFamily="2" charset="2"/>
-              </a:rPr>
-              <a:t>rd</a:t>
-            </a:r>
-            <a:r>
-              <a:rPr lang="en-US" sz="2800" kern="0" dirty="0">
-                <a:latin typeface="+mn-lt"/>
-                <a:cs typeface="Calibri Light" panose="020F0302020204030204" pitchFamily="34" charset="0"/>
-                <a:sym typeface="Wingdings" panose="05000000000000000000" pitchFamily="2" charset="2"/>
-              </a:rPr>
-              <a:t> para true then it will capture parent first then child because of capturing mode.</a:t>
-            </a:r>
-          </a:p>
-          <a:p>
-            <a:br>
-              <a:rPr lang="en-IN" sz="1050" b="0" dirty="0">
-                <a:solidFill>
-                  <a:srgbClr val="D4D4D4"/>
-                </a:solidFill>
-                <a:effectLst/>
-                <a:latin typeface="Consolas" panose="020B0609020204030204" pitchFamily="49" charset="0"/>
-              </a:rPr>
-            </a:br>
-            <a:r>
-              <a:rPr lang="en-IN" sz="2000" b="0" dirty="0">
-                <a:solidFill>
-                  <a:srgbClr val="D4D4D4"/>
-                </a:solidFill>
-                <a:effectLst/>
-                <a:latin typeface="Consolas" panose="020B0609020204030204" pitchFamily="49" charset="0"/>
-              </a:rPr>
-              <a:t>        </a:t>
-            </a:r>
-            <a:r>
-              <a:rPr lang="en-IN" sz="2000" b="0" dirty="0" err="1">
-                <a:solidFill>
-                  <a:schemeClr val="bg1"/>
-                </a:solidFill>
-                <a:effectLst/>
-                <a:latin typeface="Consolas" panose="020B0609020204030204" pitchFamily="49" charset="0"/>
-              </a:rPr>
-              <a:t>parent.addEventListener</a:t>
-            </a:r>
-            <a:r>
-              <a:rPr lang="en-IN" sz="2000" b="0" dirty="0">
-                <a:solidFill>
-                  <a:schemeClr val="bg1"/>
-                </a:solidFill>
-                <a:effectLst/>
-                <a:latin typeface="Consolas" panose="020B0609020204030204" pitchFamily="49" charset="0"/>
-              </a:rPr>
-              <a:t>('click',(e)=&gt;{</a:t>
-            </a:r>
-          </a:p>
-          <a:p>
-            <a:r>
-              <a:rPr lang="en-IN" sz="2000" b="0" dirty="0">
-                <a:solidFill>
-                  <a:schemeClr val="bg1"/>
-                </a:solidFill>
-                <a:effectLst/>
-                <a:latin typeface="Consolas" panose="020B0609020204030204" pitchFamily="49" charset="0"/>
-              </a:rPr>
-              <a:t>            console.log("Parent is selected");</a:t>
-            </a:r>
-          </a:p>
-          <a:p>
-            <a:r>
-              <a:rPr lang="en-IN" sz="2000" b="0" dirty="0">
-                <a:solidFill>
-                  <a:schemeClr val="bg1"/>
-                </a:solidFill>
-                <a:effectLst/>
-                <a:latin typeface="Consolas" panose="020B0609020204030204" pitchFamily="49" charset="0"/>
-              </a:rPr>
-              <a:t>            </a:t>
-            </a:r>
-            <a:r>
-              <a:rPr lang="en-IN" sz="2000" b="0" dirty="0" err="1">
-                <a:solidFill>
-                  <a:schemeClr val="bg1"/>
-                </a:solidFill>
-                <a:effectLst/>
-                <a:latin typeface="Consolas" panose="020B0609020204030204" pitchFamily="49" charset="0"/>
-              </a:rPr>
-              <a:t>e.stopPropagation</a:t>
-            </a:r>
-            <a:r>
-              <a:rPr lang="en-IN" sz="2000" b="0" dirty="0">
-                <a:solidFill>
-                  <a:schemeClr val="bg1"/>
-                </a:solidFill>
-                <a:effectLst/>
-                <a:latin typeface="Consolas" panose="020B0609020204030204" pitchFamily="49" charset="0"/>
-              </a:rPr>
-              <a:t>();},true)</a:t>
-            </a:r>
-          </a:p>
-          <a:p>
-            <a:pPr marL="12700">
-              <a:spcBef>
-                <a:spcPts val="95"/>
-              </a:spcBef>
-            </a:pPr>
-            <a:r>
-              <a:rPr lang="en-US" sz="2800" kern="0" dirty="0">
-                <a:latin typeface="+mn-lt"/>
-                <a:cs typeface="Calibri Light" panose="020F0302020204030204" pitchFamily="34" charset="0"/>
-                <a:sym typeface="Wingdings" panose="05000000000000000000" pitchFamily="2" charset="2"/>
-              </a:rPr>
-              <a:t>we can also use event’s stop propagation for stopping the propagation of event.</a:t>
-            </a:r>
-          </a:p>
-          <a:p>
-            <a:pPr marL="12700">
-              <a:spcBef>
-                <a:spcPts val="95"/>
-              </a:spcBef>
+              <a:t>Add click to the created element to remove() it , when click over it.</a:t>
+            </a:r>
+          </a:p>
+          <a:p>
+            <a:pPr marL="527050" indent="-514350">
+              <a:spcBef>
+                <a:spcPts val="95"/>
+              </a:spcBef>
+              <a:buAutoNum type="arabicPeriod"/>
             </a:pPr>
             <a:endParaRPr lang="en-US" sz="2800" kern="0" dirty="0">
               <a:latin typeface="+mn-lt"/>
@@ -20271,18 +20105,21 @@
                 <a:spcPts val="95"/>
               </a:spcBef>
             </a:pPr>
-            <a:endParaRPr lang="en-US" sz="2800" kern="0" dirty="0">
-              <a:latin typeface="+mn-lt"/>
-              <a:cs typeface="Calibri Light" panose="020F0302020204030204" pitchFamily="34" charset="0"/>
-              <a:sym typeface="Wingdings" panose="05000000000000000000" pitchFamily="2" charset="2"/>
-            </a:endParaRPr>
+            <a:r>
+              <a:rPr lang="en-US" sz="2800" kern="0" dirty="0">
+                <a:latin typeface="+mn-lt"/>
+                <a:cs typeface="Calibri Light" panose="020F0302020204030204" pitchFamily="34" charset="0"/>
+                <a:sym typeface="Wingdings" panose="05000000000000000000" pitchFamily="2" charset="2"/>
+              </a:rPr>
+              <a:t>Add CSS to your heart’s content.</a:t>
+            </a:r>
           </a:p>
         </p:txBody>
       </p:sp>
     </p:spTree>
     <p:extLst>
       <p:ext uri="{BB962C8B-B14F-4D97-AF65-F5344CB8AC3E}">
-        <p14:creationId xmlns:p14="http://schemas.microsoft.com/office/powerpoint/2010/main" val="1493172746"/>
+        <p14:creationId xmlns:p14="http://schemas.microsoft.com/office/powerpoint/2010/main" val="3058086588"/>
       </p:ext>
     </p:extLst>
   </p:cSld>
@@ -20387,18 +20224,13 @@
               </a:spcBef>
             </a:pPr>
             <a:r>
-              <a:rPr lang="en-US" sz="3600" kern="0" dirty="0" err="1">
+              <a:rPr lang="en-US" sz="3600" kern="0" dirty="0">
                 <a:latin typeface="+mn-lt"/>
                 <a:cs typeface="Calibri Light" panose="020F0302020204030204" pitchFamily="34" charset="0"/>
                 <a:sym typeface="Wingdings" panose="05000000000000000000" pitchFamily="2" charset="2"/>
               </a:rPr>
-              <a:t>JQuery</a:t>
-            </a:r>
-            <a:endParaRPr lang="en-US" sz="3600" kern="0" dirty="0">
-              <a:latin typeface="+mn-lt"/>
-              <a:cs typeface="Calibri Light" panose="020F0302020204030204" pitchFamily="34" charset="0"/>
-              <a:sym typeface="Wingdings" panose="05000000000000000000" pitchFamily="2" charset="2"/>
-            </a:endParaRPr>
+              <a:t>Event Life Cycle</a:t>
+            </a:r>
           </a:p>
         </p:txBody>
       </p:sp>
@@ -20448,7 +20280,7 @@
         <p:spPr>
           <a:xfrm>
             <a:off x="533400" y="838200"/>
-            <a:ext cx="11621728" cy="5508559"/>
+            <a:ext cx="11621728" cy="5670142"/>
           </a:xfrm>
           <a:prstGeom prst="rect">
             <a:avLst/>
@@ -20471,18 +20303,43 @@
             </a:lvl1pPr>
           </a:lstStyle>
           <a:p>
-            <a:pPr marL="12700">
-              <a:spcBef>
-                <a:spcPts val="95"/>
-              </a:spcBef>
-            </a:pPr>
+            <a:pPr marL="527050" indent="-514350">
+              <a:spcBef>
+                <a:spcPts val="95"/>
+              </a:spcBef>
+              <a:buAutoNum type="arabicPeriod"/>
+            </a:pPr>
+            <a:r>
+              <a:rPr lang="en-US" sz="2800" kern="0" dirty="0">
+                <a:latin typeface="+mn-lt"/>
+                <a:cs typeface="Calibri Light" panose="020F0302020204030204" pitchFamily="34" charset="0"/>
+                <a:sym typeface="Wingdings" panose="05000000000000000000" pitchFamily="2" charset="2"/>
+              </a:rPr>
+              <a:t>The 3</a:t>
+            </a:r>
+            <a:r>
+              <a:rPr lang="en-US" sz="2800" kern="0" baseline="30000" dirty="0">
+                <a:latin typeface="+mn-lt"/>
+                <a:cs typeface="Calibri Light" panose="020F0302020204030204" pitchFamily="34" charset="0"/>
+                <a:sym typeface="Wingdings" panose="05000000000000000000" pitchFamily="2" charset="2"/>
+              </a:rPr>
+              <a:t>rd</a:t>
+            </a:r>
+            <a:r>
+              <a:rPr lang="en-US" sz="2800" kern="0" dirty="0">
+                <a:latin typeface="+mn-lt"/>
+                <a:cs typeface="Calibri Light" panose="020F0302020204030204" pitchFamily="34" charset="0"/>
+                <a:sym typeface="Wingdings" panose="05000000000000000000" pitchFamily="2" charset="2"/>
+              </a:rPr>
+              <a:t> parameter of </a:t>
+            </a:r>
             <a:r>
               <a:rPr lang="en-US" sz="2800" kern="0" dirty="0" err="1">
                 <a:latin typeface="+mn-lt"/>
                 <a:cs typeface="Calibri Light" panose="020F0302020204030204" pitchFamily="34" charset="0"/>
                 <a:sym typeface="Wingdings" panose="05000000000000000000" pitchFamily="2" charset="2"/>
               </a:rPr>
-              <a:t>JQuery</a:t>
+              <a:t>addEventListener</a:t>
             </a:r>
             <a:r>
               <a:rPr lang="en-US" sz="2800" kern="0" dirty="0">
@@ -20490,14 +20347,15 @@
                 <a:cs typeface="Calibri Light" panose="020F0302020204030204" pitchFamily="34" charset="0"/>
                 <a:sym typeface="Wingdings" panose="05000000000000000000" pitchFamily="2" charset="2"/>
               </a:rPr>
-              <a:t> is a JS library.</a:t>
-            </a:r>
-          </a:p>
-          <a:p>
-            <a:pPr marL="12700">
-              <a:spcBef>
-                <a:spcPts val="95"/>
-              </a:spcBef>
+              <a:t> denotes propagation of events.</a:t>
+            </a:r>
+          </a:p>
+          <a:p>
+            <a:pPr marL="527050" indent="-514350">
+              <a:spcBef>
+                <a:spcPts val="95"/>
+              </a:spcBef>
+              <a:buAutoNum type="arabicPeriod"/>
             </a:pPr>
             <a:r>
               <a:rPr lang="en-US" sz="2800" kern="0" dirty="0">
@@ -20505,8 +20363,79 @@
                 <a:cs typeface="Calibri Light" panose="020F0302020204030204" pitchFamily="34" charset="0"/>
                 <a:sym typeface="Wingdings" panose="05000000000000000000" pitchFamily="2" charset="2"/>
               </a:rPr>
-              <a:t>Use jQuery by downloading the codes and including it in jQuery.js</a:t>
-            </a:r>
+              <a:t>When child is clicked, first the child is registered then parent because of bubbling mode.</a:t>
+            </a:r>
+          </a:p>
+          <a:p>
+            <a:br>
+              <a:rPr lang="en-IN" sz="900" b="0" dirty="0">
+                <a:solidFill>
+                  <a:srgbClr val="D4D4D4"/>
+                </a:solidFill>
+                <a:effectLst/>
+                <a:latin typeface="Consolas" panose="020B0609020204030204" pitchFamily="49" charset="0"/>
+              </a:rPr>
+            </a:br>
+            <a:r>
+              <a:rPr lang="en-IN" sz="900" b="0" dirty="0">
+                <a:solidFill>
+                  <a:srgbClr val="D4D4D4"/>
+                </a:solidFill>
+                <a:effectLst/>
+                <a:latin typeface="Consolas" panose="020B0609020204030204" pitchFamily="49" charset="0"/>
+              </a:rPr>
+              <a:t>        </a:t>
+            </a:r>
+            <a:r>
+              <a:rPr lang="en-IN" sz="2000" b="0" dirty="0" err="1">
+                <a:solidFill>
+                  <a:schemeClr val="bg1"/>
+                </a:solidFill>
+                <a:effectLst/>
+                <a:latin typeface="Consolas" panose="020B0609020204030204" pitchFamily="49" charset="0"/>
+              </a:rPr>
+              <a:t>parent.addEventListener</a:t>
+            </a:r>
+            <a:r>
+              <a:rPr lang="en-IN" sz="2000" b="0" dirty="0">
+                <a:solidFill>
+                  <a:schemeClr val="bg1"/>
+                </a:solidFill>
+                <a:effectLst/>
+                <a:latin typeface="Consolas" panose="020B0609020204030204" pitchFamily="49" charset="0"/>
+              </a:rPr>
+              <a:t>('click',(e)=&gt;{</a:t>
+            </a:r>
+          </a:p>
+          <a:p>
+            <a:r>
+              <a:rPr lang="en-IN" sz="2000" dirty="0">
+                <a:solidFill>
+                  <a:schemeClr val="bg1"/>
+                </a:solidFill>
+                <a:latin typeface="Consolas" panose="020B0609020204030204" pitchFamily="49" charset="0"/>
+              </a:rPr>
+              <a:t>				</a:t>
+            </a:r>
+            <a:r>
+              <a:rPr lang="en-IN" sz="2000" b="0" dirty="0">
+                <a:solidFill>
+                  <a:schemeClr val="bg1"/>
+                </a:solidFill>
+                <a:effectLst/>
+                <a:latin typeface="Consolas" panose="020B0609020204030204" pitchFamily="49" charset="0"/>
+              </a:rPr>
+              <a:t>console.log("Parent is selected”);},false)</a:t>
+            </a:r>
+          </a:p>
+          <a:p>
+            <a:endParaRPr lang="en-IN" sz="2000" b="0" dirty="0">
+              <a:solidFill>
+                <a:schemeClr val="bg1"/>
+              </a:solidFill>
+              <a:effectLst/>
+              <a:latin typeface="Consolas" panose="020B0609020204030204" pitchFamily="49" charset="0"/>
+            </a:endParaRPr>
           </a:p>
           <a:p>
             <a:pPr marL="12700">
@@ -20520,15 +20449,15 @@
                 <a:cs typeface="Calibri Light" panose="020F0302020204030204" pitchFamily="34" charset="0"/>
                 <a:sym typeface="Wingdings" panose="05000000000000000000" pitchFamily="2" charset="2"/>
               </a:rPr>
-              <a:t>1. $  selector .(same as </a:t>
-            </a:r>
-            <a:r>
-              <a:rPr lang="en-US" sz="2800" kern="0" dirty="0" err="1">
+              <a:t>3. But if we make the  3</a:t>
+            </a:r>
+            <a:r>
+              <a:rPr lang="en-US" sz="2800" kern="0" baseline="30000" dirty="0">
                 <a:latin typeface="+mn-lt"/>
                 <a:cs typeface="Calibri Light" panose="020F0302020204030204" pitchFamily="34" charset="0"/>
                 <a:sym typeface="Wingdings" panose="05000000000000000000" pitchFamily="2" charset="2"/>
               </a:rPr>
-              <a:t>querySelectorAll</a:t>
+              <a:t>rd</a:t>
             </a:r>
             <a:r>
               <a:rPr lang="en-US" sz="2800" kern="0" dirty="0">
@@ -20536,7 +20465,92 @@
                 <a:cs typeface="Calibri Light" panose="020F0302020204030204" pitchFamily="34" charset="0"/>
                 <a:sym typeface="Wingdings" panose="05000000000000000000" pitchFamily="2" charset="2"/>
               </a:rPr>
-              <a:t>)</a:t>
+              <a:t> para true then it will capture parent first then child because of capturing mode.</a:t>
+            </a:r>
+          </a:p>
+          <a:p>
+            <a:br>
+              <a:rPr lang="en-IN" sz="1050" b="0" dirty="0">
+                <a:solidFill>
+                  <a:srgbClr val="D4D4D4"/>
+                </a:solidFill>
+                <a:effectLst/>
+                <a:latin typeface="Consolas" panose="020B0609020204030204" pitchFamily="49" charset="0"/>
+              </a:rPr>
+            </a:br>
+            <a:r>
+              <a:rPr lang="en-IN" sz="2000" b="0" dirty="0">
+                <a:solidFill>
+                  <a:srgbClr val="D4D4D4"/>
+                </a:solidFill>
+                <a:effectLst/>
+                <a:latin typeface="Consolas" panose="020B0609020204030204" pitchFamily="49" charset="0"/>
+              </a:rPr>
+              <a:t>        </a:t>
+            </a:r>
+            <a:r>
+              <a:rPr lang="en-IN" sz="2000" b="0" dirty="0" err="1">
+                <a:solidFill>
+                  <a:schemeClr val="bg1"/>
+                </a:solidFill>
+                <a:effectLst/>
+                <a:latin typeface="Consolas" panose="020B0609020204030204" pitchFamily="49" charset="0"/>
+              </a:rPr>
+              <a:t>parent.addEventListener</a:t>
+            </a:r>
+            <a:r>
+              <a:rPr lang="en-IN" sz="2000" b="0" dirty="0">
+                <a:solidFill>
+                  <a:schemeClr val="bg1"/>
+                </a:solidFill>
+                <a:effectLst/>
+                <a:latin typeface="Consolas" panose="020B0609020204030204" pitchFamily="49" charset="0"/>
+              </a:rPr>
+              <a:t>('click',(e)=&gt;{</a:t>
+            </a:r>
+          </a:p>
+          <a:p>
+            <a:r>
+              <a:rPr lang="en-IN" sz="2000" b="0" dirty="0">
+                <a:solidFill>
+                  <a:schemeClr val="bg1"/>
+                </a:solidFill>
+                <a:effectLst/>
+                <a:latin typeface="Consolas" panose="020B0609020204030204" pitchFamily="49" charset="0"/>
+              </a:rPr>
+              <a:t>            console.log("Parent is selected");</a:t>
+            </a:r>
+          </a:p>
+          <a:p>
+            <a:r>
+              <a:rPr lang="en-IN" sz="2000" b="0" dirty="0">
+                <a:solidFill>
+                  <a:schemeClr val="bg1"/>
+                </a:solidFill>
+                <a:effectLst/>
+                <a:latin typeface="Consolas" panose="020B0609020204030204" pitchFamily="49" charset="0"/>
+              </a:rPr>
+              <a:t>            </a:t>
+            </a:r>
+            <a:r>
+              <a:rPr lang="en-IN" sz="2000" b="0" dirty="0" err="1">
+                <a:solidFill>
+                  <a:schemeClr val="bg1"/>
+                </a:solidFill>
+                <a:effectLst/>
+                <a:latin typeface="Consolas" panose="020B0609020204030204" pitchFamily="49" charset="0"/>
+              </a:rPr>
+              <a:t>e.stopPropagation</a:t>
+            </a:r>
+            <a:r>
+              <a:rPr lang="en-IN" sz="2000" b="0" dirty="0">
+                <a:solidFill>
+                  <a:schemeClr val="bg1"/>
+                </a:solidFill>
+                <a:effectLst/>
+                <a:latin typeface="Consolas" panose="020B0609020204030204" pitchFamily="49" charset="0"/>
+              </a:rPr>
+              <a:t>();},true)</a:t>
             </a:r>
           </a:p>
           <a:p>
@@ -20551,175 +20565,17 @@
                 <a:cs typeface="Calibri Light" panose="020F0302020204030204" pitchFamily="34" charset="0"/>
                 <a:sym typeface="Wingdings" panose="05000000000000000000" pitchFamily="2" charset="2"/>
               </a:rPr>
-              <a:t>2. to use style use $(‘h1’).</a:t>
-            </a:r>
-            <a:r>
-              <a:rPr lang="en-US" sz="2800" kern="0" dirty="0" err="1">
-                <a:latin typeface="+mn-lt"/>
-                <a:cs typeface="Calibri Light" panose="020F0302020204030204" pitchFamily="34" charset="0"/>
-                <a:sym typeface="Wingdings" panose="05000000000000000000" pitchFamily="2" charset="2"/>
-              </a:rPr>
-              <a:t>css</a:t>
-            </a:r>
-            <a:r>
-              <a:rPr lang="en-US" sz="2800" kern="0" dirty="0">
-                <a:latin typeface="+mn-lt"/>
-                <a:cs typeface="Calibri Light" panose="020F0302020204030204" pitchFamily="34" charset="0"/>
-                <a:sym typeface="Wingdings" panose="05000000000000000000" pitchFamily="2" charset="2"/>
-              </a:rPr>
-              <a:t>(‘background-color’, ‘red’);</a:t>
-            </a:r>
-          </a:p>
-          <a:p>
-            <a:pPr marL="12700">
-              <a:spcBef>
-                <a:spcPts val="95"/>
-              </a:spcBef>
-            </a:pPr>
-            <a:r>
-              <a:rPr lang="en-US" sz="2800" kern="0" dirty="0">
-                <a:latin typeface="+mn-lt"/>
-                <a:cs typeface="Calibri Light" panose="020F0302020204030204" pitchFamily="34" charset="0"/>
-                <a:sym typeface="Wingdings" panose="05000000000000000000" pitchFamily="2" charset="2"/>
-              </a:rPr>
-              <a:t>3. to use multiple styles we will use object and for properties we use CamelCase. ex-</a:t>
-            </a:r>
-            <a:r>
-              <a:rPr lang="en-US" sz="2800" kern="0" dirty="0" err="1">
-                <a:latin typeface="+mn-lt"/>
-                <a:cs typeface="Calibri Light" panose="020F0302020204030204" pitchFamily="34" charset="0"/>
-                <a:sym typeface="Wingdings" panose="05000000000000000000" pitchFamily="2" charset="2"/>
-              </a:rPr>
-              <a:t>backgroundColor</a:t>
-            </a:r>
-            <a:r>
-              <a:rPr lang="en-US" sz="2800" kern="0" dirty="0">
-                <a:latin typeface="+mn-lt"/>
-                <a:cs typeface="Calibri Light" panose="020F0302020204030204" pitchFamily="34" charset="0"/>
-                <a:sym typeface="Wingdings" panose="05000000000000000000" pitchFamily="2" charset="2"/>
-              </a:rPr>
-              <a:t> : ‘plum’</a:t>
-            </a:r>
-          </a:p>
-          <a:p>
-            <a:pPr marL="12700">
-              <a:spcBef>
-                <a:spcPts val="95"/>
-              </a:spcBef>
-            </a:pPr>
-            <a:r>
-              <a:rPr lang="en-US" sz="2800" kern="0" dirty="0">
-                <a:latin typeface="+mn-lt"/>
-                <a:cs typeface="Calibri Light" panose="020F0302020204030204" pitchFamily="34" charset="0"/>
-                <a:sym typeface="Wingdings" panose="05000000000000000000" pitchFamily="2" charset="2"/>
-              </a:rPr>
-              <a:t>4. to use </a:t>
-            </a:r>
-            <a:r>
-              <a:rPr lang="en-US" sz="2800" kern="0" dirty="0" err="1">
-                <a:latin typeface="+mn-lt"/>
-                <a:cs typeface="Calibri Light" panose="020F0302020204030204" pitchFamily="34" charset="0"/>
-                <a:sym typeface="Wingdings" panose="05000000000000000000" pitchFamily="2" charset="2"/>
-              </a:rPr>
-              <a:t>innerText</a:t>
-            </a:r>
-            <a:r>
-              <a:rPr lang="en-US" sz="2800" kern="0" dirty="0">
-                <a:latin typeface="+mn-lt"/>
-                <a:cs typeface="Calibri Light" panose="020F0302020204030204" pitchFamily="34" charset="0"/>
-                <a:sym typeface="Wingdings" panose="05000000000000000000" pitchFamily="2" charset="2"/>
-              </a:rPr>
-              <a:t> </a:t>
-            </a:r>
-            <a:r>
-              <a:rPr lang="en-US" sz="2000" kern="0" dirty="0">
-                <a:latin typeface="Consolas" panose="020B0609020204030204" pitchFamily="49" charset="0"/>
-                <a:cs typeface="Calibri Light" panose="020F0302020204030204" pitchFamily="34" charset="0"/>
-                <a:sym typeface="Wingdings" panose="05000000000000000000" pitchFamily="2" charset="2"/>
-              </a:rPr>
-              <a:t>= </a:t>
-            </a:r>
-            <a:r>
-              <a:rPr lang="en-US" sz="2800" kern="0" dirty="0">
-                <a:latin typeface="+mn-lt"/>
-                <a:cs typeface="Calibri Light" panose="020F0302020204030204" pitchFamily="34" charset="0"/>
-                <a:sym typeface="Wingdings" panose="05000000000000000000" pitchFamily="2" charset="2"/>
-              </a:rPr>
-              <a:t> </a:t>
-            </a:r>
-            <a:r>
-              <a:rPr lang="en-US" sz="2000" kern="0" dirty="0">
-                <a:latin typeface="Consolas" panose="020B0609020204030204" pitchFamily="49" charset="0"/>
-                <a:cs typeface="Calibri Light" panose="020F0302020204030204" pitchFamily="34" charset="0"/>
-                <a:sym typeface="Wingdings" panose="05000000000000000000" pitchFamily="2" charset="2"/>
-              </a:rPr>
-              <a:t>$(‘h1’).text()//output</a:t>
-            </a:r>
-            <a:r>
-              <a:rPr lang="en-US" sz="2000" kern="0" dirty="0">
-                <a:latin typeface="+mn-lt"/>
-                <a:cs typeface="Calibri Light" panose="020F0302020204030204" pitchFamily="34" charset="0"/>
-                <a:sym typeface="Wingdings" panose="05000000000000000000" pitchFamily="2" charset="2"/>
-              </a:rPr>
-              <a:t>, </a:t>
-            </a:r>
-            <a:r>
-              <a:rPr lang="en-US" sz="2000" kern="0" dirty="0">
-                <a:latin typeface="Consolas" panose="020B0609020204030204" pitchFamily="49" charset="0"/>
-                <a:cs typeface="Calibri Light" panose="020F0302020204030204" pitchFamily="34" charset="0"/>
-                <a:sym typeface="Wingdings" panose="05000000000000000000" pitchFamily="2" charset="2"/>
-              </a:rPr>
-              <a:t> $(‘h1’).text(‘new Text’)//input</a:t>
-            </a:r>
-          </a:p>
-          <a:p>
-            <a:pPr marL="12700">
-              <a:spcBef>
-                <a:spcPts val="95"/>
-              </a:spcBef>
-            </a:pPr>
-            <a:r>
-              <a:rPr lang="en-US" sz="2800" kern="0" dirty="0">
-                <a:latin typeface="+mn-lt"/>
-                <a:cs typeface="Calibri Light" panose="020F0302020204030204" pitchFamily="34" charset="0"/>
-                <a:sym typeface="Wingdings" panose="05000000000000000000" pitchFamily="2" charset="2"/>
-              </a:rPr>
-              <a:t>5. to use </a:t>
-            </a:r>
-            <a:r>
-              <a:rPr lang="en-US" sz="2800" kern="0" dirty="0" err="1">
-                <a:latin typeface="+mn-lt"/>
-                <a:cs typeface="Calibri Light" panose="020F0302020204030204" pitchFamily="34" charset="0"/>
-                <a:sym typeface="Wingdings" panose="05000000000000000000" pitchFamily="2" charset="2"/>
-              </a:rPr>
-              <a:t>innerHTML</a:t>
-            </a:r>
-            <a:r>
-              <a:rPr lang="en-US" sz="2000" kern="0" dirty="0">
-                <a:latin typeface="Consolas" panose="020B0609020204030204" pitchFamily="49" charset="0"/>
-                <a:cs typeface="Calibri Light" panose="020F0302020204030204" pitchFamily="34" charset="0"/>
-                <a:sym typeface="Wingdings" panose="05000000000000000000" pitchFamily="2" charset="2"/>
-              </a:rPr>
-              <a:t>= </a:t>
-            </a:r>
-            <a:r>
-              <a:rPr lang="en-US" sz="2800" kern="0" dirty="0">
-                <a:latin typeface="+mn-lt"/>
-                <a:cs typeface="Calibri Light" panose="020F0302020204030204" pitchFamily="34" charset="0"/>
-                <a:sym typeface="Wingdings" panose="05000000000000000000" pitchFamily="2" charset="2"/>
-              </a:rPr>
-              <a:t> </a:t>
-            </a:r>
-            <a:r>
-              <a:rPr lang="en-US" sz="2000" kern="0" dirty="0">
-                <a:latin typeface="Consolas" panose="020B0609020204030204" pitchFamily="49" charset="0"/>
-                <a:cs typeface="Calibri Light" panose="020F0302020204030204" pitchFamily="34" charset="0"/>
-                <a:sym typeface="Wingdings" panose="05000000000000000000" pitchFamily="2" charset="2"/>
-              </a:rPr>
-              <a:t>$(‘h1’).html(‘&lt;h2&gt;new Text&lt;/h2&gt;’)//input</a:t>
-            </a:r>
+              <a:t>we can also use event’s stop propagation for stopping the propagation of event.</a:t>
+            </a:r>
+          </a:p>
+          <a:p>
+            <a:pPr marL="12700">
+              <a:spcBef>
+                <a:spcPts val="95"/>
+              </a:spcBef>
+            </a:pPr>
             <a:endParaRPr lang="en-US" sz="2800" kern="0" dirty="0">
-              <a:latin typeface="Consolas" panose="020B0609020204030204" pitchFamily="49" charset="0"/>
+              <a:latin typeface="+mn-lt"/>
               <a:cs typeface="Calibri Light" panose="020F0302020204030204" pitchFamily="34" charset="0"/>
               <a:sym typeface="Wingdings" panose="05000000000000000000" pitchFamily="2" charset="2"/>
             </a:endParaRPr>
@@ -20730,232 +20586,18 @@
                 <a:spcPts val="95"/>
               </a:spcBef>
             </a:pPr>
-            <a:r>
-              <a:rPr lang="en-US" sz="2800" kern="0" dirty="0">
-                <a:latin typeface="+mn-lt"/>
-                <a:cs typeface="Calibri Light" panose="020F0302020204030204" pitchFamily="34" charset="0"/>
-                <a:sym typeface="Wingdings" panose="05000000000000000000" pitchFamily="2" charset="2"/>
-              </a:rPr>
-              <a:t>6. to use attribute</a:t>
-            </a:r>
-            <a:r>
-              <a:rPr lang="en-US" sz="2000" kern="0" dirty="0">
-                <a:latin typeface="Consolas" panose="020B0609020204030204" pitchFamily="49" charset="0"/>
-                <a:cs typeface="Calibri Light" panose="020F0302020204030204" pitchFamily="34" charset="0"/>
-                <a:sym typeface="Wingdings" panose="05000000000000000000" pitchFamily="2" charset="2"/>
-              </a:rPr>
-              <a:t>= </a:t>
-            </a:r>
-            <a:r>
-              <a:rPr lang="en-US" sz="2800" kern="0" dirty="0">
-                <a:latin typeface="+mn-lt"/>
-                <a:cs typeface="Calibri Light" panose="020F0302020204030204" pitchFamily="34" charset="0"/>
-                <a:sym typeface="Wingdings" panose="05000000000000000000" pitchFamily="2" charset="2"/>
-              </a:rPr>
-              <a:t> </a:t>
-            </a:r>
-            <a:r>
-              <a:rPr lang="en-US" sz="2000" kern="0" dirty="0">
-                <a:latin typeface="Consolas" panose="020B0609020204030204" pitchFamily="49" charset="0"/>
-                <a:cs typeface="Calibri Light" panose="020F0302020204030204" pitchFamily="34" charset="0"/>
-                <a:sym typeface="Wingdings" panose="05000000000000000000" pitchFamily="2" charset="2"/>
-              </a:rPr>
-              <a:t>$(‘a’).</a:t>
-            </a:r>
-            <a:r>
-              <a:rPr lang="en-US" sz="2000" kern="0" dirty="0" err="1">
-                <a:latin typeface="Consolas" panose="020B0609020204030204" pitchFamily="49" charset="0"/>
-                <a:cs typeface="Calibri Light" panose="020F0302020204030204" pitchFamily="34" charset="0"/>
-                <a:sym typeface="Wingdings" panose="05000000000000000000" pitchFamily="2" charset="2"/>
-              </a:rPr>
-              <a:t>attr</a:t>
-            </a:r>
-            <a:r>
-              <a:rPr lang="en-US" sz="2000" kern="0" dirty="0">
-                <a:latin typeface="Consolas" panose="020B0609020204030204" pitchFamily="49" charset="0"/>
-                <a:cs typeface="Calibri Light" panose="020F0302020204030204" pitchFamily="34" charset="0"/>
-                <a:sym typeface="Wingdings" panose="05000000000000000000" pitchFamily="2" charset="2"/>
-              </a:rPr>
-              <a:t>(‘</a:t>
-            </a:r>
-            <a:r>
-              <a:rPr lang="en-US" sz="2000" kern="0" dirty="0" err="1">
-                <a:latin typeface="Consolas" panose="020B0609020204030204" pitchFamily="49" charset="0"/>
-                <a:cs typeface="Calibri Light" panose="020F0302020204030204" pitchFamily="34" charset="0"/>
-                <a:sym typeface="Wingdings" panose="05000000000000000000" pitchFamily="2" charset="2"/>
-              </a:rPr>
-              <a:t>href</a:t>
-            </a:r>
-            <a:r>
-              <a:rPr lang="en-US" sz="2000" kern="0" dirty="0">
-                <a:latin typeface="Consolas" panose="020B0609020204030204" pitchFamily="49" charset="0"/>
-                <a:cs typeface="Calibri Light" panose="020F0302020204030204" pitchFamily="34" charset="0"/>
-                <a:sym typeface="Wingdings" panose="05000000000000000000" pitchFamily="2" charset="2"/>
-              </a:rPr>
-              <a:t>’)//get</a:t>
-            </a:r>
-          </a:p>
-          <a:p>
-            <a:pPr marL="12700">
-              <a:spcBef>
-                <a:spcPts val="95"/>
-              </a:spcBef>
-            </a:pPr>
-            <a:r>
-              <a:rPr lang="en-US" sz="2000" kern="0" dirty="0">
-                <a:latin typeface="Consolas" panose="020B0609020204030204" pitchFamily="49" charset="0"/>
-                <a:cs typeface="Calibri Light" panose="020F0302020204030204" pitchFamily="34" charset="0"/>
-                <a:sym typeface="Wingdings" panose="05000000000000000000" pitchFamily="2" charset="2"/>
-              </a:rPr>
-              <a:t>			 $(‘a’).</a:t>
-            </a:r>
-            <a:r>
-              <a:rPr lang="en-US" sz="2000" kern="0" dirty="0" err="1">
-                <a:latin typeface="Consolas" panose="020B0609020204030204" pitchFamily="49" charset="0"/>
-                <a:cs typeface="Calibri Light" panose="020F0302020204030204" pitchFamily="34" charset="0"/>
-                <a:sym typeface="Wingdings" panose="05000000000000000000" pitchFamily="2" charset="2"/>
-              </a:rPr>
-              <a:t>attr</a:t>
-            </a:r>
-            <a:r>
-              <a:rPr lang="en-US" sz="2000" kern="0" dirty="0">
-                <a:latin typeface="Consolas" panose="020B0609020204030204" pitchFamily="49" charset="0"/>
-                <a:cs typeface="Calibri Light" panose="020F0302020204030204" pitchFamily="34" charset="0"/>
-                <a:sym typeface="Wingdings" panose="05000000000000000000" pitchFamily="2" charset="2"/>
-              </a:rPr>
-              <a:t>(‘</a:t>
-            </a:r>
-            <a:r>
-              <a:rPr lang="en-US" sz="2000" kern="0" dirty="0" err="1">
-                <a:latin typeface="Consolas" panose="020B0609020204030204" pitchFamily="49" charset="0"/>
-                <a:cs typeface="Calibri Light" panose="020F0302020204030204" pitchFamily="34" charset="0"/>
-                <a:sym typeface="Wingdings" panose="05000000000000000000" pitchFamily="2" charset="2"/>
-              </a:rPr>
-              <a:t>href</a:t>
-            </a:r>
-            <a:r>
-              <a:rPr lang="en-US" sz="2000" kern="0" dirty="0">
-                <a:latin typeface="Consolas" panose="020B0609020204030204" pitchFamily="49" charset="0"/>
-                <a:cs typeface="Calibri Light" panose="020F0302020204030204" pitchFamily="34" charset="0"/>
-                <a:sym typeface="Wingdings" panose="05000000000000000000" pitchFamily="2" charset="2"/>
-              </a:rPr>
-              <a:t>’, ‘www.google.com’ )//set</a:t>
-            </a:r>
             <a:endParaRPr lang="en-US" sz="2800" kern="0" dirty="0">
-              <a:latin typeface="Consolas" panose="020B0609020204030204" pitchFamily="49" charset="0"/>
+              <a:latin typeface="+mn-lt"/>
               <a:cs typeface="Calibri Light" panose="020F0302020204030204" pitchFamily="34" charset="0"/>
               <a:sym typeface="Wingdings" panose="05000000000000000000" pitchFamily="2" charset="2"/>
             </a:endParaRPr>
           </a:p>
-          <a:p>
-            <a:pPr marL="12700">
-              <a:spcBef>
-                <a:spcPts val="95"/>
-              </a:spcBef>
-            </a:pPr>
-            <a:endParaRPr lang="en-US" sz="2800" kern="0" dirty="0">
-              <a:latin typeface="Consolas" panose="020B0609020204030204" pitchFamily="49" charset="0"/>
-              <a:cs typeface="Calibri Light" panose="020F0302020204030204" pitchFamily="34" charset="0"/>
-              <a:sym typeface="Wingdings" panose="05000000000000000000" pitchFamily="2" charset="2"/>
-            </a:endParaRPr>
-          </a:p>
-          <a:p>
-            <a:pPr marL="12700">
-              <a:spcBef>
-                <a:spcPts val="95"/>
-              </a:spcBef>
-            </a:pPr>
-            <a:r>
-              <a:rPr lang="en-US" sz="2800" kern="0" dirty="0">
-                <a:latin typeface="+mn-lt"/>
-                <a:cs typeface="Calibri Light" panose="020F0302020204030204" pitchFamily="34" charset="0"/>
-                <a:sym typeface="Wingdings" panose="05000000000000000000" pitchFamily="2" charset="2"/>
-              </a:rPr>
-              <a:t>7. to use input value </a:t>
-            </a:r>
-            <a:r>
-              <a:rPr lang="en-US" sz="2000" kern="0" dirty="0">
-                <a:latin typeface="Consolas" panose="020B0609020204030204" pitchFamily="49" charset="0"/>
-                <a:cs typeface="Calibri Light" panose="020F0302020204030204" pitchFamily="34" charset="0"/>
-                <a:sym typeface="Wingdings" panose="05000000000000000000" pitchFamily="2" charset="2"/>
-              </a:rPr>
-              <a:t>= </a:t>
-            </a:r>
-            <a:r>
-              <a:rPr lang="en-US" sz="2800" kern="0" dirty="0">
-                <a:latin typeface="+mn-lt"/>
-                <a:cs typeface="Calibri Light" panose="020F0302020204030204" pitchFamily="34" charset="0"/>
-                <a:sym typeface="Wingdings" panose="05000000000000000000" pitchFamily="2" charset="2"/>
-              </a:rPr>
-              <a:t> 	</a:t>
-            </a:r>
-            <a:r>
-              <a:rPr lang="en-US" sz="2000" kern="0" dirty="0">
-                <a:latin typeface="Consolas" panose="020B0609020204030204" pitchFamily="49" charset="0"/>
-                <a:cs typeface="Calibri Light" panose="020F0302020204030204" pitchFamily="34" charset="0"/>
-                <a:sym typeface="Wingdings" panose="05000000000000000000" pitchFamily="2" charset="2"/>
-              </a:rPr>
-              <a:t>$(‘input’).</a:t>
-            </a:r>
-            <a:r>
-              <a:rPr lang="en-US" sz="2000" kern="0" dirty="0" err="1">
-                <a:latin typeface="Consolas" panose="020B0609020204030204" pitchFamily="49" charset="0"/>
-                <a:cs typeface="Calibri Light" panose="020F0302020204030204" pitchFamily="34" charset="0"/>
-                <a:sym typeface="Wingdings" panose="05000000000000000000" pitchFamily="2" charset="2"/>
-              </a:rPr>
-              <a:t>val</a:t>
-            </a:r>
-            <a:r>
-              <a:rPr lang="en-US" sz="2000" kern="0" dirty="0">
-                <a:latin typeface="Consolas" panose="020B0609020204030204" pitchFamily="49" charset="0"/>
-                <a:cs typeface="Calibri Light" panose="020F0302020204030204" pitchFamily="34" charset="0"/>
-                <a:sym typeface="Wingdings" panose="05000000000000000000" pitchFamily="2" charset="2"/>
-              </a:rPr>
-              <a:t>()//get</a:t>
-            </a:r>
-          </a:p>
-          <a:p>
-            <a:pPr marL="12700">
-              <a:spcBef>
-                <a:spcPts val="95"/>
-              </a:spcBef>
-            </a:pPr>
-            <a:r>
-              <a:rPr lang="en-US" sz="2000" kern="0" dirty="0">
-                <a:latin typeface="Consolas" panose="020B0609020204030204" pitchFamily="49" charset="0"/>
-                <a:cs typeface="Calibri Light" panose="020F0302020204030204" pitchFamily="34" charset="0"/>
-                <a:sym typeface="Wingdings" panose="05000000000000000000" pitchFamily="2" charset="2"/>
-              </a:rPr>
-              <a:t>				$(‘input’).</a:t>
-            </a:r>
-            <a:r>
-              <a:rPr lang="en-US" sz="2000" kern="0" dirty="0" err="1">
-                <a:latin typeface="Consolas" panose="020B0609020204030204" pitchFamily="49" charset="0"/>
-                <a:cs typeface="Calibri Light" panose="020F0302020204030204" pitchFamily="34" charset="0"/>
-                <a:sym typeface="Wingdings" panose="05000000000000000000" pitchFamily="2" charset="2"/>
-              </a:rPr>
-              <a:t>val</a:t>
-            </a:r>
-            <a:r>
-              <a:rPr lang="en-US" sz="2000" kern="0" dirty="0">
-                <a:latin typeface="Consolas" panose="020B0609020204030204" pitchFamily="49" charset="0"/>
-                <a:cs typeface="Calibri Light" panose="020F0302020204030204" pitchFamily="34" charset="0"/>
-                <a:sym typeface="Wingdings" panose="05000000000000000000" pitchFamily="2" charset="2"/>
-              </a:rPr>
-              <a:t>(‘some value’)//set</a:t>
-            </a:r>
-            <a:endParaRPr lang="en-US" sz="2800" kern="0" dirty="0">
-              <a:latin typeface="Consolas" panose="020B0609020204030204" pitchFamily="49" charset="0"/>
-              <a:cs typeface="Calibri Light" panose="020F0302020204030204" pitchFamily="34" charset="0"/>
-              <a:sym typeface="Wingdings" panose="05000000000000000000" pitchFamily="2" charset="2"/>
-            </a:endParaRPr>
-          </a:p>
         </p:txBody>
       </p:sp>
     </p:spTree>
     <p:extLst>
       <p:ext uri="{BB962C8B-B14F-4D97-AF65-F5344CB8AC3E}">
-        <p14:creationId xmlns:p14="http://schemas.microsoft.com/office/powerpoint/2010/main" val="3770203744"/>
+        <p14:creationId xmlns:p14="http://schemas.microsoft.com/office/powerpoint/2010/main" val="1493172746"/>
       </p:ext>
     </p:extLst>
   </p:cSld>
@@ -21121,7 +20763,7 @@
         <p:spPr>
           <a:xfrm>
             <a:off x="533400" y="838200"/>
-            <a:ext cx="11621728" cy="4508285"/>
+            <a:ext cx="11621728" cy="5508559"/>
           </a:xfrm>
           <a:prstGeom prst="rect">
             <a:avLst/>
@@ -21144,169 +20786,255 @@
             </a:lvl1pPr>
           </a:lstStyle>
           <a:p>
+            <a:pPr marL="12700">
+              <a:spcBef>
+                <a:spcPts val="95"/>
+              </a:spcBef>
+            </a:pPr>
+            <a:r>
+              <a:rPr lang="en-US" sz="2800" kern="0" dirty="0" err="1">
+                <a:latin typeface="+mn-lt"/>
+                <a:cs typeface="Calibri Light" panose="020F0302020204030204" pitchFamily="34" charset="0"/>
+                <a:sym typeface="Wingdings" panose="05000000000000000000" pitchFamily="2" charset="2"/>
+              </a:rPr>
+              <a:t>JQuery</a:t>
+            </a:r>
             <a:r>
               <a:rPr lang="en-US" sz="2800" kern="0" dirty="0">
                 <a:latin typeface="+mn-lt"/>
                 <a:cs typeface="Calibri Light" panose="020F0302020204030204" pitchFamily="34" charset="0"/>
                 <a:sym typeface="Wingdings" panose="05000000000000000000" pitchFamily="2" charset="2"/>
               </a:rPr>
-              <a:t>8. Events :</a:t>
-            </a:r>
-            <a:r>
-              <a:rPr lang="en-US" sz="2800" kern="0" dirty="0">
-                <a:latin typeface="Consolas" panose="020B0609020204030204" pitchFamily="49" charset="0"/>
-                <a:cs typeface="Calibri Light" panose="020F0302020204030204" pitchFamily="34" charset="0"/>
-                <a:sym typeface="Wingdings" panose="05000000000000000000" pitchFamily="2" charset="2"/>
-              </a:rPr>
-              <a:t> </a:t>
-            </a:r>
-            <a:br>
-              <a:rPr lang="en-IN" sz="900" b="0" dirty="0">
-                <a:solidFill>
-                  <a:srgbClr val="D4D4D4"/>
-                </a:solidFill>
-                <a:effectLst/>
-                <a:latin typeface="Consolas" panose="020B0609020204030204" pitchFamily="49" charset="0"/>
-              </a:rPr>
-            </a:br>
-            <a:r>
-              <a:rPr lang="en-IN" sz="2800" b="0" dirty="0">
-                <a:solidFill>
-                  <a:srgbClr val="D4D4D4"/>
-                </a:solidFill>
-                <a:effectLst/>
-                <a:latin typeface="+mj-lt"/>
-              </a:rPr>
-              <a:t>1. General click </a:t>
-            </a:r>
-          </a:p>
-          <a:p>
-            <a:r>
-              <a:rPr lang="en-IN" sz="2000" b="0" dirty="0">
-                <a:solidFill>
-                  <a:schemeClr val="bg1"/>
-                </a:solidFill>
-                <a:effectLst/>
-                <a:latin typeface="Consolas" panose="020B0609020204030204" pitchFamily="49" charset="0"/>
-              </a:rPr>
-              <a:t>$('button').click(function(){console.log("normal Function");})</a:t>
-            </a:r>
-          </a:p>
-          <a:p>
-            <a:endParaRPr lang="en-IN" sz="2000" b="0" dirty="0">
-              <a:solidFill>
-                <a:schemeClr val="bg1"/>
-              </a:solidFill>
-              <a:effectLst/>
-              <a:latin typeface="Consolas" panose="020B0609020204030204" pitchFamily="49" charset="0"/>
-            </a:endParaRPr>
-          </a:p>
-          <a:p>
+              <a:t> is a JS library.</a:t>
+            </a:r>
+          </a:p>
+          <a:p>
+            <a:pPr marL="12700">
+              <a:spcBef>
+                <a:spcPts val="95"/>
+              </a:spcBef>
+            </a:pPr>
             <a:r>
               <a:rPr lang="en-US" sz="2800" kern="0" dirty="0">
                 <a:latin typeface="+mn-lt"/>
                 <a:cs typeface="Calibri Light" panose="020F0302020204030204" pitchFamily="34" charset="0"/>
                 <a:sym typeface="Wingdings" panose="05000000000000000000" pitchFamily="2" charset="2"/>
               </a:rPr>
-              <a:t>2. To select a particular element when multiple buttons are there</a:t>
-            </a:r>
-          </a:p>
-          <a:p>
+              <a:t>Use jQuery by downloading the codes and including it in jQuery.js</a:t>
+            </a:r>
+          </a:p>
+          <a:p>
+            <a:pPr marL="12700">
+              <a:spcBef>
+                <a:spcPts val="95"/>
+              </a:spcBef>
+            </a:pPr>
             <a:r>
               <a:rPr lang="en-US" sz="2800" kern="0" dirty="0">
                 <a:latin typeface="+mn-lt"/>
                 <a:cs typeface="Calibri Light" panose="020F0302020204030204" pitchFamily="34" charset="0"/>
                 <a:sym typeface="Wingdings" panose="05000000000000000000" pitchFamily="2" charset="2"/>
               </a:rPr>
+              <a:t>1. $  selector .(same as </a:t>
+            </a:r>
+            <a:r>
+              <a:rPr lang="en-US" sz="2800" kern="0" dirty="0" err="1">
+                <a:latin typeface="+mn-lt"/>
+                <a:cs typeface="Calibri Light" panose="020F0302020204030204" pitchFamily="34" charset="0"/>
+                <a:sym typeface="Wingdings" panose="05000000000000000000" pitchFamily="2" charset="2"/>
+              </a:rPr>
+              <a:t>querySelectorAll</a:t>
+            </a:r>
+            <a:r>
+              <a:rPr lang="en-US" sz="2800" kern="0" dirty="0">
+                <a:latin typeface="+mn-lt"/>
+                <a:cs typeface="Calibri Light" panose="020F0302020204030204" pitchFamily="34" charset="0"/>
+                <a:sym typeface="Wingdings" panose="05000000000000000000" pitchFamily="2" charset="2"/>
+              </a:rPr>
+              <a:t>)</a:t>
+            </a:r>
+          </a:p>
+          <a:p>
+            <a:pPr marL="12700">
+              <a:spcBef>
+                <a:spcPts val="95"/>
+              </a:spcBef>
+            </a:pPr>
+            <a:r>
+              <a:rPr lang="en-US" sz="2800" kern="0" dirty="0">
+                <a:latin typeface="+mn-lt"/>
+                <a:cs typeface="Calibri Light" panose="020F0302020204030204" pitchFamily="34" charset="0"/>
+                <a:sym typeface="Wingdings" panose="05000000000000000000" pitchFamily="2" charset="2"/>
+              </a:rPr>
+              <a:t>2. to use style use $(‘h1’).</a:t>
+            </a:r>
+            <a:r>
+              <a:rPr lang="en-US" sz="2800" kern="0" dirty="0" err="1">
+                <a:latin typeface="+mn-lt"/>
+                <a:cs typeface="Calibri Light" panose="020F0302020204030204" pitchFamily="34" charset="0"/>
+                <a:sym typeface="Wingdings" panose="05000000000000000000" pitchFamily="2" charset="2"/>
+              </a:rPr>
+              <a:t>css</a:t>
+            </a:r>
+            <a:r>
+              <a:rPr lang="en-US" sz="2800" kern="0" dirty="0">
+                <a:latin typeface="+mn-lt"/>
+                <a:cs typeface="Calibri Light" panose="020F0302020204030204" pitchFamily="34" charset="0"/>
+                <a:sym typeface="Wingdings" panose="05000000000000000000" pitchFamily="2" charset="2"/>
+              </a:rPr>
+              <a:t>(‘background-color’, ‘red’);</a:t>
+            </a:r>
+          </a:p>
+          <a:p>
+            <a:pPr marL="12700">
+              <a:spcBef>
+                <a:spcPts val="95"/>
+              </a:spcBef>
+            </a:pPr>
+            <a:r>
+              <a:rPr lang="en-US" sz="2800" kern="0" dirty="0">
+                <a:latin typeface="+mn-lt"/>
+                <a:cs typeface="Calibri Light" panose="020F0302020204030204" pitchFamily="34" charset="0"/>
+                <a:sym typeface="Wingdings" panose="05000000000000000000" pitchFamily="2" charset="2"/>
+              </a:rPr>
+              <a:t>3. to use multiple styles we will use object and for properties we use CamelCase. ex-</a:t>
+            </a:r>
+            <a:r>
+              <a:rPr lang="en-US" sz="2800" kern="0" dirty="0" err="1">
+                <a:latin typeface="+mn-lt"/>
+                <a:cs typeface="Calibri Light" panose="020F0302020204030204" pitchFamily="34" charset="0"/>
+                <a:sym typeface="Wingdings" panose="05000000000000000000" pitchFamily="2" charset="2"/>
+              </a:rPr>
+              <a:t>backgroundColor</a:t>
+            </a:r>
+            <a:r>
+              <a:rPr lang="en-US" sz="2800" kern="0" dirty="0">
+                <a:latin typeface="+mn-lt"/>
+                <a:cs typeface="Calibri Light" panose="020F0302020204030204" pitchFamily="34" charset="0"/>
+                <a:sym typeface="Wingdings" panose="05000000000000000000" pitchFamily="2" charset="2"/>
+              </a:rPr>
+              <a:t> : ‘plum’</a:t>
+            </a:r>
+          </a:p>
+          <a:p>
+            <a:pPr marL="12700">
+              <a:spcBef>
+                <a:spcPts val="95"/>
+              </a:spcBef>
+            </a:pPr>
+            <a:r>
+              <a:rPr lang="en-US" sz="2800" kern="0" dirty="0">
+                <a:latin typeface="+mn-lt"/>
+                <a:cs typeface="Calibri Light" panose="020F0302020204030204" pitchFamily="34" charset="0"/>
+                <a:sym typeface="Wingdings" panose="05000000000000000000" pitchFamily="2" charset="2"/>
+              </a:rPr>
+              <a:t>4. to use </a:t>
+            </a:r>
+            <a:r>
+              <a:rPr lang="en-US" sz="2800" kern="0" dirty="0" err="1">
+                <a:latin typeface="+mn-lt"/>
+                <a:cs typeface="Calibri Light" panose="020F0302020204030204" pitchFamily="34" charset="0"/>
+                <a:sym typeface="Wingdings" panose="05000000000000000000" pitchFamily="2" charset="2"/>
+              </a:rPr>
+              <a:t>innerText</a:t>
+            </a:r>
+            <a:r>
+              <a:rPr lang="en-US" sz="2800" kern="0" dirty="0">
+                <a:latin typeface="+mn-lt"/>
+                <a:cs typeface="Calibri Light" panose="020F0302020204030204" pitchFamily="34" charset="0"/>
+                <a:sym typeface="Wingdings" panose="05000000000000000000" pitchFamily="2" charset="2"/>
+              </a:rPr>
               <a:t> </a:t>
             </a:r>
             <a:r>
-              <a:rPr lang="en-IN" sz="2000" b="0" dirty="0">
-                <a:solidFill>
-                  <a:schemeClr val="bg1"/>
-                </a:solidFill>
-                <a:effectLst/>
-                <a:latin typeface="Consolas" panose="020B0609020204030204" pitchFamily="49" charset="0"/>
-              </a:rPr>
-              <a:t>$('button').click(function(){$(this).</a:t>
-            </a:r>
-            <a:r>
-              <a:rPr lang="en-IN" sz="2000" b="0" dirty="0" err="1">
-                <a:solidFill>
-                  <a:schemeClr val="bg1"/>
-                </a:solidFill>
-                <a:effectLst/>
-                <a:latin typeface="Consolas" panose="020B0609020204030204" pitchFamily="49" charset="0"/>
-              </a:rPr>
-              <a:t>css</a:t>
-            </a:r>
-            <a:r>
-              <a:rPr lang="en-IN" sz="2000" b="0" dirty="0">
-                <a:solidFill>
-                  <a:schemeClr val="bg1"/>
-                </a:solidFill>
-                <a:effectLst/>
-                <a:latin typeface="Consolas" panose="020B0609020204030204" pitchFamily="49" charset="0"/>
-              </a:rPr>
-              <a:t>(“</a:t>
-            </a:r>
-            <a:r>
-              <a:rPr lang="en-IN" sz="2000" b="0" dirty="0" err="1">
-                <a:solidFill>
-                  <a:schemeClr val="bg1"/>
-                </a:solidFill>
-                <a:effectLst/>
-                <a:latin typeface="Consolas" panose="020B0609020204030204" pitchFamily="49" charset="0"/>
-              </a:rPr>
-              <a:t>color</a:t>
-            </a:r>
-            <a:r>
-              <a:rPr lang="en-IN" sz="2000" b="0" dirty="0">
-                <a:solidFill>
-                  <a:schemeClr val="bg1"/>
-                </a:solidFill>
-                <a:effectLst/>
-                <a:latin typeface="Consolas" panose="020B0609020204030204" pitchFamily="49" charset="0"/>
-              </a:rPr>
-              <a:t>“,“red”);})</a:t>
-            </a:r>
-          </a:p>
-          <a:p>
-            <a:r>
-              <a:rPr lang="en-IN" sz="2000" kern="0" dirty="0">
-                <a:solidFill>
-                  <a:schemeClr val="bg1"/>
-                </a:solidFill>
-                <a:latin typeface="Consolas" panose="020B0609020204030204" pitchFamily="49" charset="0"/>
-                <a:cs typeface="Calibri Light" panose="020F0302020204030204" pitchFamily="34" charset="0"/>
-                <a:sym typeface="Wingdings" panose="05000000000000000000" pitchFamily="2" charset="2"/>
-              </a:rPr>
-              <a:t>//for </a:t>
-            </a:r>
-            <a:r>
-              <a:rPr lang="en-IN" sz="2000" kern="0" dirty="0" err="1">
-                <a:solidFill>
-                  <a:schemeClr val="bg1"/>
-                </a:solidFill>
-                <a:latin typeface="Consolas" panose="020B0609020204030204" pitchFamily="49" charset="0"/>
-                <a:cs typeface="Calibri Light" panose="020F0302020204030204" pitchFamily="34" charset="0"/>
-                <a:sym typeface="Wingdings" panose="05000000000000000000" pitchFamily="2" charset="2"/>
-              </a:rPr>
-              <a:t>addEventListerner</a:t>
-            </a:r>
-            <a:r>
-              <a:rPr lang="en-IN" sz="2000" kern="0" dirty="0">
-                <a:solidFill>
-                  <a:schemeClr val="bg1"/>
-                </a:solidFill>
-                <a:latin typeface="Consolas" panose="020B0609020204030204" pitchFamily="49" charset="0"/>
-                <a:cs typeface="Calibri Light" panose="020F0302020204030204" pitchFamily="34" charset="0"/>
-                <a:sym typeface="Wingdings" panose="05000000000000000000" pitchFamily="2" charset="2"/>
-              </a:rPr>
-              <a:t>  we have “$(‘button’).on”</a:t>
-            </a:r>
-            <a:endParaRPr lang="en-US" sz="2000" kern="0" dirty="0">
-              <a:latin typeface="+mn-lt"/>
+              <a:rPr lang="en-US" sz="2000" kern="0" dirty="0">
+                <a:latin typeface="Consolas" panose="020B0609020204030204" pitchFamily="49" charset="0"/>
+                <a:cs typeface="Calibri Light" panose="020F0302020204030204" pitchFamily="34" charset="0"/>
+                <a:sym typeface="Wingdings" panose="05000000000000000000" pitchFamily="2" charset="2"/>
+              </a:rPr>
+              <a:t>= </a:t>
+            </a:r>
+            <a:r>
+              <a:rPr lang="en-US" sz="2800" kern="0" dirty="0">
+                <a:latin typeface="+mn-lt"/>
+                <a:cs typeface="Calibri Light" panose="020F0302020204030204" pitchFamily="34" charset="0"/>
+                <a:sym typeface="Wingdings" panose="05000000000000000000" pitchFamily="2" charset="2"/>
+              </a:rPr>
+              <a:t> </a:t>
+            </a:r>
+            <a:r>
+              <a:rPr lang="en-US" sz="2000" kern="0" dirty="0">
+                <a:latin typeface="Consolas" panose="020B0609020204030204" pitchFamily="49" charset="0"/>
+                <a:cs typeface="Calibri Light" panose="020F0302020204030204" pitchFamily="34" charset="0"/>
+                <a:sym typeface="Wingdings" panose="05000000000000000000" pitchFamily="2" charset="2"/>
+              </a:rPr>
+              <a:t>$(‘h1’).text()//output</a:t>
+            </a:r>
+            <a:r>
+              <a:rPr lang="en-US" sz="2000" kern="0" dirty="0">
+                <a:latin typeface="+mn-lt"/>
+                <a:cs typeface="Calibri Light" panose="020F0302020204030204" pitchFamily="34" charset="0"/>
+                <a:sym typeface="Wingdings" panose="05000000000000000000" pitchFamily="2" charset="2"/>
+              </a:rPr>
+              <a:t>, </a:t>
+            </a:r>
+            <a:r>
+              <a:rPr lang="en-US" sz="2000" kern="0" dirty="0">
+                <a:latin typeface="Consolas" panose="020B0609020204030204" pitchFamily="49" charset="0"/>
+                <a:cs typeface="Calibri Light" panose="020F0302020204030204" pitchFamily="34" charset="0"/>
+                <a:sym typeface="Wingdings" panose="05000000000000000000" pitchFamily="2" charset="2"/>
+              </a:rPr>
+              <a:t> $(‘h1’).text(‘new Text’)//input</a:t>
+            </a:r>
+          </a:p>
+          <a:p>
+            <a:pPr marL="12700">
+              <a:spcBef>
+                <a:spcPts val="95"/>
+              </a:spcBef>
+            </a:pPr>
+            <a:r>
+              <a:rPr lang="en-US" sz="2800" kern="0" dirty="0">
+                <a:latin typeface="+mn-lt"/>
+                <a:cs typeface="Calibri Light" panose="020F0302020204030204" pitchFamily="34" charset="0"/>
+                <a:sym typeface="Wingdings" panose="05000000000000000000" pitchFamily="2" charset="2"/>
+              </a:rPr>
+              <a:t>5. to use </a:t>
+            </a:r>
+            <a:r>
+              <a:rPr lang="en-US" sz="2800" kern="0" dirty="0" err="1">
+                <a:latin typeface="+mn-lt"/>
+                <a:cs typeface="Calibri Light" panose="020F0302020204030204" pitchFamily="34" charset="0"/>
+                <a:sym typeface="Wingdings" panose="05000000000000000000" pitchFamily="2" charset="2"/>
+              </a:rPr>
+              <a:t>innerHTML</a:t>
+            </a:r>
+            <a:r>
+              <a:rPr lang="en-US" sz="2000" kern="0" dirty="0">
+                <a:latin typeface="Consolas" panose="020B0609020204030204" pitchFamily="49" charset="0"/>
+                <a:cs typeface="Calibri Light" panose="020F0302020204030204" pitchFamily="34" charset="0"/>
+                <a:sym typeface="Wingdings" panose="05000000000000000000" pitchFamily="2" charset="2"/>
+              </a:rPr>
+              <a:t>= </a:t>
+            </a:r>
+            <a:r>
+              <a:rPr lang="en-US" sz="2800" kern="0" dirty="0">
+                <a:latin typeface="+mn-lt"/>
+                <a:cs typeface="Calibri Light" panose="020F0302020204030204" pitchFamily="34" charset="0"/>
+                <a:sym typeface="Wingdings" panose="05000000000000000000" pitchFamily="2" charset="2"/>
+              </a:rPr>
+              <a:t> </a:t>
+            </a:r>
+            <a:r>
+              <a:rPr lang="en-US" sz="2000" kern="0" dirty="0">
+                <a:latin typeface="Consolas" panose="020B0609020204030204" pitchFamily="49" charset="0"/>
+                <a:cs typeface="Calibri Light" panose="020F0302020204030204" pitchFamily="34" charset="0"/>
+                <a:sym typeface="Wingdings" panose="05000000000000000000" pitchFamily="2" charset="2"/>
+              </a:rPr>
+              <a:t>$(‘h1’).html(‘&lt;h2&gt;new Text&lt;/h2&gt;’)//input</a:t>
+            </a:r>
+            <a:endParaRPr lang="en-US" sz="2800" kern="0" dirty="0">
+              <a:latin typeface="Consolas" panose="020B0609020204030204" pitchFamily="49" charset="0"/>
               <a:cs typeface="Calibri Light" panose="020F0302020204030204" pitchFamily="34" charset="0"/>
               <a:sym typeface="Wingdings" panose="05000000000000000000" pitchFamily="2" charset="2"/>
             </a:endParaRPr>
@@ -21318,7 +21046,23 @@
               </a:spcBef>
             </a:pPr>
             <a:r>
+              <a:rPr lang="en-US" sz="2800" kern="0" dirty="0">
+                <a:latin typeface="+mn-lt"/>
+                <a:cs typeface="Calibri Light" panose="020F0302020204030204" pitchFamily="34" charset="0"/>
+                <a:sym typeface="Wingdings" panose="05000000000000000000" pitchFamily="2" charset="2"/>
+              </a:rPr>
+              <a:t>6. to use attribute</a:t>
+            </a:r>
+            <a:r>
               <a:rPr lang="en-US" sz="2000" kern="0" dirty="0">
+                <a:latin typeface="Consolas" panose="020B0609020204030204" pitchFamily="49" charset="0"/>
+                <a:cs typeface="Calibri Light" panose="020F0302020204030204" pitchFamily="34" charset="0"/>
+                <a:sym typeface="Wingdings" panose="05000000000000000000" pitchFamily="2" charset="2"/>
+              </a:rPr>
+              <a:t>= </a:t>
+            </a:r>
+            <a:r>
+              <a:rPr lang="en-US" sz="2800" kern="0" dirty="0">
                 <a:latin typeface="+mn-lt"/>
                 <a:cs typeface="Calibri Light" panose="020F0302020204030204" pitchFamily="34" charset="0"/>
                 <a:sym typeface="Wingdings" panose="05000000000000000000" pitchFamily="2" charset="2"/>
@@ -21326,77 +21070,94 @@
               <a:t> </a:t>
             </a:r>
             <a:r>
-              <a:rPr lang="en-IN" sz="2000" b="0" dirty="0">
-                <a:solidFill>
-                  <a:schemeClr val="bg1"/>
-                </a:solidFill>
-                <a:effectLst/>
-                <a:latin typeface="Consolas" panose="020B0609020204030204" pitchFamily="49" charset="0"/>
-              </a:rPr>
-              <a:t>$('button’).on(‘</a:t>
-            </a:r>
-            <a:r>
-              <a:rPr lang="en-IN" sz="2000" b="0" dirty="0" err="1">
-                <a:solidFill>
-                  <a:schemeClr val="bg1"/>
-                </a:solidFill>
-                <a:effectLst/>
-                <a:latin typeface="Consolas" panose="020B0609020204030204" pitchFamily="49" charset="0"/>
-              </a:rPr>
-              <a:t>click’,function</a:t>
-            </a:r>
-            <a:r>
-              <a:rPr lang="en-IN" sz="2000" b="0" dirty="0">
-                <a:solidFill>
-                  <a:schemeClr val="bg1"/>
-                </a:solidFill>
-                <a:effectLst/>
-                <a:latin typeface="Consolas" panose="020B0609020204030204" pitchFamily="49" charset="0"/>
-              </a:rPr>
-              <a:t>(){$(this).</a:t>
-            </a:r>
-            <a:r>
-              <a:rPr lang="en-IN" sz="2000" b="0" dirty="0" err="1">
-                <a:solidFill>
-                  <a:schemeClr val="bg1"/>
-                </a:solidFill>
-                <a:effectLst/>
-                <a:latin typeface="Consolas" panose="020B0609020204030204" pitchFamily="49" charset="0"/>
-              </a:rPr>
-              <a:t>css</a:t>
-            </a:r>
-            <a:r>
-              <a:rPr lang="en-IN" sz="2000" b="0" dirty="0">
-                <a:solidFill>
-                  <a:schemeClr val="bg1"/>
-                </a:solidFill>
-                <a:effectLst/>
-                <a:latin typeface="Consolas" panose="020B0609020204030204" pitchFamily="49" charset="0"/>
-              </a:rPr>
-              <a:t>(“</a:t>
-            </a:r>
-            <a:r>
-              <a:rPr lang="en-IN" sz="2000" b="0" dirty="0" err="1">
-                <a:solidFill>
-                  <a:schemeClr val="bg1"/>
-                </a:solidFill>
-                <a:effectLst/>
-                <a:latin typeface="Consolas" panose="020B0609020204030204" pitchFamily="49" charset="0"/>
-              </a:rPr>
-              <a:t>color</a:t>
-            </a:r>
-            <a:r>
-              <a:rPr lang="en-IN" sz="2000" b="0" dirty="0">
-                <a:solidFill>
-                  <a:schemeClr val="bg1"/>
-                </a:solidFill>
-                <a:effectLst/>
-                <a:latin typeface="Consolas" panose="020B0609020204030204" pitchFamily="49" charset="0"/>
-              </a:rPr>
-              <a:t>“,“red”);})</a:t>
-            </a:r>
-            <a:endParaRPr lang="en-US" sz="2000" kern="0" dirty="0">
-              <a:latin typeface="+mn-lt"/>
+              <a:rPr lang="en-US" sz="2000" kern="0" dirty="0">
+                <a:latin typeface="Consolas" panose="020B0609020204030204" pitchFamily="49" charset="0"/>
+                <a:cs typeface="Calibri Light" panose="020F0302020204030204" pitchFamily="34" charset="0"/>
+                <a:sym typeface="Wingdings" panose="05000000000000000000" pitchFamily="2" charset="2"/>
+              </a:rPr>
+              <a:t>$(‘a’).</a:t>
+            </a:r>
+            <a:r>
+              <a:rPr lang="en-US" sz="2000" kern="0" dirty="0" err="1">
+                <a:latin typeface="Consolas" panose="020B0609020204030204" pitchFamily="49" charset="0"/>
+                <a:cs typeface="Calibri Light" panose="020F0302020204030204" pitchFamily="34" charset="0"/>
+                <a:sym typeface="Wingdings" panose="05000000000000000000" pitchFamily="2" charset="2"/>
+              </a:rPr>
+              <a:t>attr</a:t>
+            </a:r>
+            <a:r>
+              <a:rPr lang="en-US" sz="2000" kern="0" dirty="0">
+                <a:latin typeface="Consolas" panose="020B0609020204030204" pitchFamily="49" charset="0"/>
+                <a:cs typeface="Calibri Light" panose="020F0302020204030204" pitchFamily="34" charset="0"/>
+                <a:sym typeface="Wingdings" panose="05000000000000000000" pitchFamily="2" charset="2"/>
+              </a:rPr>
+              <a:t>(‘</a:t>
+            </a:r>
+            <a:r>
+              <a:rPr lang="en-US" sz="2000" kern="0" dirty="0" err="1">
+                <a:latin typeface="Consolas" panose="020B0609020204030204" pitchFamily="49" charset="0"/>
+                <a:cs typeface="Calibri Light" panose="020F0302020204030204" pitchFamily="34" charset="0"/>
+                <a:sym typeface="Wingdings" panose="05000000000000000000" pitchFamily="2" charset="2"/>
+              </a:rPr>
+              <a:t>href</a:t>
+            </a:r>
+            <a:r>
+              <a:rPr lang="en-US" sz="2000" kern="0" dirty="0">
+                <a:latin typeface="Consolas" panose="020B0609020204030204" pitchFamily="49" charset="0"/>
+                <a:cs typeface="Calibri Light" panose="020F0302020204030204" pitchFamily="34" charset="0"/>
+                <a:sym typeface="Wingdings" panose="05000000000000000000" pitchFamily="2" charset="2"/>
+              </a:rPr>
+              <a:t>’)//get</a:t>
+            </a:r>
+          </a:p>
+          <a:p>
+            <a:pPr marL="12700">
+              <a:spcBef>
+                <a:spcPts val="95"/>
+              </a:spcBef>
+            </a:pPr>
+            <a:r>
+              <a:rPr lang="en-US" sz="2000" kern="0" dirty="0">
+                <a:latin typeface="Consolas" panose="020B0609020204030204" pitchFamily="49" charset="0"/>
+                <a:cs typeface="Calibri Light" panose="020F0302020204030204" pitchFamily="34" charset="0"/>
+                <a:sym typeface="Wingdings" panose="05000000000000000000" pitchFamily="2" charset="2"/>
+              </a:rPr>
+              <a:t>			 $(‘a’).</a:t>
+            </a:r>
+            <a:r>
+              <a:rPr lang="en-US" sz="2000" kern="0" dirty="0" err="1">
+                <a:latin typeface="Consolas" panose="020B0609020204030204" pitchFamily="49" charset="0"/>
+                <a:cs typeface="Calibri Light" panose="020F0302020204030204" pitchFamily="34" charset="0"/>
+                <a:sym typeface="Wingdings" panose="05000000000000000000" pitchFamily="2" charset="2"/>
+              </a:rPr>
+              <a:t>attr</a:t>
+            </a:r>
+            <a:r>
+              <a:rPr lang="en-US" sz="2000" kern="0" dirty="0">
+                <a:latin typeface="Consolas" panose="020B0609020204030204" pitchFamily="49" charset="0"/>
+                <a:cs typeface="Calibri Light" panose="020F0302020204030204" pitchFamily="34" charset="0"/>
+                <a:sym typeface="Wingdings" panose="05000000000000000000" pitchFamily="2" charset="2"/>
+              </a:rPr>
+              <a:t>(‘</a:t>
+            </a:r>
+            <a:r>
+              <a:rPr lang="en-US" sz="2000" kern="0" dirty="0" err="1">
+                <a:latin typeface="Consolas" panose="020B0609020204030204" pitchFamily="49" charset="0"/>
+                <a:cs typeface="Calibri Light" panose="020F0302020204030204" pitchFamily="34" charset="0"/>
+                <a:sym typeface="Wingdings" panose="05000000000000000000" pitchFamily="2" charset="2"/>
+              </a:rPr>
+              <a:t>href</a:t>
+            </a:r>
+            <a:r>
+              <a:rPr lang="en-US" sz="2000" kern="0" dirty="0">
+                <a:latin typeface="Consolas" panose="020B0609020204030204" pitchFamily="49" charset="0"/>
+                <a:cs typeface="Calibri Light" panose="020F0302020204030204" pitchFamily="34" charset="0"/>
+                <a:sym typeface="Wingdings" panose="05000000000000000000" pitchFamily="2" charset="2"/>
+              </a:rPr>
+              <a:t>’, ‘www.google.com’ )//set</a:t>
+            </a:r>
+            <a:endParaRPr lang="en-US" sz="2800" kern="0" dirty="0">
+              <a:latin typeface="Consolas" panose="020B0609020204030204" pitchFamily="49" charset="0"/>
               <a:cs typeface="Calibri Light" panose="020F0302020204030204" pitchFamily="34" charset="0"/>
               <a:sym typeface="Wingdings" panose="05000000000000000000" pitchFamily="2" charset="2"/>
             </a:endParaRPr>
@@ -21408,7 +21169,7 @@
               </a:spcBef>
             </a:pPr>
             <a:endParaRPr lang="en-US" sz="2800" kern="0" dirty="0">
-              <a:latin typeface="+mn-lt"/>
+              <a:latin typeface="Consolas" panose="020B0609020204030204" pitchFamily="49" charset="0"/>
               <a:cs typeface="Calibri Light" panose="020F0302020204030204" pitchFamily="34" charset="0"/>
               <a:sym typeface="Wingdings" panose="05000000000000000000" pitchFamily="2" charset="2"/>
             </a:endParaRPr>
@@ -21425,21 +21186,30 @@
                 <a:cs typeface="Calibri Light" panose="020F0302020204030204" pitchFamily="34" charset="0"/>
                 <a:sym typeface="Wingdings" panose="05000000000000000000" pitchFamily="2" charset="2"/>
               </a:rPr>
-              <a:t>3. Input event</a:t>
-            </a:r>
-          </a:p>
-          <a:p>
-            <a:pPr marL="12700">
-              <a:spcBef>
-                <a:spcPts val="95"/>
-              </a:spcBef>
-            </a:pPr>
+              <a:t>7. to use input value </a:t>
+            </a:r>
             <a:r>
               <a:rPr lang="en-US" sz="2000" kern="0" dirty="0">
                 <a:latin typeface="Consolas" panose="020B0609020204030204" pitchFamily="49" charset="0"/>
                 <a:cs typeface="Calibri Light" panose="020F0302020204030204" pitchFamily="34" charset="0"/>
                 <a:sym typeface="Wingdings" panose="05000000000000000000" pitchFamily="2" charset="2"/>
               </a:rPr>
+              <a:t>= </a:t>
+            </a:r>
+            <a:r>
+              <a:rPr lang="en-US" sz="2800" kern="0" dirty="0">
+                <a:latin typeface="+mn-lt"/>
+                <a:cs typeface="Calibri Light" panose="020F0302020204030204" pitchFamily="34" charset="0"/>
+                <a:sym typeface="Wingdings" panose="05000000000000000000" pitchFamily="2" charset="2"/>
+              </a:rPr>
+              <a:t> 	</a:t>
+            </a:r>
+            <a:r>
+              <a:rPr lang="en-US" sz="2000" kern="0" dirty="0">
+                <a:latin typeface="Consolas" panose="020B0609020204030204" pitchFamily="49" charset="0"/>
+                <a:cs typeface="Calibri Light" panose="020F0302020204030204" pitchFamily="34" charset="0"/>
+                <a:sym typeface="Wingdings" panose="05000000000000000000" pitchFamily="2" charset="2"/>
+              </a:rPr>
               <a:t>$(‘input’).</a:t>
             </a:r>
             <a:r>
@@ -21448,7 +21218,7 @@
                 <a:cs typeface="Calibri Light" panose="020F0302020204030204" pitchFamily="34" charset="0"/>
                 <a:sym typeface="Wingdings" panose="05000000000000000000" pitchFamily="2" charset="2"/>
               </a:rPr>
-              <a:t>keyup</a:t>
+              <a:t>val</a:t>
             </a:r>
             <a:r>
               <a:rPr lang="en-US" sz="2000" kern="0" dirty="0">
@@ -21456,7 +21226,7 @@
                 <a:cs typeface="Calibri Light" panose="020F0302020204030204" pitchFamily="34" charset="0"/>
                 <a:sym typeface="Wingdings" panose="05000000000000000000" pitchFamily="2" charset="2"/>
               </a:rPr>
-              <a:t>(function(){log(“Key released”)};</a:t>
+              <a:t>()//get</a:t>
             </a:r>
           </a:p>
           <a:p>
@@ -21471,7 +21241,7 @@
                 <a:cs typeface="Calibri Light" panose="020F0302020204030204" pitchFamily="34" charset="0"/>
                 <a:sym typeface="Wingdings" panose="05000000000000000000" pitchFamily="2" charset="2"/>
               </a:rPr>
-              <a:t>$(‘input’).</a:t>
+              <a:t>				$(‘input’).</a:t>
             </a:r>
             <a:r>
               <a:rPr lang="en-US" sz="2000" kern="0" dirty="0" err="1">
@@ -21479,7 +21249,7 @@
                 <a:cs typeface="Calibri Light" panose="020F0302020204030204" pitchFamily="34" charset="0"/>
                 <a:sym typeface="Wingdings" panose="05000000000000000000" pitchFamily="2" charset="2"/>
               </a:rPr>
-              <a:t>keyup</a:t>
+              <a:t>val</a:t>
             </a:r>
             <a:r>
               <a:rPr lang="en-US" sz="2000" kern="0" dirty="0">
@@ -21487,31 +21257,20 @@
                 <a:cs typeface="Calibri Light" panose="020F0302020204030204" pitchFamily="34" charset="0"/>
                 <a:sym typeface="Wingdings" panose="05000000000000000000" pitchFamily="2" charset="2"/>
               </a:rPr>
-              <a:t>(function(e){log(“Key released”,</a:t>
-            </a:r>
-            <a:r>
-              <a:rPr lang="en-US" sz="2000" kern="0" dirty="0" err="1">
-                <a:latin typeface="Consolas" panose="020B0609020204030204" pitchFamily="49" charset="0"/>
-                <a:cs typeface="Calibri Light" panose="020F0302020204030204" pitchFamily="34" charset="0"/>
-                <a:sym typeface="Wingdings" panose="05000000000000000000" pitchFamily="2" charset="2"/>
-              </a:rPr>
-              <a:t>e.val</a:t>
-            </a:r>
-            <a:r>
-              <a:rPr lang="en-US" sz="2000" kern="0" dirty="0">
-                <a:latin typeface="Consolas" panose="020B0609020204030204" pitchFamily="49" charset="0"/>
-                <a:cs typeface="Calibri Light" panose="020F0302020204030204" pitchFamily="34" charset="0"/>
-                <a:sym typeface="Wingdings" panose="05000000000000000000" pitchFamily="2" charset="2"/>
-              </a:rPr>
-              <a:t>())};</a:t>
-            </a:r>
+              <a:t>(‘some value’)//set</a:t>
+            </a:r>
+            <a:endParaRPr lang="en-US" sz="2800" kern="0" dirty="0">
+              <a:latin typeface="Consolas" panose="020B0609020204030204" pitchFamily="49" charset="0"/>
+              <a:cs typeface="Calibri Light" panose="020F0302020204030204" pitchFamily="34" charset="0"/>
+              <a:sym typeface="Wingdings" panose="05000000000000000000" pitchFamily="2" charset="2"/>
+            </a:endParaRPr>
           </a:p>
         </p:txBody>
       </p:sp>
     </p:spTree>
     <p:extLst>
       <p:ext uri="{BB962C8B-B14F-4D97-AF65-F5344CB8AC3E}">
-        <p14:creationId xmlns:p14="http://schemas.microsoft.com/office/powerpoint/2010/main" val="2463762875"/>
+        <p14:creationId xmlns:p14="http://schemas.microsoft.com/office/powerpoint/2010/main" val="3770203744"/>
       </p:ext>
     </p:extLst>
   </p:cSld>
@@ -21997,6 +21756,562 @@
 </file>
 
 <file path=ppt/slides/slide50.xml><?xml version="1.0" encoding="utf-8"?>
+<p:sld xmlns:a="http://schemas.openxmlformats.org/drawingml/2006/main" xmlns:r="http://schemas.openxmlformats.org/officeDocument/2006/relationships" xmlns:p="http://schemas.openxmlformats.org/presentationml/2006/main">
+  <p:cSld>
+    <p:spTree>
+      <p:nvGrpSpPr>
+        <p:cNvPr id="1" name=""/>
+        <p:cNvGrpSpPr/>
+        <p:nvPr/>
+      </p:nvGrpSpPr>
+      <p:grpSpPr>
+        <a:xfrm>
+          <a:off x="0" y="0"/>
+          <a:ext cx="0" cy="0"/>
+          <a:chOff x="0" y="0"/>
+          <a:chExt cx="0" cy="0"/>
+        </a:xfrm>
+      </p:grpSpPr>
+      <p:sp>
+        <p:nvSpPr>
+          <p:cNvPr id="2" name="object 2"/>
+          <p:cNvSpPr/>
+          <p:nvPr/>
+        </p:nvSpPr>
+        <p:spPr>
+          <a:xfrm>
+            <a:off x="-36871" y="-36871"/>
+            <a:ext cx="12191999" cy="7118601"/>
+          </a:xfrm>
+          <a:prstGeom prst="rect">
+            <a:avLst/>
+          </a:prstGeom>
+          <a:blipFill>
+            <a:blip r:embed="rId2" cstate="print"/>
+            <a:stretch>
+              <a:fillRect/>
+            </a:stretch>
+          </a:blipFill>
+        </p:spPr>
+        <p:txBody>
+          <a:bodyPr wrap="square" lIns="0" tIns="0" rIns="0" bIns="0" rtlCol="0"/>
+          <a:lstStyle/>
+          <a:p>
+            <a:endParaRPr b="1" dirty="0">
+              <a:ln w="13462">
+                <a:solidFill>
+                  <a:schemeClr val="bg1"/>
+                </a:solidFill>
+                <a:prstDash val="solid"/>
+              </a:ln>
+              <a:solidFill>
+                <a:schemeClr val="tx1">
+                  <a:lumMod val="85000"/>
+                  <a:lumOff val="15000"/>
+                </a:schemeClr>
+              </a:solidFill>
+              <a:effectLst>
+                <a:outerShdw dist="38100" dir="2700000" algn="bl" rotWithShape="0">
+                  <a:schemeClr val="accent5"/>
+                </a:outerShdw>
+              </a:effectLst>
+            </a:endParaRPr>
+          </a:p>
+        </p:txBody>
+      </p:sp>
+      <p:sp>
+        <p:nvSpPr>
+          <p:cNvPr id="3" name="object 3"/>
+          <p:cNvSpPr txBox="1">
+            <a:spLocks noGrp="1"/>
+          </p:cNvSpPr>
+          <p:nvPr>
+            <p:ph type="title"/>
+          </p:nvPr>
+        </p:nvSpPr>
+        <p:spPr>
+          <a:xfrm>
+            <a:off x="481685" y="304800"/>
+            <a:ext cx="8967115" cy="566181"/>
+          </a:xfrm>
+          <a:prstGeom prst="rect">
+            <a:avLst/>
+          </a:prstGeom>
+        </p:spPr>
+        <p:txBody>
+          <a:bodyPr vert="horz" wrap="square" lIns="0" tIns="12065" rIns="0" bIns="0" rtlCol="0">
+            <a:spAutoFit/>
+          </a:bodyPr>
+          <a:lstStyle/>
+          <a:p>
+            <a:pPr marL="12700">
+              <a:spcBef>
+                <a:spcPts val="95"/>
+              </a:spcBef>
+            </a:pPr>
+            <a:r>
+              <a:rPr lang="en-US" sz="3600" kern="0" dirty="0" err="1">
+                <a:latin typeface="+mn-lt"/>
+                <a:cs typeface="Calibri Light" panose="020F0302020204030204" pitchFamily="34" charset="0"/>
+                <a:sym typeface="Wingdings" panose="05000000000000000000" pitchFamily="2" charset="2"/>
+              </a:rPr>
+              <a:t>JQuery</a:t>
+            </a:r>
+            <a:endParaRPr lang="en-US" sz="3600" kern="0" dirty="0">
+              <a:latin typeface="+mn-lt"/>
+              <a:cs typeface="Calibri Light" panose="020F0302020204030204" pitchFamily="34" charset="0"/>
+              <a:sym typeface="Wingdings" panose="05000000000000000000" pitchFamily="2" charset="2"/>
+            </a:endParaRPr>
+          </a:p>
+        </p:txBody>
+      </p:sp>
+      <p:sp>
+        <p:nvSpPr>
+          <p:cNvPr id="5" name="object 5"/>
+          <p:cNvSpPr/>
+          <p:nvPr/>
+        </p:nvSpPr>
+        <p:spPr>
+          <a:xfrm>
+            <a:off x="9816083" y="262127"/>
+            <a:ext cx="1976627" cy="822960"/>
+          </a:xfrm>
+          <a:prstGeom prst="rect">
+            <a:avLst/>
+          </a:prstGeom>
+          <a:blipFill>
+            <a:blip r:embed="rId3" cstate="print"/>
+            <a:stretch>
+              <a:fillRect/>
+            </a:stretch>
+          </a:blipFill>
+        </p:spPr>
+        <p:txBody>
+          <a:bodyPr wrap="square" lIns="0" tIns="0" rIns="0" bIns="0" rtlCol="0"/>
+          <a:lstStyle/>
+          <a:p>
+            <a:endParaRPr/>
+          </a:p>
+        </p:txBody>
+      </p:sp>
+      <p:sp>
+        <p:nvSpPr>
+          <p:cNvPr id="4" name="object 3">
+            <a:extLst>
+              <a:ext uri="{FF2B5EF4-FFF2-40B4-BE49-F238E27FC236}">
+                <a16:creationId xmlns:a16="http://schemas.microsoft.com/office/drawing/2014/main" id="{1ED9D45B-4B0D-FC76-3A8C-E89F6CD72254}"/>
+              </a:ext>
+            </a:extLst>
+          </p:cNvPr>
+          <p:cNvSpPr txBox="1">
+            <a:spLocks/>
+          </p:cNvSpPr>
+          <p:nvPr/>
+        </p:nvSpPr>
+        <p:spPr>
+          <a:xfrm>
+            <a:off x="533400" y="838200"/>
+            <a:ext cx="11621728" cy="4508285"/>
+          </a:xfrm>
+          <a:prstGeom prst="rect">
+            <a:avLst/>
+          </a:prstGeom>
+        </p:spPr>
+        <p:txBody>
+          <a:bodyPr vert="horz" wrap="square" lIns="0" tIns="12065" rIns="0" bIns="0" rtlCol="0">
+            <a:spAutoFit/>
+          </a:bodyPr>
+          <a:lstStyle>
+            <a:lvl1pPr>
+              <a:defRPr sz="6000" b="0" i="0">
+                <a:solidFill>
+                  <a:srgbClr val="E7E6E6"/>
+                </a:solidFill>
+                <a:latin typeface="Trebuchet MS"/>
+                <a:ea typeface="+mj-ea"/>
+                <a:cs typeface="Trebuchet MS"/>
+              </a:defRPr>
+            </a:lvl1pPr>
+          </a:lstStyle>
+          <a:p>
+            <a:r>
+              <a:rPr lang="en-US" sz="2800" kern="0" dirty="0">
+                <a:latin typeface="+mn-lt"/>
+                <a:cs typeface="Calibri Light" panose="020F0302020204030204" pitchFamily="34" charset="0"/>
+                <a:sym typeface="Wingdings" panose="05000000000000000000" pitchFamily="2" charset="2"/>
+              </a:rPr>
+              <a:t>8. Events :</a:t>
+            </a:r>
+            <a:r>
+              <a:rPr lang="en-US" sz="2800" kern="0" dirty="0">
+                <a:latin typeface="Consolas" panose="020B0609020204030204" pitchFamily="49" charset="0"/>
+                <a:cs typeface="Calibri Light" panose="020F0302020204030204" pitchFamily="34" charset="0"/>
+                <a:sym typeface="Wingdings" panose="05000000000000000000" pitchFamily="2" charset="2"/>
+              </a:rPr>
+              <a:t> </a:t>
+            </a:r>
+            <a:br>
+              <a:rPr lang="en-IN" sz="900" b="0" dirty="0">
+                <a:solidFill>
+                  <a:srgbClr val="D4D4D4"/>
+                </a:solidFill>
+                <a:effectLst/>
+                <a:latin typeface="Consolas" panose="020B0609020204030204" pitchFamily="49" charset="0"/>
+              </a:rPr>
+            </a:br>
+            <a:r>
+              <a:rPr lang="en-IN" sz="2800" b="0" dirty="0">
+                <a:solidFill>
+                  <a:srgbClr val="D4D4D4"/>
+                </a:solidFill>
+                <a:effectLst/>
+                <a:latin typeface="+mj-lt"/>
+              </a:rPr>
+              <a:t>1. General click </a:t>
+            </a:r>
+          </a:p>
+          <a:p>
+            <a:r>
+              <a:rPr lang="en-IN" sz="2000" b="0" dirty="0">
+                <a:solidFill>
+                  <a:schemeClr val="bg1"/>
+                </a:solidFill>
+                <a:effectLst/>
+                <a:latin typeface="Consolas" panose="020B0609020204030204" pitchFamily="49" charset="0"/>
+              </a:rPr>
+              <a:t>$('button').click(function(){console.log("normal Function");})</a:t>
+            </a:r>
+          </a:p>
+          <a:p>
+            <a:endParaRPr lang="en-IN" sz="2000" b="0" dirty="0">
+              <a:solidFill>
+                <a:schemeClr val="bg1"/>
+              </a:solidFill>
+              <a:effectLst/>
+              <a:latin typeface="Consolas" panose="020B0609020204030204" pitchFamily="49" charset="0"/>
+            </a:endParaRPr>
+          </a:p>
+          <a:p>
+            <a:r>
+              <a:rPr lang="en-US" sz="2800" kern="0" dirty="0">
+                <a:latin typeface="+mn-lt"/>
+                <a:cs typeface="Calibri Light" panose="020F0302020204030204" pitchFamily="34" charset="0"/>
+                <a:sym typeface="Wingdings" panose="05000000000000000000" pitchFamily="2" charset="2"/>
+              </a:rPr>
+              <a:t>2. To select a particular element when multiple buttons are there</a:t>
+            </a:r>
+          </a:p>
+          <a:p>
+            <a:r>
+              <a:rPr lang="en-US" sz="2800" kern="0" dirty="0">
+                <a:latin typeface="+mn-lt"/>
+                <a:cs typeface="Calibri Light" panose="020F0302020204030204" pitchFamily="34" charset="0"/>
+                <a:sym typeface="Wingdings" panose="05000000000000000000" pitchFamily="2" charset="2"/>
+              </a:rPr>
+              <a:t> </a:t>
+            </a:r>
+            <a:r>
+              <a:rPr lang="en-IN" sz="2000" b="0" dirty="0">
+                <a:solidFill>
+                  <a:schemeClr val="bg1"/>
+                </a:solidFill>
+                <a:effectLst/>
+                <a:latin typeface="Consolas" panose="020B0609020204030204" pitchFamily="49" charset="0"/>
+              </a:rPr>
+              <a:t>$('button').click(function(){$(this).</a:t>
+            </a:r>
+            <a:r>
+              <a:rPr lang="en-IN" sz="2000" b="0" dirty="0" err="1">
+                <a:solidFill>
+                  <a:schemeClr val="bg1"/>
+                </a:solidFill>
+                <a:effectLst/>
+                <a:latin typeface="Consolas" panose="020B0609020204030204" pitchFamily="49" charset="0"/>
+              </a:rPr>
+              <a:t>css</a:t>
+            </a:r>
+            <a:r>
+              <a:rPr lang="en-IN" sz="2000" b="0" dirty="0">
+                <a:solidFill>
+                  <a:schemeClr val="bg1"/>
+                </a:solidFill>
+                <a:effectLst/>
+                <a:latin typeface="Consolas" panose="020B0609020204030204" pitchFamily="49" charset="0"/>
+              </a:rPr>
+              <a:t>(“</a:t>
+            </a:r>
+            <a:r>
+              <a:rPr lang="en-IN" sz="2000" b="0" dirty="0" err="1">
+                <a:solidFill>
+                  <a:schemeClr val="bg1"/>
+                </a:solidFill>
+                <a:effectLst/>
+                <a:latin typeface="Consolas" panose="020B0609020204030204" pitchFamily="49" charset="0"/>
+              </a:rPr>
+              <a:t>color</a:t>
+            </a:r>
+            <a:r>
+              <a:rPr lang="en-IN" sz="2000" b="0" dirty="0">
+                <a:solidFill>
+                  <a:schemeClr val="bg1"/>
+                </a:solidFill>
+                <a:effectLst/>
+                <a:latin typeface="Consolas" panose="020B0609020204030204" pitchFamily="49" charset="0"/>
+              </a:rPr>
+              <a:t>“,“red”);})</a:t>
+            </a:r>
+          </a:p>
+          <a:p>
+            <a:r>
+              <a:rPr lang="en-IN" sz="2000" kern="0" dirty="0">
+                <a:solidFill>
+                  <a:schemeClr val="bg1"/>
+                </a:solidFill>
+                <a:latin typeface="Consolas" panose="020B0609020204030204" pitchFamily="49" charset="0"/>
+                <a:cs typeface="Calibri Light" panose="020F0302020204030204" pitchFamily="34" charset="0"/>
+                <a:sym typeface="Wingdings" panose="05000000000000000000" pitchFamily="2" charset="2"/>
+              </a:rPr>
+              <a:t>//for </a:t>
+            </a:r>
+            <a:r>
+              <a:rPr lang="en-IN" sz="2000" kern="0" dirty="0" err="1">
+                <a:solidFill>
+                  <a:schemeClr val="bg1"/>
+                </a:solidFill>
+                <a:latin typeface="Consolas" panose="020B0609020204030204" pitchFamily="49" charset="0"/>
+                <a:cs typeface="Calibri Light" panose="020F0302020204030204" pitchFamily="34" charset="0"/>
+                <a:sym typeface="Wingdings" panose="05000000000000000000" pitchFamily="2" charset="2"/>
+              </a:rPr>
+              <a:t>addEventListerner</a:t>
+            </a:r>
+            <a:r>
+              <a:rPr lang="en-IN" sz="2000" kern="0" dirty="0">
+                <a:solidFill>
+                  <a:schemeClr val="bg1"/>
+                </a:solidFill>
+                <a:latin typeface="Consolas" panose="020B0609020204030204" pitchFamily="49" charset="0"/>
+                <a:cs typeface="Calibri Light" panose="020F0302020204030204" pitchFamily="34" charset="0"/>
+                <a:sym typeface="Wingdings" panose="05000000000000000000" pitchFamily="2" charset="2"/>
+              </a:rPr>
+              <a:t>  we have “$(‘button’).on”</a:t>
+            </a:r>
+            <a:endParaRPr lang="en-US" sz="2000" kern="0" dirty="0">
+              <a:latin typeface="+mn-lt"/>
+              <a:cs typeface="Calibri Light" panose="020F0302020204030204" pitchFamily="34" charset="0"/>
+              <a:sym typeface="Wingdings" panose="05000000000000000000" pitchFamily="2" charset="2"/>
+            </a:endParaRPr>
+          </a:p>
+          <a:p>
+            <a:pPr marL="12700">
+              <a:spcBef>
+                <a:spcPts val="95"/>
+              </a:spcBef>
+            </a:pPr>
+            <a:r>
+              <a:rPr lang="en-US" sz="2000" kern="0" dirty="0">
+                <a:latin typeface="+mn-lt"/>
+                <a:cs typeface="Calibri Light" panose="020F0302020204030204" pitchFamily="34" charset="0"/>
+                <a:sym typeface="Wingdings" panose="05000000000000000000" pitchFamily="2" charset="2"/>
+              </a:rPr>
+              <a:t> </a:t>
+            </a:r>
+            <a:r>
+              <a:rPr lang="en-IN" sz="2000" b="0" dirty="0">
+                <a:solidFill>
+                  <a:schemeClr val="bg1"/>
+                </a:solidFill>
+                <a:effectLst/>
+                <a:latin typeface="Consolas" panose="020B0609020204030204" pitchFamily="49" charset="0"/>
+              </a:rPr>
+              <a:t>$('button’).on(‘</a:t>
+            </a:r>
+            <a:r>
+              <a:rPr lang="en-IN" sz="2000" b="0" dirty="0" err="1">
+                <a:solidFill>
+                  <a:schemeClr val="bg1"/>
+                </a:solidFill>
+                <a:effectLst/>
+                <a:latin typeface="Consolas" panose="020B0609020204030204" pitchFamily="49" charset="0"/>
+              </a:rPr>
+              <a:t>click’,function</a:t>
+            </a:r>
+            <a:r>
+              <a:rPr lang="en-IN" sz="2000" b="0" dirty="0">
+                <a:solidFill>
+                  <a:schemeClr val="bg1"/>
+                </a:solidFill>
+                <a:effectLst/>
+                <a:latin typeface="Consolas" panose="020B0609020204030204" pitchFamily="49" charset="0"/>
+              </a:rPr>
+              <a:t>(){$(this).</a:t>
+            </a:r>
+            <a:r>
+              <a:rPr lang="en-IN" sz="2000" b="0" dirty="0" err="1">
+                <a:solidFill>
+                  <a:schemeClr val="bg1"/>
+                </a:solidFill>
+                <a:effectLst/>
+                <a:latin typeface="Consolas" panose="020B0609020204030204" pitchFamily="49" charset="0"/>
+              </a:rPr>
+              <a:t>css</a:t>
+            </a:r>
+            <a:r>
+              <a:rPr lang="en-IN" sz="2000" b="0" dirty="0">
+                <a:solidFill>
+                  <a:schemeClr val="bg1"/>
+                </a:solidFill>
+                <a:effectLst/>
+                <a:latin typeface="Consolas" panose="020B0609020204030204" pitchFamily="49" charset="0"/>
+              </a:rPr>
+              <a:t>(“</a:t>
+            </a:r>
+            <a:r>
+              <a:rPr lang="en-IN" sz="2000" b="0" dirty="0" err="1">
+                <a:solidFill>
+                  <a:schemeClr val="bg1"/>
+                </a:solidFill>
+                <a:effectLst/>
+                <a:latin typeface="Consolas" panose="020B0609020204030204" pitchFamily="49" charset="0"/>
+              </a:rPr>
+              <a:t>color</a:t>
+            </a:r>
+            <a:r>
+              <a:rPr lang="en-IN" sz="2000" b="0" dirty="0">
+                <a:solidFill>
+                  <a:schemeClr val="bg1"/>
+                </a:solidFill>
+                <a:effectLst/>
+                <a:latin typeface="Consolas" panose="020B0609020204030204" pitchFamily="49" charset="0"/>
+              </a:rPr>
+              <a:t>“,“red”);})</a:t>
+            </a:r>
+            <a:endParaRPr lang="en-US" sz="2000" kern="0" dirty="0">
+              <a:latin typeface="+mn-lt"/>
+              <a:cs typeface="Calibri Light" panose="020F0302020204030204" pitchFamily="34" charset="0"/>
+              <a:sym typeface="Wingdings" panose="05000000000000000000" pitchFamily="2" charset="2"/>
+            </a:endParaRPr>
+          </a:p>
+          <a:p>
+            <a:pPr marL="12700">
+              <a:spcBef>
+                <a:spcPts val="95"/>
+              </a:spcBef>
+            </a:pPr>
+            <a:endParaRPr lang="en-US" sz="2800" kern="0" dirty="0">
+              <a:latin typeface="+mn-lt"/>
+              <a:cs typeface="Calibri Light" panose="020F0302020204030204" pitchFamily="34" charset="0"/>
+              <a:sym typeface="Wingdings" panose="05000000000000000000" pitchFamily="2" charset="2"/>
+            </a:endParaRPr>
+          </a:p>
+          <a:p>
+            <a:pPr marL="12700">
+              <a:spcBef>
+                <a:spcPts val="95"/>
+              </a:spcBef>
+            </a:pPr>
+            <a:r>
+              <a:rPr lang="en-US" sz="2800" kern="0" dirty="0">
+                <a:latin typeface="+mn-lt"/>
+                <a:cs typeface="Calibri Light" panose="020F0302020204030204" pitchFamily="34" charset="0"/>
+                <a:sym typeface="Wingdings" panose="05000000000000000000" pitchFamily="2" charset="2"/>
+              </a:rPr>
+              <a:t>3. Input event</a:t>
+            </a:r>
+          </a:p>
+          <a:p>
+            <a:pPr marL="12700">
+              <a:spcBef>
+                <a:spcPts val="95"/>
+              </a:spcBef>
+            </a:pPr>
+            <a:r>
+              <a:rPr lang="en-US" sz="2000" kern="0" dirty="0">
+                <a:latin typeface="Consolas" panose="020B0609020204030204" pitchFamily="49" charset="0"/>
+                <a:cs typeface="Calibri Light" panose="020F0302020204030204" pitchFamily="34" charset="0"/>
+                <a:sym typeface="Wingdings" panose="05000000000000000000" pitchFamily="2" charset="2"/>
+              </a:rPr>
+              <a:t>$(‘input’).</a:t>
+            </a:r>
+            <a:r>
+              <a:rPr lang="en-US" sz="2000" kern="0" dirty="0" err="1">
+                <a:latin typeface="Consolas" panose="020B0609020204030204" pitchFamily="49" charset="0"/>
+                <a:cs typeface="Calibri Light" panose="020F0302020204030204" pitchFamily="34" charset="0"/>
+                <a:sym typeface="Wingdings" panose="05000000000000000000" pitchFamily="2" charset="2"/>
+              </a:rPr>
+              <a:t>keyup</a:t>
+            </a:r>
+            <a:r>
+              <a:rPr lang="en-US" sz="2000" kern="0" dirty="0">
+                <a:latin typeface="Consolas" panose="020B0609020204030204" pitchFamily="49" charset="0"/>
+                <a:cs typeface="Calibri Light" panose="020F0302020204030204" pitchFamily="34" charset="0"/>
+                <a:sym typeface="Wingdings" panose="05000000000000000000" pitchFamily="2" charset="2"/>
+              </a:rPr>
+              <a:t>(function(){log(“Key released”)};</a:t>
+            </a:r>
+          </a:p>
+          <a:p>
+            <a:pPr marL="12700">
+              <a:spcBef>
+                <a:spcPts val="95"/>
+              </a:spcBef>
+            </a:pPr>
+            <a:r>
+              <a:rPr lang="en-US" sz="2000" kern="0" dirty="0">
+                <a:latin typeface="Consolas" panose="020B0609020204030204" pitchFamily="49" charset="0"/>
+                <a:cs typeface="Calibri Light" panose="020F0302020204030204" pitchFamily="34" charset="0"/>
+                <a:sym typeface="Wingdings" panose="05000000000000000000" pitchFamily="2" charset="2"/>
+              </a:rPr>
+              <a:t>$(‘input’).</a:t>
+            </a:r>
+            <a:r>
+              <a:rPr lang="en-US" sz="2000" kern="0" dirty="0" err="1">
+                <a:latin typeface="Consolas" panose="020B0609020204030204" pitchFamily="49" charset="0"/>
+                <a:cs typeface="Calibri Light" panose="020F0302020204030204" pitchFamily="34" charset="0"/>
+                <a:sym typeface="Wingdings" panose="05000000000000000000" pitchFamily="2" charset="2"/>
+              </a:rPr>
+              <a:t>keyup</a:t>
+            </a:r>
+            <a:r>
+              <a:rPr lang="en-US" sz="2000" kern="0" dirty="0">
+                <a:latin typeface="Consolas" panose="020B0609020204030204" pitchFamily="49" charset="0"/>
+                <a:cs typeface="Calibri Light" panose="020F0302020204030204" pitchFamily="34" charset="0"/>
+                <a:sym typeface="Wingdings" panose="05000000000000000000" pitchFamily="2" charset="2"/>
+              </a:rPr>
+              <a:t>(function(e){log(“Key released”,</a:t>
+            </a:r>
+            <a:r>
+              <a:rPr lang="en-US" sz="2000" kern="0" dirty="0" err="1">
+                <a:latin typeface="Consolas" panose="020B0609020204030204" pitchFamily="49" charset="0"/>
+                <a:cs typeface="Calibri Light" panose="020F0302020204030204" pitchFamily="34" charset="0"/>
+                <a:sym typeface="Wingdings" panose="05000000000000000000" pitchFamily="2" charset="2"/>
+              </a:rPr>
+              <a:t>e.val</a:t>
+            </a:r>
+            <a:r>
+              <a:rPr lang="en-US" sz="2000" kern="0" dirty="0">
+                <a:latin typeface="Consolas" panose="020B0609020204030204" pitchFamily="49" charset="0"/>
+                <a:cs typeface="Calibri Light" panose="020F0302020204030204" pitchFamily="34" charset="0"/>
+                <a:sym typeface="Wingdings" panose="05000000000000000000" pitchFamily="2" charset="2"/>
+              </a:rPr>
+              <a:t>())};</a:t>
+            </a:r>
+          </a:p>
+        </p:txBody>
+      </p:sp>
+    </p:spTree>
+    <p:extLst>
+      <p:ext uri="{BB962C8B-B14F-4D97-AF65-F5344CB8AC3E}">
+        <p14:creationId xmlns:p14="http://schemas.microsoft.com/office/powerpoint/2010/main" val="2463762875"/>
+      </p:ext>
+    </p:extLst>
+  </p:cSld>
+  <p:clrMapOvr>
+    <a:masterClrMapping/>
+  </p:clrMapOvr>
+</p:sld>
+</file>
+
+<file path=ppt/slides/slide51.xml><?xml version="1.0" encoding="utf-8"?>
 <p:sld xmlns:a="http://schemas.openxmlformats.org/drawingml/2006/main" xmlns:r="http://schemas.openxmlformats.org/officeDocument/2006/relationships" xmlns:p="http://schemas.openxmlformats.org/presentationml/2006/main">
   <p:cSld>
     <p:spTree>
@@ -22457,7 +22772,7 @@
 </p:sld>
 </file>
 
-<file path=ppt/slides/slide51.xml><?xml version="1.0" encoding="utf-8"?>
+<file path=ppt/slides/slide52.xml><?xml version="1.0" encoding="utf-8"?>
 <p:sld xmlns:a="http://schemas.openxmlformats.org/drawingml/2006/main" xmlns:r="http://schemas.openxmlformats.org/officeDocument/2006/relationships" xmlns:p="http://schemas.openxmlformats.org/presentationml/2006/main">
   <p:cSld>
     <p:spTree>
@@ -23253,406 +23568,6 @@
     <p:extLst>
       <p:ext uri="{BB962C8B-B14F-4D97-AF65-F5344CB8AC3E}">
         <p14:creationId xmlns:p14="http://schemas.microsoft.com/office/powerpoint/2010/main" val="3946598047"/>
-      </p:ext>
-    </p:extLst>
-  </p:cSld>
-  <p:clrMapOvr>
-    <a:masterClrMapping/>
-  </p:clrMapOvr>
-</p:sld>
-</file>
-
-<file path=ppt/slides/slide52.xml><?xml version="1.0" encoding="utf-8"?>
-<p:sld xmlns:a="http://schemas.openxmlformats.org/drawingml/2006/main" xmlns:r="http://schemas.openxmlformats.org/officeDocument/2006/relationships" xmlns:p="http://schemas.openxmlformats.org/presentationml/2006/main">
-  <p:cSld>
-    <p:spTree>
-      <p:nvGrpSpPr>
-        <p:cNvPr id="1" name=""/>
-        <p:cNvGrpSpPr/>
-        <p:nvPr/>
-      </p:nvGrpSpPr>
-      <p:grpSpPr>
-        <a:xfrm>
-          <a:off x="0" y="0"/>
-          <a:ext cx="0" cy="0"/>
-          <a:chOff x="0" y="0"/>
-          <a:chExt cx="0" cy="0"/>
-        </a:xfrm>
-      </p:grpSpPr>
-      <p:sp>
-        <p:nvSpPr>
-          <p:cNvPr id="2" name="object 2"/>
-          <p:cNvSpPr/>
-          <p:nvPr/>
-        </p:nvSpPr>
-        <p:spPr>
-          <a:xfrm>
-            <a:off x="-36871" y="-36871"/>
-            <a:ext cx="12191999" cy="7118601"/>
-          </a:xfrm>
-          <a:prstGeom prst="rect">
-            <a:avLst/>
-          </a:prstGeom>
-          <a:blipFill>
-            <a:blip r:embed="rId2" cstate="print"/>
-            <a:stretch>
-              <a:fillRect/>
-            </a:stretch>
-          </a:blipFill>
-        </p:spPr>
-        <p:txBody>
-          <a:bodyPr wrap="square" lIns="0" tIns="0" rIns="0" bIns="0" rtlCol="0"/>
-          <a:lstStyle/>
-          <a:p>
-            <a:endParaRPr b="1" dirty="0">
-              <a:ln w="13462">
-                <a:solidFill>
-                  <a:schemeClr val="bg1"/>
-                </a:solidFill>
-                <a:prstDash val="solid"/>
-              </a:ln>
-              <a:solidFill>
-                <a:schemeClr val="tx1">
-                  <a:lumMod val="85000"/>
-                  <a:lumOff val="15000"/>
-                </a:schemeClr>
-              </a:solidFill>
-              <a:effectLst>
-                <a:outerShdw dist="38100" dir="2700000" algn="bl" rotWithShape="0">
-                  <a:schemeClr val="accent5"/>
-                </a:outerShdw>
-              </a:effectLst>
-            </a:endParaRPr>
-          </a:p>
-        </p:txBody>
-      </p:sp>
-      <p:sp>
-        <p:nvSpPr>
-          <p:cNvPr id="3" name="object 3"/>
-          <p:cNvSpPr txBox="1">
-            <a:spLocks noGrp="1"/>
-          </p:cNvSpPr>
-          <p:nvPr>
-            <p:ph type="title"/>
-          </p:nvPr>
-        </p:nvSpPr>
-        <p:spPr>
-          <a:xfrm>
-            <a:off x="481685" y="228600"/>
-            <a:ext cx="8967115" cy="566181"/>
-          </a:xfrm>
-          <a:prstGeom prst="rect">
-            <a:avLst/>
-          </a:prstGeom>
-        </p:spPr>
-        <p:txBody>
-          <a:bodyPr vert="horz" wrap="square" lIns="0" tIns="12065" rIns="0" bIns="0" rtlCol="0">
-            <a:spAutoFit/>
-          </a:bodyPr>
-          <a:lstStyle/>
-          <a:p>
-            <a:pPr marL="12700">
-              <a:spcBef>
-                <a:spcPts val="95"/>
-              </a:spcBef>
-            </a:pPr>
-            <a:r>
-              <a:rPr lang="en-US" sz="3600" kern="0" dirty="0">
-                <a:latin typeface="+mn-lt"/>
-                <a:cs typeface="Calibri Light" panose="020F0302020204030204" pitchFamily="34" charset="0"/>
-                <a:sym typeface="Wingdings" panose="05000000000000000000" pitchFamily="2" charset="2"/>
-              </a:rPr>
-              <a:t>AJAX (</a:t>
-            </a:r>
-            <a:r>
-              <a:rPr lang="en-US" sz="3200" kern="0" dirty="0">
-                <a:latin typeface="+mn-lt"/>
-                <a:cs typeface="Calibri Light" panose="020F0302020204030204" pitchFamily="34" charset="0"/>
-                <a:sym typeface="Wingdings" panose="05000000000000000000" pitchFamily="2" charset="2"/>
-              </a:rPr>
-              <a:t>Asynchronous </a:t>
-            </a:r>
-            <a:r>
-              <a:rPr lang="en-US" sz="3200" kern="0" dirty="0" err="1">
-                <a:latin typeface="+mn-lt"/>
-                <a:cs typeface="Calibri Light" panose="020F0302020204030204" pitchFamily="34" charset="0"/>
-                <a:sym typeface="Wingdings" panose="05000000000000000000" pitchFamily="2" charset="2"/>
-              </a:rPr>
-              <a:t>Javascript</a:t>
-            </a:r>
-            <a:r>
-              <a:rPr lang="en-US" sz="3200" kern="0" dirty="0">
-                <a:latin typeface="+mn-lt"/>
-                <a:cs typeface="Calibri Light" panose="020F0302020204030204" pitchFamily="34" charset="0"/>
-                <a:sym typeface="Wingdings" panose="05000000000000000000" pitchFamily="2" charset="2"/>
-              </a:rPr>
-              <a:t> and XML</a:t>
-            </a:r>
-            <a:r>
-              <a:rPr lang="en-US" sz="3600" kern="0" dirty="0">
-                <a:latin typeface="+mn-lt"/>
-                <a:cs typeface="Calibri Light" panose="020F0302020204030204" pitchFamily="34" charset="0"/>
-                <a:sym typeface="Wingdings" panose="05000000000000000000" pitchFamily="2" charset="2"/>
-              </a:rPr>
-              <a:t>)</a:t>
-            </a:r>
-          </a:p>
-        </p:txBody>
-      </p:sp>
-      <p:sp>
-        <p:nvSpPr>
-          <p:cNvPr id="5" name="object 5"/>
-          <p:cNvSpPr/>
-          <p:nvPr/>
-        </p:nvSpPr>
-        <p:spPr>
-          <a:xfrm>
-            <a:off x="9816083" y="262127"/>
-            <a:ext cx="1976627" cy="822960"/>
-          </a:xfrm>
-          <a:prstGeom prst="rect">
-            <a:avLst/>
-          </a:prstGeom>
-          <a:blipFill>
-            <a:blip r:embed="rId3" cstate="print"/>
-            <a:stretch>
-              <a:fillRect/>
-            </a:stretch>
-          </a:blipFill>
-        </p:spPr>
-        <p:txBody>
-          <a:bodyPr wrap="square" lIns="0" tIns="0" rIns="0" bIns="0" rtlCol="0"/>
-          <a:lstStyle/>
-          <a:p>
-            <a:endParaRPr/>
-          </a:p>
-        </p:txBody>
-      </p:sp>
-      <p:sp>
-        <p:nvSpPr>
-          <p:cNvPr id="4" name="object 3">
-            <a:extLst>
-              <a:ext uri="{FF2B5EF4-FFF2-40B4-BE49-F238E27FC236}">
-                <a16:creationId xmlns:a16="http://schemas.microsoft.com/office/drawing/2014/main" id="{1ED9D45B-4B0D-FC76-3A8C-E89F6CD72254}"/>
-              </a:ext>
-            </a:extLst>
-          </p:cNvPr>
-          <p:cNvSpPr txBox="1">
-            <a:spLocks/>
-          </p:cNvSpPr>
-          <p:nvPr/>
-        </p:nvSpPr>
-        <p:spPr>
-          <a:xfrm>
-            <a:off x="457200" y="762000"/>
-            <a:ext cx="11621728" cy="5305940"/>
-          </a:xfrm>
-          <a:prstGeom prst="rect">
-            <a:avLst/>
-          </a:prstGeom>
-        </p:spPr>
-        <p:txBody>
-          <a:bodyPr vert="horz" wrap="square" lIns="0" tIns="12065" rIns="0" bIns="0" rtlCol="0">
-            <a:spAutoFit/>
-          </a:bodyPr>
-          <a:lstStyle>
-            <a:lvl1pPr>
-              <a:defRPr sz="6000" b="0" i="0">
-                <a:solidFill>
-                  <a:srgbClr val="E7E6E6"/>
-                </a:solidFill>
-                <a:latin typeface="Trebuchet MS"/>
-                <a:ea typeface="+mj-ea"/>
-                <a:cs typeface="Trebuchet MS"/>
-              </a:defRPr>
-            </a:lvl1pPr>
-          </a:lstStyle>
-          <a:p>
-            <a:r>
-              <a:rPr lang="en-US" sz="2800" kern="0" dirty="0">
-                <a:latin typeface="+mn-lt"/>
-                <a:cs typeface="Calibri Light" panose="020F0302020204030204" pitchFamily="34" charset="0"/>
-                <a:sym typeface="Wingdings" panose="05000000000000000000" pitchFamily="2" charset="2"/>
-              </a:rPr>
-              <a:t>2. Fetch: (Part of browser and returns a promise)</a:t>
-            </a:r>
-          </a:p>
-          <a:p>
-            <a:r>
-              <a:rPr lang="en-US" sz="2000" kern="0" dirty="0">
-                <a:latin typeface="Consolas" panose="020B0609020204030204" pitchFamily="49" charset="0"/>
-                <a:cs typeface="Calibri Light" panose="020F0302020204030204" pitchFamily="34" charset="0"/>
-                <a:sym typeface="Wingdings" panose="05000000000000000000" pitchFamily="2" charset="2"/>
-              </a:rPr>
-              <a:t>fetch(‘</a:t>
-            </a:r>
-            <a:r>
-              <a:rPr lang="en-US" sz="2000" kern="0" dirty="0" err="1">
-                <a:latin typeface="Consolas" panose="020B0609020204030204" pitchFamily="49" charset="0"/>
-                <a:cs typeface="Calibri Light" panose="020F0302020204030204" pitchFamily="34" charset="0"/>
-                <a:sym typeface="Wingdings" panose="05000000000000000000" pitchFamily="2" charset="2"/>
-              </a:rPr>
-              <a:t>api_url</a:t>
-            </a:r>
-            <a:r>
-              <a:rPr lang="en-US" sz="2000" kern="0" dirty="0">
-                <a:latin typeface="Consolas" panose="020B0609020204030204" pitchFamily="49" charset="0"/>
-                <a:cs typeface="Calibri Light" panose="020F0302020204030204" pitchFamily="34" charset="0"/>
-                <a:sym typeface="Wingdings" panose="05000000000000000000" pitchFamily="2" charset="2"/>
-              </a:rPr>
-              <a:t>’)</a:t>
-            </a:r>
-          </a:p>
-          <a:p>
-            <a:r>
-              <a:rPr lang="en-US" sz="2000" kern="0" dirty="0">
-                <a:latin typeface="Consolas" panose="020B0609020204030204" pitchFamily="49" charset="0"/>
-                <a:cs typeface="Calibri Light" panose="020F0302020204030204" pitchFamily="34" charset="0"/>
-                <a:sym typeface="Wingdings" panose="05000000000000000000" pitchFamily="2" charset="2"/>
-              </a:rPr>
-              <a:t>.then(function(response)){</a:t>
-            </a:r>
-          </a:p>
-          <a:p>
-            <a:r>
-              <a:rPr lang="en-US" sz="2000" kern="0" dirty="0">
-                <a:latin typeface="Consolas" panose="020B0609020204030204" pitchFamily="49" charset="0"/>
-                <a:cs typeface="Calibri Light" panose="020F0302020204030204" pitchFamily="34" charset="0"/>
-                <a:sym typeface="Wingdings" panose="05000000000000000000" pitchFamily="2" charset="2"/>
-              </a:rPr>
-              <a:t>	return </a:t>
-            </a:r>
-            <a:r>
-              <a:rPr lang="en-US" sz="2000" kern="0" dirty="0" err="1">
-                <a:latin typeface="Consolas" panose="020B0609020204030204" pitchFamily="49" charset="0"/>
-                <a:cs typeface="Calibri Light" panose="020F0302020204030204" pitchFamily="34" charset="0"/>
-                <a:sym typeface="Wingdings" panose="05000000000000000000" pitchFamily="2" charset="2"/>
-              </a:rPr>
-              <a:t>response.json</a:t>
-            </a:r>
-            <a:r>
-              <a:rPr lang="en-US" sz="2000" kern="0" dirty="0">
-                <a:latin typeface="Consolas" panose="020B0609020204030204" pitchFamily="49" charset="0"/>
-                <a:cs typeface="Calibri Light" panose="020F0302020204030204" pitchFamily="34" charset="0"/>
-                <a:sym typeface="Wingdings" panose="05000000000000000000" pitchFamily="2" charset="2"/>
-              </a:rPr>
-              <a:t>(); // this also returns a promise thus we can use .then</a:t>
-            </a:r>
-          </a:p>
-          <a:p>
-            <a:r>
-              <a:rPr lang="en-US" sz="2000" kern="0" dirty="0">
-                <a:latin typeface="Consolas" panose="020B0609020204030204" pitchFamily="49" charset="0"/>
-                <a:cs typeface="Calibri Light" panose="020F0302020204030204" pitchFamily="34" charset="0"/>
-                <a:sym typeface="Wingdings" panose="05000000000000000000" pitchFamily="2" charset="2"/>
-              </a:rPr>
-              <a:t>}) 	</a:t>
-            </a:r>
-          </a:p>
-          <a:p>
-            <a:r>
-              <a:rPr lang="en-US" sz="2000" kern="0" dirty="0">
-                <a:latin typeface="Consolas" panose="020B0609020204030204" pitchFamily="49" charset="0"/>
-                <a:cs typeface="Calibri Light" panose="020F0302020204030204" pitchFamily="34" charset="0"/>
-                <a:sym typeface="Wingdings" panose="05000000000000000000" pitchFamily="2" charset="2"/>
-              </a:rPr>
-              <a:t>	.then(function(data){//to resolve </a:t>
-            </a:r>
-          </a:p>
-          <a:p>
-            <a:r>
-              <a:rPr lang="en-US" sz="2000" kern="0" dirty="0">
-                <a:latin typeface="Consolas" panose="020B0609020204030204" pitchFamily="49" charset="0"/>
-                <a:cs typeface="Calibri Light" panose="020F0302020204030204" pitchFamily="34" charset="0"/>
-                <a:sym typeface="Wingdings" panose="05000000000000000000" pitchFamily="2" charset="2"/>
-              </a:rPr>
-              <a:t>		log(data)</a:t>
-            </a:r>
-          </a:p>
-          <a:p>
-            <a:r>
-              <a:rPr lang="en-US" sz="2000" kern="0" dirty="0">
-                <a:latin typeface="Consolas" panose="020B0609020204030204" pitchFamily="49" charset="0"/>
-                <a:cs typeface="Calibri Light" panose="020F0302020204030204" pitchFamily="34" charset="0"/>
-                <a:sym typeface="Wingdings" panose="05000000000000000000" pitchFamily="2" charset="2"/>
-              </a:rPr>
-              <a:t>	})</a:t>
-            </a:r>
-          </a:p>
-          <a:p>
-            <a:endParaRPr lang="en-US" sz="2000" kern="0" dirty="0">
-              <a:latin typeface="Consolas" panose="020B0609020204030204" pitchFamily="49" charset="0"/>
-              <a:cs typeface="Calibri Light" panose="020F0302020204030204" pitchFamily="34" charset="0"/>
-              <a:sym typeface="Wingdings" panose="05000000000000000000" pitchFamily="2" charset="2"/>
-            </a:endParaRPr>
-          </a:p>
-          <a:p>
-            <a:r>
-              <a:rPr lang="en-US" sz="2000" kern="0" dirty="0">
-                <a:latin typeface="Consolas" panose="020B0609020204030204" pitchFamily="49" charset="0"/>
-                <a:cs typeface="Calibri Light" panose="020F0302020204030204" pitchFamily="34" charset="0"/>
-                <a:sym typeface="Wingdings" panose="05000000000000000000" pitchFamily="2" charset="2"/>
-              </a:rPr>
-              <a:t>.catch(function(err)){</a:t>
-            </a:r>
-          </a:p>
-          <a:p>
-            <a:r>
-              <a:rPr lang="en-US" sz="2000" kern="0" dirty="0">
-                <a:latin typeface="Consolas" panose="020B0609020204030204" pitchFamily="49" charset="0"/>
-                <a:cs typeface="Calibri Light" panose="020F0302020204030204" pitchFamily="34" charset="0"/>
-                <a:sym typeface="Wingdings" panose="05000000000000000000" pitchFamily="2" charset="2"/>
-              </a:rPr>
-              <a:t>	log(err);</a:t>
-            </a:r>
-          </a:p>
-          <a:p>
-            <a:r>
-              <a:rPr lang="en-US" sz="2000" kern="0" dirty="0">
-                <a:latin typeface="Consolas" panose="020B0609020204030204" pitchFamily="49" charset="0"/>
-                <a:cs typeface="Calibri Light" panose="020F0302020204030204" pitchFamily="34" charset="0"/>
-                <a:sym typeface="Wingdings" panose="05000000000000000000" pitchFamily="2" charset="2"/>
-              </a:rPr>
-              <a:t>})</a:t>
-            </a:r>
-          </a:p>
-          <a:p>
-            <a:r>
-              <a:rPr lang="en-US" sz="2000" kern="0" dirty="0">
-                <a:latin typeface="Consolas" panose="020B0609020204030204" pitchFamily="49" charset="0"/>
-                <a:cs typeface="Calibri Light" panose="020F0302020204030204" pitchFamily="34" charset="0"/>
-                <a:sym typeface="Wingdings" panose="05000000000000000000" pitchFamily="2" charset="2"/>
-              </a:rPr>
-              <a:t>It returns small chunks of data </a:t>
-            </a:r>
-          </a:p>
-          <a:p>
-            <a:endParaRPr lang="en-US" sz="2800" kern="0" dirty="0">
-              <a:latin typeface="+mj-lt"/>
-              <a:cs typeface="Calibri Light" panose="020F0302020204030204" pitchFamily="34" charset="0"/>
-              <a:sym typeface="Wingdings" panose="05000000000000000000" pitchFamily="2" charset="2"/>
-            </a:endParaRPr>
-          </a:p>
-          <a:p>
-            <a:endParaRPr lang="en-US" sz="2800" kern="0" dirty="0">
-              <a:latin typeface="+mj-lt"/>
-              <a:cs typeface="Calibri Light" panose="020F0302020204030204" pitchFamily="34" charset="0"/>
-              <a:sym typeface="Wingdings" panose="05000000000000000000" pitchFamily="2" charset="2"/>
-            </a:endParaRPr>
-          </a:p>
-          <a:p>
-            <a:endParaRPr lang="en-US" sz="2000" kern="0" dirty="0">
-              <a:latin typeface="Consolas" panose="020B0609020204030204" pitchFamily="49" charset="0"/>
-              <a:cs typeface="Calibri Light" panose="020F0302020204030204" pitchFamily="34" charset="0"/>
-              <a:sym typeface="Wingdings" panose="05000000000000000000" pitchFamily="2" charset="2"/>
-            </a:endParaRPr>
-          </a:p>
-        </p:txBody>
-      </p:sp>
-    </p:spTree>
-    <p:extLst>
-      <p:ext uri="{BB962C8B-B14F-4D97-AF65-F5344CB8AC3E}">
-        <p14:creationId xmlns:p14="http://schemas.microsoft.com/office/powerpoint/2010/main" val="1537312366"/>
       </p:ext>
     </p:extLst>
   </p:cSld>
@@ -23845,7 +23760,7 @@
         <p:spPr>
           <a:xfrm>
             <a:off x="457200" y="762000"/>
-            <a:ext cx="11621728" cy="4690387"/>
+            <a:ext cx="11621728" cy="5305940"/>
           </a:xfrm>
           <a:prstGeom prst="rect">
             <a:avLst/>
@@ -23870,325 +23785,113 @@
           <a:p>
             <a:r>
               <a:rPr lang="en-US" sz="2800" kern="0" dirty="0">
-                <a:latin typeface="+mj-lt"/>
-                <a:cs typeface="Calibri Light" panose="020F0302020204030204" pitchFamily="34" charset="0"/>
-                <a:sym typeface="Wingdings" panose="05000000000000000000" pitchFamily="2" charset="2"/>
-              </a:rPr>
-              <a:t>3.Axios : (3</a:t>
-            </a:r>
-            <a:r>
-              <a:rPr lang="en-US" sz="2800" kern="0" baseline="30000" dirty="0">
-                <a:latin typeface="+mj-lt"/>
-                <a:cs typeface="Calibri Light" panose="020F0302020204030204" pitchFamily="34" charset="0"/>
-                <a:sym typeface="Wingdings" panose="05000000000000000000" pitchFamily="2" charset="2"/>
-              </a:rPr>
-              <a:t>rd</a:t>
-            </a:r>
-            <a:r>
-              <a:rPr lang="en-US" sz="2800" kern="0" dirty="0">
-                <a:latin typeface="+mj-lt"/>
-                <a:cs typeface="Calibri Light" panose="020F0302020204030204" pitchFamily="34" charset="0"/>
-                <a:sym typeface="Wingdings" panose="05000000000000000000" pitchFamily="2" charset="2"/>
-              </a:rPr>
-              <a:t> party , It also returns a promise)</a:t>
-            </a:r>
-          </a:p>
-          <a:p>
-            <a:r>
-              <a:rPr lang="en-US" sz="2800" kern="0" dirty="0">
-                <a:latin typeface="+mj-lt"/>
-                <a:cs typeface="Calibri Light" panose="020F0302020204030204" pitchFamily="34" charset="0"/>
-                <a:sym typeface="Wingdings" panose="05000000000000000000" pitchFamily="2" charset="2"/>
-              </a:rPr>
-              <a:t> include the </a:t>
-            </a:r>
-            <a:r>
-              <a:rPr lang="en-US" sz="2800" kern="0" dirty="0" err="1">
-                <a:latin typeface="+mj-lt"/>
-                <a:cs typeface="Calibri Light" panose="020F0302020204030204" pitchFamily="34" charset="0"/>
-                <a:sym typeface="Wingdings" panose="05000000000000000000" pitchFamily="2" charset="2"/>
-              </a:rPr>
-              <a:t>cdn</a:t>
-            </a:r>
-            <a:r>
-              <a:rPr lang="en-US" sz="2800" kern="0" dirty="0">
-                <a:latin typeface="+mj-lt"/>
-                <a:cs typeface="Calibri Light" panose="020F0302020204030204" pitchFamily="34" charset="0"/>
-                <a:sym typeface="Wingdings" panose="05000000000000000000" pitchFamily="2" charset="2"/>
-              </a:rPr>
-              <a:t>:</a:t>
-            </a:r>
-          </a:p>
-          <a:p>
-            <a:r>
-              <a:rPr lang="en-IN" sz="2000" b="0" dirty="0">
-                <a:solidFill>
-                  <a:schemeClr val="bg1"/>
-                </a:solidFill>
-                <a:effectLst/>
-                <a:latin typeface="Consolas" panose="020B0609020204030204" pitchFamily="49" charset="0"/>
-              </a:rPr>
-              <a:t>&lt;script </a:t>
-            </a:r>
-            <a:r>
-              <a:rPr lang="en-IN" sz="2000" b="0" dirty="0" err="1">
-                <a:solidFill>
-                  <a:schemeClr val="bg1"/>
-                </a:solidFill>
-                <a:effectLst/>
-                <a:latin typeface="Consolas" panose="020B0609020204030204" pitchFamily="49" charset="0"/>
-              </a:rPr>
-              <a:t>src</a:t>
-            </a:r>
-            <a:r>
-              <a:rPr lang="en-IN" sz="2000" b="0" dirty="0">
-                <a:solidFill>
-                  <a:schemeClr val="bg1"/>
-                </a:solidFill>
-                <a:effectLst/>
-                <a:latin typeface="Consolas" panose="020B0609020204030204" pitchFamily="49" charset="0"/>
-              </a:rPr>
-              <a:t>="https://cdn.jsdelivr.net/</a:t>
-            </a:r>
-            <a:r>
-              <a:rPr lang="en-IN" sz="2000" b="0" dirty="0" err="1">
-                <a:solidFill>
-                  <a:schemeClr val="bg1"/>
-                </a:solidFill>
-                <a:effectLst/>
-                <a:latin typeface="Consolas" panose="020B0609020204030204" pitchFamily="49" charset="0"/>
-              </a:rPr>
-              <a:t>npm</a:t>
-            </a:r>
-            <a:r>
-              <a:rPr lang="en-IN" sz="2000" b="0" dirty="0">
-                <a:solidFill>
-                  <a:schemeClr val="bg1"/>
-                </a:solidFill>
-                <a:effectLst/>
-                <a:latin typeface="Consolas" panose="020B0609020204030204" pitchFamily="49" charset="0"/>
-              </a:rPr>
-              <a:t>/</a:t>
-            </a:r>
-            <a:r>
-              <a:rPr lang="en-IN" sz="2000" b="0" dirty="0" err="1">
-                <a:solidFill>
-                  <a:schemeClr val="bg1"/>
-                </a:solidFill>
-                <a:effectLst/>
-                <a:latin typeface="Consolas" panose="020B0609020204030204" pitchFamily="49" charset="0"/>
-              </a:rPr>
-              <a:t>axios</a:t>
-            </a:r>
-            <a:r>
-              <a:rPr lang="en-IN" sz="2000" b="0" dirty="0">
-                <a:solidFill>
-                  <a:schemeClr val="bg1"/>
-                </a:solidFill>
-                <a:effectLst/>
-                <a:latin typeface="Consolas" panose="020B0609020204030204" pitchFamily="49" charset="0"/>
-              </a:rPr>
-              <a:t>/</a:t>
-            </a:r>
-            <a:r>
-              <a:rPr lang="en-IN" sz="2000" b="0" dirty="0" err="1">
-                <a:solidFill>
-                  <a:schemeClr val="bg1"/>
-                </a:solidFill>
-                <a:effectLst/>
-                <a:latin typeface="Consolas" panose="020B0609020204030204" pitchFamily="49" charset="0"/>
-              </a:rPr>
-              <a:t>dist</a:t>
-            </a:r>
-            <a:r>
-              <a:rPr lang="en-IN" sz="2000" b="0" dirty="0">
-                <a:solidFill>
-                  <a:schemeClr val="bg1"/>
-                </a:solidFill>
-                <a:effectLst/>
-                <a:latin typeface="Consolas" panose="020B0609020204030204" pitchFamily="49" charset="0"/>
-              </a:rPr>
-              <a:t>/axios.min.js"&gt;&lt;/script&gt;</a:t>
-            </a:r>
-          </a:p>
-          <a:p>
-            <a:r>
-              <a:rPr lang="en-IN" sz="2000" b="0" dirty="0">
-                <a:solidFill>
-                  <a:schemeClr val="bg1"/>
-                </a:solidFill>
-                <a:effectLst/>
-                <a:latin typeface="Consolas" panose="020B0609020204030204" pitchFamily="49" charset="0"/>
-              </a:rPr>
-              <a:t>	&lt;script&gt;</a:t>
-            </a:r>
-          </a:p>
-          <a:p>
-            <a:r>
-              <a:rPr lang="en-IN" sz="2000" b="0" dirty="0">
-                <a:solidFill>
-                  <a:schemeClr val="bg1"/>
-                </a:solidFill>
-                <a:effectLst/>
-                <a:latin typeface="Consolas" panose="020B0609020204030204" pitchFamily="49" charset="0"/>
-              </a:rPr>
-              <a:t>        </a:t>
-            </a:r>
-            <a:r>
-              <a:rPr lang="en-IN" sz="2000" b="0" dirty="0" err="1">
-                <a:solidFill>
-                  <a:schemeClr val="bg1"/>
-                </a:solidFill>
-                <a:effectLst/>
-                <a:latin typeface="Consolas" panose="020B0609020204030204" pitchFamily="49" charset="0"/>
-              </a:rPr>
-              <a:t>axios.get</a:t>
-            </a:r>
-            <a:r>
-              <a:rPr lang="en-IN" sz="2000" b="0" dirty="0">
-                <a:solidFill>
-                  <a:schemeClr val="bg1"/>
-                </a:solidFill>
-                <a:effectLst/>
-                <a:latin typeface="Consolas" panose="020B0609020204030204" pitchFamily="49" charset="0"/>
-              </a:rPr>
-              <a:t>('https://isro.vercel.app/api/spacecrafts')</a:t>
-            </a:r>
-          </a:p>
-          <a:p>
-            <a:r>
-              <a:rPr lang="en-IN" sz="2000" b="0" dirty="0">
-                <a:solidFill>
-                  <a:schemeClr val="bg1"/>
-                </a:solidFill>
-                <a:effectLst/>
-                <a:latin typeface="Consolas" panose="020B0609020204030204" pitchFamily="49" charset="0"/>
-              </a:rPr>
-              <a:t>        .then(function(res){</a:t>
-            </a:r>
-          </a:p>
-          <a:p>
-            <a:r>
-              <a:rPr lang="en-IN" sz="2000" b="0" dirty="0">
-                <a:solidFill>
-                  <a:schemeClr val="bg1"/>
-                </a:solidFill>
-                <a:effectLst/>
-                <a:latin typeface="Consolas" panose="020B0609020204030204" pitchFamily="49" charset="0"/>
-              </a:rPr>
-              <a:t>            console.log(</a:t>
-            </a:r>
-            <a:r>
-              <a:rPr lang="en-IN" sz="2000" b="0" dirty="0" err="1">
-                <a:solidFill>
-                  <a:schemeClr val="bg1"/>
-                </a:solidFill>
-                <a:effectLst/>
-                <a:latin typeface="Consolas" panose="020B0609020204030204" pitchFamily="49" charset="0"/>
-              </a:rPr>
-              <a:t>res.data</a:t>
-            </a:r>
-            <a:r>
-              <a:rPr lang="en-IN" sz="2000" b="0" dirty="0">
-                <a:solidFill>
-                  <a:schemeClr val="bg1"/>
-                </a:solidFill>
-                <a:effectLst/>
-                <a:latin typeface="Consolas" panose="020B0609020204030204" pitchFamily="49" charset="0"/>
-              </a:rPr>
-              <a:t>);</a:t>
-            </a:r>
-          </a:p>
-          <a:p>
-            <a:r>
-              <a:rPr lang="en-IN" sz="2000" b="0" dirty="0">
-                <a:solidFill>
-                  <a:schemeClr val="bg1"/>
-                </a:solidFill>
-                <a:effectLst/>
-                <a:latin typeface="Consolas" panose="020B0609020204030204" pitchFamily="49" charset="0"/>
-              </a:rPr>
-              <a:t>        })</a:t>
-            </a:r>
-          </a:p>
-          <a:p>
-            <a:r>
-              <a:rPr lang="en-IN" sz="2000" b="0" dirty="0">
-                <a:solidFill>
-                  <a:schemeClr val="bg1"/>
-                </a:solidFill>
-                <a:effectLst/>
-                <a:latin typeface="Consolas" panose="020B0609020204030204" pitchFamily="49" charset="0"/>
-              </a:rPr>
-              <a:t>        .catch(function(err){</a:t>
-            </a:r>
-          </a:p>
-          <a:p>
-            <a:r>
-              <a:rPr lang="en-IN" sz="2000" b="0" dirty="0">
-                <a:solidFill>
-                  <a:schemeClr val="bg1"/>
-                </a:solidFill>
-                <a:effectLst/>
-                <a:latin typeface="Consolas" panose="020B0609020204030204" pitchFamily="49" charset="0"/>
-              </a:rPr>
-              <a:t>            console.log(err);</a:t>
-            </a:r>
-          </a:p>
-          <a:p>
-            <a:r>
-              <a:rPr lang="en-IN" sz="2000" b="0" dirty="0">
-                <a:solidFill>
-                  <a:schemeClr val="bg1"/>
-                </a:solidFill>
-                <a:effectLst/>
-                <a:latin typeface="Consolas" panose="020B0609020204030204" pitchFamily="49" charset="0"/>
-              </a:rPr>
-              <a:t>        })</a:t>
-            </a:r>
-          </a:p>
-          <a:p>
-            <a:r>
-              <a:rPr lang="en-IN" sz="2000" dirty="0">
-                <a:solidFill>
-                  <a:schemeClr val="bg1"/>
-                </a:solidFill>
-                <a:latin typeface="Consolas" panose="020B0609020204030204" pitchFamily="49" charset="0"/>
-              </a:rPr>
-              <a:t>	&lt;/script&gt;</a:t>
-            </a:r>
-            <a:endParaRPr lang="en-IN" sz="2000" b="0" dirty="0">
-              <a:solidFill>
-                <a:schemeClr val="bg1"/>
-              </a:solidFill>
-              <a:effectLst/>
-              <a:latin typeface="Consolas" panose="020B0609020204030204" pitchFamily="49" charset="0"/>
-            </a:endParaRPr>
-          </a:p>
-          <a:p>
-            <a:r>
-              <a:rPr lang="en-US" sz="2800" kern="0" dirty="0">
-                <a:latin typeface="+mj-lt"/>
-                <a:cs typeface="Calibri Light" panose="020F0302020204030204" pitchFamily="34" charset="0"/>
-                <a:sym typeface="Wingdings" panose="05000000000000000000" pitchFamily="2" charset="2"/>
-              </a:rPr>
-              <a:t></a:t>
-            </a:r>
-            <a:r>
-              <a:rPr lang="en-US" sz="2800" kern="0" dirty="0" err="1">
-                <a:latin typeface="+mj-lt"/>
-                <a:cs typeface="Calibri Light" panose="020F0302020204030204" pitchFamily="34" charset="0"/>
-                <a:sym typeface="Wingdings" panose="05000000000000000000" pitchFamily="2" charset="2"/>
-              </a:rPr>
-              <a:t>Axios</a:t>
-            </a:r>
-            <a:r>
-              <a:rPr lang="en-US" sz="2800" kern="0" dirty="0">
-                <a:latin typeface="+mj-lt"/>
-                <a:cs typeface="Calibri Light" panose="020F0302020204030204" pitchFamily="34" charset="0"/>
-                <a:sym typeface="Wingdings" panose="05000000000000000000" pitchFamily="2" charset="2"/>
-              </a:rPr>
-              <a:t> put pressure on servers so using fetch is better when data is limited.</a:t>
+                <a:latin typeface="+mn-lt"/>
+                <a:cs typeface="Calibri Light" panose="020F0302020204030204" pitchFamily="34" charset="0"/>
+                <a:sym typeface="Wingdings" panose="05000000000000000000" pitchFamily="2" charset="2"/>
+              </a:rPr>
+              <a:t>2. Fetch: (Part of browser and returns a promise)</a:t>
+            </a:r>
+          </a:p>
+          <a:p>
+            <a:r>
+              <a:rPr lang="en-US" sz="2000" kern="0" dirty="0">
+                <a:latin typeface="Consolas" panose="020B0609020204030204" pitchFamily="49" charset="0"/>
+                <a:cs typeface="Calibri Light" panose="020F0302020204030204" pitchFamily="34" charset="0"/>
+                <a:sym typeface="Wingdings" panose="05000000000000000000" pitchFamily="2" charset="2"/>
+              </a:rPr>
+              <a:t>fetch(‘</a:t>
+            </a:r>
+            <a:r>
+              <a:rPr lang="en-US" sz="2000" kern="0" dirty="0" err="1">
+                <a:latin typeface="Consolas" panose="020B0609020204030204" pitchFamily="49" charset="0"/>
+                <a:cs typeface="Calibri Light" panose="020F0302020204030204" pitchFamily="34" charset="0"/>
+                <a:sym typeface="Wingdings" panose="05000000000000000000" pitchFamily="2" charset="2"/>
+              </a:rPr>
+              <a:t>api_url</a:t>
+            </a:r>
+            <a:r>
+              <a:rPr lang="en-US" sz="2000" kern="0" dirty="0">
+                <a:latin typeface="Consolas" panose="020B0609020204030204" pitchFamily="49" charset="0"/>
+                <a:cs typeface="Calibri Light" panose="020F0302020204030204" pitchFamily="34" charset="0"/>
+                <a:sym typeface="Wingdings" panose="05000000000000000000" pitchFamily="2" charset="2"/>
+              </a:rPr>
+              <a:t>’)</a:t>
+            </a:r>
+          </a:p>
+          <a:p>
+            <a:r>
+              <a:rPr lang="en-US" sz="2000" kern="0" dirty="0">
+                <a:latin typeface="Consolas" panose="020B0609020204030204" pitchFamily="49" charset="0"/>
+                <a:cs typeface="Calibri Light" panose="020F0302020204030204" pitchFamily="34" charset="0"/>
+                <a:sym typeface="Wingdings" panose="05000000000000000000" pitchFamily="2" charset="2"/>
+              </a:rPr>
+              <a:t>.then(function(response)){</a:t>
+            </a:r>
+          </a:p>
+          <a:p>
+            <a:r>
+              <a:rPr lang="en-US" sz="2000" kern="0" dirty="0">
+                <a:latin typeface="Consolas" panose="020B0609020204030204" pitchFamily="49" charset="0"/>
+                <a:cs typeface="Calibri Light" panose="020F0302020204030204" pitchFamily="34" charset="0"/>
+                <a:sym typeface="Wingdings" panose="05000000000000000000" pitchFamily="2" charset="2"/>
+              </a:rPr>
+              <a:t>	return </a:t>
+            </a:r>
+            <a:r>
+              <a:rPr lang="en-US" sz="2000" kern="0" dirty="0" err="1">
+                <a:latin typeface="Consolas" panose="020B0609020204030204" pitchFamily="49" charset="0"/>
+                <a:cs typeface="Calibri Light" panose="020F0302020204030204" pitchFamily="34" charset="0"/>
+                <a:sym typeface="Wingdings" panose="05000000000000000000" pitchFamily="2" charset="2"/>
+              </a:rPr>
+              <a:t>response.json</a:t>
+            </a:r>
+            <a:r>
+              <a:rPr lang="en-US" sz="2000" kern="0" dirty="0">
+                <a:latin typeface="Consolas" panose="020B0609020204030204" pitchFamily="49" charset="0"/>
+                <a:cs typeface="Calibri Light" panose="020F0302020204030204" pitchFamily="34" charset="0"/>
+                <a:sym typeface="Wingdings" panose="05000000000000000000" pitchFamily="2" charset="2"/>
+              </a:rPr>
+              <a:t>(); // this also returns a promise thus we can use .then</a:t>
+            </a:r>
+          </a:p>
+          <a:p>
+            <a:r>
+              <a:rPr lang="en-US" sz="2000" kern="0" dirty="0">
+                <a:latin typeface="Consolas" panose="020B0609020204030204" pitchFamily="49" charset="0"/>
+                <a:cs typeface="Calibri Light" panose="020F0302020204030204" pitchFamily="34" charset="0"/>
+                <a:sym typeface="Wingdings" panose="05000000000000000000" pitchFamily="2" charset="2"/>
+              </a:rPr>
+              <a:t>}) 	</a:t>
+            </a:r>
+          </a:p>
+          <a:p>
+            <a:r>
+              <a:rPr lang="en-US" sz="2000" kern="0" dirty="0">
+                <a:latin typeface="Consolas" panose="020B0609020204030204" pitchFamily="49" charset="0"/>
+                <a:cs typeface="Calibri Light" panose="020F0302020204030204" pitchFamily="34" charset="0"/>
+                <a:sym typeface="Wingdings" panose="05000000000000000000" pitchFamily="2" charset="2"/>
+              </a:rPr>
+              <a:t>	.then(function(data){//to resolve </a:t>
+            </a:r>
+          </a:p>
+          <a:p>
+            <a:r>
+              <a:rPr lang="en-US" sz="2000" kern="0" dirty="0">
+                <a:latin typeface="Consolas" panose="020B0609020204030204" pitchFamily="49" charset="0"/>
+                <a:cs typeface="Calibri Light" panose="020F0302020204030204" pitchFamily="34" charset="0"/>
+                <a:sym typeface="Wingdings" panose="05000000000000000000" pitchFamily="2" charset="2"/>
+              </a:rPr>
+              <a:t>		log(data)</a:t>
+            </a:r>
+          </a:p>
+          <a:p>
+            <a:r>
+              <a:rPr lang="en-US" sz="2000" kern="0" dirty="0">
+                <a:latin typeface="Consolas" panose="020B0609020204030204" pitchFamily="49" charset="0"/>
+                <a:cs typeface="Calibri Light" panose="020F0302020204030204" pitchFamily="34" charset="0"/>
+                <a:sym typeface="Wingdings" panose="05000000000000000000" pitchFamily="2" charset="2"/>
+              </a:rPr>
+              <a:t>	})</a:t>
             </a:r>
           </a:p>
           <a:p>
@@ -24198,12 +23901,73 @@
               <a:sym typeface="Wingdings" panose="05000000000000000000" pitchFamily="2" charset="2"/>
             </a:endParaRPr>
           </a:p>
+          <a:p>
+            <a:r>
+              <a:rPr lang="en-US" sz="2000" kern="0" dirty="0">
+                <a:latin typeface="Consolas" panose="020B0609020204030204" pitchFamily="49" charset="0"/>
+                <a:cs typeface="Calibri Light" panose="020F0302020204030204" pitchFamily="34" charset="0"/>
+                <a:sym typeface="Wingdings" panose="05000000000000000000" pitchFamily="2" charset="2"/>
+              </a:rPr>
+              <a:t>.catch(function(err)){</a:t>
+            </a:r>
+          </a:p>
+          <a:p>
+            <a:r>
+              <a:rPr lang="en-US" sz="2000" kern="0" dirty="0">
+                <a:latin typeface="Consolas" panose="020B0609020204030204" pitchFamily="49" charset="0"/>
+                <a:cs typeface="Calibri Light" panose="020F0302020204030204" pitchFamily="34" charset="0"/>
+                <a:sym typeface="Wingdings" panose="05000000000000000000" pitchFamily="2" charset="2"/>
+              </a:rPr>
+              <a:t>	log(err);</a:t>
+            </a:r>
+          </a:p>
+          <a:p>
+            <a:r>
+              <a:rPr lang="en-US" sz="2000" kern="0" dirty="0">
+                <a:latin typeface="Consolas" panose="020B0609020204030204" pitchFamily="49" charset="0"/>
+                <a:cs typeface="Calibri Light" panose="020F0302020204030204" pitchFamily="34" charset="0"/>
+                <a:sym typeface="Wingdings" panose="05000000000000000000" pitchFamily="2" charset="2"/>
+              </a:rPr>
+              <a:t>})</a:t>
+            </a:r>
+          </a:p>
+          <a:p>
+            <a:r>
+              <a:rPr lang="en-US" sz="2000" kern="0" dirty="0">
+                <a:latin typeface="Consolas" panose="020B0609020204030204" pitchFamily="49" charset="0"/>
+                <a:cs typeface="Calibri Light" panose="020F0302020204030204" pitchFamily="34" charset="0"/>
+                <a:sym typeface="Wingdings" panose="05000000000000000000" pitchFamily="2" charset="2"/>
+              </a:rPr>
+              <a:t>It returns small chunks of data </a:t>
+            </a:r>
+          </a:p>
+          <a:p>
+            <a:endParaRPr lang="en-US" sz="2800" kern="0" dirty="0">
+              <a:latin typeface="+mj-lt"/>
+              <a:cs typeface="Calibri Light" panose="020F0302020204030204" pitchFamily="34" charset="0"/>
+              <a:sym typeface="Wingdings" panose="05000000000000000000" pitchFamily="2" charset="2"/>
+            </a:endParaRPr>
+          </a:p>
+          <a:p>
+            <a:endParaRPr lang="en-US" sz="2800" kern="0" dirty="0">
+              <a:latin typeface="+mj-lt"/>
+              <a:cs typeface="Calibri Light" panose="020F0302020204030204" pitchFamily="34" charset="0"/>
+              <a:sym typeface="Wingdings" panose="05000000000000000000" pitchFamily="2" charset="2"/>
+            </a:endParaRPr>
+          </a:p>
+          <a:p>
+            <a:endParaRPr lang="en-US" sz="2000" kern="0" dirty="0">
+              <a:latin typeface="Consolas" panose="020B0609020204030204" pitchFamily="49" charset="0"/>
+              <a:cs typeface="Calibri Light" panose="020F0302020204030204" pitchFamily="34" charset="0"/>
+              <a:sym typeface="Wingdings" panose="05000000000000000000" pitchFamily="2" charset="2"/>
+            </a:endParaRPr>
+          </a:p>
         </p:txBody>
       </p:sp>
     </p:spTree>
     <p:extLst>
       <p:ext uri="{BB962C8B-B14F-4D97-AF65-F5344CB8AC3E}">
-        <p14:creationId xmlns:p14="http://schemas.microsoft.com/office/powerpoint/2010/main" val="1526179317"/>
+        <p14:creationId xmlns:p14="http://schemas.microsoft.com/office/powerpoint/2010/main" val="1537312366"/>
       </p:ext>
     </p:extLst>
   </p:cSld>
@@ -24313,7 +24077,39 @@
                 <a:cs typeface="Calibri Light" panose="020F0302020204030204" pitchFamily="34" charset="0"/>
                 <a:sym typeface="Wingdings" panose="05000000000000000000" pitchFamily="2" charset="2"/>
               </a:rPr>
-              <a:t>Task Project ( Movie Search WebApp)</a:t>
+              <a:t>AJAX (</a:t>
+            </a:r>
+            <a:r>
+              <a:rPr lang="en-US" sz="3200" kern="0" dirty="0">
+                <a:latin typeface="+mn-lt"/>
+                <a:cs typeface="Calibri Light" panose="020F0302020204030204" pitchFamily="34" charset="0"/>
+                <a:sym typeface="Wingdings" panose="05000000000000000000" pitchFamily="2" charset="2"/>
+              </a:rPr>
+              <a:t>Asynchronous </a:t>
+            </a:r>
+            <a:r>
+              <a:rPr lang="en-US" sz="3200" kern="0" dirty="0" err="1">
+                <a:latin typeface="+mn-lt"/>
+                <a:cs typeface="Calibri Light" panose="020F0302020204030204" pitchFamily="34" charset="0"/>
+                <a:sym typeface="Wingdings" panose="05000000000000000000" pitchFamily="2" charset="2"/>
+              </a:rPr>
+              <a:t>Javascript</a:t>
+            </a:r>
+            <a:r>
+              <a:rPr lang="en-US" sz="3200" kern="0" dirty="0">
+                <a:latin typeface="+mn-lt"/>
+                <a:cs typeface="Calibri Light" panose="020F0302020204030204" pitchFamily="34" charset="0"/>
+                <a:sym typeface="Wingdings" panose="05000000000000000000" pitchFamily="2" charset="2"/>
+              </a:rPr>
+              <a:t> and XML</a:t>
+            </a:r>
+            <a:r>
+              <a:rPr lang="en-US" sz="3600" kern="0" dirty="0">
+                <a:latin typeface="+mn-lt"/>
+                <a:cs typeface="Calibri Light" panose="020F0302020204030204" pitchFamily="34" charset="0"/>
+                <a:sym typeface="Wingdings" panose="05000000000000000000" pitchFamily="2" charset="2"/>
+              </a:rPr>
+              <a:t>)</a:t>
             </a:r>
           </a:p>
         </p:txBody>
@@ -24364,7 +24160,7 @@
         <p:spPr>
           <a:xfrm>
             <a:off x="457200" y="762000"/>
-            <a:ext cx="11621728" cy="5182829"/>
+            <a:ext cx="11621728" cy="4690387"/>
           </a:xfrm>
           <a:prstGeom prst="rect">
             <a:avLst/>
@@ -24387,6 +24183,525 @@
             </a:lvl1pPr>
           </a:lstStyle>
           <a:p>
+            <a:r>
+              <a:rPr lang="en-US" sz="2800" kern="0" dirty="0">
+                <a:latin typeface="+mj-lt"/>
+                <a:cs typeface="Calibri Light" panose="020F0302020204030204" pitchFamily="34" charset="0"/>
+                <a:sym typeface="Wingdings" panose="05000000000000000000" pitchFamily="2" charset="2"/>
+              </a:rPr>
+              <a:t>3.Axios : (3</a:t>
+            </a:r>
+            <a:r>
+              <a:rPr lang="en-US" sz="2800" kern="0" baseline="30000" dirty="0">
+                <a:latin typeface="+mj-lt"/>
+                <a:cs typeface="Calibri Light" panose="020F0302020204030204" pitchFamily="34" charset="0"/>
+                <a:sym typeface="Wingdings" panose="05000000000000000000" pitchFamily="2" charset="2"/>
+              </a:rPr>
+              <a:t>rd</a:t>
+            </a:r>
+            <a:r>
+              <a:rPr lang="en-US" sz="2800" kern="0" dirty="0">
+                <a:latin typeface="+mj-lt"/>
+                <a:cs typeface="Calibri Light" panose="020F0302020204030204" pitchFamily="34" charset="0"/>
+                <a:sym typeface="Wingdings" panose="05000000000000000000" pitchFamily="2" charset="2"/>
+              </a:rPr>
+              <a:t> party , It also returns a promise)</a:t>
+            </a:r>
+          </a:p>
+          <a:p>
+            <a:r>
+              <a:rPr lang="en-US" sz="2800" kern="0" dirty="0">
+                <a:latin typeface="+mj-lt"/>
+                <a:cs typeface="Calibri Light" panose="020F0302020204030204" pitchFamily="34" charset="0"/>
+                <a:sym typeface="Wingdings" panose="05000000000000000000" pitchFamily="2" charset="2"/>
+              </a:rPr>
+              <a:t> include the </a:t>
+            </a:r>
+            <a:r>
+              <a:rPr lang="en-US" sz="2800" kern="0" dirty="0" err="1">
+                <a:latin typeface="+mj-lt"/>
+                <a:cs typeface="Calibri Light" panose="020F0302020204030204" pitchFamily="34" charset="0"/>
+                <a:sym typeface="Wingdings" panose="05000000000000000000" pitchFamily="2" charset="2"/>
+              </a:rPr>
+              <a:t>cdn</a:t>
+            </a:r>
+            <a:r>
+              <a:rPr lang="en-US" sz="2800" kern="0" dirty="0">
+                <a:latin typeface="+mj-lt"/>
+                <a:cs typeface="Calibri Light" panose="020F0302020204030204" pitchFamily="34" charset="0"/>
+                <a:sym typeface="Wingdings" panose="05000000000000000000" pitchFamily="2" charset="2"/>
+              </a:rPr>
+              <a:t>:</a:t>
+            </a:r>
+          </a:p>
+          <a:p>
+            <a:r>
+              <a:rPr lang="en-IN" sz="2000" b="0" dirty="0">
+                <a:solidFill>
+                  <a:schemeClr val="bg1"/>
+                </a:solidFill>
+                <a:effectLst/>
+                <a:latin typeface="Consolas" panose="020B0609020204030204" pitchFamily="49" charset="0"/>
+              </a:rPr>
+              <a:t>&lt;script </a:t>
+            </a:r>
+            <a:r>
+              <a:rPr lang="en-IN" sz="2000" b="0" dirty="0" err="1">
+                <a:solidFill>
+                  <a:schemeClr val="bg1"/>
+                </a:solidFill>
+                <a:effectLst/>
+                <a:latin typeface="Consolas" panose="020B0609020204030204" pitchFamily="49" charset="0"/>
+              </a:rPr>
+              <a:t>src</a:t>
+            </a:r>
+            <a:r>
+              <a:rPr lang="en-IN" sz="2000" b="0" dirty="0">
+                <a:solidFill>
+                  <a:schemeClr val="bg1"/>
+                </a:solidFill>
+                <a:effectLst/>
+                <a:latin typeface="Consolas" panose="020B0609020204030204" pitchFamily="49" charset="0"/>
+              </a:rPr>
+              <a:t>="https://cdn.jsdelivr.net/</a:t>
+            </a:r>
+            <a:r>
+              <a:rPr lang="en-IN" sz="2000" b="0" dirty="0" err="1">
+                <a:solidFill>
+                  <a:schemeClr val="bg1"/>
+                </a:solidFill>
+                <a:effectLst/>
+                <a:latin typeface="Consolas" panose="020B0609020204030204" pitchFamily="49" charset="0"/>
+              </a:rPr>
+              <a:t>npm</a:t>
+            </a:r>
+            <a:r>
+              <a:rPr lang="en-IN" sz="2000" b="0" dirty="0">
+                <a:solidFill>
+                  <a:schemeClr val="bg1"/>
+                </a:solidFill>
+                <a:effectLst/>
+                <a:latin typeface="Consolas" panose="020B0609020204030204" pitchFamily="49" charset="0"/>
+              </a:rPr>
+              <a:t>/</a:t>
+            </a:r>
+            <a:r>
+              <a:rPr lang="en-IN" sz="2000" b="0" dirty="0" err="1">
+                <a:solidFill>
+                  <a:schemeClr val="bg1"/>
+                </a:solidFill>
+                <a:effectLst/>
+                <a:latin typeface="Consolas" panose="020B0609020204030204" pitchFamily="49" charset="0"/>
+              </a:rPr>
+              <a:t>axios</a:t>
+            </a:r>
+            <a:r>
+              <a:rPr lang="en-IN" sz="2000" b="0" dirty="0">
+                <a:solidFill>
+                  <a:schemeClr val="bg1"/>
+                </a:solidFill>
+                <a:effectLst/>
+                <a:latin typeface="Consolas" panose="020B0609020204030204" pitchFamily="49" charset="0"/>
+              </a:rPr>
+              <a:t>/</a:t>
+            </a:r>
+            <a:r>
+              <a:rPr lang="en-IN" sz="2000" b="0" dirty="0" err="1">
+                <a:solidFill>
+                  <a:schemeClr val="bg1"/>
+                </a:solidFill>
+                <a:effectLst/>
+                <a:latin typeface="Consolas" panose="020B0609020204030204" pitchFamily="49" charset="0"/>
+              </a:rPr>
+              <a:t>dist</a:t>
+            </a:r>
+            <a:r>
+              <a:rPr lang="en-IN" sz="2000" b="0" dirty="0">
+                <a:solidFill>
+                  <a:schemeClr val="bg1"/>
+                </a:solidFill>
+                <a:effectLst/>
+                <a:latin typeface="Consolas" panose="020B0609020204030204" pitchFamily="49" charset="0"/>
+              </a:rPr>
+              <a:t>/axios.min.js"&gt;&lt;/script&gt;</a:t>
+            </a:r>
+          </a:p>
+          <a:p>
+            <a:r>
+              <a:rPr lang="en-IN" sz="2000" b="0" dirty="0">
+                <a:solidFill>
+                  <a:schemeClr val="bg1"/>
+                </a:solidFill>
+                <a:effectLst/>
+                <a:latin typeface="Consolas" panose="020B0609020204030204" pitchFamily="49" charset="0"/>
+              </a:rPr>
+              <a:t>	&lt;script&gt;</a:t>
+            </a:r>
+          </a:p>
+          <a:p>
+            <a:r>
+              <a:rPr lang="en-IN" sz="2000" b="0" dirty="0">
+                <a:solidFill>
+                  <a:schemeClr val="bg1"/>
+                </a:solidFill>
+                <a:effectLst/>
+                <a:latin typeface="Consolas" panose="020B0609020204030204" pitchFamily="49" charset="0"/>
+              </a:rPr>
+              <a:t>        </a:t>
+            </a:r>
+            <a:r>
+              <a:rPr lang="en-IN" sz="2000" b="0" dirty="0" err="1">
+                <a:solidFill>
+                  <a:schemeClr val="bg1"/>
+                </a:solidFill>
+                <a:effectLst/>
+                <a:latin typeface="Consolas" panose="020B0609020204030204" pitchFamily="49" charset="0"/>
+              </a:rPr>
+              <a:t>axios.get</a:t>
+            </a:r>
+            <a:r>
+              <a:rPr lang="en-IN" sz="2000" b="0" dirty="0">
+                <a:solidFill>
+                  <a:schemeClr val="bg1"/>
+                </a:solidFill>
+                <a:effectLst/>
+                <a:latin typeface="Consolas" panose="020B0609020204030204" pitchFamily="49" charset="0"/>
+              </a:rPr>
+              <a:t>('https://isro.vercel.app/api/spacecrafts')</a:t>
+            </a:r>
+          </a:p>
+          <a:p>
+            <a:r>
+              <a:rPr lang="en-IN" sz="2000" b="0" dirty="0">
+                <a:solidFill>
+                  <a:schemeClr val="bg1"/>
+                </a:solidFill>
+                <a:effectLst/>
+                <a:latin typeface="Consolas" panose="020B0609020204030204" pitchFamily="49" charset="0"/>
+              </a:rPr>
+              <a:t>        .then(function(res){</a:t>
+            </a:r>
+          </a:p>
+          <a:p>
+            <a:r>
+              <a:rPr lang="en-IN" sz="2000" b="0" dirty="0">
+                <a:solidFill>
+                  <a:schemeClr val="bg1"/>
+                </a:solidFill>
+                <a:effectLst/>
+                <a:latin typeface="Consolas" panose="020B0609020204030204" pitchFamily="49" charset="0"/>
+              </a:rPr>
+              <a:t>            console.log(</a:t>
+            </a:r>
+            <a:r>
+              <a:rPr lang="en-IN" sz="2000" b="0" dirty="0" err="1">
+                <a:solidFill>
+                  <a:schemeClr val="bg1"/>
+                </a:solidFill>
+                <a:effectLst/>
+                <a:latin typeface="Consolas" panose="020B0609020204030204" pitchFamily="49" charset="0"/>
+              </a:rPr>
+              <a:t>res.data</a:t>
+            </a:r>
+            <a:r>
+              <a:rPr lang="en-IN" sz="2000" b="0" dirty="0">
+                <a:solidFill>
+                  <a:schemeClr val="bg1"/>
+                </a:solidFill>
+                <a:effectLst/>
+                <a:latin typeface="Consolas" panose="020B0609020204030204" pitchFamily="49" charset="0"/>
+              </a:rPr>
+              <a:t>);</a:t>
+            </a:r>
+          </a:p>
+          <a:p>
+            <a:r>
+              <a:rPr lang="en-IN" sz="2000" b="0" dirty="0">
+                <a:solidFill>
+                  <a:schemeClr val="bg1"/>
+                </a:solidFill>
+                <a:effectLst/>
+                <a:latin typeface="Consolas" panose="020B0609020204030204" pitchFamily="49" charset="0"/>
+              </a:rPr>
+              <a:t>        })</a:t>
+            </a:r>
+          </a:p>
+          <a:p>
+            <a:r>
+              <a:rPr lang="en-IN" sz="2000" b="0" dirty="0">
+                <a:solidFill>
+                  <a:schemeClr val="bg1"/>
+                </a:solidFill>
+                <a:effectLst/>
+                <a:latin typeface="Consolas" panose="020B0609020204030204" pitchFamily="49" charset="0"/>
+              </a:rPr>
+              <a:t>        .catch(function(err){</a:t>
+            </a:r>
+          </a:p>
+          <a:p>
+            <a:r>
+              <a:rPr lang="en-IN" sz="2000" b="0" dirty="0">
+                <a:solidFill>
+                  <a:schemeClr val="bg1"/>
+                </a:solidFill>
+                <a:effectLst/>
+                <a:latin typeface="Consolas" panose="020B0609020204030204" pitchFamily="49" charset="0"/>
+              </a:rPr>
+              <a:t>            console.log(err);</a:t>
+            </a:r>
+          </a:p>
+          <a:p>
+            <a:r>
+              <a:rPr lang="en-IN" sz="2000" b="0" dirty="0">
+                <a:solidFill>
+                  <a:schemeClr val="bg1"/>
+                </a:solidFill>
+                <a:effectLst/>
+                <a:latin typeface="Consolas" panose="020B0609020204030204" pitchFamily="49" charset="0"/>
+              </a:rPr>
+              <a:t>        })</a:t>
+            </a:r>
+          </a:p>
+          <a:p>
+            <a:r>
+              <a:rPr lang="en-IN" sz="2000" dirty="0">
+                <a:solidFill>
+                  <a:schemeClr val="bg1"/>
+                </a:solidFill>
+                <a:latin typeface="Consolas" panose="020B0609020204030204" pitchFamily="49" charset="0"/>
+              </a:rPr>
+              <a:t>	&lt;/script&gt;</a:t>
+            </a:r>
+            <a:endParaRPr lang="en-IN" sz="2000" b="0" dirty="0">
+              <a:solidFill>
+                <a:schemeClr val="bg1"/>
+              </a:solidFill>
+              <a:effectLst/>
+              <a:latin typeface="Consolas" panose="020B0609020204030204" pitchFamily="49" charset="0"/>
+            </a:endParaRPr>
+          </a:p>
+          <a:p>
+            <a:r>
+              <a:rPr lang="en-US" sz="2800" kern="0" dirty="0">
+                <a:latin typeface="+mj-lt"/>
+                <a:cs typeface="Calibri Light" panose="020F0302020204030204" pitchFamily="34" charset="0"/>
+                <a:sym typeface="Wingdings" panose="05000000000000000000" pitchFamily="2" charset="2"/>
+              </a:rPr>
+              <a:t></a:t>
+            </a:r>
+            <a:r>
+              <a:rPr lang="en-US" sz="2800" kern="0" dirty="0" err="1">
+                <a:latin typeface="+mj-lt"/>
+                <a:cs typeface="Calibri Light" panose="020F0302020204030204" pitchFamily="34" charset="0"/>
+                <a:sym typeface="Wingdings" panose="05000000000000000000" pitchFamily="2" charset="2"/>
+              </a:rPr>
+              <a:t>Axios</a:t>
+            </a:r>
+            <a:r>
+              <a:rPr lang="en-US" sz="2800" kern="0" dirty="0">
+                <a:latin typeface="+mj-lt"/>
+                <a:cs typeface="Calibri Light" panose="020F0302020204030204" pitchFamily="34" charset="0"/>
+                <a:sym typeface="Wingdings" panose="05000000000000000000" pitchFamily="2" charset="2"/>
+              </a:rPr>
+              <a:t> put pressure on servers so using fetch is better when data is limited.</a:t>
+            </a:r>
+          </a:p>
+          <a:p>
+            <a:endParaRPr lang="en-US" sz="2000" kern="0" dirty="0">
+              <a:latin typeface="Consolas" panose="020B0609020204030204" pitchFamily="49" charset="0"/>
+              <a:cs typeface="Calibri Light" panose="020F0302020204030204" pitchFamily="34" charset="0"/>
+              <a:sym typeface="Wingdings" panose="05000000000000000000" pitchFamily="2" charset="2"/>
+            </a:endParaRPr>
+          </a:p>
+        </p:txBody>
+      </p:sp>
+    </p:spTree>
+    <p:extLst>
+      <p:ext uri="{BB962C8B-B14F-4D97-AF65-F5344CB8AC3E}">
+        <p14:creationId xmlns:p14="http://schemas.microsoft.com/office/powerpoint/2010/main" val="1526179317"/>
+      </p:ext>
+    </p:extLst>
+  </p:cSld>
+  <p:clrMapOvr>
+    <a:masterClrMapping/>
+  </p:clrMapOvr>
+</p:sld>
+</file>
+
+<file path=ppt/slides/slide55.xml><?xml version="1.0" encoding="utf-8"?>
+<p:sld xmlns:a="http://schemas.openxmlformats.org/drawingml/2006/main" xmlns:r="http://schemas.openxmlformats.org/officeDocument/2006/relationships" xmlns:p="http://schemas.openxmlformats.org/presentationml/2006/main">
+  <p:cSld>
+    <p:spTree>
+      <p:nvGrpSpPr>
+        <p:cNvPr id="1" name=""/>
+        <p:cNvGrpSpPr/>
+        <p:nvPr/>
+      </p:nvGrpSpPr>
+      <p:grpSpPr>
+        <a:xfrm>
+          <a:off x="0" y="0"/>
+          <a:ext cx="0" cy="0"/>
+          <a:chOff x="0" y="0"/>
+          <a:chExt cx="0" cy="0"/>
+        </a:xfrm>
+      </p:grpSpPr>
+      <p:sp>
+        <p:nvSpPr>
+          <p:cNvPr id="2" name="object 2"/>
+          <p:cNvSpPr/>
+          <p:nvPr/>
+        </p:nvSpPr>
+        <p:spPr>
+          <a:xfrm>
+            <a:off x="-36871" y="-36871"/>
+            <a:ext cx="12191999" cy="7118601"/>
+          </a:xfrm>
+          <a:prstGeom prst="rect">
+            <a:avLst/>
+          </a:prstGeom>
+          <a:blipFill>
+            <a:blip r:embed="rId2" cstate="print"/>
+            <a:stretch>
+              <a:fillRect/>
+            </a:stretch>
+          </a:blipFill>
+        </p:spPr>
+        <p:txBody>
+          <a:bodyPr wrap="square" lIns="0" tIns="0" rIns="0" bIns="0" rtlCol="0"/>
+          <a:lstStyle/>
+          <a:p>
+            <a:endParaRPr b="1" dirty="0">
+              <a:ln w="13462">
+                <a:solidFill>
+                  <a:schemeClr val="bg1"/>
+                </a:solidFill>
+                <a:prstDash val="solid"/>
+              </a:ln>
+              <a:solidFill>
+                <a:schemeClr val="tx1">
+                  <a:lumMod val="85000"/>
+                  <a:lumOff val="15000"/>
+                </a:schemeClr>
+              </a:solidFill>
+              <a:effectLst>
+                <a:outerShdw dist="38100" dir="2700000" algn="bl" rotWithShape="0">
+                  <a:schemeClr val="accent5"/>
+                </a:outerShdw>
+              </a:effectLst>
+            </a:endParaRPr>
+          </a:p>
+        </p:txBody>
+      </p:sp>
+      <p:sp>
+        <p:nvSpPr>
+          <p:cNvPr id="3" name="object 3"/>
+          <p:cNvSpPr txBox="1">
+            <a:spLocks noGrp="1"/>
+          </p:cNvSpPr>
+          <p:nvPr>
+            <p:ph type="title"/>
+          </p:nvPr>
+        </p:nvSpPr>
+        <p:spPr>
+          <a:xfrm>
+            <a:off x="481685" y="228600"/>
+            <a:ext cx="8967115" cy="566181"/>
+          </a:xfrm>
+          <a:prstGeom prst="rect">
+            <a:avLst/>
+          </a:prstGeom>
+        </p:spPr>
+        <p:txBody>
+          <a:bodyPr vert="horz" wrap="square" lIns="0" tIns="12065" rIns="0" bIns="0" rtlCol="0">
+            <a:spAutoFit/>
+          </a:bodyPr>
+          <a:lstStyle/>
+          <a:p>
+            <a:pPr marL="12700">
+              <a:spcBef>
+                <a:spcPts val="95"/>
+              </a:spcBef>
+            </a:pPr>
+            <a:r>
+              <a:rPr lang="en-US" sz="3600" kern="0" dirty="0">
+                <a:latin typeface="+mn-lt"/>
+                <a:cs typeface="Calibri Light" panose="020F0302020204030204" pitchFamily="34" charset="0"/>
+                <a:sym typeface="Wingdings" panose="05000000000000000000" pitchFamily="2" charset="2"/>
+              </a:rPr>
+              <a:t>Task Project ( Movie Search WebApp)</a:t>
+            </a:r>
+          </a:p>
+        </p:txBody>
+      </p:sp>
+      <p:sp>
+        <p:nvSpPr>
+          <p:cNvPr id="5" name="object 5"/>
+          <p:cNvSpPr/>
+          <p:nvPr/>
+        </p:nvSpPr>
+        <p:spPr>
+          <a:xfrm>
+            <a:off x="9816083" y="262127"/>
+            <a:ext cx="1976627" cy="822960"/>
+          </a:xfrm>
+          <a:prstGeom prst="rect">
+            <a:avLst/>
+          </a:prstGeom>
+          <a:blipFill>
+            <a:blip r:embed="rId3" cstate="print"/>
+            <a:stretch>
+              <a:fillRect/>
+            </a:stretch>
+          </a:blipFill>
+        </p:spPr>
+        <p:txBody>
+          <a:bodyPr wrap="square" lIns="0" tIns="0" rIns="0" bIns="0" rtlCol="0"/>
+          <a:lstStyle/>
+          <a:p>
+            <a:endParaRPr/>
+          </a:p>
+        </p:txBody>
+      </p:sp>
+      <p:sp>
+        <p:nvSpPr>
+          <p:cNvPr id="4" name="object 3">
+            <a:extLst>
+              <a:ext uri="{FF2B5EF4-FFF2-40B4-BE49-F238E27FC236}">
+                <a16:creationId xmlns:a16="http://schemas.microsoft.com/office/drawing/2014/main" id="{1ED9D45B-4B0D-FC76-3A8C-E89F6CD72254}"/>
+              </a:ext>
+            </a:extLst>
+          </p:cNvPr>
+          <p:cNvSpPr txBox="1">
+            <a:spLocks/>
+          </p:cNvSpPr>
+          <p:nvPr/>
+        </p:nvSpPr>
+        <p:spPr>
+          <a:xfrm>
+            <a:off x="457200" y="762000"/>
+            <a:ext cx="11621728" cy="5182829"/>
+          </a:xfrm>
+          <a:prstGeom prst="rect">
+            <a:avLst/>
+          </a:prstGeom>
+        </p:spPr>
+        <p:txBody>
+          <a:bodyPr vert="horz" wrap="square" lIns="0" tIns="12065" rIns="0" bIns="0" rtlCol="0">
+            <a:spAutoFit/>
+          </a:bodyPr>
+          <a:lstStyle>
+            <a:lvl1pPr>
+              <a:defRPr sz="6000" b="0" i="0">
+                <a:solidFill>
+                  <a:srgbClr val="E7E6E6"/>
+                </a:solidFill>
+                <a:latin typeface="Trebuchet MS"/>
+                <a:ea typeface="+mj-ea"/>
+                <a:cs typeface="Trebuchet MS"/>
+              </a:defRPr>
+            </a:lvl1pPr>
+          </a:lstStyle>
+          <a:p>
             <a:pPr marL="457200" indent="-457200">
               <a:buAutoNum type="arabicPeriod"/>
             </a:pPr>
@@ -24635,7 +24950,7 @@
 </p:sld>
 </file>
 
-<file path=ppt/slides/slide55.xml><?xml version="1.0" encoding="utf-8"?>
+<file path=ppt/slides/slide56.xml><?xml version="1.0" encoding="utf-8"?>
 <p:sld xmlns:a="http://schemas.openxmlformats.org/drawingml/2006/main" xmlns:r="http://schemas.openxmlformats.org/officeDocument/2006/relationships" xmlns:p="http://schemas.openxmlformats.org/presentationml/2006/main">
   <p:cSld>
     <p:spTree>
